--- a/pics/2021-01-05-confidence_interval/pics.pptx
+++ b/pics/2021-01-05-confidence_interval/pics.pptx
@@ -6,6 +6,7 @@
   </p:sldMasterIdLst>
   <p:sldIdLst>
     <p:sldId id="256" r:id="rId2"/>
+    <p:sldId id="257" r:id="rId3"/>
   </p:sldIdLst>
   <p:sldSz cx="9144000" cy="5143500" type="screen16x9"/>
   <p:notesSz cx="6858000" cy="9144000"/>
@@ -3469,8 +3470,8 @@
           </a:fontRef>
         </p:style>
       </p:cxnSp>
-      <mc:AlternateContent xmlns:mc="http://schemas.openxmlformats.org/markup-compatibility/2006">
-        <mc:Choice xmlns:a14="http://schemas.microsoft.com/office/drawing/2010/main" Requires="a14">
+      <mc:AlternateContent xmlns:mc="http://schemas.openxmlformats.org/markup-compatibility/2006" xmlns:a14="http://schemas.microsoft.com/office/drawing/2010/main">
+        <mc:Choice Requires="a14">
           <p:sp>
             <p:nvSpPr>
               <p:cNvPr id="19" name="TextBox 18"/>
@@ -3493,6 +3494,7 @@
               </a:bodyPr>
               <a:lstStyle/>
               <a:p>
+                <a:pPr/>
                 <a14:m>
                   <m:oMathPara xmlns:m="http://schemas.openxmlformats.org/officeDocument/2006/math">
                     <m:oMathParaPr>
@@ -3519,7 +3521,7 @@
             </p:txBody>
           </p:sp>
         </mc:Choice>
-        <mc:Fallback>
+        <mc:Fallback xmlns="">
           <p:sp>
             <p:nvSpPr>
               <p:cNvPr id="19" name="TextBox 18"/>
@@ -3695,6 +3697,100 @@
     <p:extLst>
       <p:ext uri="{BB962C8B-B14F-4D97-AF65-F5344CB8AC3E}">
         <p14:creationId xmlns:p14="http://schemas.microsoft.com/office/powerpoint/2010/main" val="175497740"/>
+      </p:ext>
+    </p:extLst>
+  </p:cSld>
+  <p:clrMapOvr>
+    <a:masterClrMapping/>
+  </p:clrMapOvr>
+</p:sld>
+</file>
+
+<file path=ppt/slides/slide2.xml><?xml version="1.0" encoding="utf-8"?>
+<p:sld xmlns:a="http://schemas.openxmlformats.org/drawingml/2006/main" xmlns:r="http://schemas.openxmlformats.org/officeDocument/2006/relationships" xmlns:p="http://schemas.openxmlformats.org/presentationml/2006/main">
+  <p:cSld>
+    <p:spTree>
+      <p:nvGrpSpPr>
+        <p:cNvPr id="1" name=""/>
+        <p:cNvGrpSpPr/>
+        <p:nvPr/>
+      </p:nvGrpSpPr>
+      <p:grpSpPr>
+        <a:xfrm>
+          <a:off x="0" y="0"/>
+          <a:ext cx="0" cy="0"/>
+          <a:chOff x="0" y="0"/>
+          <a:chExt cx="0" cy="0"/>
+        </a:xfrm>
+      </p:grpSpPr>
+      <p:pic>
+        <p:nvPicPr>
+          <p:cNvPr id="1026" name="Picture 2"/>
+          <p:cNvPicPr>
+            <a:picLocks noChangeAspect="1" noChangeArrowheads="1"/>
+          </p:cNvPicPr>
+          <p:nvPr/>
+        </p:nvPicPr>
+        <p:blipFill>
+          <a:blip r:embed="rId2">
+            <a:extLst>
+              <a:ext uri="{28A0092B-C50C-407E-A947-70E740481C1C}">
+                <a14:useLocalDpi xmlns:a14="http://schemas.microsoft.com/office/drawing/2010/main" val="0"/>
+              </a:ext>
+            </a:extLst>
+          </a:blip>
+          <a:srcRect/>
+          <a:stretch>
+            <a:fillRect/>
+          </a:stretch>
+        </p:blipFill>
+        <p:spPr bwMode="auto">
+          <a:xfrm>
+            <a:off x="-540568" y="786712"/>
+            <a:ext cx="10225136" cy="3573252"/>
+          </a:xfrm>
+          <a:prstGeom prst="rect">
+            <a:avLst/>
+          </a:prstGeom>
+          <a:noFill/>
+          <a:ln>
+            <a:noFill/>
+          </a:ln>
+          <a:effectLst/>
+          <a:extLst>
+            <a:ext uri="{909E8E84-426E-40DD-AFC4-6F175D3DCCD1}">
+              <a14:hiddenFill xmlns:a14="http://schemas.microsoft.com/office/drawing/2010/main">
+                <a:solidFill>
+                  <a:schemeClr val="accent1"/>
+                </a:solidFill>
+              </a14:hiddenFill>
+            </a:ext>
+            <a:ext uri="{91240B29-F687-4F45-9708-019B960494DF}">
+              <a14:hiddenLine xmlns:a14="http://schemas.microsoft.com/office/drawing/2010/main" w="9525">
+                <a:solidFill>
+                  <a:schemeClr val="tx1"/>
+                </a:solidFill>
+                <a:miter lim="800000"/>
+                <a:headEnd/>
+                <a:tailEnd/>
+              </a14:hiddenLine>
+            </a:ext>
+            <a:ext uri="{AF507438-7753-43E0-B8FC-AC1667EBCBE1}">
+              <a14:hiddenEffects xmlns:a14="http://schemas.microsoft.com/office/drawing/2010/main">
+                <a:effectLst>
+                  <a:outerShdw dist="35921" dir="2700000" algn="ctr" rotWithShape="0">
+                    <a:schemeClr val="bg2"/>
+                  </a:outerShdw>
+                </a:effectLst>
+              </a14:hiddenEffects>
+            </a:ext>
+          </a:extLst>
+        </p:spPr>
+      </p:pic>
+    </p:spTree>
+    <p:extLst>
+      <p:ext uri="{BB962C8B-B14F-4D97-AF65-F5344CB8AC3E}">
+        <p14:creationId xmlns:p14="http://schemas.microsoft.com/office/powerpoint/2010/main" val="1003621041"/>
       </p:ext>
     </p:extLst>
   </p:cSld>

--- a/pics/2021-01-05-confidence_interval/pics.pptx
+++ b/pics/2021-01-05-confidence_interval/pics.pptx
@@ -289,7 +289,7 @@
           <a:p>
             <a:fld id="{52082F2F-C111-4C40-8D6F-6E5A50198C2A}" type="datetimeFigureOut">
               <a:rPr lang="ko-KR" altLang="en-US" smtClean="0"/>
-              <a:t>2021-01-06</a:t>
+              <a:t>2021-01-07</a:t>
             </a:fld>
             <a:endParaRPr lang="ko-KR" altLang="en-US"/>
           </a:p>
@@ -459,7 +459,7 @@
           <a:p>
             <a:fld id="{52082F2F-C111-4C40-8D6F-6E5A50198C2A}" type="datetimeFigureOut">
               <a:rPr lang="ko-KR" altLang="en-US" smtClean="0"/>
-              <a:t>2021-01-06</a:t>
+              <a:t>2021-01-07</a:t>
             </a:fld>
             <a:endParaRPr lang="ko-KR" altLang="en-US"/>
           </a:p>
@@ -639,7 +639,7 @@
           <a:p>
             <a:fld id="{52082F2F-C111-4C40-8D6F-6E5A50198C2A}" type="datetimeFigureOut">
               <a:rPr lang="ko-KR" altLang="en-US" smtClean="0"/>
-              <a:t>2021-01-06</a:t>
+              <a:t>2021-01-07</a:t>
             </a:fld>
             <a:endParaRPr lang="ko-KR" altLang="en-US"/>
           </a:p>
@@ -809,7 +809,7 @@
           <a:p>
             <a:fld id="{52082F2F-C111-4C40-8D6F-6E5A50198C2A}" type="datetimeFigureOut">
               <a:rPr lang="ko-KR" altLang="en-US" smtClean="0"/>
-              <a:t>2021-01-06</a:t>
+              <a:t>2021-01-07</a:t>
             </a:fld>
             <a:endParaRPr lang="ko-KR" altLang="en-US"/>
           </a:p>
@@ -1055,7 +1055,7 @@
           <a:p>
             <a:fld id="{52082F2F-C111-4C40-8D6F-6E5A50198C2A}" type="datetimeFigureOut">
               <a:rPr lang="ko-KR" altLang="en-US" smtClean="0"/>
-              <a:t>2021-01-06</a:t>
+              <a:t>2021-01-07</a:t>
             </a:fld>
             <a:endParaRPr lang="ko-KR" altLang="en-US"/>
           </a:p>
@@ -1343,7 +1343,7 @@
           <a:p>
             <a:fld id="{52082F2F-C111-4C40-8D6F-6E5A50198C2A}" type="datetimeFigureOut">
               <a:rPr lang="ko-KR" altLang="en-US" smtClean="0"/>
-              <a:t>2021-01-06</a:t>
+              <a:t>2021-01-07</a:t>
             </a:fld>
             <a:endParaRPr lang="ko-KR" altLang="en-US"/>
           </a:p>
@@ -1770,7 +1770,7 @@
           <a:p>
             <a:fld id="{52082F2F-C111-4C40-8D6F-6E5A50198C2A}" type="datetimeFigureOut">
               <a:rPr lang="ko-KR" altLang="en-US" smtClean="0"/>
-              <a:t>2021-01-06</a:t>
+              <a:t>2021-01-07</a:t>
             </a:fld>
             <a:endParaRPr lang="ko-KR" altLang="en-US"/>
           </a:p>
@@ -1888,7 +1888,7 @@
           <a:p>
             <a:fld id="{52082F2F-C111-4C40-8D6F-6E5A50198C2A}" type="datetimeFigureOut">
               <a:rPr lang="ko-KR" altLang="en-US" smtClean="0"/>
-              <a:t>2021-01-06</a:t>
+              <a:t>2021-01-07</a:t>
             </a:fld>
             <a:endParaRPr lang="ko-KR" altLang="en-US"/>
           </a:p>
@@ -1983,7 +1983,7 @@
           <a:p>
             <a:fld id="{52082F2F-C111-4C40-8D6F-6E5A50198C2A}" type="datetimeFigureOut">
               <a:rPr lang="ko-KR" altLang="en-US" smtClean="0"/>
-              <a:t>2021-01-06</a:t>
+              <a:t>2021-01-07</a:t>
             </a:fld>
             <a:endParaRPr lang="ko-KR" altLang="en-US"/>
           </a:p>
@@ -2260,7 +2260,7 @@
           <a:p>
             <a:fld id="{52082F2F-C111-4C40-8D6F-6E5A50198C2A}" type="datetimeFigureOut">
               <a:rPr lang="ko-KR" altLang="en-US" smtClean="0"/>
-              <a:t>2021-01-06</a:t>
+              <a:t>2021-01-07</a:t>
             </a:fld>
             <a:endParaRPr lang="ko-KR" altLang="en-US"/>
           </a:p>
@@ -2513,7 +2513,7 @@
           <a:p>
             <a:fld id="{52082F2F-C111-4C40-8D6F-6E5A50198C2A}" type="datetimeFigureOut">
               <a:rPr lang="ko-KR" altLang="en-US" smtClean="0"/>
-              <a:t>2021-01-06</a:t>
+              <a:t>2021-01-07</a:t>
             </a:fld>
             <a:endParaRPr lang="ko-KR" altLang="en-US"/>
           </a:p>
@@ -2726,7 +2726,7 @@
           <a:p>
             <a:fld id="{52082F2F-C111-4C40-8D6F-6E5A50198C2A}" type="datetimeFigureOut">
               <a:rPr lang="ko-KR" altLang="en-US" smtClean="0"/>
-              <a:t>2021-01-06</a:t>
+              <a:t>2021-01-07</a:t>
             </a:fld>
             <a:endParaRPr lang="ko-KR" altLang="en-US"/>
           </a:p>
@@ -3103,7 +3103,7 @@
       </p:grpSpPr>
       <p:pic>
         <p:nvPicPr>
-          <p:cNvPr id="30" name="Picture 4"/>
+          <p:cNvPr id="1027" name="Picture 3"/>
           <p:cNvPicPr>
             <a:picLocks noChangeAspect="1" noChangeArrowheads="1"/>
           </p:cNvPicPr>
@@ -3124,8 +3124,8 @@
         </p:blipFill>
         <p:spPr bwMode="auto">
           <a:xfrm>
-            <a:off x="5364088" y="1347614"/>
-            <a:ext cx="3324225" cy="2276475"/>
+            <a:off x="5239000" y="1203598"/>
+            <a:ext cx="3686554" cy="2524604"/>
           </a:xfrm>
           <a:prstGeom prst="rect">
             <a:avLst/>
@@ -3165,70 +3165,6 @@
           </a:extLst>
         </p:spPr>
       </p:pic>
-      <p:pic>
-        <p:nvPicPr>
-          <p:cNvPr id="1026" name="Picture 2"/>
-          <p:cNvPicPr>
-            <a:picLocks noChangeAspect="1" noChangeArrowheads="1"/>
-          </p:cNvPicPr>
-          <p:nvPr/>
-        </p:nvPicPr>
-        <p:blipFill>
-          <a:blip r:embed="rId3">
-            <a:extLst>
-              <a:ext uri="{28A0092B-C50C-407E-A947-70E740481C1C}">
-                <a14:useLocalDpi xmlns:a14="http://schemas.microsoft.com/office/drawing/2010/main" val="0"/>
-              </a:ext>
-            </a:extLst>
-          </a:blip>
-          <a:srcRect/>
-          <a:stretch>
-            <a:fillRect/>
-          </a:stretch>
-        </p:blipFill>
-        <p:spPr bwMode="auto">
-          <a:xfrm>
-            <a:off x="611560" y="915566"/>
-            <a:ext cx="3913239" cy="2933179"/>
-          </a:xfrm>
-          <a:prstGeom prst="rect">
-            <a:avLst/>
-          </a:prstGeom>
-          <a:noFill/>
-          <a:ln>
-            <a:noFill/>
-          </a:ln>
-          <a:effectLst/>
-          <a:extLst>
-            <a:ext uri="{909E8E84-426E-40DD-AFC4-6F175D3DCCD1}">
-              <a14:hiddenFill xmlns:a14="http://schemas.microsoft.com/office/drawing/2010/main">
-                <a:solidFill>
-                  <a:schemeClr val="accent1"/>
-                </a:solidFill>
-              </a14:hiddenFill>
-            </a:ext>
-            <a:ext uri="{91240B29-F687-4F45-9708-019B960494DF}">
-              <a14:hiddenLine xmlns:a14="http://schemas.microsoft.com/office/drawing/2010/main" w="9525">
-                <a:solidFill>
-                  <a:schemeClr val="tx1"/>
-                </a:solidFill>
-                <a:miter lim="800000"/>
-                <a:headEnd/>
-                <a:tailEnd/>
-              </a14:hiddenLine>
-            </a:ext>
-            <a:ext uri="{AF507438-7753-43E0-B8FC-AC1667EBCBE1}">
-              <a14:hiddenEffects xmlns:a14="http://schemas.microsoft.com/office/drawing/2010/main">
-                <a:effectLst>
-                  <a:outerShdw dist="35921" dir="2700000" algn="ctr" rotWithShape="0">
-                    <a:schemeClr val="bg2"/>
-                  </a:outerShdw>
-                </a:effectLst>
-              </a14:hiddenEffects>
-            </a:ext>
-          </a:extLst>
-        </p:spPr>
-      </p:pic>
       <p:sp>
         <p:nvSpPr>
           <p:cNvPr id="5" name="오른쪽 화살표 4"/>
@@ -3307,8 +3243,8 @@
         </p:nvSpPr>
         <p:spPr>
           <a:xfrm>
-            <a:off x="6583462" y="1521718"/>
-            <a:ext cx="792088" cy="1694140"/>
+            <a:off x="6754734" y="1397316"/>
+            <a:ext cx="553611" cy="1867277"/>
           </a:xfrm>
           <a:prstGeom prst="rect">
             <a:avLst/>
@@ -3349,16 +3285,16 @@
       </p:sp>
       <p:grpSp>
         <p:nvGrpSpPr>
-          <p:cNvPr id="20" name="그룹 19"/>
+          <p:cNvPr id="4" name="그룹 3"/>
           <p:cNvGrpSpPr/>
           <p:nvPr/>
         </p:nvGrpSpPr>
         <p:grpSpPr>
           <a:xfrm>
-            <a:off x="6969286" y="1203598"/>
-            <a:ext cx="406264" cy="534144"/>
-            <a:chOff x="6969286" y="555526"/>
-            <a:chExt cx="406264" cy="966192"/>
+            <a:off x="6791019" y="1038554"/>
+            <a:ext cx="237046" cy="534144"/>
+            <a:chOff x="6791019" y="1033792"/>
+            <a:chExt cx="237046" cy="534144"/>
           </a:xfrm>
         </p:grpSpPr>
         <p:cxnSp>
@@ -3369,8 +3305,8 @@
           </p:nvCxnSpPr>
           <p:spPr>
             <a:xfrm flipV="1">
-              <a:off x="6969286" y="555526"/>
-              <a:ext cx="0" cy="966192"/>
+              <a:off x="7028065" y="1033792"/>
+              <a:ext cx="0" cy="534144"/>
             </a:xfrm>
             <a:prstGeom prst="line">
               <a:avLst/>
@@ -3399,23 +3335,23 @@
         </p:cxnSp>
         <p:cxnSp>
           <p:nvCxnSpPr>
-            <p:cNvPr id="12" name="직선 연결선 11"/>
+            <p:cNvPr id="11" name="직선 화살표 연결선 10"/>
             <p:cNvCxnSpPr/>
             <p:nvPr/>
           </p:nvCxnSpPr>
           <p:spPr>
-            <a:xfrm flipV="1">
-              <a:off x="7375550" y="555526"/>
-              <a:ext cx="0" cy="966192"/>
+            <a:xfrm>
+              <a:off x="6791019" y="1177808"/>
+              <a:ext cx="237046" cy="0"/>
             </a:xfrm>
-            <a:prstGeom prst="line">
+            <a:prstGeom prst="straightConnector1">
               <a:avLst/>
             </a:prstGeom>
             <a:ln w="19050">
               <a:solidFill>
                 <a:schemeClr val="tx1"/>
               </a:solidFill>
-              <a:prstDash val="dash"/>
+              <a:tailEnd type="arrow"/>
             </a:ln>
           </p:spPr>
           <p:style>
@@ -3434,44 +3370,8 @@
           </p:style>
         </p:cxnSp>
       </p:grpSp>
-      <p:cxnSp>
-        <p:nvCxnSpPr>
-          <p:cNvPr id="11" name="직선 화살표 연결선 10"/>
-          <p:cNvCxnSpPr/>
-          <p:nvPr/>
-        </p:nvCxnSpPr>
-        <p:spPr>
-          <a:xfrm>
-            <a:off x="6732240" y="1347614"/>
-            <a:ext cx="237046" cy="0"/>
-          </a:xfrm>
-          <a:prstGeom prst="straightConnector1">
-            <a:avLst/>
-          </a:prstGeom>
-          <a:ln w="19050">
-            <a:solidFill>
-              <a:schemeClr val="tx1"/>
-            </a:solidFill>
-            <a:tailEnd type="arrow"/>
-          </a:ln>
-        </p:spPr>
-        <p:style>
-          <a:lnRef idx="1">
-            <a:schemeClr val="accent1"/>
-          </a:lnRef>
-          <a:fillRef idx="0">
-            <a:schemeClr val="accent1"/>
-          </a:fillRef>
-          <a:effectRef idx="0">
-            <a:schemeClr val="accent1"/>
-          </a:effectRef>
-          <a:fontRef idx="minor">
-            <a:schemeClr val="tx1"/>
-          </a:fontRef>
-        </p:style>
-      </p:cxnSp>
-      <mc:AlternateContent xmlns:mc="http://schemas.openxmlformats.org/markup-compatibility/2006" xmlns:a14="http://schemas.microsoft.com/office/drawing/2010/main">
-        <mc:Choice Requires="a14">
+      <mc:AlternateContent xmlns:mc="http://schemas.openxmlformats.org/markup-compatibility/2006">
+        <mc:Choice xmlns:a14="http://schemas.microsoft.com/office/drawing/2010/main" Requires="a14">
           <p:sp>
             <p:nvSpPr>
               <p:cNvPr id="19" name="TextBox 18"/>
@@ -3480,7 +3380,7 @@
             </p:nvSpPr>
             <p:spPr>
               <a:xfrm>
-                <a:off x="6742498" y="987574"/>
+                <a:off x="6732240" y="765940"/>
                 <a:ext cx="816249" cy="276999"/>
               </a:xfrm>
               <a:prstGeom prst="rect">
@@ -3521,7 +3421,7 @@
             </p:txBody>
           </p:sp>
         </mc:Choice>
-        <mc:Fallback xmlns="">
+        <mc:Fallback>
           <p:sp>
             <p:nvSpPr>
               <p:cNvPr id="19" name="TextBox 18"/>
@@ -3532,14 +3432,14 @@
             </p:nvSpPr>
             <p:spPr>
               <a:xfrm>
-                <a:off x="6742498" y="987574"/>
+                <a:off x="6732240" y="765940"/>
                 <a:ext cx="816249" cy="276999"/>
               </a:xfrm>
               <a:prstGeom prst="rect">
                 <a:avLst/>
               </a:prstGeom>
               <a:blipFill rotWithShape="1">
-                <a:blip r:embed="rId4"/>
+                <a:blip r:embed="rId3"/>
                 <a:stretch>
                   <a:fillRect/>
                 </a:stretch>
@@ -3568,8 +3468,8 @@
         </p:nvSpPr>
         <p:spPr>
           <a:xfrm rot="5400000">
-            <a:off x="6909942" y="3379978"/>
-            <a:ext cx="137736" cy="788546"/>
+            <a:off x="6963885" y="3514728"/>
+            <a:ext cx="137736" cy="556037"/>
           </a:xfrm>
           <a:prstGeom prst="rightBrace">
             <a:avLst>
@@ -3657,42 +3557,157 @@
           </a:p>
         </p:txBody>
       </p:sp>
-      <p:cxnSp>
-        <p:nvCxnSpPr>
-          <p:cNvPr id="28" name="직선 화살표 연결선 27"/>
-          <p:cNvCxnSpPr/>
+      <p:grpSp>
+        <p:nvGrpSpPr>
+          <p:cNvPr id="3" name="그룹 2"/>
+          <p:cNvGrpSpPr/>
           <p:nvPr/>
-        </p:nvCxnSpPr>
-        <p:spPr>
-          <a:xfrm flipH="1">
-            <a:off x="7373083" y="1347614"/>
-            <a:ext cx="237046" cy="0"/>
+        </p:nvGrpSpPr>
+        <p:grpSpPr>
+          <a:xfrm>
+            <a:off x="7308304" y="1038554"/>
+            <a:ext cx="237046" cy="534144"/>
+            <a:chOff x="7308304" y="1055618"/>
+            <a:chExt cx="237046" cy="534144"/>
           </a:xfrm>
-          <a:prstGeom prst="straightConnector1">
+        </p:grpSpPr>
+        <p:cxnSp>
+          <p:nvCxnSpPr>
+            <p:cNvPr id="12" name="직선 연결선 11"/>
+            <p:cNvCxnSpPr/>
+            <p:nvPr/>
+          </p:nvCxnSpPr>
+          <p:spPr>
+            <a:xfrm flipV="1">
+              <a:off x="7310771" y="1055618"/>
+              <a:ext cx="0" cy="534144"/>
+            </a:xfrm>
+            <a:prstGeom prst="line">
+              <a:avLst/>
+            </a:prstGeom>
+            <a:ln w="19050">
+              <a:solidFill>
+                <a:schemeClr val="tx1"/>
+              </a:solidFill>
+              <a:prstDash val="dash"/>
+            </a:ln>
+          </p:spPr>
+          <p:style>
+            <a:lnRef idx="1">
+              <a:schemeClr val="accent1"/>
+            </a:lnRef>
+            <a:fillRef idx="0">
+              <a:schemeClr val="accent1"/>
+            </a:fillRef>
+            <a:effectRef idx="0">
+              <a:schemeClr val="accent1"/>
+            </a:effectRef>
+            <a:fontRef idx="minor">
+              <a:schemeClr val="tx1"/>
+            </a:fontRef>
+          </p:style>
+        </p:cxnSp>
+        <p:cxnSp>
+          <p:nvCxnSpPr>
+            <p:cNvPr id="28" name="직선 화살표 연결선 27"/>
+            <p:cNvCxnSpPr/>
+            <p:nvPr/>
+          </p:nvCxnSpPr>
+          <p:spPr>
+            <a:xfrm flipH="1">
+              <a:off x="7308304" y="1199634"/>
+              <a:ext cx="237046" cy="0"/>
+            </a:xfrm>
+            <a:prstGeom prst="straightConnector1">
+              <a:avLst/>
+            </a:prstGeom>
+            <a:ln w="19050">
+              <a:solidFill>
+                <a:schemeClr val="tx1"/>
+              </a:solidFill>
+              <a:tailEnd type="arrow"/>
+            </a:ln>
+          </p:spPr>
+          <p:style>
+            <a:lnRef idx="1">
+              <a:schemeClr val="accent1"/>
+            </a:lnRef>
+            <a:fillRef idx="0">
+              <a:schemeClr val="accent1"/>
+            </a:fillRef>
+            <a:effectRef idx="0">
+              <a:schemeClr val="accent1"/>
+            </a:effectRef>
+            <a:fontRef idx="minor">
+              <a:schemeClr val="tx1"/>
+            </a:fontRef>
+          </p:style>
+        </p:cxnSp>
+      </p:grpSp>
+      <p:pic>
+        <p:nvPicPr>
+          <p:cNvPr id="2" name="Picture 2"/>
+          <p:cNvPicPr>
+            <a:picLocks noChangeAspect="1" noChangeArrowheads="1"/>
+          </p:cNvPicPr>
+          <p:nvPr/>
+        </p:nvPicPr>
+        <p:blipFill>
+          <a:blip r:embed="rId4">
+            <a:extLst>
+              <a:ext uri="{28A0092B-C50C-407E-A947-70E740481C1C}">
+                <a14:useLocalDpi xmlns:a14="http://schemas.microsoft.com/office/drawing/2010/main" val="0"/>
+              </a:ext>
+            </a:extLst>
+          </a:blip>
+          <a:srcRect/>
+          <a:stretch>
+            <a:fillRect/>
+          </a:stretch>
+        </p:blipFill>
+        <p:spPr bwMode="auto">
+          <a:xfrm>
+            <a:off x="107504" y="915567"/>
+            <a:ext cx="4419126" cy="3312368"/>
+          </a:xfrm>
+          <a:prstGeom prst="rect">
             <a:avLst/>
           </a:prstGeom>
-          <a:ln w="19050">
-            <a:solidFill>
-              <a:schemeClr val="tx1"/>
-            </a:solidFill>
-            <a:tailEnd type="arrow"/>
+          <a:noFill/>
+          <a:ln>
+            <a:noFill/>
           </a:ln>
+          <a:effectLst/>
+          <a:extLst>
+            <a:ext uri="{909E8E84-426E-40DD-AFC4-6F175D3DCCD1}">
+              <a14:hiddenFill xmlns:a14="http://schemas.microsoft.com/office/drawing/2010/main">
+                <a:solidFill>
+                  <a:schemeClr val="accent1"/>
+                </a:solidFill>
+              </a14:hiddenFill>
+            </a:ext>
+            <a:ext uri="{91240B29-F687-4F45-9708-019B960494DF}">
+              <a14:hiddenLine xmlns:a14="http://schemas.microsoft.com/office/drawing/2010/main" w="9525">
+                <a:solidFill>
+                  <a:schemeClr val="tx1"/>
+                </a:solidFill>
+                <a:miter lim="800000"/>
+                <a:headEnd/>
+                <a:tailEnd/>
+              </a14:hiddenLine>
+            </a:ext>
+            <a:ext uri="{AF507438-7753-43E0-B8FC-AC1667EBCBE1}">
+              <a14:hiddenEffects xmlns:a14="http://schemas.microsoft.com/office/drawing/2010/main">
+                <a:effectLst>
+                  <a:outerShdw dist="35921" dir="2700000" algn="ctr" rotWithShape="0">
+                    <a:schemeClr val="bg2"/>
+                  </a:outerShdw>
+                </a:effectLst>
+              </a14:hiddenEffects>
+            </a:ext>
+          </a:extLst>
         </p:spPr>
-        <p:style>
-          <a:lnRef idx="1">
-            <a:schemeClr val="accent1"/>
-          </a:lnRef>
-          <a:fillRef idx="0">
-            <a:schemeClr val="accent1"/>
-          </a:fillRef>
-          <a:effectRef idx="0">
-            <a:schemeClr val="accent1"/>
-          </a:effectRef>
-          <a:fontRef idx="minor">
-            <a:schemeClr val="tx1"/>
-          </a:fontRef>
-        </p:style>
-      </p:cxnSp>
+      </p:pic>
     </p:spTree>
     <p:extLst>
       <p:ext uri="{BB962C8B-B14F-4D97-AF65-F5344CB8AC3E}">
@@ -3725,7 +3740,7 @@
       </p:grpSpPr>
       <p:pic>
         <p:nvPicPr>
-          <p:cNvPr id="1026" name="Picture 2"/>
+          <p:cNvPr id="2050" name="Picture 2"/>
           <p:cNvPicPr>
             <a:picLocks noChangeAspect="1" noChangeArrowheads="1"/>
           </p:cNvPicPr>
@@ -3746,8 +3761,8 @@
         </p:blipFill>
         <p:spPr bwMode="auto">
           <a:xfrm>
-            <a:off x="-540568" y="786712"/>
-            <a:ext cx="10225136" cy="3573252"/>
+            <a:off x="-684584" y="736384"/>
+            <a:ext cx="10513168" cy="3673908"/>
           </a:xfrm>
           <a:prstGeom prst="rect">
             <a:avLst/>

--- a/pics/2021-01-05-confidence_interval/pics.pptx
+++ b/pics/2021-01-05-confidence_interval/pics.pptx
@@ -5,8 +5,9 @@
     <p:sldMasterId id="2147483648" r:id="rId1"/>
   </p:sldMasterIdLst>
   <p:sldIdLst>
-    <p:sldId id="256" r:id="rId2"/>
-    <p:sldId id="257" r:id="rId3"/>
+    <p:sldId id="258" r:id="rId2"/>
+    <p:sldId id="256" r:id="rId3"/>
+    <p:sldId id="257" r:id="rId4"/>
   </p:sldIdLst>
   <p:sldSz cx="9144000" cy="5143500" type="screen16x9"/>
   <p:notesSz cx="6858000" cy="9144000"/>
@@ -289,7 +290,7 @@
           <a:p>
             <a:fld id="{52082F2F-C111-4C40-8D6F-6E5A50198C2A}" type="datetimeFigureOut">
               <a:rPr lang="ko-KR" altLang="en-US" smtClean="0"/>
-              <a:t>2021-01-07</a:t>
+              <a:t>2021-01-12</a:t>
             </a:fld>
             <a:endParaRPr lang="ko-KR" altLang="en-US"/>
           </a:p>
@@ -459,7 +460,7 @@
           <a:p>
             <a:fld id="{52082F2F-C111-4C40-8D6F-6E5A50198C2A}" type="datetimeFigureOut">
               <a:rPr lang="ko-KR" altLang="en-US" smtClean="0"/>
-              <a:t>2021-01-07</a:t>
+              <a:t>2021-01-12</a:t>
             </a:fld>
             <a:endParaRPr lang="ko-KR" altLang="en-US"/>
           </a:p>
@@ -639,7 +640,7 @@
           <a:p>
             <a:fld id="{52082F2F-C111-4C40-8D6F-6E5A50198C2A}" type="datetimeFigureOut">
               <a:rPr lang="ko-KR" altLang="en-US" smtClean="0"/>
-              <a:t>2021-01-07</a:t>
+              <a:t>2021-01-12</a:t>
             </a:fld>
             <a:endParaRPr lang="ko-KR" altLang="en-US"/>
           </a:p>
@@ -809,7 +810,7 @@
           <a:p>
             <a:fld id="{52082F2F-C111-4C40-8D6F-6E5A50198C2A}" type="datetimeFigureOut">
               <a:rPr lang="ko-KR" altLang="en-US" smtClean="0"/>
-              <a:t>2021-01-07</a:t>
+              <a:t>2021-01-12</a:t>
             </a:fld>
             <a:endParaRPr lang="ko-KR" altLang="en-US"/>
           </a:p>
@@ -1055,7 +1056,7 @@
           <a:p>
             <a:fld id="{52082F2F-C111-4C40-8D6F-6E5A50198C2A}" type="datetimeFigureOut">
               <a:rPr lang="ko-KR" altLang="en-US" smtClean="0"/>
-              <a:t>2021-01-07</a:t>
+              <a:t>2021-01-12</a:t>
             </a:fld>
             <a:endParaRPr lang="ko-KR" altLang="en-US"/>
           </a:p>
@@ -1343,7 +1344,7 @@
           <a:p>
             <a:fld id="{52082F2F-C111-4C40-8D6F-6E5A50198C2A}" type="datetimeFigureOut">
               <a:rPr lang="ko-KR" altLang="en-US" smtClean="0"/>
-              <a:t>2021-01-07</a:t>
+              <a:t>2021-01-12</a:t>
             </a:fld>
             <a:endParaRPr lang="ko-KR" altLang="en-US"/>
           </a:p>
@@ -1770,7 +1771,7 @@
           <a:p>
             <a:fld id="{52082F2F-C111-4C40-8D6F-6E5A50198C2A}" type="datetimeFigureOut">
               <a:rPr lang="ko-KR" altLang="en-US" smtClean="0"/>
-              <a:t>2021-01-07</a:t>
+              <a:t>2021-01-12</a:t>
             </a:fld>
             <a:endParaRPr lang="ko-KR" altLang="en-US"/>
           </a:p>
@@ -1888,7 +1889,7 @@
           <a:p>
             <a:fld id="{52082F2F-C111-4C40-8D6F-6E5A50198C2A}" type="datetimeFigureOut">
               <a:rPr lang="ko-KR" altLang="en-US" smtClean="0"/>
-              <a:t>2021-01-07</a:t>
+              <a:t>2021-01-12</a:t>
             </a:fld>
             <a:endParaRPr lang="ko-KR" altLang="en-US"/>
           </a:p>
@@ -1983,7 +1984,7 @@
           <a:p>
             <a:fld id="{52082F2F-C111-4C40-8D6F-6E5A50198C2A}" type="datetimeFigureOut">
               <a:rPr lang="ko-KR" altLang="en-US" smtClean="0"/>
-              <a:t>2021-01-07</a:t>
+              <a:t>2021-01-12</a:t>
             </a:fld>
             <a:endParaRPr lang="ko-KR" altLang="en-US"/>
           </a:p>
@@ -2260,7 +2261,7 @@
           <a:p>
             <a:fld id="{52082F2F-C111-4C40-8D6F-6E5A50198C2A}" type="datetimeFigureOut">
               <a:rPr lang="ko-KR" altLang="en-US" smtClean="0"/>
-              <a:t>2021-01-07</a:t>
+              <a:t>2021-01-12</a:t>
             </a:fld>
             <a:endParaRPr lang="ko-KR" altLang="en-US"/>
           </a:p>
@@ -2513,7 +2514,7 @@
           <a:p>
             <a:fld id="{52082F2F-C111-4C40-8D6F-6E5A50198C2A}" type="datetimeFigureOut">
               <a:rPr lang="ko-KR" altLang="en-US" smtClean="0"/>
-              <a:t>2021-01-07</a:t>
+              <a:t>2021-01-12</a:t>
             </a:fld>
             <a:endParaRPr lang="ko-KR" altLang="en-US"/>
           </a:p>
@@ -2726,7 +2727,7 @@
           <a:p>
             <a:fld id="{52082F2F-C111-4C40-8D6F-6E5A50198C2A}" type="datetimeFigureOut">
               <a:rPr lang="ko-KR" altLang="en-US" smtClean="0"/>
-              <a:t>2021-01-07</a:t>
+              <a:t>2021-01-12</a:t>
             </a:fld>
             <a:endParaRPr lang="ko-KR" altLang="en-US"/>
           </a:p>
@@ -3103,6 +3104,246 @@
       </p:grpSpPr>
       <p:pic>
         <p:nvPicPr>
+          <p:cNvPr id="1026" name="Picture 2"/>
+          <p:cNvPicPr>
+            <a:picLocks noChangeAspect="1" noChangeArrowheads="1"/>
+          </p:cNvPicPr>
+          <p:nvPr/>
+        </p:nvPicPr>
+        <p:blipFill>
+          <a:blip r:embed="rId2">
+            <a:extLst>
+              <a:ext uri="{28A0092B-C50C-407E-A947-70E740481C1C}">
+                <a14:useLocalDpi xmlns:a14="http://schemas.microsoft.com/office/drawing/2010/main" val="0"/>
+              </a:ext>
+            </a:extLst>
+          </a:blip>
+          <a:srcRect/>
+          <a:stretch>
+            <a:fillRect/>
+          </a:stretch>
+        </p:blipFill>
+        <p:spPr bwMode="auto">
+          <a:xfrm>
+            <a:off x="21352" y="1131591"/>
+            <a:ext cx="5144500" cy="2880320"/>
+          </a:xfrm>
+          <a:prstGeom prst="rect">
+            <a:avLst/>
+          </a:prstGeom>
+          <a:noFill/>
+          <a:ln>
+            <a:noFill/>
+          </a:ln>
+          <a:effectLst/>
+          <a:extLst>
+            <a:ext uri="{909E8E84-426E-40DD-AFC4-6F175D3DCCD1}">
+              <a14:hiddenFill xmlns:a14="http://schemas.microsoft.com/office/drawing/2010/main">
+                <a:solidFill>
+                  <a:schemeClr val="accent1"/>
+                </a:solidFill>
+              </a14:hiddenFill>
+            </a:ext>
+            <a:ext uri="{91240B29-F687-4F45-9708-019B960494DF}">
+              <a14:hiddenLine xmlns:a14="http://schemas.microsoft.com/office/drawing/2010/main" w="9525">
+                <a:solidFill>
+                  <a:schemeClr val="tx1"/>
+                </a:solidFill>
+                <a:miter lim="800000"/>
+                <a:headEnd/>
+                <a:tailEnd/>
+              </a14:hiddenLine>
+            </a:ext>
+            <a:ext uri="{AF507438-7753-43E0-B8FC-AC1667EBCBE1}">
+              <a14:hiddenEffects xmlns:a14="http://schemas.microsoft.com/office/drawing/2010/main">
+                <a:effectLst>
+                  <a:outerShdw dist="35921" dir="2700000" algn="ctr" rotWithShape="0">
+                    <a:schemeClr val="bg2"/>
+                  </a:outerShdw>
+                </a:effectLst>
+              </a14:hiddenEffects>
+            </a:ext>
+          </a:extLst>
+        </p:spPr>
+      </p:pic>
+      <p:pic>
+        <p:nvPicPr>
+          <p:cNvPr id="5" name="Picture 2"/>
+          <p:cNvPicPr>
+            <a:picLocks noChangeAspect="1" noChangeArrowheads="1"/>
+          </p:cNvPicPr>
+          <p:nvPr/>
+        </p:nvPicPr>
+        <p:blipFill>
+          <a:blip r:embed="rId2">
+            <a:extLst>
+              <a:ext uri="{28A0092B-C50C-407E-A947-70E740481C1C}">
+                <a14:useLocalDpi xmlns:a14="http://schemas.microsoft.com/office/drawing/2010/main" val="0"/>
+              </a:ext>
+            </a:extLst>
+          </a:blip>
+          <a:srcRect/>
+          <a:stretch>
+            <a:fillRect/>
+          </a:stretch>
+        </p:blipFill>
+        <p:spPr bwMode="auto">
+          <a:xfrm>
+            <a:off x="5525892" y="1131591"/>
+            <a:ext cx="3064412" cy="2880320"/>
+          </a:xfrm>
+          <a:prstGeom prst="rect">
+            <a:avLst/>
+          </a:prstGeom>
+          <a:noFill/>
+          <a:ln>
+            <a:noFill/>
+          </a:ln>
+          <a:effectLst/>
+          <a:extLst>
+            <a:ext uri="{909E8E84-426E-40DD-AFC4-6F175D3DCCD1}">
+              <a14:hiddenFill xmlns:a14="http://schemas.microsoft.com/office/drawing/2010/main">
+                <a:solidFill>
+                  <a:schemeClr val="accent1"/>
+                </a:solidFill>
+              </a14:hiddenFill>
+            </a:ext>
+            <a:ext uri="{91240B29-F687-4F45-9708-019B960494DF}">
+              <a14:hiddenLine xmlns:a14="http://schemas.microsoft.com/office/drawing/2010/main" w="9525">
+                <a:solidFill>
+                  <a:schemeClr val="tx1"/>
+                </a:solidFill>
+                <a:miter lim="800000"/>
+                <a:headEnd/>
+                <a:tailEnd/>
+              </a14:hiddenLine>
+            </a:ext>
+            <a:ext uri="{AF507438-7753-43E0-B8FC-AC1667EBCBE1}">
+              <a14:hiddenEffects xmlns:a14="http://schemas.microsoft.com/office/drawing/2010/main">
+                <a:effectLst>
+                  <a:outerShdw dist="35921" dir="2700000" algn="ctr" rotWithShape="0">
+                    <a:schemeClr val="bg2"/>
+                  </a:outerShdw>
+                </a:effectLst>
+              </a14:hiddenEffects>
+            </a:ext>
+          </a:extLst>
+        </p:spPr>
+      </p:pic>
+      <p:pic>
+        <p:nvPicPr>
+          <p:cNvPr id="1029" name="Picture 5" descr="https://static.wikia.nocookie.net/camp_for_bragging_rights/images/0/0e/Stickman.png/revision/latest/scale-to-width-down/768?cb=20200421202819"/>
+          <p:cNvPicPr>
+            <a:picLocks noChangeAspect="1" noChangeArrowheads="1"/>
+          </p:cNvPicPr>
+          <p:nvPr/>
+        </p:nvPicPr>
+        <p:blipFill>
+          <a:blip r:embed="rId3" cstate="print">
+            <a:extLst>
+              <a:ext uri="{28A0092B-C50C-407E-A947-70E740481C1C}">
+                <a14:useLocalDpi xmlns:a14="http://schemas.microsoft.com/office/drawing/2010/main" val="0"/>
+              </a:ext>
+            </a:extLst>
+          </a:blip>
+          <a:srcRect/>
+          <a:stretch>
+            <a:fillRect/>
+          </a:stretch>
+        </p:blipFill>
+        <p:spPr bwMode="auto">
+          <a:xfrm>
+            <a:off x="1564964" y="3082863"/>
+            <a:ext cx="511113" cy="511113"/>
+          </a:xfrm>
+          <a:prstGeom prst="rect">
+            <a:avLst/>
+          </a:prstGeom>
+          <a:noFill/>
+          <a:extLst>
+            <a:ext uri="{909E8E84-426E-40DD-AFC4-6F175D3DCCD1}">
+              <a14:hiddenFill xmlns:a14="http://schemas.microsoft.com/office/drawing/2010/main">
+                <a:solidFill>
+                  <a:srgbClr val="FFFFFF"/>
+                </a:solidFill>
+              </a14:hiddenFill>
+            </a:ext>
+          </a:extLst>
+        </p:spPr>
+      </p:pic>
+      <p:pic>
+        <p:nvPicPr>
+          <p:cNvPr id="1030" name="Picture 6" descr="C:\Users\biosensor1\Documents\카카오톡 받은 파일\KakaoTalk_20210112_172206730.png"/>
+          <p:cNvPicPr>
+            <a:picLocks noChangeAspect="1" noChangeArrowheads="1"/>
+          </p:cNvPicPr>
+          <p:nvPr/>
+        </p:nvPicPr>
+        <p:blipFill>
+          <a:blip r:embed="rId4" cstate="print">
+            <a:extLst>
+              <a:ext uri="{28A0092B-C50C-407E-A947-70E740481C1C}">
+                <a14:useLocalDpi xmlns:a14="http://schemas.microsoft.com/office/drawing/2010/main" val="0"/>
+              </a:ext>
+            </a:extLst>
+          </a:blip>
+          <a:srcRect/>
+          <a:stretch>
+            <a:fillRect/>
+          </a:stretch>
+        </p:blipFill>
+        <p:spPr bwMode="auto">
+          <a:xfrm>
+            <a:off x="1777162" y="3013193"/>
+            <a:ext cx="588253" cy="650451"/>
+          </a:xfrm>
+          <a:prstGeom prst="rect">
+            <a:avLst/>
+          </a:prstGeom>
+          <a:noFill/>
+          <a:extLst>
+            <a:ext uri="{909E8E84-426E-40DD-AFC4-6F175D3DCCD1}">
+              <a14:hiddenFill xmlns:a14="http://schemas.microsoft.com/office/drawing/2010/main">
+                <a:solidFill>
+                  <a:srgbClr val="FFFFFF"/>
+                </a:solidFill>
+              </a14:hiddenFill>
+            </a:ext>
+          </a:extLst>
+        </p:spPr>
+      </p:pic>
+    </p:spTree>
+    <p:extLst>
+      <p:ext uri="{BB962C8B-B14F-4D97-AF65-F5344CB8AC3E}">
+        <p14:creationId xmlns:p14="http://schemas.microsoft.com/office/powerpoint/2010/main" val="1961102853"/>
+      </p:ext>
+    </p:extLst>
+  </p:cSld>
+  <p:clrMapOvr>
+    <a:masterClrMapping/>
+  </p:clrMapOvr>
+</p:sld>
+</file>
+
+<file path=ppt/slides/slide2.xml><?xml version="1.0" encoding="utf-8"?>
+<p:sld xmlns:a="http://schemas.openxmlformats.org/drawingml/2006/main" xmlns:r="http://schemas.openxmlformats.org/officeDocument/2006/relationships" xmlns:p="http://schemas.openxmlformats.org/presentationml/2006/main">
+  <p:cSld>
+    <p:spTree>
+      <p:nvGrpSpPr>
+        <p:cNvPr id="1" name=""/>
+        <p:cNvGrpSpPr/>
+        <p:nvPr/>
+      </p:nvGrpSpPr>
+      <p:grpSpPr>
+        <a:xfrm>
+          <a:off x="0" y="0"/>
+          <a:ext cx="0" cy="0"/>
+          <a:chOff x="0" y="0"/>
+          <a:chExt cx="0" cy="0"/>
+        </a:xfrm>
+      </p:grpSpPr>
+      <p:pic>
+        <p:nvPicPr>
           <p:cNvPr id="1027" name="Picture 3"/>
           <p:cNvPicPr>
             <a:picLocks noChangeAspect="1" noChangeArrowheads="1"/>
@@ -3370,8 +3611,8 @@
           </p:style>
         </p:cxnSp>
       </p:grpSp>
-      <mc:AlternateContent xmlns:mc="http://schemas.openxmlformats.org/markup-compatibility/2006">
-        <mc:Choice xmlns:a14="http://schemas.microsoft.com/office/drawing/2010/main" Requires="a14">
+      <mc:AlternateContent xmlns:mc="http://schemas.openxmlformats.org/markup-compatibility/2006" xmlns:a14="http://schemas.microsoft.com/office/drawing/2010/main">
+        <mc:Choice Requires="a14">
           <p:sp>
             <p:nvSpPr>
               <p:cNvPr id="19" name="TextBox 18"/>
@@ -3421,7 +3662,7 @@
             </p:txBody>
           </p:sp>
         </mc:Choice>
-        <mc:Fallback>
+        <mc:Fallback xmlns="">
           <p:sp>
             <p:nvSpPr>
               <p:cNvPr id="19" name="TextBox 18"/>
@@ -3721,7 +3962,7 @@
 </p:sld>
 </file>
 
-<file path=ppt/slides/slide2.xml><?xml version="1.0" encoding="utf-8"?>
+<file path=ppt/slides/slide3.xml><?xml version="1.0" encoding="utf-8"?>
 <p:sld xmlns:a="http://schemas.openxmlformats.org/drawingml/2006/main" xmlns:r="http://schemas.openxmlformats.org/officeDocument/2006/relationships" xmlns:p="http://schemas.openxmlformats.org/presentationml/2006/main">
   <p:cSld>
     <p:spTree>

--- a/pics/2021-01-05-confidence_interval/pics.pptx
+++ b/pics/2021-01-05-confidence_interval/pics.pptx
@@ -106,6 +106,22 @@
       </a:defRPr>
     </a:lvl9pPr>
   </p:defaultTextStyle>
+  <p:extLst>
+    <p:ext uri="{EFAFB233-063F-42B5-8137-9DF3F51BA10A}">
+      <p15:sldGuideLst xmlns:p15="http://schemas.microsoft.com/office/powerpoint/2012/main">
+        <p15:guide id="1" orient="horz" pos="1620">
+          <p15:clr>
+            <a:srgbClr val="A4A3A4"/>
+          </p15:clr>
+        </p15:guide>
+        <p15:guide id="2" pos="2880">
+          <p15:clr>
+            <a:srgbClr val="A4A3A4"/>
+          </p15:clr>
+        </p15:guide>
+      </p15:sldGuideLst>
+    </p:ext>
+  </p:extLst>
 </p:presentation>
 </file>
 
@@ -147,10 +163,9 @@
           <a:lstStyle/>
           <a:p>
             <a:r>
-              <a:rPr lang="ko-KR" altLang="en-US" smtClean="0"/>
+              <a:rPr lang="ko-KR" altLang="en-US"/>
               <a:t>마스터 제목 스타일 편집</a:t>
             </a:r>
-            <a:endParaRPr lang="ko-KR" altLang="en-US"/>
           </a:p>
         </p:txBody>
       </p:sp>
@@ -266,10 +281,9 @@
           </a:lstStyle>
           <a:p>
             <a:r>
-              <a:rPr lang="ko-KR" altLang="en-US" smtClean="0"/>
+              <a:rPr lang="ko-KR" altLang="en-US"/>
               <a:t>마스터 부제목 스타일 편집</a:t>
             </a:r>
-            <a:endParaRPr lang="ko-KR" altLang="en-US"/>
           </a:p>
         </p:txBody>
       </p:sp>
@@ -384,10 +398,9 @@
           <a:lstStyle/>
           <a:p>
             <a:r>
-              <a:rPr lang="ko-KR" altLang="en-US" smtClean="0"/>
+              <a:rPr lang="ko-KR" altLang="en-US"/>
               <a:t>마스터 제목 스타일 편집</a:t>
             </a:r>
-            <a:endParaRPr lang="ko-KR" altLang="en-US"/>
           </a:p>
         </p:txBody>
       </p:sp>
@@ -408,38 +421,37 @@
           <a:p>
             <a:pPr lvl="0"/>
             <a:r>
-              <a:rPr lang="ko-KR" altLang="en-US" smtClean="0"/>
+              <a:rPr lang="ko-KR" altLang="en-US"/>
               <a:t>마스터 텍스트 스타일을 편집합니다</a:t>
             </a:r>
           </a:p>
           <a:p>
             <a:pPr lvl="1"/>
             <a:r>
-              <a:rPr lang="ko-KR" altLang="en-US" smtClean="0"/>
+              <a:rPr lang="ko-KR" altLang="en-US"/>
               <a:t>둘째 수준</a:t>
             </a:r>
           </a:p>
           <a:p>
             <a:pPr lvl="2"/>
             <a:r>
-              <a:rPr lang="ko-KR" altLang="en-US" smtClean="0"/>
+              <a:rPr lang="ko-KR" altLang="en-US"/>
               <a:t>셋째 수준</a:t>
             </a:r>
           </a:p>
           <a:p>
             <a:pPr lvl="3"/>
             <a:r>
-              <a:rPr lang="ko-KR" altLang="en-US" smtClean="0"/>
+              <a:rPr lang="ko-KR" altLang="en-US"/>
               <a:t>넷째 수준</a:t>
             </a:r>
           </a:p>
           <a:p>
             <a:pPr lvl="4"/>
             <a:r>
-              <a:rPr lang="ko-KR" altLang="en-US" smtClean="0"/>
+              <a:rPr lang="ko-KR" altLang="en-US"/>
               <a:t>다섯째 수준</a:t>
             </a:r>
-            <a:endParaRPr lang="ko-KR" altLang="en-US"/>
           </a:p>
         </p:txBody>
       </p:sp>
@@ -559,10 +571,9 @@
           <a:lstStyle/>
           <a:p>
             <a:r>
-              <a:rPr lang="ko-KR" altLang="en-US" smtClean="0"/>
+              <a:rPr lang="ko-KR" altLang="en-US"/>
               <a:t>마스터 제목 스타일 편집</a:t>
             </a:r>
-            <a:endParaRPr lang="ko-KR" altLang="en-US"/>
           </a:p>
         </p:txBody>
       </p:sp>
@@ -588,38 +599,37 @@
           <a:p>
             <a:pPr lvl="0"/>
             <a:r>
-              <a:rPr lang="ko-KR" altLang="en-US" smtClean="0"/>
+              <a:rPr lang="ko-KR" altLang="en-US"/>
               <a:t>마스터 텍스트 스타일을 편집합니다</a:t>
             </a:r>
           </a:p>
           <a:p>
             <a:pPr lvl="1"/>
             <a:r>
-              <a:rPr lang="ko-KR" altLang="en-US" smtClean="0"/>
+              <a:rPr lang="ko-KR" altLang="en-US"/>
               <a:t>둘째 수준</a:t>
             </a:r>
           </a:p>
           <a:p>
             <a:pPr lvl="2"/>
             <a:r>
-              <a:rPr lang="ko-KR" altLang="en-US" smtClean="0"/>
+              <a:rPr lang="ko-KR" altLang="en-US"/>
               <a:t>셋째 수준</a:t>
             </a:r>
           </a:p>
           <a:p>
             <a:pPr lvl="3"/>
             <a:r>
-              <a:rPr lang="ko-KR" altLang="en-US" smtClean="0"/>
+              <a:rPr lang="ko-KR" altLang="en-US"/>
               <a:t>넷째 수준</a:t>
             </a:r>
           </a:p>
           <a:p>
             <a:pPr lvl="4"/>
             <a:r>
-              <a:rPr lang="ko-KR" altLang="en-US" smtClean="0"/>
+              <a:rPr lang="ko-KR" altLang="en-US"/>
               <a:t>다섯째 수준</a:t>
             </a:r>
-            <a:endParaRPr lang="ko-KR" altLang="en-US"/>
           </a:p>
         </p:txBody>
       </p:sp>
@@ -734,10 +744,9 @@
           <a:lstStyle/>
           <a:p>
             <a:r>
-              <a:rPr lang="ko-KR" altLang="en-US" smtClean="0"/>
+              <a:rPr lang="ko-KR" altLang="en-US"/>
               <a:t>마스터 제목 스타일 편집</a:t>
             </a:r>
-            <a:endParaRPr lang="ko-KR" altLang="en-US"/>
           </a:p>
         </p:txBody>
       </p:sp>
@@ -758,38 +767,37 @@
           <a:p>
             <a:pPr lvl="0"/>
             <a:r>
-              <a:rPr lang="ko-KR" altLang="en-US" smtClean="0"/>
+              <a:rPr lang="ko-KR" altLang="en-US"/>
               <a:t>마스터 텍스트 스타일을 편집합니다</a:t>
             </a:r>
           </a:p>
           <a:p>
             <a:pPr lvl="1"/>
             <a:r>
-              <a:rPr lang="ko-KR" altLang="en-US" smtClean="0"/>
+              <a:rPr lang="ko-KR" altLang="en-US"/>
               <a:t>둘째 수준</a:t>
             </a:r>
           </a:p>
           <a:p>
             <a:pPr lvl="2"/>
             <a:r>
-              <a:rPr lang="ko-KR" altLang="en-US" smtClean="0"/>
+              <a:rPr lang="ko-KR" altLang="en-US"/>
               <a:t>셋째 수준</a:t>
             </a:r>
           </a:p>
           <a:p>
             <a:pPr lvl="3"/>
             <a:r>
-              <a:rPr lang="ko-KR" altLang="en-US" smtClean="0"/>
+              <a:rPr lang="ko-KR" altLang="en-US"/>
               <a:t>넷째 수준</a:t>
             </a:r>
           </a:p>
           <a:p>
             <a:pPr lvl="4"/>
             <a:r>
-              <a:rPr lang="ko-KR" altLang="en-US" smtClean="0"/>
+              <a:rPr lang="ko-KR" altLang="en-US"/>
               <a:t>다섯째 수준</a:t>
             </a:r>
-            <a:endParaRPr lang="ko-KR" altLang="en-US"/>
           </a:p>
         </p:txBody>
       </p:sp>
@@ -913,10 +921,9 @@
           </a:lstStyle>
           <a:p>
             <a:r>
-              <a:rPr lang="ko-KR" altLang="en-US" smtClean="0"/>
+              <a:rPr lang="ko-KR" altLang="en-US"/>
               <a:t>마스터 제목 스타일 편집</a:t>
             </a:r>
-            <a:endParaRPr lang="ko-KR" altLang="en-US"/>
           </a:p>
         </p:txBody>
       </p:sp>
@@ -1033,7 +1040,7 @@
           <a:p>
             <a:pPr lvl="0"/>
             <a:r>
-              <a:rPr lang="ko-KR" altLang="en-US" smtClean="0"/>
+              <a:rPr lang="ko-KR" altLang="en-US"/>
               <a:t>마스터 텍스트 스타일을 편집합니다</a:t>
             </a:r>
           </a:p>
@@ -1150,10 +1157,9 @@
           <a:lstStyle/>
           <a:p>
             <a:r>
-              <a:rPr lang="ko-KR" altLang="en-US" smtClean="0"/>
+              <a:rPr lang="ko-KR" altLang="en-US"/>
               <a:t>마스터 제목 스타일 편집</a:t>
             </a:r>
-            <a:endParaRPr lang="ko-KR" altLang="en-US"/>
           </a:p>
         </p:txBody>
       </p:sp>
@@ -1207,38 +1213,37 @@
           <a:p>
             <a:pPr lvl="0"/>
             <a:r>
-              <a:rPr lang="ko-KR" altLang="en-US" smtClean="0"/>
+              <a:rPr lang="ko-KR" altLang="en-US"/>
               <a:t>마스터 텍스트 스타일을 편집합니다</a:t>
             </a:r>
           </a:p>
           <a:p>
             <a:pPr lvl="1"/>
             <a:r>
-              <a:rPr lang="ko-KR" altLang="en-US" smtClean="0"/>
+              <a:rPr lang="ko-KR" altLang="en-US"/>
               <a:t>둘째 수준</a:t>
             </a:r>
           </a:p>
           <a:p>
             <a:pPr lvl="2"/>
             <a:r>
-              <a:rPr lang="ko-KR" altLang="en-US" smtClean="0"/>
+              <a:rPr lang="ko-KR" altLang="en-US"/>
               <a:t>셋째 수준</a:t>
             </a:r>
           </a:p>
           <a:p>
             <a:pPr lvl="3"/>
             <a:r>
-              <a:rPr lang="ko-KR" altLang="en-US" smtClean="0"/>
+              <a:rPr lang="ko-KR" altLang="en-US"/>
               <a:t>넷째 수준</a:t>
             </a:r>
           </a:p>
           <a:p>
             <a:pPr lvl="4"/>
             <a:r>
-              <a:rPr lang="ko-KR" altLang="en-US" smtClean="0"/>
+              <a:rPr lang="ko-KR" altLang="en-US"/>
               <a:t>다섯째 수준</a:t>
             </a:r>
-            <a:endParaRPr lang="ko-KR" altLang="en-US"/>
           </a:p>
         </p:txBody>
       </p:sp>
@@ -1292,38 +1297,37 @@
           <a:p>
             <a:pPr lvl="0"/>
             <a:r>
-              <a:rPr lang="ko-KR" altLang="en-US" smtClean="0"/>
+              <a:rPr lang="ko-KR" altLang="en-US"/>
               <a:t>마스터 텍스트 스타일을 편집합니다</a:t>
             </a:r>
           </a:p>
           <a:p>
             <a:pPr lvl="1"/>
             <a:r>
-              <a:rPr lang="ko-KR" altLang="en-US" smtClean="0"/>
+              <a:rPr lang="ko-KR" altLang="en-US"/>
               <a:t>둘째 수준</a:t>
             </a:r>
           </a:p>
           <a:p>
             <a:pPr lvl="2"/>
             <a:r>
-              <a:rPr lang="ko-KR" altLang="en-US" smtClean="0"/>
+              <a:rPr lang="ko-KR" altLang="en-US"/>
               <a:t>셋째 수준</a:t>
             </a:r>
           </a:p>
           <a:p>
             <a:pPr lvl="3"/>
             <a:r>
-              <a:rPr lang="ko-KR" altLang="en-US" smtClean="0"/>
+              <a:rPr lang="ko-KR" altLang="en-US"/>
               <a:t>넷째 수준</a:t>
             </a:r>
           </a:p>
           <a:p>
             <a:pPr lvl="4"/>
             <a:r>
-              <a:rPr lang="ko-KR" altLang="en-US" smtClean="0"/>
+              <a:rPr lang="ko-KR" altLang="en-US"/>
               <a:t>다섯째 수준</a:t>
             </a:r>
-            <a:endParaRPr lang="ko-KR" altLang="en-US"/>
           </a:p>
         </p:txBody>
       </p:sp>
@@ -1447,10 +1451,9 @@
           </a:lstStyle>
           <a:p>
             <a:r>
-              <a:rPr lang="ko-KR" altLang="en-US" smtClean="0"/>
+              <a:rPr lang="ko-KR" altLang="en-US"/>
               <a:t>마스터 제목 스타일 편집</a:t>
             </a:r>
-            <a:endParaRPr lang="ko-KR" altLang="en-US"/>
           </a:p>
         </p:txBody>
       </p:sp>
@@ -1513,7 +1516,7 @@
           <a:p>
             <a:pPr lvl="0"/>
             <a:r>
-              <a:rPr lang="ko-KR" altLang="en-US" smtClean="0"/>
+              <a:rPr lang="ko-KR" altLang="en-US"/>
               <a:t>마스터 텍스트 스타일을 편집합니다</a:t>
             </a:r>
           </a:p>
@@ -1569,38 +1572,37 @@
           <a:p>
             <a:pPr lvl="0"/>
             <a:r>
-              <a:rPr lang="ko-KR" altLang="en-US" smtClean="0"/>
+              <a:rPr lang="ko-KR" altLang="en-US"/>
               <a:t>마스터 텍스트 스타일을 편집합니다</a:t>
             </a:r>
           </a:p>
           <a:p>
             <a:pPr lvl="1"/>
             <a:r>
-              <a:rPr lang="ko-KR" altLang="en-US" smtClean="0"/>
+              <a:rPr lang="ko-KR" altLang="en-US"/>
               <a:t>둘째 수준</a:t>
             </a:r>
           </a:p>
           <a:p>
             <a:pPr lvl="2"/>
             <a:r>
-              <a:rPr lang="ko-KR" altLang="en-US" smtClean="0"/>
+              <a:rPr lang="ko-KR" altLang="en-US"/>
               <a:t>셋째 수준</a:t>
             </a:r>
           </a:p>
           <a:p>
             <a:pPr lvl="3"/>
             <a:r>
-              <a:rPr lang="ko-KR" altLang="en-US" smtClean="0"/>
+              <a:rPr lang="ko-KR" altLang="en-US"/>
               <a:t>넷째 수준</a:t>
             </a:r>
           </a:p>
           <a:p>
             <a:pPr lvl="4"/>
             <a:r>
-              <a:rPr lang="ko-KR" altLang="en-US" smtClean="0"/>
+              <a:rPr lang="ko-KR" altLang="en-US"/>
               <a:t>다섯째 수준</a:t>
             </a:r>
-            <a:endParaRPr lang="ko-KR" altLang="en-US"/>
           </a:p>
         </p:txBody>
       </p:sp>
@@ -1663,7 +1665,7 @@
           <a:p>
             <a:pPr lvl="0"/>
             <a:r>
-              <a:rPr lang="ko-KR" altLang="en-US" smtClean="0"/>
+              <a:rPr lang="ko-KR" altLang="en-US"/>
               <a:t>마스터 텍스트 스타일을 편집합니다</a:t>
             </a:r>
           </a:p>
@@ -1719,38 +1721,37 @@
           <a:p>
             <a:pPr lvl="0"/>
             <a:r>
-              <a:rPr lang="ko-KR" altLang="en-US" smtClean="0"/>
+              <a:rPr lang="ko-KR" altLang="en-US"/>
               <a:t>마스터 텍스트 스타일을 편집합니다</a:t>
             </a:r>
           </a:p>
           <a:p>
             <a:pPr lvl="1"/>
             <a:r>
-              <a:rPr lang="ko-KR" altLang="en-US" smtClean="0"/>
+              <a:rPr lang="ko-KR" altLang="en-US"/>
               <a:t>둘째 수준</a:t>
             </a:r>
           </a:p>
           <a:p>
             <a:pPr lvl="2"/>
             <a:r>
-              <a:rPr lang="ko-KR" altLang="en-US" smtClean="0"/>
+              <a:rPr lang="ko-KR" altLang="en-US"/>
               <a:t>셋째 수준</a:t>
             </a:r>
           </a:p>
           <a:p>
             <a:pPr lvl="3"/>
             <a:r>
-              <a:rPr lang="ko-KR" altLang="en-US" smtClean="0"/>
+              <a:rPr lang="ko-KR" altLang="en-US"/>
               <a:t>넷째 수준</a:t>
             </a:r>
           </a:p>
           <a:p>
             <a:pPr lvl="4"/>
             <a:r>
-              <a:rPr lang="ko-KR" altLang="en-US" smtClean="0"/>
+              <a:rPr lang="ko-KR" altLang="en-US"/>
               <a:t>다섯째 수준</a:t>
             </a:r>
-            <a:endParaRPr lang="ko-KR" altLang="en-US"/>
           </a:p>
         </p:txBody>
       </p:sp>
@@ -1865,10 +1866,9 @@
           <a:lstStyle/>
           <a:p>
             <a:r>
-              <a:rPr lang="ko-KR" altLang="en-US" smtClean="0"/>
+              <a:rPr lang="ko-KR" altLang="en-US"/>
               <a:t>마스터 제목 스타일 편집</a:t>
             </a:r>
-            <a:endParaRPr lang="ko-KR" altLang="en-US"/>
           </a:p>
         </p:txBody>
       </p:sp>
@@ -2087,10 +2087,9 @@
           </a:lstStyle>
           <a:p>
             <a:r>
-              <a:rPr lang="ko-KR" altLang="en-US" smtClean="0"/>
+              <a:rPr lang="ko-KR" altLang="en-US"/>
               <a:t>마스터 제목 스타일 편집</a:t>
             </a:r>
-            <a:endParaRPr lang="ko-KR" altLang="en-US"/>
           </a:p>
         </p:txBody>
       </p:sp>
@@ -2144,38 +2143,37 @@
           <a:p>
             <a:pPr lvl="0"/>
             <a:r>
-              <a:rPr lang="ko-KR" altLang="en-US" smtClean="0"/>
+              <a:rPr lang="ko-KR" altLang="en-US"/>
               <a:t>마스터 텍스트 스타일을 편집합니다</a:t>
             </a:r>
           </a:p>
           <a:p>
             <a:pPr lvl="1"/>
             <a:r>
-              <a:rPr lang="ko-KR" altLang="en-US" smtClean="0"/>
+              <a:rPr lang="ko-KR" altLang="en-US"/>
               <a:t>둘째 수준</a:t>
             </a:r>
           </a:p>
           <a:p>
             <a:pPr lvl="2"/>
             <a:r>
-              <a:rPr lang="ko-KR" altLang="en-US" smtClean="0"/>
+              <a:rPr lang="ko-KR" altLang="en-US"/>
               <a:t>셋째 수준</a:t>
             </a:r>
           </a:p>
           <a:p>
             <a:pPr lvl="3"/>
             <a:r>
-              <a:rPr lang="ko-KR" altLang="en-US" smtClean="0"/>
+              <a:rPr lang="ko-KR" altLang="en-US"/>
               <a:t>넷째 수준</a:t>
             </a:r>
           </a:p>
           <a:p>
             <a:pPr lvl="4"/>
             <a:r>
-              <a:rPr lang="ko-KR" altLang="en-US" smtClean="0"/>
+              <a:rPr lang="ko-KR" altLang="en-US"/>
               <a:t>다섯째 수준</a:t>
             </a:r>
-            <a:endParaRPr lang="ko-KR" altLang="en-US"/>
           </a:p>
         </p:txBody>
       </p:sp>
@@ -2238,7 +2236,7 @@
           <a:p>
             <a:pPr lvl="0"/>
             <a:r>
-              <a:rPr lang="ko-KR" altLang="en-US" smtClean="0"/>
+              <a:rPr lang="ko-KR" altLang="en-US"/>
               <a:t>마스터 텍스트 스타일을 편집합니다</a:t>
             </a:r>
           </a:p>
@@ -2364,10 +2362,9 @@
           </a:lstStyle>
           <a:p>
             <a:r>
-              <a:rPr lang="ko-KR" altLang="en-US" smtClean="0"/>
+              <a:rPr lang="ko-KR" altLang="en-US"/>
               <a:t>마스터 제목 스타일 편집</a:t>
             </a:r>
-            <a:endParaRPr lang="ko-KR" altLang="en-US"/>
           </a:p>
         </p:txBody>
       </p:sp>
@@ -2491,7 +2488,7 @@
           <a:p>
             <a:pPr lvl="0"/>
             <a:r>
-              <a:rPr lang="ko-KR" altLang="en-US" smtClean="0"/>
+              <a:rPr lang="ko-KR" altLang="en-US"/>
               <a:t>마스터 텍스트 스타일을 편집합니다</a:t>
             </a:r>
           </a:p>
@@ -2623,10 +2620,9 @@
           <a:lstStyle/>
           <a:p>
             <a:r>
-              <a:rPr lang="ko-KR" altLang="en-US" smtClean="0"/>
+              <a:rPr lang="ko-KR" altLang="en-US"/>
               <a:t>마스터 제목 스타일 편집</a:t>
             </a:r>
-            <a:endParaRPr lang="ko-KR" altLang="en-US"/>
           </a:p>
         </p:txBody>
       </p:sp>
@@ -2657,38 +2653,37 @@
           <a:p>
             <a:pPr lvl="0"/>
             <a:r>
-              <a:rPr lang="ko-KR" altLang="en-US" smtClean="0"/>
+              <a:rPr lang="ko-KR" altLang="en-US"/>
               <a:t>마스터 텍스트 스타일을 편집합니다</a:t>
             </a:r>
           </a:p>
           <a:p>
             <a:pPr lvl="1"/>
             <a:r>
-              <a:rPr lang="ko-KR" altLang="en-US" smtClean="0"/>
+              <a:rPr lang="ko-KR" altLang="en-US"/>
               <a:t>둘째 수준</a:t>
             </a:r>
           </a:p>
           <a:p>
             <a:pPr lvl="2"/>
             <a:r>
-              <a:rPr lang="ko-KR" altLang="en-US" smtClean="0"/>
+              <a:rPr lang="ko-KR" altLang="en-US"/>
               <a:t>셋째 수준</a:t>
             </a:r>
           </a:p>
           <a:p>
             <a:pPr lvl="3"/>
             <a:r>
-              <a:rPr lang="ko-KR" altLang="en-US" smtClean="0"/>
+              <a:rPr lang="ko-KR" altLang="en-US"/>
               <a:t>넷째 수준</a:t>
             </a:r>
           </a:p>
           <a:p>
             <a:pPr lvl="4"/>
             <a:r>
-              <a:rPr lang="ko-KR" altLang="en-US" smtClean="0"/>
+              <a:rPr lang="ko-KR" altLang="en-US"/>
               <a:t>다섯째 수준</a:t>
             </a:r>
-            <a:endParaRPr lang="ko-KR" altLang="en-US"/>
           </a:p>
         </p:txBody>
       </p:sp>
@@ -3110,7 +3105,7 @@
           </p:cNvPicPr>
           <p:nvPr/>
         </p:nvPicPr>
-        <p:blipFill>
+        <p:blipFill rotWithShape="1">
           <a:blip r:embed="rId2">
             <a:extLst>
               <a:ext uri="{28A0092B-C50C-407E-A947-70E740481C1C}">
@@ -3118,15 +3113,13 @@
               </a:ext>
             </a:extLst>
           </a:blip>
-          <a:srcRect/>
-          <a:stretch>
-            <a:fillRect/>
-          </a:stretch>
+          <a:srcRect l="16177" r="10079"/>
+          <a:stretch/>
         </p:blipFill>
         <p:spPr bwMode="auto">
           <a:xfrm>
-            <a:off x="21352" y="1131591"/>
-            <a:ext cx="5144500" cy="2880320"/>
+            <a:off x="843923" y="987574"/>
+            <a:ext cx="3793747" cy="2880320"/>
           </a:xfrm>
           <a:prstGeom prst="rect">
             <a:avLst/>
@@ -3168,14 +3161,53 @@
       </p:pic>
       <p:pic>
         <p:nvPicPr>
-          <p:cNvPr id="5" name="Picture 2"/>
+          <p:cNvPr id="1029" name="Picture 5" descr="https://static.wikia.nocookie.net/camp_for_bragging_rights/images/0/0e/Stickman.png/revision/latest/scale-to-width-down/768?cb=20200421202819"/>
           <p:cNvPicPr>
             <a:picLocks noChangeAspect="1" noChangeArrowheads="1"/>
           </p:cNvPicPr>
           <p:nvPr/>
         </p:nvPicPr>
+        <p:blipFill rotWithShape="1">
+          <a:blip r:embed="rId3" cstate="print">
+            <a:extLst>
+              <a:ext uri="{28A0092B-C50C-407E-A947-70E740481C1C}">
+                <a14:useLocalDpi xmlns:a14="http://schemas.microsoft.com/office/drawing/2010/main" val="0"/>
+              </a:ext>
+            </a:extLst>
+          </a:blip>
+          <a:srcRect l="24793" t="12707" r="32942" b="2763"/>
+          <a:stretch/>
+        </p:blipFill>
+        <p:spPr bwMode="auto">
+          <a:xfrm>
+            <a:off x="1538017" y="3147813"/>
+            <a:ext cx="216025" cy="432048"/>
+          </a:xfrm>
+          <a:prstGeom prst="rect">
+            <a:avLst/>
+          </a:prstGeom>
+          <a:noFill/>
+          <a:extLst>
+            <a:ext uri="{909E8E84-426E-40DD-AFC4-6F175D3DCCD1}">
+              <a14:hiddenFill xmlns:a14="http://schemas.microsoft.com/office/drawing/2010/main">
+                <a:solidFill>
+                  <a:srgbClr val="FFFFFF"/>
+                </a:solidFill>
+              </a14:hiddenFill>
+            </a:ext>
+          </a:extLst>
+        </p:spPr>
+      </p:pic>
+      <p:pic>
+        <p:nvPicPr>
+          <p:cNvPr id="1030" name="Picture 6" descr="C:\Users\biosensor1\Documents\카카오톡 받은 파일\KakaoTalk_20210112_172206730.png"/>
+          <p:cNvPicPr>
+            <a:picLocks noChangeAspect="1" noChangeArrowheads="1"/>
+          </p:cNvPicPr>
+          <p:nvPr/>
+        </p:nvPicPr>
         <p:blipFill>
-          <a:blip r:embed="rId2">
+          <a:blip r:embed="rId4" cstate="print">
             <a:extLst>
               <a:ext uri="{28A0092B-C50C-407E-A947-70E740481C1C}">
                 <a14:useLocalDpi xmlns:a14="http://schemas.microsoft.com/office/drawing/2010/main" val="0"/>
@@ -3189,7 +3221,1600 @@
         </p:blipFill>
         <p:spPr bwMode="auto">
           <a:xfrm>
-            <a:off x="5525892" y="1131591"/>
+            <a:off x="3186625" y="3017482"/>
+            <a:ext cx="588253" cy="650451"/>
+          </a:xfrm>
+          <a:prstGeom prst="rect">
+            <a:avLst/>
+          </a:prstGeom>
+          <a:noFill/>
+          <a:extLst>
+            <a:ext uri="{909E8E84-426E-40DD-AFC4-6F175D3DCCD1}">
+              <a14:hiddenFill xmlns:a14="http://schemas.microsoft.com/office/drawing/2010/main">
+                <a:solidFill>
+                  <a:srgbClr val="FFFFFF"/>
+                </a:solidFill>
+              </a14:hiddenFill>
+            </a:ext>
+          </a:extLst>
+        </p:spPr>
+      </p:pic>
+      <p:pic>
+        <p:nvPicPr>
+          <p:cNvPr id="18" name="Picture 5" descr="https://static.wikia.nocookie.net/camp_for_bragging_rights/images/0/0e/Stickman.png/revision/latest/scale-to-width-down/768?cb=20200421202819">
+            <a:extLst>
+              <a:ext uri="{FF2B5EF4-FFF2-40B4-BE49-F238E27FC236}">
+                <a16:creationId xmlns:a16="http://schemas.microsoft.com/office/drawing/2014/main" id="{9A65917C-C1CA-4BEC-9A52-5C956AACE051}"/>
+              </a:ext>
+            </a:extLst>
+          </p:cNvPr>
+          <p:cNvPicPr>
+            <a:picLocks noChangeAspect="1" noChangeArrowheads="1"/>
+          </p:cNvPicPr>
+          <p:nvPr/>
+        </p:nvPicPr>
+        <p:blipFill rotWithShape="1">
+          <a:blip r:embed="rId3" cstate="print">
+            <a:extLst>
+              <a:ext uri="{28A0092B-C50C-407E-A947-70E740481C1C}">
+                <a14:useLocalDpi xmlns:a14="http://schemas.microsoft.com/office/drawing/2010/main" val="0"/>
+              </a:ext>
+            </a:extLst>
+          </a:blip>
+          <a:srcRect l="24793" t="12707" r="32942" b="2763"/>
+          <a:stretch/>
+        </p:blipFill>
+        <p:spPr bwMode="auto">
+          <a:xfrm>
+            <a:off x="1830123" y="3219821"/>
+            <a:ext cx="216025" cy="432048"/>
+          </a:xfrm>
+          <a:prstGeom prst="rect">
+            <a:avLst/>
+          </a:prstGeom>
+          <a:noFill/>
+          <a:extLst>
+            <a:ext uri="{909E8E84-426E-40DD-AFC4-6F175D3DCCD1}">
+              <a14:hiddenFill xmlns:a14="http://schemas.microsoft.com/office/drawing/2010/main">
+                <a:solidFill>
+                  <a:srgbClr val="FFFFFF"/>
+                </a:solidFill>
+              </a14:hiddenFill>
+            </a:ext>
+          </a:extLst>
+        </p:spPr>
+      </p:pic>
+      <p:pic>
+        <p:nvPicPr>
+          <p:cNvPr id="19" name="Picture 5" descr="https://static.wikia.nocookie.net/camp_for_bragging_rights/images/0/0e/Stickman.png/revision/latest/scale-to-width-down/768?cb=20200421202819">
+            <a:extLst>
+              <a:ext uri="{FF2B5EF4-FFF2-40B4-BE49-F238E27FC236}">
+                <a16:creationId xmlns:a16="http://schemas.microsoft.com/office/drawing/2014/main" id="{F1121B1F-EE41-4C1B-A4FF-E4A7E2BB5450}"/>
+              </a:ext>
+            </a:extLst>
+          </p:cNvPr>
+          <p:cNvPicPr>
+            <a:picLocks noChangeAspect="1" noChangeArrowheads="1"/>
+          </p:cNvPicPr>
+          <p:nvPr/>
+        </p:nvPicPr>
+        <p:blipFill rotWithShape="1">
+          <a:blip r:embed="rId3" cstate="print">
+            <a:extLst>
+              <a:ext uri="{28A0092B-C50C-407E-A947-70E740481C1C}">
+                <a14:useLocalDpi xmlns:a14="http://schemas.microsoft.com/office/drawing/2010/main" val="0"/>
+              </a:ext>
+            </a:extLst>
+          </a:blip>
+          <a:srcRect l="24793" t="12707" r="32942" b="2763"/>
+          <a:stretch/>
+        </p:blipFill>
+        <p:spPr bwMode="auto">
+          <a:xfrm>
+            <a:off x="1801187" y="2787772"/>
+            <a:ext cx="216025" cy="432048"/>
+          </a:xfrm>
+          <a:prstGeom prst="rect">
+            <a:avLst/>
+          </a:prstGeom>
+          <a:noFill/>
+          <a:extLst>
+            <a:ext uri="{909E8E84-426E-40DD-AFC4-6F175D3DCCD1}">
+              <a14:hiddenFill xmlns:a14="http://schemas.microsoft.com/office/drawing/2010/main">
+                <a:solidFill>
+                  <a:srgbClr val="FFFFFF"/>
+                </a:solidFill>
+              </a14:hiddenFill>
+            </a:ext>
+          </a:extLst>
+        </p:spPr>
+      </p:pic>
+      <p:pic>
+        <p:nvPicPr>
+          <p:cNvPr id="21" name="Picture 5" descr="https://static.wikia.nocookie.net/camp_for_bragging_rights/images/0/0e/Stickman.png/revision/latest/scale-to-width-down/768?cb=20200421202819">
+            <a:extLst>
+              <a:ext uri="{FF2B5EF4-FFF2-40B4-BE49-F238E27FC236}">
+                <a16:creationId xmlns:a16="http://schemas.microsoft.com/office/drawing/2014/main" id="{9ECD7B91-B619-4636-87A0-189262FB9A6D}"/>
+              </a:ext>
+            </a:extLst>
+          </p:cNvPr>
+          <p:cNvPicPr>
+            <a:picLocks noChangeAspect="1" noChangeArrowheads="1"/>
+          </p:cNvPicPr>
+          <p:nvPr/>
+        </p:nvPicPr>
+        <p:blipFill rotWithShape="1">
+          <a:blip r:embed="rId3" cstate="print">
+            <a:extLst>
+              <a:ext uri="{28A0092B-C50C-407E-A947-70E740481C1C}">
+                <a14:useLocalDpi xmlns:a14="http://schemas.microsoft.com/office/drawing/2010/main" val="0"/>
+              </a:ext>
+            </a:extLst>
+          </a:blip>
+          <a:srcRect l="24793" t="12707" r="32942" b="2763"/>
+          <a:stretch/>
+        </p:blipFill>
+        <p:spPr bwMode="auto">
+          <a:xfrm>
+            <a:off x="2052736" y="2483159"/>
+            <a:ext cx="216025" cy="432048"/>
+          </a:xfrm>
+          <a:prstGeom prst="rect">
+            <a:avLst/>
+          </a:prstGeom>
+          <a:noFill/>
+          <a:extLst>
+            <a:ext uri="{909E8E84-426E-40DD-AFC4-6F175D3DCCD1}">
+              <a14:hiddenFill xmlns:a14="http://schemas.microsoft.com/office/drawing/2010/main">
+                <a:solidFill>
+                  <a:srgbClr val="FFFFFF"/>
+                </a:solidFill>
+              </a14:hiddenFill>
+            </a:ext>
+          </a:extLst>
+        </p:spPr>
+      </p:pic>
+      <p:pic>
+        <p:nvPicPr>
+          <p:cNvPr id="22" name="Picture 5" descr="https://static.wikia.nocookie.net/camp_for_bragging_rights/images/0/0e/Stickman.png/revision/latest/scale-to-width-down/768?cb=20200421202819">
+            <a:extLst>
+              <a:ext uri="{FF2B5EF4-FFF2-40B4-BE49-F238E27FC236}">
+                <a16:creationId xmlns:a16="http://schemas.microsoft.com/office/drawing/2014/main" id="{DC2B6D8A-A3D6-4E2F-A10C-DE84D59F5BE9}"/>
+              </a:ext>
+            </a:extLst>
+          </p:cNvPr>
+          <p:cNvPicPr>
+            <a:picLocks noChangeAspect="1" noChangeArrowheads="1"/>
+          </p:cNvPicPr>
+          <p:nvPr/>
+        </p:nvPicPr>
+        <p:blipFill rotWithShape="1">
+          <a:blip r:embed="rId3" cstate="print">
+            <a:extLst>
+              <a:ext uri="{28A0092B-C50C-407E-A947-70E740481C1C}">
+                <a14:useLocalDpi xmlns:a14="http://schemas.microsoft.com/office/drawing/2010/main" val="0"/>
+              </a:ext>
+            </a:extLst>
+          </a:blip>
+          <a:srcRect l="24793" t="12707" r="32942" b="2763"/>
+          <a:stretch/>
+        </p:blipFill>
+        <p:spPr bwMode="auto">
+          <a:xfrm>
+            <a:off x="2214329" y="2103298"/>
+            <a:ext cx="216025" cy="432048"/>
+          </a:xfrm>
+          <a:prstGeom prst="rect">
+            <a:avLst/>
+          </a:prstGeom>
+          <a:noFill/>
+          <a:extLst>
+            <a:ext uri="{909E8E84-426E-40DD-AFC4-6F175D3DCCD1}">
+              <a14:hiddenFill xmlns:a14="http://schemas.microsoft.com/office/drawing/2010/main">
+                <a:solidFill>
+                  <a:srgbClr val="FFFFFF"/>
+                </a:solidFill>
+              </a14:hiddenFill>
+            </a:ext>
+          </a:extLst>
+        </p:spPr>
+      </p:pic>
+      <p:pic>
+        <p:nvPicPr>
+          <p:cNvPr id="24" name="Picture 5" descr="https://static.wikia.nocookie.net/camp_for_bragging_rights/images/0/0e/Stickman.png/revision/latest/scale-to-width-down/768?cb=20200421202819">
+            <a:extLst>
+              <a:ext uri="{FF2B5EF4-FFF2-40B4-BE49-F238E27FC236}">
+                <a16:creationId xmlns:a16="http://schemas.microsoft.com/office/drawing/2014/main" id="{1C145F8A-033D-44CD-AC67-E266F8E4BB59}"/>
+              </a:ext>
+            </a:extLst>
+          </p:cNvPr>
+          <p:cNvPicPr>
+            <a:picLocks noChangeAspect="1" noChangeArrowheads="1"/>
+          </p:cNvPicPr>
+          <p:nvPr/>
+        </p:nvPicPr>
+        <p:blipFill rotWithShape="1">
+          <a:blip r:embed="rId3" cstate="print">
+            <a:extLst>
+              <a:ext uri="{28A0092B-C50C-407E-A947-70E740481C1C}">
+                <a14:useLocalDpi xmlns:a14="http://schemas.microsoft.com/office/drawing/2010/main" val="0"/>
+              </a:ext>
+            </a:extLst>
+          </a:blip>
+          <a:srcRect l="24793" t="12707" r="32942" b="2763"/>
+          <a:stretch/>
+        </p:blipFill>
+        <p:spPr bwMode="auto">
+          <a:xfrm>
+            <a:off x="2231680" y="2787772"/>
+            <a:ext cx="216025" cy="432048"/>
+          </a:xfrm>
+          <a:prstGeom prst="rect">
+            <a:avLst/>
+          </a:prstGeom>
+          <a:noFill/>
+          <a:extLst>
+            <a:ext uri="{909E8E84-426E-40DD-AFC4-6F175D3DCCD1}">
+              <a14:hiddenFill xmlns:a14="http://schemas.microsoft.com/office/drawing/2010/main">
+                <a:solidFill>
+                  <a:srgbClr val="FFFFFF"/>
+                </a:solidFill>
+              </a14:hiddenFill>
+            </a:ext>
+          </a:extLst>
+        </p:spPr>
+      </p:pic>
+      <p:pic>
+        <p:nvPicPr>
+          <p:cNvPr id="25" name="Picture 5" descr="https://static.wikia.nocookie.net/camp_for_bragging_rights/images/0/0e/Stickman.png/revision/latest/scale-to-width-down/768?cb=20200421202819">
+            <a:extLst>
+              <a:ext uri="{FF2B5EF4-FFF2-40B4-BE49-F238E27FC236}">
+                <a16:creationId xmlns:a16="http://schemas.microsoft.com/office/drawing/2014/main" id="{C7076C6E-49B2-482B-B7FD-673C2E277859}"/>
+              </a:ext>
+            </a:extLst>
+          </p:cNvPr>
+          <p:cNvPicPr>
+            <a:picLocks noChangeAspect="1" noChangeArrowheads="1"/>
+          </p:cNvPicPr>
+          <p:nvPr/>
+        </p:nvPicPr>
+        <p:blipFill rotWithShape="1">
+          <a:blip r:embed="rId3" cstate="print">
+            <a:extLst>
+              <a:ext uri="{28A0092B-C50C-407E-A947-70E740481C1C}">
+                <a14:useLocalDpi xmlns:a14="http://schemas.microsoft.com/office/drawing/2010/main" val="0"/>
+              </a:ext>
+            </a:extLst>
+          </a:blip>
+          <a:srcRect l="24793" t="12707" r="32942" b="2763"/>
+          <a:stretch/>
+        </p:blipFill>
+        <p:spPr bwMode="auto">
+          <a:xfrm>
+            <a:off x="2520788" y="2105392"/>
+            <a:ext cx="216025" cy="432048"/>
+          </a:xfrm>
+          <a:prstGeom prst="rect">
+            <a:avLst/>
+          </a:prstGeom>
+          <a:noFill/>
+          <a:extLst>
+            <a:ext uri="{909E8E84-426E-40DD-AFC4-6F175D3DCCD1}">
+              <a14:hiddenFill xmlns:a14="http://schemas.microsoft.com/office/drawing/2010/main">
+                <a:solidFill>
+                  <a:srgbClr val="FFFFFF"/>
+                </a:solidFill>
+              </a14:hiddenFill>
+            </a:ext>
+          </a:extLst>
+        </p:spPr>
+      </p:pic>
+      <p:pic>
+        <p:nvPicPr>
+          <p:cNvPr id="27" name="Picture 5" descr="https://static.wikia.nocookie.net/camp_for_bragging_rights/images/0/0e/Stickman.png/revision/latest/scale-to-width-down/768?cb=20200421202819">
+            <a:extLst>
+              <a:ext uri="{FF2B5EF4-FFF2-40B4-BE49-F238E27FC236}">
+                <a16:creationId xmlns:a16="http://schemas.microsoft.com/office/drawing/2014/main" id="{438C0570-91B7-4FE2-BD54-69A36C8127B2}"/>
+              </a:ext>
+            </a:extLst>
+          </p:cNvPr>
+          <p:cNvPicPr>
+            <a:picLocks noChangeAspect="1" noChangeArrowheads="1"/>
+          </p:cNvPicPr>
+          <p:nvPr/>
+        </p:nvPicPr>
+        <p:blipFill rotWithShape="1">
+          <a:blip r:embed="rId3" cstate="print">
+            <a:extLst>
+              <a:ext uri="{28A0092B-C50C-407E-A947-70E740481C1C}">
+                <a14:useLocalDpi xmlns:a14="http://schemas.microsoft.com/office/drawing/2010/main" val="0"/>
+              </a:ext>
+            </a:extLst>
+          </a:blip>
+          <a:srcRect l="24793" t="12707" r="32942" b="2763"/>
+          <a:stretch/>
+        </p:blipFill>
+        <p:spPr bwMode="auto">
+          <a:xfrm>
+            <a:off x="2593277" y="2562099"/>
+            <a:ext cx="216025" cy="432048"/>
+          </a:xfrm>
+          <a:prstGeom prst="rect">
+            <a:avLst/>
+          </a:prstGeom>
+          <a:noFill/>
+          <a:extLst>
+            <a:ext uri="{909E8E84-426E-40DD-AFC4-6F175D3DCCD1}">
+              <a14:hiddenFill xmlns:a14="http://schemas.microsoft.com/office/drawing/2010/main">
+                <a:solidFill>
+                  <a:srgbClr val="FFFFFF"/>
+                </a:solidFill>
+              </a14:hiddenFill>
+            </a:ext>
+          </a:extLst>
+        </p:spPr>
+      </p:pic>
+      <p:pic>
+        <p:nvPicPr>
+          <p:cNvPr id="28" name="Picture 5" descr="https://static.wikia.nocookie.net/camp_for_bragging_rights/images/0/0e/Stickman.png/revision/latest/scale-to-width-down/768?cb=20200421202819">
+            <a:extLst>
+              <a:ext uri="{FF2B5EF4-FFF2-40B4-BE49-F238E27FC236}">
+                <a16:creationId xmlns:a16="http://schemas.microsoft.com/office/drawing/2014/main" id="{8BCEA209-287B-426A-A89E-AC8DF719D3FA}"/>
+              </a:ext>
+            </a:extLst>
+          </p:cNvPr>
+          <p:cNvPicPr>
+            <a:picLocks noChangeAspect="1" noChangeArrowheads="1"/>
+          </p:cNvPicPr>
+          <p:nvPr/>
+        </p:nvPicPr>
+        <p:blipFill rotWithShape="1">
+          <a:blip r:embed="rId3" cstate="print">
+            <a:extLst>
+              <a:ext uri="{28A0092B-C50C-407E-A947-70E740481C1C}">
+                <a14:useLocalDpi xmlns:a14="http://schemas.microsoft.com/office/drawing/2010/main" val="0"/>
+              </a:ext>
+            </a:extLst>
+          </a:blip>
+          <a:srcRect l="24793" t="12707" r="32942" b="2763"/>
+          <a:stretch/>
+        </p:blipFill>
+        <p:spPr bwMode="auto">
+          <a:xfrm>
+            <a:off x="2459323" y="2873125"/>
+            <a:ext cx="216025" cy="432048"/>
+          </a:xfrm>
+          <a:prstGeom prst="rect">
+            <a:avLst/>
+          </a:prstGeom>
+          <a:noFill/>
+          <a:extLst>
+            <a:ext uri="{909E8E84-426E-40DD-AFC4-6F175D3DCCD1}">
+              <a14:hiddenFill xmlns:a14="http://schemas.microsoft.com/office/drawing/2010/main">
+                <a:solidFill>
+                  <a:srgbClr val="FFFFFF"/>
+                </a:solidFill>
+              </a14:hiddenFill>
+            </a:ext>
+          </a:extLst>
+        </p:spPr>
+      </p:pic>
+      <p:pic>
+        <p:nvPicPr>
+          <p:cNvPr id="29" name="Picture 5" descr="https://static.wikia.nocookie.net/camp_for_bragging_rights/images/0/0e/Stickman.png/revision/latest/scale-to-width-down/768?cb=20200421202819">
+            <a:extLst>
+              <a:ext uri="{FF2B5EF4-FFF2-40B4-BE49-F238E27FC236}">
+                <a16:creationId xmlns:a16="http://schemas.microsoft.com/office/drawing/2014/main" id="{E7EED442-9BA4-4F3F-839B-37181C011DA7}"/>
+              </a:ext>
+            </a:extLst>
+          </p:cNvPr>
+          <p:cNvPicPr>
+            <a:picLocks noChangeAspect="1" noChangeArrowheads="1"/>
+          </p:cNvPicPr>
+          <p:nvPr/>
+        </p:nvPicPr>
+        <p:blipFill rotWithShape="1">
+          <a:blip r:embed="rId3" cstate="print">
+            <a:extLst>
+              <a:ext uri="{28A0092B-C50C-407E-A947-70E740481C1C}">
+                <a14:useLocalDpi xmlns:a14="http://schemas.microsoft.com/office/drawing/2010/main" val="0"/>
+              </a:ext>
+            </a:extLst>
+          </a:blip>
+          <a:srcRect l="24793" t="12707" r="32942" b="2763"/>
+          <a:stretch/>
+        </p:blipFill>
+        <p:spPr bwMode="auto">
+          <a:xfrm>
+            <a:off x="2177999" y="3214185"/>
+            <a:ext cx="216025" cy="432048"/>
+          </a:xfrm>
+          <a:prstGeom prst="rect">
+            <a:avLst/>
+          </a:prstGeom>
+          <a:noFill/>
+          <a:extLst>
+            <a:ext uri="{909E8E84-426E-40DD-AFC4-6F175D3DCCD1}">
+              <a14:hiddenFill xmlns:a14="http://schemas.microsoft.com/office/drawing/2010/main">
+                <a:solidFill>
+                  <a:srgbClr val="FFFFFF"/>
+                </a:solidFill>
+              </a14:hiddenFill>
+            </a:ext>
+          </a:extLst>
+        </p:spPr>
+      </p:pic>
+      <p:pic>
+        <p:nvPicPr>
+          <p:cNvPr id="30" name="Picture 5" descr="https://static.wikia.nocookie.net/camp_for_bragging_rights/images/0/0e/Stickman.png/revision/latest/scale-to-width-down/768?cb=20200421202819">
+            <a:extLst>
+              <a:ext uri="{FF2B5EF4-FFF2-40B4-BE49-F238E27FC236}">
+                <a16:creationId xmlns:a16="http://schemas.microsoft.com/office/drawing/2014/main" id="{38834A16-D595-40C8-A3F7-ED057947C587}"/>
+              </a:ext>
+            </a:extLst>
+          </p:cNvPr>
+          <p:cNvPicPr>
+            <a:picLocks noChangeAspect="1" noChangeArrowheads="1"/>
+          </p:cNvPicPr>
+          <p:nvPr/>
+        </p:nvPicPr>
+        <p:blipFill rotWithShape="1">
+          <a:blip r:embed="rId3" cstate="print">
+            <a:extLst>
+              <a:ext uri="{28A0092B-C50C-407E-A947-70E740481C1C}">
+                <a14:useLocalDpi xmlns:a14="http://schemas.microsoft.com/office/drawing/2010/main" val="0"/>
+              </a:ext>
+            </a:extLst>
+          </a:blip>
+          <a:srcRect l="24793" t="12707" r="32942" b="2763"/>
+          <a:stretch/>
+        </p:blipFill>
+        <p:spPr bwMode="auto">
+          <a:xfrm>
+            <a:off x="2778445" y="3111809"/>
+            <a:ext cx="216025" cy="432048"/>
+          </a:xfrm>
+          <a:prstGeom prst="rect">
+            <a:avLst/>
+          </a:prstGeom>
+          <a:noFill/>
+          <a:extLst>
+            <a:ext uri="{909E8E84-426E-40DD-AFC4-6F175D3DCCD1}">
+              <a14:hiddenFill xmlns:a14="http://schemas.microsoft.com/office/drawing/2010/main">
+                <a:solidFill>
+                  <a:srgbClr val="FFFFFF"/>
+                </a:solidFill>
+              </a14:hiddenFill>
+            </a:ext>
+          </a:extLst>
+        </p:spPr>
+      </p:pic>
+      <p:pic>
+        <p:nvPicPr>
+          <p:cNvPr id="31" name="Picture 5" descr="https://static.wikia.nocookie.net/camp_for_bragging_rights/images/0/0e/Stickman.png/revision/latest/scale-to-width-down/768?cb=20200421202819">
+            <a:extLst>
+              <a:ext uri="{FF2B5EF4-FFF2-40B4-BE49-F238E27FC236}">
+                <a16:creationId xmlns:a16="http://schemas.microsoft.com/office/drawing/2014/main" id="{24399884-A42D-47A5-9C67-4C931EA71D2E}"/>
+              </a:ext>
+            </a:extLst>
+          </p:cNvPr>
+          <p:cNvPicPr>
+            <a:picLocks noChangeAspect="1" noChangeArrowheads="1"/>
+          </p:cNvPicPr>
+          <p:nvPr/>
+        </p:nvPicPr>
+        <p:blipFill rotWithShape="1">
+          <a:blip r:embed="rId3" cstate="print">
+            <a:extLst>
+              <a:ext uri="{28A0092B-C50C-407E-A947-70E740481C1C}">
+                <a14:useLocalDpi xmlns:a14="http://schemas.microsoft.com/office/drawing/2010/main" val="0"/>
+              </a:ext>
+            </a:extLst>
+          </a:blip>
+          <a:srcRect l="24793" t="12707" r="32942" b="2763"/>
+          <a:stretch/>
+        </p:blipFill>
+        <p:spPr bwMode="auto">
+          <a:xfrm>
+            <a:off x="2522278" y="3183718"/>
+            <a:ext cx="216025" cy="432048"/>
+          </a:xfrm>
+          <a:prstGeom prst="rect">
+            <a:avLst/>
+          </a:prstGeom>
+          <a:noFill/>
+          <a:extLst>
+            <a:ext uri="{909E8E84-426E-40DD-AFC4-6F175D3DCCD1}">
+              <a14:hiddenFill xmlns:a14="http://schemas.microsoft.com/office/drawing/2010/main">
+                <a:solidFill>
+                  <a:srgbClr val="FFFFFF"/>
+                </a:solidFill>
+              </a14:hiddenFill>
+            </a:ext>
+          </a:extLst>
+        </p:spPr>
+      </p:pic>
+      <p:pic>
+        <p:nvPicPr>
+          <p:cNvPr id="34" name="Picture 5" descr="https://static.wikia.nocookie.net/camp_for_bragging_rights/images/0/0e/Stickman.png/revision/latest/scale-to-width-down/768?cb=20200421202819">
+            <a:extLst>
+              <a:ext uri="{FF2B5EF4-FFF2-40B4-BE49-F238E27FC236}">
+                <a16:creationId xmlns:a16="http://schemas.microsoft.com/office/drawing/2014/main" id="{B65EC2D2-819F-48CD-B299-89B81CECF1D1}"/>
+              </a:ext>
+            </a:extLst>
+          </p:cNvPr>
+          <p:cNvPicPr>
+            <a:picLocks noChangeAspect="1" noChangeArrowheads="1"/>
+          </p:cNvPicPr>
+          <p:nvPr/>
+        </p:nvPicPr>
+        <p:blipFill rotWithShape="1">
+          <a:blip r:embed="rId3" cstate="print">
+            <a:extLst>
+              <a:ext uri="{28A0092B-C50C-407E-A947-70E740481C1C}">
+                <a14:useLocalDpi xmlns:a14="http://schemas.microsoft.com/office/drawing/2010/main" val="0"/>
+              </a:ext>
+            </a:extLst>
+          </a:blip>
+          <a:srcRect l="24793" t="12707" r="32942" b="2763"/>
+          <a:stretch/>
+        </p:blipFill>
+        <p:spPr bwMode="auto">
+          <a:xfrm>
+            <a:off x="2719234" y="1678648"/>
+            <a:ext cx="216025" cy="432048"/>
+          </a:xfrm>
+          <a:prstGeom prst="rect">
+            <a:avLst/>
+          </a:prstGeom>
+          <a:noFill/>
+          <a:extLst>
+            <a:ext uri="{909E8E84-426E-40DD-AFC4-6F175D3DCCD1}">
+              <a14:hiddenFill xmlns:a14="http://schemas.microsoft.com/office/drawing/2010/main">
+                <a:solidFill>
+                  <a:srgbClr val="FFFFFF"/>
+                </a:solidFill>
+              </a14:hiddenFill>
+            </a:ext>
+          </a:extLst>
+        </p:spPr>
+      </p:pic>
+      <p:pic>
+        <p:nvPicPr>
+          <p:cNvPr id="35" name="Picture 5" descr="https://static.wikia.nocookie.net/camp_for_bragging_rights/images/0/0e/Stickman.png/revision/latest/scale-to-width-down/768?cb=20200421202819">
+            <a:extLst>
+              <a:ext uri="{FF2B5EF4-FFF2-40B4-BE49-F238E27FC236}">
+                <a16:creationId xmlns:a16="http://schemas.microsoft.com/office/drawing/2014/main" id="{C6C7D888-4A76-4FAA-8DBE-055AEB48DD0D}"/>
+              </a:ext>
+            </a:extLst>
+          </p:cNvPr>
+          <p:cNvPicPr>
+            <a:picLocks noChangeAspect="1" noChangeArrowheads="1"/>
+          </p:cNvPicPr>
+          <p:nvPr/>
+        </p:nvPicPr>
+        <p:blipFill rotWithShape="1">
+          <a:blip r:embed="rId3" cstate="print">
+            <a:extLst>
+              <a:ext uri="{28A0092B-C50C-407E-A947-70E740481C1C}">
+                <a14:useLocalDpi xmlns:a14="http://schemas.microsoft.com/office/drawing/2010/main" val="0"/>
+              </a:ext>
+            </a:extLst>
+          </a:blip>
+          <a:srcRect l="24793" t="12707" r="32942" b="2763"/>
+          <a:stretch/>
+        </p:blipFill>
+        <p:spPr bwMode="auto">
+          <a:xfrm>
+            <a:off x="2608200" y="1330459"/>
+            <a:ext cx="216025" cy="432048"/>
+          </a:xfrm>
+          <a:prstGeom prst="rect">
+            <a:avLst/>
+          </a:prstGeom>
+          <a:noFill/>
+          <a:extLst>
+            <a:ext uri="{909E8E84-426E-40DD-AFC4-6F175D3DCCD1}">
+              <a14:hiddenFill xmlns:a14="http://schemas.microsoft.com/office/drawing/2010/main">
+                <a:solidFill>
+                  <a:srgbClr val="FFFFFF"/>
+                </a:solidFill>
+              </a14:hiddenFill>
+            </a:ext>
+          </a:extLst>
+        </p:spPr>
+      </p:pic>
+      <p:pic>
+        <p:nvPicPr>
+          <p:cNvPr id="36" name="Picture 5" descr="https://static.wikia.nocookie.net/camp_for_bragging_rights/images/0/0e/Stickman.png/revision/latest/scale-to-width-down/768?cb=20200421202819">
+            <a:extLst>
+              <a:ext uri="{FF2B5EF4-FFF2-40B4-BE49-F238E27FC236}">
+                <a16:creationId xmlns:a16="http://schemas.microsoft.com/office/drawing/2014/main" id="{E737EE91-3827-4F67-9207-A45EC72DCDC0}"/>
+              </a:ext>
+            </a:extLst>
+          </p:cNvPr>
+          <p:cNvPicPr>
+            <a:picLocks noChangeAspect="1" noChangeArrowheads="1"/>
+          </p:cNvPicPr>
+          <p:nvPr/>
+        </p:nvPicPr>
+        <p:blipFill rotWithShape="1">
+          <a:blip r:embed="rId3" cstate="print">
+            <a:extLst>
+              <a:ext uri="{28A0092B-C50C-407E-A947-70E740481C1C}">
+                <a14:useLocalDpi xmlns:a14="http://schemas.microsoft.com/office/drawing/2010/main" val="0"/>
+              </a:ext>
+            </a:extLst>
+          </a:blip>
+          <a:srcRect l="24793" t="12707" r="32942" b="2763"/>
+          <a:stretch/>
+        </p:blipFill>
+        <p:spPr bwMode="auto">
+          <a:xfrm>
+            <a:off x="3089512" y="2130051"/>
+            <a:ext cx="216025" cy="432048"/>
+          </a:xfrm>
+          <a:prstGeom prst="rect">
+            <a:avLst/>
+          </a:prstGeom>
+          <a:noFill/>
+          <a:extLst>
+            <a:ext uri="{909E8E84-426E-40DD-AFC4-6F175D3DCCD1}">
+              <a14:hiddenFill xmlns:a14="http://schemas.microsoft.com/office/drawing/2010/main">
+                <a:solidFill>
+                  <a:srgbClr val="FFFFFF"/>
+                </a:solidFill>
+              </a14:hiddenFill>
+            </a:ext>
+          </a:extLst>
+        </p:spPr>
+      </p:pic>
+      <p:pic>
+        <p:nvPicPr>
+          <p:cNvPr id="37" name="Picture 5" descr="https://static.wikia.nocookie.net/camp_for_bragging_rights/images/0/0e/Stickman.png/revision/latest/scale-to-width-down/768?cb=20200421202819">
+            <a:extLst>
+              <a:ext uri="{FF2B5EF4-FFF2-40B4-BE49-F238E27FC236}">
+                <a16:creationId xmlns:a16="http://schemas.microsoft.com/office/drawing/2014/main" id="{FEC3BF5D-3598-4F48-9B93-F18FAB88B350}"/>
+              </a:ext>
+            </a:extLst>
+          </p:cNvPr>
+          <p:cNvPicPr>
+            <a:picLocks noChangeAspect="1" noChangeArrowheads="1"/>
+          </p:cNvPicPr>
+          <p:nvPr/>
+        </p:nvPicPr>
+        <p:blipFill rotWithShape="1">
+          <a:blip r:embed="rId3" cstate="print">
+            <a:extLst>
+              <a:ext uri="{28A0092B-C50C-407E-A947-70E740481C1C}">
+                <a14:useLocalDpi xmlns:a14="http://schemas.microsoft.com/office/drawing/2010/main" val="0"/>
+              </a:ext>
+            </a:extLst>
+          </a:blip>
+          <a:srcRect l="24793" t="12707" r="32942" b="2763"/>
+          <a:stretch/>
+        </p:blipFill>
+        <p:spPr bwMode="auto">
+          <a:xfrm>
+            <a:off x="2946410" y="1762507"/>
+            <a:ext cx="216025" cy="432048"/>
+          </a:xfrm>
+          <a:prstGeom prst="rect">
+            <a:avLst/>
+          </a:prstGeom>
+          <a:noFill/>
+          <a:extLst>
+            <a:ext uri="{909E8E84-426E-40DD-AFC4-6F175D3DCCD1}">
+              <a14:hiddenFill xmlns:a14="http://schemas.microsoft.com/office/drawing/2010/main">
+                <a:solidFill>
+                  <a:srgbClr val="FFFFFF"/>
+                </a:solidFill>
+              </a14:hiddenFill>
+            </a:ext>
+          </a:extLst>
+        </p:spPr>
+      </p:pic>
+      <p:pic>
+        <p:nvPicPr>
+          <p:cNvPr id="38" name="Picture 5" descr="https://static.wikia.nocookie.net/camp_for_bragging_rights/images/0/0e/Stickman.png/revision/latest/scale-to-width-down/768?cb=20200421202819">
+            <a:extLst>
+              <a:ext uri="{FF2B5EF4-FFF2-40B4-BE49-F238E27FC236}">
+                <a16:creationId xmlns:a16="http://schemas.microsoft.com/office/drawing/2014/main" id="{26EC4890-C91B-452F-B84A-A40946AA2F2E}"/>
+              </a:ext>
+            </a:extLst>
+          </p:cNvPr>
+          <p:cNvPicPr>
+            <a:picLocks noChangeAspect="1" noChangeArrowheads="1"/>
+          </p:cNvPicPr>
+          <p:nvPr/>
+        </p:nvPicPr>
+        <p:blipFill rotWithShape="1">
+          <a:blip r:embed="rId3" cstate="print">
+            <a:extLst>
+              <a:ext uri="{28A0092B-C50C-407E-A947-70E740481C1C}">
+                <a14:useLocalDpi xmlns:a14="http://schemas.microsoft.com/office/drawing/2010/main" val="0"/>
+              </a:ext>
+            </a:extLst>
+          </a:blip>
+          <a:srcRect l="24793" t="12707" r="32942" b="2763"/>
+          <a:stretch/>
+        </p:blipFill>
+        <p:spPr bwMode="auto">
+          <a:xfrm>
+            <a:off x="3133487" y="2620930"/>
+            <a:ext cx="216025" cy="432048"/>
+          </a:xfrm>
+          <a:prstGeom prst="rect">
+            <a:avLst/>
+          </a:prstGeom>
+          <a:noFill/>
+          <a:extLst>
+            <a:ext uri="{909E8E84-426E-40DD-AFC4-6F175D3DCCD1}">
+              <a14:hiddenFill xmlns:a14="http://schemas.microsoft.com/office/drawing/2010/main">
+                <a:solidFill>
+                  <a:srgbClr val="FFFFFF"/>
+                </a:solidFill>
+              </a14:hiddenFill>
+            </a:ext>
+          </a:extLst>
+        </p:spPr>
+      </p:pic>
+      <p:pic>
+        <p:nvPicPr>
+          <p:cNvPr id="39" name="Picture 5" descr="https://static.wikia.nocookie.net/camp_for_bragging_rights/images/0/0e/Stickman.png/revision/latest/scale-to-width-down/768?cb=20200421202819">
+            <a:extLst>
+              <a:ext uri="{FF2B5EF4-FFF2-40B4-BE49-F238E27FC236}">
+                <a16:creationId xmlns:a16="http://schemas.microsoft.com/office/drawing/2014/main" id="{35D5B4E5-72B3-48E0-896B-069F91006CBE}"/>
+              </a:ext>
+            </a:extLst>
+          </p:cNvPr>
+          <p:cNvPicPr>
+            <a:picLocks noChangeAspect="1" noChangeArrowheads="1"/>
+          </p:cNvPicPr>
+          <p:nvPr/>
+        </p:nvPicPr>
+        <p:blipFill rotWithShape="1">
+          <a:blip r:embed="rId3" cstate="print">
+            <a:extLst>
+              <a:ext uri="{28A0092B-C50C-407E-A947-70E740481C1C}">
+                <a14:useLocalDpi xmlns:a14="http://schemas.microsoft.com/office/drawing/2010/main" val="0"/>
+              </a:ext>
+            </a:extLst>
+          </a:blip>
+          <a:srcRect l="24793" t="12707" r="32942" b="2763"/>
+          <a:stretch/>
+        </p:blipFill>
+        <p:spPr bwMode="auto">
+          <a:xfrm>
+            <a:off x="2985180" y="2930410"/>
+            <a:ext cx="216025" cy="432048"/>
+          </a:xfrm>
+          <a:prstGeom prst="rect">
+            <a:avLst/>
+          </a:prstGeom>
+          <a:noFill/>
+          <a:extLst>
+            <a:ext uri="{909E8E84-426E-40DD-AFC4-6F175D3DCCD1}">
+              <a14:hiddenFill xmlns:a14="http://schemas.microsoft.com/office/drawing/2010/main">
+                <a:solidFill>
+                  <a:srgbClr val="FFFFFF"/>
+                </a:solidFill>
+              </a14:hiddenFill>
+            </a:ext>
+          </a:extLst>
+        </p:spPr>
+      </p:pic>
+      <p:pic>
+        <p:nvPicPr>
+          <p:cNvPr id="40" name="Picture 5" descr="https://static.wikia.nocookie.net/camp_for_bragging_rights/images/0/0e/Stickman.png/revision/latest/scale-to-width-down/768?cb=20200421202819">
+            <a:extLst>
+              <a:ext uri="{FF2B5EF4-FFF2-40B4-BE49-F238E27FC236}">
+                <a16:creationId xmlns:a16="http://schemas.microsoft.com/office/drawing/2014/main" id="{4A714B0B-EE6B-4177-9AB6-36C950C4A3FD}"/>
+              </a:ext>
+            </a:extLst>
+          </p:cNvPr>
+          <p:cNvPicPr>
+            <a:picLocks noChangeAspect="1" noChangeArrowheads="1"/>
+          </p:cNvPicPr>
+          <p:nvPr/>
+        </p:nvPicPr>
+        <p:blipFill rotWithShape="1">
+          <a:blip r:embed="rId3" cstate="print">
+            <a:extLst>
+              <a:ext uri="{28A0092B-C50C-407E-A947-70E740481C1C}">
+                <a14:useLocalDpi xmlns:a14="http://schemas.microsoft.com/office/drawing/2010/main" val="0"/>
+              </a:ext>
+            </a:extLst>
+          </a:blip>
+          <a:srcRect l="24793" t="12707" r="32942" b="2763"/>
+          <a:stretch/>
+        </p:blipFill>
+        <p:spPr bwMode="auto">
+          <a:xfrm>
+            <a:off x="1991816" y="2848672"/>
+            <a:ext cx="216025" cy="432048"/>
+          </a:xfrm>
+          <a:prstGeom prst="rect">
+            <a:avLst/>
+          </a:prstGeom>
+          <a:noFill/>
+          <a:extLst>
+            <a:ext uri="{909E8E84-426E-40DD-AFC4-6F175D3DCCD1}">
+              <a14:hiddenFill xmlns:a14="http://schemas.microsoft.com/office/drawing/2010/main">
+                <a:solidFill>
+                  <a:srgbClr val="FFFFFF"/>
+                </a:solidFill>
+              </a14:hiddenFill>
+            </a:ext>
+          </a:extLst>
+        </p:spPr>
+      </p:pic>
+      <p:pic>
+        <p:nvPicPr>
+          <p:cNvPr id="41" name="Picture 5" descr="https://static.wikia.nocookie.net/camp_for_bragging_rights/images/0/0e/Stickman.png/revision/latest/scale-to-width-down/768?cb=20200421202819">
+            <a:extLst>
+              <a:ext uri="{FF2B5EF4-FFF2-40B4-BE49-F238E27FC236}">
+                <a16:creationId xmlns:a16="http://schemas.microsoft.com/office/drawing/2014/main" id="{3B49E87C-0761-4481-9C7B-7B75ACF4E60B}"/>
+              </a:ext>
+            </a:extLst>
+          </p:cNvPr>
+          <p:cNvPicPr>
+            <a:picLocks noChangeAspect="1" noChangeArrowheads="1"/>
+          </p:cNvPicPr>
+          <p:nvPr/>
+        </p:nvPicPr>
+        <p:blipFill rotWithShape="1">
+          <a:blip r:embed="rId3" cstate="print">
+            <a:extLst>
+              <a:ext uri="{28A0092B-C50C-407E-A947-70E740481C1C}">
+                <a14:useLocalDpi xmlns:a14="http://schemas.microsoft.com/office/drawing/2010/main" val="0"/>
+              </a:ext>
+            </a:extLst>
+          </a:blip>
+          <a:srcRect l="24793" t="12707" r="32942" b="2763"/>
+          <a:stretch/>
+        </p:blipFill>
+        <p:spPr bwMode="auto">
+          <a:xfrm>
+            <a:off x="3345220" y="2787772"/>
+            <a:ext cx="216025" cy="432048"/>
+          </a:xfrm>
+          <a:prstGeom prst="rect">
+            <a:avLst/>
+          </a:prstGeom>
+          <a:noFill/>
+          <a:extLst>
+            <a:ext uri="{909E8E84-426E-40DD-AFC4-6F175D3DCCD1}">
+              <a14:hiddenFill xmlns:a14="http://schemas.microsoft.com/office/drawing/2010/main">
+                <a:solidFill>
+                  <a:srgbClr val="FFFFFF"/>
+                </a:solidFill>
+              </a14:hiddenFill>
+            </a:ext>
+          </a:extLst>
+        </p:spPr>
+      </p:pic>
+      <p:pic>
+        <p:nvPicPr>
+          <p:cNvPr id="42" name="Picture 5" descr="https://static.wikia.nocookie.net/camp_for_bragging_rights/images/0/0e/Stickman.png/revision/latest/scale-to-width-down/768?cb=20200421202819">
+            <a:extLst>
+              <a:ext uri="{FF2B5EF4-FFF2-40B4-BE49-F238E27FC236}">
+                <a16:creationId xmlns:a16="http://schemas.microsoft.com/office/drawing/2014/main" id="{80493075-C508-4CFD-8712-B61F4FBAA805}"/>
+              </a:ext>
+            </a:extLst>
+          </p:cNvPr>
+          <p:cNvPicPr>
+            <a:picLocks noChangeAspect="1" noChangeArrowheads="1"/>
+          </p:cNvPicPr>
+          <p:nvPr/>
+        </p:nvPicPr>
+        <p:blipFill rotWithShape="1">
+          <a:blip r:embed="rId3" cstate="print">
+            <a:extLst>
+              <a:ext uri="{28A0092B-C50C-407E-A947-70E740481C1C}">
+                <a14:useLocalDpi xmlns:a14="http://schemas.microsoft.com/office/drawing/2010/main" val="0"/>
+              </a:ext>
+            </a:extLst>
+          </a:blip>
+          <a:srcRect l="24793" t="12707" r="32942" b="2763"/>
+          <a:stretch/>
+        </p:blipFill>
+        <p:spPr bwMode="auto">
+          <a:xfrm>
+            <a:off x="3639765" y="3248101"/>
+            <a:ext cx="216025" cy="432048"/>
+          </a:xfrm>
+          <a:prstGeom prst="rect">
+            <a:avLst/>
+          </a:prstGeom>
+          <a:noFill/>
+          <a:extLst>
+            <a:ext uri="{909E8E84-426E-40DD-AFC4-6F175D3DCCD1}">
+              <a14:hiddenFill xmlns:a14="http://schemas.microsoft.com/office/drawing/2010/main">
+                <a:solidFill>
+                  <a:srgbClr val="FFFFFF"/>
+                </a:solidFill>
+              </a14:hiddenFill>
+            </a:ext>
+          </a:extLst>
+        </p:spPr>
+      </p:pic>
+      <p:pic>
+        <p:nvPicPr>
+          <p:cNvPr id="43" name="Picture 5" descr="https://static.wikia.nocookie.net/camp_for_bragging_rights/images/0/0e/Stickman.png/revision/latest/scale-to-width-down/768?cb=20200421202819">
+            <a:extLst>
+              <a:ext uri="{FF2B5EF4-FFF2-40B4-BE49-F238E27FC236}">
+                <a16:creationId xmlns:a16="http://schemas.microsoft.com/office/drawing/2014/main" id="{FB8C632B-13F1-48D5-93F4-A16AFC766A1A}"/>
+              </a:ext>
+            </a:extLst>
+          </p:cNvPr>
+          <p:cNvPicPr>
+            <a:picLocks noChangeAspect="1" noChangeArrowheads="1"/>
+          </p:cNvPicPr>
+          <p:nvPr/>
+        </p:nvPicPr>
+        <p:blipFill rotWithShape="1">
+          <a:blip r:embed="rId3" cstate="print">
+            <a:extLst>
+              <a:ext uri="{28A0092B-C50C-407E-A947-70E740481C1C}">
+                <a14:useLocalDpi xmlns:a14="http://schemas.microsoft.com/office/drawing/2010/main" val="0"/>
+              </a:ext>
+            </a:extLst>
+          </a:blip>
+          <a:srcRect l="24793" t="12707" r="32942" b="2763"/>
+          <a:stretch/>
+        </p:blipFill>
+        <p:spPr bwMode="auto">
+          <a:xfrm>
+            <a:off x="3041784" y="3389598"/>
+            <a:ext cx="216025" cy="432048"/>
+          </a:xfrm>
+          <a:prstGeom prst="rect">
+            <a:avLst/>
+          </a:prstGeom>
+          <a:noFill/>
+          <a:extLst>
+            <a:ext uri="{909E8E84-426E-40DD-AFC4-6F175D3DCCD1}">
+              <a14:hiddenFill xmlns:a14="http://schemas.microsoft.com/office/drawing/2010/main">
+                <a:solidFill>
+                  <a:srgbClr val="FFFFFF"/>
+                </a:solidFill>
+              </a14:hiddenFill>
+            </a:ext>
+          </a:extLst>
+        </p:spPr>
+      </p:pic>
+      <p:pic>
+        <p:nvPicPr>
+          <p:cNvPr id="44" name="Picture 5" descr="https://static.wikia.nocookie.net/camp_for_bragging_rights/images/0/0e/Stickman.png/revision/latest/scale-to-width-down/768?cb=20200421202819">
+            <a:extLst>
+              <a:ext uri="{FF2B5EF4-FFF2-40B4-BE49-F238E27FC236}">
+                <a16:creationId xmlns:a16="http://schemas.microsoft.com/office/drawing/2014/main" id="{4CA3E50E-EEB4-4F81-A532-D33A31B4B8AD}"/>
+              </a:ext>
+            </a:extLst>
+          </p:cNvPr>
+          <p:cNvPicPr>
+            <a:picLocks noChangeAspect="1" noChangeArrowheads="1"/>
+          </p:cNvPicPr>
+          <p:nvPr/>
+        </p:nvPicPr>
+        <p:blipFill rotWithShape="1">
+          <a:blip r:embed="rId3" cstate="print">
+            <a:extLst>
+              <a:ext uri="{28A0092B-C50C-407E-A947-70E740481C1C}">
+                <a14:useLocalDpi xmlns:a14="http://schemas.microsoft.com/office/drawing/2010/main" val="0"/>
+              </a:ext>
+            </a:extLst>
+          </a:blip>
+          <a:srcRect l="24793" t="12707" r="32942" b="2763"/>
+          <a:stretch/>
+        </p:blipFill>
+        <p:spPr bwMode="auto">
+          <a:xfrm>
+            <a:off x="1307933" y="3346427"/>
+            <a:ext cx="216025" cy="432048"/>
+          </a:xfrm>
+          <a:prstGeom prst="rect">
+            <a:avLst/>
+          </a:prstGeom>
+          <a:noFill/>
+          <a:extLst>
+            <a:ext uri="{909E8E84-426E-40DD-AFC4-6F175D3DCCD1}">
+              <a14:hiddenFill xmlns:a14="http://schemas.microsoft.com/office/drawing/2010/main">
+                <a:solidFill>
+                  <a:srgbClr val="FFFFFF"/>
+                </a:solidFill>
+              </a14:hiddenFill>
+            </a:ext>
+          </a:extLst>
+        </p:spPr>
+      </p:pic>
+      <p:pic>
+        <p:nvPicPr>
+          <p:cNvPr id="45" name="Picture 6" descr="C:\Users\biosensor1\Documents\카카오톡 받은 파일\KakaoTalk_20210112_172206730.png">
+            <a:extLst>
+              <a:ext uri="{FF2B5EF4-FFF2-40B4-BE49-F238E27FC236}">
+                <a16:creationId xmlns:a16="http://schemas.microsoft.com/office/drawing/2014/main" id="{F2FDEE37-5688-4014-8A2E-D0120CE06B30}"/>
+              </a:ext>
+            </a:extLst>
+          </p:cNvPr>
+          <p:cNvPicPr>
+            <a:picLocks noChangeAspect="1" noChangeArrowheads="1"/>
+          </p:cNvPicPr>
+          <p:nvPr/>
+        </p:nvPicPr>
+        <p:blipFill>
+          <a:blip r:embed="rId4" cstate="print">
+            <a:extLst>
+              <a:ext uri="{28A0092B-C50C-407E-A947-70E740481C1C}">
+                <a14:useLocalDpi xmlns:a14="http://schemas.microsoft.com/office/drawing/2010/main" val="0"/>
+              </a:ext>
+            </a:extLst>
+          </a:blip>
+          <a:srcRect/>
+          <a:stretch>
+            <a:fillRect/>
+          </a:stretch>
+        </p:blipFill>
+        <p:spPr bwMode="auto">
+          <a:xfrm>
+            <a:off x="2260918" y="1606630"/>
+            <a:ext cx="588253" cy="650451"/>
+          </a:xfrm>
+          <a:prstGeom prst="rect">
+            <a:avLst/>
+          </a:prstGeom>
+          <a:noFill/>
+          <a:extLst>
+            <a:ext uri="{909E8E84-426E-40DD-AFC4-6F175D3DCCD1}">
+              <a14:hiddenFill xmlns:a14="http://schemas.microsoft.com/office/drawing/2010/main">
+                <a:solidFill>
+                  <a:srgbClr val="FFFFFF"/>
+                </a:solidFill>
+              </a14:hiddenFill>
+            </a:ext>
+          </a:extLst>
+        </p:spPr>
+      </p:pic>
+      <p:pic>
+        <p:nvPicPr>
+          <p:cNvPr id="46" name="Picture 6" descr="C:\Users\biosensor1\Documents\카카오톡 받은 파일\KakaoTalk_20210112_172206730.png">
+            <a:extLst>
+              <a:ext uri="{FF2B5EF4-FFF2-40B4-BE49-F238E27FC236}">
+                <a16:creationId xmlns:a16="http://schemas.microsoft.com/office/drawing/2014/main" id="{29B039A2-A7DE-4B77-AFE1-171E62ADE9BD}"/>
+              </a:ext>
+            </a:extLst>
+          </p:cNvPr>
+          <p:cNvPicPr>
+            <a:picLocks noChangeAspect="1" noChangeArrowheads="1"/>
+          </p:cNvPicPr>
+          <p:nvPr/>
+        </p:nvPicPr>
+        <p:blipFill>
+          <a:blip r:embed="rId4" cstate="print">
+            <a:extLst>
+              <a:ext uri="{28A0092B-C50C-407E-A947-70E740481C1C}">
+                <a14:useLocalDpi xmlns:a14="http://schemas.microsoft.com/office/drawing/2010/main" val="0"/>
+              </a:ext>
+            </a:extLst>
+          </a:blip>
+          <a:srcRect/>
+          <a:stretch>
+            <a:fillRect/>
+          </a:stretch>
+        </p:blipFill>
+        <p:spPr bwMode="auto">
+          <a:xfrm>
+            <a:off x="2665321" y="2086187"/>
+            <a:ext cx="588253" cy="650451"/>
+          </a:xfrm>
+          <a:prstGeom prst="rect">
+            <a:avLst/>
+          </a:prstGeom>
+          <a:noFill/>
+          <a:extLst>
+            <a:ext uri="{909E8E84-426E-40DD-AFC4-6F175D3DCCD1}">
+              <a14:hiddenFill xmlns:a14="http://schemas.microsoft.com/office/drawing/2010/main">
+                <a:solidFill>
+                  <a:srgbClr val="FFFFFF"/>
+                </a:solidFill>
+              </a14:hiddenFill>
+            </a:ext>
+          </a:extLst>
+        </p:spPr>
+      </p:pic>
+      <p:pic>
+        <p:nvPicPr>
+          <p:cNvPr id="47" name="Picture 6" descr="C:\Users\biosensor1\Documents\카카오톡 받은 파일\KakaoTalk_20210112_172206730.png">
+            <a:extLst>
+              <a:ext uri="{FF2B5EF4-FFF2-40B4-BE49-F238E27FC236}">
+                <a16:creationId xmlns:a16="http://schemas.microsoft.com/office/drawing/2014/main" id="{5F2858DA-151B-4D69-A22F-F04EE730E70F}"/>
+              </a:ext>
+            </a:extLst>
+          </p:cNvPr>
+          <p:cNvPicPr>
+            <a:picLocks noChangeAspect="1" noChangeArrowheads="1"/>
+          </p:cNvPicPr>
+          <p:nvPr/>
+        </p:nvPicPr>
+        <p:blipFill>
+          <a:blip r:embed="rId4" cstate="print">
+            <a:extLst>
+              <a:ext uri="{28A0092B-C50C-407E-A947-70E740481C1C}">
+                <a14:useLocalDpi xmlns:a14="http://schemas.microsoft.com/office/drawing/2010/main" val="0"/>
+              </a:ext>
+            </a:extLst>
+          </a:blip>
+          <a:srcRect/>
+          <a:stretch>
+            <a:fillRect/>
+          </a:stretch>
+        </p:blipFill>
+        <p:spPr bwMode="auto">
+          <a:xfrm>
+            <a:off x="2815651" y="2402527"/>
+            <a:ext cx="588253" cy="650451"/>
+          </a:xfrm>
+          <a:prstGeom prst="rect">
+            <a:avLst/>
+          </a:prstGeom>
+          <a:noFill/>
+          <a:extLst>
+            <a:ext uri="{909E8E84-426E-40DD-AFC4-6F175D3DCCD1}">
+              <a14:hiddenFill xmlns:a14="http://schemas.microsoft.com/office/drawing/2010/main">
+                <a:solidFill>
+                  <a:srgbClr val="FFFFFF"/>
+                </a:solidFill>
+              </a14:hiddenFill>
+            </a:ext>
+          </a:extLst>
+        </p:spPr>
+      </p:pic>
+      <p:pic>
+        <p:nvPicPr>
+          <p:cNvPr id="48" name="Picture 6" descr="C:\Users\biosensor1\Documents\카카오톡 받은 파일\KakaoTalk_20210112_172206730.png">
+            <a:extLst>
+              <a:ext uri="{FF2B5EF4-FFF2-40B4-BE49-F238E27FC236}">
+                <a16:creationId xmlns:a16="http://schemas.microsoft.com/office/drawing/2014/main" id="{A0571733-BB80-40C7-8439-D585F8D67BB8}"/>
+              </a:ext>
+            </a:extLst>
+          </p:cNvPr>
+          <p:cNvPicPr>
+            <a:picLocks noChangeAspect="1" noChangeArrowheads="1"/>
+          </p:cNvPicPr>
+          <p:nvPr/>
+        </p:nvPicPr>
+        <p:blipFill>
+          <a:blip r:embed="rId4" cstate="print">
+            <a:extLst>
+              <a:ext uri="{28A0092B-C50C-407E-A947-70E740481C1C}">
+                <a14:useLocalDpi xmlns:a14="http://schemas.microsoft.com/office/drawing/2010/main" val="0"/>
+              </a:ext>
+            </a:extLst>
+          </a:blip>
+          <a:srcRect/>
+          <a:stretch>
+            <a:fillRect/>
+          </a:stretch>
+        </p:blipFill>
+        <p:spPr bwMode="auto">
+          <a:xfrm>
+            <a:off x="2186468" y="2342240"/>
+            <a:ext cx="588253" cy="650451"/>
+          </a:xfrm>
+          <a:prstGeom prst="rect">
+            <a:avLst/>
+          </a:prstGeom>
+          <a:noFill/>
+          <a:extLst>
+            <a:ext uri="{909E8E84-426E-40DD-AFC4-6F175D3DCCD1}">
+              <a14:hiddenFill xmlns:a14="http://schemas.microsoft.com/office/drawing/2010/main">
+                <a:solidFill>
+                  <a:srgbClr val="FFFFFF"/>
+                </a:solidFill>
+              </a14:hiddenFill>
+            </a:ext>
+          </a:extLst>
+        </p:spPr>
+      </p:pic>
+      <p:pic>
+        <p:nvPicPr>
+          <p:cNvPr id="49" name="Picture 6" descr="C:\Users\biosensor1\Documents\카카오톡 받은 파일\KakaoTalk_20210112_172206730.png">
+            <a:extLst>
+              <a:ext uri="{FF2B5EF4-FFF2-40B4-BE49-F238E27FC236}">
+                <a16:creationId xmlns:a16="http://schemas.microsoft.com/office/drawing/2014/main" id="{2F3CE1D9-850E-47D1-AB26-B6D1C30B73E2}"/>
+              </a:ext>
+            </a:extLst>
+          </p:cNvPr>
+          <p:cNvPicPr>
+            <a:picLocks noChangeAspect="1" noChangeArrowheads="1"/>
+          </p:cNvPicPr>
+          <p:nvPr/>
+        </p:nvPicPr>
+        <p:blipFill>
+          <a:blip r:embed="rId4" cstate="print">
+            <a:extLst>
+              <a:ext uri="{28A0092B-C50C-407E-A947-70E740481C1C}">
+                <a14:useLocalDpi xmlns:a14="http://schemas.microsoft.com/office/drawing/2010/main" val="0"/>
+              </a:ext>
+            </a:extLst>
+          </a:blip>
+          <a:srcRect/>
+          <a:stretch>
+            <a:fillRect/>
+          </a:stretch>
+        </p:blipFill>
+        <p:spPr bwMode="auto">
+          <a:xfrm>
+            <a:off x="3706097" y="3266779"/>
+            <a:ext cx="588253" cy="650451"/>
+          </a:xfrm>
+          <a:prstGeom prst="rect">
+            <a:avLst/>
+          </a:prstGeom>
+          <a:noFill/>
+          <a:extLst>
+            <a:ext uri="{909E8E84-426E-40DD-AFC4-6F175D3DCCD1}">
+              <a14:hiddenFill xmlns:a14="http://schemas.microsoft.com/office/drawing/2010/main">
+                <a:solidFill>
+                  <a:srgbClr val="FFFFFF"/>
+                </a:solidFill>
+              </a14:hiddenFill>
+            </a:ext>
+          </a:extLst>
+        </p:spPr>
+      </p:pic>
+      <p:pic>
+        <p:nvPicPr>
+          <p:cNvPr id="50" name="Picture 5" descr="https://static.wikia.nocookie.net/camp_for_bragging_rights/images/0/0e/Stickman.png/revision/latest/scale-to-width-down/768?cb=20200421202819">
+            <a:extLst>
+              <a:ext uri="{FF2B5EF4-FFF2-40B4-BE49-F238E27FC236}">
+                <a16:creationId xmlns:a16="http://schemas.microsoft.com/office/drawing/2014/main" id="{29A2B1A7-8A49-4243-A805-9BBB7A5FCF4C}"/>
+              </a:ext>
+            </a:extLst>
+          </p:cNvPr>
+          <p:cNvPicPr>
+            <a:picLocks noChangeAspect="1" noChangeArrowheads="1"/>
+          </p:cNvPicPr>
+          <p:nvPr/>
+        </p:nvPicPr>
+        <p:blipFill rotWithShape="1">
+          <a:blip r:embed="rId5" cstate="print">
+            <a:extLst>
+              <a:ext uri="{28A0092B-C50C-407E-A947-70E740481C1C}">
+                <a14:useLocalDpi xmlns:a14="http://schemas.microsoft.com/office/drawing/2010/main" val="0"/>
+              </a:ext>
+            </a:extLst>
+          </a:blip>
+          <a:srcRect l="24793" t="12707" r="32942" b="2763"/>
+          <a:stretch/>
+        </p:blipFill>
+        <p:spPr bwMode="auto">
+          <a:xfrm>
+            <a:off x="770205" y="1111356"/>
+            <a:ext cx="162296" cy="324590"/>
+          </a:xfrm>
+          <a:prstGeom prst="rect">
+            <a:avLst/>
+          </a:prstGeom>
+          <a:noFill/>
+          <a:extLst>
+            <a:ext uri="{909E8E84-426E-40DD-AFC4-6F175D3DCCD1}">
+              <a14:hiddenFill xmlns:a14="http://schemas.microsoft.com/office/drawing/2010/main">
+                <a:solidFill>
+                  <a:srgbClr val="FFFFFF"/>
+                </a:solidFill>
+              </a14:hiddenFill>
+            </a:ext>
+          </a:extLst>
+        </p:spPr>
+      </p:pic>
+      <p:pic>
+        <p:nvPicPr>
+          <p:cNvPr id="51" name="Picture 6" descr="C:\Users\biosensor1\Documents\카카오톡 받은 파일\KakaoTalk_20210112_172206730.png">
+            <a:extLst>
+              <a:ext uri="{FF2B5EF4-FFF2-40B4-BE49-F238E27FC236}">
+                <a16:creationId xmlns:a16="http://schemas.microsoft.com/office/drawing/2014/main" id="{EDD2DED5-4563-465C-9F25-31FF9AEF9D61}"/>
+              </a:ext>
+            </a:extLst>
+          </p:cNvPr>
+          <p:cNvPicPr>
+            <a:picLocks noChangeAspect="1" noChangeArrowheads="1"/>
+          </p:cNvPicPr>
+          <p:nvPr/>
+        </p:nvPicPr>
+        <p:blipFill>
+          <a:blip r:embed="rId6" cstate="print">
+            <a:extLst>
+              <a:ext uri="{28A0092B-C50C-407E-A947-70E740481C1C}">
+                <a14:useLocalDpi xmlns:a14="http://schemas.microsoft.com/office/drawing/2010/main" val="0"/>
+              </a:ext>
+            </a:extLst>
+          </a:blip>
+          <a:srcRect/>
+          <a:stretch>
+            <a:fillRect/>
+          </a:stretch>
+        </p:blipFill>
+        <p:spPr bwMode="auto">
+          <a:xfrm>
+            <a:off x="655847" y="1381841"/>
+            <a:ext cx="441945" cy="488673"/>
+          </a:xfrm>
+          <a:prstGeom prst="rect">
+            <a:avLst/>
+          </a:prstGeom>
+          <a:noFill/>
+          <a:extLst>
+            <a:ext uri="{909E8E84-426E-40DD-AFC4-6F175D3DCCD1}">
+              <a14:hiddenFill xmlns:a14="http://schemas.microsoft.com/office/drawing/2010/main">
+                <a:solidFill>
+                  <a:srgbClr val="FFFFFF"/>
+                </a:solidFill>
+              </a14:hiddenFill>
+            </a:ext>
+          </a:extLst>
+        </p:spPr>
+      </p:pic>
+      <p:sp>
+        <p:nvSpPr>
+          <p:cNvPr id="2" name="TextBox 1">
+            <a:extLst>
+              <a:ext uri="{FF2B5EF4-FFF2-40B4-BE49-F238E27FC236}">
+                <a16:creationId xmlns:a16="http://schemas.microsoft.com/office/drawing/2014/main" id="{20756ED3-AF96-4DCA-A7CF-837BA2AE3095}"/>
+              </a:ext>
+            </a:extLst>
+          </p:cNvPr>
+          <p:cNvSpPr txBox="1"/>
+          <p:nvPr/>
+        </p:nvSpPr>
+        <p:spPr>
+          <a:xfrm>
+            <a:off x="938170" y="1104368"/>
+            <a:ext cx="596638" cy="261610"/>
+          </a:xfrm>
+          <a:prstGeom prst="rect">
+            <a:avLst/>
+          </a:prstGeom>
+          <a:noFill/>
+        </p:spPr>
+        <p:txBody>
+          <a:bodyPr wrap="none" rtlCol="0">
+            <a:spAutoFit/>
+          </a:bodyPr>
+          <a:lstStyle/>
+          <a:p>
+            <a:r>
+              <a:rPr lang="en-US" altLang="ko-KR" sz="1100" dirty="0">
+                <a:latin typeface="배달의민족 주아" panose="02020603020101020101" pitchFamily="18" charset="-127"/>
+                <a:ea typeface="배달의민족 주아" panose="02020603020101020101" pitchFamily="18" charset="-127"/>
+              </a:rPr>
+              <a:t>: </a:t>
+            </a:r>
+            <a:r>
+              <a:rPr lang="ko-KR" altLang="en-US" sz="1100" dirty="0">
+                <a:latin typeface="배달의민족 주아" panose="02020603020101020101" pitchFamily="18" charset="-127"/>
+                <a:ea typeface="배달의민족 주아" panose="02020603020101020101" pitchFamily="18" charset="-127"/>
+              </a:rPr>
+              <a:t>모집단</a:t>
+            </a:r>
+          </a:p>
+        </p:txBody>
+      </p:sp>
+      <p:sp>
+        <p:nvSpPr>
+          <p:cNvPr id="53" name="TextBox 52">
+            <a:extLst>
+              <a:ext uri="{FF2B5EF4-FFF2-40B4-BE49-F238E27FC236}">
+                <a16:creationId xmlns:a16="http://schemas.microsoft.com/office/drawing/2014/main" id="{601D5D9B-7FCE-44E6-BD85-E492798A8DEE}"/>
+              </a:ext>
+            </a:extLst>
+          </p:cNvPr>
+          <p:cNvSpPr txBox="1"/>
+          <p:nvPr/>
+        </p:nvSpPr>
+        <p:spPr>
+          <a:xfrm>
+            <a:off x="938170" y="1464651"/>
+            <a:ext cx="1418978" cy="261610"/>
+          </a:xfrm>
+          <a:prstGeom prst="rect">
+            <a:avLst/>
+          </a:prstGeom>
+          <a:noFill/>
+        </p:spPr>
+        <p:txBody>
+          <a:bodyPr wrap="none" rtlCol="0">
+            <a:spAutoFit/>
+          </a:bodyPr>
+          <a:lstStyle/>
+          <a:p>
+            <a:r>
+              <a:rPr lang="en-US" altLang="ko-KR" sz="1100" dirty="0">
+                <a:latin typeface="배달의민족 주아" panose="02020603020101020101" pitchFamily="18" charset="-127"/>
+                <a:ea typeface="배달의민족 주아" panose="02020603020101020101" pitchFamily="18" charset="-127"/>
+              </a:rPr>
+              <a:t>: sample</a:t>
+            </a:r>
+            <a:r>
+              <a:rPr lang="ko-KR" altLang="en-US" sz="1100" dirty="0">
+                <a:latin typeface="배달의민족 주아" panose="02020603020101020101" pitchFamily="18" charset="-127"/>
+                <a:ea typeface="배달의민족 주아" panose="02020603020101020101" pitchFamily="18" charset="-127"/>
+              </a:rPr>
+              <a:t>로 선택된 사람</a:t>
+            </a:r>
+          </a:p>
+        </p:txBody>
+      </p:sp>
+      <p:pic>
+        <p:nvPicPr>
+          <p:cNvPr id="88" name="그림 87" descr="텍스트, 클립아트이(가) 표시된 사진&#10;&#10;자동 생성된 설명">
+            <a:extLst>
+              <a:ext uri="{FF2B5EF4-FFF2-40B4-BE49-F238E27FC236}">
+                <a16:creationId xmlns:a16="http://schemas.microsoft.com/office/drawing/2014/main" id="{C0827379-6B36-40E4-B3D2-1B6706294095}"/>
+              </a:ext>
+            </a:extLst>
+          </p:cNvPr>
+          <p:cNvPicPr>
+            <a:picLocks noChangeAspect="1"/>
+          </p:cNvPicPr>
+          <p:nvPr/>
+        </p:nvPicPr>
+        <p:blipFill rotWithShape="1">
+          <a:blip r:embed="rId7" cstate="print">
+            <a:extLst>
+              <a:ext uri="{BEBA8EAE-BF5A-486C-A8C5-ECC9F3942E4B}">
+                <a14:imgProps xmlns:a14="http://schemas.microsoft.com/office/drawing/2010/main">
+                  <a14:imgLayer r:embed="rId8">
+                    <a14:imgEffect>
+                      <a14:backgroundRemoval t="10000" b="90000" l="10000" r="90000"/>
+                    </a14:imgEffect>
+                  </a14:imgLayer>
+                </a14:imgProps>
+              </a:ext>
+              <a:ext uri="{28A0092B-C50C-407E-A947-70E740481C1C}">
+                <a14:useLocalDpi xmlns:a14="http://schemas.microsoft.com/office/drawing/2010/main" val="0"/>
+              </a:ext>
+            </a:extLst>
+          </a:blip>
+          <a:srcRect l="15459" t="17801" r="11172" b="16401"/>
+          <a:stretch/>
+        </p:blipFill>
+        <p:spPr>
+          <a:xfrm>
+            <a:off x="4275804" y="2130051"/>
+            <a:ext cx="1392796" cy="858990"/>
+          </a:xfrm>
+          <a:prstGeom prst="rect">
+            <a:avLst/>
+          </a:prstGeom>
+        </p:spPr>
+      </p:pic>
+      <p:sp>
+        <p:nvSpPr>
+          <p:cNvPr id="92" name="TextBox 91">
+            <a:extLst>
+              <a:ext uri="{FF2B5EF4-FFF2-40B4-BE49-F238E27FC236}">
+                <a16:creationId xmlns:a16="http://schemas.microsoft.com/office/drawing/2014/main" id="{7D99E92A-139F-42A3-9FEB-6722EF039862}"/>
+              </a:ext>
+            </a:extLst>
+          </p:cNvPr>
+          <p:cNvSpPr txBox="1"/>
+          <p:nvPr/>
+        </p:nvSpPr>
+        <p:spPr>
+          <a:xfrm>
+            <a:off x="1826988" y="3935935"/>
+            <a:ext cx="1784463" cy="400110"/>
+          </a:xfrm>
+          <a:prstGeom prst="rect">
+            <a:avLst/>
+          </a:prstGeom>
+          <a:noFill/>
+        </p:spPr>
+        <p:txBody>
+          <a:bodyPr wrap="none" rtlCol="0">
+            <a:spAutoFit/>
+          </a:bodyPr>
+          <a:lstStyle/>
+          <a:p>
+            <a:pPr algn="ctr"/>
+            <a:r>
+              <a:rPr lang="en-US" altLang="ko-KR" sz="2000" dirty="0">
+                <a:latin typeface="배달의민족 주아" panose="02020603020101020101" pitchFamily="18" charset="-127"/>
+                <a:ea typeface="배달의민족 주아" panose="02020603020101020101" pitchFamily="18" charset="-127"/>
+              </a:rPr>
+              <a:t>&lt;</a:t>
+            </a:r>
+            <a:r>
+              <a:rPr lang="ko-KR" altLang="en-US" sz="2000" dirty="0">
+                <a:latin typeface="배달의민족 주아" panose="02020603020101020101" pitchFamily="18" charset="-127"/>
+                <a:ea typeface="배달의민족 주아" panose="02020603020101020101" pitchFamily="18" charset="-127"/>
+              </a:rPr>
+              <a:t>모집단의 분포</a:t>
+            </a:r>
+            <a:r>
+              <a:rPr lang="en-US" altLang="ko-KR" sz="2000" dirty="0">
+                <a:latin typeface="배달의민족 주아" panose="02020603020101020101" pitchFamily="18" charset="-127"/>
+                <a:ea typeface="배달의민족 주아" panose="02020603020101020101" pitchFamily="18" charset="-127"/>
+              </a:rPr>
+              <a:t>&gt;</a:t>
+            </a:r>
+            <a:endParaRPr lang="ko-KR" altLang="en-US" sz="2000" dirty="0">
+              <a:latin typeface="배달의민족 주아" panose="02020603020101020101" pitchFamily="18" charset="-127"/>
+              <a:ea typeface="배달의민족 주아" panose="02020603020101020101" pitchFamily="18" charset="-127"/>
+            </a:endParaRPr>
+          </a:p>
+        </p:txBody>
+      </p:sp>
+      <p:cxnSp>
+        <p:nvCxnSpPr>
+          <p:cNvPr id="54" name="직선 연결선 53">
+            <a:extLst>
+              <a:ext uri="{FF2B5EF4-FFF2-40B4-BE49-F238E27FC236}">
+                <a16:creationId xmlns:a16="http://schemas.microsoft.com/office/drawing/2014/main" id="{C0E7FF59-BEE0-4C00-9F83-E09D00B0C516}"/>
+              </a:ext>
+            </a:extLst>
+          </p:cNvPr>
+          <p:cNvCxnSpPr>
+            <a:cxnSpLocks/>
+          </p:cNvCxnSpPr>
+          <p:nvPr/>
+        </p:nvCxnSpPr>
+        <p:spPr>
+          <a:xfrm>
+            <a:off x="7022337" y="915565"/>
+            <a:ext cx="0" cy="3001665"/>
+          </a:xfrm>
+          <a:prstGeom prst="line">
+            <a:avLst/>
+          </a:prstGeom>
+          <a:ln w="28575">
+            <a:solidFill>
+              <a:schemeClr val="accent3"/>
+            </a:solidFill>
+            <a:prstDash val="dash"/>
+          </a:ln>
+        </p:spPr>
+        <p:style>
+          <a:lnRef idx="1">
+            <a:schemeClr val="accent1"/>
+          </a:lnRef>
+          <a:fillRef idx="0">
+            <a:schemeClr val="accent1"/>
+          </a:fillRef>
+          <a:effectRef idx="0">
+            <a:schemeClr val="accent1"/>
+          </a:effectRef>
+          <a:fontRef idx="minor">
+            <a:schemeClr val="tx1"/>
+          </a:fontRef>
+        </p:style>
+      </p:cxnSp>
+      <p:pic>
+        <p:nvPicPr>
+          <p:cNvPr id="5" name="Picture 2"/>
+          <p:cNvPicPr>
+            <a:picLocks noChangeAspect="1" noChangeArrowheads="1"/>
+          </p:cNvPicPr>
+          <p:nvPr/>
+        </p:nvPicPr>
+        <p:blipFill>
+          <a:blip r:embed="rId2">
+            <a:extLst>
+              <a:ext uri="{28A0092B-C50C-407E-A947-70E740481C1C}">
+                <a14:useLocalDpi xmlns:a14="http://schemas.microsoft.com/office/drawing/2010/main" val="0"/>
+              </a:ext>
+            </a:extLst>
+          </a:blip>
+          <a:srcRect/>
+          <a:stretch>
+            <a:fillRect/>
+          </a:stretch>
+        </p:blipFill>
+        <p:spPr bwMode="auto">
+          <a:xfrm>
+            <a:off x="5423742" y="987574"/>
             <a:ext cx="3064412" cy="2880320"/>
           </a:xfrm>
           <a:prstGeom prst="rect">
@@ -3230,88 +4855,1137 @@
           </a:extLst>
         </p:spPr>
       </p:pic>
-      <p:pic>
-        <p:nvPicPr>
-          <p:cNvPr id="1029" name="Picture 5" descr="https://static.wikia.nocookie.net/camp_for_bragging_rights/images/0/0e/Stickman.png/revision/latest/scale-to-width-down/768?cb=20200421202819"/>
-          <p:cNvPicPr>
-            <a:picLocks noChangeAspect="1" noChangeArrowheads="1"/>
-          </p:cNvPicPr>
-          <p:nvPr/>
-        </p:nvPicPr>
-        <p:blipFill>
-          <a:blip r:embed="rId3" cstate="print">
-            <a:extLst>
-              <a:ext uri="{28A0092B-C50C-407E-A947-70E740481C1C}">
-                <a14:useLocalDpi xmlns:a14="http://schemas.microsoft.com/office/drawing/2010/main" val="0"/>
-              </a:ext>
-            </a:extLst>
-          </a:blip>
-          <a:srcRect/>
-          <a:stretch>
-            <a:fillRect/>
-          </a:stretch>
-        </p:blipFill>
-        <p:spPr bwMode="auto">
-          <a:xfrm>
-            <a:off x="1564964" y="3082863"/>
-            <a:ext cx="511113" cy="511113"/>
+      <p:sp>
+        <p:nvSpPr>
+          <p:cNvPr id="4" name="TextBox 3">
+            <a:extLst>
+              <a:ext uri="{FF2B5EF4-FFF2-40B4-BE49-F238E27FC236}">
+                <a16:creationId xmlns:a16="http://schemas.microsoft.com/office/drawing/2014/main" id="{C04AFB07-A04F-4BA4-AFC3-446CE5957D9D}"/>
+              </a:ext>
+            </a:extLst>
+          </p:cNvPr>
+          <p:cNvSpPr txBox="1"/>
+          <p:nvPr/>
+        </p:nvSpPr>
+        <p:spPr>
+          <a:xfrm>
+            <a:off x="6637184" y="2086187"/>
+            <a:ext cx="417102" cy="261610"/>
           </a:xfrm>
           <a:prstGeom prst="rect">
             <a:avLst/>
           </a:prstGeom>
           <a:noFill/>
-          <a:extLst>
-            <a:ext uri="{909E8E84-426E-40DD-AFC4-6F175D3DCCD1}">
-              <a14:hiddenFill xmlns:a14="http://schemas.microsoft.com/office/drawing/2010/main">
+        </p:spPr>
+        <p:txBody>
+          <a:bodyPr wrap="none" rtlCol="0">
+            <a:spAutoFit/>
+          </a:bodyPr>
+          <a:lstStyle/>
+          <a:p>
+            <a:r>
+              <a:rPr lang="ko-KR" altLang="en-US" sz="1100">
+                <a:latin typeface="배달의민족 주아" panose="02020603020101020101" pitchFamily="18" charset="-127"/>
+                <a:ea typeface="배달의민족 주아" panose="02020603020101020101" pitchFamily="18" charset="-127"/>
+              </a:rPr>
+              <a:t>평균</a:t>
+            </a:r>
+          </a:p>
+        </p:txBody>
+      </p:sp>
+      <p:sp>
+        <p:nvSpPr>
+          <p:cNvPr id="56" name="TextBox 55">
+            <a:extLst>
+              <a:ext uri="{FF2B5EF4-FFF2-40B4-BE49-F238E27FC236}">
+                <a16:creationId xmlns:a16="http://schemas.microsoft.com/office/drawing/2014/main" id="{B6A70F32-8562-4E73-BD1D-CF9D36148B17}"/>
+              </a:ext>
+            </a:extLst>
+          </p:cNvPr>
+          <p:cNvSpPr txBox="1"/>
+          <p:nvPr/>
+        </p:nvSpPr>
+        <p:spPr>
+          <a:xfrm>
+            <a:off x="6538846" y="2327344"/>
+            <a:ext cx="417102" cy="261610"/>
+          </a:xfrm>
+          <a:prstGeom prst="rect">
+            <a:avLst/>
+          </a:prstGeom>
+          <a:noFill/>
+        </p:spPr>
+        <p:txBody>
+          <a:bodyPr wrap="none" rtlCol="0">
+            <a:spAutoFit/>
+          </a:bodyPr>
+          <a:lstStyle/>
+          <a:p>
+            <a:r>
+              <a:rPr lang="ko-KR" altLang="en-US" sz="1100">
+                <a:latin typeface="배달의민족 주아" panose="02020603020101020101" pitchFamily="18" charset="-127"/>
+                <a:ea typeface="배달의민족 주아" panose="02020603020101020101" pitchFamily="18" charset="-127"/>
+              </a:rPr>
+              <a:t>평균</a:t>
+            </a:r>
+          </a:p>
+        </p:txBody>
+      </p:sp>
+      <p:sp>
+        <p:nvSpPr>
+          <p:cNvPr id="57" name="TextBox 56">
+            <a:extLst>
+              <a:ext uri="{FF2B5EF4-FFF2-40B4-BE49-F238E27FC236}">
+                <a16:creationId xmlns:a16="http://schemas.microsoft.com/office/drawing/2014/main" id="{69C2B872-9BEB-4D28-96BF-A163FA23B2AE}"/>
+              </a:ext>
+            </a:extLst>
+          </p:cNvPr>
+          <p:cNvSpPr txBox="1"/>
+          <p:nvPr/>
+        </p:nvSpPr>
+        <p:spPr>
+          <a:xfrm>
+            <a:off x="6894642" y="2437573"/>
+            <a:ext cx="417102" cy="261610"/>
+          </a:xfrm>
+          <a:prstGeom prst="rect">
+            <a:avLst/>
+          </a:prstGeom>
+          <a:noFill/>
+        </p:spPr>
+        <p:txBody>
+          <a:bodyPr wrap="none" rtlCol="0">
+            <a:spAutoFit/>
+          </a:bodyPr>
+          <a:lstStyle/>
+          <a:p>
+            <a:r>
+              <a:rPr lang="ko-KR" altLang="en-US" sz="1100">
+                <a:latin typeface="배달의민족 주아" panose="02020603020101020101" pitchFamily="18" charset="-127"/>
+                <a:ea typeface="배달의민족 주아" panose="02020603020101020101" pitchFamily="18" charset="-127"/>
+              </a:rPr>
+              <a:t>평균</a:t>
+            </a:r>
+          </a:p>
+        </p:txBody>
+      </p:sp>
+      <p:sp>
+        <p:nvSpPr>
+          <p:cNvPr id="58" name="TextBox 57">
+            <a:extLst>
+              <a:ext uri="{FF2B5EF4-FFF2-40B4-BE49-F238E27FC236}">
+                <a16:creationId xmlns:a16="http://schemas.microsoft.com/office/drawing/2014/main" id="{EF643D31-A1D1-4965-BB3A-247350DB9036}"/>
+              </a:ext>
+            </a:extLst>
+          </p:cNvPr>
+          <p:cNvSpPr txBox="1"/>
+          <p:nvPr/>
+        </p:nvSpPr>
+        <p:spPr>
+          <a:xfrm>
+            <a:off x="6866949" y="2221549"/>
+            <a:ext cx="417102" cy="261610"/>
+          </a:xfrm>
+          <a:prstGeom prst="rect">
+            <a:avLst/>
+          </a:prstGeom>
+          <a:noFill/>
+        </p:spPr>
+        <p:txBody>
+          <a:bodyPr wrap="none" rtlCol="0">
+            <a:spAutoFit/>
+          </a:bodyPr>
+          <a:lstStyle/>
+          <a:p>
+            <a:r>
+              <a:rPr lang="ko-KR" altLang="en-US" sz="1100">
+                <a:latin typeface="배달의민족 주아" panose="02020603020101020101" pitchFamily="18" charset="-127"/>
+                <a:ea typeface="배달의민족 주아" panose="02020603020101020101" pitchFamily="18" charset="-127"/>
+              </a:rPr>
+              <a:t>평균</a:t>
+            </a:r>
+          </a:p>
+        </p:txBody>
+      </p:sp>
+      <p:sp>
+        <p:nvSpPr>
+          <p:cNvPr id="59" name="TextBox 58">
+            <a:extLst>
+              <a:ext uri="{FF2B5EF4-FFF2-40B4-BE49-F238E27FC236}">
+                <a16:creationId xmlns:a16="http://schemas.microsoft.com/office/drawing/2014/main" id="{CEFEF120-AE30-4C7C-8637-42BDD97D4151}"/>
+              </a:ext>
+            </a:extLst>
+          </p:cNvPr>
+          <p:cNvSpPr txBox="1"/>
+          <p:nvPr/>
+        </p:nvSpPr>
+        <p:spPr>
+          <a:xfrm>
+            <a:off x="6771285" y="1883602"/>
+            <a:ext cx="417102" cy="261610"/>
+          </a:xfrm>
+          <a:prstGeom prst="rect">
+            <a:avLst/>
+          </a:prstGeom>
+          <a:noFill/>
+        </p:spPr>
+        <p:txBody>
+          <a:bodyPr wrap="none" rtlCol="0">
+            <a:spAutoFit/>
+          </a:bodyPr>
+          <a:lstStyle/>
+          <a:p>
+            <a:r>
+              <a:rPr lang="ko-KR" altLang="en-US" sz="1100">
+                <a:latin typeface="배달의민족 주아" panose="02020603020101020101" pitchFamily="18" charset="-127"/>
+                <a:ea typeface="배달의민족 주아" panose="02020603020101020101" pitchFamily="18" charset="-127"/>
+              </a:rPr>
+              <a:t>평균</a:t>
+            </a:r>
+          </a:p>
+        </p:txBody>
+      </p:sp>
+      <p:sp>
+        <p:nvSpPr>
+          <p:cNvPr id="60" name="TextBox 59">
+            <a:extLst>
+              <a:ext uri="{FF2B5EF4-FFF2-40B4-BE49-F238E27FC236}">
+                <a16:creationId xmlns:a16="http://schemas.microsoft.com/office/drawing/2014/main" id="{1EF9F216-41A4-4695-A143-7F795D43D60F}"/>
+              </a:ext>
+            </a:extLst>
+          </p:cNvPr>
+          <p:cNvSpPr txBox="1"/>
+          <p:nvPr/>
+        </p:nvSpPr>
+        <p:spPr>
+          <a:xfrm>
+            <a:off x="7054286" y="2005525"/>
+            <a:ext cx="417102" cy="261610"/>
+          </a:xfrm>
+          <a:prstGeom prst="rect">
+            <a:avLst/>
+          </a:prstGeom>
+          <a:noFill/>
+        </p:spPr>
+        <p:txBody>
+          <a:bodyPr wrap="none" rtlCol="0">
+            <a:spAutoFit/>
+          </a:bodyPr>
+          <a:lstStyle/>
+          <a:p>
+            <a:r>
+              <a:rPr lang="ko-KR" altLang="en-US" sz="1100">
+                <a:latin typeface="배달의민족 주아" panose="02020603020101020101" pitchFamily="18" charset="-127"/>
+                <a:ea typeface="배달의민족 주아" panose="02020603020101020101" pitchFamily="18" charset="-127"/>
+              </a:rPr>
+              <a:t>평균</a:t>
+            </a:r>
+          </a:p>
+        </p:txBody>
+      </p:sp>
+      <p:sp>
+        <p:nvSpPr>
+          <p:cNvPr id="61" name="TextBox 60">
+            <a:extLst>
+              <a:ext uri="{FF2B5EF4-FFF2-40B4-BE49-F238E27FC236}">
+                <a16:creationId xmlns:a16="http://schemas.microsoft.com/office/drawing/2014/main" id="{2A0E21AB-25E9-49DD-ADB4-0D3EC75B25A1}"/>
+              </a:ext>
+            </a:extLst>
+          </p:cNvPr>
+          <p:cNvSpPr txBox="1"/>
+          <p:nvPr/>
+        </p:nvSpPr>
+        <p:spPr>
+          <a:xfrm>
+            <a:off x="7120675" y="2326722"/>
+            <a:ext cx="417102" cy="261610"/>
+          </a:xfrm>
+          <a:prstGeom prst="rect">
+            <a:avLst/>
+          </a:prstGeom>
+          <a:noFill/>
+        </p:spPr>
+        <p:txBody>
+          <a:bodyPr wrap="none" rtlCol="0">
+            <a:spAutoFit/>
+          </a:bodyPr>
+          <a:lstStyle/>
+          <a:p>
+            <a:r>
+              <a:rPr lang="ko-KR" altLang="en-US" sz="1100">
+                <a:latin typeface="배달의민족 주아" panose="02020603020101020101" pitchFamily="18" charset="-127"/>
+                <a:ea typeface="배달의민족 주아" panose="02020603020101020101" pitchFamily="18" charset="-127"/>
+              </a:rPr>
+              <a:t>평균</a:t>
+            </a:r>
+          </a:p>
+        </p:txBody>
+      </p:sp>
+      <p:sp>
+        <p:nvSpPr>
+          <p:cNvPr id="62" name="TextBox 61">
+            <a:extLst>
+              <a:ext uri="{FF2B5EF4-FFF2-40B4-BE49-F238E27FC236}">
+                <a16:creationId xmlns:a16="http://schemas.microsoft.com/office/drawing/2014/main" id="{74F7DFBB-01DD-4E1C-AA49-53D5262B1568}"/>
+              </a:ext>
+            </a:extLst>
+          </p:cNvPr>
+          <p:cNvSpPr txBox="1"/>
+          <p:nvPr/>
+        </p:nvSpPr>
+        <p:spPr>
+          <a:xfrm>
+            <a:off x="6605235" y="2534486"/>
+            <a:ext cx="417102" cy="261610"/>
+          </a:xfrm>
+          <a:prstGeom prst="rect">
+            <a:avLst/>
+          </a:prstGeom>
+          <a:noFill/>
+        </p:spPr>
+        <p:txBody>
+          <a:bodyPr wrap="none" rtlCol="0">
+            <a:spAutoFit/>
+          </a:bodyPr>
+          <a:lstStyle/>
+          <a:p>
+            <a:r>
+              <a:rPr lang="ko-KR" altLang="en-US" sz="1100">
+                <a:latin typeface="배달의민족 주아" panose="02020603020101020101" pitchFamily="18" charset="-127"/>
+                <a:ea typeface="배달의민족 주아" panose="02020603020101020101" pitchFamily="18" charset="-127"/>
+              </a:rPr>
+              <a:t>평균</a:t>
+            </a:r>
+          </a:p>
+        </p:txBody>
+      </p:sp>
+      <p:sp>
+        <p:nvSpPr>
+          <p:cNvPr id="63" name="TextBox 62">
+            <a:extLst>
+              <a:ext uri="{FF2B5EF4-FFF2-40B4-BE49-F238E27FC236}">
+                <a16:creationId xmlns:a16="http://schemas.microsoft.com/office/drawing/2014/main" id="{A80CF1C4-9476-4397-A3ED-365156FF8C0B}"/>
+              </a:ext>
+            </a:extLst>
+          </p:cNvPr>
+          <p:cNvSpPr txBox="1"/>
+          <p:nvPr/>
+        </p:nvSpPr>
+        <p:spPr>
+          <a:xfrm>
+            <a:off x="6509701" y="2690301"/>
+            <a:ext cx="417102" cy="261610"/>
+          </a:xfrm>
+          <a:prstGeom prst="rect">
+            <a:avLst/>
+          </a:prstGeom>
+          <a:noFill/>
+        </p:spPr>
+        <p:txBody>
+          <a:bodyPr wrap="none" rtlCol="0">
+            <a:spAutoFit/>
+          </a:bodyPr>
+          <a:lstStyle/>
+          <a:p>
+            <a:r>
+              <a:rPr lang="ko-KR" altLang="en-US" sz="1100">
+                <a:latin typeface="배달의민족 주아" panose="02020603020101020101" pitchFamily="18" charset="-127"/>
+                <a:ea typeface="배달의민족 주아" panose="02020603020101020101" pitchFamily="18" charset="-127"/>
+              </a:rPr>
+              <a:t>평균</a:t>
+            </a:r>
+          </a:p>
+        </p:txBody>
+      </p:sp>
+      <p:sp>
+        <p:nvSpPr>
+          <p:cNvPr id="64" name="TextBox 63">
+            <a:extLst>
+              <a:ext uri="{FF2B5EF4-FFF2-40B4-BE49-F238E27FC236}">
+                <a16:creationId xmlns:a16="http://schemas.microsoft.com/office/drawing/2014/main" id="{BE0C0FF2-734F-440D-9121-2CA00E623972}"/>
+              </a:ext>
+            </a:extLst>
+          </p:cNvPr>
+          <p:cNvSpPr txBox="1"/>
+          <p:nvPr/>
+        </p:nvSpPr>
+        <p:spPr>
+          <a:xfrm>
+            <a:off x="6436082" y="2862782"/>
+            <a:ext cx="417102" cy="261610"/>
+          </a:xfrm>
+          <a:prstGeom prst="rect">
+            <a:avLst/>
+          </a:prstGeom>
+          <a:noFill/>
+        </p:spPr>
+        <p:txBody>
+          <a:bodyPr wrap="none" rtlCol="0">
+            <a:spAutoFit/>
+          </a:bodyPr>
+          <a:lstStyle/>
+          <a:p>
+            <a:r>
+              <a:rPr lang="ko-KR" altLang="en-US" sz="1100">
+                <a:latin typeface="배달의민족 주아" panose="02020603020101020101" pitchFamily="18" charset="-127"/>
+                <a:ea typeface="배달의민족 주아" panose="02020603020101020101" pitchFamily="18" charset="-127"/>
+              </a:rPr>
+              <a:t>평균</a:t>
+            </a:r>
+          </a:p>
+        </p:txBody>
+      </p:sp>
+      <p:sp>
+        <p:nvSpPr>
+          <p:cNvPr id="65" name="TextBox 64">
+            <a:extLst>
+              <a:ext uri="{FF2B5EF4-FFF2-40B4-BE49-F238E27FC236}">
+                <a16:creationId xmlns:a16="http://schemas.microsoft.com/office/drawing/2014/main" id="{75621EA3-8E7A-411B-81FC-098BF5452E03}"/>
+              </a:ext>
+            </a:extLst>
+          </p:cNvPr>
+          <p:cNvSpPr txBox="1"/>
+          <p:nvPr/>
+        </p:nvSpPr>
+        <p:spPr>
+          <a:xfrm>
+            <a:off x="6853184" y="2698634"/>
+            <a:ext cx="417102" cy="261610"/>
+          </a:xfrm>
+          <a:prstGeom prst="rect">
+            <a:avLst/>
+          </a:prstGeom>
+          <a:noFill/>
+        </p:spPr>
+        <p:txBody>
+          <a:bodyPr wrap="none" rtlCol="0">
+            <a:spAutoFit/>
+          </a:bodyPr>
+          <a:lstStyle/>
+          <a:p>
+            <a:r>
+              <a:rPr lang="ko-KR" altLang="en-US" sz="1100">
+                <a:latin typeface="배달의민족 주아" panose="02020603020101020101" pitchFamily="18" charset="-127"/>
+                <a:ea typeface="배달의민족 주아" panose="02020603020101020101" pitchFamily="18" charset="-127"/>
+              </a:rPr>
+              <a:t>평균</a:t>
+            </a:r>
+          </a:p>
+        </p:txBody>
+      </p:sp>
+      <p:sp>
+        <p:nvSpPr>
+          <p:cNvPr id="66" name="TextBox 65">
+            <a:extLst>
+              <a:ext uri="{FF2B5EF4-FFF2-40B4-BE49-F238E27FC236}">
+                <a16:creationId xmlns:a16="http://schemas.microsoft.com/office/drawing/2014/main" id="{C1FA5586-4F2E-4F6A-A0FA-1855CDED3BDC}"/>
+              </a:ext>
+            </a:extLst>
+          </p:cNvPr>
+          <p:cNvSpPr txBox="1"/>
+          <p:nvPr/>
+        </p:nvSpPr>
+        <p:spPr>
+          <a:xfrm>
+            <a:off x="6691275" y="2872433"/>
+            <a:ext cx="417102" cy="261610"/>
+          </a:xfrm>
+          <a:prstGeom prst="rect">
+            <a:avLst/>
+          </a:prstGeom>
+          <a:noFill/>
+        </p:spPr>
+        <p:txBody>
+          <a:bodyPr wrap="none" rtlCol="0">
+            <a:spAutoFit/>
+          </a:bodyPr>
+          <a:lstStyle/>
+          <a:p>
+            <a:r>
+              <a:rPr lang="ko-KR" altLang="en-US" sz="1100">
+                <a:latin typeface="배달의민족 주아" panose="02020603020101020101" pitchFamily="18" charset="-127"/>
+                <a:ea typeface="배달의민족 주아" panose="02020603020101020101" pitchFamily="18" charset="-127"/>
+              </a:rPr>
+              <a:t>평균</a:t>
+            </a:r>
+          </a:p>
+        </p:txBody>
+      </p:sp>
+      <p:sp>
+        <p:nvSpPr>
+          <p:cNvPr id="67" name="TextBox 66">
+            <a:extLst>
+              <a:ext uri="{FF2B5EF4-FFF2-40B4-BE49-F238E27FC236}">
+                <a16:creationId xmlns:a16="http://schemas.microsoft.com/office/drawing/2014/main" id="{141486BF-6F45-441A-95F3-D175221A8176}"/>
+              </a:ext>
+            </a:extLst>
+          </p:cNvPr>
+          <p:cNvSpPr txBox="1"/>
+          <p:nvPr/>
+        </p:nvSpPr>
+        <p:spPr>
+          <a:xfrm>
+            <a:off x="6320815" y="3060273"/>
+            <a:ext cx="417102" cy="261610"/>
+          </a:xfrm>
+          <a:prstGeom prst="rect">
+            <a:avLst/>
+          </a:prstGeom>
+          <a:noFill/>
+        </p:spPr>
+        <p:txBody>
+          <a:bodyPr wrap="none" rtlCol="0">
+            <a:spAutoFit/>
+          </a:bodyPr>
+          <a:lstStyle/>
+          <a:p>
+            <a:r>
+              <a:rPr lang="ko-KR" altLang="en-US" sz="1100">
+                <a:latin typeface="배달의민족 주아" panose="02020603020101020101" pitchFamily="18" charset="-127"/>
+                <a:ea typeface="배달의민족 주아" panose="02020603020101020101" pitchFamily="18" charset="-127"/>
+              </a:rPr>
+              <a:t>평균</a:t>
+            </a:r>
+          </a:p>
+        </p:txBody>
+      </p:sp>
+      <p:sp>
+        <p:nvSpPr>
+          <p:cNvPr id="68" name="TextBox 67">
+            <a:extLst>
+              <a:ext uri="{FF2B5EF4-FFF2-40B4-BE49-F238E27FC236}">
+                <a16:creationId xmlns:a16="http://schemas.microsoft.com/office/drawing/2014/main" id="{D1BF9F06-0991-468D-8349-6B35F7061937}"/>
+              </a:ext>
+            </a:extLst>
+          </p:cNvPr>
+          <p:cNvSpPr txBox="1"/>
+          <p:nvPr/>
+        </p:nvSpPr>
+        <p:spPr>
+          <a:xfrm>
+            <a:off x="6681854" y="3081097"/>
+            <a:ext cx="417102" cy="261610"/>
+          </a:xfrm>
+          <a:prstGeom prst="rect">
+            <a:avLst/>
+          </a:prstGeom>
+          <a:noFill/>
+        </p:spPr>
+        <p:txBody>
+          <a:bodyPr wrap="none" rtlCol="0">
+            <a:spAutoFit/>
+          </a:bodyPr>
+          <a:lstStyle/>
+          <a:p>
+            <a:r>
+              <a:rPr lang="ko-KR" altLang="en-US" sz="1100" dirty="0">
+                <a:latin typeface="배달의민족 주아" panose="02020603020101020101" pitchFamily="18" charset="-127"/>
+                <a:ea typeface="배달의민족 주아" panose="02020603020101020101" pitchFamily="18" charset="-127"/>
+              </a:rPr>
+              <a:t>평균</a:t>
+            </a:r>
+          </a:p>
+        </p:txBody>
+      </p:sp>
+      <p:sp>
+        <p:nvSpPr>
+          <p:cNvPr id="69" name="TextBox 68">
+            <a:extLst>
+              <a:ext uri="{FF2B5EF4-FFF2-40B4-BE49-F238E27FC236}">
+                <a16:creationId xmlns:a16="http://schemas.microsoft.com/office/drawing/2014/main" id="{298D047E-0D35-48CC-B73B-A5246B507DEC}"/>
+              </a:ext>
+            </a:extLst>
+          </p:cNvPr>
+          <p:cNvSpPr txBox="1"/>
+          <p:nvPr/>
+        </p:nvSpPr>
+        <p:spPr>
+          <a:xfrm>
+            <a:off x="6482724" y="3263229"/>
+            <a:ext cx="417102" cy="261610"/>
+          </a:xfrm>
+          <a:prstGeom prst="rect">
+            <a:avLst/>
+          </a:prstGeom>
+          <a:noFill/>
+        </p:spPr>
+        <p:txBody>
+          <a:bodyPr wrap="none" rtlCol="0">
+            <a:spAutoFit/>
+          </a:bodyPr>
+          <a:lstStyle/>
+          <a:p>
+            <a:r>
+              <a:rPr lang="ko-KR" altLang="en-US" sz="1100">
+                <a:latin typeface="배달의민족 주아" panose="02020603020101020101" pitchFamily="18" charset="-127"/>
+                <a:ea typeface="배달의민족 주아" panose="02020603020101020101" pitchFamily="18" charset="-127"/>
+              </a:rPr>
+              <a:t>평균</a:t>
+            </a:r>
+          </a:p>
+        </p:txBody>
+      </p:sp>
+      <p:sp>
+        <p:nvSpPr>
+          <p:cNvPr id="70" name="TextBox 69">
+            <a:extLst>
+              <a:ext uri="{FF2B5EF4-FFF2-40B4-BE49-F238E27FC236}">
+                <a16:creationId xmlns:a16="http://schemas.microsoft.com/office/drawing/2014/main" id="{3E688838-CA83-4471-9A4C-650BFD22C65B}"/>
+              </a:ext>
+            </a:extLst>
+          </p:cNvPr>
+          <p:cNvSpPr txBox="1"/>
+          <p:nvPr/>
+        </p:nvSpPr>
+        <p:spPr>
+          <a:xfrm>
+            <a:off x="6172912" y="3362458"/>
+            <a:ext cx="417102" cy="261610"/>
+          </a:xfrm>
+          <a:prstGeom prst="rect">
+            <a:avLst/>
+          </a:prstGeom>
+          <a:noFill/>
+        </p:spPr>
+        <p:txBody>
+          <a:bodyPr wrap="none" rtlCol="0">
+            <a:spAutoFit/>
+          </a:bodyPr>
+          <a:lstStyle/>
+          <a:p>
+            <a:r>
+              <a:rPr lang="ko-KR" altLang="en-US" sz="1100">
+                <a:latin typeface="배달의민족 주아" panose="02020603020101020101" pitchFamily="18" charset="-127"/>
+                <a:ea typeface="배달의민족 주아" panose="02020603020101020101" pitchFamily="18" charset="-127"/>
+              </a:rPr>
+              <a:t>평균</a:t>
+            </a:r>
+          </a:p>
+        </p:txBody>
+      </p:sp>
+      <p:sp>
+        <p:nvSpPr>
+          <p:cNvPr id="71" name="TextBox 70">
+            <a:extLst>
+              <a:ext uri="{FF2B5EF4-FFF2-40B4-BE49-F238E27FC236}">
+                <a16:creationId xmlns:a16="http://schemas.microsoft.com/office/drawing/2014/main" id="{9CECF851-F0A1-4282-996C-B5D11CEB5290}"/>
+              </a:ext>
+            </a:extLst>
+          </p:cNvPr>
+          <p:cNvSpPr txBox="1"/>
+          <p:nvPr/>
+        </p:nvSpPr>
+        <p:spPr>
+          <a:xfrm>
+            <a:off x="6771285" y="3318251"/>
+            <a:ext cx="417102" cy="261610"/>
+          </a:xfrm>
+          <a:prstGeom prst="rect">
+            <a:avLst/>
+          </a:prstGeom>
+          <a:noFill/>
+        </p:spPr>
+        <p:txBody>
+          <a:bodyPr wrap="none" rtlCol="0">
+            <a:spAutoFit/>
+          </a:bodyPr>
+          <a:lstStyle/>
+          <a:p>
+            <a:r>
+              <a:rPr lang="ko-KR" altLang="en-US" sz="1100" dirty="0">
+                <a:latin typeface="배달의민족 주아" panose="02020603020101020101" pitchFamily="18" charset="-127"/>
+                <a:ea typeface="배달의민족 주아" panose="02020603020101020101" pitchFamily="18" charset="-127"/>
+              </a:rPr>
+              <a:t>평균</a:t>
+            </a:r>
+          </a:p>
+        </p:txBody>
+      </p:sp>
+      <p:sp>
+        <p:nvSpPr>
+          <p:cNvPr id="72" name="TextBox 71">
+            <a:extLst>
+              <a:ext uri="{FF2B5EF4-FFF2-40B4-BE49-F238E27FC236}">
+                <a16:creationId xmlns:a16="http://schemas.microsoft.com/office/drawing/2014/main" id="{69BC8545-3494-47F8-AF2D-6D5219239A00}"/>
+              </a:ext>
+            </a:extLst>
+          </p:cNvPr>
+          <p:cNvSpPr txBox="1"/>
+          <p:nvPr/>
+        </p:nvSpPr>
+        <p:spPr>
+          <a:xfrm>
+            <a:off x="7081097" y="3097308"/>
+            <a:ext cx="417102" cy="261610"/>
+          </a:xfrm>
+          <a:prstGeom prst="rect">
+            <a:avLst/>
+          </a:prstGeom>
+          <a:noFill/>
+        </p:spPr>
+        <p:txBody>
+          <a:bodyPr wrap="none" rtlCol="0">
+            <a:spAutoFit/>
+          </a:bodyPr>
+          <a:lstStyle/>
+          <a:p>
+            <a:r>
+              <a:rPr lang="ko-KR" altLang="en-US" sz="1100" dirty="0">
+                <a:latin typeface="배달의민족 주아" panose="02020603020101020101" pitchFamily="18" charset="-127"/>
+                <a:ea typeface="배달의민족 주아" panose="02020603020101020101" pitchFamily="18" charset="-127"/>
+              </a:rPr>
+              <a:t>평균</a:t>
+            </a:r>
+          </a:p>
+        </p:txBody>
+      </p:sp>
+      <p:sp>
+        <p:nvSpPr>
+          <p:cNvPr id="73" name="TextBox 72">
+            <a:extLst>
+              <a:ext uri="{FF2B5EF4-FFF2-40B4-BE49-F238E27FC236}">
+                <a16:creationId xmlns:a16="http://schemas.microsoft.com/office/drawing/2014/main" id="{FB9808E6-A5DB-4C5B-8EA9-D7841F12F0BE}"/>
+              </a:ext>
+            </a:extLst>
+          </p:cNvPr>
+          <p:cNvSpPr txBox="1"/>
+          <p:nvPr/>
+        </p:nvSpPr>
+        <p:spPr>
+          <a:xfrm>
+            <a:off x="7078832" y="2846334"/>
+            <a:ext cx="522900" cy="338554"/>
+          </a:xfrm>
+          <a:prstGeom prst="rect">
+            <a:avLst/>
+          </a:prstGeom>
+          <a:noFill/>
+        </p:spPr>
+        <p:txBody>
+          <a:bodyPr wrap="none" rtlCol="0">
+            <a:spAutoFit/>
+          </a:bodyPr>
+          <a:lstStyle/>
+          <a:p>
+            <a:r>
+              <a:rPr lang="ko-KR" altLang="en-US" sz="1600" dirty="0">
                 <a:solidFill>
-                  <a:srgbClr val="FFFFFF"/>
+                  <a:srgbClr val="FF0000"/>
                 </a:solidFill>
-              </a14:hiddenFill>
-            </a:ext>
-          </a:extLst>
-        </p:spPr>
-      </p:pic>
-      <p:pic>
-        <p:nvPicPr>
-          <p:cNvPr id="1030" name="Picture 6" descr="C:\Users\biosensor1\Documents\카카오톡 받은 파일\KakaoTalk_20210112_172206730.png"/>
-          <p:cNvPicPr>
-            <a:picLocks noChangeAspect="1" noChangeArrowheads="1"/>
-          </p:cNvPicPr>
-          <p:nvPr/>
-        </p:nvPicPr>
-        <p:blipFill>
-          <a:blip r:embed="rId4" cstate="print">
-            <a:extLst>
-              <a:ext uri="{28A0092B-C50C-407E-A947-70E740481C1C}">
-                <a14:useLocalDpi xmlns:a14="http://schemas.microsoft.com/office/drawing/2010/main" val="0"/>
-              </a:ext>
-            </a:extLst>
-          </a:blip>
-          <a:srcRect/>
-          <a:stretch>
-            <a:fillRect/>
-          </a:stretch>
-        </p:blipFill>
-        <p:spPr bwMode="auto">
-          <a:xfrm>
-            <a:off x="1777162" y="3013193"/>
-            <a:ext cx="588253" cy="650451"/>
+                <a:latin typeface="배달의민족 주아" panose="02020603020101020101" pitchFamily="18" charset="-127"/>
+                <a:ea typeface="배달의민족 주아" panose="02020603020101020101" pitchFamily="18" charset="-127"/>
+              </a:rPr>
+              <a:t>평균</a:t>
+            </a:r>
+          </a:p>
+        </p:txBody>
+      </p:sp>
+      <p:sp>
+        <p:nvSpPr>
+          <p:cNvPr id="74" name="TextBox 73">
+            <a:extLst>
+              <a:ext uri="{FF2B5EF4-FFF2-40B4-BE49-F238E27FC236}">
+                <a16:creationId xmlns:a16="http://schemas.microsoft.com/office/drawing/2014/main" id="{77FEB70C-285E-44D7-BC63-B77A268499EC}"/>
+              </a:ext>
+            </a:extLst>
+          </p:cNvPr>
+          <p:cNvSpPr txBox="1"/>
+          <p:nvPr/>
+        </p:nvSpPr>
+        <p:spPr>
+          <a:xfrm>
+            <a:off x="7161279" y="2641735"/>
+            <a:ext cx="417102" cy="261610"/>
           </a:xfrm>
           <a:prstGeom prst="rect">
             <a:avLst/>
           </a:prstGeom>
           <a:noFill/>
-          <a:extLst>
-            <a:ext uri="{909E8E84-426E-40DD-AFC4-6F175D3DCCD1}">
-              <a14:hiddenFill xmlns:a14="http://schemas.microsoft.com/office/drawing/2010/main">
+        </p:spPr>
+        <p:txBody>
+          <a:bodyPr wrap="none" rtlCol="0">
+            <a:spAutoFit/>
+          </a:bodyPr>
+          <a:lstStyle/>
+          <a:p>
+            <a:r>
+              <a:rPr lang="ko-KR" altLang="en-US" sz="1100" dirty="0">
+                <a:latin typeface="배달의민족 주아" panose="02020603020101020101" pitchFamily="18" charset="-127"/>
+                <a:ea typeface="배달의민족 주아" panose="02020603020101020101" pitchFamily="18" charset="-127"/>
+              </a:rPr>
+              <a:t>평균</a:t>
+            </a:r>
+          </a:p>
+        </p:txBody>
+      </p:sp>
+      <p:sp>
+        <p:nvSpPr>
+          <p:cNvPr id="75" name="TextBox 74">
+            <a:extLst>
+              <a:ext uri="{FF2B5EF4-FFF2-40B4-BE49-F238E27FC236}">
+                <a16:creationId xmlns:a16="http://schemas.microsoft.com/office/drawing/2014/main" id="{2D586DBC-82ED-4D02-8CDB-898A98F22D29}"/>
+              </a:ext>
+            </a:extLst>
+          </p:cNvPr>
+          <p:cNvSpPr txBox="1"/>
+          <p:nvPr/>
+        </p:nvSpPr>
+        <p:spPr>
+          <a:xfrm>
+            <a:off x="7348720" y="3098825"/>
+            <a:ext cx="417102" cy="261610"/>
+          </a:xfrm>
+          <a:prstGeom prst="rect">
+            <a:avLst/>
+          </a:prstGeom>
+          <a:noFill/>
+        </p:spPr>
+        <p:txBody>
+          <a:bodyPr wrap="none" rtlCol="0">
+            <a:spAutoFit/>
+          </a:bodyPr>
+          <a:lstStyle/>
+          <a:p>
+            <a:r>
+              <a:rPr lang="ko-KR" altLang="en-US" sz="1100" dirty="0">
+                <a:latin typeface="배달의민족 주아" panose="02020603020101020101" pitchFamily="18" charset="-127"/>
+                <a:ea typeface="배달의민족 주아" panose="02020603020101020101" pitchFamily="18" charset="-127"/>
+              </a:rPr>
+              <a:t>평균</a:t>
+            </a:r>
+          </a:p>
+        </p:txBody>
+      </p:sp>
+      <p:sp>
+        <p:nvSpPr>
+          <p:cNvPr id="76" name="TextBox 75">
+            <a:extLst>
+              <a:ext uri="{FF2B5EF4-FFF2-40B4-BE49-F238E27FC236}">
+                <a16:creationId xmlns:a16="http://schemas.microsoft.com/office/drawing/2014/main" id="{22289A32-88D1-4436-B105-8F109602B5F6}"/>
+              </a:ext>
+            </a:extLst>
+          </p:cNvPr>
+          <p:cNvSpPr txBox="1"/>
+          <p:nvPr/>
+        </p:nvSpPr>
+        <p:spPr>
+          <a:xfrm>
+            <a:off x="7225874" y="3287257"/>
+            <a:ext cx="417102" cy="261610"/>
+          </a:xfrm>
+          <a:prstGeom prst="rect">
+            <a:avLst/>
+          </a:prstGeom>
+          <a:noFill/>
+        </p:spPr>
+        <p:txBody>
+          <a:bodyPr wrap="none" rtlCol="0">
+            <a:spAutoFit/>
+          </a:bodyPr>
+          <a:lstStyle/>
+          <a:p>
+            <a:r>
+              <a:rPr lang="ko-KR" altLang="en-US" sz="1100" dirty="0">
+                <a:latin typeface="배달의민족 주아" panose="02020603020101020101" pitchFamily="18" charset="-127"/>
+                <a:ea typeface="배달의민족 주아" panose="02020603020101020101" pitchFamily="18" charset="-127"/>
+              </a:rPr>
+              <a:t>평균</a:t>
+            </a:r>
+          </a:p>
+        </p:txBody>
+      </p:sp>
+      <p:sp>
+        <p:nvSpPr>
+          <p:cNvPr id="77" name="TextBox 76">
+            <a:extLst>
+              <a:ext uri="{FF2B5EF4-FFF2-40B4-BE49-F238E27FC236}">
+                <a16:creationId xmlns:a16="http://schemas.microsoft.com/office/drawing/2014/main" id="{B378BD5B-1DD8-415E-B876-3BC7241E34FB}"/>
+              </a:ext>
+            </a:extLst>
+          </p:cNvPr>
+          <p:cNvSpPr txBox="1"/>
+          <p:nvPr/>
+        </p:nvSpPr>
+        <p:spPr>
+          <a:xfrm>
+            <a:off x="7536525" y="3394034"/>
+            <a:ext cx="417102" cy="261610"/>
+          </a:xfrm>
+          <a:prstGeom prst="rect">
+            <a:avLst/>
+          </a:prstGeom>
+          <a:noFill/>
+        </p:spPr>
+        <p:txBody>
+          <a:bodyPr wrap="none" rtlCol="0">
+            <a:spAutoFit/>
+          </a:bodyPr>
+          <a:lstStyle/>
+          <a:p>
+            <a:r>
+              <a:rPr lang="ko-KR" altLang="en-US" sz="1100" dirty="0">
+                <a:latin typeface="배달의민족 주아" panose="02020603020101020101" pitchFamily="18" charset="-127"/>
+                <a:ea typeface="배달의민족 주아" panose="02020603020101020101" pitchFamily="18" charset="-127"/>
+              </a:rPr>
+              <a:t>평균</a:t>
+            </a:r>
+          </a:p>
+        </p:txBody>
+      </p:sp>
+      <p:sp>
+        <p:nvSpPr>
+          <p:cNvPr id="78" name="TextBox 77">
+            <a:extLst>
+              <a:ext uri="{FF2B5EF4-FFF2-40B4-BE49-F238E27FC236}">
+                <a16:creationId xmlns:a16="http://schemas.microsoft.com/office/drawing/2014/main" id="{044ABCD1-0C74-4BB9-AA1C-4AA354CD99A4}"/>
+              </a:ext>
+            </a:extLst>
+          </p:cNvPr>
+          <p:cNvSpPr txBox="1"/>
+          <p:nvPr/>
+        </p:nvSpPr>
+        <p:spPr>
+          <a:xfrm>
+            <a:off x="7061735" y="3447595"/>
+            <a:ext cx="417102" cy="261610"/>
+          </a:xfrm>
+          <a:prstGeom prst="rect">
+            <a:avLst/>
+          </a:prstGeom>
+          <a:noFill/>
+        </p:spPr>
+        <p:txBody>
+          <a:bodyPr wrap="none" rtlCol="0">
+            <a:spAutoFit/>
+          </a:bodyPr>
+          <a:lstStyle/>
+          <a:p>
+            <a:r>
+              <a:rPr lang="ko-KR" altLang="en-US" sz="1100" dirty="0">
+                <a:latin typeface="배달의민족 주아" panose="02020603020101020101" pitchFamily="18" charset="-127"/>
+                <a:ea typeface="배달의민족 주아" panose="02020603020101020101" pitchFamily="18" charset="-127"/>
+              </a:rPr>
+              <a:t>평균</a:t>
+            </a:r>
+          </a:p>
+        </p:txBody>
+      </p:sp>
+      <p:sp>
+        <p:nvSpPr>
+          <p:cNvPr id="79" name="TextBox 78">
+            <a:extLst>
+              <a:ext uri="{FF2B5EF4-FFF2-40B4-BE49-F238E27FC236}">
+                <a16:creationId xmlns:a16="http://schemas.microsoft.com/office/drawing/2014/main" id="{40BF79D4-31E0-457F-A861-F18F4B134B7E}"/>
+              </a:ext>
+            </a:extLst>
+          </p:cNvPr>
+          <p:cNvSpPr txBox="1"/>
+          <p:nvPr/>
+        </p:nvSpPr>
+        <p:spPr>
+          <a:xfrm>
+            <a:off x="6957824" y="1719768"/>
+            <a:ext cx="417102" cy="261610"/>
+          </a:xfrm>
+          <a:prstGeom prst="rect">
+            <a:avLst/>
+          </a:prstGeom>
+          <a:noFill/>
+        </p:spPr>
+        <p:txBody>
+          <a:bodyPr wrap="none" rtlCol="0">
+            <a:spAutoFit/>
+          </a:bodyPr>
+          <a:lstStyle/>
+          <a:p>
+            <a:r>
+              <a:rPr lang="ko-KR" altLang="en-US" sz="1100" dirty="0">
+                <a:latin typeface="배달의민족 주아" panose="02020603020101020101" pitchFamily="18" charset="-127"/>
+                <a:ea typeface="배달의민족 주아" panose="02020603020101020101" pitchFamily="18" charset="-127"/>
+              </a:rPr>
+              <a:t>평균</a:t>
+            </a:r>
+          </a:p>
+        </p:txBody>
+      </p:sp>
+      <p:sp>
+        <p:nvSpPr>
+          <p:cNvPr id="80" name="TextBox 79">
+            <a:extLst>
+              <a:ext uri="{FF2B5EF4-FFF2-40B4-BE49-F238E27FC236}">
+                <a16:creationId xmlns:a16="http://schemas.microsoft.com/office/drawing/2014/main" id="{B298DBD4-3E3A-4ABA-AD91-E2BFAB365382}"/>
+              </a:ext>
+            </a:extLst>
+          </p:cNvPr>
+          <p:cNvSpPr txBox="1"/>
+          <p:nvPr/>
+        </p:nvSpPr>
+        <p:spPr>
+          <a:xfrm>
+            <a:off x="6744017" y="1552318"/>
+            <a:ext cx="417102" cy="261610"/>
+          </a:xfrm>
+          <a:prstGeom prst="rect">
+            <a:avLst/>
+          </a:prstGeom>
+          <a:noFill/>
+        </p:spPr>
+        <p:txBody>
+          <a:bodyPr wrap="none" rtlCol="0">
+            <a:spAutoFit/>
+          </a:bodyPr>
+          <a:lstStyle/>
+          <a:p>
+            <a:r>
+              <a:rPr lang="ko-KR" altLang="en-US" sz="1100" dirty="0">
+                <a:latin typeface="배달의민족 주아" panose="02020603020101020101" pitchFamily="18" charset="-127"/>
+                <a:ea typeface="배달의민족 주아" panose="02020603020101020101" pitchFamily="18" charset="-127"/>
+              </a:rPr>
+              <a:t>평균</a:t>
+            </a:r>
+          </a:p>
+        </p:txBody>
+      </p:sp>
+      <p:sp>
+        <p:nvSpPr>
+          <p:cNvPr id="81" name="TextBox 80">
+            <a:extLst>
+              <a:ext uri="{FF2B5EF4-FFF2-40B4-BE49-F238E27FC236}">
+                <a16:creationId xmlns:a16="http://schemas.microsoft.com/office/drawing/2014/main" id="{3460AABE-49C3-4A25-B0A5-5326C3838920}"/>
+              </a:ext>
+            </a:extLst>
+          </p:cNvPr>
+          <p:cNvSpPr txBox="1"/>
+          <p:nvPr/>
+        </p:nvSpPr>
+        <p:spPr>
+          <a:xfrm>
+            <a:off x="6565301" y="525908"/>
+            <a:ext cx="942887" cy="461665"/>
+          </a:xfrm>
+          <a:prstGeom prst="rect">
+            <a:avLst/>
+          </a:prstGeom>
+          <a:noFill/>
+        </p:spPr>
+        <p:txBody>
+          <a:bodyPr wrap="none" rtlCol="0">
+            <a:spAutoFit/>
+          </a:bodyPr>
+          <a:lstStyle/>
+          <a:p>
+            <a:pPr algn="ctr"/>
+            <a:r>
+              <a:rPr lang="ko-KR" altLang="en-US" sz="2400">
                 <a:solidFill>
-                  <a:srgbClr val="FFFFFF"/>
+                  <a:schemeClr val="accent3"/>
                 </a:solidFill>
-              </a14:hiddenFill>
-            </a:ext>
-          </a:extLst>
-        </p:spPr>
-      </p:pic>
+                <a:latin typeface="배달의민족 주아" panose="02020603020101020101" pitchFamily="18" charset="-127"/>
+                <a:ea typeface="배달의민족 주아" panose="02020603020101020101" pitchFamily="18" charset="-127"/>
+              </a:rPr>
+              <a:t>모평균</a:t>
+            </a:r>
+          </a:p>
+        </p:txBody>
+      </p:sp>
+      <p:sp>
+        <p:nvSpPr>
+          <p:cNvPr id="93" name="TextBox 92">
+            <a:extLst>
+              <a:ext uri="{FF2B5EF4-FFF2-40B4-BE49-F238E27FC236}">
+                <a16:creationId xmlns:a16="http://schemas.microsoft.com/office/drawing/2014/main" id="{EF22571D-3744-43F2-B47A-33FBDE888CF5}"/>
+              </a:ext>
+            </a:extLst>
+          </p:cNvPr>
+          <p:cNvSpPr txBox="1"/>
+          <p:nvPr/>
+        </p:nvSpPr>
+        <p:spPr>
+          <a:xfrm>
+            <a:off x="6132009" y="3935935"/>
+            <a:ext cx="1771640" cy="400110"/>
+          </a:xfrm>
+          <a:prstGeom prst="rect">
+            <a:avLst/>
+          </a:prstGeom>
+          <a:noFill/>
+        </p:spPr>
+        <p:txBody>
+          <a:bodyPr wrap="none" rtlCol="0">
+            <a:spAutoFit/>
+          </a:bodyPr>
+          <a:lstStyle/>
+          <a:p>
+            <a:pPr algn="ctr"/>
+            <a:r>
+              <a:rPr lang="en-US" altLang="ko-KR" sz="2000" dirty="0">
+                <a:latin typeface="배달의민족 주아" panose="02020603020101020101" pitchFamily="18" charset="-127"/>
+                <a:ea typeface="배달의민족 주아" panose="02020603020101020101" pitchFamily="18" charset="-127"/>
+              </a:rPr>
+              <a:t>&lt;</a:t>
+            </a:r>
+            <a:r>
+              <a:rPr lang="ko-KR" altLang="en-US" sz="2000" dirty="0">
+                <a:latin typeface="배달의민족 주아" panose="02020603020101020101" pitchFamily="18" charset="-127"/>
+                <a:ea typeface="배달의민족 주아" panose="02020603020101020101" pitchFamily="18" charset="-127"/>
+              </a:rPr>
+              <a:t>표본평균 분포</a:t>
+            </a:r>
+            <a:r>
+              <a:rPr lang="en-US" altLang="ko-KR" sz="2000" dirty="0">
+                <a:latin typeface="배달의민족 주아" panose="02020603020101020101" pitchFamily="18" charset="-127"/>
+                <a:ea typeface="배달의민족 주아" panose="02020603020101020101" pitchFamily="18" charset="-127"/>
+              </a:rPr>
+              <a:t>&gt;</a:t>
+            </a:r>
+            <a:endParaRPr lang="ko-KR" altLang="en-US" sz="2000" dirty="0">
+              <a:latin typeface="배달의민족 주아" panose="02020603020101020101" pitchFamily="18" charset="-127"/>
+              <a:ea typeface="배달의민족 주아" panose="02020603020101020101" pitchFamily="18" charset="-127"/>
+            </a:endParaRPr>
+          </a:p>
+        </p:txBody>
+      </p:sp>
+      <p:sp>
+        <p:nvSpPr>
+          <p:cNvPr id="95" name="TextBox 94">
+            <a:extLst>
+              <a:ext uri="{FF2B5EF4-FFF2-40B4-BE49-F238E27FC236}">
+                <a16:creationId xmlns:a16="http://schemas.microsoft.com/office/drawing/2014/main" id="{40666278-973B-4E97-ADF8-E73BB1D427AA}"/>
+              </a:ext>
+            </a:extLst>
+          </p:cNvPr>
+          <p:cNvSpPr txBox="1"/>
+          <p:nvPr/>
+        </p:nvSpPr>
+        <p:spPr>
+          <a:xfrm>
+            <a:off x="3406599" y="1726261"/>
+            <a:ext cx="3020379" cy="369332"/>
+          </a:xfrm>
+          <a:prstGeom prst="rect">
+            <a:avLst/>
+          </a:prstGeom>
+          <a:noFill/>
+        </p:spPr>
+        <p:txBody>
+          <a:bodyPr wrap="none" rtlCol="0">
+            <a:spAutoFit/>
+          </a:bodyPr>
+          <a:lstStyle/>
+          <a:p>
+            <a:r>
+              <a:rPr lang="ko-KR" altLang="en-US" dirty="0">
+                <a:solidFill>
+                  <a:srgbClr val="C00000"/>
+                </a:solidFill>
+                <a:latin typeface="배달의민족 주아" panose="02020603020101020101" pitchFamily="18" charset="-127"/>
+                <a:ea typeface="배달의민족 주아" panose="02020603020101020101" pitchFamily="18" charset="-127"/>
+              </a:rPr>
+              <a:t>선택된 표본의 평균을 계산해 표시</a:t>
+            </a:r>
+          </a:p>
+        </p:txBody>
+      </p:sp>
     </p:spTree>
     <p:extLst>
       <p:ext uri="{BB962C8B-B14F-4D97-AF65-F5344CB8AC3E}">
@@ -3469,10 +6143,9 @@
           <a:lstStyle/>
           <a:p>
             <a:r>
-              <a:rPr lang="ko-KR" altLang="en-US" sz="1200" b="1" dirty="0" smtClean="0"/>
+              <a:rPr lang="ko-KR" altLang="en-US" sz="1200" b="1" dirty="0"/>
               <a:t>표본 추출</a:t>
             </a:r>
-            <a:endParaRPr lang="ko-KR" altLang="en-US" sz="1200" b="1" dirty="0"/>
           </a:p>
         </p:txBody>
       </p:sp>
@@ -3771,27 +6444,27 @@
           <a:p>
             <a:pPr algn="ctr"/>
             <a:r>
-              <a:rPr lang="ko-KR" altLang="en-US" sz="1200" dirty="0" smtClean="0"/>
+              <a:rPr lang="ko-KR" altLang="en-US" sz="1200" dirty="0"/>
               <a:t>이 안에 </a:t>
             </a:r>
             <a:r>
-              <a:rPr lang="en-US" altLang="ko-KR" sz="1200" dirty="0" smtClean="0"/>
+              <a:rPr lang="en-US" altLang="ko-KR" sz="1200" dirty="0"/>
               <a:t>95% </a:t>
             </a:r>
             <a:r>
-              <a:rPr lang="ko-KR" altLang="en-US" sz="1200" dirty="0" smtClean="0"/>
+              <a:rPr lang="ko-KR" altLang="en-US" sz="1200" dirty="0"/>
               <a:t>확률로</a:t>
             </a:r>
-            <a:endParaRPr lang="en-US" altLang="ko-KR" sz="1200" dirty="0" smtClean="0"/>
+            <a:endParaRPr lang="en-US" altLang="ko-KR" sz="1200" dirty="0"/>
           </a:p>
           <a:p>
             <a:pPr algn="ctr"/>
             <a:r>
-              <a:rPr lang="ko-KR" altLang="en-US" sz="1200" dirty="0" smtClean="0"/>
+              <a:rPr lang="ko-KR" altLang="en-US" sz="1200" dirty="0"/>
               <a:t>모평균이 포함되어 있음</a:t>
             </a:r>
             <a:r>
-              <a:rPr lang="en-US" altLang="ko-KR" sz="1200" dirty="0" smtClean="0"/>
+              <a:rPr lang="en-US" altLang="ko-KR" sz="1200" dirty="0"/>
               <a:t>.</a:t>
             </a:r>
             <a:endParaRPr lang="ko-KR" altLang="en-US" sz="1200" dirty="0"/>

--- a/pics/2021-01-05-confidence_interval/pics.pptx
+++ b/pics/2021-01-05-confidence_interval/pics.pptx
@@ -6,8 +6,9 @@
   </p:sldMasterIdLst>
   <p:sldIdLst>
     <p:sldId id="258" r:id="rId2"/>
-    <p:sldId id="256" r:id="rId3"/>
-    <p:sldId id="257" r:id="rId4"/>
+    <p:sldId id="259" r:id="rId3"/>
+    <p:sldId id="256" r:id="rId4"/>
+    <p:sldId id="257" r:id="rId5"/>
   </p:sldIdLst>
   <p:sldSz cx="9144000" cy="5143500" type="screen16x9"/>
   <p:notesSz cx="6858000" cy="9144000"/>
@@ -6016,6 +6017,1612 @@
           <a:chExt cx="0" cy="0"/>
         </a:xfrm>
       </p:grpSpPr>
+      <p:cxnSp>
+        <p:nvCxnSpPr>
+          <p:cNvPr id="54" name="직선 연결선 53">
+            <a:extLst>
+              <a:ext uri="{FF2B5EF4-FFF2-40B4-BE49-F238E27FC236}">
+                <a16:creationId xmlns:a16="http://schemas.microsoft.com/office/drawing/2014/main" id="{C0E7FF59-BEE0-4C00-9F83-E09D00B0C516}"/>
+              </a:ext>
+            </a:extLst>
+          </p:cNvPr>
+          <p:cNvCxnSpPr>
+            <a:cxnSpLocks/>
+          </p:cNvCxnSpPr>
+          <p:nvPr/>
+        </p:nvCxnSpPr>
+        <p:spPr>
+          <a:xfrm>
+            <a:off x="4454104" y="680488"/>
+            <a:ext cx="0" cy="3331422"/>
+          </a:xfrm>
+          <a:prstGeom prst="line">
+            <a:avLst/>
+          </a:prstGeom>
+          <a:ln w="28575">
+            <a:solidFill>
+              <a:schemeClr val="accent3"/>
+            </a:solidFill>
+            <a:prstDash val="dash"/>
+          </a:ln>
+        </p:spPr>
+        <p:style>
+          <a:lnRef idx="1">
+            <a:schemeClr val="accent1"/>
+          </a:lnRef>
+          <a:fillRef idx="0">
+            <a:schemeClr val="accent1"/>
+          </a:fillRef>
+          <a:effectRef idx="0">
+            <a:schemeClr val="accent1"/>
+          </a:effectRef>
+          <a:fontRef idx="minor">
+            <a:schemeClr val="tx1"/>
+          </a:fontRef>
+        </p:style>
+      </p:cxnSp>
+      <p:cxnSp>
+        <p:nvCxnSpPr>
+          <p:cNvPr id="82" name="직선 연결선 81">
+            <a:extLst>
+              <a:ext uri="{FF2B5EF4-FFF2-40B4-BE49-F238E27FC236}">
+                <a16:creationId xmlns:a16="http://schemas.microsoft.com/office/drawing/2014/main" id="{81C795E2-4BAB-4B30-8615-EF5D39005982}"/>
+              </a:ext>
+            </a:extLst>
+          </p:cNvPr>
+          <p:cNvCxnSpPr>
+            <a:cxnSpLocks/>
+          </p:cNvCxnSpPr>
+          <p:nvPr/>
+        </p:nvCxnSpPr>
+        <p:spPr>
+          <a:xfrm>
+            <a:off x="3869596" y="1046259"/>
+            <a:ext cx="0" cy="2965651"/>
+          </a:xfrm>
+          <a:prstGeom prst="line">
+            <a:avLst/>
+          </a:prstGeom>
+          <a:ln w="28575">
+            <a:solidFill>
+              <a:schemeClr val="accent6"/>
+            </a:solidFill>
+            <a:prstDash val="dash"/>
+          </a:ln>
+        </p:spPr>
+        <p:style>
+          <a:lnRef idx="1">
+            <a:schemeClr val="accent1"/>
+          </a:lnRef>
+          <a:fillRef idx="0">
+            <a:schemeClr val="accent1"/>
+          </a:fillRef>
+          <a:effectRef idx="0">
+            <a:schemeClr val="accent1"/>
+          </a:effectRef>
+          <a:fontRef idx="minor">
+            <a:schemeClr val="tx1"/>
+          </a:fontRef>
+        </p:style>
+      </p:cxnSp>
+      <p:cxnSp>
+        <p:nvCxnSpPr>
+          <p:cNvPr id="83" name="직선 연결선 82">
+            <a:extLst>
+              <a:ext uri="{FF2B5EF4-FFF2-40B4-BE49-F238E27FC236}">
+                <a16:creationId xmlns:a16="http://schemas.microsoft.com/office/drawing/2014/main" id="{FF755B02-EC7C-4BA0-A253-E7B3B6C7D81C}"/>
+              </a:ext>
+            </a:extLst>
+          </p:cNvPr>
+          <p:cNvCxnSpPr>
+            <a:cxnSpLocks/>
+          </p:cNvCxnSpPr>
+          <p:nvPr/>
+        </p:nvCxnSpPr>
+        <p:spPr>
+          <a:xfrm>
+            <a:off x="5038613" y="1046259"/>
+            <a:ext cx="0" cy="2965651"/>
+          </a:xfrm>
+          <a:prstGeom prst="line">
+            <a:avLst/>
+          </a:prstGeom>
+          <a:ln w="28575">
+            <a:solidFill>
+              <a:schemeClr val="accent6"/>
+            </a:solidFill>
+            <a:prstDash val="dash"/>
+          </a:ln>
+        </p:spPr>
+        <p:style>
+          <a:lnRef idx="1">
+            <a:schemeClr val="accent1"/>
+          </a:lnRef>
+          <a:fillRef idx="0">
+            <a:schemeClr val="accent1"/>
+          </a:fillRef>
+          <a:effectRef idx="0">
+            <a:schemeClr val="accent1"/>
+          </a:effectRef>
+          <a:fontRef idx="minor">
+            <a:schemeClr val="tx1"/>
+          </a:fontRef>
+        </p:style>
+      </p:cxnSp>
+      <p:pic>
+        <p:nvPicPr>
+          <p:cNvPr id="5" name="Picture 2"/>
+          <p:cNvPicPr>
+            <a:picLocks noChangeAspect="1" noChangeArrowheads="1"/>
+          </p:cNvPicPr>
+          <p:nvPr/>
+        </p:nvPicPr>
+        <p:blipFill>
+          <a:blip r:embed="rId2">
+            <a:extLst>
+              <a:ext uri="{28A0092B-C50C-407E-A947-70E740481C1C}">
+                <a14:useLocalDpi xmlns:a14="http://schemas.microsoft.com/office/drawing/2010/main" val="0"/>
+              </a:ext>
+            </a:extLst>
+          </a:blip>
+          <a:srcRect/>
+          <a:stretch>
+            <a:fillRect/>
+          </a:stretch>
+        </p:blipFill>
+        <p:spPr bwMode="auto">
+          <a:xfrm>
+            <a:off x="2843808" y="1203598"/>
+            <a:ext cx="3064412" cy="2880320"/>
+          </a:xfrm>
+          <a:prstGeom prst="rect">
+            <a:avLst/>
+          </a:prstGeom>
+          <a:noFill/>
+          <a:ln>
+            <a:noFill/>
+          </a:ln>
+          <a:effectLst/>
+          <a:extLst>
+            <a:ext uri="{909E8E84-426E-40DD-AFC4-6F175D3DCCD1}">
+              <a14:hiddenFill xmlns:a14="http://schemas.microsoft.com/office/drawing/2010/main">
+                <a:solidFill>
+                  <a:schemeClr val="accent1"/>
+                </a:solidFill>
+              </a14:hiddenFill>
+            </a:ext>
+            <a:ext uri="{91240B29-F687-4F45-9708-019B960494DF}">
+              <a14:hiddenLine xmlns:a14="http://schemas.microsoft.com/office/drawing/2010/main" w="9525">
+                <a:solidFill>
+                  <a:schemeClr val="tx1"/>
+                </a:solidFill>
+                <a:miter lim="800000"/>
+                <a:headEnd/>
+                <a:tailEnd/>
+              </a14:hiddenLine>
+            </a:ext>
+            <a:ext uri="{AF507438-7753-43E0-B8FC-AC1667EBCBE1}">
+              <a14:hiddenEffects xmlns:a14="http://schemas.microsoft.com/office/drawing/2010/main">
+                <a:effectLst>
+                  <a:outerShdw dist="35921" dir="2700000" algn="ctr" rotWithShape="0">
+                    <a:schemeClr val="bg2"/>
+                  </a:outerShdw>
+                </a:effectLst>
+              </a14:hiddenEffects>
+            </a:ext>
+          </a:extLst>
+        </p:spPr>
+      </p:pic>
+      <p:sp>
+        <p:nvSpPr>
+          <p:cNvPr id="4" name="TextBox 3">
+            <a:extLst>
+              <a:ext uri="{FF2B5EF4-FFF2-40B4-BE49-F238E27FC236}">
+                <a16:creationId xmlns:a16="http://schemas.microsoft.com/office/drawing/2014/main" id="{C04AFB07-A04F-4BA4-AFC3-446CE5957D9D}"/>
+              </a:ext>
+            </a:extLst>
+          </p:cNvPr>
+          <p:cNvSpPr txBox="1"/>
+          <p:nvPr/>
+        </p:nvSpPr>
+        <p:spPr>
+          <a:xfrm>
+            <a:off x="4057250" y="2302211"/>
+            <a:ext cx="417102" cy="261610"/>
+          </a:xfrm>
+          <a:prstGeom prst="rect">
+            <a:avLst/>
+          </a:prstGeom>
+          <a:noFill/>
+        </p:spPr>
+        <p:txBody>
+          <a:bodyPr wrap="none" rtlCol="0">
+            <a:spAutoFit/>
+          </a:bodyPr>
+          <a:lstStyle/>
+          <a:p>
+            <a:r>
+              <a:rPr lang="ko-KR" altLang="en-US" sz="1100">
+                <a:latin typeface="배달의민족 주아" panose="02020603020101020101" pitchFamily="18" charset="-127"/>
+                <a:ea typeface="배달의민족 주아" panose="02020603020101020101" pitchFamily="18" charset="-127"/>
+              </a:rPr>
+              <a:t>평균</a:t>
+            </a:r>
+          </a:p>
+        </p:txBody>
+      </p:sp>
+      <p:sp>
+        <p:nvSpPr>
+          <p:cNvPr id="56" name="TextBox 55">
+            <a:extLst>
+              <a:ext uri="{FF2B5EF4-FFF2-40B4-BE49-F238E27FC236}">
+                <a16:creationId xmlns:a16="http://schemas.microsoft.com/office/drawing/2014/main" id="{B6A70F32-8562-4E73-BD1D-CF9D36148B17}"/>
+              </a:ext>
+            </a:extLst>
+          </p:cNvPr>
+          <p:cNvSpPr txBox="1"/>
+          <p:nvPr/>
+        </p:nvSpPr>
+        <p:spPr>
+          <a:xfrm>
+            <a:off x="3958912" y="2543368"/>
+            <a:ext cx="417102" cy="261610"/>
+          </a:xfrm>
+          <a:prstGeom prst="rect">
+            <a:avLst/>
+          </a:prstGeom>
+          <a:noFill/>
+        </p:spPr>
+        <p:txBody>
+          <a:bodyPr wrap="none" rtlCol="0">
+            <a:spAutoFit/>
+          </a:bodyPr>
+          <a:lstStyle/>
+          <a:p>
+            <a:r>
+              <a:rPr lang="ko-KR" altLang="en-US" sz="1100">
+                <a:latin typeface="배달의민족 주아" panose="02020603020101020101" pitchFamily="18" charset="-127"/>
+                <a:ea typeface="배달의민족 주아" panose="02020603020101020101" pitchFamily="18" charset="-127"/>
+              </a:rPr>
+              <a:t>평균</a:t>
+            </a:r>
+          </a:p>
+        </p:txBody>
+      </p:sp>
+      <p:sp>
+        <p:nvSpPr>
+          <p:cNvPr id="57" name="TextBox 56">
+            <a:extLst>
+              <a:ext uri="{FF2B5EF4-FFF2-40B4-BE49-F238E27FC236}">
+                <a16:creationId xmlns:a16="http://schemas.microsoft.com/office/drawing/2014/main" id="{69C2B872-9BEB-4D28-96BF-A163FA23B2AE}"/>
+              </a:ext>
+            </a:extLst>
+          </p:cNvPr>
+          <p:cNvSpPr txBox="1"/>
+          <p:nvPr/>
+        </p:nvSpPr>
+        <p:spPr>
+          <a:xfrm>
+            <a:off x="4314708" y="2653597"/>
+            <a:ext cx="417102" cy="261610"/>
+          </a:xfrm>
+          <a:prstGeom prst="rect">
+            <a:avLst/>
+          </a:prstGeom>
+          <a:noFill/>
+        </p:spPr>
+        <p:txBody>
+          <a:bodyPr wrap="none" rtlCol="0">
+            <a:spAutoFit/>
+          </a:bodyPr>
+          <a:lstStyle/>
+          <a:p>
+            <a:r>
+              <a:rPr lang="ko-KR" altLang="en-US" sz="1100">
+                <a:latin typeface="배달의민족 주아" panose="02020603020101020101" pitchFamily="18" charset="-127"/>
+                <a:ea typeface="배달의민족 주아" panose="02020603020101020101" pitchFamily="18" charset="-127"/>
+              </a:rPr>
+              <a:t>평균</a:t>
+            </a:r>
+          </a:p>
+        </p:txBody>
+      </p:sp>
+      <p:sp>
+        <p:nvSpPr>
+          <p:cNvPr id="58" name="TextBox 57">
+            <a:extLst>
+              <a:ext uri="{FF2B5EF4-FFF2-40B4-BE49-F238E27FC236}">
+                <a16:creationId xmlns:a16="http://schemas.microsoft.com/office/drawing/2014/main" id="{EF643D31-A1D1-4965-BB3A-247350DB9036}"/>
+              </a:ext>
+            </a:extLst>
+          </p:cNvPr>
+          <p:cNvSpPr txBox="1"/>
+          <p:nvPr/>
+        </p:nvSpPr>
+        <p:spPr>
+          <a:xfrm>
+            <a:off x="4287015" y="2437573"/>
+            <a:ext cx="417102" cy="261610"/>
+          </a:xfrm>
+          <a:prstGeom prst="rect">
+            <a:avLst/>
+          </a:prstGeom>
+          <a:noFill/>
+        </p:spPr>
+        <p:txBody>
+          <a:bodyPr wrap="none" rtlCol="0">
+            <a:spAutoFit/>
+          </a:bodyPr>
+          <a:lstStyle/>
+          <a:p>
+            <a:r>
+              <a:rPr lang="ko-KR" altLang="en-US" sz="1100">
+                <a:latin typeface="배달의민족 주아" panose="02020603020101020101" pitchFamily="18" charset="-127"/>
+                <a:ea typeface="배달의민족 주아" panose="02020603020101020101" pitchFamily="18" charset="-127"/>
+              </a:rPr>
+              <a:t>평균</a:t>
+            </a:r>
+          </a:p>
+        </p:txBody>
+      </p:sp>
+      <p:sp>
+        <p:nvSpPr>
+          <p:cNvPr id="59" name="TextBox 58">
+            <a:extLst>
+              <a:ext uri="{FF2B5EF4-FFF2-40B4-BE49-F238E27FC236}">
+                <a16:creationId xmlns:a16="http://schemas.microsoft.com/office/drawing/2014/main" id="{CEFEF120-AE30-4C7C-8637-42BDD97D4151}"/>
+              </a:ext>
+            </a:extLst>
+          </p:cNvPr>
+          <p:cNvSpPr txBox="1"/>
+          <p:nvPr/>
+        </p:nvSpPr>
+        <p:spPr>
+          <a:xfrm>
+            <a:off x="4191351" y="2099626"/>
+            <a:ext cx="417102" cy="261610"/>
+          </a:xfrm>
+          <a:prstGeom prst="rect">
+            <a:avLst/>
+          </a:prstGeom>
+          <a:noFill/>
+        </p:spPr>
+        <p:txBody>
+          <a:bodyPr wrap="none" rtlCol="0">
+            <a:spAutoFit/>
+          </a:bodyPr>
+          <a:lstStyle/>
+          <a:p>
+            <a:r>
+              <a:rPr lang="ko-KR" altLang="en-US" sz="1100">
+                <a:latin typeface="배달의민족 주아" panose="02020603020101020101" pitchFamily="18" charset="-127"/>
+                <a:ea typeface="배달의민족 주아" panose="02020603020101020101" pitchFamily="18" charset="-127"/>
+              </a:rPr>
+              <a:t>평균</a:t>
+            </a:r>
+          </a:p>
+        </p:txBody>
+      </p:sp>
+      <p:sp>
+        <p:nvSpPr>
+          <p:cNvPr id="60" name="TextBox 59">
+            <a:extLst>
+              <a:ext uri="{FF2B5EF4-FFF2-40B4-BE49-F238E27FC236}">
+                <a16:creationId xmlns:a16="http://schemas.microsoft.com/office/drawing/2014/main" id="{1EF9F216-41A4-4695-A143-7F795D43D60F}"/>
+              </a:ext>
+            </a:extLst>
+          </p:cNvPr>
+          <p:cNvSpPr txBox="1"/>
+          <p:nvPr/>
+        </p:nvSpPr>
+        <p:spPr>
+          <a:xfrm>
+            <a:off x="4474352" y="2221549"/>
+            <a:ext cx="417102" cy="261610"/>
+          </a:xfrm>
+          <a:prstGeom prst="rect">
+            <a:avLst/>
+          </a:prstGeom>
+          <a:noFill/>
+        </p:spPr>
+        <p:txBody>
+          <a:bodyPr wrap="none" rtlCol="0">
+            <a:spAutoFit/>
+          </a:bodyPr>
+          <a:lstStyle/>
+          <a:p>
+            <a:r>
+              <a:rPr lang="ko-KR" altLang="en-US" sz="1100">
+                <a:latin typeface="배달의민족 주아" panose="02020603020101020101" pitchFamily="18" charset="-127"/>
+                <a:ea typeface="배달의민족 주아" panose="02020603020101020101" pitchFamily="18" charset="-127"/>
+              </a:rPr>
+              <a:t>평균</a:t>
+            </a:r>
+          </a:p>
+        </p:txBody>
+      </p:sp>
+      <p:sp>
+        <p:nvSpPr>
+          <p:cNvPr id="61" name="TextBox 60">
+            <a:extLst>
+              <a:ext uri="{FF2B5EF4-FFF2-40B4-BE49-F238E27FC236}">
+                <a16:creationId xmlns:a16="http://schemas.microsoft.com/office/drawing/2014/main" id="{2A0E21AB-25E9-49DD-ADB4-0D3EC75B25A1}"/>
+              </a:ext>
+            </a:extLst>
+          </p:cNvPr>
+          <p:cNvSpPr txBox="1"/>
+          <p:nvPr/>
+        </p:nvSpPr>
+        <p:spPr>
+          <a:xfrm>
+            <a:off x="4540741" y="2542746"/>
+            <a:ext cx="417102" cy="261610"/>
+          </a:xfrm>
+          <a:prstGeom prst="rect">
+            <a:avLst/>
+          </a:prstGeom>
+          <a:noFill/>
+        </p:spPr>
+        <p:txBody>
+          <a:bodyPr wrap="none" rtlCol="0">
+            <a:spAutoFit/>
+          </a:bodyPr>
+          <a:lstStyle/>
+          <a:p>
+            <a:r>
+              <a:rPr lang="ko-KR" altLang="en-US" sz="1100">
+                <a:latin typeface="배달의민족 주아" panose="02020603020101020101" pitchFamily="18" charset="-127"/>
+                <a:ea typeface="배달의민족 주아" panose="02020603020101020101" pitchFamily="18" charset="-127"/>
+              </a:rPr>
+              <a:t>평균</a:t>
+            </a:r>
+          </a:p>
+        </p:txBody>
+      </p:sp>
+      <p:sp>
+        <p:nvSpPr>
+          <p:cNvPr id="62" name="TextBox 61">
+            <a:extLst>
+              <a:ext uri="{FF2B5EF4-FFF2-40B4-BE49-F238E27FC236}">
+                <a16:creationId xmlns:a16="http://schemas.microsoft.com/office/drawing/2014/main" id="{74F7DFBB-01DD-4E1C-AA49-53D5262B1568}"/>
+              </a:ext>
+            </a:extLst>
+          </p:cNvPr>
+          <p:cNvSpPr txBox="1"/>
+          <p:nvPr/>
+        </p:nvSpPr>
+        <p:spPr>
+          <a:xfrm>
+            <a:off x="4025301" y="2750510"/>
+            <a:ext cx="417102" cy="261610"/>
+          </a:xfrm>
+          <a:prstGeom prst="rect">
+            <a:avLst/>
+          </a:prstGeom>
+          <a:noFill/>
+        </p:spPr>
+        <p:txBody>
+          <a:bodyPr wrap="none" rtlCol="0">
+            <a:spAutoFit/>
+          </a:bodyPr>
+          <a:lstStyle/>
+          <a:p>
+            <a:r>
+              <a:rPr lang="ko-KR" altLang="en-US" sz="1100">
+                <a:latin typeface="배달의민족 주아" panose="02020603020101020101" pitchFamily="18" charset="-127"/>
+                <a:ea typeface="배달의민족 주아" panose="02020603020101020101" pitchFamily="18" charset="-127"/>
+              </a:rPr>
+              <a:t>평균</a:t>
+            </a:r>
+          </a:p>
+        </p:txBody>
+      </p:sp>
+      <p:sp>
+        <p:nvSpPr>
+          <p:cNvPr id="63" name="TextBox 62">
+            <a:extLst>
+              <a:ext uri="{FF2B5EF4-FFF2-40B4-BE49-F238E27FC236}">
+                <a16:creationId xmlns:a16="http://schemas.microsoft.com/office/drawing/2014/main" id="{A80CF1C4-9476-4397-A3ED-365156FF8C0B}"/>
+              </a:ext>
+            </a:extLst>
+          </p:cNvPr>
+          <p:cNvSpPr txBox="1"/>
+          <p:nvPr/>
+        </p:nvSpPr>
+        <p:spPr>
+          <a:xfrm>
+            <a:off x="3929767" y="2906325"/>
+            <a:ext cx="417102" cy="261610"/>
+          </a:xfrm>
+          <a:prstGeom prst="rect">
+            <a:avLst/>
+          </a:prstGeom>
+          <a:noFill/>
+        </p:spPr>
+        <p:txBody>
+          <a:bodyPr wrap="none" rtlCol="0">
+            <a:spAutoFit/>
+          </a:bodyPr>
+          <a:lstStyle/>
+          <a:p>
+            <a:r>
+              <a:rPr lang="ko-KR" altLang="en-US" sz="1100">
+                <a:latin typeface="배달의민족 주아" panose="02020603020101020101" pitchFamily="18" charset="-127"/>
+                <a:ea typeface="배달의민족 주아" panose="02020603020101020101" pitchFamily="18" charset="-127"/>
+              </a:rPr>
+              <a:t>평균</a:t>
+            </a:r>
+          </a:p>
+        </p:txBody>
+      </p:sp>
+      <p:sp>
+        <p:nvSpPr>
+          <p:cNvPr id="64" name="TextBox 63">
+            <a:extLst>
+              <a:ext uri="{FF2B5EF4-FFF2-40B4-BE49-F238E27FC236}">
+                <a16:creationId xmlns:a16="http://schemas.microsoft.com/office/drawing/2014/main" id="{BE0C0FF2-734F-440D-9121-2CA00E623972}"/>
+              </a:ext>
+            </a:extLst>
+          </p:cNvPr>
+          <p:cNvSpPr txBox="1"/>
+          <p:nvPr/>
+        </p:nvSpPr>
+        <p:spPr>
+          <a:xfrm>
+            <a:off x="3856148" y="3078806"/>
+            <a:ext cx="417102" cy="261610"/>
+          </a:xfrm>
+          <a:prstGeom prst="rect">
+            <a:avLst/>
+          </a:prstGeom>
+          <a:noFill/>
+        </p:spPr>
+        <p:txBody>
+          <a:bodyPr wrap="none" rtlCol="0">
+            <a:spAutoFit/>
+          </a:bodyPr>
+          <a:lstStyle/>
+          <a:p>
+            <a:r>
+              <a:rPr lang="ko-KR" altLang="en-US" sz="1100">
+                <a:latin typeface="배달의민족 주아" panose="02020603020101020101" pitchFamily="18" charset="-127"/>
+                <a:ea typeface="배달의민족 주아" panose="02020603020101020101" pitchFamily="18" charset="-127"/>
+              </a:rPr>
+              <a:t>평균</a:t>
+            </a:r>
+          </a:p>
+        </p:txBody>
+      </p:sp>
+      <p:sp>
+        <p:nvSpPr>
+          <p:cNvPr id="65" name="TextBox 64">
+            <a:extLst>
+              <a:ext uri="{FF2B5EF4-FFF2-40B4-BE49-F238E27FC236}">
+                <a16:creationId xmlns:a16="http://schemas.microsoft.com/office/drawing/2014/main" id="{75621EA3-8E7A-411B-81FC-098BF5452E03}"/>
+              </a:ext>
+            </a:extLst>
+          </p:cNvPr>
+          <p:cNvSpPr txBox="1"/>
+          <p:nvPr/>
+        </p:nvSpPr>
+        <p:spPr>
+          <a:xfrm>
+            <a:off x="4273250" y="2914658"/>
+            <a:ext cx="417102" cy="261610"/>
+          </a:xfrm>
+          <a:prstGeom prst="rect">
+            <a:avLst/>
+          </a:prstGeom>
+          <a:noFill/>
+        </p:spPr>
+        <p:txBody>
+          <a:bodyPr wrap="none" rtlCol="0">
+            <a:spAutoFit/>
+          </a:bodyPr>
+          <a:lstStyle/>
+          <a:p>
+            <a:r>
+              <a:rPr lang="ko-KR" altLang="en-US" sz="1100">
+                <a:latin typeface="배달의민족 주아" panose="02020603020101020101" pitchFamily="18" charset="-127"/>
+                <a:ea typeface="배달의민족 주아" panose="02020603020101020101" pitchFamily="18" charset="-127"/>
+              </a:rPr>
+              <a:t>평균</a:t>
+            </a:r>
+          </a:p>
+        </p:txBody>
+      </p:sp>
+      <p:sp>
+        <p:nvSpPr>
+          <p:cNvPr id="66" name="TextBox 65">
+            <a:extLst>
+              <a:ext uri="{FF2B5EF4-FFF2-40B4-BE49-F238E27FC236}">
+                <a16:creationId xmlns:a16="http://schemas.microsoft.com/office/drawing/2014/main" id="{C1FA5586-4F2E-4F6A-A0FA-1855CDED3BDC}"/>
+              </a:ext>
+            </a:extLst>
+          </p:cNvPr>
+          <p:cNvSpPr txBox="1"/>
+          <p:nvPr/>
+        </p:nvSpPr>
+        <p:spPr>
+          <a:xfrm>
+            <a:off x="4111341" y="3088457"/>
+            <a:ext cx="417102" cy="261610"/>
+          </a:xfrm>
+          <a:prstGeom prst="rect">
+            <a:avLst/>
+          </a:prstGeom>
+          <a:noFill/>
+        </p:spPr>
+        <p:txBody>
+          <a:bodyPr wrap="none" rtlCol="0">
+            <a:spAutoFit/>
+          </a:bodyPr>
+          <a:lstStyle/>
+          <a:p>
+            <a:r>
+              <a:rPr lang="ko-KR" altLang="en-US" sz="1100">
+                <a:latin typeface="배달의민족 주아" panose="02020603020101020101" pitchFamily="18" charset="-127"/>
+                <a:ea typeface="배달의민족 주아" panose="02020603020101020101" pitchFamily="18" charset="-127"/>
+              </a:rPr>
+              <a:t>평균</a:t>
+            </a:r>
+          </a:p>
+        </p:txBody>
+      </p:sp>
+      <p:sp>
+        <p:nvSpPr>
+          <p:cNvPr id="67" name="TextBox 66">
+            <a:extLst>
+              <a:ext uri="{FF2B5EF4-FFF2-40B4-BE49-F238E27FC236}">
+                <a16:creationId xmlns:a16="http://schemas.microsoft.com/office/drawing/2014/main" id="{141486BF-6F45-441A-95F3-D175221A8176}"/>
+              </a:ext>
+            </a:extLst>
+          </p:cNvPr>
+          <p:cNvSpPr txBox="1"/>
+          <p:nvPr/>
+        </p:nvSpPr>
+        <p:spPr>
+          <a:xfrm>
+            <a:off x="3740881" y="3276297"/>
+            <a:ext cx="417102" cy="261610"/>
+          </a:xfrm>
+          <a:prstGeom prst="rect">
+            <a:avLst/>
+          </a:prstGeom>
+          <a:noFill/>
+        </p:spPr>
+        <p:txBody>
+          <a:bodyPr wrap="none" rtlCol="0">
+            <a:spAutoFit/>
+          </a:bodyPr>
+          <a:lstStyle/>
+          <a:p>
+            <a:r>
+              <a:rPr lang="ko-KR" altLang="en-US" sz="1100">
+                <a:latin typeface="배달의민족 주아" panose="02020603020101020101" pitchFamily="18" charset="-127"/>
+                <a:ea typeface="배달의민족 주아" panose="02020603020101020101" pitchFamily="18" charset="-127"/>
+              </a:rPr>
+              <a:t>평균</a:t>
+            </a:r>
+          </a:p>
+        </p:txBody>
+      </p:sp>
+      <p:sp>
+        <p:nvSpPr>
+          <p:cNvPr id="68" name="TextBox 67">
+            <a:extLst>
+              <a:ext uri="{FF2B5EF4-FFF2-40B4-BE49-F238E27FC236}">
+                <a16:creationId xmlns:a16="http://schemas.microsoft.com/office/drawing/2014/main" id="{D1BF9F06-0991-468D-8349-6B35F7061937}"/>
+              </a:ext>
+            </a:extLst>
+          </p:cNvPr>
+          <p:cNvSpPr txBox="1"/>
+          <p:nvPr/>
+        </p:nvSpPr>
+        <p:spPr>
+          <a:xfrm>
+            <a:off x="4101920" y="3297121"/>
+            <a:ext cx="417102" cy="261610"/>
+          </a:xfrm>
+          <a:prstGeom prst="rect">
+            <a:avLst/>
+          </a:prstGeom>
+          <a:noFill/>
+        </p:spPr>
+        <p:txBody>
+          <a:bodyPr wrap="none" rtlCol="0">
+            <a:spAutoFit/>
+          </a:bodyPr>
+          <a:lstStyle/>
+          <a:p>
+            <a:r>
+              <a:rPr lang="ko-KR" altLang="en-US" sz="1100" dirty="0">
+                <a:latin typeface="배달의민족 주아" panose="02020603020101020101" pitchFamily="18" charset="-127"/>
+                <a:ea typeface="배달의민족 주아" panose="02020603020101020101" pitchFamily="18" charset="-127"/>
+              </a:rPr>
+              <a:t>평균</a:t>
+            </a:r>
+          </a:p>
+        </p:txBody>
+      </p:sp>
+      <p:sp>
+        <p:nvSpPr>
+          <p:cNvPr id="69" name="TextBox 68">
+            <a:extLst>
+              <a:ext uri="{FF2B5EF4-FFF2-40B4-BE49-F238E27FC236}">
+                <a16:creationId xmlns:a16="http://schemas.microsoft.com/office/drawing/2014/main" id="{298D047E-0D35-48CC-B73B-A5246B507DEC}"/>
+              </a:ext>
+            </a:extLst>
+          </p:cNvPr>
+          <p:cNvSpPr txBox="1"/>
+          <p:nvPr/>
+        </p:nvSpPr>
+        <p:spPr>
+          <a:xfrm>
+            <a:off x="3902790" y="3479253"/>
+            <a:ext cx="417102" cy="261610"/>
+          </a:xfrm>
+          <a:prstGeom prst="rect">
+            <a:avLst/>
+          </a:prstGeom>
+          <a:noFill/>
+        </p:spPr>
+        <p:txBody>
+          <a:bodyPr wrap="none" rtlCol="0">
+            <a:spAutoFit/>
+          </a:bodyPr>
+          <a:lstStyle/>
+          <a:p>
+            <a:r>
+              <a:rPr lang="ko-KR" altLang="en-US" sz="1100">
+                <a:latin typeface="배달의민족 주아" panose="02020603020101020101" pitchFamily="18" charset="-127"/>
+                <a:ea typeface="배달의민족 주아" panose="02020603020101020101" pitchFamily="18" charset="-127"/>
+              </a:rPr>
+              <a:t>평균</a:t>
+            </a:r>
+          </a:p>
+        </p:txBody>
+      </p:sp>
+      <p:sp>
+        <p:nvSpPr>
+          <p:cNvPr id="70" name="TextBox 69">
+            <a:extLst>
+              <a:ext uri="{FF2B5EF4-FFF2-40B4-BE49-F238E27FC236}">
+                <a16:creationId xmlns:a16="http://schemas.microsoft.com/office/drawing/2014/main" id="{3E688838-CA83-4471-9A4C-650BFD22C65B}"/>
+              </a:ext>
+            </a:extLst>
+          </p:cNvPr>
+          <p:cNvSpPr txBox="1"/>
+          <p:nvPr/>
+        </p:nvSpPr>
+        <p:spPr>
+          <a:xfrm>
+            <a:off x="3592978" y="3578482"/>
+            <a:ext cx="417102" cy="261610"/>
+          </a:xfrm>
+          <a:prstGeom prst="rect">
+            <a:avLst/>
+          </a:prstGeom>
+          <a:noFill/>
+        </p:spPr>
+        <p:txBody>
+          <a:bodyPr wrap="none" rtlCol="0">
+            <a:spAutoFit/>
+          </a:bodyPr>
+          <a:lstStyle/>
+          <a:p>
+            <a:r>
+              <a:rPr lang="ko-KR" altLang="en-US" sz="1100">
+                <a:latin typeface="배달의민족 주아" panose="02020603020101020101" pitchFamily="18" charset="-127"/>
+                <a:ea typeface="배달의민족 주아" panose="02020603020101020101" pitchFamily="18" charset="-127"/>
+              </a:rPr>
+              <a:t>평균</a:t>
+            </a:r>
+          </a:p>
+        </p:txBody>
+      </p:sp>
+      <p:sp>
+        <p:nvSpPr>
+          <p:cNvPr id="71" name="TextBox 70">
+            <a:extLst>
+              <a:ext uri="{FF2B5EF4-FFF2-40B4-BE49-F238E27FC236}">
+                <a16:creationId xmlns:a16="http://schemas.microsoft.com/office/drawing/2014/main" id="{9CECF851-F0A1-4282-996C-B5D11CEB5290}"/>
+              </a:ext>
+            </a:extLst>
+          </p:cNvPr>
+          <p:cNvSpPr txBox="1"/>
+          <p:nvPr/>
+        </p:nvSpPr>
+        <p:spPr>
+          <a:xfrm>
+            <a:off x="4191351" y="3534275"/>
+            <a:ext cx="417102" cy="261610"/>
+          </a:xfrm>
+          <a:prstGeom prst="rect">
+            <a:avLst/>
+          </a:prstGeom>
+          <a:noFill/>
+        </p:spPr>
+        <p:txBody>
+          <a:bodyPr wrap="none" rtlCol="0">
+            <a:spAutoFit/>
+          </a:bodyPr>
+          <a:lstStyle/>
+          <a:p>
+            <a:r>
+              <a:rPr lang="ko-KR" altLang="en-US" sz="1100" dirty="0">
+                <a:latin typeface="배달의민족 주아" panose="02020603020101020101" pitchFamily="18" charset="-127"/>
+                <a:ea typeface="배달의민족 주아" panose="02020603020101020101" pitchFamily="18" charset="-127"/>
+              </a:rPr>
+              <a:t>평균</a:t>
+            </a:r>
+          </a:p>
+        </p:txBody>
+      </p:sp>
+      <p:sp>
+        <p:nvSpPr>
+          <p:cNvPr id="72" name="TextBox 71">
+            <a:extLst>
+              <a:ext uri="{FF2B5EF4-FFF2-40B4-BE49-F238E27FC236}">
+                <a16:creationId xmlns:a16="http://schemas.microsoft.com/office/drawing/2014/main" id="{69BC8545-3494-47F8-AF2D-6D5219239A00}"/>
+              </a:ext>
+            </a:extLst>
+          </p:cNvPr>
+          <p:cNvSpPr txBox="1"/>
+          <p:nvPr/>
+        </p:nvSpPr>
+        <p:spPr>
+          <a:xfrm>
+            <a:off x="4501163" y="3313332"/>
+            <a:ext cx="417102" cy="261610"/>
+          </a:xfrm>
+          <a:prstGeom prst="rect">
+            <a:avLst/>
+          </a:prstGeom>
+          <a:noFill/>
+        </p:spPr>
+        <p:txBody>
+          <a:bodyPr wrap="none" rtlCol="0">
+            <a:spAutoFit/>
+          </a:bodyPr>
+          <a:lstStyle/>
+          <a:p>
+            <a:r>
+              <a:rPr lang="ko-KR" altLang="en-US" sz="1100" dirty="0">
+                <a:latin typeface="배달의민족 주아" panose="02020603020101020101" pitchFamily="18" charset="-127"/>
+                <a:ea typeface="배달의민족 주아" panose="02020603020101020101" pitchFamily="18" charset="-127"/>
+              </a:rPr>
+              <a:t>평균</a:t>
+            </a:r>
+          </a:p>
+        </p:txBody>
+      </p:sp>
+      <p:sp>
+        <p:nvSpPr>
+          <p:cNvPr id="73" name="TextBox 72">
+            <a:extLst>
+              <a:ext uri="{FF2B5EF4-FFF2-40B4-BE49-F238E27FC236}">
+                <a16:creationId xmlns:a16="http://schemas.microsoft.com/office/drawing/2014/main" id="{FB9808E6-A5DB-4C5B-8EA9-D7841F12F0BE}"/>
+              </a:ext>
+            </a:extLst>
+          </p:cNvPr>
+          <p:cNvSpPr txBox="1"/>
+          <p:nvPr/>
+        </p:nvSpPr>
+        <p:spPr>
+          <a:xfrm>
+            <a:off x="4498898" y="3062358"/>
+            <a:ext cx="522900" cy="338554"/>
+          </a:xfrm>
+          <a:prstGeom prst="rect">
+            <a:avLst/>
+          </a:prstGeom>
+          <a:noFill/>
+        </p:spPr>
+        <p:txBody>
+          <a:bodyPr wrap="none" rtlCol="0">
+            <a:spAutoFit/>
+          </a:bodyPr>
+          <a:lstStyle/>
+          <a:p>
+            <a:r>
+              <a:rPr lang="ko-KR" altLang="en-US" sz="1600" dirty="0">
+                <a:solidFill>
+                  <a:srgbClr val="FF0000"/>
+                </a:solidFill>
+                <a:latin typeface="배달의민족 주아" panose="02020603020101020101" pitchFamily="18" charset="-127"/>
+                <a:ea typeface="배달의민족 주아" panose="02020603020101020101" pitchFamily="18" charset="-127"/>
+              </a:rPr>
+              <a:t>평균</a:t>
+            </a:r>
+          </a:p>
+        </p:txBody>
+      </p:sp>
+      <p:sp>
+        <p:nvSpPr>
+          <p:cNvPr id="74" name="TextBox 73">
+            <a:extLst>
+              <a:ext uri="{FF2B5EF4-FFF2-40B4-BE49-F238E27FC236}">
+                <a16:creationId xmlns:a16="http://schemas.microsoft.com/office/drawing/2014/main" id="{77FEB70C-285E-44D7-BC63-B77A268499EC}"/>
+              </a:ext>
+            </a:extLst>
+          </p:cNvPr>
+          <p:cNvSpPr txBox="1"/>
+          <p:nvPr/>
+        </p:nvSpPr>
+        <p:spPr>
+          <a:xfrm>
+            <a:off x="4581345" y="2857759"/>
+            <a:ext cx="417102" cy="261610"/>
+          </a:xfrm>
+          <a:prstGeom prst="rect">
+            <a:avLst/>
+          </a:prstGeom>
+          <a:noFill/>
+        </p:spPr>
+        <p:txBody>
+          <a:bodyPr wrap="none" rtlCol="0">
+            <a:spAutoFit/>
+          </a:bodyPr>
+          <a:lstStyle/>
+          <a:p>
+            <a:r>
+              <a:rPr lang="ko-KR" altLang="en-US" sz="1100" dirty="0">
+                <a:latin typeface="배달의민족 주아" panose="02020603020101020101" pitchFamily="18" charset="-127"/>
+                <a:ea typeface="배달의민족 주아" panose="02020603020101020101" pitchFamily="18" charset="-127"/>
+              </a:rPr>
+              <a:t>평균</a:t>
+            </a:r>
+          </a:p>
+        </p:txBody>
+      </p:sp>
+      <p:sp>
+        <p:nvSpPr>
+          <p:cNvPr id="75" name="TextBox 74">
+            <a:extLst>
+              <a:ext uri="{FF2B5EF4-FFF2-40B4-BE49-F238E27FC236}">
+                <a16:creationId xmlns:a16="http://schemas.microsoft.com/office/drawing/2014/main" id="{2D586DBC-82ED-4D02-8CDB-898A98F22D29}"/>
+              </a:ext>
+            </a:extLst>
+          </p:cNvPr>
+          <p:cNvSpPr txBox="1"/>
+          <p:nvPr/>
+        </p:nvSpPr>
+        <p:spPr>
+          <a:xfrm>
+            <a:off x="4768786" y="3314849"/>
+            <a:ext cx="417102" cy="261610"/>
+          </a:xfrm>
+          <a:prstGeom prst="rect">
+            <a:avLst/>
+          </a:prstGeom>
+          <a:noFill/>
+        </p:spPr>
+        <p:txBody>
+          <a:bodyPr wrap="none" rtlCol="0">
+            <a:spAutoFit/>
+          </a:bodyPr>
+          <a:lstStyle/>
+          <a:p>
+            <a:r>
+              <a:rPr lang="ko-KR" altLang="en-US" sz="1100" dirty="0">
+                <a:latin typeface="배달의민족 주아" panose="02020603020101020101" pitchFamily="18" charset="-127"/>
+                <a:ea typeface="배달의민족 주아" panose="02020603020101020101" pitchFamily="18" charset="-127"/>
+              </a:rPr>
+              <a:t>평균</a:t>
+            </a:r>
+          </a:p>
+        </p:txBody>
+      </p:sp>
+      <p:sp>
+        <p:nvSpPr>
+          <p:cNvPr id="76" name="TextBox 75">
+            <a:extLst>
+              <a:ext uri="{FF2B5EF4-FFF2-40B4-BE49-F238E27FC236}">
+                <a16:creationId xmlns:a16="http://schemas.microsoft.com/office/drawing/2014/main" id="{22289A32-88D1-4436-B105-8F109602B5F6}"/>
+              </a:ext>
+            </a:extLst>
+          </p:cNvPr>
+          <p:cNvSpPr txBox="1"/>
+          <p:nvPr/>
+        </p:nvSpPr>
+        <p:spPr>
+          <a:xfrm>
+            <a:off x="4645940" y="3503281"/>
+            <a:ext cx="417102" cy="261610"/>
+          </a:xfrm>
+          <a:prstGeom prst="rect">
+            <a:avLst/>
+          </a:prstGeom>
+          <a:noFill/>
+        </p:spPr>
+        <p:txBody>
+          <a:bodyPr wrap="none" rtlCol="0">
+            <a:spAutoFit/>
+          </a:bodyPr>
+          <a:lstStyle/>
+          <a:p>
+            <a:r>
+              <a:rPr lang="ko-KR" altLang="en-US" sz="1100" dirty="0">
+                <a:latin typeface="배달의민족 주아" panose="02020603020101020101" pitchFamily="18" charset="-127"/>
+                <a:ea typeface="배달의민족 주아" panose="02020603020101020101" pitchFamily="18" charset="-127"/>
+              </a:rPr>
+              <a:t>평균</a:t>
+            </a:r>
+          </a:p>
+        </p:txBody>
+      </p:sp>
+      <p:sp>
+        <p:nvSpPr>
+          <p:cNvPr id="77" name="TextBox 76">
+            <a:extLst>
+              <a:ext uri="{FF2B5EF4-FFF2-40B4-BE49-F238E27FC236}">
+                <a16:creationId xmlns:a16="http://schemas.microsoft.com/office/drawing/2014/main" id="{B378BD5B-1DD8-415E-B876-3BC7241E34FB}"/>
+              </a:ext>
+            </a:extLst>
+          </p:cNvPr>
+          <p:cNvSpPr txBox="1"/>
+          <p:nvPr/>
+        </p:nvSpPr>
+        <p:spPr>
+          <a:xfrm>
+            <a:off x="4956591" y="3610058"/>
+            <a:ext cx="417102" cy="261610"/>
+          </a:xfrm>
+          <a:prstGeom prst="rect">
+            <a:avLst/>
+          </a:prstGeom>
+          <a:noFill/>
+        </p:spPr>
+        <p:txBody>
+          <a:bodyPr wrap="none" rtlCol="0">
+            <a:spAutoFit/>
+          </a:bodyPr>
+          <a:lstStyle/>
+          <a:p>
+            <a:r>
+              <a:rPr lang="ko-KR" altLang="en-US" sz="1100" dirty="0">
+                <a:latin typeface="배달의민족 주아" panose="02020603020101020101" pitchFamily="18" charset="-127"/>
+                <a:ea typeface="배달의민족 주아" panose="02020603020101020101" pitchFamily="18" charset="-127"/>
+              </a:rPr>
+              <a:t>평균</a:t>
+            </a:r>
+          </a:p>
+        </p:txBody>
+      </p:sp>
+      <p:sp>
+        <p:nvSpPr>
+          <p:cNvPr id="78" name="TextBox 77">
+            <a:extLst>
+              <a:ext uri="{FF2B5EF4-FFF2-40B4-BE49-F238E27FC236}">
+                <a16:creationId xmlns:a16="http://schemas.microsoft.com/office/drawing/2014/main" id="{044ABCD1-0C74-4BB9-AA1C-4AA354CD99A4}"/>
+              </a:ext>
+            </a:extLst>
+          </p:cNvPr>
+          <p:cNvSpPr txBox="1"/>
+          <p:nvPr/>
+        </p:nvSpPr>
+        <p:spPr>
+          <a:xfrm>
+            <a:off x="4481801" y="3663619"/>
+            <a:ext cx="417102" cy="261610"/>
+          </a:xfrm>
+          <a:prstGeom prst="rect">
+            <a:avLst/>
+          </a:prstGeom>
+          <a:noFill/>
+        </p:spPr>
+        <p:txBody>
+          <a:bodyPr wrap="none" rtlCol="0">
+            <a:spAutoFit/>
+          </a:bodyPr>
+          <a:lstStyle/>
+          <a:p>
+            <a:r>
+              <a:rPr lang="ko-KR" altLang="en-US" sz="1100" dirty="0">
+                <a:latin typeface="배달의민족 주아" panose="02020603020101020101" pitchFamily="18" charset="-127"/>
+                <a:ea typeface="배달의민족 주아" panose="02020603020101020101" pitchFamily="18" charset="-127"/>
+              </a:rPr>
+              <a:t>평균</a:t>
+            </a:r>
+          </a:p>
+        </p:txBody>
+      </p:sp>
+      <p:sp>
+        <p:nvSpPr>
+          <p:cNvPr id="79" name="TextBox 78">
+            <a:extLst>
+              <a:ext uri="{FF2B5EF4-FFF2-40B4-BE49-F238E27FC236}">
+                <a16:creationId xmlns:a16="http://schemas.microsoft.com/office/drawing/2014/main" id="{40BF79D4-31E0-457F-A861-F18F4B134B7E}"/>
+              </a:ext>
+            </a:extLst>
+          </p:cNvPr>
+          <p:cNvSpPr txBox="1"/>
+          <p:nvPr/>
+        </p:nvSpPr>
+        <p:spPr>
+          <a:xfrm>
+            <a:off x="4377890" y="1935792"/>
+            <a:ext cx="417102" cy="261610"/>
+          </a:xfrm>
+          <a:prstGeom prst="rect">
+            <a:avLst/>
+          </a:prstGeom>
+          <a:noFill/>
+        </p:spPr>
+        <p:txBody>
+          <a:bodyPr wrap="none" rtlCol="0">
+            <a:spAutoFit/>
+          </a:bodyPr>
+          <a:lstStyle/>
+          <a:p>
+            <a:r>
+              <a:rPr lang="ko-KR" altLang="en-US" sz="1100" dirty="0">
+                <a:latin typeface="배달의민족 주아" panose="02020603020101020101" pitchFamily="18" charset="-127"/>
+                <a:ea typeface="배달의민족 주아" panose="02020603020101020101" pitchFamily="18" charset="-127"/>
+              </a:rPr>
+              <a:t>평균</a:t>
+            </a:r>
+          </a:p>
+        </p:txBody>
+      </p:sp>
+      <p:sp>
+        <p:nvSpPr>
+          <p:cNvPr id="80" name="TextBox 79">
+            <a:extLst>
+              <a:ext uri="{FF2B5EF4-FFF2-40B4-BE49-F238E27FC236}">
+                <a16:creationId xmlns:a16="http://schemas.microsoft.com/office/drawing/2014/main" id="{B298DBD4-3E3A-4ABA-AD91-E2BFAB365382}"/>
+              </a:ext>
+            </a:extLst>
+          </p:cNvPr>
+          <p:cNvSpPr txBox="1"/>
+          <p:nvPr/>
+        </p:nvSpPr>
+        <p:spPr>
+          <a:xfrm>
+            <a:off x="4164083" y="1768342"/>
+            <a:ext cx="417102" cy="261610"/>
+          </a:xfrm>
+          <a:prstGeom prst="rect">
+            <a:avLst/>
+          </a:prstGeom>
+          <a:noFill/>
+        </p:spPr>
+        <p:txBody>
+          <a:bodyPr wrap="none" rtlCol="0">
+            <a:spAutoFit/>
+          </a:bodyPr>
+          <a:lstStyle/>
+          <a:p>
+            <a:r>
+              <a:rPr lang="ko-KR" altLang="en-US" sz="1100" dirty="0">
+                <a:latin typeface="배달의민족 주아" panose="02020603020101020101" pitchFamily="18" charset="-127"/>
+                <a:ea typeface="배달의민족 주아" panose="02020603020101020101" pitchFamily="18" charset="-127"/>
+              </a:rPr>
+              <a:t>평균</a:t>
+            </a:r>
+          </a:p>
+        </p:txBody>
+      </p:sp>
+      <p:sp>
+        <p:nvSpPr>
+          <p:cNvPr id="81" name="TextBox 80">
+            <a:extLst>
+              <a:ext uri="{FF2B5EF4-FFF2-40B4-BE49-F238E27FC236}">
+                <a16:creationId xmlns:a16="http://schemas.microsoft.com/office/drawing/2014/main" id="{3460AABE-49C3-4A25-B0A5-5326C3838920}"/>
+              </a:ext>
+            </a:extLst>
+          </p:cNvPr>
+          <p:cNvSpPr txBox="1"/>
+          <p:nvPr/>
+        </p:nvSpPr>
+        <p:spPr>
+          <a:xfrm>
+            <a:off x="4079945" y="311156"/>
+            <a:ext cx="753731" cy="369332"/>
+          </a:xfrm>
+          <a:prstGeom prst="rect">
+            <a:avLst/>
+          </a:prstGeom>
+          <a:noFill/>
+        </p:spPr>
+        <p:txBody>
+          <a:bodyPr wrap="none" rtlCol="0">
+            <a:spAutoFit/>
+          </a:bodyPr>
+          <a:lstStyle/>
+          <a:p>
+            <a:pPr algn="ctr"/>
+            <a:r>
+              <a:rPr lang="ko-KR" altLang="en-US" dirty="0">
+                <a:solidFill>
+                  <a:schemeClr val="accent3"/>
+                </a:solidFill>
+                <a:latin typeface="배달의민족 주아" panose="02020603020101020101" pitchFamily="18" charset="-127"/>
+                <a:ea typeface="배달의민족 주아" panose="02020603020101020101" pitchFamily="18" charset="-127"/>
+              </a:rPr>
+              <a:t>모평균</a:t>
+            </a:r>
+          </a:p>
+        </p:txBody>
+      </p:sp>
+      <p:sp>
+        <p:nvSpPr>
+          <p:cNvPr id="93" name="TextBox 92">
+            <a:extLst>
+              <a:ext uri="{FF2B5EF4-FFF2-40B4-BE49-F238E27FC236}">
+                <a16:creationId xmlns:a16="http://schemas.microsoft.com/office/drawing/2014/main" id="{EF22571D-3744-43F2-B47A-33FBDE888CF5}"/>
+              </a:ext>
+            </a:extLst>
+          </p:cNvPr>
+          <p:cNvSpPr txBox="1"/>
+          <p:nvPr/>
+        </p:nvSpPr>
+        <p:spPr>
+          <a:xfrm>
+            <a:off x="3552075" y="4285564"/>
+            <a:ext cx="1771640" cy="400110"/>
+          </a:xfrm>
+          <a:prstGeom prst="rect">
+            <a:avLst/>
+          </a:prstGeom>
+          <a:noFill/>
+        </p:spPr>
+        <p:txBody>
+          <a:bodyPr wrap="none" rtlCol="0">
+            <a:spAutoFit/>
+          </a:bodyPr>
+          <a:lstStyle/>
+          <a:p>
+            <a:pPr algn="ctr"/>
+            <a:r>
+              <a:rPr lang="en-US" altLang="ko-KR" sz="2000" dirty="0">
+                <a:latin typeface="배달의민족 주아" panose="02020603020101020101" pitchFamily="18" charset="-127"/>
+                <a:ea typeface="배달의민족 주아" panose="02020603020101020101" pitchFamily="18" charset="-127"/>
+              </a:rPr>
+              <a:t>&lt;</a:t>
+            </a:r>
+            <a:r>
+              <a:rPr lang="ko-KR" altLang="en-US" sz="2000" dirty="0">
+                <a:latin typeface="배달의민족 주아" panose="02020603020101020101" pitchFamily="18" charset="-127"/>
+                <a:ea typeface="배달의민족 주아" panose="02020603020101020101" pitchFamily="18" charset="-127"/>
+              </a:rPr>
+              <a:t>표본평균 분포</a:t>
+            </a:r>
+            <a:r>
+              <a:rPr lang="en-US" altLang="ko-KR" sz="2000" dirty="0">
+                <a:latin typeface="배달의민족 주아" panose="02020603020101020101" pitchFamily="18" charset="-127"/>
+                <a:ea typeface="배달의민족 주아" panose="02020603020101020101" pitchFamily="18" charset="-127"/>
+              </a:rPr>
+              <a:t>&gt;</a:t>
+            </a:r>
+            <a:endParaRPr lang="ko-KR" altLang="en-US" sz="2000" dirty="0">
+              <a:latin typeface="배달의민족 주아" panose="02020603020101020101" pitchFamily="18" charset="-127"/>
+              <a:ea typeface="배달의민족 주아" panose="02020603020101020101" pitchFamily="18" charset="-127"/>
+            </a:endParaRPr>
+          </a:p>
+        </p:txBody>
+      </p:sp>
+      <p:sp>
+        <p:nvSpPr>
+          <p:cNvPr id="84" name="TextBox 83">
+            <a:extLst>
+              <a:ext uri="{FF2B5EF4-FFF2-40B4-BE49-F238E27FC236}">
+                <a16:creationId xmlns:a16="http://schemas.microsoft.com/office/drawing/2014/main" id="{637A9EBD-8651-4827-A9C8-718C09951F70}"/>
+              </a:ext>
+            </a:extLst>
+          </p:cNvPr>
+          <p:cNvSpPr txBox="1"/>
+          <p:nvPr/>
+        </p:nvSpPr>
+        <p:spPr>
+          <a:xfrm>
+            <a:off x="4493334" y="753142"/>
+            <a:ext cx="1160894" cy="307777"/>
+          </a:xfrm>
+          <a:prstGeom prst="rect">
+            <a:avLst/>
+          </a:prstGeom>
+          <a:noFill/>
+        </p:spPr>
+        <p:txBody>
+          <a:bodyPr wrap="none" rtlCol="0">
+            <a:spAutoFit/>
+          </a:bodyPr>
+          <a:lstStyle/>
+          <a:p>
+            <a:pPr algn="ctr"/>
+            <a:r>
+              <a:rPr lang="ko-KR" altLang="en-US" sz="1400" dirty="0">
+                <a:solidFill>
+                  <a:schemeClr val="accent3"/>
+                </a:solidFill>
+                <a:latin typeface="배달의민족 주아" panose="02020603020101020101" pitchFamily="18" charset="-127"/>
+                <a:ea typeface="배달의민족 주아" panose="02020603020101020101" pitchFamily="18" charset="-127"/>
+              </a:rPr>
+              <a:t>모평균</a:t>
+            </a:r>
+            <a:r>
+              <a:rPr lang="en-US" altLang="ko-KR" sz="1400" dirty="0">
+                <a:solidFill>
+                  <a:schemeClr val="accent3"/>
+                </a:solidFill>
+                <a:latin typeface="배달의민족 주아" panose="02020603020101020101" pitchFamily="18" charset="-127"/>
+                <a:ea typeface="배달의민족 주아" panose="02020603020101020101" pitchFamily="18" charset="-127"/>
+              </a:rPr>
+              <a:t>+2SEM</a:t>
+            </a:r>
+            <a:endParaRPr lang="ko-KR" altLang="en-US" sz="1400" dirty="0">
+              <a:solidFill>
+                <a:schemeClr val="accent3"/>
+              </a:solidFill>
+              <a:latin typeface="배달의민족 주아" panose="02020603020101020101" pitchFamily="18" charset="-127"/>
+              <a:ea typeface="배달의민족 주아" panose="02020603020101020101" pitchFamily="18" charset="-127"/>
+            </a:endParaRPr>
+          </a:p>
+        </p:txBody>
+      </p:sp>
+      <p:sp>
+        <p:nvSpPr>
+          <p:cNvPr id="85" name="TextBox 84">
+            <a:extLst>
+              <a:ext uri="{FF2B5EF4-FFF2-40B4-BE49-F238E27FC236}">
+                <a16:creationId xmlns:a16="http://schemas.microsoft.com/office/drawing/2014/main" id="{30DFB557-63B6-4825-A4E9-AA48679DDB80}"/>
+              </a:ext>
+            </a:extLst>
+          </p:cNvPr>
+          <p:cNvSpPr txBox="1"/>
+          <p:nvPr/>
+        </p:nvSpPr>
+        <p:spPr>
+          <a:xfrm>
+            <a:off x="3245859" y="748670"/>
+            <a:ext cx="1148071" cy="307777"/>
+          </a:xfrm>
+          <a:prstGeom prst="rect">
+            <a:avLst/>
+          </a:prstGeom>
+          <a:noFill/>
+        </p:spPr>
+        <p:txBody>
+          <a:bodyPr wrap="none" rtlCol="0">
+            <a:spAutoFit/>
+          </a:bodyPr>
+          <a:lstStyle/>
+          <a:p>
+            <a:pPr algn="ctr"/>
+            <a:r>
+              <a:rPr lang="ko-KR" altLang="en-US" sz="1400" dirty="0">
+                <a:solidFill>
+                  <a:schemeClr val="accent3"/>
+                </a:solidFill>
+                <a:latin typeface="배달의민족 주아" panose="02020603020101020101" pitchFamily="18" charset="-127"/>
+                <a:ea typeface="배달의민족 주아" panose="02020603020101020101" pitchFamily="18" charset="-127"/>
+              </a:rPr>
+              <a:t>모평균</a:t>
+            </a:r>
+            <a:r>
+              <a:rPr lang="en-US" altLang="ko-KR" sz="1400" dirty="0">
+                <a:solidFill>
+                  <a:schemeClr val="accent3"/>
+                </a:solidFill>
+                <a:latin typeface="배달의민족 주아" panose="02020603020101020101" pitchFamily="18" charset="-127"/>
+                <a:ea typeface="배달의민족 주아" panose="02020603020101020101" pitchFamily="18" charset="-127"/>
+              </a:rPr>
+              <a:t>-2SEM</a:t>
+            </a:r>
+            <a:endParaRPr lang="ko-KR" altLang="en-US" sz="1400" dirty="0">
+              <a:solidFill>
+                <a:schemeClr val="accent3"/>
+              </a:solidFill>
+              <a:latin typeface="배달의민족 주아" panose="02020603020101020101" pitchFamily="18" charset="-127"/>
+              <a:ea typeface="배달의민족 주아" panose="02020603020101020101" pitchFamily="18" charset="-127"/>
+            </a:endParaRPr>
+          </a:p>
+        </p:txBody>
+      </p:sp>
+      <p:sp>
+        <p:nvSpPr>
+          <p:cNvPr id="7" name="화살표: 왼쪽/오른쪽 6">
+            <a:extLst>
+              <a:ext uri="{FF2B5EF4-FFF2-40B4-BE49-F238E27FC236}">
+                <a16:creationId xmlns:a16="http://schemas.microsoft.com/office/drawing/2014/main" id="{4E12E168-D9FF-4343-B35E-06DA76E44FB7}"/>
+              </a:ext>
+            </a:extLst>
+          </p:cNvPr>
+          <p:cNvSpPr/>
+          <p:nvPr/>
+        </p:nvSpPr>
+        <p:spPr>
+          <a:xfrm>
+            <a:off x="3897425" y="2189351"/>
+            <a:ext cx="1116759" cy="395714"/>
+          </a:xfrm>
+          <a:prstGeom prst="leftRightArrow">
+            <a:avLst/>
+          </a:prstGeom>
+          <a:solidFill>
+            <a:schemeClr val="accent6">
+              <a:alpha val="90000"/>
+            </a:schemeClr>
+          </a:solidFill>
+          <a:ln w="12700">
+            <a:solidFill>
+              <a:schemeClr val="accent5">
+                <a:lumMod val="75000"/>
+              </a:schemeClr>
+            </a:solidFill>
+          </a:ln>
+        </p:spPr>
+        <p:style>
+          <a:lnRef idx="2">
+            <a:schemeClr val="accent1">
+              <a:shade val="50000"/>
+            </a:schemeClr>
+          </a:lnRef>
+          <a:fillRef idx="1">
+            <a:schemeClr val="accent1"/>
+          </a:fillRef>
+          <a:effectRef idx="0">
+            <a:schemeClr val="accent1"/>
+          </a:effectRef>
+          <a:fontRef idx="minor">
+            <a:schemeClr val="lt1"/>
+          </a:fontRef>
+        </p:style>
+        <p:txBody>
+          <a:bodyPr rtlCol="0" anchor="ctr"/>
+          <a:lstStyle/>
+          <a:p>
+            <a:pPr algn="ctr"/>
+            <a:endParaRPr lang="ko-KR" altLang="en-US"/>
+          </a:p>
+        </p:txBody>
+      </p:sp>
+      <p:sp>
+        <p:nvSpPr>
+          <p:cNvPr id="86" name="화살표: 왼쪽/오른쪽 85">
+            <a:extLst>
+              <a:ext uri="{FF2B5EF4-FFF2-40B4-BE49-F238E27FC236}">
+                <a16:creationId xmlns:a16="http://schemas.microsoft.com/office/drawing/2014/main" id="{EF7A27AD-799A-48D7-92C2-6074E551A6E9}"/>
+              </a:ext>
+            </a:extLst>
+          </p:cNvPr>
+          <p:cNvSpPr/>
+          <p:nvPr/>
+        </p:nvSpPr>
+        <p:spPr>
+          <a:xfrm>
+            <a:off x="5375969" y="1832095"/>
+            <a:ext cx="492172" cy="197857"/>
+          </a:xfrm>
+          <a:prstGeom prst="leftRightArrow">
+            <a:avLst/>
+          </a:prstGeom>
+          <a:solidFill>
+            <a:schemeClr val="accent6">
+              <a:alpha val="90000"/>
+            </a:schemeClr>
+          </a:solidFill>
+          <a:ln w="12700">
+            <a:solidFill>
+              <a:schemeClr val="accent5">
+                <a:lumMod val="75000"/>
+              </a:schemeClr>
+            </a:solidFill>
+          </a:ln>
+        </p:spPr>
+        <p:style>
+          <a:lnRef idx="2">
+            <a:schemeClr val="accent1">
+              <a:shade val="50000"/>
+            </a:schemeClr>
+          </a:lnRef>
+          <a:fillRef idx="1">
+            <a:schemeClr val="accent1"/>
+          </a:fillRef>
+          <a:effectRef idx="0">
+            <a:schemeClr val="accent1"/>
+          </a:effectRef>
+          <a:fontRef idx="minor">
+            <a:schemeClr val="lt1"/>
+          </a:fontRef>
+        </p:style>
+        <p:txBody>
+          <a:bodyPr rtlCol="0" anchor="ctr"/>
+          <a:lstStyle/>
+          <a:p>
+            <a:pPr algn="ctr"/>
+            <a:endParaRPr lang="ko-KR" altLang="en-US"/>
+          </a:p>
+        </p:txBody>
+      </p:sp>
+      <p:sp>
+        <p:nvSpPr>
+          <p:cNvPr id="87" name="TextBox 86">
+            <a:extLst>
+              <a:ext uri="{FF2B5EF4-FFF2-40B4-BE49-F238E27FC236}">
+                <a16:creationId xmlns:a16="http://schemas.microsoft.com/office/drawing/2014/main" id="{38413CFF-9145-48E8-AA03-05D6C8B2F931}"/>
+              </a:ext>
+            </a:extLst>
+          </p:cNvPr>
+          <p:cNvSpPr txBox="1"/>
+          <p:nvPr/>
+        </p:nvSpPr>
+        <p:spPr>
+          <a:xfrm>
+            <a:off x="5831752" y="1800218"/>
+            <a:ext cx="1082348" cy="261610"/>
+          </a:xfrm>
+          <a:prstGeom prst="rect">
+            <a:avLst/>
+          </a:prstGeom>
+          <a:noFill/>
+        </p:spPr>
+        <p:txBody>
+          <a:bodyPr wrap="none" rtlCol="0">
+            <a:spAutoFit/>
+          </a:bodyPr>
+          <a:lstStyle/>
+          <a:p>
+            <a:r>
+              <a:rPr lang="en-US" altLang="ko-KR" sz="1100" dirty="0">
+                <a:latin typeface="배달의민족 주아" panose="02020603020101020101" pitchFamily="18" charset="-127"/>
+                <a:ea typeface="배달의민족 주아" panose="02020603020101020101" pitchFamily="18" charset="-127"/>
+              </a:rPr>
+              <a:t>: </a:t>
+            </a:r>
+            <a:r>
+              <a:rPr lang="ko-KR" altLang="en-US" sz="1100" dirty="0">
+                <a:latin typeface="배달의민족 주아" panose="02020603020101020101" pitchFamily="18" charset="-127"/>
+                <a:ea typeface="배달의민족 주아" panose="02020603020101020101" pitchFamily="18" charset="-127"/>
+              </a:rPr>
+              <a:t>신뢰구간</a:t>
+            </a:r>
+            <a:r>
+              <a:rPr lang="en-US" altLang="ko-KR" sz="1100" dirty="0">
+                <a:latin typeface="배달의민족 주아" panose="02020603020101020101" pitchFamily="18" charset="-127"/>
+                <a:ea typeface="배달의민족 주아" panose="02020603020101020101" pitchFamily="18" charset="-127"/>
+              </a:rPr>
+              <a:t>(95%)</a:t>
+            </a:r>
+            <a:endParaRPr lang="ko-KR" altLang="en-US" sz="1100" dirty="0">
+              <a:latin typeface="배달의민족 주아" panose="02020603020101020101" pitchFamily="18" charset="-127"/>
+              <a:ea typeface="배달의민족 주아" panose="02020603020101020101" pitchFamily="18" charset="-127"/>
+            </a:endParaRPr>
+          </a:p>
+        </p:txBody>
+      </p:sp>
+    </p:spTree>
+    <p:extLst>
+      <p:ext uri="{BB962C8B-B14F-4D97-AF65-F5344CB8AC3E}">
+        <p14:creationId xmlns:p14="http://schemas.microsoft.com/office/powerpoint/2010/main" val="1088962016"/>
+      </p:ext>
+    </p:extLst>
+  </p:cSld>
+  <p:clrMapOvr>
+    <a:masterClrMapping/>
+  </p:clrMapOvr>
+</p:sld>
+</file>
+
+<file path=ppt/slides/slide3.xml><?xml version="1.0" encoding="utf-8"?>
+<p:sld xmlns:a="http://schemas.openxmlformats.org/drawingml/2006/main" xmlns:r="http://schemas.openxmlformats.org/officeDocument/2006/relationships" xmlns:p="http://schemas.openxmlformats.org/presentationml/2006/main">
+  <p:cSld>
+    <p:spTree>
+      <p:nvGrpSpPr>
+        <p:cNvPr id="1" name=""/>
+        <p:cNvGrpSpPr/>
+        <p:nvPr/>
+      </p:nvGrpSpPr>
+      <p:grpSpPr>
+        <a:xfrm>
+          <a:off x="0" y="0"/>
+          <a:ext cx="0" cy="0"/>
+          <a:chOff x="0" y="0"/>
+          <a:chExt cx="0" cy="0"/>
+        </a:xfrm>
+      </p:grpSpPr>
       <p:pic>
         <p:nvPicPr>
           <p:cNvPr id="1027" name="Picture 3"/>
@@ -6635,7 +8242,7 @@
 </p:sld>
 </file>
 
-<file path=ppt/slides/slide3.xml><?xml version="1.0" encoding="utf-8"?>
+<file path=ppt/slides/slide4.xml><?xml version="1.0" encoding="utf-8"?>
 <p:sld xmlns:a="http://schemas.openxmlformats.org/drawingml/2006/main" xmlns:r="http://schemas.openxmlformats.org/officeDocument/2006/relationships" xmlns:p="http://schemas.openxmlformats.org/presentationml/2006/main">
   <p:cSld>
     <p:spTree>

--- a/pics/2021-01-05-confidence_interval/pics.pptx
+++ b/pics/2021-01-05-confidence_interval/pics.pptx
@@ -7,8 +7,9 @@
   <p:sldIdLst>
     <p:sldId id="258" r:id="rId2"/>
     <p:sldId id="259" r:id="rId3"/>
-    <p:sldId id="256" r:id="rId4"/>
-    <p:sldId id="257" r:id="rId5"/>
+    <p:sldId id="260" r:id="rId4"/>
+    <p:sldId id="256" r:id="rId5"/>
+    <p:sldId id="257" r:id="rId6"/>
   </p:sldIdLst>
   <p:sldSz cx="9144000" cy="5143500" type="screen16x9"/>
   <p:notesSz cx="6858000" cy="9144000"/>
@@ -7623,6 +7624,2978 @@
           <a:chExt cx="0" cy="0"/>
         </a:xfrm>
       </p:grpSpPr>
+      <p:cxnSp>
+        <p:nvCxnSpPr>
+          <p:cNvPr id="54" name="직선 연결선 53">
+            <a:extLst>
+              <a:ext uri="{FF2B5EF4-FFF2-40B4-BE49-F238E27FC236}">
+                <a16:creationId xmlns:a16="http://schemas.microsoft.com/office/drawing/2014/main" id="{C0E7FF59-BEE0-4C00-9F83-E09D00B0C516}"/>
+              </a:ext>
+            </a:extLst>
+          </p:cNvPr>
+          <p:cNvCxnSpPr>
+            <a:cxnSpLocks/>
+          </p:cNvCxnSpPr>
+          <p:nvPr/>
+        </p:nvCxnSpPr>
+        <p:spPr>
+          <a:xfrm>
+            <a:off x="2541820" y="872500"/>
+            <a:ext cx="0" cy="3331422"/>
+          </a:xfrm>
+          <a:prstGeom prst="line">
+            <a:avLst/>
+          </a:prstGeom>
+          <a:ln w="28575">
+            <a:solidFill>
+              <a:schemeClr val="accent3"/>
+            </a:solidFill>
+            <a:prstDash val="dash"/>
+          </a:ln>
+        </p:spPr>
+        <p:style>
+          <a:lnRef idx="1">
+            <a:schemeClr val="accent1"/>
+          </a:lnRef>
+          <a:fillRef idx="0">
+            <a:schemeClr val="accent1"/>
+          </a:fillRef>
+          <a:effectRef idx="0">
+            <a:schemeClr val="accent1"/>
+          </a:effectRef>
+          <a:fontRef idx="minor">
+            <a:schemeClr val="tx1"/>
+          </a:fontRef>
+        </p:style>
+      </p:cxnSp>
+      <p:cxnSp>
+        <p:nvCxnSpPr>
+          <p:cNvPr id="82" name="직선 연결선 81">
+            <a:extLst>
+              <a:ext uri="{FF2B5EF4-FFF2-40B4-BE49-F238E27FC236}">
+                <a16:creationId xmlns:a16="http://schemas.microsoft.com/office/drawing/2014/main" id="{81C795E2-4BAB-4B30-8615-EF5D39005982}"/>
+              </a:ext>
+            </a:extLst>
+          </p:cNvPr>
+          <p:cNvCxnSpPr>
+            <a:cxnSpLocks/>
+          </p:cNvCxnSpPr>
+          <p:nvPr/>
+        </p:nvCxnSpPr>
+        <p:spPr>
+          <a:xfrm>
+            <a:off x="1957312" y="1238271"/>
+            <a:ext cx="0" cy="2965651"/>
+          </a:xfrm>
+          <a:prstGeom prst="line">
+            <a:avLst/>
+          </a:prstGeom>
+          <a:ln w="28575">
+            <a:solidFill>
+              <a:schemeClr val="accent6"/>
+            </a:solidFill>
+            <a:prstDash val="dash"/>
+          </a:ln>
+        </p:spPr>
+        <p:style>
+          <a:lnRef idx="1">
+            <a:schemeClr val="accent1"/>
+          </a:lnRef>
+          <a:fillRef idx="0">
+            <a:schemeClr val="accent1"/>
+          </a:fillRef>
+          <a:effectRef idx="0">
+            <a:schemeClr val="accent1"/>
+          </a:effectRef>
+          <a:fontRef idx="minor">
+            <a:schemeClr val="tx1"/>
+          </a:fontRef>
+        </p:style>
+      </p:cxnSp>
+      <p:cxnSp>
+        <p:nvCxnSpPr>
+          <p:cNvPr id="83" name="직선 연결선 82">
+            <a:extLst>
+              <a:ext uri="{FF2B5EF4-FFF2-40B4-BE49-F238E27FC236}">
+                <a16:creationId xmlns:a16="http://schemas.microsoft.com/office/drawing/2014/main" id="{FF755B02-EC7C-4BA0-A253-E7B3B6C7D81C}"/>
+              </a:ext>
+            </a:extLst>
+          </p:cNvPr>
+          <p:cNvCxnSpPr>
+            <a:cxnSpLocks/>
+          </p:cNvCxnSpPr>
+          <p:nvPr/>
+        </p:nvCxnSpPr>
+        <p:spPr>
+          <a:xfrm>
+            <a:off x="3126329" y="1238271"/>
+            <a:ext cx="0" cy="2965651"/>
+          </a:xfrm>
+          <a:prstGeom prst="line">
+            <a:avLst/>
+          </a:prstGeom>
+          <a:ln w="28575">
+            <a:solidFill>
+              <a:schemeClr val="accent6"/>
+            </a:solidFill>
+            <a:prstDash val="dash"/>
+          </a:ln>
+        </p:spPr>
+        <p:style>
+          <a:lnRef idx="1">
+            <a:schemeClr val="accent1"/>
+          </a:lnRef>
+          <a:fillRef idx="0">
+            <a:schemeClr val="accent1"/>
+          </a:fillRef>
+          <a:effectRef idx="0">
+            <a:schemeClr val="accent1"/>
+          </a:effectRef>
+          <a:fontRef idx="minor">
+            <a:schemeClr val="tx1"/>
+          </a:fontRef>
+        </p:style>
+      </p:cxnSp>
+      <p:pic>
+        <p:nvPicPr>
+          <p:cNvPr id="5" name="Picture 2"/>
+          <p:cNvPicPr>
+            <a:picLocks noChangeAspect="1" noChangeArrowheads="1"/>
+          </p:cNvPicPr>
+          <p:nvPr/>
+        </p:nvPicPr>
+        <p:blipFill>
+          <a:blip r:embed="rId2">
+            <a:extLst>
+              <a:ext uri="{28A0092B-C50C-407E-A947-70E740481C1C}">
+                <a14:useLocalDpi xmlns:a14="http://schemas.microsoft.com/office/drawing/2010/main" val="0"/>
+              </a:ext>
+            </a:extLst>
+          </a:blip>
+          <a:srcRect/>
+          <a:stretch>
+            <a:fillRect/>
+          </a:stretch>
+        </p:blipFill>
+        <p:spPr bwMode="auto">
+          <a:xfrm>
+            <a:off x="931524" y="1395610"/>
+            <a:ext cx="3064412" cy="2880320"/>
+          </a:xfrm>
+          <a:prstGeom prst="rect">
+            <a:avLst/>
+          </a:prstGeom>
+          <a:noFill/>
+          <a:ln>
+            <a:noFill/>
+          </a:ln>
+          <a:effectLst/>
+          <a:extLst>
+            <a:ext uri="{909E8E84-426E-40DD-AFC4-6F175D3DCCD1}">
+              <a14:hiddenFill xmlns:a14="http://schemas.microsoft.com/office/drawing/2010/main">
+                <a:solidFill>
+                  <a:schemeClr val="accent1"/>
+                </a:solidFill>
+              </a14:hiddenFill>
+            </a:ext>
+            <a:ext uri="{91240B29-F687-4F45-9708-019B960494DF}">
+              <a14:hiddenLine xmlns:a14="http://schemas.microsoft.com/office/drawing/2010/main" w="9525">
+                <a:solidFill>
+                  <a:schemeClr val="tx1"/>
+                </a:solidFill>
+                <a:miter lim="800000"/>
+                <a:headEnd/>
+                <a:tailEnd/>
+              </a14:hiddenLine>
+            </a:ext>
+            <a:ext uri="{AF507438-7753-43E0-B8FC-AC1667EBCBE1}">
+              <a14:hiddenEffects xmlns:a14="http://schemas.microsoft.com/office/drawing/2010/main">
+                <a:effectLst>
+                  <a:outerShdw dist="35921" dir="2700000" algn="ctr" rotWithShape="0">
+                    <a:schemeClr val="bg2"/>
+                  </a:outerShdw>
+                </a:effectLst>
+              </a14:hiddenEffects>
+            </a:ext>
+          </a:extLst>
+        </p:spPr>
+      </p:pic>
+      <p:sp>
+        <p:nvSpPr>
+          <p:cNvPr id="4" name="TextBox 3">
+            <a:extLst>
+              <a:ext uri="{FF2B5EF4-FFF2-40B4-BE49-F238E27FC236}">
+                <a16:creationId xmlns:a16="http://schemas.microsoft.com/office/drawing/2014/main" id="{C04AFB07-A04F-4BA4-AFC3-446CE5957D9D}"/>
+              </a:ext>
+            </a:extLst>
+          </p:cNvPr>
+          <p:cNvSpPr txBox="1"/>
+          <p:nvPr/>
+        </p:nvSpPr>
+        <p:spPr>
+          <a:xfrm>
+            <a:off x="2144966" y="2494223"/>
+            <a:ext cx="417102" cy="261610"/>
+          </a:xfrm>
+          <a:prstGeom prst="rect">
+            <a:avLst/>
+          </a:prstGeom>
+          <a:noFill/>
+        </p:spPr>
+        <p:txBody>
+          <a:bodyPr wrap="none" rtlCol="0">
+            <a:spAutoFit/>
+          </a:bodyPr>
+          <a:lstStyle/>
+          <a:p>
+            <a:r>
+              <a:rPr lang="ko-KR" altLang="en-US" sz="1100">
+                <a:latin typeface="배달의민족 주아" panose="02020603020101020101" pitchFamily="18" charset="-127"/>
+                <a:ea typeface="배달의민족 주아" panose="02020603020101020101" pitchFamily="18" charset="-127"/>
+              </a:rPr>
+              <a:t>평균</a:t>
+            </a:r>
+          </a:p>
+        </p:txBody>
+      </p:sp>
+      <p:sp>
+        <p:nvSpPr>
+          <p:cNvPr id="56" name="TextBox 55">
+            <a:extLst>
+              <a:ext uri="{FF2B5EF4-FFF2-40B4-BE49-F238E27FC236}">
+                <a16:creationId xmlns:a16="http://schemas.microsoft.com/office/drawing/2014/main" id="{B6A70F32-8562-4E73-BD1D-CF9D36148B17}"/>
+              </a:ext>
+            </a:extLst>
+          </p:cNvPr>
+          <p:cNvSpPr txBox="1"/>
+          <p:nvPr/>
+        </p:nvSpPr>
+        <p:spPr>
+          <a:xfrm>
+            <a:off x="2046628" y="2735380"/>
+            <a:ext cx="417102" cy="261610"/>
+          </a:xfrm>
+          <a:prstGeom prst="rect">
+            <a:avLst/>
+          </a:prstGeom>
+          <a:noFill/>
+        </p:spPr>
+        <p:txBody>
+          <a:bodyPr wrap="none" rtlCol="0">
+            <a:spAutoFit/>
+          </a:bodyPr>
+          <a:lstStyle/>
+          <a:p>
+            <a:r>
+              <a:rPr lang="ko-KR" altLang="en-US" sz="1100">
+                <a:latin typeface="배달의민족 주아" panose="02020603020101020101" pitchFamily="18" charset="-127"/>
+                <a:ea typeface="배달의민족 주아" panose="02020603020101020101" pitchFamily="18" charset="-127"/>
+              </a:rPr>
+              <a:t>평균</a:t>
+            </a:r>
+          </a:p>
+        </p:txBody>
+      </p:sp>
+      <p:sp>
+        <p:nvSpPr>
+          <p:cNvPr id="57" name="TextBox 56">
+            <a:extLst>
+              <a:ext uri="{FF2B5EF4-FFF2-40B4-BE49-F238E27FC236}">
+                <a16:creationId xmlns:a16="http://schemas.microsoft.com/office/drawing/2014/main" id="{69C2B872-9BEB-4D28-96BF-A163FA23B2AE}"/>
+              </a:ext>
+            </a:extLst>
+          </p:cNvPr>
+          <p:cNvSpPr txBox="1"/>
+          <p:nvPr/>
+        </p:nvSpPr>
+        <p:spPr>
+          <a:xfrm>
+            <a:off x="2402424" y="2845609"/>
+            <a:ext cx="417102" cy="261610"/>
+          </a:xfrm>
+          <a:prstGeom prst="rect">
+            <a:avLst/>
+          </a:prstGeom>
+          <a:noFill/>
+        </p:spPr>
+        <p:txBody>
+          <a:bodyPr wrap="none" rtlCol="0">
+            <a:spAutoFit/>
+          </a:bodyPr>
+          <a:lstStyle/>
+          <a:p>
+            <a:r>
+              <a:rPr lang="ko-KR" altLang="en-US" sz="1100">
+                <a:latin typeface="배달의민족 주아" panose="02020603020101020101" pitchFamily="18" charset="-127"/>
+                <a:ea typeface="배달의민족 주아" panose="02020603020101020101" pitchFamily="18" charset="-127"/>
+              </a:rPr>
+              <a:t>평균</a:t>
+            </a:r>
+          </a:p>
+        </p:txBody>
+      </p:sp>
+      <p:sp>
+        <p:nvSpPr>
+          <p:cNvPr id="58" name="TextBox 57">
+            <a:extLst>
+              <a:ext uri="{FF2B5EF4-FFF2-40B4-BE49-F238E27FC236}">
+                <a16:creationId xmlns:a16="http://schemas.microsoft.com/office/drawing/2014/main" id="{EF643D31-A1D1-4965-BB3A-247350DB9036}"/>
+              </a:ext>
+            </a:extLst>
+          </p:cNvPr>
+          <p:cNvSpPr txBox="1"/>
+          <p:nvPr/>
+        </p:nvSpPr>
+        <p:spPr>
+          <a:xfrm>
+            <a:off x="2374731" y="2629585"/>
+            <a:ext cx="417102" cy="261610"/>
+          </a:xfrm>
+          <a:prstGeom prst="rect">
+            <a:avLst/>
+          </a:prstGeom>
+          <a:noFill/>
+        </p:spPr>
+        <p:txBody>
+          <a:bodyPr wrap="none" rtlCol="0">
+            <a:spAutoFit/>
+          </a:bodyPr>
+          <a:lstStyle/>
+          <a:p>
+            <a:r>
+              <a:rPr lang="ko-KR" altLang="en-US" sz="1100">
+                <a:latin typeface="배달의민족 주아" panose="02020603020101020101" pitchFamily="18" charset="-127"/>
+                <a:ea typeface="배달의민족 주아" panose="02020603020101020101" pitchFamily="18" charset="-127"/>
+              </a:rPr>
+              <a:t>평균</a:t>
+            </a:r>
+          </a:p>
+        </p:txBody>
+      </p:sp>
+      <p:sp>
+        <p:nvSpPr>
+          <p:cNvPr id="59" name="TextBox 58">
+            <a:extLst>
+              <a:ext uri="{FF2B5EF4-FFF2-40B4-BE49-F238E27FC236}">
+                <a16:creationId xmlns:a16="http://schemas.microsoft.com/office/drawing/2014/main" id="{CEFEF120-AE30-4C7C-8637-42BDD97D4151}"/>
+              </a:ext>
+            </a:extLst>
+          </p:cNvPr>
+          <p:cNvSpPr txBox="1"/>
+          <p:nvPr/>
+        </p:nvSpPr>
+        <p:spPr>
+          <a:xfrm>
+            <a:off x="2279067" y="2291638"/>
+            <a:ext cx="417102" cy="261610"/>
+          </a:xfrm>
+          <a:prstGeom prst="rect">
+            <a:avLst/>
+          </a:prstGeom>
+          <a:noFill/>
+        </p:spPr>
+        <p:txBody>
+          <a:bodyPr wrap="none" rtlCol="0">
+            <a:spAutoFit/>
+          </a:bodyPr>
+          <a:lstStyle/>
+          <a:p>
+            <a:r>
+              <a:rPr lang="ko-KR" altLang="en-US" sz="1100">
+                <a:latin typeface="배달의민족 주아" panose="02020603020101020101" pitchFamily="18" charset="-127"/>
+                <a:ea typeface="배달의민족 주아" panose="02020603020101020101" pitchFamily="18" charset="-127"/>
+              </a:rPr>
+              <a:t>평균</a:t>
+            </a:r>
+          </a:p>
+        </p:txBody>
+      </p:sp>
+      <p:sp>
+        <p:nvSpPr>
+          <p:cNvPr id="60" name="TextBox 59">
+            <a:extLst>
+              <a:ext uri="{FF2B5EF4-FFF2-40B4-BE49-F238E27FC236}">
+                <a16:creationId xmlns:a16="http://schemas.microsoft.com/office/drawing/2014/main" id="{1EF9F216-41A4-4695-A143-7F795D43D60F}"/>
+              </a:ext>
+            </a:extLst>
+          </p:cNvPr>
+          <p:cNvSpPr txBox="1"/>
+          <p:nvPr/>
+        </p:nvSpPr>
+        <p:spPr>
+          <a:xfrm>
+            <a:off x="2562068" y="2413561"/>
+            <a:ext cx="417102" cy="261610"/>
+          </a:xfrm>
+          <a:prstGeom prst="rect">
+            <a:avLst/>
+          </a:prstGeom>
+          <a:noFill/>
+        </p:spPr>
+        <p:txBody>
+          <a:bodyPr wrap="none" rtlCol="0">
+            <a:spAutoFit/>
+          </a:bodyPr>
+          <a:lstStyle/>
+          <a:p>
+            <a:r>
+              <a:rPr lang="ko-KR" altLang="en-US" sz="1100">
+                <a:latin typeface="배달의민족 주아" panose="02020603020101020101" pitchFamily="18" charset="-127"/>
+                <a:ea typeface="배달의민족 주아" panose="02020603020101020101" pitchFamily="18" charset="-127"/>
+              </a:rPr>
+              <a:t>평균</a:t>
+            </a:r>
+          </a:p>
+        </p:txBody>
+      </p:sp>
+      <p:sp>
+        <p:nvSpPr>
+          <p:cNvPr id="61" name="TextBox 60">
+            <a:extLst>
+              <a:ext uri="{FF2B5EF4-FFF2-40B4-BE49-F238E27FC236}">
+                <a16:creationId xmlns:a16="http://schemas.microsoft.com/office/drawing/2014/main" id="{2A0E21AB-25E9-49DD-ADB4-0D3EC75B25A1}"/>
+              </a:ext>
+            </a:extLst>
+          </p:cNvPr>
+          <p:cNvSpPr txBox="1"/>
+          <p:nvPr/>
+        </p:nvSpPr>
+        <p:spPr>
+          <a:xfrm>
+            <a:off x="2628457" y="2734758"/>
+            <a:ext cx="417102" cy="261610"/>
+          </a:xfrm>
+          <a:prstGeom prst="rect">
+            <a:avLst/>
+          </a:prstGeom>
+          <a:noFill/>
+        </p:spPr>
+        <p:txBody>
+          <a:bodyPr wrap="none" rtlCol="0">
+            <a:spAutoFit/>
+          </a:bodyPr>
+          <a:lstStyle/>
+          <a:p>
+            <a:r>
+              <a:rPr lang="ko-KR" altLang="en-US" sz="1100">
+                <a:latin typeface="배달의민족 주아" panose="02020603020101020101" pitchFamily="18" charset="-127"/>
+                <a:ea typeface="배달의민족 주아" panose="02020603020101020101" pitchFamily="18" charset="-127"/>
+              </a:rPr>
+              <a:t>평균</a:t>
+            </a:r>
+          </a:p>
+        </p:txBody>
+      </p:sp>
+      <p:sp>
+        <p:nvSpPr>
+          <p:cNvPr id="62" name="TextBox 61">
+            <a:extLst>
+              <a:ext uri="{FF2B5EF4-FFF2-40B4-BE49-F238E27FC236}">
+                <a16:creationId xmlns:a16="http://schemas.microsoft.com/office/drawing/2014/main" id="{74F7DFBB-01DD-4E1C-AA49-53D5262B1568}"/>
+              </a:ext>
+            </a:extLst>
+          </p:cNvPr>
+          <p:cNvSpPr txBox="1"/>
+          <p:nvPr/>
+        </p:nvSpPr>
+        <p:spPr>
+          <a:xfrm>
+            <a:off x="2113017" y="2942522"/>
+            <a:ext cx="417102" cy="261610"/>
+          </a:xfrm>
+          <a:prstGeom prst="rect">
+            <a:avLst/>
+          </a:prstGeom>
+          <a:noFill/>
+        </p:spPr>
+        <p:txBody>
+          <a:bodyPr wrap="none" rtlCol="0">
+            <a:spAutoFit/>
+          </a:bodyPr>
+          <a:lstStyle/>
+          <a:p>
+            <a:r>
+              <a:rPr lang="ko-KR" altLang="en-US" sz="1100">
+                <a:latin typeface="배달의민족 주아" panose="02020603020101020101" pitchFamily="18" charset="-127"/>
+                <a:ea typeface="배달의민족 주아" panose="02020603020101020101" pitchFamily="18" charset="-127"/>
+              </a:rPr>
+              <a:t>평균</a:t>
+            </a:r>
+          </a:p>
+        </p:txBody>
+      </p:sp>
+      <p:sp>
+        <p:nvSpPr>
+          <p:cNvPr id="63" name="TextBox 62">
+            <a:extLst>
+              <a:ext uri="{FF2B5EF4-FFF2-40B4-BE49-F238E27FC236}">
+                <a16:creationId xmlns:a16="http://schemas.microsoft.com/office/drawing/2014/main" id="{A80CF1C4-9476-4397-A3ED-365156FF8C0B}"/>
+              </a:ext>
+            </a:extLst>
+          </p:cNvPr>
+          <p:cNvSpPr txBox="1"/>
+          <p:nvPr/>
+        </p:nvSpPr>
+        <p:spPr>
+          <a:xfrm>
+            <a:off x="2017483" y="3098337"/>
+            <a:ext cx="417102" cy="261610"/>
+          </a:xfrm>
+          <a:prstGeom prst="rect">
+            <a:avLst/>
+          </a:prstGeom>
+          <a:noFill/>
+        </p:spPr>
+        <p:txBody>
+          <a:bodyPr wrap="none" rtlCol="0">
+            <a:spAutoFit/>
+          </a:bodyPr>
+          <a:lstStyle/>
+          <a:p>
+            <a:r>
+              <a:rPr lang="ko-KR" altLang="en-US" sz="1100">
+                <a:latin typeface="배달의민족 주아" panose="02020603020101020101" pitchFamily="18" charset="-127"/>
+                <a:ea typeface="배달의민족 주아" panose="02020603020101020101" pitchFamily="18" charset="-127"/>
+              </a:rPr>
+              <a:t>평균</a:t>
+            </a:r>
+          </a:p>
+        </p:txBody>
+      </p:sp>
+      <p:sp>
+        <p:nvSpPr>
+          <p:cNvPr id="64" name="TextBox 63">
+            <a:extLst>
+              <a:ext uri="{FF2B5EF4-FFF2-40B4-BE49-F238E27FC236}">
+                <a16:creationId xmlns:a16="http://schemas.microsoft.com/office/drawing/2014/main" id="{BE0C0FF2-734F-440D-9121-2CA00E623972}"/>
+              </a:ext>
+            </a:extLst>
+          </p:cNvPr>
+          <p:cNvSpPr txBox="1"/>
+          <p:nvPr/>
+        </p:nvSpPr>
+        <p:spPr>
+          <a:xfrm>
+            <a:off x="1943864" y="3270818"/>
+            <a:ext cx="417102" cy="261610"/>
+          </a:xfrm>
+          <a:prstGeom prst="rect">
+            <a:avLst/>
+          </a:prstGeom>
+          <a:noFill/>
+        </p:spPr>
+        <p:txBody>
+          <a:bodyPr wrap="none" rtlCol="0">
+            <a:spAutoFit/>
+          </a:bodyPr>
+          <a:lstStyle/>
+          <a:p>
+            <a:r>
+              <a:rPr lang="ko-KR" altLang="en-US" sz="1100">
+                <a:latin typeface="배달의민족 주아" panose="02020603020101020101" pitchFamily="18" charset="-127"/>
+                <a:ea typeface="배달의민족 주아" panose="02020603020101020101" pitchFamily="18" charset="-127"/>
+              </a:rPr>
+              <a:t>평균</a:t>
+            </a:r>
+          </a:p>
+        </p:txBody>
+      </p:sp>
+      <p:sp>
+        <p:nvSpPr>
+          <p:cNvPr id="65" name="TextBox 64">
+            <a:extLst>
+              <a:ext uri="{FF2B5EF4-FFF2-40B4-BE49-F238E27FC236}">
+                <a16:creationId xmlns:a16="http://schemas.microsoft.com/office/drawing/2014/main" id="{75621EA3-8E7A-411B-81FC-098BF5452E03}"/>
+              </a:ext>
+            </a:extLst>
+          </p:cNvPr>
+          <p:cNvSpPr txBox="1"/>
+          <p:nvPr/>
+        </p:nvSpPr>
+        <p:spPr>
+          <a:xfrm>
+            <a:off x="2360966" y="3106670"/>
+            <a:ext cx="417102" cy="261610"/>
+          </a:xfrm>
+          <a:prstGeom prst="rect">
+            <a:avLst/>
+          </a:prstGeom>
+          <a:noFill/>
+        </p:spPr>
+        <p:txBody>
+          <a:bodyPr wrap="none" rtlCol="0">
+            <a:spAutoFit/>
+          </a:bodyPr>
+          <a:lstStyle/>
+          <a:p>
+            <a:r>
+              <a:rPr lang="ko-KR" altLang="en-US" sz="1100">
+                <a:latin typeface="배달의민족 주아" panose="02020603020101020101" pitchFamily="18" charset="-127"/>
+                <a:ea typeface="배달의민족 주아" panose="02020603020101020101" pitchFamily="18" charset="-127"/>
+              </a:rPr>
+              <a:t>평균</a:t>
+            </a:r>
+          </a:p>
+        </p:txBody>
+      </p:sp>
+      <p:sp>
+        <p:nvSpPr>
+          <p:cNvPr id="66" name="TextBox 65">
+            <a:extLst>
+              <a:ext uri="{FF2B5EF4-FFF2-40B4-BE49-F238E27FC236}">
+                <a16:creationId xmlns:a16="http://schemas.microsoft.com/office/drawing/2014/main" id="{C1FA5586-4F2E-4F6A-A0FA-1855CDED3BDC}"/>
+              </a:ext>
+            </a:extLst>
+          </p:cNvPr>
+          <p:cNvSpPr txBox="1"/>
+          <p:nvPr/>
+        </p:nvSpPr>
+        <p:spPr>
+          <a:xfrm>
+            <a:off x="2199057" y="3280469"/>
+            <a:ext cx="417102" cy="261610"/>
+          </a:xfrm>
+          <a:prstGeom prst="rect">
+            <a:avLst/>
+          </a:prstGeom>
+          <a:noFill/>
+        </p:spPr>
+        <p:txBody>
+          <a:bodyPr wrap="none" rtlCol="0">
+            <a:spAutoFit/>
+          </a:bodyPr>
+          <a:lstStyle/>
+          <a:p>
+            <a:r>
+              <a:rPr lang="ko-KR" altLang="en-US" sz="1100">
+                <a:latin typeface="배달의민족 주아" panose="02020603020101020101" pitchFamily="18" charset="-127"/>
+                <a:ea typeface="배달의민족 주아" panose="02020603020101020101" pitchFamily="18" charset="-127"/>
+              </a:rPr>
+              <a:t>평균</a:t>
+            </a:r>
+          </a:p>
+        </p:txBody>
+      </p:sp>
+      <p:sp>
+        <p:nvSpPr>
+          <p:cNvPr id="67" name="TextBox 66">
+            <a:extLst>
+              <a:ext uri="{FF2B5EF4-FFF2-40B4-BE49-F238E27FC236}">
+                <a16:creationId xmlns:a16="http://schemas.microsoft.com/office/drawing/2014/main" id="{141486BF-6F45-441A-95F3-D175221A8176}"/>
+              </a:ext>
+            </a:extLst>
+          </p:cNvPr>
+          <p:cNvSpPr txBox="1"/>
+          <p:nvPr/>
+        </p:nvSpPr>
+        <p:spPr>
+          <a:xfrm>
+            <a:off x="1828597" y="3468309"/>
+            <a:ext cx="417102" cy="261610"/>
+          </a:xfrm>
+          <a:prstGeom prst="rect">
+            <a:avLst/>
+          </a:prstGeom>
+          <a:noFill/>
+        </p:spPr>
+        <p:txBody>
+          <a:bodyPr wrap="none" rtlCol="0">
+            <a:spAutoFit/>
+          </a:bodyPr>
+          <a:lstStyle/>
+          <a:p>
+            <a:r>
+              <a:rPr lang="ko-KR" altLang="en-US" sz="1100">
+                <a:latin typeface="배달의민족 주아" panose="02020603020101020101" pitchFamily="18" charset="-127"/>
+                <a:ea typeface="배달의민족 주아" panose="02020603020101020101" pitchFamily="18" charset="-127"/>
+              </a:rPr>
+              <a:t>평균</a:t>
+            </a:r>
+          </a:p>
+        </p:txBody>
+      </p:sp>
+      <p:sp>
+        <p:nvSpPr>
+          <p:cNvPr id="68" name="TextBox 67">
+            <a:extLst>
+              <a:ext uri="{FF2B5EF4-FFF2-40B4-BE49-F238E27FC236}">
+                <a16:creationId xmlns:a16="http://schemas.microsoft.com/office/drawing/2014/main" id="{D1BF9F06-0991-468D-8349-6B35F7061937}"/>
+              </a:ext>
+            </a:extLst>
+          </p:cNvPr>
+          <p:cNvSpPr txBox="1"/>
+          <p:nvPr/>
+        </p:nvSpPr>
+        <p:spPr>
+          <a:xfrm>
+            <a:off x="2189636" y="3489133"/>
+            <a:ext cx="417102" cy="261610"/>
+          </a:xfrm>
+          <a:prstGeom prst="rect">
+            <a:avLst/>
+          </a:prstGeom>
+          <a:noFill/>
+        </p:spPr>
+        <p:txBody>
+          <a:bodyPr wrap="none" rtlCol="0">
+            <a:spAutoFit/>
+          </a:bodyPr>
+          <a:lstStyle/>
+          <a:p>
+            <a:r>
+              <a:rPr lang="ko-KR" altLang="en-US" sz="1100" dirty="0">
+                <a:latin typeface="배달의민족 주아" panose="02020603020101020101" pitchFamily="18" charset="-127"/>
+                <a:ea typeface="배달의민족 주아" panose="02020603020101020101" pitchFamily="18" charset="-127"/>
+              </a:rPr>
+              <a:t>평균</a:t>
+            </a:r>
+          </a:p>
+        </p:txBody>
+      </p:sp>
+      <p:sp>
+        <p:nvSpPr>
+          <p:cNvPr id="69" name="TextBox 68">
+            <a:extLst>
+              <a:ext uri="{FF2B5EF4-FFF2-40B4-BE49-F238E27FC236}">
+                <a16:creationId xmlns:a16="http://schemas.microsoft.com/office/drawing/2014/main" id="{298D047E-0D35-48CC-B73B-A5246B507DEC}"/>
+              </a:ext>
+            </a:extLst>
+          </p:cNvPr>
+          <p:cNvSpPr txBox="1"/>
+          <p:nvPr/>
+        </p:nvSpPr>
+        <p:spPr>
+          <a:xfrm>
+            <a:off x="1990506" y="3671265"/>
+            <a:ext cx="417102" cy="261610"/>
+          </a:xfrm>
+          <a:prstGeom prst="rect">
+            <a:avLst/>
+          </a:prstGeom>
+          <a:noFill/>
+        </p:spPr>
+        <p:txBody>
+          <a:bodyPr wrap="none" rtlCol="0">
+            <a:spAutoFit/>
+          </a:bodyPr>
+          <a:lstStyle/>
+          <a:p>
+            <a:r>
+              <a:rPr lang="ko-KR" altLang="en-US" sz="1100">
+                <a:latin typeface="배달의민족 주아" panose="02020603020101020101" pitchFamily="18" charset="-127"/>
+                <a:ea typeface="배달의민족 주아" panose="02020603020101020101" pitchFamily="18" charset="-127"/>
+              </a:rPr>
+              <a:t>평균</a:t>
+            </a:r>
+          </a:p>
+        </p:txBody>
+      </p:sp>
+      <p:sp>
+        <p:nvSpPr>
+          <p:cNvPr id="70" name="TextBox 69">
+            <a:extLst>
+              <a:ext uri="{FF2B5EF4-FFF2-40B4-BE49-F238E27FC236}">
+                <a16:creationId xmlns:a16="http://schemas.microsoft.com/office/drawing/2014/main" id="{3E688838-CA83-4471-9A4C-650BFD22C65B}"/>
+              </a:ext>
+            </a:extLst>
+          </p:cNvPr>
+          <p:cNvSpPr txBox="1"/>
+          <p:nvPr/>
+        </p:nvSpPr>
+        <p:spPr>
+          <a:xfrm>
+            <a:off x="1680694" y="3770494"/>
+            <a:ext cx="417102" cy="261610"/>
+          </a:xfrm>
+          <a:prstGeom prst="rect">
+            <a:avLst/>
+          </a:prstGeom>
+          <a:noFill/>
+        </p:spPr>
+        <p:txBody>
+          <a:bodyPr wrap="none" rtlCol="0">
+            <a:spAutoFit/>
+          </a:bodyPr>
+          <a:lstStyle/>
+          <a:p>
+            <a:r>
+              <a:rPr lang="ko-KR" altLang="en-US" sz="1100">
+                <a:latin typeface="배달의민족 주아" panose="02020603020101020101" pitchFamily="18" charset="-127"/>
+                <a:ea typeface="배달의민족 주아" panose="02020603020101020101" pitchFamily="18" charset="-127"/>
+              </a:rPr>
+              <a:t>평균</a:t>
+            </a:r>
+          </a:p>
+        </p:txBody>
+      </p:sp>
+      <p:sp>
+        <p:nvSpPr>
+          <p:cNvPr id="71" name="TextBox 70">
+            <a:extLst>
+              <a:ext uri="{FF2B5EF4-FFF2-40B4-BE49-F238E27FC236}">
+                <a16:creationId xmlns:a16="http://schemas.microsoft.com/office/drawing/2014/main" id="{9CECF851-F0A1-4282-996C-B5D11CEB5290}"/>
+              </a:ext>
+            </a:extLst>
+          </p:cNvPr>
+          <p:cNvSpPr txBox="1"/>
+          <p:nvPr/>
+        </p:nvSpPr>
+        <p:spPr>
+          <a:xfrm>
+            <a:off x="2279067" y="3726287"/>
+            <a:ext cx="417102" cy="261610"/>
+          </a:xfrm>
+          <a:prstGeom prst="rect">
+            <a:avLst/>
+          </a:prstGeom>
+          <a:noFill/>
+        </p:spPr>
+        <p:txBody>
+          <a:bodyPr wrap="none" rtlCol="0">
+            <a:spAutoFit/>
+          </a:bodyPr>
+          <a:lstStyle/>
+          <a:p>
+            <a:r>
+              <a:rPr lang="ko-KR" altLang="en-US" sz="1100" dirty="0">
+                <a:latin typeface="배달의민족 주아" panose="02020603020101020101" pitchFamily="18" charset="-127"/>
+                <a:ea typeface="배달의민족 주아" panose="02020603020101020101" pitchFamily="18" charset="-127"/>
+              </a:rPr>
+              <a:t>평균</a:t>
+            </a:r>
+          </a:p>
+        </p:txBody>
+      </p:sp>
+      <p:sp>
+        <p:nvSpPr>
+          <p:cNvPr id="72" name="TextBox 71">
+            <a:extLst>
+              <a:ext uri="{FF2B5EF4-FFF2-40B4-BE49-F238E27FC236}">
+                <a16:creationId xmlns:a16="http://schemas.microsoft.com/office/drawing/2014/main" id="{69BC8545-3494-47F8-AF2D-6D5219239A00}"/>
+              </a:ext>
+            </a:extLst>
+          </p:cNvPr>
+          <p:cNvSpPr txBox="1"/>
+          <p:nvPr/>
+        </p:nvSpPr>
+        <p:spPr>
+          <a:xfrm>
+            <a:off x="2588879" y="3505344"/>
+            <a:ext cx="417102" cy="261610"/>
+          </a:xfrm>
+          <a:prstGeom prst="rect">
+            <a:avLst/>
+          </a:prstGeom>
+          <a:noFill/>
+        </p:spPr>
+        <p:txBody>
+          <a:bodyPr wrap="none" rtlCol="0">
+            <a:spAutoFit/>
+          </a:bodyPr>
+          <a:lstStyle/>
+          <a:p>
+            <a:r>
+              <a:rPr lang="ko-KR" altLang="en-US" sz="1100" dirty="0">
+                <a:latin typeface="배달의민족 주아" panose="02020603020101020101" pitchFamily="18" charset="-127"/>
+                <a:ea typeface="배달의민족 주아" panose="02020603020101020101" pitchFamily="18" charset="-127"/>
+              </a:rPr>
+              <a:t>평균</a:t>
+            </a:r>
+          </a:p>
+        </p:txBody>
+      </p:sp>
+      <p:sp>
+        <p:nvSpPr>
+          <p:cNvPr id="73" name="TextBox 72">
+            <a:extLst>
+              <a:ext uri="{FF2B5EF4-FFF2-40B4-BE49-F238E27FC236}">
+                <a16:creationId xmlns:a16="http://schemas.microsoft.com/office/drawing/2014/main" id="{FB9808E6-A5DB-4C5B-8EA9-D7841F12F0BE}"/>
+              </a:ext>
+            </a:extLst>
+          </p:cNvPr>
+          <p:cNvSpPr txBox="1"/>
+          <p:nvPr/>
+        </p:nvSpPr>
+        <p:spPr>
+          <a:xfrm>
+            <a:off x="2586614" y="3254370"/>
+            <a:ext cx="522900" cy="338554"/>
+          </a:xfrm>
+          <a:prstGeom prst="rect">
+            <a:avLst/>
+          </a:prstGeom>
+          <a:noFill/>
+        </p:spPr>
+        <p:txBody>
+          <a:bodyPr wrap="none" rtlCol="0">
+            <a:spAutoFit/>
+          </a:bodyPr>
+          <a:lstStyle/>
+          <a:p>
+            <a:r>
+              <a:rPr lang="ko-KR" altLang="en-US" sz="1600" dirty="0">
+                <a:solidFill>
+                  <a:srgbClr val="FF0000"/>
+                </a:solidFill>
+                <a:latin typeface="배달의민족 주아" panose="02020603020101020101" pitchFamily="18" charset="-127"/>
+                <a:ea typeface="배달의민족 주아" panose="02020603020101020101" pitchFamily="18" charset="-127"/>
+              </a:rPr>
+              <a:t>평균</a:t>
+            </a:r>
+          </a:p>
+        </p:txBody>
+      </p:sp>
+      <p:sp>
+        <p:nvSpPr>
+          <p:cNvPr id="74" name="TextBox 73">
+            <a:extLst>
+              <a:ext uri="{FF2B5EF4-FFF2-40B4-BE49-F238E27FC236}">
+                <a16:creationId xmlns:a16="http://schemas.microsoft.com/office/drawing/2014/main" id="{77FEB70C-285E-44D7-BC63-B77A268499EC}"/>
+              </a:ext>
+            </a:extLst>
+          </p:cNvPr>
+          <p:cNvSpPr txBox="1"/>
+          <p:nvPr/>
+        </p:nvSpPr>
+        <p:spPr>
+          <a:xfrm>
+            <a:off x="2669061" y="3049771"/>
+            <a:ext cx="417102" cy="261610"/>
+          </a:xfrm>
+          <a:prstGeom prst="rect">
+            <a:avLst/>
+          </a:prstGeom>
+          <a:noFill/>
+        </p:spPr>
+        <p:txBody>
+          <a:bodyPr wrap="none" rtlCol="0">
+            <a:spAutoFit/>
+          </a:bodyPr>
+          <a:lstStyle/>
+          <a:p>
+            <a:r>
+              <a:rPr lang="ko-KR" altLang="en-US" sz="1100" dirty="0">
+                <a:latin typeface="배달의민족 주아" panose="02020603020101020101" pitchFamily="18" charset="-127"/>
+                <a:ea typeface="배달의민족 주아" panose="02020603020101020101" pitchFamily="18" charset="-127"/>
+              </a:rPr>
+              <a:t>평균</a:t>
+            </a:r>
+          </a:p>
+        </p:txBody>
+      </p:sp>
+      <p:sp>
+        <p:nvSpPr>
+          <p:cNvPr id="75" name="TextBox 74">
+            <a:extLst>
+              <a:ext uri="{FF2B5EF4-FFF2-40B4-BE49-F238E27FC236}">
+                <a16:creationId xmlns:a16="http://schemas.microsoft.com/office/drawing/2014/main" id="{2D586DBC-82ED-4D02-8CDB-898A98F22D29}"/>
+              </a:ext>
+            </a:extLst>
+          </p:cNvPr>
+          <p:cNvSpPr txBox="1"/>
+          <p:nvPr/>
+        </p:nvSpPr>
+        <p:spPr>
+          <a:xfrm>
+            <a:off x="2856502" y="3506861"/>
+            <a:ext cx="417102" cy="261610"/>
+          </a:xfrm>
+          <a:prstGeom prst="rect">
+            <a:avLst/>
+          </a:prstGeom>
+          <a:noFill/>
+        </p:spPr>
+        <p:txBody>
+          <a:bodyPr wrap="none" rtlCol="0">
+            <a:spAutoFit/>
+          </a:bodyPr>
+          <a:lstStyle/>
+          <a:p>
+            <a:r>
+              <a:rPr lang="ko-KR" altLang="en-US" sz="1100" dirty="0">
+                <a:latin typeface="배달의민족 주아" panose="02020603020101020101" pitchFamily="18" charset="-127"/>
+                <a:ea typeface="배달의민족 주아" panose="02020603020101020101" pitchFamily="18" charset="-127"/>
+              </a:rPr>
+              <a:t>평균</a:t>
+            </a:r>
+          </a:p>
+        </p:txBody>
+      </p:sp>
+      <p:sp>
+        <p:nvSpPr>
+          <p:cNvPr id="76" name="TextBox 75">
+            <a:extLst>
+              <a:ext uri="{FF2B5EF4-FFF2-40B4-BE49-F238E27FC236}">
+                <a16:creationId xmlns:a16="http://schemas.microsoft.com/office/drawing/2014/main" id="{22289A32-88D1-4436-B105-8F109602B5F6}"/>
+              </a:ext>
+            </a:extLst>
+          </p:cNvPr>
+          <p:cNvSpPr txBox="1"/>
+          <p:nvPr/>
+        </p:nvSpPr>
+        <p:spPr>
+          <a:xfrm>
+            <a:off x="2733656" y="3695293"/>
+            <a:ext cx="417102" cy="261610"/>
+          </a:xfrm>
+          <a:prstGeom prst="rect">
+            <a:avLst/>
+          </a:prstGeom>
+          <a:noFill/>
+        </p:spPr>
+        <p:txBody>
+          <a:bodyPr wrap="none" rtlCol="0">
+            <a:spAutoFit/>
+          </a:bodyPr>
+          <a:lstStyle/>
+          <a:p>
+            <a:r>
+              <a:rPr lang="ko-KR" altLang="en-US" sz="1100" dirty="0">
+                <a:latin typeface="배달의민족 주아" panose="02020603020101020101" pitchFamily="18" charset="-127"/>
+                <a:ea typeface="배달의민족 주아" panose="02020603020101020101" pitchFamily="18" charset="-127"/>
+              </a:rPr>
+              <a:t>평균</a:t>
+            </a:r>
+          </a:p>
+        </p:txBody>
+      </p:sp>
+      <p:sp>
+        <p:nvSpPr>
+          <p:cNvPr id="77" name="TextBox 76">
+            <a:extLst>
+              <a:ext uri="{FF2B5EF4-FFF2-40B4-BE49-F238E27FC236}">
+                <a16:creationId xmlns:a16="http://schemas.microsoft.com/office/drawing/2014/main" id="{B378BD5B-1DD8-415E-B876-3BC7241E34FB}"/>
+              </a:ext>
+            </a:extLst>
+          </p:cNvPr>
+          <p:cNvSpPr txBox="1"/>
+          <p:nvPr/>
+        </p:nvSpPr>
+        <p:spPr>
+          <a:xfrm>
+            <a:off x="3044307" y="3802070"/>
+            <a:ext cx="417102" cy="261610"/>
+          </a:xfrm>
+          <a:prstGeom prst="rect">
+            <a:avLst/>
+          </a:prstGeom>
+          <a:noFill/>
+        </p:spPr>
+        <p:txBody>
+          <a:bodyPr wrap="none" rtlCol="0">
+            <a:spAutoFit/>
+          </a:bodyPr>
+          <a:lstStyle/>
+          <a:p>
+            <a:r>
+              <a:rPr lang="ko-KR" altLang="en-US" sz="1100" dirty="0">
+                <a:latin typeface="배달의민족 주아" panose="02020603020101020101" pitchFamily="18" charset="-127"/>
+                <a:ea typeface="배달의민족 주아" panose="02020603020101020101" pitchFamily="18" charset="-127"/>
+              </a:rPr>
+              <a:t>평균</a:t>
+            </a:r>
+          </a:p>
+        </p:txBody>
+      </p:sp>
+      <p:sp>
+        <p:nvSpPr>
+          <p:cNvPr id="78" name="TextBox 77">
+            <a:extLst>
+              <a:ext uri="{FF2B5EF4-FFF2-40B4-BE49-F238E27FC236}">
+                <a16:creationId xmlns:a16="http://schemas.microsoft.com/office/drawing/2014/main" id="{044ABCD1-0C74-4BB9-AA1C-4AA354CD99A4}"/>
+              </a:ext>
+            </a:extLst>
+          </p:cNvPr>
+          <p:cNvSpPr txBox="1"/>
+          <p:nvPr/>
+        </p:nvSpPr>
+        <p:spPr>
+          <a:xfrm>
+            <a:off x="2569517" y="3855631"/>
+            <a:ext cx="417102" cy="261610"/>
+          </a:xfrm>
+          <a:prstGeom prst="rect">
+            <a:avLst/>
+          </a:prstGeom>
+          <a:noFill/>
+        </p:spPr>
+        <p:txBody>
+          <a:bodyPr wrap="none" rtlCol="0">
+            <a:spAutoFit/>
+          </a:bodyPr>
+          <a:lstStyle/>
+          <a:p>
+            <a:r>
+              <a:rPr lang="ko-KR" altLang="en-US" sz="1100" dirty="0">
+                <a:latin typeface="배달의민족 주아" panose="02020603020101020101" pitchFamily="18" charset="-127"/>
+                <a:ea typeface="배달의민족 주아" panose="02020603020101020101" pitchFamily="18" charset="-127"/>
+              </a:rPr>
+              <a:t>평균</a:t>
+            </a:r>
+          </a:p>
+        </p:txBody>
+      </p:sp>
+      <p:sp>
+        <p:nvSpPr>
+          <p:cNvPr id="79" name="TextBox 78">
+            <a:extLst>
+              <a:ext uri="{FF2B5EF4-FFF2-40B4-BE49-F238E27FC236}">
+                <a16:creationId xmlns:a16="http://schemas.microsoft.com/office/drawing/2014/main" id="{40BF79D4-31E0-457F-A861-F18F4B134B7E}"/>
+              </a:ext>
+            </a:extLst>
+          </p:cNvPr>
+          <p:cNvSpPr txBox="1"/>
+          <p:nvPr/>
+        </p:nvSpPr>
+        <p:spPr>
+          <a:xfrm>
+            <a:off x="2465606" y="2127804"/>
+            <a:ext cx="417102" cy="261610"/>
+          </a:xfrm>
+          <a:prstGeom prst="rect">
+            <a:avLst/>
+          </a:prstGeom>
+          <a:noFill/>
+        </p:spPr>
+        <p:txBody>
+          <a:bodyPr wrap="none" rtlCol="0">
+            <a:spAutoFit/>
+          </a:bodyPr>
+          <a:lstStyle/>
+          <a:p>
+            <a:r>
+              <a:rPr lang="ko-KR" altLang="en-US" sz="1100" dirty="0">
+                <a:latin typeface="배달의민족 주아" panose="02020603020101020101" pitchFamily="18" charset="-127"/>
+                <a:ea typeface="배달의민족 주아" panose="02020603020101020101" pitchFamily="18" charset="-127"/>
+              </a:rPr>
+              <a:t>평균</a:t>
+            </a:r>
+          </a:p>
+        </p:txBody>
+      </p:sp>
+      <p:sp>
+        <p:nvSpPr>
+          <p:cNvPr id="80" name="TextBox 79">
+            <a:extLst>
+              <a:ext uri="{FF2B5EF4-FFF2-40B4-BE49-F238E27FC236}">
+                <a16:creationId xmlns:a16="http://schemas.microsoft.com/office/drawing/2014/main" id="{B298DBD4-3E3A-4ABA-AD91-E2BFAB365382}"/>
+              </a:ext>
+            </a:extLst>
+          </p:cNvPr>
+          <p:cNvSpPr txBox="1"/>
+          <p:nvPr/>
+        </p:nvSpPr>
+        <p:spPr>
+          <a:xfrm>
+            <a:off x="2251799" y="1960354"/>
+            <a:ext cx="417102" cy="261610"/>
+          </a:xfrm>
+          <a:prstGeom prst="rect">
+            <a:avLst/>
+          </a:prstGeom>
+          <a:noFill/>
+        </p:spPr>
+        <p:txBody>
+          <a:bodyPr wrap="none" rtlCol="0">
+            <a:spAutoFit/>
+          </a:bodyPr>
+          <a:lstStyle/>
+          <a:p>
+            <a:r>
+              <a:rPr lang="ko-KR" altLang="en-US" sz="1100" dirty="0">
+                <a:latin typeface="배달의민족 주아" panose="02020603020101020101" pitchFamily="18" charset="-127"/>
+                <a:ea typeface="배달의민족 주아" panose="02020603020101020101" pitchFamily="18" charset="-127"/>
+              </a:rPr>
+              <a:t>평균</a:t>
+            </a:r>
+          </a:p>
+        </p:txBody>
+      </p:sp>
+      <p:sp>
+        <p:nvSpPr>
+          <p:cNvPr id="81" name="TextBox 80">
+            <a:extLst>
+              <a:ext uri="{FF2B5EF4-FFF2-40B4-BE49-F238E27FC236}">
+                <a16:creationId xmlns:a16="http://schemas.microsoft.com/office/drawing/2014/main" id="{3460AABE-49C3-4A25-B0A5-5326C3838920}"/>
+              </a:ext>
+            </a:extLst>
+          </p:cNvPr>
+          <p:cNvSpPr txBox="1"/>
+          <p:nvPr/>
+        </p:nvSpPr>
+        <p:spPr>
+          <a:xfrm>
+            <a:off x="2167661" y="503168"/>
+            <a:ext cx="753731" cy="369332"/>
+          </a:xfrm>
+          <a:prstGeom prst="rect">
+            <a:avLst/>
+          </a:prstGeom>
+          <a:noFill/>
+        </p:spPr>
+        <p:txBody>
+          <a:bodyPr wrap="none" rtlCol="0">
+            <a:spAutoFit/>
+          </a:bodyPr>
+          <a:lstStyle/>
+          <a:p>
+            <a:pPr algn="ctr"/>
+            <a:r>
+              <a:rPr lang="ko-KR" altLang="en-US" dirty="0">
+                <a:solidFill>
+                  <a:schemeClr val="accent3"/>
+                </a:solidFill>
+                <a:latin typeface="배달의민족 주아" panose="02020603020101020101" pitchFamily="18" charset="-127"/>
+                <a:ea typeface="배달의민족 주아" panose="02020603020101020101" pitchFamily="18" charset="-127"/>
+              </a:rPr>
+              <a:t>모평균</a:t>
+            </a:r>
+          </a:p>
+        </p:txBody>
+      </p:sp>
+      <p:sp>
+        <p:nvSpPr>
+          <p:cNvPr id="84" name="TextBox 83">
+            <a:extLst>
+              <a:ext uri="{FF2B5EF4-FFF2-40B4-BE49-F238E27FC236}">
+                <a16:creationId xmlns:a16="http://schemas.microsoft.com/office/drawing/2014/main" id="{637A9EBD-8651-4827-A9C8-718C09951F70}"/>
+              </a:ext>
+            </a:extLst>
+          </p:cNvPr>
+          <p:cNvSpPr txBox="1"/>
+          <p:nvPr/>
+        </p:nvSpPr>
+        <p:spPr>
+          <a:xfrm>
+            <a:off x="2581050" y="945154"/>
+            <a:ext cx="1160894" cy="307777"/>
+          </a:xfrm>
+          <a:prstGeom prst="rect">
+            <a:avLst/>
+          </a:prstGeom>
+          <a:noFill/>
+        </p:spPr>
+        <p:txBody>
+          <a:bodyPr wrap="square" rtlCol="0">
+            <a:spAutoFit/>
+          </a:bodyPr>
+          <a:lstStyle/>
+          <a:p>
+            <a:pPr algn="ctr"/>
+            <a:r>
+              <a:rPr lang="ko-KR" altLang="en-US" sz="1400" dirty="0">
+                <a:solidFill>
+                  <a:schemeClr val="accent3"/>
+                </a:solidFill>
+                <a:latin typeface="배달의민족 주아" panose="02020603020101020101" pitchFamily="18" charset="-127"/>
+                <a:ea typeface="배달의민족 주아" panose="02020603020101020101" pitchFamily="18" charset="-127"/>
+              </a:rPr>
+              <a:t>모평균</a:t>
+            </a:r>
+            <a:r>
+              <a:rPr lang="en-US" altLang="ko-KR" sz="1400" dirty="0">
+                <a:solidFill>
+                  <a:schemeClr val="accent3"/>
+                </a:solidFill>
+                <a:latin typeface="배달의민족 주아" panose="02020603020101020101" pitchFamily="18" charset="-127"/>
+                <a:ea typeface="배달의민족 주아" panose="02020603020101020101" pitchFamily="18" charset="-127"/>
+              </a:rPr>
+              <a:t>+2SEM</a:t>
+            </a:r>
+            <a:endParaRPr lang="ko-KR" altLang="en-US" sz="1400" dirty="0">
+              <a:solidFill>
+                <a:schemeClr val="accent3"/>
+              </a:solidFill>
+              <a:latin typeface="배달의민족 주아" panose="02020603020101020101" pitchFamily="18" charset="-127"/>
+              <a:ea typeface="배달의민족 주아" panose="02020603020101020101" pitchFamily="18" charset="-127"/>
+            </a:endParaRPr>
+          </a:p>
+        </p:txBody>
+      </p:sp>
+      <p:sp>
+        <p:nvSpPr>
+          <p:cNvPr id="85" name="TextBox 84">
+            <a:extLst>
+              <a:ext uri="{FF2B5EF4-FFF2-40B4-BE49-F238E27FC236}">
+                <a16:creationId xmlns:a16="http://schemas.microsoft.com/office/drawing/2014/main" id="{30DFB557-63B6-4825-A4E9-AA48679DDB80}"/>
+              </a:ext>
+            </a:extLst>
+          </p:cNvPr>
+          <p:cNvSpPr txBox="1"/>
+          <p:nvPr/>
+        </p:nvSpPr>
+        <p:spPr>
+          <a:xfrm>
+            <a:off x="1333575" y="940682"/>
+            <a:ext cx="1148071" cy="307777"/>
+          </a:xfrm>
+          <a:prstGeom prst="rect">
+            <a:avLst/>
+          </a:prstGeom>
+          <a:noFill/>
+        </p:spPr>
+        <p:txBody>
+          <a:bodyPr wrap="none" rtlCol="0">
+            <a:spAutoFit/>
+          </a:bodyPr>
+          <a:lstStyle/>
+          <a:p>
+            <a:pPr algn="ctr"/>
+            <a:r>
+              <a:rPr lang="ko-KR" altLang="en-US" sz="1400" dirty="0">
+                <a:solidFill>
+                  <a:schemeClr val="accent3"/>
+                </a:solidFill>
+                <a:latin typeface="배달의민족 주아" panose="02020603020101020101" pitchFamily="18" charset="-127"/>
+                <a:ea typeface="배달의민족 주아" panose="02020603020101020101" pitchFamily="18" charset="-127"/>
+              </a:rPr>
+              <a:t>모평균</a:t>
+            </a:r>
+            <a:r>
+              <a:rPr lang="en-US" altLang="ko-KR" sz="1400" dirty="0">
+                <a:solidFill>
+                  <a:schemeClr val="accent3"/>
+                </a:solidFill>
+                <a:latin typeface="배달의민족 주아" panose="02020603020101020101" pitchFamily="18" charset="-127"/>
+                <a:ea typeface="배달의민족 주아" panose="02020603020101020101" pitchFamily="18" charset="-127"/>
+              </a:rPr>
+              <a:t>-2SEM</a:t>
+            </a:r>
+            <a:endParaRPr lang="ko-KR" altLang="en-US" sz="1400" dirty="0">
+              <a:solidFill>
+                <a:schemeClr val="accent3"/>
+              </a:solidFill>
+              <a:latin typeface="배달의민족 주아" panose="02020603020101020101" pitchFamily="18" charset="-127"/>
+              <a:ea typeface="배달의민족 주아" panose="02020603020101020101" pitchFamily="18" charset="-127"/>
+            </a:endParaRPr>
+          </a:p>
+        </p:txBody>
+      </p:sp>
+      <p:sp>
+        <p:nvSpPr>
+          <p:cNvPr id="7" name="화살표: 왼쪽/오른쪽 6">
+            <a:extLst>
+              <a:ext uri="{FF2B5EF4-FFF2-40B4-BE49-F238E27FC236}">
+                <a16:creationId xmlns:a16="http://schemas.microsoft.com/office/drawing/2014/main" id="{4E12E168-D9FF-4343-B35E-06DA76E44FB7}"/>
+              </a:ext>
+            </a:extLst>
+          </p:cNvPr>
+          <p:cNvSpPr/>
+          <p:nvPr/>
+        </p:nvSpPr>
+        <p:spPr>
+          <a:xfrm>
+            <a:off x="1985141" y="2381363"/>
+            <a:ext cx="1116759" cy="395714"/>
+          </a:xfrm>
+          <a:prstGeom prst="leftRightArrow">
+            <a:avLst/>
+          </a:prstGeom>
+          <a:solidFill>
+            <a:schemeClr val="accent6">
+              <a:alpha val="90000"/>
+            </a:schemeClr>
+          </a:solidFill>
+          <a:ln w="12700">
+            <a:solidFill>
+              <a:schemeClr val="accent5">
+                <a:lumMod val="75000"/>
+              </a:schemeClr>
+            </a:solidFill>
+          </a:ln>
+        </p:spPr>
+        <p:style>
+          <a:lnRef idx="2">
+            <a:schemeClr val="accent1">
+              <a:shade val="50000"/>
+            </a:schemeClr>
+          </a:lnRef>
+          <a:fillRef idx="1">
+            <a:schemeClr val="accent1"/>
+          </a:fillRef>
+          <a:effectRef idx="0">
+            <a:schemeClr val="accent1"/>
+          </a:effectRef>
+          <a:fontRef idx="minor">
+            <a:schemeClr val="lt1"/>
+          </a:fontRef>
+        </p:style>
+        <p:txBody>
+          <a:bodyPr rtlCol="0" anchor="ctr"/>
+          <a:lstStyle/>
+          <a:p>
+            <a:pPr algn="ctr"/>
+            <a:endParaRPr lang="ko-KR" altLang="en-US"/>
+          </a:p>
+        </p:txBody>
+      </p:sp>
+      <p:pic>
+        <p:nvPicPr>
+          <p:cNvPr id="44" name="Picture 2">
+            <a:extLst>
+              <a:ext uri="{FF2B5EF4-FFF2-40B4-BE49-F238E27FC236}">
+                <a16:creationId xmlns:a16="http://schemas.microsoft.com/office/drawing/2014/main" id="{567797A9-1B95-48D7-A914-C32948666867}"/>
+              </a:ext>
+            </a:extLst>
+          </p:cNvPr>
+          <p:cNvPicPr>
+            <a:picLocks noChangeAspect="1" noChangeArrowheads="1"/>
+          </p:cNvPicPr>
+          <p:nvPr/>
+        </p:nvPicPr>
+        <p:blipFill>
+          <a:blip r:embed="rId2">
+            <a:extLst>
+              <a:ext uri="{28A0092B-C50C-407E-A947-70E740481C1C}">
+                <a14:useLocalDpi xmlns:a14="http://schemas.microsoft.com/office/drawing/2010/main" val="0"/>
+              </a:ext>
+            </a:extLst>
+          </a:blip>
+          <a:srcRect/>
+          <a:stretch>
+            <a:fillRect/>
+          </a:stretch>
+        </p:blipFill>
+        <p:spPr bwMode="auto">
+          <a:xfrm>
+            <a:off x="4900573" y="1419622"/>
+            <a:ext cx="3064412" cy="2880320"/>
+          </a:xfrm>
+          <a:prstGeom prst="rect">
+            <a:avLst/>
+          </a:prstGeom>
+          <a:noFill/>
+          <a:ln>
+            <a:noFill/>
+          </a:ln>
+          <a:effectLst/>
+          <a:extLst>
+            <a:ext uri="{909E8E84-426E-40DD-AFC4-6F175D3DCCD1}">
+              <a14:hiddenFill xmlns:a14="http://schemas.microsoft.com/office/drawing/2010/main">
+                <a:solidFill>
+                  <a:schemeClr val="accent1"/>
+                </a:solidFill>
+              </a14:hiddenFill>
+            </a:ext>
+            <a:ext uri="{91240B29-F687-4F45-9708-019B960494DF}">
+              <a14:hiddenLine xmlns:a14="http://schemas.microsoft.com/office/drawing/2010/main" w="9525">
+                <a:solidFill>
+                  <a:schemeClr val="tx1"/>
+                </a:solidFill>
+                <a:miter lim="800000"/>
+                <a:headEnd/>
+                <a:tailEnd/>
+              </a14:hiddenLine>
+            </a:ext>
+            <a:ext uri="{AF507438-7753-43E0-B8FC-AC1667EBCBE1}">
+              <a14:hiddenEffects xmlns:a14="http://schemas.microsoft.com/office/drawing/2010/main">
+                <a:effectLst>
+                  <a:outerShdw dist="35921" dir="2700000" algn="ctr" rotWithShape="0">
+                    <a:schemeClr val="bg2"/>
+                  </a:outerShdw>
+                </a:effectLst>
+              </a14:hiddenEffects>
+            </a:ext>
+          </a:extLst>
+        </p:spPr>
+      </p:pic>
+      <p:sp>
+        <p:nvSpPr>
+          <p:cNvPr id="45" name="TextBox 44">
+            <a:extLst>
+              <a:ext uri="{FF2B5EF4-FFF2-40B4-BE49-F238E27FC236}">
+                <a16:creationId xmlns:a16="http://schemas.microsoft.com/office/drawing/2014/main" id="{BB50D454-7782-4D91-942D-A2CBC421BD0A}"/>
+              </a:ext>
+            </a:extLst>
+          </p:cNvPr>
+          <p:cNvSpPr txBox="1"/>
+          <p:nvPr/>
+        </p:nvSpPr>
+        <p:spPr>
+          <a:xfrm>
+            <a:off x="6114015" y="2518235"/>
+            <a:ext cx="417102" cy="261610"/>
+          </a:xfrm>
+          <a:prstGeom prst="rect">
+            <a:avLst/>
+          </a:prstGeom>
+          <a:noFill/>
+        </p:spPr>
+        <p:txBody>
+          <a:bodyPr wrap="none" rtlCol="0">
+            <a:spAutoFit/>
+          </a:bodyPr>
+          <a:lstStyle/>
+          <a:p>
+            <a:r>
+              <a:rPr lang="ko-KR" altLang="en-US" sz="1100">
+                <a:latin typeface="배달의민족 주아" panose="02020603020101020101" pitchFamily="18" charset="-127"/>
+                <a:ea typeface="배달의민족 주아" panose="02020603020101020101" pitchFamily="18" charset="-127"/>
+              </a:rPr>
+              <a:t>평균</a:t>
+            </a:r>
+          </a:p>
+        </p:txBody>
+      </p:sp>
+      <p:sp>
+        <p:nvSpPr>
+          <p:cNvPr id="46" name="TextBox 45">
+            <a:extLst>
+              <a:ext uri="{FF2B5EF4-FFF2-40B4-BE49-F238E27FC236}">
+                <a16:creationId xmlns:a16="http://schemas.microsoft.com/office/drawing/2014/main" id="{96AFD3A8-A8B6-4089-9582-35652582A896}"/>
+              </a:ext>
+            </a:extLst>
+          </p:cNvPr>
+          <p:cNvSpPr txBox="1"/>
+          <p:nvPr/>
+        </p:nvSpPr>
+        <p:spPr>
+          <a:xfrm>
+            <a:off x="6015677" y="2759392"/>
+            <a:ext cx="417102" cy="261610"/>
+          </a:xfrm>
+          <a:prstGeom prst="rect">
+            <a:avLst/>
+          </a:prstGeom>
+          <a:noFill/>
+        </p:spPr>
+        <p:txBody>
+          <a:bodyPr wrap="none" rtlCol="0">
+            <a:spAutoFit/>
+          </a:bodyPr>
+          <a:lstStyle/>
+          <a:p>
+            <a:r>
+              <a:rPr lang="ko-KR" altLang="en-US" sz="1100">
+                <a:latin typeface="배달의민족 주아" panose="02020603020101020101" pitchFamily="18" charset="-127"/>
+                <a:ea typeface="배달의민족 주아" panose="02020603020101020101" pitchFamily="18" charset="-127"/>
+              </a:rPr>
+              <a:t>평균</a:t>
+            </a:r>
+          </a:p>
+        </p:txBody>
+      </p:sp>
+      <p:sp>
+        <p:nvSpPr>
+          <p:cNvPr id="47" name="TextBox 46">
+            <a:extLst>
+              <a:ext uri="{FF2B5EF4-FFF2-40B4-BE49-F238E27FC236}">
+                <a16:creationId xmlns:a16="http://schemas.microsoft.com/office/drawing/2014/main" id="{7497AC1A-88D8-489C-B181-250982D56C31}"/>
+              </a:ext>
+            </a:extLst>
+          </p:cNvPr>
+          <p:cNvSpPr txBox="1"/>
+          <p:nvPr/>
+        </p:nvSpPr>
+        <p:spPr>
+          <a:xfrm>
+            <a:off x="6371473" y="2869621"/>
+            <a:ext cx="417102" cy="261610"/>
+          </a:xfrm>
+          <a:prstGeom prst="rect">
+            <a:avLst/>
+          </a:prstGeom>
+          <a:noFill/>
+        </p:spPr>
+        <p:txBody>
+          <a:bodyPr wrap="none" rtlCol="0">
+            <a:spAutoFit/>
+          </a:bodyPr>
+          <a:lstStyle/>
+          <a:p>
+            <a:r>
+              <a:rPr lang="ko-KR" altLang="en-US" sz="1100">
+                <a:latin typeface="배달의민족 주아" panose="02020603020101020101" pitchFamily="18" charset="-127"/>
+                <a:ea typeface="배달의민족 주아" panose="02020603020101020101" pitchFamily="18" charset="-127"/>
+              </a:rPr>
+              <a:t>평균</a:t>
+            </a:r>
+          </a:p>
+        </p:txBody>
+      </p:sp>
+      <p:sp>
+        <p:nvSpPr>
+          <p:cNvPr id="48" name="TextBox 47">
+            <a:extLst>
+              <a:ext uri="{FF2B5EF4-FFF2-40B4-BE49-F238E27FC236}">
+                <a16:creationId xmlns:a16="http://schemas.microsoft.com/office/drawing/2014/main" id="{6346752E-5488-4DC5-9EE3-C4ECCE01D7F0}"/>
+              </a:ext>
+            </a:extLst>
+          </p:cNvPr>
+          <p:cNvSpPr txBox="1"/>
+          <p:nvPr/>
+        </p:nvSpPr>
+        <p:spPr>
+          <a:xfrm>
+            <a:off x="6343780" y="2653597"/>
+            <a:ext cx="417102" cy="261610"/>
+          </a:xfrm>
+          <a:prstGeom prst="rect">
+            <a:avLst/>
+          </a:prstGeom>
+          <a:noFill/>
+        </p:spPr>
+        <p:txBody>
+          <a:bodyPr wrap="none" rtlCol="0">
+            <a:spAutoFit/>
+          </a:bodyPr>
+          <a:lstStyle/>
+          <a:p>
+            <a:r>
+              <a:rPr lang="ko-KR" altLang="en-US" sz="1100">
+                <a:latin typeface="배달의민족 주아" panose="02020603020101020101" pitchFamily="18" charset="-127"/>
+                <a:ea typeface="배달의민족 주아" panose="02020603020101020101" pitchFamily="18" charset="-127"/>
+              </a:rPr>
+              <a:t>평균</a:t>
+            </a:r>
+          </a:p>
+        </p:txBody>
+      </p:sp>
+      <p:sp>
+        <p:nvSpPr>
+          <p:cNvPr id="49" name="TextBox 48">
+            <a:extLst>
+              <a:ext uri="{FF2B5EF4-FFF2-40B4-BE49-F238E27FC236}">
+                <a16:creationId xmlns:a16="http://schemas.microsoft.com/office/drawing/2014/main" id="{159218C4-D86C-45A5-8FBF-C8D0EDD08DD9}"/>
+              </a:ext>
+            </a:extLst>
+          </p:cNvPr>
+          <p:cNvSpPr txBox="1"/>
+          <p:nvPr/>
+        </p:nvSpPr>
+        <p:spPr>
+          <a:xfrm>
+            <a:off x="6248116" y="2315650"/>
+            <a:ext cx="417102" cy="261610"/>
+          </a:xfrm>
+          <a:prstGeom prst="rect">
+            <a:avLst/>
+          </a:prstGeom>
+          <a:noFill/>
+        </p:spPr>
+        <p:txBody>
+          <a:bodyPr wrap="none" rtlCol="0">
+            <a:spAutoFit/>
+          </a:bodyPr>
+          <a:lstStyle/>
+          <a:p>
+            <a:r>
+              <a:rPr lang="ko-KR" altLang="en-US" sz="1100">
+                <a:latin typeface="배달의민족 주아" panose="02020603020101020101" pitchFamily="18" charset="-127"/>
+                <a:ea typeface="배달의민족 주아" panose="02020603020101020101" pitchFamily="18" charset="-127"/>
+              </a:rPr>
+              <a:t>평균</a:t>
+            </a:r>
+          </a:p>
+        </p:txBody>
+      </p:sp>
+      <p:sp>
+        <p:nvSpPr>
+          <p:cNvPr id="50" name="TextBox 49">
+            <a:extLst>
+              <a:ext uri="{FF2B5EF4-FFF2-40B4-BE49-F238E27FC236}">
+                <a16:creationId xmlns:a16="http://schemas.microsoft.com/office/drawing/2014/main" id="{A445CEF7-4DD8-4FF8-B97A-20BCFE989144}"/>
+              </a:ext>
+            </a:extLst>
+          </p:cNvPr>
+          <p:cNvSpPr txBox="1"/>
+          <p:nvPr/>
+        </p:nvSpPr>
+        <p:spPr>
+          <a:xfrm>
+            <a:off x="6531117" y="2437573"/>
+            <a:ext cx="417102" cy="261610"/>
+          </a:xfrm>
+          <a:prstGeom prst="rect">
+            <a:avLst/>
+          </a:prstGeom>
+          <a:noFill/>
+        </p:spPr>
+        <p:txBody>
+          <a:bodyPr wrap="none" rtlCol="0">
+            <a:spAutoFit/>
+          </a:bodyPr>
+          <a:lstStyle/>
+          <a:p>
+            <a:r>
+              <a:rPr lang="ko-KR" altLang="en-US" sz="1100">
+                <a:latin typeface="배달의민족 주아" panose="02020603020101020101" pitchFamily="18" charset="-127"/>
+                <a:ea typeface="배달의민족 주아" panose="02020603020101020101" pitchFamily="18" charset="-127"/>
+              </a:rPr>
+              <a:t>평균</a:t>
+            </a:r>
+          </a:p>
+        </p:txBody>
+      </p:sp>
+      <p:sp>
+        <p:nvSpPr>
+          <p:cNvPr id="51" name="TextBox 50">
+            <a:extLst>
+              <a:ext uri="{FF2B5EF4-FFF2-40B4-BE49-F238E27FC236}">
+                <a16:creationId xmlns:a16="http://schemas.microsoft.com/office/drawing/2014/main" id="{BE204CD6-2B7D-4C99-83B0-2A1A8CF77015}"/>
+              </a:ext>
+            </a:extLst>
+          </p:cNvPr>
+          <p:cNvSpPr txBox="1"/>
+          <p:nvPr/>
+        </p:nvSpPr>
+        <p:spPr>
+          <a:xfrm>
+            <a:off x="6597506" y="2758770"/>
+            <a:ext cx="417102" cy="261610"/>
+          </a:xfrm>
+          <a:prstGeom prst="rect">
+            <a:avLst/>
+          </a:prstGeom>
+          <a:noFill/>
+        </p:spPr>
+        <p:txBody>
+          <a:bodyPr wrap="none" rtlCol="0">
+            <a:spAutoFit/>
+          </a:bodyPr>
+          <a:lstStyle/>
+          <a:p>
+            <a:r>
+              <a:rPr lang="ko-KR" altLang="en-US" sz="1100">
+                <a:latin typeface="배달의민족 주아" panose="02020603020101020101" pitchFamily="18" charset="-127"/>
+                <a:ea typeface="배달의민족 주아" panose="02020603020101020101" pitchFamily="18" charset="-127"/>
+              </a:rPr>
+              <a:t>평균</a:t>
+            </a:r>
+          </a:p>
+        </p:txBody>
+      </p:sp>
+      <p:sp>
+        <p:nvSpPr>
+          <p:cNvPr id="52" name="TextBox 51">
+            <a:extLst>
+              <a:ext uri="{FF2B5EF4-FFF2-40B4-BE49-F238E27FC236}">
+                <a16:creationId xmlns:a16="http://schemas.microsoft.com/office/drawing/2014/main" id="{10AD9D71-6BA9-4EA5-8EB3-AA790AD88DD3}"/>
+              </a:ext>
+            </a:extLst>
+          </p:cNvPr>
+          <p:cNvSpPr txBox="1"/>
+          <p:nvPr/>
+        </p:nvSpPr>
+        <p:spPr>
+          <a:xfrm>
+            <a:off x="6082066" y="2966534"/>
+            <a:ext cx="417102" cy="261610"/>
+          </a:xfrm>
+          <a:prstGeom prst="rect">
+            <a:avLst/>
+          </a:prstGeom>
+          <a:noFill/>
+        </p:spPr>
+        <p:txBody>
+          <a:bodyPr wrap="none" rtlCol="0">
+            <a:spAutoFit/>
+          </a:bodyPr>
+          <a:lstStyle/>
+          <a:p>
+            <a:r>
+              <a:rPr lang="ko-KR" altLang="en-US" sz="1100">
+                <a:latin typeface="배달의민족 주아" panose="02020603020101020101" pitchFamily="18" charset="-127"/>
+                <a:ea typeface="배달의민족 주아" panose="02020603020101020101" pitchFamily="18" charset="-127"/>
+              </a:rPr>
+              <a:t>평균</a:t>
+            </a:r>
+          </a:p>
+        </p:txBody>
+      </p:sp>
+      <p:sp>
+        <p:nvSpPr>
+          <p:cNvPr id="53" name="TextBox 52">
+            <a:extLst>
+              <a:ext uri="{FF2B5EF4-FFF2-40B4-BE49-F238E27FC236}">
+                <a16:creationId xmlns:a16="http://schemas.microsoft.com/office/drawing/2014/main" id="{FD7E6127-D001-49D5-A147-4CD89EF1314E}"/>
+              </a:ext>
+            </a:extLst>
+          </p:cNvPr>
+          <p:cNvSpPr txBox="1"/>
+          <p:nvPr/>
+        </p:nvSpPr>
+        <p:spPr>
+          <a:xfrm>
+            <a:off x="5986532" y="3122349"/>
+            <a:ext cx="417102" cy="261610"/>
+          </a:xfrm>
+          <a:prstGeom prst="rect">
+            <a:avLst/>
+          </a:prstGeom>
+          <a:noFill/>
+        </p:spPr>
+        <p:txBody>
+          <a:bodyPr wrap="none" rtlCol="0">
+            <a:spAutoFit/>
+          </a:bodyPr>
+          <a:lstStyle/>
+          <a:p>
+            <a:r>
+              <a:rPr lang="ko-KR" altLang="en-US" sz="1100">
+                <a:latin typeface="배달의민족 주아" panose="02020603020101020101" pitchFamily="18" charset="-127"/>
+                <a:ea typeface="배달의민족 주아" panose="02020603020101020101" pitchFamily="18" charset="-127"/>
+              </a:rPr>
+              <a:t>평균</a:t>
+            </a:r>
+          </a:p>
+        </p:txBody>
+      </p:sp>
+      <p:sp>
+        <p:nvSpPr>
+          <p:cNvPr id="55" name="TextBox 54">
+            <a:extLst>
+              <a:ext uri="{FF2B5EF4-FFF2-40B4-BE49-F238E27FC236}">
+                <a16:creationId xmlns:a16="http://schemas.microsoft.com/office/drawing/2014/main" id="{1B7DB12B-678F-4074-B3EC-04F830F8B8C2}"/>
+              </a:ext>
+            </a:extLst>
+          </p:cNvPr>
+          <p:cNvSpPr txBox="1"/>
+          <p:nvPr/>
+        </p:nvSpPr>
+        <p:spPr>
+          <a:xfrm>
+            <a:off x="5912913" y="3294830"/>
+            <a:ext cx="417102" cy="261610"/>
+          </a:xfrm>
+          <a:prstGeom prst="rect">
+            <a:avLst/>
+          </a:prstGeom>
+          <a:noFill/>
+        </p:spPr>
+        <p:txBody>
+          <a:bodyPr wrap="none" rtlCol="0">
+            <a:spAutoFit/>
+          </a:bodyPr>
+          <a:lstStyle/>
+          <a:p>
+            <a:r>
+              <a:rPr lang="ko-KR" altLang="en-US" sz="1100">
+                <a:latin typeface="배달의민족 주아" panose="02020603020101020101" pitchFamily="18" charset="-127"/>
+                <a:ea typeface="배달의민족 주아" panose="02020603020101020101" pitchFamily="18" charset="-127"/>
+              </a:rPr>
+              <a:t>평균</a:t>
+            </a:r>
+          </a:p>
+        </p:txBody>
+      </p:sp>
+      <p:sp>
+        <p:nvSpPr>
+          <p:cNvPr id="88" name="TextBox 87">
+            <a:extLst>
+              <a:ext uri="{FF2B5EF4-FFF2-40B4-BE49-F238E27FC236}">
+                <a16:creationId xmlns:a16="http://schemas.microsoft.com/office/drawing/2014/main" id="{00F1712F-93DE-4B98-8F89-EF10D2526DD9}"/>
+              </a:ext>
+            </a:extLst>
+          </p:cNvPr>
+          <p:cNvSpPr txBox="1"/>
+          <p:nvPr/>
+        </p:nvSpPr>
+        <p:spPr>
+          <a:xfrm>
+            <a:off x="6330015" y="3130682"/>
+            <a:ext cx="417102" cy="261610"/>
+          </a:xfrm>
+          <a:prstGeom prst="rect">
+            <a:avLst/>
+          </a:prstGeom>
+          <a:noFill/>
+        </p:spPr>
+        <p:txBody>
+          <a:bodyPr wrap="none" rtlCol="0">
+            <a:spAutoFit/>
+          </a:bodyPr>
+          <a:lstStyle/>
+          <a:p>
+            <a:r>
+              <a:rPr lang="ko-KR" altLang="en-US" sz="1100">
+                <a:latin typeface="배달의민족 주아" panose="02020603020101020101" pitchFamily="18" charset="-127"/>
+                <a:ea typeface="배달의민족 주아" panose="02020603020101020101" pitchFamily="18" charset="-127"/>
+              </a:rPr>
+              <a:t>평균</a:t>
+            </a:r>
+          </a:p>
+        </p:txBody>
+      </p:sp>
+      <p:sp>
+        <p:nvSpPr>
+          <p:cNvPr id="89" name="TextBox 88">
+            <a:extLst>
+              <a:ext uri="{FF2B5EF4-FFF2-40B4-BE49-F238E27FC236}">
+                <a16:creationId xmlns:a16="http://schemas.microsoft.com/office/drawing/2014/main" id="{48873E0B-870A-485E-96A1-42943FEC48A0}"/>
+              </a:ext>
+            </a:extLst>
+          </p:cNvPr>
+          <p:cNvSpPr txBox="1"/>
+          <p:nvPr/>
+        </p:nvSpPr>
+        <p:spPr>
+          <a:xfrm>
+            <a:off x="6168106" y="3304481"/>
+            <a:ext cx="417102" cy="261610"/>
+          </a:xfrm>
+          <a:prstGeom prst="rect">
+            <a:avLst/>
+          </a:prstGeom>
+          <a:noFill/>
+        </p:spPr>
+        <p:txBody>
+          <a:bodyPr wrap="none" rtlCol="0">
+            <a:spAutoFit/>
+          </a:bodyPr>
+          <a:lstStyle/>
+          <a:p>
+            <a:r>
+              <a:rPr lang="ko-KR" altLang="en-US" sz="1100">
+                <a:latin typeface="배달의민족 주아" panose="02020603020101020101" pitchFamily="18" charset="-127"/>
+                <a:ea typeface="배달의민족 주아" panose="02020603020101020101" pitchFamily="18" charset="-127"/>
+              </a:rPr>
+              <a:t>평균</a:t>
+            </a:r>
+          </a:p>
+        </p:txBody>
+      </p:sp>
+      <p:sp>
+        <p:nvSpPr>
+          <p:cNvPr id="90" name="TextBox 89">
+            <a:extLst>
+              <a:ext uri="{FF2B5EF4-FFF2-40B4-BE49-F238E27FC236}">
+                <a16:creationId xmlns:a16="http://schemas.microsoft.com/office/drawing/2014/main" id="{621BEFBC-70EA-4CE9-B5D4-8A9EB58C0ADC}"/>
+              </a:ext>
+            </a:extLst>
+          </p:cNvPr>
+          <p:cNvSpPr txBox="1"/>
+          <p:nvPr/>
+        </p:nvSpPr>
+        <p:spPr>
+          <a:xfrm>
+            <a:off x="5797646" y="3492321"/>
+            <a:ext cx="417102" cy="261610"/>
+          </a:xfrm>
+          <a:prstGeom prst="rect">
+            <a:avLst/>
+          </a:prstGeom>
+          <a:noFill/>
+        </p:spPr>
+        <p:txBody>
+          <a:bodyPr wrap="none" rtlCol="0">
+            <a:spAutoFit/>
+          </a:bodyPr>
+          <a:lstStyle/>
+          <a:p>
+            <a:r>
+              <a:rPr lang="ko-KR" altLang="en-US" sz="1100">
+                <a:latin typeface="배달의민족 주아" panose="02020603020101020101" pitchFamily="18" charset="-127"/>
+                <a:ea typeface="배달의민족 주아" panose="02020603020101020101" pitchFamily="18" charset="-127"/>
+              </a:rPr>
+              <a:t>평균</a:t>
+            </a:r>
+          </a:p>
+        </p:txBody>
+      </p:sp>
+      <p:sp>
+        <p:nvSpPr>
+          <p:cNvPr id="91" name="TextBox 90">
+            <a:extLst>
+              <a:ext uri="{FF2B5EF4-FFF2-40B4-BE49-F238E27FC236}">
+                <a16:creationId xmlns:a16="http://schemas.microsoft.com/office/drawing/2014/main" id="{324FE00C-29E2-47F9-B430-780C006DE449}"/>
+              </a:ext>
+            </a:extLst>
+          </p:cNvPr>
+          <p:cNvSpPr txBox="1"/>
+          <p:nvPr/>
+        </p:nvSpPr>
+        <p:spPr>
+          <a:xfrm>
+            <a:off x="6158685" y="3513145"/>
+            <a:ext cx="417102" cy="261610"/>
+          </a:xfrm>
+          <a:prstGeom prst="rect">
+            <a:avLst/>
+          </a:prstGeom>
+          <a:noFill/>
+        </p:spPr>
+        <p:txBody>
+          <a:bodyPr wrap="none" rtlCol="0">
+            <a:spAutoFit/>
+          </a:bodyPr>
+          <a:lstStyle/>
+          <a:p>
+            <a:r>
+              <a:rPr lang="ko-KR" altLang="en-US" sz="1100" dirty="0">
+                <a:latin typeface="배달의민족 주아" panose="02020603020101020101" pitchFamily="18" charset="-127"/>
+                <a:ea typeface="배달의민족 주아" panose="02020603020101020101" pitchFamily="18" charset="-127"/>
+              </a:rPr>
+              <a:t>평균</a:t>
+            </a:r>
+          </a:p>
+        </p:txBody>
+      </p:sp>
+      <p:sp>
+        <p:nvSpPr>
+          <p:cNvPr id="92" name="TextBox 91">
+            <a:extLst>
+              <a:ext uri="{FF2B5EF4-FFF2-40B4-BE49-F238E27FC236}">
+                <a16:creationId xmlns:a16="http://schemas.microsoft.com/office/drawing/2014/main" id="{37B89BE7-4A4B-4047-BD00-1BCD38BAA3E5}"/>
+              </a:ext>
+            </a:extLst>
+          </p:cNvPr>
+          <p:cNvSpPr txBox="1"/>
+          <p:nvPr/>
+        </p:nvSpPr>
+        <p:spPr>
+          <a:xfrm>
+            <a:off x="5959555" y="3695277"/>
+            <a:ext cx="417102" cy="261610"/>
+          </a:xfrm>
+          <a:prstGeom prst="rect">
+            <a:avLst/>
+          </a:prstGeom>
+          <a:noFill/>
+        </p:spPr>
+        <p:txBody>
+          <a:bodyPr wrap="none" rtlCol="0">
+            <a:spAutoFit/>
+          </a:bodyPr>
+          <a:lstStyle/>
+          <a:p>
+            <a:r>
+              <a:rPr lang="ko-KR" altLang="en-US" sz="1100">
+                <a:latin typeface="배달의민족 주아" panose="02020603020101020101" pitchFamily="18" charset="-127"/>
+                <a:ea typeface="배달의민족 주아" panose="02020603020101020101" pitchFamily="18" charset="-127"/>
+              </a:rPr>
+              <a:t>평균</a:t>
+            </a:r>
+          </a:p>
+        </p:txBody>
+      </p:sp>
+      <p:sp>
+        <p:nvSpPr>
+          <p:cNvPr id="94" name="TextBox 93">
+            <a:extLst>
+              <a:ext uri="{FF2B5EF4-FFF2-40B4-BE49-F238E27FC236}">
+                <a16:creationId xmlns:a16="http://schemas.microsoft.com/office/drawing/2014/main" id="{2CC3AF41-3457-4574-AAD5-2B6060015252}"/>
+              </a:ext>
+            </a:extLst>
+          </p:cNvPr>
+          <p:cNvSpPr txBox="1"/>
+          <p:nvPr/>
+        </p:nvSpPr>
+        <p:spPr>
+          <a:xfrm>
+            <a:off x="5649743" y="3794506"/>
+            <a:ext cx="417102" cy="261610"/>
+          </a:xfrm>
+          <a:prstGeom prst="rect">
+            <a:avLst/>
+          </a:prstGeom>
+          <a:noFill/>
+        </p:spPr>
+        <p:txBody>
+          <a:bodyPr wrap="none" rtlCol="0">
+            <a:spAutoFit/>
+          </a:bodyPr>
+          <a:lstStyle/>
+          <a:p>
+            <a:r>
+              <a:rPr lang="ko-KR" altLang="en-US" sz="1100">
+                <a:latin typeface="배달의민족 주아" panose="02020603020101020101" pitchFamily="18" charset="-127"/>
+                <a:ea typeface="배달의민족 주아" panose="02020603020101020101" pitchFamily="18" charset="-127"/>
+              </a:rPr>
+              <a:t>평균</a:t>
+            </a:r>
+          </a:p>
+        </p:txBody>
+      </p:sp>
+      <p:sp>
+        <p:nvSpPr>
+          <p:cNvPr id="95" name="TextBox 94">
+            <a:extLst>
+              <a:ext uri="{FF2B5EF4-FFF2-40B4-BE49-F238E27FC236}">
+                <a16:creationId xmlns:a16="http://schemas.microsoft.com/office/drawing/2014/main" id="{8CE45887-6A98-4817-A7D8-BFAE901A8DC1}"/>
+              </a:ext>
+            </a:extLst>
+          </p:cNvPr>
+          <p:cNvSpPr txBox="1"/>
+          <p:nvPr/>
+        </p:nvSpPr>
+        <p:spPr>
+          <a:xfrm>
+            <a:off x="6248116" y="3750299"/>
+            <a:ext cx="417102" cy="261610"/>
+          </a:xfrm>
+          <a:prstGeom prst="rect">
+            <a:avLst/>
+          </a:prstGeom>
+          <a:noFill/>
+        </p:spPr>
+        <p:txBody>
+          <a:bodyPr wrap="none" rtlCol="0">
+            <a:spAutoFit/>
+          </a:bodyPr>
+          <a:lstStyle/>
+          <a:p>
+            <a:r>
+              <a:rPr lang="ko-KR" altLang="en-US" sz="1100" dirty="0">
+                <a:latin typeface="배달의민족 주아" panose="02020603020101020101" pitchFamily="18" charset="-127"/>
+                <a:ea typeface="배달의민족 주아" panose="02020603020101020101" pitchFamily="18" charset="-127"/>
+              </a:rPr>
+              <a:t>평균</a:t>
+            </a:r>
+          </a:p>
+        </p:txBody>
+      </p:sp>
+      <p:sp>
+        <p:nvSpPr>
+          <p:cNvPr id="96" name="TextBox 95">
+            <a:extLst>
+              <a:ext uri="{FF2B5EF4-FFF2-40B4-BE49-F238E27FC236}">
+                <a16:creationId xmlns:a16="http://schemas.microsoft.com/office/drawing/2014/main" id="{D2F018F6-0017-4ED1-8030-12C91AA72D40}"/>
+              </a:ext>
+            </a:extLst>
+          </p:cNvPr>
+          <p:cNvSpPr txBox="1"/>
+          <p:nvPr/>
+        </p:nvSpPr>
+        <p:spPr>
+          <a:xfrm>
+            <a:off x="6557928" y="3529356"/>
+            <a:ext cx="417102" cy="261610"/>
+          </a:xfrm>
+          <a:prstGeom prst="rect">
+            <a:avLst/>
+          </a:prstGeom>
+          <a:noFill/>
+        </p:spPr>
+        <p:txBody>
+          <a:bodyPr wrap="none" rtlCol="0">
+            <a:spAutoFit/>
+          </a:bodyPr>
+          <a:lstStyle/>
+          <a:p>
+            <a:r>
+              <a:rPr lang="ko-KR" altLang="en-US" sz="1100" dirty="0">
+                <a:latin typeface="배달의민족 주아" panose="02020603020101020101" pitchFamily="18" charset="-127"/>
+                <a:ea typeface="배달의민족 주아" panose="02020603020101020101" pitchFamily="18" charset="-127"/>
+              </a:rPr>
+              <a:t>평균</a:t>
+            </a:r>
+          </a:p>
+        </p:txBody>
+      </p:sp>
+      <p:sp>
+        <p:nvSpPr>
+          <p:cNvPr id="97" name="TextBox 96">
+            <a:extLst>
+              <a:ext uri="{FF2B5EF4-FFF2-40B4-BE49-F238E27FC236}">
+                <a16:creationId xmlns:a16="http://schemas.microsoft.com/office/drawing/2014/main" id="{6BA6E83D-2249-4DC6-A1B4-7C22457768FF}"/>
+              </a:ext>
+            </a:extLst>
+          </p:cNvPr>
+          <p:cNvSpPr txBox="1"/>
+          <p:nvPr/>
+        </p:nvSpPr>
+        <p:spPr>
+          <a:xfrm>
+            <a:off x="6555663" y="3278382"/>
+            <a:ext cx="522900" cy="338554"/>
+          </a:xfrm>
+          <a:prstGeom prst="rect">
+            <a:avLst/>
+          </a:prstGeom>
+          <a:noFill/>
+        </p:spPr>
+        <p:txBody>
+          <a:bodyPr wrap="none" rtlCol="0">
+            <a:spAutoFit/>
+          </a:bodyPr>
+          <a:lstStyle/>
+          <a:p>
+            <a:r>
+              <a:rPr lang="ko-KR" altLang="en-US" sz="1600" dirty="0">
+                <a:solidFill>
+                  <a:srgbClr val="FF0000"/>
+                </a:solidFill>
+                <a:latin typeface="배달의민족 주아" panose="02020603020101020101" pitchFamily="18" charset="-127"/>
+                <a:ea typeface="배달의민족 주아" panose="02020603020101020101" pitchFamily="18" charset="-127"/>
+              </a:rPr>
+              <a:t>평균</a:t>
+            </a:r>
+          </a:p>
+        </p:txBody>
+      </p:sp>
+      <p:sp>
+        <p:nvSpPr>
+          <p:cNvPr id="98" name="TextBox 97">
+            <a:extLst>
+              <a:ext uri="{FF2B5EF4-FFF2-40B4-BE49-F238E27FC236}">
+                <a16:creationId xmlns:a16="http://schemas.microsoft.com/office/drawing/2014/main" id="{A9C6BCCD-2628-4D76-A995-044B5AA812DE}"/>
+              </a:ext>
+            </a:extLst>
+          </p:cNvPr>
+          <p:cNvSpPr txBox="1"/>
+          <p:nvPr/>
+        </p:nvSpPr>
+        <p:spPr>
+          <a:xfrm>
+            <a:off x="6638110" y="3073783"/>
+            <a:ext cx="417102" cy="261610"/>
+          </a:xfrm>
+          <a:prstGeom prst="rect">
+            <a:avLst/>
+          </a:prstGeom>
+          <a:noFill/>
+        </p:spPr>
+        <p:txBody>
+          <a:bodyPr wrap="none" rtlCol="0">
+            <a:spAutoFit/>
+          </a:bodyPr>
+          <a:lstStyle/>
+          <a:p>
+            <a:r>
+              <a:rPr lang="ko-KR" altLang="en-US" sz="1100" dirty="0">
+                <a:latin typeface="배달의민족 주아" panose="02020603020101020101" pitchFamily="18" charset="-127"/>
+                <a:ea typeface="배달의민족 주아" panose="02020603020101020101" pitchFamily="18" charset="-127"/>
+              </a:rPr>
+              <a:t>평균</a:t>
+            </a:r>
+          </a:p>
+        </p:txBody>
+      </p:sp>
+      <p:sp>
+        <p:nvSpPr>
+          <p:cNvPr id="99" name="TextBox 98">
+            <a:extLst>
+              <a:ext uri="{FF2B5EF4-FFF2-40B4-BE49-F238E27FC236}">
+                <a16:creationId xmlns:a16="http://schemas.microsoft.com/office/drawing/2014/main" id="{B002F21C-B982-4402-807D-B9C235CB5647}"/>
+              </a:ext>
+            </a:extLst>
+          </p:cNvPr>
+          <p:cNvSpPr txBox="1"/>
+          <p:nvPr/>
+        </p:nvSpPr>
+        <p:spPr>
+          <a:xfrm>
+            <a:off x="6825551" y="3530873"/>
+            <a:ext cx="417102" cy="261610"/>
+          </a:xfrm>
+          <a:prstGeom prst="rect">
+            <a:avLst/>
+          </a:prstGeom>
+          <a:noFill/>
+        </p:spPr>
+        <p:txBody>
+          <a:bodyPr wrap="none" rtlCol="0">
+            <a:spAutoFit/>
+          </a:bodyPr>
+          <a:lstStyle/>
+          <a:p>
+            <a:r>
+              <a:rPr lang="ko-KR" altLang="en-US" sz="1100" dirty="0">
+                <a:latin typeface="배달의민족 주아" panose="02020603020101020101" pitchFamily="18" charset="-127"/>
+                <a:ea typeface="배달의민족 주아" panose="02020603020101020101" pitchFamily="18" charset="-127"/>
+              </a:rPr>
+              <a:t>평균</a:t>
+            </a:r>
+          </a:p>
+        </p:txBody>
+      </p:sp>
+      <p:sp>
+        <p:nvSpPr>
+          <p:cNvPr id="100" name="TextBox 99">
+            <a:extLst>
+              <a:ext uri="{FF2B5EF4-FFF2-40B4-BE49-F238E27FC236}">
+                <a16:creationId xmlns:a16="http://schemas.microsoft.com/office/drawing/2014/main" id="{6E9DC2E7-A48D-4066-94FF-D555D3E7E111}"/>
+              </a:ext>
+            </a:extLst>
+          </p:cNvPr>
+          <p:cNvSpPr txBox="1"/>
+          <p:nvPr/>
+        </p:nvSpPr>
+        <p:spPr>
+          <a:xfrm>
+            <a:off x="6702705" y="3719305"/>
+            <a:ext cx="417102" cy="261610"/>
+          </a:xfrm>
+          <a:prstGeom prst="rect">
+            <a:avLst/>
+          </a:prstGeom>
+          <a:noFill/>
+        </p:spPr>
+        <p:txBody>
+          <a:bodyPr wrap="none" rtlCol="0">
+            <a:spAutoFit/>
+          </a:bodyPr>
+          <a:lstStyle/>
+          <a:p>
+            <a:r>
+              <a:rPr lang="ko-KR" altLang="en-US" sz="1100" dirty="0">
+                <a:latin typeface="배달의민족 주아" panose="02020603020101020101" pitchFamily="18" charset="-127"/>
+                <a:ea typeface="배달의민족 주아" panose="02020603020101020101" pitchFamily="18" charset="-127"/>
+              </a:rPr>
+              <a:t>평균</a:t>
+            </a:r>
+          </a:p>
+        </p:txBody>
+      </p:sp>
+      <p:sp>
+        <p:nvSpPr>
+          <p:cNvPr id="101" name="TextBox 100">
+            <a:extLst>
+              <a:ext uri="{FF2B5EF4-FFF2-40B4-BE49-F238E27FC236}">
+                <a16:creationId xmlns:a16="http://schemas.microsoft.com/office/drawing/2014/main" id="{60C088A5-94CB-4927-982B-3302A7498C98}"/>
+              </a:ext>
+            </a:extLst>
+          </p:cNvPr>
+          <p:cNvSpPr txBox="1"/>
+          <p:nvPr/>
+        </p:nvSpPr>
+        <p:spPr>
+          <a:xfrm>
+            <a:off x="7013356" y="3826082"/>
+            <a:ext cx="417102" cy="261610"/>
+          </a:xfrm>
+          <a:prstGeom prst="rect">
+            <a:avLst/>
+          </a:prstGeom>
+          <a:noFill/>
+        </p:spPr>
+        <p:txBody>
+          <a:bodyPr wrap="none" rtlCol="0">
+            <a:spAutoFit/>
+          </a:bodyPr>
+          <a:lstStyle/>
+          <a:p>
+            <a:r>
+              <a:rPr lang="ko-KR" altLang="en-US" sz="1100" dirty="0">
+                <a:latin typeface="배달의민족 주아" panose="02020603020101020101" pitchFamily="18" charset="-127"/>
+                <a:ea typeface="배달의민족 주아" panose="02020603020101020101" pitchFamily="18" charset="-127"/>
+              </a:rPr>
+              <a:t>평균</a:t>
+            </a:r>
+          </a:p>
+        </p:txBody>
+      </p:sp>
+      <p:sp>
+        <p:nvSpPr>
+          <p:cNvPr id="102" name="TextBox 101">
+            <a:extLst>
+              <a:ext uri="{FF2B5EF4-FFF2-40B4-BE49-F238E27FC236}">
+                <a16:creationId xmlns:a16="http://schemas.microsoft.com/office/drawing/2014/main" id="{5815668A-4B13-45DD-AB13-4F9D783A4E28}"/>
+              </a:ext>
+            </a:extLst>
+          </p:cNvPr>
+          <p:cNvSpPr txBox="1"/>
+          <p:nvPr/>
+        </p:nvSpPr>
+        <p:spPr>
+          <a:xfrm>
+            <a:off x="6538566" y="3879643"/>
+            <a:ext cx="417102" cy="261610"/>
+          </a:xfrm>
+          <a:prstGeom prst="rect">
+            <a:avLst/>
+          </a:prstGeom>
+          <a:noFill/>
+        </p:spPr>
+        <p:txBody>
+          <a:bodyPr wrap="none" rtlCol="0">
+            <a:spAutoFit/>
+          </a:bodyPr>
+          <a:lstStyle/>
+          <a:p>
+            <a:r>
+              <a:rPr lang="ko-KR" altLang="en-US" sz="1100" dirty="0">
+                <a:latin typeface="배달의민족 주아" panose="02020603020101020101" pitchFamily="18" charset="-127"/>
+                <a:ea typeface="배달의민족 주아" panose="02020603020101020101" pitchFamily="18" charset="-127"/>
+              </a:rPr>
+              <a:t>평균</a:t>
+            </a:r>
+          </a:p>
+        </p:txBody>
+      </p:sp>
+      <p:sp>
+        <p:nvSpPr>
+          <p:cNvPr id="103" name="TextBox 102">
+            <a:extLst>
+              <a:ext uri="{FF2B5EF4-FFF2-40B4-BE49-F238E27FC236}">
+                <a16:creationId xmlns:a16="http://schemas.microsoft.com/office/drawing/2014/main" id="{BB9F4289-ABD0-455B-89BA-9B4FFE130233}"/>
+              </a:ext>
+            </a:extLst>
+          </p:cNvPr>
+          <p:cNvSpPr txBox="1"/>
+          <p:nvPr/>
+        </p:nvSpPr>
+        <p:spPr>
+          <a:xfrm>
+            <a:off x="6434655" y="2151816"/>
+            <a:ext cx="417102" cy="261610"/>
+          </a:xfrm>
+          <a:prstGeom prst="rect">
+            <a:avLst/>
+          </a:prstGeom>
+          <a:noFill/>
+        </p:spPr>
+        <p:txBody>
+          <a:bodyPr wrap="none" rtlCol="0">
+            <a:spAutoFit/>
+          </a:bodyPr>
+          <a:lstStyle/>
+          <a:p>
+            <a:r>
+              <a:rPr lang="ko-KR" altLang="en-US" sz="1100" dirty="0">
+                <a:latin typeface="배달의민족 주아" panose="02020603020101020101" pitchFamily="18" charset="-127"/>
+                <a:ea typeface="배달의민족 주아" panose="02020603020101020101" pitchFamily="18" charset="-127"/>
+              </a:rPr>
+              <a:t>평균</a:t>
+            </a:r>
+          </a:p>
+        </p:txBody>
+      </p:sp>
+      <p:sp>
+        <p:nvSpPr>
+          <p:cNvPr id="104" name="TextBox 103">
+            <a:extLst>
+              <a:ext uri="{FF2B5EF4-FFF2-40B4-BE49-F238E27FC236}">
+                <a16:creationId xmlns:a16="http://schemas.microsoft.com/office/drawing/2014/main" id="{63C75685-2BE3-41AF-B676-658EC2DCA468}"/>
+              </a:ext>
+            </a:extLst>
+          </p:cNvPr>
+          <p:cNvSpPr txBox="1"/>
+          <p:nvPr/>
+        </p:nvSpPr>
+        <p:spPr>
+          <a:xfrm>
+            <a:off x="6220848" y="1984366"/>
+            <a:ext cx="417102" cy="261610"/>
+          </a:xfrm>
+          <a:prstGeom prst="rect">
+            <a:avLst/>
+          </a:prstGeom>
+          <a:noFill/>
+        </p:spPr>
+        <p:txBody>
+          <a:bodyPr wrap="none" rtlCol="0">
+            <a:spAutoFit/>
+          </a:bodyPr>
+          <a:lstStyle/>
+          <a:p>
+            <a:r>
+              <a:rPr lang="ko-KR" altLang="en-US" sz="1100" dirty="0">
+                <a:latin typeface="배달의민족 주아" panose="02020603020101020101" pitchFamily="18" charset="-127"/>
+                <a:ea typeface="배달의민족 주아" panose="02020603020101020101" pitchFamily="18" charset="-127"/>
+              </a:rPr>
+              <a:t>평균</a:t>
+            </a:r>
+          </a:p>
+        </p:txBody>
+      </p:sp>
+      <p:cxnSp>
+        <p:nvCxnSpPr>
+          <p:cNvPr id="41" name="직선 연결선 40">
+            <a:extLst>
+              <a:ext uri="{FF2B5EF4-FFF2-40B4-BE49-F238E27FC236}">
+                <a16:creationId xmlns:a16="http://schemas.microsoft.com/office/drawing/2014/main" id="{1F4E8311-123B-4F32-939B-2A947174DC40}"/>
+              </a:ext>
+            </a:extLst>
+          </p:cNvPr>
+          <p:cNvCxnSpPr>
+            <a:cxnSpLocks/>
+          </p:cNvCxnSpPr>
+          <p:nvPr/>
+        </p:nvCxnSpPr>
+        <p:spPr>
+          <a:xfrm>
+            <a:off x="6811717" y="896512"/>
+            <a:ext cx="0" cy="3331422"/>
+          </a:xfrm>
+          <a:prstGeom prst="line">
+            <a:avLst/>
+          </a:prstGeom>
+          <a:ln w="28575">
+            <a:solidFill>
+              <a:srgbClr val="FF0000"/>
+            </a:solidFill>
+            <a:prstDash val="dash"/>
+          </a:ln>
+        </p:spPr>
+        <p:style>
+          <a:lnRef idx="1">
+            <a:schemeClr val="accent1"/>
+          </a:lnRef>
+          <a:fillRef idx="0">
+            <a:schemeClr val="accent1"/>
+          </a:fillRef>
+          <a:effectRef idx="0">
+            <a:schemeClr val="accent1"/>
+          </a:effectRef>
+          <a:fontRef idx="minor">
+            <a:schemeClr val="tx1"/>
+          </a:fontRef>
+        </p:style>
+      </p:cxnSp>
+      <p:sp>
+        <p:nvSpPr>
+          <p:cNvPr id="105" name="TextBox 104">
+            <a:extLst>
+              <a:ext uri="{FF2B5EF4-FFF2-40B4-BE49-F238E27FC236}">
+                <a16:creationId xmlns:a16="http://schemas.microsoft.com/office/drawing/2014/main" id="{140027E9-CEFC-47FB-B1C0-F3A211CA9D4D}"/>
+              </a:ext>
+            </a:extLst>
+          </p:cNvPr>
+          <p:cNvSpPr txBox="1"/>
+          <p:nvPr/>
+        </p:nvSpPr>
+        <p:spPr>
+          <a:xfrm>
+            <a:off x="6349392" y="527180"/>
+            <a:ext cx="930063" cy="369332"/>
+          </a:xfrm>
+          <a:prstGeom prst="rect">
+            <a:avLst/>
+          </a:prstGeom>
+          <a:noFill/>
+        </p:spPr>
+        <p:txBody>
+          <a:bodyPr wrap="none" rtlCol="0">
+            <a:spAutoFit/>
+          </a:bodyPr>
+          <a:lstStyle/>
+          <a:p>
+            <a:pPr algn="ctr"/>
+            <a:r>
+              <a:rPr lang="ko-KR" altLang="en-US" dirty="0">
+                <a:solidFill>
+                  <a:srgbClr val="FF0000"/>
+                </a:solidFill>
+                <a:latin typeface="배달의민족 주아" panose="02020603020101020101" pitchFamily="18" charset="-127"/>
+                <a:ea typeface="배달의민족 주아" panose="02020603020101020101" pitchFamily="18" charset="-127"/>
+              </a:rPr>
+              <a:t>표본평균</a:t>
+            </a:r>
+          </a:p>
+        </p:txBody>
+      </p:sp>
+      <p:cxnSp>
+        <p:nvCxnSpPr>
+          <p:cNvPr id="42" name="직선 연결선 41">
+            <a:extLst>
+              <a:ext uri="{FF2B5EF4-FFF2-40B4-BE49-F238E27FC236}">
+                <a16:creationId xmlns:a16="http://schemas.microsoft.com/office/drawing/2014/main" id="{55118AA6-BF0B-4B34-9C5E-2117DBBD1395}"/>
+              </a:ext>
+            </a:extLst>
+          </p:cNvPr>
+          <p:cNvCxnSpPr>
+            <a:cxnSpLocks/>
+          </p:cNvCxnSpPr>
+          <p:nvPr/>
+        </p:nvCxnSpPr>
+        <p:spPr>
+          <a:xfrm>
+            <a:off x="6227209" y="1262283"/>
+            <a:ext cx="0" cy="2965651"/>
+          </a:xfrm>
+          <a:prstGeom prst="line">
+            <a:avLst/>
+          </a:prstGeom>
+          <a:ln w="28575">
+            <a:solidFill>
+              <a:schemeClr val="accent6"/>
+            </a:solidFill>
+            <a:prstDash val="dash"/>
+          </a:ln>
+        </p:spPr>
+        <p:style>
+          <a:lnRef idx="1">
+            <a:schemeClr val="accent1"/>
+          </a:lnRef>
+          <a:fillRef idx="0">
+            <a:schemeClr val="accent1"/>
+          </a:fillRef>
+          <a:effectRef idx="0">
+            <a:schemeClr val="accent1"/>
+          </a:effectRef>
+          <a:fontRef idx="minor">
+            <a:schemeClr val="tx1"/>
+          </a:fontRef>
+        </p:style>
+      </p:cxnSp>
+      <p:cxnSp>
+        <p:nvCxnSpPr>
+          <p:cNvPr id="43" name="직선 연결선 42">
+            <a:extLst>
+              <a:ext uri="{FF2B5EF4-FFF2-40B4-BE49-F238E27FC236}">
+                <a16:creationId xmlns:a16="http://schemas.microsoft.com/office/drawing/2014/main" id="{AE7ECA80-9C63-44B4-8524-62B4B30F7463}"/>
+              </a:ext>
+            </a:extLst>
+          </p:cNvPr>
+          <p:cNvCxnSpPr>
+            <a:cxnSpLocks/>
+          </p:cNvCxnSpPr>
+          <p:nvPr/>
+        </p:nvCxnSpPr>
+        <p:spPr>
+          <a:xfrm>
+            <a:off x="7396226" y="1262283"/>
+            <a:ext cx="0" cy="2965651"/>
+          </a:xfrm>
+          <a:prstGeom prst="line">
+            <a:avLst/>
+          </a:prstGeom>
+          <a:ln w="28575">
+            <a:solidFill>
+              <a:schemeClr val="accent6"/>
+            </a:solidFill>
+            <a:prstDash val="dash"/>
+          </a:ln>
+        </p:spPr>
+        <p:style>
+          <a:lnRef idx="1">
+            <a:schemeClr val="accent1"/>
+          </a:lnRef>
+          <a:fillRef idx="0">
+            <a:schemeClr val="accent1"/>
+          </a:fillRef>
+          <a:effectRef idx="0">
+            <a:schemeClr val="accent1"/>
+          </a:effectRef>
+          <a:fontRef idx="minor">
+            <a:schemeClr val="tx1"/>
+          </a:fontRef>
+        </p:style>
+      </p:cxnSp>
+      <p:sp>
+        <p:nvSpPr>
+          <p:cNvPr id="106" name="TextBox 105">
+            <a:extLst>
+              <a:ext uri="{FF2B5EF4-FFF2-40B4-BE49-F238E27FC236}">
+                <a16:creationId xmlns:a16="http://schemas.microsoft.com/office/drawing/2014/main" id="{3E9E0AE4-DD5D-43F2-A623-C0D646CE516F}"/>
+              </a:ext>
+            </a:extLst>
+          </p:cNvPr>
+          <p:cNvSpPr txBox="1"/>
+          <p:nvPr/>
+        </p:nvSpPr>
+        <p:spPr>
+          <a:xfrm>
+            <a:off x="6780414" y="969166"/>
+            <a:ext cx="1301959" cy="307777"/>
+          </a:xfrm>
+          <a:prstGeom prst="rect">
+            <a:avLst/>
+          </a:prstGeom>
+          <a:noFill/>
+        </p:spPr>
+        <p:txBody>
+          <a:bodyPr wrap="none" rtlCol="0">
+            <a:spAutoFit/>
+          </a:bodyPr>
+          <a:lstStyle/>
+          <a:p>
+            <a:pPr algn="ctr"/>
+            <a:r>
+              <a:rPr lang="ko-KR" altLang="en-US" sz="1400" dirty="0">
+                <a:solidFill>
+                  <a:schemeClr val="accent3"/>
+                </a:solidFill>
+                <a:latin typeface="배달의민족 주아" panose="02020603020101020101" pitchFamily="18" charset="-127"/>
+                <a:ea typeface="배달의민족 주아" panose="02020603020101020101" pitchFamily="18" charset="-127"/>
+              </a:rPr>
+              <a:t>표본평균</a:t>
+            </a:r>
+            <a:r>
+              <a:rPr lang="en-US" altLang="ko-KR" sz="1400" dirty="0">
+                <a:solidFill>
+                  <a:schemeClr val="accent3"/>
+                </a:solidFill>
+                <a:latin typeface="배달의민족 주아" panose="02020603020101020101" pitchFamily="18" charset="-127"/>
+                <a:ea typeface="배달의민족 주아" panose="02020603020101020101" pitchFamily="18" charset="-127"/>
+              </a:rPr>
+              <a:t>+2SEM</a:t>
+            </a:r>
+            <a:endParaRPr lang="ko-KR" altLang="en-US" sz="1400" dirty="0">
+              <a:solidFill>
+                <a:schemeClr val="accent3"/>
+              </a:solidFill>
+              <a:latin typeface="배달의민족 주아" panose="02020603020101020101" pitchFamily="18" charset="-127"/>
+              <a:ea typeface="배달의민족 주아" panose="02020603020101020101" pitchFamily="18" charset="-127"/>
+            </a:endParaRPr>
+          </a:p>
+        </p:txBody>
+      </p:sp>
+      <p:sp>
+        <p:nvSpPr>
+          <p:cNvPr id="107" name="TextBox 106">
+            <a:extLst>
+              <a:ext uri="{FF2B5EF4-FFF2-40B4-BE49-F238E27FC236}">
+                <a16:creationId xmlns:a16="http://schemas.microsoft.com/office/drawing/2014/main" id="{EE398BA9-391F-40BB-BBB2-FD9FC5EF9F31}"/>
+              </a:ext>
+            </a:extLst>
+          </p:cNvPr>
+          <p:cNvSpPr txBox="1"/>
+          <p:nvPr/>
+        </p:nvSpPr>
+        <p:spPr>
+          <a:xfrm>
+            <a:off x="5535344" y="964694"/>
+            <a:ext cx="1284327" cy="307777"/>
+          </a:xfrm>
+          <a:prstGeom prst="rect">
+            <a:avLst/>
+          </a:prstGeom>
+          <a:noFill/>
+        </p:spPr>
+        <p:txBody>
+          <a:bodyPr wrap="none" rtlCol="0">
+            <a:spAutoFit/>
+          </a:bodyPr>
+          <a:lstStyle/>
+          <a:p>
+            <a:pPr algn="ctr"/>
+            <a:r>
+              <a:rPr lang="ko-KR" altLang="en-US" sz="1400" dirty="0">
+                <a:solidFill>
+                  <a:schemeClr val="accent3"/>
+                </a:solidFill>
+                <a:latin typeface="배달의민족 주아" panose="02020603020101020101" pitchFamily="18" charset="-127"/>
+                <a:ea typeface="배달의민족 주아" panose="02020603020101020101" pitchFamily="18" charset="-127"/>
+              </a:rPr>
+              <a:t>표본평균</a:t>
+            </a:r>
+            <a:r>
+              <a:rPr lang="en-US" altLang="ko-KR" sz="1400" dirty="0">
+                <a:solidFill>
+                  <a:schemeClr val="accent3"/>
+                </a:solidFill>
+                <a:latin typeface="배달의민족 주아" panose="02020603020101020101" pitchFamily="18" charset="-127"/>
+                <a:ea typeface="배달의민족 주아" panose="02020603020101020101" pitchFamily="18" charset="-127"/>
+              </a:rPr>
+              <a:t>-2SEM</a:t>
+            </a:r>
+            <a:endParaRPr lang="ko-KR" altLang="en-US" sz="1400" dirty="0">
+              <a:solidFill>
+                <a:schemeClr val="accent3"/>
+              </a:solidFill>
+              <a:latin typeface="배달의민족 주아" panose="02020603020101020101" pitchFamily="18" charset="-127"/>
+              <a:ea typeface="배달의민족 주아" panose="02020603020101020101" pitchFamily="18" charset="-127"/>
+            </a:endParaRPr>
+          </a:p>
+        </p:txBody>
+      </p:sp>
+      <p:sp>
+        <p:nvSpPr>
+          <p:cNvPr id="108" name="화살표: 왼쪽/오른쪽 107">
+            <a:extLst>
+              <a:ext uri="{FF2B5EF4-FFF2-40B4-BE49-F238E27FC236}">
+                <a16:creationId xmlns:a16="http://schemas.microsoft.com/office/drawing/2014/main" id="{62D491F2-D664-4A4F-A4B5-32ECFC5A6A0A}"/>
+              </a:ext>
+            </a:extLst>
+          </p:cNvPr>
+          <p:cNvSpPr/>
+          <p:nvPr/>
+        </p:nvSpPr>
+        <p:spPr>
+          <a:xfrm>
+            <a:off x="6255038" y="2405375"/>
+            <a:ext cx="1116759" cy="395714"/>
+          </a:xfrm>
+          <a:prstGeom prst="leftRightArrow">
+            <a:avLst/>
+          </a:prstGeom>
+          <a:solidFill>
+            <a:schemeClr val="accent6">
+              <a:alpha val="90000"/>
+            </a:schemeClr>
+          </a:solidFill>
+          <a:ln w="12700">
+            <a:solidFill>
+              <a:schemeClr val="accent5">
+                <a:lumMod val="75000"/>
+              </a:schemeClr>
+            </a:solidFill>
+          </a:ln>
+        </p:spPr>
+        <p:style>
+          <a:lnRef idx="2">
+            <a:schemeClr val="accent1">
+              <a:shade val="50000"/>
+            </a:schemeClr>
+          </a:lnRef>
+          <a:fillRef idx="1">
+            <a:schemeClr val="accent1"/>
+          </a:fillRef>
+          <a:effectRef idx="0">
+            <a:schemeClr val="accent1"/>
+          </a:effectRef>
+          <a:fontRef idx="minor">
+            <a:schemeClr val="lt1"/>
+          </a:fontRef>
+        </p:style>
+        <p:txBody>
+          <a:bodyPr rtlCol="0" anchor="ctr"/>
+          <a:lstStyle/>
+          <a:p>
+            <a:pPr algn="ctr"/>
+            <a:endParaRPr lang="ko-KR" altLang="en-US"/>
+          </a:p>
+        </p:txBody>
+      </p:sp>
+      <p:pic>
+        <p:nvPicPr>
+          <p:cNvPr id="113" name="그림 112" descr="텍스트, 클립아트이(가) 표시된 사진&#10;&#10;자동 생성된 설명">
+            <a:extLst>
+              <a:ext uri="{FF2B5EF4-FFF2-40B4-BE49-F238E27FC236}">
+                <a16:creationId xmlns:a16="http://schemas.microsoft.com/office/drawing/2014/main" id="{E1758220-5C9F-485A-936A-7C4BC6ADDEA1}"/>
+              </a:ext>
+            </a:extLst>
+          </p:cNvPr>
+          <p:cNvPicPr>
+            <a:picLocks noChangeAspect="1"/>
+          </p:cNvPicPr>
+          <p:nvPr/>
+        </p:nvPicPr>
+        <p:blipFill rotWithShape="1">
+          <a:blip r:embed="rId3" cstate="print">
+            <a:extLst>
+              <a:ext uri="{BEBA8EAE-BF5A-486C-A8C5-ECC9F3942E4B}">
+                <a14:imgProps xmlns:a14="http://schemas.microsoft.com/office/drawing/2010/main">
+                  <a14:imgLayer r:embed="rId4">
+                    <a14:imgEffect>
+                      <a14:backgroundRemoval t="10000" b="90000" l="10000" r="90000"/>
+                    </a14:imgEffect>
+                  </a14:imgLayer>
+                </a14:imgProps>
+              </a:ext>
+              <a:ext uri="{28A0092B-C50C-407E-A947-70E740481C1C}">
+                <a14:useLocalDpi xmlns:a14="http://schemas.microsoft.com/office/drawing/2010/main" val="0"/>
+              </a:ext>
+            </a:extLst>
+          </a:blip>
+          <a:srcRect l="15459" t="17801" r="11172" b="16401"/>
+          <a:stretch/>
+        </p:blipFill>
+        <p:spPr>
+          <a:xfrm>
+            <a:off x="3816908" y="2323255"/>
+            <a:ext cx="1392796" cy="858990"/>
+          </a:xfrm>
+          <a:prstGeom prst="rect">
+            <a:avLst/>
+          </a:prstGeom>
+        </p:spPr>
+      </p:pic>
+      <p:sp>
+        <p:nvSpPr>
+          <p:cNvPr id="114" name="TextBox 113">
+            <a:extLst>
+              <a:ext uri="{FF2B5EF4-FFF2-40B4-BE49-F238E27FC236}">
+                <a16:creationId xmlns:a16="http://schemas.microsoft.com/office/drawing/2014/main" id="{293189C6-EBCC-4C60-9AD9-132E9B8E744E}"/>
+              </a:ext>
+            </a:extLst>
+          </p:cNvPr>
+          <p:cNvSpPr txBox="1"/>
+          <p:nvPr/>
+        </p:nvSpPr>
+        <p:spPr>
+          <a:xfrm>
+            <a:off x="3843090" y="1399925"/>
+            <a:ext cx="1340432" cy="923330"/>
+          </a:xfrm>
+          <a:prstGeom prst="rect">
+            <a:avLst/>
+          </a:prstGeom>
+          <a:noFill/>
+        </p:spPr>
+        <p:txBody>
+          <a:bodyPr wrap="none" rtlCol="0">
+            <a:spAutoFit/>
+          </a:bodyPr>
+          <a:lstStyle/>
+          <a:p>
+            <a:pPr algn="ctr"/>
+            <a:r>
+              <a:rPr lang="ko-KR" altLang="en-US" dirty="0">
+                <a:solidFill>
+                  <a:srgbClr val="C00000"/>
+                </a:solidFill>
+                <a:latin typeface="배달의민족 주아" panose="02020603020101020101" pitchFamily="18" charset="-127"/>
+                <a:ea typeface="배달의민족 주아" panose="02020603020101020101" pitchFamily="18" charset="-127"/>
+              </a:rPr>
+              <a:t>신뢰구간을</a:t>
+            </a:r>
+            <a:endParaRPr lang="en-US" altLang="ko-KR" dirty="0">
+              <a:solidFill>
+                <a:srgbClr val="C00000"/>
+              </a:solidFill>
+              <a:latin typeface="배달의민족 주아" panose="02020603020101020101" pitchFamily="18" charset="-127"/>
+              <a:ea typeface="배달의민족 주아" panose="02020603020101020101" pitchFamily="18" charset="-127"/>
+            </a:endParaRPr>
+          </a:p>
+          <a:p>
+            <a:pPr algn="ctr"/>
+            <a:r>
+              <a:rPr lang="ko-KR" altLang="en-US" dirty="0">
+                <a:solidFill>
+                  <a:srgbClr val="C00000"/>
+                </a:solidFill>
+                <a:latin typeface="배달의민족 주아" panose="02020603020101020101" pitchFamily="18" charset="-127"/>
+                <a:ea typeface="배달의민족 주아" panose="02020603020101020101" pitchFamily="18" charset="-127"/>
+              </a:rPr>
+              <a:t>표본 평균을 </a:t>
+            </a:r>
+            <a:endParaRPr lang="en-US" altLang="ko-KR" dirty="0">
+              <a:solidFill>
+                <a:srgbClr val="C00000"/>
+              </a:solidFill>
+              <a:latin typeface="배달의민족 주아" panose="02020603020101020101" pitchFamily="18" charset="-127"/>
+              <a:ea typeface="배달의민족 주아" panose="02020603020101020101" pitchFamily="18" charset="-127"/>
+            </a:endParaRPr>
+          </a:p>
+          <a:p>
+            <a:pPr algn="ctr"/>
+            <a:r>
+              <a:rPr lang="ko-KR" altLang="en-US" dirty="0">
+                <a:solidFill>
+                  <a:srgbClr val="C00000"/>
+                </a:solidFill>
+                <a:latin typeface="배달의민족 주아" panose="02020603020101020101" pitchFamily="18" charset="-127"/>
+                <a:ea typeface="배달의민족 주아" panose="02020603020101020101" pitchFamily="18" charset="-127"/>
+              </a:rPr>
+              <a:t>중심으로 이동</a:t>
+            </a:r>
+          </a:p>
+        </p:txBody>
+      </p:sp>
+    </p:spTree>
+    <p:extLst>
+      <p:ext uri="{BB962C8B-B14F-4D97-AF65-F5344CB8AC3E}">
+        <p14:creationId xmlns:p14="http://schemas.microsoft.com/office/powerpoint/2010/main" val="3468801603"/>
+      </p:ext>
+    </p:extLst>
+  </p:cSld>
+  <p:clrMapOvr>
+    <a:masterClrMapping/>
+  </p:clrMapOvr>
+</p:sld>
+</file>
+
+<file path=ppt/slides/slide4.xml><?xml version="1.0" encoding="utf-8"?>
+<p:sld xmlns:a="http://schemas.openxmlformats.org/drawingml/2006/main" xmlns:r="http://schemas.openxmlformats.org/officeDocument/2006/relationships" xmlns:p="http://schemas.openxmlformats.org/presentationml/2006/main">
+  <p:cSld>
+    <p:spTree>
+      <p:nvGrpSpPr>
+        <p:cNvPr id="1" name=""/>
+        <p:cNvGrpSpPr/>
+        <p:nvPr/>
+      </p:nvGrpSpPr>
+      <p:grpSpPr>
+        <a:xfrm>
+          <a:off x="0" y="0"/>
+          <a:ext cx="0" cy="0"/>
+          <a:chOff x="0" y="0"/>
+          <a:chExt cx="0" cy="0"/>
+        </a:xfrm>
+      </p:grpSpPr>
       <p:pic>
         <p:nvPicPr>
           <p:cNvPr id="1027" name="Picture 3"/>
@@ -8242,7 +11215,7 @@
 </p:sld>
 </file>
 
-<file path=ppt/slides/slide4.xml><?xml version="1.0" encoding="utf-8"?>
+<file path=ppt/slides/slide5.xml><?xml version="1.0" encoding="utf-8"?>
 <p:sld xmlns:a="http://schemas.openxmlformats.org/drawingml/2006/main" xmlns:r="http://schemas.openxmlformats.org/officeDocument/2006/relationships" xmlns:p="http://schemas.openxmlformats.org/presentationml/2006/main">
   <p:cSld>
     <p:spTree>

--- a/pics/2021-01-05-confidence_interval/pics.pptx
+++ b/pics/2021-01-05-confidence_interval/pics.pptx
@@ -10,6 +10,7 @@
     <p:sldId id="260" r:id="rId4"/>
     <p:sldId id="256" r:id="rId5"/>
     <p:sldId id="257" r:id="rId6"/>
+    <p:sldId id="261" r:id="rId7"/>
   </p:sldIdLst>
   <p:sldSz cx="9144000" cy="5143500" type="screen16x9"/>
   <p:notesSz cx="6858000" cy="9144000"/>
@@ -306,7 +307,7 @@
           <a:p>
             <a:fld id="{52082F2F-C111-4C40-8D6F-6E5A50198C2A}" type="datetimeFigureOut">
               <a:rPr lang="ko-KR" altLang="en-US" smtClean="0"/>
-              <a:t>2021-01-12</a:t>
+              <a:t>2021-01-14</a:t>
             </a:fld>
             <a:endParaRPr lang="ko-KR" altLang="en-US"/>
           </a:p>
@@ -474,7 +475,7 @@
           <a:p>
             <a:fld id="{52082F2F-C111-4C40-8D6F-6E5A50198C2A}" type="datetimeFigureOut">
               <a:rPr lang="ko-KR" altLang="en-US" smtClean="0"/>
-              <a:t>2021-01-12</a:t>
+              <a:t>2021-01-14</a:t>
             </a:fld>
             <a:endParaRPr lang="ko-KR" altLang="en-US"/>
           </a:p>
@@ -652,7 +653,7 @@
           <a:p>
             <a:fld id="{52082F2F-C111-4C40-8D6F-6E5A50198C2A}" type="datetimeFigureOut">
               <a:rPr lang="ko-KR" altLang="en-US" smtClean="0"/>
-              <a:t>2021-01-12</a:t>
+              <a:t>2021-01-14</a:t>
             </a:fld>
             <a:endParaRPr lang="ko-KR" altLang="en-US"/>
           </a:p>
@@ -820,7 +821,7 @@
           <a:p>
             <a:fld id="{52082F2F-C111-4C40-8D6F-6E5A50198C2A}" type="datetimeFigureOut">
               <a:rPr lang="ko-KR" altLang="en-US" smtClean="0"/>
-              <a:t>2021-01-12</a:t>
+              <a:t>2021-01-14</a:t>
             </a:fld>
             <a:endParaRPr lang="ko-KR" altLang="en-US"/>
           </a:p>
@@ -1065,7 +1066,7 @@
           <a:p>
             <a:fld id="{52082F2F-C111-4C40-8D6F-6E5A50198C2A}" type="datetimeFigureOut">
               <a:rPr lang="ko-KR" altLang="en-US" smtClean="0"/>
-              <a:t>2021-01-12</a:t>
+              <a:t>2021-01-14</a:t>
             </a:fld>
             <a:endParaRPr lang="ko-KR" altLang="en-US"/>
           </a:p>
@@ -1350,7 +1351,7 @@
           <a:p>
             <a:fld id="{52082F2F-C111-4C40-8D6F-6E5A50198C2A}" type="datetimeFigureOut">
               <a:rPr lang="ko-KR" altLang="en-US" smtClean="0"/>
-              <a:t>2021-01-12</a:t>
+              <a:t>2021-01-14</a:t>
             </a:fld>
             <a:endParaRPr lang="ko-KR" altLang="en-US"/>
           </a:p>
@@ -1774,7 +1775,7 @@
           <a:p>
             <a:fld id="{52082F2F-C111-4C40-8D6F-6E5A50198C2A}" type="datetimeFigureOut">
               <a:rPr lang="ko-KR" altLang="en-US" smtClean="0"/>
-              <a:t>2021-01-12</a:t>
+              <a:t>2021-01-14</a:t>
             </a:fld>
             <a:endParaRPr lang="ko-KR" altLang="en-US"/>
           </a:p>
@@ -1891,7 +1892,7 @@
           <a:p>
             <a:fld id="{52082F2F-C111-4C40-8D6F-6E5A50198C2A}" type="datetimeFigureOut">
               <a:rPr lang="ko-KR" altLang="en-US" smtClean="0"/>
-              <a:t>2021-01-12</a:t>
+              <a:t>2021-01-14</a:t>
             </a:fld>
             <a:endParaRPr lang="ko-KR" altLang="en-US"/>
           </a:p>
@@ -1986,7 +1987,7 @@
           <a:p>
             <a:fld id="{52082F2F-C111-4C40-8D6F-6E5A50198C2A}" type="datetimeFigureOut">
               <a:rPr lang="ko-KR" altLang="en-US" smtClean="0"/>
-              <a:t>2021-01-12</a:t>
+              <a:t>2021-01-14</a:t>
             </a:fld>
             <a:endParaRPr lang="ko-KR" altLang="en-US"/>
           </a:p>
@@ -2261,7 +2262,7 @@
           <a:p>
             <a:fld id="{52082F2F-C111-4C40-8D6F-6E5A50198C2A}" type="datetimeFigureOut">
               <a:rPr lang="ko-KR" altLang="en-US" smtClean="0"/>
-              <a:t>2021-01-12</a:t>
+              <a:t>2021-01-14</a:t>
             </a:fld>
             <a:endParaRPr lang="ko-KR" altLang="en-US"/>
           </a:p>
@@ -2513,7 +2514,7 @@
           <a:p>
             <a:fld id="{52082F2F-C111-4C40-8D6F-6E5A50198C2A}" type="datetimeFigureOut">
               <a:rPr lang="ko-KR" altLang="en-US" smtClean="0"/>
-              <a:t>2021-01-12</a:t>
+              <a:t>2021-01-14</a:t>
             </a:fld>
             <a:endParaRPr lang="ko-KR" altLang="en-US"/>
           </a:p>
@@ -2724,7 +2725,7 @@
           <a:p>
             <a:fld id="{52082F2F-C111-4C40-8D6F-6E5A50198C2A}" type="datetimeFigureOut">
               <a:rPr lang="ko-KR" altLang="en-US" smtClean="0"/>
-              <a:t>2021-01-12</a:t>
+              <a:t>2021-01-14</a:t>
             </a:fld>
             <a:endParaRPr lang="ko-KR" altLang="en-US"/>
           </a:p>
@@ -11309,6 +11310,4830 @@
 </p:sld>
 </file>
 
+<file path=ppt/slides/slide6.xml><?xml version="1.0" encoding="utf-8"?>
+<p:sld xmlns:a="http://schemas.openxmlformats.org/drawingml/2006/main" xmlns:r="http://schemas.openxmlformats.org/officeDocument/2006/relationships" xmlns:p="http://schemas.openxmlformats.org/presentationml/2006/main">
+  <p:cSld>
+    <p:spTree>
+      <p:nvGrpSpPr>
+        <p:cNvPr id="1" name=""/>
+        <p:cNvGrpSpPr/>
+        <p:nvPr/>
+      </p:nvGrpSpPr>
+      <p:grpSpPr>
+        <a:xfrm>
+          <a:off x="0" y="0"/>
+          <a:ext cx="0" cy="0"/>
+          <a:chOff x="0" y="0"/>
+          <a:chExt cx="0" cy="0"/>
+        </a:xfrm>
+      </p:grpSpPr>
+      <p:pic>
+        <p:nvPicPr>
+          <p:cNvPr id="123" name="Picture 2">
+            <a:extLst>
+              <a:ext uri="{FF2B5EF4-FFF2-40B4-BE49-F238E27FC236}">
+                <a16:creationId xmlns:a16="http://schemas.microsoft.com/office/drawing/2014/main" id="{D39BA6FB-C96D-4C46-A73C-38C9B34415E4}"/>
+              </a:ext>
+            </a:extLst>
+          </p:cNvPr>
+          <p:cNvPicPr>
+            <a:picLocks noChangeAspect="1" noChangeArrowheads="1"/>
+          </p:cNvPicPr>
+          <p:nvPr/>
+        </p:nvPicPr>
+        <p:blipFill rotWithShape="1">
+          <a:blip r:embed="rId2">
+            <a:extLst>
+              <a:ext uri="{28A0092B-C50C-407E-A947-70E740481C1C}">
+                <a14:useLocalDpi xmlns:a14="http://schemas.microsoft.com/office/drawing/2010/main" val="0"/>
+              </a:ext>
+            </a:extLst>
+          </a:blip>
+          <a:srcRect l="16177" r="10079"/>
+          <a:stretch/>
+        </p:blipFill>
+        <p:spPr bwMode="auto">
+          <a:xfrm>
+            <a:off x="1708632" y="180807"/>
+            <a:ext cx="2750467" cy="1266993"/>
+          </a:xfrm>
+          <a:prstGeom prst="rect">
+            <a:avLst/>
+          </a:prstGeom>
+          <a:noFill/>
+          <a:ln>
+            <a:noFill/>
+          </a:ln>
+          <a:effectLst/>
+          <a:extLst>
+            <a:ext uri="{909E8E84-426E-40DD-AFC4-6F175D3DCCD1}">
+              <a14:hiddenFill xmlns:a14="http://schemas.microsoft.com/office/drawing/2010/main">
+                <a:solidFill>
+                  <a:schemeClr val="accent1"/>
+                </a:solidFill>
+              </a14:hiddenFill>
+            </a:ext>
+            <a:ext uri="{91240B29-F687-4F45-9708-019B960494DF}">
+              <a14:hiddenLine xmlns:a14="http://schemas.microsoft.com/office/drawing/2010/main" w="9525">
+                <a:solidFill>
+                  <a:schemeClr val="tx1"/>
+                </a:solidFill>
+                <a:miter lim="800000"/>
+                <a:headEnd/>
+                <a:tailEnd/>
+              </a14:hiddenLine>
+            </a:ext>
+            <a:ext uri="{AF507438-7753-43E0-B8FC-AC1667EBCBE1}">
+              <a14:hiddenEffects xmlns:a14="http://schemas.microsoft.com/office/drawing/2010/main">
+                <a:effectLst>
+                  <a:outerShdw dist="35921" dir="2700000" algn="ctr" rotWithShape="0">
+                    <a:schemeClr val="bg2"/>
+                  </a:outerShdw>
+                </a:effectLst>
+              </a14:hiddenEffects>
+            </a:ext>
+          </a:extLst>
+        </p:spPr>
+      </p:pic>
+      <p:pic>
+        <p:nvPicPr>
+          <p:cNvPr id="137" name="Picture 5" descr="https://static.wikia.nocookie.net/camp_for_bragging_rights/images/0/0e/Stickman.png/revision/latest/scale-to-width-down/768?cb=20200421202819">
+            <a:extLst>
+              <a:ext uri="{FF2B5EF4-FFF2-40B4-BE49-F238E27FC236}">
+                <a16:creationId xmlns:a16="http://schemas.microsoft.com/office/drawing/2014/main" id="{166B4B5D-3691-4AF7-8162-216E61BDA6F8}"/>
+              </a:ext>
+            </a:extLst>
+          </p:cNvPr>
+          <p:cNvPicPr>
+            <a:picLocks noChangeAspect="1" noChangeArrowheads="1"/>
+          </p:cNvPicPr>
+          <p:nvPr/>
+        </p:nvPicPr>
+        <p:blipFill rotWithShape="1">
+          <a:blip r:embed="rId3" cstate="print">
+            <a:extLst>
+              <a:ext uri="{28A0092B-C50C-407E-A947-70E740481C1C}">
+                <a14:useLocalDpi xmlns:a14="http://schemas.microsoft.com/office/drawing/2010/main" val="0"/>
+              </a:ext>
+            </a:extLst>
+          </a:blip>
+          <a:srcRect l="24793" t="12707" r="32942" b="2763"/>
+          <a:stretch/>
+        </p:blipFill>
+        <p:spPr bwMode="auto">
+          <a:xfrm>
+            <a:off x="3170560" y="496202"/>
+            <a:ext cx="156618" cy="313235"/>
+          </a:xfrm>
+          <a:prstGeom prst="rect">
+            <a:avLst/>
+          </a:prstGeom>
+          <a:noFill/>
+          <a:extLst>
+            <a:ext uri="{909E8E84-426E-40DD-AFC4-6F175D3DCCD1}">
+              <a14:hiddenFill xmlns:a14="http://schemas.microsoft.com/office/drawing/2010/main">
+                <a:solidFill>
+                  <a:srgbClr val="FFFFFF"/>
+                </a:solidFill>
+              </a14:hiddenFill>
+            </a:ext>
+          </a:extLst>
+        </p:spPr>
+      </p:pic>
+      <p:pic>
+        <p:nvPicPr>
+          <p:cNvPr id="138" name="Picture 5" descr="https://static.wikia.nocookie.net/camp_for_bragging_rights/images/0/0e/Stickman.png/revision/latest/scale-to-width-down/768?cb=20200421202819">
+            <a:extLst>
+              <a:ext uri="{FF2B5EF4-FFF2-40B4-BE49-F238E27FC236}">
+                <a16:creationId xmlns:a16="http://schemas.microsoft.com/office/drawing/2014/main" id="{6FF4F6CB-23EB-4AF0-A311-99786ECB2520}"/>
+              </a:ext>
+            </a:extLst>
+          </p:cNvPr>
+          <p:cNvPicPr>
+            <a:picLocks noChangeAspect="1" noChangeArrowheads="1"/>
+          </p:cNvPicPr>
+          <p:nvPr/>
+        </p:nvPicPr>
+        <p:blipFill rotWithShape="1">
+          <a:blip r:embed="rId3" cstate="print">
+            <a:extLst>
+              <a:ext uri="{28A0092B-C50C-407E-A947-70E740481C1C}">
+                <a14:useLocalDpi xmlns:a14="http://schemas.microsoft.com/office/drawing/2010/main" val="0"/>
+              </a:ext>
+            </a:extLst>
+          </a:blip>
+          <a:srcRect l="24793" t="12707" r="32942" b="2763"/>
+          <a:stretch/>
+        </p:blipFill>
+        <p:spPr bwMode="auto">
+          <a:xfrm>
+            <a:off x="3047230" y="339502"/>
+            <a:ext cx="156618" cy="313235"/>
+          </a:xfrm>
+          <a:prstGeom prst="rect">
+            <a:avLst/>
+          </a:prstGeom>
+          <a:noFill/>
+          <a:extLst>
+            <a:ext uri="{909E8E84-426E-40DD-AFC4-6F175D3DCCD1}">
+              <a14:hiddenFill xmlns:a14="http://schemas.microsoft.com/office/drawing/2010/main">
+                <a:solidFill>
+                  <a:srgbClr val="FFFFFF"/>
+                </a:solidFill>
+              </a14:hiddenFill>
+            </a:ext>
+          </a:extLst>
+        </p:spPr>
+      </p:pic>
+      <p:pic>
+        <p:nvPicPr>
+          <p:cNvPr id="140" name="Picture 5" descr="https://static.wikia.nocookie.net/camp_for_bragging_rights/images/0/0e/Stickman.png/revision/latest/scale-to-width-down/768?cb=20200421202819">
+            <a:extLst>
+              <a:ext uri="{FF2B5EF4-FFF2-40B4-BE49-F238E27FC236}">
+                <a16:creationId xmlns:a16="http://schemas.microsoft.com/office/drawing/2014/main" id="{A7E8D6FF-3231-40DC-A081-6D5C71E87E3D}"/>
+              </a:ext>
+            </a:extLst>
+          </p:cNvPr>
+          <p:cNvPicPr>
+            <a:picLocks noChangeAspect="1" noChangeArrowheads="1"/>
+          </p:cNvPicPr>
+          <p:nvPr/>
+        </p:nvPicPr>
+        <p:blipFill rotWithShape="1">
+          <a:blip r:embed="rId3" cstate="print">
+            <a:extLst>
+              <a:ext uri="{28A0092B-C50C-407E-A947-70E740481C1C}">
+                <a14:useLocalDpi xmlns:a14="http://schemas.microsoft.com/office/drawing/2010/main" val="0"/>
+              </a:ext>
+            </a:extLst>
+          </a:blip>
+          <a:srcRect l="24793" t="12707" r="32942" b="2763"/>
+          <a:stretch/>
+        </p:blipFill>
+        <p:spPr bwMode="auto">
+          <a:xfrm>
+            <a:off x="3275856" y="602331"/>
+            <a:ext cx="156618" cy="313235"/>
+          </a:xfrm>
+          <a:prstGeom prst="rect">
+            <a:avLst/>
+          </a:prstGeom>
+          <a:noFill/>
+          <a:extLst>
+            <a:ext uri="{909E8E84-426E-40DD-AFC4-6F175D3DCCD1}">
+              <a14:hiddenFill xmlns:a14="http://schemas.microsoft.com/office/drawing/2010/main">
+                <a:solidFill>
+                  <a:srgbClr val="FFFFFF"/>
+                </a:solidFill>
+              </a14:hiddenFill>
+            </a:ext>
+          </a:extLst>
+        </p:spPr>
+      </p:pic>
+      <p:pic>
+        <p:nvPicPr>
+          <p:cNvPr id="148" name="Picture 6" descr="C:\Users\biosensor1\Documents\카카오톡 받은 파일\KakaoTalk_20210112_172206730.png">
+            <a:extLst>
+              <a:ext uri="{FF2B5EF4-FFF2-40B4-BE49-F238E27FC236}">
+                <a16:creationId xmlns:a16="http://schemas.microsoft.com/office/drawing/2014/main" id="{3D141645-779A-45FA-BFAF-899404DC1F36}"/>
+              </a:ext>
+            </a:extLst>
+          </p:cNvPr>
+          <p:cNvPicPr>
+            <a:picLocks noChangeAspect="1" noChangeArrowheads="1"/>
+          </p:cNvPicPr>
+          <p:nvPr/>
+        </p:nvPicPr>
+        <p:blipFill rotWithShape="1">
+          <a:blip r:embed="rId4" cstate="print">
+            <a:extLst>
+              <a:ext uri="{28A0092B-C50C-407E-A947-70E740481C1C}">
+                <a14:useLocalDpi xmlns:a14="http://schemas.microsoft.com/office/drawing/2010/main" val="0"/>
+              </a:ext>
+            </a:extLst>
+          </a:blip>
+          <a:srcRect l="24304" t="8382" r="38972" b="22505"/>
+          <a:stretch/>
+        </p:blipFill>
+        <p:spPr bwMode="auto">
+          <a:xfrm>
+            <a:off x="2941934" y="483518"/>
+            <a:ext cx="156618" cy="325920"/>
+          </a:xfrm>
+          <a:prstGeom prst="rect">
+            <a:avLst/>
+          </a:prstGeom>
+          <a:noFill/>
+          <a:extLst>
+            <a:ext uri="{909E8E84-426E-40DD-AFC4-6F175D3DCCD1}">
+              <a14:hiddenFill xmlns:a14="http://schemas.microsoft.com/office/drawing/2010/main">
+                <a:solidFill>
+                  <a:srgbClr val="FFFFFF"/>
+                </a:solidFill>
+              </a14:hiddenFill>
+            </a:ext>
+          </a:extLst>
+        </p:spPr>
+      </p:pic>
+      <p:sp>
+        <p:nvSpPr>
+          <p:cNvPr id="155" name="TextBox 154">
+            <a:extLst>
+              <a:ext uri="{FF2B5EF4-FFF2-40B4-BE49-F238E27FC236}">
+                <a16:creationId xmlns:a16="http://schemas.microsoft.com/office/drawing/2014/main" id="{B82E9A67-D1FD-42F2-9B91-C7989E46382D}"/>
+              </a:ext>
+            </a:extLst>
+          </p:cNvPr>
+          <p:cNvSpPr txBox="1"/>
+          <p:nvPr/>
+        </p:nvSpPr>
+        <p:spPr>
+          <a:xfrm>
+            <a:off x="1637232" y="277458"/>
+            <a:ext cx="899606" cy="369332"/>
+          </a:xfrm>
+          <a:prstGeom prst="rect">
+            <a:avLst/>
+          </a:prstGeom>
+          <a:noFill/>
+        </p:spPr>
+        <p:txBody>
+          <a:bodyPr wrap="none" rtlCol="0">
+            <a:spAutoFit/>
+          </a:bodyPr>
+          <a:lstStyle/>
+          <a:p>
+            <a:pPr algn="ctr"/>
+            <a:r>
+              <a:rPr lang="ko-KR" altLang="en-US" dirty="0">
+                <a:latin typeface="배달의민족 주아" panose="02020603020101020101" pitchFamily="18" charset="-127"/>
+                <a:ea typeface="배달의민족 주아" panose="02020603020101020101" pitchFamily="18" charset="-127"/>
+              </a:rPr>
+              <a:t>모집단 </a:t>
+            </a:r>
+            <a:r>
+              <a:rPr lang="en-US" altLang="ko-KR" dirty="0">
+                <a:latin typeface="배달의민족 주아" panose="02020603020101020101" pitchFamily="18" charset="-127"/>
+                <a:ea typeface="배달의민족 주아" panose="02020603020101020101" pitchFamily="18" charset="-127"/>
+              </a:rPr>
+              <a:t>1</a:t>
+            </a:r>
+            <a:endParaRPr lang="ko-KR" altLang="en-US" dirty="0">
+              <a:latin typeface="배달의민족 주아" panose="02020603020101020101" pitchFamily="18" charset="-127"/>
+              <a:ea typeface="배달의민족 주아" panose="02020603020101020101" pitchFamily="18" charset="-127"/>
+            </a:endParaRPr>
+          </a:p>
+        </p:txBody>
+      </p:sp>
+      <p:pic>
+        <p:nvPicPr>
+          <p:cNvPr id="199" name="Picture 2">
+            <a:extLst>
+              <a:ext uri="{FF2B5EF4-FFF2-40B4-BE49-F238E27FC236}">
+                <a16:creationId xmlns:a16="http://schemas.microsoft.com/office/drawing/2014/main" id="{D28AE9EA-24E9-4807-B64A-57CC46C36697}"/>
+              </a:ext>
+            </a:extLst>
+          </p:cNvPr>
+          <p:cNvPicPr>
+            <a:picLocks noChangeAspect="1" noChangeArrowheads="1"/>
+          </p:cNvPicPr>
+          <p:nvPr/>
+        </p:nvPicPr>
+        <p:blipFill rotWithShape="1">
+          <a:blip r:embed="rId2">
+            <a:extLst>
+              <a:ext uri="{28A0092B-C50C-407E-A947-70E740481C1C}">
+                <a14:useLocalDpi xmlns:a14="http://schemas.microsoft.com/office/drawing/2010/main" val="0"/>
+              </a:ext>
+            </a:extLst>
+          </a:blip>
+          <a:srcRect l="16177" r="10079"/>
+          <a:stretch/>
+        </p:blipFill>
+        <p:spPr bwMode="auto">
+          <a:xfrm>
+            <a:off x="4462359" y="180807"/>
+            <a:ext cx="2750467" cy="1266993"/>
+          </a:xfrm>
+          <a:prstGeom prst="rect">
+            <a:avLst/>
+          </a:prstGeom>
+          <a:noFill/>
+          <a:ln>
+            <a:noFill/>
+          </a:ln>
+          <a:effectLst/>
+          <a:extLst>
+            <a:ext uri="{909E8E84-426E-40DD-AFC4-6F175D3DCCD1}">
+              <a14:hiddenFill xmlns:a14="http://schemas.microsoft.com/office/drawing/2010/main">
+                <a:solidFill>
+                  <a:schemeClr val="accent1"/>
+                </a:solidFill>
+              </a14:hiddenFill>
+            </a:ext>
+            <a:ext uri="{91240B29-F687-4F45-9708-019B960494DF}">
+              <a14:hiddenLine xmlns:a14="http://schemas.microsoft.com/office/drawing/2010/main" w="9525">
+                <a:solidFill>
+                  <a:schemeClr val="tx1"/>
+                </a:solidFill>
+                <a:miter lim="800000"/>
+                <a:headEnd/>
+                <a:tailEnd/>
+              </a14:hiddenLine>
+            </a:ext>
+            <a:ext uri="{AF507438-7753-43E0-B8FC-AC1667EBCBE1}">
+              <a14:hiddenEffects xmlns:a14="http://schemas.microsoft.com/office/drawing/2010/main">
+                <a:effectLst>
+                  <a:outerShdw dist="35921" dir="2700000" algn="ctr" rotWithShape="0">
+                    <a:schemeClr val="bg2"/>
+                  </a:outerShdw>
+                </a:effectLst>
+              </a14:hiddenEffects>
+            </a:ext>
+          </a:extLst>
+        </p:spPr>
+      </p:pic>
+      <p:pic>
+        <p:nvPicPr>
+          <p:cNvPr id="200" name="Picture 5" descr="https://static.wikia.nocookie.net/camp_for_bragging_rights/images/0/0e/Stickman.png/revision/latest/scale-to-width-down/768?cb=20200421202819">
+            <a:extLst>
+              <a:ext uri="{FF2B5EF4-FFF2-40B4-BE49-F238E27FC236}">
+                <a16:creationId xmlns:a16="http://schemas.microsoft.com/office/drawing/2014/main" id="{1A12F9BB-DF14-42DC-A3FA-16FD1D9BFD3F}"/>
+              </a:ext>
+            </a:extLst>
+          </p:cNvPr>
+          <p:cNvPicPr>
+            <a:picLocks noChangeAspect="1" noChangeArrowheads="1"/>
+          </p:cNvPicPr>
+          <p:nvPr/>
+        </p:nvPicPr>
+        <p:blipFill rotWithShape="1">
+          <a:blip r:embed="rId3" cstate="print">
+            <a:extLst>
+              <a:ext uri="{28A0092B-C50C-407E-A947-70E740481C1C}">
+                <a14:useLocalDpi xmlns:a14="http://schemas.microsoft.com/office/drawing/2010/main" val="0"/>
+              </a:ext>
+            </a:extLst>
+          </a:blip>
+          <a:srcRect l="24793" t="12707" r="32942" b="2763"/>
+          <a:stretch/>
+        </p:blipFill>
+        <p:spPr bwMode="auto">
+          <a:xfrm>
+            <a:off x="3058714" y="705884"/>
+            <a:ext cx="156618" cy="313235"/>
+          </a:xfrm>
+          <a:prstGeom prst="rect">
+            <a:avLst/>
+          </a:prstGeom>
+          <a:noFill/>
+          <a:extLst>
+            <a:ext uri="{909E8E84-426E-40DD-AFC4-6F175D3DCCD1}">
+              <a14:hiddenFill xmlns:a14="http://schemas.microsoft.com/office/drawing/2010/main">
+                <a:solidFill>
+                  <a:srgbClr val="FFFFFF"/>
+                </a:solidFill>
+              </a14:hiddenFill>
+            </a:ext>
+          </a:extLst>
+        </p:spPr>
+      </p:pic>
+      <p:pic>
+        <p:nvPicPr>
+          <p:cNvPr id="201" name="Picture 5" descr="https://static.wikia.nocookie.net/camp_for_bragging_rights/images/0/0e/Stickman.png/revision/latest/scale-to-width-down/768?cb=20200421202819">
+            <a:extLst>
+              <a:ext uri="{FF2B5EF4-FFF2-40B4-BE49-F238E27FC236}">
+                <a16:creationId xmlns:a16="http://schemas.microsoft.com/office/drawing/2014/main" id="{1080F3EB-E75D-4459-AB25-309A967A3DE7}"/>
+              </a:ext>
+            </a:extLst>
+          </p:cNvPr>
+          <p:cNvPicPr>
+            <a:picLocks noChangeAspect="1" noChangeArrowheads="1"/>
+          </p:cNvPicPr>
+          <p:nvPr/>
+        </p:nvPicPr>
+        <p:blipFill rotWithShape="1">
+          <a:blip r:embed="rId3" cstate="print">
+            <a:extLst>
+              <a:ext uri="{28A0092B-C50C-407E-A947-70E740481C1C}">
+                <a14:useLocalDpi xmlns:a14="http://schemas.microsoft.com/office/drawing/2010/main" val="0"/>
+              </a:ext>
+            </a:extLst>
+          </a:blip>
+          <a:srcRect l="24793" t="12707" r="32942" b="2763"/>
+          <a:stretch/>
+        </p:blipFill>
+        <p:spPr bwMode="auto">
+          <a:xfrm>
+            <a:off x="3325587" y="853182"/>
+            <a:ext cx="156618" cy="313235"/>
+          </a:xfrm>
+          <a:prstGeom prst="rect">
+            <a:avLst/>
+          </a:prstGeom>
+          <a:noFill/>
+          <a:extLst>
+            <a:ext uri="{909E8E84-426E-40DD-AFC4-6F175D3DCCD1}">
+              <a14:hiddenFill xmlns:a14="http://schemas.microsoft.com/office/drawing/2010/main">
+                <a:solidFill>
+                  <a:srgbClr val="FFFFFF"/>
+                </a:solidFill>
+              </a14:hiddenFill>
+            </a:ext>
+          </a:extLst>
+        </p:spPr>
+      </p:pic>
+      <p:pic>
+        <p:nvPicPr>
+          <p:cNvPr id="202" name="Picture 5" descr="https://static.wikia.nocookie.net/camp_for_bragging_rights/images/0/0e/Stickman.png/revision/latest/scale-to-width-down/768?cb=20200421202819">
+            <a:extLst>
+              <a:ext uri="{FF2B5EF4-FFF2-40B4-BE49-F238E27FC236}">
+                <a16:creationId xmlns:a16="http://schemas.microsoft.com/office/drawing/2014/main" id="{D437E1BE-B453-46F3-A521-7D95E6E55C76}"/>
+              </a:ext>
+            </a:extLst>
+          </p:cNvPr>
+          <p:cNvPicPr>
+            <a:picLocks noChangeAspect="1" noChangeArrowheads="1"/>
+          </p:cNvPicPr>
+          <p:nvPr/>
+        </p:nvPicPr>
+        <p:blipFill rotWithShape="1">
+          <a:blip r:embed="rId3" cstate="print">
+            <a:extLst>
+              <a:ext uri="{28A0092B-C50C-407E-A947-70E740481C1C}">
+                <a14:useLocalDpi xmlns:a14="http://schemas.microsoft.com/office/drawing/2010/main" val="0"/>
+              </a:ext>
+            </a:extLst>
+          </a:blip>
+          <a:srcRect l="24793" t="12707" r="32942" b="2763"/>
+          <a:stretch/>
+        </p:blipFill>
+        <p:spPr bwMode="auto">
+          <a:xfrm>
+            <a:off x="2801885" y="705883"/>
+            <a:ext cx="156618" cy="313235"/>
+          </a:xfrm>
+          <a:prstGeom prst="rect">
+            <a:avLst/>
+          </a:prstGeom>
+          <a:noFill/>
+          <a:extLst>
+            <a:ext uri="{909E8E84-426E-40DD-AFC4-6F175D3DCCD1}">
+              <a14:hiddenFill xmlns:a14="http://schemas.microsoft.com/office/drawing/2010/main">
+                <a:solidFill>
+                  <a:srgbClr val="FFFFFF"/>
+                </a:solidFill>
+              </a14:hiddenFill>
+            </a:ext>
+          </a:extLst>
+        </p:spPr>
+      </p:pic>
+      <p:pic>
+        <p:nvPicPr>
+          <p:cNvPr id="203" name="Picture 5" descr="https://static.wikia.nocookie.net/camp_for_bragging_rights/images/0/0e/Stickman.png/revision/latest/scale-to-width-down/768?cb=20200421202819">
+            <a:extLst>
+              <a:ext uri="{FF2B5EF4-FFF2-40B4-BE49-F238E27FC236}">
+                <a16:creationId xmlns:a16="http://schemas.microsoft.com/office/drawing/2014/main" id="{4F60AEBC-F6F4-477B-8ED8-F63C0C27FCF5}"/>
+              </a:ext>
+            </a:extLst>
+          </p:cNvPr>
+          <p:cNvPicPr>
+            <a:picLocks noChangeAspect="1" noChangeArrowheads="1"/>
+          </p:cNvPicPr>
+          <p:nvPr/>
+        </p:nvPicPr>
+        <p:blipFill rotWithShape="1">
+          <a:blip r:embed="rId3" cstate="print">
+            <a:extLst>
+              <a:ext uri="{28A0092B-C50C-407E-A947-70E740481C1C}">
+                <a14:useLocalDpi xmlns:a14="http://schemas.microsoft.com/office/drawing/2010/main" val="0"/>
+              </a:ext>
+            </a:extLst>
+          </a:blip>
+          <a:srcRect l="24793" t="12707" r="32942" b="2763"/>
+          <a:stretch/>
+        </p:blipFill>
+        <p:spPr bwMode="auto">
+          <a:xfrm>
+            <a:off x="2668536" y="602330"/>
+            <a:ext cx="156618" cy="313235"/>
+          </a:xfrm>
+          <a:prstGeom prst="rect">
+            <a:avLst/>
+          </a:prstGeom>
+          <a:noFill/>
+          <a:extLst>
+            <a:ext uri="{909E8E84-426E-40DD-AFC4-6F175D3DCCD1}">
+              <a14:hiddenFill xmlns:a14="http://schemas.microsoft.com/office/drawing/2010/main">
+                <a:solidFill>
+                  <a:srgbClr val="FFFFFF"/>
+                </a:solidFill>
+              </a14:hiddenFill>
+            </a:ext>
+          </a:extLst>
+        </p:spPr>
+      </p:pic>
+      <p:pic>
+        <p:nvPicPr>
+          <p:cNvPr id="204" name="Picture 5" descr="https://static.wikia.nocookie.net/camp_for_bragging_rights/images/0/0e/Stickman.png/revision/latest/scale-to-width-down/768?cb=20200421202819">
+            <a:extLst>
+              <a:ext uri="{FF2B5EF4-FFF2-40B4-BE49-F238E27FC236}">
+                <a16:creationId xmlns:a16="http://schemas.microsoft.com/office/drawing/2014/main" id="{9419EE42-F2D1-49F1-82D5-45859855D7C0}"/>
+              </a:ext>
+            </a:extLst>
+          </p:cNvPr>
+          <p:cNvPicPr>
+            <a:picLocks noChangeAspect="1" noChangeArrowheads="1"/>
+          </p:cNvPicPr>
+          <p:nvPr/>
+        </p:nvPicPr>
+        <p:blipFill rotWithShape="1">
+          <a:blip r:embed="rId3" cstate="print">
+            <a:extLst>
+              <a:ext uri="{28A0092B-C50C-407E-A947-70E740481C1C}">
+                <a14:useLocalDpi xmlns:a14="http://schemas.microsoft.com/office/drawing/2010/main" val="0"/>
+              </a:ext>
+            </a:extLst>
+          </a:blip>
+          <a:srcRect l="24793" t="12707" r="32942" b="2763"/>
+          <a:stretch/>
+        </p:blipFill>
+        <p:spPr bwMode="auto">
+          <a:xfrm>
+            <a:off x="2820371" y="422447"/>
+            <a:ext cx="156618" cy="313235"/>
+          </a:xfrm>
+          <a:prstGeom prst="rect">
+            <a:avLst/>
+          </a:prstGeom>
+          <a:noFill/>
+          <a:extLst>
+            <a:ext uri="{909E8E84-426E-40DD-AFC4-6F175D3DCCD1}">
+              <a14:hiddenFill xmlns:a14="http://schemas.microsoft.com/office/drawing/2010/main">
+                <a:solidFill>
+                  <a:srgbClr val="FFFFFF"/>
+                </a:solidFill>
+              </a14:hiddenFill>
+            </a:ext>
+          </a:extLst>
+        </p:spPr>
+      </p:pic>
+      <p:pic>
+        <p:nvPicPr>
+          <p:cNvPr id="205" name="Picture 5" descr="https://static.wikia.nocookie.net/camp_for_bragging_rights/images/0/0e/Stickman.png/revision/latest/scale-to-width-down/768?cb=20200421202819">
+            <a:extLst>
+              <a:ext uri="{FF2B5EF4-FFF2-40B4-BE49-F238E27FC236}">
+                <a16:creationId xmlns:a16="http://schemas.microsoft.com/office/drawing/2014/main" id="{5450B433-5567-4651-9BFB-8B3A32E29A2A}"/>
+              </a:ext>
+            </a:extLst>
+          </p:cNvPr>
+          <p:cNvPicPr>
+            <a:picLocks noChangeAspect="1" noChangeArrowheads="1"/>
+          </p:cNvPicPr>
+          <p:nvPr/>
+        </p:nvPicPr>
+        <p:blipFill rotWithShape="1">
+          <a:blip r:embed="rId3" cstate="print">
+            <a:extLst>
+              <a:ext uri="{28A0092B-C50C-407E-A947-70E740481C1C}">
+                <a14:useLocalDpi xmlns:a14="http://schemas.microsoft.com/office/drawing/2010/main" val="0"/>
+              </a:ext>
+            </a:extLst>
+          </a:blip>
+          <a:srcRect l="24793" t="12707" r="32942" b="2763"/>
+          <a:stretch/>
+        </p:blipFill>
+        <p:spPr bwMode="auto">
+          <a:xfrm>
+            <a:off x="2543493" y="782213"/>
+            <a:ext cx="156618" cy="313235"/>
+          </a:xfrm>
+          <a:prstGeom prst="rect">
+            <a:avLst/>
+          </a:prstGeom>
+          <a:noFill/>
+          <a:extLst>
+            <a:ext uri="{909E8E84-426E-40DD-AFC4-6F175D3DCCD1}">
+              <a14:hiddenFill xmlns:a14="http://schemas.microsoft.com/office/drawing/2010/main">
+                <a:solidFill>
+                  <a:srgbClr val="FFFFFF"/>
+                </a:solidFill>
+              </a14:hiddenFill>
+            </a:ext>
+          </a:extLst>
+        </p:spPr>
+      </p:pic>
+      <p:pic>
+        <p:nvPicPr>
+          <p:cNvPr id="206" name="Picture 5" descr="https://static.wikia.nocookie.net/camp_for_bragging_rights/images/0/0e/Stickman.png/revision/latest/scale-to-width-down/768?cb=20200421202819">
+            <a:extLst>
+              <a:ext uri="{FF2B5EF4-FFF2-40B4-BE49-F238E27FC236}">
+                <a16:creationId xmlns:a16="http://schemas.microsoft.com/office/drawing/2014/main" id="{258EEADD-4985-4DF0-89A8-7550DCA90E9C}"/>
+              </a:ext>
+            </a:extLst>
+          </p:cNvPr>
+          <p:cNvPicPr>
+            <a:picLocks noChangeAspect="1" noChangeArrowheads="1"/>
+          </p:cNvPicPr>
+          <p:nvPr/>
+        </p:nvPicPr>
+        <p:blipFill rotWithShape="1">
+          <a:blip r:embed="rId3" cstate="print">
+            <a:extLst>
+              <a:ext uri="{28A0092B-C50C-407E-A947-70E740481C1C}">
+                <a14:useLocalDpi xmlns:a14="http://schemas.microsoft.com/office/drawing/2010/main" val="0"/>
+              </a:ext>
+            </a:extLst>
+          </a:blip>
+          <a:srcRect l="24793" t="12707" r="32942" b="2763"/>
+          <a:stretch/>
+        </p:blipFill>
+        <p:spPr bwMode="auto">
+          <a:xfrm>
+            <a:off x="2684397" y="958047"/>
+            <a:ext cx="156618" cy="313235"/>
+          </a:xfrm>
+          <a:prstGeom prst="rect">
+            <a:avLst/>
+          </a:prstGeom>
+          <a:noFill/>
+          <a:extLst>
+            <a:ext uri="{909E8E84-426E-40DD-AFC4-6F175D3DCCD1}">
+              <a14:hiddenFill xmlns:a14="http://schemas.microsoft.com/office/drawing/2010/main">
+                <a:solidFill>
+                  <a:srgbClr val="FFFFFF"/>
+                </a:solidFill>
+              </a14:hiddenFill>
+            </a:ext>
+          </a:extLst>
+        </p:spPr>
+      </p:pic>
+      <p:pic>
+        <p:nvPicPr>
+          <p:cNvPr id="207" name="Picture 5" descr="https://static.wikia.nocookie.net/camp_for_bragging_rights/images/0/0e/Stickman.png/revision/latest/scale-to-width-down/768?cb=20200421202819">
+            <a:extLst>
+              <a:ext uri="{FF2B5EF4-FFF2-40B4-BE49-F238E27FC236}">
+                <a16:creationId xmlns:a16="http://schemas.microsoft.com/office/drawing/2014/main" id="{9B91F6D8-AC19-49D7-9133-62D1D91EF2F7}"/>
+              </a:ext>
+            </a:extLst>
+          </p:cNvPr>
+          <p:cNvPicPr>
+            <a:picLocks noChangeAspect="1" noChangeArrowheads="1"/>
+          </p:cNvPicPr>
+          <p:nvPr/>
+        </p:nvPicPr>
+        <p:blipFill rotWithShape="1">
+          <a:blip r:embed="rId3" cstate="print">
+            <a:extLst>
+              <a:ext uri="{28A0092B-C50C-407E-A947-70E740481C1C}">
+                <a14:useLocalDpi xmlns:a14="http://schemas.microsoft.com/office/drawing/2010/main" val="0"/>
+              </a:ext>
+            </a:extLst>
+          </a:blip>
+          <a:srcRect l="24793" t="12707" r="32942" b="2763"/>
+          <a:stretch/>
+        </p:blipFill>
+        <p:spPr bwMode="auto">
+          <a:xfrm>
+            <a:off x="2427960" y="964000"/>
+            <a:ext cx="156618" cy="313235"/>
+          </a:xfrm>
+          <a:prstGeom prst="rect">
+            <a:avLst/>
+          </a:prstGeom>
+          <a:noFill/>
+          <a:extLst>
+            <a:ext uri="{909E8E84-426E-40DD-AFC4-6F175D3DCCD1}">
+              <a14:hiddenFill xmlns:a14="http://schemas.microsoft.com/office/drawing/2010/main">
+                <a:solidFill>
+                  <a:srgbClr val="FFFFFF"/>
+                </a:solidFill>
+              </a14:hiddenFill>
+            </a:ext>
+          </a:extLst>
+        </p:spPr>
+      </p:pic>
+      <p:pic>
+        <p:nvPicPr>
+          <p:cNvPr id="208" name="Picture 5" descr="https://static.wikia.nocookie.net/camp_for_bragging_rights/images/0/0e/Stickman.png/revision/latest/scale-to-width-down/768?cb=20200421202819">
+            <a:extLst>
+              <a:ext uri="{FF2B5EF4-FFF2-40B4-BE49-F238E27FC236}">
+                <a16:creationId xmlns:a16="http://schemas.microsoft.com/office/drawing/2014/main" id="{1B791DEC-BCAB-46E7-98EE-CF1F9C7F9A4A}"/>
+              </a:ext>
+            </a:extLst>
+          </p:cNvPr>
+          <p:cNvPicPr>
+            <a:picLocks noChangeAspect="1" noChangeArrowheads="1"/>
+          </p:cNvPicPr>
+          <p:nvPr/>
+        </p:nvPicPr>
+        <p:blipFill rotWithShape="1">
+          <a:blip r:embed="rId3" cstate="print">
+            <a:extLst>
+              <a:ext uri="{28A0092B-C50C-407E-A947-70E740481C1C}">
+                <a14:useLocalDpi xmlns:a14="http://schemas.microsoft.com/office/drawing/2010/main" val="0"/>
+              </a:ext>
+            </a:extLst>
+          </a:blip>
+          <a:srcRect l="24793" t="12707" r="32942" b="2763"/>
+          <a:stretch/>
+        </p:blipFill>
+        <p:spPr bwMode="auto">
+          <a:xfrm>
+            <a:off x="2264324" y="1072183"/>
+            <a:ext cx="156618" cy="313235"/>
+          </a:xfrm>
+          <a:prstGeom prst="rect">
+            <a:avLst/>
+          </a:prstGeom>
+          <a:noFill/>
+          <a:extLst>
+            <a:ext uri="{909E8E84-426E-40DD-AFC4-6F175D3DCCD1}">
+              <a14:hiddenFill xmlns:a14="http://schemas.microsoft.com/office/drawing/2010/main">
+                <a:solidFill>
+                  <a:srgbClr val="FFFFFF"/>
+                </a:solidFill>
+              </a14:hiddenFill>
+            </a:ext>
+          </a:extLst>
+        </p:spPr>
+      </p:pic>
+      <p:pic>
+        <p:nvPicPr>
+          <p:cNvPr id="209" name="Picture 5" descr="https://static.wikia.nocookie.net/camp_for_bragging_rights/images/0/0e/Stickman.png/revision/latest/scale-to-width-down/768?cb=20200421202819">
+            <a:extLst>
+              <a:ext uri="{FF2B5EF4-FFF2-40B4-BE49-F238E27FC236}">
+                <a16:creationId xmlns:a16="http://schemas.microsoft.com/office/drawing/2014/main" id="{BC86DD45-859E-4A94-A330-11B487DEF50D}"/>
+              </a:ext>
+            </a:extLst>
+          </p:cNvPr>
+          <p:cNvPicPr>
+            <a:picLocks noChangeAspect="1" noChangeArrowheads="1"/>
+          </p:cNvPicPr>
+          <p:nvPr/>
+        </p:nvPicPr>
+        <p:blipFill rotWithShape="1">
+          <a:blip r:embed="rId3" cstate="print">
+            <a:extLst>
+              <a:ext uri="{28A0092B-C50C-407E-A947-70E740481C1C}">
+                <a14:useLocalDpi xmlns:a14="http://schemas.microsoft.com/office/drawing/2010/main" val="0"/>
+              </a:ext>
+            </a:extLst>
+          </a:blip>
+          <a:srcRect l="24793" t="12707" r="32942" b="2763"/>
+          <a:stretch/>
+        </p:blipFill>
+        <p:spPr bwMode="auto">
+          <a:xfrm>
+            <a:off x="2838329" y="1072258"/>
+            <a:ext cx="156618" cy="313235"/>
+          </a:xfrm>
+          <a:prstGeom prst="rect">
+            <a:avLst/>
+          </a:prstGeom>
+          <a:noFill/>
+          <a:extLst>
+            <a:ext uri="{909E8E84-426E-40DD-AFC4-6F175D3DCCD1}">
+              <a14:hiddenFill xmlns:a14="http://schemas.microsoft.com/office/drawing/2010/main">
+                <a:solidFill>
+                  <a:srgbClr val="FFFFFF"/>
+                </a:solidFill>
+              </a14:hiddenFill>
+            </a:ext>
+          </a:extLst>
+        </p:spPr>
+      </p:pic>
+      <p:pic>
+        <p:nvPicPr>
+          <p:cNvPr id="210" name="Picture 5" descr="https://static.wikia.nocookie.net/camp_for_bragging_rights/images/0/0e/Stickman.png/revision/latest/scale-to-width-down/768?cb=20200421202819">
+            <a:extLst>
+              <a:ext uri="{FF2B5EF4-FFF2-40B4-BE49-F238E27FC236}">
+                <a16:creationId xmlns:a16="http://schemas.microsoft.com/office/drawing/2014/main" id="{696735D1-EEF9-4D11-B3CA-E7A50FCBDD29}"/>
+              </a:ext>
+            </a:extLst>
+          </p:cNvPr>
+          <p:cNvPicPr>
+            <a:picLocks noChangeAspect="1" noChangeArrowheads="1"/>
+          </p:cNvPicPr>
+          <p:nvPr/>
+        </p:nvPicPr>
+        <p:blipFill rotWithShape="1">
+          <a:blip r:embed="rId3" cstate="print">
+            <a:extLst>
+              <a:ext uri="{28A0092B-C50C-407E-A947-70E740481C1C}">
+                <a14:useLocalDpi xmlns:a14="http://schemas.microsoft.com/office/drawing/2010/main" val="0"/>
+              </a:ext>
+            </a:extLst>
+          </a:blip>
+          <a:srcRect l="24793" t="12707" r="32942" b="2763"/>
+          <a:stretch/>
+        </p:blipFill>
+        <p:spPr bwMode="auto">
+          <a:xfrm>
+            <a:off x="3019584" y="977156"/>
+            <a:ext cx="156618" cy="313235"/>
+          </a:xfrm>
+          <a:prstGeom prst="rect">
+            <a:avLst/>
+          </a:prstGeom>
+          <a:noFill/>
+          <a:extLst>
+            <a:ext uri="{909E8E84-426E-40DD-AFC4-6F175D3DCCD1}">
+              <a14:hiddenFill xmlns:a14="http://schemas.microsoft.com/office/drawing/2010/main">
+                <a:solidFill>
+                  <a:srgbClr val="FFFFFF"/>
+                </a:solidFill>
+              </a14:hiddenFill>
+            </a:ext>
+          </a:extLst>
+        </p:spPr>
+      </p:pic>
+      <p:pic>
+        <p:nvPicPr>
+          <p:cNvPr id="211" name="Picture 6" descr="C:\Users\biosensor1\Documents\카카오톡 받은 파일\KakaoTalk_20210112_172206730.png">
+            <a:extLst>
+              <a:ext uri="{FF2B5EF4-FFF2-40B4-BE49-F238E27FC236}">
+                <a16:creationId xmlns:a16="http://schemas.microsoft.com/office/drawing/2014/main" id="{E66529A4-CE8E-4726-89C7-D0E9C2E7EA9E}"/>
+              </a:ext>
+            </a:extLst>
+          </p:cNvPr>
+          <p:cNvPicPr>
+            <a:picLocks noChangeAspect="1" noChangeArrowheads="1"/>
+          </p:cNvPicPr>
+          <p:nvPr/>
+        </p:nvPicPr>
+        <p:blipFill rotWithShape="1">
+          <a:blip r:embed="rId4" cstate="print">
+            <a:extLst>
+              <a:ext uri="{28A0092B-C50C-407E-A947-70E740481C1C}">
+                <a14:useLocalDpi xmlns:a14="http://schemas.microsoft.com/office/drawing/2010/main" val="0"/>
+              </a:ext>
+            </a:extLst>
+          </a:blip>
+          <a:srcRect l="24304" t="8382" r="38972" b="22505"/>
+          <a:stretch/>
+        </p:blipFill>
+        <p:spPr bwMode="auto">
+          <a:xfrm>
+            <a:off x="3462530" y="814196"/>
+            <a:ext cx="156618" cy="325920"/>
+          </a:xfrm>
+          <a:prstGeom prst="rect">
+            <a:avLst/>
+          </a:prstGeom>
+          <a:noFill/>
+          <a:extLst>
+            <a:ext uri="{909E8E84-426E-40DD-AFC4-6F175D3DCCD1}">
+              <a14:hiddenFill xmlns:a14="http://schemas.microsoft.com/office/drawing/2010/main">
+                <a:solidFill>
+                  <a:srgbClr val="FFFFFF"/>
+                </a:solidFill>
+              </a14:hiddenFill>
+            </a:ext>
+          </a:extLst>
+        </p:spPr>
+      </p:pic>
+      <p:pic>
+        <p:nvPicPr>
+          <p:cNvPr id="212" name="Picture 6" descr="C:\Users\biosensor1\Documents\카카오톡 받은 파일\KakaoTalk_20210112_172206730.png">
+            <a:extLst>
+              <a:ext uri="{FF2B5EF4-FFF2-40B4-BE49-F238E27FC236}">
+                <a16:creationId xmlns:a16="http://schemas.microsoft.com/office/drawing/2014/main" id="{F684D7EA-4819-46EB-B1DF-55D091859480}"/>
+              </a:ext>
+            </a:extLst>
+          </p:cNvPr>
+          <p:cNvPicPr>
+            <a:picLocks noChangeAspect="1" noChangeArrowheads="1"/>
+          </p:cNvPicPr>
+          <p:nvPr/>
+        </p:nvPicPr>
+        <p:blipFill rotWithShape="1">
+          <a:blip r:embed="rId4" cstate="print">
+            <a:extLst>
+              <a:ext uri="{28A0092B-C50C-407E-A947-70E740481C1C}">
+                <a14:useLocalDpi xmlns:a14="http://schemas.microsoft.com/office/drawing/2010/main" val="0"/>
+              </a:ext>
+            </a:extLst>
+          </a:blip>
+          <a:srcRect l="24304" t="8382" r="38972" b="22505"/>
+          <a:stretch/>
+        </p:blipFill>
+        <p:spPr bwMode="auto">
+          <a:xfrm>
+            <a:off x="3173516" y="1037271"/>
+            <a:ext cx="156618" cy="325920"/>
+          </a:xfrm>
+          <a:prstGeom prst="rect">
+            <a:avLst/>
+          </a:prstGeom>
+          <a:noFill/>
+          <a:extLst>
+            <a:ext uri="{909E8E84-426E-40DD-AFC4-6F175D3DCCD1}">
+              <a14:hiddenFill xmlns:a14="http://schemas.microsoft.com/office/drawing/2010/main">
+                <a:solidFill>
+                  <a:srgbClr val="FFFFFF"/>
+                </a:solidFill>
+              </a14:hiddenFill>
+            </a:ext>
+          </a:extLst>
+        </p:spPr>
+      </p:pic>
+      <p:pic>
+        <p:nvPicPr>
+          <p:cNvPr id="213" name="Picture 6" descr="C:\Users\biosensor1\Documents\카카오톡 받은 파일\KakaoTalk_20210112_172206730.png">
+            <a:extLst>
+              <a:ext uri="{FF2B5EF4-FFF2-40B4-BE49-F238E27FC236}">
+                <a16:creationId xmlns:a16="http://schemas.microsoft.com/office/drawing/2014/main" id="{3A51768F-AA29-4FC8-A4EB-082B839E1955}"/>
+              </a:ext>
+            </a:extLst>
+          </p:cNvPr>
+          <p:cNvPicPr>
+            <a:picLocks noChangeAspect="1" noChangeArrowheads="1"/>
+          </p:cNvPicPr>
+          <p:nvPr/>
+        </p:nvPicPr>
+        <p:blipFill rotWithShape="1">
+          <a:blip r:embed="rId4" cstate="print">
+            <a:extLst>
+              <a:ext uri="{28A0092B-C50C-407E-A947-70E740481C1C}">
+                <a14:useLocalDpi xmlns:a14="http://schemas.microsoft.com/office/drawing/2010/main" val="0"/>
+              </a:ext>
+            </a:extLst>
+          </a:blip>
+          <a:srcRect l="24304" t="8382" r="38972" b="22505"/>
+          <a:stretch/>
+        </p:blipFill>
+        <p:spPr bwMode="auto">
+          <a:xfrm>
+            <a:off x="3426111" y="1065840"/>
+            <a:ext cx="156618" cy="325920"/>
+          </a:xfrm>
+          <a:prstGeom prst="rect">
+            <a:avLst/>
+          </a:prstGeom>
+          <a:noFill/>
+          <a:extLst>
+            <a:ext uri="{909E8E84-426E-40DD-AFC4-6F175D3DCCD1}">
+              <a14:hiddenFill xmlns:a14="http://schemas.microsoft.com/office/drawing/2010/main">
+                <a:solidFill>
+                  <a:srgbClr val="FFFFFF"/>
+                </a:solidFill>
+              </a14:hiddenFill>
+            </a:ext>
+          </a:extLst>
+        </p:spPr>
+      </p:pic>
+      <p:pic>
+        <p:nvPicPr>
+          <p:cNvPr id="214" name="Picture 6" descr="C:\Users\biosensor1\Documents\카카오톡 받은 파일\KakaoTalk_20210112_172206730.png">
+            <a:extLst>
+              <a:ext uri="{FF2B5EF4-FFF2-40B4-BE49-F238E27FC236}">
+                <a16:creationId xmlns:a16="http://schemas.microsoft.com/office/drawing/2014/main" id="{AAF3571A-A91A-4560-9FAF-C6C363BE6CB4}"/>
+              </a:ext>
+            </a:extLst>
+          </p:cNvPr>
+          <p:cNvPicPr>
+            <a:picLocks noChangeAspect="1" noChangeArrowheads="1"/>
+          </p:cNvPicPr>
+          <p:nvPr/>
+        </p:nvPicPr>
+        <p:blipFill rotWithShape="1">
+          <a:blip r:embed="rId4" cstate="print">
+            <a:extLst>
+              <a:ext uri="{28A0092B-C50C-407E-A947-70E740481C1C}">
+                <a14:useLocalDpi xmlns:a14="http://schemas.microsoft.com/office/drawing/2010/main" val="0"/>
+              </a:ext>
+            </a:extLst>
+          </a:blip>
+          <a:srcRect l="24304" t="8382" r="38972" b="22505"/>
+          <a:stretch/>
+        </p:blipFill>
+        <p:spPr bwMode="auto">
+          <a:xfrm>
+            <a:off x="3599681" y="1084742"/>
+            <a:ext cx="156618" cy="325920"/>
+          </a:xfrm>
+          <a:prstGeom prst="rect">
+            <a:avLst/>
+          </a:prstGeom>
+          <a:noFill/>
+          <a:extLst>
+            <a:ext uri="{909E8E84-426E-40DD-AFC4-6F175D3DCCD1}">
+              <a14:hiddenFill xmlns:a14="http://schemas.microsoft.com/office/drawing/2010/main">
+                <a:solidFill>
+                  <a:srgbClr val="FFFFFF"/>
+                </a:solidFill>
+              </a14:hiddenFill>
+            </a:ext>
+          </a:extLst>
+        </p:spPr>
+      </p:pic>
+      <p:pic>
+        <p:nvPicPr>
+          <p:cNvPr id="215" name="Picture 6" descr="C:\Users\biosensor1\Documents\카카오톡 받은 파일\KakaoTalk_20210112_172206730.png">
+            <a:extLst>
+              <a:ext uri="{FF2B5EF4-FFF2-40B4-BE49-F238E27FC236}">
+                <a16:creationId xmlns:a16="http://schemas.microsoft.com/office/drawing/2014/main" id="{F7B746FA-CC20-46BF-9B69-932B7236AFF3}"/>
+              </a:ext>
+            </a:extLst>
+          </p:cNvPr>
+          <p:cNvPicPr>
+            <a:picLocks noChangeAspect="1" noChangeArrowheads="1"/>
+          </p:cNvPicPr>
+          <p:nvPr/>
+        </p:nvPicPr>
+        <p:blipFill rotWithShape="1">
+          <a:blip r:embed="rId4" cstate="print">
+            <a:extLst>
+              <a:ext uri="{28A0092B-C50C-407E-A947-70E740481C1C}">
+                <a14:useLocalDpi xmlns:a14="http://schemas.microsoft.com/office/drawing/2010/main" val="0"/>
+              </a:ext>
+            </a:extLst>
+          </a:blip>
+          <a:srcRect l="24304" t="8382" r="38972" b="22505"/>
+          <a:stretch/>
+        </p:blipFill>
+        <p:spPr bwMode="auto">
+          <a:xfrm>
+            <a:off x="3198328" y="769528"/>
+            <a:ext cx="156618" cy="325920"/>
+          </a:xfrm>
+          <a:prstGeom prst="rect">
+            <a:avLst/>
+          </a:prstGeom>
+          <a:noFill/>
+          <a:extLst>
+            <a:ext uri="{909E8E84-426E-40DD-AFC4-6F175D3DCCD1}">
+              <a14:hiddenFill xmlns:a14="http://schemas.microsoft.com/office/drawing/2010/main">
+                <a:solidFill>
+                  <a:srgbClr val="FFFFFF"/>
+                </a:solidFill>
+              </a14:hiddenFill>
+            </a:ext>
+          </a:extLst>
+        </p:spPr>
+      </p:pic>
+      <p:pic>
+        <p:nvPicPr>
+          <p:cNvPr id="216" name="Picture 6" descr="C:\Users\biosensor1\Documents\카카오톡 받은 파일\KakaoTalk_20210112_172206730.png">
+            <a:extLst>
+              <a:ext uri="{FF2B5EF4-FFF2-40B4-BE49-F238E27FC236}">
+                <a16:creationId xmlns:a16="http://schemas.microsoft.com/office/drawing/2014/main" id="{E6164BCA-911E-4A8F-B3E2-6001C5F0AD36}"/>
+              </a:ext>
+            </a:extLst>
+          </p:cNvPr>
+          <p:cNvPicPr>
+            <a:picLocks noChangeAspect="1" noChangeArrowheads="1"/>
+          </p:cNvPicPr>
+          <p:nvPr/>
+        </p:nvPicPr>
+        <p:blipFill rotWithShape="1">
+          <a:blip r:embed="rId4" cstate="print">
+            <a:extLst>
+              <a:ext uri="{28A0092B-C50C-407E-A947-70E740481C1C}">
+                <a14:useLocalDpi xmlns:a14="http://schemas.microsoft.com/office/drawing/2010/main" val="0"/>
+              </a:ext>
+            </a:extLst>
+          </a:blip>
+          <a:srcRect l="24304" t="8382" r="38972" b="22505"/>
+          <a:stretch/>
+        </p:blipFill>
+        <p:spPr bwMode="auto">
+          <a:xfrm>
+            <a:off x="2912592" y="825223"/>
+            <a:ext cx="156618" cy="325920"/>
+          </a:xfrm>
+          <a:prstGeom prst="rect">
+            <a:avLst/>
+          </a:prstGeom>
+          <a:noFill/>
+          <a:extLst>
+            <a:ext uri="{909E8E84-426E-40DD-AFC4-6F175D3DCCD1}">
+              <a14:hiddenFill xmlns:a14="http://schemas.microsoft.com/office/drawing/2010/main">
+                <a:solidFill>
+                  <a:srgbClr val="FFFFFF"/>
+                </a:solidFill>
+              </a14:hiddenFill>
+            </a:ext>
+          </a:extLst>
+        </p:spPr>
+      </p:pic>
+      <p:pic>
+        <p:nvPicPr>
+          <p:cNvPr id="217" name="Picture 5" descr="https://static.wikia.nocookie.net/camp_for_bragging_rights/images/0/0e/Stickman.png/revision/latest/scale-to-width-down/768?cb=20200421202819">
+            <a:extLst>
+              <a:ext uri="{FF2B5EF4-FFF2-40B4-BE49-F238E27FC236}">
+                <a16:creationId xmlns:a16="http://schemas.microsoft.com/office/drawing/2014/main" id="{AA920A7B-342B-42A5-959E-B517ACCE8743}"/>
+              </a:ext>
+            </a:extLst>
+          </p:cNvPr>
+          <p:cNvPicPr>
+            <a:picLocks noChangeAspect="1" noChangeArrowheads="1"/>
+          </p:cNvPicPr>
+          <p:nvPr/>
+        </p:nvPicPr>
+        <p:blipFill rotWithShape="1">
+          <a:blip r:embed="rId3" cstate="print">
+            <a:extLst>
+              <a:ext uri="{28A0092B-C50C-407E-A947-70E740481C1C}">
+                <a14:useLocalDpi xmlns:a14="http://schemas.microsoft.com/office/drawing/2010/main" val="0"/>
+              </a:ext>
+            </a:extLst>
+          </a:blip>
+          <a:srcRect l="24793" t="12707" r="32942" b="2763"/>
+          <a:stretch/>
+        </p:blipFill>
+        <p:spPr bwMode="auto">
+          <a:xfrm>
+            <a:off x="5132271" y="1037271"/>
+            <a:ext cx="156618" cy="313235"/>
+          </a:xfrm>
+          <a:prstGeom prst="rect">
+            <a:avLst/>
+          </a:prstGeom>
+          <a:noFill/>
+          <a:extLst>
+            <a:ext uri="{909E8E84-426E-40DD-AFC4-6F175D3DCCD1}">
+              <a14:hiddenFill xmlns:a14="http://schemas.microsoft.com/office/drawing/2010/main">
+                <a:solidFill>
+                  <a:srgbClr val="FFFFFF"/>
+                </a:solidFill>
+              </a14:hiddenFill>
+            </a:ext>
+          </a:extLst>
+        </p:spPr>
+      </p:pic>
+      <p:pic>
+        <p:nvPicPr>
+          <p:cNvPr id="218" name="Picture 5" descr="https://static.wikia.nocookie.net/camp_for_bragging_rights/images/0/0e/Stickman.png/revision/latest/scale-to-width-down/768?cb=20200421202819">
+            <a:extLst>
+              <a:ext uri="{FF2B5EF4-FFF2-40B4-BE49-F238E27FC236}">
+                <a16:creationId xmlns:a16="http://schemas.microsoft.com/office/drawing/2014/main" id="{693E3459-C204-4981-9090-1A858AF7BB6D}"/>
+              </a:ext>
+            </a:extLst>
+          </p:cNvPr>
+          <p:cNvPicPr>
+            <a:picLocks noChangeAspect="1" noChangeArrowheads="1"/>
+          </p:cNvPicPr>
+          <p:nvPr/>
+        </p:nvPicPr>
+        <p:blipFill rotWithShape="1">
+          <a:blip r:embed="rId3" cstate="print">
+            <a:extLst>
+              <a:ext uri="{28A0092B-C50C-407E-A947-70E740481C1C}">
+                <a14:useLocalDpi xmlns:a14="http://schemas.microsoft.com/office/drawing/2010/main" val="0"/>
+              </a:ext>
+            </a:extLst>
+          </a:blip>
+          <a:srcRect l="24793" t="12707" r="32942" b="2763"/>
+          <a:stretch/>
+        </p:blipFill>
+        <p:spPr bwMode="auto">
+          <a:xfrm>
+            <a:off x="5307650" y="809437"/>
+            <a:ext cx="156618" cy="313235"/>
+          </a:xfrm>
+          <a:prstGeom prst="rect">
+            <a:avLst/>
+          </a:prstGeom>
+          <a:noFill/>
+          <a:extLst>
+            <a:ext uri="{909E8E84-426E-40DD-AFC4-6F175D3DCCD1}">
+              <a14:hiddenFill xmlns:a14="http://schemas.microsoft.com/office/drawing/2010/main">
+                <a:solidFill>
+                  <a:srgbClr val="FFFFFF"/>
+                </a:solidFill>
+              </a14:hiddenFill>
+            </a:ext>
+          </a:extLst>
+        </p:spPr>
+      </p:pic>
+      <p:pic>
+        <p:nvPicPr>
+          <p:cNvPr id="219" name="Picture 5" descr="https://static.wikia.nocookie.net/camp_for_bragging_rights/images/0/0e/Stickman.png/revision/latest/scale-to-width-down/768?cb=20200421202819">
+            <a:extLst>
+              <a:ext uri="{FF2B5EF4-FFF2-40B4-BE49-F238E27FC236}">
+                <a16:creationId xmlns:a16="http://schemas.microsoft.com/office/drawing/2014/main" id="{6805677D-D657-4954-B7D0-B8AC3A08EBD7}"/>
+              </a:ext>
+            </a:extLst>
+          </p:cNvPr>
+          <p:cNvPicPr>
+            <a:picLocks noChangeAspect="1" noChangeArrowheads="1"/>
+          </p:cNvPicPr>
+          <p:nvPr/>
+        </p:nvPicPr>
+        <p:blipFill rotWithShape="1">
+          <a:blip r:embed="rId3" cstate="print">
+            <a:extLst>
+              <a:ext uri="{28A0092B-C50C-407E-A947-70E740481C1C}">
+                <a14:useLocalDpi xmlns:a14="http://schemas.microsoft.com/office/drawing/2010/main" val="0"/>
+              </a:ext>
+            </a:extLst>
+          </a:blip>
+          <a:srcRect l="24793" t="12707" r="32942" b="2763"/>
+          <a:stretch/>
+        </p:blipFill>
+        <p:spPr bwMode="auto">
+          <a:xfrm>
+            <a:off x="5483029" y="602330"/>
+            <a:ext cx="156618" cy="313235"/>
+          </a:xfrm>
+          <a:prstGeom prst="rect">
+            <a:avLst/>
+          </a:prstGeom>
+          <a:noFill/>
+          <a:extLst>
+            <a:ext uri="{909E8E84-426E-40DD-AFC4-6F175D3DCCD1}">
+              <a14:hiddenFill xmlns:a14="http://schemas.microsoft.com/office/drawing/2010/main">
+                <a:solidFill>
+                  <a:srgbClr val="FFFFFF"/>
+                </a:solidFill>
+              </a14:hiddenFill>
+            </a:ext>
+          </a:extLst>
+        </p:spPr>
+      </p:pic>
+      <p:pic>
+        <p:nvPicPr>
+          <p:cNvPr id="220" name="Picture 5" descr="https://static.wikia.nocookie.net/camp_for_bragging_rights/images/0/0e/Stickman.png/revision/latest/scale-to-width-down/768?cb=20200421202819">
+            <a:extLst>
+              <a:ext uri="{FF2B5EF4-FFF2-40B4-BE49-F238E27FC236}">
+                <a16:creationId xmlns:a16="http://schemas.microsoft.com/office/drawing/2014/main" id="{8154E053-1186-4570-B002-A35A99CF99C3}"/>
+              </a:ext>
+            </a:extLst>
+          </p:cNvPr>
+          <p:cNvPicPr>
+            <a:picLocks noChangeAspect="1" noChangeArrowheads="1"/>
+          </p:cNvPicPr>
+          <p:nvPr/>
+        </p:nvPicPr>
+        <p:blipFill rotWithShape="1">
+          <a:blip r:embed="rId3" cstate="print">
+            <a:extLst>
+              <a:ext uri="{28A0092B-C50C-407E-A947-70E740481C1C}">
+                <a14:useLocalDpi xmlns:a14="http://schemas.microsoft.com/office/drawing/2010/main" val="0"/>
+              </a:ext>
+            </a:extLst>
+          </a:blip>
+          <a:srcRect l="24793" t="12707" r="32942" b="2763"/>
+          <a:stretch/>
+        </p:blipFill>
+        <p:spPr bwMode="auto">
+          <a:xfrm>
+            <a:off x="5822191" y="1103672"/>
+            <a:ext cx="156618" cy="313235"/>
+          </a:xfrm>
+          <a:prstGeom prst="rect">
+            <a:avLst/>
+          </a:prstGeom>
+          <a:noFill/>
+          <a:extLst>
+            <a:ext uri="{909E8E84-426E-40DD-AFC4-6F175D3DCCD1}">
+              <a14:hiddenFill xmlns:a14="http://schemas.microsoft.com/office/drawing/2010/main">
+                <a:solidFill>
+                  <a:srgbClr val="FFFFFF"/>
+                </a:solidFill>
+              </a14:hiddenFill>
+            </a:ext>
+          </a:extLst>
+        </p:spPr>
+      </p:pic>
+      <p:pic>
+        <p:nvPicPr>
+          <p:cNvPr id="221" name="Picture 5" descr="https://static.wikia.nocookie.net/camp_for_bragging_rights/images/0/0e/Stickman.png/revision/latest/scale-to-width-down/768?cb=20200421202819">
+            <a:extLst>
+              <a:ext uri="{FF2B5EF4-FFF2-40B4-BE49-F238E27FC236}">
+                <a16:creationId xmlns:a16="http://schemas.microsoft.com/office/drawing/2014/main" id="{3B592B85-75DC-4FE8-BD90-C4510579BD00}"/>
+              </a:ext>
+            </a:extLst>
+          </p:cNvPr>
+          <p:cNvPicPr>
+            <a:picLocks noChangeAspect="1" noChangeArrowheads="1"/>
+          </p:cNvPicPr>
+          <p:nvPr/>
+        </p:nvPicPr>
+        <p:blipFill rotWithShape="1">
+          <a:blip r:embed="rId3" cstate="print">
+            <a:extLst>
+              <a:ext uri="{28A0092B-C50C-407E-A947-70E740481C1C}">
+                <a14:useLocalDpi xmlns:a14="http://schemas.microsoft.com/office/drawing/2010/main" val="0"/>
+              </a:ext>
+            </a:extLst>
+          </a:blip>
+          <a:srcRect l="24793" t="12707" r="32942" b="2763"/>
+          <a:stretch/>
+        </p:blipFill>
+        <p:spPr bwMode="auto">
+          <a:xfrm>
+            <a:off x="5495176" y="1091084"/>
+            <a:ext cx="156618" cy="313235"/>
+          </a:xfrm>
+          <a:prstGeom prst="rect">
+            <a:avLst/>
+          </a:prstGeom>
+          <a:noFill/>
+          <a:extLst>
+            <a:ext uri="{909E8E84-426E-40DD-AFC4-6F175D3DCCD1}">
+              <a14:hiddenFill xmlns:a14="http://schemas.microsoft.com/office/drawing/2010/main">
+                <a:solidFill>
+                  <a:srgbClr val="FFFFFF"/>
+                </a:solidFill>
+              </a14:hiddenFill>
+            </a:ext>
+          </a:extLst>
+        </p:spPr>
+      </p:pic>
+      <p:pic>
+        <p:nvPicPr>
+          <p:cNvPr id="222" name="Picture 5" descr="https://static.wikia.nocookie.net/camp_for_bragging_rights/images/0/0e/Stickman.png/revision/latest/scale-to-width-down/768?cb=20200421202819">
+            <a:extLst>
+              <a:ext uri="{FF2B5EF4-FFF2-40B4-BE49-F238E27FC236}">
+                <a16:creationId xmlns:a16="http://schemas.microsoft.com/office/drawing/2014/main" id="{8B159003-2A63-4CA2-B1A9-B9D92890FD87}"/>
+              </a:ext>
+            </a:extLst>
+          </p:cNvPr>
+          <p:cNvPicPr>
+            <a:picLocks noChangeAspect="1" noChangeArrowheads="1"/>
+          </p:cNvPicPr>
+          <p:nvPr/>
+        </p:nvPicPr>
+        <p:blipFill rotWithShape="1">
+          <a:blip r:embed="rId3" cstate="print">
+            <a:extLst>
+              <a:ext uri="{28A0092B-C50C-407E-A947-70E740481C1C}">
+                <a14:useLocalDpi xmlns:a14="http://schemas.microsoft.com/office/drawing/2010/main" val="0"/>
+              </a:ext>
+            </a:extLst>
+          </a:blip>
+          <a:srcRect l="24793" t="12707" r="32942" b="2763"/>
+          <a:stretch/>
+        </p:blipFill>
+        <p:spPr bwMode="auto">
+          <a:xfrm>
+            <a:off x="5802183" y="705883"/>
+            <a:ext cx="156618" cy="313235"/>
+          </a:xfrm>
+          <a:prstGeom prst="rect">
+            <a:avLst/>
+          </a:prstGeom>
+          <a:noFill/>
+          <a:extLst>
+            <a:ext uri="{909E8E84-426E-40DD-AFC4-6F175D3DCCD1}">
+              <a14:hiddenFill xmlns:a14="http://schemas.microsoft.com/office/drawing/2010/main">
+                <a:solidFill>
+                  <a:srgbClr val="FFFFFF"/>
+                </a:solidFill>
+              </a14:hiddenFill>
+            </a:ext>
+          </a:extLst>
+        </p:spPr>
+      </p:pic>
+      <p:pic>
+        <p:nvPicPr>
+          <p:cNvPr id="223" name="Picture 5" descr="https://static.wikia.nocookie.net/camp_for_bragging_rights/images/0/0e/Stickman.png/revision/latest/scale-to-width-down/768?cb=20200421202819">
+            <a:extLst>
+              <a:ext uri="{FF2B5EF4-FFF2-40B4-BE49-F238E27FC236}">
+                <a16:creationId xmlns:a16="http://schemas.microsoft.com/office/drawing/2014/main" id="{EF75050E-DE1A-467E-98E3-697633A22AB6}"/>
+              </a:ext>
+            </a:extLst>
+          </p:cNvPr>
+          <p:cNvPicPr>
+            <a:picLocks noChangeAspect="1" noChangeArrowheads="1"/>
+          </p:cNvPicPr>
+          <p:nvPr/>
+        </p:nvPicPr>
+        <p:blipFill rotWithShape="1">
+          <a:blip r:embed="rId3" cstate="print">
+            <a:extLst>
+              <a:ext uri="{28A0092B-C50C-407E-A947-70E740481C1C}">
+                <a14:useLocalDpi xmlns:a14="http://schemas.microsoft.com/office/drawing/2010/main" val="0"/>
+              </a:ext>
+            </a:extLst>
+          </a:blip>
+          <a:srcRect l="24793" t="12707" r="32942" b="2763"/>
+          <a:stretch/>
+        </p:blipFill>
+        <p:spPr bwMode="auto">
+          <a:xfrm>
+            <a:off x="5764676" y="371422"/>
+            <a:ext cx="156618" cy="313235"/>
+          </a:xfrm>
+          <a:prstGeom prst="rect">
+            <a:avLst/>
+          </a:prstGeom>
+          <a:noFill/>
+          <a:extLst>
+            <a:ext uri="{909E8E84-426E-40DD-AFC4-6F175D3DCCD1}">
+              <a14:hiddenFill xmlns:a14="http://schemas.microsoft.com/office/drawing/2010/main">
+                <a:solidFill>
+                  <a:srgbClr val="FFFFFF"/>
+                </a:solidFill>
+              </a14:hiddenFill>
+            </a:ext>
+          </a:extLst>
+        </p:spPr>
+      </p:pic>
+      <p:pic>
+        <p:nvPicPr>
+          <p:cNvPr id="224" name="Picture 5" descr="https://static.wikia.nocookie.net/camp_for_bragging_rights/images/0/0e/Stickman.png/revision/latest/scale-to-width-down/768?cb=20200421202819">
+            <a:extLst>
+              <a:ext uri="{FF2B5EF4-FFF2-40B4-BE49-F238E27FC236}">
+                <a16:creationId xmlns:a16="http://schemas.microsoft.com/office/drawing/2014/main" id="{351DBE3E-C42A-4049-9501-79A6A3C1D676}"/>
+              </a:ext>
+            </a:extLst>
+          </p:cNvPr>
+          <p:cNvPicPr>
+            <a:picLocks noChangeAspect="1" noChangeArrowheads="1"/>
+          </p:cNvPicPr>
+          <p:nvPr/>
+        </p:nvPicPr>
+        <p:blipFill rotWithShape="1">
+          <a:blip r:embed="rId3" cstate="print">
+            <a:extLst>
+              <a:ext uri="{28A0092B-C50C-407E-A947-70E740481C1C}">
+                <a14:useLocalDpi xmlns:a14="http://schemas.microsoft.com/office/drawing/2010/main" val="0"/>
+              </a:ext>
+            </a:extLst>
+          </a:blip>
+          <a:srcRect l="24793" t="12707" r="32942" b="2763"/>
+          <a:stretch/>
+        </p:blipFill>
+        <p:spPr bwMode="auto">
+          <a:xfrm>
+            <a:off x="6187306" y="774982"/>
+            <a:ext cx="156618" cy="313235"/>
+          </a:xfrm>
+          <a:prstGeom prst="rect">
+            <a:avLst/>
+          </a:prstGeom>
+          <a:noFill/>
+          <a:extLst>
+            <a:ext uri="{909E8E84-426E-40DD-AFC4-6F175D3DCCD1}">
+              <a14:hiddenFill xmlns:a14="http://schemas.microsoft.com/office/drawing/2010/main">
+                <a:solidFill>
+                  <a:srgbClr val="FFFFFF"/>
+                </a:solidFill>
+              </a14:hiddenFill>
+            </a:ext>
+          </a:extLst>
+        </p:spPr>
+      </p:pic>
+      <p:pic>
+        <p:nvPicPr>
+          <p:cNvPr id="225" name="Picture 5" descr="https://static.wikia.nocookie.net/camp_for_bragging_rights/images/0/0e/Stickman.png/revision/latest/scale-to-width-down/768?cb=20200421202819">
+            <a:extLst>
+              <a:ext uri="{FF2B5EF4-FFF2-40B4-BE49-F238E27FC236}">
+                <a16:creationId xmlns:a16="http://schemas.microsoft.com/office/drawing/2014/main" id="{10B63245-24B2-4FEF-9A91-99B4F252EDBD}"/>
+              </a:ext>
+            </a:extLst>
+          </p:cNvPr>
+          <p:cNvPicPr>
+            <a:picLocks noChangeAspect="1" noChangeArrowheads="1"/>
+          </p:cNvPicPr>
+          <p:nvPr/>
+        </p:nvPicPr>
+        <p:blipFill rotWithShape="1">
+          <a:blip r:embed="rId3" cstate="print">
+            <a:extLst>
+              <a:ext uri="{28A0092B-C50C-407E-A947-70E740481C1C}">
+                <a14:useLocalDpi xmlns:a14="http://schemas.microsoft.com/office/drawing/2010/main" val="0"/>
+              </a:ext>
+            </a:extLst>
+          </a:blip>
+          <a:srcRect l="24793" t="12707" r="32942" b="2763"/>
+          <a:stretch/>
+        </p:blipFill>
+        <p:spPr bwMode="auto">
+          <a:xfrm>
+            <a:off x="6071257" y="1074340"/>
+            <a:ext cx="156618" cy="313235"/>
+          </a:xfrm>
+          <a:prstGeom prst="rect">
+            <a:avLst/>
+          </a:prstGeom>
+          <a:noFill/>
+          <a:extLst>
+            <a:ext uri="{909E8E84-426E-40DD-AFC4-6F175D3DCCD1}">
+              <a14:hiddenFill xmlns:a14="http://schemas.microsoft.com/office/drawing/2010/main">
+                <a:solidFill>
+                  <a:srgbClr val="FFFFFF"/>
+                </a:solidFill>
+              </a14:hiddenFill>
+            </a:ext>
+          </a:extLst>
+        </p:spPr>
+      </p:pic>
+      <p:pic>
+        <p:nvPicPr>
+          <p:cNvPr id="226" name="Picture 5" descr="https://static.wikia.nocookie.net/camp_for_bragging_rights/images/0/0e/Stickman.png/revision/latest/scale-to-width-down/768?cb=20200421202819">
+            <a:extLst>
+              <a:ext uri="{FF2B5EF4-FFF2-40B4-BE49-F238E27FC236}">
+                <a16:creationId xmlns:a16="http://schemas.microsoft.com/office/drawing/2014/main" id="{E46133AE-23D5-4726-95F1-5F0F792C85A4}"/>
+              </a:ext>
+            </a:extLst>
+          </p:cNvPr>
+          <p:cNvPicPr>
+            <a:picLocks noChangeAspect="1" noChangeArrowheads="1"/>
+          </p:cNvPicPr>
+          <p:nvPr/>
+        </p:nvPicPr>
+        <p:blipFill rotWithShape="1">
+          <a:blip r:embed="rId3" cstate="print">
+            <a:extLst>
+              <a:ext uri="{28A0092B-C50C-407E-A947-70E740481C1C}">
+                <a14:useLocalDpi xmlns:a14="http://schemas.microsoft.com/office/drawing/2010/main" val="0"/>
+              </a:ext>
+            </a:extLst>
+          </a:blip>
+          <a:srcRect l="24793" t="12707" r="32942" b="2763"/>
+          <a:stretch/>
+        </p:blipFill>
+        <p:spPr bwMode="auto">
+          <a:xfrm>
+            <a:off x="5999484" y="539947"/>
+            <a:ext cx="156618" cy="313235"/>
+          </a:xfrm>
+          <a:prstGeom prst="rect">
+            <a:avLst/>
+          </a:prstGeom>
+          <a:noFill/>
+          <a:extLst>
+            <a:ext uri="{909E8E84-426E-40DD-AFC4-6F175D3DCCD1}">
+              <a14:hiddenFill xmlns:a14="http://schemas.microsoft.com/office/drawing/2010/main">
+                <a:solidFill>
+                  <a:srgbClr val="FFFFFF"/>
+                </a:solidFill>
+              </a14:hiddenFill>
+            </a:ext>
+          </a:extLst>
+        </p:spPr>
+      </p:pic>
+      <p:pic>
+        <p:nvPicPr>
+          <p:cNvPr id="227" name="Picture 5" descr="https://static.wikia.nocookie.net/camp_for_bragging_rights/images/0/0e/Stickman.png/revision/latest/scale-to-width-down/768?cb=20200421202819">
+            <a:extLst>
+              <a:ext uri="{FF2B5EF4-FFF2-40B4-BE49-F238E27FC236}">
+                <a16:creationId xmlns:a16="http://schemas.microsoft.com/office/drawing/2014/main" id="{57CCC3F0-9210-4B87-AE65-50E36D69A4B0}"/>
+              </a:ext>
+            </a:extLst>
+          </p:cNvPr>
+          <p:cNvPicPr>
+            <a:picLocks noChangeAspect="1" noChangeArrowheads="1"/>
+          </p:cNvPicPr>
+          <p:nvPr/>
+        </p:nvPicPr>
+        <p:blipFill rotWithShape="1">
+          <a:blip r:embed="rId3" cstate="print">
+            <a:extLst>
+              <a:ext uri="{28A0092B-C50C-407E-A947-70E740481C1C}">
+                <a14:useLocalDpi xmlns:a14="http://schemas.microsoft.com/office/drawing/2010/main" val="0"/>
+              </a:ext>
+            </a:extLst>
+          </a:blip>
+          <a:srcRect l="24793" t="12707" r="32942" b="2763"/>
+          <a:stretch/>
+        </p:blipFill>
+        <p:spPr bwMode="auto">
+          <a:xfrm>
+            <a:off x="6309559" y="1060287"/>
+            <a:ext cx="156618" cy="313235"/>
+          </a:xfrm>
+          <a:prstGeom prst="rect">
+            <a:avLst/>
+          </a:prstGeom>
+          <a:noFill/>
+          <a:extLst>
+            <a:ext uri="{909E8E84-426E-40DD-AFC4-6F175D3DCCD1}">
+              <a14:hiddenFill xmlns:a14="http://schemas.microsoft.com/office/drawing/2010/main">
+                <a:solidFill>
+                  <a:srgbClr val="FFFFFF"/>
+                </a:solidFill>
+              </a14:hiddenFill>
+            </a:ext>
+          </a:extLst>
+        </p:spPr>
+      </p:pic>
+      <p:pic>
+        <p:nvPicPr>
+          <p:cNvPr id="229" name="그림 228">
+            <a:extLst>
+              <a:ext uri="{FF2B5EF4-FFF2-40B4-BE49-F238E27FC236}">
+                <a16:creationId xmlns:a16="http://schemas.microsoft.com/office/drawing/2014/main" id="{57472415-EE81-483E-85D1-3FE032DD4732}"/>
+              </a:ext>
+            </a:extLst>
+          </p:cNvPr>
+          <p:cNvPicPr>
+            <a:picLocks noChangeAspect="1"/>
+          </p:cNvPicPr>
+          <p:nvPr/>
+        </p:nvPicPr>
+        <p:blipFill rotWithShape="1">
+          <a:blip r:embed="rId5" cstate="print">
+            <a:extLst>
+              <a:ext uri="{28A0092B-C50C-407E-A947-70E740481C1C}">
+                <a14:useLocalDpi xmlns:a14="http://schemas.microsoft.com/office/drawing/2010/main" val="0"/>
+              </a:ext>
+            </a:extLst>
+          </a:blip>
+          <a:srcRect l="24173" t="17367" r="31911" b="11801"/>
+          <a:stretch/>
+        </p:blipFill>
+        <p:spPr>
+          <a:xfrm>
+            <a:off x="5338918" y="1084742"/>
+            <a:ext cx="152883" cy="278449"/>
+          </a:xfrm>
+          <a:prstGeom prst="rect">
+            <a:avLst/>
+          </a:prstGeom>
+        </p:spPr>
+      </p:pic>
+      <p:pic>
+        <p:nvPicPr>
+          <p:cNvPr id="230" name="그림 229">
+            <a:extLst>
+              <a:ext uri="{FF2B5EF4-FFF2-40B4-BE49-F238E27FC236}">
+                <a16:creationId xmlns:a16="http://schemas.microsoft.com/office/drawing/2014/main" id="{AE77F889-E4D0-4C15-8820-1E1FF34F07EE}"/>
+              </a:ext>
+            </a:extLst>
+          </p:cNvPr>
+          <p:cNvPicPr>
+            <a:picLocks noChangeAspect="1"/>
+          </p:cNvPicPr>
+          <p:nvPr/>
+        </p:nvPicPr>
+        <p:blipFill rotWithShape="1">
+          <a:blip r:embed="rId5" cstate="print">
+            <a:extLst>
+              <a:ext uri="{28A0092B-C50C-407E-A947-70E740481C1C}">
+                <a14:useLocalDpi xmlns:a14="http://schemas.microsoft.com/office/drawing/2010/main" val="0"/>
+              </a:ext>
+            </a:extLst>
+          </a:blip>
+          <a:srcRect l="24173" t="17367" r="31911" b="11801"/>
+          <a:stretch/>
+        </p:blipFill>
+        <p:spPr>
+          <a:xfrm>
+            <a:off x="5460616" y="825223"/>
+            <a:ext cx="152883" cy="278449"/>
+          </a:xfrm>
+          <a:prstGeom prst="rect">
+            <a:avLst/>
+          </a:prstGeom>
+        </p:spPr>
+      </p:pic>
+      <p:pic>
+        <p:nvPicPr>
+          <p:cNvPr id="231" name="그림 230">
+            <a:extLst>
+              <a:ext uri="{FF2B5EF4-FFF2-40B4-BE49-F238E27FC236}">
+                <a16:creationId xmlns:a16="http://schemas.microsoft.com/office/drawing/2014/main" id="{5EB01DFA-4B19-4CA9-B4A3-8D92DF25A826}"/>
+              </a:ext>
+            </a:extLst>
+          </p:cNvPr>
+          <p:cNvPicPr>
+            <a:picLocks noChangeAspect="1"/>
+          </p:cNvPicPr>
+          <p:nvPr/>
+        </p:nvPicPr>
+        <p:blipFill rotWithShape="1">
+          <a:blip r:embed="rId5" cstate="print">
+            <a:extLst>
+              <a:ext uri="{28A0092B-C50C-407E-A947-70E740481C1C}">
+                <a14:useLocalDpi xmlns:a14="http://schemas.microsoft.com/office/drawing/2010/main" val="0"/>
+              </a:ext>
+            </a:extLst>
+          </a:blip>
+          <a:srcRect l="24173" t="17367" r="31911" b="11801"/>
+          <a:stretch/>
+        </p:blipFill>
+        <p:spPr>
+          <a:xfrm>
+            <a:off x="5661573" y="676596"/>
+            <a:ext cx="152883" cy="278449"/>
+          </a:xfrm>
+          <a:prstGeom prst="rect">
+            <a:avLst/>
+          </a:prstGeom>
+        </p:spPr>
+      </p:pic>
+      <p:pic>
+        <p:nvPicPr>
+          <p:cNvPr id="232" name="그림 231">
+            <a:extLst>
+              <a:ext uri="{FF2B5EF4-FFF2-40B4-BE49-F238E27FC236}">
+                <a16:creationId xmlns:a16="http://schemas.microsoft.com/office/drawing/2014/main" id="{3CF0E502-5FA0-44ED-8D89-E3D634815D0B}"/>
+              </a:ext>
+            </a:extLst>
+          </p:cNvPr>
+          <p:cNvPicPr>
+            <a:picLocks noChangeAspect="1"/>
+          </p:cNvPicPr>
+          <p:nvPr/>
+        </p:nvPicPr>
+        <p:blipFill rotWithShape="1">
+          <a:blip r:embed="rId5" cstate="print">
+            <a:extLst>
+              <a:ext uri="{28A0092B-C50C-407E-A947-70E740481C1C}">
+                <a14:useLocalDpi xmlns:a14="http://schemas.microsoft.com/office/drawing/2010/main" val="0"/>
+              </a:ext>
+            </a:extLst>
+          </a:blip>
+          <a:srcRect l="24173" t="17367" r="31911" b="11801"/>
+          <a:stretch/>
+        </p:blipFill>
+        <p:spPr>
+          <a:xfrm>
+            <a:off x="5673903" y="1018125"/>
+            <a:ext cx="152883" cy="278449"/>
+          </a:xfrm>
+          <a:prstGeom prst="rect">
+            <a:avLst/>
+          </a:prstGeom>
+        </p:spPr>
+      </p:pic>
+      <p:pic>
+        <p:nvPicPr>
+          <p:cNvPr id="233" name="그림 232">
+            <a:extLst>
+              <a:ext uri="{FF2B5EF4-FFF2-40B4-BE49-F238E27FC236}">
+                <a16:creationId xmlns:a16="http://schemas.microsoft.com/office/drawing/2014/main" id="{3AC43DD1-4412-44A1-B8E2-076A1EACEE5C}"/>
+              </a:ext>
+            </a:extLst>
+          </p:cNvPr>
+          <p:cNvPicPr>
+            <a:picLocks noChangeAspect="1"/>
+          </p:cNvPicPr>
+          <p:nvPr/>
+        </p:nvPicPr>
+        <p:blipFill rotWithShape="1">
+          <a:blip r:embed="rId5" cstate="print">
+            <a:extLst>
+              <a:ext uri="{28A0092B-C50C-407E-A947-70E740481C1C}">
+                <a14:useLocalDpi xmlns:a14="http://schemas.microsoft.com/office/drawing/2010/main" val="0"/>
+              </a:ext>
+            </a:extLst>
+          </a:blip>
+          <a:srcRect l="24173" t="17367" r="31911" b="11801"/>
+          <a:stretch/>
+        </p:blipFill>
+        <p:spPr>
+          <a:xfrm>
+            <a:off x="5608533" y="386145"/>
+            <a:ext cx="152883" cy="278449"/>
+          </a:xfrm>
+          <a:prstGeom prst="rect">
+            <a:avLst/>
+          </a:prstGeom>
+        </p:spPr>
+      </p:pic>
+      <p:pic>
+        <p:nvPicPr>
+          <p:cNvPr id="234" name="그림 233">
+            <a:extLst>
+              <a:ext uri="{FF2B5EF4-FFF2-40B4-BE49-F238E27FC236}">
+                <a16:creationId xmlns:a16="http://schemas.microsoft.com/office/drawing/2014/main" id="{BE20AFBE-328E-460F-AF0F-300617A7EB51}"/>
+              </a:ext>
+            </a:extLst>
+          </p:cNvPr>
+          <p:cNvPicPr>
+            <a:picLocks noChangeAspect="1"/>
+          </p:cNvPicPr>
+          <p:nvPr/>
+        </p:nvPicPr>
+        <p:blipFill rotWithShape="1">
+          <a:blip r:embed="rId5" cstate="print">
+            <a:extLst>
+              <a:ext uri="{28A0092B-C50C-407E-A947-70E740481C1C}">
+                <a14:useLocalDpi xmlns:a14="http://schemas.microsoft.com/office/drawing/2010/main" val="0"/>
+              </a:ext>
+            </a:extLst>
+          </a:blip>
+          <a:srcRect l="24173" t="17367" r="31911" b="11801"/>
+          <a:stretch/>
+        </p:blipFill>
+        <p:spPr>
+          <a:xfrm>
+            <a:off x="5942092" y="781838"/>
+            <a:ext cx="152883" cy="278449"/>
+          </a:xfrm>
+          <a:prstGeom prst="rect">
+            <a:avLst/>
+          </a:prstGeom>
+        </p:spPr>
+      </p:pic>
+      <p:pic>
+        <p:nvPicPr>
+          <p:cNvPr id="235" name="그림 234">
+            <a:extLst>
+              <a:ext uri="{FF2B5EF4-FFF2-40B4-BE49-F238E27FC236}">
+                <a16:creationId xmlns:a16="http://schemas.microsoft.com/office/drawing/2014/main" id="{F673298F-A920-448D-BB63-64502906BBDB}"/>
+              </a:ext>
+            </a:extLst>
+          </p:cNvPr>
+          <p:cNvPicPr>
+            <a:picLocks noChangeAspect="1"/>
+          </p:cNvPicPr>
+          <p:nvPr/>
+        </p:nvPicPr>
+        <p:blipFill rotWithShape="1">
+          <a:blip r:embed="rId5" cstate="print">
+            <a:extLst>
+              <a:ext uri="{28A0092B-C50C-407E-A947-70E740481C1C}">
+                <a14:useLocalDpi xmlns:a14="http://schemas.microsoft.com/office/drawing/2010/main" val="0"/>
+              </a:ext>
+            </a:extLst>
+          </a:blip>
+          <a:srcRect l="24173" t="17367" r="31911" b="11801"/>
+          <a:stretch/>
+        </p:blipFill>
+        <p:spPr>
+          <a:xfrm>
+            <a:off x="4980635" y="1072183"/>
+            <a:ext cx="152883" cy="278449"/>
+          </a:xfrm>
+          <a:prstGeom prst="rect">
+            <a:avLst/>
+          </a:prstGeom>
+        </p:spPr>
+      </p:pic>
+      <p:sp>
+        <p:nvSpPr>
+          <p:cNvPr id="236" name="TextBox 235">
+            <a:extLst>
+              <a:ext uri="{FF2B5EF4-FFF2-40B4-BE49-F238E27FC236}">
+                <a16:creationId xmlns:a16="http://schemas.microsoft.com/office/drawing/2014/main" id="{8CF2FB13-C02C-435F-AA91-5197EF57BE6F}"/>
+              </a:ext>
+            </a:extLst>
+          </p:cNvPr>
+          <p:cNvSpPr txBox="1"/>
+          <p:nvPr/>
+        </p:nvSpPr>
+        <p:spPr>
+          <a:xfrm>
+            <a:off x="4499992" y="277458"/>
+            <a:ext cx="939681" cy="369332"/>
+          </a:xfrm>
+          <a:prstGeom prst="rect">
+            <a:avLst/>
+          </a:prstGeom>
+          <a:noFill/>
+        </p:spPr>
+        <p:txBody>
+          <a:bodyPr wrap="none" rtlCol="0">
+            <a:spAutoFit/>
+          </a:bodyPr>
+          <a:lstStyle/>
+          <a:p>
+            <a:pPr algn="ctr"/>
+            <a:r>
+              <a:rPr lang="ko-KR" altLang="en-US" dirty="0">
+                <a:latin typeface="배달의민족 주아" panose="02020603020101020101" pitchFamily="18" charset="-127"/>
+                <a:ea typeface="배달의민족 주아" panose="02020603020101020101" pitchFamily="18" charset="-127"/>
+              </a:rPr>
+              <a:t>모집단 </a:t>
+            </a:r>
+            <a:r>
+              <a:rPr lang="en-US" altLang="ko-KR" dirty="0">
+                <a:latin typeface="배달의민족 주아" panose="02020603020101020101" pitchFamily="18" charset="-127"/>
+                <a:ea typeface="배달의민족 주아" panose="02020603020101020101" pitchFamily="18" charset="-127"/>
+              </a:rPr>
+              <a:t>2</a:t>
+            </a:r>
+            <a:endParaRPr lang="ko-KR" altLang="en-US" dirty="0">
+              <a:latin typeface="배달의민족 주아" panose="02020603020101020101" pitchFamily="18" charset="-127"/>
+              <a:ea typeface="배달의민족 주아" panose="02020603020101020101" pitchFamily="18" charset="-127"/>
+            </a:endParaRPr>
+          </a:p>
+        </p:txBody>
+      </p:sp>
+      <p:pic>
+        <p:nvPicPr>
+          <p:cNvPr id="237" name="Picture 2">
+            <a:extLst>
+              <a:ext uri="{FF2B5EF4-FFF2-40B4-BE49-F238E27FC236}">
+                <a16:creationId xmlns:a16="http://schemas.microsoft.com/office/drawing/2014/main" id="{86270754-CD45-4DA0-A929-4310B0570602}"/>
+              </a:ext>
+            </a:extLst>
+          </p:cNvPr>
+          <p:cNvPicPr>
+            <a:picLocks noChangeAspect="1" noChangeArrowheads="1"/>
+          </p:cNvPicPr>
+          <p:nvPr/>
+        </p:nvPicPr>
+        <p:blipFill rotWithShape="1">
+          <a:blip r:embed="rId2">
+            <a:extLst>
+              <a:ext uri="{28A0092B-C50C-407E-A947-70E740481C1C}">
+                <a14:useLocalDpi xmlns:a14="http://schemas.microsoft.com/office/drawing/2010/main" val="0"/>
+              </a:ext>
+            </a:extLst>
+          </a:blip>
+          <a:srcRect l="16177" r="10079"/>
+          <a:stretch/>
+        </p:blipFill>
+        <p:spPr bwMode="auto">
+          <a:xfrm>
+            <a:off x="2200224" y="1707654"/>
+            <a:ext cx="1730428" cy="1266993"/>
+          </a:xfrm>
+          <a:prstGeom prst="rect">
+            <a:avLst/>
+          </a:prstGeom>
+          <a:noFill/>
+          <a:ln>
+            <a:noFill/>
+          </a:ln>
+          <a:effectLst/>
+          <a:extLst>
+            <a:ext uri="{909E8E84-426E-40DD-AFC4-6F175D3DCCD1}">
+              <a14:hiddenFill xmlns:a14="http://schemas.microsoft.com/office/drawing/2010/main">
+                <a:solidFill>
+                  <a:schemeClr val="accent1"/>
+                </a:solidFill>
+              </a14:hiddenFill>
+            </a:ext>
+            <a:ext uri="{91240B29-F687-4F45-9708-019B960494DF}">
+              <a14:hiddenLine xmlns:a14="http://schemas.microsoft.com/office/drawing/2010/main" w="9525">
+                <a:solidFill>
+                  <a:schemeClr val="tx1"/>
+                </a:solidFill>
+                <a:miter lim="800000"/>
+                <a:headEnd/>
+                <a:tailEnd/>
+              </a14:hiddenLine>
+            </a:ext>
+            <a:ext uri="{AF507438-7753-43E0-B8FC-AC1667EBCBE1}">
+              <a14:hiddenEffects xmlns:a14="http://schemas.microsoft.com/office/drawing/2010/main">
+                <a:effectLst>
+                  <a:outerShdw dist="35921" dir="2700000" algn="ctr" rotWithShape="0">
+                    <a:schemeClr val="bg2"/>
+                  </a:outerShdw>
+                </a:effectLst>
+              </a14:hiddenEffects>
+            </a:ext>
+          </a:extLst>
+        </p:spPr>
+      </p:pic>
+      <p:sp>
+        <p:nvSpPr>
+          <p:cNvPr id="238" name="TextBox 237">
+            <a:extLst>
+              <a:ext uri="{FF2B5EF4-FFF2-40B4-BE49-F238E27FC236}">
+                <a16:creationId xmlns:a16="http://schemas.microsoft.com/office/drawing/2014/main" id="{137C1972-AE76-49E1-9CB5-CD6CBEB6DE9E}"/>
+              </a:ext>
+            </a:extLst>
+          </p:cNvPr>
+          <p:cNvSpPr txBox="1"/>
+          <p:nvPr/>
+        </p:nvSpPr>
+        <p:spPr>
+          <a:xfrm>
+            <a:off x="2609206" y="2685186"/>
+            <a:ext cx="417102" cy="261610"/>
+          </a:xfrm>
+          <a:prstGeom prst="rect">
+            <a:avLst/>
+          </a:prstGeom>
+          <a:noFill/>
+        </p:spPr>
+        <p:txBody>
+          <a:bodyPr wrap="none" rtlCol="0">
+            <a:spAutoFit/>
+          </a:bodyPr>
+          <a:lstStyle/>
+          <a:p>
+            <a:r>
+              <a:rPr lang="ko-KR" altLang="en-US" sz="1100" dirty="0">
+                <a:latin typeface="배달의민족 주아" panose="02020603020101020101" pitchFamily="18" charset="-127"/>
+                <a:ea typeface="배달의민족 주아" panose="02020603020101020101" pitchFamily="18" charset="-127"/>
+              </a:rPr>
+              <a:t>평균</a:t>
+            </a:r>
+          </a:p>
+        </p:txBody>
+      </p:sp>
+      <p:sp>
+        <p:nvSpPr>
+          <p:cNvPr id="239" name="TextBox 238">
+            <a:extLst>
+              <a:ext uri="{FF2B5EF4-FFF2-40B4-BE49-F238E27FC236}">
+                <a16:creationId xmlns:a16="http://schemas.microsoft.com/office/drawing/2014/main" id="{12403105-F03F-46A5-902C-7944FBF00DFB}"/>
+              </a:ext>
+            </a:extLst>
+          </p:cNvPr>
+          <p:cNvSpPr txBox="1"/>
+          <p:nvPr/>
+        </p:nvSpPr>
+        <p:spPr>
+          <a:xfrm>
+            <a:off x="3006184" y="2450423"/>
+            <a:ext cx="522900" cy="338554"/>
+          </a:xfrm>
+          <a:prstGeom prst="rect">
+            <a:avLst/>
+          </a:prstGeom>
+          <a:noFill/>
+        </p:spPr>
+        <p:txBody>
+          <a:bodyPr wrap="none" rtlCol="0">
+            <a:spAutoFit/>
+          </a:bodyPr>
+          <a:lstStyle/>
+          <a:p>
+            <a:r>
+              <a:rPr lang="ko-KR" altLang="en-US" sz="1600" dirty="0">
+                <a:solidFill>
+                  <a:srgbClr val="FF0000"/>
+                </a:solidFill>
+                <a:latin typeface="배달의민족 주아" panose="02020603020101020101" pitchFamily="18" charset="-127"/>
+                <a:ea typeface="배달의민족 주아" panose="02020603020101020101" pitchFamily="18" charset="-127"/>
+              </a:rPr>
+              <a:t>평균</a:t>
+            </a:r>
+          </a:p>
+        </p:txBody>
+      </p:sp>
+      <p:sp>
+        <p:nvSpPr>
+          <p:cNvPr id="240" name="TextBox 239">
+            <a:extLst>
+              <a:ext uri="{FF2B5EF4-FFF2-40B4-BE49-F238E27FC236}">
+                <a16:creationId xmlns:a16="http://schemas.microsoft.com/office/drawing/2014/main" id="{508F6216-4E42-4B66-9C5C-74251F6DE2B7}"/>
+              </a:ext>
+            </a:extLst>
+          </p:cNvPr>
+          <p:cNvSpPr txBox="1"/>
+          <p:nvPr/>
+        </p:nvSpPr>
+        <p:spPr>
+          <a:xfrm>
+            <a:off x="2749646" y="2526530"/>
+            <a:ext cx="417102" cy="261610"/>
+          </a:xfrm>
+          <a:prstGeom prst="rect">
+            <a:avLst/>
+          </a:prstGeom>
+          <a:noFill/>
+        </p:spPr>
+        <p:txBody>
+          <a:bodyPr wrap="none" rtlCol="0">
+            <a:spAutoFit/>
+          </a:bodyPr>
+          <a:lstStyle/>
+          <a:p>
+            <a:r>
+              <a:rPr lang="ko-KR" altLang="en-US" sz="1100" dirty="0">
+                <a:latin typeface="배달의민족 주아" panose="02020603020101020101" pitchFamily="18" charset="-127"/>
+                <a:ea typeface="배달의민족 주아" panose="02020603020101020101" pitchFamily="18" charset="-127"/>
+              </a:rPr>
+              <a:t>평균</a:t>
+            </a:r>
+          </a:p>
+        </p:txBody>
+      </p:sp>
+      <p:sp>
+        <p:nvSpPr>
+          <p:cNvPr id="241" name="TextBox 240">
+            <a:extLst>
+              <a:ext uri="{FF2B5EF4-FFF2-40B4-BE49-F238E27FC236}">
+                <a16:creationId xmlns:a16="http://schemas.microsoft.com/office/drawing/2014/main" id="{7F89F20E-616C-4A88-9B7F-FFD75935193F}"/>
+              </a:ext>
+            </a:extLst>
+          </p:cNvPr>
+          <p:cNvSpPr txBox="1"/>
+          <p:nvPr/>
+        </p:nvSpPr>
+        <p:spPr>
+          <a:xfrm>
+            <a:off x="2965227" y="2713456"/>
+            <a:ext cx="417102" cy="261610"/>
+          </a:xfrm>
+          <a:prstGeom prst="rect">
+            <a:avLst/>
+          </a:prstGeom>
+          <a:noFill/>
+        </p:spPr>
+        <p:txBody>
+          <a:bodyPr wrap="none" rtlCol="0">
+            <a:spAutoFit/>
+          </a:bodyPr>
+          <a:lstStyle/>
+          <a:p>
+            <a:r>
+              <a:rPr lang="ko-KR" altLang="en-US" sz="1100" dirty="0">
+                <a:latin typeface="배달의민족 주아" panose="02020603020101020101" pitchFamily="18" charset="-127"/>
+                <a:ea typeface="배달의민족 주아" panose="02020603020101020101" pitchFamily="18" charset="-127"/>
+              </a:rPr>
+              <a:t>평균</a:t>
+            </a:r>
+          </a:p>
+        </p:txBody>
+      </p:sp>
+      <p:sp>
+        <p:nvSpPr>
+          <p:cNvPr id="242" name="TextBox 241">
+            <a:extLst>
+              <a:ext uri="{FF2B5EF4-FFF2-40B4-BE49-F238E27FC236}">
+                <a16:creationId xmlns:a16="http://schemas.microsoft.com/office/drawing/2014/main" id="{26723F57-80CB-4DC3-91FD-967F709C6929}"/>
+              </a:ext>
+            </a:extLst>
+          </p:cNvPr>
+          <p:cNvSpPr txBox="1"/>
+          <p:nvPr/>
+        </p:nvSpPr>
+        <p:spPr>
+          <a:xfrm>
+            <a:off x="2568604" y="2399128"/>
+            <a:ext cx="417102" cy="261610"/>
+          </a:xfrm>
+          <a:prstGeom prst="rect">
+            <a:avLst/>
+          </a:prstGeom>
+          <a:noFill/>
+        </p:spPr>
+        <p:txBody>
+          <a:bodyPr wrap="none" rtlCol="0">
+            <a:spAutoFit/>
+          </a:bodyPr>
+          <a:lstStyle/>
+          <a:p>
+            <a:r>
+              <a:rPr lang="ko-KR" altLang="en-US" sz="1100" dirty="0">
+                <a:latin typeface="배달의민족 주아" panose="02020603020101020101" pitchFamily="18" charset="-127"/>
+                <a:ea typeface="배달의민족 주아" panose="02020603020101020101" pitchFamily="18" charset="-127"/>
+              </a:rPr>
+              <a:t>평균</a:t>
+            </a:r>
+          </a:p>
+        </p:txBody>
+      </p:sp>
+      <p:sp>
+        <p:nvSpPr>
+          <p:cNvPr id="243" name="TextBox 242">
+            <a:extLst>
+              <a:ext uri="{FF2B5EF4-FFF2-40B4-BE49-F238E27FC236}">
+                <a16:creationId xmlns:a16="http://schemas.microsoft.com/office/drawing/2014/main" id="{B55D2498-FFC6-424D-8693-41A7EABDFDDB}"/>
+              </a:ext>
+            </a:extLst>
+          </p:cNvPr>
+          <p:cNvSpPr txBox="1"/>
+          <p:nvPr/>
+        </p:nvSpPr>
+        <p:spPr>
+          <a:xfrm>
+            <a:off x="2825142" y="2267904"/>
+            <a:ext cx="417102" cy="261610"/>
+          </a:xfrm>
+          <a:prstGeom prst="rect">
+            <a:avLst/>
+          </a:prstGeom>
+          <a:noFill/>
+        </p:spPr>
+        <p:txBody>
+          <a:bodyPr wrap="none" rtlCol="0">
+            <a:spAutoFit/>
+          </a:bodyPr>
+          <a:lstStyle/>
+          <a:p>
+            <a:r>
+              <a:rPr lang="ko-KR" altLang="en-US" sz="1100" dirty="0">
+                <a:latin typeface="배달의민족 주아" panose="02020603020101020101" pitchFamily="18" charset="-127"/>
+                <a:ea typeface="배달의민족 주아" panose="02020603020101020101" pitchFamily="18" charset="-127"/>
+              </a:rPr>
+              <a:t>평균</a:t>
+            </a:r>
+          </a:p>
+        </p:txBody>
+      </p:sp>
+      <p:sp>
+        <p:nvSpPr>
+          <p:cNvPr id="244" name="TextBox 243">
+            <a:extLst>
+              <a:ext uri="{FF2B5EF4-FFF2-40B4-BE49-F238E27FC236}">
+                <a16:creationId xmlns:a16="http://schemas.microsoft.com/office/drawing/2014/main" id="{4DEF4C67-2551-4FD5-995D-9C7D14351512}"/>
+              </a:ext>
+            </a:extLst>
+          </p:cNvPr>
+          <p:cNvSpPr txBox="1"/>
+          <p:nvPr/>
+        </p:nvSpPr>
+        <p:spPr>
+          <a:xfrm>
+            <a:off x="2896066" y="2079540"/>
+            <a:ext cx="417102" cy="261610"/>
+          </a:xfrm>
+          <a:prstGeom prst="rect">
+            <a:avLst/>
+          </a:prstGeom>
+          <a:noFill/>
+        </p:spPr>
+        <p:txBody>
+          <a:bodyPr wrap="none" rtlCol="0">
+            <a:spAutoFit/>
+          </a:bodyPr>
+          <a:lstStyle/>
+          <a:p>
+            <a:r>
+              <a:rPr lang="ko-KR" altLang="en-US" sz="1100" dirty="0">
+                <a:latin typeface="배달의민족 주아" panose="02020603020101020101" pitchFamily="18" charset="-127"/>
+                <a:ea typeface="배달의민족 주아" panose="02020603020101020101" pitchFamily="18" charset="-127"/>
+              </a:rPr>
+              <a:t>평균</a:t>
+            </a:r>
+          </a:p>
+        </p:txBody>
+      </p:sp>
+      <p:sp>
+        <p:nvSpPr>
+          <p:cNvPr id="245" name="TextBox 244">
+            <a:extLst>
+              <a:ext uri="{FF2B5EF4-FFF2-40B4-BE49-F238E27FC236}">
+                <a16:creationId xmlns:a16="http://schemas.microsoft.com/office/drawing/2014/main" id="{951DDEC2-F42F-4377-B5C4-258519EEE830}"/>
+              </a:ext>
+            </a:extLst>
+          </p:cNvPr>
+          <p:cNvSpPr txBox="1"/>
+          <p:nvPr/>
+        </p:nvSpPr>
+        <p:spPr>
+          <a:xfrm>
+            <a:off x="3077441" y="2261020"/>
+            <a:ext cx="417102" cy="261610"/>
+          </a:xfrm>
+          <a:prstGeom prst="rect">
+            <a:avLst/>
+          </a:prstGeom>
+          <a:noFill/>
+        </p:spPr>
+        <p:txBody>
+          <a:bodyPr wrap="none" rtlCol="0">
+            <a:spAutoFit/>
+          </a:bodyPr>
+          <a:lstStyle/>
+          <a:p>
+            <a:r>
+              <a:rPr lang="ko-KR" altLang="en-US" sz="1100" dirty="0">
+                <a:latin typeface="배달의민족 주아" panose="02020603020101020101" pitchFamily="18" charset="-127"/>
+                <a:ea typeface="배달의민족 주아" panose="02020603020101020101" pitchFamily="18" charset="-127"/>
+              </a:rPr>
+              <a:t>평균</a:t>
+            </a:r>
+          </a:p>
+        </p:txBody>
+      </p:sp>
+      <p:sp>
+        <p:nvSpPr>
+          <p:cNvPr id="246" name="TextBox 245">
+            <a:extLst>
+              <a:ext uri="{FF2B5EF4-FFF2-40B4-BE49-F238E27FC236}">
+                <a16:creationId xmlns:a16="http://schemas.microsoft.com/office/drawing/2014/main" id="{E3C6AA7C-A51C-409F-8443-DEE8DB09ED96}"/>
+              </a:ext>
+            </a:extLst>
+          </p:cNvPr>
+          <p:cNvSpPr txBox="1"/>
+          <p:nvPr/>
+        </p:nvSpPr>
+        <p:spPr>
+          <a:xfrm>
+            <a:off x="3299068" y="2685186"/>
+            <a:ext cx="417102" cy="261610"/>
+          </a:xfrm>
+          <a:prstGeom prst="rect">
+            <a:avLst/>
+          </a:prstGeom>
+          <a:noFill/>
+        </p:spPr>
+        <p:txBody>
+          <a:bodyPr wrap="none" rtlCol="0">
+            <a:spAutoFit/>
+          </a:bodyPr>
+          <a:lstStyle/>
+          <a:p>
+            <a:r>
+              <a:rPr lang="ko-KR" altLang="en-US" sz="1100" dirty="0">
+                <a:latin typeface="배달의민족 주아" panose="02020603020101020101" pitchFamily="18" charset="-127"/>
+                <a:ea typeface="배달의민족 주아" panose="02020603020101020101" pitchFamily="18" charset="-127"/>
+              </a:rPr>
+              <a:t>평균</a:t>
+            </a:r>
+          </a:p>
+        </p:txBody>
+      </p:sp>
+      <p:sp>
+        <p:nvSpPr>
+          <p:cNvPr id="247" name="TextBox 246">
+            <a:extLst>
+              <a:ext uri="{FF2B5EF4-FFF2-40B4-BE49-F238E27FC236}">
+                <a16:creationId xmlns:a16="http://schemas.microsoft.com/office/drawing/2014/main" id="{6F7C78F4-57DE-4922-BCA2-F73FBC9037A1}"/>
+              </a:ext>
+            </a:extLst>
+          </p:cNvPr>
+          <p:cNvSpPr txBox="1"/>
+          <p:nvPr/>
+        </p:nvSpPr>
+        <p:spPr>
+          <a:xfrm>
+            <a:off x="2319096" y="2657335"/>
+            <a:ext cx="417102" cy="261610"/>
+          </a:xfrm>
+          <a:prstGeom prst="rect">
+            <a:avLst/>
+          </a:prstGeom>
+          <a:noFill/>
+        </p:spPr>
+        <p:txBody>
+          <a:bodyPr wrap="none" rtlCol="0">
+            <a:spAutoFit/>
+          </a:bodyPr>
+          <a:lstStyle/>
+          <a:p>
+            <a:r>
+              <a:rPr lang="ko-KR" altLang="en-US" sz="1100" dirty="0">
+                <a:latin typeface="배달의민족 주아" panose="02020603020101020101" pitchFamily="18" charset="-127"/>
+                <a:ea typeface="배달의민족 주아" panose="02020603020101020101" pitchFamily="18" charset="-127"/>
+              </a:rPr>
+              <a:t>평균</a:t>
+            </a:r>
+          </a:p>
+        </p:txBody>
+      </p:sp>
+      <p:sp>
+        <p:nvSpPr>
+          <p:cNvPr id="248" name="TextBox 247">
+            <a:extLst>
+              <a:ext uri="{FF2B5EF4-FFF2-40B4-BE49-F238E27FC236}">
+                <a16:creationId xmlns:a16="http://schemas.microsoft.com/office/drawing/2014/main" id="{1C589EC7-708F-4E84-9D35-075FCD05D8D7}"/>
+              </a:ext>
+            </a:extLst>
+          </p:cNvPr>
+          <p:cNvSpPr txBox="1"/>
+          <p:nvPr/>
+        </p:nvSpPr>
+        <p:spPr>
+          <a:xfrm>
+            <a:off x="2775162" y="1951429"/>
+            <a:ext cx="417102" cy="261610"/>
+          </a:xfrm>
+          <a:prstGeom prst="rect">
+            <a:avLst/>
+          </a:prstGeom>
+          <a:noFill/>
+        </p:spPr>
+        <p:txBody>
+          <a:bodyPr wrap="none" rtlCol="0">
+            <a:spAutoFit/>
+          </a:bodyPr>
+          <a:lstStyle/>
+          <a:p>
+            <a:r>
+              <a:rPr lang="ko-KR" altLang="en-US" sz="1100" dirty="0">
+                <a:latin typeface="배달의민족 주아" panose="02020603020101020101" pitchFamily="18" charset="-127"/>
+                <a:ea typeface="배달의민족 주아" panose="02020603020101020101" pitchFamily="18" charset="-127"/>
+              </a:rPr>
+              <a:t>평균</a:t>
+            </a:r>
+          </a:p>
+        </p:txBody>
+      </p:sp>
+      <p:pic>
+        <p:nvPicPr>
+          <p:cNvPr id="249" name="Picture 2">
+            <a:extLst>
+              <a:ext uri="{FF2B5EF4-FFF2-40B4-BE49-F238E27FC236}">
+                <a16:creationId xmlns:a16="http://schemas.microsoft.com/office/drawing/2014/main" id="{812A903D-B283-4E18-85F9-1CD97AC81355}"/>
+              </a:ext>
+            </a:extLst>
+          </p:cNvPr>
+          <p:cNvPicPr>
+            <a:picLocks noChangeAspect="1" noChangeArrowheads="1"/>
+          </p:cNvPicPr>
+          <p:nvPr/>
+        </p:nvPicPr>
+        <p:blipFill rotWithShape="1">
+          <a:blip r:embed="rId2">
+            <a:extLst>
+              <a:ext uri="{28A0092B-C50C-407E-A947-70E740481C1C}">
+                <a14:useLocalDpi xmlns:a14="http://schemas.microsoft.com/office/drawing/2010/main" val="0"/>
+              </a:ext>
+            </a:extLst>
+          </a:blip>
+          <a:srcRect l="16177" r="10079"/>
+          <a:stretch/>
+        </p:blipFill>
+        <p:spPr bwMode="auto">
+          <a:xfrm>
+            <a:off x="4956718" y="1707654"/>
+            <a:ext cx="1730428" cy="1266993"/>
+          </a:xfrm>
+          <a:prstGeom prst="rect">
+            <a:avLst/>
+          </a:prstGeom>
+          <a:noFill/>
+          <a:ln>
+            <a:noFill/>
+          </a:ln>
+          <a:effectLst/>
+          <a:extLst>
+            <a:ext uri="{909E8E84-426E-40DD-AFC4-6F175D3DCCD1}">
+              <a14:hiddenFill xmlns:a14="http://schemas.microsoft.com/office/drawing/2010/main">
+                <a:solidFill>
+                  <a:schemeClr val="accent1"/>
+                </a:solidFill>
+              </a14:hiddenFill>
+            </a:ext>
+            <a:ext uri="{91240B29-F687-4F45-9708-019B960494DF}">
+              <a14:hiddenLine xmlns:a14="http://schemas.microsoft.com/office/drawing/2010/main" w="9525">
+                <a:solidFill>
+                  <a:schemeClr val="tx1"/>
+                </a:solidFill>
+                <a:miter lim="800000"/>
+                <a:headEnd/>
+                <a:tailEnd/>
+              </a14:hiddenLine>
+            </a:ext>
+            <a:ext uri="{AF507438-7753-43E0-B8FC-AC1667EBCBE1}">
+              <a14:hiddenEffects xmlns:a14="http://schemas.microsoft.com/office/drawing/2010/main">
+                <a:effectLst>
+                  <a:outerShdw dist="35921" dir="2700000" algn="ctr" rotWithShape="0">
+                    <a:schemeClr val="bg2"/>
+                  </a:outerShdw>
+                </a:effectLst>
+              </a14:hiddenEffects>
+            </a:ext>
+          </a:extLst>
+        </p:spPr>
+      </p:pic>
+      <p:sp>
+        <p:nvSpPr>
+          <p:cNvPr id="250" name="TextBox 249">
+            <a:extLst>
+              <a:ext uri="{FF2B5EF4-FFF2-40B4-BE49-F238E27FC236}">
+                <a16:creationId xmlns:a16="http://schemas.microsoft.com/office/drawing/2014/main" id="{C0E944C1-B966-4CBE-944C-0AB1860B2F52}"/>
+              </a:ext>
+            </a:extLst>
+          </p:cNvPr>
+          <p:cNvSpPr txBox="1"/>
+          <p:nvPr/>
+        </p:nvSpPr>
+        <p:spPr>
+          <a:xfrm>
+            <a:off x="5365700" y="2685186"/>
+            <a:ext cx="417102" cy="261610"/>
+          </a:xfrm>
+          <a:prstGeom prst="rect">
+            <a:avLst/>
+          </a:prstGeom>
+          <a:noFill/>
+        </p:spPr>
+        <p:txBody>
+          <a:bodyPr wrap="none" rtlCol="0">
+            <a:spAutoFit/>
+          </a:bodyPr>
+          <a:lstStyle/>
+          <a:p>
+            <a:r>
+              <a:rPr lang="ko-KR" altLang="en-US" sz="1100" dirty="0">
+                <a:latin typeface="배달의민족 주아" panose="02020603020101020101" pitchFamily="18" charset="-127"/>
+                <a:ea typeface="배달의민족 주아" panose="02020603020101020101" pitchFamily="18" charset="-127"/>
+              </a:rPr>
+              <a:t>평균</a:t>
+            </a:r>
+          </a:p>
+        </p:txBody>
+      </p:sp>
+      <p:sp>
+        <p:nvSpPr>
+          <p:cNvPr id="252" name="TextBox 251">
+            <a:extLst>
+              <a:ext uri="{FF2B5EF4-FFF2-40B4-BE49-F238E27FC236}">
+                <a16:creationId xmlns:a16="http://schemas.microsoft.com/office/drawing/2014/main" id="{34293B3C-1D0E-43DE-B9A3-DB1BFF7F9E88}"/>
+              </a:ext>
+            </a:extLst>
+          </p:cNvPr>
+          <p:cNvSpPr txBox="1"/>
+          <p:nvPr/>
+        </p:nvSpPr>
+        <p:spPr>
+          <a:xfrm>
+            <a:off x="5576842" y="2557172"/>
+            <a:ext cx="417102" cy="261610"/>
+          </a:xfrm>
+          <a:prstGeom prst="rect">
+            <a:avLst/>
+          </a:prstGeom>
+          <a:noFill/>
+        </p:spPr>
+        <p:txBody>
+          <a:bodyPr wrap="none" rtlCol="0">
+            <a:spAutoFit/>
+          </a:bodyPr>
+          <a:lstStyle/>
+          <a:p>
+            <a:r>
+              <a:rPr lang="ko-KR" altLang="en-US" sz="1100" dirty="0">
+                <a:latin typeface="배달의민족 주아" panose="02020603020101020101" pitchFamily="18" charset="-127"/>
+                <a:ea typeface="배달의민족 주아" panose="02020603020101020101" pitchFamily="18" charset="-127"/>
+              </a:rPr>
+              <a:t>평균</a:t>
+            </a:r>
+          </a:p>
+        </p:txBody>
+      </p:sp>
+      <p:sp>
+        <p:nvSpPr>
+          <p:cNvPr id="253" name="TextBox 252">
+            <a:extLst>
+              <a:ext uri="{FF2B5EF4-FFF2-40B4-BE49-F238E27FC236}">
+                <a16:creationId xmlns:a16="http://schemas.microsoft.com/office/drawing/2014/main" id="{2F52A88C-F86C-43CC-84ED-28771E182B95}"/>
+              </a:ext>
+            </a:extLst>
+          </p:cNvPr>
+          <p:cNvSpPr txBox="1"/>
+          <p:nvPr/>
+        </p:nvSpPr>
+        <p:spPr>
+          <a:xfrm>
+            <a:off x="5721721" y="2713456"/>
+            <a:ext cx="417102" cy="261610"/>
+          </a:xfrm>
+          <a:prstGeom prst="rect">
+            <a:avLst/>
+          </a:prstGeom>
+          <a:noFill/>
+        </p:spPr>
+        <p:txBody>
+          <a:bodyPr wrap="none" rtlCol="0">
+            <a:spAutoFit/>
+          </a:bodyPr>
+          <a:lstStyle/>
+          <a:p>
+            <a:r>
+              <a:rPr lang="ko-KR" altLang="en-US" sz="1100" dirty="0">
+                <a:latin typeface="배달의민족 주아" panose="02020603020101020101" pitchFamily="18" charset="-127"/>
+                <a:ea typeface="배달의민족 주아" panose="02020603020101020101" pitchFamily="18" charset="-127"/>
+              </a:rPr>
+              <a:t>평균</a:t>
+            </a:r>
+          </a:p>
+        </p:txBody>
+      </p:sp>
+      <p:sp>
+        <p:nvSpPr>
+          <p:cNvPr id="254" name="TextBox 253">
+            <a:extLst>
+              <a:ext uri="{FF2B5EF4-FFF2-40B4-BE49-F238E27FC236}">
+                <a16:creationId xmlns:a16="http://schemas.microsoft.com/office/drawing/2014/main" id="{AA840072-02EA-4213-91FD-E10F7E49411E}"/>
+              </a:ext>
+            </a:extLst>
+          </p:cNvPr>
+          <p:cNvSpPr txBox="1"/>
+          <p:nvPr/>
+        </p:nvSpPr>
+        <p:spPr>
+          <a:xfrm>
+            <a:off x="5831499" y="2478347"/>
+            <a:ext cx="417102" cy="261610"/>
+          </a:xfrm>
+          <a:prstGeom prst="rect">
+            <a:avLst/>
+          </a:prstGeom>
+          <a:noFill/>
+        </p:spPr>
+        <p:txBody>
+          <a:bodyPr wrap="none" rtlCol="0">
+            <a:spAutoFit/>
+          </a:bodyPr>
+          <a:lstStyle/>
+          <a:p>
+            <a:r>
+              <a:rPr lang="ko-KR" altLang="en-US" sz="1100" dirty="0">
+                <a:latin typeface="배달의민족 주아" panose="02020603020101020101" pitchFamily="18" charset="-127"/>
+                <a:ea typeface="배달의민족 주아" panose="02020603020101020101" pitchFamily="18" charset="-127"/>
+              </a:rPr>
+              <a:t>평균</a:t>
+            </a:r>
+          </a:p>
+        </p:txBody>
+      </p:sp>
+      <p:sp>
+        <p:nvSpPr>
+          <p:cNvPr id="255" name="TextBox 254">
+            <a:extLst>
+              <a:ext uri="{FF2B5EF4-FFF2-40B4-BE49-F238E27FC236}">
+                <a16:creationId xmlns:a16="http://schemas.microsoft.com/office/drawing/2014/main" id="{CBDFCE15-E045-4BBF-9043-8C68B43E17DA}"/>
+              </a:ext>
+            </a:extLst>
+          </p:cNvPr>
+          <p:cNvSpPr txBox="1"/>
+          <p:nvPr/>
+        </p:nvSpPr>
+        <p:spPr>
+          <a:xfrm>
+            <a:off x="5581636" y="2267904"/>
+            <a:ext cx="417102" cy="261610"/>
+          </a:xfrm>
+          <a:prstGeom prst="rect">
+            <a:avLst/>
+          </a:prstGeom>
+          <a:noFill/>
+        </p:spPr>
+        <p:txBody>
+          <a:bodyPr wrap="none" rtlCol="0">
+            <a:spAutoFit/>
+          </a:bodyPr>
+          <a:lstStyle/>
+          <a:p>
+            <a:r>
+              <a:rPr lang="ko-KR" altLang="en-US" sz="1100" dirty="0">
+                <a:latin typeface="배달의민족 주아" panose="02020603020101020101" pitchFamily="18" charset="-127"/>
+                <a:ea typeface="배달의민족 주아" panose="02020603020101020101" pitchFamily="18" charset="-127"/>
+              </a:rPr>
+              <a:t>평균</a:t>
+            </a:r>
+          </a:p>
+        </p:txBody>
+      </p:sp>
+      <p:sp>
+        <p:nvSpPr>
+          <p:cNvPr id="256" name="TextBox 255">
+            <a:extLst>
+              <a:ext uri="{FF2B5EF4-FFF2-40B4-BE49-F238E27FC236}">
+                <a16:creationId xmlns:a16="http://schemas.microsoft.com/office/drawing/2014/main" id="{014F44A1-3196-4FDB-ADA4-2536BC18E811}"/>
+              </a:ext>
+            </a:extLst>
+          </p:cNvPr>
+          <p:cNvSpPr txBox="1"/>
+          <p:nvPr/>
+        </p:nvSpPr>
+        <p:spPr>
+          <a:xfrm>
+            <a:off x="5652560" y="2079540"/>
+            <a:ext cx="417102" cy="261610"/>
+          </a:xfrm>
+          <a:prstGeom prst="rect">
+            <a:avLst/>
+          </a:prstGeom>
+          <a:noFill/>
+        </p:spPr>
+        <p:txBody>
+          <a:bodyPr wrap="none" rtlCol="0">
+            <a:spAutoFit/>
+          </a:bodyPr>
+          <a:lstStyle/>
+          <a:p>
+            <a:r>
+              <a:rPr lang="ko-KR" altLang="en-US" sz="1100" dirty="0">
+                <a:latin typeface="배달의민족 주아" panose="02020603020101020101" pitchFamily="18" charset="-127"/>
+                <a:ea typeface="배달의민족 주아" panose="02020603020101020101" pitchFamily="18" charset="-127"/>
+              </a:rPr>
+              <a:t>평균</a:t>
+            </a:r>
+          </a:p>
+        </p:txBody>
+      </p:sp>
+      <p:sp>
+        <p:nvSpPr>
+          <p:cNvPr id="257" name="TextBox 256">
+            <a:extLst>
+              <a:ext uri="{FF2B5EF4-FFF2-40B4-BE49-F238E27FC236}">
+                <a16:creationId xmlns:a16="http://schemas.microsoft.com/office/drawing/2014/main" id="{9AA13090-0A98-4F97-84EB-6C32C0DEB4C7}"/>
+              </a:ext>
+            </a:extLst>
+          </p:cNvPr>
+          <p:cNvSpPr txBox="1"/>
+          <p:nvPr/>
+        </p:nvSpPr>
+        <p:spPr>
+          <a:xfrm>
+            <a:off x="5833935" y="2261020"/>
+            <a:ext cx="417102" cy="261610"/>
+          </a:xfrm>
+          <a:prstGeom prst="rect">
+            <a:avLst/>
+          </a:prstGeom>
+          <a:noFill/>
+        </p:spPr>
+        <p:txBody>
+          <a:bodyPr wrap="none" rtlCol="0">
+            <a:spAutoFit/>
+          </a:bodyPr>
+          <a:lstStyle/>
+          <a:p>
+            <a:r>
+              <a:rPr lang="ko-KR" altLang="en-US" sz="1100" dirty="0">
+                <a:latin typeface="배달의민족 주아" panose="02020603020101020101" pitchFamily="18" charset="-127"/>
+                <a:ea typeface="배달의민족 주아" panose="02020603020101020101" pitchFamily="18" charset="-127"/>
+              </a:rPr>
+              <a:t>평균</a:t>
+            </a:r>
+          </a:p>
+        </p:txBody>
+      </p:sp>
+      <p:sp>
+        <p:nvSpPr>
+          <p:cNvPr id="258" name="TextBox 257">
+            <a:extLst>
+              <a:ext uri="{FF2B5EF4-FFF2-40B4-BE49-F238E27FC236}">
+                <a16:creationId xmlns:a16="http://schemas.microsoft.com/office/drawing/2014/main" id="{FFFEE946-1395-48D7-814B-5D770A359A43}"/>
+              </a:ext>
+            </a:extLst>
+          </p:cNvPr>
+          <p:cNvSpPr txBox="1"/>
+          <p:nvPr/>
+        </p:nvSpPr>
+        <p:spPr>
+          <a:xfrm>
+            <a:off x="6055562" y="2685186"/>
+            <a:ext cx="417102" cy="261610"/>
+          </a:xfrm>
+          <a:prstGeom prst="rect">
+            <a:avLst/>
+          </a:prstGeom>
+          <a:noFill/>
+        </p:spPr>
+        <p:txBody>
+          <a:bodyPr wrap="none" rtlCol="0">
+            <a:spAutoFit/>
+          </a:bodyPr>
+          <a:lstStyle/>
+          <a:p>
+            <a:r>
+              <a:rPr lang="ko-KR" altLang="en-US" sz="1100" dirty="0">
+                <a:latin typeface="배달의민족 주아" panose="02020603020101020101" pitchFamily="18" charset="-127"/>
+                <a:ea typeface="배달의민족 주아" panose="02020603020101020101" pitchFamily="18" charset="-127"/>
+              </a:rPr>
+              <a:t>평균</a:t>
+            </a:r>
+          </a:p>
+        </p:txBody>
+      </p:sp>
+      <p:sp>
+        <p:nvSpPr>
+          <p:cNvPr id="259" name="TextBox 258">
+            <a:extLst>
+              <a:ext uri="{FF2B5EF4-FFF2-40B4-BE49-F238E27FC236}">
+                <a16:creationId xmlns:a16="http://schemas.microsoft.com/office/drawing/2014/main" id="{87F82982-908E-4806-AD36-E32975CAAEC3}"/>
+              </a:ext>
+            </a:extLst>
+          </p:cNvPr>
+          <p:cNvSpPr txBox="1"/>
+          <p:nvPr/>
+        </p:nvSpPr>
+        <p:spPr>
+          <a:xfrm>
+            <a:off x="5075590" y="2657335"/>
+            <a:ext cx="417102" cy="261610"/>
+          </a:xfrm>
+          <a:prstGeom prst="rect">
+            <a:avLst/>
+          </a:prstGeom>
+          <a:noFill/>
+        </p:spPr>
+        <p:txBody>
+          <a:bodyPr wrap="none" rtlCol="0">
+            <a:spAutoFit/>
+          </a:bodyPr>
+          <a:lstStyle/>
+          <a:p>
+            <a:r>
+              <a:rPr lang="ko-KR" altLang="en-US" sz="1100" dirty="0">
+                <a:latin typeface="배달의민족 주아" panose="02020603020101020101" pitchFamily="18" charset="-127"/>
+                <a:ea typeface="배달의민족 주아" panose="02020603020101020101" pitchFamily="18" charset="-127"/>
+              </a:rPr>
+              <a:t>평균</a:t>
+            </a:r>
+          </a:p>
+        </p:txBody>
+      </p:sp>
+      <p:sp>
+        <p:nvSpPr>
+          <p:cNvPr id="260" name="TextBox 259">
+            <a:extLst>
+              <a:ext uri="{FF2B5EF4-FFF2-40B4-BE49-F238E27FC236}">
+                <a16:creationId xmlns:a16="http://schemas.microsoft.com/office/drawing/2014/main" id="{18E7C861-E5C7-49FE-83C0-F2DE1EBC4DB0}"/>
+              </a:ext>
+            </a:extLst>
+          </p:cNvPr>
+          <p:cNvSpPr txBox="1"/>
+          <p:nvPr/>
+        </p:nvSpPr>
+        <p:spPr>
+          <a:xfrm>
+            <a:off x="5531656" y="1951429"/>
+            <a:ext cx="417102" cy="261610"/>
+          </a:xfrm>
+          <a:prstGeom prst="rect">
+            <a:avLst/>
+          </a:prstGeom>
+          <a:noFill/>
+        </p:spPr>
+        <p:txBody>
+          <a:bodyPr wrap="none" rtlCol="0">
+            <a:spAutoFit/>
+          </a:bodyPr>
+          <a:lstStyle/>
+          <a:p>
+            <a:r>
+              <a:rPr lang="ko-KR" altLang="en-US" sz="1100" dirty="0">
+                <a:latin typeface="배달의민족 주아" panose="02020603020101020101" pitchFamily="18" charset="-127"/>
+                <a:ea typeface="배달의민족 주아" panose="02020603020101020101" pitchFamily="18" charset="-127"/>
+              </a:rPr>
+              <a:t>평균</a:t>
+            </a:r>
+          </a:p>
+        </p:txBody>
+      </p:sp>
+      <p:sp>
+        <p:nvSpPr>
+          <p:cNvPr id="251" name="TextBox 250">
+            <a:extLst>
+              <a:ext uri="{FF2B5EF4-FFF2-40B4-BE49-F238E27FC236}">
+                <a16:creationId xmlns:a16="http://schemas.microsoft.com/office/drawing/2014/main" id="{95C2B872-1D25-4FB0-B13F-26BB87098249}"/>
+              </a:ext>
+            </a:extLst>
+          </p:cNvPr>
+          <p:cNvSpPr txBox="1"/>
+          <p:nvPr/>
+        </p:nvSpPr>
+        <p:spPr>
+          <a:xfrm>
+            <a:off x="5345838" y="2369878"/>
+            <a:ext cx="522900" cy="338554"/>
+          </a:xfrm>
+          <a:prstGeom prst="rect">
+            <a:avLst/>
+          </a:prstGeom>
+          <a:noFill/>
+        </p:spPr>
+        <p:txBody>
+          <a:bodyPr wrap="none" rtlCol="0">
+            <a:spAutoFit/>
+          </a:bodyPr>
+          <a:lstStyle/>
+          <a:p>
+            <a:r>
+              <a:rPr lang="ko-KR" altLang="en-US" sz="1600" dirty="0">
+                <a:solidFill>
+                  <a:srgbClr val="5B5EF2"/>
+                </a:solidFill>
+                <a:latin typeface="배달의민족 주아" panose="02020603020101020101" pitchFamily="18" charset="-127"/>
+                <a:ea typeface="배달의민족 주아" panose="02020603020101020101" pitchFamily="18" charset="-127"/>
+              </a:rPr>
+              <a:t>평균</a:t>
+            </a:r>
+          </a:p>
+        </p:txBody>
+      </p:sp>
+      <p:cxnSp>
+        <p:nvCxnSpPr>
+          <p:cNvPr id="262" name="직선 화살표 연결선 261">
+            <a:extLst>
+              <a:ext uri="{FF2B5EF4-FFF2-40B4-BE49-F238E27FC236}">
+                <a16:creationId xmlns:a16="http://schemas.microsoft.com/office/drawing/2014/main" id="{293D7FFE-2FD4-447D-AFB4-A42DCDEDA86A}"/>
+              </a:ext>
+            </a:extLst>
+          </p:cNvPr>
+          <p:cNvCxnSpPr/>
+          <p:nvPr/>
+        </p:nvCxnSpPr>
+        <p:spPr>
+          <a:xfrm>
+            <a:off x="1691680" y="1478182"/>
+            <a:ext cx="5760640" cy="0"/>
+          </a:xfrm>
+          <a:prstGeom prst="straightConnector1">
+            <a:avLst/>
+          </a:prstGeom>
+          <a:ln w="12700">
+            <a:solidFill>
+              <a:schemeClr val="tx1"/>
+            </a:solidFill>
+            <a:tailEnd type="triangle"/>
+          </a:ln>
+        </p:spPr>
+        <p:style>
+          <a:lnRef idx="1">
+            <a:schemeClr val="accent1"/>
+          </a:lnRef>
+          <a:fillRef idx="0">
+            <a:schemeClr val="accent1"/>
+          </a:fillRef>
+          <a:effectRef idx="0">
+            <a:schemeClr val="accent1"/>
+          </a:effectRef>
+          <a:fontRef idx="minor">
+            <a:schemeClr val="tx1"/>
+          </a:fontRef>
+        </p:style>
+      </p:cxnSp>
+      <p:cxnSp>
+        <p:nvCxnSpPr>
+          <p:cNvPr id="263" name="직선 화살표 연결선 262">
+            <a:extLst>
+              <a:ext uri="{FF2B5EF4-FFF2-40B4-BE49-F238E27FC236}">
+                <a16:creationId xmlns:a16="http://schemas.microsoft.com/office/drawing/2014/main" id="{80FE6AAE-DCB0-42A2-8846-43B0BADE6844}"/>
+              </a:ext>
+            </a:extLst>
+          </p:cNvPr>
+          <p:cNvCxnSpPr/>
+          <p:nvPr/>
+        </p:nvCxnSpPr>
+        <p:spPr>
+          <a:xfrm>
+            <a:off x="1691680" y="3063658"/>
+            <a:ext cx="5760640" cy="0"/>
+          </a:xfrm>
+          <a:prstGeom prst="straightConnector1">
+            <a:avLst/>
+          </a:prstGeom>
+          <a:ln w="12700">
+            <a:solidFill>
+              <a:schemeClr val="tx1"/>
+            </a:solidFill>
+            <a:tailEnd type="triangle"/>
+          </a:ln>
+        </p:spPr>
+        <p:style>
+          <a:lnRef idx="1">
+            <a:schemeClr val="accent1"/>
+          </a:lnRef>
+          <a:fillRef idx="0">
+            <a:schemeClr val="accent1"/>
+          </a:fillRef>
+          <a:effectRef idx="0">
+            <a:schemeClr val="accent1"/>
+          </a:effectRef>
+          <a:fontRef idx="minor">
+            <a:schemeClr val="tx1"/>
+          </a:fontRef>
+        </p:style>
+      </p:cxnSp>
+      <p:sp>
+        <p:nvSpPr>
+          <p:cNvPr id="264" name="TextBox 263">
+            <a:extLst>
+              <a:ext uri="{FF2B5EF4-FFF2-40B4-BE49-F238E27FC236}">
+                <a16:creationId xmlns:a16="http://schemas.microsoft.com/office/drawing/2014/main" id="{98C36D25-6E13-45CB-98E3-0F6E2E353401}"/>
+              </a:ext>
+            </a:extLst>
+          </p:cNvPr>
+          <p:cNvSpPr txBox="1"/>
+          <p:nvPr/>
+        </p:nvSpPr>
+        <p:spPr>
+          <a:xfrm>
+            <a:off x="1637232" y="1862933"/>
+            <a:ext cx="1069524" cy="276999"/>
+          </a:xfrm>
+          <a:prstGeom prst="rect">
+            <a:avLst/>
+          </a:prstGeom>
+          <a:noFill/>
+        </p:spPr>
+        <p:txBody>
+          <a:bodyPr wrap="none" rtlCol="0">
+            <a:spAutoFit/>
+          </a:bodyPr>
+          <a:lstStyle/>
+          <a:p>
+            <a:pPr algn="ctr"/>
+            <a:r>
+              <a:rPr lang="ko-KR" altLang="en-US" sz="1200" dirty="0">
+                <a:latin typeface="배달의민족 주아" panose="02020603020101020101" pitchFamily="18" charset="-127"/>
+                <a:ea typeface="배달의민족 주아" panose="02020603020101020101" pitchFamily="18" charset="-127"/>
+              </a:rPr>
+              <a:t>표본평균 집단 </a:t>
+            </a:r>
+            <a:r>
+              <a:rPr lang="en-US" altLang="ko-KR" sz="1200" dirty="0">
+                <a:latin typeface="배달의민족 주아" panose="02020603020101020101" pitchFamily="18" charset="-127"/>
+                <a:ea typeface="배달의민족 주아" panose="02020603020101020101" pitchFamily="18" charset="-127"/>
+              </a:rPr>
+              <a:t>1</a:t>
+            </a:r>
+            <a:endParaRPr lang="ko-KR" altLang="en-US" sz="1200" dirty="0">
+              <a:latin typeface="배달의민족 주아" panose="02020603020101020101" pitchFamily="18" charset="-127"/>
+              <a:ea typeface="배달의민족 주아" panose="02020603020101020101" pitchFamily="18" charset="-127"/>
+            </a:endParaRPr>
+          </a:p>
+        </p:txBody>
+      </p:sp>
+      <mc:AlternateContent xmlns:mc="http://schemas.openxmlformats.org/markup-compatibility/2006">
+        <mc:Choice xmlns:a14="http://schemas.microsoft.com/office/drawing/2010/main" Requires="a14">
+          <p:sp>
+            <p:nvSpPr>
+              <p:cNvPr id="272" name="TextBox 271">
+                <a:extLst>
+                  <a:ext uri="{FF2B5EF4-FFF2-40B4-BE49-F238E27FC236}">
+                    <a16:creationId xmlns:a16="http://schemas.microsoft.com/office/drawing/2014/main" id="{AF1F9706-3E77-4F4B-BE53-68B099D66F93}"/>
+                  </a:ext>
+                </a:extLst>
+              </p:cNvPr>
+              <p:cNvSpPr txBox="1"/>
+              <p:nvPr/>
+            </p:nvSpPr>
+            <p:spPr>
+              <a:xfrm>
+                <a:off x="2854317" y="1465323"/>
+                <a:ext cx="358752" cy="261610"/>
+              </a:xfrm>
+              <a:prstGeom prst="rect">
+                <a:avLst/>
+              </a:prstGeom>
+              <a:noFill/>
+            </p:spPr>
+            <p:txBody>
+              <a:bodyPr wrap="none" rtlCol="0">
+                <a:spAutoFit/>
+              </a:bodyPr>
+              <a:lstStyle/>
+              <a:p>
+                <a14:m>
+                  <m:oMathPara xmlns:m="http://schemas.openxmlformats.org/officeDocument/2006/math">
+                    <m:oMathParaPr>
+                      <m:jc m:val="centerGroup"/>
+                    </m:oMathParaPr>
+                    <m:oMath xmlns:m="http://schemas.openxmlformats.org/officeDocument/2006/math">
+                      <m:sSub>
+                        <m:sSubPr>
+                          <m:ctrlPr>
+                            <a:rPr lang="en-US" altLang="ko-KR" sz="1100" b="0" i="1" smtClean="0">
+                              <a:latin typeface="Cambria Math" panose="02040503050406030204" pitchFamily="18" charset="0"/>
+                              <a:ea typeface="배달의민족 주아" panose="02020603020101020101" pitchFamily="18" charset="-127"/>
+                            </a:rPr>
+                          </m:ctrlPr>
+                        </m:sSubPr>
+                        <m:e>
+                          <m:r>
+                            <a:rPr lang="en-US" altLang="ko-KR" sz="1100" b="0" i="1" smtClean="0">
+                              <a:latin typeface="Cambria Math" panose="02040503050406030204" pitchFamily="18" charset="0"/>
+                              <a:ea typeface="배달의민족 주아" panose="02020603020101020101" pitchFamily="18" charset="-127"/>
+                            </a:rPr>
+                            <m:t>𝜇</m:t>
+                          </m:r>
+                        </m:e>
+                        <m:sub>
+                          <m:r>
+                            <a:rPr lang="en-US" altLang="ko-KR" sz="1100" b="0" i="1" smtClean="0">
+                              <a:latin typeface="Cambria Math" panose="02040503050406030204" pitchFamily="18" charset="0"/>
+                              <a:ea typeface="배달의민족 주아" panose="02020603020101020101" pitchFamily="18" charset="-127"/>
+                            </a:rPr>
+                            <m:t>1</m:t>
+                          </m:r>
+                        </m:sub>
+                      </m:sSub>
+                    </m:oMath>
+                  </m:oMathPara>
+                </a14:m>
+                <a:endParaRPr lang="ko-KR" altLang="en-US" sz="1100" dirty="0">
+                  <a:latin typeface="배달의민족 주아" panose="02020603020101020101" pitchFamily="18" charset="-127"/>
+                  <a:ea typeface="배달의민족 주아" panose="02020603020101020101" pitchFamily="18" charset="-127"/>
+                </a:endParaRPr>
+              </a:p>
+            </p:txBody>
+          </p:sp>
+        </mc:Choice>
+        <mc:Fallback>
+          <p:sp>
+            <p:nvSpPr>
+              <p:cNvPr id="272" name="TextBox 271">
+                <a:extLst>
+                  <a:ext uri="{FF2B5EF4-FFF2-40B4-BE49-F238E27FC236}">
+                    <a16:creationId xmlns:a16="http://schemas.microsoft.com/office/drawing/2014/main" id="{AF1F9706-3E77-4F4B-BE53-68B099D66F93}"/>
+                  </a:ext>
+                </a:extLst>
+              </p:cNvPr>
+              <p:cNvSpPr txBox="1">
+                <a:spLocks noRot="1" noChangeAspect="1" noMove="1" noResize="1" noEditPoints="1" noAdjustHandles="1" noChangeArrowheads="1" noChangeShapeType="1" noTextEdit="1"/>
+              </p:cNvSpPr>
+              <p:nvPr/>
+            </p:nvSpPr>
+            <p:spPr>
+              <a:xfrm>
+                <a:off x="2854317" y="1465323"/>
+                <a:ext cx="358752" cy="261610"/>
+              </a:xfrm>
+              <a:prstGeom prst="rect">
+                <a:avLst/>
+              </a:prstGeom>
+              <a:blipFill>
+                <a:blip r:embed="rId6"/>
+                <a:stretch>
+                  <a:fillRect/>
+                </a:stretch>
+              </a:blipFill>
+            </p:spPr>
+            <p:txBody>
+              <a:bodyPr/>
+              <a:lstStyle/>
+              <a:p>
+                <a:r>
+                  <a:rPr lang="ko-KR" altLang="en-US">
+                    <a:noFill/>
+                  </a:rPr>
+                  <a:t> </a:t>
+                </a:r>
+              </a:p>
+            </p:txBody>
+          </p:sp>
+        </mc:Fallback>
+      </mc:AlternateContent>
+      <mc:AlternateContent xmlns:mc="http://schemas.openxmlformats.org/markup-compatibility/2006">
+        <mc:Choice xmlns:a14="http://schemas.microsoft.com/office/drawing/2010/main" Requires="a14">
+          <p:sp>
+            <p:nvSpPr>
+              <p:cNvPr id="273" name="TextBox 272">
+                <a:extLst>
+                  <a:ext uri="{FF2B5EF4-FFF2-40B4-BE49-F238E27FC236}">
+                    <a16:creationId xmlns:a16="http://schemas.microsoft.com/office/drawing/2014/main" id="{A071915E-12B4-46CF-AF39-FC7AA714C9DF}"/>
+                  </a:ext>
+                </a:extLst>
+              </p:cNvPr>
+              <p:cNvSpPr txBox="1"/>
+              <p:nvPr/>
+            </p:nvSpPr>
+            <p:spPr>
+              <a:xfrm>
+                <a:off x="5658003" y="1465323"/>
+                <a:ext cx="358752" cy="261610"/>
+              </a:xfrm>
+              <a:prstGeom prst="rect">
+                <a:avLst/>
+              </a:prstGeom>
+              <a:noFill/>
+            </p:spPr>
+            <p:txBody>
+              <a:bodyPr wrap="none" rtlCol="0">
+                <a:spAutoFit/>
+              </a:bodyPr>
+              <a:lstStyle/>
+              <a:p>
+                <a14:m>
+                  <m:oMathPara xmlns:m="http://schemas.openxmlformats.org/officeDocument/2006/math">
+                    <m:oMathParaPr>
+                      <m:jc m:val="centerGroup"/>
+                    </m:oMathParaPr>
+                    <m:oMath xmlns:m="http://schemas.openxmlformats.org/officeDocument/2006/math">
+                      <m:sSub>
+                        <m:sSubPr>
+                          <m:ctrlPr>
+                            <a:rPr lang="en-US" altLang="ko-KR" sz="1100" b="0" i="1" smtClean="0">
+                              <a:latin typeface="Cambria Math" panose="02040503050406030204" pitchFamily="18" charset="0"/>
+                              <a:ea typeface="배달의민족 주아" panose="02020603020101020101" pitchFamily="18" charset="-127"/>
+                            </a:rPr>
+                          </m:ctrlPr>
+                        </m:sSubPr>
+                        <m:e>
+                          <m:r>
+                            <a:rPr lang="en-US" altLang="ko-KR" sz="1100" b="0" i="1" smtClean="0">
+                              <a:latin typeface="Cambria Math" panose="02040503050406030204" pitchFamily="18" charset="0"/>
+                              <a:ea typeface="배달의민족 주아" panose="02020603020101020101" pitchFamily="18" charset="-127"/>
+                            </a:rPr>
+                            <m:t>𝜇</m:t>
+                          </m:r>
+                        </m:e>
+                        <m:sub>
+                          <m:r>
+                            <a:rPr lang="en-US" altLang="ko-KR" sz="1100" b="0" i="1" smtClean="0">
+                              <a:latin typeface="Cambria Math" panose="02040503050406030204" pitchFamily="18" charset="0"/>
+                              <a:ea typeface="배달의민족 주아" panose="02020603020101020101" pitchFamily="18" charset="-127"/>
+                            </a:rPr>
+                            <m:t>2</m:t>
+                          </m:r>
+                        </m:sub>
+                      </m:sSub>
+                    </m:oMath>
+                  </m:oMathPara>
+                </a14:m>
+                <a:endParaRPr lang="ko-KR" altLang="en-US" sz="1100" dirty="0">
+                  <a:latin typeface="배달의민족 주아" panose="02020603020101020101" pitchFamily="18" charset="-127"/>
+                  <a:ea typeface="배달의민족 주아" panose="02020603020101020101" pitchFamily="18" charset="-127"/>
+                </a:endParaRPr>
+              </a:p>
+            </p:txBody>
+          </p:sp>
+        </mc:Choice>
+        <mc:Fallback>
+          <p:sp>
+            <p:nvSpPr>
+              <p:cNvPr id="273" name="TextBox 272">
+                <a:extLst>
+                  <a:ext uri="{FF2B5EF4-FFF2-40B4-BE49-F238E27FC236}">
+                    <a16:creationId xmlns:a16="http://schemas.microsoft.com/office/drawing/2014/main" id="{A071915E-12B4-46CF-AF39-FC7AA714C9DF}"/>
+                  </a:ext>
+                </a:extLst>
+              </p:cNvPr>
+              <p:cNvSpPr txBox="1">
+                <a:spLocks noRot="1" noChangeAspect="1" noMove="1" noResize="1" noEditPoints="1" noAdjustHandles="1" noChangeArrowheads="1" noChangeShapeType="1" noTextEdit="1"/>
+              </p:cNvSpPr>
+              <p:nvPr/>
+            </p:nvSpPr>
+            <p:spPr>
+              <a:xfrm>
+                <a:off x="5658003" y="1465323"/>
+                <a:ext cx="358752" cy="261610"/>
+              </a:xfrm>
+              <a:prstGeom prst="rect">
+                <a:avLst/>
+              </a:prstGeom>
+              <a:blipFill>
+                <a:blip r:embed="rId7"/>
+                <a:stretch>
+                  <a:fillRect/>
+                </a:stretch>
+              </a:blipFill>
+            </p:spPr>
+            <p:txBody>
+              <a:bodyPr/>
+              <a:lstStyle/>
+              <a:p>
+                <a:r>
+                  <a:rPr lang="ko-KR" altLang="en-US">
+                    <a:noFill/>
+                  </a:rPr>
+                  <a:t> </a:t>
+                </a:r>
+              </a:p>
+            </p:txBody>
+          </p:sp>
+        </mc:Fallback>
+      </mc:AlternateContent>
+      <p:cxnSp>
+        <p:nvCxnSpPr>
+          <p:cNvPr id="275" name="직선 연결선 274">
+            <a:extLst>
+              <a:ext uri="{FF2B5EF4-FFF2-40B4-BE49-F238E27FC236}">
+                <a16:creationId xmlns:a16="http://schemas.microsoft.com/office/drawing/2014/main" id="{E9CC54E8-AACB-4B07-ABA9-4CBB4B58EEC7}"/>
+              </a:ext>
+            </a:extLst>
+          </p:cNvPr>
+          <p:cNvCxnSpPr/>
+          <p:nvPr/>
+        </p:nvCxnSpPr>
+        <p:spPr>
+          <a:xfrm>
+            <a:off x="3026383" y="1422419"/>
+            <a:ext cx="0" cy="111526"/>
+          </a:xfrm>
+          <a:prstGeom prst="line">
+            <a:avLst/>
+          </a:prstGeom>
+          <a:ln>
+            <a:solidFill>
+              <a:schemeClr val="tx1"/>
+            </a:solidFill>
+          </a:ln>
+        </p:spPr>
+        <p:style>
+          <a:lnRef idx="1">
+            <a:schemeClr val="accent1"/>
+          </a:lnRef>
+          <a:fillRef idx="0">
+            <a:schemeClr val="accent1"/>
+          </a:fillRef>
+          <a:effectRef idx="0">
+            <a:schemeClr val="accent1"/>
+          </a:effectRef>
+          <a:fontRef idx="minor">
+            <a:schemeClr val="tx1"/>
+          </a:fontRef>
+        </p:style>
+      </p:cxnSp>
+      <p:cxnSp>
+        <p:nvCxnSpPr>
+          <p:cNvPr id="276" name="직선 연결선 275">
+            <a:extLst>
+              <a:ext uri="{FF2B5EF4-FFF2-40B4-BE49-F238E27FC236}">
+                <a16:creationId xmlns:a16="http://schemas.microsoft.com/office/drawing/2014/main" id="{65104A84-9903-400D-BD12-CCE95C038A07}"/>
+              </a:ext>
+            </a:extLst>
+          </p:cNvPr>
+          <p:cNvCxnSpPr/>
+          <p:nvPr/>
+        </p:nvCxnSpPr>
+        <p:spPr>
+          <a:xfrm>
+            <a:off x="5837671" y="1422419"/>
+            <a:ext cx="0" cy="111526"/>
+          </a:xfrm>
+          <a:prstGeom prst="line">
+            <a:avLst/>
+          </a:prstGeom>
+          <a:ln>
+            <a:solidFill>
+              <a:schemeClr val="tx1"/>
+            </a:solidFill>
+          </a:ln>
+        </p:spPr>
+        <p:style>
+          <a:lnRef idx="1">
+            <a:schemeClr val="accent1"/>
+          </a:lnRef>
+          <a:fillRef idx="0">
+            <a:schemeClr val="accent1"/>
+          </a:fillRef>
+          <a:effectRef idx="0">
+            <a:schemeClr val="accent1"/>
+          </a:effectRef>
+          <a:fontRef idx="minor">
+            <a:schemeClr val="tx1"/>
+          </a:fontRef>
+        </p:style>
+      </p:cxnSp>
+      <mc:AlternateContent xmlns:mc="http://schemas.openxmlformats.org/markup-compatibility/2006">
+        <mc:Choice xmlns:a14="http://schemas.microsoft.com/office/drawing/2010/main" Requires="a14">
+          <p:sp>
+            <p:nvSpPr>
+              <p:cNvPr id="277" name="TextBox 276">
+                <a:extLst>
+                  <a:ext uri="{FF2B5EF4-FFF2-40B4-BE49-F238E27FC236}">
+                    <a16:creationId xmlns:a16="http://schemas.microsoft.com/office/drawing/2014/main" id="{A1E5A455-E0F6-4651-A91D-841D94EE051B}"/>
+                  </a:ext>
+                </a:extLst>
+              </p:cNvPr>
+              <p:cNvSpPr txBox="1"/>
+              <p:nvPr/>
+            </p:nvSpPr>
+            <p:spPr>
+              <a:xfrm>
+                <a:off x="2854317" y="3065644"/>
+                <a:ext cx="358752" cy="261610"/>
+              </a:xfrm>
+              <a:prstGeom prst="rect">
+                <a:avLst/>
+              </a:prstGeom>
+              <a:noFill/>
+            </p:spPr>
+            <p:txBody>
+              <a:bodyPr wrap="none" rtlCol="0">
+                <a:spAutoFit/>
+              </a:bodyPr>
+              <a:lstStyle/>
+              <a:p>
+                <a14:m>
+                  <m:oMathPara xmlns:m="http://schemas.openxmlformats.org/officeDocument/2006/math">
+                    <m:oMathParaPr>
+                      <m:jc m:val="centerGroup"/>
+                    </m:oMathParaPr>
+                    <m:oMath xmlns:m="http://schemas.openxmlformats.org/officeDocument/2006/math">
+                      <m:sSub>
+                        <m:sSubPr>
+                          <m:ctrlPr>
+                            <a:rPr lang="en-US" altLang="ko-KR" sz="1100" b="0" i="1" smtClean="0">
+                              <a:latin typeface="Cambria Math" panose="02040503050406030204" pitchFamily="18" charset="0"/>
+                              <a:ea typeface="배달의민족 주아" panose="02020603020101020101" pitchFamily="18" charset="-127"/>
+                            </a:rPr>
+                          </m:ctrlPr>
+                        </m:sSubPr>
+                        <m:e>
+                          <m:r>
+                            <a:rPr lang="en-US" altLang="ko-KR" sz="1100" b="0" i="1" smtClean="0">
+                              <a:latin typeface="Cambria Math" panose="02040503050406030204" pitchFamily="18" charset="0"/>
+                              <a:ea typeface="배달의민족 주아" panose="02020603020101020101" pitchFamily="18" charset="-127"/>
+                            </a:rPr>
+                            <m:t>𝜇</m:t>
+                          </m:r>
+                        </m:e>
+                        <m:sub>
+                          <m:r>
+                            <a:rPr lang="en-US" altLang="ko-KR" sz="1100" b="0" i="1" smtClean="0">
+                              <a:latin typeface="Cambria Math" panose="02040503050406030204" pitchFamily="18" charset="0"/>
+                              <a:ea typeface="배달의민족 주아" panose="02020603020101020101" pitchFamily="18" charset="-127"/>
+                            </a:rPr>
+                            <m:t>1</m:t>
+                          </m:r>
+                        </m:sub>
+                      </m:sSub>
+                    </m:oMath>
+                  </m:oMathPara>
+                </a14:m>
+                <a:endParaRPr lang="ko-KR" altLang="en-US" sz="1100" dirty="0">
+                  <a:latin typeface="배달의민족 주아" panose="02020603020101020101" pitchFamily="18" charset="-127"/>
+                  <a:ea typeface="배달의민족 주아" panose="02020603020101020101" pitchFamily="18" charset="-127"/>
+                </a:endParaRPr>
+              </a:p>
+            </p:txBody>
+          </p:sp>
+        </mc:Choice>
+        <mc:Fallback>
+          <p:sp>
+            <p:nvSpPr>
+              <p:cNvPr id="277" name="TextBox 276">
+                <a:extLst>
+                  <a:ext uri="{FF2B5EF4-FFF2-40B4-BE49-F238E27FC236}">
+                    <a16:creationId xmlns:a16="http://schemas.microsoft.com/office/drawing/2014/main" id="{A1E5A455-E0F6-4651-A91D-841D94EE051B}"/>
+                  </a:ext>
+                </a:extLst>
+              </p:cNvPr>
+              <p:cNvSpPr txBox="1">
+                <a:spLocks noRot="1" noChangeAspect="1" noMove="1" noResize="1" noEditPoints="1" noAdjustHandles="1" noChangeArrowheads="1" noChangeShapeType="1" noTextEdit="1"/>
+              </p:cNvSpPr>
+              <p:nvPr/>
+            </p:nvSpPr>
+            <p:spPr>
+              <a:xfrm>
+                <a:off x="2854317" y="3065644"/>
+                <a:ext cx="358752" cy="261610"/>
+              </a:xfrm>
+              <a:prstGeom prst="rect">
+                <a:avLst/>
+              </a:prstGeom>
+              <a:blipFill>
+                <a:blip r:embed="rId8"/>
+                <a:stretch>
+                  <a:fillRect/>
+                </a:stretch>
+              </a:blipFill>
+            </p:spPr>
+            <p:txBody>
+              <a:bodyPr/>
+              <a:lstStyle/>
+              <a:p>
+                <a:r>
+                  <a:rPr lang="ko-KR" altLang="en-US">
+                    <a:noFill/>
+                  </a:rPr>
+                  <a:t> </a:t>
+                </a:r>
+              </a:p>
+            </p:txBody>
+          </p:sp>
+        </mc:Fallback>
+      </mc:AlternateContent>
+      <mc:AlternateContent xmlns:mc="http://schemas.openxmlformats.org/markup-compatibility/2006">
+        <mc:Choice xmlns:a14="http://schemas.microsoft.com/office/drawing/2010/main" Requires="a14">
+          <p:sp>
+            <p:nvSpPr>
+              <p:cNvPr id="278" name="TextBox 277">
+                <a:extLst>
+                  <a:ext uri="{FF2B5EF4-FFF2-40B4-BE49-F238E27FC236}">
+                    <a16:creationId xmlns:a16="http://schemas.microsoft.com/office/drawing/2014/main" id="{C2D3C570-F39A-4EE0-A2FF-432740D5E111}"/>
+                  </a:ext>
+                </a:extLst>
+              </p:cNvPr>
+              <p:cNvSpPr txBox="1"/>
+              <p:nvPr/>
+            </p:nvSpPr>
+            <p:spPr>
+              <a:xfrm>
+                <a:off x="5658003" y="3065644"/>
+                <a:ext cx="358752" cy="261610"/>
+              </a:xfrm>
+              <a:prstGeom prst="rect">
+                <a:avLst/>
+              </a:prstGeom>
+              <a:noFill/>
+            </p:spPr>
+            <p:txBody>
+              <a:bodyPr wrap="none" rtlCol="0">
+                <a:spAutoFit/>
+              </a:bodyPr>
+              <a:lstStyle/>
+              <a:p>
+                <a14:m>
+                  <m:oMathPara xmlns:m="http://schemas.openxmlformats.org/officeDocument/2006/math">
+                    <m:oMathParaPr>
+                      <m:jc m:val="centerGroup"/>
+                    </m:oMathParaPr>
+                    <m:oMath xmlns:m="http://schemas.openxmlformats.org/officeDocument/2006/math">
+                      <m:sSub>
+                        <m:sSubPr>
+                          <m:ctrlPr>
+                            <a:rPr lang="en-US" altLang="ko-KR" sz="1100" b="0" i="1" smtClean="0">
+                              <a:latin typeface="Cambria Math" panose="02040503050406030204" pitchFamily="18" charset="0"/>
+                              <a:ea typeface="배달의민족 주아" panose="02020603020101020101" pitchFamily="18" charset="-127"/>
+                            </a:rPr>
+                          </m:ctrlPr>
+                        </m:sSubPr>
+                        <m:e>
+                          <m:r>
+                            <a:rPr lang="en-US" altLang="ko-KR" sz="1100" b="0" i="1" smtClean="0">
+                              <a:latin typeface="Cambria Math" panose="02040503050406030204" pitchFamily="18" charset="0"/>
+                              <a:ea typeface="배달의민족 주아" panose="02020603020101020101" pitchFamily="18" charset="-127"/>
+                            </a:rPr>
+                            <m:t>𝜇</m:t>
+                          </m:r>
+                        </m:e>
+                        <m:sub>
+                          <m:r>
+                            <a:rPr lang="en-US" altLang="ko-KR" sz="1100" b="0" i="1" smtClean="0">
+                              <a:latin typeface="Cambria Math" panose="02040503050406030204" pitchFamily="18" charset="0"/>
+                              <a:ea typeface="배달의민족 주아" panose="02020603020101020101" pitchFamily="18" charset="-127"/>
+                            </a:rPr>
+                            <m:t>2</m:t>
+                          </m:r>
+                        </m:sub>
+                      </m:sSub>
+                    </m:oMath>
+                  </m:oMathPara>
+                </a14:m>
+                <a:endParaRPr lang="ko-KR" altLang="en-US" sz="1100" dirty="0">
+                  <a:latin typeface="배달의민족 주아" panose="02020603020101020101" pitchFamily="18" charset="-127"/>
+                  <a:ea typeface="배달의민족 주아" panose="02020603020101020101" pitchFamily="18" charset="-127"/>
+                </a:endParaRPr>
+              </a:p>
+            </p:txBody>
+          </p:sp>
+        </mc:Choice>
+        <mc:Fallback>
+          <p:sp>
+            <p:nvSpPr>
+              <p:cNvPr id="278" name="TextBox 277">
+                <a:extLst>
+                  <a:ext uri="{FF2B5EF4-FFF2-40B4-BE49-F238E27FC236}">
+                    <a16:creationId xmlns:a16="http://schemas.microsoft.com/office/drawing/2014/main" id="{C2D3C570-F39A-4EE0-A2FF-432740D5E111}"/>
+                  </a:ext>
+                </a:extLst>
+              </p:cNvPr>
+              <p:cNvSpPr txBox="1">
+                <a:spLocks noRot="1" noChangeAspect="1" noMove="1" noResize="1" noEditPoints="1" noAdjustHandles="1" noChangeArrowheads="1" noChangeShapeType="1" noTextEdit="1"/>
+              </p:cNvSpPr>
+              <p:nvPr/>
+            </p:nvSpPr>
+            <p:spPr>
+              <a:xfrm>
+                <a:off x="5658003" y="3065644"/>
+                <a:ext cx="358752" cy="261610"/>
+              </a:xfrm>
+              <a:prstGeom prst="rect">
+                <a:avLst/>
+              </a:prstGeom>
+              <a:blipFill>
+                <a:blip r:embed="rId9"/>
+                <a:stretch>
+                  <a:fillRect/>
+                </a:stretch>
+              </a:blipFill>
+            </p:spPr>
+            <p:txBody>
+              <a:bodyPr/>
+              <a:lstStyle/>
+              <a:p>
+                <a:r>
+                  <a:rPr lang="ko-KR" altLang="en-US">
+                    <a:noFill/>
+                  </a:rPr>
+                  <a:t> </a:t>
+                </a:r>
+              </a:p>
+            </p:txBody>
+          </p:sp>
+        </mc:Fallback>
+      </mc:AlternateContent>
+      <p:cxnSp>
+        <p:nvCxnSpPr>
+          <p:cNvPr id="279" name="직선 연결선 278">
+            <a:extLst>
+              <a:ext uri="{FF2B5EF4-FFF2-40B4-BE49-F238E27FC236}">
+                <a16:creationId xmlns:a16="http://schemas.microsoft.com/office/drawing/2014/main" id="{3C39A6C8-3EB9-4206-AA9F-F8696F2A6E67}"/>
+              </a:ext>
+            </a:extLst>
+          </p:cNvPr>
+          <p:cNvCxnSpPr/>
+          <p:nvPr/>
+        </p:nvCxnSpPr>
+        <p:spPr>
+          <a:xfrm>
+            <a:off x="3026383" y="3022740"/>
+            <a:ext cx="0" cy="111526"/>
+          </a:xfrm>
+          <a:prstGeom prst="line">
+            <a:avLst/>
+          </a:prstGeom>
+          <a:ln>
+            <a:solidFill>
+              <a:schemeClr val="tx1"/>
+            </a:solidFill>
+          </a:ln>
+        </p:spPr>
+        <p:style>
+          <a:lnRef idx="1">
+            <a:schemeClr val="accent1"/>
+          </a:lnRef>
+          <a:fillRef idx="0">
+            <a:schemeClr val="accent1"/>
+          </a:fillRef>
+          <a:effectRef idx="0">
+            <a:schemeClr val="accent1"/>
+          </a:effectRef>
+          <a:fontRef idx="minor">
+            <a:schemeClr val="tx1"/>
+          </a:fontRef>
+        </p:style>
+      </p:cxnSp>
+      <p:cxnSp>
+        <p:nvCxnSpPr>
+          <p:cNvPr id="280" name="직선 연결선 279">
+            <a:extLst>
+              <a:ext uri="{FF2B5EF4-FFF2-40B4-BE49-F238E27FC236}">
+                <a16:creationId xmlns:a16="http://schemas.microsoft.com/office/drawing/2014/main" id="{37EAF852-2521-434C-854E-0B41B0C5316F}"/>
+              </a:ext>
+            </a:extLst>
+          </p:cNvPr>
+          <p:cNvCxnSpPr/>
+          <p:nvPr/>
+        </p:nvCxnSpPr>
+        <p:spPr>
+          <a:xfrm>
+            <a:off x="5837671" y="3022740"/>
+            <a:ext cx="0" cy="111526"/>
+          </a:xfrm>
+          <a:prstGeom prst="line">
+            <a:avLst/>
+          </a:prstGeom>
+          <a:ln>
+            <a:solidFill>
+              <a:schemeClr val="tx1"/>
+            </a:solidFill>
+          </a:ln>
+        </p:spPr>
+        <p:style>
+          <a:lnRef idx="1">
+            <a:schemeClr val="accent1"/>
+          </a:lnRef>
+          <a:fillRef idx="0">
+            <a:schemeClr val="accent1"/>
+          </a:fillRef>
+          <a:effectRef idx="0">
+            <a:schemeClr val="accent1"/>
+          </a:effectRef>
+          <a:fontRef idx="minor">
+            <a:schemeClr val="tx1"/>
+          </a:fontRef>
+        </p:style>
+      </p:cxnSp>
+      <p:sp>
+        <p:nvSpPr>
+          <p:cNvPr id="281" name="TextBox 280">
+            <a:extLst>
+              <a:ext uri="{FF2B5EF4-FFF2-40B4-BE49-F238E27FC236}">
+                <a16:creationId xmlns:a16="http://schemas.microsoft.com/office/drawing/2014/main" id="{880D2BBC-DEB9-41E1-91BF-1C27BC894C85}"/>
+              </a:ext>
+            </a:extLst>
+          </p:cNvPr>
+          <p:cNvSpPr txBox="1"/>
+          <p:nvPr/>
+        </p:nvSpPr>
+        <p:spPr>
+          <a:xfrm>
+            <a:off x="4499992" y="1862933"/>
+            <a:ext cx="1096775" cy="276999"/>
+          </a:xfrm>
+          <a:prstGeom prst="rect">
+            <a:avLst/>
+          </a:prstGeom>
+          <a:noFill/>
+        </p:spPr>
+        <p:txBody>
+          <a:bodyPr wrap="none" rtlCol="0">
+            <a:spAutoFit/>
+          </a:bodyPr>
+          <a:lstStyle/>
+          <a:p>
+            <a:pPr algn="ctr"/>
+            <a:r>
+              <a:rPr lang="ko-KR" altLang="en-US" sz="1200" dirty="0">
+                <a:latin typeface="배달의민족 주아" panose="02020603020101020101" pitchFamily="18" charset="-127"/>
+                <a:ea typeface="배달의민족 주아" panose="02020603020101020101" pitchFamily="18" charset="-127"/>
+              </a:rPr>
+              <a:t>표본평균 집단 </a:t>
+            </a:r>
+            <a:r>
+              <a:rPr lang="en-US" altLang="ko-KR" sz="1200" dirty="0">
+                <a:latin typeface="배달의민족 주아" panose="02020603020101020101" pitchFamily="18" charset="-127"/>
+                <a:ea typeface="배달의민족 주아" panose="02020603020101020101" pitchFamily="18" charset="-127"/>
+              </a:rPr>
+              <a:t>2</a:t>
+            </a:r>
+            <a:endParaRPr lang="ko-KR" altLang="en-US" sz="1200" dirty="0">
+              <a:latin typeface="배달의민족 주아" panose="02020603020101020101" pitchFamily="18" charset="-127"/>
+              <a:ea typeface="배달의민족 주아" panose="02020603020101020101" pitchFamily="18" charset="-127"/>
+            </a:endParaRPr>
+          </a:p>
+        </p:txBody>
+      </p:sp>
+      <p:pic>
+        <p:nvPicPr>
+          <p:cNvPr id="283" name="Picture 2">
+            <a:extLst>
+              <a:ext uri="{FF2B5EF4-FFF2-40B4-BE49-F238E27FC236}">
+                <a16:creationId xmlns:a16="http://schemas.microsoft.com/office/drawing/2014/main" id="{9D2BE860-D728-4E25-84C2-509E503FF7F8}"/>
+              </a:ext>
+            </a:extLst>
+          </p:cNvPr>
+          <p:cNvPicPr>
+            <a:picLocks noChangeAspect="1" noChangeArrowheads="1"/>
+          </p:cNvPicPr>
+          <p:nvPr/>
+        </p:nvPicPr>
+        <p:blipFill rotWithShape="1">
+          <a:blip r:embed="rId2">
+            <a:extLst>
+              <a:ext uri="{28A0092B-C50C-407E-A947-70E740481C1C}">
+                <a14:useLocalDpi xmlns:a14="http://schemas.microsoft.com/office/drawing/2010/main" val="0"/>
+              </a:ext>
+            </a:extLst>
+          </a:blip>
+          <a:srcRect l="16177" r="10079"/>
+          <a:stretch/>
+        </p:blipFill>
+        <p:spPr bwMode="auto">
+          <a:xfrm>
+            <a:off x="3248551" y="3129926"/>
+            <a:ext cx="2369098" cy="1734616"/>
+          </a:xfrm>
+          <a:prstGeom prst="rect">
+            <a:avLst/>
+          </a:prstGeom>
+          <a:noFill/>
+          <a:ln>
+            <a:noFill/>
+          </a:ln>
+          <a:effectLst/>
+          <a:extLst>
+            <a:ext uri="{909E8E84-426E-40DD-AFC4-6F175D3DCCD1}">
+              <a14:hiddenFill xmlns:a14="http://schemas.microsoft.com/office/drawing/2010/main">
+                <a:solidFill>
+                  <a:schemeClr val="accent1"/>
+                </a:solidFill>
+              </a14:hiddenFill>
+            </a:ext>
+            <a:ext uri="{91240B29-F687-4F45-9708-019B960494DF}">
+              <a14:hiddenLine xmlns:a14="http://schemas.microsoft.com/office/drawing/2010/main" w="9525">
+                <a:solidFill>
+                  <a:schemeClr val="tx1"/>
+                </a:solidFill>
+                <a:miter lim="800000"/>
+                <a:headEnd/>
+                <a:tailEnd/>
+              </a14:hiddenLine>
+            </a:ext>
+            <a:ext uri="{AF507438-7753-43E0-B8FC-AC1667EBCBE1}">
+              <a14:hiddenEffects xmlns:a14="http://schemas.microsoft.com/office/drawing/2010/main">
+                <a:effectLst>
+                  <a:outerShdw dist="35921" dir="2700000" algn="ctr" rotWithShape="0">
+                    <a:schemeClr val="bg2"/>
+                  </a:outerShdw>
+                </a:effectLst>
+              </a14:hiddenEffects>
+            </a:ext>
+          </a:extLst>
+        </p:spPr>
+      </p:pic>
+      <p:sp>
+        <p:nvSpPr>
+          <p:cNvPr id="284" name="TextBox 283">
+            <a:extLst>
+              <a:ext uri="{FF2B5EF4-FFF2-40B4-BE49-F238E27FC236}">
+                <a16:creationId xmlns:a16="http://schemas.microsoft.com/office/drawing/2014/main" id="{92E250B9-669F-4EDB-8B31-68D2D8E3D79D}"/>
+              </a:ext>
+            </a:extLst>
+          </p:cNvPr>
+          <p:cNvSpPr txBox="1"/>
+          <p:nvPr/>
+        </p:nvSpPr>
+        <p:spPr>
+          <a:xfrm>
+            <a:off x="3976868" y="4341269"/>
+            <a:ext cx="415498" cy="261610"/>
+          </a:xfrm>
+          <a:prstGeom prst="rect">
+            <a:avLst/>
+          </a:prstGeom>
+          <a:noFill/>
+        </p:spPr>
+        <p:txBody>
+          <a:bodyPr wrap="none" rtlCol="0">
+            <a:spAutoFit/>
+          </a:bodyPr>
+          <a:lstStyle/>
+          <a:p>
+            <a:r>
+              <a:rPr lang="ko-KR" altLang="en-US" sz="1100">
+                <a:latin typeface="배달의민족 주아" panose="02020603020101020101" pitchFamily="18" charset="-127"/>
+                <a:ea typeface="배달의민족 주아" panose="02020603020101020101" pitchFamily="18" charset="-127"/>
+              </a:rPr>
+              <a:t>차이</a:t>
+            </a:r>
+            <a:endParaRPr lang="ko-KR" altLang="en-US" sz="1100" dirty="0">
+              <a:latin typeface="배달의민족 주아" panose="02020603020101020101" pitchFamily="18" charset="-127"/>
+              <a:ea typeface="배달의민족 주아" panose="02020603020101020101" pitchFamily="18" charset="-127"/>
+            </a:endParaRPr>
+          </a:p>
+        </p:txBody>
+      </p:sp>
+      <p:sp>
+        <p:nvSpPr>
+          <p:cNvPr id="285" name="TextBox 284">
+            <a:extLst>
+              <a:ext uri="{FF2B5EF4-FFF2-40B4-BE49-F238E27FC236}">
+                <a16:creationId xmlns:a16="http://schemas.microsoft.com/office/drawing/2014/main" id="{B3169739-2FFE-47C7-AF1D-9A7ACBFC4860}"/>
+              </a:ext>
+            </a:extLst>
+          </p:cNvPr>
+          <p:cNvSpPr txBox="1"/>
+          <p:nvPr/>
+        </p:nvSpPr>
+        <p:spPr>
+          <a:xfrm>
+            <a:off x="4373846" y="4106506"/>
+            <a:ext cx="521297" cy="338554"/>
+          </a:xfrm>
+          <a:prstGeom prst="rect">
+            <a:avLst/>
+          </a:prstGeom>
+          <a:noFill/>
+        </p:spPr>
+        <p:txBody>
+          <a:bodyPr wrap="none" rtlCol="0">
+            <a:spAutoFit/>
+          </a:bodyPr>
+          <a:lstStyle/>
+          <a:p>
+            <a:r>
+              <a:rPr lang="ko-KR" altLang="en-US" sz="1600">
+                <a:solidFill>
+                  <a:srgbClr val="D779F1"/>
+                </a:solidFill>
+                <a:latin typeface="배달의민족 주아" panose="02020603020101020101" pitchFamily="18" charset="-127"/>
+                <a:ea typeface="배달의민족 주아" panose="02020603020101020101" pitchFamily="18" charset="-127"/>
+              </a:rPr>
+              <a:t>차이</a:t>
+            </a:r>
+            <a:endParaRPr lang="ko-KR" altLang="en-US" sz="1600" dirty="0">
+              <a:solidFill>
+                <a:srgbClr val="D779F1"/>
+              </a:solidFill>
+              <a:latin typeface="배달의민족 주아" panose="02020603020101020101" pitchFamily="18" charset="-127"/>
+              <a:ea typeface="배달의민족 주아" panose="02020603020101020101" pitchFamily="18" charset="-127"/>
+            </a:endParaRPr>
+          </a:p>
+        </p:txBody>
+      </p:sp>
+      <p:sp>
+        <p:nvSpPr>
+          <p:cNvPr id="286" name="TextBox 285">
+            <a:extLst>
+              <a:ext uri="{FF2B5EF4-FFF2-40B4-BE49-F238E27FC236}">
+                <a16:creationId xmlns:a16="http://schemas.microsoft.com/office/drawing/2014/main" id="{5E117062-419C-45D1-BE07-4D22F1E66049}"/>
+              </a:ext>
+            </a:extLst>
+          </p:cNvPr>
+          <p:cNvSpPr txBox="1"/>
+          <p:nvPr/>
+        </p:nvSpPr>
+        <p:spPr>
+          <a:xfrm>
+            <a:off x="4117308" y="4182613"/>
+            <a:ext cx="415498" cy="261610"/>
+          </a:xfrm>
+          <a:prstGeom prst="rect">
+            <a:avLst/>
+          </a:prstGeom>
+          <a:noFill/>
+        </p:spPr>
+        <p:txBody>
+          <a:bodyPr wrap="none" rtlCol="0">
+            <a:spAutoFit/>
+          </a:bodyPr>
+          <a:lstStyle/>
+          <a:p>
+            <a:r>
+              <a:rPr lang="ko-KR" altLang="en-US" sz="1100">
+                <a:latin typeface="배달의민족 주아" panose="02020603020101020101" pitchFamily="18" charset="-127"/>
+                <a:ea typeface="배달의민족 주아" panose="02020603020101020101" pitchFamily="18" charset="-127"/>
+              </a:rPr>
+              <a:t>차이</a:t>
+            </a:r>
+            <a:endParaRPr lang="ko-KR" altLang="en-US" sz="1100" dirty="0">
+              <a:latin typeface="배달의민족 주아" panose="02020603020101020101" pitchFamily="18" charset="-127"/>
+              <a:ea typeface="배달의민족 주아" panose="02020603020101020101" pitchFamily="18" charset="-127"/>
+            </a:endParaRPr>
+          </a:p>
+        </p:txBody>
+      </p:sp>
+      <p:sp>
+        <p:nvSpPr>
+          <p:cNvPr id="287" name="TextBox 286">
+            <a:extLst>
+              <a:ext uri="{FF2B5EF4-FFF2-40B4-BE49-F238E27FC236}">
+                <a16:creationId xmlns:a16="http://schemas.microsoft.com/office/drawing/2014/main" id="{B73EC6F2-E012-48E6-9463-1CD797BE35B0}"/>
+              </a:ext>
+            </a:extLst>
+          </p:cNvPr>
+          <p:cNvSpPr txBox="1"/>
+          <p:nvPr/>
+        </p:nvSpPr>
+        <p:spPr>
+          <a:xfrm>
+            <a:off x="4332889" y="4369539"/>
+            <a:ext cx="415498" cy="261610"/>
+          </a:xfrm>
+          <a:prstGeom prst="rect">
+            <a:avLst/>
+          </a:prstGeom>
+          <a:noFill/>
+        </p:spPr>
+        <p:txBody>
+          <a:bodyPr wrap="none" rtlCol="0">
+            <a:spAutoFit/>
+          </a:bodyPr>
+          <a:lstStyle/>
+          <a:p>
+            <a:r>
+              <a:rPr lang="ko-KR" altLang="en-US" sz="1100" dirty="0">
+                <a:latin typeface="배달의민족 주아" panose="02020603020101020101" pitchFamily="18" charset="-127"/>
+                <a:ea typeface="배달의민족 주아" panose="02020603020101020101" pitchFamily="18" charset="-127"/>
+              </a:rPr>
+              <a:t>차이</a:t>
+            </a:r>
+          </a:p>
+        </p:txBody>
+      </p:sp>
+      <p:sp>
+        <p:nvSpPr>
+          <p:cNvPr id="288" name="TextBox 287">
+            <a:extLst>
+              <a:ext uri="{FF2B5EF4-FFF2-40B4-BE49-F238E27FC236}">
+                <a16:creationId xmlns:a16="http://schemas.microsoft.com/office/drawing/2014/main" id="{E81D15DE-E262-437D-B3E0-B0D7B19F1DBF}"/>
+              </a:ext>
+            </a:extLst>
+          </p:cNvPr>
+          <p:cNvSpPr txBox="1"/>
+          <p:nvPr/>
+        </p:nvSpPr>
+        <p:spPr>
+          <a:xfrm>
+            <a:off x="3940478" y="4038332"/>
+            <a:ext cx="415498" cy="261610"/>
+          </a:xfrm>
+          <a:prstGeom prst="rect">
+            <a:avLst/>
+          </a:prstGeom>
+          <a:noFill/>
+        </p:spPr>
+        <p:txBody>
+          <a:bodyPr wrap="none" rtlCol="0">
+            <a:spAutoFit/>
+          </a:bodyPr>
+          <a:lstStyle/>
+          <a:p>
+            <a:r>
+              <a:rPr lang="ko-KR" altLang="en-US" sz="1100">
+                <a:latin typeface="배달의민족 주아" panose="02020603020101020101" pitchFamily="18" charset="-127"/>
+                <a:ea typeface="배달의민족 주아" panose="02020603020101020101" pitchFamily="18" charset="-127"/>
+              </a:rPr>
+              <a:t>차이</a:t>
+            </a:r>
+            <a:endParaRPr lang="ko-KR" altLang="en-US" sz="1100" dirty="0">
+              <a:latin typeface="배달의민족 주아" panose="02020603020101020101" pitchFamily="18" charset="-127"/>
+              <a:ea typeface="배달의민족 주아" panose="02020603020101020101" pitchFamily="18" charset="-127"/>
+            </a:endParaRPr>
+          </a:p>
+        </p:txBody>
+      </p:sp>
+      <p:sp>
+        <p:nvSpPr>
+          <p:cNvPr id="289" name="TextBox 288">
+            <a:extLst>
+              <a:ext uri="{FF2B5EF4-FFF2-40B4-BE49-F238E27FC236}">
+                <a16:creationId xmlns:a16="http://schemas.microsoft.com/office/drawing/2014/main" id="{A76069F2-2AA8-46DF-BFF0-0961CC4014DC}"/>
+              </a:ext>
+            </a:extLst>
+          </p:cNvPr>
+          <p:cNvSpPr txBox="1"/>
+          <p:nvPr/>
+        </p:nvSpPr>
+        <p:spPr>
+          <a:xfrm>
+            <a:off x="4192804" y="3923987"/>
+            <a:ext cx="415498" cy="261610"/>
+          </a:xfrm>
+          <a:prstGeom prst="rect">
+            <a:avLst/>
+          </a:prstGeom>
+          <a:noFill/>
+        </p:spPr>
+        <p:txBody>
+          <a:bodyPr wrap="none" rtlCol="0">
+            <a:spAutoFit/>
+          </a:bodyPr>
+          <a:lstStyle/>
+          <a:p>
+            <a:r>
+              <a:rPr lang="ko-KR" altLang="en-US" sz="1100">
+                <a:latin typeface="배달의민족 주아" panose="02020603020101020101" pitchFamily="18" charset="-127"/>
+                <a:ea typeface="배달의민족 주아" panose="02020603020101020101" pitchFamily="18" charset="-127"/>
+              </a:rPr>
+              <a:t>차이</a:t>
+            </a:r>
+            <a:endParaRPr lang="ko-KR" altLang="en-US" sz="1100" dirty="0">
+              <a:latin typeface="배달의민족 주아" panose="02020603020101020101" pitchFamily="18" charset="-127"/>
+              <a:ea typeface="배달의민족 주아" panose="02020603020101020101" pitchFamily="18" charset="-127"/>
+            </a:endParaRPr>
+          </a:p>
+        </p:txBody>
+      </p:sp>
+      <p:sp>
+        <p:nvSpPr>
+          <p:cNvPr id="290" name="TextBox 289">
+            <a:extLst>
+              <a:ext uri="{FF2B5EF4-FFF2-40B4-BE49-F238E27FC236}">
+                <a16:creationId xmlns:a16="http://schemas.microsoft.com/office/drawing/2014/main" id="{72198AC0-3FD1-43E0-A4BC-C6C9287625F6}"/>
+              </a:ext>
+            </a:extLst>
+          </p:cNvPr>
+          <p:cNvSpPr txBox="1"/>
+          <p:nvPr/>
+        </p:nvSpPr>
+        <p:spPr>
+          <a:xfrm>
+            <a:off x="4263728" y="3735623"/>
+            <a:ext cx="415498" cy="261610"/>
+          </a:xfrm>
+          <a:prstGeom prst="rect">
+            <a:avLst/>
+          </a:prstGeom>
+          <a:noFill/>
+        </p:spPr>
+        <p:txBody>
+          <a:bodyPr wrap="none" rtlCol="0">
+            <a:spAutoFit/>
+          </a:bodyPr>
+          <a:lstStyle/>
+          <a:p>
+            <a:r>
+              <a:rPr lang="ko-KR" altLang="en-US" sz="1100">
+                <a:latin typeface="배달의민족 주아" panose="02020603020101020101" pitchFamily="18" charset="-127"/>
+                <a:ea typeface="배달의민족 주아" panose="02020603020101020101" pitchFamily="18" charset="-127"/>
+              </a:rPr>
+              <a:t>차이</a:t>
+            </a:r>
+            <a:endParaRPr lang="ko-KR" altLang="en-US" sz="1100" dirty="0">
+              <a:latin typeface="배달의민족 주아" panose="02020603020101020101" pitchFamily="18" charset="-127"/>
+              <a:ea typeface="배달의민족 주아" panose="02020603020101020101" pitchFamily="18" charset="-127"/>
+            </a:endParaRPr>
+          </a:p>
+        </p:txBody>
+      </p:sp>
+      <p:sp>
+        <p:nvSpPr>
+          <p:cNvPr id="291" name="TextBox 290">
+            <a:extLst>
+              <a:ext uri="{FF2B5EF4-FFF2-40B4-BE49-F238E27FC236}">
+                <a16:creationId xmlns:a16="http://schemas.microsoft.com/office/drawing/2014/main" id="{8D2E9371-3674-4100-8732-293F89C28E78}"/>
+              </a:ext>
+            </a:extLst>
+          </p:cNvPr>
+          <p:cNvSpPr txBox="1"/>
+          <p:nvPr/>
+        </p:nvSpPr>
+        <p:spPr>
+          <a:xfrm>
+            <a:off x="4445103" y="3917103"/>
+            <a:ext cx="415498" cy="261610"/>
+          </a:xfrm>
+          <a:prstGeom prst="rect">
+            <a:avLst/>
+          </a:prstGeom>
+          <a:noFill/>
+        </p:spPr>
+        <p:txBody>
+          <a:bodyPr wrap="none" rtlCol="0">
+            <a:spAutoFit/>
+          </a:bodyPr>
+          <a:lstStyle/>
+          <a:p>
+            <a:r>
+              <a:rPr lang="ko-KR" altLang="en-US" sz="1100">
+                <a:latin typeface="배달의민족 주아" panose="02020603020101020101" pitchFamily="18" charset="-127"/>
+                <a:ea typeface="배달의민족 주아" panose="02020603020101020101" pitchFamily="18" charset="-127"/>
+              </a:rPr>
+              <a:t>차이</a:t>
+            </a:r>
+            <a:endParaRPr lang="ko-KR" altLang="en-US" sz="1100" dirty="0">
+              <a:latin typeface="배달의민족 주아" panose="02020603020101020101" pitchFamily="18" charset="-127"/>
+              <a:ea typeface="배달의민족 주아" panose="02020603020101020101" pitchFamily="18" charset="-127"/>
+            </a:endParaRPr>
+          </a:p>
+        </p:txBody>
+      </p:sp>
+      <p:sp>
+        <p:nvSpPr>
+          <p:cNvPr id="292" name="TextBox 291">
+            <a:extLst>
+              <a:ext uri="{FF2B5EF4-FFF2-40B4-BE49-F238E27FC236}">
+                <a16:creationId xmlns:a16="http://schemas.microsoft.com/office/drawing/2014/main" id="{540FCDD8-CBAD-4CF8-9819-6EE0D7C3F4B3}"/>
+              </a:ext>
+            </a:extLst>
+          </p:cNvPr>
+          <p:cNvSpPr txBox="1"/>
+          <p:nvPr/>
+        </p:nvSpPr>
+        <p:spPr>
+          <a:xfrm>
+            <a:off x="4666730" y="4341269"/>
+            <a:ext cx="415498" cy="261610"/>
+          </a:xfrm>
+          <a:prstGeom prst="rect">
+            <a:avLst/>
+          </a:prstGeom>
+          <a:noFill/>
+        </p:spPr>
+        <p:txBody>
+          <a:bodyPr wrap="none" rtlCol="0">
+            <a:spAutoFit/>
+          </a:bodyPr>
+          <a:lstStyle/>
+          <a:p>
+            <a:r>
+              <a:rPr lang="ko-KR" altLang="en-US" sz="1100" dirty="0">
+                <a:latin typeface="배달의민족 주아" panose="02020603020101020101" pitchFamily="18" charset="-127"/>
+                <a:ea typeface="배달의민족 주아" panose="02020603020101020101" pitchFamily="18" charset="-127"/>
+              </a:rPr>
+              <a:t>차이</a:t>
+            </a:r>
+          </a:p>
+        </p:txBody>
+      </p:sp>
+      <p:sp>
+        <p:nvSpPr>
+          <p:cNvPr id="293" name="TextBox 292">
+            <a:extLst>
+              <a:ext uri="{FF2B5EF4-FFF2-40B4-BE49-F238E27FC236}">
+                <a16:creationId xmlns:a16="http://schemas.microsoft.com/office/drawing/2014/main" id="{CF9F4CC8-9D2B-44FA-BDA4-6B5077C585D5}"/>
+              </a:ext>
+            </a:extLst>
+          </p:cNvPr>
+          <p:cNvSpPr txBox="1"/>
+          <p:nvPr/>
+        </p:nvSpPr>
+        <p:spPr>
+          <a:xfrm>
+            <a:off x="3686758" y="4313418"/>
+            <a:ext cx="415498" cy="261610"/>
+          </a:xfrm>
+          <a:prstGeom prst="rect">
+            <a:avLst/>
+          </a:prstGeom>
+          <a:noFill/>
+        </p:spPr>
+        <p:txBody>
+          <a:bodyPr wrap="none" rtlCol="0">
+            <a:spAutoFit/>
+          </a:bodyPr>
+          <a:lstStyle/>
+          <a:p>
+            <a:r>
+              <a:rPr lang="ko-KR" altLang="en-US" sz="1100">
+                <a:latin typeface="배달의민족 주아" panose="02020603020101020101" pitchFamily="18" charset="-127"/>
+                <a:ea typeface="배달의민족 주아" panose="02020603020101020101" pitchFamily="18" charset="-127"/>
+              </a:rPr>
+              <a:t>차이</a:t>
+            </a:r>
+            <a:endParaRPr lang="ko-KR" altLang="en-US" sz="1100" dirty="0">
+              <a:latin typeface="배달의민족 주아" panose="02020603020101020101" pitchFamily="18" charset="-127"/>
+              <a:ea typeface="배달의민족 주아" panose="02020603020101020101" pitchFamily="18" charset="-127"/>
+            </a:endParaRPr>
+          </a:p>
+        </p:txBody>
+      </p:sp>
+      <p:sp>
+        <p:nvSpPr>
+          <p:cNvPr id="294" name="TextBox 293">
+            <a:extLst>
+              <a:ext uri="{FF2B5EF4-FFF2-40B4-BE49-F238E27FC236}">
+                <a16:creationId xmlns:a16="http://schemas.microsoft.com/office/drawing/2014/main" id="{AD49A766-A6EA-4353-AB45-975873E42F82}"/>
+              </a:ext>
+            </a:extLst>
+          </p:cNvPr>
+          <p:cNvSpPr txBox="1"/>
+          <p:nvPr/>
+        </p:nvSpPr>
+        <p:spPr>
+          <a:xfrm>
+            <a:off x="4142824" y="3607512"/>
+            <a:ext cx="415498" cy="261610"/>
+          </a:xfrm>
+          <a:prstGeom prst="rect">
+            <a:avLst/>
+          </a:prstGeom>
+          <a:noFill/>
+        </p:spPr>
+        <p:txBody>
+          <a:bodyPr wrap="none" rtlCol="0">
+            <a:spAutoFit/>
+          </a:bodyPr>
+          <a:lstStyle/>
+          <a:p>
+            <a:r>
+              <a:rPr lang="ko-KR" altLang="en-US" sz="1100" dirty="0">
+                <a:latin typeface="배달의민족 주아" panose="02020603020101020101" pitchFamily="18" charset="-127"/>
+                <a:ea typeface="배달의민족 주아" panose="02020603020101020101" pitchFamily="18" charset="-127"/>
+              </a:rPr>
+              <a:t>차이</a:t>
+            </a:r>
+          </a:p>
+        </p:txBody>
+      </p:sp>
+      <p:cxnSp>
+        <p:nvCxnSpPr>
+          <p:cNvPr id="307" name="직선 화살표 연결선 306">
+            <a:extLst>
+              <a:ext uri="{FF2B5EF4-FFF2-40B4-BE49-F238E27FC236}">
+                <a16:creationId xmlns:a16="http://schemas.microsoft.com/office/drawing/2014/main" id="{E3CE114E-EAEC-4F51-8632-081CFAC05A3E}"/>
+              </a:ext>
+            </a:extLst>
+          </p:cNvPr>
+          <p:cNvCxnSpPr/>
+          <p:nvPr/>
+        </p:nvCxnSpPr>
+        <p:spPr>
+          <a:xfrm>
+            <a:off x="1691680" y="4719741"/>
+            <a:ext cx="5760640" cy="0"/>
+          </a:xfrm>
+          <a:prstGeom prst="straightConnector1">
+            <a:avLst/>
+          </a:prstGeom>
+          <a:ln w="12700">
+            <a:solidFill>
+              <a:schemeClr val="tx1"/>
+            </a:solidFill>
+            <a:tailEnd type="triangle"/>
+          </a:ln>
+        </p:spPr>
+        <p:style>
+          <a:lnRef idx="1">
+            <a:schemeClr val="accent1"/>
+          </a:lnRef>
+          <a:fillRef idx="0">
+            <a:schemeClr val="accent1"/>
+          </a:fillRef>
+          <a:effectRef idx="0">
+            <a:schemeClr val="accent1"/>
+          </a:effectRef>
+          <a:fontRef idx="minor">
+            <a:schemeClr val="tx1"/>
+          </a:fontRef>
+        </p:style>
+      </p:cxnSp>
+      <p:sp>
+        <p:nvSpPr>
+          <p:cNvPr id="308" name="TextBox 307">
+            <a:extLst>
+              <a:ext uri="{FF2B5EF4-FFF2-40B4-BE49-F238E27FC236}">
+                <a16:creationId xmlns:a16="http://schemas.microsoft.com/office/drawing/2014/main" id="{C8A56B62-AD47-4C53-927A-1C19B2E5C4B4}"/>
+              </a:ext>
+            </a:extLst>
+          </p:cNvPr>
+          <p:cNvSpPr txBox="1"/>
+          <p:nvPr/>
+        </p:nvSpPr>
+        <p:spPr>
+          <a:xfrm>
+            <a:off x="1637232" y="3412421"/>
+            <a:ext cx="1152880" cy="276999"/>
+          </a:xfrm>
+          <a:prstGeom prst="rect">
+            <a:avLst/>
+          </a:prstGeom>
+          <a:noFill/>
+        </p:spPr>
+        <p:txBody>
+          <a:bodyPr wrap="none" rtlCol="0">
+            <a:spAutoFit/>
+          </a:bodyPr>
+          <a:lstStyle/>
+          <a:p>
+            <a:pPr algn="ctr"/>
+            <a:r>
+              <a:rPr lang="ko-KR" altLang="en-US" sz="1200" dirty="0">
+                <a:latin typeface="배달의민족 주아" panose="02020603020101020101" pitchFamily="18" charset="-127"/>
+                <a:ea typeface="배달의민족 주아" panose="02020603020101020101" pitchFamily="18" charset="-127"/>
+              </a:rPr>
+              <a:t>평균 차이의 분포</a:t>
+            </a:r>
+          </a:p>
+        </p:txBody>
+      </p:sp>
+      <mc:AlternateContent xmlns:mc="http://schemas.openxmlformats.org/markup-compatibility/2006">
+        <mc:Choice xmlns:a14="http://schemas.microsoft.com/office/drawing/2010/main" Requires="a14">
+          <p:sp>
+            <p:nvSpPr>
+              <p:cNvPr id="309" name="TextBox 308">
+                <a:extLst>
+                  <a:ext uri="{FF2B5EF4-FFF2-40B4-BE49-F238E27FC236}">
+                    <a16:creationId xmlns:a16="http://schemas.microsoft.com/office/drawing/2014/main" id="{9337CEF2-7062-4C91-BF6E-882B475E8F53}"/>
+                  </a:ext>
+                </a:extLst>
+              </p:cNvPr>
+              <p:cNvSpPr txBox="1"/>
+              <p:nvPr/>
+            </p:nvSpPr>
+            <p:spPr>
+              <a:xfrm>
+                <a:off x="4066838" y="4721727"/>
+                <a:ext cx="669350" cy="261610"/>
+              </a:xfrm>
+              <a:prstGeom prst="rect">
+                <a:avLst/>
+              </a:prstGeom>
+              <a:noFill/>
+            </p:spPr>
+            <p:txBody>
+              <a:bodyPr wrap="none" rtlCol="0">
+                <a:spAutoFit/>
+              </a:bodyPr>
+              <a:lstStyle/>
+              <a:p>
+                <a14:m>
+                  <m:oMathPara xmlns:m="http://schemas.openxmlformats.org/officeDocument/2006/math">
+                    <m:oMathParaPr>
+                      <m:jc m:val="centerGroup"/>
+                    </m:oMathParaPr>
+                    <m:oMath xmlns:m="http://schemas.openxmlformats.org/officeDocument/2006/math">
+                      <m:sSub>
+                        <m:sSubPr>
+                          <m:ctrlPr>
+                            <a:rPr lang="en-US" altLang="ko-KR" sz="1100" b="0" i="1" smtClean="0">
+                              <a:latin typeface="Cambria Math" panose="02040503050406030204" pitchFamily="18" charset="0"/>
+                              <a:ea typeface="배달의민족 주아" panose="02020603020101020101" pitchFamily="18" charset="-127"/>
+                            </a:rPr>
+                          </m:ctrlPr>
+                        </m:sSubPr>
+                        <m:e>
+                          <m:r>
+                            <a:rPr lang="en-US" altLang="ko-KR" sz="1100" b="0" i="1" smtClean="0">
+                              <a:latin typeface="Cambria Math" panose="02040503050406030204" pitchFamily="18" charset="0"/>
+                              <a:ea typeface="배달의민족 주아" panose="02020603020101020101" pitchFamily="18" charset="-127"/>
+                            </a:rPr>
+                            <m:t>𝜇</m:t>
+                          </m:r>
+                        </m:e>
+                        <m:sub>
+                          <m:r>
+                            <a:rPr lang="en-US" altLang="ko-KR" sz="1100" b="0" i="1" smtClean="0">
+                              <a:latin typeface="Cambria Math" panose="02040503050406030204" pitchFamily="18" charset="0"/>
+                              <a:ea typeface="배달의민족 주아" panose="02020603020101020101" pitchFamily="18" charset="-127"/>
+                            </a:rPr>
+                            <m:t>2</m:t>
+                          </m:r>
+                        </m:sub>
+                      </m:sSub>
+                      <m:r>
+                        <a:rPr lang="en-US" altLang="ko-KR" sz="1100" b="0" i="1" smtClean="0">
+                          <a:latin typeface="Cambria Math" panose="02040503050406030204" pitchFamily="18" charset="0"/>
+                          <a:ea typeface="배달의민족 주아" panose="02020603020101020101" pitchFamily="18" charset="-127"/>
+                        </a:rPr>
+                        <m:t>−</m:t>
+                      </m:r>
+                      <m:sSub>
+                        <m:sSubPr>
+                          <m:ctrlPr>
+                            <a:rPr lang="en-US" altLang="ko-KR" sz="1100" b="0" i="1" smtClean="0">
+                              <a:latin typeface="Cambria Math" panose="02040503050406030204" pitchFamily="18" charset="0"/>
+                              <a:ea typeface="배달의민족 주아" panose="02020603020101020101" pitchFamily="18" charset="-127"/>
+                            </a:rPr>
+                          </m:ctrlPr>
+                        </m:sSubPr>
+                        <m:e>
+                          <m:r>
+                            <a:rPr lang="en-US" altLang="ko-KR" sz="1100" b="0" i="1" smtClean="0">
+                              <a:latin typeface="Cambria Math" panose="02040503050406030204" pitchFamily="18" charset="0"/>
+                              <a:ea typeface="배달의민족 주아" panose="02020603020101020101" pitchFamily="18" charset="-127"/>
+                            </a:rPr>
+                            <m:t>𝜇</m:t>
+                          </m:r>
+                        </m:e>
+                        <m:sub>
+                          <m:r>
+                            <a:rPr lang="en-US" altLang="ko-KR" sz="1100" b="0" i="1" smtClean="0">
+                              <a:latin typeface="Cambria Math" panose="02040503050406030204" pitchFamily="18" charset="0"/>
+                              <a:ea typeface="배달의민족 주아" panose="02020603020101020101" pitchFamily="18" charset="-127"/>
+                            </a:rPr>
+                            <m:t>1</m:t>
+                          </m:r>
+                        </m:sub>
+                      </m:sSub>
+                    </m:oMath>
+                  </m:oMathPara>
+                </a14:m>
+                <a:endParaRPr lang="ko-KR" altLang="en-US" sz="1100" dirty="0">
+                  <a:latin typeface="배달의민족 주아" panose="02020603020101020101" pitchFamily="18" charset="-127"/>
+                  <a:ea typeface="배달의민족 주아" panose="02020603020101020101" pitchFamily="18" charset="-127"/>
+                </a:endParaRPr>
+              </a:p>
+            </p:txBody>
+          </p:sp>
+        </mc:Choice>
+        <mc:Fallback>
+          <p:sp>
+            <p:nvSpPr>
+              <p:cNvPr id="309" name="TextBox 308">
+                <a:extLst>
+                  <a:ext uri="{FF2B5EF4-FFF2-40B4-BE49-F238E27FC236}">
+                    <a16:creationId xmlns:a16="http://schemas.microsoft.com/office/drawing/2014/main" id="{9337CEF2-7062-4C91-BF6E-882B475E8F53}"/>
+                  </a:ext>
+                </a:extLst>
+              </p:cNvPr>
+              <p:cNvSpPr txBox="1">
+                <a:spLocks noRot="1" noChangeAspect="1" noMove="1" noResize="1" noEditPoints="1" noAdjustHandles="1" noChangeArrowheads="1" noChangeShapeType="1" noTextEdit="1"/>
+              </p:cNvSpPr>
+              <p:nvPr/>
+            </p:nvSpPr>
+            <p:spPr>
+              <a:xfrm>
+                <a:off x="4066838" y="4721727"/>
+                <a:ext cx="669350" cy="261610"/>
+              </a:xfrm>
+              <a:prstGeom prst="rect">
+                <a:avLst/>
+              </a:prstGeom>
+              <a:blipFill>
+                <a:blip r:embed="rId10"/>
+                <a:stretch>
+                  <a:fillRect/>
+                </a:stretch>
+              </a:blipFill>
+            </p:spPr>
+            <p:txBody>
+              <a:bodyPr/>
+              <a:lstStyle/>
+              <a:p>
+                <a:r>
+                  <a:rPr lang="ko-KR" altLang="en-US">
+                    <a:noFill/>
+                  </a:rPr>
+                  <a:t> </a:t>
+                </a:r>
+              </a:p>
+            </p:txBody>
+          </p:sp>
+        </mc:Fallback>
+      </mc:AlternateContent>
+      <p:cxnSp>
+        <p:nvCxnSpPr>
+          <p:cNvPr id="311" name="직선 연결선 310">
+            <a:extLst>
+              <a:ext uri="{FF2B5EF4-FFF2-40B4-BE49-F238E27FC236}">
+                <a16:creationId xmlns:a16="http://schemas.microsoft.com/office/drawing/2014/main" id="{64F31221-F29A-48D8-9E15-5153CCF0EA76}"/>
+              </a:ext>
+            </a:extLst>
+          </p:cNvPr>
+          <p:cNvCxnSpPr/>
+          <p:nvPr/>
+        </p:nvCxnSpPr>
+        <p:spPr>
+          <a:xfrm>
+            <a:off x="4394045" y="4678823"/>
+            <a:ext cx="0" cy="111526"/>
+          </a:xfrm>
+          <a:prstGeom prst="line">
+            <a:avLst/>
+          </a:prstGeom>
+          <a:ln>
+            <a:solidFill>
+              <a:schemeClr val="tx1"/>
+            </a:solidFill>
+          </a:ln>
+        </p:spPr>
+        <p:style>
+          <a:lnRef idx="1">
+            <a:schemeClr val="accent1"/>
+          </a:lnRef>
+          <a:fillRef idx="0">
+            <a:schemeClr val="accent1"/>
+          </a:fillRef>
+          <a:effectRef idx="0">
+            <a:schemeClr val="accent1"/>
+          </a:effectRef>
+          <a:fontRef idx="minor">
+            <a:schemeClr val="tx1"/>
+          </a:fontRef>
+        </p:style>
+      </p:cxnSp>
+      <p:sp>
+        <p:nvSpPr>
+          <p:cNvPr id="315" name="TextBox 314">
+            <a:extLst>
+              <a:ext uri="{FF2B5EF4-FFF2-40B4-BE49-F238E27FC236}">
+                <a16:creationId xmlns:a16="http://schemas.microsoft.com/office/drawing/2014/main" id="{0AD0D108-71BF-432F-A08E-E8F5A946EC86}"/>
+              </a:ext>
+            </a:extLst>
+          </p:cNvPr>
+          <p:cNvSpPr txBox="1"/>
+          <p:nvPr/>
+        </p:nvSpPr>
+        <p:spPr>
+          <a:xfrm>
+            <a:off x="3994470" y="3789740"/>
+            <a:ext cx="415498" cy="261610"/>
+          </a:xfrm>
+          <a:prstGeom prst="rect">
+            <a:avLst/>
+          </a:prstGeom>
+          <a:noFill/>
+        </p:spPr>
+        <p:txBody>
+          <a:bodyPr wrap="none" rtlCol="0">
+            <a:spAutoFit/>
+          </a:bodyPr>
+          <a:lstStyle/>
+          <a:p>
+            <a:r>
+              <a:rPr lang="ko-KR" altLang="en-US" sz="1100" dirty="0">
+                <a:latin typeface="배달의민족 주아" panose="02020603020101020101" pitchFamily="18" charset="-127"/>
+                <a:ea typeface="배달의민족 주아" panose="02020603020101020101" pitchFamily="18" charset="-127"/>
+              </a:rPr>
+              <a:t>차이</a:t>
+            </a:r>
+          </a:p>
+        </p:txBody>
+      </p:sp>
+      <p:sp>
+        <p:nvSpPr>
+          <p:cNvPr id="316" name="TextBox 315">
+            <a:extLst>
+              <a:ext uri="{FF2B5EF4-FFF2-40B4-BE49-F238E27FC236}">
+                <a16:creationId xmlns:a16="http://schemas.microsoft.com/office/drawing/2014/main" id="{BA2BF029-2A8D-4892-B1FC-8BA6DEDC5F57}"/>
+              </a:ext>
+            </a:extLst>
+          </p:cNvPr>
+          <p:cNvSpPr txBox="1"/>
+          <p:nvPr/>
+        </p:nvSpPr>
+        <p:spPr>
+          <a:xfrm>
+            <a:off x="4263728" y="3446852"/>
+            <a:ext cx="415498" cy="261610"/>
+          </a:xfrm>
+          <a:prstGeom prst="rect">
+            <a:avLst/>
+          </a:prstGeom>
+          <a:noFill/>
+        </p:spPr>
+        <p:txBody>
+          <a:bodyPr wrap="none" rtlCol="0">
+            <a:spAutoFit/>
+          </a:bodyPr>
+          <a:lstStyle/>
+          <a:p>
+            <a:r>
+              <a:rPr lang="ko-KR" altLang="en-US" sz="1100" dirty="0">
+                <a:latin typeface="배달의민족 주아" panose="02020603020101020101" pitchFamily="18" charset="-127"/>
+                <a:ea typeface="배달의민족 주아" panose="02020603020101020101" pitchFamily="18" charset="-127"/>
+              </a:rPr>
+              <a:t>차이</a:t>
+            </a:r>
+          </a:p>
+        </p:txBody>
+      </p:sp>
+      <p:sp>
+        <p:nvSpPr>
+          <p:cNvPr id="317" name="TextBox 316">
+            <a:extLst>
+              <a:ext uri="{FF2B5EF4-FFF2-40B4-BE49-F238E27FC236}">
+                <a16:creationId xmlns:a16="http://schemas.microsoft.com/office/drawing/2014/main" id="{10794DF8-03D8-4954-BD8F-AB94DDB4DDD9}"/>
+              </a:ext>
+            </a:extLst>
+          </p:cNvPr>
+          <p:cNvSpPr txBox="1"/>
+          <p:nvPr/>
+        </p:nvSpPr>
+        <p:spPr>
+          <a:xfrm>
+            <a:off x="7022554" y="4728247"/>
+            <a:ext cx="859531" cy="276999"/>
+          </a:xfrm>
+          <a:prstGeom prst="rect">
+            <a:avLst/>
+          </a:prstGeom>
+          <a:noFill/>
+        </p:spPr>
+        <p:txBody>
+          <a:bodyPr wrap="none" rtlCol="0">
+            <a:spAutoFit/>
+          </a:bodyPr>
+          <a:lstStyle/>
+          <a:p>
+            <a:pPr algn="ctr"/>
+            <a:r>
+              <a:rPr lang="ko-KR" altLang="en-US" sz="1200">
+                <a:latin typeface="배달의민족 주아" panose="02020603020101020101" pitchFamily="18" charset="-127"/>
+                <a:ea typeface="배달의민족 주아" panose="02020603020101020101" pitchFamily="18" charset="-127"/>
+              </a:rPr>
+              <a:t>평균값 </a:t>
+            </a:r>
+            <a:r>
+              <a:rPr lang="ko-KR" altLang="en-US" sz="1200" dirty="0">
+                <a:latin typeface="배달의민족 주아" panose="02020603020101020101" pitchFamily="18" charset="-127"/>
+                <a:ea typeface="배달의민족 주아" panose="02020603020101020101" pitchFamily="18" charset="-127"/>
+              </a:rPr>
+              <a:t>차이</a:t>
+            </a:r>
+          </a:p>
+        </p:txBody>
+      </p:sp>
+      <p:sp>
+        <p:nvSpPr>
+          <p:cNvPr id="318" name="TextBox 317">
+            <a:extLst>
+              <a:ext uri="{FF2B5EF4-FFF2-40B4-BE49-F238E27FC236}">
+                <a16:creationId xmlns:a16="http://schemas.microsoft.com/office/drawing/2014/main" id="{5295F85A-D50A-4018-9CEE-F88126D16B59}"/>
+              </a:ext>
+            </a:extLst>
+          </p:cNvPr>
+          <p:cNvSpPr txBox="1"/>
+          <p:nvPr/>
+        </p:nvSpPr>
+        <p:spPr>
+          <a:xfrm>
+            <a:off x="7168427" y="3077101"/>
+            <a:ext cx="567784" cy="276999"/>
+          </a:xfrm>
+          <a:prstGeom prst="rect">
+            <a:avLst/>
+          </a:prstGeom>
+          <a:noFill/>
+        </p:spPr>
+        <p:txBody>
+          <a:bodyPr wrap="none" rtlCol="0">
+            <a:spAutoFit/>
+          </a:bodyPr>
+          <a:lstStyle/>
+          <a:p>
+            <a:pPr algn="ctr"/>
+            <a:r>
+              <a:rPr lang="ko-KR" altLang="en-US" sz="1200">
+                <a:latin typeface="배달의민족 주아" panose="02020603020101020101" pitchFamily="18" charset="-127"/>
+                <a:ea typeface="배달의민족 주아" panose="02020603020101020101" pitchFamily="18" charset="-127"/>
+              </a:rPr>
+              <a:t>평균값</a:t>
+            </a:r>
+            <a:endParaRPr lang="ko-KR" altLang="en-US" sz="1200" dirty="0">
+              <a:latin typeface="배달의민족 주아" panose="02020603020101020101" pitchFamily="18" charset="-127"/>
+              <a:ea typeface="배달의민족 주아" panose="02020603020101020101" pitchFamily="18" charset="-127"/>
+            </a:endParaRPr>
+          </a:p>
+        </p:txBody>
+      </p:sp>
+      <p:sp>
+        <p:nvSpPr>
+          <p:cNvPr id="319" name="TextBox 318">
+            <a:extLst>
+              <a:ext uri="{FF2B5EF4-FFF2-40B4-BE49-F238E27FC236}">
+                <a16:creationId xmlns:a16="http://schemas.microsoft.com/office/drawing/2014/main" id="{E8386D3A-F1C6-488E-8033-B7A3940F21C5}"/>
+              </a:ext>
+            </a:extLst>
+          </p:cNvPr>
+          <p:cNvSpPr txBox="1"/>
+          <p:nvPr/>
+        </p:nvSpPr>
+        <p:spPr>
+          <a:xfrm>
+            <a:off x="7108316" y="1473766"/>
+            <a:ext cx="688009" cy="276999"/>
+          </a:xfrm>
+          <a:prstGeom prst="rect">
+            <a:avLst/>
+          </a:prstGeom>
+          <a:noFill/>
+        </p:spPr>
+        <p:txBody>
+          <a:bodyPr wrap="none" rtlCol="0">
+            <a:spAutoFit/>
+          </a:bodyPr>
+          <a:lstStyle/>
+          <a:p>
+            <a:pPr algn="ctr"/>
+            <a:r>
+              <a:rPr lang="ko-KR" altLang="en-US" sz="1200" dirty="0" err="1">
+                <a:latin typeface="배달의민족 주아" panose="02020603020101020101" pitchFamily="18" charset="-127"/>
+                <a:ea typeface="배달의민족 주아" panose="02020603020101020101" pitchFamily="18" charset="-127"/>
+              </a:rPr>
+              <a:t>데이터값</a:t>
+            </a:r>
+            <a:endParaRPr lang="ko-KR" altLang="en-US" sz="1200" dirty="0">
+              <a:latin typeface="배달의민족 주아" panose="02020603020101020101" pitchFamily="18" charset="-127"/>
+              <a:ea typeface="배달의민족 주아" panose="02020603020101020101" pitchFamily="18" charset="-127"/>
+            </a:endParaRPr>
+          </a:p>
+        </p:txBody>
+      </p:sp>
+      <p:pic>
+        <p:nvPicPr>
+          <p:cNvPr id="329" name="그림 328">
+            <a:extLst>
+              <a:ext uri="{FF2B5EF4-FFF2-40B4-BE49-F238E27FC236}">
+                <a16:creationId xmlns:a16="http://schemas.microsoft.com/office/drawing/2014/main" id="{F9875368-482F-4290-8CA0-683E3D74D00C}"/>
+              </a:ext>
+            </a:extLst>
+          </p:cNvPr>
+          <p:cNvPicPr>
+            <a:picLocks noChangeAspect="1"/>
+          </p:cNvPicPr>
+          <p:nvPr/>
+        </p:nvPicPr>
+        <p:blipFill rotWithShape="1">
+          <a:blip r:embed="rId11">
+            <a:extLst>
+              <a:ext uri="{BEBA8EAE-BF5A-486C-A8C5-ECC9F3942E4B}">
+                <a14:imgProps xmlns:a14="http://schemas.microsoft.com/office/drawing/2010/main">
+                  <a14:imgLayer r:embed="rId12">
+                    <a14:imgEffect>
+                      <a14:backgroundRemoval t="9828" b="89926" l="8908" r="89916">
+                        <a14:foregroundMark x1="79328" y1="42260" x2="81061" y2="42433"/>
+                        <a14:foregroundMark x1="8908" y1="54054" x2="8908" y2="54054"/>
+                        <a14:foregroundMark x1="9244" y1="55774" x2="9244" y2="55774"/>
+                        <a14:backgroundMark x1="84706" y1="43489" x2="84706" y2="43489"/>
+                        <a14:backgroundMark x1="84706" y1="43489" x2="84706" y2="43489"/>
+                        <a14:backgroundMark x1="84538" y1="42998" x2="84538" y2="42998"/>
+                        <a14:backgroundMark x1="84706" y1="42506" x2="84538" y2="42752"/>
+                        <a14:backgroundMark x1="84538" y1="42752" x2="83866" y2="42752"/>
+                        <a14:backgroundMark x1="83529" y1="43243" x2="83361" y2="43489"/>
+                        <a14:backgroundMark x1="83866" y1="42998" x2="83866" y2="43243"/>
+                        <a14:backgroundMark x1="83529" y1="43243" x2="83193" y2="43489"/>
+                        <a14:backgroundMark x1="83193" y1="42998" x2="83193" y2="42998"/>
+                        <a14:backgroundMark x1="83193" y1="42998" x2="83193" y2="42998"/>
+                        <a14:backgroundMark x1="83025" y1="42998" x2="83025" y2="42998"/>
+                        <a14:backgroundMark x1="83025" y1="42752" x2="83529" y2="42998"/>
+                        <a14:backgroundMark x1="84034" y1="42506" x2="82017" y2="43980"/>
+                      </a14:backgroundRemoval>
+                    </a14:imgEffect>
+                  </a14:imgLayer>
+                </a14:imgProps>
+              </a:ext>
+            </a:extLst>
+          </a:blip>
+          <a:srcRect t="29798" b="12324"/>
+          <a:stretch/>
+        </p:blipFill>
+        <p:spPr>
+          <a:xfrm rot="5400000">
+            <a:off x="349536" y="1389961"/>
+            <a:ext cx="1517508" cy="600785"/>
+          </a:xfrm>
+          <a:prstGeom prst="rect">
+            <a:avLst/>
+          </a:prstGeom>
+        </p:spPr>
+      </p:pic>
+    </p:spTree>
+    <p:extLst>
+      <p:ext uri="{BB962C8B-B14F-4D97-AF65-F5344CB8AC3E}">
+        <p14:creationId xmlns:p14="http://schemas.microsoft.com/office/powerpoint/2010/main" val="3407894930"/>
+      </p:ext>
+    </p:extLst>
+  </p:cSld>
+  <p:clrMapOvr>
+    <a:masterClrMapping/>
+  </p:clrMapOvr>
+</p:sld>
+</file>
+
 <file path=ppt/theme/theme1.xml><?xml version="1.0" encoding="utf-8"?>
 <a:theme xmlns:a="http://schemas.openxmlformats.org/drawingml/2006/main" name="Office 테마">
   <a:themeElements>

--- a/pics/2021-01-05-confidence_interval/pics.pptx
+++ b/pics/2021-01-05-confidence_interval/pics.pptx
@@ -11354,7 +11354,7 @@
         </p:blipFill>
         <p:spPr bwMode="auto">
           <a:xfrm>
-            <a:off x="1708632" y="180807"/>
+            <a:off x="2070955" y="180807"/>
             <a:ext cx="2750467" cy="1266993"/>
           </a:xfrm>
           <a:prstGeom prst="rect">
@@ -11422,7 +11422,7 @@
         </p:blipFill>
         <p:spPr bwMode="auto">
           <a:xfrm>
-            <a:off x="3170560" y="496202"/>
+            <a:off x="3532883" y="496202"/>
             <a:ext cx="156618" cy="313235"/>
           </a:xfrm>
           <a:prstGeom prst="rect">
@@ -11467,7 +11467,7 @@
         </p:blipFill>
         <p:spPr bwMode="auto">
           <a:xfrm>
-            <a:off x="3047230" y="339502"/>
+            <a:off x="3409553" y="339502"/>
             <a:ext cx="156618" cy="313235"/>
           </a:xfrm>
           <a:prstGeom prst="rect">
@@ -11512,7 +11512,7 @@
         </p:blipFill>
         <p:spPr bwMode="auto">
           <a:xfrm>
-            <a:off x="3275856" y="602331"/>
+            <a:off x="3638179" y="602331"/>
             <a:ext cx="156618" cy="313235"/>
           </a:xfrm>
           <a:prstGeom prst="rect">
@@ -11557,7 +11557,7 @@
         </p:blipFill>
         <p:spPr bwMode="auto">
           <a:xfrm>
-            <a:off x="2941934" y="483518"/>
+            <a:off x="3304257" y="483518"/>
             <a:ext cx="156618" cy="325920"/>
           </a:xfrm>
           <a:prstGeom prst="rect">
@@ -11589,7 +11589,7 @@
         </p:nvSpPr>
         <p:spPr>
           <a:xfrm>
-            <a:off x="1637232" y="277458"/>
+            <a:off x="1999555" y="277458"/>
             <a:ext cx="899606" cy="369332"/>
           </a:xfrm>
           <a:prstGeom prst="rect">
@@ -11652,7 +11652,7 @@
         </p:blipFill>
         <p:spPr bwMode="auto">
           <a:xfrm>
-            <a:off x="4462359" y="180807"/>
+            <a:off x="4824682" y="180807"/>
             <a:ext cx="2750467" cy="1266993"/>
           </a:xfrm>
           <a:prstGeom prst="rect">
@@ -11720,7 +11720,7 @@
         </p:blipFill>
         <p:spPr bwMode="auto">
           <a:xfrm>
-            <a:off x="3058714" y="705884"/>
+            <a:off x="3421037" y="705884"/>
             <a:ext cx="156618" cy="313235"/>
           </a:xfrm>
           <a:prstGeom prst="rect">
@@ -11765,7 +11765,7 @@
         </p:blipFill>
         <p:spPr bwMode="auto">
           <a:xfrm>
-            <a:off x="3325587" y="853182"/>
+            <a:off x="3687910" y="853182"/>
             <a:ext cx="156618" cy="313235"/>
           </a:xfrm>
           <a:prstGeom prst="rect">
@@ -11810,7 +11810,7 @@
         </p:blipFill>
         <p:spPr bwMode="auto">
           <a:xfrm>
-            <a:off x="2801885" y="705883"/>
+            <a:off x="3164208" y="705883"/>
             <a:ext cx="156618" cy="313235"/>
           </a:xfrm>
           <a:prstGeom prst="rect">
@@ -11855,7 +11855,7 @@
         </p:blipFill>
         <p:spPr bwMode="auto">
           <a:xfrm>
-            <a:off x="2668536" y="602330"/>
+            <a:off x="3030859" y="602330"/>
             <a:ext cx="156618" cy="313235"/>
           </a:xfrm>
           <a:prstGeom prst="rect">
@@ -11900,7 +11900,7 @@
         </p:blipFill>
         <p:spPr bwMode="auto">
           <a:xfrm>
-            <a:off x="2820371" y="422447"/>
+            <a:off x="3182694" y="422447"/>
             <a:ext cx="156618" cy="313235"/>
           </a:xfrm>
           <a:prstGeom prst="rect">
@@ -11945,7 +11945,7 @@
         </p:blipFill>
         <p:spPr bwMode="auto">
           <a:xfrm>
-            <a:off x="2543493" y="782213"/>
+            <a:off x="2905816" y="782213"/>
             <a:ext cx="156618" cy="313235"/>
           </a:xfrm>
           <a:prstGeom prst="rect">
@@ -11990,7 +11990,7 @@
         </p:blipFill>
         <p:spPr bwMode="auto">
           <a:xfrm>
-            <a:off x="2684397" y="958047"/>
+            <a:off x="3046720" y="958047"/>
             <a:ext cx="156618" cy="313235"/>
           </a:xfrm>
           <a:prstGeom prst="rect">
@@ -12035,7 +12035,7 @@
         </p:blipFill>
         <p:spPr bwMode="auto">
           <a:xfrm>
-            <a:off x="2427960" y="964000"/>
+            <a:off x="2790283" y="964000"/>
             <a:ext cx="156618" cy="313235"/>
           </a:xfrm>
           <a:prstGeom prst="rect">
@@ -12080,7 +12080,7 @@
         </p:blipFill>
         <p:spPr bwMode="auto">
           <a:xfrm>
-            <a:off x="2264324" y="1072183"/>
+            <a:off x="2626647" y="1072183"/>
             <a:ext cx="156618" cy="313235"/>
           </a:xfrm>
           <a:prstGeom prst="rect">
@@ -12125,7 +12125,7 @@
         </p:blipFill>
         <p:spPr bwMode="auto">
           <a:xfrm>
-            <a:off x="2838329" y="1072258"/>
+            <a:off x="3200652" y="1072258"/>
             <a:ext cx="156618" cy="313235"/>
           </a:xfrm>
           <a:prstGeom prst="rect">
@@ -12170,7 +12170,7 @@
         </p:blipFill>
         <p:spPr bwMode="auto">
           <a:xfrm>
-            <a:off x="3019584" y="977156"/>
+            <a:off x="3381907" y="977156"/>
             <a:ext cx="156618" cy="313235"/>
           </a:xfrm>
           <a:prstGeom prst="rect">
@@ -12215,7 +12215,7 @@
         </p:blipFill>
         <p:spPr bwMode="auto">
           <a:xfrm>
-            <a:off x="3462530" y="814196"/>
+            <a:off x="3824853" y="814196"/>
             <a:ext cx="156618" cy="325920"/>
           </a:xfrm>
           <a:prstGeom prst="rect">
@@ -12260,7 +12260,7 @@
         </p:blipFill>
         <p:spPr bwMode="auto">
           <a:xfrm>
-            <a:off x="3173516" y="1037271"/>
+            <a:off x="3535839" y="1037271"/>
             <a:ext cx="156618" cy="325920"/>
           </a:xfrm>
           <a:prstGeom prst="rect">
@@ -12305,7 +12305,7 @@
         </p:blipFill>
         <p:spPr bwMode="auto">
           <a:xfrm>
-            <a:off x="3426111" y="1065840"/>
+            <a:off x="3788434" y="1065840"/>
             <a:ext cx="156618" cy="325920"/>
           </a:xfrm>
           <a:prstGeom prst="rect">
@@ -12350,7 +12350,7 @@
         </p:blipFill>
         <p:spPr bwMode="auto">
           <a:xfrm>
-            <a:off x="3599681" y="1084742"/>
+            <a:off x="3962004" y="1084742"/>
             <a:ext cx="156618" cy="325920"/>
           </a:xfrm>
           <a:prstGeom prst="rect">
@@ -12395,7 +12395,7 @@
         </p:blipFill>
         <p:spPr bwMode="auto">
           <a:xfrm>
-            <a:off x="3198328" y="769528"/>
+            <a:off x="3560651" y="769528"/>
             <a:ext cx="156618" cy="325920"/>
           </a:xfrm>
           <a:prstGeom prst="rect">
@@ -12440,7 +12440,7 @@
         </p:blipFill>
         <p:spPr bwMode="auto">
           <a:xfrm>
-            <a:off x="2912592" y="825223"/>
+            <a:off x="3274915" y="825223"/>
             <a:ext cx="156618" cy="325920"/>
           </a:xfrm>
           <a:prstGeom prst="rect">
@@ -12485,7 +12485,7 @@
         </p:blipFill>
         <p:spPr bwMode="auto">
           <a:xfrm>
-            <a:off x="5132271" y="1037271"/>
+            <a:off x="5494594" y="1037271"/>
             <a:ext cx="156618" cy="313235"/>
           </a:xfrm>
           <a:prstGeom prst="rect">
@@ -12530,7 +12530,7 @@
         </p:blipFill>
         <p:spPr bwMode="auto">
           <a:xfrm>
-            <a:off x="5307650" y="809437"/>
+            <a:off x="5669973" y="809437"/>
             <a:ext cx="156618" cy="313235"/>
           </a:xfrm>
           <a:prstGeom prst="rect">
@@ -12575,7 +12575,7 @@
         </p:blipFill>
         <p:spPr bwMode="auto">
           <a:xfrm>
-            <a:off x="5483029" y="602330"/>
+            <a:off x="5845352" y="602330"/>
             <a:ext cx="156618" cy="313235"/>
           </a:xfrm>
           <a:prstGeom prst="rect">
@@ -12620,7 +12620,7 @@
         </p:blipFill>
         <p:spPr bwMode="auto">
           <a:xfrm>
-            <a:off x="5822191" y="1103672"/>
+            <a:off x="6184514" y="1103672"/>
             <a:ext cx="156618" cy="313235"/>
           </a:xfrm>
           <a:prstGeom prst="rect">
@@ -12665,7 +12665,7 @@
         </p:blipFill>
         <p:spPr bwMode="auto">
           <a:xfrm>
-            <a:off x="5495176" y="1091084"/>
+            <a:off x="5857499" y="1091084"/>
             <a:ext cx="156618" cy="313235"/>
           </a:xfrm>
           <a:prstGeom prst="rect">
@@ -12710,7 +12710,7 @@
         </p:blipFill>
         <p:spPr bwMode="auto">
           <a:xfrm>
-            <a:off x="5802183" y="705883"/>
+            <a:off x="6164506" y="705883"/>
             <a:ext cx="156618" cy="313235"/>
           </a:xfrm>
           <a:prstGeom prst="rect">
@@ -12755,7 +12755,7 @@
         </p:blipFill>
         <p:spPr bwMode="auto">
           <a:xfrm>
-            <a:off x="5764676" y="371422"/>
+            <a:off x="6126999" y="371422"/>
             <a:ext cx="156618" cy="313235"/>
           </a:xfrm>
           <a:prstGeom prst="rect">
@@ -12800,7 +12800,7 @@
         </p:blipFill>
         <p:spPr bwMode="auto">
           <a:xfrm>
-            <a:off x="6187306" y="774982"/>
+            <a:off x="6549629" y="774982"/>
             <a:ext cx="156618" cy="313235"/>
           </a:xfrm>
           <a:prstGeom prst="rect">
@@ -12845,7 +12845,7 @@
         </p:blipFill>
         <p:spPr bwMode="auto">
           <a:xfrm>
-            <a:off x="6071257" y="1074340"/>
+            <a:off x="6433580" y="1074340"/>
             <a:ext cx="156618" cy="313235"/>
           </a:xfrm>
           <a:prstGeom prst="rect">
@@ -12890,7 +12890,7 @@
         </p:blipFill>
         <p:spPr bwMode="auto">
           <a:xfrm>
-            <a:off x="5999484" y="539947"/>
+            <a:off x="6361807" y="539947"/>
             <a:ext cx="156618" cy="313235"/>
           </a:xfrm>
           <a:prstGeom prst="rect">
@@ -12935,7 +12935,7 @@
         </p:blipFill>
         <p:spPr bwMode="auto">
           <a:xfrm>
-            <a:off x="6309559" y="1060287"/>
+            <a:off x="6671882" y="1060287"/>
             <a:ext cx="156618" cy="313235"/>
           </a:xfrm>
           <a:prstGeom prst="rect">
@@ -12980,7 +12980,7 @@
         </p:blipFill>
         <p:spPr>
           <a:xfrm>
-            <a:off x="5338918" y="1084742"/>
+            <a:off x="5701241" y="1084742"/>
             <a:ext cx="152883" cy="278449"/>
           </a:xfrm>
           <a:prstGeom prst="rect">
@@ -13015,7 +13015,7 @@
         </p:blipFill>
         <p:spPr>
           <a:xfrm>
-            <a:off x="5460616" y="825223"/>
+            <a:off x="5822939" y="825223"/>
             <a:ext cx="152883" cy="278449"/>
           </a:xfrm>
           <a:prstGeom prst="rect">
@@ -13050,7 +13050,7 @@
         </p:blipFill>
         <p:spPr>
           <a:xfrm>
-            <a:off x="5661573" y="676596"/>
+            <a:off x="6023896" y="676596"/>
             <a:ext cx="152883" cy="278449"/>
           </a:xfrm>
           <a:prstGeom prst="rect">
@@ -13085,7 +13085,7 @@
         </p:blipFill>
         <p:spPr>
           <a:xfrm>
-            <a:off x="5673903" y="1018125"/>
+            <a:off x="6036226" y="1018125"/>
             <a:ext cx="152883" cy="278449"/>
           </a:xfrm>
           <a:prstGeom prst="rect">
@@ -13120,7 +13120,7 @@
         </p:blipFill>
         <p:spPr>
           <a:xfrm>
-            <a:off x="5608533" y="386145"/>
+            <a:off x="5970856" y="386145"/>
             <a:ext cx="152883" cy="278449"/>
           </a:xfrm>
           <a:prstGeom prst="rect">
@@ -13155,7 +13155,7 @@
         </p:blipFill>
         <p:spPr>
           <a:xfrm>
-            <a:off x="5942092" y="781838"/>
+            <a:off x="6304415" y="781838"/>
             <a:ext cx="152883" cy="278449"/>
           </a:xfrm>
           <a:prstGeom prst="rect">
@@ -13190,7 +13190,7 @@
         </p:blipFill>
         <p:spPr>
           <a:xfrm>
-            <a:off x="4980635" y="1072183"/>
+            <a:off x="5342958" y="1141173"/>
             <a:ext cx="152883" cy="278449"/>
           </a:xfrm>
           <a:prstGeom prst="rect">
@@ -13212,7 +13212,7 @@
         </p:nvSpPr>
         <p:spPr>
           <a:xfrm>
-            <a:off x="4499992" y="277458"/>
+            <a:off x="4862315" y="277458"/>
             <a:ext cx="939681" cy="369332"/>
           </a:xfrm>
           <a:prstGeom prst="rect">
@@ -13275,7 +13275,7 @@
         </p:blipFill>
         <p:spPr bwMode="auto">
           <a:xfrm>
-            <a:off x="2200224" y="1707654"/>
+            <a:off x="2562547" y="1707654"/>
             <a:ext cx="1730428" cy="1266993"/>
           </a:xfrm>
           <a:prstGeom prst="rect">
@@ -13330,7 +13330,7 @@
         </p:nvSpPr>
         <p:spPr>
           <a:xfrm>
-            <a:off x="2609206" y="2685186"/>
+            <a:off x="2971529" y="2685186"/>
             <a:ext cx="417102" cy="261610"/>
           </a:xfrm>
           <a:prstGeom prst="rect">
@@ -13368,7 +13368,7 @@
         </p:nvSpPr>
         <p:spPr>
           <a:xfrm>
-            <a:off x="3006184" y="2450423"/>
+            <a:off x="3368507" y="2450423"/>
             <a:ext cx="522900" cy="338554"/>
           </a:xfrm>
           <a:prstGeom prst="rect">
@@ -13409,7 +13409,7 @@
         </p:nvSpPr>
         <p:spPr>
           <a:xfrm>
-            <a:off x="2749646" y="2526530"/>
+            <a:off x="3111969" y="2526530"/>
             <a:ext cx="417102" cy="261610"/>
           </a:xfrm>
           <a:prstGeom prst="rect">
@@ -13447,7 +13447,7 @@
         </p:nvSpPr>
         <p:spPr>
           <a:xfrm>
-            <a:off x="2965227" y="2713456"/>
+            <a:off x="3327550" y="2713456"/>
             <a:ext cx="417102" cy="261610"/>
           </a:xfrm>
           <a:prstGeom prst="rect">
@@ -13485,7 +13485,7 @@
         </p:nvSpPr>
         <p:spPr>
           <a:xfrm>
-            <a:off x="2568604" y="2399128"/>
+            <a:off x="2930927" y="2399128"/>
             <a:ext cx="417102" cy="261610"/>
           </a:xfrm>
           <a:prstGeom prst="rect">
@@ -13523,7 +13523,7 @@
         </p:nvSpPr>
         <p:spPr>
           <a:xfrm>
-            <a:off x="2825142" y="2267904"/>
+            <a:off x="3187465" y="2267904"/>
             <a:ext cx="417102" cy="261610"/>
           </a:xfrm>
           <a:prstGeom prst="rect">
@@ -13561,7 +13561,7 @@
         </p:nvSpPr>
         <p:spPr>
           <a:xfrm>
-            <a:off x="2896066" y="2079540"/>
+            <a:off x="3258389" y="2079540"/>
             <a:ext cx="417102" cy="261610"/>
           </a:xfrm>
           <a:prstGeom prst="rect">
@@ -13599,7 +13599,7 @@
         </p:nvSpPr>
         <p:spPr>
           <a:xfrm>
-            <a:off x="3077441" y="2261020"/>
+            <a:off x="3439764" y="2261020"/>
             <a:ext cx="417102" cy="261610"/>
           </a:xfrm>
           <a:prstGeom prst="rect">
@@ -13637,7 +13637,7 @@
         </p:nvSpPr>
         <p:spPr>
           <a:xfrm>
-            <a:off x="3299068" y="2685186"/>
+            <a:off x="3661391" y="2685186"/>
             <a:ext cx="417102" cy="261610"/>
           </a:xfrm>
           <a:prstGeom prst="rect">
@@ -13675,7 +13675,7 @@
         </p:nvSpPr>
         <p:spPr>
           <a:xfrm>
-            <a:off x="2319096" y="2657335"/>
+            <a:off x="2681419" y="2657335"/>
             <a:ext cx="417102" cy="261610"/>
           </a:xfrm>
           <a:prstGeom prst="rect">
@@ -13713,7 +13713,7 @@
         </p:nvSpPr>
         <p:spPr>
           <a:xfrm>
-            <a:off x="2775162" y="1951429"/>
+            <a:off x="3137485" y="1951429"/>
             <a:ext cx="417102" cy="261610"/>
           </a:xfrm>
           <a:prstGeom prst="rect">
@@ -13764,7 +13764,7 @@
         </p:blipFill>
         <p:spPr bwMode="auto">
           <a:xfrm>
-            <a:off x="4956718" y="1707654"/>
+            <a:off x="5319041" y="1707654"/>
             <a:ext cx="1730428" cy="1266993"/>
           </a:xfrm>
           <a:prstGeom prst="rect">
@@ -13819,7 +13819,7 @@
         </p:nvSpPr>
         <p:spPr>
           <a:xfrm>
-            <a:off x="5365700" y="2685186"/>
+            <a:off x="5728023" y="2685186"/>
             <a:ext cx="417102" cy="261610"/>
           </a:xfrm>
           <a:prstGeom prst="rect">
@@ -13857,7 +13857,7 @@
         </p:nvSpPr>
         <p:spPr>
           <a:xfrm>
-            <a:off x="5576842" y="2557172"/>
+            <a:off x="5939165" y="2557172"/>
             <a:ext cx="417102" cy="261610"/>
           </a:xfrm>
           <a:prstGeom prst="rect">
@@ -13895,7 +13895,7 @@
         </p:nvSpPr>
         <p:spPr>
           <a:xfrm>
-            <a:off x="5721721" y="2713456"/>
+            <a:off x="6084044" y="2713456"/>
             <a:ext cx="417102" cy="261610"/>
           </a:xfrm>
           <a:prstGeom prst="rect">
@@ -13933,7 +13933,7 @@
         </p:nvSpPr>
         <p:spPr>
           <a:xfrm>
-            <a:off x="5831499" y="2478347"/>
+            <a:off x="6193822" y="2478347"/>
             <a:ext cx="417102" cy="261610"/>
           </a:xfrm>
           <a:prstGeom prst="rect">
@@ -13971,7 +13971,7 @@
         </p:nvSpPr>
         <p:spPr>
           <a:xfrm>
-            <a:off x="5581636" y="2267904"/>
+            <a:off x="5943959" y="2267904"/>
             <a:ext cx="417102" cy="261610"/>
           </a:xfrm>
           <a:prstGeom prst="rect">
@@ -14009,7 +14009,7 @@
         </p:nvSpPr>
         <p:spPr>
           <a:xfrm>
-            <a:off x="5652560" y="2079540"/>
+            <a:off x="6014883" y="2079540"/>
             <a:ext cx="417102" cy="261610"/>
           </a:xfrm>
           <a:prstGeom prst="rect">
@@ -14047,7 +14047,7 @@
         </p:nvSpPr>
         <p:spPr>
           <a:xfrm>
-            <a:off x="5833935" y="2261020"/>
+            <a:off x="6196258" y="2261020"/>
             <a:ext cx="417102" cy="261610"/>
           </a:xfrm>
           <a:prstGeom prst="rect">
@@ -14085,7 +14085,7 @@
         </p:nvSpPr>
         <p:spPr>
           <a:xfrm>
-            <a:off x="6055562" y="2685186"/>
+            <a:off x="6417885" y="2685186"/>
             <a:ext cx="417102" cy="261610"/>
           </a:xfrm>
           <a:prstGeom prst="rect">
@@ -14123,7 +14123,7 @@
         </p:nvSpPr>
         <p:spPr>
           <a:xfrm>
-            <a:off x="5075590" y="2657335"/>
+            <a:off x="5437913" y="2657335"/>
             <a:ext cx="417102" cy="261610"/>
           </a:xfrm>
           <a:prstGeom prst="rect">
@@ -14161,7 +14161,7 @@
         </p:nvSpPr>
         <p:spPr>
           <a:xfrm>
-            <a:off x="5531656" y="1951429"/>
+            <a:off x="5893979" y="1951429"/>
             <a:ext cx="417102" cy="261610"/>
           </a:xfrm>
           <a:prstGeom prst="rect">
@@ -14199,7 +14199,7 @@
         </p:nvSpPr>
         <p:spPr>
           <a:xfrm>
-            <a:off x="5345838" y="2369878"/>
+            <a:off x="5708161" y="2369878"/>
             <a:ext cx="522900" cy="338554"/>
           </a:xfrm>
           <a:prstGeom prst="rect">
@@ -14240,7 +14240,7 @@
         </p:nvCxnSpPr>
         <p:spPr>
           <a:xfrm>
-            <a:off x="1691680" y="1478182"/>
+            <a:off x="2054003" y="1478182"/>
             <a:ext cx="5760640" cy="0"/>
           </a:xfrm>
           <a:prstGeom prst="straightConnector1">
@@ -14282,7 +14282,7 @@
         </p:nvCxnSpPr>
         <p:spPr>
           <a:xfrm>
-            <a:off x="1691680" y="3063658"/>
+            <a:off x="2054003" y="3063658"/>
             <a:ext cx="5760640" cy="0"/>
           </a:xfrm>
           <a:prstGeom prst="straightConnector1">
@@ -14324,7 +14324,7 @@
         </p:nvSpPr>
         <p:spPr>
           <a:xfrm>
-            <a:off x="1637232" y="1862933"/>
+            <a:off x="1999555" y="1862933"/>
             <a:ext cx="1069524" cy="276999"/>
           </a:xfrm>
           <a:prstGeom prst="rect">
@@ -14376,7 +14376,7 @@
             </p:nvSpPr>
             <p:spPr>
               <a:xfrm>
-                <a:off x="2854317" y="1465323"/>
+                <a:off x="3216640" y="1465323"/>
                 <a:ext cx="358752" cy="261610"/>
               </a:xfrm>
               <a:prstGeom prst="rect">
@@ -14452,7 +14452,7 @@
             </p:nvSpPr>
             <p:spPr>
               <a:xfrm>
-                <a:off x="2854317" y="1465323"/>
+                <a:off x="3216640" y="1465323"/>
                 <a:ext cx="358752" cy="261610"/>
               </a:xfrm>
               <a:prstGeom prst="rect">
@@ -14496,7 +14496,7 @@
             </p:nvSpPr>
             <p:spPr>
               <a:xfrm>
-                <a:off x="5658003" y="1465323"/>
+                <a:off x="6020326" y="1465323"/>
                 <a:ext cx="358752" cy="261610"/>
               </a:xfrm>
               <a:prstGeom prst="rect">
@@ -14572,7 +14572,7 @@
             </p:nvSpPr>
             <p:spPr>
               <a:xfrm>
-                <a:off x="5658003" y="1465323"/>
+                <a:off x="6020326" y="1465323"/>
                 <a:ext cx="358752" cy="261610"/>
               </a:xfrm>
               <a:prstGeom prst="rect">
@@ -14614,7 +14614,7 @@
         </p:nvCxnSpPr>
         <p:spPr>
           <a:xfrm>
-            <a:off x="3026383" y="1422419"/>
+            <a:off x="3388706" y="1422419"/>
             <a:ext cx="0" cy="111526"/>
           </a:xfrm>
           <a:prstGeom prst="line">
@@ -14655,7 +14655,7 @@
         </p:nvCxnSpPr>
         <p:spPr>
           <a:xfrm>
-            <a:off x="5837671" y="1422419"/>
+            <a:off x="6199994" y="1422419"/>
             <a:ext cx="0" cy="111526"/>
           </a:xfrm>
           <a:prstGeom prst="line">
@@ -14698,7 +14698,7 @@
             </p:nvSpPr>
             <p:spPr>
               <a:xfrm>
-                <a:off x="2854317" y="3065644"/>
+                <a:off x="3216640" y="3065644"/>
                 <a:ext cx="358752" cy="261610"/>
               </a:xfrm>
               <a:prstGeom prst="rect">
@@ -14774,7 +14774,7 @@
             </p:nvSpPr>
             <p:spPr>
               <a:xfrm>
-                <a:off x="2854317" y="3065644"/>
+                <a:off x="3216640" y="3065644"/>
                 <a:ext cx="358752" cy="261610"/>
               </a:xfrm>
               <a:prstGeom prst="rect">
@@ -14818,7 +14818,7 @@
             </p:nvSpPr>
             <p:spPr>
               <a:xfrm>
-                <a:off x="5658003" y="3065644"/>
+                <a:off x="6020326" y="3065644"/>
                 <a:ext cx="358752" cy="261610"/>
               </a:xfrm>
               <a:prstGeom prst="rect">
@@ -14894,7 +14894,7 @@
             </p:nvSpPr>
             <p:spPr>
               <a:xfrm>
-                <a:off x="5658003" y="3065644"/>
+                <a:off x="6020326" y="3065644"/>
                 <a:ext cx="358752" cy="261610"/>
               </a:xfrm>
               <a:prstGeom prst="rect">
@@ -14936,7 +14936,7 @@
         </p:nvCxnSpPr>
         <p:spPr>
           <a:xfrm>
-            <a:off x="3026383" y="3022740"/>
+            <a:off x="3388706" y="3022740"/>
             <a:ext cx="0" cy="111526"/>
           </a:xfrm>
           <a:prstGeom prst="line">
@@ -14977,7 +14977,7 @@
         </p:nvCxnSpPr>
         <p:spPr>
           <a:xfrm>
-            <a:off x="5837671" y="3022740"/>
+            <a:off x="6199994" y="3022740"/>
             <a:ext cx="0" cy="111526"/>
           </a:xfrm>
           <a:prstGeom prst="line">
@@ -15018,7 +15018,7 @@
         </p:nvSpPr>
         <p:spPr>
           <a:xfrm>
-            <a:off x="4499992" y="1862933"/>
+            <a:off x="4862315" y="1862933"/>
             <a:ext cx="1096775" cy="276999"/>
           </a:xfrm>
           <a:prstGeom prst="rect">
@@ -15081,7 +15081,7 @@
         </p:blipFill>
         <p:spPr bwMode="auto">
           <a:xfrm>
-            <a:off x="3248551" y="3129926"/>
+            <a:off x="3610874" y="3129926"/>
             <a:ext cx="2369098" cy="1734616"/>
           </a:xfrm>
           <a:prstGeom prst="rect">
@@ -15136,7 +15136,7 @@
         </p:nvSpPr>
         <p:spPr>
           <a:xfrm>
-            <a:off x="3976868" y="4341269"/>
+            <a:off x="4339191" y="4341269"/>
             <a:ext cx="415498" cy="261610"/>
           </a:xfrm>
           <a:prstGeom prst="rect">
@@ -15178,7 +15178,7 @@
         </p:nvSpPr>
         <p:spPr>
           <a:xfrm>
-            <a:off x="4373846" y="4106506"/>
+            <a:off x="4205267" y="4011351"/>
             <a:ext cx="521297" cy="338554"/>
           </a:xfrm>
           <a:prstGeom prst="rect">
@@ -15193,7 +15193,7 @@
           <a:lstStyle/>
           <a:p>
             <a:r>
-              <a:rPr lang="ko-KR" altLang="en-US" sz="1600">
+              <a:rPr lang="ko-KR" altLang="en-US" sz="1600" dirty="0">
                 <a:solidFill>
                   <a:srgbClr val="D779F1"/>
                 </a:solidFill>
@@ -15202,13 +15202,6 @@
               </a:rPr>
               <a:t>차이</a:t>
             </a:r>
-            <a:endParaRPr lang="ko-KR" altLang="en-US" sz="1600" dirty="0">
-              <a:solidFill>
-                <a:srgbClr val="D779F1"/>
-              </a:solidFill>
-              <a:latin typeface="배달의민족 주아" panose="02020603020101020101" pitchFamily="18" charset="-127"/>
-              <a:ea typeface="배달의민족 주아" panose="02020603020101020101" pitchFamily="18" charset="-127"/>
-            </a:endParaRPr>
           </a:p>
         </p:txBody>
       </p:sp>
@@ -15226,7 +15219,121 @@
         </p:nvSpPr>
         <p:spPr>
           <a:xfrm>
-            <a:off x="4117308" y="4182613"/>
+            <a:off x="4499992" y="4189264"/>
+            <a:ext cx="415498" cy="261610"/>
+          </a:xfrm>
+          <a:prstGeom prst="rect">
+            <a:avLst/>
+          </a:prstGeom>
+          <a:noFill/>
+        </p:spPr>
+        <p:txBody>
+          <a:bodyPr wrap="none" rtlCol="0">
+            <a:spAutoFit/>
+          </a:bodyPr>
+          <a:lstStyle/>
+          <a:p>
+            <a:r>
+              <a:rPr lang="ko-KR" altLang="en-US" sz="1100" dirty="0">
+                <a:latin typeface="배달의민족 주아" panose="02020603020101020101" pitchFamily="18" charset="-127"/>
+                <a:ea typeface="배달의민족 주아" panose="02020603020101020101" pitchFamily="18" charset="-127"/>
+              </a:rPr>
+              <a:t>차이</a:t>
+            </a:r>
+          </a:p>
+        </p:txBody>
+      </p:sp>
+      <p:sp>
+        <p:nvSpPr>
+          <p:cNvPr id="287" name="TextBox 286">
+            <a:extLst>
+              <a:ext uri="{FF2B5EF4-FFF2-40B4-BE49-F238E27FC236}">
+                <a16:creationId xmlns:a16="http://schemas.microsoft.com/office/drawing/2014/main" id="{B73EC6F2-E012-48E6-9463-1CD797BE35B0}"/>
+              </a:ext>
+            </a:extLst>
+          </p:cNvPr>
+          <p:cNvSpPr txBox="1"/>
+          <p:nvPr/>
+        </p:nvSpPr>
+        <p:spPr>
+          <a:xfrm>
+            <a:off x="4695212" y="4369539"/>
+            <a:ext cx="415498" cy="261610"/>
+          </a:xfrm>
+          <a:prstGeom prst="rect">
+            <a:avLst/>
+          </a:prstGeom>
+          <a:noFill/>
+        </p:spPr>
+        <p:txBody>
+          <a:bodyPr wrap="none" rtlCol="0">
+            <a:spAutoFit/>
+          </a:bodyPr>
+          <a:lstStyle/>
+          <a:p>
+            <a:r>
+              <a:rPr lang="ko-KR" altLang="en-US" sz="1100" dirty="0">
+                <a:latin typeface="배달의민족 주아" panose="02020603020101020101" pitchFamily="18" charset="-127"/>
+                <a:ea typeface="배달의민족 주아" panose="02020603020101020101" pitchFamily="18" charset="-127"/>
+              </a:rPr>
+              <a:t>차이</a:t>
+            </a:r>
+          </a:p>
+        </p:txBody>
+      </p:sp>
+      <p:sp>
+        <p:nvSpPr>
+          <p:cNvPr id="288" name="TextBox 287">
+            <a:extLst>
+              <a:ext uri="{FF2B5EF4-FFF2-40B4-BE49-F238E27FC236}">
+                <a16:creationId xmlns:a16="http://schemas.microsoft.com/office/drawing/2014/main" id="{E81D15DE-E262-437D-B3E0-B0D7B19F1DBF}"/>
+              </a:ext>
+            </a:extLst>
+          </p:cNvPr>
+          <p:cNvSpPr txBox="1"/>
+          <p:nvPr/>
+        </p:nvSpPr>
+        <p:spPr>
+          <a:xfrm>
+            <a:off x="4837482" y="4137931"/>
+            <a:ext cx="415498" cy="261610"/>
+          </a:xfrm>
+          <a:prstGeom prst="rect">
+            <a:avLst/>
+          </a:prstGeom>
+          <a:noFill/>
+        </p:spPr>
+        <p:txBody>
+          <a:bodyPr wrap="none" rtlCol="0">
+            <a:spAutoFit/>
+          </a:bodyPr>
+          <a:lstStyle/>
+          <a:p>
+            <a:r>
+              <a:rPr lang="ko-KR" altLang="en-US" sz="1100" dirty="0">
+                <a:latin typeface="배달의민족 주아" panose="02020603020101020101" pitchFamily="18" charset="-127"/>
+                <a:ea typeface="배달의민족 주아" panose="02020603020101020101" pitchFamily="18" charset="-127"/>
+              </a:rPr>
+              <a:t>차이</a:t>
+            </a:r>
+          </a:p>
+        </p:txBody>
+      </p:sp>
+      <p:sp>
+        <p:nvSpPr>
+          <p:cNvPr id="289" name="TextBox 288">
+            <a:extLst>
+              <a:ext uri="{FF2B5EF4-FFF2-40B4-BE49-F238E27FC236}">
+                <a16:creationId xmlns:a16="http://schemas.microsoft.com/office/drawing/2014/main" id="{A76069F2-2AA8-46DF-BFF0-0961CC4014DC}"/>
+              </a:ext>
+            </a:extLst>
+          </p:cNvPr>
+          <p:cNvSpPr txBox="1"/>
+          <p:nvPr/>
+        </p:nvSpPr>
+        <p:spPr>
+          <a:xfrm>
+            <a:off x="4524641" y="3900340"/>
             <a:ext cx="415498" cy="261610"/>
           </a:xfrm>
           <a:prstGeom prst="rect">
@@ -15256,57 +15363,19 @@
       </p:sp>
       <p:sp>
         <p:nvSpPr>
-          <p:cNvPr id="287" name="TextBox 286">
-            <a:extLst>
-              <a:ext uri="{FF2B5EF4-FFF2-40B4-BE49-F238E27FC236}">
-                <a16:creationId xmlns:a16="http://schemas.microsoft.com/office/drawing/2014/main" id="{B73EC6F2-E012-48E6-9463-1CD797BE35B0}"/>
-              </a:ext>
-            </a:extLst>
-          </p:cNvPr>
-          <p:cNvSpPr txBox="1"/>
-          <p:nvPr/>
-        </p:nvSpPr>
-        <p:spPr>
-          <a:xfrm>
-            <a:off x="4332889" y="4369539"/>
-            <a:ext cx="415498" cy="261610"/>
-          </a:xfrm>
-          <a:prstGeom prst="rect">
-            <a:avLst/>
-          </a:prstGeom>
-          <a:noFill/>
-        </p:spPr>
-        <p:txBody>
-          <a:bodyPr wrap="none" rtlCol="0">
-            <a:spAutoFit/>
-          </a:bodyPr>
-          <a:lstStyle/>
-          <a:p>
-            <a:r>
-              <a:rPr lang="ko-KR" altLang="en-US" sz="1100" dirty="0">
-                <a:latin typeface="배달의민족 주아" panose="02020603020101020101" pitchFamily="18" charset="-127"/>
-                <a:ea typeface="배달의민족 주아" panose="02020603020101020101" pitchFamily="18" charset="-127"/>
-              </a:rPr>
-              <a:t>차이</a:t>
-            </a:r>
-          </a:p>
-        </p:txBody>
-      </p:sp>
-      <p:sp>
-        <p:nvSpPr>
-          <p:cNvPr id="288" name="TextBox 287">
-            <a:extLst>
-              <a:ext uri="{FF2B5EF4-FFF2-40B4-BE49-F238E27FC236}">
-                <a16:creationId xmlns:a16="http://schemas.microsoft.com/office/drawing/2014/main" id="{E81D15DE-E262-437D-B3E0-B0D7B19F1DBF}"/>
-              </a:ext>
-            </a:extLst>
-          </p:cNvPr>
-          <p:cNvSpPr txBox="1"/>
-          <p:nvPr/>
-        </p:nvSpPr>
-        <p:spPr>
-          <a:xfrm>
-            <a:off x="3940478" y="4038332"/>
+          <p:cNvPr id="290" name="TextBox 289">
+            <a:extLst>
+              <a:ext uri="{FF2B5EF4-FFF2-40B4-BE49-F238E27FC236}">
+                <a16:creationId xmlns:a16="http://schemas.microsoft.com/office/drawing/2014/main" id="{72198AC0-3FD1-43E0-A4BC-C6C9287625F6}"/>
+              </a:ext>
+            </a:extLst>
+          </p:cNvPr>
+          <p:cNvSpPr txBox="1"/>
+          <p:nvPr/>
+        </p:nvSpPr>
+        <p:spPr>
+          <a:xfrm>
+            <a:off x="4626051" y="3735623"/>
             <a:ext cx="415498" cy="261610"/>
           </a:xfrm>
           <a:prstGeom prst="rect">
@@ -15336,19 +15405,19 @@
       </p:sp>
       <p:sp>
         <p:nvSpPr>
-          <p:cNvPr id="289" name="TextBox 288">
-            <a:extLst>
-              <a:ext uri="{FF2B5EF4-FFF2-40B4-BE49-F238E27FC236}">
-                <a16:creationId xmlns:a16="http://schemas.microsoft.com/office/drawing/2014/main" id="{A76069F2-2AA8-46DF-BFF0-0961CC4014DC}"/>
-              </a:ext>
-            </a:extLst>
-          </p:cNvPr>
-          <p:cNvSpPr txBox="1"/>
-          <p:nvPr/>
-        </p:nvSpPr>
-        <p:spPr>
-          <a:xfrm>
-            <a:off x="4192804" y="3923987"/>
+          <p:cNvPr id="291" name="TextBox 290">
+            <a:extLst>
+              <a:ext uri="{FF2B5EF4-FFF2-40B4-BE49-F238E27FC236}">
+                <a16:creationId xmlns:a16="http://schemas.microsoft.com/office/drawing/2014/main" id="{8D2E9371-3674-4100-8732-293F89C28E78}"/>
+              </a:ext>
+            </a:extLst>
+          </p:cNvPr>
+          <p:cNvSpPr txBox="1"/>
+          <p:nvPr/>
+        </p:nvSpPr>
+        <p:spPr>
+          <a:xfrm>
+            <a:off x="4807426" y="3917103"/>
             <a:ext cx="415498" cy="261610"/>
           </a:xfrm>
           <a:prstGeom prst="rect">
@@ -15378,19 +15447,57 @@
       </p:sp>
       <p:sp>
         <p:nvSpPr>
-          <p:cNvPr id="290" name="TextBox 289">
-            <a:extLst>
-              <a:ext uri="{FF2B5EF4-FFF2-40B4-BE49-F238E27FC236}">
-                <a16:creationId xmlns:a16="http://schemas.microsoft.com/office/drawing/2014/main" id="{72198AC0-3FD1-43E0-A4BC-C6C9287625F6}"/>
-              </a:ext>
-            </a:extLst>
-          </p:cNvPr>
-          <p:cNvSpPr txBox="1"/>
-          <p:nvPr/>
-        </p:nvSpPr>
-        <p:spPr>
-          <a:xfrm>
-            <a:off x="4263728" y="3735623"/>
+          <p:cNvPr id="292" name="TextBox 291">
+            <a:extLst>
+              <a:ext uri="{FF2B5EF4-FFF2-40B4-BE49-F238E27FC236}">
+                <a16:creationId xmlns:a16="http://schemas.microsoft.com/office/drawing/2014/main" id="{540FCDD8-CBAD-4CF8-9819-6EE0D7C3F4B3}"/>
+              </a:ext>
+            </a:extLst>
+          </p:cNvPr>
+          <p:cNvSpPr txBox="1"/>
+          <p:nvPr/>
+        </p:nvSpPr>
+        <p:spPr>
+          <a:xfrm>
+            <a:off x="5029053" y="4341269"/>
+            <a:ext cx="415498" cy="261610"/>
+          </a:xfrm>
+          <a:prstGeom prst="rect">
+            <a:avLst/>
+          </a:prstGeom>
+          <a:noFill/>
+        </p:spPr>
+        <p:txBody>
+          <a:bodyPr wrap="none" rtlCol="0">
+            <a:spAutoFit/>
+          </a:bodyPr>
+          <a:lstStyle/>
+          <a:p>
+            <a:r>
+              <a:rPr lang="ko-KR" altLang="en-US" sz="1100" dirty="0">
+                <a:latin typeface="배달의민족 주아" panose="02020603020101020101" pitchFamily="18" charset="-127"/>
+                <a:ea typeface="배달의민족 주아" panose="02020603020101020101" pitchFamily="18" charset="-127"/>
+              </a:rPr>
+              <a:t>차이</a:t>
+            </a:r>
+          </a:p>
+        </p:txBody>
+      </p:sp>
+      <p:sp>
+        <p:nvSpPr>
+          <p:cNvPr id="293" name="TextBox 292">
+            <a:extLst>
+              <a:ext uri="{FF2B5EF4-FFF2-40B4-BE49-F238E27FC236}">
+                <a16:creationId xmlns:a16="http://schemas.microsoft.com/office/drawing/2014/main" id="{CF9F4CC8-9D2B-44FA-BDA4-6B5077C585D5}"/>
+              </a:ext>
+            </a:extLst>
+          </p:cNvPr>
+          <p:cNvSpPr txBox="1"/>
+          <p:nvPr/>
+        </p:nvSpPr>
+        <p:spPr>
+          <a:xfrm>
+            <a:off x="4049081" y="4313418"/>
             <a:ext cx="415498" cy="261610"/>
           </a:xfrm>
           <a:prstGeom prst="rect">
@@ -15420,128 +15527,6 @@
       </p:sp>
       <p:sp>
         <p:nvSpPr>
-          <p:cNvPr id="291" name="TextBox 290">
-            <a:extLst>
-              <a:ext uri="{FF2B5EF4-FFF2-40B4-BE49-F238E27FC236}">
-                <a16:creationId xmlns:a16="http://schemas.microsoft.com/office/drawing/2014/main" id="{8D2E9371-3674-4100-8732-293F89C28E78}"/>
-              </a:ext>
-            </a:extLst>
-          </p:cNvPr>
-          <p:cNvSpPr txBox="1"/>
-          <p:nvPr/>
-        </p:nvSpPr>
-        <p:spPr>
-          <a:xfrm>
-            <a:off x="4445103" y="3917103"/>
-            <a:ext cx="415498" cy="261610"/>
-          </a:xfrm>
-          <a:prstGeom prst="rect">
-            <a:avLst/>
-          </a:prstGeom>
-          <a:noFill/>
-        </p:spPr>
-        <p:txBody>
-          <a:bodyPr wrap="none" rtlCol="0">
-            <a:spAutoFit/>
-          </a:bodyPr>
-          <a:lstStyle/>
-          <a:p>
-            <a:r>
-              <a:rPr lang="ko-KR" altLang="en-US" sz="1100">
-                <a:latin typeface="배달의민족 주아" panose="02020603020101020101" pitchFamily="18" charset="-127"/>
-                <a:ea typeface="배달의민족 주아" panose="02020603020101020101" pitchFamily="18" charset="-127"/>
-              </a:rPr>
-              <a:t>차이</a:t>
-            </a:r>
-            <a:endParaRPr lang="ko-KR" altLang="en-US" sz="1100" dirty="0">
-              <a:latin typeface="배달의민족 주아" panose="02020603020101020101" pitchFamily="18" charset="-127"/>
-              <a:ea typeface="배달의민족 주아" panose="02020603020101020101" pitchFamily="18" charset="-127"/>
-            </a:endParaRPr>
-          </a:p>
-        </p:txBody>
-      </p:sp>
-      <p:sp>
-        <p:nvSpPr>
-          <p:cNvPr id="292" name="TextBox 291">
-            <a:extLst>
-              <a:ext uri="{FF2B5EF4-FFF2-40B4-BE49-F238E27FC236}">
-                <a16:creationId xmlns:a16="http://schemas.microsoft.com/office/drawing/2014/main" id="{540FCDD8-CBAD-4CF8-9819-6EE0D7C3F4B3}"/>
-              </a:ext>
-            </a:extLst>
-          </p:cNvPr>
-          <p:cNvSpPr txBox="1"/>
-          <p:nvPr/>
-        </p:nvSpPr>
-        <p:spPr>
-          <a:xfrm>
-            <a:off x="4666730" y="4341269"/>
-            <a:ext cx="415498" cy="261610"/>
-          </a:xfrm>
-          <a:prstGeom prst="rect">
-            <a:avLst/>
-          </a:prstGeom>
-          <a:noFill/>
-        </p:spPr>
-        <p:txBody>
-          <a:bodyPr wrap="none" rtlCol="0">
-            <a:spAutoFit/>
-          </a:bodyPr>
-          <a:lstStyle/>
-          <a:p>
-            <a:r>
-              <a:rPr lang="ko-KR" altLang="en-US" sz="1100" dirty="0">
-                <a:latin typeface="배달의민족 주아" panose="02020603020101020101" pitchFamily="18" charset="-127"/>
-                <a:ea typeface="배달의민족 주아" panose="02020603020101020101" pitchFamily="18" charset="-127"/>
-              </a:rPr>
-              <a:t>차이</a:t>
-            </a:r>
-          </a:p>
-        </p:txBody>
-      </p:sp>
-      <p:sp>
-        <p:nvSpPr>
-          <p:cNvPr id="293" name="TextBox 292">
-            <a:extLst>
-              <a:ext uri="{FF2B5EF4-FFF2-40B4-BE49-F238E27FC236}">
-                <a16:creationId xmlns:a16="http://schemas.microsoft.com/office/drawing/2014/main" id="{CF9F4CC8-9D2B-44FA-BDA4-6B5077C585D5}"/>
-              </a:ext>
-            </a:extLst>
-          </p:cNvPr>
-          <p:cNvSpPr txBox="1"/>
-          <p:nvPr/>
-        </p:nvSpPr>
-        <p:spPr>
-          <a:xfrm>
-            <a:off x="3686758" y="4313418"/>
-            <a:ext cx="415498" cy="261610"/>
-          </a:xfrm>
-          <a:prstGeom prst="rect">
-            <a:avLst/>
-          </a:prstGeom>
-          <a:noFill/>
-        </p:spPr>
-        <p:txBody>
-          <a:bodyPr wrap="none" rtlCol="0">
-            <a:spAutoFit/>
-          </a:bodyPr>
-          <a:lstStyle/>
-          <a:p>
-            <a:r>
-              <a:rPr lang="ko-KR" altLang="en-US" sz="1100">
-                <a:latin typeface="배달의민족 주아" panose="02020603020101020101" pitchFamily="18" charset="-127"/>
-                <a:ea typeface="배달의민족 주아" panose="02020603020101020101" pitchFamily="18" charset="-127"/>
-              </a:rPr>
-              <a:t>차이</a:t>
-            </a:r>
-            <a:endParaRPr lang="ko-KR" altLang="en-US" sz="1100" dirty="0">
-              <a:latin typeface="배달의민족 주아" panose="02020603020101020101" pitchFamily="18" charset="-127"/>
-              <a:ea typeface="배달의민족 주아" panose="02020603020101020101" pitchFamily="18" charset="-127"/>
-            </a:endParaRPr>
-          </a:p>
-        </p:txBody>
-      </p:sp>
-      <p:sp>
-        <p:nvSpPr>
           <p:cNvPr id="294" name="TextBox 293">
             <a:extLst>
               <a:ext uri="{FF2B5EF4-FFF2-40B4-BE49-F238E27FC236}">
@@ -15554,7 +15539,7 @@
         </p:nvSpPr>
         <p:spPr>
           <a:xfrm>
-            <a:off x="4142824" y="3607512"/>
+            <a:off x="4505147" y="3607512"/>
             <a:ext cx="415498" cy="261610"/>
           </a:xfrm>
           <a:prstGeom prst="rect">
@@ -15592,7 +15577,7 @@
         </p:nvCxnSpPr>
         <p:spPr>
           <a:xfrm>
-            <a:off x="1691680" y="4719741"/>
+            <a:off x="2054003" y="4719741"/>
             <a:ext cx="5760640" cy="0"/>
           </a:xfrm>
           <a:prstGeom prst="straightConnector1">
@@ -15634,7 +15619,7 @@
         </p:nvSpPr>
         <p:spPr>
           <a:xfrm>
-            <a:off x="1637232" y="3412421"/>
+            <a:off x="1999555" y="3412421"/>
             <a:ext cx="1152880" cy="276999"/>
           </a:xfrm>
           <a:prstGeom prst="rect">
@@ -15675,7 +15660,7 @@
             </p:nvSpPr>
             <p:spPr>
               <a:xfrm>
-                <a:off x="4066838" y="4721727"/>
+                <a:off x="4429161" y="4721727"/>
                 <a:ext cx="669350" cy="261610"/>
               </a:xfrm>
               <a:prstGeom prst="rect">
@@ -15786,7 +15771,7 @@
             </p:nvSpPr>
             <p:spPr>
               <a:xfrm>
-                <a:off x="4066838" y="4721727"/>
+                <a:off x="4429161" y="4721727"/>
                 <a:ext cx="669350" cy="261610"/>
               </a:xfrm>
               <a:prstGeom prst="rect">
@@ -15828,7 +15813,7 @@
         </p:nvCxnSpPr>
         <p:spPr>
           <a:xfrm>
-            <a:off x="4394045" y="4678823"/>
+            <a:off x="4756368" y="4678823"/>
             <a:ext cx="0" cy="111526"/>
           </a:xfrm>
           <a:prstGeom prst="line">
@@ -15869,7 +15854,7 @@
         </p:nvSpPr>
         <p:spPr>
           <a:xfrm>
-            <a:off x="3994470" y="3789740"/>
+            <a:off x="4356793" y="3789740"/>
             <a:ext cx="415498" cy="261610"/>
           </a:xfrm>
           <a:prstGeom prst="rect">
@@ -15907,7 +15892,7 @@
         </p:nvSpPr>
         <p:spPr>
           <a:xfrm>
-            <a:off x="4263728" y="3446852"/>
+            <a:off x="4626051" y="3446852"/>
             <a:ext cx="415498" cy="261610"/>
           </a:xfrm>
           <a:prstGeom prst="rect">
@@ -15945,7 +15930,7 @@
         </p:nvSpPr>
         <p:spPr>
           <a:xfrm>
-            <a:off x="7022554" y="4728247"/>
+            <a:off x="7384877" y="4728247"/>
             <a:ext cx="859531" cy="276999"/>
           </a:xfrm>
           <a:prstGeom prst="rect">
@@ -15991,7 +15976,7 @@
         </p:nvSpPr>
         <p:spPr>
           <a:xfrm>
-            <a:off x="7168427" y="3077101"/>
+            <a:off x="7530750" y="3077101"/>
             <a:ext cx="567784" cy="276999"/>
           </a:xfrm>
           <a:prstGeom prst="rect">
@@ -16034,7 +16019,7 @@
         </p:nvSpPr>
         <p:spPr>
           <a:xfrm>
-            <a:off x="7108316" y="1473766"/>
+            <a:off x="7470639" y="1473766"/>
             <a:ext cx="688009" cy="276999"/>
           </a:xfrm>
           <a:prstGeom prst="rect">
@@ -16113,7 +16098,7 @@
         </p:blipFill>
         <p:spPr>
           <a:xfrm rot="5400000">
-            <a:off x="349536" y="1389961"/>
+            <a:off x="711859" y="1389961"/>
             <a:ext cx="1517508" cy="600785"/>
           </a:xfrm>
           <a:prstGeom prst="rect">
@@ -16121,6 +16106,170 @@
           </a:prstGeom>
         </p:spPr>
       </p:pic>
+      <p:sp>
+        <p:nvSpPr>
+          <p:cNvPr id="330" name="TextBox 329">
+            <a:extLst>
+              <a:ext uri="{FF2B5EF4-FFF2-40B4-BE49-F238E27FC236}">
+                <a16:creationId xmlns:a16="http://schemas.microsoft.com/office/drawing/2014/main" id="{2126F626-11BC-4D72-BCC9-B61FEFE0D163}"/>
+              </a:ext>
+            </a:extLst>
+          </p:cNvPr>
+          <p:cNvSpPr txBox="1"/>
+          <p:nvPr/>
+        </p:nvSpPr>
+        <p:spPr>
+          <a:xfrm>
+            <a:off x="251520" y="1347614"/>
+            <a:ext cx="976549" cy="523220"/>
+          </a:xfrm>
+          <a:prstGeom prst="rect">
+            <a:avLst/>
+          </a:prstGeom>
+          <a:noFill/>
+        </p:spPr>
+        <p:txBody>
+          <a:bodyPr wrap="none" rtlCol="0">
+            <a:spAutoFit/>
+          </a:bodyPr>
+          <a:lstStyle/>
+          <a:p>
+            <a:pPr algn="ctr"/>
+            <a:r>
+              <a:rPr lang="ko-KR" altLang="en-US" sz="1400" dirty="0">
+                <a:latin typeface="배달의민족 주아" panose="02020603020101020101" pitchFamily="18" charset="-127"/>
+                <a:ea typeface="배달의민족 주아" panose="02020603020101020101" pitchFamily="18" charset="-127"/>
+              </a:rPr>
+              <a:t>각 집단의</a:t>
+            </a:r>
+            <a:endParaRPr lang="en-US" altLang="ko-KR" sz="1400" dirty="0">
+              <a:latin typeface="배달의민족 주아" panose="02020603020101020101" pitchFamily="18" charset="-127"/>
+              <a:ea typeface="배달의민족 주아" panose="02020603020101020101" pitchFamily="18" charset="-127"/>
+            </a:endParaRPr>
+          </a:p>
+          <a:p>
+            <a:pPr algn="ctr"/>
+            <a:r>
+              <a:rPr lang="ko-KR" altLang="en-US" sz="1400" dirty="0">
+                <a:latin typeface="배달의민족 주아" panose="02020603020101020101" pitchFamily="18" charset="-127"/>
+                <a:ea typeface="배달의민족 주아" panose="02020603020101020101" pitchFamily="18" charset="-127"/>
+              </a:rPr>
+              <a:t>평균값 계산</a:t>
+            </a:r>
+          </a:p>
+        </p:txBody>
+      </p:sp>
+      <p:pic>
+        <p:nvPicPr>
+          <p:cNvPr id="331" name="그림 330">
+            <a:extLst>
+              <a:ext uri="{FF2B5EF4-FFF2-40B4-BE49-F238E27FC236}">
+                <a16:creationId xmlns:a16="http://schemas.microsoft.com/office/drawing/2014/main" id="{963C65DE-6388-45DC-A85A-E9C35564C335}"/>
+              </a:ext>
+            </a:extLst>
+          </p:cNvPr>
+          <p:cNvPicPr>
+            <a:picLocks noChangeAspect="1"/>
+          </p:cNvPicPr>
+          <p:nvPr/>
+        </p:nvPicPr>
+        <p:blipFill rotWithShape="1">
+          <a:blip r:embed="rId11">
+            <a:extLst>
+              <a:ext uri="{BEBA8EAE-BF5A-486C-A8C5-ECC9F3942E4B}">
+                <a14:imgProps xmlns:a14="http://schemas.microsoft.com/office/drawing/2010/main">
+                  <a14:imgLayer r:embed="rId12">
+                    <a14:imgEffect>
+                      <a14:backgroundRemoval t="9828" b="89926" l="8908" r="89916">
+                        <a14:foregroundMark x1="79328" y1="42260" x2="81061" y2="42433"/>
+                        <a14:foregroundMark x1="8908" y1="54054" x2="8908" y2="54054"/>
+                        <a14:foregroundMark x1="9244" y1="55774" x2="9244" y2="55774"/>
+                        <a14:backgroundMark x1="84706" y1="43489" x2="84706" y2="43489"/>
+                        <a14:backgroundMark x1="84706" y1="43489" x2="84706" y2="43489"/>
+                        <a14:backgroundMark x1="84538" y1="42998" x2="84538" y2="42998"/>
+                        <a14:backgroundMark x1="84706" y1="42506" x2="84538" y2="42752"/>
+                        <a14:backgroundMark x1="84538" y1="42752" x2="83866" y2="42752"/>
+                        <a14:backgroundMark x1="83529" y1="43243" x2="83361" y2="43489"/>
+                        <a14:backgroundMark x1="83866" y1="42998" x2="83866" y2="43243"/>
+                        <a14:backgroundMark x1="83529" y1="43243" x2="83193" y2="43489"/>
+                        <a14:backgroundMark x1="83193" y1="42998" x2="83193" y2="42998"/>
+                        <a14:backgroundMark x1="83193" y1="42998" x2="83193" y2="42998"/>
+                        <a14:backgroundMark x1="83025" y1="42998" x2="83025" y2="42998"/>
+                        <a14:backgroundMark x1="83025" y1="42752" x2="83529" y2="42998"/>
+                        <a14:backgroundMark x1="84034" y1="42506" x2="82017" y2="43980"/>
+                      </a14:backgroundRemoval>
+                    </a14:imgEffect>
+                  </a14:imgLayer>
+                </a14:imgProps>
+              </a:ext>
+            </a:extLst>
+          </a:blip>
+          <a:srcRect t="29798" b="12324"/>
+          <a:stretch/>
+        </p:blipFill>
+        <p:spPr>
+          <a:xfrm rot="5400000">
+            <a:off x="711859" y="3053708"/>
+            <a:ext cx="1517508" cy="600785"/>
+          </a:xfrm>
+          <a:prstGeom prst="rect">
+            <a:avLst/>
+          </a:prstGeom>
+        </p:spPr>
+      </p:pic>
+      <p:sp>
+        <p:nvSpPr>
+          <p:cNvPr id="332" name="TextBox 331">
+            <a:extLst>
+              <a:ext uri="{FF2B5EF4-FFF2-40B4-BE49-F238E27FC236}">
+                <a16:creationId xmlns:a16="http://schemas.microsoft.com/office/drawing/2014/main" id="{EBBC07F5-11A0-4B67-9E12-944EF60BCC0F}"/>
+              </a:ext>
+            </a:extLst>
+          </p:cNvPr>
+          <p:cNvSpPr txBox="1"/>
+          <p:nvPr/>
+        </p:nvSpPr>
+        <p:spPr>
+          <a:xfrm>
+            <a:off x="328465" y="3011361"/>
+            <a:ext cx="822661" cy="523220"/>
+          </a:xfrm>
+          <a:prstGeom prst="rect">
+            <a:avLst/>
+          </a:prstGeom>
+          <a:noFill/>
+        </p:spPr>
+        <p:txBody>
+          <a:bodyPr wrap="none" rtlCol="0">
+            <a:spAutoFit/>
+          </a:bodyPr>
+          <a:lstStyle/>
+          <a:p>
+            <a:pPr algn="ctr"/>
+            <a:r>
+              <a:rPr lang="ko-KR" altLang="en-US" sz="1400" dirty="0">
+                <a:latin typeface="배달의민족 주아" panose="02020603020101020101" pitchFamily="18" charset="-127"/>
+                <a:ea typeface="배달의민족 주아" panose="02020603020101020101" pitchFamily="18" charset="-127"/>
+              </a:rPr>
+              <a:t>평균값의</a:t>
+            </a:r>
+            <a:endParaRPr lang="en-US" altLang="ko-KR" sz="1400" dirty="0">
+              <a:latin typeface="배달의민족 주아" panose="02020603020101020101" pitchFamily="18" charset="-127"/>
+              <a:ea typeface="배달의민족 주아" panose="02020603020101020101" pitchFamily="18" charset="-127"/>
+            </a:endParaRPr>
+          </a:p>
+          <a:p>
+            <a:pPr algn="ctr"/>
+            <a:r>
+              <a:rPr lang="ko-KR" altLang="en-US" sz="1400" dirty="0">
+                <a:latin typeface="배달의민족 주아" panose="02020603020101020101" pitchFamily="18" charset="-127"/>
+                <a:ea typeface="배달의민족 주아" panose="02020603020101020101" pitchFamily="18" charset="-127"/>
+              </a:rPr>
+              <a:t>차이 계산</a:t>
+            </a:r>
+          </a:p>
+        </p:txBody>
+      </p:sp>
     </p:spTree>
     <p:extLst>
       <p:ext uri="{BB962C8B-B14F-4D97-AF65-F5344CB8AC3E}">

--- a/pics/2021-01-05-confidence_interval/pics.pptx
+++ b/pics/2021-01-05-confidence_interval/pics.pptx
@@ -6,11 +6,12 @@
   </p:sldMasterIdLst>
   <p:sldIdLst>
     <p:sldId id="258" r:id="rId2"/>
-    <p:sldId id="259" r:id="rId3"/>
-    <p:sldId id="260" r:id="rId4"/>
-    <p:sldId id="256" r:id="rId5"/>
-    <p:sldId id="257" r:id="rId6"/>
-    <p:sldId id="261" r:id="rId7"/>
+    <p:sldId id="262" r:id="rId3"/>
+    <p:sldId id="259" r:id="rId4"/>
+    <p:sldId id="260" r:id="rId5"/>
+    <p:sldId id="256" r:id="rId6"/>
+    <p:sldId id="257" r:id="rId7"/>
+    <p:sldId id="261" r:id="rId8"/>
   </p:sldIdLst>
   <p:sldSz cx="9144000" cy="5143500" type="screen16x9"/>
   <p:notesSz cx="6858000" cy="9144000"/>
@@ -307,7 +308,7 @@
           <a:p>
             <a:fld id="{52082F2F-C111-4C40-8D6F-6E5A50198C2A}" type="datetimeFigureOut">
               <a:rPr lang="ko-KR" altLang="en-US" smtClean="0"/>
-              <a:t>2021-01-14</a:t>
+              <a:t>2021-01-16</a:t>
             </a:fld>
             <a:endParaRPr lang="ko-KR" altLang="en-US"/>
           </a:p>
@@ -475,7 +476,7 @@
           <a:p>
             <a:fld id="{52082F2F-C111-4C40-8D6F-6E5A50198C2A}" type="datetimeFigureOut">
               <a:rPr lang="ko-KR" altLang="en-US" smtClean="0"/>
-              <a:t>2021-01-14</a:t>
+              <a:t>2021-01-16</a:t>
             </a:fld>
             <a:endParaRPr lang="ko-KR" altLang="en-US"/>
           </a:p>
@@ -653,7 +654,7 @@
           <a:p>
             <a:fld id="{52082F2F-C111-4C40-8D6F-6E5A50198C2A}" type="datetimeFigureOut">
               <a:rPr lang="ko-KR" altLang="en-US" smtClean="0"/>
-              <a:t>2021-01-14</a:t>
+              <a:t>2021-01-16</a:t>
             </a:fld>
             <a:endParaRPr lang="ko-KR" altLang="en-US"/>
           </a:p>
@@ -821,7 +822,7 @@
           <a:p>
             <a:fld id="{52082F2F-C111-4C40-8D6F-6E5A50198C2A}" type="datetimeFigureOut">
               <a:rPr lang="ko-KR" altLang="en-US" smtClean="0"/>
-              <a:t>2021-01-14</a:t>
+              <a:t>2021-01-16</a:t>
             </a:fld>
             <a:endParaRPr lang="ko-KR" altLang="en-US"/>
           </a:p>
@@ -1066,7 +1067,7 @@
           <a:p>
             <a:fld id="{52082F2F-C111-4C40-8D6F-6E5A50198C2A}" type="datetimeFigureOut">
               <a:rPr lang="ko-KR" altLang="en-US" smtClean="0"/>
-              <a:t>2021-01-14</a:t>
+              <a:t>2021-01-16</a:t>
             </a:fld>
             <a:endParaRPr lang="ko-KR" altLang="en-US"/>
           </a:p>
@@ -1351,7 +1352,7 @@
           <a:p>
             <a:fld id="{52082F2F-C111-4C40-8D6F-6E5A50198C2A}" type="datetimeFigureOut">
               <a:rPr lang="ko-KR" altLang="en-US" smtClean="0"/>
-              <a:t>2021-01-14</a:t>
+              <a:t>2021-01-16</a:t>
             </a:fld>
             <a:endParaRPr lang="ko-KR" altLang="en-US"/>
           </a:p>
@@ -1775,7 +1776,7 @@
           <a:p>
             <a:fld id="{52082F2F-C111-4C40-8D6F-6E5A50198C2A}" type="datetimeFigureOut">
               <a:rPr lang="ko-KR" altLang="en-US" smtClean="0"/>
-              <a:t>2021-01-14</a:t>
+              <a:t>2021-01-16</a:t>
             </a:fld>
             <a:endParaRPr lang="ko-KR" altLang="en-US"/>
           </a:p>
@@ -1892,7 +1893,7 @@
           <a:p>
             <a:fld id="{52082F2F-C111-4C40-8D6F-6E5A50198C2A}" type="datetimeFigureOut">
               <a:rPr lang="ko-KR" altLang="en-US" smtClean="0"/>
-              <a:t>2021-01-14</a:t>
+              <a:t>2021-01-16</a:t>
             </a:fld>
             <a:endParaRPr lang="ko-KR" altLang="en-US"/>
           </a:p>
@@ -1987,7 +1988,7 @@
           <a:p>
             <a:fld id="{52082F2F-C111-4C40-8D6F-6E5A50198C2A}" type="datetimeFigureOut">
               <a:rPr lang="ko-KR" altLang="en-US" smtClean="0"/>
-              <a:t>2021-01-14</a:t>
+              <a:t>2021-01-16</a:t>
             </a:fld>
             <a:endParaRPr lang="ko-KR" altLang="en-US"/>
           </a:p>
@@ -2262,7 +2263,7 @@
           <a:p>
             <a:fld id="{52082F2F-C111-4C40-8D6F-6E5A50198C2A}" type="datetimeFigureOut">
               <a:rPr lang="ko-KR" altLang="en-US" smtClean="0"/>
-              <a:t>2021-01-14</a:t>
+              <a:t>2021-01-16</a:t>
             </a:fld>
             <a:endParaRPr lang="ko-KR" altLang="en-US"/>
           </a:p>
@@ -2514,7 +2515,7 @@
           <a:p>
             <a:fld id="{52082F2F-C111-4C40-8D6F-6E5A50198C2A}" type="datetimeFigureOut">
               <a:rPr lang="ko-KR" altLang="en-US" smtClean="0"/>
-              <a:t>2021-01-14</a:t>
+              <a:t>2021-01-16</a:t>
             </a:fld>
             <a:endParaRPr lang="ko-KR" altLang="en-US"/>
           </a:p>
@@ -2725,7 +2726,7 @@
           <a:p>
             <a:fld id="{52082F2F-C111-4C40-8D6F-6E5A50198C2A}" type="datetimeFigureOut">
               <a:rPr lang="ko-KR" altLang="en-US" smtClean="0"/>
-              <a:t>2021-01-14</a:t>
+              <a:t>2021-01-16</a:t>
             </a:fld>
             <a:endParaRPr lang="ko-KR" altLang="en-US"/>
           </a:p>
@@ -6019,6 +6020,66 @@
           <a:chExt cx="0" cy="0"/>
         </a:xfrm>
       </p:grpSpPr>
+      <p:pic>
+        <p:nvPicPr>
+          <p:cNvPr id="5" name="그림 4">
+            <a:extLst>
+              <a:ext uri="{FF2B5EF4-FFF2-40B4-BE49-F238E27FC236}">
+                <a16:creationId xmlns:a16="http://schemas.microsoft.com/office/drawing/2014/main" id="{177245CC-9F28-4F8F-BDD7-FF635F76591E}"/>
+              </a:ext>
+            </a:extLst>
+          </p:cNvPr>
+          <p:cNvPicPr>
+            <a:picLocks noChangeAspect="1"/>
+          </p:cNvPicPr>
+          <p:nvPr/>
+        </p:nvPicPr>
+        <p:blipFill>
+          <a:blip r:embed="rId2"/>
+          <a:stretch>
+            <a:fillRect/>
+          </a:stretch>
+        </p:blipFill>
+        <p:spPr>
+          <a:xfrm>
+            <a:off x="2195736" y="789552"/>
+            <a:ext cx="4752528" cy="3564396"/>
+          </a:xfrm>
+          <a:prstGeom prst="rect">
+            <a:avLst/>
+          </a:prstGeom>
+        </p:spPr>
+      </p:pic>
+    </p:spTree>
+    <p:extLst>
+      <p:ext uri="{BB962C8B-B14F-4D97-AF65-F5344CB8AC3E}">
+        <p14:creationId xmlns:p14="http://schemas.microsoft.com/office/powerpoint/2010/main" val="4202956092"/>
+      </p:ext>
+    </p:extLst>
+  </p:cSld>
+  <p:clrMapOvr>
+    <a:masterClrMapping/>
+  </p:clrMapOvr>
+</p:sld>
+</file>
+
+<file path=ppt/slides/slide3.xml><?xml version="1.0" encoding="utf-8"?>
+<p:sld xmlns:a="http://schemas.openxmlformats.org/drawingml/2006/main" xmlns:r="http://schemas.openxmlformats.org/officeDocument/2006/relationships" xmlns:p="http://schemas.openxmlformats.org/presentationml/2006/main">
+  <p:cSld>
+    <p:spTree>
+      <p:nvGrpSpPr>
+        <p:cNvPr id="1" name=""/>
+        <p:cNvGrpSpPr/>
+        <p:nvPr/>
+      </p:nvGrpSpPr>
+      <p:grpSpPr>
+        <a:xfrm>
+          <a:off x="0" y="0"/>
+          <a:ext cx="0" cy="0"/>
+          <a:chOff x="0" y="0"/>
+          <a:chExt cx="0" cy="0"/>
+        </a:xfrm>
+      </p:grpSpPr>
       <p:cxnSp>
         <p:nvCxnSpPr>
           <p:cNvPr id="54" name="직선 연결선 53">
@@ -7608,7 +7669,7 @@
 </p:sld>
 </file>
 
-<file path=ppt/slides/slide3.xml><?xml version="1.0" encoding="utf-8"?>
+<file path=ppt/slides/slide4.xml><?xml version="1.0" encoding="utf-8"?>
 <p:sld xmlns:a="http://schemas.openxmlformats.org/drawingml/2006/main" xmlns:r="http://schemas.openxmlformats.org/officeDocument/2006/relationships" xmlns:p="http://schemas.openxmlformats.org/presentationml/2006/main">
   <p:cSld>
     <p:spTree>
@@ -10580,7 +10641,7 @@
 </p:sld>
 </file>
 
-<file path=ppt/slides/slide4.xml><?xml version="1.0" encoding="utf-8"?>
+<file path=ppt/slides/slide5.xml><?xml version="1.0" encoding="utf-8"?>
 <p:sld xmlns:a="http://schemas.openxmlformats.org/drawingml/2006/main" xmlns:r="http://schemas.openxmlformats.org/officeDocument/2006/relationships" xmlns:p="http://schemas.openxmlformats.org/presentationml/2006/main">
   <p:cSld>
     <p:spTree>
@@ -11216,7 +11277,7 @@
 </p:sld>
 </file>
 
-<file path=ppt/slides/slide5.xml><?xml version="1.0" encoding="utf-8"?>
+<file path=ppt/slides/slide6.xml><?xml version="1.0" encoding="utf-8"?>
 <p:sld xmlns:a="http://schemas.openxmlformats.org/drawingml/2006/main" xmlns:r="http://schemas.openxmlformats.org/officeDocument/2006/relationships" xmlns:p="http://schemas.openxmlformats.org/presentationml/2006/main">
   <p:cSld>
     <p:spTree>
@@ -11310,7 +11371,7 @@
 </p:sld>
 </file>
 
-<file path=ppt/slides/slide6.xml><?xml version="1.0" encoding="utf-8"?>
+<file path=ppt/slides/slide7.xml><?xml version="1.0" encoding="utf-8"?>
 <p:sld xmlns:a="http://schemas.openxmlformats.org/drawingml/2006/main" xmlns:r="http://schemas.openxmlformats.org/officeDocument/2006/relationships" xmlns:p="http://schemas.openxmlformats.org/presentationml/2006/main">
   <p:cSld>
     <p:spTree>
@@ -14360,8 +14421,8 @@
           </a:p>
         </p:txBody>
       </p:sp>
-      <mc:AlternateContent xmlns:mc="http://schemas.openxmlformats.org/markup-compatibility/2006">
-        <mc:Choice xmlns:a14="http://schemas.microsoft.com/office/drawing/2010/main" Requires="a14">
+      <mc:AlternateContent xmlns:mc="http://schemas.openxmlformats.org/markup-compatibility/2006" xmlns:a14="http://schemas.microsoft.com/office/drawing/2010/main">
+        <mc:Choice Requires="a14">
           <p:sp>
             <p:nvSpPr>
               <p:cNvPr id="272" name="TextBox 271">
@@ -14390,6 +14451,7 @@
               </a:bodyPr>
               <a:lstStyle/>
               <a:p>
+                <a:pPr/>
                 <a14:m>
                   <m:oMathPara xmlns:m="http://schemas.openxmlformats.org/officeDocument/2006/math">
                     <m:oMathParaPr>
@@ -14435,7 +14497,7 @@
             </p:txBody>
           </p:sp>
         </mc:Choice>
-        <mc:Fallback>
+        <mc:Fallback xmlns="">
           <p:sp>
             <p:nvSpPr>
               <p:cNvPr id="272" name="TextBox 271">
@@ -14480,8 +14542,8 @@
           </p:sp>
         </mc:Fallback>
       </mc:AlternateContent>
-      <mc:AlternateContent xmlns:mc="http://schemas.openxmlformats.org/markup-compatibility/2006">
-        <mc:Choice xmlns:a14="http://schemas.microsoft.com/office/drawing/2010/main" Requires="a14">
+      <mc:AlternateContent xmlns:mc="http://schemas.openxmlformats.org/markup-compatibility/2006" xmlns:a14="http://schemas.microsoft.com/office/drawing/2010/main">
+        <mc:Choice Requires="a14">
           <p:sp>
             <p:nvSpPr>
               <p:cNvPr id="273" name="TextBox 272">
@@ -14510,6 +14572,7 @@
               </a:bodyPr>
               <a:lstStyle/>
               <a:p>
+                <a:pPr/>
                 <a14:m>
                   <m:oMathPara xmlns:m="http://schemas.openxmlformats.org/officeDocument/2006/math">
                     <m:oMathParaPr>
@@ -14555,7 +14618,7 @@
             </p:txBody>
           </p:sp>
         </mc:Choice>
-        <mc:Fallback>
+        <mc:Fallback xmlns="">
           <p:sp>
             <p:nvSpPr>
               <p:cNvPr id="273" name="TextBox 272">
@@ -14682,8 +14745,8 @@
           </a:fontRef>
         </p:style>
       </p:cxnSp>
-      <mc:AlternateContent xmlns:mc="http://schemas.openxmlformats.org/markup-compatibility/2006">
-        <mc:Choice xmlns:a14="http://schemas.microsoft.com/office/drawing/2010/main" Requires="a14">
+      <mc:AlternateContent xmlns:mc="http://schemas.openxmlformats.org/markup-compatibility/2006" xmlns:a14="http://schemas.microsoft.com/office/drawing/2010/main">
+        <mc:Choice Requires="a14">
           <p:sp>
             <p:nvSpPr>
               <p:cNvPr id="277" name="TextBox 276">
@@ -14712,6 +14775,7 @@
               </a:bodyPr>
               <a:lstStyle/>
               <a:p>
+                <a:pPr/>
                 <a14:m>
                   <m:oMathPara xmlns:m="http://schemas.openxmlformats.org/officeDocument/2006/math">
                     <m:oMathParaPr>
@@ -14757,7 +14821,7 @@
             </p:txBody>
           </p:sp>
         </mc:Choice>
-        <mc:Fallback>
+        <mc:Fallback xmlns="">
           <p:sp>
             <p:nvSpPr>
               <p:cNvPr id="277" name="TextBox 276">
@@ -14802,8 +14866,8 @@
           </p:sp>
         </mc:Fallback>
       </mc:AlternateContent>
-      <mc:AlternateContent xmlns:mc="http://schemas.openxmlformats.org/markup-compatibility/2006">
-        <mc:Choice xmlns:a14="http://schemas.microsoft.com/office/drawing/2010/main" Requires="a14">
+      <mc:AlternateContent xmlns:mc="http://schemas.openxmlformats.org/markup-compatibility/2006" xmlns:a14="http://schemas.microsoft.com/office/drawing/2010/main">
+        <mc:Choice Requires="a14">
           <p:sp>
             <p:nvSpPr>
               <p:cNvPr id="278" name="TextBox 277">
@@ -14832,6 +14896,7 @@
               </a:bodyPr>
               <a:lstStyle/>
               <a:p>
+                <a:pPr/>
                 <a14:m>
                   <m:oMathPara xmlns:m="http://schemas.openxmlformats.org/officeDocument/2006/math">
                     <m:oMathParaPr>
@@ -14877,7 +14942,7 @@
             </p:txBody>
           </p:sp>
         </mc:Choice>
-        <mc:Fallback>
+        <mc:Fallback xmlns="">
           <p:sp>
             <p:nvSpPr>
               <p:cNvPr id="278" name="TextBox 277">
@@ -15644,8 +15709,8 @@
           </a:p>
         </p:txBody>
       </p:sp>
-      <mc:AlternateContent xmlns:mc="http://schemas.openxmlformats.org/markup-compatibility/2006">
-        <mc:Choice xmlns:a14="http://schemas.microsoft.com/office/drawing/2010/main" Requires="a14">
+      <mc:AlternateContent xmlns:mc="http://schemas.openxmlformats.org/markup-compatibility/2006" xmlns:a14="http://schemas.microsoft.com/office/drawing/2010/main">
+        <mc:Choice Requires="a14">
           <p:sp>
             <p:nvSpPr>
               <p:cNvPr id="309" name="TextBox 308">
@@ -15674,6 +15739,7 @@
               </a:bodyPr>
               <a:lstStyle/>
               <a:p>
+                <a:pPr/>
                 <a14:m>
                   <m:oMathPara xmlns:m="http://schemas.openxmlformats.org/officeDocument/2006/math">
                     <m:oMathParaPr>
@@ -15754,7 +15820,7 @@
             </p:txBody>
           </p:sp>
         </mc:Choice>
-        <mc:Fallback>
+        <mc:Fallback xmlns="">
           <p:sp>
             <p:nvSpPr>
               <p:cNvPr id="309" name="TextBox 308">

--- a/pics/2021-01-05-confidence_interval/pics.pptx
+++ b/pics/2021-01-05-confidence_interval/pics.pptx
@@ -5,13 +5,14 @@
     <p:sldMasterId id="2147483648" r:id="rId1"/>
   </p:sldMasterIdLst>
   <p:sldIdLst>
-    <p:sldId id="258" r:id="rId2"/>
-    <p:sldId id="262" r:id="rId3"/>
-    <p:sldId id="259" r:id="rId4"/>
-    <p:sldId id="260" r:id="rId5"/>
-    <p:sldId id="256" r:id="rId6"/>
-    <p:sldId id="257" r:id="rId7"/>
-    <p:sldId id="261" r:id="rId8"/>
+    <p:sldId id="262" r:id="rId2"/>
+    <p:sldId id="263" r:id="rId3"/>
+    <p:sldId id="258" r:id="rId4"/>
+    <p:sldId id="259" r:id="rId5"/>
+    <p:sldId id="260" r:id="rId6"/>
+    <p:sldId id="256" r:id="rId7"/>
+    <p:sldId id="257" r:id="rId8"/>
+    <p:sldId id="261" r:id="rId9"/>
   </p:sldIdLst>
   <p:sldSz cx="9144000" cy="5143500" type="screen16x9"/>
   <p:notesSz cx="6858000" cy="9144000"/>
@@ -3103,6 +3104,126 @@
       </p:grpSpPr>
       <p:pic>
         <p:nvPicPr>
+          <p:cNvPr id="5" name="그림 4">
+            <a:extLst>
+              <a:ext uri="{FF2B5EF4-FFF2-40B4-BE49-F238E27FC236}">
+                <a16:creationId xmlns:a16="http://schemas.microsoft.com/office/drawing/2014/main" id="{177245CC-9F28-4F8F-BDD7-FF635F76591E}"/>
+              </a:ext>
+            </a:extLst>
+          </p:cNvPr>
+          <p:cNvPicPr>
+            <a:picLocks noChangeAspect="1"/>
+          </p:cNvPicPr>
+          <p:nvPr/>
+        </p:nvPicPr>
+        <p:blipFill>
+          <a:blip r:embed="rId2"/>
+          <a:stretch>
+            <a:fillRect/>
+          </a:stretch>
+        </p:blipFill>
+        <p:spPr>
+          <a:xfrm>
+            <a:off x="2195736" y="789552"/>
+            <a:ext cx="4752528" cy="3564396"/>
+          </a:xfrm>
+          <a:prstGeom prst="rect">
+            <a:avLst/>
+          </a:prstGeom>
+        </p:spPr>
+      </p:pic>
+    </p:spTree>
+    <p:extLst>
+      <p:ext uri="{BB962C8B-B14F-4D97-AF65-F5344CB8AC3E}">
+        <p14:creationId xmlns:p14="http://schemas.microsoft.com/office/powerpoint/2010/main" val="4202956092"/>
+      </p:ext>
+    </p:extLst>
+  </p:cSld>
+  <p:clrMapOvr>
+    <a:masterClrMapping/>
+  </p:clrMapOvr>
+</p:sld>
+</file>
+
+<file path=ppt/slides/slide2.xml><?xml version="1.0" encoding="utf-8"?>
+<p:sld xmlns:a="http://schemas.openxmlformats.org/drawingml/2006/main" xmlns:r="http://schemas.openxmlformats.org/officeDocument/2006/relationships" xmlns:p="http://schemas.openxmlformats.org/presentationml/2006/main">
+  <p:cSld>
+    <p:spTree>
+      <p:nvGrpSpPr>
+        <p:cNvPr id="1" name=""/>
+        <p:cNvGrpSpPr/>
+        <p:nvPr/>
+      </p:nvGrpSpPr>
+      <p:grpSpPr>
+        <a:xfrm>
+          <a:off x="0" y="0"/>
+          <a:ext cx="0" cy="0"/>
+          <a:chOff x="0" y="0"/>
+          <a:chExt cx="0" cy="0"/>
+        </a:xfrm>
+      </p:grpSpPr>
+      <p:pic>
+        <p:nvPicPr>
+          <p:cNvPr id="6" name="그림 5">
+            <a:extLst>
+              <a:ext uri="{FF2B5EF4-FFF2-40B4-BE49-F238E27FC236}">
+                <a16:creationId xmlns:a16="http://schemas.microsoft.com/office/drawing/2014/main" id="{E6454F4D-04AE-466D-9F07-EFBCB8F7B4AC}"/>
+              </a:ext>
+            </a:extLst>
+          </p:cNvPr>
+          <p:cNvPicPr>
+            <a:picLocks noChangeAspect="1"/>
+          </p:cNvPicPr>
+          <p:nvPr/>
+        </p:nvPicPr>
+        <p:blipFill>
+          <a:blip r:embed="rId2"/>
+          <a:stretch>
+            <a:fillRect/>
+          </a:stretch>
+        </p:blipFill>
+        <p:spPr>
+          <a:xfrm>
+            <a:off x="2195736" y="789552"/>
+            <a:ext cx="4752528" cy="3564396"/>
+          </a:xfrm>
+          <a:prstGeom prst="rect">
+            <a:avLst/>
+          </a:prstGeom>
+        </p:spPr>
+      </p:pic>
+    </p:spTree>
+    <p:extLst>
+      <p:ext uri="{BB962C8B-B14F-4D97-AF65-F5344CB8AC3E}">
+        <p14:creationId xmlns:p14="http://schemas.microsoft.com/office/powerpoint/2010/main" val="1997153272"/>
+      </p:ext>
+    </p:extLst>
+  </p:cSld>
+  <p:clrMapOvr>
+    <a:masterClrMapping/>
+  </p:clrMapOvr>
+</p:sld>
+</file>
+
+<file path=ppt/slides/slide3.xml><?xml version="1.0" encoding="utf-8"?>
+<p:sld xmlns:a="http://schemas.openxmlformats.org/drawingml/2006/main" xmlns:r="http://schemas.openxmlformats.org/officeDocument/2006/relationships" xmlns:p="http://schemas.openxmlformats.org/presentationml/2006/main">
+  <p:cSld>
+    <p:spTree>
+      <p:nvGrpSpPr>
+        <p:cNvPr id="1" name=""/>
+        <p:cNvGrpSpPr/>
+        <p:nvPr/>
+      </p:nvGrpSpPr>
+      <p:grpSpPr>
+        <a:xfrm>
+          <a:off x="0" y="0"/>
+          <a:ext cx="0" cy="0"/>
+          <a:chOff x="0" y="0"/>
+          <a:chExt cx="0" cy="0"/>
+        </a:xfrm>
+      </p:grpSpPr>
+      <p:pic>
+        <p:nvPicPr>
           <p:cNvPr id="1026" name="Picture 2"/>
           <p:cNvPicPr>
             <a:picLocks noChangeAspect="1" noChangeArrowheads="1"/>
@@ -6003,67 +6124,7 @@
 </p:sld>
 </file>
 
-<file path=ppt/slides/slide2.xml><?xml version="1.0" encoding="utf-8"?>
-<p:sld xmlns:a="http://schemas.openxmlformats.org/drawingml/2006/main" xmlns:r="http://schemas.openxmlformats.org/officeDocument/2006/relationships" xmlns:p="http://schemas.openxmlformats.org/presentationml/2006/main">
-  <p:cSld>
-    <p:spTree>
-      <p:nvGrpSpPr>
-        <p:cNvPr id="1" name=""/>
-        <p:cNvGrpSpPr/>
-        <p:nvPr/>
-      </p:nvGrpSpPr>
-      <p:grpSpPr>
-        <a:xfrm>
-          <a:off x="0" y="0"/>
-          <a:ext cx="0" cy="0"/>
-          <a:chOff x="0" y="0"/>
-          <a:chExt cx="0" cy="0"/>
-        </a:xfrm>
-      </p:grpSpPr>
-      <p:pic>
-        <p:nvPicPr>
-          <p:cNvPr id="5" name="그림 4">
-            <a:extLst>
-              <a:ext uri="{FF2B5EF4-FFF2-40B4-BE49-F238E27FC236}">
-                <a16:creationId xmlns:a16="http://schemas.microsoft.com/office/drawing/2014/main" id="{177245CC-9F28-4F8F-BDD7-FF635F76591E}"/>
-              </a:ext>
-            </a:extLst>
-          </p:cNvPr>
-          <p:cNvPicPr>
-            <a:picLocks noChangeAspect="1"/>
-          </p:cNvPicPr>
-          <p:nvPr/>
-        </p:nvPicPr>
-        <p:blipFill>
-          <a:blip r:embed="rId2"/>
-          <a:stretch>
-            <a:fillRect/>
-          </a:stretch>
-        </p:blipFill>
-        <p:spPr>
-          <a:xfrm>
-            <a:off x="2195736" y="789552"/>
-            <a:ext cx="4752528" cy="3564396"/>
-          </a:xfrm>
-          <a:prstGeom prst="rect">
-            <a:avLst/>
-          </a:prstGeom>
-        </p:spPr>
-      </p:pic>
-    </p:spTree>
-    <p:extLst>
-      <p:ext uri="{BB962C8B-B14F-4D97-AF65-F5344CB8AC3E}">
-        <p14:creationId xmlns:p14="http://schemas.microsoft.com/office/powerpoint/2010/main" val="4202956092"/>
-      </p:ext>
-    </p:extLst>
-  </p:cSld>
-  <p:clrMapOvr>
-    <a:masterClrMapping/>
-  </p:clrMapOvr>
-</p:sld>
-</file>
-
-<file path=ppt/slides/slide3.xml><?xml version="1.0" encoding="utf-8"?>
+<file path=ppt/slides/slide4.xml><?xml version="1.0" encoding="utf-8"?>
 <p:sld xmlns:a="http://schemas.openxmlformats.org/drawingml/2006/main" xmlns:r="http://schemas.openxmlformats.org/officeDocument/2006/relationships" xmlns:p="http://schemas.openxmlformats.org/presentationml/2006/main">
   <p:cSld>
     <p:spTree>
@@ -7669,7 +7730,7 @@
 </p:sld>
 </file>
 
-<file path=ppt/slides/slide4.xml><?xml version="1.0" encoding="utf-8"?>
+<file path=ppt/slides/slide5.xml><?xml version="1.0" encoding="utf-8"?>
 <p:sld xmlns:a="http://schemas.openxmlformats.org/drawingml/2006/main" xmlns:r="http://schemas.openxmlformats.org/officeDocument/2006/relationships" xmlns:p="http://schemas.openxmlformats.org/presentationml/2006/main">
   <p:cSld>
     <p:spTree>
@@ -10641,7 +10702,7 @@
 </p:sld>
 </file>
 
-<file path=ppt/slides/slide5.xml><?xml version="1.0" encoding="utf-8"?>
+<file path=ppt/slides/slide6.xml><?xml version="1.0" encoding="utf-8"?>
 <p:sld xmlns:a="http://schemas.openxmlformats.org/drawingml/2006/main" xmlns:r="http://schemas.openxmlformats.org/officeDocument/2006/relationships" xmlns:p="http://schemas.openxmlformats.org/presentationml/2006/main">
   <p:cSld>
     <p:spTree>
@@ -11277,7 +11338,7 @@
 </p:sld>
 </file>
 
-<file path=ppt/slides/slide6.xml><?xml version="1.0" encoding="utf-8"?>
+<file path=ppt/slides/slide7.xml><?xml version="1.0" encoding="utf-8"?>
 <p:sld xmlns:a="http://schemas.openxmlformats.org/drawingml/2006/main" xmlns:r="http://schemas.openxmlformats.org/officeDocument/2006/relationships" xmlns:p="http://schemas.openxmlformats.org/presentationml/2006/main">
   <p:cSld>
     <p:spTree>
@@ -11371,7 +11432,7 @@
 </p:sld>
 </file>
 
-<file path=ppt/slides/slide7.xml><?xml version="1.0" encoding="utf-8"?>
+<file path=ppt/slides/slide8.xml><?xml version="1.0" encoding="utf-8"?>
 <p:sld xmlns:a="http://schemas.openxmlformats.org/drawingml/2006/main" xmlns:r="http://schemas.openxmlformats.org/officeDocument/2006/relationships" xmlns:p="http://schemas.openxmlformats.org/presentationml/2006/main">
   <p:cSld>
     <p:spTree>

--- a/pics/2021-01-05-confidence_interval/pics.pptx
+++ b/pics/2021-01-05-confidence_interval/pics.pptx
@@ -5,14 +5,15 @@
     <p:sldMasterId id="2147483648" r:id="rId1"/>
   </p:sldMasterIdLst>
   <p:sldIdLst>
-    <p:sldId id="262" r:id="rId2"/>
-    <p:sldId id="263" r:id="rId3"/>
-    <p:sldId id="258" r:id="rId4"/>
-    <p:sldId id="259" r:id="rId5"/>
-    <p:sldId id="260" r:id="rId6"/>
-    <p:sldId id="256" r:id="rId7"/>
-    <p:sldId id="257" r:id="rId8"/>
-    <p:sldId id="261" r:id="rId9"/>
+    <p:sldId id="264" r:id="rId2"/>
+    <p:sldId id="262" r:id="rId3"/>
+    <p:sldId id="263" r:id="rId4"/>
+    <p:sldId id="258" r:id="rId5"/>
+    <p:sldId id="259" r:id="rId6"/>
+    <p:sldId id="260" r:id="rId7"/>
+    <p:sldId id="256" r:id="rId8"/>
+    <p:sldId id="257" r:id="rId9"/>
+    <p:sldId id="261" r:id="rId10"/>
   </p:sldIdLst>
   <p:sldSz cx="9144000" cy="5143500" type="screen16x9"/>
   <p:notesSz cx="6858000" cy="9144000"/>
@@ -3104,10 +3105,10 @@
       </p:grpSpPr>
       <p:pic>
         <p:nvPicPr>
-          <p:cNvPr id="5" name="그림 4">
-            <a:extLst>
-              <a:ext uri="{FF2B5EF4-FFF2-40B4-BE49-F238E27FC236}">
-                <a16:creationId xmlns:a16="http://schemas.microsoft.com/office/drawing/2014/main" id="{177245CC-9F28-4F8F-BDD7-FF635F76591E}"/>
+          <p:cNvPr id="7" name="그림 6" descr="텍스트이(가) 표시된 사진&#10;&#10;자동 생성된 설명">
+            <a:extLst>
+              <a:ext uri="{FF2B5EF4-FFF2-40B4-BE49-F238E27FC236}">
+                <a16:creationId xmlns:a16="http://schemas.microsoft.com/office/drawing/2014/main" id="{97E8C222-6FDB-4CD9-B36F-1A683D33AD67}"/>
               </a:ext>
             </a:extLst>
           </p:cNvPr>
@@ -3116,26 +3117,118 @@
           </p:cNvPicPr>
           <p:nvPr/>
         </p:nvPicPr>
-        <p:blipFill>
-          <a:blip r:embed="rId2"/>
-          <a:stretch>
-            <a:fillRect/>
-          </a:stretch>
+        <p:blipFill rotWithShape="1">
+          <a:blip r:embed="rId2" cstate="print">
+            <a:extLst>
+              <a:ext uri="{28A0092B-C50C-407E-A947-70E740481C1C}">
+                <a14:useLocalDpi xmlns:a14="http://schemas.microsoft.com/office/drawing/2010/main" val="0"/>
+              </a:ext>
+            </a:extLst>
+          </a:blip>
+          <a:srcRect b="51001"/>
+          <a:stretch/>
         </p:blipFill>
         <p:spPr>
           <a:xfrm>
-            <a:off x="2195736" y="789552"/>
-            <a:ext cx="4752528" cy="3564396"/>
+            <a:off x="3563888" y="987574"/>
+            <a:ext cx="2436395" cy="2520280"/>
           </a:xfrm>
           <a:prstGeom prst="rect">
             <a:avLst/>
           </a:prstGeom>
         </p:spPr>
       </p:pic>
+      <p:pic>
+        <p:nvPicPr>
+          <p:cNvPr id="8" name="그림 7" descr="텍스트이(가) 표시된 사진&#10;&#10;자동 생성된 설명">
+            <a:extLst>
+              <a:ext uri="{FF2B5EF4-FFF2-40B4-BE49-F238E27FC236}">
+                <a16:creationId xmlns:a16="http://schemas.microsoft.com/office/drawing/2014/main" id="{B8463EB3-D717-43C2-9C51-69CBF86CF0E3}"/>
+              </a:ext>
+            </a:extLst>
+          </p:cNvPr>
+          <p:cNvPicPr>
+            <a:picLocks noChangeAspect="1"/>
+          </p:cNvPicPr>
+          <p:nvPr/>
+        </p:nvPicPr>
+        <p:blipFill rotWithShape="1">
+          <a:blip r:embed="rId2" cstate="print">
+            <a:extLst>
+              <a:ext uri="{28A0092B-C50C-407E-A947-70E740481C1C}">
+                <a14:useLocalDpi xmlns:a14="http://schemas.microsoft.com/office/drawing/2010/main" val="0"/>
+              </a:ext>
+            </a:extLst>
+          </a:blip>
+          <a:srcRect t="88198" b="-798"/>
+          <a:stretch/>
+        </p:blipFill>
+        <p:spPr>
+          <a:xfrm>
+            <a:off x="3563887" y="3435846"/>
+            <a:ext cx="2436395" cy="648072"/>
+          </a:xfrm>
+          <a:prstGeom prst="rect">
+            <a:avLst/>
+          </a:prstGeom>
+        </p:spPr>
+      </p:pic>
+      <p:sp>
+        <p:nvSpPr>
+          <p:cNvPr id="9" name="직사각형 8">
+            <a:extLst>
+              <a:ext uri="{FF2B5EF4-FFF2-40B4-BE49-F238E27FC236}">
+                <a16:creationId xmlns:a16="http://schemas.microsoft.com/office/drawing/2014/main" id="{CCA5593B-5777-488F-A0B3-329D4AAD7AE6}"/>
+              </a:ext>
+            </a:extLst>
+          </p:cNvPr>
+          <p:cNvSpPr/>
+          <p:nvPr/>
+        </p:nvSpPr>
+        <p:spPr>
+          <a:xfrm>
+            <a:off x="3563887" y="987574"/>
+            <a:ext cx="2436395" cy="3096344"/>
+          </a:xfrm>
+          <a:prstGeom prst="rect">
+            <a:avLst/>
+          </a:prstGeom>
+          <a:noFill/>
+          <a:ln>
+            <a:solidFill>
+              <a:schemeClr val="tx1"/>
+            </a:solidFill>
+          </a:ln>
+        </p:spPr>
+        <p:style>
+          <a:lnRef idx="2">
+            <a:schemeClr val="accent1">
+              <a:shade val="50000"/>
+            </a:schemeClr>
+          </a:lnRef>
+          <a:fillRef idx="1">
+            <a:schemeClr val="accent1"/>
+          </a:fillRef>
+          <a:effectRef idx="0">
+            <a:schemeClr val="accent1"/>
+          </a:effectRef>
+          <a:fontRef idx="minor">
+            <a:schemeClr val="lt1"/>
+          </a:fontRef>
+        </p:style>
+        <p:txBody>
+          <a:bodyPr rtlCol="0" anchor="ctr"/>
+          <a:lstStyle/>
+          <a:p>
+            <a:pPr algn="ctr"/>
+            <a:endParaRPr lang="ko-KR" altLang="en-US"/>
+          </a:p>
+        </p:txBody>
+      </p:sp>
     </p:spTree>
     <p:extLst>
       <p:ext uri="{BB962C8B-B14F-4D97-AF65-F5344CB8AC3E}">
-        <p14:creationId xmlns:p14="http://schemas.microsoft.com/office/powerpoint/2010/main" val="4202956092"/>
+        <p14:creationId xmlns:p14="http://schemas.microsoft.com/office/powerpoint/2010/main" val="1077753803"/>
       </p:ext>
     </p:extLst>
   </p:cSld>
@@ -3164,6 +3257,66 @@
       </p:grpSpPr>
       <p:pic>
         <p:nvPicPr>
+          <p:cNvPr id="5" name="그림 4">
+            <a:extLst>
+              <a:ext uri="{FF2B5EF4-FFF2-40B4-BE49-F238E27FC236}">
+                <a16:creationId xmlns:a16="http://schemas.microsoft.com/office/drawing/2014/main" id="{177245CC-9F28-4F8F-BDD7-FF635F76591E}"/>
+              </a:ext>
+            </a:extLst>
+          </p:cNvPr>
+          <p:cNvPicPr>
+            <a:picLocks noChangeAspect="1"/>
+          </p:cNvPicPr>
+          <p:nvPr/>
+        </p:nvPicPr>
+        <p:blipFill>
+          <a:blip r:embed="rId2"/>
+          <a:stretch>
+            <a:fillRect/>
+          </a:stretch>
+        </p:blipFill>
+        <p:spPr>
+          <a:xfrm>
+            <a:off x="2195736" y="789552"/>
+            <a:ext cx="4752528" cy="3564396"/>
+          </a:xfrm>
+          <a:prstGeom prst="rect">
+            <a:avLst/>
+          </a:prstGeom>
+        </p:spPr>
+      </p:pic>
+    </p:spTree>
+    <p:extLst>
+      <p:ext uri="{BB962C8B-B14F-4D97-AF65-F5344CB8AC3E}">
+        <p14:creationId xmlns:p14="http://schemas.microsoft.com/office/powerpoint/2010/main" val="4202956092"/>
+      </p:ext>
+    </p:extLst>
+  </p:cSld>
+  <p:clrMapOvr>
+    <a:masterClrMapping/>
+  </p:clrMapOvr>
+</p:sld>
+</file>
+
+<file path=ppt/slides/slide3.xml><?xml version="1.0" encoding="utf-8"?>
+<p:sld xmlns:a="http://schemas.openxmlformats.org/drawingml/2006/main" xmlns:r="http://schemas.openxmlformats.org/officeDocument/2006/relationships" xmlns:p="http://schemas.openxmlformats.org/presentationml/2006/main">
+  <p:cSld>
+    <p:spTree>
+      <p:nvGrpSpPr>
+        <p:cNvPr id="1" name=""/>
+        <p:cNvGrpSpPr/>
+        <p:nvPr/>
+      </p:nvGrpSpPr>
+      <p:grpSpPr>
+        <a:xfrm>
+          <a:off x="0" y="0"/>
+          <a:ext cx="0" cy="0"/>
+          <a:chOff x="0" y="0"/>
+          <a:chExt cx="0" cy="0"/>
+        </a:xfrm>
+      </p:grpSpPr>
+      <p:pic>
+        <p:nvPicPr>
           <p:cNvPr id="6" name="그림 5">
             <a:extLst>
               <a:ext uri="{FF2B5EF4-FFF2-40B4-BE49-F238E27FC236}">
@@ -3205,7 +3358,7 @@
 </p:sld>
 </file>
 
-<file path=ppt/slides/slide3.xml><?xml version="1.0" encoding="utf-8"?>
+<file path=ppt/slides/slide4.xml><?xml version="1.0" encoding="utf-8"?>
 <p:sld xmlns:a="http://schemas.openxmlformats.org/drawingml/2006/main" xmlns:r="http://schemas.openxmlformats.org/officeDocument/2006/relationships" xmlns:p="http://schemas.openxmlformats.org/presentationml/2006/main">
   <p:cSld>
     <p:spTree>
@@ -6124,7 +6277,7 @@
 </p:sld>
 </file>
 
-<file path=ppt/slides/slide4.xml><?xml version="1.0" encoding="utf-8"?>
+<file path=ppt/slides/slide5.xml><?xml version="1.0" encoding="utf-8"?>
 <p:sld xmlns:a="http://schemas.openxmlformats.org/drawingml/2006/main" xmlns:r="http://schemas.openxmlformats.org/officeDocument/2006/relationships" xmlns:p="http://schemas.openxmlformats.org/presentationml/2006/main">
   <p:cSld>
     <p:spTree>
@@ -7730,7 +7883,7 @@
 </p:sld>
 </file>
 
-<file path=ppt/slides/slide5.xml><?xml version="1.0" encoding="utf-8"?>
+<file path=ppt/slides/slide6.xml><?xml version="1.0" encoding="utf-8"?>
 <p:sld xmlns:a="http://schemas.openxmlformats.org/drawingml/2006/main" xmlns:r="http://schemas.openxmlformats.org/officeDocument/2006/relationships" xmlns:p="http://schemas.openxmlformats.org/presentationml/2006/main">
   <p:cSld>
     <p:spTree>
@@ -10702,7 +10855,7 @@
 </p:sld>
 </file>
 
-<file path=ppt/slides/slide6.xml><?xml version="1.0" encoding="utf-8"?>
+<file path=ppt/slides/slide7.xml><?xml version="1.0" encoding="utf-8"?>
 <p:sld xmlns:a="http://schemas.openxmlformats.org/drawingml/2006/main" xmlns:r="http://schemas.openxmlformats.org/officeDocument/2006/relationships" xmlns:p="http://schemas.openxmlformats.org/presentationml/2006/main">
   <p:cSld>
     <p:spTree>
@@ -11338,7 +11491,7 @@
 </p:sld>
 </file>
 
-<file path=ppt/slides/slide7.xml><?xml version="1.0" encoding="utf-8"?>
+<file path=ppt/slides/slide8.xml><?xml version="1.0" encoding="utf-8"?>
 <p:sld xmlns:a="http://schemas.openxmlformats.org/drawingml/2006/main" xmlns:r="http://schemas.openxmlformats.org/officeDocument/2006/relationships" xmlns:p="http://schemas.openxmlformats.org/presentationml/2006/main">
   <p:cSld>
     <p:spTree>
@@ -11432,7 +11585,7 @@
 </p:sld>
 </file>
 
-<file path=ppt/slides/slide8.xml><?xml version="1.0" encoding="utf-8"?>
+<file path=ppt/slides/slide9.xml><?xml version="1.0" encoding="utf-8"?>
 <p:sld xmlns:a="http://schemas.openxmlformats.org/drawingml/2006/main" xmlns:r="http://schemas.openxmlformats.org/officeDocument/2006/relationships" xmlns:p="http://schemas.openxmlformats.org/presentationml/2006/main">
   <p:cSld>
     <p:spTree>

--- a/pics/2021-01-05-confidence_interval/pics.pptx
+++ b/pics/2021-01-05-confidence_interval/pics.pptx
@@ -9,12 +9,13 @@
     <p:sldId id="262" r:id="rId3"/>
     <p:sldId id="263" r:id="rId4"/>
     <p:sldId id="265" r:id="rId5"/>
-    <p:sldId id="258" r:id="rId6"/>
-    <p:sldId id="259" r:id="rId7"/>
-    <p:sldId id="260" r:id="rId8"/>
-    <p:sldId id="256" r:id="rId9"/>
-    <p:sldId id="257" r:id="rId10"/>
-    <p:sldId id="261" r:id="rId11"/>
+    <p:sldId id="266" r:id="rId6"/>
+    <p:sldId id="258" r:id="rId7"/>
+    <p:sldId id="259" r:id="rId8"/>
+    <p:sldId id="260" r:id="rId9"/>
+    <p:sldId id="256" r:id="rId10"/>
+    <p:sldId id="257" r:id="rId11"/>
+    <p:sldId id="261" r:id="rId12"/>
   </p:sldIdLst>
   <p:sldSz cx="9144000" cy="5143500" type="screen16x9"/>
   <p:notesSz cx="6858000" cy="9144000"/>
@@ -3258,6 +3259,100 @@
       </p:grpSpPr>
       <p:pic>
         <p:nvPicPr>
+          <p:cNvPr id="2050" name="Picture 2"/>
+          <p:cNvPicPr>
+            <a:picLocks noChangeAspect="1" noChangeArrowheads="1"/>
+          </p:cNvPicPr>
+          <p:nvPr/>
+        </p:nvPicPr>
+        <p:blipFill>
+          <a:blip r:embed="rId2">
+            <a:extLst>
+              <a:ext uri="{28A0092B-C50C-407E-A947-70E740481C1C}">
+                <a14:useLocalDpi xmlns:a14="http://schemas.microsoft.com/office/drawing/2010/main" val="0"/>
+              </a:ext>
+            </a:extLst>
+          </a:blip>
+          <a:srcRect/>
+          <a:stretch>
+            <a:fillRect/>
+          </a:stretch>
+        </p:blipFill>
+        <p:spPr bwMode="auto">
+          <a:xfrm>
+            <a:off x="-684584" y="736384"/>
+            <a:ext cx="10513168" cy="3673908"/>
+          </a:xfrm>
+          <a:prstGeom prst="rect">
+            <a:avLst/>
+          </a:prstGeom>
+          <a:noFill/>
+          <a:ln>
+            <a:noFill/>
+          </a:ln>
+          <a:effectLst/>
+          <a:extLst>
+            <a:ext uri="{909E8E84-426E-40DD-AFC4-6F175D3DCCD1}">
+              <a14:hiddenFill xmlns:a14="http://schemas.microsoft.com/office/drawing/2010/main">
+                <a:solidFill>
+                  <a:schemeClr val="accent1"/>
+                </a:solidFill>
+              </a14:hiddenFill>
+            </a:ext>
+            <a:ext uri="{91240B29-F687-4F45-9708-019B960494DF}">
+              <a14:hiddenLine xmlns:a14="http://schemas.microsoft.com/office/drawing/2010/main" w="9525">
+                <a:solidFill>
+                  <a:schemeClr val="tx1"/>
+                </a:solidFill>
+                <a:miter lim="800000"/>
+                <a:headEnd/>
+                <a:tailEnd/>
+              </a14:hiddenLine>
+            </a:ext>
+            <a:ext uri="{AF507438-7753-43E0-B8FC-AC1667EBCBE1}">
+              <a14:hiddenEffects xmlns:a14="http://schemas.microsoft.com/office/drawing/2010/main">
+                <a:effectLst>
+                  <a:outerShdw dist="35921" dir="2700000" algn="ctr" rotWithShape="0">
+                    <a:schemeClr val="bg2"/>
+                  </a:outerShdw>
+                </a:effectLst>
+              </a14:hiddenEffects>
+            </a:ext>
+          </a:extLst>
+        </p:spPr>
+      </p:pic>
+    </p:spTree>
+    <p:extLst>
+      <p:ext uri="{BB962C8B-B14F-4D97-AF65-F5344CB8AC3E}">
+        <p14:creationId xmlns:p14="http://schemas.microsoft.com/office/powerpoint/2010/main" val="1003621041"/>
+      </p:ext>
+    </p:extLst>
+  </p:cSld>
+  <p:clrMapOvr>
+    <a:masterClrMapping/>
+  </p:clrMapOvr>
+</p:sld>
+</file>
+
+<file path=ppt/slides/slide11.xml><?xml version="1.0" encoding="utf-8"?>
+<p:sld xmlns:a="http://schemas.openxmlformats.org/drawingml/2006/main" xmlns:r="http://schemas.openxmlformats.org/officeDocument/2006/relationships" xmlns:p="http://schemas.openxmlformats.org/presentationml/2006/main">
+  <p:cSld>
+    <p:spTree>
+      <p:nvGrpSpPr>
+        <p:cNvPr id="1" name=""/>
+        <p:cNvGrpSpPr/>
+        <p:nvPr/>
+      </p:nvGrpSpPr>
+      <p:grpSpPr>
+        <a:xfrm>
+          <a:off x="0" y="0"/>
+          <a:ext cx="0" cy="0"/>
+          <a:chOff x="0" y="0"/>
+          <a:chExt cx="0" cy="0"/>
+        </a:xfrm>
+      </p:grpSpPr>
+      <p:pic>
+        <p:nvPicPr>
           <p:cNvPr id="123" name="Picture 2">
             <a:extLst>
               <a:ext uri="{FF2B5EF4-FFF2-40B4-BE49-F238E27FC236}">
@@ -8414,6 +8509,678 @@
           <a:chExt cx="0" cy="0"/>
         </a:xfrm>
       </p:grpSpPr>
+      <p:grpSp>
+        <p:nvGrpSpPr>
+          <p:cNvPr id="8" name="그룹 7">
+            <a:extLst>
+              <a:ext uri="{FF2B5EF4-FFF2-40B4-BE49-F238E27FC236}">
+                <a16:creationId xmlns:a16="http://schemas.microsoft.com/office/drawing/2014/main" id="{F8F4A726-95FB-4001-8287-4BCFEB245473}"/>
+              </a:ext>
+            </a:extLst>
+          </p:cNvPr>
+          <p:cNvGrpSpPr/>
+          <p:nvPr/>
+        </p:nvGrpSpPr>
+        <p:grpSpPr>
+          <a:xfrm>
+            <a:off x="323528" y="959557"/>
+            <a:ext cx="8598363" cy="3224386"/>
+            <a:chOff x="323528" y="571500"/>
+            <a:chExt cx="10668000" cy="4000500"/>
+          </a:xfrm>
+        </p:grpSpPr>
+        <p:pic>
+          <p:nvPicPr>
+            <p:cNvPr id="5" name="그림 4">
+              <a:extLst>
+                <a:ext uri="{FF2B5EF4-FFF2-40B4-BE49-F238E27FC236}">
+                  <a16:creationId xmlns:a16="http://schemas.microsoft.com/office/drawing/2014/main" id="{69B74335-7C70-43C0-BFB8-74D433CCF3D9}"/>
+                </a:ext>
+              </a:extLst>
+            </p:cNvPr>
+            <p:cNvPicPr>
+              <a:picLocks noChangeAspect="1"/>
+            </p:cNvPicPr>
+            <p:nvPr/>
+          </p:nvPicPr>
+          <p:blipFill>
+            <a:blip r:embed="rId2"/>
+            <a:stretch>
+              <a:fillRect/>
+            </a:stretch>
+          </p:blipFill>
+          <p:spPr>
+            <a:xfrm>
+              <a:off x="323528" y="571500"/>
+              <a:ext cx="5334000" cy="4000500"/>
+            </a:xfrm>
+            <a:prstGeom prst="rect">
+              <a:avLst/>
+            </a:prstGeom>
+          </p:spPr>
+        </p:pic>
+        <p:pic>
+          <p:nvPicPr>
+            <p:cNvPr id="7" name="그림 6">
+              <a:extLst>
+                <a:ext uri="{FF2B5EF4-FFF2-40B4-BE49-F238E27FC236}">
+                  <a16:creationId xmlns:a16="http://schemas.microsoft.com/office/drawing/2014/main" id="{0C5BD53F-AF3D-4D02-A443-EA2BC2986C5B}"/>
+                </a:ext>
+              </a:extLst>
+            </p:cNvPr>
+            <p:cNvPicPr>
+              <a:picLocks noChangeAspect="1"/>
+            </p:cNvPicPr>
+            <p:nvPr/>
+          </p:nvPicPr>
+          <p:blipFill>
+            <a:blip r:embed="rId3"/>
+            <a:stretch>
+              <a:fillRect/>
+            </a:stretch>
+          </p:blipFill>
+          <p:spPr>
+            <a:xfrm>
+              <a:off x="5657528" y="571500"/>
+              <a:ext cx="5334000" cy="4000500"/>
+            </a:xfrm>
+            <a:prstGeom prst="rect">
+              <a:avLst/>
+            </a:prstGeom>
+          </p:spPr>
+        </p:pic>
+      </p:grpSp>
+      <p:sp>
+        <p:nvSpPr>
+          <p:cNvPr id="9" name="TextBox 8">
+            <a:extLst>
+              <a:ext uri="{FF2B5EF4-FFF2-40B4-BE49-F238E27FC236}">
+                <a16:creationId xmlns:a16="http://schemas.microsoft.com/office/drawing/2014/main" id="{74D05EFA-CCB1-49B4-BF5F-2F1B250DEFAC}"/>
+              </a:ext>
+            </a:extLst>
+          </p:cNvPr>
+          <p:cNvSpPr txBox="1"/>
+          <p:nvPr/>
+        </p:nvSpPr>
+        <p:spPr>
+          <a:xfrm>
+            <a:off x="1943096" y="3147814"/>
+            <a:ext cx="1226618" cy="400110"/>
+          </a:xfrm>
+          <a:prstGeom prst="rect">
+            <a:avLst/>
+          </a:prstGeom>
+          <a:noFill/>
+        </p:spPr>
+        <p:txBody>
+          <a:bodyPr wrap="none" rtlCol="0">
+            <a:spAutoFit/>
+          </a:bodyPr>
+          <a:lstStyle/>
+          <a:p>
+            <a:pPr algn="ctr"/>
+            <a:r>
+              <a:rPr lang="ko-KR" altLang="en-US" sz="2000" dirty="0">
+                <a:latin typeface="배달의민족 주아" panose="02020603020101020101" pitchFamily="18" charset="-127"/>
+                <a:ea typeface="배달의민족 주아" panose="02020603020101020101" pitchFamily="18" charset="-127"/>
+              </a:rPr>
+              <a:t>넓이</a:t>
+            </a:r>
+            <a:r>
+              <a:rPr lang="en-US" altLang="ko-KR" sz="2000" dirty="0">
+                <a:latin typeface="배달의민족 주아" panose="02020603020101020101" pitchFamily="18" charset="-127"/>
+                <a:ea typeface="배달의민족 주아" panose="02020603020101020101" pitchFamily="18" charset="-127"/>
+              </a:rPr>
+              <a:t>: 0.95</a:t>
+            </a:r>
+            <a:endParaRPr lang="ko-KR" altLang="en-US" sz="2000" dirty="0">
+              <a:latin typeface="배달의민족 주아" panose="02020603020101020101" pitchFamily="18" charset="-127"/>
+              <a:ea typeface="배달의민족 주아" panose="02020603020101020101" pitchFamily="18" charset="-127"/>
+            </a:endParaRPr>
+          </a:p>
+        </p:txBody>
+      </p:sp>
+      <p:sp>
+        <p:nvSpPr>
+          <p:cNvPr id="10" name="TextBox 9">
+            <a:extLst>
+              <a:ext uri="{FF2B5EF4-FFF2-40B4-BE49-F238E27FC236}">
+                <a16:creationId xmlns:a16="http://schemas.microsoft.com/office/drawing/2014/main" id="{F8DE88EA-4DD8-4194-801B-0C749D0A581F}"/>
+              </a:ext>
+            </a:extLst>
+          </p:cNvPr>
+          <p:cNvSpPr txBox="1"/>
+          <p:nvPr/>
+        </p:nvSpPr>
+        <p:spPr>
+          <a:xfrm>
+            <a:off x="6236292" y="3147814"/>
+            <a:ext cx="1228221" cy="400110"/>
+          </a:xfrm>
+          <a:prstGeom prst="rect">
+            <a:avLst/>
+          </a:prstGeom>
+          <a:noFill/>
+        </p:spPr>
+        <p:txBody>
+          <a:bodyPr wrap="none" rtlCol="0">
+            <a:spAutoFit/>
+          </a:bodyPr>
+          <a:lstStyle/>
+          <a:p>
+            <a:pPr algn="ctr"/>
+            <a:r>
+              <a:rPr lang="ko-KR" altLang="en-US" sz="2000" dirty="0">
+                <a:latin typeface="배달의민족 주아" panose="02020603020101020101" pitchFamily="18" charset="-127"/>
+                <a:ea typeface="배달의민족 주아" panose="02020603020101020101" pitchFamily="18" charset="-127"/>
+              </a:rPr>
+              <a:t>넓이</a:t>
+            </a:r>
+            <a:r>
+              <a:rPr lang="en-US" altLang="ko-KR" sz="2000" dirty="0">
+                <a:latin typeface="배달의민족 주아" panose="02020603020101020101" pitchFamily="18" charset="-127"/>
+                <a:ea typeface="배달의민족 주아" panose="02020603020101020101" pitchFamily="18" charset="-127"/>
+              </a:rPr>
+              <a:t>: 0.99</a:t>
+            </a:r>
+            <a:endParaRPr lang="ko-KR" altLang="en-US" sz="2000" dirty="0">
+              <a:latin typeface="배달의민족 주아" panose="02020603020101020101" pitchFamily="18" charset="-127"/>
+              <a:ea typeface="배달의민족 주아" panose="02020603020101020101" pitchFamily="18" charset="-127"/>
+            </a:endParaRPr>
+          </a:p>
+        </p:txBody>
+      </p:sp>
+      <p:cxnSp>
+        <p:nvCxnSpPr>
+          <p:cNvPr id="12" name="직선 화살표 연결선 11">
+            <a:extLst>
+              <a:ext uri="{FF2B5EF4-FFF2-40B4-BE49-F238E27FC236}">
+                <a16:creationId xmlns:a16="http://schemas.microsoft.com/office/drawing/2014/main" id="{23A188F4-F362-4997-AA79-AD40AE7ABD13}"/>
+              </a:ext>
+            </a:extLst>
+          </p:cNvPr>
+          <p:cNvCxnSpPr>
+            <a:cxnSpLocks/>
+          </p:cNvCxnSpPr>
+          <p:nvPr/>
+        </p:nvCxnSpPr>
+        <p:spPr>
+          <a:xfrm>
+            <a:off x="3794274" y="2427734"/>
+            <a:ext cx="0" cy="976174"/>
+          </a:xfrm>
+          <a:prstGeom prst="straightConnector1">
+            <a:avLst/>
+          </a:prstGeom>
+          <a:ln w="19050">
+            <a:solidFill>
+              <a:schemeClr val="tx1"/>
+            </a:solidFill>
+            <a:prstDash val="dash"/>
+            <a:tailEnd type="triangle"/>
+          </a:ln>
+        </p:spPr>
+        <p:style>
+          <a:lnRef idx="1">
+            <a:schemeClr val="accent1"/>
+          </a:lnRef>
+          <a:fillRef idx="0">
+            <a:schemeClr val="accent1"/>
+          </a:fillRef>
+          <a:effectRef idx="0">
+            <a:schemeClr val="accent1"/>
+          </a:effectRef>
+          <a:fontRef idx="minor">
+            <a:schemeClr val="tx1"/>
+          </a:fontRef>
+        </p:style>
+      </p:cxnSp>
+      <p:sp>
+        <p:nvSpPr>
+          <p:cNvPr id="14" name="TextBox 13">
+            <a:extLst>
+              <a:ext uri="{FF2B5EF4-FFF2-40B4-BE49-F238E27FC236}">
+                <a16:creationId xmlns:a16="http://schemas.microsoft.com/office/drawing/2014/main" id="{F31BB980-3874-45FF-B289-159802235E5D}"/>
+              </a:ext>
+            </a:extLst>
+          </p:cNvPr>
+          <p:cNvSpPr txBox="1"/>
+          <p:nvPr/>
+        </p:nvSpPr>
+        <p:spPr>
+          <a:xfrm>
+            <a:off x="3421156" y="2058402"/>
+            <a:ext cx="769763" cy="369332"/>
+          </a:xfrm>
+          <a:prstGeom prst="rect">
+            <a:avLst/>
+          </a:prstGeom>
+          <a:noFill/>
+        </p:spPr>
+        <p:txBody>
+          <a:bodyPr wrap="none" rtlCol="0">
+            <a:spAutoFit/>
+          </a:bodyPr>
+          <a:lstStyle/>
+          <a:p>
+            <a:r>
+              <a:rPr lang="en-US" altLang="ko-KR" dirty="0">
+                <a:latin typeface="배달의민족 주아" panose="02020603020101020101" pitchFamily="18" charset="-127"/>
+                <a:ea typeface="배달의민족 주아" panose="02020603020101020101" pitchFamily="18" charset="-127"/>
+              </a:rPr>
+              <a:t>2.228</a:t>
+            </a:r>
+            <a:endParaRPr lang="ko-KR" altLang="en-US" dirty="0">
+              <a:latin typeface="배달의민족 주아" panose="02020603020101020101" pitchFamily="18" charset="-127"/>
+              <a:ea typeface="배달의민족 주아" panose="02020603020101020101" pitchFamily="18" charset="-127"/>
+            </a:endParaRPr>
+          </a:p>
+        </p:txBody>
+      </p:sp>
+      <p:cxnSp>
+        <p:nvCxnSpPr>
+          <p:cNvPr id="15" name="직선 화살표 연결선 14">
+            <a:extLst>
+              <a:ext uri="{FF2B5EF4-FFF2-40B4-BE49-F238E27FC236}">
+                <a16:creationId xmlns:a16="http://schemas.microsoft.com/office/drawing/2014/main" id="{0A3A50EE-392C-4705-A30D-BA21B1E8A26A}"/>
+              </a:ext>
+            </a:extLst>
+          </p:cNvPr>
+          <p:cNvCxnSpPr>
+            <a:cxnSpLocks/>
+          </p:cNvCxnSpPr>
+          <p:nvPr/>
+        </p:nvCxnSpPr>
+        <p:spPr>
+          <a:xfrm>
+            <a:off x="1304745" y="2427734"/>
+            <a:ext cx="0" cy="976174"/>
+          </a:xfrm>
+          <a:prstGeom prst="straightConnector1">
+            <a:avLst/>
+          </a:prstGeom>
+          <a:ln w="19050">
+            <a:solidFill>
+              <a:schemeClr val="tx1"/>
+            </a:solidFill>
+            <a:prstDash val="dash"/>
+            <a:tailEnd type="triangle"/>
+          </a:ln>
+        </p:spPr>
+        <p:style>
+          <a:lnRef idx="1">
+            <a:schemeClr val="accent1"/>
+          </a:lnRef>
+          <a:fillRef idx="0">
+            <a:schemeClr val="accent1"/>
+          </a:fillRef>
+          <a:effectRef idx="0">
+            <a:schemeClr val="accent1"/>
+          </a:effectRef>
+          <a:fontRef idx="minor">
+            <a:schemeClr val="tx1"/>
+          </a:fontRef>
+        </p:style>
+      </p:cxnSp>
+      <p:sp>
+        <p:nvSpPr>
+          <p:cNvPr id="16" name="TextBox 15">
+            <a:extLst>
+              <a:ext uri="{FF2B5EF4-FFF2-40B4-BE49-F238E27FC236}">
+                <a16:creationId xmlns:a16="http://schemas.microsoft.com/office/drawing/2014/main" id="{B3BEB89F-A8AF-4478-B6C3-153D634CDB65}"/>
+              </a:ext>
+            </a:extLst>
+          </p:cNvPr>
+          <p:cNvSpPr txBox="1"/>
+          <p:nvPr/>
+        </p:nvSpPr>
+        <p:spPr>
+          <a:xfrm>
+            <a:off x="866991" y="2058402"/>
+            <a:ext cx="878767" cy="369332"/>
+          </a:xfrm>
+          <a:prstGeom prst="rect">
+            <a:avLst/>
+          </a:prstGeom>
+          <a:noFill/>
+        </p:spPr>
+        <p:txBody>
+          <a:bodyPr wrap="none" rtlCol="0">
+            <a:spAutoFit/>
+          </a:bodyPr>
+          <a:lstStyle/>
+          <a:p>
+            <a:r>
+              <a:rPr lang="en-US" altLang="ko-KR" dirty="0">
+                <a:latin typeface="배달의민족 주아" panose="02020603020101020101" pitchFamily="18" charset="-127"/>
+                <a:ea typeface="배달의민족 주아" panose="02020603020101020101" pitchFamily="18" charset="-127"/>
+              </a:rPr>
+              <a:t>-2.228</a:t>
+            </a:r>
+            <a:endParaRPr lang="ko-KR" altLang="en-US" dirty="0">
+              <a:latin typeface="배달의민족 주아" panose="02020603020101020101" pitchFamily="18" charset="-127"/>
+              <a:ea typeface="배달의민족 주아" panose="02020603020101020101" pitchFamily="18" charset="-127"/>
+            </a:endParaRPr>
+          </a:p>
+        </p:txBody>
+      </p:sp>
+      <p:cxnSp>
+        <p:nvCxnSpPr>
+          <p:cNvPr id="22" name="직선 화살표 연결선 21">
+            <a:extLst>
+              <a:ext uri="{FF2B5EF4-FFF2-40B4-BE49-F238E27FC236}">
+                <a16:creationId xmlns:a16="http://schemas.microsoft.com/office/drawing/2014/main" id="{74D08C44-F9BC-40E4-9BC6-6BEB5FB65E23}"/>
+              </a:ext>
+            </a:extLst>
+          </p:cNvPr>
+          <p:cNvCxnSpPr>
+            <a:cxnSpLocks/>
+          </p:cNvCxnSpPr>
+          <p:nvPr/>
+        </p:nvCxnSpPr>
+        <p:spPr>
+          <a:xfrm>
+            <a:off x="8388424" y="2427734"/>
+            <a:ext cx="0" cy="976174"/>
+          </a:xfrm>
+          <a:prstGeom prst="straightConnector1">
+            <a:avLst/>
+          </a:prstGeom>
+          <a:ln w="19050">
+            <a:solidFill>
+              <a:schemeClr val="tx1"/>
+            </a:solidFill>
+            <a:prstDash val="dash"/>
+            <a:tailEnd type="triangle"/>
+          </a:ln>
+        </p:spPr>
+        <p:style>
+          <a:lnRef idx="1">
+            <a:schemeClr val="accent1"/>
+          </a:lnRef>
+          <a:fillRef idx="0">
+            <a:schemeClr val="accent1"/>
+          </a:fillRef>
+          <a:effectRef idx="0">
+            <a:schemeClr val="accent1"/>
+          </a:effectRef>
+          <a:fontRef idx="minor">
+            <a:schemeClr val="tx1"/>
+          </a:fontRef>
+        </p:style>
+      </p:cxnSp>
+      <p:sp>
+        <p:nvSpPr>
+          <p:cNvPr id="23" name="TextBox 22">
+            <a:extLst>
+              <a:ext uri="{FF2B5EF4-FFF2-40B4-BE49-F238E27FC236}">
+                <a16:creationId xmlns:a16="http://schemas.microsoft.com/office/drawing/2014/main" id="{0853EA3C-5C50-4E43-83B2-D413F714EAD9}"/>
+              </a:ext>
+            </a:extLst>
+          </p:cNvPr>
+          <p:cNvSpPr txBox="1"/>
+          <p:nvPr/>
+        </p:nvSpPr>
+        <p:spPr>
+          <a:xfrm>
+            <a:off x="7720339" y="2058402"/>
+            <a:ext cx="792205" cy="369332"/>
+          </a:xfrm>
+          <a:prstGeom prst="rect">
+            <a:avLst/>
+          </a:prstGeom>
+          <a:noFill/>
+        </p:spPr>
+        <p:txBody>
+          <a:bodyPr wrap="none" rtlCol="0">
+            <a:spAutoFit/>
+          </a:bodyPr>
+          <a:lstStyle/>
+          <a:p>
+            <a:r>
+              <a:rPr lang="en-US" altLang="ko-KR" dirty="0">
+                <a:latin typeface="배달의민족 주아" panose="02020603020101020101" pitchFamily="18" charset="-127"/>
+                <a:ea typeface="배달의민족 주아" panose="02020603020101020101" pitchFamily="18" charset="-127"/>
+              </a:rPr>
+              <a:t>2.764</a:t>
+            </a:r>
+            <a:endParaRPr lang="ko-KR" altLang="en-US" dirty="0">
+              <a:latin typeface="배달의민족 주아" panose="02020603020101020101" pitchFamily="18" charset="-127"/>
+              <a:ea typeface="배달의민족 주아" panose="02020603020101020101" pitchFamily="18" charset="-127"/>
+            </a:endParaRPr>
+          </a:p>
+        </p:txBody>
+      </p:sp>
+      <p:cxnSp>
+        <p:nvCxnSpPr>
+          <p:cNvPr id="24" name="직선 화살표 연결선 23">
+            <a:extLst>
+              <a:ext uri="{FF2B5EF4-FFF2-40B4-BE49-F238E27FC236}">
+                <a16:creationId xmlns:a16="http://schemas.microsoft.com/office/drawing/2014/main" id="{AE4EE2AE-D8F7-4FD0-A389-BCC26858631F}"/>
+              </a:ext>
+            </a:extLst>
+          </p:cNvPr>
+          <p:cNvCxnSpPr>
+            <a:cxnSpLocks/>
+          </p:cNvCxnSpPr>
+          <p:nvPr/>
+        </p:nvCxnSpPr>
+        <p:spPr>
+          <a:xfrm>
+            <a:off x="5337193" y="2427734"/>
+            <a:ext cx="0" cy="976174"/>
+          </a:xfrm>
+          <a:prstGeom prst="straightConnector1">
+            <a:avLst/>
+          </a:prstGeom>
+          <a:ln w="19050">
+            <a:solidFill>
+              <a:schemeClr val="tx1"/>
+            </a:solidFill>
+            <a:prstDash val="dash"/>
+            <a:tailEnd type="triangle"/>
+          </a:ln>
+        </p:spPr>
+        <p:style>
+          <a:lnRef idx="1">
+            <a:schemeClr val="accent1"/>
+          </a:lnRef>
+          <a:fillRef idx="0">
+            <a:schemeClr val="accent1"/>
+          </a:fillRef>
+          <a:effectRef idx="0">
+            <a:schemeClr val="accent1"/>
+          </a:effectRef>
+          <a:fontRef idx="minor">
+            <a:schemeClr val="tx1"/>
+          </a:fontRef>
+        </p:style>
+      </p:cxnSp>
+      <p:sp>
+        <p:nvSpPr>
+          <p:cNvPr id="25" name="TextBox 24">
+            <a:extLst>
+              <a:ext uri="{FF2B5EF4-FFF2-40B4-BE49-F238E27FC236}">
+                <a16:creationId xmlns:a16="http://schemas.microsoft.com/office/drawing/2014/main" id="{B97BD5BE-BAE5-4A67-B0B9-F5A315457A3D}"/>
+              </a:ext>
+            </a:extLst>
+          </p:cNvPr>
+          <p:cNvSpPr txBox="1"/>
+          <p:nvPr/>
+        </p:nvSpPr>
+        <p:spPr>
+          <a:xfrm>
+            <a:off x="5166174" y="2058402"/>
+            <a:ext cx="901209" cy="369332"/>
+          </a:xfrm>
+          <a:prstGeom prst="rect">
+            <a:avLst/>
+          </a:prstGeom>
+          <a:noFill/>
+        </p:spPr>
+        <p:txBody>
+          <a:bodyPr wrap="none" rtlCol="0">
+            <a:spAutoFit/>
+          </a:bodyPr>
+          <a:lstStyle/>
+          <a:p>
+            <a:r>
+              <a:rPr lang="en-US" altLang="ko-KR" dirty="0">
+                <a:latin typeface="배달의민족 주아" panose="02020603020101020101" pitchFamily="18" charset="-127"/>
+                <a:ea typeface="배달의민족 주아" panose="02020603020101020101" pitchFamily="18" charset="-127"/>
+              </a:rPr>
+              <a:t>-2.764</a:t>
+            </a:r>
+            <a:endParaRPr lang="ko-KR" altLang="en-US" dirty="0">
+              <a:latin typeface="배달의민족 주아" panose="02020603020101020101" pitchFamily="18" charset="-127"/>
+              <a:ea typeface="배달의민족 주아" panose="02020603020101020101" pitchFamily="18" charset="-127"/>
+            </a:endParaRPr>
+          </a:p>
+        </p:txBody>
+      </p:sp>
+      <p:sp>
+        <p:nvSpPr>
+          <p:cNvPr id="26" name="TextBox 25">
+            <a:extLst>
+              <a:ext uri="{FF2B5EF4-FFF2-40B4-BE49-F238E27FC236}">
+                <a16:creationId xmlns:a16="http://schemas.microsoft.com/office/drawing/2014/main" id="{CB434C2C-03AB-4616-80A1-A55C5A269E6E}"/>
+              </a:ext>
+            </a:extLst>
+          </p:cNvPr>
+          <p:cNvSpPr txBox="1"/>
+          <p:nvPr/>
+        </p:nvSpPr>
+        <p:spPr>
+          <a:xfrm>
+            <a:off x="1120414" y="541232"/>
+            <a:ext cx="6903173" cy="400110"/>
+          </a:xfrm>
+          <a:prstGeom prst="rect">
+            <a:avLst/>
+          </a:prstGeom>
+          <a:noFill/>
+        </p:spPr>
+        <p:txBody>
+          <a:bodyPr wrap="none" rtlCol="0">
+            <a:spAutoFit/>
+          </a:bodyPr>
+          <a:lstStyle/>
+          <a:p>
+            <a:pPr algn="ctr"/>
+            <a:r>
+              <a:rPr lang="en-US" altLang="ko-KR" sz="2000" dirty="0">
+                <a:latin typeface="배달의민족 주아" panose="02020603020101020101" pitchFamily="18" charset="-127"/>
+                <a:ea typeface="배달의민족 주아" panose="02020603020101020101" pitchFamily="18" charset="-127"/>
+              </a:rPr>
+              <a:t>T-</a:t>
+            </a:r>
+            <a:r>
+              <a:rPr lang="ko-KR" altLang="en-US" sz="2000" dirty="0">
+                <a:latin typeface="배달의민족 주아" panose="02020603020101020101" pitchFamily="18" charset="-127"/>
+                <a:ea typeface="배달의민족 주아" panose="02020603020101020101" pitchFamily="18" charset="-127"/>
+              </a:rPr>
+              <a:t>분포</a:t>
+            </a:r>
+            <a:r>
+              <a:rPr lang="en-US" altLang="ko-KR" sz="2000" dirty="0">
+                <a:latin typeface="배달의민족 주아" panose="02020603020101020101" pitchFamily="18" charset="-127"/>
+                <a:ea typeface="배달의민족 주아" panose="02020603020101020101" pitchFamily="18" charset="-127"/>
+              </a:rPr>
+              <a:t> (</a:t>
+            </a:r>
+            <a:r>
+              <a:rPr lang="ko-KR" altLang="en-US" sz="2000" dirty="0">
+                <a:latin typeface="배달의민족 주아" panose="02020603020101020101" pitchFamily="18" charset="-127"/>
+                <a:ea typeface="배달의민족 주아" panose="02020603020101020101" pitchFamily="18" charset="-127"/>
+              </a:rPr>
+              <a:t>자유도 </a:t>
+            </a:r>
+            <a:r>
+              <a:rPr lang="en-US" altLang="ko-KR" sz="2000" dirty="0">
+                <a:latin typeface="배달의민족 주아" panose="02020603020101020101" pitchFamily="18" charset="-127"/>
+                <a:ea typeface="배달의민족 주아" panose="02020603020101020101" pitchFamily="18" charset="-127"/>
+              </a:rPr>
+              <a:t>10)</a:t>
+            </a:r>
+            <a:r>
+              <a:rPr lang="ko-KR" altLang="en-US" sz="2000" dirty="0">
+                <a:latin typeface="배달의민족 주아" panose="02020603020101020101" pitchFamily="18" charset="-127"/>
+                <a:ea typeface="배달의민족 주아" panose="02020603020101020101" pitchFamily="18" charset="-127"/>
+              </a:rPr>
+              <a:t>인 경우 넓이 </a:t>
+            </a:r>
+            <a:r>
+              <a:rPr lang="en-US" altLang="ko-KR" sz="2000" dirty="0">
+                <a:latin typeface="배달의민족 주아" panose="02020603020101020101" pitchFamily="18" charset="-127"/>
+                <a:ea typeface="배달의민족 주아" panose="02020603020101020101" pitchFamily="18" charset="-127"/>
+              </a:rPr>
+              <a:t>0.95, 0.99</a:t>
+            </a:r>
+            <a:r>
+              <a:rPr lang="ko-KR" altLang="en-US" sz="2000" dirty="0">
+                <a:latin typeface="배달의민족 주아" panose="02020603020101020101" pitchFamily="18" charset="-127"/>
+                <a:ea typeface="배달의민족 주아" panose="02020603020101020101" pitchFamily="18" charset="-127"/>
+              </a:rPr>
+              <a:t>를 얻기 위한 </a:t>
+            </a:r>
+            <a:r>
+              <a:rPr lang="en-US" altLang="ko-KR" sz="2000" dirty="0">
+                <a:latin typeface="배달의민족 주아" panose="02020603020101020101" pitchFamily="18" charset="-127"/>
+                <a:ea typeface="배달의민족 주아" panose="02020603020101020101" pitchFamily="18" charset="-127"/>
+              </a:rPr>
+              <a:t>t-value</a:t>
+            </a:r>
+            <a:r>
+              <a:rPr lang="ko-KR" altLang="en-US" sz="2000" dirty="0">
+                <a:latin typeface="배달의민족 주아" panose="02020603020101020101" pitchFamily="18" charset="-127"/>
+                <a:ea typeface="배달의민족 주아" panose="02020603020101020101" pitchFamily="18" charset="-127"/>
+              </a:rPr>
+              <a:t>는</a:t>
+            </a:r>
+            <a:r>
+              <a:rPr lang="en-US" altLang="ko-KR" sz="2000" dirty="0">
+                <a:latin typeface="배달의민족 주아" panose="02020603020101020101" pitchFamily="18" charset="-127"/>
+                <a:ea typeface="배달의민족 주아" panose="02020603020101020101" pitchFamily="18" charset="-127"/>
+              </a:rPr>
+              <a:t>?</a:t>
+            </a:r>
+            <a:endParaRPr lang="ko-KR" altLang="en-US" sz="2000" dirty="0">
+              <a:latin typeface="배달의민족 주아" panose="02020603020101020101" pitchFamily="18" charset="-127"/>
+              <a:ea typeface="배달의민족 주아" panose="02020603020101020101" pitchFamily="18" charset="-127"/>
+            </a:endParaRPr>
+          </a:p>
+        </p:txBody>
+      </p:sp>
+    </p:spTree>
+    <p:extLst>
+      <p:ext uri="{BB962C8B-B14F-4D97-AF65-F5344CB8AC3E}">
+        <p14:creationId xmlns:p14="http://schemas.microsoft.com/office/powerpoint/2010/main" val="3614537758"/>
+      </p:ext>
+    </p:extLst>
+  </p:cSld>
+  <p:clrMapOvr>
+    <a:masterClrMapping/>
+  </p:clrMapOvr>
+</p:sld>
+</file>
+
+<file path=ppt/slides/slide6.xml><?xml version="1.0" encoding="utf-8"?>
+<p:sld xmlns:a="http://schemas.openxmlformats.org/drawingml/2006/main" xmlns:r="http://schemas.openxmlformats.org/officeDocument/2006/relationships" xmlns:p="http://schemas.openxmlformats.org/presentationml/2006/main">
+  <p:cSld>
+    <p:spTree>
+      <p:nvGrpSpPr>
+        <p:cNvPr id="1" name=""/>
+        <p:cNvGrpSpPr/>
+        <p:nvPr/>
+      </p:nvGrpSpPr>
+      <p:grpSpPr>
+        <a:xfrm>
+          <a:off x="0" y="0"/>
+          <a:ext cx="0" cy="0"/>
+          <a:chOff x="0" y="0"/>
+          <a:chExt cx="0" cy="0"/>
+        </a:xfrm>
+      </p:grpSpPr>
       <p:pic>
         <p:nvPicPr>
           <p:cNvPr id="1026" name="Picture 2"/>
@@ -11316,7 +12083,7 @@
 </p:sld>
 </file>
 
-<file path=ppt/slides/slide6.xml><?xml version="1.0" encoding="utf-8"?>
+<file path=ppt/slides/slide7.xml><?xml version="1.0" encoding="utf-8"?>
 <p:sld xmlns:a="http://schemas.openxmlformats.org/drawingml/2006/main" xmlns:r="http://schemas.openxmlformats.org/officeDocument/2006/relationships" xmlns:p="http://schemas.openxmlformats.org/presentationml/2006/main">
   <p:cSld>
     <p:spTree>
@@ -12922,7 +13689,7 @@
 </p:sld>
 </file>
 
-<file path=ppt/slides/slide7.xml><?xml version="1.0" encoding="utf-8"?>
+<file path=ppt/slides/slide8.xml><?xml version="1.0" encoding="utf-8"?>
 <p:sld xmlns:a="http://schemas.openxmlformats.org/drawingml/2006/main" xmlns:r="http://schemas.openxmlformats.org/officeDocument/2006/relationships" xmlns:p="http://schemas.openxmlformats.org/presentationml/2006/main">
   <p:cSld>
     <p:spTree>
@@ -15894,7 +16661,7 @@
 </p:sld>
 </file>
 
-<file path=ppt/slides/slide8.xml><?xml version="1.0" encoding="utf-8"?>
+<file path=ppt/slides/slide9.xml><?xml version="1.0" encoding="utf-8"?>
 <p:sld xmlns:a="http://schemas.openxmlformats.org/drawingml/2006/main" xmlns:r="http://schemas.openxmlformats.org/officeDocument/2006/relationships" xmlns:p="http://schemas.openxmlformats.org/presentationml/2006/main">
   <p:cSld>
     <p:spTree>
@@ -16521,100 +17288,6 @@
     <p:extLst>
       <p:ext uri="{BB962C8B-B14F-4D97-AF65-F5344CB8AC3E}">
         <p14:creationId xmlns:p14="http://schemas.microsoft.com/office/powerpoint/2010/main" val="175497740"/>
-      </p:ext>
-    </p:extLst>
-  </p:cSld>
-  <p:clrMapOvr>
-    <a:masterClrMapping/>
-  </p:clrMapOvr>
-</p:sld>
-</file>
-
-<file path=ppt/slides/slide9.xml><?xml version="1.0" encoding="utf-8"?>
-<p:sld xmlns:a="http://schemas.openxmlformats.org/drawingml/2006/main" xmlns:r="http://schemas.openxmlformats.org/officeDocument/2006/relationships" xmlns:p="http://schemas.openxmlformats.org/presentationml/2006/main">
-  <p:cSld>
-    <p:spTree>
-      <p:nvGrpSpPr>
-        <p:cNvPr id="1" name=""/>
-        <p:cNvGrpSpPr/>
-        <p:nvPr/>
-      </p:nvGrpSpPr>
-      <p:grpSpPr>
-        <a:xfrm>
-          <a:off x="0" y="0"/>
-          <a:ext cx="0" cy="0"/>
-          <a:chOff x="0" y="0"/>
-          <a:chExt cx="0" cy="0"/>
-        </a:xfrm>
-      </p:grpSpPr>
-      <p:pic>
-        <p:nvPicPr>
-          <p:cNvPr id="2050" name="Picture 2"/>
-          <p:cNvPicPr>
-            <a:picLocks noChangeAspect="1" noChangeArrowheads="1"/>
-          </p:cNvPicPr>
-          <p:nvPr/>
-        </p:nvPicPr>
-        <p:blipFill>
-          <a:blip r:embed="rId2">
-            <a:extLst>
-              <a:ext uri="{28A0092B-C50C-407E-A947-70E740481C1C}">
-                <a14:useLocalDpi xmlns:a14="http://schemas.microsoft.com/office/drawing/2010/main" val="0"/>
-              </a:ext>
-            </a:extLst>
-          </a:blip>
-          <a:srcRect/>
-          <a:stretch>
-            <a:fillRect/>
-          </a:stretch>
-        </p:blipFill>
-        <p:spPr bwMode="auto">
-          <a:xfrm>
-            <a:off x="-684584" y="736384"/>
-            <a:ext cx="10513168" cy="3673908"/>
-          </a:xfrm>
-          <a:prstGeom prst="rect">
-            <a:avLst/>
-          </a:prstGeom>
-          <a:noFill/>
-          <a:ln>
-            <a:noFill/>
-          </a:ln>
-          <a:effectLst/>
-          <a:extLst>
-            <a:ext uri="{909E8E84-426E-40DD-AFC4-6F175D3DCCD1}">
-              <a14:hiddenFill xmlns:a14="http://schemas.microsoft.com/office/drawing/2010/main">
-                <a:solidFill>
-                  <a:schemeClr val="accent1"/>
-                </a:solidFill>
-              </a14:hiddenFill>
-            </a:ext>
-            <a:ext uri="{91240B29-F687-4F45-9708-019B960494DF}">
-              <a14:hiddenLine xmlns:a14="http://schemas.microsoft.com/office/drawing/2010/main" w="9525">
-                <a:solidFill>
-                  <a:schemeClr val="tx1"/>
-                </a:solidFill>
-                <a:miter lim="800000"/>
-                <a:headEnd/>
-                <a:tailEnd/>
-              </a14:hiddenLine>
-            </a:ext>
-            <a:ext uri="{AF507438-7753-43E0-B8FC-AC1667EBCBE1}">
-              <a14:hiddenEffects xmlns:a14="http://schemas.microsoft.com/office/drawing/2010/main">
-                <a:effectLst>
-                  <a:outerShdw dist="35921" dir="2700000" algn="ctr" rotWithShape="0">
-                    <a:schemeClr val="bg2"/>
-                  </a:outerShdw>
-                </a:effectLst>
-              </a14:hiddenEffects>
-            </a:ext>
-          </a:extLst>
-        </p:spPr>
-      </p:pic>
-    </p:spTree>
-    <p:extLst>
-      <p:ext uri="{BB962C8B-B14F-4D97-AF65-F5344CB8AC3E}">
-        <p14:creationId xmlns:p14="http://schemas.microsoft.com/office/powerpoint/2010/main" val="1003621041"/>
       </p:ext>
     </p:extLst>
   </p:cSld>

--- a/pics/2021-01-05-confidence_interval/pics.pptx
+++ b/pics/2021-01-05-confidence_interval/pics.pptx
@@ -10,12 +10,13 @@
     <p:sldId id="263" r:id="rId4"/>
     <p:sldId id="265" r:id="rId5"/>
     <p:sldId id="266" r:id="rId6"/>
-    <p:sldId id="258" r:id="rId7"/>
-    <p:sldId id="259" r:id="rId8"/>
-    <p:sldId id="260" r:id="rId9"/>
-    <p:sldId id="256" r:id="rId10"/>
-    <p:sldId id="257" r:id="rId11"/>
-    <p:sldId id="261" r:id="rId12"/>
+    <p:sldId id="267" r:id="rId7"/>
+    <p:sldId id="258" r:id="rId8"/>
+    <p:sldId id="259" r:id="rId9"/>
+    <p:sldId id="260" r:id="rId10"/>
+    <p:sldId id="256" r:id="rId11"/>
+    <p:sldId id="257" r:id="rId12"/>
+    <p:sldId id="261" r:id="rId13"/>
   </p:sldIdLst>
   <p:sldSz cx="9144000" cy="5143500" type="screen16x9"/>
   <p:notesSz cx="6858000" cy="9144000"/>
@@ -312,7 +313,7 @@
           <a:p>
             <a:fld id="{52082F2F-C111-4C40-8D6F-6E5A50198C2A}" type="datetimeFigureOut">
               <a:rPr lang="ko-KR" altLang="en-US" smtClean="0"/>
-              <a:t>2021-01-16</a:t>
+              <a:t>2021-01-17</a:t>
             </a:fld>
             <a:endParaRPr lang="ko-KR" altLang="en-US"/>
           </a:p>
@@ -480,7 +481,7 @@
           <a:p>
             <a:fld id="{52082F2F-C111-4C40-8D6F-6E5A50198C2A}" type="datetimeFigureOut">
               <a:rPr lang="ko-KR" altLang="en-US" smtClean="0"/>
-              <a:t>2021-01-16</a:t>
+              <a:t>2021-01-17</a:t>
             </a:fld>
             <a:endParaRPr lang="ko-KR" altLang="en-US"/>
           </a:p>
@@ -658,7 +659,7 @@
           <a:p>
             <a:fld id="{52082F2F-C111-4C40-8D6F-6E5A50198C2A}" type="datetimeFigureOut">
               <a:rPr lang="ko-KR" altLang="en-US" smtClean="0"/>
-              <a:t>2021-01-16</a:t>
+              <a:t>2021-01-17</a:t>
             </a:fld>
             <a:endParaRPr lang="ko-KR" altLang="en-US"/>
           </a:p>
@@ -826,7 +827,7 @@
           <a:p>
             <a:fld id="{52082F2F-C111-4C40-8D6F-6E5A50198C2A}" type="datetimeFigureOut">
               <a:rPr lang="ko-KR" altLang="en-US" smtClean="0"/>
-              <a:t>2021-01-16</a:t>
+              <a:t>2021-01-17</a:t>
             </a:fld>
             <a:endParaRPr lang="ko-KR" altLang="en-US"/>
           </a:p>
@@ -1071,7 +1072,7 @@
           <a:p>
             <a:fld id="{52082F2F-C111-4C40-8D6F-6E5A50198C2A}" type="datetimeFigureOut">
               <a:rPr lang="ko-KR" altLang="en-US" smtClean="0"/>
-              <a:t>2021-01-16</a:t>
+              <a:t>2021-01-17</a:t>
             </a:fld>
             <a:endParaRPr lang="ko-KR" altLang="en-US"/>
           </a:p>
@@ -1356,7 +1357,7 @@
           <a:p>
             <a:fld id="{52082F2F-C111-4C40-8D6F-6E5A50198C2A}" type="datetimeFigureOut">
               <a:rPr lang="ko-KR" altLang="en-US" smtClean="0"/>
-              <a:t>2021-01-16</a:t>
+              <a:t>2021-01-17</a:t>
             </a:fld>
             <a:endParaRPr lang="ko-KR" altLang="en-US"/>
           </a:p>
@@ -1780,7 +1781,7 @@
           <a:p>
             <a:fld id="{52082F2F-C111-4C40-8D6F-6E5A50198C2A}" type="datetimeFigureOut">
               <a:rPr lang="ko-KR" altLang="en-US" smtClean="0"/>
-              <a:t>2021-01-16</a:t>
+              <a:t>2021-01-17</a:t>
             </a:fld>
             <a:endParaRPr lang="ko-KR" altLang="en-US"/>
           </a:p>
@@ -1897,7 +1898,7 @@
           <a:p>
             <a:fld id="{52082F2F-C111-4C40-8D6F-6E5A50198C2A}" type="datetimeFigureOut">
               <a:rPr lang="ko-KR" altLang="en-US" smtClean="0"/>
-              <a:t>2021-01-16</a:t>
+              <a:t>2021-01-17</a:t>
             </a:fld>
             <a:endParaRPr lang="ko-KR" altLang="en-US"/>
           </a:p>
@@ -1992,7 +1993,7 @@
           <a:p>
             <a:fld id="{52082F2F-C111-4C40-8D6F-6E5A50198C2A}" type="datetimeFigureOut">
               <a:rPr lang="ko-KR" altLang="en-US" smtClean="0"/>
-              <a:t>2021-01-16</a:t>
+              <a:t>2021-01-17</a:t>
             </a:fld>
             <a:endParaRPr lang="ko-KR" altLang="en-US"/>
           </a:p>
@@ -2267,7 +2268,7 @@
           <a:p>
             <a:fld id="{52082F2F-C111-4C40-8D6F-6E5A50198C2A}" type="datetimeFigureOut">
               <a:rPr lang="ko-KR" altLang="en-US" smtClean="0"/>
-              <a:t>2021-01-16</a:t>
+              <a:t>2021-01-17</a:t>
             </a:fld>
             <a:endParaRPr lang="ko-KR" altLang="en-US"/>
           </a:p>
@@ -2519,7 +2520,7 @@
           <a:p>
             <a:fld id="{52082F2F-C111-4C40-8D6F-6E5A50198C2A}" type="datetimeFigureOut">
               <a:rPr lang="ko-KR" altLang="en-US" smtClean="0"/>
-              <a:t>2021-01-16</a:t>
+              <a:t>2021-01-17</a:t>
             </a:fld>
             <a:endParaRPr lang="ko-KR" altLang="en-US"/>
           </a:p>
@@ -2730,7 +2731,7 @@
           <a:p>
             <a:fld id="{52082F2F-C111-4C40-8D6F-6E5A50198C2A}" type="datetimeFigureOut">
               <a:rPr lang="ko-KR" altLang="en-US" smtClean="0"/>
-              <a:t>2021-01-16</a:t>
+              <a:t>2021-01-17</a:t>
             </a:fld>
             <a:endParaRPr lang="ko-KR" altLang="en-US"/>
           </a:p>
@@ -3259,7 +3260,7 @@
       </p:grpSpPr>
       <p:pic>
         <p:nvPicPr>
-          <p:cNvPr id="2050" name="Picture 2"/>
+          <p:cNvPr id="1027" name="Picture 3"/>
           <p:cNvPicPr>
             <a:picLocks noChangeAspect="1" noChangeArrowheads="1"/>
           </p:cNvPicPr>
@@ -3280,8 +3281,8 @@
         </p:blipFill>
         <p:spPr bwMode="auto">
           <a:xfrm>
-            <a:off x="-684584" y="736384"/>
-            <a:ext cx="10513168" cy="3673908"/>
+            <a:off x="5239000" y="1203598"/>
+            <a:ext cx="3686554" cy="2524604"/>
           </a:xfrm>
           <a:prstGeom prst="rect">
             <a:avLst/>
@@ -3321,6 +3322,642 @@
           </a:extLst>
         </p:spPr>
       </p:pic>
+      <p:sp>
+        <p:nvSpPr>
+          <p:cNvPr id="5" name="오른쪽 화살표 4"/>
+          <p:cNvSpPr/>
+          <p:nvPr/>
+        </p:nvSpPr>
+        <p:spPr>
+          <a:xfrm>
+            <a:off x="4353997" y="2139839"/>
+            <a:ext cx="978408" cy="484632"/>
+          </a:xfrm>
+          <a:prstGeom prst="rightArrow">
+            <a:avLst/>
+          </a:prstGeom>
+        </p:spPr>
+        <p:style>
+          <a:lnRef idx="2">
+            <a:schemeClr val="accent1">
+              <a:shade val="50000"/>
+            </a:schemeClr>
+          </a:lnRef>
+          <a:fillRef idx="1">
+            <a:schemeClr val="accent1"/>
+          </a:fillRef>
+          <a:effectRef idx="0">
+            <a:schemeClr val="accent1"/>
+          </a:effectRef>
+          <a:fontRef idx="minor">
+            <a:schemeClr val="lt1"/>
+          </a:fontRef>
+        </p:style>
+        <p:txBody>
+          <a:bodyPr rtlCol="0" anchor="ctr"/>
+          <a:lstStyle/>
+          <a:p>
+            <a:pPr algn="ctr"/>
+            <a:endParaRPr lang="ko-KR" altLang="en-US"/>
+          </a:p>
+        </p:txBody>
+      </p:sp>
+      <p:sp>
+        <p:nvSpPr>
+          <p:cNvPr id="6" name="TextBox 5"/>
+          <p:cNvSpPr txBox="1"/>
+          <p:nvPr/>
+        </p:nvSpPr>
+        <p:spPr>
+          <a:xfrm>
+            <a:off x="4415840" y="1851669"/>
+            <a:ext cx="854721" cy="276999"/>
+          </a:xfrm>
+          <a:prstGeom prst="rect">
+            <a:avLst/>
+          </a:prstGeom>
+          <a:noFill/>
+        </p:spPr>
+        <p:txBody>
+          <a:bodyPr wrap="none" rtlCol="0">
+            <a:spAutoFit/>
+          </a:bodyPr>
+          <a:lstStyle/>
+          <a:p>
+            <a:r>
+              <a:rPr lang="ko-KR" altLang="en-US" sz="1200" b="1" dirty="0"/>
+              <a:t>표본 추출</a:t>
+            </a:r>
+          </a:p>
+        </p:txBody>
+      </p:sp>
+      <p:sp>
+        <p:nvSpPr>
+          <p:cNvPr id="7" name="직사각형 6"/>
+          <p:cNvSpPr/>
+          <p:nvPr/>
+        </p:nvSpPr>
+        <p:spPr>
+          <a:xfrm>
+            <a:off x="6754734" y="1397316"/>
+            <a:ext cx="553611" cy="1867277"/>
+          </a:xfrm>
+          <a:prstGeom prst="rect">
+            <a:avLst/>
+          </a:prstGeom>
+          <a:solidFill>
+            <a:schemeClr val="accent3">
+              <a:alpha val="40000"/>
+            </a:schemeClr>
+          </a:solidFill>
+          <a:ln>
+            <a:noFill/>
+          </a:ln>
+        </p:spPr>
+        <p:style>
+          <a:lnRef idx="2">
+            <a:schemeClr val="accent1">
+              <a:shade val="50000"/>
+            </a:schemeClr>
+          </a:lnRef>
+          <a:fillRef idx="1">
+            <a:schemeClr val="accent1"/>
+          </a:fillRef>
+          <a:effectRef idx="0">
+            <a:schemeClr val="accent1"/>
+          </a:effectRef>
+          <a:fontRef idx="minor">
+            <a:schemeClr val="lt1"/>
+          </a:fontRef>
+        </p:style>
+        <p:txBody>
+          <a:bodyPr rtlCol="0" anchor="ctr"/>
+          <a:lstStyle/>
+          <a:p>
+            <a:pPr algn="ctr"/>
+            <a:endParaRPr lang="ko-KR" altLang="en-US"/>
+          </a:p>
+        </p:txBody>
+      </p:sp>
+      <p:grpSp>
+        <p:nvGrpSpPr>
+          <p:cNvPr id="4" name="그룹 3"/>
+          <p:cNvGrpSpPr/>
+          <p:nvPr/>
+        </p:nvGrpSpPr>
+        <p:grpSpPr>
+          <a:xfrm>
+            <a:off x="6791019" y="1038554"/>
+            <a:ext cx="237046" cy="534144"/>
+            <a:chOff x="6791019" y="1033792"/>
+            <a:chExt cx="237046" cy="534144"/>
+          </a:xfrm>
+        </p:grpSpPr>
+        <p:cxnSp>
+          <p:nvCxnSpPr>
+            <p:cNvPr id="9" name="직선 연결선 8"/>
+            <p:cNvCxnSpPr/>
+            <p:nvPr/>
+          </p:nvCxnSpPr>
+          <p:spPr>
+            <a:xfrm flipV="1">
+              <a:off x="7028065" y="1033792"/>
+              <a:ext cx="0" cy="534144"/>
+            </a:xfrm>
+            <a:prstGeom prst="line">
+              <a:avLst/>
+            </a:prstGeom>
+            <a:ln w="19050">
+              <a:solidFill>
+                <a:schemeClr val="tx1"/>
+              </a:solidFill>
+              <a:prstDash val="dash"/>
+            </a:ln>
+          </p:spPr>
+          <p:style>
+            <a:lnRef idx="1">
+              <a:schemeClr val="accent1"/>
+            </a:lnRef>
+            <a:fillRef idx="0">
+              <a:schemeClr val="accent1"/>
+            </a:fillRef>
+            <a:effectRef idx="0">
+              <a:schemeClr val="accent1"/>
+            </a:effectRef>
+            <a:fontRef idx="minor">
+              <a:schemeClr val="tx1"/>
+            </a:fontRef>
+          </p:style>
+        </p:cxnSp>
+        <p:cxnSp>
+          <p:nvCxnSpPr>
+            <p:cNvPr id="11" name="직선 화살표 연결선 10"/>
+            <p:cNvCxnSpPr/>
+            <p:nvPr/>
+          </p:nvCxnSpPr>
+          <p:spPr>
+            <a:xfrm>
+              <a:off x="6791019" y="1177808"/>
+              <a:ext cx="237046" cy="0"/>
+            </a:xfrm>
+            <a:prstGeom prst="straightConnector1">
+              <a:avLst/>
+            </a:prstGeom>
+            <a:ln w="19050">
+              <a:solidFill>
+                <a:schemeClr val="tx1"/>
+              </a:solidFill>
+              <a:tailEnd type="arrow"/>
+            </a:ln>
+          </p:spPr>
+          <p:style>
+            <a:lnRef idx="1">
+              <a:schemeClr val="accent1"/>
+            </a:lnRef>
+            <a:fillRef idx="0">
+              <a:schemeClr val="accent1"/>
+            </a:fillRef>
+            <a:effectRef idx="0">
+              <a:schemeClr val="accent1"/>
+            </a:effectRef>
+            <a:fontRef idx="minor">
+              <a:schemeClr val="tx1"/>
+            </a:fontRef>
+          </p:style>
+        </p:cxnSp>
+      </p:grpSp>
+      <mc:AlternateContent xmlns:mc="http://schemas.openxmlformats.org/markup-compatibility/2006" xmlns:a14="http://schemas.microsoft.com/office/drawing/2010/main">
+        <mc:Choice Requires="a14">
+          <p:sp>
+            <p:nvSpPr>
+              <p:cNvPr id="19" name="TextBox 18"/>
+              <p:cNvSpPr txBox="1"/>
+              <p:nvPr/>
+            </p:nvSpPr>
+            <p:spPr>
+              <a:xfrm>
+                <a:off x="6732240" y="765940"/>
+                <a:ext cx="816249" cy="276999"/>
+              </a:xfrm>
+              <a:prstGeom prst="rect">
+                <a:avLst/>
+              </a:prstGeom>
+              <a:noFill/>
+            </p:spPr>
+            <p:txBody>
+              <a:bodyPr wrap="none" rtlCol="0">
+                <a:spAutoFit/>
+              </a:bodyPr>
+              <a:lstStyle/>
+              <a:p>
+                <a:pPr/>
+                <a14:m>
+                  <m:oMathPara xmlns:m="http://schemas.openxmlformats.org/officeDocument/2006/math">
+                    <m:oMathParaPr>
+                      <m:jc m:val="centerGroup"/>
+                    </m:oMathParaPr>
+                    <m:oMath xmlns:m="http://schemas.openxmlformats.org/officeDocument/2006/math">
+                      <m:r>
+                        <a:rPr lang="en-US" altLang="ko-KR" sz="1200" b="0" i="1" smtClean="0">
+                          <a:latin typeface="Cambria Math"/>
+                        </a:rPr>
+                        <m:t>𝑆𝐸𝑀</m:t>
+                      </m:r>
+                      <m:r>
+                        <a:rPr lang="en-US" altLang="ko-KR" sz="1200" b="0" i="1" smtClean="0">
+                          <a:latin typeface="Cambria Math"/>
+                        </a:rPr>
+                        <m:t>×2</m:t>
+                      </m:r>
+                    </m:oMath>
+                  </m:oMathPara>
+                </a14:m>
+                <a:endParaRPr lang="ko-KR" altLang="en-US" sz="1200" dirty="0"/>
+              </a:p>
+            </p:txBody>
+          </p:sp>
+        </mc:Choice>
+        <mc:Fallback xmlns="">
+          <p:sp>
+            <p:nvSpPr>
+              <p:cNvPr id="19" name="TextBox 18"/>
+              <p:cNvSpPr txBox="1">
+                <a:spLocks noRot="1" noChangeAspect="1" noMove="1" noResize="1" noEditPoints="1" noAdjustHandles="1" noChangeArrowheads="1" noChangeShapeType="1" noTextEdit="1"/>
+              </p:cNvSpPr>
+              <p:nvPr/>
+            </p:nvSpPr>
+            <p:spPr>
+              <a:xfrm>
+                <a:off x="6732240" y="765940"/>
+                <a:ext cx="816249" cy="276999"/>
+              </a:xfrm>
+              <a:prstGeom prst="rect">
+                <a:avLst/>
+              </a:prstGeom>
+              <a:blipFill rotWithShape="1">
+                <a:blip r:embed="rId3"/>
+                <a:stretch>
+                  <a:fillRect/>
+                </a:stretch>
+              </a:blipFill>
+            </p:spPr>
+            <p:txBody>
+              <a:bodyPr/>
+              <a:lstStyle/>
+              <a:p>
+                <a:r>
+                  <a:rPr lang="ko-KR" altLang="en-US">
+                    <a:noFill/>
+                  </a:rPr>
+                  <a:t> </a:t>
+                </a:r>
+              </a:p>
+            </p:txBody>
+          </p:sp>
+        </mc:Fallback>
+      </mc:AlternateContent>
+      <p:sp>
+        <p:nvSpPr>
+          <p:cNvPr id="23" name="오른쪽 중괄호 22"/>
+          <p:cNvSpPr/>
+          <p:nvPr/>
+        </p:nvSpPr>
+        <p:spPr>
+          <a:xfrm rot="5400000">
+            <a:off x="6963885" y="3514728"/>
+            <a:ext cx="137736" cy="556037"/>
+          </a:xfrm>
+          <a:prstGeom prst="rightBrace">
+            <a:avLst>
+              <a:gd name="adj1" fmla="val 72301"/>
+              <a:gd name="adj2" fmla="val 50000"/>
+            </a:avLst>
+          </a:prstGeom>
+          <a:ln>
+            <a:solidFill>
+              <a:srgbClr val="FF0000"/>
+            </a:solidFill>
+          </a:ln>
+        </p:spPr>
+        <p:style>
+          <a:lnRef idx="1">
+            <a:schemeClr val="accent1"/>
+          </a:lnRef>
+          <a:fillRef idx="0">
+            <a:schemeClr val="accent1"/>
+          </a:fillRef>
+          <a:effectRef idx="0">
+            <a:schemeClr val="accent1"/>
+          </a:effectRef>
+          <a:fontRef idx="minor">
+            <a:schemeClr val="tx1"/>
+          </a:fontRef>
+        </p:style>
+        <p:txBody>
+          <a:bodyPr rtlCol="0" anchor="ctr"/>
+          <a:lstStyle/>
+          <a:p>
+            <a:pPr algn="ctr"/>
+            <a:endParaRPr lang="ko-KR" altLang="en-US"/>
+          </a:p>
+        </p:txBody>
+      </p:sp>
+      <p:sp>
+        <p:nvSpPr>
+          <p:cNvPr id="26" name="TextBox 25"/>
+          <p:cNvSpPr txBox="1"/>
+          <p:nvPr/>
+        </p:nvSpPr>
+        <p:spPr>
+          <a:xfrm>
+            <a:off x="6052059" y="3910285"/>
+            <a:ext cx="1866217" cy="461665"/>
+          </a:xfrm>
+          <a:prstGeom prst="rect">
+            <a:avLst/>
+          </a:prstGeom>
+          <a:noFill/>
+        </p:spPr>
+        <p:txBody>
+          <a:bodyPr wrap="none" rtlCol="0">
+            <a:spAutoFit/>
+          </a:bodyPr>
+          <a:lstStyle/>
+          <a:p>
+            <a:pPr algn="ctr"/>
+            <a:r>
+              <a:rPr lang="ko-KR" altLang="en-US" sz="1200" dirty="0"/>
+              <a:t>이 안에 </a:t>
+            </a:r>
+            <a:r>
+              <a:rPr lang="en-US" altLang="ko-KR" sz="1200" dirty="0"/>
+              <a:t>95% </a:t>
+            </a:r>
+            <a:r>
+              <a:rPr lang="ko-KR" altLang="en-US" sz="1200" dirty="0"/>
+              <a:t>확률로</a:t>
+            </a:r>
+            <a:endParaRPr lang="en-US" altLang="ko-KR" sz="1200" dirty="0"/>
+          </a:p>
+          <a:p>
+            <a:pPr algn="ctr"/>
+            <a:r>
+              <a:rPr lang="ko-KR" altLang="en-US" sz="1200" dirty="0"/>
+              <a:t>모평균이 포함되어 있음</a:t>
+            </a:r>
+            <a:r>
+              <a:rPr lang="en-US" altLang="ko-KR" sz="1200" dirty="0"/>
+              <a:t>.</a:t>
+            </a:r>
+            <a:endParaRPr lang="ko-KR" altLang="en-US" sz="1200" dirty="0"/>
+          </a:p>
+        </p:txBody>
+      </p:sp>
+      <p:grpSp>
+        <p:nvGrpSpPr>
+          <p:cNvPr id="3" name="그룹 2"/>
+          <p:cNvGrpSpPr/>
+          <p:nvPr/>
+        </p:nvGrpSpPr>
+        <p:grpSpPr>
+          <a:xfrm>
+            <a:off x="7308304" y="1038554"/>
+            <a:ext cx="237046" cy="534144"/>
+            <a:chOff x="7308304" y="1055618"/>
+            <a:chExt cx="237046" cy="534144"/>
+          </a:xfrm>
+        </p:grpSpPr>
+        <p:cxnSp>
+          <p:nvCxnSpPr>
+            <p:cNvPr id="12" name="직선 연결선 11"/>
+            <p:cNvCxnSpPr/>
+            <p:nvPr/>
+          </p:nvCxnSpPr>
+          <p:spPr>
+            <a:xfrm flipV="1">
+              <a:off x="7310771" y="1055618"/>
+              <a:ext cx="0" cy="534144"/>
+            </a:xfrm>
+            <a:prstGeom prst="line">
+              <a:avLst/>
+            </a:prstGeom>
+            <a:ln w="19050">
+              <a:solidFill>
+                <a:schemeClr val="tx1"/>
+              </a:solidFill>
+              <a:prstDash val="dash"/>
+            </a:ln>
+          </p:spPr>
+          <p:style>
+            <a:lnRef idx="1">
+              <a:schemeClr val="accent1"/>
+            </a:lnRef>
+            <a:fillRef idx="0">
+              <a:schemeClr val="accent1"/>
+            </a:fillRef>
+            <a:effectRef idx="0">
+              <a:schemeClr val="accent1"/>
+            </a:effectRef>
+            <a:fontRef idx="minor">
+              <a:schemeClr val="tx1"/>
+            </a:fontRef>
+          </p:style>
+        </p:cxnSp>
+        <p:cxnSp>
+          <p:nvCxnSpPr>
+            <p:cNvPr id="28" name="직선 화살표 연결선 27"/>
+            <p:cNvCxnSpPr/>
+            <p:nvPr/>
+          </p:nvCxnSpPr>
+          <p:spPr>
+            <a:xfrm flipH="1">
+              <a:off x="7308304" y="1199634"/>
+              <a:ext cx="237046" cy="0"/>
+            </a:xfrm>
+            <a:prstGeom prst="straightConnector1">
+              <a:avLst/>
+            </a:prstGeom>
+            <a:ln w="19050">
+              <a:solidFill>
+                <a:schemeClr val="tx1"/>
+              </a:solidFill>
+              <a:tailEnd type="arrow"/>
+            </a:ln>
+          </p:spPr>
+          <p:style>
+            <a:lnRef idx="1">
+              <a:schemeClr val="accent1"/>
+            </a:lnRef>
+            <a:fillRef idx="0">
+              <a:schemeClr val="accent1"/>
+            </a:fillRef>
+            <a:effectRef idx="0">
+              <a:schemeClr val="accent1"/>
+            </a:effectRef>
+            <a:fontRef idx="minor">
+              <a:schemeClr val="tx1"/>
+            </a:fontRef>
+          </p:style>
+        </p:cxnSp>
+      </p:grpSp>
+      <p:pic>
+        <p:nvPicPr>
+          <p:cNvPr id="2" name="Picture 2"/>
+          <p:cNvPicPr>
+            <a:picLocks noChangeAspect="1" noChangeArrowheads="1"/>
+          </p:cNvPicPr>
+          <p:nvPr/>
+        </p:nvPicPr>
+        <p:blipFill>
+          <a:blip r:embed="rId4">
+            <a:extLst>
+              <a:ext uri="{28A0092B-C50C-407E-A947-70E740481C1C}">
+                <a14:useLocalDpi xmlns:a14="http://schemas.microsoft.com/office/drawing/2010/main" val="0"/>
+              </a:ext>
+            </a:extLst>
+          </a:blip>
+          <a:srcRect/>
+          <a:stretch>
+            <a:fillRect/>
+          </a:stretch>
+        </p:blipFill>
+        <p:spPr bwMode="auto">
+          <a:xfrm>
+            <a:off x="107504" y="915567"/>
+            <a:ext cx="4419126" cy="3312368"/>
+          </a:xfrm>
+          <a:prstGeom prst="rect">
+            <a:avLst/>
+          </a:prstGeom>
+          <a:noFill/>
+          <a:ln>
+            <a:noFill/>
+          </a:ln>
+          <a:effectLst/>
+          <a:extLst>
+            <a:ext uri="{909E8E84-426E-40DD-AFC4-6F175D3DCCD1}">
+              <a14:hiddenFill xmlns:a14="http://schemas.microsoft.com/office/drawing/2010/main">
+                <a:solidFill>
+                  <a:schemeClr val="accent1"/>
+                </a:solidFill>
+              </a14:hiddenFill>
+            </a:ext>
+            <a:ext uri="{91240B29-F687-4F45-9708-019B960494DF}">
+              <a14:hiddenLine xmlns:a14="http://schemas.microsoft.com/office/drawing/2010/main" w="9525">
+                <a:solidFill>
+                  <a:schemeClr val="tx1"/>
+                </a:solidFill>
+                <a:miter lim="800000"/>
+                <a:headEnd/>
+                <a:tailEnd/>
+              </a14:hiddenLine>
+            </a:ext>
+            <a:ext uri="{AF507438-7753-43E0-B8FC-AC1667EBCBE1}">
+              <a14:hiddenEffects xmlns:a14="http://schemas.microsoft.com/office/drawing/2010/main">
+                <a:effectLst>
+                  <a:outerShdw dist="35921" dir="2700000" algn="ctr" rotWithShape="0">
+                    <a:schemeClr val="bg2"/>
+                  </a:outerShdw>
+                </a:effectLst>
+              </a14:hiddenEffects>
+            </a:ext>
+          </a:extLst>
+        </p:spPr>
+      </p:pic>
+    </p:spTree>
+    <p:extLst>
+      <p:ext uri="{BB962C8B-B14F-4D97-AF65-F5344CB8AC3E}">
+        <p14:creationId xmlns:p14="http://schemas.microsoft.com/office/powerpoint/2010/main" val="175497740"/>
+      </p:ext>
+    </p:extLst>
+  </p:cSld>
+  <p:clrMapOvr>
+    <a:masterClrMapping/>
+  </p:clrMapOvr>
+</p:sld>
+</file>
+
+<file path=ppt/slides/slide11.xml><?xml version="1.0" encoding="utf-8"?>
+<p:sld xmlns:a="http://schemas.openxmlformats.org/drawingml/2006/main" xmlns:r="http://schemas.openxmlformats.org/officeDocument/2006/relationships" xmlns:p="http://schemas.openxmlformats.org/presentationml/2006/main">
+  <p:cSld>
+    <p:spTree>
+      <p:nvGrpSpPr>
+        <p:cNvPr id="1" name=""/>
+        <p:cNvGrpSpPr/>
+        <p:nvPr/>
+      </p:nvGrpSpPr>
+      <p:grpSpPr>
+        <a:xfrm>
+          <a:off x="0" y="0"/>
+          <a:ext cx="0" cy="0"/>
+          <a:chOff x="0" y="0"/>
+          <a:chExt cx="0" cy="0"/>
+        </a:xfrm>
+      </p:grpSpPr>
+      <p:pic>
+        <p:nvPicPr>
+          <p:cNvPr id="2050" name="Picture 2"/>
+          <p:cNvPicPr>
+            <a:picLocks noChangeAspect="1" noChangeArrowheads="1"/>
+          </p:cNvPicPr>
+          <p:nvPr/>
+        </p:nvPicPr>
+        <p:blipFill>
+          <a:blip r:embed="rId2">
+            <a:extLst>
+              <a:ext uri="{28A0092B-C50C-407E-A947-70E740481C1C}">
+                <a14:useLocalDpi xmlns:a14="http://schemas.microsoft.com/office/drawing/2010/main" val="0"/>
+              </a:ext>
+            </a:extLst>
+          </a:blip>
+          <a:srcRect/>
+          <a:stretch>
+            <a:fillRect/>
+          </a:stretch>
+        </p:blipFill>
+        <p:spPr bwMode="auto">
+          <a:xfrm>
+            <a:off x="-684584" y="736384"/>
+            <a:ext cx="10513168" cy="3673908"/>
+          </a:xfrm>
+          <a:prstGeom prst="rect">
+            <a:avLst/>
+          </a:prstGeom>
+          <a:noFill/>
+          <a:ln>
+            <a:noFill/>
+          </a:ln>
+          <a:effectLst/>
+          <a:extLst>
+            <a:ext uri="{909E8E84-426E-40DD-AFC4-6F175D3DCCD1}">
+              <a14:hiddenFill xmlns:a14="http://schemas.microsoft.com/office/drawing/2010/main">
+                <a:solidFill>
+                  <a:schemeClr val="accent1"/>
+                </a:solidFill>
+              </a14:hiddenFill>
+            </a:ext>
+            <a:ext uri="{91240B29-F687-4F45-9708-019B960494DF}">
+              <a14:hiddenLine xmlns:a14="http://schemas.microsoft.com/office/drawing/2010/main" w="9525">
+                <a:solidFill>
+                  <a:schemeClr val="tx1"/>
+                </a:solidFill>
+                <a:miter lim="800000"/>
+                <a:headEnd/>
+                <a:tailEnd/>
+              </a14:hiddenLine>
+            </a:ext>
+            <a:ext uri="{AF507438-7753-43E0-B8FC-AC1667EBCBE1}">
+              <a14:hiddenEffects xmlns:a14="http://schemas.microsoft.com/office/drawing/2010/main">
+                <a:effectLst>
+                  <a:outerShdw dist="35921" dir="2700000" algn="ctr" rotWithShape="0">
+                    <a:schemeClr val="bg2"/>
+                  </a:outerShdw>
+                </a:effectLst>
+              </a14:hiddenEffects>
+            </a:ext>
+          </a:extLst>
+        </p:spPr>
+      </p:pic>
     </p:spTree>
     <p:extLst>
       <p:ext uri="{BB962C8B-B14F-4D97-AF65-F5344CB8AC3E}">
@@ -3334,7 +3971,7 @@
 </p:sld>
 </file>
 
-<file path=ppt/slides/slide11.xml><?xml version="1.0" encoding="utf-8"?>
+<file path=ppt/slides/slide12.xml><?xml version="1.0" encoding="utf-8"?>
 <p:sld xmlns:a="http://schemas.openxmlformats.org/drawingml/2006/main" xmlns:r="http://schemas.openxmlformats.org/officeDocument/2006/relationships" xmlns:p="http://schemas.openxmlformats.org/presentationml/2006/main">
   <p:cSld>
     <p:spTree>
@@ -8509,87 +9146,66 @@
           <a:chExt cx="0" cy="0"/>
         </a:xfrm>
       </p:grpSpPr>
-      <p:grpSp>
-        <p:nvGrpSpPr>
-          <p:cNvPr id="8" name="그룹 7">
-            <a:extLst>
-              <a:ext uri="{FF2B5EF4-FFF2-40B4-BE49-F238E27FC236}">
-                <a16:creationId xmlns:a16="http://schemas.microsoft.com/office/drawing/2014/main" id="{F8F4A726-95FB-4001-8287-4BCFEB245473}"/>
-              </a:ext>
-            </a:extLst>
-          </p:cNvPr>
-          <p:cNvGrpSpPr/>
-          <p:nvPr/>
-        </p:nvGrpSpPr>
-        <p:grpSpPr>
-          <a:xfrm>
-            <a:off x="323528" y="959557"/>
-            <a:ext cx="8598363" cy="3224386"/>
-            <a:chOff x="323528" y="571500"/>
-            <a:chExt cx="10668000" cy="4000500"/>
-          </a:xfrm>
-        </p:grpSpPr>
-        <p:pic>
-          <p:nvPicPr>
-            <p:cNvPr id="5" name="그림 4">
-              <a:extLst>
-                <a:ext uri="{FF2B5EF4-FFF2-40B4-BE49-F238E27FC236}">
-                  <a16:creationId xmlns:a16="http://schemas.microsoft.com/office/drawing/2014/main" id="{69B74335-7C70-43C0-BFB8-74D433CCF3D9}"/>
-                </a:ext>
-              </a:extLst>
-            </p:cNvPr>
-            <p:cNvPicPr>
-              <a:picLocks noChangeAspect="1"/>
-            </p:cNvPicPr>
-            <p:nvPr/>
-          </p:nvPicPr>
-          <p:blipFill>
-            <a:blip r:embed="rId2"/>
-            <a:stretch>
-              <a:fillRect/>
-            </a:stretch>
-          </p:blipFill>
-          <p:spPr>
-            <a:xfrm>
-              <a:off x="323528" y="571500"/>
-              <a:ext cx="5334000" cy="4000500"/>
-            </a:xfrm>
-            <a:prstGeom prst="rect">
-              <a:avLst/>
-            </a:prstGeom>
-          </p:spPr>
-        </p:pic>
-        <p:pic>
-          <p:nvPicPr>
-            <p:cNvPr id="7" name="그림 6">
-              <a:extLst>
-                <a:ext uri="{FF2B5EF4-FFF2-40B4-BE49-F238E27FC236}">
-                  <a16:creationId xmlns:a16="http://schemas.microsoft.com/office/drawing/2014/main" id="{0C5BD53F-AF3D-4D02-A443-EA2BC2986C5B}"/>
-                </a:ext>
-              </a:extLst>
-            </p:cNvPr>
-            <p:cNvPicPr>
-              <a:picLocks noChangeAspect="1"/>
-            </p:cNvPicPr>
-            <p:nvPr/>
-          </p:nvPicPr>
-          <p:blipFill>
-            <a:blip r:embed="rId3"/>
-            <a:stretch>
-              <a:fillRect/>
-            </a:stretch>
-          </p:blipFill>
-          <p:spPr>
-            <a:xfrm>
-              <a:off x="5657528" y="571500"/>
-              <a:ext cx="5334000" cy="4000500"/>
-            </a:xfrm>
-            <a:prstGeom prst="rect">
-              <a:avLst/>
-            </a:prstGeom>
-          </p:spPr>
-        </p:pic>
-      </p:grpSp>
+      <p:pic>
+        <p:nvPicPr>
+          <p:cNvPr id="3" name="그림 2">
+            <a:extLst>
+              <a:ext uri="{FF2B5EF4-FFF2-40B4-BE49-F238E27FC236}">
+                <a16:creationId xmlns:a16="http://schemas.microsoft.com/office/drawing/2014/main" id="{D0AC9FCF-C18C-4D10-AB92-F2F1612F495D}"/>
+              </a:ext>
+            </a:extLst>
+          </p:cNvPr>
+          <p:cNvPicPr>
+            <a:picLocks noChangeAspect="1"/>
+          </p:cNvPicPr>
+          <p:nvPr/>
+        </p:nvPicPr>
+        <p:blipFill>
+          <a:blip r:embed="rId2"/>
+          <a:stretch>
+            <a:fillRect/>
+          </a:stretch>
+        </p:blipFill>
+        <p:spPr>
+          <a:xfrm>
+            <a:off x="50002" y="836229"/>
+            <a:ext cx="4628051" cy="3471040"/>
+          </a:xfrm>
+          <a:prstGeom prst="rect">
+            <a:avLst/>
+          </a:prstGeom>
+        </p:spPr>
+      </p:pic>
+      <p:pic>
+        <p:nvPicPr>
+          <p:cNvPr id="13" name="그림 12">
+            <a:extLst>
+              <a:ext uri="{FF2B5EF4-FFF2-40B4-BE49-F238E27FC236}">
+                <a16:creationId xmlns:a16="http://schemas.microsoft.com/office/drawing/2014/main" id="{8F3FF6A7-5006-492B-80AD-A33C6D340903}"/>
+              </a:ext>
+            </a:extLst>
+          </p:cNvPr>
+          <p:cNvPicPr>
+            <a:picLocks noChangeAspect="1"/>
+          </p:cNvPicPr>
+          <p:nvPr/>
+        </p:nvPicPr>
+        <p:blipFill>
+          <a:blip r:embed="rId3"/>
+          <a:stretch>
+            <a:fillRect/>
+          </a:stretch>
+        </p:blipFill>
+        <p:spPr>
+          <a:xfrm>
+            <a:off x="4465948" y="836229"/>
+            <a:ext cx="4628051" cy="3471040"/>
+          </a:xfrm>
+          <a:prstGeom prst="rect">
+            <a:avLst/>
+          </a:prstGeom>
+        </p:spPr>
+      </p:pic>
       <p:sp>
         <p:nvSpPr>
           <p:cNvPr id="9" name="TextBox 8">
@@ -8604,7 +9220,7 @@
         </p:nvSpPr>
         <p:spPr>
           <a:xfrm>
-            <a:off x="1943096" y="3147814"/>
+            <a:off x="1811253" y="3147814"/>
             <a:ext cx="1226618" cy="400110"/>
           </a:xfrm>
           <a:prstGeom prst="rect">
@@ -8654,7 +9270,7 @@
         </p:nvSpPr>
         <p:spPr>
           <a:xfrm>
-            <a:off x="6236292" y="3147814"/>
+            <a:off x="6268581" y="3147814"/>
             <a:ext cx="1228221" cy="400110"/>
           </a:xfrm>
           <a:prstGeom prst="rect">
@@ -8706,7 +9322,7 @@
         </p:nvCxnSpPr>
         <p:spPr>
           <a:xfrm>
-            <a:off x="3794274" y="2427734"/>
+            <a:off x="3452857" y="2571750"/>
             <a:ext cx="0" cy="976174"/>
           </a:xfrm>
           <a:prstGeom prst="straightConnector1">
@@ -8749,7 +9365,7 @@
         </p:nvSpPr>
         <p:spPr>
           <a:xfrm>
-            <a:off x="3421156" y="2058402"/>
+            <a:off x="3079739" y="2202418"/>
             <a:ext cx="769763" cy="369332"/>
           </a:xfrm>
           <a:prstGeom prst="rect">
@@ -8793,7 +9409,7 @@
         </p:nvCxnSpPr>
         <p:spPr>
           <a:xfrm>
-            <a:off x="1304745" y="2427734"/>
+            <a:off x="1425153" y="2565132"/>
             <a:ext cx="0" cy="976174"/>
           </a:xfrm>
           <a:prstGeom prst="straightConnector1">
@@ -8836,7 +9452,7 @@
         </p:nvSpPr>
         <p:spPr>
           <a:xfrm>
-            <a:off x="866991" y="2058402"/>
+            <a:off x="987399" y="2195800"/>
             <a:ext cx="878767" cy="369332"/>
           </a:xfrm>
           <a:prstGeom prst="rect">
@@ -8866,10 +9482,10 @@
       </p:sp>
       <p:cxnSp>
         <p:nvCxnSpPr>
-          <p:cNvPr id="22" name="직선 화살표 연결선 21">
-            <a:extLst>
-              <a:ext uri="{FF2B5EF4-FFF2-40B4-BE49-F238E27FC236}">
-                <a16:creationId xmlns:a16="http://schemas.microsoft.com/office/drawing/2014/main" id="{74D08C44-F9BC-40E4-9BC6-6BEB5FB65E23}"/>
+          <p:cNvPr id="24" name="직선 화살표 연결선 23">
+            <a:extLst>
+              <a:ext uri="{FF2B5EF4-FFF2-40B4-BE49-F238E27FC236}">
+                <a16:creationId xmlns:a16="http://schemas.microsoft.com/office/drawing/2014/main" id="{AE4EE2AE-D8F7-4FD0-A389-BCC26858631F}"/>
               </a:ext>
             </a:extLst>
           </p:cNvPr>
@@ -8880,7 +9496,7 @@
         </p:nvCxnSpPr>
         <p:spPr>
           <a:xfrm>
-            <a:off x="8388424" y="2427734"/>
+            <a:off x="5438763" y="2565132"/>
             <a:ext cx="0" cy="976174"/>
           </a:xfrm>
           <a:prstGeom prst="straightConnector1">
@@ -8911,10 +9527,10 @@
       </p:cxnSp>
       <p:sp>
         <p:nvSpPr>
-          <p:cNvPr id="23" name="TextBox 22">
-            <a:extLst>
-              <a:ext uri="{FF2B5EF4-FFF2-40B4-BE49-F238E27FC236}">
-                <a16:creationId xmlns:a16="http://schemas.microsoft.com/office/drawing/2014/main" id="{0853EA3C-5C50-4E43-83B2-D413F714EAD9}"/>
+          <p:cNvPr id="25" name="TextBox 24">
+            <a:extLst>
+              <a:ext uri="{FF2B5EF4-FFF2-40B4-BE49-F238E27FC236}">
+                <a16:creationId xmlns:a16="http://schemas.microsoft.com/office/drawing/2014/main" id="{B97BD5BE-BAE5-4A67-B0B9-F5A315457A3D}"/>
               </a:ext>
             </a:extLst>
           </p:cNvPr>
@@ -8923,8 +9539,8 @@
         </p:nvSpPr>
         <p:spPr>
           <a:xfrm>
-            <a:off x="7720339" y="2058402"/>
-            <a:ext cx="792205" cy="369332"/>
+            <a:off x="5018638" y="2195800"/>
+            <a:ext cx="840295" cy="369332"/>
           </a:xfrm>
           <a:prstGeom prst="rect">
             <a:avLst/>
@@ -8942,7 +9558,7 @@
                 <a:latin typeface="배달의민족 주아" panose="02020603020101020101" pitchFamily="18" charset="-127"/>
                 <a:ea typeface="배달의민족 주아" panose="02020603020101020101" pitchFamily="18" charset="-127"/>
               </a:rPr>
-              <a:t>2.764</a:t>
+              <a:t>-3.169</a:t>
             </a:r>
             <a:endParaRPr lang="ko-KR" altLang="en-US" dirty="0">
               <a:latin typeface="배달의민족 주아" panose="02020603020101020101" pitchFamily="18" charset="-127"/>
@@ -8951,12 +9567,125 @@
           </a:p>
         </p:txBody>
       </p:sp>
+      <p:sp>
+        <p:nvSpPr>
+          <p:cNvPr id="26" name="TextBox 25">
+            <a:extLst>
+              <a:ext uri="{FF2B5EF4-FFF2-40B4-BE49-F238E27FC236}">
+                <a16:creationId xmlns:a16="http://schemas.microsoft.com/office/drawing/2014/main" id="{CB434C2C-03AB-4616-80A1-A55C5A269E6E}"/>
+              </a:ext>
+            </a:extLst>
+          </p:cNvPr>
+          <p:cNvSpPr txBox="1"/>
+          <p:nvPr/>
+        </p:nvSpPr>
+        <p:spPr>
+          <a:xfrm>
+            <a:off x="1093392" y="541232"/>
+            <a:ext cx="6903173" cy="400110"/>
+          </a:xfrm>
+          <a:prstGeom prst="rect">
+            <a:avLst/>
+          </a:prstGeom>
+          <a:noFill/>
+        </p:spPr>
+        <p:txBody>
+          <a:bodyPr wrap="none" rtlCol="0">
+            <a:spAutoFit/>
+          </a:bodyPr>
+          <a:lstStyle/>
+          <a:p>
+            <a:pPr algn="ctr"/>
+            <a:r>
+              <a:rPr lang="en-US" altLang="ko-KR" sz="2000" dirty="0">
+                <a:latin typeface="배달의민족 주아" panose="02020603020101020101" pitchFamily="18" charset="-127"/>
+                <a:ea typeface="배달의민족 주아" panose="02020603020101020101" pitchFamily="18" charset="-127"/>
+              </a:rPr>
+              <a:t>T-</a:t>
+            </a:r>
+            <a:r>
+              <a:rPr lang="ko-KR" altLang="en-US" sz="2000" dirty="0">
+                <a:latin typeface="배달의민족 주아" panose="02020603020101020101" pitchFamily="18" charset="-127"/>
+                <a:ea typeface="배달의민족 주아" panose="02020603020101020101" pitchFamily="18" charset="-127"/>
+              </a:rPr>
+              <a:t>분포</a:t>
+            </a:r>
+            <a:r>
+              <a:rPr lang="en-US" altLang="ko-KR" sz="2000" dirty="0">
+                <a:latin typeface="배달의민족 주아" panose="02020603020101020101" pitchFamily="18" charset="-127"/>
+                <a:ea typeface="배달의민족 주아" panose="02020603020101020101" pitchFamily="18" charset="-127"/>
+              </a:rPr>
+              <a:t> (</a:t>
+            </a:r>
+            <a:r>
+              <a:rPr lang="ko-KR" altLang="en-US" sz="2000" dirty="0">
+                <a:latin typeface="배달의민족 주아" panose="02020603020101020101" pitchFamily="18" charset="-127"/>
+                <a:ea typeface="배달의민족 주아" panose="02020603020101020101" pitchFamily="18" charset="-127"/>
+              </a:rPr>
+              <a:t>자유도 </a:t>
+            </a:r>
+            <a:r>
+              <a:rPr lang="en-US" altLang="ko-KR" sz="2000" dirty="0">
+                <a:latin typeface="배달의민족 주아" panose="02020603020101020101" pitchFamily="18" charset="-127"/>
+                <a:ea typeface="배달의민족 주아" panose="02020603020101020101" pitchFamily="18" charset="-127"/>
+              </a:rPr>
+              <a:t>10)</a:t>
+            </a:r>
+            <a:r>
+              <a:rPr lang="ko-KR" altLang="en-US" sz="2000" dirty="0">
+                <a:latin typeface="배달의민족 주아" panose="02020603020101020101" pitchFamily="18" charset="-127"/>
+                <a:ea typeface="배달의민족 주아" panose="02020603020101020101" pitchFamily="18" charset="-127"/>
+              </a:rPr>
+              <a:t>인 경우 넓이 </a:t>
+            </a:r>
+            <a:r>
+              <a:rPr lang="en-US" altLang="ko-KR" sz="2000" dirty="0">
+                <a:latin typeface="배달의민족 주아" panose="02020603020101020101" pitchFamily="18" charset="-127"/>
+                <a:ea typeface="배달의민족 주아" panose="02020603020101020101" pitchFamily="18" charset="-127"/>
+              </a:rPr>
+              <a:t>0.95, 0.99</a:t>
+            </a:r>
+            <a:r>
+              <a:rPr lang="ko-KR" altLang="en-US" sz="2000" dirty="0">
+                <a:latin typeface="배달의민족 주아" panose="02020603020101020101" pitchFamily="18" charset="-127"/>
+                <a:ea typeface="배달의민족 주아" panose="02020603020101020101" pitchFamily="18" charset="-127"/>
+              </a:rPr>
+              <a:t>를 얻기 위한 </a:t>
+            </a:r>
+            <a:r>
+              <a:rPr lang="en-US" altLang="ko-KR" sz="2000" dirty="0">
+                <a:latin typeface="배달의민족 주아" panose="02020603020101020101" pitchFamily="18" charset="-127"/>
+                <a:ea typeface="배달의민족 주아" panose="02020603020101020101" pitchFamily="18" charset="-127"/>
+              </a:rPr>
+              <a:t>t-value</a:t>
+            </a:r>
+            <a:r>
+              <a:rPr lang="ko-KR" altLang="en-US" sz="2000" dirty="0">
+                <a:latin typeface="배달의민족 주아" panose="02020603020101020101" pitchFamily="18" charset="-127"/>
+                <a:ea typeface="배달의민족 주아" panose="02020603020101020101" pitchFamily="18" charset="-127"/>
+              </a:rPr>
+              <a:t>는</a:t>
+            </a:r>
+            <a:r>
+              <a:rPr lang="en-US" altLang="ko-KR" sz="2000" dirty="0">
+                <a:latin typeface="배달의민족 주아" panose="02020603020101020101" pitchFamily="18" charset="-127"/>
+                <a:ea typeface="배달의민족 주아" panose="02020603020101020101" pitchFamily="18" charset="-127"/>
+              </a:rPr>
+              <a:t>?</a:t>
+            </a:r>
+            <a:endParaRPr lang="ko-KR" altLang="en-US" sz="2000" dirty="0">
+              <a:latin typeface="배달의민족 주아" panose="02020603020101020101" pitchFamily="18" charset="-127"/>
+              <a:ea typeface="배달의민족 주아" panose="02020603020101020101" pitchFamily="18" charset="-127"/>
+            </a:endParaRPr>
+          </a:p>
+        </p:txBody>
+      </p:sp>
       <p:cxnSp>
         <p:nvCxnSpPr>
-          <p:cNvPr id="24" name="직선 화살표 연결선 23">
-            <a:extLst>
-              <a:ext uri="{FF2B5EF4-FFF2-40B4-BE49-F238E27FC236}">
-                <a16:creationId xmlns:a16="http://schemas.microsoft.com/office/drawing/2014/main" id="{AE4EE2AE-D8F7-4FD0-A389-BCC26858631F}"/>
+          <p:cNvPr id="27" name="직선 화살표 연결선 26">
+            <a:extLst>
+              <a:ext uri="{FF2B5EF4-FFF2-40B4-BE49-F238E27FC236}">
+                <a16:creationId xmlns:a16="http://schemas.microsoft.com/office/drawing/2014/main" id="{A1C83BC5-CD72-4402-A822-571C7099DA75}"/>
               </a:ext>
             </a:extLst>
           </p:cNvPr>
@@ -8967,7 +9696,7 @@
         </p:nvCxnSpPr>
         <p:spPr>
           <a:xfrm>
-            <a:off x="5337193" y="2427734"/>
+            <a:off x="8250419" y="2565132"/>
             <a:ext cx="0" cy="976174"/>
           </a:xfrm>
           <a:prstGeom prst="straightConnector1">
@@ -8998,10 +9727,10 @@
       </p:cxnSp>
       <p:sp>
         <p:nvSpPr>
-          <p:cNvPr id="25" name="TextBox 24">
-            <a:extLst>
-              <a:ext uri="{FF2B5EF4-FFF2-40B4-BE49-F238E27FC236}">
-                <a16:creationId xmlns:a16="http://schemas.microsoft.com/office/drawing/2014/main" id="{B97BD5BE-BAE5-4A67-B0B9-F5A315457A3D}"/>
+          <p:cNvPr id="28" name="TextBox 27">
+            <a:extLst>
+              <a:ext uri="{FF2B5EF4-FFF2-40B4-BE49-F238E27FC236}">
+                <a16:creationId xmlns:a16="http://schemas.microsoft.com/office/drawing/2014/main" id="{61E81D9F-AA9E-4174-AC1E-B87D76501210}"/>
               </a:ext>
             </a:extLst>
           </p:cNvPr>
@@ -9010,8 +9739,8 @@
         </p:nvSpPr>
         <p:spPr>
           <a:xfrm>
-            <a:off x="5166174" y="2058402"/>
-            <a:ext cx="901209" cy="369332"/>
+            <a:off x="7876014" y="2195800"/>
+            <a:ext cx="731290" cy="369332"/>
           </a:xfrm>
           <a:prstGeom prst="rect">
             <a:avLst/>
@@ -9029,122 +9758,9 @@
                 <a:latin typeface="배달의민족 주아" panose="02020603020101020101" pitchFamily="18" charset="-127"/>
                 <a:ea typeface="배달의민족 주아" panose="02020603020101020101" pitchFamily="18" charset="-127"/>
               </a:rPr>
-              <a:t>-2.764</a:t>
+              <a:t>3.169</a:t>
             </a:r>
             <a:endParaRPr lang="ko-KR" altLang="en-US" dirty="0">
-              <a:latin typeface="배달의민족 주아" panose="02020603020101020101" pitchFamily="18" charset="-127"/>
-              <a:ea typeface="배달의민족 주아" panose="02020603020101020101" pitchFamily="18" charset="-127"/>
-            </a:endParaRPr>
-          </a:p>
-        </p:txBody>
-      </p:sp>
-      <p:sp>
-        <p:nvSpPr>
-          <p:cNvPr id="26" name="TextBox 25">
-            <a:extLst>
-              <a:ext uri="{FF2B5EF4-FFF2-40B4-BE49-F238E27FC236}">
-                <a16:creationId xmlns:a16="http://schemas.microsoft.com/office/drawing/2014/main" id="{CB434C2C-03AB-4616-80A1-A55C5A269E6E}"/>
-              </a:ext>
-            </a:extLst>
-          </p:cNvPr>
-          <p:cNvSpPr txBox="1"/>
-          <p:nvPr/>
-        </p:nvSpPr>
-        <p:spPr>
-          <a:xfrm>
-            <a:off x="1120414" y="541232"/>
-            <a:ext cx="6903173" cy="400110"/>
-          </a:xfrm>
-          <a:prstGeom prst="rect">
-            <a:avLst/>
-          </a:prstGeom>
-          <a:noFill/>
-        </p:spPr>
-        <p:txBody>
-          <a:bodyPr wrap="none" rtlCol="0">
-            <a:spAutoFit/>
-          </a:bodyPr>
-          <a:lstStyle/>
-          <a:p>
-            <a:pPr algn="ctr"/>
-            <a:r>
-              <a:rPr lang="en-US" altLang="ko-KR" sz="2000" dirty="0">
-                <a:latin typeface="배달의민족 주아" panose="02020603020101020101" pitchFamily="18" charset="-127"/>
-                <a:ea typeface="배달의민족 주아" panose="02020603020101020101" pitchFamily="18" charset="-127"/>
-              </a:rPr>
-              <a:t>T-</a:t>
-            </a:r>
-            <a:r>
-              <a:rPr lang="ko-KR" altLang="en-US" sz="2000" dirty="0">
-                <a:latin typeface="배달의민족 주아" panose="02020603020101020101" pitchFamily="18" charset="-127"/>
-                <a:ea typeface="배달의민족 주아" panose="02020603020101020101" pitchFamily="18" charset="-127"/>
-              </a:rPr>
-              <a:t>분포</a:t>
-            </a:r>
-            <a:r>
-              <a:rPr lang="en-US" altLang="ko-KR" sz="2000" dirty="0">
-                <a:latin typeface="배달의민족 주아" panose="02020603020101020101" pitchFamily="18" charset="-127"/>
-                <a:ea typeface="배달의민족 주아" panose="02020603020101020101" pitchFamily="18" charset="-127"/>
-              </a:rPr>
-              <a:t> (</a:t>
-            </a:r>
-            <a:r>
-              <a:rPr lang="ko-KR" altLang="en-US" sz="2000" dirty="0">
-                <a:latin typeface="배달의민족 주아" panose="02020603020101020101" pitchFamily="18" charset="-127"/>
-                <a:ea typeface="배달의민족 주아" panose="02020603020101020101" pitchFamily="18" charset="-127"/>
-              </a:rPr>
-              <a:t>자유도 </a:t>
-            </a:r>
-            <a:r>
-              <a:rPr lang="en-US" altLang="ko-KR" sz="2000" dirty="0">
-                <a:latin typeface="배달의민족 주아" panose="02020603020101020101" pitchFamily="18" charset="-127"/>
-                <a:ea typeface="배달의민족 주아" panose="02020603020101020101" pitchFamily="18" charset="-127"/>
-              </a:rPr>
-              <a:t>10)</a:t>
-            </a:r>
-            <a:r>
-              <a:rPr lang="ko-KR" altLang="en-US" sz="2000" dirty="0">
-                <a:latin typeface="배달의민족 주아" panose="02020603020101020101" pitchFamily="18" charset="-127"/>
-                <a:ea typeface="배달의민족 주아" panose="02020603020101020101" pitchFamily="18" charset="-127"/>
-              </a:rPr>
-              <a:t>인 경우 넓이 </a:t>
-            </a:r>
-            <a:r>
-              <a:rPr lang="en-US" altLang="ko-KR" sz="2000" dirty="0">
-                <a:latin typeface="배달의민족 주아" panose="02020603020101020101" pitchFamily="18" charset="-127"/>
-                <a:ea typeface="배달의민족 주아" panose="02020603020101020101" pitchFamily="18" charset="-127"/>
-              </a:rPr>
-              <a:t>0.95, 0.99</a:t>
-            </a:r>
-            <a:r>
-              <a:rPr lang="ko-KR" altLang="en-US" sz="2000" dirty="0">
-                <a:latin typeface="배달의민족 주아" panose="02020603020101020101" pitchFamily="18" charset="-127"/>
-                <a:ea typeface="배달의민족 주아" panose="02020603020101020101" pitchFamily="18" charset="-127"/>
-              </a:rPr>
-              <a:t>를 얻기 위한 </a:t>
-            </a:r>
-            <a:r>
-              <a:rPr lang="en-US" altLang="ko-KR" sz="2000" dirty="0">
-                <a:latin typeface="배달의민족 주아" panose="02020603020101020101" pitchFamily="18" charset="-127"/>
-                <a:ea typeface="배달의민족 주아" panose="02020603020101020101" pitchFamily="18" charset="-127"/>
-              </a:rPr>
-              <a:t>t-value</a:t>
-            </a:r>
-            <a:r>
-              <a:rPr lang="ko-KR" altLang="en-US" sz="2000" dirty="0">
-                <a:latin typeface="배달의민족 주아" panose="02020603020101020101" pitchFamily="18" charset="-127"/>
-                <a:ea typeface="배달의민족 주아" panose="02020603020101020101" pitchFamily="18" charset="-127"/>
-              </a:rPr>
-              <a:t>는</a:t>
-            </a:r>
-            <a:r>
-              <a:rPr lang="en-US" altLang="ko-KR" sz="2000" dirty="0">
-                <a:latin typeface="배달의민족 주아" panose="02020603020101020101" pitchFamily="18" charset="-127"/>
-                <a:ea typeface="배달의민족 주아" panose="02020603020101020101" pitchFamily="18" charset="-127"/>
-              </a:rPr>
-              <a:t>?</a:t>
-            </a:r>
-            <a:endParaRPr lang="ko-KR" altLang="en-US" sz="2000" dirty="0">
               <a:latin typeface="배달의민족 주아" panose="02020603020101020101" pitchFamily="18" charset="-127"/>
               <a:ea typeface="배달의민족 주아" panose="02020603020101020101" pitchFamily="18" charset="-127"/>
             </a:endParaRPr>
@@ -9183,6 +9799,291 @@
       </p:grpSpPr>
       <p:pic>
         <p:nvPicPr>
+          <p:cNvPr id="1026" name="Picture 2">
+            <a:extLst>
+              <a:ext uri="{FF2B5EF4-FFF2-40B4-BE49-F238E27FC236}">
+                <a16:creationId xmlns:a16="http://schemas.microsoft.com/office/drawing/2014/main" id="{F7A1AD63-4F58-407D-9227-A858A14DD405}"/>
+              </a:ext>
+            </a:extLst>
+          </p:cNvPr>
+          <p:cNvPicPr>
+            <a:picLocks noChangeAspect="1" noChangeArrowheads="1"/>
+          </p:cNvPicPr>
+          <p:nvPr/>
+        </p:nvPicPr>
+        <p:blipFill>
+          <a:blip r:embed="rId2">
+            <a:extLst>
+              <a:ext uri="{28A0092B-C50C-407E-A947-70E740481C1C}">
+                <a14:useLocalDpi xmlns:a14="http://schemas.microsoft.com/office/drawing/2010/main" val="0"/>
+              </a:ext>
+            </a:extLst>
+          </a:blip>
+          <a:srcRect/>
+          <a:stretch>
+            <a:fillRect/>
+          </a:stretch>
+        </p:blipFill>
+        <p:spPr bwMode="auto">
+          <a:xfrm>
+            <a:off x="1893888" y="0"/>
+            <a:ext cx="5356225" cy="5143500"/>
+          </a:xfrm>
+          <a:prstGeom prst="rect">
+            <a:avLst/>
+          </a:prstGeom>
+          <a:noFill/>
+          <a:extLst>
+            <a:ext uri="{909E8E84-426E-40DD-AFC4-6F175D3DCCD1}">
+              <a14:hiddenFill xmlns:a14="http://schemas.microsoft.com/office/drawing/2010/main">
+                <a:solidFill>
+                  <a:srgbClr val="FFFFFF"/>
+                </a:solidFill>
+              </a14:hiddenFill>
+            </a:ext>
+          </a:extLst>
+        </p:spPr>
+      </p:pic>
+      <p:sp>
+        <p:nvSpPr>
+          <p:cNvPr id="6" name="직사각형 5">
+            <a:extLst>
+              <a:ext uri="{FF2B5EF4-FFF2-40B4-BE49-F238E27FC236}">
+                <a16:creationId xmlns:a16="http://schemas.microsoft.com/office/drawing/2014/main" id="{857B5521-EF3A-46FF-8F95-B68A07DB5518}"/>
+              </a:ext>
+            </a:extLst>
+          </p:cNvPr>
+          <p:cNvSpPr/>
+          <p:nvPr/>
+        </p:nvSpPr>
+        <p:spPr>
+          <a:xfrm>
+            <a:off x="5171873" y="1603964"/>
+            <a:ext cx="336231" cy="103690"/>
+          </a:xfrm>
+          <a:prstGeom prst="rect">
+            <a:avLst/>
+          </a:prstGeom>
+          <a:noFill/>
+          <a:ln>
+            <a:solidFill>
+              <a:srgbClr val="FF0000"/>
+            </a:solidFill>
+          </a:ln>
+        </p:spPr>
+        <p:style>
+          <a:lnRef idx="2">
+            <a:schemeClr val="accent1">
+              <a:shade val="50000"/>
+            </a:schemeClr>
+          </a:lnRef>
+          <a:fillRef idx="1">
+            <a:schemeClr val="accent1"/>
+          </a:fillRef>
+          <a:effectRef idx="0">
+            <a:schemeClr val="accent1"/>
+          </a:effectRef>
+          <a:fontRef idx="minor">
+            <a:schemeClr val="lt1"/>
+          </a:fontRef>
+        </p:style>
+        <p:txBody>
+          <a:bodyPr rtlCol="0" anchor="ctr"/>
+          <a:lstStyle/>
+          <a:p>
+            <a:pPr algn="ctr"/>
+            <a:endParaRPr lang="ko-KR" altLang="en-US"/>
+          </a:p>
+        </p:txBody>
+      </p:sp>
+      <p:sp>
+        <p:nvSpPr>
+          <p:cNvPr id="8" name="직사각형 7">
+            <a:extLst>
+              <a:ext uri="{FF2B5EF4-FFF2-40B4-BE49-F238E27FC236}">
+                <a16:creationId xmlns:a16="http://schemas.microsoft.com/office/drawing/2014/main" id="{4AE9AA44-9AAF-4B79-84FA-756B05BAD5E6}"/>
+              </a:ext>
+            </a:extLst>
+          </p:cNvPr>
+          <p:cNvSpPr/>
+          <p:nvPr/>
+        </p:nvSpPr>
+        <p:spPr>
+          <a:xfrm>
+            <a:off x="5162347" y="29749"/>
+            <a:ext cx="336231" cy="387459"/>
+          </a:xfrm>
+          <a:prstGeom prst="rect">
+            <a:avLst/>
+          </a:prstGeom>
+          <a:noFill/>
+          <a:ln>
+            <a:solidFill>
+              <a:srgbClr val="FF0000"/>
+            </a:solidFill>
+          </a:ln>
+        </p:spPr>
+        <p:style>
+          <a:lnRef idx="2">
+            <a:schemeClr val="accent1">
+              <a:shade val="50000"/>
+            </a:schemeClr>
+          </a:lnRef>
+          <a:fillRef idx="1">
+            <a:schemeClr val="accent1"/>
+          </a:fillRef>
+          <a:effectRef idx="0">
+            <a:schemeClr val="accent1"/>
+          </a:effectRef>
+          <a:fontRef idx="minor">
+            <a:schemeClr val="lt1"/>
+          </a:fontRef>
+        </p:style>
+        <p:txBody>
+          <a:bodyPr rtlCol="0" anchor="ctr"/>
+          <a:lstStyle/>
+          <a:p>
+            <a:pPr algn="ctr"/>
+            <a:endParaRPr lang="ko-KR" altLang="en-US"/>
+          </a:p>
+        </p:txBody>
+      </p:sp>
+      <p:sp>
+        <p:nvSpPr>
+          <p:cNvPr id="9" name="직사각형 8">
+            <a:extLst>
+              <a:ext uri="{FF2B5EF4-FFF2-40B4-BE49-F238E27FC236}">
+                <a16:creationId xmlns:a16="http://schemas.microsoft.com/office/drawing/2014/main" id="{1811F6B1-D2E8-4CF0-8577-B558A14B3288}"/>
+              </a:ext>
+            </a:extLst>
+          </p:cNvPr>
+          <p:cNvSpPr/>
+          <p:nvPr/>
+        </p:nvSpPr>
+        <p:spPr>
+          <a:xfrm>
+            <a:off x="6042877" y="1603964"/>
+            <a:ext cx="336231" cy="103690"/>
+          </a:xfrm>
+          <a:prstGeom prst="rect">
+            <a:avLst/>
+          </a:prstGeom>
+          <a:noFill/>
+          <a:ln>
+            <a:solidFill>
+              <a:srgbClr val="FF0000"/>
+            </a:solidFill>
+          </a:ln>
+        </p:spPr>
+        <p:style>
+          <a:lnRef idx="2">
+            <a:schemeClr val="accent1">
+              <a:shade val="50000"/>
+            </a:schemeClr>
+          </a:lnRef>
+          <a:fillRef idx="1">
+            <a:schemeClr val="accent1"/>
+          </a:fillRef>
+          <a:effectRef idx="0">
+            <a:schemeClr val="accent1"/>
+          </a:effectRef>
+          <a:fontRef idx="minor">
+            <a:schemeClr val="lt1"/>
+          </a:fontRef>
+        </p:style>
+        <p:txBody>
+          <a:bodyPr rtlCol="0" anchor="ctr"/>
+          <a:lstStyle/>
+          <a:p>
+            <a:pPr algn="ctr"/>
+            <a:endParaRPr lang="ko-KR" altLang="en-US"/>
+          </a:p>
+        </p:txBody>
+      </p:sp>
+      <p:sp>
+        <p:nvSpPr>
+          <p:cNvPr id="10" name="직사각형 9">
+            <a:extLst>
+              <a:ext uri="{FF2B5EF4-FFF2-40B4-BE49-F238E27FC236}">
+                <a16:creationId xmlns:a16="http://schemas.microsoft.com/office/drawing/2014/main" id="{4594718F-DAC7-45D6-939A-098E335F97F6}"/>
+              </a:ext>
+            </a:extLst>
+          </p:cNvPr>
+          <p:cNvSpPr/>
+          <p:nvPr/>
+        </p:nvSpPr>
+        <p:spPr>
+          <a:xfrm>
+            <a:off x="6038114" y="29749"/>
+            <a:ext cx="336231" cy="387459"/>
+          </a:xfrm>
+          <a:prstGeom prst="rect">
+            <a:avLst/>
+          </a:prstGeom>
+          <a:noFill/>
+          <a:ln>
+            <a:solidFill>
+              <a:srgbClr val="FF0000"/>
+            </a:solidFill>
+          </a:ln>
+        </p:spPr>
+        <p:style>
+          <a:lnRef idx="2">
+            <a:schemeClr val="accent1">
+              <a:shade val="50000"/>
+            </a:schemeClr>
+          </a:lnRef>
+          <a:fillRef idx="1">
+            <a:schemeClr val="accent1"/>
+          </a:fillRef>
+          <a:effectRef idx="0">
+            <a:schemeClr val="accent1"/>
+          </a:effectRef>
+          <a:fontRef idx="minor">
+            <a:schemeClr val="lt1"/>
+          </a:fontRef>
+        </p:style>
+        <p:txBody>
+          <a:bodyPr rtlCol="0" anchor="ctr"/>
+          <a:lstStyle/>
+          <a:p>
+            <a:pPr algn="ctr"/>
+            <a:endParaRPr lang="ko-KR" altLang="en-US"/>
+          </a:p>
+        </p:txBody>
+      </p:sp>
+    </p:spTree>
+    <p:extLst>
+      <p:ext uri="{BB962C8B-B14F-4D97-AF65-F5344CB8AC3E}">
+        <p14:creationId xmlns:p14="http://schemas.microsoft.com/office/powerpoint/2010/main" val="2813749125"/>
+      </p:ext>
+    </p:extLst>
+  </p:cSld>
+  <p:clrMapOvr>
+    <a:masterClrMapping/>
+  </p:clrMapOvr>
+</p:sld>
+</file>
+
+<file path=ppt/slides/slide7.xml><?xml version="1.0" encoding="utf-8"?>
+<p:sld xmlns:a="http://schemas.openxmlformats.org/drawingml/2006/main" xmlns:r="http://schemas.openxmlformats.org/officeDocument/2006/relationships" xmlns:p="http://schemas.openxmlformats.org/presentationml/2006/main">
+  <p:cSld>
+    <p:spTree>
+      <p:nvGrpSpPr>
+        <p:cNvPr id="1" name=""/>
+        <p:cNvGrpSpPr/>
+        <p:nvPr/>
+      </p:nvGrpSpPr>
+      <p:grpSpPr>
+        <a:xfrm>
+          <a:off x="0" y="0"/>
+          <a:ext cx="0" cy="0"/>
+          <a:chOff x="0" y="0"/>
+          <a:chExt cx="0" cy="0"/>
+        </a:xfrm>
+      </p:grpSpPr>
+      <p:pic>
+        <p:nvPicPr>
           <p:cNvPr id="1026" name="Picture 2"/>
           <p:cNvPicPr>
             <a:picLocks noChangeAspect="1" noChangeArrowheads="1"/>
@@ -12083,7 +12984,7 @@
 </p:sld>
 </file>
 
-<file path=ppt/slides/slide7.xml><?xml version="1.0" encoding="utf-8"?>
+<file path=ppt/slides/slide8.xml><?xml version="1.0" encoding="utf-8"?>
 <p:sld xmlns:a="http://schemas.openxmlformats.org/drawingml/2006/main" xmlns:r="http://schemas.openxmlformats.org/officeDocument/2006/relationships" xmlns:p="http://schemas.openxmlformats.org/presentationml/2006/main">
   <p:cSld>
     <p:spTree>
@@ -13689,7 +14590,7 @@
 </p:sld>
 </file>
 
-<file path=ppt/slides/slide8.xml><?xml version="1.0" encoding="utf-8"?>
+<file path=ppt/slides/slide9.xml><?xml version="1.0" encoding="utf-8"?>
 <p:sld xmlns:a="http://schemas.openxmlformats.org/drawingml/2006/main" xmlns:r="http://schemas.openxmlformats.org/officeDocument/2006/relationships" xmlns:p="http://schemas.openxmlformats.org/presentationml/2006/main">
   <p:cSld>
     <p:spTree>
@@ -16652,642 +17553,6 @@
     <p:extLst>
       <p:ext uri="{BB962C8B-B14F-4D97-AF65-F5344CB8AC3E}">
         <p14:creationId xmlns:p14="http://schemas.microsoft.com/office/powerpoint/2010/main" val="3468801603"/>
-      </p:ext>
-    </p:extLst>
-  </p:cSld>
-  <p:clrMapOvr>
-    <a:masterClrMapping/>
-  </p:clrMapOvr>
-</p:sld>
-</file>
-
-<file path=ppt/slides/slide9.xml><?xml version="1.0" encoding="utf-8"?>
-<p:sld xmlns:a="http://schemas.openxmlformats.org/drawingml/2006/main" xmlns:r="http://schemas.openxmlformats.org/officeDocument/2006/relationships" xmlns:p="http://schemas.openxmlformats.org/presentationml/2006/main">
-  <p:cSld>
-    <p:spTree>
-      <p:nvGrpSpPr>
-        <p:cNvPr id="1" name=""/>
-        <p:cNvGrpSpPr/>
-        <p:nvPr/>
-      </p:nvGrpSpPr>
-      <p:grpSpPr>
-        <a:xfrm>
-          <a:off x="0" y="0"/>
-          <a:ext cx="0" cy="0"/>
-          <a:chOff x="0" y="0"/>
-          <a:chExt cx="0" cy="0"/>
-        </a:xfrm>
-      </p:grpSpPr>
-      <p:pic>
-        <p:nvPicPr>
-          <p:cNvPr id="1027" name="Picture 3"/>
-          <p:cNvPicPr>
-            <a:picLocks noChangeAspect="1" noChangeArrowheads="1"/>
-          </p:cNvPicPr>
-          <p:nvPr/>
-        </p:nvPicPr>
-        <p:blipFill>
-          <a:blip r:embed="rId2">
-            <a:extLst>
-              <a:ext uri="{28A0092B-C50C-407E-A947-70E740481C1C}">
-                <a14:useLocalDpi xmlns:a14="http://schemas.microsoft.com/office/drawing/2010/main" val="0"/>
-              </a:ext>
-            </a:extLst>
-          </a:blip>
-          <a:srcRect/>
-          <a:stretch>
-            <a:fillRect/>
-          </a:stretch>
-        </p:blipFill>
-        <p:spPr bwMode="auto">
-          <a:xfrm>
-            <a:off x="5239000" y="1203598"/>
-            <a:ext cx="3686554" cy="2524604"/>
-          </a:xfrm>
-          <a:prstGeom prst="rect">
-            <a:avLst/>
-          </a:prstGeom>
-          <a:noFill/>
-          <a:ln>
-            <a:noFill/>
-          </a:ln>
-          <a:effectLst/>
-          <a:extLst>
-            <a:ext uri="{909E8E84-426E-40DD-AFC4-6F175D3DCCD1}">
-              <a14:hiddenFill xmlns:a14="http://schemas.microsoft.com/office/drawing/2010/main">
-                <a:solidFill>
-                  <a:schemeClr val="accent1"/>
-                </a:solidFill>
-              </a14:hiddenFill>
-            </a:ext>
-            <a:ext uri="{91240B29-F687-4F45-9708-019B960494DF}">
-              <a14:hiddenLine xmlns:a14="http://schemas.microsoft.com/office/drawing/2010/main" w="9525">
-                <a:solidFill>
-                  <a:schemeClr val="tx1"/>
-                </a:solidFill>
-                <a:miter lim="800000"/>
-                <a:headEnd/>
-                <a:tailEnd/>
-              </a14:hiddenLine>
-            </a:ext>
-            <a:ext uri="{AF507438-7753-43E0-B8FC-AC1667EBCBE1}">
-              <a14:hiddenEffects xmlns:a14="http://schemas.microsoft.com/office/drawing/2010/main">
-                <a:effectLst>
-                  <a:outerShdw dist="35921" dir="2700000" algn="ctr" rotWithShape="0">
-                    <a:schemeClr val="bg2"/>
-                  </a:outerShdw>
-                </a:effectLst>
-              </a14:hiddenEffects>
-            </a:ext>
-          </a:extLst>
-        </p:spPr>
-      </p:pic>
-      <p:sp>
-        <p:nvSpPr>
-          <p:cNvPr id="5" name="오른쪽 화살표 4"/>
-          <p:cNvSpPr/>
-          <p:nvPr/>
-        </p:nvSpPr>
-        <p:spPr>
-          <a:xfrm>
-            <a:off x="4353997" y="2139839"/>
-            <a:ext cx="978408" cy="484632"/>
-          </a:xfrm>
-          <a:prstGeom prst="rightArrow">
-            <a:avLst/>
-          </a:prstGeom>
-        </p:spPr>
-        <p:style>
-          <a:lnRef idx="2">
-            <a:schemeClr val="accent1">
-              <a:shade val="50000"/>
-            </a:schemeClr>
-          </a:lnRef>
-          <a:fillRef idx="1">
-            <a:schemeClr val="accent1"/>
-          </a:fillRef>
-          <a:effectRef idx="0">
-            <a:schemeClr val="accent1"/>
-          </a:effectRef>
-          <a:fontRef idx="minor">
-            <a:schemeClr val="lt1"/>
-          </a:fontRef>
-        </p:style>
-        <p:txBody>
-          <a:bodyPr rtlCol="0" anchor="ctr"/>
-          <a:lstStyle/>
-          <a:p>
-            <a:pPr algn="ctr"/>
-            <a:endParaRPr lang="ko-KR" altLang="en-US"/>
-          </a:p>
-        </p:txBody>
-      </p:sp>
-      <p:sp>
-        <p:nvSpPr>
-          <p:cNvPr id="6" name="TextBox 5"/>
-          <p:cNvSpPr txBox="1"/>
-          <p:nvPr/>
-        </p:nvSpPr>
-        <p:spPr>
-          <a:xfrm>
-            <a:off x="4415840" y="1851669"/>
-            <a:ext cx="854721" cy="276999"/>
-          </a:xfrm>
-          <a:prstGeom prst="rect">
-            <a:avLst/>
-          </a:prstGeom>
-          <a:noFill/>
-        </p:spPr>
-        <p:txBody>
-          <a:bodyPr wrap="none" rtlCol="0">
-            <a:spAutoFit/>
-          </a:bodyPr>
-          <a:lstStyle/>
-          <a:p>
-            <a:r>
-              <a:rPr lang="ko-KR" altLang="en-US" sz="1200" b="1" dirty="0"/>
-              <a:t>표본 추출</a:t>
-            </a:r>
-          </a:p>
-        </p:txBody>
-      </p:sp>
-      <p:sp>
-        <p:nvSpPr>
-          <p:cNvPr id="7" name="직사각형 6"/>
-          <p:cNvSpPr/>
-          <p:nvPr/>
-        </p:nvSpPr>
-        <p:spPr>
-          <a:xfrm>
-            <a:off x="6754734" y="1397316"/>
-            <a:ext cx="553611" cy="1867277"/>
-          </a:xfrm>
-          <a:prstGeom prst="rect">
-            <a:avLst/>
-          </a:prstGeom>
-          <a:solidFill>
-            <a:schemeClr val="accent3">
-              <a:alpha val="40000"/>
-            </a:schemeClr>
-          </a:solidFill>
-          <a:ln>
-            <a:noFill/>
-          </a:ln>
-        </p:spPr>
-        <p:style>
-          <a:lnRef idx="2">
-            <a:schemeClr val="accent1">
-              <a:shade val="50000"/>
-            </a:schemeClr>
-          </a:lnRef>
-          <a:fillRef idx="1">
-            <a:schemeClr val="accent1"/>
-          </a:fillRef>
-          <a:effectRef idx="0">
-            <a:schemeClr val="accent1"/>
-          </a:effectRef>
-          <a:fontRef idx="minor">
-            <a:schemeClr val="lt1"/>
-          </a:fontRef>
-        </p:style>
-        <p:txBody>
-          <a:bodyPr rtlCol="0" anchor="ctr"/>
-          <a:lstStyle/>
-          <a:p>
-            <a:pPr algn="ctr"/>
-            <a:endParaRPr lang="ko-KR" altLang="en-US"/>
-          </a:p>
-        </p:txBody>
-      </p:sp>
-      <p:grpSp>
-        <p:nvGrpSpPr>
-          <p:cNvPr id="4" name="그룹 3"/>
-          <p:cNvGrpSpPr/>
-          <p:nvPr/>
-        </p:nvGrpSpPr>
-        <p:grpSpPr>
-          <a:xfrm>
-            <a:off x="6791019" y="1038554"/>
-            <a:ext cx="237046" cy="534144"/>
-            <a:chOff x="6791019" y="1033792"/>
-            <a:chExt cx="237046" cy="534144"/>
-          </a:xfrm>
-        </p:grpSpPr>
-        <p:cxnSp>
-          <p:nvCxnSpPr>
-            <p:cNvPr id="9" name="직선 연결선 8"/>
-            <p:cNvCxnSpPr/>
-            <p:nvPr/>
-          </p:nvCxnSpPr>
-          <p:spPr>
-            <a:xfrm flipV="1">
-              <a:off x="7028065" y="1033792"/>
-              <a:ext cx="0" cy="534144"/>
-            </a:xfrm>
-            <a:prstGeom prst="line">
-              <a:avLst/>
-            </a:prstGeom>
-            <a:ln w="19050">
-              <a:solidFill>
-                <a:schemeClr val="tx1"/>
-              </a:solidFill>
-              <a:prstDash val="dash"/>
-            </a:ln>
-          </p:spPr>
-          <p:style>
-            <a:lnRef idx="1">
-              <a:schemeClr val="accent1"/>
-            </a:lnRef>
-            <a:fillRef idx="0">
-              <a:schemeClr val="accent1"/>
-            </a:fillRef>
-            <a:effectRef idx="0">
-              <a:schemeClr val="accent1"/>
-            </a:effectRef>
-            <a:fontRef idx="minor">
-              <a:schemeClr val="tx1"/>
-            </a:fontRef>
-          </p:style>
-        </p:cxnSp>
-        <p:cxnSp>
-          <p:nvCxnSpPr>
-            <p:cNvPr id="11" name="직선 화살표 연결선 10"/>
-            <p:cNvCxnSpPr/>
-            <p:nvPr/>
-          </p:nvCxnSpPr>
-          <p:spPr>
-            <a:xfrm>
-              <a:off x="6791019" y="1177808"/>
-              <a:ext cx="237046" cy="0"/>
-            </a:xfrm>
-            <a:prstGeom prst="straightConnector1">
-              <a:avLst/>
-            </a:prstGeom>
-            <a:ln w="19050">
-              <a:solidFill>
-                <a:schemeClr val="tx1"/>
-              </a:solidFill>
-              <a:tailEnd type="arrow"/>
-            </a:ln>
-          </p:spPr>
-          <p:style>
-            <a:lnRef idx="1">
-              <a:schemeClr val="accent1"/>
-            </a:lnRef>
-            <a:fillRef idx="0">
-              <a:schemeClr val="accent1"/>
-            </a:fillRef>
-            <a:effectRef idx="0">
-              <a:schemeClr val="accent1"/>
-            </a:effectRef>
-            <a:fontRef idx="minor">
-              <a:schemeClr val="tx1"/>
-            </a:fontRef>
-          </p:style>
-        </p:cxnSp>
-      </p:grpSp>
-      <mc:AlternateContent xmlns:mc="http://schemas.openxmlformats.org/markup-compatibility/2006" xmlns:a14="http://schemas.microsoft.com/office/drawing/2010/main">
-        <mc:Choice Requires="a14">
-          <p:sp>
-            <p:nvSpPr>
-              <p:cNvPr id="19" name="TextBox 18"/>
-              <p:cNvSpPr txBox="1"/>
-              <p:nvPr/>
-            </p:nvSpPr>
-            <p:spPr>
-              <a:xfrm>
-                <a:off x="6732240" y="765940"/>
-                <a:ext cx="816249" cy="276999"/>
-              </a:xfrm>
-              <a:prstGeom prst="rect">
-                <a:avLst/>
-              </a:prstGeom>
-              <a:noFill/>
-            </p:spPr>
-            <p:txBody>
-              <a:bodyPr wrap="none" rtlCol="0">
-                <a:spAutoFit/>
-              </a:bodyPr>
-              <a:lstStyle/>
-              <a:p>
-                <a:pPr/>
-                <a14:m>
-                  <m:oMathPara xmlns:m="http://schemas.openxmlformats.org/officeDocument/2006/math">
-                    <m:oMathParaPr>
-                      <m:jc m:val="centerGroup"/>
-                    </m:oMathParaPr>
-                    <m:oMath xmlns:m="http://schemas.openxmlformats.org/officeDocument/2006/math">
-                      <m:r>
-                        <a:rPr lang="en-US" altLang="ko-KR" sz="1200" b="0" i="1" smtClean="0">
-                          <a:latin typeface="Cambria Math"/>
-                        </a:rPr>
-                        <m:t>𝑆𝐸𝑀</m:t>
-                      </m:r>
-                      <m:r>
-                        <a:rPr lang="en-US" altLang="ko-KR" sz="1200" b="0" i="1" smtClean="0">
-                          <a:latin typeface="Cambria Math"/>
-                        </a:rPr>
-                        <m:t>×2</m:t>
-                      </m:r>
-                    </m:oMath>
-                  </m:oMathPara>
-                </a14:m>
-                <a:endParaRPr lang="ko-KR" altLang="en-US" sz="1200" dirty="0"/>
-              </a:p>
-            </p:txBody>
-          </p:sp>
-        </mc:Choice>
-        <mc:Fallback xmlns="">
-          <p:sp>
-            <p:nvSpPr>
-              <p:cNvPr id="19" name="TextBox 18"/>
-              <p:cNvSpPr txBox="1">
-                <a:spLocks noRot="1" noChangeAspect="1" noMove="1" noResize="1" noEditPoints="1" noAdjustHandles="1" noChangeArrowheads="1" noChangeShapeType="1" noTextEdit="1"/>
-              </p:cNvSpPr>
-              <p:nvPr/>
-            </p:nvSpPr>
-            <p:spPr>
-              <a:xfrm>
-                <a:off x="6732240" y="765940"/>
-                <a:ext cx="816249" cy="276999"/>
-              </a:xfrm>
-              <a:prstGeom prst="rect">
-                <a:avLst/>
-              </a:prstGeom>
-              <a:blipFill rotWithShape="1">
-                <a:blip r:embed="rId3"/>
-                <a:stretch>
-                  <a:fillRect/>
-                </a:stretch>
-              </a:blipFill>
-            </p:spPr>
-            <p:txBody>
-              <a:bodyPr/>
-              <a:lstStyle/>
-              <a:p>
-                <a:r>
-                  <a:rPr lang="ko-KR" altLang="en-US">
-                    <a:noFill/>
-                  </a:rPr>
-                  <a:t> </a:t>
-                </a:r>
-              </a:p>
-            </p:txBody>
-          </p:sp>
-        </mc:Fallback>
-      </mc:AlternateContent>
-      <p:sp>
-        <p:nvSpPr>
-          <p:cNvPr id="23" name="오른쪽 중괄호 22"/>
-          <p:cNvSpPr/>
-          <p:nvPr/>
-        </p:nvSpPr>
-        <p:spPr>
-          <a:xfrm rot="5400000">
-            <a:off x="6963885" y="3514728"/>
-            <a:ext cx="137736" cy="556037"/>
-          </a:xfrm>
-          <a:prstGeom prst="rightBrace">
-            <a:avLst>
-              <a:gd name="adj1" fmla="val 72301"/>
-              <a:gd name="adj2" fmla="val 50000"/>
-            </a:avLst>
-          </a:prstGeom>
-          <a:ln>
-            <a:solidFill>
-              <a:srgbClr val="FF0000"/>
-            </a:solidFill>
-          </a:ln>
-        </p:spPr>
-        <p:style>
-          <a:lnRef idx="1">
-            <a:schemeClr val="accent1"/>
-          </a:lnRef>
-          <a:fillRef idx="0">
-            <a:schemeClr val="accent1"/>
-          </a:fillRef>
-          <a:effectRef idx="0">
-            <a:schemeClr val="accent1"/>
-          </a:effectRef>
-          <a:fontRef idx="minor">
-            <a:schemeClr val="tx1"/>
-          </a:fontRef>
-        </p:style>
-        <p:txBody>
-          <a:bodyPr rtlCol="0" anchor="ctr"/>
-          <a:lstStyle/>
-          <a:p>
-            <a:pPr algn="ctr"/>
-            <a:endParaRPr lang="ko-KR" altLang="en-US"/>
-          </a:p>
-        </p:txBody>
-      </p:sp>
-      <p:sp>
-        <p:nvSpPr>
-          <p:cNvPr id="26" name="TextBox 25"/>
-          <p:cNvSpPr txBox="1"/>
-          <p:nvPr/>
-        </p:nvSpPr>
-        <p:spPr>
-          <a:xfrm>
-            <a:off x="6052059" y="3910285"/>
-            <a:ext cx="1866217" cy="461665"/>
-          </a:xfrm>
-          <a:prstGeom prst="rect">
-            <a:avLst/>
-          </a:prstGeom>
-          <a:noFill/>
-        </p:spPr>
-        <p:txBody>
-          <a:bodyPr wrap="none" rtlCol="0">
-            <a:spAutoFit/>
-          </a:bodyPr>
-          <a:lstStyle/>
-          <a:p>
-            <a:pPr algn="ctr"/>
-            <a:r>
-              <a:rPr lang="ko-KR" altLang="en-US" sz="1200" dirty="0"/>
-              <a:t>이 안에 </a:t>
-            </a:r>
-            <a:r>
-              <a:rPr lang="en-US" altLang="ko-KR" sz="1200" dirty="0"/>
-              <a:t>95% </a:t>
-            </a:r>
-            <a:r>
-              <a:rPr lang="ko-KR" altLang="en-US" sz="1200" dirty="0"/>
-              <a:t>확률로</a:t>
-            </a:r>
-            <a:endParaRPr lang="en-US" altLang="ko-KR" sz="1200" dirty="0"/>
-          </a:p>
-          <a:p>
-            <a:pPr algn="ctr"/>
-            <a:r>
-              <a:rPr lang="ko-KR" altLang="en-US" sz="1200" dirty="0"/>
-              <a:t>모평균이 포함되어 있음</a:t>
-            </a:r>
-            <a:r>
-              <a:rPr lang="en-US" altLang="ko-KR" sz="1200" dirty="0"/>
-              <a:t>.</a:t>
-            </a:r>
-            <a:endParaRPr lang="ko-KR" altLang="en-US" sz="1200" dirty="0"/>
-          </a:p>
-        </p:txBody>
-      </p:sp>
-      <p:grpSp>
-        <p:nvGrpSpPr>
-          <p:cNvPr id="3" name="그룹 2"/>
-          <p:cNvGrpSpPr/>
-          <p:nvPr/>
-        </p:nvGrpSpPr>
-        <p:grpSpPr>
-          <a:xfrm>
-            <a:off x="7308304" y="1038554"/>
-            <a:ext cx="237046" cy="534144"/>
-            <a:chOff x="7308304" y="1055618"/>
-            <a:chExt cx="237046" cy="534144"/>
-          </a:xfrm>
-        </p:grpSpPr>
-        <p:cxnSp>
-          <p:nvCxnSpPr>
-            <p:cNvPr id="12" name="직선 연결선 11"/>
-            <p:cNvCxnSpPr/>
-            <p:nvPr/>
-          </p:nvCxnSpPr>
-          <p:spPr>
-            <a:xfrm flipV="1">
-              <a:off x="7310771" y="1055618"/>
-              <a:ext cx="0" cy="534144"/>
-            </a:xfrm>
-            <a:prstGeom prst="line">
-              <a:avLst/>
-            </a:prstGeom>
-            <a:ln w="19050">
-              <a:solidFill>
-                <a:schemeClr val="tx1"/>
-              </a:solidFill>
-              <a:prstDash val="dash"/>
-            </a:ln>
-          </p:spPr>
-          <p:style>
-            <a:lnRef idx="1">
-              <a:schemeClr val="accent1"/>
-            </a:lnRef>
-            <a:fillRef idx="0">
-              <a:schemeClr val="accent1"/>
-            </a:fillRef>
-            <a:effectRef idx="0">
-              <a:schemeClr val="accent1"/>
-            </a:effectRef>
-            <a:fontRef idx="minor">
-              <a:schemeClr val="tx1"/>
-            </a:fontRef>
-          </p:style>
-        </p:cxnSp>
-        <p:cxnSp>
-          <p:nvCxnSpPr>
-            <p:cNvPr id="28" name="직선 화살표 연결선 27"/>
-            <p:cNvCxnSpPr/>
-            <p:nvPr/>
-          </p:nvCxnSpPr>
-          <p:spPr>
-            <a:xfrm flipH="1">
-              <a:off x="7308304" y="1199634"/>
-              <a:ext cx="237046" cy="0"/>
-            </a:xfrm>
-            <a:prstGeom prst="straightConnector1">
-              <a:avLst/>
-            </a:prstGeom>
-            <a:ln w="19050">
-              <a:solidFill>
-                <a:schemeClr val="tx1"/>
-              </a:solidFill>
-              <a:tailEnd type="arrow"/>
-            </a:ln>
-          </p:spPr>
-          <p:style>
-            <a:lnRef idx="1">
-              <a:schemeClr val="accent1"/>
-            </a:lnRef>
-            <a:fillRef idx="0">
-              <a:schemeClr val="accent1"/>
-            </a:fillRef>
-            <a:effectRef idx="0">
-              <a:schemeClr val="accent1"/>
-            </a:effectRef>
-            <a:fontRef idx="minor">
-              <a:schemeClr val="tx1"/>
-            </a:fontRef>
-          </p:style>
-        </p:cxnSp>
-      </p:grpSp>
-      <p:pic>
-        <p:nvPicPr>
-          <p:cNvPr id="2" name="Picture 2"/>
-          <p:cNvPicPr>
-            <a:picLocks noChangeAspect="1" noChangeArrowheads="1"/>
-          </p:cNvPicPr>
-          <p:nvPr/>
-        </p:nvPicPr>
-        <p:blipFill>
-          <a:blip r:embed="rId4">
-            <a:extLst>
-              <a:ext uri="{28A0092B-C50C-407E-A947-70E740481C1C}">
-                <a14:useLocalDpi xmlns:a14="http://schemas.microsoft.com/office/drawing/2010/main" val="0"/>
-              </a:ext>
-            </a:extLst>
-          </a:blip>
-          <a:srcRect/>
-          <a:stretch>
-            <a:fillRect/>
-          </a:stretch>
-        </p:blipFill>
-        <p:spPr bwMode="auto">
-          <a:xfrm>
-            <a:off x="107504" y="915567"/>
-            <a:ext cx="4419126" cy="3312368"/>
-          </a:xfrm>
-          <a:prstGeom prst="rect">
-            <a:avLst/>
-          </a:prstGeom>
-          <a:noFill/>
-          <a:ln>
-            <a:noFill/>
-          </a:ln>
-          <a:effectLst/>
-          <a:extLst>
-            <a:ext uri="{909E8E84-426E-40DD-AFC4-6F175D3DCCD1}">
-              <a14:hiddenFill xmlns:a14="http://schemas.microsoft.com/office/drawing/2010/main">
-                <a:solidFill>
-                  <a:schemeClr val="accent1"/>
-                </a:solidFill>
-              </a14:hiddenFill>
-            </a:ext>
-            <a:ext uri="{91240B29-F687-4F45-9708-019B960494DF}">
-              <a14:hiddenLine xmlns:a14="http://schemas.microsoft.com/office/drawing/2010/main" w="9525">
-                <a:solidFill>
-                  <a:schemeClr val="tx1"/>
-                </a:solidFill>
-                <a:miter lim="800000"/>
-                <a:headEnd/>
-                <a:tailEnd/>
-              </a14:hiddenLine>
-            </a:ext>
-            <a:ext uri="{AF507438-7753-43E0-B8FC-AC1667EBCBE1}">
-              <a14:hiddenEffects xmlns:a14="http://schemas.microsoft.com/office/drawing/2010/main">
-                <a:effectLst>
-                  <a:outerShdw dist="35921" dir="2700000" algn="ctr" rotWithShape="0">
-                    <a:schemeClr val="bg2"/>
-                  </a:outerShdw>
-                </a:effectLst>
-              </a14:hiddenEffects>
-            </a:ext>
-          </a:extLst>
-        </p:spPr>
-      </p:pic>
-    </p:spTree>
-    <p:extLst>
-      <p:ext uri="{BB962C8B-B14F-4D97-AF65-F5344CB8AC3E}">
-        <p14:creationId xmlns:p14="http://schemas.microsoft.com/office/powerpoint/2010/main" val="175497740"/>
       </p:ext>
     </p:extLst>
   </p:cSld>

--- a/pics/2021-01-05-confidence_interval/pics.pptx
+++ b/pics/2021-01-05-confidence_interval/pics.pptx
@@ -117,7 +117,7 @@
   </p:defaultTextStyle>
   <p:extLst>
     <p:ext uri="{EFAFB233-063F-42B5-8137-9DF3F51BA10A}">
-      <p15:sldGuideLst xmlns:p15="http://schemas.microsoft.com/office/powerpoint/2012/main">
+      <p15:sldGuideLst xmlns:p15="http://schemas.microsoft.com/office/powerpoint/2012/main" xmlns="">
         <p15:guide id="1" orient="horz" pos="1620">
           <p15:clr>
             <a:srgbClr val="A4A3A4"/>
@@ -313,7 +313,7 @@
           <a:p>
             <a:fld id="{52082F2F-C111-4C40-8D6F-6E5A50198C2A}" type="datetimeFigureOut">
               <a:rPr lang="ko-KR" altLang="en-US" smtClean="0"/>
-              <a:t>2021-01-17</a:t>
+              <a:t>2021-01-18</a:t>
             </a:fld>
             <a:endParaRPr lang="ko-KR" altLang="en-US"/>
           </a:p>
@@ -481,7 +481,7 @@
           <a:p>
             <a:fld id="{52082F2F-C111-4C40-8D6F-6E5A50198C2A}" type="datetimeFigureOut">
               <a:rPr lang="ko-KR" altLang="en-US" smtClean="0"/>
-              <a:t>2021-01-17</a:t>
+              <a:t>2021-01-18</a:t>
             </a:fld>
             <a:endParaRPr lang="ko-KR" altLang="en-US"/>
           </a:p>
@@ -659,7 +659,7 @@
           <a:p>
             <a:fld id="{52082F2F-C111-4C40-8D6F-6E5A50198C2A}" type="datetimeFigureOut">
               <a:rPr lang="ko-KR" altLang="en-US" smtClean="0"/>
-              <a:t>2021-01-17</a:t>
+              <a:t>2021-01-18</a:t>
             </a:fld>
             <a:endParaRPr lang="ko-KR" altLang="en-US"/>
           </a:p>
@@ -827,7 +827,7 @@
           <a:p>
             <a:fld id="{52082F2F-C111-4C40-8D6F-6E5A50198C2A}" type="datetimeFigureOut">
               <a:rPr lang="ko-KR" altLang="en-US" smtClean="0"/>
-              <a:t>2021-01-17</a:t>
+              <a:t>2021-01-18</a:t>
             </a:fld>
             <a:endParaRPr lang="ko-KR" altLang="en-US"/>
           </a:p>
@@ -1072,7 +1072,7 @@
           <a:p>
             <a:fld id="{52082F2F-C111-4C40-8D6F-6E5A50198C2A}" type="datetimeFigureOut">
               <a:rPr lang="ko-KR" altLang="en-US" smtClean="0"/>
-              <a:t>2021-01-17</a:t>
+              <a:t>2021-01-18</a:t>
             </a:fld>
             <a:endParaRPr lang="ko-KR" altLang="en-US"/>
           </a:p>
@@ -1357,7 +1357,7 @@
           <a:p>
             <a:fld id="{52082F2F-C111-4C40-8D6F-6E5A50198C2A}" type="datetimeFigureOut">
               <a:rPr lang="ko-KR" altLang="en-US" smtClean="0"/>
-              <a:t>2021-01-17</a:t>
+              <a:t>2021-01-18</a:t>
             </a:fld>
             <a:endParaRPr lang="ko-KR" altLang="en-US"/>
           </a:p>
@@ -1781,7 +1781,7 @@
           <a:p>
             <a:fld id="{52082F2F-C111-4C40-8D6F-6E5A50198C2A}" type="datetimeFigureOut">
               <a:rPr lang="ko-KR" altLang="en-US" smtClean="0"/>
-              <a:t>2021-01-17</a:t>
+              <a:t>2021-01-18</a:t>
             </a:fld>
             <a:endParaRPr lang="ko-KR" altLang="en-US"/>
           </a:p>
@@ -1898,7 +1898,7 @@
           <a:p>
             <a:fld id="{52082F2F-C111-4C40-8D6F-6E5A50198C2A}" type="datetimeFigureOut">
               <a:rPr lang="ko-KR" altLang="en-US" smtClean="0"/>
-              <a:t>2021-01-17</a:t>
+              <a:t>2021-01-18</a:t>
             </a:fld>
             <a:endParaRPr lang="ko-KR" altLang="en-US"/>
           </a:p>
@@ -1993,7 +1993,7 @@
           <a:p>
             <a:fld id="{52082F2F-C111-4C40-8D6F-6E5A50198C2A}" type="datetimeFigureOut">
               <a:rPr lang="ko-KR" altLang="en-US" smtClean="0"/>
-              <a:t>2021-01-17</a:t>
+              <a:t>2021-01-18</a:t>
             </a:fld>
             <a:endParaRPr lang="ko-KR" altLang="en-US"/>
           </a:p>
@@ -2268,7 +2268,7 @@
           <a:p>
             <a:fld id="{52082F2F-C111-4C40-8D6F-6E5A50198C2A}" type="datetimeFigureOut">
               <a:rPr lang="ko-KR" altLang="en-US" smtClean="0"/>
-              <a:t>2021-01-17</a:t>
+              <a:t>2021-01-18</a:t>
             </a:fld>
             <a:endParaRPr lang="ko-KR" altLang="en-US"/>
           </a:p>
@@ -2520,7 +2520,7 @@
           <a:p>
             <a:fld id="{52082F2F-C111-4C40-8D6F-6E5A50198C2A}" type="datetimeFigureOut">
               <a:rPr lang="ko-KR" altLang="en-US" smtClean="0"/>
-              <a:t>2021-01-17</a:t>
+              <a:t>2021-01-18</a:t>
             </a:fld>
             <a:endParaRPr lang="ko-KR" altLang="en-US"/>
           </a:p>
@@ -2731,7 +2731,7 @@
           <a:p>
             <a:fld id="{52082F2F-C111-4C40-8D6F-6E5A50198C2A}" type="datetimeFigureOut">
               <a:rPr lang="ko-KR" altLang="en-US" smtClean="0"/>
-              <a:t>2021-01-17</a:t>
+              <a:t>2021-01-18</a:t>
             </a:fld>
             <a:endParaRPr lang="ko-KR" altLang="en-US"/>
           </a:p>
@@ -3111,7 +3111,7 @@
           <p:cNvPr id="7" name="그림 6" descr="텍스트이(가) 표시된 사진&#10;&#10;자동 생성된 설명">
             <a:extLst>
               <a:ext uri="{FF2B5EF4-FFF2-40B4-BE49-F238E27FC236}">
-                <a16:creationId xmlns:a16="http://schemas.microsoft.com/office/drawing/2014/main" id="{97E8C222-6FDB-4CD9-B36F-1A683D33AD67}"/>
+                <a16:creationId xmlns:a16="http://schemas.microsoft.com/office/drawing/2014/main" xmlns="" id="{97E8C222-6FDB-4CD9-B36F-1A683D33AD67}"/>
               </a:ext>
             </a:extLst>
           </p:cNvPr>
@@ -3146,7 +3146,7 @@
           <p:cNvPr id="8" name="그림 7" descr="텍스트이(가) 표시된 사진&#10;&#10;자동 생성된 설명">
             <a:extLst>
               <a:ext uri="{FF2B5EF4-FFF2-40B4-BE49-F238E27FC236}">
-                <a16:creationId xmlns:a16="http://schemas.microsoft.com/office/drawing/2014/main" id="{B8463EB3-D717-43C2-9C51-69CBF86CF0E3}"/>
+                <a16:creationId xmlns:a16="http://schemas.microsoft.com/office/drawing/2014/main" xmlns="" id="{B8463EB3-D717-43C2-9C51-69CBF86CF0E3}"/>
               </a:ext>
             </a:extLst>
           </p:cNvPr>
@@ -3181,7 +3181,7 @@
           <p:cNvPr id="9" name="직사각형 8">
             <a:extLst>
               <a:ext uri="{FF2B5EF4-FFF2-40B4-BE49-F238E27FC236}">
-                <a16:creationId xmlns:a16="http://schemas.microsoft.com/office/drawing/2014/main" id="{CCA5593B-5777-488F-A0B3-329D4AAD7AE6}"/>
+                <a16:creationId xmlns:a16="http://schemas.microsoft.com/office/drawing/2014/main" xmlns="" id="{CCA5593B-5777-488F-A0B3-329D4AAD7AE6}"/>
               </a:ext>
             </a:extLst>
           </p:cNvPr>
@@ -3993,7 +3993,7 @@
           <p:cNvPr id="123" name="Picture 2">
             <a:extLst>
               <a:ext uri="{FF2B5EF4-FFF2-40B4-BE49-F238E27FC236}">
-                <a16:creationId xmlns:a16="http://schemas.microsoft.com/office/drawing/2014/main" id="{D39BA6FB-C96D-4C46-A73C-38C9B34415E4}"/>
+                <a16:creationId xmlns:a16="http://schemas.microsoft.com/office/drawing/2014/main" xmlns="" id="{D39BA6FB-C96D-4C46-A73C-38C9B34415E4}"/>
               </a:ext>
             </a:extLst>
           </p:cNvPr>
@@ -4061,7 +4061,7 @@
           <p:cNvPr id="137" name="Picture 5" descr="https://static.wikia.nocookie.net/camp_for_bragging_rights/images/0/0e/Stickman.png/revision/latest/scale-to-width-down/768?cb=20200421202819">
             <a:extLst>
               <a:ext uri="{FF2B5EF4-FFF2-40B4-BE49-F238E27FC236}">
-                <a16:creationId xmlns:a16="http://schemas.microsoft.com/office/drawing/2014/main" id="{166B4B5D-3691-4AF7-8162-216E61BDA6F8}"/>
+                <a16:creationId xmlns:a16="http://schemas.microsoft.com/office/drawing/2014/main" xmlns="" id="{166B4B5D-3691-4AF7-8162-216E61BDA6F8}"/>
               </a:ext>
             </a:extLst>
           </p:cNvPr>
@@ -4106,7 +4106,7 @@
           <p:cNvPr id="138" name="Picture 5" descr="https://static.wikia.nocookie.net/camp_for_bragging_rights/images/0/0e/Stickman.png/revision/latest/scale-to-width-down/768?cb=20200421202819">
             <a:extLst>
               <a:ext uri="{FF2B5EF4-FFF2-40B4-BE49-F238E27FC236}">
-                <a16:creationId xmlns:a16="http://schemas.microsoft.com/office/drawing/2014/main" id="{6FF4F6CB-23EB-4AF0-A311-99786ECB2520}"/>
+                <a16:creationId xmlns:a16="http://schemas.microsoft.com/office/drawing/2014/main" xmlns="" id="{6FF4F6CB-23EB-4AF0-A311-99786ECB2520}"/>
               </a:ext>
             </a:extLst>
           </p:cNvPr>
@@ -4151,7 +4151,7 @@
           <p:cNvPr id="140" name="Picture 5" descr="https://static.wikia.nocookie.net/camp_for_bragging_rights/images/0/0e/Stickman.png/revision/latest/scale-to-width-down/768?cb=20200421202819">
             <a:extLst>
               <a:ext uri="{FF2B5EF4-FFF2-40B4-BE49-F238E27FC236}">
-                <a16:creationId xmlns:a16="http://schemas.microsoft.com/office/drawing/2014/main" id="{A7E8D6FF-3231-40DC-A081-6D5C71E87E3D}"/>
+                <a16:creationId xmlns:a16="http://schemas.microsoft.com/office/drawing/2014/main" xmlns="" id="{A7E8D6FF-3231-40DC-A081-6D5C71E87E3D}"/>
               </a:ext>
             </a:extLst>
           </p:cNvPr>
@@ -4196,7 +4196,7 @@
           <p:cNvPr id="148" name="Picture 6" descr="C:\Users\biosensor1\Documents\카카오톡 받은 파일\KakaoTalk_20210112_172206730.png">
             <a:extLst>
               <a:ext uri="{FF2B5EF4-FFF2-40B4-BE49-F238E27FC236}">
-                <a16:creationId xmlns:a16="http://schemas.microsoft.com/office/drawing/2014/main" id="{3D141645-779A-45FA-BFAF-899404DC1F36}"/>
+                <a16:creationId xmlns:a16="http://schemas.microsoft.com/office/drawing/2014/main" xmlns="" id="{3D141645-779A-45FA-BFAF-899404DC1F36}"/>
               </a:ext>
             </a:extLst>
           </p:cNvPr>
@@ -4241,7 +4241,7 @@
           <p:cNvPr id="155" name="TextBox 154">
             <a:extLst>
               <a:ext uri="{FF2B5EF4-FFF2-40B4-BE49-F238E27FC236}">
-                <a16:creationId xmlns:a16="http://schemas.microsoft.com/office/drawing/2014/main" id="{B82E9A67-D1FD-42F2-9B91-C7989E46382D}"/>
+                <a16:creationId xmlns:a16="http://schemas.microsoft.com/office/drawing/2014/main" xmlns="" id="{B82E9A67-D1FD-42F2-9B91-C7989E46382D}"/>
               </a:ext>
             </a:extLst>
           </p:cNvPr>
@@ -4291,7 +4291,7 @@
           <p:cNvPr id="199" name="Picture 2">
             <a:extLst>
               <a:ext uri="{FF2B5EF4-FFF2-40B4-BE49-F238E27FC236}">
-                <a16:creationId xmlns:a16="http://schemas.microsoft.com/office/drawing/2014/main" id="{D28AE9EA-24E9-4807-B64A-57CC46C36697}"/>
+                <a16:creationId xmlns:a16="http://schemas.microsoft.com/office/drawing/2014/main" xmlns="" id="{D28AE9EA-24E9-4807-B64A-57CC46C36697}"/>
               </a:ext>
             </a:extLst>
           </p:cNvPr>
@@ -4359,7 +4359,7 @@
           <p:cNvPr id="200" name="Picture 5" descr="https://static.wikia.nocookie.net/camp_for_bragging_rights/images/0/0e/Stickman.png/revision/latest/scale-to-width-down/768?cb=20200421202819">
             <a:extLst>
               <a:ext uri="{FF2B5EF4-FFF2-40B4-BE49-F238E27FC236}">
-                <a16:creationId xmlns:a16="http://schemas.microsoft.com/office/drawing/2014/main" id="{1A12F9BB-DF14-42DC-A3FA-16FD1D9BFD3F}"/>
+                <a16:creationId xmlns:a16="http://schemas.microsoft.com/office/drawing/2014/main" xmlns="" id="{1A12F9BB-DF14-42DC-A3FA-16FD1D9BFD3F}"/>
               </a:ext>
             </a:extLst>
           </p:cNvPr>
@@ -4404,7 +4404,7 @@
           <p:cNvPr id="201" name="Picture 5" descr="https://static.wikia.nocookie.net/camp_for_bragging_rights/images/0/0e/Stickman.png/revision/latest/scale-to-width-down/768?cb=20200421202819">
             <a:extLst>
               <a:ext uri="{FF2B5EF4-FFF2-40B4-BE49-F238E27FC236}">
-                <a16:creationId xmlns:a16="http://schemas.microsoft.com/office/drawing/2014/main" id="{1080F3EB-E75D-4459-AB25-309A967A3DE7}"/>
+                <a16:creationId xmlns:a16="http://schemas.microsoft.com/office/drawing/2014/main" xmlns="" id="{1080F3EB-E75D-4459-AB25-309A967A3DE7}"/>
               </a:ext>
             </a:extLst>
           </p:cNvPr>
@@ -4449,7 +4449,7 @@
           <p:cNvPr id="202" name="Picture 5" descr="https://static.wikia.nocookie.net/camp_for_bragging_rights/images/0/0e/Stickman.png/revision/latest/scale-to-width-down/768?cb=20200421202819">
             <a:extLst>
               <a:ext uri="{FF2B5EF4-FFF2-40B4-BE49-F238E27FC236}">
-                <a16:creationId xmlns:a16="http://schemas.microsoft.com/office/drawing/2014/main" id="{D437E1BE-B453-46F3-A521-7D95E6E55C76}"/>
+                <a16:creationId xmlns:a16="http://schemas.microsoft.com/office/drawing/2014/main" xmlns="" id="{D437E1BE-B453-46F3-A521-7D95E6E55C76}"/>
               </a:ext>
             </a:extLst>
           </p:cNvPr>
@@ -4494,7 +4494,7 @@
           <p:cNvPr id="203" name="Picture 5" descr="https://static.wikia.nocookie.net/camp_for_bragging_rights/images/0/0e/Stickman.png/revision/latest/scale-to-width-down/768?cb=20200421202819">
             <a:extLst>
               <a:ext uri="{FF2B5EF4-FFF2-40B4-BE49-F238E27FC236}">
-                <a16:creationId xmlns:a16="http://schemas.microsoft.com/office/drawing/2014/main" id="{4F60AEBC-F6F4-477B-8ED8-F63C0C27FCF5}"/>
+                <a16:creationId xmlns:a16="http://schemas.microsoft.com/office/drawing/2014/main" xmlns="" id="{4F60AEBC-F6F4-477B-8ED8-F63C0C27FCF5}"/>
               </a:ext>
             </a:extLst>
           </p:cNvPr>
@@ -4539,7 +4539,7 @@
           <p:cNvPr id="204" name="Picture 5" descr="https://static.wikia.nocookie.net/camp_for_bragging_rights/images/0/0e/Stickman.png/revision/latest/scale-to-width-down/768?cb=20200421202819">
             <a:extLst>
               <a:ext uri="{FF2B5EF4-FFF2-40B4-BE49-F238E27FC236}">
-                <a16:creationId xmlns:a16="http://schemas.microsoft.com/office/drawing/2014/main" id="{9419EE42-F2D1-49F1-82D5-45859855D7C0}"/>
+                <a16:creationId xmlns:a16="http://schemas.microsoft.com/office/drawing/2014/main" xmlns="" id="{9419EE42-F2D1-49F1-82D5-45859855D7C0}"/>
               </a:ext>
             </a:extLst>
           </p:cNvPr>
@@ -4584,7 +4584,7 @@
           <p:cNvPr id="205" name="Picture 5" descr="https://static.wikia.nocookie.net/camp_for_bragging_rights/images/0/0e/Stickman.png/revision/latest/scale-to-width-down/768?cb=20200421202819">
             <a:extLst>
               <a:ext uri="{FF2B5EF4-FFF2-40B4-BE49-F238E27FC236}">
-                <a16:creationId xmlns:a16="http://schemas.microsoft.com/office/drawing/2014/main" id="{5450B433-5567-4651-9BFB-8B3A32E29A2A}"/>
+                <a16:creationId xmlns:a16="http://schemas.microsoft.com/office/drawing/2014/main" xmlns="" id="{5450B433-5567-4651-9BFB-8B3A32E29A2A}"/>
               </a:ext>
             </a:extLst>
           </p:cNvPr>
@@ -4629,7 +4629,7 @@
           <p:cNvPr id="206" name="Picture 5" descr="https://static.wikia.nocookie.net/camp_for_bragging_rights/images/0/0e/Stickman.png/revision/latest/scale-to-width-down/768?cb=20200421202819">
             <a:extLst>
               <a:ext uri="{FF2B5EF4-FFF2-40B4-BE49-F238E27FC236}">
-                <a16:creationId xmlns:a16="http://schemas.microsoft.com/office/drawing/2014/main" id="{258EEADD-4985-4DF0-89A8-7550DCA90E9C}"/>
+                <a16:creationId xmlns:a16="http://schemas.microsoft.com/office/drawing/2014/main" xmlns="" id="{258EEADD-4985-4DF0-89A8-7550DCA90E9C}"/>
               </a:ext>
             </a:extLst>
           </p:cNvPr>
@@ -4674,7 +4674,7 @@
           <p:cNvPr id="207" name="Picture 5" descr="https://static.wikia.nocookie.net/camp_for_bragging_rights/images/0/0e/Stickman.png/revision/latest/scale-to-width-down/768?cb=20200421202819">
             <a:extLst>
               <a:ext uri="{FF2B5EF4-FFF2-40B4-BE49-F238E27FC236}">
-                <a16:creationId xmlns:a16="http://schemas.microsoft.com/office/drawing/2014/main" id="{9B91F6D8-AC19-49D7-9133-62D1D91EF2F7}"/>
+                <a16:creationId xmlns:a16="http://schemas.microsoft.com/office/drawing/2014/main" xmlns="" id="{9B91F6D8-AC19-49D7-9133-62D1D91EF2F7}"/>
               </a:ext>
             </a:extLst>
           </p:cNvPr>
@@ -4719,7 +4719,7 @@
           <p:cNvPr id="208" name="Picture 5" descr="https://static.wikia.nocookie.net/camp_for_bragging_rights/images/0/0e/Stickman.png/revision/latest/scale-to-width-down/768?cb=20200421202819">
             <a:extLst>
               <a:ext uri="{FF2B5EF4-FFF2-40B4-BE49-F238E27FC236}">
-                <a16:creationId xmlns:a16="http://schemas.microsoft.com/office/drawing/2014/main" id="{1B791DEC-BCAB-46E7-98EE-CF1F9C7F9A4A}"/>
+                <a16:creationId xmlns:a16="http://schemas.microsoft.com/office/drawing/2014/main" xmlns="" id="{1B791DEC-BCAB-46E7-98EE-CF1F9C7F9A4A}"/>
               </a:ext>
             </a:extLst>
           </p:cNvPr>
@@ -4764,7 +4764,7 @@
           <p:cNvPr id="209" name="Picture 5" descr="https://static.wikia.nocookie.net/camp_for_bragging_rights/images/0/0e/Stickman.png/revision/latest/scale-to-width-down/768?cb=20200421202819">
             <a:extLst>
               <a:ext uri="{FF2B5EF4-FFF2-40B4-BE49-F238E27FC236}">
-                <a16:creationId xmlns:a16="http://schemas.microsoft.com/office/drawing/2014/main" id="{BC86DD45-859E-4A94-A330-11B487DEF50D}"/>
+                <a16:creationId xmlns:a16="http://schemas.microsoft.com/office/drawing/2014/main" xmlns="" id="{BC86DD45-859E-4A94-A330-11B487DEF50D}"/>
               </a:ext>
             </a:extLst>
           </p:cNvPr>
@@ -4809,7 +4809,7 @@
           <p:cNvPr id="210" name="Picture 5" descr="https://static.wikia.nocookie.net/camp_for_bragging_rights/images/0/0e/Stickman.png/revision/latest/scale-to-width-down/768?cb=20200421202819">
             <a:extLst>
               <a:ext uri="{FF2B5EF4-FFF2-40B4-BE49-F238E27FC236}">
-                <a16:creationId xmlns:a16="http://schemas.microsoft.com/office/drawing/2014/main" id="{696735D1-EEF9-4D11-B3CA-E7A50FCBDD29}"/>
+                <a16:creationId xmlns:a16="http://schemas.microsoft.com/office/drawing/2014/main" xmlns="" id="{696735D1-EEF9-4D11-B3CA-E7A50FCBDD29}"/>
               </a:ext>
             </a:extLst>
           </p:cNvPr>
@@ -4854,7 +4854,7 @@
           <p:cNvPr id="211" name="Picture 6" descr="C:\Users\biosensor1\Documents\카카오톡 받은 파일\KakaoTalk_20210112_172206730.png">
             <a:extLst>
               <a:ext uri="{FF2B5EF4-FFF2-40B4-BE49-F238E27FC236}">
-                <a16:creationId xmlns:a16="http://schemas.microsoft.com/office/drawing/2014/main" id="{E66529A4-CE8E-4726-89C7-D0E9C2E7EA9E}"/>
+                <a16:creationId xmlns:a16="http://schemas.microsoft.com/office/drawing/2014/main" xmlns="" id="{E66529A4-CE8E-4726-89C7-D0E9C2E7EA9E}"/>
               </a:ext>
             </a:extLst>
           </p:cNvPr>
@@ -4899,7 +4899,7 @@
           <p:cNvPr id="212" name="Picture 6" descr="C:\Users\biosensor1\Documents\카카오톡 받은 파일\KakaoTalk_20210112_172206730.png">
             <a:extLst>
               <a:ext uri="{FF2B5EF4-FFF2-40B4-BE49-F238E27FC236}">
-                <a16:creationId xmlns:a16="http://schemas.microsoft.com/office/drawing/2014/main" id="{F684D7EA-4819-46EB-B1DF-55D091859480}"/>
+                <a16:creationId xmlns:a16="http://schemas.microsoft.com/office/drawing/2014/main" xmlns="" id="{F684D7EA-4819-46EB-B1DF-55D091859480}"/>
               </a:ext>
             </a:extLst>
           </p:cNvPr>
@@ -4944,7 +4944,7 @@
           <p:cNvPr id="213" name="Picture 6" descr="C:\Users\biosensor1\Documents\카카오톡 받은 파일\KakaoTalk_20210112_172206730.png">
             <a:extLst>
               <a:ext uri="{FF2B5EF4-FFF2-40B4-BE49-F238E27FC236}">
-                <a16:creationId xmlns:a16="http://schemas.microsoft.com/office/drawing/2014/main" id="{3A51768F-AA29-4FC8-A4EB-082B839E1955}"/>
+                <a16:creationId xmlns:a16="http://schemas.microsoft.com/office/drawing/2014/main" xmlns="" id="{3A51768F-AA29-4FC8-A4EB-082B839E1955}"/>
               </a:ext>
             </a:extLst>
           </p:cNvPr>
@@ -4989,7 +4989,7 @@
           <p:cNvPr id="214" name="Picture 6" descr="C:\Users\biosensor1\Documents\카카오톡 받은 파일\KakaoTalk_20210112_172206730.png">
             <a:extLst>
               <a:ext uri="{FF2B5EF4-FFF2-40B4-BE49-F238E27FC236}">
-                <a16:creationId xmlns:a16="http://schemas.microsoft.com/office/drawing/2014/main" id="{AAF3571A-A91A-4560-9FAF-C6C363BE6CB4}"/>
+                <a16:creationId xmlns:a16="http://schemas.microsoft.com/office/drawing/2014/main" xmlns="" id="{AAF3571A-A91A-4560-9FAF-C6C363BE6CB4}"/>
               </a:ext>
             </a:extLst>
           </p:cNvPr>
@@ -5034,7 +5034,7 @@
           <p:cNvPr id="215" name="Picture 6" descr="C:\Users\biosensor1\Documents\카카오톡 받은 파일\KakaoTalk_20210112_172206730.png">
             <a:extLst>
               <a:ext uri="{FF2B5EF4-FFF2-40B4-BE49-F238E27FC236}">
-                <a16:creationId xmlns:a16="http://schemas.microsoft.com/office/drawing/2014/main" id="{F7B746FA-CC20-46BF-9B69-932B7236AFF3}"/>
+                <a16:creationId xmlns:a16="http://schemas.microsoft.com/office/drawing/2014/main" xmlns="" id="{F7B746FA-CC20-46BF-9B69-932B7236AFF3}"/>
               </a:ext>
             </a:extLst>
           </p:cNvPr>
@@ -5079,7 +5079,7 @@
           <p:cNvPr id="216" name="Picture 6" descr="C:\Users\biosensor1\Documents\카카오톡 받은 파일\KakaoTalk_20210112_172206730.png">
             <a:extLst>
               <a:ext uri="{FF2B5EF4-FFF2-40B4-BE49-F238E27FC236}">
-                <a16:creationId xmlns:a16="http://schemas.microsoft.com/office/drawing/2014/main" id="{E6164BCA-911E-4A8F-B3E2-6001C5F0AD36}"/>
+                <a16:creationId xmlns:a16="http://schemas.microsoft.com/office/drawing/2014/main" xmlns="" id="{E6164BCA-911E-4A8F-B3E2-6001C5F0AD36}"/>
               </a:ext>
             </a:extLst>
           </p:cNvPr>
@@ -5124,7 +5124,7 @@
           <p:cNvPr id="217" name="Picture 5" descr="https://static.wikia.nocookie.net/camp_for_bragging_rights/images/0/0e/Stickman.png/revision/latest/scale-to-width-down/768?cb=20200421202819">
             <a:extLst>
               <a:ext uri="{FF2B5EF4-FFF2-40B4-BE49-F238E27FC236}">
-                <a16:creationId xmlns:a16="http://schemas.microsoft.com/office/drawing/2014/main" id="{AA920A7B-342B-42A5-959E-B517ACCE8743}"/>
+                <a16:creationId xmlns:a16="http://schemas.microsoft.com/office/drawing/2014/main" xmlns="" id="{AA920A7B-342B-42A5-959E-B517ACCE8743}"/>
               </a:ext>
             </a:extLst>
           </p:cNvPr>
@@ -5169,7 +5169,7 @@
           <p:cNvPr id="218" name="Picture 5" descr="https://static.wikia.nocookie.net/camp_for_bragging_rights/images/0/0e/Stickman.png/revision/latest/scale-to-width-down/768?cb=20200421202819">
             <a:extLst>
               <a:ext uri="{FF2B5EF4-FFF2-40B4-BE49-F238E27FC236}">
-                <a16:creationId xmlns:a16="http://schemas.microsoft.com/office/drawing/2014/main" id="{693E3459-C204-4981-9090-1A858AF7BB6D}"/>
+                <a16:creationId xmlns:a16="http://schemas.microsoft.com/office/drawing/2014/main" xmlns="" id="{693E3459-C204-4981-9090-1A858AF7BB6D}"/>
               </a:ext>
             </a:extLst>
           </p:cNvPr>
@@ -5214,7 +5214,7 @@
           <p:cNvPr id="219" name="Picture 5" descr="https://static.wikia.nocookie.net/camp_for_bragging_rights/images/0/0e/Stickman.png/revision/latest/scale-to-width-down/768?cb=20200421202819">
             <a:extLst>
               <a:ext uri="{FF2B5EF4-FFF2-40B4-BE49-F238E27FC236}">
-                <a16:creationId xmlns:a16="http://schemas.microsoft.com/office/drawing/2014/main" id="{6805677D-D657-4954-B7D0-B8AC3A08EBD7}"/>
+                <a16:creationId xmlns:a16="http://schemas.microsoft.com/office/drawing/2014/main" xmlns="" id="{6805677D-D657-4954-B7D0-B8AC3A08EBD7}"/>
               </a:ext>
             </a:extLst>
           </p:cNvPr>
@@ -5259,7 +5259,7 @@
           <p:cNvPr id="220" name="Picture 5" descr="https://static.wikia.nocookie.net/camp_for_bragging_rights/images/0/0e/Stickman.png/revision/latest/scale-to-width-down/768?cb=20200421202819">
             <a:extLst>
               <a:ext uri="{FF2B5EF4-FFF2-40B4-BE49-F238E27FC236}">
-                <a16:creationId xmlns:a16="http://schemas.microsoft.com/office/drawing/2014/main" id="{8154E053-1186-4570-B002-A35A99CF99C3}"/>
+                <a16:creationId xmlns:a16="http://schemas.microsoft.com/office/drawing/2014/main" xmlns="" id="{8154E053-1186-4570-B002-A35A99CF99C3}"/>
               </a:ext>
             </a:extLst>
           </p:cNvPr>
@@ -5304,7 +5304,7 @@
           <p:cNvPr id="221" name="Picture 5" descr="https://static.wikia.nocookie.net/camp_for_bragging_rights/images/0/0e/Stickman.png/revision/latest/scale-to-width-down/768?cb=20200421202819">
             <a:extLst>
               <a:ext uri="{FF2B5EF4-FFF2-40B4-BE49-F238E27FC236}">
-                <a16:creationId xmlns:a16="http://schemas.microsoft.com/office/drawing/2014/main" id="{3B592B85-75DC-4FE8-BD90-C4510579BD00}"/>
+                <a16:creationId xmlns:a16="http://schemas.microsoft.com/office/drawing/2014/main" xmlns="" id="{3B592B85-75DC-4FE8-BD90-C4510579BD00}"/>
               </a:ext>
             </a:extLst>
           </p:cNvPr>
@@ -5349,7 +5349,7 @@
           <p:cNvPr id="222" name="Picture 5" descr="https://static.wikia.nocookie.net/camp_for_bragging_rights/images/0/0e/Stickman.png/revision/latest/scale-to-width-down/768?cb=20200421202819">
             <a:extLst>
               <a:ext uri="{FF2B5EF4-FFF2-40B4-BE49-F238E27FC236}">
-                <a16:creationId xmlns:a16="http://schemas.microsoft.com/office/drawing/2014/main" id="{8B159003-2A63-4CA2-B1A9-B9D92890FD87}"/>
+                <a16:creationId xmlns:a16="http://schemas.microsoft.com/office/drawing/2014/main" xmlns="" id="{8B159003-2A63-4CA2-B1A9-B9D92890FD87}"/>
               </a:ext>
             </a:extLst>
           </p:cNvPr>
@@ -5394,7 +5394,7 @@
           <p:cNvPr id="223" name="Picture 5" descr="https://static.wikia.nocookie.net/camp_for_bragging_rights/images/0/0e/Stickman.png/revision/latest/scale-to-width-down/768?cb=20200421202819">
             <a:extLst>
               <a:ext uri="{FF2B5EF4-FFF2-40B4-BE49-F238E27FC236}">
-                <a16:creationId xmlns:a16="http://schemas.microsoft.com/office/drawing/2014/main" id="{EF75050E-DE1A-467E-98E3-697633A22AB6}"/>
+                <a16:creationId xmlns:a16="http://schemas.microsoft.com/office/drawing/2014/main" xmlns="" id="{EF75050E-DE1A-467E-98E3-697633A22AB6}"/>
               </a:ext>
             </a:extLst>
           </p:cNvPr>
@@ -5439,7 +5439,7 @@
           <p:cNvPr id="224" name="Picture 5" descr="https://static.wikia.nocookie.net/camp_for_bragging_rights/images/0/0e/Stickman.png/revision/latest/scale-to-width-down/768?cb=20200421202819">
             <a:extLst>
               <a:ext uri="{FF2B5EF4-FFF2-40B4-BE49-F238E27FC236}">
-                <a16:creationId xmlns:a16="http://schemas.microsoft.com/office/drawing/2014/main" id="{351DBE3E-C42A-4049-9501-79A6A3C1D676}"/>
+                <a16:creationId xmlns:a16="http://schemas.microsoft.com/office/drawing/2014/main" xmlns="" id="{351DBE3E-C42A-4049-9501-79A6A3C1D676}"/>
               </a:ext>
             </a:extLst>
           </p:cNvPr>
@@ -5484,7 +5484,7 @@
           <p:cNvPr id="225" name="Picture 5" descr="https://static.wikia.nocookie.net/camp_for_bragging_rights/images/0/0e/Stickman.png/revision/latest/scale-to-width-down/768?cb=20200421202819">
             <a:extLst>
               <a:ext uri="{FF2B5EF4-FFF2-40B4-BE49-F238E27FC236}">
-                <a16:creationId xmlns:a16="http://schemas.microsoft.com/office/drawing/2014/main" id="{10B63245-24B2-4FEF-9A91-99B4F252EDBD}"/>
+                <a16:creationId xmlns:a16="http://schemas.microsoft.com/office/drawing/2014/main" xmlns="" id="{10B63245-24B2-4FEF-9A91-99B4F252EDBD}"/>
               </a:ext>
             </a:extLst>
           </p:cNvPr>
@@ -5529,7 +5529,7 @@
           <p:cNvPr id="226" name="Picture 5" descr="https://static.wikia.nocookie.net/camp_for_bragging_rights/images/0/0e/Stickman.png/revision/latest/scale-to-width-down/768?cb=20200421202819">
             <a:extLst>
               <a:ext uri="{FF2B5EF4-FFF2-40B4-BE49-F238E27FC236}">
-                <a16:creationId xmlns:a16="http://schemas.microsoft.com/office/drawing/2014/main" id="{E46133AE-23D5-4726-95F1-5F0F792C85A4}"/>
+                <a16:creationId xmlns:a16="http://schemas.microsoft.com/office/drawing/2014/main" xmlns="" id="{E46133AE-23D5-4726-95F1-5F0F792C85A4}"/>
               </a:ext>
             </a:extLst>
           </p:cNvPr>
@@ -5574,7 +5574,7 @@
           <p:cNvPr id="227" name="Picture 5" descr="https://static.wikia.nocookie.net/camp_for_bragging_rights/images/0/0e/Stickman.png/revision/latest/scale-to-width-down/768?cb=20200421202819">
             <a:extLst>
               <a:ext uri="{FF2B5EF4-FFF2-40B4-BE49-F238E27FC236}">
-                <a16:creationId xmlns:a16="http://schemas.microsoft.com/office/drawing/2014/main" id="{57CCC3F0-9210-4B87-AE65-50E36D69A4B0}"/>
+                <a16:creationId xmlns:a16="http://schemas.microsoft.com/office/drawing/2014/main" xmlns="" id="{57CCC3F0-9210-4B87-AE65-50E36D69A4B0}"/>
               </a:ext>
             </a:extLst>
           </p:cNvPr>
@@ -5619,7 +5619,7 @@
           <p:cNvPr id="229" name="그림 228">
             <a:extLst>
               <a:ext uri="{FF2B5EF4-FFF2-40B4-BE49-F238E27FC236}">
-                <a16:creationId xmlns:a16="http://schemas.microsoft.com/office/drawing/2014/main" id="{57472415-EE81-483E-85D1-3FE032DD4732}"/>
+                <a16:creationId xmlns:a16="http://schemas.microsoft.com/office/drawing/2014/main" xmlns="" id="{57472415-EE81-483E-85D1-3FE032DD4732}"/>
               </a:ext>
             </a:extLst>
           </p:cNvPr>
@@ -5654,7 +5654,7 @@
           <p:cNvPr id="230" name="그림 229">
             <a:extLst>
               <a:ext uri="{FF2B5EF4-FFF2-40B4-BE49-F238E27FC236}">
-                <a16:creationId xmlns:a16="http://schemas.microsoft.com/office/drawing/2014/main" id="{AE77F889-E4D0-4C15-8820-1E1FF34F07EE}"/>
+                <a16:creationId xmlns:a16="http://schemas.microsoft.com/office/drawing/2014/main" xmlns="" id="{AE77F889-E4D0-4C15-8820-1E1FF34F07EE}"/>
               </a:ext>
             </a:extLst>
           </p:cNvPr>
@@ -5689,7 +5689,7 @@
           <p:cNvPr id="231" name="그림 230">
             <a:extLst>
               <a:ext uri="{FF2B5EF4-FFF2-40B4-BE49-F238E27FC236}">
-                <a16:creationId xmlns:a16="http://schemas.microsoft.com/office/drawing/2014/main" id="{5EB01DFA-4B19-4CA9-B4A3-8D92DF25A826}"/>
+                <a16:creationId xmlns:a16="http://schemas.microsoft.com/office/drawing/2014/main" xmlns="" id="{5EB01DFA-4B19-4CA9-B4A3-8D92DF25A826}"/>
               </a:ext>
             </a:extLst>
           </p:cNvPr>
@@ -5724,7 +5724,7 @@
           <p:cNvPr id="232" name="그림 231">
             <a:extLst>
               <a:ext uri="{FF2B5EF4-FFF2-40B4-BE49-F238E27FC236}">
-                <a16:creationId xmlns:a16="http://schemas.microsoft.com/office/drawing/2014/main" id="{3CF0E502-5FA0-44ED-8D89-E3D634815D0B}"/>
+                <a16:creationId xmlns:a16="http://schemas.microsoft.com/office/drawing/2014/main" xmlns="" id="{3CF0E502-5FA0-44ED-8D89-E3D634815D0B}"/>
               </a:ext>
             </a:extLst>
           </p:cNvPr>
@@ -5759,7 +5759,7 @@
           <p:cNvPr id="233" name="그림 232">
             <a:extLst>
               <a:ext uri="{FF2B5EF4-FFF2-40B4-BE49-F238E27FC236}">
-                <a16:creationId xmlns:a16="http://schemas.microsoft.com/office/drawing/2014/main" id="{3AC43DD1-4412-44A1-B8E2-076A1EACEE5C}"/>
+                <a16:creationId xmlns:a16="http://schemas.microsoft.com/office/drawing/2014/main" xmlns="" id="{3AC43DD1-4412-44A1-B8E2-076A1EACEE5C}"/>
               </a:ext>
             </a:extLst>
           </p:cNvPr>
@@ -5794,7 +5794,7 @@
           <p:cNvPr id="234" name="그림 233">
             <a:extLst>
               <a:ext uri="{FF2B5EF4-FFF2-40B4-BE49-F238E27FC236}">
-                <a16:creationId xmlns:a16="http://schemas.microsoft.com/office/drawing/2014/main" id="{BE20AFBE-328E-460F-AF0F-300617A7EB51}"/>
+                <a16:creationId xmlns:a16="http://schemas.microsoft.com/office/drawing/2014/main" xmlns="" id="{BE20AFBE-328E-460F-AF0F-300617A7EB51}"/>
               </a:ext>
             </a:extLst>
           </p:cNvPr>
@@ -5829,7 +5829,7 @@
           <p:cNvPr id="235" name="그림 234">
             <a:extLst>
               <a:ext uri="{FF2B5EF4-FFF2-40B4-BE49-F238E27FC236}">
-                <a16:creationId xmlns:a16="http://schemas.microsoft.com/office/drawing/2014/main" id="{F673298F-A920-448D-BB63-64502906BBDB}"/>
+                <a16:creationId xmlns:a16="http://schemas.microsoft.com/office/drawing/2014/main" xmlns="" id="{F673298F-A920-448D-BB63-64502906BBDB}"/>
               </a:ext>
             </a:extLst>
           </p:cNvPr>
@@ -5864,7 +5864,7 @@
           <p:cNvPr id="236" name="TextBox 235">
             <a:extLst>
               <a:ext uri="{FF2B5EF4-FFF2-40B4-BE49-F238E27FC236}">
-                <a16:creationId xmlns:a16="http://schemas.microsoft.com/office/drawing/2014/main" id="{8CF2FB13-C02C-435F-AA91-5197EF57BE6F}"/>
+                <a16:creationId xmlns:a16="http://schemas.microsoft.com/office/drawing/2014/main" xmlns="" id="{8CF2FB13-C02C-435F-AA91-5197EF57BE6F}"/>
               </a:ext>
             </a:extLst>
           </p:cNvPr>
@@ -5914,7 +5914,7 @@
           <p:cNvPr id="237" name="Picture 2">
             <a:extLst>
               <a:ext uri="{FF2B5EF4-FFF2-40B4-BE49-F238E27FC236}">
-                <a16:creationId xmlns:a16="http://schemas.microsoft.com/office/drawing/2014/main" id="{86270754-CD45-4DA0-A929-4310B0570602}"/>
+                <a16:creationId xmlns:a16="http://schemas.microsoft.com/office/drawing/2014/main" xmlns="" id="{86270754-CD45-4DA0-A929-4310B0570602}"/>
               </a:ext>
             </a:extLst>
           </p:cNvPr>
@@ -5982,7 +5982,7 @@
           <p:cNvPr id="238" name="TextBox 237">
             <a:extLst>
               <a:ext uri="{FF2B5EF4-FFF2-40B4-BE49-F238E27FC236}">
-                <a16:creationId xmlns:a16="http://schemas.microsoft.com/office/drawing/2014/main" id="{137C1972-AE76-49E1-9CB5-CD6CBEB6DE9E}"/>
+                <a16:creationId xmlns:a16="http://schemas.microsoft.com/office/drawing/2014/main" xmlns="" id="{137C1972-AE76-49E1-9CB5-CD6CBEB6DE9E}"/>
               </a:ext>
             </a:extLst>
           </p:cNvPr>
@@ -6020,7 +6020,7 @@
           <p:cNvPr id="239" name="TextBox 238">
             <a:extLst>
               <a:ext uri="{FF2B5EF4-FFF2-40B4-BE49-F238E27FC236}">
-                <a16:creationId xmlns:a16="http://schemas.microsoft.com/office/drawing/2014/main" id="{12403105-F03F-46A5-902C-7944FBF00DFB}"/>
+                <a16:creationId xmlns:a16="http://schemas.microsoft.com/office/drawing/2014/main" xmlns="" id="{12403105-F03F-46A5-902C-7944FBF00DFB}"/>
               </a:ext>
             </a:extLst>
           </p:cNvPr>
@@ -6061,7 +6061,7 @@
           <p:cNvPr id="240" name="TextBox 239">
             <a:extLst>
               <a:ext uri="{FF2B5EF4-FFF2-40B4-BE49-F238E27FC236}">
-                <a16:creationId xmlns:a16="http://schemas.microsoft.com/office/drawing/2014/main" id="{508F6216-4E42-4B66-9C5C-74251F6DE2B7}"/>
+                <a16:creationId xmlns:a16="http://schemas.microsoft.com/office/drawing/2014/main" xmlns="" id="{508F6216-4E42-4B66-9C5C-74251F6DE2B7}"/>
               </a:ext>
             </a:extLst>
           </p:cNvPr>
@@ -6099,7 +6099,7 @@
           <p:cNvPr id="241" name="TextBox 240">
             <a:extLst>
               <a:ext uri="{FF2B5EF4-FFF2-40B4-BE49-F238E27FC236}">
-                <a16:creationId xmlns:a16="http://schemas.microsoft.com/office/drawing/2014/main" id="{7F89F20E-616C-4A88-9B7F-FFD75935193F}"/>
+                <a16:creationId xmlns:a16="http://schemas.microsoft.com/office/drawing/2014/main" xmlns="" id="{7F89F20E-616C-4A88-9B7F-FFD75935193F}"/>
               </a:ext>
             </a:extLst>
           </p:cNvPr>
@@ -6137,7 +6137,7 @@
           <p:cNvPr id="242" name="TextBox 241">
             <a:extLst>
               <a:ext uri="{FF2B5EF4-FFF2-40B4-BE49-F238E27FC236}">
-                <a16:creationId xmlns:a16="http://schemas.microsoft.com/office/drawing/2014/main" id="{26723F57-80CB-4DC3-91FD-967F709C6929}"/>
+                <a16:creationId xmlns:a16="http://schemas.microsoft.com/office/drawing/2014/main" xmlns="" id="{26723F57-80CB-4DC3-91FD-967F709C6929}"/>
               </a:ext>
             </a:extLst>
           </p:cNvPr>
@@ -6175,7 +6175,7 @@
           <p:cNvPr id="243" name="TextBox 242">
             <a:extLst>
               <a:ext uri="{FF2B5EF4-FFF2-40B4-BE49-F238E27FC236}">
-                <a16:creationId xmlns:a16="http://schemas.microsoft.com/office/drawing/2014/main" id="{B55D2498-FFC6-424D-8693-41A7EABDFDDB}"/>
+                <a16:creationId xmlns:a16="http://schemas.microsoft.com/office/drawing/2014/main" xmlns="" id="{B55D2498-FFC6-424D-8693-41A7EABDFDDB}"/>
               </a:ext>
             </a:extLst>
           </p:cNvPr>
@@ -6213,7 +6213,7 @@
           <p:cNvPr id="244" name="TextBox 243">
             <a:extLst>
               <a:ext uri="{FF2B5EF4-FFF2-40B4-BE49-F238E27FC236}">
-                <a16:creationId xmlns:a16="http://schemas.microsoft.com/office/drawing/2014/main" id="{4DEF4C67-2551-4FD5-995D-9C7D14351512}"/>
+                <a16:creationId xmlns:a16="http://schemas.microsoft.com/office/drawing/2014/main" xmlns="" id="{4DEF4C67-2551-4FD5-995D-9C7D14351512}"/>
               </a:ext>
             </a:extLst>
           </p:cNvPr>
@@ -6251,7 +6251,7 @@
           <p:cNvPr id="245" name="TextBox 244">
             <a:extLst>
               <a:ext uri="{FF2B5EF4-FFF2-40B4-BE49-F238E27FC236}">
-                <a16:creationId xmlns:a16="http://schemas.microsoft.com/office/drawing/2014/main" id="{951DDEC2-F42F-4377-B5C4-258519EEE830}"/>
+                <a16:creationId xmlns:a16="http://schemas.microsoft.com/office/drawing/2014/main" xmlns="" id="{951DDEC2-F42F-4377-B5C4-258519EEE830}"/>
               </a:ext>
             </a:extLst>
           </p:cNvPr>
@@ -6289,7 +6289,7 @@
           <p:cNvPr id="246" name="TextBox 245">
             <a:extLst>
               <a:ext uri="{FF2B5EF4-FFF2-40B4-BE49-F238E27FC236}">
-                <a16:creationId xmlns:a16="http://schemas.microsoft.com/office/drawing/2014/main" id="{E3C6AA7C-A51C-409F-8443-DEE8DB09ED96}"/>
+                <a16:creationId xmlns:a16="http://schemas.microsoft.com/office/drawing/2014/main" xmlns="" id="{E3C6AA7C-A51C-409F-8443-DEE8DB09ED96}"/>
               </a:ext>
             </a:extLst>
           </p:cNvPr>
@@ -6327,7 +6327,7 @@
           <p:cNvPr id="247" name="TextBox 246">
             <a:extLst>
               <a:ext uri="{FF2B5EF4-FFF2-40B4-BE49-F238E27FC236}">
-                <a16:creationId xmlns:a16="http://schemas.microsoft.com/office/drawing/2014/main" id="{6F7C78F4-57DE-4922-BCA2-F73FBC9037A1}"/>
+                <a16:creationId xmlns:a16="http://schemas.microsoft.com/office/drawing/2014/main" xmlns="" id="{6F7C78F4-57DE-4922-BCA2-F73FBC9037A1}"/>
               </a:ext>
             </a:extLst>
           </p:cNvPr>
@@ -6365,7 +6365,7 @@
           <p:cNvPr id="248" name="TextBox 247">
             <a:extLst>
               <a:ext uri="{FF2B5EF4-FFF2-40B4-BE49-F238E27FC236}">
-                <a16:creationId xmlns:a16="http://schemas.microsoft.com/office/drawing/2014/main" id="{1C589EC7-708F-4E84-9D35-075FCD05D8D7}"/>
+                <a16:creationId xmlns:a16="http://schemas.microsoft.com/office/drawing/2014/main" xmlns="" id="{1C589EC7-708F-4E84-9D35-075FCD05D8D7}"/>
               </a:ext>
             </a:extLst>
           </p:cNvPr>
@@ -6403,7 +6403,7 @@
           <p:cNvPr id="249" name="Picture 2">
             <a:extLst>
               <a:ext uri="{FF2B5EF4-FFF2-40B4-BE49-F238E27FC236}">
-                <a16:creationId xmlns:a16="http://schemas.microsoft.com/office/drawing/2014/main" id="{812A903D-B283-4E18-85F9-1CD97AC81355}"/>
+                <a16:creationId xmlns:a16="http://schemas.microsoft.com/office/drawing/2014/main" xmlns="" id="{812A903D-B283-4E18-85F9-1CD97AC81355}"/>
               </a:ext>
             </a:extLst>
           </p:cNvPr>
@@ -6471,7 +6471,7 @@
           <p:cNvPr id="250" name="TextBox 249">
             <a:extLst>
               <a:ext uri="{FF2B5EF4-FFF2-40B4-BE49-F238E27FC236}">
-                <a16:creationId xmlns:a16="http://schemas.microsoft.com/office/drawing/2014/main" id="{C0E944C1-B966-4CBE-944C-0AB1860B2F52}"/>
+                <a16:creationId xmlns:a16="http://schemas.microsoft.com/office/drawing/2014/main" xmlns="" id="{C0E944C1-B966-4CBE-944C-0AB1860B2F52}"/>
               </a:ext>
             </a:extLst>
           </p:cNvPr>
@@ -6509,7 +6509,7 @@
           <p:cNvPr id="252" name="TextBox 251">
             <a:extLst>
               <a:ext uri="{FF2B5EF4-FFF2-40B4-BE49-F238E27FC236}">
-                <a16:creationId xmlns:a16="http://schemas.microsoft.com/office/drawing/2014/main" id="{34293B3C-1D0E-43DE-B9A3-DB1BFF7F9E88}"/>
+                <a16:creationId xmlns:a16="http://schemas.microsoft.com/office/drawing/2014/main" xmlns="" id="{34293B3C-1D0E-43DE-B9A3-DB1BFF7F9E88}"/>
               </a:ext>
             </a:extLst>
           </p:cNvPr>
@@ -6547,7 +6547,7 @@
           <p:cNvPr id="253" name="TextBox 252">
             <a:extLst>
               <a:ext uri="{FF2B5EF4-FFF2-40B4-BE49-F238E27FC236}">
-                <a16:creationId xmlns:a16="http://schemas.microsoft.com/office/drawing/2014/main" id="{2F52A88C-F86C-43CC-84ED-28771E182B95}"/>
+                <a16:creationId xmlns:a16="http://schemas.microsoft.com/office/drawing/2014/main" xmlns="" id="{2F52A88C-F86C-43CC-84ED-28771E182B95}"/>
               </a:ext>
             </a:extLst>
           </p:cNvPr>
@@ -6585,7 +6585,7 @@
           <p:cNvPr id="254" name="TextBox 253">
             <a:extLst>
               <a:ext uri="{FF2B5EF4-FFF2-40B4-BE49-F238E27FC236}">
-                <a16:creationId xmlns:a16="http://schemas.microsoft.com/office/drawing/2014/main" id="{AA840072-02EA-4213-91FD-E10F7E49411E}"/>
+                <a16:creationId xmlns:a16="http://schemas.microsoft.com/office/drawing/2014/main" xmlns="" id="{AA840072-02EA-4213-91FD-E10F7E49411E}"/>
               </a:ext>
             </a:extLst>
           </p:cNvPr>
@@ -6623,7 +6623,7 @@
           <p:cNvPr id="255" name="TextBox 254">
             <a:extLst>
               <a:ext uri="{FF2B5EF4-FFF2-40B4-BE49-F238E27FC236}">
-                <a16:creationId xmlns:a16="http://schemas.microsoft.com/office/drawing/2014/main" id="{CBDFCE15-E045-4BBF-9043-8C68B43E17DA}"/>
+                <a16:creationId xmlns:a16="http://schemas.microsoft.com/office/drawing/2014/main" xmlns="" id="{CBDFCE15-E045-4BBF-9043-8C68B43E17DA}"/>
               </a:ext>
             </a:extLst>
           </p:cNvPr>
@@ -6661,7 +6661,7 @@
           <p:cNvPr id="256" name="TextBox 255">
             <a:extLst>
               <a:ext uri="{FF2B5EF4-FFF2-40B4-BE49-F238E27FC236}">
-                <a16:creationId xmlns:a16="http://schemas.microsoft.com/office/drawing/2014/main" id="{014F44A1-3196-4FDB-ADA4-2536BC18E811}"/>
+                <a16:creationId xmlns:a16="http://schemas.microsoft.com/office/drawing/2014/main" xmlns="" id="{014F44A1-3196-4FDB-ADA4-2536BC18E811}"/>
               </a:ext>
             </a:extLst>
           </p:cNvPr>
@@ -6699,7 +6699,7 @@
           <p:cNvPr id="257" name="TextBox 256">
             <a:extLst>
               <a:ext uri="{FF2B5EF4-FFF2-40B4-BE49-F238E27FC236}">
-                <a16:creationId xmlns:a16="http://schemas.microsoft.com/office/drawing/2014/main" id="{9AA13090-0A98-4F97-84EB-6C32C0DEB4C7}"/>
+                <a16:creationId xmlns:a16="http://schemas.microsoft.com/office/drawing/2014/main" xmlns="" id="{9AA13090-0A98-4F97-84EB-6C32C0DEB4C7}"/>
               </a:ext>
             </a:extLst>
           </p:cNvPr>
@@ -6737,7 +6737,7 @@
           <p:cNvPr id="258" name="TextBox 257">
             <a:extLst>
               <a:ext uri="{FF2B5EF4-FFF2-40B4-BE49-F238E27FC236}">
-                <a16:creationId xmlns:a16="http://schemas.microsoft.com/office/drawing/2014/main" id="{FFFEE946-1395-48D7-814B-5D770A359A43}"/>
+                <a16:creationId xmlns:a16="http://schemas.microsoft.com/office/drawing/2014/main" xmlns="" id="{FFFEE946-1395-48D7-814B-5D770A359A43}"/>
               </a:ext>
             </a:extLst>
           </p:cNvPr>
@@ -6775,7 +6775,7 @@
           <p:cNvPr id="259" name="TextBox 258">
             <a:extLst>
               <a:ext uri="{FF2B5EF4-FFF2-40B4-BE49-F238E27FC236}">
-                <a16:creationId xmlns:a16="http://schemas.microsoft.com/office/drawing/2014/main" id="{87F82982-908E-4806-AD36-E32975CAAEC3}"/>
+                <a16:creationId xmlns:a16="http://schemas.microsoft.com/office/drawing/2014/main" xmlns="" id="{87F82982-908E-4806-AD36-E32975CAAEC3}"/>
               </a:ext>
             </a:extLst>
           </p:cNvPr>
@@ -6813,7 +6813,7 @@
           <p:cNvPr id="260" name="TextBox 259">
             <a:extLst>
               <a:ext uri="{FF2B5EF4-FFF2-40B4-BE49-F238E27FC236}">
-                <a16:creationId xmlns:a16="http://schemas.microsoft.com/office/drawing/2014/main" id="{18E7C861-E5C7-49FE-83C0-F2DE1EBC4DB0}"/>
+                <a16:creationId xmlns:a16="http://schemas.microsoft.com/office/drawing/2014/main" xmlns="" id="{18E7C861-E5C7-49FE-83C0-F2DE1EBC4DB0}"/>
               </a:ext>
             </a:extLst>
           </p:cNvPr>
@@ -6851,7 +6851,7 @@
           <p:cNvPr id="251" name="TextBox 250">
             <a:extLst>
               <a:ext uri="{FF2B5EF4-FFF2-40B4-BE49-F238E27FC236}">
-                <a16:creationId xmlns:a16="http://schemas.microsoft.com/office/drawing/2014/main" id="{95C2B872-1D25-4FB0-B13F-26BB87098249}"/>
+                <a16:creationId xmlns:a16="http://schemas.microsoft.com/office/drawing/2014/main" xmlns="" id="{95C2B872-1D25-4FB0-B13F-26BB87098249}"/>
               </a:ext>
             </a:extLst>
           </p:cNvPr>
@@ -6892,7 +6892,7 @@
           <p:cNvPr id="262" name="직선 화살표 연결선 261">
             <a:extLst>
               <a:ext uri="{FF2B5EF4-FFF2-40B4-BE49-F238E27FC236}">
-                <a16:creationId xmlns:a16="http://schemas.microsoft.com/office/drawing/2014/main" id="{293D7FFE-2FD4-447D-AFB4-A42DCDEDA86A}"/>
+                <a16:creationId xmlns:a16="http://schemas.microsoft.com/office/drawing/2014/main" xmlns="" id="{293D7FFE-2FD4-447D-AFB4-A42DCDEDA86A}"/>
               </a:ext>
             </a:extLst>
           </p:cNvPr>
@@ -6934,7 +6934,7 @@
           <p:cNvPr id="263" name="직선 화살표 연결선 262">
             <a:extLst>
               <a:ext uri="{FF2B5EF4-FFF2-40B4-BE49-F238E27FC236}">
-                <a16:creationId xmlns:a16="http://schemas.microsoft.com/office/drawing/2014/main" id="{80FE6AAE-DCB0-42A2-8846-43B0BADE6844}"/>
+                <a16:creationId xmlns:a16="http://schemas.microsoft.com/office/drawing/2014/main" xmlns="" id="{80FE6AAE-DCB0-42A2-8846-43B0BADE6844}"/>
               </a:ext>
             </a:extLst>
           </p:cNvPr>
@@ -6976,7 +6976,7 @@
           <p:cNvPr id="264" name="TextBox 263">
             <a:extLst>
               <a:ext uri="{FF2B5EF4-FFF2-40B4-BE49-F238E27FC236}">
-                <a16:creationId xmlns:a16="http://schemas.microsoft.com/office/drawing/2014/main" id="{98C36D25-6E13-45CB-98E3-0F6E2E353401}"/>
+                <a16:creationId xmlns:a16="http://schemas.microsoft.com/office/drawing/2014/main" xmlns="" id="{98C36D25-6E13-45CB-98E3-0F6E2E353401}"/>
               </a:ext>
             </a:extLst>
           </p:cNvPr>
@@ -7028,7 +7028,7 @@
               <p:cNvPr id="272" name="TextBox 271">
                 <a:extLst>
                   <a:ext uri="{FF2B5EF4-FFF2-40B4-BE49-F238E27FC236}">
-                    <a16:creationId xmlns:a16="http://schemas.microsoft.com/office/drawing/2014/main" id="{AF1F9706-3E77-4F4B-BE53-68B099D66F93}"/>
+                    <a16:creationId xmlns:a16="http://schemas.microsoft.com/office/drawing/2014/main" xmlns="" id="{AF1F9706-3E77-4F4B-BE53-68B099D66F93}"/>
                   </a:ext>
                 </a:extLst>
               </p:cNvPr>
@@ -7062,7 +7062,7 @@
                         <m:sSubPr>
                           <m:ctrlPr>
                             <a:rPr lang="en-US" altLang="ko-KR" sz="1100" b="0" i="1" smtClean="0">
-                              <a:latin typeface="Cambria Math" panose="02040503050406030204" pitchFamily="18" charset="0"/>
+                              <a:latin typeface="Cambria Math"/>
                               <a:ea typeface="배달의민족 주아" panose="02020603020101020101" pitchFamily="18" charset="-127"/>
                             </a:rPr>
                           </m:ctrlPr>
@@ -7149,7 +7149,7 @@
               <p:cNvPr id="273" name="TextBox 272">
                 <a:extLst>
                   <a:ext uri="{FF2B5EF4-FFF2-40B4-BE49-F238E27FC236}">
-                    <a16:creationId xmlns:a16="http://schemas.microsoft.com/office/drawing/2014/main" id="{A071915E-12B4-46CF-AF39-FC7AA714C9DF}"/>
+                    <a16:creationId xmlns:a16="http://schemas.microsoft.com/office/drawing/2014/main" xmlns="" id="{A071915E-12B4-46CF-AF39-FC7AA714C9DF}"/>
                   </a:ext>
                 </a:extLst>
               </p:cNvPr>
@@ -7183,7 +7183,7 @@
                         <m:sSubPr>
                           <m:ctrlPr>
                             <a:rPr lang="en-US" altLang="ko-KR" sz="1100" b="0" i="1" smtClean="0">
-                              <a:latin typeface="Cambria Math" panose="02040503050406030204" pitchFamily="18" charset="0"/>
+                              <a:latin typeface="Cambria Math"/>
                               <a:ea typeface="배달의민족 주아" panose="02020603020101020101" pitchFamily="18" charset="-127"/>
                             </a:rPr>
                           </m:ctrlPr>
@@ -7268,7 +7268,7 @@
           <p:cNvPr id="275" name="직선 연결선 274">
             <a:extLst>
               <a:ext uri="{FF2B5EF4-FFF2-40B4-BE49-F238E27FC236}">
-                <a16:creationId xmlns:a16="http://schemas.microsoft.com/office/drawing/2014/main" id="{E9CC54E8-AACB-4B07-ABA9-4CBB4B58EEC7}"/>
+                <a16:creationId xmlns:a16="http://schemas.microsoft.com/office/drawing/2014/main" xmlns="" id="{E9CC54E8-AACB-4B07-ABA9-4CBB4B58EEC7}"/>
               </a:ext>
             </a:extLst>
           </p:cNvPr>
@@ -7309,7 +7309,7 @@
           <p:cNvPr id="276" name="직선 연결선 275">
             <a:extLst>
               <a:ext uri="{FF2B5EF4-FFF2-40B4-BE49-F238E27FC236}">
-                <a16:creationId xmlns:a16="http://schemas.microsoft.com/office/drawing/2014/main" id="{65104A84-9903-400D-BD12-CCE95C038A07}"/>
+                <a16:creationId xmlns:a16="http://schemas.microsoft.com/office/drawing/2014/main" xmlns="" id="{65104A84-9903-400D-BD12-CCE95C038A07}"/>
               </a:ext>
             </a:extLst>
           </p:cNvPr>
@@ -7352,7 +7352,7 @@
               <p:cNvPr id="277" name="TextBox 276">
                 <a:extLst>
                   <a:ext uri="{FF2B5EF4-FFF2-40B4-BE49-F238E27FC236}">
-                    <a16:creationId xmlns:a16="http://schemas.microsoft.com/office/drawing/2014/main" id="{A1E5A455-E0F6-4651-A91D-841D94EE051B}"/>
+                    <a16:creationId xmlns:a16="http://schemas.microsoft.com/office/drawing/2014/main" xmlns="" id="{A1E5A455-E0F6-4651-A91D-841D94EE051B}"/>
                   </a:ext>
                 </a:extLst>
               </p:cNvPr>
@@ -7386,7 +7386,7 @@
                         <m:sSubPr>
                           <m:ctrlPr>
                             <a:rPr lang="en-US" altLang="ko-KR" sz="1100" b="0" i="1" smtClean="0">
-                              <a:latin typeface="Cambria Math" panose="02040503050406030204" pitchFamily="18" charset="0"/>
+                              <a:latin typeface="Cambria Math"/>
                               <a:ea typeface="배달의민족 주아" panose="02020603020101020101" pitchFamily="18" charset="-127"/>
                             </a:rPr>
                           </m:ctrlPr>
@@ -7473,7 +7473,7 @@
               <p:cNvPr id="278" name="TextBox 277">
                 <a:extLst>
                   <a:ext uri="{FF2B5EF4-FFF2-40B4-BE49-F238E27FC236}">
-                    <a16:creationId xmlns:a16="http://schemas.microsoft.com/office/drawing/2014/main" id="{C2D3C570-F39A-4EE0-A2FF-432740D5E111}"/>
+                    <a16:creationId xmlns:a16="http://schemas.microsoft.com/office/drawing/2014/main" xmlns="" id="{C2D3C570-F39A-4EE0-A2FF-432740D5E111}"/>
                   </a:ext>
                 </a:extLst>
               </p:cNvPr>
@@ -7507,7 +7507,7 @@
                         <m:sSubPr>
                           <m:ctrlPr>
                             <a:rPr lang="en-US" altLang="ko-KR" sz="1100" b="0" i="1" smtClean="0">
-                              <a:latin typeface="Cambria Math" panose="02040503050406030204" pitchFamily="18" charset="0"/>
+                              <a:latin typeface="Cambria Math"/>
                               <a:ea typeface="배달의민족 주아" panose="02020603020101020101" pitchFamily="18" charset="-127"/>
                             </a:rPr>
                           </m:ctrlPr>
@@ -7592,7 +7592,7 @@
           <p:cNvPr id="279" name="직선 연결선 278">
             <a:extLst>
               <a:ext uri="{FF2B5EF4-FFF2-40B4-BE49-F238E27FC236}">
-                <a16:creationId xmlns:a16="http://schemas.microsoft.com/office/drawing/2014/main" id="{3C39A6C8-3EB9-4206-AA9F-F8696F2A6E67}"/>
+                <a16:creationId xmlns:a16="http://schemas.microsoft.com/office/drawing/2014/main" xmlns="" id="{3C39A6C8-3EB9-4206-AA9F-F8696F2A6E67}"/>
               </a:ext>
             </a:extLst>
           </p:cNvPr>
@@ -7633,7 +7633,7 @@
           <p:cNvPr id="280" name="직선 연결선 279">
             <a:extLst>
               <a:ext uri="{FF2B5EF4-FFF2-40B4-BE49-F238E27FC236}">
-                <a16:creationId xmlns:a16="http://schemas.microsoft.com/office/drawing/2014/main" id="{37EAF852-2521-434C-854E-0B41B0C5316F}"/>
+                <a16:creationId xmlns:a16="http://schemas.microsoft.com/office/drawing/2014/main" xmlns="" id="{37EAF852-2521-434C-854E-0B41B0C5316F}"/>
               </a:ext>
             </a:extLst>
           </p:cNvPr>
@@ -7674,7 +7674,7 @@
           <p:cNvPr id="281" name="TextBox 280">
             <a:extLst>
               <a:ext uri="{FF2B5EF4-FFF2-40B4-BE49-F238E27FC236}">
-                <a16:creationId xmlns:a16="http://schemas.microsoft.com/office/drawing/2014/main" id="{880D2BBC-DEB9-41E1-91BF-1C27BC894C85}"/>
+                <a16:creationId xmlns:a16="http://schemas.microsoft.com/office/drawing/2014/main" xmlns="" id="{880D2BBC-DEB9-41E1-91BF-1C27BC894C85}"/>
               </a:ext>
             </a:extLst>
           </p:cNvPr>
@@ -7724,7 +7724,7 @@
           <p:cNvPr id="283" name="Picture 2">
             <a:extLst>
               <a:ext uri="{FF2B5EF4-FFF2-40B4-BE49-F238E27FC236}">
-                <a16:creationId xmlns:a16="http://schemas.microsoft.com/office/drawing/2014/main" id="{9D2BE860-D728-4E25-84C2-509E503FF7F8}"/>
+                <a16:creationId xmlns:a16="http://schemas.microsoft.com/office/drawing/2014/main" xmlns="" id="{9D2BE860-D728-4E25-84C2-509E503FF7F8}"/>
               </a:ext>
             </a:extLst>
           </p:cNvPr>
@@ -7792,7 +7792,7 @@
           <p:cNvPr id="284" name="TextBox 283">
             <a:extLst>
               <a:ext uri="{FF2B5EF4-FFF2-40B4-BE49-F238E27FC236}">
-                <a16:creationId xmlns:a16="http://schemas.microsoft.com/office/drawing/2014/main" id="{92E250B9-669F-4EDB-8B31-68D2D8E3D79D}"/>
+                <a16:creationId xmlns:a16="http://schemas.microsoft.com/office/drawing/2014/main" xmlns="" id="{92E250B9-669F-4EDB-8B31-68D2D8E3D79D}"/>
               </a:ext>
             </a:extLst>
           </p:cNvPr>
@@ -7834,7 +7834,7 @@
           <p:cNvPr id="285" name="TextBox 284">
             <a:extLst>
               <a:ext uri="{FF2B5EF4-FFF2-40B4-BE49-F238E27FC236}">
-                <a16:creationId xmlns:a16="http://schemas.microsoft.com/office/drawing/2014/main" id="{B3169739-2FFE-47C7-AF1D-9A7ACBFC4860}"/>
+                <a16:creationId xmlns:a16="http://schemas.microsoft.com/office/drawing/2014/main" xmlns="" id="{B3169739-2FFE-47C7-AF1D-9A7ACBFC4860}"/>
               </a:ext>
             </a:extLst>
           </p:cNvPr>
@@ -7875,7 +7875,7 @@
           <p:cNvPr id="286" name="TextBox 285">
             <a:extLst>
               <a:ext uri="{FF2B5EF4-FFF2-40B4-BE49-F238E27FC236}">
-                <a16:creationId xmlns:a16="http://schemas.microsoft.com/office/drawing/2014/main" id="{5E117062-419C-45D1-BE07-4D22F1E66049}"/>
+                <a16:creationId xmlns:a16="http://schemas.microsoft.com/office/drawing/2014/main" xmlns="" id="{5E117062-419C-45D1-BE07-4D22F1E66049}"/>
               </a:ext>
             </a:extLst>
           </p:cNvPr>
@@ -7913,7 +7913,7 @@
           <p:cNvPr id="287" name="TextBox 286">
             <a:extLst>
               <a:ext uri="{FF2B5EF4-FFF2-40B4-BE49-F238E27FC236}">
-                <a16:creationId xmlns:a16="http://schemas.microsoft.com/office/drawing/2014/main" id="{B73EC6F2-E012-48E6-9463-1CD797BE35B0}"/>
+                <a16:creationId xmlns:a16="http://schemas.microsoft.com/office/drawing/2014/main" xmlns="" id="{B73EC6F2-E012-48E6-9463-1CD797BE35B0}"/>
               </a:ext>
             </a:extLst>
           </p:cNvPr>
@@ -7951,7 +7951,7 @@
           <p:cNvPr id="288" name="TextBox 287">
             <a:extLst>
               <a:ext uri="{FF2B5EF4-FFF2-40B4-BE49-F238E27FC236}">
-                <a16:creationId xmlns:a16="http://schemas.microsoft.com/office/drawing/2014/main" id="{E81D15DE-E262-437D-B3E0-B0D7B19F1DBF}"/>
+                <a16:creationId xmlns:a16="http://schemas.microsoft.com/office/drawing/2014/main" xmlns="" id="{E81D15DE-E262-437D-B3E0-B0D7B19F1DBF}"/>
               </a:ext>
             </a:extLst>
           </p:cNvPr>
@@ -7989,7 +7989,7 @@
           <p:cNvPr id="289" name="TextBox 288">
             <a:extLst>
               <a:ext uri="{FF2B5EF4-FFF2-40B4-BE49-F238E27FC236}">
-                <a16:creationId xmlns:a16="http://schemas.microsoft.com/office/drawing/2014/main" id="{A76069F2-2AA8-46DF-BFF0-0961CC4014DC}"/>
+                <a16:creationId xmlns:a16="http://schemas.microsoft.com/office/drawing/2014/main" xmlns="" id="{A76069F2-2AA8-46DF-BFF0-0961CC4014DC}"/>
               </a:ext>
             </a:extLst>
           </p:cNvPr>
@@ -8031,7 +8031,7 @@
           <p:cNvPr id="290" name="TextBox 289">
             <a:extLst>
               <a:ext uri="{FF2B5EF4-FFF2-40B4-BE49-F238E27FC236}">
-                <a16:creationId xmlns:a16="http://schemas.microsoft.com/office/drawing/2014/main" id="{72198AC0-3FD1-43E0-A4BC-C6C9287625F6}"/>
+                <a16:creationId xmlns:a16="http://schemas.microsoft.com/office/drawing/2014/main" xmlns="" id="{72198AC0-3FD1-43E0-A4BC-C6C9287625F6}"/>
               </a:ext>
             </a:extLst>
           </p:cNvPr>
@@ -8073,7 +8073,7 @@
           <p:cNvPr id="291" name="TextBox 290">
             <a:extLst>
               <a:ext uri="{FF2B5EF4-FFF2-40B4-BE49-F238E27FC236}">
-                <a16:creationId xmlns:a16="http://schemas.microsoft.com/office/drawing/2014/main" id="{8D2E9371-3674-4100-8732-293F89C28E78}"/>
+                <a16:creationId xmlns:a16="http://schemas.microsoft.com/office/drawing/2014/main" xmlns="" id="{8D2E9371-3674-4100-8732-293F89C28E78}"/>
               </a:ext>
             </a:extLst>
           </p:cNvPr>
@@ -8115,7 +8115,7 @@
           <p:cNvPr id="292" name="TextBox 291">
             <a:extLst>
               <a:ext uri="{FF2B5EF4-FFF2-40B4-BE49-F238E27FC236}">
-                <a16:creationId xmlns:a16="http://schemas.microsoft.com/office/drawing/2014/main" id="{540FCDD8-CBAD-4CF8-9819-6EE0D7C3F4B3}"/>
+                <a16:creationId xmlns:a16="http://schemas.microsoft.com/office/drawing/2014/main" xmlns="" id="{540FCDD8-CBAD-4CF8-9819-6EE0D7C3F4B3}"/>
               </a:ext>
             </a:extLst>
           </p:cNvPr>
@@ -8153,7 +8153,7 @@
           <p:cNvPr id="293" name="TextBox 292">
             <a:extLst>
               <a:ext uri="{FF2B5EF4-FFF2-40B4-BE49-F238E27FC236}">
-                <a16:creationId xmlns:a16="http://schemas.microsoft.com/office/drawing/2014/main" id="{CF9F4CC8-9D2B-44FA-BDA4-6B5077C585D5}"/>
+                <a16:creationId xmlns:a16="http://schemas.microsoft.com/office/drawing/2014/main" xmlns="" id="{CF9F4CC8-9D2B-44FA-BDA4-6B5077C585D5}"/>
               </a:ext>
             </a:extLst>
           </p:cNvPr>
@@ -8195,7 +8195,7 @@
           <p:cNvPr id="294" name="TextBox 293">
             <a:extLst>
               <a:ext uri="{FF2B5EF4-FFF2-40B4-BE49-F238E27FC236}">
-                <a16:creationId xmlns:a16="http://schemas.microsoft.com/office/drawing/2014/main" id="{AD49A766-A6EA-4353-AB45-975873E42F82}"/>
+                <a16:creationId xmlns:a16="http://schemas.microsoft.com/office/drawing/2014/main" xmlns="" id="{AD49A766-A6EA-4353-AB45-975873E42F82}"/>
               </a:ext>
             </a:extLst>
           </p:cNvPr>
@@ -8233,7 +8233,7 @@
           <p:cNvPr id="307" name="직선 화살표 연결선 306">
             <a:extLst>
               <a:ext uri="{FF2B5EF4-FFF2-40B4-BE49-F238E27FC236}">
-                <a16:creationId xmlns:a16="http://schemas.microsoft.com/office/drawing/2014/main" id="{E3CE114E-EAEC-4F51-8632-081CFAC05A3E}"/>
+                <a16:creationId xmlns:a16="http://schemas.microsoft.com/office/drawing/2014/main" xmlns="" id="{E3CE114E-EAEC-4F51-8632-081CFAC05A3E}"/>
               </a:ext>
             </a:extLst>
           </p:cNvPr>
@@ -8275,7 +8275,7 @@
           <p:cNvPr id="308" name="TextBox 307">
             <a:extLst>
               <a:ext uri="{FF2B5EF4-FFF2-40B4-BE49-F238E27FC236}">
-                <a16:creationId xmlns:a16="http://schemas.microsoft.com/office/drawing/2014/main" id="{C8A56B62-AD47-4C53-927A-1C19B2E5C4B4}"/>
+                <a16:creationId xmlns:a16="http://schemas.microsoft.com/office/drawing/2014/main" xmlns="" id="{C8A56B62-AD47-4C53-927A-1C19B2E5C4B4}"/>
               </a:ext>
             </a:extLst>
           </p:cNvPr>
@@ -8316,7 +8316,7 @@
               <p:cNvPr id="309" name="TextBox 308">
                 <a:extLst>
                   <a:ext uri="{FF2B5EF4-FFF2-40B4-BE49-F238E27FC236}">
-                    <a16:creationId xmlns:a16="http://schemas.microsoft.com/office/drawing/2014/main" id="{9337CEF2-7062-4C91-BF6E-882B475E8F53}"/>
+                    <a16:creationId xmlns:a16="http://schemas.microsoft.com/office/drawing/2014/main" xmlns="" id="{9337CEF2-7062-4C91-BF6E-882B475E8F53}"/>
                   </a:ext>
                 </a:extLst>
               </p:cNvPr>
@@ -8350,7 +8350,7 @@
                         <m:sSubPr>
                           <m:ctrlPr>
                             <a:rPr lang="en-US" altLang="ko-KR" sz="1100" b="0" i="1" smtClean="0">
-                              <a:latin typeface="Cambria Math" panose="02040503050406030204" pitchFamily="18" charset="0"/>
+                              <a:latin typeface="Cambria Math"/>
                               <a:ea typeface="배달의민족 주아" panose="02020603020101020101" pitchFamily="18" charset="-127"/>
                             </a:rPr>
                           </m:ctrlPr>
@@ -8385,7 +8385,7 @@
                         <m:sSubPr>
                           <m:ctrlPr>
                             <a:rPr lang="en-US" altLang="ko-KR" sz="1100" b="0" i="1" smtClean="0">
-                              <a:latin typeface="Cambria Math" panose="02040503050406030204" pitchFamily="18" charset="0"/>
+                              <a:latin typeface="Cambria Math"/>
                               <a:ea typeface="배달의민족 주아" panose="02020603020101020101" pitchFamily="18" charset="-127"/>
                             </a:rPr>
                           </m:ctrlPr>
@@ -8470,7 +8470,7 @@
           <p:cNvPr id="311" name="직선 연결선 310">
             <a:extLst>
               <a:ext uri="{FF2B5EF4-FFF2-40B4-BE49-F238E27FC236}">
-                <a16:creationId xmlns:a16="http://schemas.microsoft.com/office/drawing/2014/main" id="{64F31221-F29A-48D8-9E15-5153CCF0EA76}"/>
+                <a16:creationId xmlns:a16="http://schemas.microsoft.com/office/drawing/2014/main" xmlns="" id="{64F31221-F29A-48D8-9E15-5153CCF0EA76}"/>
               </a:ext>
             </a:extLst>
           </p:cNvPr>
@@ -8511,7 +8511,7 @@
           <p:cNvPr id="315" name="TextBox 314">
             <a:extLst>
               <a:ext uri="{FF2B5EF4-FFF2-40B4-BE49-F238E27FC236}">
-                <a16:creationId xmlns:a16="http://schemas.microsoft.com/office/drawing/2014/main" id="{0AD0D108-71BF-432F-A08E-E8F5A946EC86}"/>
+                <a16:creationId xmlns:a16="http://schemas.microsoft.com/office/drawing/2014/main" xmlns="" id="{0AD0D108-71BF-432F-A08E-E8F5A946EC86}"/>
               </a:ext>
             </a:extLst>
           </p:cNvPr>
@@ -8549,7 +8549,7 @@
           <p:cNvPr id="316" name="TextBox 315">
             <a:extLst>
               <a:ext uri="{FF2B5EF4-FFF2-40B4-BE49-F238E27FC236}">
-                <a16:creationId xmlns:a16="http://schemas.microsoft.com/office/drawing/2014/main" id="{BA2BF029-2A8D-4892-B1FC-8BA6DEDC5F57}"/>
+                <a16:creationId xmlns:a16="http://schemas.microsoft.com/office/drawing/2014/main" xmlns="" id="{BA2BF029-2A8D-4892-B1FC-8BA6DEDC5F57}"/>
               </a:ext>
             </a:extLst>
           </p:cNvPr>
@@ -8587,7 +8587,7 @@
           <p:cNvPr id="317" name="TextBox 316">
             <a:extLst>
               <a:ext uri="{FF2B5EF4-FFF2-40B4-BE49-F238E27FC236}">
-                <a16:creationId xmlns:a16="http://schemas.microsoft.com/office/drawing/2014/main" id="{10794DF8-03D8-4954-BD8F-AB94DDB4DDD9}"/>
+                <a16:creationId xmlns:a16="http://schemas.microsoft.com/office/drawing/2014/main" xmlns="" id="{10794DF8-03D8-4954-BD8F-AB94DDB4DDD9}"/>
               </a:ext>
             </a:extLst>
           </p:cNvPr>
@@ -8633,7 +8633,7 @@
           <p:cNvPr id="318" name="TextBox 317">
             <a:extLst>
               <a:ext uri="{FF2B5EF4-FFF2-40B4-BE49-F238E27FC236}">
-                <a16:creationId xmlns:a16="http://schemas.microsoft.com/office/drawing/2014/main" id="{5295F85A-D50A-4018-9CEE-F88126D16B59}"/>
+                <a16:creationId xmlns:a16="http://schemas.microsoft.com/office/drawing/2014/main" xmlns="" id="{5295F85A-D50A-4018-9CEE-F88126D16B59}"/>
               </a:ext>
             </a:extLst>
           </p:cNvPr>
@@ -8676,7 +8676,7 @@
           <p:cNvPr id="319" name="TextBox 318">
             <a:extLst>
               <a:ext uri="{FF2B5EF4-FFF2-40B4-BE49-F238E27FC236}">
-                <a16:creationId xmlns:a16="http://schemas.microsoft.com/office/drawing/2014/main" id="{E8386D3A-F1C6-488E-8033-B7A3940F21C5}"/>
+                <a16:creationId xmlns:a16="http://schemas.microsoft.com/office/drawing/2014/main" xmlns="" id="{E8386D3A-F1C6-488E-8033-B7A3940F21C5}"/>
               </a:ext>
             </a:extLst>
           </p:cNvPr>
@@ -8719,7 +8719,7 @@
           <p:cNvPr id="329" name="그림 328">
             <a:extLst>
               <a:ext uri="{FF2B5EF4-FFF2-40B4-BE49-F238E27FC236}">
-                <a16:creationId xmlns:a16="http://schemas.microsoft.com/office/drawing/2014/main" id="{F9875368-482F-4290-8CA0-683E3D74D00C}"/>
+                <a16:creationId xmlns:a16="http://schemas.microsoft.com/office/drawing/2014/main" xmlns="" id="{F9875368-482F-4290-8CA0-683E3D74D00C}"/>
               </a:ext>
             </a:extLst>
           </p:cNvPr>
@@ -8777,7 +8777,7 @@
           <p:cNvPr id="330" name="TextBox 329">
             <a:extLst>
               <a:ext uri="{FF2B5EF4-FFF2-40B4-BE49-F238E27FC236}">
-                <a16:creationId xmlns:a16="http://schemas.microsoft.com/office/drawing/2014/main" id="{2126F626-11BC-4D72-BCC9-B61FEFE0D163}"/>
+                <a16:creationId xmlns:a16="http://schemas.microsoft.com/office/drawing/2014/main" xmlns="" id="{2126F626-11BC-4D72-BCC9-B61FEFE0D163}"/>
               </a:ext>
             </a:extLst>
           </p:cNvPr>
@@ -8830,7 +8830,7 @@
           <p:cNvPr id="331" name="그림 330">
             <a:extLst>
               <a:ext uri="{FF2B5EF4-FFF2-40B4-BE49-F238E27FC236}">
-                <a16:creationId xmlns:a16="http://schemas.microsoft.com/office/drawing/2014/main" id="{963C65DE-6388-45DC-A85A-E9C35564C335}"/>
+                <a16:creationId xmlns:a16="http://schemas.microsoft.com/office/drawing/2014/main" xmlns="" id="{963C65DE-6388-45DC-A85A-E9C35564C335}"/>
               </a:ext>
             </a:extLst>
           </p:cNvPr>
@@ -8888,7 +8888,7 @@
           <p:cNvPr id="332" name="TextBox 331">
             <a:extLst>
               <a:ext uri="{FF2B5EF4-FFF2-40B4-BE49-F238E27FC236}">
-                <a16:creationId xmlns:a16="http://schemas.microsoft.com/office/drawing/2014/main" id="{EBBC07F5-11A0-4B67-9E12-944EF60BCC0F}"/>
+                <a16:creationId xmlns:a16="http://schemas.microsoft.com/office/drawing/2014/main" xmlns="" id="{EBBC07F5-11A0-4B67-9E12-944EF60BCC0F}"/>
               </a:ext>
             </a:extLst>
           </p:cNvPr>
@@ -8971,7 +8971,7 @@
           <p:cNvPr id="5" name="그림 4">
             <a:extLst>
               <a:ext uri="{FF2B5EF4-FFF2-40B4-BE49-F238E27FC236}">
-                <a16:creationId xmlns:a16="http://schemas.microsoft.com/office/drawing/2014/main" id="{177245CC-9F28-4F8F-BDD7-FF635F76591E}"/>
+                <a16:creationId xmlns:a16="http://schemas.microsoft.com/office/drawing/2014/main" xmlns="" id="{177245CC-9F28-4F8F-BDD7-FF635F76591E}"/>
               </a:ext>
             </a:extLst>
           </p:cNvPr>
@@ -9031,7 +9031,7 @@
           <p:cNvPr id="6" name="그림 5">
             <a:extLst>
               <a:ext uri="{FF2B5EF4-FFF2-40B4-BE49-F238E27FC236}">
-                <a16:creationId xmlns:a16="http://schemas.microsoft.com/office/drawing/2014/main" id="{E6454F4D-04AE-466D-9F07-EFBCB8F7B4AC}"/>
+                <a16:creationId xmlns:a16="http://schemas.microsoft.com/office/drawing/2014/main" xmlns="" id="{E6454F4D-04AE-466D-9F07-EFBCB8F7B4AC}"/>
               </a:ext>
             </a:extLst>
           </p:cNvPr>
@@ -9088,34 +9088,434 @@
       </p:grpSpPr>
       <p:pic>
         <p:nvPicPr>
-          <p:cNvPr id="6" name="그림 5">
-            <a:extLst>
-              <a:ext uri="{FF2B5EF4-FFF2-40B4-BE49-F238E27FC236}">
-                <a16:creationId xmlns:a16="http://schemas.microsoft.com/office/drawing/2014/main" id="{FD4F7EE9-ABD4-4CDC-BDFB-EAE6B3260A39}"/>
-              </a:ext>
-            </a:extLst>
-          </p:cNvPr>
+          <p:cNvPr id="14" name="Picture 2"/>
           <p:cNvPicPr>
-            <a:picLocks noChangeAspect="1"/>
+            <a:picLocks noChangeAspect="1" noChangeArrowheads="1"/>
           </p:cNvPicPr>
           <p:nvPr/>
         </p:nvPicPr>
         <p:blipFill>
-          <a:blip r:embed="rId2"/>
+          <a:blip r:embed="rId2">
+            <a:extLst>
+              <a:ext uri="{28A0092B-C50C-407E-A947-70E740481C1C}">
+                <a14:useLocalDpi xmlns:a14="http://schemas.microsoft.com/office/drawing/2010/main" val="0"/>
+              </a:ext>
+            </a:extLst>
+          </a:blip>
+          <a:srcRect/>
           <a:stretch>
             <a:fillRect/>
           </a:stretch>
         </p:blipFill>
-        <p:spPr>
-          <a:xfrm>
-            <a:off x="2195736" y="789552"/>
-            <a:ext cx="4752528" cy="3564396"/>
-          </a:xfrm>
-          <a:prstGeom prst="rect">
-            <a:avLst/>
-          </a:prstGeom>
+        <p:spPr bwMode="auto">
+          <a:xfrm>
+            <a:off x="2075489" y="784259"/>
+            <a:ext cx="4980297" cy="3732996"/>
+          </a:xfrm>
+          <a:prstGeom prst="rect">
+            <a:avLst/>
+          </a:prstGeom>
+          <a:noFill/>
+          <a:ln>
+            <a:noFill/>
+          </a:ln>
+          <a:effectLst/>
+          <a:extLst>
+            <a:ext uri="{909E8E84-426E-40DD-AFC4-6F175D3DCCD1}">
+              <a14:hiddenFill xmlns:a14="http://schemas.microsoft.com/office/drawing/2010/main">
+                <a:solidFill>
+                  <a:schemeClr val="accent1"/>
+                </a:solidFill>
+              </a14:hiddenFill>
+            </a:ext>
+            <a:ext uri="{91240B29-F687-4F45-9708-019B960494DF}">
+              <a14:hiddenLine xmlns:a14="http://schemas.microsoft.com/office/drawing/2010/main" w="9525">
+                <a:solidFill>
+                  <a:schemeClr val="tx1"/>
+                </a:solidFill>
+                <a:miter lim="800000"/>
+                <a:headEnd/>
+                <a:tailEnd/>
+              </a14:hiddenLine>
+            </a:ext>
+            <a:ext uri="{AF507438-7753-43E0-B8FC-AC1667EBCBE1}">
+              <a14:hiddenEffects xmlns:a14="http://schemas.microsoft.com/office/drawing/2010/main">
+                <a:effectLst>
+                  <a:outerShdw dist="35921" dir="2700000" algn="ctr" rotWithShape="0">
+                    <a:schemeClr val="bg2"/>
+                  </a:outerShdw>
+                </a:effectLst>
+              </a14:hiddenEffects>
+            </a:ext>
+          </a:extLst>
         </p:spPr>
       </p:pic>
+      <p:sp>
+        <p:nvSpPr>
+          <p:cNvPr id="3" name="TextBox 2">
+            <a:extLst>
+              <a:ext uri="{FF2B5EF4-FFF2-40B4-BE49-F238E27FC236}">
+                <a16:creationId xmlns:a16="http://schemas.microsoft.com/office/drawing/2014/main" xmlns="" id="{74D05EFA-CCB1-49B4-BF5F-2F1B250DEFAC}"/>
+              </a:ext>
+            </a:extLst>
+          </p:cNvPr>
+          <p:cNvSpPr txBox="1"/>
+          <p:nvPr/>
+        </p:nvSpPr>
+        <p:spPr>
+          <a:xfrm>
+            <a:off x="4590411" y="2947759"/>
+            <a:ext cx="752129" cy="523220"/>
+          </a:xfrm>
+          <a:prstGeom prst="rect">
+            <a:avLst/>
+          </a:prstGeom>
+          <a:noFill/>
+        </p:spPr>
+        <p:txBody>
+          <a:bodyPr wrap="none" rtlCol="0">
+            <a:spAutoFit/>
+          </a:bodyPr>
+          <a:lstStyle/>
+          <a:p>
+            <a:pPr algn="ctr"/>
+            <a:r>
+              <a:rPr lang="ko-KR" altLang="en-US" sz="1400" dirty="0">
+                <a:latin typeface="배달의민족 주아" panose="02020603020101020101" pitchFamily="18" charset="-127"/>
+                <a:ea typeface="배달의민족 주아" panose="02020603020101020101" pitchFamily="18" charset="-127"/>
+              </a:rPr>
+              <a:t>넓이</a:t>
+            </a:r>
+            <a:r>
+              <a:rPr lang="en-US" altLang="ko-KR" sz="1400" dirty="0">
+                <a:latin typeface="배달의민족 주아" panose="02020603020101020101" pitchFamily="18" charset="-127"/>
+                <a:ea typeface="배달의민족 주아" panose="02020603020101020101" pitchFamily="18" charset="-127"/>
+              </a:rPr>
+              <a:t>: </a:t>
+            </a:r>
+            <a:endParaRPr lang="en-US" altLang="ko-KR" sz="1400" dirty="0" smtClean="0">
+              <a:latin typeface="배달의민족 주아" panose="02020603020101020101" pitchFamily="18" charset="-127"/>
+              <a:ea typeface="배달의민족 주아" panose="02020603020101020101" pitchFamily="18" charset="-127"/>
+            </a:endParaRPr>
+          </a:p>
+          <a:p>
+            <a:pPr algn="ctr"/>
+            <a:r>
+              <a:rPr lang="en-US" altLang="ko-KR" sz="1400" dirty="0" smtClean="0">
+                <a:latin typeface="배달의민족 주아" panose="02020603020101020101" pitchFamily="18" charset="-127"/>
+                <a:ea typeface="배달의민족 주아" panose="02020603020101020101" pitchFamily="18" charset="-127"/>
+              </a:rPr>
+              <a:t>0.3296</a:t>
+            </a:r>
+            <a:endParaRPr lang="ko-KR" altLang="en-US" sz="1400" dirty="0">
+              <a:latin typeface="배달의민족 주아" panose="02020603020101020101" pitchFamily="18" charset="-127"/>
+              <a:ea typeface="배달의민족 주아" panose="02020603020101020101" pitchFamily="18" charset="-127"/>
+            </a:endParaRPr>
+          </a:p>
+        </p:txBody>
+      </p:sp>
+      <mc:AlternateContent xmlns:mc="http://schemas.openxmlformats.org/markup-compatibility/2006">
+        <mc:Choice xmlns:a14="http://schemas.microsoft.com/office/drawing/2010/main" Requires="a14">
+          <p:sp>
+            <p:nvSpPr>
+              <p:cNvPr id="8" name="TextBox 7">
+                <a:extLst>
+                  <a:ext uri="{FF2B5EF4-FFF2-40B4-BE49-F238E27FC236}">
+                    <a16:creationId xmlns:a16="http://schemas.microsoft.com/office/drawing/2014/main" xmlns="" id="{B3BEB89F-A8AF-4478-B6C3-153D634CDB65}"/>
+                  </a:ext>
+                </a:extLst>
+              </p:cNvPr>
+              <p:cNvSpPr txBox="1"/>
+              <p:nvPr/>
+            </p:nvSpPr>
+            <p:spPr>
+              <a:xfrm>
+                <a:off x="4376545" y="331080"/>
+                <a:ext cx="768993" cy="369332"/>
+              </a:xfrm>
+              <a:prstGeom prst="rect">
+                <a:avLst/>
+              </a:prstGeom>
+              <a:noFill/>
+            </p:spPr>
+            <p:txBody>
+              <a:bodyPr wrap="none" rtlCol="0">
+                <a:spAutoFit/>
+              </a:bodyPr>
+              <a:lstStyle/>
+              <a:p>
+                <a14:m>
+                  <m:oMathPara xmlns:m="http://schemas.openxmlformats.org/officeDocument/2006/math">
+                    <m:oMathParaPr>
+                      <m:jc m:val="centerGroup"/>
+                    </m:oMathParaPr>
+                    <m:oMath xmlns:m="http://schemas.openxmlformats.org/officeDocument/2006/math">
+                      <m:r>
+                        <a:rPr lang="en-US" altLang="ko-KR" i="1" dirty="0" smtClean="0">
+                          <a:latin typeface="Cambria Math"/>
+                          <a:ea typeface="배달의민족 주아" panose="02020603020101020101" pitchFamily="18" charset="-127"/>
+                        </a:rPr>
+                        <m:t>𝑡</m:t>
+                      </m:r>
+                      <m:r>
+                        <a:rPr lang="en-US" altLang="ko-KR" i="1" dirty="0" smtClean="0">
+                          <a:latin typeface="Cambria Math"/>
+                          <a:ea typeface="배달의민족 주아" panose="02020603020101020101" pitchFamily="18" charset="-127"/>
+                        </a:rPr>
+                        <m:t>=0</m:t>
+                      </m:r>
+                    </m:oMath>
+                  </m:oMathPara>
+                </a14:m>
+                <a:endParaRPr lang="ko-KR" altLang="en-US" dirty="0">
+                  <a:latin typeface="배달의민족 주아" panose="02020603020101020101" pitchFamily="18" charset="-127"/>
+                  <a:ea typeface="배달의민족 주아" panose="02020603020101020101" pitchFamily="18" charset="-127"/>
+                </a:endParaRPr>
+              </a:p>
+            </p:txBody>
+          </p:sp>
+        </mc:Choice>
+        <mc:Fallback>
+          <p:sp>
+            <p:nvSpPr>
+              <p:cNvPr id="8" name="TextBox 7">
+                <a:extLst>
+                  <a:ext uri="{FF2B5EF4-FFF2-40B4-BE49-F238E27FC236}">
+                    <a16:creationId xmlns:a16="http://schemas.microsoft.com/office/drawing/2014/main" xmlns="" id="{B3BEB89F-A8AF-4478-B6C3-153D634CDB65}"/>
+                  </a:ext>
+                </a:extLst>
+              </p:cNvPr>
+              <p:cNvSpPr txBox="1">
+                <a:spLocks noRot="1" noChangeAspect="1" noMove="1" noResize="1" noEditPoints="1" noAdjustHandles="1" noChangeArrowheads="1" noChangeShapeType="1" noTextEdit="1"/>
+              </p:cNvSpPr>
+              <p:nvPr/>
+            </p:nvSpPr>
+            <p:spPr>
+              <a:xfrm>
+                <a:off x="4376545" y="331080"/>
+                <a:ext cx="768993" cy="369332"/>
+              </a:xfrm>
+              <a:prstGeom prst="rect">
+                <a:avLst/>
+              </a:prstGeom>
+              <a:blipFill rotWithShape="1">
+                <a:blip r:embed="rId3"/>
+                <a:stretch>
+                  <a:fillRect/>
+                </a:stretch>
+              </a:blipFill>
+            </p:spPr>
+            <p:txBody>
+              <a:bodyPr/>
+              <a:lstStyle/>
+              <a:p>
+                <a:r>
+                  <a:rPr lang="ko-KR" altLang="en-US">
+                    <a:noFill/>
+                  </a:rPr>
+                  <a:t> </a:t>
+                </a:r>
+              </a:p>
+            </p:txBody>
+          </p:sp>
+        </mc:Fallback>
+      </mc:AlternateContent>
+      <p:cxnSp>
+        <p:nvCxnSpPr>
+          <p:cNvPr id="9" name="직선 화살표 연결선 8">
+            <a:extLst>
+              <a:ext uri="{FF2B5EF4-FFF2-40B4-BE49-F238E27FC236}">
+                <a16:creationId xmlns:a16="http://schemas.microsoft.com/office/drawing/2014/main" xmlns="" id="{23A188F4-F362-4997-AA79-AD40AE7ABD13}"/>
+              </a:ext>
+            </a:extLst>
+          </p:cNvPr>
+          <p:cNvCxnSpPr>
+            <a:cxnSpLocks/>
+          </p:cNvCxnSpPr>
+          <p:nvPr/>
+        </p:nvCxnSpPr>
+        <p:spPr>
+          <a:xfrm>
+            <a:off x="4658033" y="703412"/>
+            <a:ext cx="0" cy="312713"/>
+          </a:xfrm>
+          <a:prstGeom prst="straightConnector1">
+            <a:avLst/>
+          </a:prstGeom>
+          <a:ln w="19050">
+            <a:solidFill>
+              <a:schemeClr val="tx1"/>
+            </a:solidFill>
+            <a:prstDash val="dash"/>
+            <a:tailEnd type="triangle"/>
+          </a:ln>
+        </p:spPr>
+        <p:style>
+          <a:lnRef idx="1">
+            <a:schemeClr val="accent1"/>
+          </a:lnRef>
+          <a:fillRef idx="0">
+            <a:schemeClr val="accent1"/>
+          </a:fillRef>
+          <a:effectRef idx="0">
+            <a:schemeClr val="accent1"/>
+          </a:effectRef>
+          <a:fontRef idx="minor">
+            <a:schemeClr val="tx1"/>
+          </a:fontRef>
+        </p:style>
+      </p:cxnSp>
+      <mc:AlternateContent xmlns:mc="http://schemas.openxmlformats.org/markup-compatibility/2006">
+        <mc:Choice xmlns:a14="http://schemas.microsoft.com/office/drawing/2010/main" Requires="a14">
+          <p:sp>
+            <p:nvSpPr>
+              <p:cNvPr id="11" name="TextBox 10">
+                <a:extLst>
+                  <a:ext uri="{FF2B5EF4-FFF2-40B4-BE49-F238E27FC236}">
+                    <a16:creationId xmlns:a16="http://schemas.microsoft.com/office/drawing/2014/main" xmlns="" id="{F31BB980-3874-45FF-B289-159802235E5D}"/>
+                  </a:ext>
+                </a:extLst>
+              </p:cNvPr>
+              <p:cNvSpPr txBox="1"/>
+              <p:nvPr/>
+            </p:nvSpPr>
+            <p:spPr>
+              <a:xfrm>
+                <a:off x="5063624" y="1407330"/>
+                <a:ext cx="768993" cy="369332"/>
+              </a:xfrm>
+              <a:prstGeom prst="rect">
+                <a:avLst/>
+              </a:prstGeom>
+              <a:noFill/>
+            </p:spPr>
+            <p:txBody>
+              <a:bodyPr wrap="none" rtlCol="0">
+                <a:spAutoFit/>
+              </a:bodyPr>
+              <a:lstStyle/>
+              <a:p>
+                <a14:m>
+                  <m:oMathPara xmlns:m="http://schemas.openxmlformats.org/officeDocument/2006/math">
+                    <m:oMathParaPr>
+                      <m:jc m:val="centerGroup"/>
+                    </m:oMathParaPr>
+                    <m:oMath xmlns:m="http://schemas.openxmlformats.org/officeDocument/2006/math">
+                      <m:r>
+                        <a:rPr lang="en-US" altLang="ko-KR" i="1" dirty="0" smtClean="0">
+                          <a:latin typeface="Cambria Math"/>
+                          <a:ea typeface="배달의민족 주아" panose="02020603020101020101" pitchFamily="18" charset="-127"/>
+                        </a:rPr>
+                        <m:t>𝑡</m:t>
+                      </m:r>
+                      <m:r>
+                        <a:rPr lang="en-US" altLang="ko-KR" i="1" dirty="0" smtClean="0">
+                          <a:latin typeface="Cambria Math"/>
+                          <a:ea typeface="배달의민족 주아" panose="02020603020101020101" pitchFamily="18" charset="-127"/>
+                        </a:rPr>
+                        <m:t>=1</m:t>
+                      </m:r>
+                    </m:oMath>
+                  </m:oMathPara>
+                </a14:m>
+                <a:endParaRPr lang="ko-KR" altLang="en-US" dirty="0">
+                  <a:latin typeface="배달의민족 주아" panose="02020603020101020101" pitchFamily="18" charset="-127"/>
+                  <a:ea typeface="배달의민족 주아" panose="02020603020101020101" pitchFamily="18" charset="-127"/>
+                </a:endParaRPr>
+              </a:p>
+            </p:txBody>
+          </p:sp>
+        </mc:Choice>
+        <mc:Fallback>
+          <p:sp>
+            <p:nvSpPr>
+              <p:cNvPr id="11" name="TextBox 10">
+                <a:extLst>
+                  <a:ext uri="{FF2B5EF4-FFF2-40B4-BE49-F238E27FC236}">
+                    <a16:creationId xmlns:a16="http://schemas.microsoft.com/office/drawing/2014/main" xmlns="" id="{F31BB980-3874-45FF-B289-159802235E5D}"/>
+                  </a:ext>
+                </a:extLst>
+              </p:cNvPr>
+              <p:cNvSpPr txBox="1">
+                <a:spLocks noRot="1" noChangeAspect="1" noMove="1" noResize="1" noEditPoints="1" noAdjustHandles="1" noChangeArrowheads="1" noChangeShapeType="1" noTextEdit="1"/>
+              </p:cNvSpPr>
+              <p:nvPr/>
+            </p:nvSpPr>
+            <p:spPr>
+              <a:xfrm>
+                <a:off x="5063624" y="1407330"/>
+                <a:ext cx="768993" cy="369332"/>
+              </a:xfrm>
+              <a:prstGeom prst="rect">
+                <a:avLst/>
+              </a:prstGeom>
+              <a:blipFill rotWithShape="1">
+                <a:blip r:embed="rId4"/>
+                <a:stretch>
+                  <a:fillRect/>
+                </a:stretch>
+              </a:blipFill>
+            </p:spPr>
+            <p:txBody>
+              <a:bodyPr/>
+              <a:lstStyle/>
+              <a:p>
+                <a:r>
+                  <a:rPr lang="ko-KR" altLang="en-US">
+                    <a:noFill/>
+                  </a:rPr>
+                  <a:t> </a:t>
+                </a:r>
+              </a:p>
+            </p:txBody>
+          </p:sp>
+        </mc:Fallback>
+      </mc:AlternateContent>
+      <p:cxnSp>
+        <p:nvCxnSpPr>
+          <p:cNvPr id="12" name="직선 화살표 연결선 11">
+            <a:extLst>
+              <a:ext uri="{FF2B5EF4-FFF2-40B4-BE49-F238E27FC236}">
+                <a16:creationId xmlns:a16="http://schemas.microsoft.com/office/drawing/2014/main" xmlns="" id="{23A188F4-F362-4997-AA79-AD40AE7ABD13}"/>
+              </a:ext>
+            </a:extLst>
+          </p:cNvPr>
+          <p:cNvCxnSpPr>
+            <a:cxnSpLocks/>
+          </p:cNvCxnSpPr>
+          <p:nvPr/>
+        </p:nvCxnSpPr>
+        <p:spPr>
+          <a:xfrm>
+            <a:off x="5305158" y="1779662"/>
+            <a:ext cx="0" cy="312713"/>
+          </a:xfrm>
+          <a:prstGeom prst="straightConnector1">
+            <a:avLst/>
+          </a:prstGeom>
+          <a:ln w="19050">
+            <a:solidFill>
+              <a:schemeClr val="tx1"/>
+            </a:solidFill>
+            <a:prstDash val="dash"/>
+            <a:tailEnd type="triangle"/>
+          </a:ln>
+        </p:spPr>
+        <p:style>
+          <a:lnRef idx="1">
+            <a:schemeClr val="accent1"/>
+          </a:lnRef>
+          <a:fillRef idx="0">
+            <a:schemeClr val="accent1"/>
+          </a:fillRef>
+          <a:effectRef idx="0">
+            <a:schemeClr val="accent1"/>
+          </a:effectRef>
+          <a:fontRef idx="minor">
+            <a:schemeClr val="tx1"/>
+          </a:fontRef>
+        </p:style>
+      </p:cxnSp>
     </p:spTree>
     <p:extLst>
       <p:ext uri="{BB962C8B-B14F-4D97-AF65-F5344CB8AC3E}">
@@ -9148,62 +9548,130 @@
       </p:grpSpPr>
       <p:pic>
         <p:nvPicPr>
-          <p:cNvPr id="3" name="그림 2">
-            <a:extLst>
-              <a:ext uri="{FF2B5EF4-FFF2-40B4-BE49-F238E27FC236}">
-                <a16:creationId xmlns:a16="http://schemas.microsoft.com/office/drawing/2014/main" id="{D0AC9FCF-C18C-4D10-AB92-F2F1612F495D}"/>
-              </a:ext>
-            </a:extLst>
-          </p:cNvPr>
+          <p:cNvPr id="19" name="Picture 3"/>
           <p:cNvPicPr>
-            <a:picLocks noChangeAspect="1"/>
+            <a:picLocks noChangeAspect="1" noChangeArrowheads="1"/>
           </p:cNvPicPr>
           <p:nvPr/>
         </p:nvPicPr>
         <p:blipFill>
-          <a:blip r:embed="rId2"/>
+          <a:blip r:embed="rId2">
+            <a:extLst>
+              <a:ext uri="{28A0092B-C50C-407E-A947-70E740481C1C}">
+                <a14:useLocalDpi xmlns:a14="http://schemas.microsoft.com/office/drawing/2010/main" val="0"/>
+              </a:ext>
+            </a:extLst>
+          </a:blip>
+          <a:srcRect/>
           <a:stretch>
             <a:fillRect/>
           </a:stretch>
         </p:blipFill>
-        <p:spPr>
-          <a:xfrm>
-            <a:off x="50002" y="836229"/>
-            <a:ext cx="4628051" cy="3471040"/>
-          </a:xfrm>
-          <a:prstGeom prst="rect">
-            <a:avLst/>
-          </a:prstGeom>
+        <p:spPr bwMode="auto">
+          <a:xfrm>
+            <a:off x="4465947" y="836229"/>
+            <a:ext cx="4628051" cy="3468969"/>
+          </a:xfrm>
+          <a:prstGeom prst="rect">
+            <a:avLst/>
+          </a:prstGeom>
+          <a:noFill/>
+          <a:ln>
+            <a:noFill/>
+          </a:ln>
+          <a:effectLst/>
+          <a:extLst>
+            <a:ext uri="{909E8E84-426E-40DD-AFC4-6F175D3DCCD1}">
+              <a14:hiddenFill xmlns:a14="http://schemas.microsoft.com/office/drawing/2010/main">
+                <a:solidFill>
+                  <a:schemeClr val="accent1"/>
+                </a:solidFill>
+              </a14:hiddenFill>
+            </a:ext>
+            <a:ext uri="{91240B29-F687-4F45-9708-019B960494DF}">
+              <a14:hiddenLine xmlns:a14="http://schemas.microsoft.com/office/drawing/2010/main" w="9525">
+                <a:solidFill>
+                  <a:schemeClr val="tx1"/>
+                </a:solidFill>
+                <a:miter lim="800000"/>
+                <a:headEnd/>
+                <a:tailEnd/>
+              </a14:hiddenLine>
+            </a:ext>
+            <a:ext uri="{AF507438-7753-43E0-B8FC-AC1667EBCBE1}">
+              <a14:hiddenEffects xmlns:a14="http://schemas.microsoft.com/office/drawing/2010/main">
+                <a:effectLst>
+                  <a:outerShdw dist="35921" dir="2700000" algn="ctr" rotWithShape="0">
+                    <a:schemeClr val="bg2"/>
+                  </a:outerShdw>
+                </a:effectLst>
+              </a14:hiddenEffects>
+            </a:ext>
+          </a:extLst>
         </p:spPr>
       </p:pic>
       <p:pic>
         <p:nvPicPr>
-          <p:cNvPr id="13" name="그림 12">
-            <a:extLst>
-              <a:ext uri="{FF2B5EF4-FFF2-40B4-BE49-F238E27FC236}">
-                <a16:creationId xmlns:a16="http://schemas.microsoft.com/office/drawing/2014/main" id="{8F3FF6A7-5006-492B-80AD-A33C6D340903}"/>
-              </a:ext>
-            </a:extLst>
-          </p:cNvPr>
+          <p:cNvPr id="18" name="Picture 2"/>
           <p:cNvPicPr>
-            <a:picLocks noChangeAspect="1"/>
+            <a:picLocks noChangeAspect="1" noChangeArrowheads="1"/>
           </p:cNvPicPr>
           <p:nvPr/>
         </p:nvPicPr>
         <p:blipFill>
-          <a:blip r:embed="rId3"/>
+          <a:blip r:embed="rId3">
+            <a:extLst>
+              <a:ext uri="{28A0092B-C50C-407E-A947-70E740481C1C}">
+                <a14:useLocalDpi xmlns:a14="http://schemas.microsoft.com/office/drawing/2010/main" val="0"/>
+              </a:ext>
+            </a:extLst>
+          </a:blip>
+          <a:srcRect/>
           <a:stretch>
             <a:fillRect/>
           </a:stretch>
         </p:blipFill>
-        <p:spPr>
-          <a:xfrm>
-            <a:off x="4465948" y="836229"/>
-            <a:ext cx="4628051" cy="3471040"/>
-          </a:xfrm>
-          <a:prstGeom prst="rect">
-            <a:avLst/>
-          </a:prstGeom>
+        <p:spPr bwMode="auto">
+          <a:xfrm>
+            <a:off x="50002" y="830647"/>
+            <a:ext cx="4638261" cy="3476622"/>
+          </a:xfrm>
+          <a:prstGeom prst="rect">
+            <a:avLst/>
+          </a:prstGeom>
+          <a:noFill/>
+          <a:ln>
+            <a:noFill/>
+          </a:ln>
+          <a:effectLst/>
+          <a:extLst>
+            <a:ext uri="{909E8E84-426E-40DD-AFC4-6F175D3DCCD1}">
+              <a14:hiddenFill xmlns:a14="http://schemas.microsoft.com/office/drawing/2010/main">
+                <a:solidFill>
+                  <a:schemeClr val="accent1"/>
+                </a:solidFill>
+              </a14:hiddenFill>
+            </a:ext>
+            <a:ext uri="{91240B29-F687-4F45-9708-019B960494DF}">
+              <a14:hiddenLine xmlns:a14="http://schemas.microsoft.com/office/drawing/2010/main" w="9525">
+                <a:solidFill>
+                  <a:schemeClr val="tx1"/>
+                </a:solidFill>
+                <a:miter lim="800000"/>
+                <a:headEnd/>
+                <a:tailEnd/>
+              </a14:hiddenLine>
+            </a:ext>
+            <a:ext uri="{AF507438-7753-43E0-B8FC-AC1667EBCBE1}">
+              <a14:hiddenEffects xmlns:a14="http://schemas.microsoft.com/office/drawing/2010/main">
+                <a:effectLst>
+                  <a:outerShdw dist="35921" dir="2700000" algn="ctr" rotWithShape="0">
+                    <a:schemeClr val="bg2"/>
+                  </a:outerShdw>
+                </a:effectLst>
+              </a14:hiddenEffects>
+            </a:ext>
+          </a:extLst>
         </p:spPr>
       </p:pic>
       <p:sp>
@@ -9211,7 +9679,7 @@
           <p:cNvPr id="9" name="TextBox 8">
             <a:extLst>
               <a:ext uri="{FF2B5EF4-FFF2-40B4-BE49-F238E27FC236}">
-                <a16:creationId xmlns:a16="http://schemas.microsoft.com/office/drawing/2014/main" id="{74D05EFA-CCB1-49B4-BF5F-2F1B250DEFAC}"/>
+                <a16:creationId xmlns:a16="http://schemas.microsoft.com/office/drawing/2014/main" xmlns="" id="{74D05EFA-CCB1-49B4-BF5F-2F1B250DEFAC}"/>
               </a:ext>
             </a:extLst>
           </p:cNvPr>
@@ -9261,7 +9729,7 @@
           <p:cNvPr id="10" name="TextBox 9">
             <a:extLst>
               <a:ext uri="{FF2B5EF4-FFF2-40B4-BE49-F238E27FC236}">
-                <a16:creationId xmlns:a16="http://schemas.microsoft.com/office/drawing/2014/main" id="{F8DE88EA-4DD8-4194-801B-0C749D0A581F}"/>
+                <a16:creationId xmlns:a16="http://schemas.microsoft.com/office/drawing/2014/main" xmlns="" id="{F8DE88EA-4DD8-4194-801B-0C749D0A581F}"/>
               </a:ext>
             </a:extLst>
           </p:cNvPr>
@@ -9311,7 +9779,7 @@
           <p:cNvPr id="12" name="직선 화살표 연결선 11">
             <a:extLst>
               <a:ext uri="{FF2B5EF4-FFF2-40B4-BE49-F238E27FC236}">
-                <a16:creationId xmlns:a16="http://schemas.microsoft.com/office/drawing/2014/main" id="{23A188F4-F362-4997-AA79-AD40AE7ABD13}"/>
+                <a16:creationId xmlns:a16="http://schemas.microsoft.com/office/drawing/2014/main" xmlns="" id="{23A188F4-F362-4997-AA79-AD40AE7ABD13}"/>
               </a:ext>
             </a:extLst>
           </p:cNvPr>
@@ -9351,54 +9819,12 @@
           </a:fontRef>
         </p:style>
       </p:cxnSp>
-      <p:sp>
-        <p:nvSpPr>
-          <p:cNvPr id="14" name="TextBox 13">
-            <a:extLst>
-              <a:ext uri="{FF2B5EF4-FFF2-40B4-BE49-F238E27FC236}">
-                <a16:creationId xmlns:a16="http://schemas.microsoft.com/office/drawing/2014/main" id="{F31BB980-3874-45FF-B289-159802235E5D}"/>
-              </a:ext>
-            </a:extLst>
-          </p:cNvPr>
-          <p:cNvSpPr txBox="1"/>
-          <p:nvPr/>
-        </p:nvSpPr>
-        <p:spPr>
-          <a:xfrm>
-            <a:off x="3079739" y="2202418"/>
-            <a:ext cx="769763" cy="369332"/>
-          </a:xfrm>
-          <a:prstGeom prst="rect">
-            <a:avLst/>
-          </a:prstGeom>
-          <a:noFill/>
-        </p:spPr>
-        <p:txBody>
-          <a:bodyPr wrap="none" rtlCol="0">
-            <a:spAutoFit/>
-          </a:bodyPr>
-          <a:lstStyle/>
-          <a:p>
-            <a:r>
-              <a:rPr lang="en-US" altLang="ko-KR" dirty="0">
-                <a:latin typeface="배달의민족 주아" panose="02020603020101020101" pitchFamily="18" charset="-127"/>
-                <a:ea typeface="배달의민족 주아" panose="02020603020101020101" pitchFamily="18" charset="-127"/>
-              </a:rPr>
-              <a:t>2.228</a:t>
-            </a:r>
-            <a:endParaRPr lang="ko-KR" altLang="en-US" dirty="0">
-              <a:latin typeface="배달의민족 주아" panose="02020603020101020101" pitchFamily="18" charset="-127"/>
-              <a:ea typeface="배달의민족 주아" panose="02020603020101020101" pitchFamily="18" charset="-127"/>
-            </a:endParaRPr>
-          </a:p>
-        </p:txBody>
-      </p:sp>
       <p:cxnSp>
         <p:nvCxnSpPr>
           <p:cNvPr id="15" name="직선 화살표 연결선 14">
             <a:extLst>
               <a:ext uri="{FF2B5EF4-FFF2-40B4-BE49-F238E27FC236}">
-                <a16:creationId xmlns:a16="http://schemas.microsoft.com/office/drawing/2014/main" id="{0A3A50EE-392C-4705-A30D-BA21B1E8A26A}"/>
+                <a16:creationId xmlns:a16="http://schemas.microsoft.com/office/drawing/2014/main" xmlns="" id="{0A3A50EE-392C-4705-A30D-BA21B1E8A26A}"/>
               </a:ext>
             </a:extLst>
           </p:cNvPr>
@@ -9438,54 +9864,118 @@
           </a:fontRef>
         </p:style>
       </p:cxnSp>
-      <p:sp>
-        <p:nvSpPr>
-          <p:cNvPr id="16" name="TextBox 15">
-            <a:extLst>
-              <a:ext uri="{FF2B5EF4-FFF2-40B4-BE49-F238E27FC236}">
-                <a16:creationId xmlns:a16="http://schemas.microsoft.com/office/drawing/2014/main" id="{B3BEB89F-A8AF-4478-B6C3-153D634CDB65}"/>
-              </a:ext>
-            </a:extLst>
-          </p:cNvPr>
-          <p:cNvSpPr txBox="1"/>
-          <p:nvPr/>
-        </p:nvSpPr>
-        <p:spPr>
-          <a:xfrm>
-            <a:off x="987399" y="2195800"/>
-            <a:ext cx="878767" cy="369332"/>
-          </a:xfrm>
-          <a:prstGeom prst="rect">
-            <a:avLst/>
-          </a:prstGeom>
-          <a:noFill/>
-        </p:spPr>
-        <p:txBody>
-          <a:bodyPr wrap="none" rtlCol="0">
-            <a:spAutoFit/>
-          </a:bodyPr>
-          <a:lstStyle/>
-          <a:p>
-            <a:r>
-              <a:rPr lang="en-US" altLang="ko-KR" dirty="0">
-                <a:latin typeface="배달의민족 주아" panose="02020603020101020101" pitchFamily="18" charset="-127"/>
-                <a:ea typeface="배달의민족 주아" panose="02020603020101020101" pitchFamily="18" charset="-127"/>
-              </a:rPr>
-              <a:t>-2.228</a:t>
-            </a:r>
-            <a:endParaRPr lang="ko-KR" altLang="en-US" dirty="0">
-              <a:latin typeface="배달의민족 주아" panose="02020603020101020101" pitchFamily="18" charset="-127"/>
-              <a:ea typeface="배달의민족 주아" panose="02020603020101020101" pitchFamily="18" charset="-127"/>
-            </a:endParaRPr>
-          </a:p>
-        </p:txBody>
-      </p:sp>
+      <mc:AlternateContent xmlns:mc="http://schemas.openxmlformats.org/markup-compatibility/2006">
+        <mc:Choice xmlns:a14="http://schemas.microsoft.com/office/drawing/2010/main" Requires="a14">
+          <p:sp>
+            <p:nvSpPr>
+              <p:cNvPr id="16" name="TextBox 15">
+                <a:extLst>
+                  <a:ext uri="{FF2B5EF4-FFF2-40B4-BE49-F238E27FC236}">
+                    <a16:creationId xmlns:a16="http://schemas.microsoft.com/office/drawing/2014/main" xmlns="" id="{B3BEB89F-A8AF-4478-B6C3-153D634CDB65}"/>
+                  </a:ext>
+                </a:extLst>
+              </p:cNvPr>
+              <p:cNvSpPr txBox="1"/>
+              <p:nvPr/>
+            </p:nvSpPr>
+            <p:spPr>
+              <a:xfrm>
+                <a:off x="848792" y="2263973"/>
+                <a:ext cx="1107931" cy="307777"/>
+              </a:xfrm>
+              <a:prstGeom prst="rect">
+                <a:avLst/>
+              </a:prstGeom>
+              <a:noFill/>
+            </p:spPr>
+            <p:txBody>
+              <a:bodyPr wrap="none" rtlCol="0">
+                <a:spAutoFit/>
+              </a:bodyPr>
+              <a:lstStyle/>
+              <a:p>
+                <a14:m>
+                  <m:oMathPara xmlns:m="http://schemas.openxmlformats.org/officeDocument/2006/math">
+                    <m:oMathParaPr>
+                      <m:jc m:val="centerGroup"/>
+                    </m:oMathParaPr>
+                    <m:oMath xmlns:m="http://schemas.openxmlformats.org/officeDocument/2006/math">
+                      <m:r>
+                        <a:rPr lang="en-US" altLang="ko-KR" sz="1400" b="0" i="1" smtClean="0">
+                          <a:latin typeface="Cambria Math"/>
+                          <a:ea typeface="배달의민족 주아" panose="02020603020101020101" pitchFamily="18" charset="-127"/>
+                        </a:rPr>
+                        <m:t>𝑡</m:t>
+                      </m:r>
+                      <m:r>
+                        <a:rPr lang="en-US" altLang="ko-KR" sz="1400" b="0" i="1" smtClean="0">
+                          <a:latin typeface="Cambria Math"/>
+                          <a:ea typeface="배달의민족 주아" panose="02020603020101020101" pitchFamily="18" charset="-127"/>
+                        </a:rPr>
+                        <m:t>=−2.228</m:t>
+                      </m:r>
+                    </m:oMath>
+                  </m:oMathPara>
+                </a14:m>
+                <a:endParaRPr lang="ko-KR" altLang="en-US" sz="1400" i="1" dirty="0">
+                  <a:latin typeface="배달의민족 주아" panose="02020603020101020101" pitchFamily="18" charset="-127"/>
+                  <a:ea typeface="배달의민족 주아" panose="02020603020101020101" pitchFamily="18" charset="-127"/>
+                </a:endParaRPr>
+              </a:p>
+            </p:txBody>
+          </p:sp>
+        </mc:Choice>
+        <mc:Fallback>
+          <p:sp>
+            <p:nvSpPr>
+              <p:cNvPr id="16" name="TextBox 15">
+                <a:extLst>
+                  <a:ext uri="{FF2B5EF4-FFF2-40B4-BE49-F238E27FC236}">
+                    <a16:creationId xmlns:a16="http://schemas.microsoft.com/office/drawing/2014/main" xmlns="" id="{B3BEB89F-A8AF-4478-B6C3-153D634CDB65}"/>
+                  </a:ext>
+                </a:extLst>
+              </p:cNvPr>
+              <p:cNvSpPr txBox="1">
+                <a:spLocks noRot="1" noChangeAspect="1" noMove="1" noResize="1" noEditPoints="1" noAdjustHandles="1" noChangeArrowheads="1" noChangeShapeType="1" noTextEdit="1"/>
+              </p:cNvSpPr>
+              <p:nvPr/>
+            </p:nvSpPr>
+            <p:spPr>
+              <a:xfrm>
+                <a:off x="848792" y="2263973"/>
+                <a:ext cx="1107931" cy="307777"/>
+              </a:xfrm>
+              <a:prstGeom prst="rect">
+                <a:avLst/>
+              </a:prstGeom>
+              <a:blipFill rotWithShape="1">
+                <a:blip r:embed="rId4"/>
+                <a:stretch>
+                  <a:fillRect/>
+                </a:stretch>
+              </a:blipFill>
+            </p:spPr>
+            <p:txBody>
+              <a:bodyPr/>
+              <a:lstStyle/>
+              <a:p>
+                <a:r>
+                  <a:rPr lang="ko-KR" altLang="en-US">
+                    <a:noFill/>
+                  </a:rPr>
+                  <a:t> </a:t>
+                </a:r>
+              </a:p>
+            </p:txBody>
+          </p:sp>
+        </mc:Fallback>
+      </mc:AlternateContent>
       <p:cxnSp>
         <p:nvCxnSpPr>
           <p:cNvPr id="24" name="직선 화살표 연결선 23">
             <a:extLst>
               <a:ext uri="{FF2B5EF4-FFF2-40B4-BE49-F238E27FC236}">
-                <a16:creationId xmlns:a16="http://schemas.microsoft.com/office/drawing/2014/main" id="{AE4EE2AE-D8F7-4FD0-A389-BCC26858631F}"/>
+                <a16:creationId xmlns:a16="http://schemas.microsoft.com/office/drawing/2014/main" xmlns="" id="{AE4EE2AE-D8F7-4FD0-A389-BCC26858631F}"/>
               </a:ext>
             </a:extLst>
           </p:cNvPr>
@@ -9496,7 +9986,7 @@
         </p:nvCxnSpPr>
         <p:spPr>
           <a:xfrm>
-            <a:off x="5438763" y="2565132"/>
+            <a:off x="5438763" y="2747704"/>
             <a:ext cx="0" cy="976174"/>
           </a:xfrm>
           <a:prstGeom prst="straightConnector1">
@@ -9525,54 +10015,118 @@
           </a:fontRef>
         </p:style>
       </p:cxnSp>
-      <p:sp>
-        <p:nvSpPr>
-          <p:cNvPr id="25" name="TextBox 24">
-            <a:extLst>
-              <a:ext uri="{FF2B5EF4-FFF2-40B4-BE49-F238E27FC236}">
-                <a16:creationId xmlns:a16="http://schemas.microsoft.com/office/drawing/2014/main" id="{B97BD5BE-BAE5-4A67-B0B9-F5A315457A3D}"/>
-              </a:ext>
-            </a:extLst>
-          </p:cNvPr>
-          <p:cNvSpPr txBox="1"/>
-          <p:nvPr/>
-        </p:nvSpPr>
-        <p:spPr>
-          <a:xfrm>
-            <a:off x="5018638" y="2195800"/>
-            <a:ext cx="840295" cy="369332"/>
-          </a:xfrm>
-          <a:prstGeom prst="rect">
-            <a:avLst/>
-          </a:prstGeom>
-          <a:noFill/>
-        </p:spPr>
-        <p:txBody>
-          <a:bodyPr wrap="none" rtlCol="0">
-            <a:spAutoFit/>
-          </a:bodyPr>
-          <a:lstStyle/>
-          <a:p>
-            <a:r>
-              <a:rPr lang="en-US" altLang="ko-KR" dirty="0">
-                <a:latin typeface="배달의민족 주아" panose="02020603020101020101" pitchFamily="18" charset="-127"/>
-                <a:ea typeface="배달의민족 주아" panose="02020603020101020101" pitchFamily="18" charset="-127"/>
-              </a:rPr>
-              <a:t>-3.169</a:t>
-            </a:r>
-            <a:endParaRPr lang="ko-KR" altLang="en-US" dirty="0">
-              <a:latin typeface="배달의민족 주아" panose="02020603020101020101" pitchFamily="18" charset="-127"/>
-              <a:ea typeface="배달의민족 주아" panose="02020603020101020101" pitchFamily="18" charset="-127"/>
-            </a:endParaRPr>
-          </a:p>
-        </p:txBody>
-      </p:sp>
+      <mc:AlternateContent xmlns:mc="http://schemas.openxmlformats.org/markup-compatibility/2006">
+        <mc:Choice xmlns:a14="http://schemas.microsoft.com/office/drawing/2010/main" Requires="a14">
+          <p:sp>
+            <p:nvSpPr>
+              <p:cNvPr id="25" name="TextBox 24">
+                <a:extLst>
+                  <a:ext uri="{FF2B5EF4-FFF2-40B4-BE49-F238E27FC236}">
+                    <a16:creationId xmlns:a16="http://schemas.microsoft.com/office/drawing/2014/main" xmlns="" id="{B97BD5BE-BAE5-4A67-B0B9-F5A315457A3D}"/>
+                  </a:ext>
+                </a:extLst>
+              </p:cNvPr>
+              <p:cNvSpPr txBox="1"/>
+              <p:nvPr/>
+            </p:nvSpPr>
+            <p:spPr>
+              <a:xfrm>
+                <a:off x="5018638" y="2378372"/>
+                <a:ext cx="1107931" cy="307777"/>
+              </a:xfrm>
+              <a:prstGeom prst="rect">
+                <a:avLst/>
+              </a:prstGeom>
+              <a:noFill/>
+            </p:spPr>
+            <p:txBody>
+              <a:bodyPr wrap="none" rtlCol="0">
+                <a:spAutoFit/>
+              </a:bodyPr>
+              <a:lstStyle/>
+              <a:p>
+                <a14:m>
+                  <m:oMathPara xmlns:m="http://schemas.openxmlformats.org/officeDocument/2006/math">
+                    <m:oMathParaPr>
+                      <m:jc m:val="centerGroup"/>
+                    </m:oMathParaPr>
+                    <m:oMath xmlns:m="http://schemas.openxmlformats.org/officeDocument/2006/math">
+                      <m:r>
+                        <a:rPr lang="en-US" altLang="ko-KR" sz="1400" i="1" dirty="0" smtClean="0">
+                          <a:latin typeface="Cambria Math"/>
+                          <a:ea typeface="배달의민족 주아" panose="02020603020101020101" pitchFamily="18" charset="-127"/>
+                        </a:rPr>
+                        <m:t>𝑡</m:t>
+                      </m:r>
+                      <m:r>
+                        <a:rPr lang="en-US" altLang="ko-KR" sz="1400" i="1" dirty="0" smtClean="0">
+                          <a:latin typeface="Cambria Math"/>
+                          <a:ea typeface="배달의민족 주아" panose="02020603020101020101" pitchFamily="18" charset="-127"/>
+                        </a:rPr>
+                        <m:t>=−3.169</m:t>
+                      </m:r>
+                    </m:oMath>
+                  </m:oMathPara>
+                </a14:m>
+                <a:endParaRPr lang="ko-KR" altLang="en-US" sz="1400" dirty="0">
+                  <a:latin typeface="배달의민족 주아" panose="02020603020101020101" pitchFamily="18" charset="-127"/>
+                  <a:ea typeface="배달의민족 주아" panose="02020603020101020101" pitchFamily="18" charset="-127"/>
+                </a:endParaRPr>
+              </a:p>
+            </p:txBody>
+          </p:sp>
+        </mc:Choice>
+        <mc:Fallback>
+          <p:sp>
+            <p:nvSpPr>
+              <p:cNvPr id="25" name="TextBox 24">
+                <a:extLst>
+                  <a:ext uri="{FF2B5EF4-FFF2-40B4-BE49-F238E27FC236}">
+                    <a16:creationId xmlns:a16="http://schemas.microsoft.com/office/drawing/2014/main" xmlns="" id="{B97BD5BE-BAE5-4A67-B0B9-F5A315457A3D}"/>
+                  </a:ext>
+                </a:extLst>
+              </p:cNvPr>
+              <p:cNvSpPr txBox="1">
+                <a:spLocks noRot="1" noChangeAspect="1" noMove="1" noResize="1" noEditPoints="1" noAdjustHandles="1" noChangeArrowheads="1" noChangeShapeType="1" noTextEdit="1"/>
+              </p:cNvSpPr>
+              <p:nvPr/>
+            </p:nvSpPr>
+            <p:spPr>
+              <a:xfrm>
+                <a:off x="5018638" y="2378372"/>
+                <a:ext cx="1107931" cy="307777"/>
+              </a:xfrm>
+              <a:prstGeom prst="rect">
+                <a:avLst/>
+              </a:prstGeom>
+              <a:blipFill rotWithShape="1">
+                <a:blip r:embed="rId5"/>
+                <a:stretch>
+                  <a:fillRect/>
+                </a:stretch>
+              </a:blipFill>
+            </p:spPr>
+            <p:txBody>
+              <a:bodyPr/>
+              <a:lstStyle/>
+              <a:p>
+                <a:r>
+                  <a:rPr lang="ko-KR" altLang="en-US">
+                    <a:noFill/>
+                  </a:rPr>
+                  <a:t> </a:t>
+                </a:r>
+              </a:p>
+            </p:txBody>
+          </p:sp>
+        </mc:Fallback>
+      </mc:AlternateContent>
       <p:sp>
         <p:nvSpPr>
           <p:cNvPr id="26" name="TextBox 25">
             <a:extLst>
               <a:ext uri="{FF2B5EF4-FFF2-40B4-BE49-F238E27FC236}">
-                <a16:creationId xmlns:a16="http://schemas.microsoft.com/office/drawing/2014/main" id="{CB434C2C-03AB-4616-80A1-A55C5A269E6E}"/>
+                <a16:creationId xmlns:a16="http://schemas.microsoft.com/office/drawing/2014/main" xmlns="" id="{CB434C2C-03AB-4616-80A1-A55C5A269E6E}"/>
               </a:ext>
             </a:extLst>
           </p:cNvPr>
@@ -9685,7 +10239,7 @@
           <p:cNvPr id="27" name="직선 화살표 연결선 26">
             <a:extLst>
               <a:ext uri="{FF2B5EF4-FFF2-40B4-BE49-F238E27FC236}">
-                <a16:creationId xmlns:a16="http://schemas.microsoft.com/office/drawing/2014/main" id="{A1C83BC5-CD72-4402-A822-571C7099DA75}"/>
+                <a16:creationId xmlns:a16="http://schemas.microsoft.com/office/drawing/2014/main" xmlns="" id="{A1C83BC5-CD72-4402-A822-571C7099DA75}"/>
               </a:ext>
             </a:extLst>
           </p:cNvPr>
@@ -9696,7 +10250,7 @@
         </p:nvCxnSpPr>
         <p:spPr>
           <a:xfrm>
-            <a:off x="8250419" y="2565132"/>
+            <a:off x="8250419" y="2747704"/>
             <a:ext cx="0" cy="976174"/>
           </a:xfrm>
           <a:prstGeom prst="straightConnector1">
@@ -9725,48 +10279,225 @@
           </a:fontRef>
         </p:style>
       </p:cxnSp>
-      <p:sp>
-        <p:nvSpPr>
-          <p:cNvPr id="28" name="TextBox 27">
-            <a:extLst>
-              <a:ext uri="{FF2B5EF4-FFF2-40B4-BE49-F238E27FC236}">
-                <a16:creationId xmlns:a16="http://schemas.microsoft.com/office/drawing/2014/main" id="{61E81D9F-AA9E-4174-AC1E-B87D76501210}"/>
-              </a:ext>
-            </a:extLst>
-          </p:cNvPr>
-          <p:cNvSpPr txBox="1"/>
-          <p:nvPr/>
-        </p:nvSpPr>
-        <p:spPr>
-          <a:xfrm>
-            <a:off x="7876014" y="2195800"/>
-            <a:ext cx="731290" cy="369332"/>
-          </a:xfrm>
-          <a:prstGeom prst="rect">
-            <a:avLst/>
-          </a:prstGeom>
-          <a:noFill/>
-        </p:spPr>
-        <p:txBody>
-          <a:bodyPr wrap="none" rtlCol="0">
-            <a:spAutoFit/>
-          </a:bodyPr>
-          <a:lstStyle/>
-          <a:p>
-            <a:r>
-              <a:rPr lang="en-US" altLang="ko-KR" dirty="0">
-                <a:latin typeface="배달의민족 주아" panose="02020603020101020101" pitchFamily="18" charset="-127"/>
-                <a:ea typeface="배달의민족 주아" panose="02020603020101020101" pitchFamily="18" charset="-127"/>
-              </a:rPr>
-              <a:t>3.169</a:t>
-            </a:r>
-            <a:endParaRPr lang="ko-KR" altLang="en-US" dirty="0">
-              <a:latin typeface="배달의민족 주아" panose="02020603020101020101" pitchFamily="18" charset="-127"/>
-              <a:ea typeface="배달의민족 주아" panose="02020603020101020101" pitchFamily="18" charset="-127"/>
-            </a:endParaRPr>
-          </a:p>
-        </p:txBody>
-      </p:sp>
+      <mc:AlternateContent xmlns:mc="http://schemas.openxmlformats.org/markup-compatibility/2006">
+        <mc:Choice xmlns:a14="http://schemas.microsoft.com/office/drawing/2010/main" Requires="a14">
+          <p:sp>
+            <p:nvSpPr>
+              <p:cNvPr id="28" name="TextBox 27">
+                <a:extLst>
+                  <a:ext uri="{FF2B5EF4-FFF2-40B4-BE49-F238E27FC236}">
+                    <a16:creationId xmlns:a16="http://schemas.microsoft.com/office/drawing/2014/main" xmlns="" id="{61E81D9F-AA9E-4174-AC1E-B87D76501210}"/>
+                  </a:ext>
+                </a:extLst>
+              </p:cNvPr>
+              <p:cNvSpPr txBox="1"/>
+              <p:nvPr/>
+            </p:nvSpPr>
+            <p:spPr>
+              <a:xfrm>
+                <a:off x="7668344" y="2378372"/>
+                <a:ext cx="973280" cy="307777"/>
+              </a:xfrm>
+              <a:prstGeom prst="rect">
+                <a:avLst/>
+              </a:prstGeom>
+              <a:noFill/>
+            </p:spPr>
+            <p:txBody>
+              <a:bodyPr wrap="none" rtlCol="0">
+                <a:spAutoFit/>
+              </a:bodyPr>
+              <a:lstStyle/>
+              <a:p>
+                <a14:m>
+                  <m:oMathPara xmlns:m="http://schemas.openxmlformats.org/officeDocument/2006/math">
+                    <m:oMathParaPr>
+                      <m:jc m:val="centerGroup"/>
+                    </m:oMathParaPr>
+                    <m:oMath xmlns:m="http://schemas.openxmlformats.org/officeDocument/2006/math">
+                      <m:r>
+                        <a:rPr lang="en-US" altLang="ko-KR" sz="1400" b="0" i="1" dirty="0" smtClean="0">
+                          <a:latin typeface="Cambria Math"/>
+                          <a:ea typeface="배달의민족 주아" panose="02020603020101020101" pitchFamily="18" charset="-127"/>
+                        </a:rPr>
+                        <m:t>𝑡</m:t>
+                      </m:r>
+                      <m:r>
+                        <a:rPr lang="en-US" altLang="ko-KR" sz="1400" b="0" i="1" dirty="0" smtClean="0">
+                          <a:latin typeface="Cambria Math"/>
+                          <a:ea typeface="배달의민족 주아" panose="02020603020101020101" pitchFamily="18" charset="-127"/>
+                        </a:rPr>
+                        <m:t>=3.16</m:t>
+                      </m:r>
+                      <m:r>
+                        <a:rPr lang="en-US" altLang="ko-KR" sz="1400" i="1" dirty="0" smtClean="0">
+                          <a:latin typeface="Cambria Math"/>
+                          <a:ea typeface="배달의민족 주아" panose="02020603020101020101" pitchFamily="18" charset="-127"/>
+                        </a:rPr>
+                        <m:t>9</m:t>
+                      </m:r>
+                    </m:oMath>
+                  </m:oMathPara>
+                </a14:m>
+                <a:endParaRPr lang="ko-KR" altLang="en-US" sz="1400" dirty="0">
+                  <a:latin typeface="배달의민족 주아" panose="02020603020101020101" pitchFamily="18" charset="-127"/>
+                  <a:ea typeface="배달의민족 주아" panose="02020603020101020101" pitchFamily="18" charset="-127"/>
+                </a:endParaRPr>
+              </a:p>
+            </p:txBody>
+          </p:sp>
+        </mc:Choice>
+        <mc:Fallback>
+          <p:sp>
+            <p:nvSpPr>
+              <p:cNvPr id="28" name="TextBox 27">
+                <a:extLst>
+                  <a:ext uri="{FF2B5EF4-FFF2-40B4-BE49-F238E27FC236}">
+                    <a16:creationId xmlns:a16="http://schemas.microsoft.com/office/drawing/2014/main" xmlns="" id="{61E81D9F-AA9E-4174-AC1E-B87D76501210}"/>
+                  </a:ext>
+                </a:extLst>
+              </p:cNvPr>
+              <p:cNvSpPr txBox="1">
+                <a:spLocks noRot="1" noChangeAspect="1" noMove="1" noResize="1" noEditPoints="1" noAdjustHandles="1" noChangeArrowheads="1" noChangeShapeType="1" noTextEdit="1"/>
+              </p:cNvSpPr>
+              <p:nvPr/>
+            </p:nvSpPr>
+            <p:spPr>
+              <a:xfrm>
+                <a:off x="7668344" y="2378372"/>
+                <a:ext cx="973280" cy="307777"/>
+              </a:xfrm>
+              <a:prstGeom prst="rect">
+                <a:avLst/>
+              </a:prstGeom>
+              <a:blipFill rotWithShape="1">
+                <a:blip r:embed="rId6"/>
+                <a:stretch>
+                  <a:fillRect/>
+                </a:stretch>
+              </a:blipFill>
+            </p:spPr>
+            <p:txBody>
+              <a:bodyPr/>
+              <a:lstStyle/>
+              <a:p>
+                <a:r>
+                  <a:rPr lang="ko-KR" altLang="en-US">
+                    <a:noFill/>
+                  </a:rPr>
+                  <a:t> </a:t>
+                </a:r>
+              </a:p>
+            </p:txBody>
+          </p:sp>
+        </mc:Fallback>
+      </mc:AlternateContent>
+      <mc:AlternateContent xmlns:mc="http://schemas.openxmlformats.org/markup-compatibility/2006">
+        <mc:Choice xmlns:a14="http://schemas.microsoft.com/office/drawing/2010/main" Requires="a14">
+          <p:sp>
+            <p:nvSpPr>
+              <p:cNvPr id="17" name="TextBox 16">
+                <a:extLst>
+                  <a:ext uri="{FF2B5EF4-FFF2-40B4-BE49-F238E27FC236}">
+                    <a16:creationId xmlns:a16="http://schemas.microsoft.com/office/drawing/2014/main" xmlns="" id="{B3BEB89F-A8AF-4478-B6C3-153D634CDB65}"/>
+                  </a:ext>
+                </a:extLst>
+              </p:cNvPr>
+              <p:cNvSpPr txBox="1"/>
+              <p:nvPr/>
+            </p:nvSpPr>
+            <p:spPr>
+              <a:xfrm>
+                <a:off x="2966217" y="2263973"/>
+                <a:ext cx="973279" cy="307777"/>
+              </a:xfrm>
+              <a:prstGeom prst="rect">
+                <a:avLst/>
+              </a:prstGeom>
+              <a:noFill/>
+            </p:spPr>
+            <p:txBody>
+              <a:bodyPr wrap="none" rtlCol="0">
+                <a:spAutoFit/>
+              </a:bodyPr>
+              <a:lstStyle/>
+              <a:p>
+                <a14:m>
+                  <m:oMathPara xmlns:m="http://schemas.openxmlformats.org/officeDocument/2006/math">
+                    <m:oMathParaPr>
+                      <m:jc m:val="centerGroup"/>
+                    </m:oMathParaPr>
+                    <m:oMath xmlns:m="http://schemas.openxmlformats.org/officeDocument/2006/math">
+                      <m:r>
+                        <a:rPr lang="en-US" altLang="ko-KR" sz="1400" b="0" i="1" smtClean="0">
+                          <a:latin typeface="Cambria Math"/>
+                          <a:ea typeface="배달의민족 주아" panose="02020603020101020101" pitchFamily="18" charset="-127"/>
+                        </a:rPr>
+                        <m:t>𝑡</m:t>
+                      </m:r>
+                      <m:r>
+                        <a:rPr lang="en-US" altLang="ko-KR" sz="1400" b="0" i="1" smtClean="0">
+                          <a:latin typeface="Cambria Math"/>
+                          <a:ea typeface="배달의민족 주아" panose="02020603020101020101" pitchFamily="18" charset="-127"/>
+                        </a:rPr>
+                        <m:t>=2.228</m:t>
+                      </m:r>
+                    </m:oMath>
+                  </m:oMathPara>
+                </a14:m>
+                <a:endParaRPr lang="ko-KR" altLang="en-US" sz="1400" i="1" dirty="0">
+                  <a:latin typeface="배달의민족 주아" panose="02020603020101020101" pitchFamily="18" charset="-127"/>
+                  <a:ea typeface="배달의민족 주아" panose="02020603020101020101" pitchFamily="18" charset="-127"/>
+                </a:endParaRPr>
+              </a:p>
+            </p:txBody>
+          </p:sp>
+        </mc:Choice>
+        <mc:Fallback>
+          <p:sp>
+            <p:nvSpPr>
+              <p:cNvPr id="17" name="TextBox 16">
+                <a:extLst>
+                  <a:ext uri="{FF2B5EF4-FFF2-40B4-BE49-F238E27FC236}">
+                    <a16:creationId xmlns:a16="http://schemas.microsoft.com/office/drawing/2014/main" xmlns="" id="{B3BEB89F-A8AF-4478-B6C3-153D634CDB65}"/>
+                  </a:ext>
+                </a:extLst>
+              </p:cNvPr>
+              <p:cNvSpPr txBox="1">
+                <a:spLocks noRot="1" noChangeAspect="1" noMove="1" noResize="1" noEditPoints="1" noAdjustHandles="1" noChangeArrowheads="1" noChangeShapeType="1" noTextEdit="1"/>
+              </p:cNvSpPr>
+              <p:nvPr/>
+            </p:nvSpPr>
+            <p:spPr>
+              <a:xfrm>
+                <a:off x="2966217" y="2263973"/>
+                <a:ext cx="973279" cy="307777"/>
+              </a:xfrm>
+              <a:prstGeom prst="rect">
+                <a:avLst/>
+              </a:prstGeom>
+              <a:blipFill rotWithShape="1">
+                <a:blip r:embed="rId7"/>
+                <a:stretch>
+                  <a:fillRect/>
+                </a:stretch>
+              </a:blipFill>
+            </p:spPr>
+            <p:txBody>
+              <a:bodyPr/>
+              <a:lstStyle/>
+              <a:p>
+                <a:r>
+                  <a:rPr lang="ko-KR" altLang="en-US">
+                    <a:noFill/>
+                  </a:rPr>
+                  <a:t> </a:t>
+                </a:r>
+              </a:p>
+            </p:txBody>
+          </p:sp>
+        </mc:Fallback>
+      </mc:AlternateContent>
     </p:spTree>
     <p:extLst>
       <p:ext uri="{BB962C8B-B14F-4D97-AF65-F5344CB8AC3E}">
@@ -9802,7 +10533,7 @@
           <p:cNvPr id="1026" name="Picture 2">
             <a:extLst>
               <a:ext uri="{FF2B5EF4-FFF2-40B4-BE49-F238E27FC236}">
-                <a16:creationId xmlns:a16="http://schemas.microsoft.com/office/drawing/2014/main" id="{F7A1AD63-4F58-407D-9227-A858A14DD405}"/>
+                <a16:creationId xmlns:a16="http://schemas.microsoft.com/office/drawing/2014/main" xmlns="" id="{F7A1AD63-4F58-407D-9227-A858A14DD405}"/>
               </a:ext>
             </a:extLst>
           </p:cNvPr>
@@ -9849,7 +10580,7 @@
           <p:cNvPr id="6" name="직사각형 5">
             <a:extLst>
               <a:ext uri="{FF2B5EF4-FFF2-40B4-BE49-F238E27FC236}">
-                <a16:creationId xmlns:a16="http://schemas.microsoft.com/office/drawing/2014/main" id="{857B5521-EF3A-46FF-8F95-B68A07DB5518}"/>
+                <a16:creationId xmlns:a16="http://schemas.microsoft.com/office/drawing/2014/main" xmlns="" id="{857B5521-EF3A-46FF-8F95-B68A07DB5518}"/>
               </a:ext>
             </a:extLst>
           </p:cNvPr>
@@ -9901,7 +10632,7 @@
           <p:cNvPr id="8" name="직사각형 7">
             <a:extLst>
               <a:ext uri="{FF2B5EF4-FFF2-40B4-BE49-F238E27FC236}">
-                <a16:creationId xmlns:a16="http://schemas.microsoft.com/office/drawing/2014/main" id="{4AE9AA44-9AAF-4B79-84FA-756B05BAD5E6}"/>
+                <a16:creationId xmlns:a16="http://schemas.microsoft.com/office/drawing/2014/main" xmlns="" id="{4AE9AA44-9AAF-4B79-84FA-756B05BAD5E6}"/>
               </a:ext>
             </a:extLst>
           </p:cNvPr>
@@ -9953,7 +10684,7 @@
           <p:cNvPr id="9" name="직사각형 8">
             <a:extLst>
               <a:ext uri="{FF2B5EF4-FFF2-40B4-BE49-F238E27FC236}">
-                <a16:creationId xmlns:a16="http://schemas.microsoft.com/office/drawing/2014/main" id="{1811F6B1-D2E8-4CF0-8577-B558A14B3288}"/>
+                <a16:creationId xmlns:a16="http://schemas.microsoft.com/office/drawing/2014/main" xmlns="" id="{1811F6B1-D2E8-4CF0-8577-B558A14B3288}"/>
               </a:ext>
             </a:extLst>
           </p:cNvPr>
@@ -10005,7 +10736,7 @@
           <p:cNvPr id="10" name="직사각형 9">
             <a:extLst>
               <a:ext uri="{FF2B5EF4-FFF2-40B4-BE49-F238E27FC236}">
-                <a16:creationId xmlns:a16="http://schemas.microsoft.com/office/drawing/2014/main" id="{4594718F-DAC7-45D6-939A-098E335F97F6}"/>
+                <a16:creationId xmlns:a16="http://schemas.microsoft.com/office/drawing/2014/main" xmlns="" id="{4594718F-DAC7-45D6-939A-098E335F97F6}"/>
               </a:ext>
             </a:extLst>
           </p:cNvPr>
@@ -10229,7 +10960,7 @@
           <p:cNvPr id="18" name="Picture 5" descr="https://static.wikia.nocookie.net/camp_for_bragging_rights/images/0/0e/Stickman.png/revision/latest/scale-to-width-down/768?cb=20200421202819">
             <a:extLst>
               <a:ext uri="{FF2B5EF4-FFF2-40B4-BE49-F238E27FC236}">
-                <a16:creationId xmlns:a16="http://schemas.microsoft.com/office/drawing/2014/main" id="{9A65917C-C1CA-4BEC-9A52-5C956AACE051}"/>
+                <a16:creationId xmlns:a16="http://schemas.microsoft.com/office/drawing/2014/main" xmlns="" id="{9A65917C-C1CA-4BEC-9A52-5C956AACE051}"/>
               </a:ext>
             </a:extLst>
           </p:cNvPr>
@@ -10274,7 +11005,7 @@
           <p:cNvPr id="19" name="Picture 5" descr="https://static.wikia.nocookie.net/camp_for_bragging_rights/images/0/0e/Stickman.png/revision/latest/scale-to-width-down/768?cb=20200421202819">
             <a:extLst>
               <a:ext uri="{FF2B5EF4-FFF2-40B4-BE49-F238E27FC236}">
-                <a16:creationId xmlns:a16="http://schemas.microsoft.com/office/drawing/2014/main" id="{F1121B1F-EE41-4C1B-A4FF-E4A7E2BB5450}"/>
+                <a16:creationId xmlns:a16="http://schemas.microsoft.com/office/drawing/2014/main" xmlns="" id="{F1121B1F-EE41-4C1B-A4FF-E4A7E2BB5450}"/>
               </a:ext>
             </a:extLst>
           </p:cNvPr>
@@ -10319,7 +11050,7 @@
           <p:cNvPr id="21" name="Picture 5" descr="https://static.wikia.nocookie.net/camp_for_bragging_rights/images/0/0e/Stickman.png/revision/latest/scale-to-width-down/768?cb=20200421202819">
             <a:extLst>
               <a:ext uri="{FF2B5EF4-FFF2-40B4-BE49-F238E27FC236}">
-                <a16:creationId xmlns:a16="http://schemas.microsoft.com/office/drawing/2014/main" id="{9ECD7B91-B619-4636-87A0-189262FB9A6D}"/>
+                <a16:creationId xmlns:a16="http://schemas.microsoft.com/office/drawing/2014/main" xmlns="" id="{9ECD7B91-B619-4636-87A0-189262FB9A6D}"/>
               </a:ext>
             </a:extLst>
           </p:cNvPr>
@@ -10364,7 +11095,7 @@
           <p:cNvPr id="22" name="Picture 5" descr="https://static.wikia.nocookie.net/camp_for_bragging_rights/images/0/0e/Stickman.png/revision/latest/scale-to-width-down/768?cb=20200421202819">
             <a:extLst>
               <a:ext uri="{FF2B5EF4-FFF2-40B4-BE49-F238E27FC236}">
-                <a16:creationId xmlns:a16="http://schemas.microsoft.com/office/drawing/2014/main" id="{DC2B6D8A-A3D6-4E2F-A10C-DE84D59F5BE9}"/>
+                <a16:creationId xmlns:a16="http://schemas.microsoft.com/office/drawing/2014/main" xmlns="" id="{DC2B6D8A-A3D6-4E2F-A10C-DE84D59F5BE9}"/>
               </a:ext>
             </a:extLst>
           </p:cNvPr>
@@ -10409,7 +11140,7 @@
           <p:cNvPr id="24" name="Picture 5" descr="https://static.wikia.nocookie.net/camp_for_bragging_rights/images/0/0e/Stickman.png/revision/latest/scale-to-width-down/768?cb=20200421202819">
             <a:extLst>
               <a:ext uri="{FF2B5EF4-FFF2-40B4-BE49-F238E27FC236}">
-                <a16:creationId xmlns:a16="http://schemas.microsoft.com/office/drawing/2014/main" id="{1C145F8A-033D-44CD-AC67-E266F8E4BB59}"/>
+                <a16:creationId xmlns:a16="http://schemas.microsoft.com/office/drawing/2014/main" xmlns="" id="{1C145F8A-033D-44CD-AC67-E266F8E4BB59}"/>
               </a:ext>
             </a:extLst>
           </p:cNvPr>
@@ -10454,7 +11185,7 @@
           <p:cNvPr id="25" name="Picture 5" descr="https://static.wikia.nocookie.net/camp_for_bragging_rights/images/0/0e/Stickman.png/revision/latest/scale-to-width-down/768?cb=20200421202819">
             <a:extLst>
               <a:ext uri="{FF2B5EF4-FFF2-40B4-BE49-F238E27FC236}">
-                <a16:creationId xmlns:a16="http://schemas.microsoft.com/office/drawing/2014/main" id="{C7076C6E-49B2-482B-B7FD-673C2E277859}"/>
+                <a16:creationId xmlns:a16="http://schemas.microsoft.com/office/drawing/2014/main" xmlns="" id="{C7076C6E-49B2-482B-B7FD-673C2E277859}"/>
               </a:ext>
             </a:extLst>
           </p:cNvPr>
@@ -10499,7 +11230,7 @@
           <p:cNvPr id="27" name="Picture 5" descr="https://static.wikia.nocookie.net/camp_for_bragging_rights/images/0/0e/Stickman.png/revision/latest/scale-to-width-down/768?cb=20200421202819">
             <a:extLst>
               <a:ext uri="{FF2B5EF4-FFF2-40B4-BE49-F238E27FC236}">
-                <a16:creationId xmlns:a16="http://schemas.microsoft.com/office/drawing/2014/main" id="{438C0570-91B7-4FE2-BD54-69A36C8127B2}"/>
+                <a16:creationId xmlns:a16="http://schemas.microsoft.com/office/drawing/2014/main" xmlns="" id="{438C0570-91B7-4FE2-BD54-69A36C8127B2}"/>
               </a:ext>
             </a:extLst>
           </p:cNvPr>
@@ -10544,7 +11275,7 @@
           <p:cNvPr id="28" name="Picture 5" descr="https://static.wikia.nocookie.net/camp_for_bragging_rights/images/0/0e/Stickman.png/revision/latest/scale-to-width-down/768?cb=20200421202819">
             <a:extLst>
               <a:ext uri="{FF2B5EF4-FFF2-40B4-BE49-F238E27FC236}">
-                <a16:creationId xmlns:a16="http://schemas.microsoft.com/office/drawing/2014/main" id="{8BCEA209-287B-426A-A89E-AC8DF719D3FA}"/>
+                <a16:creationId xmlns:a16="http://schemas.microsoft.com/office/drawing/2014/main" xmlns="" id="{8BCEA209-287B-426A-A89E-AC8DF719D3FA}"/>
               </a:ext>
             </a:extLst>
           </p:cNvPr>
@@ -10589,7 +11320,7 @@
           <p:cNvPr id="29" name="Picture 5" descr="https://static.wikia.nocookie.net/camp_for_bragging_rights/images/0/0e/Stickman.png/revision/latest/scale-to-width-down/768?cb=20200421202819">
             <a:extLst>
               <a:ext uri="{FF2B5EF4-FFF2-40B4-BE49-F238E27FC236}">
-                <a16:creationId xmlns:a16="http://schemas.microsoft.com/office/drawing/2014/main" id="{E7EED442-9BA4-4F3F-839B-37181C011DA7}"/>
+                <a16:creationId xmlns:a16="http://schemas.microsoft.com/office/drawing/2014/main" xmlns="" id="{E7EED442-9BA4-4F3F-839B-37181C011DA7}"/>
               </a:ext>
             </a:extLst>
           </p:cNvPr>
@@ -10634,7 +11365,7 @@
           <p:cNvPr id="30" name="Picture 5" descr="https://static.wikia.nocookie.net/camp_for_bragging_rights/images/0/0e/Stickman.png/revision/latest/scale-to-width-down/768?cb=20200421202819">
             <a:extLst>
               <a:ext uri="{FF2B5EF4-FFF2-40B4-BE49-F238E27FC236}">
-                <a16:creationId xmlns:a16="http://schemas.microsoft.com/office/drawing/2014/main" id="{38834A16-D595-40C8-A3F7-ED057947C587}"/>
+                <a16:creationId xmlns:a16="http://schemas.microsoft.com/office/drawing/2014/main" xmlns="" id="{38834A16-D595-40C8-A3F7-ED057947C587}"/>
               </a:ext>
             </a:extLst>
           </p:cNvPr>
@@ -10679,7 +11410,7 @@
           <p:cNvPr id="31" name="Picture 5" descr="https://static.wikia.nocookie.net/camp_for_bragging_rights/images/0/0e/Stickman.png/revision/latest/scale-to-width-down/768?cb=20200421202819">
             <a:extLst>
               <a:ext uri="{FF2B5EF4-FFF2-40B4-BE49-F238E27FC236}">
-                <a16:creationId xmlns:a16="http://schemas.microsoft.com/office/drawing/2014/main" id="{24399884-A42D-47A5-9C67-4C931EA71D2E}"/>
+                <a16:creationId xmlns:a16="http://schemas.microsoft.com/office/drawing/2014/main" xmlns="" id="{24399884-A42D-47A5-9C67-4C931EA71D2E}"/>
               </a:ext>
             </a:extLst>
           </p:cNvPr>
@@ -10724,7 +11455,7 @@
           <p:cNvPr id="34" name="Picture 5" descr="https://static.wikia.nocookie.net/camp_for_bragging_rights/images/0/0e/Stickman.png/revision/latest/scale-to-width-down/768?cb=20200421202819">
             <a:extLst>
               <a:ext uri="{FF2B5EF4-FFF2-40B4-BE49-F238E27FC236}">
-                <a16:creationId xmlns:a16="http://schemas.microsoft.com/office/drawing/2014/main" id="{B65EC2D2-819F-48CD-B299-89B81CECF1D1}"/>
+                <a16:creationId xmlns:a16="http://schemas.microsoft.com/office/drawing/2014/main" xmlns="" id="{B65EC2D2-819F-48CD-B299-89B81CECF1D1}"/>
               </a:ext>
             </a:extLst>
           </p:cNvPr>
@@ -10769,7 +11500,7 @@
           <p:cNvPr id="35" name="Picture 5" descr="https://static.wikia.nocookie.net/camp_for_bragging_rights/images/0/0e/Stickman.png/revision/latest/scale-to-width-down/768?cb=20200421202819">
             <a:extLst>
               <a:ext uri="{FF2B5EF4-FFF2-40B4-BE49-F238E27FC236}">
-                <a16:creationId xmlns:a16="http://schemas.microsoft.com/office/drawing/2014/main" id="{C6C7D888-4A76-4FAA-8DBE-055AEB48DD0D}"/>
+                <a16:creationId xmlns:a16="http://schemas.microsoft.com/office/drawing/2014/main" xmlns="" id="{C6C7D888-4A76-4FAA-8DBE-055AEB48DD0D}"/>
               </a:ext>
             </a:extLst>
           </p:cNvPr>
@@ -10814,7 +11545,7 @@
           <p:cNvPr id="36" name="Picture 5" descr="https://static.wikia.nocookie.net/camp_for_bragging_rights/images/0/0e/Stickman.png/revision/latest/scale-to-width-down/768?cb=20200421202819">
             <a:extLst>
               <a:ext uri="{FF2B5EF4-FFF2-40B4-BE49-F238E27FC236}">
-                <a16:creationId xmlns:a16="http://schemas.microsoft.com/office/drawing/2014/main" id="{E737EE91-3827-4F67-9207-A45EC72DCDC0}"/>
+                <a16:creationId xmlns:a16="http://schemas.microsoft.com/office/drawing/2014/main" xmlns="" id="{E737EE91-3827-4F67-9207-A45EC72DCDC0}"/>
               </a:ext>
             </a:extLst>
           </p:cNvPr>
@@ -10859,7 +11590,7 @@
           <p:cNvPr id="37" name="Picture 5" descr="https://static.wikia.nocookie.net/camp_for_bragging_rights/images/0/0e/Stickman.png/revision/latest/scale-to-width-down/768?cb=20200421202819">
             <a:extLst>
               <a:ext uri="{FF2B5EF4-FFF2-40B4-BE49-F238E27FC236}">
-                <a16:creationId xmlns:a16="http://schemas.microsoft.com/office/drawing/2014/main" id="{FEC3BF5D-3598-4F48-9B93-F18FAB88B350}"/>
+                <a16:creationId xmlns:a16="http://schemas.microsoft.com/office/drawing/2014/main" xmlns="" id="{FEC3BF5D-3598-4F48-9B93-F18FAB88B350}"/>
               </a:ext>
             </a:extLst>
           </p:cNvPr>
@@ -10904,7 +11635,7 @@
           <p:cNvPr id="38" name="Picture 5" descr="https://static.wikia.nocookie.net/camp_for_bragging_rights/images/0/0e/Stickman.png/revision/latest/scale-to-width-down/768?cb=20200421202819">
             <a:extLst>
               <a:ext uri="{FF2B5EF4-FFF2-40B4-BE49-F238E27FC236}">
-                <a16:creationId xmlns:a16="http://schemas.microsoft.com/office/drawing/2014/main" id="{26EC4890-C91B-452F-B84A-A40946AA2F2E}"/>
+                <a16:creationId xmlns:a16="http://schemas.microsoft.com/office/drawing/2014/main" xmlns="" id="{26EC4890-C91B-452F-B84A-A40946AA2F2E}"/>
               </a:ext>
             </a:extLst>
           </p:cNvPr>
@@ -10949,7 +11680,7 @@
           <p:cNvPr id="39" name="Picture 5" descr="https://static.wikia.nocookie.net/camp_for_bragging_rights/images/0/0e/Stickman.png/revision/latest/scale-to-width-down/768?cb=20200421202819">
             <a:extLst>
               <a:ext uri="{FF2B5EF4-FFF2-40B4-BE49-F238E27FC236}">
-                <a16:creationId xmlns:a16="http://schemas.microsoft.com/office/drawing/2014/main" id="{35D5B4E5-72B3-48E0-896B-069F91006CBE}"/>
+                <a16:creationId xmlns:a16="http://schemas.microsoft.com/office/drawing/2014/main" xmlns="" id="{35D5B4E5-72B3-48E0-896B-069F91006CBE}"/>
               </a:ext>
             </a:extLst>
           </p:cNvPr>
@@ -10994,7 +11725,7 @@
           <p:cNvPr id="40" name="Picture 5" descr="https://static.wikia.nocookie.net/camp_for_bragging_rights/images/0/0e/Stickman.png/revision/latest/scale-to-width-down/768?cb=20200421202819">
             <a:extLst>
               <a:ext uri="{FF2B5EF4-FFF2-40B4-BE49-F238E27FC236}">
-                <a16:creationId xmlns:a16="http://schemas.microsoft.com/office/drawing/2014/main" id="{4A714B0B-EE6B-4177-9AB6-36C950C4A3FD}"/>
+                <a16:creationId xmlns:a16="http://schemas.microsoft.com/office/drawing/2014/main" xmlns="" id="{4A714B0B-EE6B-4177-9AB6-36C950C4A3FD}"/>
               </a:ext>
             </a:extLst>
           </p:cNvPr>
@@ -11039,7 +11770,7 @@
           <p:cNvPr id="41" name="Picture 5" descr="https://static.wikia.nocookie.net/camp_for_bragging_rights/images/0/0e/Stickman.png/revision/latest/scale-to-width-down/768?cb=20200421202819">
             <a:extLst>
               <a:ext uri="{FF2B5EF4-FFF2-40B4-BE49-F238E27FC236}">
-                <a16:creationId xmlns:a16="http://schemas.microsoft.com/office/drawing/2014/main" id="{3B49E87C-0761-4481-9C7B-7B75ACF4E60B}"/>
+                <a16:creationId xmlns:a16="http://schemas.microsoft.com/office/drawing/2014/main" xmlns="" id="{3B49E87C-0761-4481-9C7B-7B75ACF4E60B}"/>
               </a:ext>
             </a:extLst>
           </p:cNvPr>
@@ -11084,7 +11815,7 @@
           <p:cNvPr id="42" name="Picture 5" descr="https://static.wikia.nocookie.net/camp_for_bragging_rights/images/0/0e/Stickman.png/revision/latest/scale-to-width-down/768?cb=20200421202819">
             <a:extLst>
               <a:ext uri="{FF2B5EF4-FFF2-40B4-BE49-F238E27FC236}">
-                <a16:creationId xmlns:a16="http://schemas.microsoft.com/office/drawing/2014/main" id="{80493075-C508-4CFD-8712-B61F4FBAA805}"/>
+                <a16:creationId xmlns:a16="http://schemas.microsoft.com/office/drawing/2014/main" xmlns="" id="{80493075-C508-4CFD-8712-B61F4FBAA805}"/>
               </a:ext>
             </a:extLst>
           </p:cNvPr>
@@ -11129,7 +11860,7 @@
           <p:cNvPr id="43" name="Picture 5" descr="https://static.wikia.nocookie.net/camp_for_bragging_rights/images/0/0e/Stickman.png/revision/latest/scale-to-width-down/768?cb=20200421202819">
             <a:extLst>
               <a:ext uri="{FF2B5EF4-FFF2-40B4-BE49-F238E27FC236}">
-                <a16:creationId xmlns:a16="http://schemas.microsoft.com/office/drawing/2014/main" id="{FB8C632B-13F1-48D5-93F4-A16AFC766A1A}"/>
+                <a16:creationId xmlns:a16="http://schemas.microsoft.com/office/drawing/2014/main" xmlns="" id="{FB8C632B-13F1-48D5-93F4-A16AFC766A1A}"/>
               </a:ext>
             </a:extLst>
           </p:cNvPr>
@@ -11174,7 +11905,7 @@
           <p:cNvPr id="44" name="Picture 5" descr="https://static.wikia.nocookie.net/camp_for_bragging_rights/images/0/0e/Stickman.png/revision/latest/scale-to-width-down/768?cb=20200421202819">
             <a:extLst>
               <a:ext uri="{FF2B5EF4-FFF2-40B4-BE49-F238E27FC236}">
-                <a16:creationId xmlns:a16="http://schemas.microsoft.com/office/drawing/2014/main" id="{4CA3E50E-EEB4-4F81-A532-D33A31B4B8AD}"/>
+                <a16:creationId xmlns:a16="http://schemas.microsoft.com/office/drawing/2014/main" xmlns="" id="{4CA3E50E-EEB4-4F81-A532-D33A31B4B8AD}"/>
               </a:ext>
             </a:extLst>
           </p:cNvPr>
@@ -11219,7 +11950,7 @@
           <p:cNvPr id="45" name="Picture 6" descr="C:\Users\biosensor1\Documents\카카오톡 받은 파일\KakaoTalk_20210112_172206730.png">
             <a:extLst>
               <a:ext uri="{FF2B5EF4-FFF2-40B4-BE49-F238E27FC236}">
-                <a16:creationId xmlns:a16="http://schemas.microsoft.com/office/drawing/2014/main" id="{F2FDEE37-5688-4014-8A2E-D0120CE06B30}"/>
+                <a16:creationId xmlns:a16="http://schemas.microsoft.com/office/drawing/2014/main" xmlns="" id="{F2FDEE37-5688-4014-8A2E-D0120CE06B30}"/>
               </a:ext>
             </a:extLst>
           </p:cNvPr>
@@ -11266,7 +11997,7 @@
           <p:cNvPr id="46" name="Picture 6" descr="C:\Users\biosensor1\Documents\카카오톡 받은 파일\KakaoTalk_20210112_172206730.png">
             <a:extLst>
               <a:ext uri="{FF2B5EF4-FFF2-40B4-BE49-F238E27FC236}">
-                <a16:creationId xmlns:a16="http://schemas.microsoft.com/office/drawing/2014/main" id="{29B039A2-A7DE-4B77-AFE1-171E62ADE9BD}"/>
+                <a16:creationId xmlns:a16="http://schemas.microsoft.com/office/drawing/2014/main" xmlns="" id="{29B039A2-A7DE-4B77-AFE1-171E62ADE9BD}"/>
               </a:ext>
             </a:extLst>
           </p:cNvPr>
@@ -11313,7 +12044,7 @@
           <p:cNvPr id="47" name="Picture 6" descr="C:\Users\biosensor1\Documents\카카오톡 받은 파일\KakaoTalk_20210112_172206730.png">
             <a:extLst>
               <a:ext uri="{FF2B5EF4-FFF2-40B4-BE49-F238E27FC236}">
-                <a16:creationId xmlns:a16="http://schemas.microsoft.com/office/drawing/2014/main" id="{5F2858DA-151B-4D69-A22F-F04EE730E70F}"/>
+                <a16:creationId xmlns:a16="http://schemas.microsoft.com/office/drawing/2014/main" xmlns="" id="{5F2858DA-151B-4D69-A22F-F04EE730E70F}"/>
               </a:ext>
             </a:extLst>
           </p:cNvPr>
@@ -11360,7 +12091,7 @@
           <p:cNvPr id="48" name="Picture 6" descr="C:\Users\biosensor1\Documents\카카오톡 받은 파일\KakaoTalk_20210112_172206730.png">
             <a:extLst>
               <a:ext uri="{FF2B5EF4-FFF2-40B4-BE49-F238E27FC236}">
-                <a16:creationId xmlns:a16="http://schemas.microsoft.com/office/drawing/2014/main" id="{A0571733-BB80-40C7-8439-D585F8D67BB8}"/>
+                <a16:creationId xmlns:a16="http://schemas.microsoft.com/office/drawing/2014/main" xmlns="" id="{A0571733-BB80-40C7-8439-D585F8D67BB8}"/>
               </a:ext>
             </a:extLst>
           </p:cNvPr>
@@ -11407,7 +12138,7 @@
           <p:cNvPr id="49" name="Picture 6" descr="C:\Users\biosensor1\Documents\카카오톡 받은 파일\KakaoTalk_20210112_172206730.png">
             <a:extLst>
               <a:ext uri="{FF2B5EF4-FFF2-40B4-BE49-F238E27FC236}">
-                <a16:creationId xmlns:a16="http://schemas.microsoft.com/office/drawing/2014/main" id="{2F3CE1D9-850E-47D1-AB26-B6D1C30B73E2}"/>
+                <a16:creationId xmlns:a16="http://schemas.microsoft.com/office/drawing/2014/main" xmlns="" id="{2F3CE1D9-850E-47D1-AB26-B6D1C30B73E2}"/>
               </a:ext>
             </a:extLst>
           </p:cNvPr>
@@ -11454,7 +12185,7 @@
           <p:cNvPr id="50" name="Picture 5" descr="https://static.wikia.nocookie.net/camp_for_bragging_rights/images/0/0e/Stickman.png/revision/latest/scale-to-width-down/768?cb=20200421202819">
             <a:extLst>
               <a:ext uri="{FF2B5EF4-FFF2-40B4-BE49-F238E27FC236}">
-                <a16:creationId xmlns:a16="http://schemas.microsoft.com/office/drawing/2014/main" id="{29A2B1A7-8A49-4243-A805-9BBB7A5FCF4C}"/>
+                <a16:creationId xmlns:a16="http://schemas.microsoft.com/office/drawing/2014/main" xmlns="" id="{29A2B1A7-8A49-4243-A805-9BBB7A5FCF4C}"/>
               </a:ext>
             </a:extLst>
           </p:cNvPr>
@@ -11499,7 +12230,7 @@
           <p:cNvPr id="51" name="Picture 6" descr="C:\Users\biosensor1\Documents\카카오톡 받은 파일\KakaoTalk_20210112_172206730.png">
             <a:extLst>
               <a:ext uri="{FF2B5EF4-FFF2-40B4-BE49-F238E27FC236}">
-                <a16:creationId xmlns:a16="http://schemas.microsoft.com/office/drawing/2014/main" id="{EDD2DED5-4563-465C-9F25-31FF9AEF9D61}"/>
+                <a16:creationId xmlns:a16="http://schemas.microsoft.com/office/drawing/2014/main" xmlns="" id="{EDD2DED5-4563-465C-9F25-31FF9AEF9D61}"/>
               </a:ext>
             </a:extLst>
           </p:cNvPr>
@@ -11546,7 +12277,7 @@
           <p:cNvPr id="2" name="TextBox 1">
             <a:extLst>
               <a:ext uri="{FF2B5EF4-FFF2-40B4-BE49-F238E27FC236}">
-                <a16:creationId xmlns:a16="http://schemas.microsoft.com/office/drawing/2014/main" id="{20756ED3-AF96-4DCA-A7CF-837BA2AE3095}"/>
+                <a16:creationId xmlns:a16="http://schemas.microsoft.com/office/drawing/2014/main" xmlns="" id="{20756ED3-AF96-4DCA-A7CF-837BA2AE3095}"/>
               </a:ext>
             </a:extLst>
           </p:cNvPr>
@@ -11591,7 +12322,7 @@
           <p:cNvPr id="53" name="TextBox 52">
             <a:extLst>
               <a:ext uri="{FF2B5EF4-FFF2-40B4-BE49-F238E27FC236}">
-                <a16:creationId xmlns:a16="http://schemas.microsoft.com/office/drawing/2014/main" id="{601D5D9B-7FCE-44E6-BD85-E492798A8DEE}"/>
+                <a16:creationId xmlns:a16="http://schemas.microsoft.com/office/drawing/2014/main" xmlns="" id="{601D5D9B-7FCE-44E6-BD85-E492798A8DEE}"/>
               </a:ext>
             </a:extLst>
           </p:cNvPr>
@@ -11636,7 +12367,7 @@
           <p:cNvPr id="88" name="그림 87" descr="텍스트, 클립아트이(가) 표시된 사진&#10;&#10;자동 생성된 설명">
             <a:extLst>
               <a:ext uri="{FF2B5EF4-FFF2-40B4-BE49-F238E27FC236}">
-                <a16:creationId xmlns:a16="http://schemas.microsoft.com/office/drawing/2014/main" id="{C0827379-6B36-40E4-B3D2-1B6706294095}"/>
+                <a16:creationId xmlns:a16="http://schemas.microsoft.com/office/drawing/2014/main" xmlns="" id="{C0827379-6B36-40E4-B3D2-1B6706294095}"/>
               </a:ext>
             </a:extLst>
           </p:cNvPr>
@@ -11680,7 +12411,7 @@
           <p:cNvPr id="92" name="TextBox 91">
             <a:extLst>
               <a:ext uri="{FF2B5EF4-FFF2-40B4-BE49-F238E27FC236}">
-                <a16:creationId xmlns:a16="http://schemas.microsoft.com/office/drawing/2014/main" id="{7D99E92A-139F-42A3-9FEB-6722EF039862}"/>
+                <a16:creationId xmlns:a16="http://schemas.microsoft.com/office/drawing/2014/main" xmlns="" id="{7D99E92A-139F-42A3-9FEB-6722EF039862}"/>
               </a:ext>
             </a:extLst>
           </p:cNvPr>
@@ -11737,7 +12468,7 @@
           <p:cNvPr id="54" name="직선 연결선 53">
             <a:extLst>
               <a:ext uri="{FF2B5EF4-FFF2-40B4-BE49-F238E27FC236}">
-                <a16:creationId xmlns:a16="http://schemas.microsoft.com/office/drawing/2014/main" id="{C0E7FF59-BEE0-4C00-9F83-E09D00B0C516}"/>
+                <a16:creationId xmlns:a16="http://schemas.microsoft.com/office/drawing/2014/main" xmlns="" id="{C0E7FF59-BEE0-4C00-9F83-E09D00B0C516}"/>
               </a:ext>
             </a:extLst>
           </p:cNvPr>
@@ -11845,7 +12576,7 @@
           <p:cNvPr id="4" name="TextBox 3">
             <a:extLst>
               <a:ext uri="{FF2B5EF4-FFF2-40B4-BE49-F238E27FC236}">
-                <a16:creationId xmlns:a16="http://schemas.microsoft.com/office/drawing/2014/main" id="{C04AFB07-A04F-4BA4-AFC3-446CE5957D9D}"/>
+                <a16:creationId xmlns:a16="http://schemas.microsoft.com/office/drawing/2014/main" xmlns="" id="{C04AFB07-A04F-4BA4-AFC3-446CE5957D9D}"/>
               </a:ext>
             </a:extLst>
           </p:cNvPr>
@@ -11883,7 +12614,7 @@
           <p:cNvPr id="56" name="TextBox 55">
             <a:extLst>
               <a:ext uri="{FF2B5EF4-FFF2-40B4-BE49-F238E27FC236}">
-                <a16:creationId xmlns:a16="http://schemas.microsoft.com/office/drawing/2014/main" id="{B6A70F32-8562-4E73-BD1D-CF9D36148B17}"/>
+                <a16:creationId xmlns:a16="http://schemas.microsoft.com/office/drawing/2014/main" xmlns="" id="{B6A70F32-8562-4E73-BD1D-CF9D36148B17}"/>
               </a:ext>
             </a:extLst>
           </p:cNvPr>
@@ -11921,7 +12652,7 @@
           <p:cNvPr id="57" name="TextBox 56">
             <a:extLst>
               <a:ext uri="{FF2B5EF4-FFF2-40B4-BE49-F238E27FC236}">
-                <a16:creationId xmlns:a16="http://schemas.microsoft.com/office/drawing/2014/main" id="{69C2B872-9BEB-4D28-96BF-A163FA23B2AE}"/>
+                <a16:creationId xmlns:a16="http://schemas.microsoft.com/office/drawing/2014/main" xmlns="" id="{69C2B872-9BEB-4D28-96BF-A163FA23B2AE}"/>
               </a:ext>
             </a:extLst>
           </p:cNvPr>
@@ -11959,7 +12690,7 @@
           <p:cNvPr id="58" name="TextBox 57">
             <a:extLst>
               <a:ext uri="{FF2B5EF4-FFF2-40B4-BE49-F238E27FC236}">
-                <a16:creationId xmlns:a16="http://schemas.microsoft.com/office/drawing/2014/main" id="{EF643D31-A1D1-4965-BB3A-247350DB9036}"/>
+                <a16:creationId xmlns:a16="http://schemas.microsoft.com/office/drawing/2014/main" xmlns="" id="{EF643D31-A1D1-4965-BB3A-247350DB9036}"/>
               </a:ext>
             </a:extLst>
           </p:cNvPr>
@@ -11997,7 +12728,7 @@
           <p:cNvPr id="59" name="TextBox 58">
             <a:extLst>
               <a:ext uri="{FF2B5EF4-FFF2-40B4-BE49-F238E27FC236}">
-                <a16:creationId xmlns:a16="http://schemas.microsoft.com/office/drawing/2014/main" id="{CEFEF120-AE30-4C7C-8637-42BDD97D4151}"/>
+                <a16:creationId xmlns:a16="http://schemas.microsoft.com/office/drawing/2014/main" xmlns="" id="{CEFEF120-AE30-4C7C-8637-42BDD97D4151}"/>
               </a:ext>
             </a:extLst>
           </p:cNvPr>
@@ -12035,7 +12766,7 @@
           <p:cNvPr id="60" name="TextBox 59">
             <a:extLst>
               <a:ext uri="{FF2B5EF4-FFF2-40B4-BE49-F238E27FC236}">
-                <a16:creationId xmlns:a16="http://schemas.microsoft.com/office/drawing/2014/main" id="{1EF9F216-41A4-4695-A143-7F795D43D60F}"/>
+                <a16:creationId xmlns:a16="http://schemas.microsoft.com/office/drawing/2014/main" xmlns="" id="{1EF9F216-41A4-4695-A143-7F795D43D60F}"/>
               </a:ext>
             </a:extLst>
           </p:cNvPr>
@@ -12073,7 +12804,7 @@
           <p:cNvPr id="61" name="TextBox 60">
             <a:extLst>
               <a:ext uri="{FF2B5EF4-FFF2-40B4-BE49-F238E27FC236}">
-                <a16:creationId xmlns:a16="http://schemas.microsoft.com/office/drawing/2014/main" id="{2A0E21AB-25E9-49DD-ADB4-0D3EC75B25A1}"/>
+                <a16:creationId xmlns:a16="http://schemas.microsoft.com/office/drawing/2014/main" xmlns="" id="{2A0E21AB-25E9-49DD-ADB4-0D3EC75B25A1}"/>
               </a:ext>
             </a:extLst>
           </p:cNvPr>
@@ -12111,7 +12842,7 @@
           <p:cNvPr id="62" name="TextBox 61">
             <a:extLst>
               <a:ext uri="{FF2B5EF4-FFF2-40B4-BE49-F238E27FC236}">
-                <a16:creationId xmlns:a16="http://schemas.microsoft.com/office/drawing/2014/main" id="{74F7DFBB-01DD-4E1C-AA49-53D5262B1568}"/>
+                <a16:creationId xmlns:a16="http://schemas.microsoft.com/office/drawing/2014/main" xmlns="" id="{74F7DFBB-01DD-4E1C-AA49-53D5262B1568}"/>
               </a:ext>
             </a:extLst>
           </p:cNvPr>
@@ -12149,7 +12880,7 @@
           <p:cNvPr id="63" name="TextBox 62">
             <a:extLst>
               <a:ext uri="{FF2B5EF4-FFF2-40B4-BE49-F238E27FC236}">
-                <a16:creationId xmlns:a16="http://schemas.microsoft.com/office/drawing/2014/main" id="{A80CF1C4-9476-4397-A3ED-365156FF8C0B}"/>
+                <a16:creationId xmlns:a16="http://schemas.microsoft.com/office/drawing/2014/main" xmlns="" id="{A80CF1C4-9476-4397-A3ED-365156FF8C0B}"/>
               </a:ext>
             </a:extLst>
           </p:cNvPr>
@@ -12187,7 +12918,7 @@
           <p:cNvPr id="64" name="TextBox 63">
             <a:extLst>
               <a:ext uri="{FF2B5EF4-FFF2-40B4-BE49-F238E27FC236}">
-                <a16:creationId xmlns:a16="http://schemas.microsoft.com/office/drawing/2014/main" id="{BE0C0FF2-734F-440D-9121-2CA00E623972}"/>
+                <a16:creationId xmlns:a16="http://schemas.microsoft.com/office/drawing/2014/main" xmlns="" id="{BE0C0FF2-734F-440D-9121-2CA00E623972}"/>
               </a:ext>
             </a:extLst>
           </p:cNvPr>
@@ -12225,7 +12956,7 @@
           <p:cNvPr id="65" name="TextBox 64">
             <a:extLst>
               <a:ext uri="{FF2B5EF4-FFF2-40B4-BE49-F238E27FC236}">
-                <a16:creationId xmlns:a16="http://schemas.microsoft.com/office/drawing/2014/main" id="{75621EA3-8E7A-411B-81FC-098BF5452E03}"/>
+                <a16:creationId xmlns:a16="http://schemas.microsoft.com/office/drawing/2014/main" xmlns="" id="{75621EA3-8E7A-411B-81FC-098BF5452E03}"/>
               </a:ext>
             </a:extLst>
           </p:cNvPr>
@@ -12263,7 +12994,7 @@
           <p:cNvPr id="66" name="TextBox 65">
             <a:extLst>
               <a:ext uri="{FF2B5EF4-FFF2-40B4-BE49-F238E27FC236}">
-                <a16:creationId xmlns:a16="http://schemas.microsoft.com/office/drawing/2014/main" id="{C1FA5586-4F2E-4F6A-A0FA-1855CDED3BDC}"/>
+                <a16:creationId xmlns:a16="http://schemas.microsoft.com/office/drawing/2014/main" xmlns="" id="{C1FA5586-4F2E-4F6A-A0FA-1855CDED3BDC}"/>
               </a:ext>
             </a:extLst>
           </p:cNvPr>
@@ -12301,7 +13032,7 @@
           <p:cNvPr id="67" name="TextBox 66">
             <a:extLst>
               <a:ext uri="{FF2B5EF4-FFF2-40B4-BE49-F238E27FC236}">
-                <a16:creationId xmlns:a16="http://schemas.microsoft.com/office/drawing/2014/main" id="{141486BF-6F45-441A-95F3-D175221A8176}"/>
+                <a16:creationId xmlns:a16="http://schemas.microsoft.com/office/drawing/2014/main" xmlns="" id="{141486BF-6F45-441A-95F3-D175221A8176}"/>
               </a:ext>
             </a:extLst>
           </p:cNvPr>
@@ -12339,7 +13070,7 @@
           <p:cNvPr id="68" name="TextBox 67">
             <a:extLst>
               <a:ext uri="{FF2B5EF4-FFF2-40B4-BE49-F238E27FC236}">
-                <a16:creationId xmlns:a16="http://schemas.microsoft.com/office/drawing/2014/main" id="{D1BF9F06-0991-468D-8349-6B35F7061937}"/>
+                <a16:creationId xmlns:a16="http://schemas.microsoft.com/office/drawing/2014/main" xmlns="" id="{D1BF9F06-0991-468D-8349-6B35F7061937}"/>
               </a:ext>
             </a:extLst>
           </p:cNvPr>
@@ -12377,7 +13108,7 @@
           <p:cNvPr id="69" name="TextBox 68">
             <a:extLst>
               <a:ext uri="{FF2B5EF4-FFF2-40B4-BE49-F238E27FC236}">
-                <a16:creationId xmlns:a16="http://schemas.microsoft.com/office/drawing/2014/main" id="{298D047E-0D35-48CC-B73B-A5246B507DEC}"/>
+                <a16:creationId xmlns:a16="http://schemas.microsoft.com/office/drawing/2014/main" xmlns="" id="{298D047E-0D35-48CC-B73B-A5246B507DEC}"/>
               </a:ext>
             </a:extLst>
           </p:cNvPr>
@@ -12415,7 +13146,7 @@
           <p:cNvPr id="70" name="TextBox 69">
             <a:extLst>
               <a:ext uri="{FF2B5EF4-FFF2-40B4-BE49-F238E27FC236}">
-                <a16:creationId xmlns:a16="http://schemas.microsoft.com/office/drawing/2014/main" id="{3E688838-CA83-4471-9A4C-650BFD22C65B}"/>
+                <a16:creationId xmlns:a16="http://schemas.microsoft.com/office/drawing/2014/main" xmlns="" id="{3E688838-CA83-4471-9A4C-650BFD22C65B}"/>
               </a:ext>
             </a:extLst>
           </p:cNvPr>
@@ -12453,7 +13184,7 @@
           <p:cNvPr id="71" name="TextBox 70">
             <a:extLst>
               <a:ext uri="{FF2B5EF4-FFF2-40B4-BE49-F238E27FC236}">
-                <a16:creationId xmlns:a16="http://schemas.microsoft.com/office/drawing/2014/main" id="{9CECF851-F0A1-4282-996C-B5D11CEB5290}"/>
+                <a16:creationId xmlns:a16="http://schemas.microsoft.com/office/drawing/2014/main" xmlns="" id="{9CECF851-F0A1-4282-996C-B5D11CEB5290}"/>
               </a:ext>
             </a:extLst>
           </p:cNvPr>
@@ -12491,7 +13222,7 @@
           <p:cNvPr id="72" name="TextBox 71">
             <a:extLst>
               <a:ext uri="{FF2B5EF4-FFF2-40B4-BE49-F238E27FC236}">
-                <a16:creationId xmlns:a16="http://schemas.microsoft.com/office/drawing/2014/main" id="{69BC8545-3494-47F8-AF2D-6D5219239A00}"/>
+                <a16:creationId xmlns:a16="http://schemas.microsoft.com/office/drawing/2014/main" xmlns="" id="{69BC8545-3494-47F8-AF2D-6D5219239A00}"/>
               </a:ext>
             </a:extLst>
           </p:cNvPr>
@@ -12529,7 +13260,7 @@
           <p:cNvPr id="73" name="TextBox 72">
             <a:extLst>
               <a:ext uri="{FF2B5EF4-FFF2-40B4-BE49-F238E27FC236}">
-                <a16:creationId xmlns:a16="http://schemas.microsoft.com/office/drawing/2014/main" id="{FB9808E6-A5DB-4C5B-8EA9-D7841F12F0BE}"/>
+                <a16:creationId xmlns:a16="http://schemas.microsoft.com/office/drawing/2014/main" xmlns="" id="{FB9808E6-A5DB-4C5B-8EA9-D7841F12F0BE}"/>
               </a:ext>
             </a:extLst>
           </p:cNvPr>
@@ -12570,7 +13301,7 @@
           <p:cNvPr id="74" name="TextBox 73">
             <a:extLst>
               <a:ext uri="{FF2B5EF4-FFF2-40B4-BE49-F238E27FC236}">
-                <a16:creationId xmlns:a16="http://schemas.microsoft.com/office/drawing/2014/main" id="{77FEB70C-285E-44D7-BC63-B77A268499EC}"/>
+                <a16:creationId xmlns:a16="http://schemas.microsoft.com/office/drawing/2014/main" xmlns="" id="{77FEB70C-285E-44D7-BC63-B77A268499EC}"/>
               </a:ext>
             </a:extLst>
           </p:cNvPr>
@@ -12608,7 +13339,7 @@
           <p:cNvPr id="75" name="TextBox 74">
             <a:extLst>
               <a:ext uri="{FF2B5EF4-FFF2-40B4-BE49-F238E27FC236}">
-                <a16:creationId xmlns:a16="http://schemas.microsoft.com/office/drawing/2014/main" id="{2D586DBC-82ED-4D02-8CDB-898A98F22D29}"/>
+                <a16:creationId xmlns:a16="http://schemas.microsoft.com/office/drawing/2014/main" xmlns="" id="{2D586DBC-82ED-4D02-8CDB-898A98F22D29}"/>
               </a:ext>
             </a:extLst>
           </p:cNvPr>
@@ -12646,7 +13377,7 @@
           <p:cNvPr id="76" name="TextBox 75">
             <a:extLst>
               <a:ext uri="{FF2B5EF4-FFF2-40B4-BE49-F238E27FC236}">
-                <a16:creationId xmlns:a16="http://schemas.microsoft.com/office/drawing/2014/main" id="{22289A32-88D1-4436-B105-8F109602B5F6}"/>
+                <a16:creationId xmlns:a16="http://schemas.microsoft.com/office/drawing/2014/main" xmlns="" id="{22289A32-88D1-4436-B105-8F109602B5F6}"/>
               </a:ext>
             </a:extLst>
           </p:cNvPr>
@@ -12684,7 +13415,7 @@
           <p:cNvPr id="77" name="TextBox 76">
             <a:extLst>
               <a:ext uri="{FF2B5EF4-FFF2-40B4-BE49-F238E27FC236}">
-                <a16:creationId xmlns:a16="http://schemas.microsoft.com/office/drawing/2014/main" id="{B378BD5B-1DD8-415E-B876-3BC7241E34FB}"/>
+                <a16:creationId xmlns:a16="http://schemas.microsoft.com/office/drawing/2014/main" xmlns="" id="{B378BD5B-1DD8-415E-B876-3BC7241E34FB}"/>
               </a:ext>
             </a:extLst>
           </p:cNvPr>
@@ -12722,7 +13453,7 @@
           <p:cNvPr id="78" name="TextBox 77">
             <a:extLst>
               <a:ext uri="{FF2B5EF4-FFF2-40B4-BE49-F238E27FC236}">
-                <a16:creationId xmlns:a16="http://schemas.microsoft.com/office/drawing/2014/main" id="{044ABCD1-0C74-4BB9-AA1C-4AA354CD99A4}"/>
+                <a16:creationId xmlns:a16="http://schemas.microsoft.com/office/drawing/2014/main" xmlns="" id="{044ABCD1-0C74-4BB9-AA1C-4AA354CD99A4}"/>
               </a:ext>
             </a:extLst>
           </p:cNvPr>
@@ -12760,7 +13491,7 @@
           <p:cNvPr id="79" name="TextBox 78">
             <a:extLst>
               <a:ext uri="{FF2B5EF4-FFF2-40B4-BE49-F238E27FC236}">
-                <a16:creationId xmlns:a16="http://schemas.microsoft.com/office/drawing/2014/main" id="{40BF79D4-31E0-457F-A861-F18F4B134B7E}"/>
+                <a16:creationId xmlns:a16="http://schemas.microsoft.com/office/drawing/2014/main" xmlns="" id="{40BF79D4-31E0-457F-A861-F18F4B134B7E}"/>
               </a:ext>
             </a:extLst>
           </p:cNvPr>
@@ -12798,7 +13529,7 @@
           <p:cNvPr id="80" name="TextBox 79">
             <a:extLst>
               <a:ext uri="{FF2B5EF4-FFF2-40B4-BE49-F238E27FC236}">
-                <a16:creationId xmlns:a16="http://schemas.microsoft.com/office/drawing/2014/main" id="{B298DBD4-3E3A-4ABA-AD91-E2BFAB365382}"/>
+                <a16:creationId xmlns:a16="http://schemas.microsoft.com/office/drawing/2014/main" xmlns="" id="{B298DBD4-3E3A-4ABA-AD91-E2BFAB365382}"/>
               </a:ext>
             </a:extLst>
           </p:cNvPr>
@@ -12836,7 +13567,7 @@
           <p:cNvPr id="81" name="TextBox 80">
             <a:extLst>
               <a:ext uri="{FF2B5EF4-FFF2-40B4-BE49-F238E27FC236}">
-                <a16:creationId xmlns:a16="http://schemas.microsoft.com/office/drawing/2014/main" id="{3460AABE-49C3-4A25-B0A5-5326C3838920}"/>
+                <a16:creationId xmlns:a16="http://schemas.microsoft.com/office/drawing/2014/main" xmlns="" id="{3460AABE-49C3-4A25-B0A5-5326C3838920}"/>
               </a:ext>
             </a:extLst>
           </p:cNvPr>
@@ -12878,7 +13609,7 @@
           <p:cNvPr id="93" name="TextBox 92">
             <a:extLst>
               <a:ext uri="{FF2B5EF4-FFF2-40B4-BE49-F238E27FC236}">
-                <a16:creationId xmlns:a16="http://schemas.microsoft.com/office/drawing/2014/main" id="{EF22571D-3744-43F2-B47A-33FBDE888CF5}"/>
+                <a16:creationId xmlns:a16="http://schemas.microsoft.com/office/drawing/2014/main" xmlns="" id="{EF22571D-3744-43F2-B47A-33FBDE888CF5}"/>
               </a:ext>
             </a:extLst>
           </p:cNvPr>
@@ -12935,7 +13666,7 @@
           <p:cNvPr id="95" name="TextBox 94">
             <a:extLst>
               <a:ext uri="{FF2B5EF4-FFF2-40B4-BE49-F238E27FC236}">
-                <a16:creationId xmlns:a16="http://schemas.microsoft.com/office/drawing/2014/main" id="{40666278-973B-4E97-ADF8-E73BB1D427AA}"/>
+                <a16:creationId xmlns:a16="http://schemas.microsoft.com/office/drawing/2014/main" xmlns="" id="{40666278-973B-4E97-ADF8-E73BB1D427AA}"/>
               </a:ext>
             </a:extLst>
           </p:cNvPr>
@@ -13006,7 +13737,7 @@
           <p:cNvPr id="54" name="직선 연결선 53">
             <a:extLst>
               <a:ext uri="{FF2B5EF4-FFF2-40B4-BE49-F238E27FC236}">
-                <a16:creationId xmlns:a16="http://schemas.microsoft.com/office/drawing/2014/main" id="{C0E7FF59-BEE0-4C00-9F83-E09D00B0C516}"/>
+                <a16:creationId xmlns:a16="http://schemas.microsoft.com/office/drawing/2014/main" xmlns="" id="{C0E7FF59-BEE0-4C00-9F83-E09D00B0C516}"/>
               </a:ext>
             </a:extLst>
           </p:cNvPr>
@@ -13050,7 +13781,7 @@
           <p:cNvPr id="82" name="직선 연결선 81">
             <a:extLst>
               <a:ext uri="{FF2B5EF4-FFF2-40B4-BE49-F238E27FC236}">
-                <a16:creationId xmlns:a16="http://schemas.microsoft.com/office/drawing/2014/main" id="{81C795E2-4BAB-4B30-8615-EF5D39005982}"/>
+                <a16:creationId xmlns:a16="http://schemas.microsoft.com/office/drawing/2014/main" xmlns="" id="{81C795E2-4BAB-4B30-8615-EF5D39005982}"/>
               </a:ext>
             </a:extLst>
           </p:cNvPr>
@@ -13094,7 +13825,7 @@
           <p:cNvPr id="83" name="직선 연결선 82">
             <a:extLst>
               <a:ext uri="{FF2B5EF4-FFF2-40B4-BE49-F238E27FC236}">
-                <a16:creationId xmlns:a16="http://schemas.microsoft.com/office/drawing/2014/main" id="{FF755B02-EC7C-4BA0-A253-E7B3B6C7D81C}"/>
+                <a16:creationId xmlns:a16="http://schemas.microsoft.com/office/drawing/2014/main" xmlns="" id="{FF755B02-EC7C-4BA0-A253-E7B3B6C7D81C}"/>
               </a:ext>
             </a:extLst>
           </p:cNvPr>
@@ -13202,7 +13933,7 @@
           <p:cNvPr id="4" name="TextBox 3">
             <a:extLst>
               <a:ext uri="{FF2B5EF4-FFF2-40B4-BE49-F238E27FC236}">
-                <a16:creationId xmlns:a16="http://schemas.microsoft.com/office/drawing/2014/main" id="{C04AFB07-A04F-4BA4-AFC3-446CE5957D9D}"/>
+                <a16:creationId xmlns:a16="http://schemas.microsoft.com/office/drawing/2014/main" xmlns="" id="{C04AFB07-A04F-4BA4-AFC3-446CE5957D9D}"/>
               </a:ext>
             </a:extLst>
           </p:cNvPr>
@@ -13240,7 +13971,7 @@
           <p:cNvPr id="56" name="TextBox 55">
             <a:extLst>
               <a:ext uri="{FF2B5EF4-FFF2-40B4-BE49-F238E27FC236}">
-                <a16:creationId xmlns:a16="http://schemas.microsoft.com/office/drawing/2014/main" id="{B6A70F32-8562-4E73-BD1D-CF9D36148B17}"/>
+                <a16:creationId xmlns:a16="http://schemas.microsoft.com/office/drawing/2014/main" xmlns="" id="{B6A70F32-8562-4E73-BD1D-CF9D36148B17}"/>
               </a:ext>
             </a:extLst>
           </p:cNvPr>
@@ -13278,7 +14009,7 @@
           <p:cNvPr id="57" name="TextBox 56">
             <a:extLst>
               <a:ext uri="{FF2B5EF4-FFF2-40B4-BE49-F238E27FC236}">
-                <a16:creationId xmlns:a16="http://schemas.microsoft.com/office/drawing/2014/main" id="{69C2B872-9BEB-4D28-96BF-A163FA23B2AE}"/>
+                <a16:creationId xmlns:a16="http://schemas.microsoft.com/office/drawing/2014/main" xmlns="" id="{69C2B872-9BEB-4D28-96BF-A163FA23B2AE}"/>
               </a:ext>
             </a:extLst>
           </p:cNvPr>
@@ -13316,7 +14047,7 @@
           <p:cNvPr id="58" name="TextBox 57">
             <a:extLst>
               <a:ext uri="{FF2B5EF4-FFF2-40B4-BE49-F238E27FC236}">
-                <a16:creationId xmlns:a16="http://schemas.microsoft.com/office/drawing/2014/main" id="{EF643D31-A1D1-4965-BB3A-247350DB9036}"/>
+                <a16:creationId xmlns:a16="http://schemas.microsoft.com/office/drawing/2014/main" xmlns="" id="{EF643D31-A1D1-4965-BB3A-247350DB9036}"/>
               </a:ext>
             </a:extLst>
           </p:cNvPr>
@@ -13354,7 +14085,7 @@
           <p:cNvPr id="59" name="TextBox 58">
             <a:extLst>
               <a:ext uri="{FF2B5EF4-FFF2-40B4-BE49-F238E27FC236}">
-                <a16:creationId xmlns:a16="http://schemas.microsoft.com/office/drawing/2014/main" id="{CEFEF120-AE30-4C7C-8637-42BDD97D4151}"/>
+                <a16:creationId xmlns:a16="http://schemas.microsoft.com/office/drawing/2014/main" xmlns="" id="{CEFEF120-AE30-4C7C-8637-42BDD97D4151}"/>
               </a:ext>
             </a:extLst>
           </p:cNvPr>
@@ -13392,7 +14123,7 @@
           <p:cNvPr id="60" name="TextBox 59">
             <a:extLst>
               <a:ext uri="{FF2B5EF4-FFF2-40B4-BE49-F238E27FC236}">
-                <a16:creationId xmlns:a16="http://schemas.microsoft.com/office/drawing/2014/main" id="{1EF9F216-41A4-4695-A143-7F795D43D60F}"/>
+                <a16:creationId xmlns:a16="http://schemas.microsoft.com/office/drawing/2014/main" xmlns="" id="{1EF9F216-41A4-4695-A143-7F795D43D60F}"/>
               </a:ext>
             </a:extLst>
           </p:cNvPr>
@@ -13430,7 +14161,7 @@
           <p:cNvPr id="61" name="TextBox 60">
             <a:extLst>
               <a:ext uri="{FF2B5EF4-FFF2-40B4-BE49-F238E27FC236}">
-                <a16:creationId xmlns:a16="http://schemas.microsoft.com/office/drawing/2014/main" id="{2A0E21AB-25E9-49DD-ADB4-0D3EC75B25A1}"/>
+                <a16:creationId xmlns:a16="http://schemas.microsoft.com/office/drawing/2014/main" xmlns="" id="{2A0E21AB-25E9-49DD-ADB4-0D3EC75B25A1}"/>
               </a:ext>
             </a:extLst>
           </p:cNvPr>
@@ -13468,7 +14199,7 @@
           <p:cNvPr id="62" name="TextBox 61">
             <a:extLst>
               <a:ext uri="{FF2B5EF4-FFF2-40B4-BE49-F238E27FC236}">
-                <a16:creationId xmlns:a16="http://schemas.microsoft.com/office/drawing/2014/main" id="{74F7DFBB-01DD-4E1C-AA49-53D5262B1568}"/>
+                <a16:creationId xmlns:a16="http://schemas.microsoft.com/office/drawing/2014/main" xmlns="" id="{74F7DFBB-01DD-4E1C-AA49-53D5262B1568}"/>
               </a:ext>
             </a:extLst>
           </p:cNvPr>
@@ -13506,7 +14237,7 @@
           <p:cNvPr id="63" name="TextBox 62">
             <a:extLst>
               <a:ext uri="{FF2B5EF4-FFF2-40B4-BE49-F238E27FC236}">
-                <a16:creationId xmlns:a16="http://schemas.microsoft.com/office/drawing/2014/main" id="{A80CF1C4-9476-4397-A3ED-365156FF8C0B}"/>
+                <a16:creationId xmlns:a16="http://schemas.microsoft.com/office/drawing/2014/main" xmlns="" id="{A80CF1C4-9476-4397-A3ED-365156FF8C0B}"/>
               </a:ext>
             </a:extLst>
           </p:cNvPr>
@@ -13544,7 +14275,7 @@
           <p:cNvPr id="64" name="TextBox 63">
             <a:extLst>
               <a:ext uri="{FF2B5EF4-FFF2-40B4-BE49-F238E27FC236}">
-                <a16:creationId xmlns:a16="http://schemas.microsoft.com/office/drawing/2014/main" id="{BE0C0FF2-734F-440D-9121-2CA00E623972}"/>
+                <a16:creationId xmlns:a16="http://schemas.microsoft.com/office/drawing/2014/main" xmlns="" id="{BE0C0FF2-734F-440D-9121-2CA00E623972}"/>
               </a:ext>
             </a:extLst>
           </p:cNvPr>
@@ -13582,7 +14313,7 @@
           <p:cNvPr id="65" name="TextBox 64">
             <a:extLst>
               <a:ext uri="{FF2B5EF4-FFF2-40B4-BE49-F238E27FC236}">
-                <a16:creationId xmlns:a16="http://schemas.microsoft.com/office/drawing/2014/main" id="{75621EA3-8E7A-411B-81FC-098BF5452E03}"/>
+                <a16:creationId xmlns:a16="http://schemas.microsoft.com/office/drawing/2014/main" xmlns="" id="{75621EA3-8E7A-411B-81FC-098BF5452E03}"/>
               </a:ext>
             </a:extLst>
           </p:cNvPr>
@@ -13620,7 +14351,7 @@
           <p:cNvPr id="66" name="TextBox 65">
             <a:extLst>
               <a:ext uri="{FF2B5EF4-FFF2-40B4-BE49-F238E27FC236}">
-                <a16:creationId xmlns:a16="http://schemas.microsoft.com/office/drawing/2014/main" id="{C1FA5586-4F2E-4F6A-A0FA-1855CDED3BDC}"/>
+                <a16:creationId xmlns:a16="http://schemas.microsoft.com/office/drawing/2014/main" xmlns="" id="{C1FA5586-4F2E-4F6A-A0FA-1855CDED3BDC}"/>
               </a:ext>
             </a:extLst>
           </p:cNvPr>
@@ -13658,7 +14389,7 @@
           <p:cNvPr id="67" name="TextBox 66">
             <a:extLst>
               <a:ext uri="{FF2B5EF4-FFF2-40B4-BE49-F238E27FC236}">
-                <a16:creationId xmlns:a16="http://schemas.microsoft.com/office/drawing/2014/main" id="{141486BF-6F45-441A-95F3-D175221A8176}"/>
+                <a16:creationId xmlns:a16="http://schemas.microsoft.com/office/drawing/2014/main" xmlns="" id="{141486BF-6F45-441A-95F3-D175221A8176}"/>
               </a:ext>
             </a:extLst>
           </p:cNvPr>
@@ -13696,7 +14427,7 @@
           <p:cNvPr id="68" name="TextBox 67">
             <a:extLst>
               <a:ext uri="{FF2B5EF4-FFF2-40B4-BE49-F238E27FC236}">
-                <a16:creationId xmlns:a16="http://schemas.microsoft.com/office/drawing/2014/main" id="{D1BF9F06-0991-468D-8349-6B35F7061937}"/>
+                <a16:creationId xmlns:a16="http://schemas.microsoft.com/office/drawing/2014/main" xmlns="" id="{D1BF9F06-0991-468D-8349-6B35F7061937}"/>
               </a:ext>
             </a:extLst>
           </p:cNvPr>
@@ -13734,7 +14465,7 @@
           <p:cNvPr id="69" name="TextBox 68">
             <a:extLst>
               <a:ext uri="{FF2B5EF4-FFF2-40B4-BE49-F238E27FC236}">
-                <a16:creationId xmlns:a16="http://schemas.microsoft.com/office/drawing/2014/main" id="{298D047E-0D35-48CC-B73B-A5246B507DEC}"/>
+                <a16:creationId xmlns:a16="http://schemas.microsoft.com/office/drawing/2014/main" xmlns="" id="{298D047E-0D35-48CC-B73B-A5246B507DEC}"/>
               </a:ext>
             </a:extLst>
           </p:cNvPr>
@@ -13772,7 +14503,7 @@
           <p:cNvPr id="70" name="TextBox 69">
             <a:extLst>
               <a:ext uri="{FF2B5EF4-FFF2-40B4-BE49-F238E27FC236}">
-                <a16:creationId xmlns:a16="http://schemas.microsoft.com/office/drawing/2014/main" id="{3E688838-CA83-4471-9A4C-650BFD22C65B}"/>
+                <a16:creationId xmlns:a16="http://schemas.microsoft.com/office/drawing/2014/main" xmlns="" id="{3E688838-CA83-4471-9A4C-650BFD22C65B}"/>
               </a:ext>
             </a:extLst>
           </p:cNvPr>
@@ -13810,7 +14541,7 @@
           <p:cNvPr id="71" name="TextBox 70">
             <a:extLst>
               <a:ext uri="{FF2B5EF4-FFF2-40B4-BE49-F238E27FC236}">
-                <a16:creationId xmlns:a16="http://schemas.microsoft.com/office/drawing/2014/main" id="{9CECF851-F0A1-4282-996C-B5D11CEB5290}"/>
+                <a16:creationId xmlns:a16="http://schemas.microsoft.com/office/drawing/2014/main" xmlns="" id="{9CECF851-F0A1-4282-996C-B5D11CEB5290}"/>
               </a:ext>
             </a:extLst>
           </p:cNvPr>
@@ -13848,7 +14579,7 @@
           <p:cNvPr id="72" name="TextBox 71">
             <a:extLst>
               <a:ext uri="{FF2B5EF4-FFF2-40B4-BE49-F238E27FC236}">
-                <a16:creationId xmlns:a16="http://schemas.microsoft.com/office/drawing/2014/main" id="{69BC8545-3494-47F8-AF2D-6D5219239A00}"/>
+                <a16:creationId xmlns:a16="http://schemas.microsoft.com/office/drawing/2014/main" xmlns="" id="{69BC8545-3494-47F8-AF2D-6D5219239A00}"/>
               </a:ext>
             </a:extLst>
           </p:cNvPr>
@@ -13886,7 +14617,7 @@
           <p:cNvPr id="73" name="TextBox 72">
             <a:extLst>
               <a:ext uri="{FF2B5EF4-FFF2-40B4-BE49-F238E27FC236}">
-                <a16:creationId xmlns:a16="http://schemas.microsoft.com/office/drawing/2014/main" id="{FB9808E6-A5DB-4C5B-8EA9-D7841F12F0BE}"/>
+                <a16:creationId xmlns:a16="http://schemas.microsoft.com/office/drawing/2014/main" xmlns="" id="{FB9808E6-A5DB-4C5B-8EA9-D7841F12F0BE}"/>
               </a:ext>
             </a:extLst>
           </p:cNvPr>
@@ -13927,7 +14658,7 @@
           <p:cNvPr id="74" name="TextBox 73">
             <a:extLst>
               <a:ext uri="{FF2B5EF4-FFF2-40B4-BE49-F238E27FC236}">
-                <a16:creationId xmlns:a16="http://schemas.microsoft.com/office/drawing/2014/main" id="{77FEB70C-285E-44D7-BC63-B77A268499EC}"/>
+                <a16:creationId xmlns:a16="http://schemas.microsoft.com/office/drawing/2014/main" xmlns="" id="{77FEB70C-285E-44D7-BC63-B77A268499EC}"/>
               </a:ext>
             </a:extLst>
           </p:cNvPr>
@@ -13965,7 +14696,7 @@
           <p:cNvPr id="75" name="TextBox 74">
             <a:extLst>
               <a:ext uri="{FF2B5EF4-FFF2-40B4-BE49-F238E27FC236}">
-                <a16:creationId xmlns:a16="http://schemas.microsoft.com/office/drawing/2014/main" id="{2D586DBC-82ED-4D02-8CDB-898A98F22D29}"/>
+                <a16:creationId xmlns:a16="http://schemas.microsoft.com/office/drawing/2014/main" xmlns="" id="{2D586DBC-82ED-4D02-8CDB-898A98F22D29}"/>
               </a:ext>
             </a:extLst>
           </p:cNvPr>
@@ -14003,7 +14734,7 @@
           <p:cNvPr id="76" name="TextBox 75">
             <a:extLst>
               <a:ext uri="{FF2B5EF4-FFF2-40B4-BE49-F238E27FC236}">
-                <a16:creationId xmlns:a16="http://schemas.microsoft.com/office/drawing/2014/main" id="{22289A32-88D1-4436-B105-8F109602B5F6}"/>
+                <a16:creationId xmlns:a16="http://schemas.microsoft.com/office/drawing/2014/main" xmlns="" id="{22289A32-88D1-4436-B105-8F109602B5F6}"/>
               </a:ext>
             </a:extLst>
           </p:cNvPr>
@@ -14041,7 +14772,7 @@
           <p:cNvPr id="77" name="TextBox 76">
             <a:extLst>
               <a:ext uri="{FF2B5EF4-FFF2-40B4-BE49-F238E27FC236}">
-                <a16:creationId xmlns:a16="http://schemas.microsoft.com/office/drawing/2014/main" id="{B378BD5B-1DD8-415E-B876-3BC7241E34FB}"/>
+                <a16:creationId xmlns:a16="http://schemas.microsoft.com/office/drawing/2014/main" xmlns="" id="{B378BD5B-1DD8-415E-B876-3BC7241E34FB}"/>
               </a:ext>
             </a:extLst>
           </p:cNvPr>
@@ -14079,7 +14810,7 @@
           <p:cNvPr id="78" name="TextBox 77">
             <a:extLst>
               <a:ext uri="{FF2B5EF4-FFF2-40B4-BE49-F238E27FC236}">
-                <a16:creationId xmlns:a16="http://schemas.microsoft.com/office/drawing/2014/main" id="{044ABCD1-0C74-4BB9-AA1C-4AA354CD99A4}"/>
+                <a16:creationId xmlns:a16="http://schemas.microsoft.com/office/drawing/2014/main" xmlns="" id="{044ABCD1-0C74-4BB9-AA1C-4AA354CD99A4}"/>
               </a:ext>
             </a:extLst>
           </p:cNvPr>
@@ -14117,7 +14848,7 @@
           <p:cNvPr id="79" name="TextBox 78">
             <a:extLst>
               <a:ext uri="{FF2B5EF4-FFF2-40B4-BE49-F238E27FC236}">
-                <a16:creationId xmlns:a16="http://schemas.microsoft.com/office/drawing/2014/main" id="{40BF79D4-31E0-457F-A861-F18F4B134B7E}"/>
+                <a16:creationId xmlns:a16="http://schemas.microsoft.com/office/drawing/2014/main" xmlns="" id="{40BF79D4-31E0-457F-A861-F18F4B134B7E}"/>
               </a:ext>
             </a:extLst>
           </p:cNvPr>
@@ -14155,7 +14886,7 @@
           <p:cNvPr id="80" name="TextBox 79">
             <a:extLst>
               <a:ext uri="{FF2B5EF4-FFF2-40B4-BE49-F238E27FC236}">
-                <a16:creationId xmlns:a16="http://schemas.microsoft.com/office/drawing/2014/main" id="{B298DBD4-3E3A-4ABA-AD91-E2BFAB365382}"/>
+                <a16:creationId xmlns:a16="http://schemas.microsoft.com/office/drawing/2014/main" xmlns="" id="{B298DBD4-3E3A-4ABA-AD91-E2BFAB365382}"/>
               </a:ext>
             </a:extLst>
           </p:cNvPr>
@@ -14193,7 +14924,7 @@
           <p:cNvPr id="81" name="TextBox 80">
             <a:extLst>
               <a:ext uri="{FF2B5EF4-FFF2-40B4-BE49-F238E27FC236}">
-                <a16:creationId xmlns:a16="http://schemas.microsoft.com/office/drawing/2014/main" id="{3460AABE-49C3-4A25-B0A5-5326C3838920}"/>
+                <a16:creationId xmlns:a16="http://schemas.microsoft.com/office/drawing/2014/main" xmlns="" id="{3460AABE-49C3-4A25-B0A5-5326C3838920}"/>
               </a:ext>
             </a:extLst>
           </p:cNvPr>
@@ -14235,7 +14966,7 @@
           <p:cNvPr id="93" name="TextBox 92">
             <a:extLst>
               <a:ext uri="{FF2B5EF4-FFF2-40B4-BE49-F238E27FC236}">
-                <a16:creationId xmlns:a16="http://schemas.microsoft.com/office/drawing/2014/main" id="{EF22571D-3744-43F2-B47A-33FBDE888CF5}"/>
+                <a16:creationId xmlns:a16="http://schemas.microsoft.com/office/drawing/2014/main" xmlns="" id="{EF22571D-3744-43F2-B47A-33FBDE888CF5}"/>
               </a:ext>
             </a:extLst>
           </p:cNvPr>
@@ -14292,7 +15023,7 @@
           <p:cNvPr id="84" name="TextBox 83">
             <a:extLst>
               <a:ext uri="{FF2B5EF4-FFF2-40B4-BE49-F238E27FC236}">
-                <a16:creationId xmlns:a16="http://schemas.microsoft.com/office/drawing/2014/main" id="{637A9EBD-8651-4827-A9C8-718C09951F70}"/>
+                <a16:creationId xmlns:a16="http://schemas.microsoft.com/office/drawing/2014/main" xmlns="" id="{637A9EBD-8651-4827-A9C8-718C09951F70}"/>
               </a:ext>
             </a:extLst>
           </p:cNvPr>
@@ -14351,7 +15082,7 @@
           <p:cNvPr id="85" name="TextBox 84">
             <a:extLst>
               <a:ext uri="{FF2B5EF4-FFF2-40B4-BE49-F238E27FC236}">
-                <a16:creationId xmlns:a16="http://schemas.microsoft.com/office/drawing/2014/main" id="{30DFB557-63B6-4825-A4E9-AA48679DDB80}"/>
+                <a16:creationId xmlns:a16="http://schemas.microsoft.com/office/drawing/2014/main" xmlns="" id="{30DFB557-63B6-4825-A4E9-AA48679DDB80}"/>
               </a:ext>
             </a:extLst>
           </p:cNvPr>
@@ -14410,7 +15141,7 @@
           <p:cNvPr id="7" name="화살표: 왼쪽/오른쪽 6">
             <a:extLst>
               <a:ext uri="{FF2B5EF4-FFF2-40B4-BE49-F238E27FC236}">
-                <a16:creationId xmlns:a16="http://schemas.microsoft.com/office/drawing/2014/main" id="{4E12E168-D9FF-4343-B35E-06DA76E44FB7}"/>
+                <a16:creationId xmlns:a16="http://schemas.microsoft.com/office/drawing/2014/main" xmlns="" id="{4E12E168-D9FF-4343-B35E-06DA76E44FB7}"/>
               </a:ext>
             </a:extLst>
           </p:cNvPr>
@@ -14468,7 +15199,7 @@
           <p:cNvPr id="86" name="화살표: 왼쪽/오른쪽 85">
             <a:extLst>
               <a:ext uri="{FF2B5EF4-FFF2-40B4-BE49-F238E27FC236}">
-                <a16:creationId xmlns:a16="http://schemas.microsoft.com/office/drawing/2014/main" id="{EF7A27AD-799A-48D7-92C2-6074E551A6E9}"/>
+                <a16:creationId xmlns:a16="http://schemas.microsoft.com/office/drawing/2014/main" xmlns="" id="{EF7A27AD-799A-48D7-92C2-6074E551A6E9}"/>
               </a:ext>
             </a:extLst>
           </p:cNvPr>
@@ -14526,7 +15257,7 @@
           <p:cNvPr id="87" name="TextBox 86">
             <a:extLst>
               <a:ext uri="{FF2B5EF4-FFF2-40B4-BE49-F238E27FC236}">
-                <a16:creationId xmlns:a16="http://schemas.microsoft.com/office/drawing/2014/main" id="{38413CFF-9145-48E8-AA03-05D6C8B2F931}"/>
+                <a16:creationId xmlns:a16="http://schemas.microsoft.com/office/drawing/2014/main" xmlns="" id="{38413CFF-9145-48E8-AA03-05D6C8B2F931}"/>
               </a:ext>
             </a:extLst>
           </p:cNvPr>
@@ -14612,7 +15343,7 @@
           <p:cNvPr id="54" name="직선 연결선 53">
             <a:extLst>
               <a:ext uri="{FF2B5EF4-FFF2-40B4-BE49-F238E27FC236}">
-                <a16:creationId xmlns:a16="http://schemas.microsoft.com/office/drawing/2014/main" id="{C0E7FF59-BEE0-4C00-9F83-E09D00B0C516}"/>
+                <a16:creationId xmlns:a16="http://schemas.microsoft.com/office/drawing/2014/main" xmlns="" id="{C0E7FF59-BEE0-4C00-9F83-E09D00B0C516}"/>
               </a:ext>
             </a:extLst>
           </p:cNvPr>
@@ -14656,7 +15387,7 @@
           <p:cNvPr id="82" name="직선 연결선 81">
             <a:extLst>
               <a:ext uri="{FF2B5EF4-FFF2-40B4-BE49-F238E27FC236}">
-                <a16:creationId xmlns:a16="http://schemas.microsoft.com/office/drawing/2014/main" id="{81C795E2-4BAB-4B30-8615-EF5D39005982}"/>
+                <a16:creationId xmlns:a16="http://schemas.microsoft.com/office/drawing/2014/main" xmlns="" id="{81C795E2-4BAB-4B30-8615-EF5D39005982}"/>
               </a:ext>
             </a:extLst>
           </p:cNvPr>
@@ -14700,7 +15431,7 @@
           <p:cNvPr id="83" name="직선 연결선 82">
             <a:extLst>
               <a:ext uri="{FF2B5EF4-FFF2-40B4-BE49-F238E27FC236}">
-                <a16:creationId xmlns:a16="http://schemas.microsoft.com/office/drawing/2014/main" id="{FF755B02-EC7C-4BA0-A253-E7B3B6C7D81C}"/>
+                <a16:creationId xmlns:a16="http://schemas.microsoft.com/office/drawing/2014/main" xmlns="" id="{FF755B02-EC7C-4BA0-A253-E7B3B6C7D81C}"/>
               </a:ext>
             </a:extLst>
           </p:cNvPr>
@@ -14808,7 +15539,7 @@
           <p:cNvPr id="4" name="TextBox 3">
             <a:extLst>
               <a:ext uri="{FF2B5EF4-FFF2-40B4-BE49-F238E27FC236}">
-                <a16:creationId xmlns:a16="http://schemas.microsoft.com/office/drawing/2014/main" id="{C04AFB07-A04F-4BA4-AFC3-446CE5957D9D}"/>
+                <a16:creationId xmlns:a16="http://schemas.microsoft.com/office/drawing/2014/main" xmlns="" id="{C04AFB07-A04F-4BA4-AFC3-446CE5957D9D}"/>
               </a:ext>
             </a:extLst>
           </p:cNvPr>
@@ -14846,7 +15577,7 @@
           <p:cNvPr id="56" name="TextBox 55">
             <a:extLst>
               <a:ext uri="{FF2B5EF4-FFF2-40B4-BE49-F238E27FC236}">
-                <a16:creationId xmlns:a16="http://schemas.microsoft.com/office/drawing/2014/main" id="{B6A70F32-8562-4E73-BD1D-CF9D36148B17}"/>
+                <a16:creationId xmlns:a16="http://schemas.microsoft.com/office/drawing/2014/main" xmlns="" id="{B6A70F32-8562-4E73-BD1D-CF9D36148B17}"/>
               </a:ext>
             </a:extLst>
           </p:cNvPr>
@@ -14884,7 +15615,7 @@
           <p:cNvPr id="57" name="TextBox 56">
             <a:extLst>
               <a:ext uri="{FF2B5EF4-FFF2-40B4-BE49-F238E27FC236}">
-                <a16:creationId xmlns:a16="http://schemas.microsoft.com/office/drawing/2014/main" id="{69C2B872-9BEB-4D28-96BF-A163FA23B2AE}"/>
+                <a16:creationId xmlns:a16="http://schemas.microsoft.com/office/drawing/2014/main" xmlns="" id="{69C2B872-9BEB-4D28-96BF-A163FA23B2AE}"/>
               </a:ext>
             </a:extLst>
           </p:cNvPr>
@@ -14922,7 +15653,7 @@
           <p:cNvPr id="58" name="TextBox 57">
             <a:extLst>
               <a:ext uri="{FF2B5EF4-FFF2-40B4-BE49-F238E27FC236}">
-                <a16:creationId xmlns:a16="http://schemas.microsoft.com/office/drawing/2014/main" id="{EF643D31-A1D1-4965-BB3A-247350DB9036}"/>
+                <a16:creationId xmlns:a16="http://schemas.microsoft.com/office/drawing/2014/main" xmlns="" id="{EF643D31-A1D1-4965-BB3A-247350DB9036}"/>
               </a:ext>
             </a:extLst>
           </p:cNvPr>
@@ -14960,7 +15691,7 @@
           <p:cNvPr id="59" name="TextBox 58">
             <a:extLst>
               <a:ext uri="{FF2B5EF4-FFF2-40B4-BE49-F238E27FC236}">
-                <a16:creationId xmlns:a16="http://schemas.microsoft.com/office/drawing/2014/main" id="{CEFEF120-AE30-4C7C-8637-42BDD97D4151}"/>
+                <a16:creationId xmlns:a16="http://schemas.microsoft.com/office/drawing/2014/main" xmlns="" id="{CEFEF120-AE30-4C7C-8637-42BDD97D4151}"/>
               </a:ext>
             </a:extLst>
           </p:cNvPr>
@@ -14998,7 +15729,7 @@
           <p:cNvPr id="60" name="TextBox 59">
             <a:extLst>
               <a:ext uri="{FF2B5EF4-FFF2-40B4-BE49-F238E27FC236}">
-                <a16:creationId xmlns:a16="http://schemas.microsoft.com/office/drawing/2014/main" id="{1EF9F216-41A4-4695-A143-7F795D43D60F}"/>
+                <a16:creationId xmlns:a16="http://schemas.microsoft.com/office/drawing/2014/main" xmlns="" id="{1EF9F216-41A4-4695-A143-7F795D43D60F}"/>
               </a:ext>
             </a:extLst>
           </p:cNvPr>
@@ -15036,7 +15767,7 @@
           <p:cNvPr id="61" name="TextBox 60">
             <a:extLst>
               <a:ext uri="{FF2B5EF4-FFF2-40B4-BE49-F238E27FC236}">
-                <a16:creationId xmlns:a16="http://schemas.microsoft.com/office/drawing/2014/main" id="{2A0E21AB-25E9-49DD-ADB4-0D3EC75B25A1}"/>
+                <a16:creationId xmlns:a16="http://schemas.microsoft.com/office/drawing/2014/main" xmlns="" id="{2A0E21AB-25E9-49DD-ADB4-0D3EC75B25A1}"/>
               </a:ext>
             </a:extLst>
           </p:cNvPr>
@@ -15074,7 +15805,7 @@
           <p:cNvPr id="62" name="TextBox 61">
             <a:extLst>
               <a:ext uri="{FF2B5EF4-FFF2-40B4-BE49-F238E27FC236}">
-                <a16:creationId xmlns:a16="http://schemas.microsoft.com/office/drawing/2014/main" id="{74F7DFBB-01DD-4E1C-AA49-53D5262B1568}"/>
+                <a16:creationId xmlns:a16="http://schemas.microsoft.com/office/drawing/2014/main" xmlns="" id="{74F7DFBB-01DD-4E1C-AA49-53D5262B1568}"/>
               </a:ext>
             </a:extLst>
           </p:cNvPr>
@@ -15112,7 +15843,7 @@
           <p:cNvPr id="63" name="TextBox 62">
             <a:extLst>
               <a:ext uri="{FF2B5EF4-FFF2-40B4-BE49-F238E27FC236}">
-                <a16:creationId xmlns:a16="http://schemas.microsoft.com/office/drawing/2014/main" id="{A80CF1C4-9476-4397-A3ED-365156FF8C0B}"/>
+                <a16:creationId xmlns:a16="http://schemas.microsoft.com/office/drawing/2014/main" xmlns="" id="{A80CF1C4-9476-4397-A3ED-365156FF8C0B}"/>
               </a:ext>
             </a:extLst>
           </p:cNvPr>
@@ -15150,7 +15881,7 @@
           <p:cNvPr id="64" name="TextBox 63">
             <a:extLst>
               <a:ext uri="{FF2B5EF4-FFF2-40B4-BE49-F238E27FC236}">
-                <a16:creationId xmlns:a16="http://schemas.microsoft.com/office/drawing/2014/main" id="{BE0C0FF2-734F-440D-9121-2CA00E623972}"/>
+                <a16:creationId xmlns:a16="http://schemas.microsoft.com/office/drawing/2014/main" xmlns="" id="{BE0C0FF2-734F-440D-9121-2CA00E623972}"/>
               </a:ext>
             </a:extLst>
           </p:cNvPr>
@@ -15188,7 +15919,7 @@
           <p:cNvPr id="65" name="TextBox 64">
             <a:extLst>
               <a:ext uri="{FF2B5EF4-FFF2-40B4-BE49-F238E27FC236}">
-                <a16:creationId xmlns:a16="http://schemas.microsoft.com/office/drawing/2014/main" id="{75621EA3-8E7A-411B-81FC-098BF5452E03}"/>
+                <a16:creationId xmlns:a16="http://schemas.microsoft.com/office/drawing/2014/main" xmlns="" id="{75621EA3-8E7A-411B-81FC-098BF5452E03}"/>
               </a:ext>
             </a:extLst>
           </p:cNvPr>
@@ -15226,7 +15957,7 @@
           <p:cNvPr id="66" name="TextBox 65">
             <a:extLst>
               <a:ext uri="{FF2B5EF4-FFF2-40B4-BE49-F238E27FC236}">
-                <a16:creationId xmlns:a16="http://schemas.microsoft.com/office/drawing/2014/main" id="{C1FA5586-4F2E-4F6A-A0FA-1855CDED3BDC}"/>
+                <a16:creationId xmlns:a16="http://schemas.microsoft.com/office/drawing/2014/main" xmlns="" id="{C1FA5586-4F2E-4F6A-A0FA-1855CDED3BDC}"/>
               </a:ext>
             </a:extLst>
           </p:cNvPr>
@@ -15264,7 +15995,7 @@
           <p:cNvPr id="67" name="TextBox 66">
             <a:extLst>
               <a:ext uri="{FF2B5EF4-FFF2-40B4-BE49-F238E27FC236}">
-                <a16:creationId xmlns:a16="http://schemas.microsoft.com/office/drawing/2014/main" id="{141486BF-6F45-441A-95F3-D175221A8176}"/>
+                <a16:creationId xmlns:a16="http://schemas.microsoft.com/office/drawing/2014/main" xmlns="" id="{141486BF-6F45-441A-95F3-D175221A8176}"/>
               </a:ext>
             </a:extLst>
           </p:cNvPr>
@@ -15302,7 +16033,7 @@
           <p:cNvPr id="68" name="TextBox 67">
             <a:extLst>
               <a:ext uri="{FF2B5EF4-FFF2-40B4-BE49-F238E27FC236}">
-                <a16:creationId xmlns:a16="http://schemas.microsoft.com/office/drawing/2014/main" id="{D1BF9F06-0991-468D-8349-6B35F7061937}"/>
+                <a16:creationId xmlns:a16="http://schemas.microsoft.com/office/drawing/2014/main" xmlns="" id="{D1BF9F06-0991-468D-8349-6B35F7061937}"/>
               </a:ext>
             </a:extLst>
           </p:cNvPr>
@@ -15340,7 +16071,7 @@
           <p:cNvPr id="69" name="TextBox 68">
             <a:extLst>
               <a:ext uri="{FF2B5EF4-FFF2-40B4-BE49-F238E27FC236}">
-                <a16:creationId xmlns:a16="http://schemas.microsoft.com/office/drawing/2014/main" id="{298D047E-0D35-48CC-B73B-A5246B507DEC}"/>
+                <a16:creationId xmlns:a16="http://schemas.microsoft.com/office/drawing/2014/main" xmlns="" id="{298D047E-0D35-48CC-B73B-A5246B507DEC}"/>
               </a:ext>
             </a:extLst>
           </p:cNvPr>
@@ -15378,7 +16109,7 @@
           <p:cNvPr id="70" name="TextBox 69">
             <a:extLst>
               <a:ext uri="{FF2B5EF4-FFF2-40B4-BE49-F238E27FC236}">
-                <a16:creationId xmlns:a16="http://schemas.microsoft.com/office/drawing/2014/main" id="{3E688838-CA83-4471-9A4C-650BFD22C65B}"/>
+                <a16:creationId xmlns:a16="http://schemas.microsoft.com/office/drawing/2014/main" xmlns="" id="{3E688838-CA83-4471-9A4C-650BFD22C65B}"/>
               </a:ext>
             </a:extLst>
           </p:cNvPr>
@@ -15416,7 +16147,7 @@
           <p:cNvPr id="71" name="TextBox 70">
             <a:extLst>
               <a:ext uri="{FF2B5EF4-FFF2-40B4-BE49-F238E27FC236}">
-                <a16:creationId xmlns:a16="http://schemas.microsoft.com/office/drawing/2014/main" id="{9CECF851-F0A1-4282-996C-B5D11CEB5290}"/>
+                <a16:creationId xmlns:a16="http://schemas.microsoft.com/office/drawing/2014/main" xmlns="" id="{9CECF851-F0A1-4282-996C-B5D11CEB5290}"/>
               </a:ext>
             </a:extLst>
           </p:cNvPr>
@@ -15454,7 +16185,7 @@
           <p:cNvPr id="72" name="TextBox 71">
             <a:extLst>
               <a:ext uri="{FF2B5EF4-FFF2-40B4-BE49-F238E27FC236}">
-                <a16:creationId xmlns:a16="http://schemas.microsoft.com/office/drawing/2014/main" id="{69BC8545-3494-47F8-AF2D-6D5219239A00}"/>
+                <a16:creationId xmlns:a16="http://schemas.microsoft.com/office/drawing/2014/main" xmlns="" id="{69BC8545-3494-47F8-AF2D-6D5219239A00}"/>
               </a:ext>
             </a:extLst>
           </p:cNvPr>
@@ -15492,7 +16223,7 @@
           <p:cNvPr id="73" name="TextBox 72">
             <a:extLst>
               <a:ext uri="{FF2B5EF4-FFF2-40B4-BE49-F238E27FC236}">
-                <a16:creationId xmlns:a16="http://schemas.microsoft.com/office/drawing/2014/main" id="{FB9808E6-A5DB-4C5B-8EA9-D7841F12F0BE}"/>
+                <a16:creationId xmlns:a16="http://schemas.microsoft.com/office/drawing/2014/main" xmlns="" id="{FB9808E6-A5DB-4C5B-8EA9-D7841F12F0BE}"/>
               </a:ext>
             </a:extLst>
           </p:cNvPr>
@@ -15533,7 +16264,7 @@
           <p:cNvPr id="74" name="TextBox 73">
             <a:extLst>
               <a:ext uri="{FF2B5EF4-FFF2-40B4-BE49-F238E27FC236}">
-                <a16:creationId xmlns:a16="http://schemas.microsoft.com/office/drawing/2014/main" id="{77FEB70C-285E-44D7-BC63-B77A268499EC}"/>
+                <a16:creationId xmlns:a16="http://schemas.microsoft.com/office/drawing/2014/main" xmlns="" id="{77FEB70C-285E-44D7-BC63-B77A268499EC}"/>
               </a:ext>
             </a:extLst>
           </p:cNvPr>
@@ -15571,7 +16302,7 @@
           <p:cNvPr id="75" name="TextBox 74">
             <a:extLst>
               <a:ext uri="{FF2B5EF4-FFF2-40B4-BE49-F238E27FC236}">
-                <a16:creationId xmlns:a16="http://schemas.microsoft.com/office/drawing/2014/main" id="{2D586DBC-82ED-4D02-8CDB-898A98F22D29}"/>
+                <a16:creationId xmlns:a16="http://schemas.microsoft.com/office/drawing/2014/main" xmlns="" id="{2D586DBC-82ED-4D02-8CDB-898A98F22D29}"/>
               </a:ext>
             </a:extLst>
           </p:cNvPr>
@@ -15609,7 +16340,7 @@
           <p:cNvPr id="76" name="TextBox 75">
             <a:extLst>
               <a:ext uri="{FF2B5EF4-FFF2-40B4-BE49-F238E27FC236}">
-                <a16:creationId xmlns:a16="http://schemas.microsoft.com/office/drawing/2014/main" id="{22289A32-88D1-4436-B105-8F109602B5F6}"/>
+                <a16:creationId xmlns:a16="http://schemas.microsoft.com/office/drawing/2014/main" xmlns="" id="{22289A32-88D1-4436-B105-8F109602B5F6}"/>
               </a:ext>
             </a:extLst>
           </p:cNvPr>
@@ -15647,7 +16378,7 @@
           <p:cNvPr id="77" name="TextBox 76">
             <a:extLst>
               <a:ext uri="{FF2B5EF4-FFF2-40B4-BE49-F238E27FC236}">
-                <a16:creationId xmlns:a16="http://schemas.microsoft.com/office/drawing/2014/main" id="{B378BD5B-1DD8-415E-B876-3BC7241E34FB}"/>
+                <a16:creationId xmlns:a16="http://schemas.microsoft.com/office/drawing/2014/main" xmlns="" id="{B378BD5B-1DD8-415E-B876-3BC7241E34FB}"/>
               </a:ext>
             </a:extLst>
           </p:cNvPr>
@@ -15685,7 +16416,7 @@
           <p:cNvPr id="78" name="TextBox 77">
             <a:extLst>
               <a:ext uri="{FF2B5EF4-FFF2-40B4-BE49-F238E27FC236}">
-                <a16:creationId xmlns:a16="http://schemas.microsoft.com/office/drawing/2014/main" id="{044ABCD1-0C74-4BB9-AA1C-4AA354CD99A4}"/>
+                <a16:creationId xmlns:a16="http://schemas.microsoft.com/office/drawing/2014/main" xmlns="" id="{044ABCD1-0C74-4BB9-AA1C-4AA354CD99A4}"/>
               </a:ext>
             </a:extLst>
           </p:cNvPr>
@@ -15723,7 +16454,7 @@
           <p:cNvPr id="79" name="TextBox 78">
             <a:extLst>
               <a:ext uri="{FF2B5EF4-FFF2-40B4-BE49-F238E27FC236}">
-                <a16:creationId xmlns:a16="http://schemas.microsoft.com/office/drawing/2014/main" id="{40BF79D4-31E0-457F-A861-F18F4B134B7E}"/>
+                <a16:creationId xmlns:a16="http://schemas.microsoft.com/office/drawing/2014/main" xmlns="" id="{40BF79D4-31E0-457F-A861-F18F4B134B7E}"/>
               </a:ext>
             </a:extLst>
           </p:cNvPr>
@@ -15761,7 +16492,7 @@
           <p:cNvPr id="80" name="TextBox 79">
             <a:extLst>
               <a:ext uri="{FF2B5EF4-FFF2-40B4-BE49-F238E27FC236}">
-                <a16:creationId xmlns:a16="http://schemas.microsoft.com/office/drawing/2014/main" id="{B298DBD4-3E3A-4ABA-AD91-E2BFAB365382}"/>
+                <a16:creationId xmlns:a16="http://schemas.microsoft.com/office/drawing/2014/main" xmlns="" id="{B298DBD4-3E3A-4ABA-AD91-E2BFAB365382}"/>
               </a:ext>
             </a:extLst>
           </p:cNvPr>
@@ -15799,7 +16530,7 @@
           <p:cNvPr id="81" name="TextBox 80">
             <a:extLst>
               <a:ext uri="{FF2B5EF4-FFF2-40B4-BE49-F238E27FC236}">
-                <a16:creationId xmlns:a16="http://schemas.microsoft.com/office/drawing/2014/main" id="{3460AABE-49C3-4A25-B0A5-5326C3838920}"/>
+                <a16:creationId xmlns:a16="http://schemas.microsoft.com/office/drawing/2014/main" xmlns="" id="{3460AABE-49C3-4A25-B0A5-5326C3838920}"/>
               </a:ext>
             </a:extLst>
           </p:cNvPr>
@@ -15841,7 +16572,7 @@
           <p:cNvPr id="84" name="TextBox 83">
             <a:extLst>
               <a:ext uri="{FF2B5EF4-FFF2-40B4-BE49-F238E27FC236}">
-                <a16:creationId xmlns:a16="http://schemas.microsoft.com/office/drawing/2014/main" id="{637A9EBD-8651-4827-A9C8-718C09951F70}"/>
+                <a16:creationId xmlns:a16="http://schemas.microsoft.com/office/drawing/2014/main" xmlns="" id="{637A9EBD-8651-4827-A9C8-718C09951F70}"/>
               </a:ext>
             </a:extLst>
           </p:cNvPr>
@@ -15900,7 +16631,7 @@
           <p:cNvPr id="85" name="TextBox 84">
             <a:extLst>
               <a:ext uri="{FF2B5EF4-FFF2-40B4-BE49-F238E27FC236}">
-                <a16:creationId xmlns:a16="http://schemas.microsoft.com/office/drawing/2014/main" id="{30DFB557-63B6-4825-A4E9-AA48679DDB80}"/>
+                <a16:creationId xmlns:a16="http://schemas.microsoft.com/office/drawing/2014/main" xmlns="" id="{30DFB557-63B6-4825-A4E9-AA48679DDB80}"/>
               </a:ext>
             </a:extLst>
           </p:cNvPr>
@@ -15959,7 +16690,7 @@
           <p:cNvPr id="7" name="화살표: 왼쪽/오른쪽 6">
             <a:extLst>
               <a:ext uri="{FF2B5EF4-FFF2-40B4-BE49-F238E27FC236}">
-                <a16:creationId xmlns:a16="http://schemas.microsoft.com/office/drawing/2014/main" id="{4E12E168-D9FF-4343-B35E-06DA76E44FB7}"/>
+                <a16:creationId xmlns:a16="http://schemas.microsoft.com/office/drawing/2014/main" xmlns="" id="{4E12E168-D9FF-4343-B35E-06DA76E44FB7}"/>
               </a:ext>
             </a:extLst>
           </p:cNvPr>
@@ -16017,7 +16748,7 @@
           <p:cNvPr id="44" name="Picture 2">
             <a:extLst>
               <a:ext uri="{FF2B5EF4-FFF2-40B4-BE49-F238E27FC236}">
-                <a16:creationId xmlns:a16="http://schemas.microsoft.com/office/drawing/2014/main" id="{567797A9-1B95-48D7-A914-C32948666867}"/>
+                <a16:creationId xmlns:a16="http://schemas.microsoft.com/office/drawing/2014/main" xmlns="" id="{567797A9-1B95-48D7-A914-C32948666867}"/>
               </a:ext>
             </a:extLst>
           </p:cNvPr>
@@ -16087,7 +16818,7 @@
           <p:cNvPr id="45" name="TextBox 44">
             <a:extLst>
               <a:ext uri="{FF2B5EF4-FFF2-40B4-BE49-F238E27FC236}">
-                <a16:creationId xmlns:a16="http://schemas.microsoft.com/office/drawing/2014/main" id="{BB50D454-7782-4D91-942D-A2CBC421BD0A}"/>
+                <a16:creationId xmlns:a16="http://schemas.microsoft.com/office/drawing/2014/main" xmlns="" id="{BB50D454-7782-4D91-942D-A2CBC421BD0A}"/>
               </a:ext>
             </a:extLst>
           </p:cNvPr>
@@ -16125,7 +16856,7 @@
           <p:cNvPr id="46" name="TextBox 45">
             <a:extLst>
               <a:ext uri="{FF2B5EF4-FFF2-40B4-BE49-F238E27FC236}">
-                <a16:creationId xmlns:a16="http://schemas.microsoft.com/office/drawing/2014/main" id="{96AFD3A8-A8B6-4089-9582-35652582A896}"/>
+                <a16:creationId xmlns:a16="http://schemas.microsoft.com/office/drawing/2014/main" xmlns="" id="{96AFD3A8-A8B6-4089-9582-35652582A896}"/>
               </a:ext>
             </a:extLst>
           </p:cNvPr>
@@ -16163,7 +16894,7 @@
           <p:cNvPr id="47" name="TextBox 46">
             <a:extLst>
               <a:ext uri="{FF2B5EF4-FFF2-40B4-BE49-F238E27FC236}">
-                <a16:creationId xmlns:a16="http://schemas.microsoft.com/office/drawing/2014/main" id="{7497AC1A-88D8-489C-B181-250982D56C31}"/>
+                <a16:creationId xmlns:a16="http://schemas.microsoft.com/office/drawing/2014/main" xmlns="" id="{7497AC1A-88D8-489C-B181-250982D56C31}"/>
               </a:ext>
             </a:extLst>
           </p:cNvPr>
@@ -16201,7 +16932,7 @@
           <p:cNvPr id="48" name="TextBox 47">
             <a:extLst>
               <a:ext uri="{FF2B5EF4-FFF2-40B4-BE49-F238E27FC236}">
-                <a16:creationId xmlns:a16="http://schemas.microsoft.com/office/drawing/2014/main" id="{6346752E-5488-4DC5-9EE3-C4ECCE01D7F0}"/>
+                <a16:creationId xmlns:a16="http://schemas.microsoft.com/office/drawing/2014/main" xmlns="" id="{6346752E-5488-4DC5-9EE3-C4ECCE01D7F0}"/>
               </a:ext>
             </a:extLst>
           </p:cNvPr>
@@ -16239,7 +16970,7 @@
           <p:cNvPr id="49" name="TextBox 48">
             <a:extLst>
               <a:ext uri="{FF2B5EF4-FFF2-40B4-BE49-F238E27FC236}">
-                <a16:creationId xmlns:a16="http://schemas.microsoft.com/office/drawing/2014/main" id="{159218C4-D86C-45A5-8FBF-C8D0EDD08DD9}"/>
+                <a16:creationId xmlns:a16="http://schemas.microsoft.com/office/drawing/2014/main" xmlns="" id="{159218C4-D86C-45A5-8FBF-C8D0EDD08DD9}"/>
               </a:ext>
             </a:extLst>
           </p:cNvPr>
@@ -16277,7 +17008,7 @@
           <p:cNvPr id="50" name="TextBox 49">
             <a:extLst>
               <a:ext uri="{FF2B5EF4-FFF2-40B4-BE49-F238E27FC236}">
-                <a16:creationId xmlns:a16="http://schemas.microsoft.com/office/drawing/2014/main" id="{A445CEF7-4DD8-4FF8-B97A-20BCFE989144}"/>
+                <a16:creationId xmlns:a16="http://schemas.microsoft.com/office/drawing/2014/main" xmlns="" id="{A445CEF7-4DD8-4FF8-B97A-20BCFE989144}"/>
               </a:ext>
             </a:extLst>
           </p:cNvPr>
@@ -16315,7 +17046,7 @@
           <p:cNvPr id="51" name="TextBox 50">
             <a:extLst>
               <a:ext uri="{FF2B5EF4-FFF2-40B4-BE49-F238E27FC236}">
-                <a16:creationId xmlns:a16="http://schemas.microsoft.com/office/drawing/2014/main" id="{BE204CD6-2B7D-4C99-83B0-2A1A8CF77015}"/>
+                <a16:creationId xmlns:a16="http://schemas.microsoft.com/office/drawing/2014/main" xmlns="" id="{BE204CD6-2B7D-4C99-83B0-2A1A8CF77015}"/>
               </a:ext>
             </a:extLst>
           </p:cNvPr>
@@ -16353,7 +17084,7 @@
           <p:cNvPr id="52" name="TextBox 51">
             <a:extLst>
               <a:ext uri="{FF2B5EF4-FFF2-40B4-BE49-F238E27FC236}">
-                <a16:creationId xmlns:a16="http://schemas.microsoft.com/office/drawing/2014/main" id="{10AD9D71-6BA9-4EA5-8EB3-AA790AD88DD3}"/>
+                <a16:creationId xmlns:a16="http://schemas.microsoft.com/office/drawing/2014/main" xmlns="" id="{10AD9D71-6BA9-4EA5-8EB3-AA790AD88DD3}"/>
               </a:ext>
             </a:extLst>
           </p:cNvPr>
@@ -16391,7 +17122,7 @@
           <p:cNvPr id="53" name="TextBox 52">
             <a:extLst>
               <a:ext uri="{FF2B5EF4-FFF2-40B4-BE49-F238E27FC236}">
-                <a16:creationId xmlns:a16="http://schemas.microsoft.com/office/drawing/2014/main" id="{FD7E6127-D001-49D5-A147-4CD89EF1314E}"/>
+                <a16:creationId xmlns:a16="http://schemas.microsoft.com/office/drawing/2014/main" xmlns="" id="{FD7E6127-D001-49D5-A147-4CD89EF1314E}"/>
               </a:ext>
             </a:extLst>
           </p:cNvPr>
@@ -16429,7 +17160,7 @@
           <p:cNvPr id="55" name="TextBox 54">
             <a:extLst>
               <a:ext uri="{FF2B5EF4-FFF2-40B4-BE49-F238E27FC236}">
-                <a16:creationId xmlns:a16="http://schemas.microsoft.com/office/drawing/2014/main" id="{1B7DB12B-678F-4074-B3EC-04F830F8B8C2}"/>
+                <a16:creationId xmlns:a16="http://schemas.microsoft.com/office/drawing/2014/main" xmlns="" id="{1B7DB12B-678F-4074-B3EC-04F830F8B8C2}"/>
               </a:ext>
             </a:extLst>
           </p:cNvPr>
@@ -16467,7 +17198,7 @@
           <p:cNvPr id="88" name="TextBox 87">
             <a:extLst>
               <a:ext uri="{FF2B5EF4-FFF2-40B4-BE49-F238E27FC236}">
-                <a16:creationId xmlns:a16="http://schemas.microsoft.com/office/drawing/2014/main" id="{00F1712F-93DE-4B98-8F89-EF10D2526DD9}"/>
+                <a16:creationId xmlns:a16="http://schemas.microsoft.com/office/drawing/2014/main" xmlns="" id="{00F1712F-93DE-4B98-8F89-EF10D2526DD9}"/>
               </a:ext>
             </a:extLst>
           </p:cNvPr>
@@ -16505,7 +17236,7 @@
           <p:cNvPr id="89" name="TextBox 88">
             <a:extLst>
               <a:ext uri="{FF2B5EF4-FFF2-40B4-BE49-F238E27FC236}">
-                <a16:creationId xmlns:a16="http://schemas.microsoft.com/office/drawing/2014/main" id="{48873E0B-870A-485E-96A1-42943FEC48A0}"/>
+                <a16:creationId xmlns:a16="http://schemas.microsoft.com/office/drawing/2014/main" xmlns="" id="{48873E0B-870A-485E-96A1-42943FEC48A0}"/>
               </a:ext>
             </a:extLst>
           </p:cNvPr>
@@ -16543,7 +17274,7 @@
           <p:cNvPr id="90" name="TextBox 89">
             <a:extLst>
               <a:ext uri="{FF2B5EF4-FFF2-40B4-BE49-F238E27FC236}">
-                <a16:creationId xmlns:a16="http://schemas.microsoft.com/office/drawing/2014/main" id="{621BEFBC-70EA-4CE9-B5D4-8A9EB58C0ADC}"/>
+                <a16:creationId xmlns:a16="http://schemas.microsoft.com/office/drawing/2014/main" xmlns="" id="{621BEFBC-70EA-4CE9-B5D4-8A9EB58C0ADC}"/>
               </a:ext>
             </a:extLst>
           </p:cNvPr>
@@ -16581,7 +17312,7 @@
           <p:cNvPr id="91" name="TextBox 90">
             <a:extLst>
               <a:ext uri="{FF2B5EF4-FFF2-40B4-BE49-F238E27FC236}">
-                <a16:creationId xmlns:a16="http://schemas.microsoft.com/office/drawing/2014/main" id="{324FE00C-29E2-47F9-B430-780C006DE449}"/>
+                <a16:creationId xmlns:a16="http://schemas.microsoft.com/office/drawing/2014/main" xmlns="" id="{324FE00C-29E2-47F9-B430-780C006DE449}"/>
               </a:ext>
             </a:extLst>
           </p:cNvPr>
@@ -16619,7 +17350,7 @@
           <p:cNvPr id="92" name="TextBox 91">
             <a:extLst>
               <a:ext uri="{FF2B5EF4-FFF2-40B4-BE49-F238E27FC236}">
-                <a16:creationId xmlns:a16="http://schemas.microsoft.com/office/drawing/2014/main" id="{37B89BE7-4A4B-4047-BD00-1BCD38BAA3E5}"/>
+                <a16:creationId xmlns:a16="http://schemas.microsoft.com/office/drawing/2014/main" xmlns="" id="{37B89BE7-4A4B-4047-BD00-1BCD38BAA3E5}"/>
               </a:ext>
             </a:extLst>
           </p:cNvPr>
@@ -16657,7 +17388,7 @@
           <p:cNvPr id="94" name="TextBox 93">
             <a:extLst>
               <a:ext uri="{FF2B5EF4-FFF2-40B4-BE49-F238E27FC236}">
-                <a16:creationId xmlns:a16="http://schemas.microsoft.com/office/drawing/2014/main" id="{2CC3AF41-3457-4574-AAD5-2B6060015252}"/>
+                <a16:creationId xmlns:a16="http://schemas.microsoft.com/office/drawing/2014/main" xmlns="" id="{2CC3AF41-3457-4574-AAD5-2B6060015252}"/>
               </a:ext>
             </a:extLst>
           </p:cNvPr>
@@ -16695,7 +17426,7 @@
           <p:cNvPr id="95" name="TextBox 94">
             <a:extLst>
               <a:ext uri="{FF2B5EF4-FFF2-40B4-BE49-F238E27FC236}">
-                <a16:creationId xmlns:a16="http://schemas.microsoft.com/office/drawing/2014/main" id="{8CE45887-6A98-4817-A7D8-BFAE901A8DC1}"/>
+                <a16:creationId xmlns:a16="http://schemas.microsoft.com/office/drawing/2014/main" xmlns="" id="{8CE45887-6A98-4817-A7D8-BFAE901A8DC1}"/>
               </a:ext>
             </a:extLst>
           </p:cNvPr>
@@ -16733,7 +17464,7 @@
           <p:cNvPr id="96" name="TextBox 95">
             <a:extLst>
               <a:ext uri="{FF2B5EF4-FFF2-40B4-BE49-F238E27FC236}">
-                <a16:creationId xmlns:a16="http://schemas.microsoft.com/office/drawing/2014/main" id="{D2F018F6-0017-4ED1-8030-12C91AA72D40}"/>
+                <a16:creationId xmlns:a16="http://schemas.microsoft.com/office/drawing/2014/main" xmlns="" id="{D2F018F6-0017-4ED1-8030-12C91AA72D40}"/>
               </a:ext>
             </a:extLst>
           </p:cNvPr>
@@ -16771,7 +17502,7 @@
           <p:cNvPr id="97" name="TextBox 96">
             <a:extLst>
               <a:ext uri="{FF2B5EF4-FFF2-40B4-BE49-F238E27FC236}">
-                <a16:creationId xmlns:a16="http://schemas.microsoft.com/office/drawing/2014/main" id="{6BA6E83D-2249-4DC6-A1B4-7C22457768FF}"/>
+                <a16:creationId xmlns:a16="http://schemas.microsoft.com/office/drawing/2014/main" xmlns="" id="{6BA6E83D-2249-4DC6-A1B4-7C22457768FF}"/>
               </a:ext>
             </a:extLst>
           </p:cNvPr>
@@ -16812,7 +17543,7 @@
           <p:cNvPr id="98" name="TextBox 97">
             <a:extLst>
               <a:ext uri="{FF2B5EF4-FFF2-40B4-BE49-F238E27FC236}">
-                <a16:creationId xmlns:a16="http://schemas.microsoft.com/office/drawing/2014/main" id="{A9C6BCCD-2628-4D76-A995-044B5AA812DE}"/>
+                <a16:creationId xmlns:a16="http://schemas.microsoft.com/office/drawing/2014/main" xmlns="" id="{A9C6BCCD-2628-4D76-A995-044B5AA812DE}"/>
               </a:ext>
             </a:extLst>
           </p:cNvPr>
@@ -16850,7 +17581,7 @@
           <p:cNvPr id="99" name="TextBox 98">
             <a:extLst>
               <a:ext uri="{FF2B5EF4-FFF2-40B4-BE49-F238E27FC236}">
-                <a16:creationId xmlns:a16="http://schemas.microsoft.com/office/drawing/2014/main" id="{B002F21C-B982-4402-807D-B9C235CB5647}"/>
+                <a16:creationId xmlns:a16="http://schemas.microsoft.com/office/drawing/2014/main" xmlns="" id="{B002F21C-B982-4402-807D-B9C235CB5647}"/>
               </a:ext>
             </a:extLst>
           </p:cNvPr>
@@ -16888,7 +17619,7 @@
           <p:cNvPr id="100" name="TextBox 99">
             <a:extLst>
               <a:ext uri="{FF2B5EF4-FFF2-40B4-BE49-F238E27FC236}">
-                <a16:creationId xmlns:a16="http://schemas.microsoft.com/office/drawing/2014/main" id="{6E9DC2E7-A48D-4066-94FF-D555D3E7E111}"/>
+                <a16:creationId xmlns:a16="http://schemas.microsoft.com/office/drawing/2014/main" xmlns="" id="{6E9DC2E7-A48D-4066-94FF-D555D3E7E111}"/>
               </a:ext>
             </a:extLst>
           </p:cNvPr>
@@ -16926,7 +17657,7 @@
           <p:cNvPr id="101" name="TextBox 100">
             <a:extLst>
               <a:ext uri="{FF2B5EF4-FFF2-40B4-BE49-F238E27FC236}">
-                <a16:creationId xmlns:a16="http://schemas.microsoft.com/office/drawing/2014/main" id="{60C088A5-94CB-4927-982B-3302A7498C98}"/>
+                <a16:creationId xmlns:a16="http://schemas.microsoft.com/office/drawing/2014/main" xmlns="" id="{60C088A5-94CB-4927-982B-3302A7498C98}"/>
               </a:ext>
             </a:extLst>
           </p:cNvPr>
@@ -16964,7 +17695,7 @@
           <p:cNvPr id="102" name="TextBox 101">
             <a:extLst>
               <a:ext uri="{FF2B5EF4-FFF2-40B4-BE49-F238E27FC236}">
-                <a16:creationId xmlns:a16="http://schemas.microsoft.com/office/drawing/2014/main" id="{5815668A-4B13-45DD-AB13-4F9D783A4E28}"/>
+                <a16:creationId xmlns:a16="http://schemas.microsoft.com/office/drawing/2014/main" xmlns="" id="{5815668A-4B13-45DD-AB13-4F9D783A4E28}"/>
               </a:ext>
             </a:extLst>
           </p:cNvPr>
@@ -17002,7 +17733,7 @@
           <p:cNvPr id="103" name="TextBox 102">
             <a:extLst>
               <a:ext uri="{FF2B5EF4-FFF2-40B4-BE49-F238E27FC236}">
-                <a16:creationId xmlns:a16="http://schemas.microsoft.com/office/drawing/2014/main" id="{BB9F4289-ABD0-455B-89BA-9B4FFE130233}"/>
+                <a16:creationId xmlns:a16="http://schemas.microsoft.com/office/drawing/2014/main" xmlns="" id="{BB9F4289-ABD0-455B-89BA-9B4FFE130233}"/>
               </a:ext>
             </a:extLst>
           </p:cNvPr>
@@ -17040,7 +17771,7 @@
           <p:cNvPr id="104" name="TextBox 103">
             <a:extLst>
               <a:ext uri="{FF2B5EF4-FFF2-40B4-BE49-F238E27FC236}">
-                <a16:creationId xmlns:a16="http://schemas.microsoft.com/office/drawing/2014/main" id="{63C75685-2BE3-41AF-B676-658EC2DCA468}"/>
+                <a16:creationId xmlns:a16="http://schemas.microsoft.com/office/drawing/2014/main" xmlns="" id="{63C75685-2BE3-41AF-B676-658EC2DCA468}"/>
               </a:ext>
             </a:extLst>
           </p:cNvPr>
@@ -17078,7 +17809,7 @@
           <p:cNvPr id="41" name="직선 연결선 40">
             <a:extLst>
               <a:ext uri="{FF2B5EF4-FFF2-40B4-BE49-F238E27FC236}">
-                <a16:creationId xmlns:a16="http://schemas.microsoft.com/office/drawing/2014/main" id="{1F4E8311-123B-4F32-939B-2A947174DC40}"/>
+                <a16:creationId xmlns:a16="http://schemas.microsoft.com/office/drawing/2014/main" xmlns="" id="{1F4E8311-123B-4F32-939B-2A947174DC40}"/>
               </a:ext>
             </a:extLst>
           </p:cNvPr>
@@ -17122,7 +17853,7 @@
           <p:cNvPr id="105" name="TextBox 104">
             <a:extLst>
               <a:ext uri="{FF2B5EF4-FFF2-40B4-BE49-F238E27FC236}">
-                <a16:creationId xmlns:a16="http://schemas.microsoft.com/office/drawing/2014/main" id="{140027E9-CEFC-47FB-B1C0-F3A211CA9D4D}"/>
+                <a16:creationId xmlns:a16="http://schemas.microsoft.com/office/drawing/2014/main" xmlns="" id="{140027E9-CEFC-47FB-B1C0-F3A211CA9D4D}"/>
               </a:ext>
             </a:extLst>
           </p:cNvPr>
@@ -17164,7 +17895,7 @@
           <p:cNvPr id="42" name="직선 연결선 41">
             <a:extLst>
               <a:ext uri="{FF2B5EF4-FFF2-40B4-BE49-F238E27FC236}">
-                <a16:creationId xmlns:a16="http://schemas.microsoft.com/office/drawing/2014/main" id="{55118AA6-BF0B-4B34-9C5E-2117DBBD1395}"/>
+                <a16:creationId xmlns:a16="http://schemas.microsoft.com/office/drawing/2014/main" xmlns="" id="{55118AA6-BF0B-4B34-9C5E-2117DBBD1395}"/>
               </a:ext>
             </a:extLst>
           </p:cNvPr>
@@ -17208,7 +17939,7 @@
           <p:cNvPr id="43" name="직선 연결선 42">
             <a:extLst>
               <a:ext uri="{FF2B5EF4-FFF2-40B4-BE49-F238E27FC236}">
-                <a16:creationId xmlns:a16="http://schemas.microsoft.com/office/drawing/2014/main" id="{AE7ECA80-9C63-44B4-8524-62B4B30F7463}"/>
+                <a16:creationId xmlns:a16="http://schemas.microsoft.com/office/drawing/2014/main" xmlns="" id="{AE7ECA80-9C63-44B4-8524-62B4B30F7463}"/>
               </a:ext>
             </a:extLst>
           </p:cNvPr>
@@ -17252,7 +17983,7 @@
           <p:cNvPr id="106" name="TextBox 105">
             <a:extLst>
               <a:ext uri="{FF2B5EF4-FFF2-40B4-BE49-F238E27FC236}">
-                <a16:creationId xmlns:a16="http://schemas.microsoft.com/office/drawing/2014/main" id="{3E9E0AE4-DD5D-43F2-A623-C0D646CE516F}"/>
+                <a16:creationId xmlns:a16="http://schemas.microsoft.com/office/drawing/2014/main" xmlns="" id="{3E9E0AE4-DD5D-43F2-A623-C0D646CE516F}"/>
               </a:ext>
             </a:extLst>
           </p:cNvPr>
@@ -17311,7 +18042,7 @@
           <p:cNvPr id="107" name="TextBox 106">
             <a:extLst>
               <a:ext uri="{FF2B5EF4-FFF2-40B4-BE49-F238E27FC236}">
-                <a16:creationId xmlns:a16="http://schemas.microsoft.com/office/drawing/2014/main" id="{EE398BA9-391F-40BB-BBB2-FD9FC5EF9F31}"/>
+                <a16:creationId xmlns:a16="http://schemas.microsoft.com/office/drawing/2014/main" xmlns="" id="{EE398BA9-391F-40BB-BBB2-FD9FC5EF9F31}"/>
               </a:ext>
             </a:extLst>
           </p:cNvPr>
@@ -17370,7 +18101,7 @@
           <p:cNvPr id="108" name="화살표: 왼쪽/오른쪽 107">
             <a:extLst>
               <a:ext uri="{FF2B5EF4-FFF2-40B4-BE49-F238E27FC236}">
-                <a16:creationId xmlns:a16="http://schemas.microsoft.com/office/drawing/2014/main" id="{62D491F2-D664-4A4F-A4B5-32ECFC5A6A0A}"/>
+                <a16:creationId xmlns:a16="http://schemas.microsoft.com/office/drawing/2014/main" xmlns="" id="{62D491F2-D664-4A4F-A4B5-32ECFC5A6A0A}"/>
               </a:ext>
             </a:extLst>
           </p:cNvPr>
@@ -17428,7 +18159,7 @@
           <p:cNvPr id="113" name="그림 112" descr="텍스트, 클립아트이(가) 표시된 사진&#10;&#10;자동 생성된 설명">
             <a:extLst>
               <a:ext uri="{FF2B5EF4-FFF2-40B4-BE49-F238E27FC236}">
-                <a16:creationId xmlns:a16="http://schemas.microsoft.com/office/drawing/2014/main" id="{E1758220-5C9F-485A-936A-7C4BC6ADDEA1}"/>
+                <a16:creationId xmlns:a16="http://schemas.microsoft.com/office/drawing/2014/main" xmlns="" id="{E1758220-5C9F-485A-936A-7C4BC6ADDEA1}"/>
               </a:ext>
             </a:extLst>
           </p:cNvPr>
@@ -17472,7 +18203,7 @@
           <p:cNvPr id="114" name="TextBox 113">
             <a:extLst>
               <a:ext uri="{FF2B5EF4-FFF2-40B4-BE49-F238E27FC236}">
-                <a16:creationId xmlns:a16="http://schemas.microsoft.com/office/drawing/2014/main" id="{293189C6-EBCC-4C60-9AD9-132E9B8E744E}"/>
+                <a16:creationId xmlns:a16="http://schemas.microsoft.com/office/drawing/2014/main" xmlns="" id="{293189C6-EBCC-4C60-9AD9-132E9B8E744E}"/>
               </a:ext>
             </a:extLst>
           </p:cNvPr>

--- a/pics/2021-01-05-confidence_interval/pics.pptx
+++ b/pics/2021-01-05-confidence_interval/pics.pptx
@@ -17,6 +17,7 @@
     <p:sldId id="256" r:id="rId11"/>
     <p:sldId id="257" r:id="rId12"/>
     <p:sldId id="261" r:id="rId13"/>
+    <p:sldId id="269" r:id="rId14"/>
   </p:sldIdLst>
   <p:sldSz cx="9144000" cy="5143500" type="screen16x9"/>
   <p:notesSz cx="6858000" cy="9144000"/>
@@ -117,7 +118,7 @@
   </p:defaultTextStyle>
   <p:extLst>
     <p:ext uri="{EFAFB233-063F-42B5-8137-9DF3F51BA10A}">
-      <p15:sldGuideLst xmlns:p15="http://schemas.microsoft.com/office/powerpoint/2012/main" xmlns="">
+      <p15:sldGuideLst xmlns="" xmlns:p15="http://schemas.microsoft.com/office/powerpoint/2012/main">
         <p15:guide id="1" orient="horz" pos="1620">
           <p15:clr>
             <a:srgbClr val="A4A3A4"/>
@@ -3111,7 +3112,7 @@
           <p:cNvPr id="7" name="그림 6" descr="텍스트이(가) 표시된 사진&#10;&#10;자동 생성된 설명">
             <a:extLst>
               <a:ext uri="{FF2B5EF4-FFF2-40B4-BE49-F238E27FC236}">
-                <a16:creationId xmlns:a16="http://schemas.microsoft.com/office/drawing/2014/main" xmlns="" id="{97E8C222-6FDB-4CD9-B36F-1A683D33AD67}"/>
+                <a16:creationId xmlns="" xmlns:a16="http://schemas.microsoft.com/office/drawing/2014/main" id="{97E8C222-6FDB-4CD9-B36F-1A683D33AD67}"/>
               </a:ext>
             </a:extLst>
           </p:cNvPr>
@@ -3146,7 +3147,7 @@
           <p:cNvPr id="8" name="그림 7" descr="텍스트이(가) 표시된 사진&#10;&#10;자동 생성된 설명">
             <a:extLst>
               <a:ext uri="{FF2B5EF4-FFF2-40B4-BE49-F238E27FC236}">
-                <a16:creationId xmlns:a16="http://schemas.microsoft.com/office/drawing/2014/main" xmlns="" id="{B8463EB3-D717-43C2-9C51-69CBF86CF0E3}"/>
+                <a16:creationId xmlns="" xmlns:a16="http://schemas.microsoft.com/office/drawing/2014/main" id="{B8463EB3-D717-43C2-9C51-69CBF86CF0E3}"/>
               </a:ext>
             </a:extLst>
           </p:cNvPr>
@@ -3181,7 +3182,7 @@
           <p:cNvPr id="9" name="직사각형 8">
             <a:extLst>
               <a:ext uri="{FF2B5EF4-FFF2-40B4-BE49-F238E27FC236}">
-                <a16:creationId xmlns:a16="http://schemas.microsoft.com/office/drawing/2014/main" xmlns="" id="{CCA5593B-5777-488F-A0B3-329D4AAD7AE6}"/>
+                <a16:creationId xmlns="" xmlns:a16="http://schemas.microsoft.com/office/drawing/2014/main" id="{CCA5593B-5777-488F-A0B3-329D4AAD7AE6}"/>
               </a:ext>
             </a:extLst>
           </p:cNvPr>
@@ -3993,7 +3994,7 @@
           <p:cNvPr id="123" name="Picture 2">
             <a:extLst>
               <a:ext uri="{FF2B5EF4-FFF2-40B4-BE49-F238E27FC236}">
-                <a16:creationId xmlns:a16="http://schemas.microsoft.com/office/drawing/2014/main" xmlns="" id="{D39BA6FB-C96D-4C46-A73C-38C9B34415E4}"/>
+                <a16:creationId xmlns="" xmlns:a16="http://schemas.microsoft.com/office/drawing/2014/main" id="{D39BA6FB-C96D-4C46-A73C-38C9B34415E4}"/>
               </a:ext>
             </a:extLst>
           </p:cNvPr>
@@ -4061,7 +4062,7 @@
           <p:cNvPr id="137" name="Picture 5" descr="https://static.wikia.nocookie.net/camp_for_bragging_rights/images/0/0e/Stickman.png/revision/latest/scale-to-width-down/768?cb=20200421202819">
             <a:extLst>
               <a:ext uri="{FF2B5EF4-FFF2-40B4-BE49-F238E27FC236}">
-                <a16:creationId xmlns:a16="http://schemas.microsoft.com/office/drawing/2014/main" xmlns="" id="{166B4B5D-3691-4AF7-8162-216E61BDA6F8}"/>
+                <a16:creationId xmlns="" xmlns:a16="http://schemas.microsoft.com/office/drawing/2014/main" id="{166B4B5D-3691-4AF7-8162-216E61BDA6F8}"/>
               </a:ext>
             </a:extLst>
           </p:cNvPr>
@@ -4106,7 +4107,7 @@
           <p:cNvPr id="138" name="Picture 5" descr="https://static.wikia.nocookie.net/camp_for_bragging_rights/images/0/0e/Stickman.png/revision/latest/scale-to-width-down/768?cb=20200421202819">
             <a:extLst>
               <a:ext uri="{FF2B5EF4-FFF2-40B4-BE49-F238E27FC236}">
-                <a16:creationId xmlns:a16="http://schemas.microsoft.com/office/drawing/2014/main" xmlns="" id="{6FF4F6CB-23EB-4AF0-A311-99786ECB2520}"/>
+                <a16:creationId xmlns="" xmlns:a16="http://schemas.microsoft.com/office/drawing/2014/main" id="{6FF4F6CB-23EB-4AF0-A311-99786ECB2520}"/>
               </a:ext>
             </a:extLst>
           </p:cNvPr>
@@ -4151,7 +4152,7 @@
           <p:cNvPr id="140" name="Picture 5" descr="https://static.wikia.nocookie.net/camp_for_bragging_rights/images/0/0e/Stickman.png/revision/latest/scale-to-width-down/768?cb=20200421202819">
             <a:extLst>
               <a:ext uri="{FF2B5EF4-FFF2-40B4-BE49-F238E27FC236}">
-                <a16:creationId xmlns:a16="http://schemas.microsoft.com/office/drawing/2014/main" xmlns="" id="{A7E8D6FF-3231-40DC-A081-6D5C71E87E3D}"/>
+                <a16:creationId xmlns="" xmlns:a16="http://schemas.microsoft.com/office/drawing/2014/main" id="{A7E8D6FF-3231-40DC-A081-6D5C71E87E3D}"/>
               </a:ext>
             </a:extLst>
           </p:cNvPr>
@@ -4196,7 +4197,7 @@
           <p:cNvPr id="148" name="Picture 6" descr="C:\Users\biosensor1\Documents\카카오톡 받은 파일\KakaoTalk_20210112_172206730.png">
             <a:extLst>
               <a:ext uri="{FF2B5EF4-FFF2-40B4-BE49-F238E27FC236}">
-                <a16:creationId xmlns:a16="http://schemas.microsoft.com/office/drawing/2014/main" xmlns="" id="{3D141645-779A-45FA-BFAF-899404DC1F36}"/>
+                <a16:creationId xmlns="" xmlns:a16="http://schemas.microsoft.com/office/drawing/2014/main" id="{3D141645-779A-45FA-BFAF-899404DC1F36}"/>
               </a:ext>
             </a:extLst>
           </p:cNvPr>
@@ -4241,7 +4242,7 @@
           <p:cNvPr id="155" name="TextBox 154">
             <a:extLst>
               <a:ext uri="{FF2B5EF4-FFF2-40B4-BE49-F238E27FC236}">
-                <a16:creationId xmlns:a16="http://schemas.microsoft.com/office/drawing/2014/main" xmlns="" id="{B82E9A67-D1FD-42F2-9B91-C7989E46382D}"/>
+                <a16:creationId xmlns="" xmlns:a16="http://schemas.microsoft.com/office/drawing/2014/main" id="{B82E9A67-D1FD-42F2-9B91-C7989E46382D}"/>
               </a:ext>
             </a:extLst>
           </p:cNvPr>
@@ -4291,7 +4292,7 @@
           <p:cNvPr id="199" name="Picture 2">
             <a:extLst>
               <a:ext uri="{FF2B5EF4-FFF2-40B4-BE49-F238E27FC236}">
-                <a16:creationId xmlns:a16="http://schemas.microsoft.com/office/drawing/2014/main" xmlns="" id="{D28AE9EA-24E9-4807-B64A-57CC46C36697}"/>
+                <a16:creationId xmlns="" xmlns:a16="http://schemas.microsoft.com/office/drawing/2014/main" id="{D28AE9EA-24E9-4807-B64A-57CC46C36697}"/>
               </a:ext>
             </a:extLst>
           </p:cNvPr>
@@ -4359,7 +4360,7 @@
           <p:cNvPr id="200" name="Picture 5" descr="https://static.wikia.nocookie.net/camp_for_bragging_rights/images/0/0e/Stickman.png/revision/latest/scale-to-width-down/768?cb=20200421202819">
             <a:extLst>
               <a:ext uri="{FF2B5EF4-FFF2-40B4-BE49-F238E27FC236}">
-                <a16:creationId xmlns:a16="http://schemas.microsoft.com/office/drawing/2014/main" xmlns="" id="{1A12F9BB-DF14-42DC-A3FA-16FD1D9BFD3F}"/>
+                <a16:creationId xmlns="" xmlns:a16="http://schemas.microsoft.com/office/drawing/2014/main" id="{1A12F9BB-DF14-42DC-A3FA-16FD1D9BFD3F}"/>
               </a:ext>
             </a:extLst>
           </p:cNvPr>
@@ -4404,7 +4405,7 @@
           <p:cNvPr id="201" name="Picture 5" descr="https://static.wikia.nocookie.net/camp_for_bragging_rights/images/0/0e/Stickman.png/revision/latest/scale-to-width-down/768?cb=20200421202819">
             <a:extLst>
               <a:ext uri="{FF2B5EF4-FFF2-40B4-BE49-F238E27FC236}">
-                <a16:creationId xmlns:a16="http://schemas.microsoft.com/office/drawing/2014/main" xmlns="" id="{1080F3EB-E75D-4459-AB25-309A967A3DE7}"/>
+                <a16:creationId xmlns="" xmlns:a16="http://schemas.microsoft.com/office/drawing/2014/main" id="{1080F3EB-E75D-4459-AB25-309A967A3DE7}"/>
               </a:ext>
             </a:extLst>
           </p:cNvPr>
@@ -4449,7 +4450,7 @@
           <p:cNvPr id="202" name="Picture 5" descr="https://static.wikia.nocookie.net/camp_for_bragging_rights/images/0/0e/Stickman.png/revision/latest/scale-to-width-down/768?cb=20200421202819">
             <a:extLst>
               <a:ext uri="{FF2B5EF4-FFF2-40B4-BE49-F238E27FC236}">
-                <a16:creationId xmlns:a16="http://schemas.microsoft.com/office/drawing/2014/main" xmlns="" id="{D437E1BE-B453-46F3-A521-7D95E6E55C76}"/>
+                <a16:creationId xmlns="" xmlns:a16="http://schemas.microsoft.com/office/drawing/2014/main" id="{D437E1BE-B453-46F3-A521-7D95E6E55C76}"/>
               </a:ext>
             </a:extLst>
           </p:cNvPr>
@@ -4494,7 +4495,7 @@
           <p:cNvPr id="203" name="Picture 5" descr="https://static.wikia.nocookie.net/camp_for_bragging_rights/images/0/0e/Stickman.png/revision/latest/scale-to-width-down/768?cb=20200421202819">
             <a:extLst>
               <a:ext uri="{FF2B5EF4-FFF2-40B4-BE49-F238E27FC236}">
-                <a16:creationId xmlns:a16="http://schemas.microsoft.com/office/drawing/2014/main" xmlns="" id="{4F60AEBC-F6F4-477B-8ED8-F63C0C27FCF5}"/>
+                <a16:creationId xmlns="" xmlns:a16="http://schemas.microsoft.com/office/drawing/2014/main" id="{4F60AEBC-F6F4-477B-8ED8-F63C0C27FCF5}"/>
               </a:ext>
             </a:extLst>
           </p:cNvPr>
@@ -4539,7 +4540,7 @@
           <p:cNvPr id="204" name="Picture 5" descr="https://static.wikia.nocookie.net/camp_for_bragging_rights/images/0/0e/Stickman.png/revision/latest/scale-to-width-down/768?cb=20200421202819">
             <a:extLst>
               <a:ext uri="{FF2B5EF4-FFF2-40B4-BE49-F238E27FC236}">
-                <a16:creationId xmlns:a16="http://schemas.microsoft.com/office/drawing/2014/main" xmlns="" id="{9419EE42-F2D1-49F1-82D5-45859855D7C0}"/>
+                <a16:creationId xmlns="" xmlns:a16="http://schemas.microsoft.com/office/drawing/2014/main" id="{9419EE42-F2D1-49F1-82D5-45859855D7C0}"/>
               </a:ext>
             </a:extLst>
           </p:cNvPr>
@@ -4584,7 +4585,7 @@
           <p:cNvPr id="205" name="Picture 5" descr="https://static.wikia.nocookie.net/camp_for_bragging_rights/images/0/0e/Stickman.png/revision/latest/scale-to-width-down/768?cb=20200421202819">
             <a:extLst>
               <a:ext uri="{FF2B5EF4-FFF2-40B4-BE49-F238E27FC236}">
-                <a16:creationId xmlns:a16="http://schemas.microsoft.com/office/drawing/2014/main" xmlns="" id="{5450B433-5567-4651-9BFB-8B3A32E29A2A}"/>
+                <a16:creationId xmlns="" xmlns:a16="http://schemas.microsoft.com/office/drawing/2014/main" id="{5450B433-5567-4651-9BFB-8B3A32E29A2A}"/>
               </a:ext>
             </a:extLst>
           </p:cNvPr>
@@ -4629,7 +4630,7 @@
           <p:cNvPr id="206" name="Picture 5" descr="https://static.wikia.nocookie.net/camp_for_bragging_rights/images/0/0e/Stickman.png/revision/latest/scale-to-width-down/768?cb=20200421202819">
             <a:extLst>
               <a:ext uri="{FF2B5EF4-FFF2-40B4-BE49-F238E27FC236}">
-                <a16:creationId xmlns:a16="http://schemas.microsoft.com/office/drawing/2014/main" xmlns="" id="{258EEADD-4985-4DF0-89A8-7550DCA90E9C}"/>
+                <a16:creationId xmlns="" xmlns:a16="http://schemas.microsoft.com/office/drawing/2014/main" id="{258EEADD-4985-4DF0-89A8-7550DCA90E9C}"/>
               </a:ext>
             </a:extLst>
           </p:cNvPr>
@@ -4674,7 +4675,7 @@
           <p:cNvPr id="207" name="Picture 5" descr="https://static.wikia.nocookie.net/camp_for_bragging_rights/images/0/0e/Stickman.png/revision/latest/scale-to-width-down/768?cb=20200421202819">
             <a:extLst>
               <a:ext uri="{FF2B5EF4-FFF2-40B4-BE49-F238E27FC236}">
-                <a16:creationId xmlns:a16="http://schemas.microsoft.com/office/drawing/2014/main" xmlns="" id="{9B91F6D8-AC19-49D7-9133-62D1D91EF2F7}"/>
+                <a16:creationId xmlns="" xmlns:a16="http://schemas.microsoft.com/office/drawing/2014/main" id="{9B91F6D8-AC19-49D7-9133-62D1D91EF2F7}"/>
               </a:ext>
             </a:extLst>
           </p:cNvPr>
@@ -4719,7 +4720,7 @@
           <p:cNvPr id="208" name="Picture 5" descr="https://static.wikia.nocookie.net/camp_for_bragging_rights/images/0/0e/Stickman.png/revision/latest/scale-to-width-down/768?cb=20200421202819">
             <a:extLst>
               <a:ext uri="{FF2B5EF4-FFF2-40B4-BE49-F238E27FC236}">
-                <a16:creationId xmlns:a16="http://schemas.microsoft.com/office/drawing/2014/main" xmlns="" id="{1B791DEC-BCAB-46E7-98EE-CF1F9C7F9A4A}"/>
+                <a16:creationId xmlns="" xmlns:a16="http://schemas.microsoft.com/office/drawing/2014/main" id="{1B791DEC-BCAB-46E7-98EE-CF1F9C7F9A4A}"/>
               </a:ext>
             </a:extLst>
           </p:cNvPr>
@@ -4764,7 +4765,7 @@
           <p:cNvPr id="209" name="Picture 5" descr="https://static.wikia.nocookie.net/camp_for_bragging_rights/images/0/0e/Stickman.png/revision/latest/scale-to-width-down/768?cb=20200421202819">
             <a:extLst>
               <a:ext uri="{FF2B5EF4-FFF2-40B4-BE49-F238E27FC236}">
-                <a16:creationId xmlns:a16="http://schemas.microsoft.com/office/drawing/2014/main" xmlns="" id="{BC86DD45-859E-4A94-A330-11B487DEF50D}"/>
+                <a16:creationId xmlns="" xmlns:a16="http://schemas.microsoft.com/office/drawing/2014/main" id="{BC86DD45-859E-4A94-A330-11B487DEF50D}"/>
               </a:ext>
             </a:extLst>
           </p:cNvPr>
@@ -4809,7 +4810,7 @@
           <p:cNvPr id="210" name="Picture 5" descr="https://static.wikia.nocookie.net/camp_for_bragging_rights/images/0/0e/Stickman.png/revision/latest/scale-to-width-down/768?cb=20200421202819">
             <a:extLst>
               <a:ext uri="{FF2B5EF4-FFF2-40B4-BE49-F238E27FC236}">
-                <a16:creationId xmlns:a16="http://schemas.microsoft.com/office/drawing/2014/main" xmlns="" id="{696735D1-EEF9-4D11-B3CA-E7A50FCBDD29}"/>
+                <a16:creationId xmlns="" xmlns:a16="http://schemas.microsoft.com/office/drawing/2014/main" id="{696735D1-EEF9-4D11-B3CA-E7A50FCBDD29}"/>
               </a:ext>
             </a:extLst>
           </p:cNvPr>
@@ -4854,7 +4855,7 @@
           <p:cNvPr id="211" name="Picture 6" descr="C:\Users\biosensor1\Documents\카카오톡 받은 파일\KakaoTalk_20210112_172206730.png">
             <a:extLst>
               <a:ext uri="{FF2B5EF4-FFF2-40B4-BE49-F238E27FC236}">
-                <a16:creationId xmlns:a16="http://schemas.microsoft.com/office/drawing/2014/main" xmlns="" id="{E66529A4-CE8E-4726-89C7-D0E9C2E7EA9E}"/>
+                <a16:creationId xmlns="" xmlns:a16="http://schemas.microsoft.com/office/drawing/2014/main" id="{E66529A4-CE8E-4726-89C7-D0E9C2E7EA9E}"/>
               </a:ext>
             </a:extLst>
           </p:cNvPr>
@@ -4899,7 +4900,7 @@
           <p:cNvPr id="212" name="Picture 6" descr="C:\Users\biosensor1\Documents\카카오톡 받은 파일\KakaoTalk_20210112_172206730.png">
             <a:extLst>
               <a:ext uri="{FF2B5EF4-FFF2-40B4-BE49-F238E27FC236}">
-                <a16:creationId xmlns:a16="http://schemas.microsoft.com/office/drawing/2014/main" xmlns="" id="{F684D7EA-4819-46EB-B1DF-55D091859480}"/>
+                <a16:creationId xmlns="" xmlns:a16="http://schemas.microsoft.com/office/drawing/2014/main" id="{F684D7EA-4819-46EB-B1DF-55D091859480}"/>
               </a:ext>
             </a:extLst>
           </p:cNvPr>
@@ -4944,7 +4945,7 @@
           <p:cNvPr id="213" name="Picture 6" descr="C:\Users\biosensor1\Documents\카카오톡 받은 파일\KakaoTalk_20210112_172206730.png">
             <a:extLst>
               <a:ext uri="{FF2B5EF4-FFF2-40B4-BE49-F238E27FC236}">
-                <a16:creationId xmlns:a16="http://schemas.microsoft.com/office/drawing/2014/main" xmlns="" id="{3A51768F-AA29-4FC8-A4EB-082B839E1955}"/>
+                <a16:creationId xmlns="" xmlns:a16="http://schemas.microsoft.com/office/drawing/2014/main" id="{3A51768F-AA29-4FC8-A4EB-082B839E1955}"/>
               </a:ext>
             </a:extLst>
           </p:cNvPr>
@@ -4989,7 +4990,7 @@
           <p:cNvPr id="214" name="Picture 6" descr="C:\Users\biosensor1\Documents\카카오톡 받은 파일\KakaoTalk_20210112_172206730.png">
             <a:extLst>
               <a:ext uri="{FF2B5EF4-FFF2-40B4-BE49-F238E27FC236}">
-                <a16:creationId xmlns:a16="http://schemas.microsoft.com/office/drawing/2014/main" xmlns="" id="{AAF3571A-A91A-4560-9FAF-C6C363BE6CB4}"/>
+                <a16:creationId xmlns="" xmlns:a16="http://schemas.microsoft.com/office/drawing/2014/main" id="{AAF3571A-A91A-4560-9FAF-C6C363BE6CB4}"/>
               </a:ext>
             </a:extLst>
           </p:cNvPr>
@@ -5034,7 +5035,7 @@
           <p:cNvPr id="215" name="Picture 6" descr="C:\Users\biosensor1\Documents\카카오톡 받은 파일\KakaoTalk_20210112_172206730.png">
             <a:extLst>
               <a:ext uri="{FF2B5EF4-FFF2-40B4-BE49-F238E27FC236}">
-                <a16:creationId xmlns:a16="http://schemas.microsoft.com/office/drawing/2014/main" xmlns="" id="{F7B746FA-CC20-46BF-9B69-932B7236AFF3}"/>
+                <a16:creationId xmlns="" xmlns:a16="http://schemas.microsoft.com/office/drawing/2014/main" id="{F7B746FA-CC20-46BF-9B69-932B7236AFF3}"/>
               </a:ext>
             </a:extLst>
           </p:cNvPr>
@@ -5079,7 +5080,7 @@
           <p:cNvPr id="216" name="Picture 6" descr="C:\Users\biosensor1\Documents\카카오톡 받은 파일\KakaoTalk_20210112_172206730.png">
             <a:extLst>
               <a:ext uri="{FF2B5EF4-FFF2-40B4-BE49-F238E27FC236}">
-                <a16:creationId xmlns:a16="http://schemas.microsoft.com/office/drawing/2014/main" xmlns="" id="{E6164BCA-911E-4A8F-B3E2-6001C5F0AD36}"/>
+                <a16:creationId xmlns="" xmlns:a16="http://schemas.microsoft.com/office/drawing/2014/main" id="{E6164BCA-911E-4A8F-B3E2-6001C5F0AD36}"/>
               </a:ext>
             </a:extLst>
           </p:cNvPr>
@@ -5124,7 +5125,7 @@
           <p:cNvPr id="217" name="Picture 5" descr="https://static.wikia.nocookie.net/camp_for_bragging_rights/images/0/0e/Stickman.png/revision/latest/scale-to-width-down/768?cb=20200421202819">
             <a:extLst>
               <a:ext uri="{FF2B5EF4-FFF2-40B4-BE49-F238E27FC236}">
-                <a16:creationId xmlns:a16="http://schemas.microsoft.com/office/drawing/2014/main" xmlns="" id="{AA920A7B-342B-42A5-959E-B517ACCE8743}"/>
+                <a16:creationId xmlns="" xmlns:a16="http://schemas.microsoft.com/office/drawing/2014/main" id="{AA920A7B-342B-42A5-959E-B517ACCE8743}"/>
               </a:ext>
             </a:extLst>
           </p:cNvPr>
@@ -5169,7 +5170,7 @@
           <p:cNvPr id="218" name="Picture 5" descr="https://static.wikia.nocookie.net/camp_for_bragging_rights/images/0/0e/Stickman.png/revision/latest/scale-to-width-down/768?cb=20200421202819">
             <a:extLst>
               <a:ext uri="{FF2B5EF4-FFF2-40B4-BE49-F238E27FC236}">
-                <a16:creationId xmlns:a16="http://schemas.microsoft.com/office/drawing/2014/main" xmlns="" id="{693E3459-C204-4981-9090-1A858AF7BB6D}"/>
+                <a16:creationId xmlns="" xmlns:a16="http://schemas.microsoft.com/office/drawing/2014/main" id="{693E3459-C204-4981-9090-1A858AF7BB6D}"/>
               </a:ext>
             </a:extLst>
           </p:cNvPr>
@@ -5214,7 +5215,7 @@
           <p:cNvPr id="219" name="Picture 5" descr="https://static.wikia.nocookie.net/camp_for_bragging_rights/images/0/0e/Stickman.png/revision/latest/scale-to-width-down/768?cb=20200421202819">
             <a:extLst>
               <a:ext uri="{FF2B5EF4-FFF2-40B4-BE49-F238E27FC236}">
-                <a16:creationId xmlns:a16="http://schemas.microsoft.com/office/drawing/2014/main" xmlns="" id="{6805677D-D657-4954-B7D0-B8AC3A08EBD7}"/>
+                <a16:creationId xmlns="" xmlns:a16="http://schemas.microsoft.com/office/drawing/2014/main" id="{6805677D-D657-4954-B7D0-B8AC3A08EBD7}"/>
               </a:ext>
             </a:extLst>
           </p:cNvPr>
@@ -5259,7 +5260,7 @@
           <p:cNvPr id="220" name="Picture 5" descr="https://static.wikia.nocookie.net/camp_for_bragging_rights/images/0/0e/Stickman.png/revision/latest/scale-to-width-down/768?cb=20200421202819">
             <a:extLst>
               <a:ext uri="{FF2B5EF4-FFF2-40B4-BE49-F238E27FC236}">
-                <a16:creationId xmlns:a16="http://schemas.microsoft.com/office/drawing/2014/main" xmlns="" id="{8154E053-1186-4570-B002-A35A99CF99C3}"/>
+                <a16:creationId xmlns="" xmlns:a16="http://schemas.microsoft.com/office/drawing/2014/main" id="{8154E053-1186-4570-B002-A35A99CF99C3}"/>
               </a:ext>
             </a:extLst>
           </p:cNvPr>
@@ -5304,7 +5305,7 @@
           <p:cNvPr id="221" name="Picture 5" descr="https://static.wikia.nocookie.net/camp_for_bragging_rights/images/0/0e/Stickman.png/revision/latest/scale-to-width-down/768?cb=20200421202819">
             <a:extLst>
               <a:ext uri="{FF2B5EF4-FFF2-40B4-BE49-F238E27FC236}">
-                <a16:creationId xmlns:a16="http://schemas.microsoft.com/office/drawing/2014/main" xmlns="" id="{3B592B85-75DC-4FE8-BD90-C4510579BD00}"/>
+                <a16:creationId xmlns="" xmlns:a16="http://schemas.microsoft.com/office/drawing/2014/main" id="{3B592B85-75DC-4FE8-BD90-C4510579BD00}"/>
               </a:ext>
             </a:extLst>
           </p:cNvPr>
@@ -5349,7 +5350,7 @@
           <p:cNvPr id="222" name="Picture 5" descr="https://static.wikia.nocookie.net/camp_for_bragging_rights/images/0/0e/Stickman.png/revision/latest/scale-to-width-down/768?cb=20200421202819">
             <a:extLst>
               <a:ext uri="{FF2B5EF4-FFF2-40B4-BE49-F238E27FC236}">
-                <a16:creationId xmlns:a16="http://schemas.microsoft.com/office/drawing/2014/main" xmlns="" id="{8B159003-2A63-4CA2-B1A9-B9D92890FD87}"/>
+                <a16:creationId xmlns="" xmlns:a16="http://schemas.microsoft.com/office/drawing/2014/main" id="{8B159003-2A63-4CA2-B1A9-B9D92890FD87}"/>
               </a:ext>
             </a:extLst>
           </p:cNvPr>
@@ -5394,7 +5395,7 @@
           <p:cNvPr id="223" name="Picture 5" descr="https://static.wikia.nocookie.net/camp_for_bragging_rights/images/0/0e/Stickman.png/revision/latest/scale-to-width-down/768?cb=20200421202819">
             <a:extLst>
               <a:ext uri="{FF2B5EF4-FFF2-40B4-BE49-F238E27FC236}">
-                <a16:creationId xmlns:a16="http://schemas.microsoft.com/office/drawing/2014/main" xmlns="" id="{EF75050E-DE1A-467E-98E3-697633A22AB6}"/>
+                <a16:creationId xmlns="" xmlns:a16="http://schemas.microsoft.com/office/drawing/2014/main" id="{EF75050E-DE1A-467E-98E3-697633A22AB6}"/>
               </a:ext>
             </a:extLst>
           </p:cNvPr>
@@ -5439,7 +5440,7 @@
           <p:cNvPr id="224" name="Picture 5" descr="https://static.wikia.nocookie.net/camp_for_bragging_rights/images/0/0e/Stickman.png/revision/latest/scale-to-width-down/768?cb=20200421202819">
             <a:extLst>
               <a:ext uri="{FF2B5EF4-FFF2-40B4-BE49-F238E27FC236}">
-                <a16:creationId xmlns:a16="http://schemas.microsoft.com/office/drawing/2014/main" xmlns="" id="{351DBE3E-C42A-4049-9501-79A6A3C1D676}"/>
+                <a16:creationId xmlns="" xmlns:a16="http://schemas.microsoft.com/office/drawing/2014/main" id="{351DBE3E-C42A-4049-9501-79A6A3C1D676}"/>
               </a:ext>
             </a:extLst>
           </p:cNvPr>
@@ -5484,7 +5485,7 @@
           <p:cNvPr id="225" name="Picture 5" descr="https://static.wikia.nocookie.net/camp_for_bragging_rights/images/0/0e/Stickman.png/revision/latest/scale-to-width-down/768?cb=20200421202819">
             <a:extLst>
               <a:ext uri="{FF2B5EF4-FFF2-40B4-BE49-F238E27FC236}">
-                <a16:creationId xmlns:a16="http://schemas.microsoft.com/office/drawing/2014/main" xmlns="" id="{10B63245-24B2-4FEF-9A91-99B4F252EDBD}"/>
+                <a16:creationId xmlns="" xmlns:a16="http://schemas.microsoft.com/office/drawing/2014/main" id="{10B63245-24B2-4FEF-9A91-99B4F252EDBD}"/>
               </a:ext>
             </a:extLst>
           </p:cNvPr>
@@ -5529,7 +5530,7 @@
           <p:cNvPr id="226" name="Picture 5" descr="https://static.wikia.nocookie.net/camp_for_bragging_rights/images/0/0e/Stickman.png/revision/latest/scale-to-width-down/768?cb=20200421202819">
             <a:extLst>
               <a:ext uri="{FF2B5EF4-FFF2-40B4-BE49-F238E27FC236}">
-                <a16:creationId xmlns:a16="http://schemas.microsoft.com/office/drawing/2014/main" xmlns="" id="{E46133AE-23D5-4726-95F1-5F0F792C85A4}"/>
+                <a16:creationId xmlns="" xmlns:a16="http://schemas.microsoft.com/office/drawing/2014/main" id="{E46133AE-23D5-4726-95F1-5F0F792C85A4}"/>
               </a:ext>
             </a:extLst>
           </p:cNvPr>
@@ -5574,7 +5575,7 @@
           <p:cNvPr id="227" name="Picture 5" descr="https://static.wikia.nocookie.net/camp_for_bragging_rights/images/0/0e/Stickman.png/revision/latest/scale-to-width-down/768?cb=20200421202819">
             <a:extLst>
               <a:ext uri="{FF2B5EF4-FFF2-40B4-BE49-F238E27FC236}">
-                <a16:creationId xmlns:a16="http://schemas.microsoft.com/office/drawing/2014/main" xmlns="" id="{57CCC3F0-9210-4B87-AE65-50E36D69A4B0}"/>
+                <a16:creationId xmlns="" xmlns:a16="http://schemas.microsoft.com/office/drawing/2014/main" id="{57CCC3F0-9210-4B87-AE65-50E36D69A4B0}"/>
               </a:ext>
             </a:extLst>
           </p:cNvPr>
@@ -5619,7 +5620,7 @@
           <p:cNvPr id="229" name="그림 228">
             <a:extLst>
               <a:ext uri="{FF2B5EF4-FFF2-40B4-BE49-F238E27FC236}">
-                <a16:creationId xmlns:a16="http://schemas.microsoft.com/office/drawing/2014/main" xmlns="" id="{57472415-EE81-483E-85D1-3FE032DD4732}"/>
+                <a16:creationId xmlns="" xmlns:a16="http://schemas.microsoft.com/office/drawing/2014/main" id="{57472415-EE81-483E-85D1-3FE032DD4732}"/>
               </a:ext>
             </a:extLst>
           </p:cNvPr>
@@ -5654,7 +5655,7 @@
           <p:cNvPr id="230" name="그림 229">
             <a:extLst>
               <a:ext uri="{FF2B5EF4-FFF2-40B4-BE49-F238E27FC236}">
-                <a16:creationId xmlns:a16="http://schemas.microsoft.com/office/drawing/2014/main" xmlns="" id="{AE77F889-E4D0-4C15-8820-1E1FF34F07EE}"/>
+                <a16:creationId xmlns="" xmlns:a16="http://schemas.microsoft.com/office/drawing/2014/main" id="{AE77F889-E4D0-4C15-8820-1E1FF34F07EE}"/>
               </a:ext>
             </a:extLst>
           </p:cNvPr>
@@ -5689,7 +5690,7 @@
           <p:cNvPr id="231" name="그림 230">
             <a:extLst>
               <a:ext uri="{FF2B5EF4-FFF2-40B4-BE49-F238E27FC236}">
-                <a16:creationId xmlns:a16="http://schemas.microsoft.com/office/drawing/2014/main" xmlns="" id="{5EB01DFA-4B19-4CA9-B4A3-8D92DF25A826}"/>
+                <a16:creationId xmlns="" xmlns:a16="http://schemas.microsoft.com/office/drawing/2014/main" id="{5EB01DFA-4B19-4CA9-B4A3-8D92DF25A826}"/>
               </a:ext>
             </a:extLst>
           </p:cNvPr>
@@ -5724,7 +5725,7 @@
           <p:cNvPr id="232" name="그림 231">
             <a:extLst>
               <a:ext uri="{FF2B5EF4-FFF2-40B4-BE49-F238E27FC236}">
-                <a16:creationId xmlns:a16="http://schemas.microsoft.com/office/drawing/2014/main" xmlns="" id="{3CF0E502-5FA0-44ED-8D89-E3D634815D0B}"/>
+                <a16:creationId xmlns="" xmlns:a16="http://schemas.microsoft.com/office/drawing/2014/main" id="{3CF0E502-5FA0-44ED-8D89-E3D634815D0B}"/>
               </a:ext>
             </a:extLst>
           </p:cNvPr>
@@ -5759,7 +5760,7 @@
           <p:cNvPr id="233" name="그림 232">
             <a:extLst>
               <a:ext uri="{FF2B5EF4-FFF2-40B4-BE49-F238E27FC236}">
-                <a16:creationId xmlns:a16="http://schemas.microsoft.com/office/drawing/2014/main" xmlns="" id="{3AC43DD1-4412-44A1-B8E2-076A1EACEE5C}"/>
+                <a16:creationId xmlns="" xmlns:a16="http://schemas.microsoft.com/office/drawing/2014/main" id="{3AC43DD1-4412-44A1-B8E2-076A1EACEE5C}"/>
               </a:ext>
             </a:extLst>
           </p:cNvPr>
@@ -5794,7 +5795,7 @@
           <p:cNvPr id="234" name="그림 233">
             <a:extLst>
               <a:ext uri="{FF2B5EF4-FFF2-40B4-BE49-F238E27FC236}">
-                <a16:creationId xmlns:a16="http://schemas.microsoft.com/office/drawing/2014/main" xmlns="" id="{BE20AFBE-328E-460F-AF0F-300617A7EB51}"/>
+                <a16:creationId xmlns="" xmlns:a16="http://schemas.microsoft.com/office/drawing/2014/main" id="{BE20AFBE-328E-460F-AF0F-300617A7EB51}"/>
               </a:ext>
             </a:extLst>
           </p:cNvPr>
@@ -5829,7 +5830,7 @@
           <p:cNvPr id="235" name="그림 234">
             <a:extLst>
               <a:ext uri="{FF2B5EF4-FFF2-40B4-BE49-F238E27FC236}">
-                <a16:creationId xmlns:a16="http://schemas.microsoft.com/office/drawing/2014/main" xmlns="" id="{F673298F-A920-448D-BB63-64502906BBDB}"/>
+                <a16:creationId xmlns="" xmlns:a16="http://schemas.microsoft.com/office/drawing/2014/main" id="{F673298F-A920-448D-BB63-64502906BBDB}"/>
               </a:ext>
             </a:extLst>
           </p:cNvPr>
@@ -5864,7 +5865,7 @@
           <p:cNvPr id="236" name="TextBox 235">
             <a:extLst>
               <a:ext uri="{FF2B5EF4-FFF2-40B4-BE49-F238E27FC236}">
-                <a16:creationId xmlns:a16="http://schemas.microsoft.com/office/drawing/2014/main" xmlns="" id="{8CF2FB13-C02C-435F-AA91-5197EF57BE6F}"/>
+                <a16:creationId xmlns="" xmlns:a16="http://schemas.microsoft.com/office/drawing/2014/main" id="{8CF2FB13-C02C-435F-AA91-5197EF57BE6F}"/>
               </a:ext>
             </a:extLst>
           </p:cNvPr>
@@ -5914,7 +5915,7 @@
           <p:cNvPr id="237" name="Picture 2">
             <a:extLst>
               <a:ext uri="{FF2B5EF4-FFF2-40B4-BE49-F238E27FC236}">
-                <a16:creationId xmlns:a16="http://schemas.microsoft.com/office/drawing/2014/main" xmlns="" id="{86270754-CD45-4DA0-A929-4310B0570602}"/>
+                <a16:creationId xmlns="" xmlns:a16="http://schemas.microsoft.com/office/drawing/2014/main" id="{86270754-CD45-4DA0-A929-4310B0570602}"/>
               </a:ext>
             </a:extLst>
           </p:cNvPr>
@@ -5982,7 +5983,7 @@
           <p:cNvPr id="238" name="TextBox 237">
             <a:extLst>
               <a:ext uri="{FF2B5EF4-FFF2-40B4-BE49-F238E27FC236}">
-                <a16:creationId xmlns:a16="http://schemas.microsoft.com/office/drawing/2014/main" xmlns="" id="{137C1972-AE76-49E1-9CB5-CD6CBEB6DE9E}"/>
+                <a16:creationId xmlns="" xmlns:a16="http://schemas.microsoft.com/office/drawing/2014/main" id="{137C1972-AE76-49E1-9CB5-CD6CBEB6DE9E}"/>
               </a:ext>
             </a:extLst>
           </p:cNvPr>
@@ -6020,7 +6021,7 @@
           <p:cNvPr id="239" name="TextBox 238">
             <a:extLst>
               <a:ext uri="{FF2B5EF4-FFF2-40B4-BE49-F238E27FC236}">
-                <a16:creationId xmlns:a16="http://schemas.microsoft.com/office/drawing/2014/main" xmlns="" id="{12403105-F03F-46A5-902C-7944FBF00DFB}"/>
+                <a16:creationId xmlns="" xmlns:a16="http://schemas.microsoft.com/office/drawing/2014/main" id="{12403105-F03F-46A5-902C-7944FBF00DFB}"/>
               </a:ext>
             </a:extLst>
           </p:cNvPr>
@@ -6061,7 +6062,7 @@
           <p:cNvPr id="240" name="TextBox 239">
             <a:extLst>
               <a:ext uri="{FF2B5EF4-FFF2-40B4-BE49-F238E27FC236}">
-                <a16:creationId xmlns:a16="http://schemas.microsoft.com/office/drawing/2014/main" xmlns="" id="{508F6216-4E42-4B66-9C5C-74251F6DE2B7}"/>
+                <a16:creationId xmlns="" xmlns:a16="http://schemas.microsoft.com/office/drawing/2014/main" id="{508F6216-4E42-4B66-9C5C-74251F6DE2B7}"/>
               </a:ext>
             </a:extLst>
           </p:cNvPr>
@@ -6099,7 +6100,7 @@
           <p:cNvPr id="241" name="TextBox 240">
             <a:extLst>
               <a:ext uri="{FF2B5EF4-FFF2-40B4-BE49-F238E27FC236}">
-                <a16:creationId xmlns:a16="http://schemas.microsoft.com/office/drawing/2014/main" xmlns="" id="{7F89F20E-616C-4A88-9B7F-FFD75935193F}"/>
+                <a16:creationId xmlns="" xmlns:a16="http://schemas.microsoft.com/office/drawing/2014/main" id="{7F89F20E-616C-4A88-9B7F-FFD75935193F}"/>
               </a:ext>
             </a:extLst>
           </p:cNvPr>
@@ -6137,7 +6138,7 @@
           <p:cNvPr id="242" name="TextBox 241">
             <a:extLst>
               <a:ext uri="{FF2B5EF4-FFF2-40B4-BE49-F238E27FC236}">
-                <a16:creationId xmlns:a16="http://schemas.microsoft.com/office/drawing/2014/main" xmlns="" id="{26723F57-80CB-4DC3-91FD-967F709C6929}"/>
+                <a16:creationId xmlns="" xmlns:a16="http://schemas.microsoft.com/office/drawing/2014/main" id="{26723F57-80CB-4DC3-91FD-967F709C6929}"/>
               </a:ext>
             </a:extLst>
           </p:cNvPr>
@@ -6175,7 +6176,7 @@
           <p:cNvPr id="243" name="TextBox 242">
             <a:extLst>
               <a:ext uri="{FF2B5EF4-FFF2-40B4-BE49-F238E27FC236}">
-                <a16:creationId xmlns:a16="http://schemas.microsoft.com/office/drawing/2014/main" xmlns="" id="{B55D2498-FFC6-424D-8693-41A7EABDFDDB}"/>
+                <a16:creationId xmlns="" xmlns:a16="http://schemas.microsoft.com/office/drawing/2014/main" id="{B55D2498-FFC6-424D-8693-41A7EABDFDDB}"/>
               </a:ext>
             </a:extLst>
           </p:cNvPr>
@@ -6213,7 +6214,7 @@
           <p:cNvPr id="244" name="TextBox 243">
             <a:extLst>
               <a:ext uri="{FF2B5EF4-FFF2-40B4-BE49-F238E27FC236}">
-                <a16:creationId xmlns:a16="http://schemas.microsoft.com/office/drawing/2014/main" xmlns="" id="{4DEF4C67-2551-4FD5-995D-9C7D14351512}"/>
+                <a16:creationId xmlns="" xmlns:a16="http://schemas.microsoft.com/office/drawing/2014/main" id="{4DEF4C67-2551-4FD5-995D-9C7D14351512}"/>
               </a:ext>
             </a:extLst>
           </p:cNvPr>
@@ -6251,7 +6252,7 @@
           <p:cNvPr id="245" name="TextBox 244">
             <a:extLst>
               <a:ext uri="{FF2B5EF4-FFF2-40B4-BE49-F238E27FC236}">
-                <a16:creationId xmlns:a16="http://schemas.microsoft.com/office/drawing/2014/main" xmlns="" id="{951DDEC2-F42F-4377-B5C4-258519EEE830}"/>
+                <a16:creationId xmlns="" xmlns:a16="http://schemas.microsoft.com/office/drawing/2014/main" id="{951DDEC2-F42F-4377-B5C4-258519EEE830}"/>
               </a:ext>
             </a:extLst>
           </p:cNvPr>
@@ -6289,7 +6290,7 @@
           <p:cNvPr id="246" name="TextBox 245">
             <a:extLst>
               <a:ext uri="{FF2B5EF4-FFF2-40B4-BE49-F238E27FC236}">
-                <a16:creationId xmlns:a16="http://schemas.microsoft.com/office/drawing/2014/main" xmlns="" id="{E3C6AA7C-A51C-409F-8443-DEE8DB09ED96}"/>
+                <a16:creationId xmlns="" xmlns:a16="http://schemas.microsoft.com/office/drawing/2014/main" id="{E3C6AA7C-A51C-409F-8443-DEE8DB09ED96}"/>
               </a:ext>
             </a:extLst>
           </p:cNvPr>
@@ -6327,7 +6328,7 @@
           <p:cNvPr id="247" name="TextBox 246">
             <a:extLst>
               <a:ext uri="{FF2B5EF4-FFF2-40B4-BE49-F238E27FC236}">
-                <a16:creationId xmlns:a16="http://schemas.microsoft.com/office/drawing/2014/main" xmlns="" id="{6F7C78F4-57DE-4922-BCA2-F73FBC9037A1}"/>
+                <a16:creationId xmlns="" xmlns:a16="http://schemas.microsoft.com/office/drawing/2014/main" id="{6F7C78F4-57DE-4922-BCA2-F73FBC9037A1}"/>
               </a:ext>
             </a:extLst>
           </p:cNvPr>
@@ -6365,7 +6366,7 @@
           <p:cNvPr id="248" name="TextBox 247">
             <a:extLst>
               <a:ext uri="{FF2B5EF4-FFF2-40B4-BE49-F238E27FC236}">
-                <a16:creationId xmlns:a16="http://schemas.microsoft.com/office/drawing/2014/main" xmlns="" id="{1C589EC7-708F-4E84-9D35-075FCD05D8D7}"/>
+                <a16:creationId xmlns="" xmlns:a16="http://schemas.microsoft.com/office/drawing/2014/main" id="{1C589EC7-708F-4E84-9D35-075FCD05D8D7}"/>
               </a:ext>
             </a:extLst>
           </p:cNvPr>
@@ -6403,7 +6404,7 @@
           <p:cNvPr id="249" name="Picture 2">
             <a:extLst>
               <a:ext uri="{FF2B5EF4-FFF2-40B4-BE49-F238E27FC236}">
-                <a16:creationId xmlns:a16="http://schemas.microsoft.com/office/drawing/2014/main" xmlns="" id="{812A903D-B283-4E18-85F9-1CD97AC81355}"/>
+                <a16:creationId xmlns="" xmlns:a16="http://schemas.microsoft.com/office/drawing/2014/main" id="{812A903D-B283-4E18-85F9-1CD97AC81355}"/>
               </a:ext>
             </a:extLst>
           </p:cNvPr>
@@ -6471,7 +6472,7 @@
           <p:cNvPr id="250" name="TextBox 249">
             <a:extLst>
               <a:ext uri="{FF2B5EF4-FFF2-40B4-BE49-F238E27FC236}">
-                <a16:creationId xmlns:a16="http://schemas.microsoft.com/office/drawing/2014/main" xmlns="" id="{C0E944C1-B966-4CBE-944C-0AB1860B2F52}"/>
+                <a16:creationId xmlns="" xmlns:a16="http://schemas.microsoft.com/office/drawing/2014/main" id="{C0E944C1-B966-4CBE-944C-0AB1860B2F52}"/>
               </a:ext>
             </a:extLst>
           </p:cNvPr>
@@ -6509,7 +6510,7 @@
           <p:cNvPr id="252" name="TextBox 251">
             <a:extLst>
               <a:ext uri="{FF2B5EF4-FFF2-40B4-BE49-F238E27FC236}">
-                <a16:creationId xmlns:a16="http://schemas.microsoft.com/office/drawing/2014/main" xmlns="" id="{34293B3C-1D0E-43DE-B9A3-DB1BFF7F9E88}"/>
+                <a16:creationId xmlns="" xmlns:a16="http://schemas.microsoft.com/office/drawing/2014/main" id="{34293B3C-1D0E-43DE-B9A3-DB1BFF7F9E88}"/>
               </a:ext>
             </a:extLst>
           </p:cNvPr>
@@ -6547,7 +6548,7 @@
           <p:cNvPr id="253" name="TextBox 252">
             <a:extLst>
               <a:ext uri="{FF2B5EF4-FFF2-40B4-BE49-F238E27FC236}">
-                <a16:creationId xmlns:a16="http://schemas.microsoft.com/office/drawing/2014/main" xmlns="" id="{2F52A88C-F86C-43CC-84ED-28771E182B95}"/>
+                <a16:creationId xmlns="" xmlns:a16="http://schemas.microsoft.com/office/drawing/2014/main" id="{2F52A88C-F86C-43CC-84ED-28771E182B95}"/>
               </a:ext>
             </a:extLst>
           </p:cNvPr>
@@ -6585,7 +6586,7 @@
           <p:cNvPr id="254" name="TextBox 253">
             <a:extLst>
               <a:ext uri="{FF2B5EF4-FFF2-40B4-BE49-F238E27FC236}">
-                <a16:creationId xmlns:a16="http://schemas.microsoft.com/office/drawing/2014/main" xmlns="" id="{AA840072-02EA-4213-91FD-E10F7E49411E}"/>
+                <a16:creationId xmlns="" xmlns:a16="http://schemas.microsoft.com/office/drawing/2014/main" id="{AA840072-02EA-4213-91FD-E10F7E49411E}"/>
               </a:ext>
             </a:extLst>
           </p:cNvPr>
@@ -6623,7 +6624,7 @@
           <p:cNvPr id="255" name="TextBox 254">
             <a:extLst>
               <a:ext uri="{FF2B5EF4-FFF2-40B4-BE49-F238E27FC236}">
-                <a16:creationId xmlns:a16="http://schemas.microsoft.com/office/drawing/2014/main" xmlns="" id="{CBDFCE15-E045-4BBF-9043-8C68B43E17DA}"/>
+                <a16:creationId xmlns="" xmlns:a16="http://schemas.microsoft.com/office/drawing/2014/main" id="{CBDFCE15-E045-4BBF-9043-8C68B43E17DA}"/>
               </a:ext>
             </a:extLst>
           </p:cNvPr>
@@ -6661,7 +6662,7 @@
           <p:cNvPr id="256" name="TextBox 255">
             <a:extLst>
               <a:ext uri="{FF2B5EF4-FFF2-40B4-BE49-F238E27FC236}">
-                <a16:creationId xmlns:a16="http://schemas.microsoft.com/office/drawing/2014/main" xmlns="" id="{014F44A1-3196-4FDB-ADA4-2536BC18E811}"/>
+                <a16:creationId xmlns="" xmlns:a16="http://schemas.microsoft.com/office/drawing/2014/main" id="{014F44A1-3196-4FDB-ADA4-2536BC18E811}"/>
               </a:ext>
             </a:extLst>
           </p:cNvPr>
@@ -6699,7 +6700,7 @@
           <p:cNvPr id="257" name="TextBox 256">
             <a:extLst>
               <a:ext uri="{FF2B5EF4-FFF2-40B4-BE49-F238E27FC236}">
-                <a16:creationId xmlns:a16="http://schemas.microsoft.com/office/drawing/2014/main" xmlns="" id="{9AA13090-0A98-4F97-84EB-6C32C0DEB4C7}"/>
+                <a16:creationId xmlns="" xmlns:a16="http://schemas.microsoft.com/office/drawing/2014/main" id="{9AA13090-0A98-4F97-84EB-6C32C0DEB4C7}"/>
               </a:ext>
             </a:extLst>
           </p:cNvPr>
@@ -6737,7 +6738,7 @@
           <p:cNvPr id="258" name="TextBox 257">
             <a:extLst>
               <a:ext uri="{FF2B5EF4-FFF2-40B4-BE49-F238E27FC236}">
-                <a16:creationId xmlns:a16="http://schemas.microsoft.com/office/drawing/2014/main" xmlns="" id="{FFFEE946-1395-48D7-814B-5D770A359A43}"/>
+                <a16:creationId xmlns="" xmlns:a16="http://schemas.microsoft.com/office/drawing/2014/main" id="{FFFEE946-1395-48D7-814B-5D770A359A43}"/>
               </a:ext>
             </a:extLst>
           </p:cNvPr>
@@ -6775,7 +6776,7 @@
           <p:cNvPr id="259" name="TextBox 258">
             <a:extLst>
               <a:ext uri="{FF2B5EF4-FFF2-40B4-BE49-F238E27FC236}">
-                <a16:creationId xmlns:a16="http://schemas.microsoft.com/office/drawing/2014/main" xmlns="" id="{87F82982-908E-4806-AD36-E32975CAAEC3}"/>
+                <a16:creationId xmlns="" xmlns:a16="http://schemas.microsoft.com/office/drawing/2014/main" id="{87F82982-908E-4806-AD36-E32975CAAEC3}"/>
               </a:ext>
             </a:extLst>
           </p:cNvPr>
@@ -6813,7 +6814,7 @@
           <p:cNvPr id="260" name="TextBox 259">
             <a:extLst>
               <a:ext uri="{FF2B5EF4-FFF2-40B4-BE49-F238E27FC236}">
-                <a16:creationId xmlns:a16="http://schemas.microsoft.com/office/drawing/2014/main" xmlns="" id="{18E7C861-E5C7-49FE-83C0-F2DE1EBC4DB0}"/>
+                <a16:creationId xmlns="" xmlns:a16="http://schemas.microsoft.com/office/drawing/2014/main" id="{18E7C861-E5C7-49FE-83C0-F2DE1EBC4DB0}"/>
               </a:ext>
             </a:extLst>
           </p:cNvPr>
@@ -6851,7 +6852,7 @@
           <p:cNvPr id="251" name="TextBox 250">
             <a:extLst>
               <a:ext uri="{FF2B5EF4-FFF2-40B4-BE49-F238E27FC236}">
-                <a16:creationId xmlns:a16="http://schemas.microsoft.com/office/drawing/2014/main" xmlns="" id="{95C2B872-1D25-4FB0-B13F-26BB87098249}"/>
+                <a16:creationId xmlns="" xmlns:a16="http://schemas.microsoft.com/office/drawing/2014/main" id="{95C2B872-1D25-4FB0-B13F-26BB87098249}"/>
               </a:ext>
             </a:extLst>
           </p:cNvPr>
@@ -6892,7 +6893,7 @@
           <p:cNvPr id="262" name="직선 화살표 연결선 261">
             <a:extLst>
               <a:ext uri="{FF2B5EF4-FFF2-40B4-BE49-F238E27FC236}">
-                <a16:creationId xmlns:a16="http://schemas.microsoft.com/office/drawing/2014/main" xmlns="" id="{293D7FFE-2FD4-447D-AFB4-A42DCDEDA86A}"/>
+                <a16:creationId xmlns="" xmlns:a16="http://schemas.microsoft.com/office/drawing/2014/main" id="{293D7FFE-2FD4-447D-AFB4-A42DCDEDA86A}"/>
               </a:ext>
             </a:extLst>
           </p:cNvPr>
@@ -6934,7 +6935,7 @@
           <p:cNvPr id="263" name="직선 화살표 연결선 262">
             <a:extLst>
               <a:ext uri="{FF2B5EF4-FFF2-40B4-BE49-F238E27FC236}">
-                <a16:creationId xmlns:a16="http://schemas.microsoft.com/office/drawing/2014/main" xmlns="" id="{80FE6AAE-DCB0-42A2-8846-43B0BADE6844}"/>
+                <a16:creationId xmlns="" xmlns:a16="http://schemas.microsoft.com/office/drawing/2014/main" id="{80FE6AAE-DCB0-42A2-8846-43B0BADE6844}"/>
               </a:ext>
             </a:extLst>
           </p:cNvPr>
@@ -6976,7 +6977,7 @@
           <p:cNvPr id="264" name="TextBox 263">
             <a:extLst>
               <a:ext uri="{FF2B5EF4-FFF2-40B4-BE49-F238E27FC236}">
-                <a16:creationId xmlns:a16="http://schemas.microsoft.com/office/drawing/2014/main" xmlns="" id="{98C36D25-6E13-45CB-98E3-0F6E2E353401}"/>
+                <a16:creationId xmlns="" xmlns:a16="http://schemas.microsoft.com/office/drawing/2014/main" id="{98C36D25-6E13-45CB-98E3-0F6E2E353401}"/>
               </a:ext>
             </a:extLst>
           </p:cNvPr>
@@ -7028,7 +7029,7 @@
               <p:cNvPr id="272" name="TextBox 271">
                 <a:extLst>
                   <a:ext uri="{FF2B5EF4-FFF2-40B4-BE49-F238E27FC236}">
-                    <a16:creationId xmlns:a16="http://schemas.microsoft.com/office/drawing/2014/main" xmlns="" id="{AF1F9706-3E77-4F4B-BE53-68B099D66F93}"/>
+                    <a16:creationId xmlns="" xmlns:a16="http://schemas.microsoft.com/office/drawing/2014/main" id="{AF1F9706-3E77-4F4B-BE53-68B099D66F93}"/>
                   </a:ext>
                 </a:extLst>
               </p:cNvPr>
@@ -7149,7 +7150,7 @@
               <p:cNvPr id="273" name="TextBox 272">
                 <a:extLst>
                   <a:ext uri="{FF2B5EF4-FFF2-40B4-BE49-F238E27FC236}">
-                    <a16:creationId xmlns:a16="http://schemas.microsoft.com/office/drawing/2014/main" xmlns="" id="{A071915E-12B4-46CF-AF39-FC7AA714C9DF}"/>
+                    <a16:creationId xmlns="" xmlns:a16="http://schemas.microsoft.com/office/drawing/2014/main" id="{A071915E-12B4-46CF-AF39-FC7AA714C9DF}"/>
                   </a:ext>
                 </a:extLst>
               </p:cNvPr>
@@ -7268,7 +7269,7 @@
           <p:cNvPr id="275" name="직선 연결선 274">
             <a:extLst>
               <a:ext uri="{FF2B5EF4-FFF2-40B4-BE49-F238E27FC236}">
-                <a16:creationId xmlns:a16="http://schemas.microsoft.com/office/drawing/2014/main" xmlns="" id="{E9CC54E8-AACB-4B07-ABA9-4CBB4B58EEC7}"/>
+                <a16:creationId xmlns="" xmlns:a16="http://schemas.microsoft.com/office/drawing/2014/main" id="{E9CC54E8-AACB-4B07-ABA9-4CBB4B58EEC7}"/>
               </a:ext>
             </a:extLst>
           </p:cNvPr>
@@ -7309,7 +7310,7 @@
           <p:cNvPr id="276" name="직선 연결선 275">
             <a:extLst>
               <a:ext uri="{FF2B5EF4-FFF2-40B4-BE49-F238E27FC236}">
-                <a16:creationId xmlns:a16="http://schemas.microsoft.com/office/drawing/2014/main" xmlns="" id="{65104A84-9903-400D-BD12-CCE95C038A07}"/>
+                <a16:creationId xmlns="" xmlns:a16="http://schemas.microsoft.com/office/drawing/2014/main" id="{65104A84-9903-400D-BD12-CCE95C038A07}"/>
               </a:ext>
             </a:extLst>
           </p:cNvPr>
@@ -7352,7 +7353,7 @@
               <p:cNvPr id="277" name="TextBox 276">
                 <a:extLst>
                   <a:ext uri="{FF2B5EF4-FFF2-40B4-BE49-F238E27FC236}">
-                    <a16:creationId xmlns:a16="http://schemas.microsoft.com/office/drawing/2014/main" xmlns="" id="{A1E5A455-E0F6-4651-A91D-841D94EE051B}"/>
+                    <a16:creationId xmlns="" xmlns:a16="http://schemas.microsoft.com/office/drawing/2014/main" id="{A1E5A455-E0F6-4651-A91D-841D94EE051B}"/>
                   </a:ext>
                 </a:extLst>
               </p:cNvPr>
@@ -7473,7 +7474,7 @@
               <p:cNvPr id="278" name="TextBox 277">
                 <a:extLst>
                   <a:ext uri="{FF2B5EF4-FFF2-40B4-BE49-F238E27FC236}">
-                    <a16:creationId xmlns:a16="http://schemas.microsoft.com/office/drawing/2014/main" xmlns="" id="{C2D3C570-F39A-4EE0-A2FF-432740D5E111}"/>
+                    <a16:creationId xmlns="" xmlns:a16="http://schemas.microsoft.com/office/drawing/2014/main" id="{C2D3C570-F39A-4EE0-A2FF-432740D5E111}"/>
                   </a:ext>
                 </a:extLst>
               </p:cNvPr>
@@ -7592,7 +7593,7 @@
           <p:cNvPr id="279" name="직선 연결선 278">
             <a:extLst>
               <a:ext uri="{FF2B5EF4-FFF2-40B4-BE49-F238E27FC236}">
-                <a16:creationId xmlns:a16="http://schemas.microsoft.com/office/drawing/2014/main" xmlns="" id="{3C39A6C8-3EB9-4206-AA9F-F8696F2A6E67}"/>
+                <a16:creationId xmlns="" xmlns:a16="http://schemas.microsoft.com/office/drawing/2014/main" id="{3C39A6C8-3EB9-4206-AA9F-F8696F2A6E67}"/>
               </a:ext>
             </a:extLst>
           </p:cNvPr>
@@ -7633,7 +7634,7 @@
           <p:cNvPr id="280" name="직선 연결선 279">
             <a:extLst>
               <a:ext uri="{FF2B5EF4-FFF2-40B4-BE49-F238E27FC236}">
-                <a16:creationId xmlns:a16="http://schemas.microsoft.com/office/drawing/2014/main" xmlns="" id="{37EAF852-2521-434C-854E-0B41B0C5316F}"/>
+                <a16:creationId xmlns="" xmlns:a16="http://schemas.microsoft.com/office/drawing/2014/main" id="{37EAF852-2521-434C-854E-0B41B0C5316F}"/>
               </a:ext>
             </a:extLst>
           </p:cNvPr>
@@ -7674,7 +7675,7 @@
           <p:cNvPr id="281" name="TextBox 280">
             <a:extLst>
               <a:ext uri="{FF2B5EF4-FFF2-40B4-BE49-F238E27FC236}">
-                <a16:creationId xmlns:a16="http://schemas.microsoft.com/office/drawing/2014/main" xmlns="" id="{880D2BBC-DEB9-41E1-91BF-1C27BC894C85}"/>
+                <a16:creationId xmlns="" xmlns:a16="http://schemas.microsoft.com/office/drawing/2014/main" id="{880D2BBC-DEB9-41E1-91BF-1C27BC894C85}"/>
               </a:ext>
             </a:extLst>
           </p:cNvPr>
@@ -7724,7 +7725,7 @@
           <p:cNvPr id="283" name="Picture 2">
             <a:extLst>
               <a:ext uri="{FF2B5EF4-FFF2-40B4-BE49-F238E27FC236}">
-                <a16:creationId xmlns:a16="http://schemas.microsoft.com/office/drawing/2014/main" xmlns="" id="{9D2BE860-D728-4E25-84C2-509E503FF7F8}"/>
+                <a16:creationId xmlns="" xmlns:a16="http://schemas.microsoft.com/office/drawing/2014/main" id="{9D2BE860-D728-4E25-84C2-509E503FF7F8}"/>
               </a:ext>
             </a:extLst>
           </p:cNvPr>
@@ -7792,7 +7793,7 @@
           <p:cNvPr id="284" name="TextBox 283">
             <a:extLst>
               <a:ext uri="{FF2B5EF4-FFF2-40B4-BE49-F238E27FC236}">
-                <a16:creationId xmlns:a16="http://schemas.microsoft.com/office/drawing/2014/main" xmlns="" id="{92E250B9-669F-4EDB-8B31-68D2D8E3D79D}"/>
+                <a16:creationId xmlns="" xmlns:a16="http://schemas.microsoft.com/office/drawing/2014/main" id="{92E250B9-669F-4EDB-8B31-68D2D8E3D79D}"/>
               </a:ext>
             </a:extLst>
           </p:cNvPr>
@@ -7834,7 +7835,7 @@
           <p:cNvPr id="285" name="TextBox 284">
             <a:extLst>
               <a:ext uri="{FF2B5EF4-FFF2-40B4-BE49-F238E27FC236}">
-                <a16:creationId xmlns:a16="http://schemas.microsoft.com/office/drawing/2014/main" xmlns="" id="{B3169739-2FFE-47C7-AF1D-9A7ACBFC4860}"/>
+                <a16:creationId xmlns="" xmlns:a16="http://schemas.microsoft.com/office/drawing/2014/main" id="{B3169739-2FFE-47C7-AF1D-9A7ACBFC4860}"/>
               </a:ext>
             </a:extLst>
           </p:cNvPr>
@@ -7875,7 +7876,7 @@
           <p:cNvPr id="286" name="TextBox 285">
             <a:extLst>
               <a:ext uri="{FF2B5EF4-FFF2-40B4-BE49-F238E27FC236}">
-                <a16:creationId xmlns:a16="http://schemas.microsoft.com/office/drawing/2014/main" xmlns="" id="{5E117062-419C-45D1-BE07-4D22F1E66049}"/>
+                <a16:creationId xmlns="" xmlns:a16="http://schemas.microsoft.com/office/drawing/2014/main" id="{5E117062-419C-45D1-BE07-4D22F1E66049}"/>
               </a:ext>
             </a:extLst>
           </p:cNvPr>
@@ -7913,7 +7914,7 @@
           <p:cNvPr id="287" name="TextBox 286">
             <a:extLst>
               <a:ext uri="{FF2B5EF4-FFF2-40B4-BE49-F238E27FC236}">
-                <a16:creationId xmlns:a16="http://schemas.microsoft.com/office/drawing/2014/main" xmlns="" id="{B73EC6F2-E012-48E6-9463-1CD797BE35B0}"/>
+                <a16:creationId xmlns="" xmlns:a16="http://schemas.microsoft.com/office/drawing/2014/main" id="{B73EC6F2-E012-48E6-9463-1CD797BE35B0}"/>
               </a:ext>
             </a:extLst>
           </p:cNvPr>
@@ -7951,7 +7952,7 @@
           <p:cNvPr id="288" name="TextBox 287">
             <a:extLst>
               <a:ext uri="{FF2B5EF4-FFF2-40B4-BE49-F238E27FC236}">
-                <a16:creationId xmlns:a16="http://schemas.microsoft.com/office/drawing/2014/main" xmlns="" id="{E81D15DE-E262-437D-B3E0-B0D7B19F1DBF}"/>
+                <a16:creationId xmlns="" xmlns:a16="http://schemas.microsoft.com/office/drawing/2014/main" id="{E81D15DE-E262-437D-B3E0-B0D7B19F1DBF}"/>
               </a:ext>
             </a:extLst>
           </p:cNvPr>
@@ -7989,7 +7990,7 @@
           <p:cNvPr id="289" name="TextBox 288">
             <a:extLst>
               <a:ext uri="{FF2B5EF4-FFF2-40B4-BE49-F238E27FC236}">
-                <a16:creationId xmlns:a16="http://schemas.microsoft.com/office/drawing/2014/main" xmlns="" id="{A76069F2-2AA8-46DF-BFF0-0961CC4014DC}"/>
+                <a16:creationId xmlns="" xmlns:a16="http://schemas.microsoft.com/office/drawing/2014/main" id="{A76069F2-2AA8-46DF-BFF0-0961CC4014DC}"/>
               </a:ext>
             </a:extLst>
           </p:cNvPr>
@@ -8031,7 +8032,7 @@
           <p:cNvPr id="290" name="TextBox 289">
             <a:extLst>
               <a:ext uri="{FF2B5EF4-FFF2-40B4-BE49-F238E27FC236}">
-                <a16:creationId xmlns:a16="http://schemas.microsoft.com/office/drawing/2014/main" xmlns="" id="{72198AC0-3FD1-43E0-A4BC-C6C9287625F6}"/>
+                <a16:creationId xmlns="" xmlns:a16="http://schemas.microsoft.com/office/drawing/2014/main" id="{72198AC0-3FD1-43E0-A4BC-C6C9287625F6}"/>
               </a:ext>
             </a:extLst>
           </p:cNvPr>
@@ -8073,7 +8074,7 @@
           <p:cNvPr id="291" name="TextBox 290">
             <a:extLst>
               <a:ext uri="{FF2B5EF4-FFF2-40B4-BE49-F238E27FC236}">
-                <a16:creationId xmlns:a16="http://schemas.microsoft.com/office/drawing/2014/main" xmlns="" id="{8D2E9371-3674-4100-8732-293F89C28E78}"/>
+                <a16:creationId xmlns="" xmlns:a16="http://schemas.microsoft.com/office/drawing/2014/main" id="{8D2E9371-3674-4100-8732-293F89C28E78}"/>
               </a:ext>
             </a:extLst>
           </p:cNvPr>
@@ -8115,7 +8116,7 @@
           <p:cNvPr id="292" name="TextBox 291">
             <a:extLst>
               <a:ext uri="{FF2B5EF4-FFF2-40B4-BE49-F238E27FC236}">
-                <a16:creationId xmlns:a16="http://schemas.microsoft.com/office/drawing/2014/main" xmlns="" id="{540FCDD8-CBAD-4CF8-9819-6EE0D7C3F4B3}"/>
+                <a16:creationId xmlns="" xmlns:a16="http://schemas.microsoft.com/office/drawing/2014/main" id="{540FCDD8-CBAD-4CF8-9819-6EE0D7C3F4B3}"/>
               </a:ext>
             </a:extLst>
           </p:cNvPr>
@@ -8153,7 +8154,7 @@
           <p:cNvPr id="293" name="TextBox 292">
             <a:extLst>
               <a:ext uri="{FF2B5EF4-FFF2-40B4-BE49-F238E27FC236}">
-                <a16:creationId xmlns:a16="http://schemas.microsoft.com/office/drawing/2014/main" xmlns="" id="{CF9F4CC8-9D2B-44FA-BDA4-6B5077C585D5}"/>
+                <a16:creationId xmlns="" xmlns:a16="http://schemas.microsoft.com/office/drawing/2014/main" id="{CF9F4CC8-9D2B-44FA-BDA4-6B5077C585D5}"/>
               </a:ext>
             </a:extLst>
           </p:cNvPr>
@@ -8195,7 +8196,7 @@
           <p:cNvPr id="294" name="TextBox 293">
             <a:extLst>
               <a:ext uri="{FF2B5EF4-FFF2-40B4-BE49-F238E27FC236}">
-                <a16:creationId xmlns:a16="http://schemas.microsoft.com/office/drawing/2014/main" xmlns="" id="{AD49A766-A6EA-4353-AB45-975873E42F82}"/>
+                <a16:creationId xmlns="" xmlns:a16="http://schemas.microsoft.com/office/drawing/2014/main" id="{AD49A766-A6EA-4353-AB45-975873E42F82}"/>
               </a:ext>
             </a:extLst>
           </p:cNvPr>
@@ -8233,7 +8234,7 @@
           <p:cNvPr id="307" name="직선 화살표 연결선 306">
             <a:extLst>
               <a:ext uri="{FF2B5EF4-FFF2-40B4-BE49-F238E27FC236}">
-                <a16:creationId xmlns:a16="http://schemas.microsoft.com/office/drawing/2014/main" xmlns="" id="{E3CE114E-EAEC-4F51-8632-081CFAC05A3E}"/>
+                <a16:creationId xmlns="" xmlns:a16="http://schemas.microsoft.com/office/drawing/2014/main" id="{E3CE114E-EAEC-4F51-8632-081CFAC05A3E}"/>
               </a:ext>
             </a:extLst>
           </p:cNvPr>
@@ -8275,7 +8276,7 @@
           <p:cNvPr id="308" name="TextBox 307">
             <a:extLst>
               <a:ext uri="{FF2B5EF4-FFF2-40B4-BE49-F238E27FC236}">
-                <a16:creationId xmlns:a16="http://schemas.microsoft.com/office/drawing/2014/main" xmlns="" id="{C8A56B62-AD47-4C53-927A-1C19B2E5C4B4}"/>
+                <a16:creationId xmlns="" xmlns:a16="http://schemas.microsoft.com/office/drawing/2014/main" id="{C8A56B62-AD47-4C53-927A-1C19B2E5C4B4}"/>
               </a:ext>
             </a:extLst>
           </p:cNvPr>
@@ -8316,7 +8317,7 @@
               <p:cNvPr id="309" name="TextBox 308">
                 <a:extLst>
                   <a:ext uri="{FF2B5EF4-FFF2-40B4-BE49-F238E27FC236}">
-                    <a16:creationId xmlns:a16="http://schemas.microsoft.com/office/drawing/2014/main" xmlns="" id="{9337CEF2-7062-4C91-BF6E-882B475E8F53}"/>
+                    <a16:creationId xmlns="" xmlns:a16="http://schemas.microsoft.com/office/drawing/2014/main" id="{9337CEF2-7062-4C91-BF6E-882B475E8F53}"/>
                   </a:ext>
                 </a:extLst>
               </p:cNvPr>
@@ -8470,7 +8471,7 @@
           <p:cNvPr id="311" name="직선 연결선 310">
             <a:extLst>
               <a:ext uri="{FF2B5EF4-FFF2-40B4-BE49-F238E27FC236}">
-                <a16:creationId xmlns:a16="http://schemas.microsoft.com/office/drawing/2014/main" xmlns="" id="{64F31221-F29A-48D8-9E15-5153CCF0EA76}"/>
+                <a16:creationId xmlns="" xmlns:a16="http://schemas.microsoft.com/office/drawing/2014/main" id="{64F31221-F29A-48D8-9E15-5153CCF0EA76}"/>
               </a:ext>
             </a:extLst>
           </p:cNvPr>
@@ -8511,7 +8512,7 @@
           <p:cNvPr id="315" name="TextBox 314">
             <a:extLst>
               <a:ext uri="{FF2B5EF4-FFF2-40B4-BE49-F238E27FC236}">
-                <a16:creationId xmlns:a16="http://schemas.microsoft.com/office/drawing/2014/main" xmlns="" id="{0AD0D108-71BF-432F-A08E-E8F5A946EC86}"/>
+                <a16:creationId xmlns="" xmlns:a16="http://schemas.microsoft.com/office/drawing/2014/main" id="{0AD0D108-71BF-432F-A08E-E8F5A946EC86}"/>
               </a:ext>
             </a:extLst>
           </p:cNvPr>
@@ -8549,7 +8550,7 @@
           <p:cNvPr id="316" name="TextBox 315">
             <a:extLst>
               <a:ext uri="{FF2B5EF4-FFF2-40B4-BE49-F238E27FC236}">
-                <a16:creationId xmlns:a16="http://schemas.microsoft.com/office/drawing/2014/main" xmlns="" id="{BA2BF029-2A8D-4892-B1FC-8BA6DEDC5F57}"/>
+                <a16:creationId xmlns="" xmlns:a16="http://schemas.microsoft.com/office/drawing/2014/main" id="{BA2BF029-2A8D-4892-B1FC-8BA6DEDC5F57}"/>
               </a:ext>
             </a:extLst>
           </p:cNvPr>
@@ -8587,7 +8588,7 @@
           <p:cNvPr id="317" name="TextBox 316">
             <a:extLst>
               <a:ext uri="{FF2B5EF4-FFF2-40B4-BE49-F238E27FC236}">
-                <a16:creationId xmlns:a16="http://schemas.microsoft.com/office/drawing/2014/main" xmlns="" id="{10794DF8-03D8-4954-BD8F-AB94DDB4DDD9}"/>
+                <a16:creationId xmlns="" xmlns:a16="http://schemas.microsoft.com/office/drawing/2014/main" id="{10794DF8-03D8-4954-BD8F-AB94DDB4DDD9}"/>
               </a:ext>
             </a:extLst>
           </p:cNvPr>
@@ -8633,7 +8634,7 @@
           <p:cNvPr id="318" name="TextBox 317">
             <a:extLst>
               <a:ext uri="{FF2B5EF4-FFF2-40B4-BE49-F238E27FC236}">
-                <a16:creationId xmlns:a16="http://schemas.microsoft.com/office/drawing/2014/main" xmlns="" id="{5295F85A-D50A-4018-9CEE-F88126D16B59}"/>
+                <a16:creationId xmlns="" xmlns:a16="http://schemas.microsoft.com/office/drawing/2014/main" id="{5295F85A-D50A-4018-9CEE-F88126D16B59}"/>
               </a:ext>
             </a:extLst>
           </p:cNvPr>
@@ -8676,7 +8677,7 @@
           <p:cNvPr id="319" name="TextBox 318">
             <a:extLst>
               <a:ext uri="{FF2B5EF4-FFF2-40B4-BE49-F238E27FC236}">
-                <a16:creationId xmlns:a16="http://schemas.microsoft.com/office/drawing/2014/main" xmlns="" id="{E8386D3A-F1C6-488E-8033-B7A3940F21C5}"/>
+                <a16:creationId xmlns="" xmlns:a16="http://schemas.microsoft.com/office/drawing/2014/main" id="{E8386D3A-F1C6-488E-8033-B7A3940F21C5}"/>
               </a:ext>
             </a:extLst>
           </p:cNvPr>
@@ -8719,7 +8720,7 @@
           <p:cNvPr id="329" name="그림 328">
             <a:extLst>
               <a:ext uri="{FF2B5EF4-FFF2-40B4-BE49-F238E27FC236}">
-                <a16:creationId xmlns:a16="http://schemas.microsoft.com/office/drawing/2014/main" xmlns="" id="{F9875368-482F-4290-8CA0-683E3D74D00C}"/>
+                <a16:creationId xmlns="" xmlns:a16="http://schemas.microsoft.com/office/drawing/2014/main" id="{F9875368-482F-4290-8CA0-683E3D74D00C}"/>
               </a:ext>
             </a:extLst>
           </p:cNvPr>
@@ -8777,7 +8778,7 @@
           <p:cNvPr id="330" name="TextBox 329">
             <a:extLst>
               <a:ext uri="{FF2B5EF4-FFF2-40B4-BE49-F238E27FC236}">
-                <a16:creationId xmlns:a16="http://schemas.microsoft.com/office/drawing/2014/main" xmlns="" id="{2126F626-11BC-4D72-BCC9-B61FEFE0D163}"/>
+                <a16:creationId xmlns="" xmlns:a16="http://schemas.microsoft.com/office/drawing/2014/main" id="{2126F626-11BC-4D72-BCC9-B61FEFE0D163}"/>
               </a:ext>
             </a:extLst>
           </p:cNvPr>
@@ -8830,7 +8831,7 @@
           <p:cNvPr id="331" name="그림 330">
             <a:extLst>
               <a:ext uri="{FF2B5EF4-FFF2-40B4-BE49-F238E27FC236}">
-                <a16:creationId xmlns:a16="http://schemas.microsoft.com/office/drawing/2014/main" xmlns="" id="{963C65DE-6388-45DC-A85A-E9C35564C335}"/>
+                <a16:creationId xmlns="" xmlns:a16="http://schemas.microsoft.com/office/drawing/2014/main" id="{963C65DE-6388-45DC-A85A-E9C35564C335}"/>
               </a:ext>
             </a:extLst>
           </p:cNvPr>
@@ -8888,7 +8889,7 @@
           <p:cNvPr id="332" name="TextBox 331">
             <a:extLst>
               <a:ext uri="{FF2B5EF4-FFF2-40B4-BE49-F238E27FC236}">
-                <a16:creationId xmlns:a16="http://schemas.microsoft.com/office/drawing/2014/main" xmlns="" id="{EBBC07F5-11A0-4B67-9E12-944EF60BCC0F}"/>
+                <a16:creationId xmlns="" xmlns:a16="http://schemas.microsoft.com/office/drawing/2014/main" id="{EBBC07F5-11A0-4B67-9E12-944EF60BCC0F}"/>
               </a:ext>
             </a:extLst>
           </p:cNvPr>
@@ -8940,6 +8941,2173 @@
     <p:extLst>
       <p:ext uri="{BB962C8B-B14F-4D97-AF65-F5344CB8AC3E}">
         <p14:creationId xmlns:p14="http://schemas.microsoft.com/office/powerpoint/2010/main" val="3407894930"/>
+      </p:ext>
+    </p:extLst>
+  </p:cSld>
+  <p:clrMapOvr>
+    <a:masterClrMapping/>
+  </p:clrMapOvr>
+</p:sld>
+</file>
+
+<file path=ppt/slides/slide13.xml><?xml version="1.0" encoding="utf-8"?>
+<p:sld xmlns:a="http://schemas.openxmlformats.org/drawingml/2006/main" xmlns:r="http://schemas.openxmlformats.org/officeDocument/2006/relationships" xmlns:p="http://schemas.openxmlformats.org/presentationml/2006/main">
+  <p:cSld>
+    <p:spTree>
+      <p:nvGrpSpPr>
+        <p:cNvPr id="1" name=""/>
+        <p:cNvGrpSpPr/>
+        <p:nvPr/>
+      </p:nvGrpSpPr>
+      <p:grpSpPr>
+        <a:xfrm>
+          <a:off x="0" y="0"/>
+          <a:ext cx="0" cy="0"/>
+          <a:chOff x="0" y="0"/>
+          <a:chExt cx="0" cy="0"/>
+        </a:xfrm>
+      </p:grpSpPr>
+      <p:cxnSp>
+        <p:nvCxnSpPr>
+          <p:cNvPr id="54" name="직선 연결선 53">
+            <a:extLst>
+              <a:ext uri="{FF2B5EF4-FFF2-40B4-BE49-F238E27FC236}">
+                <a16:creationId xmlns="" xmlns:a16="http://schemas.microsoft.com/office/drawing/2014/main" id="{C0E7FF59-BEE0-4C00-9F83-E09D00B0C516}"/>
+              </a:ext>
+            </a:extLst>
+          </p:cNvPr>
+          <p:cNvCxnSpPr>
+            <a:cxnSpLocks/>
+          </p:cNvCxnSpPr>
+          <p:nvPr/>
+        </p:nvCxnSpPr>
+        <p:spPr>
+          <a:xfrm>
+            <a:off x="4454104" y="680488"/>
+            <a:ext cx="0" cy="3331422"/>
+          </a:xfrm>
+          <a:prstGeom prst="line">
+            <a:avLst/>
+          </a:prstGeom>
+          <a:ln w="28575">
+            <a:solidFill>
+              <a:schemeClr val="accent3"/>
+            </a:solidFill>
+            <a:prstDash val="dash"/>
+          </a:ln>
+        </p:spPr>
+        <p:style>
+          <a:lnRef idx="1">
+            <a:schemeClr val="accent1"/>
+          </a:lnRef>
+          <a:fillRef idx="0">
+            <a:schemeClr val="accent1"/>
+          </a:fillRef>
+          <a:effectRef idx="0">
+            <a:schemeClr val="accent1"/>
+          </a:effectRef>
+          <a:fontRef idx="minor">
+            <a:schemeClr val="tx1"/>
+          </a:fontRef>
+        </p:style>
+      </p:cxnSp>
+      <p:cxnSp>
+        <p:nvCxnSpPr>
+          <p:cNvPr id="82" name="직선 연결선 81">
+            <a:extLst>
+              <a:ext uri="{FF2B5EF4-FFF2-40B4-BE49-F238E27FC236}">
+                <a16:creationId xmlns="" xmlns:a16="http://schemas.microsoft.com/office/drawing/2014/main" id="{81C795E2-4BAB-4B30-8615-EF5D39005982}"/>
+              </a:ext>
+            </a:extLst>
+          </p:cNvPr>
+          <p:cNvCxnSpPr>
+            <a:cxnSpLocks/>
+          </p:cNvCxnSpPr>
+          <p:nvPr/>
+        </p:nvCxnSpPr>
+        <p:spPr>
+          <a:xfrm>
+            <a:off x="3869596" y="1046259"/>
+            <a:ext cx="0" cy="2965651"/>
+          </a:xfrm>
+          <a:prstGeom prst="line">
+            <a:avLst/>
+          </a:prstGeom>
+          <a:ln w="28575">
+            <a:solidFill>
+              <a:schemeClr val="accent6"/>
+            </a:solidFill>
+            <a:prstDash val="dash"/>
+          </a:ln>
+        </p:spPr>
+        <p:style>
+          <a:lnRef idx="1">
+            <a:schemeClr val="accent1"/>
+          </a:lnRef>
+          <a:fillRef idx="0">
+            <a:schemeClr val="accent1"/>
+          </a:fillRef>
+          <a:effectRef idx="0">
+            <a:schemeClr val="accent1"/>
+          </a:effectRef>
+          <a:fontRef idx="minor">
+            <a:schemeClr val="tx1"/>
+          </a:fontRef>
+        </p:style>
+      </p:cxnSp>
+      <p:cxnSp>
+        <p:nvCxnSpPr>
+          <p:cNvPr id="83" name="직선 연결선 82">
+            <a:extLst>
+              <a:ext uri="{FF2B5EF4-FFF2-40B4-BE49-F238E27FC236}">
+                <a16:creationId xmlns="" xmlns:a16="http://schemas.microsoft.com/office/drawing/2014/main" id="{FF755B02-EC7C-4BA0-A253-E7B3B6C7D81C}"/>
+              </a:ext>
+            </a:extLst>
+          </p:cNvPr>
+          <p:cNvCxnSpPr>
+            <a:cxnSpLocks/>
+          </p:cNvCxnSpPr>
+          <p:nvPr/>
+        </p:nvCxnSpPr>
+        <p:spPr>
+          <a:xfrm>
+            <a:off x="5038613" y="1046259"/>
+            <a:ext cx="0" cy="2965651"/>
+          </a:xfrm>
+          <a:prstGeom prst="line">
+            <a:avLst/>
+          </a:prstGeom>
+          <a:ln w="28575">
+            <a:solidFill>
+              <a:schemeClr val="accent6"/>
+            </a:solidFill>
+            <a:prstDash val="dash"/>
+          </a:ln>
+        </p:spPr>
+        <p:style>
+          <a:lnRef idx="1">
+            <a:schemeClr val="accent1"/>
+          </a:lnRef>
+          <a:fillRef idx="0">
+            <a:schemeClr val="accent1"/>
+          </a:fillRef>
+          <a:effectRef idx="0">
+            <a:schemeClr val="accent1"/>
+          </a:effectRef>
+          <a:fontRef idx="minor">
+            <a:schemeClr val="tx1"/>
+          </a:fontRef>
+        </p:style>
+      </p:cxnSp>
+      <p:pic>
+        <p:nvPicPr>
+          <p:cNvPr id="5" name="Picture 2"/>
+          <p:cNvPicPr>
+            <a:picLocks noChangeAspect="1" noChangeArrowheads="1"/>
+          </p:cNvPicPr>
+          <p:nvPr/>
+        </p:nvPicPr>
+        <p:blipFill>
+          <a:blip r:embed="rId2">
+            <a:extLst>
+              <a:ext uri="{28A0092B-C50C-407E-A947-70E740481C1C}">
+                <a14:useLocalDpi xmlns:a14="http://schemas.microsoft.com/office/drawing/2010/main" val="0"/>
+              </a:ext>
+            </a:extLst>
+          </a:blip>
+          <a:srcRect/>
+          <a:stretch>
+            <a:fillRect/>
+          </a:stretch>
+        </p:blipFill>
+        <p:spPr bwMode="auto">
+          <a:xfrm>
+            <a:off x="2843808" y="1203598"/>
+            <a:ext cx="3064412" cy="2880320"/>
+          </a:xfrm>
+          <a:prstGeom prst="rect">
+            <a:avLst/>
+          </a:prstGeom>
+          <a:noFill/>
+          <a:ln>
+            <a:noFill/>
+          </a:ln>
+          <a:effectLst/>
+          <a:extLst>
+            <a:ext uri="{909E8E84-426E-40DD-AFC4-6F175D3DCCD1}">
+              <a14:hiddenFill xmlns:a14="http://schemas.microsoft.com/office/drawing/2010/main">
+                <a:solidFill>
+                  <a:schemeClr val="accent1"/>
+                </a:solidFill>
+              </a14:hiddenFill>
+            </a:ext>
+            <a:ext uri="{91240B29-F687-4F45-9708-019B960494DF}">
+              <a14:hiddenLine xmlns:a14="http://schemas.microsoft.com/office/drawing/2010/main" w="9525">
+                <a:solidFill>
+                  <a:schemeClr val="tx1"/>
+                </a:solidFill>
+                <a:miter lim="800000"/>
+                <a:headEnd/>
+                <a:tailEnd/>
+              </a14:hiddenLine>
+            </a:ext>
+            <a:ext uri="{AF507438-7753-43E0-B8FC-AC1667EBCBE1}">
+              <a14:hiddenEffects xmlns:a14="http://schemas.microsoft.com/office/drawing/2010/main">
+                <a:effectLst>
+                  <a:outerShdw dist="35921" dir="2700000" algn="ctr" rotWithShape="0">
+                    <a:schemeClr val="bg2"/>
+                  </a:outerShdw>
+                </a:effectLst>
+              </a14:hiddenEffects>
+            </a:ext>
+          </a:extLst>
+        </p:spPr>
+      </p:pic>
+      <p:sp>
+        <p:nvSpPr>
+          <p:cNvPr id="4" name="TextBox 3">
+            <a:extLst>
+              <a:ext uri="{FF2B5EF4-FFF2-40B4-BE49-F238E27FC236}">
+                <a16:creationId xmlns="" xmlns:a16="http://schemas.microsoft.com/office/drawing/2014/main" id="{C04AFB07-A04F-4BA4-AFC3-446CE5957D9D}"/>
+              </a:ext>
+            </a:extLst>
+          </p:cNvPr>
+          <p:cNvSpPr txBox="1"/>
+          <p:nvPr/>
+        </p:nvSpPr>
+        <p:spPr>
+          <a:xfrm>
+            <a:off x="4057250" y="2302211"/>
+            <a:ext cx="417102" cy="261610"/>
+          </a:xfrm>
+          <a:prstGeom prst="rect">
+            <a:avLst/>
+          </a:prstGeom>
+          <a:noFill/>
+        </p:spPr>
+        <p:txBody>
+          <a:bodyPr wrap="none" rtlCol="0">
+            <a:spAutoFit/>
+          </a:bodyPr>
+          <a:lstStyle/>
+          <a:p>
+            <a:r>
+              <a:rPr lang="ko-KR" altLang="en-US" sz="1100" dirty="0" smtClean="0">
+                <a:latin typeface="배달의민족 주아" panose="02020603020101020101" pitchFamily="18" charset="-127"/>
+                <a:ea typeface="배달의민족 주아" panose="02020603020101020101" pitchFamily="18" charset="-127"/>
+              </a:rPr>
+              <a:t>차이</a:t>
+            </a:r>
+            <a:endParaRPr lang="ko-KR" altLang="en-US" sz="1100" dirty="0">
+              <a:latin typeface="배달의민족 주아" panose="02020603020101020101" pitchFamily="18" charset="-127"/>
+              <a:ea typeface="배달의민족 주아" panose="02020603020101020101" pitchFamily="18" charset="-127"/>
+            </a:endParaRPr>
+          </a:p>
+        </p:txBody>
+      </p:sp>
+      <p:sp>
+        <p:nvSpPr>
+          <p:cNvPr id="56" name="TextBox 55">
+            <a:extLst>
+              <a:ext uri="{FF2B5EF4-FFF2-40B4-BE49-F238E27FC236}">
+                <a16:creationId xmlns="" xmlns:a16="http://schemas.microsoft.com/office/drawing/2014/main" id="{B6A70F32-8562-4E73-BD1D-CF9D36148B17}"/>
+              </a:ext>
+            </a:extLst>
+          </p:cNvPr>
+          <p:cNvSpPr txBox="1"/>
+          <p:nvPr/>
+        </p:nvSpPr>
+        <p:spPr>
+          <a:xfrm>
+            <a:off x="3958912" y="2543368"/>
+            <a:ext cx="417102" cy="261610"/>
+          </a:xfrm>
+          <a:prstGeom prst="rect">
+            <a:avLst/>
+          </a:prstGeom>
+          <a:noFill/>
+        </p:spPr>
+        <p:txBody>
+          <a:bodyPr wrap="none" rtlCol="0">
+            <a:spAutoFit/>
+          </a:bodyPr>
+          <a:lstStyle/>
+          <a:p>
+            <a:r>
+              <a:rPr lang="ko-KR" altLang="en-US" sz="1100" dirty="0" smtClean="0">
+                <a:latin typeface="배달의민족 주아" panose="02020603020101020101" pitchFamily="18" charset="-127"/>
+                <a:ea typeface="배달의민족 주아" panose="02020603020101020101" pitchFamily="18" charset="-127"/>
+              </a:rPr>
+              <a:t>차이</a:t>
+            </a:r>
+            <a:endParaRPr lang="ko-KR" altLang="en-US" sz="1100" dirty="0">
+              <a:latin typeface="배달의민족 주아" panose="02020603020101020101" pitchFamily="18" charset="-127"/>
+              <a:ea typeface="배달의민족 주아" panose="02020603020101020101" pitchFamily="18" charset="-127"/>
+            </a:endParaRPr>
+          </a:p>
+        </p:txBody>
+      </p:sp>
+      <p:sp>
+        <p:nvSpPr>
+          <p:cNvPr id="57" name="TextBox 56">
+            <a:extLst>
+              <a:ext uri="{FF2B5EF4-FFF2-40B4-BE49-F238E27FC236}">
+                <a16:creationId xmlns="" xmlns:a16="http://schemas.microsoft.com/office/drawing/2014/main" id="{69C2B872-9BEB-4D28-96BF-A163FA23B2AE}"/>
+              </a:ext>
+            </a:extLst>
+          </p:cNvPr>
+          <p:cNvSpPr txBox="1"/>
+          <p:nvPr/>
+        </p:nvSpPr>
+        <p:spPr>
+          <a:xfrm>
+            <a:off x="4314708" y="2653597"/>
+            <a:ext cx="417102" cy="261610"/>
+          </a:xfrm>
+          <a:prstGeom prst="rect">
+            <a:avLst/>
+          </a:prstGeom>
+          <a:noFill/>
+        </p:spPr>
+        <p:txBody>
+          <a:bodyPr wrap="none" rtlCol="0">
+            <a:spAutoFit/>
+          </a:bodyPr>
+          <a:lstStyle/>
+          <a:p>
+            <a:r>
+              <a:rPr lang="ko-KR" altLang="en-US" sz="1100" dirty="0" smtClean="0">
+                <a:latin typeface="배달의민족 주아" panose="02020603020101020101" pitchFamily="18" charset="-127"/>
+                <a:ea typeface="배달의민족 주아" panose="02020603020101020101" pitchFamily="18" charset="-127"/>
+              </a:rPr>
+              <a:t>차이</a:t>
+            </a:r>
+            <a:endParaRPr lang="ko-KR" altLang="en-US" sz="1100" dirty="0">
+              <a:latin typeface="배달의민족 주아" panose="02020603020101020101" pitchFamily="18" charset="-127"/>
+              <a:ea typeface="배달의민족 주아" panose="02020603020101020101" pitchFamily="18" charset="-127"/>
+            </a:endParaRPr>
+          </a:p>
+        </p:txBody>
+      </p:sp>
+      <p:sp>
+        <p:nvSpPr>
+          <p:cNvPr id="58" name="TextBox 57">
+            <a:extLst>
+              <a:ext uri="{FF2B5EF4-FFF2-40B4-BE49-F238E27FC236}">
+                <a16:creationId xmlns="" xmlns:a16="http://schemas.microsoft.com/office/drawing/2014/main" id="{EF643D31-A1D1-4965-BB3A-247350DB9036}"/>
+              </a:ext>
+            </a:extLst>
+          </p:cNvPr>
+          <p:cNvSpPr txBox="1"/>
+          <p:nvPr/>
+        </p:nvSpPr>
+        <p:spPr>
+          <a:xfrm>
+            <a:off x="4287015" y="2437573"/>
+            <a:ext cx="417102" cy="261610"/>
+          </a:xfrm>
+          <a:prstGeom prst="rect">
+            <a:avLst/>
+          </a:prstGeom>
+          <a:noFill/>
+        </p:spPr>
+        <p:txBody>
+          <a:bodyPr wrap="none" rtlCol="0">
+            <a:spAutoFit/>
+          </a:bodyPr>
+          <a:lstStyle/>
+          <a:p>
+            <a:r>
+              <a:rPr lang="ko-KR" altLang="en-US" sz="1100" dirty="0" smtClean="0">
+                <a:latin typeface="배달의민족 주아" panose="02020603020101020101" pitchFamily="18" charset="-127"/>
+                <a:ea typeface="배달의민족 주아" panose="02020603020101020101" pitchFamily="18" charset="-127"/>
+              </a:rPr>
+              <a:t>차이</a:t>
+            </a:r>
+            <a:endParaRPr lang="ko-KR" altLang="en-US" sz="1100" dirty="0">
+              <a:latin typeface="배달의민족 주아" panose="02020603020101020101" pitchFamily="18" charset="-127"/>
+              <a:ea typeface="배달의민족 주아" panose="02020603020101020101" pitchFamily="18" charset="-127"/>
+            </a:endParaRPr>
+          </a:p>
+        </p:txBody>
+      </p:sp>
+      <p:sp>
+        <p:nvSpPr>
+          <p:cNvPr id="59" name="TextBox 58">
+            <a:extLst>
+              <a:ext uri="{FF2B5EF4-FFF2-40B4-BE49-F238E27FC236}">
+                <a16:creationId xmlns="" xmlns:a16="http://schemas.microsoft.com/office/drawing/2014/main" id="{CEFEF120-AE30-4C7C-8637-42BDD97D4151}"/>
+              </a:ext>
+            </a:extLst>
+          </p:cNvPr>
+          <p:cNvSpPr txBox="1"/>
+          <p:nvPr/>
+        </p:nvSpPr>
+        <p:spPr>
+          <a:xfrm>
+            <a:off x="4191351" y="2099626"/>
+            <a:ext cx="417102" cy="261610"/>
+          </a:xfrm>
+          <a:prstGeom prst="rect">
+            <a:avLst/>
+          </a:prstGeom>
+          <a:noFill/>
+        </p:spPr>
+        <p:txBody>
+          <a:bodyPr wrap="none" rtlCol="0">
+            <a:spAutoFit/>
+          </a:bodyPr>
+          <a:lstStyle/>
+          <a:p>
+            <a:r>
+              <a:rPr lang="ko-KR" altLang="en-US" sz="1100" dirty="0" smtClean="0">
+                <a:latin typeface="배달의민족 주아" panose="02020603020101020101" pitchFamily="18" charset="-127"/>
+                <a:ea typeface="배달의민족 주아" panose="02020603020101020101" pitchFamily="18" charset="-127"/>
+              </a:rPr>
+              <a:t>차이</a:t>
+            </a:r>
+            <a:endParaRPr lang="ko-KR" altLang="en-US" sz="1100" dirty="0">
+              <a:latin typeface="배달의민족 주아" panose="02020603020101020101" pitchFamily="18" charset="-127"/>
+              <a:ea typeface="배달의민족 주아" panose="02020603020101020101" pitchFamily="18" charset="-127"/>
+            </a:endParaRPr>
+          </a:p>
+        </p:txBody>
+      </p:sp>
+      <p:sp>
+        <p:nvSpPr>
+          <p:cNvPr id="60" name="TextBox 59">
+            <a:extLst>
+              <a:ext uri="{FF2B5EF4-FFF2-40B4-BE49-F238E27FC236}">
+                <a16:creationId xmlns="" xmlns:a16="http://schemas.microsoft.com/office/drawing/2014/main" id="{1EF9F216-41A4-4695-A143-7F795D43D60F}"/>
+              </a:ext>
+            </a:extLst>
+          </p:cNvPr>
+          <p:cNvSpPr txBox="1"/>
+          <p:nvPr/>
+        </p:nvSpPr>
+        <p:spPr>
+          <a:xfrm>
+            <a:off x="4474352" y="2221549"/>
+            <a:ext cx="417102" cy="261610"/>
+          </a:xfrm>
+          <a:prstGeom prst="rect">
+            <a:avLst/>
+          </a:prstGeom>
+          <a:noFill/>
+        </p:spPr>
+        <p:txBody>
+          <a:bodyPr wrap="none" rtlCol="0">
+            <a:spAutoFit/>
+          </a:bodyPr>
+          <a:lstStyle/>
+          <a:p>
+            <a:r>
+              <a:rPr lang="ko-KR" altLang="en-US" sz="1100" dirty="0" smtClean="0">
+                <a:latin typeface="배달의민족 주아" panose="02020603020101020101" pitchFamily="18" charset="-127"/>
+                <a:ea typeface="배달의민족 주아" panose="02020603020101020101" pitchFamily="18" charset="-127"/>
+              </a:rPr>
+              <a:t>차이</a:t>
+            </a:r>
+            <a:endParaRPr lang="ko-KR" altLang="en-US" sz="1100" dirty="0">
+              <a:latin typeface="배달의민족 주아" panose="02020603020101020101" pitchFamily="18" charset="-127"/>
+              <a:ea typeface="배달의민족 주아" panose="02020603020101020101" pitchFamily="18" charset="-127"/>
+            </a:endParaRPr>
+          </a:p>
+        </p:txBody>
+      </p:sp>
+      <p:sp>
+        <p:nvSpPr>
+          <p:cNvPr id="61" name="TextBox 60">
+            <a:extLst>
+              <a:ext uri="{FF2B5EF4-FFF2-40B4-BE49-F238E27FC236}">
+                <a16:creationId xmlns="" xmlns:a16="http://schemas.microsoft.com/office/drawing/2014/main" id="{2A0E21AB-25E9-49DD-ADB4-0D3EC75B25A1}"/>
+              </a:ext>
+            </a:extLst>
+          </p:cNvPr>
+          <p:cNvSpPr txBox="1"/>
+          <p:nvPr/>
+        </p:nvSpPr>
+        <p:spPr>
+          <a:xfrm>
+            <a:off x="4540741" y="2542746"/>
+            <a:ext cx="417102" cy="261610"/>
+          </a:xfrm>
+          <a:prstGeom prst="rect">
+            <a:avLst/>
+          </a:prstGeom>
+          <a:noFill/>
+        </p:spPr>
+        <p:txBody>
+          <a:bodyPr wrap="none" rtlCol="0">
+            <a:spAutoFit/>
+          </a:bodyPr>
+          <a:lstStyle/>
+          <a:p>
+            <a:r>
+              <a:rPr lang="ko-KR" altLang="en-US" sz="1100" dirty="0" smtClean="0">
+                <a:latin typeface="배달의민족 주아" panose="02020603020101020101" pitchFamily="18" charset="-127"/>
+                <a:ea typeface="배달의민족 주아" panose="02020603020101020101" pitchFamily="18" charset="-127"/>
+              </a:rPr>
+              <a:t>차이</a:t>
+            </a:r>
+            <a:endParaRPr lang="ko-KR" altLang="en-US" sz="1100" dirty="0">
+              <a:latin typeface="배달의민족 주아" panose="02020603020101020101" pitchFamily="18" charset="-127"/>
+              <a:ea typeface="배달의민족 주아" panose="02020603020101020101" pitchFamily="18" charset="-127"/>
+            </a:endParaRPr>
+          </a:p>
+        </p:txBody>
+      </p:sp>
+      <p:sp>
+        <p:nvSpPr>
+          <p:cNvPr id="62" name="TextBox 61">
+            <a:extLst>
+              <a:ext uri="{FF2B5EF4-FFF2-40B4-BE49-F238E27FC236}">
+                <a16:creationId xmlns="" xmlns:a16="http://schemas.microsoft.com/office/drawing/2014/main" id="{74F7DFBB-01DD-4E1C-AA49-53D5262B1568}"/>
+              </a:ext>
+            </a:extLst>
+          </p:cNvPr>
+          <p:cNvSpPr txBox="1"/>
+          <p:nvPr/>
+        </p:nvSpPr>
+        <p:spPr>
+          <a:xfrm>
+            <a:off x="4025301" y="2750510"/>
+            <a:ext cx="417102" cy="261610"/>
+          </a:xfrm>
+          <a:prstGeom prst="rect">
+            <a:avLst/>
+          </a:prstGeom>
+          <a:noFill/>
+        </p:spPr>
+        <p:txBody>
+          <a:bodyPr wrap="none" rtlCol="0">
+            <a:spAutoFit/>
+          </a:bodyPr>
+          <a:lstStyle/>
+          <a:p>
+            <a:r>
+              <a:rPr lang="ko-KR" altLang="en-US" sz="1100" dirty="0" smtClean="0">
+                <a:latin typeface="배달의민족 주아" panose="02020603020101020101" pitchFamily="18" charset="-127"/>
+                <a:ea typeface="배달의민족 주아" panose="02020603020101020101" pitchFamily="18" charset="-127"/>
+              </a:rPr>
+              <a:t>차이</a:t>
+            </a:r>
+            <a:endParaRPr lang="ko-KR" altLang="en-US" sz="1100" dirty="0">
+              <a:latin typeface="배달의민족 주아" panose="02020603020101020101" pitchFamily="18" charset="-127"/>
+              <a:ea typeface="배달의민족 주아" panose="02020603020101020101" pitchFamily="18" charset="-127"/>
+            </a:endParaRPr>
+          </a:p>
+        </p:txBody>
+      </p:sp>
+      <p:sp>
+        <p:nvSpPr>
+          <p:cNvPr id="63" name="TextBox 62">
+            <a:extLst>
+              <a:ext uri="{FF2B5EF4-FFF2-40B4-BE49-F238E27FC236}">
+                <a16:creationId xmlns="" xmlns:a16="http://schemas.microsoft.com/office/drawing/2014/main" id="{A80CF1C4-9476-4397-A3ED-365156FF8C0B}"/>
+              </a:ext>
+            </a:extLst>
+          </p:cNvPr>
+          <p:cNvSpPr txBox="1"/>
+          <p:nvPr/>
+        </p:nvSpPr>
+        <p:spPr>
+          <a:xfrm>
+            <a:off x="3929767" y="2906325"/>
+            <a:ext cx="417102" cy="261610"/>
+          </a:xfrm>
+          <a:prstGeom prst="rect">
+            <a:avLst/>
+          </a:prstGeom>
+          <a:noFill/>
+        </p:spPr>
+        <p:txBody>
+          <a:bodyPr wrap="none" rtlCol="0">
+            <a:spAutoFit/>
+          </a:bodyPr>
+          <a:lstStyle/>
+          <a:p>
+            <a:r>
+              <a:rPr lang="ko-KR" altLang="en-US" sz="1100" dirty="0" smtClean="0">
+                <a:latin typeface="배달의민족 주아" panose="02020603020101020101" pitchFamily="18" charset="-127"/>
+                <a:ea typeface="배달의민족 주아" panose="02020603020101020101" pitchFamily="18" charset="-127"/>
+              </a:rPr>
+              <a:t>차이</a:t>
+            </a:r>
+            <a:endParaRPr lang="ko-KR" altLang="en-US" sz="1100" dirty="0">
+              <a:latin typeface="배달의민족 주아" panose="02020603020101020101" pitchFamily="18" charset="-127"/>
+              <a:ea typeface="배달의민족 주아" panose="02020603020101020101" pitchFamily="18" charset="-127"/>
+            </a:endParaRPr>
+          </a:p>
+        </p:txBody>
+      </p:sp>
+      <p:sp>
+        <p:nvSpPr>
+          <p:cNvPr id="64" name="TextBox 63">
+            <a:extLst>
+              <a:ext uri="{FF2B5EF4-FFF2-40B4-BE49-F238E27FC236}">
+                <a16:creationId xmlns="" xmlns:a16="http://schemas.microsoft.com/office/drawing/2014/main" id="{BE0C0FF2-734F-440D-9121-2CA00E623972}"/>
+              </a:ext>
+            </a:extLst>
+          </p:cNvPr>
+          <p:cNvSpPr txBox="1"/>
+          <p:nvPr/>
+        </p:nvSpPr>
+        <p:spPr>
+          <a:xfrm>
+            <a:off x="3856148" y="3078806"/>
+            <a:ext cx="417102" cy="261610"/>
+          </a:xfrm>
+          <a:prstGeom prst="rect">
+            <a:avLst/>
+          </a:prstGeom>
+          <a:noFill/>
+        </p:spPr>
+        <p:txBody>
+          <a:bodyPr wrap="none" rtlCol="0">
+            <a:spAutoFit/>
+          </a:bodyPr>
+          <a:lstStyle/>
+          <a:p>
+            <a:r>
+              <a:rPr lang="ko-KR" altLang="en-US" sz="1100" dirty="0" smtClean="0">
+                <a:latin typeface="배달의민족 주아" panose="02020603020101020101" pitchFamily="18" charset="-127"/>
+                <a:ea typeface="배달의민족 주아" panose="02020603020101020101" pitchFamily="18" charset="-127"/>
+              </a:rPr>
+              <a:t>차이</a:t>
+            </a:r>
+            <a:endParaRPr lang="ko-KR" altLang="en-US" sz="1100" dirty="0">
+              <a:latin typeface="배달의민족 주아" panose="02020603020101020101" pitchFamily="18" charset="-127"/>
+              <a:ea typeface="배달의민족 주아" panose="02020603020101020101" pitchFamily="18" charset="-127"/>
+            </a:endParaRPr>
+          </a:p>
+        </p:txBody>
+      </p:sp>
+      <p:sp>
+        <p:nvSpPr>
+          <p:cNvPr id="65" name="TextBox 64">
+            <a:extLst>
+              <a:ext uri="{FF2B5EF4-FFF2-40B4-BE49-F238E27FC236}">
+                <a16:creationId xmlns="" xmlns:a16="http://schemas.microsoft.com/office/drawing/2014/main" id="{75621EA3-8E7A-411B-81FC-098BF5452E03}"/>
+              </a:ext>
+            </a:extLst>
+          </p:cNvPr>
+          <p:cNvSpPr txBox="1"/>
+          <p:nvPr/>
+        </p:nvSpPr>
+        <p:spPr>
+          <a:xfrm>
+            <a:off x="4273250" y="2914658"/>
+            <a:ext cx="417102" cy="261610"/>
+          </a:xfrm>
+          <a:prstGeom prst="rect">
+            <a:avLst/>
+          </a:prstGeom>
+          <a:noFill/>
+        </p:spPr>
+        <p:txBody>
+          <a:bodyPr wrap="none" rtlCol="0">
+            <a:spAutoFit/>
+          </a:bodyPr>
+          <a:lstStyle/>
+          <a:p>
+            <a:r>
+              <a:rPr lang="ko-KR" altLang="en-US" sz="1100" dirty="0" smtClean="0">
+                <a:latin typeface="배달의민족 주아" panose="02020603020101020101" pitchFamily="18" charset="-127"/>
+                <a:ea typeface="배달의민족 주아" panose="02020603020101020101" pitchFamily="18" charset="-127"/>
+              </a:rPr>
+              <a:t>차이</a:t>
+            </a:r>
+            <a:endParaRPr lang="ko-KR" altLang="en-US" sz="1100" dirty="0">
+              <a:latin typeface="배달의민족 주아" panose="02020603020101020101" pitchFamily="18" charset="-127"/>
+              <a:ea typeface="배달의민족 주아" panose="02020603020101020101" pitchFamily="18" charset="-127"/>
+            </a:endParaRPr>
+          </a:p>
+        </p:txBody>
+      </p:sp>
+      <p:sp>
+        <p:nvSpPr>
+          <p:cNvPr id="66" name="TextBox 65">
+            <a:extLst>
+              <a:ext uri="{FF2B5EF4-FFF2-40B4-BE49-F238E27FC236}">
+                <a16:creationId xmlns="" xmlns:a16="http://schemas.microsoft.com/office/drawing/2014/main" id="{C1FA5586-4F2E-4F6A-A0FA-1855CDED3BDC}"/>
+              </a:ext>
+            </a:extLst>
+          </p:cNvPr>
+          <p:cNvSpPr txBox="1"/>
+          <p:nvPr/>
+        </p:nvSpPr>
+        <p:spPr>
+          <a:xfrm>
+            <a:off x="4111341" y="3088457"/>
+            <a:ext cx="417102" cy="261610"/>
+          </a:xfrm>
+          <a:prstGeom prst="rect">
+            <a:avLst/>
+          </a:prstGeom>
+          <a:noFill/>
+        </p:spPr>
+        <p:txBody>
+          <a:bodyPr wrap="none" rtlCol="0">
+            <a:spAutoFit/>
+          </a:bodyPr>
+          <a:lstStyle/>
+          <a:p>
+            <a:r>
+              <a:rPr lang="ko-KR" altLang="en-US" sz="1100" dirty="0" smtClean="0">
+                <a:latin typeface="배달의민족 주아" panose="02020603020101020101" pitchFamily="18" charset="-127"/>
+                <a:ea typeface="배달의민족 주아" panose="02020603020101020101" pitchFamily="18" charset="-127"/>
+              </a:rPr>
+              <a:t>차이</a:t>
+            </a:r>
+            <a:endParaRPr lang="ko-KR" altLang="en-US" sz="1100" dirty="0">
+              <a:latin typeface="배달의민족 주아" panose="02020603020101020101" pitchFamily="18" charset="-127"/>
+              <a:ea typeface="배달의민족 주아" panose="02020603020101020101" pitchFamily="18" charset="-127"/>
+            </a:endParaRPr>
+          </a:p>
+        </p:txBody>
+      </p:sp>
+      <p:sp>
+        <p:nvSpPr>
+          <p:cNvPr id="67" name="TextBox 66">
+            <a:extLst>
+              <a:ext uri="{FF2B5EF4-FFF2-40B4-BE49-F238E27FC236}">
+                <a16:creationId xmlns="" xmlns:a16="http://schemas.microsoft.com/office/drawing/2014/main" id="{141486BF-6F45-441A-95F3-D175221A8176}"/>
+              </a:ext>
+            </a:extLst>
+          </p:cNvPr>
+          <p:cNvSpPr txBox="1"/>
+          <p:nvPr/>
+        </p:nvSpPr>
+        <p:spPr>
+          <a:xfrm>
+            <a:off x="3740881" y="3276297"/>
+            <a:ext cx="417102" cy="261610"/>
+          </a:xfrm>
+          <a:prstGeom prst="rect">
+            <a:avLst/>
+          </a:prstGeom>
+          <a:noFill/>
+        </p:spPr>
+        <p:txBody>
+          <a:bodyPr wrap="none" rtlCol="0">
+            <a:spAutoFit/>
+          </a:bodyPr>
+          <a:lstStyle/>
+          <a:p>
+            <a:r>
+              <a:rPr lang="ko-KR" altLang="en-US" sz="1100" dirty="0" smtClean="0">
+                <a:latin typeface="배달의민족 주아" panose="02020603020101020101" pitchFamily="18" charset="-127"/>
+                <a:ea typeface="배달의민족 주아" panose="02020603020101020101" pitchFamily="18" charset="-127"/>
+              </a:rPr>
+              <a:t>차이</a:t>
+            </a:r>
+            <a:endParaRPr lang="ko-KR" altLang="en-US" sz="1100" dirty="0">
+              <a:latin typeface="배달의민족 주아" panose="02020603020101020101" pitchFamily="18" charset="-127"/>
+              <a:ea typeface="배달의민족 주아" panose="02020603020101020101" pitchFamily="18" charset="-127"/>
+            </a:endParaRPr>
+          </a:p>
+        </p:txBody>
+      </p:sp>
+      <p:sp>
+        <p:nvSpPr>
+          <p:cNvPr id="68" name="TextBox 67">
+            <a:extLst>
+              <a:ext uri="{FF2B5EF4-FFF2-40B4-BE49-F238E27FC236}">
+                <a16:creationId xmlns="" xmlns:a16="http://schemas.microsoft.com/office/drawing/2014/main" id="{D1BF9F06-0991-468D-8349-6B35F7061937}"/>
+              </a:ext>
+            </a:extLst>
+          </p:cNvPr>
+          <p:cNvSpPr txBox="1"/>
+          <p:nvPr/>
+        </p:nvSpPr>
+        <p:spPr>
+          <a:xfrm>
+            <a:off x="4539240" y="3088457"/>
+            <a:ext cx="417102" cy="261610"/>
+          </a:xfrm>
+          <a:prstGeom prst="rect">
+            <a:avLst/>
+          </a:prstGeom>
+          <a:noFill/>
+        </p:spPr>
+        <p:txBody>
+          <a:bodyPr wrap="none" rtlCol="0">
+            <a:spAutoFit/>
+          </a:bodyPr>
+          <a:lstStyle/>
+          <a:p>
+            <a:r>
+              <a:rPr lang="ko-KR" altLang="en-US" sz="1100" dirty="0" smtClean="0">
+                <a:latin typeface="배달의민족 주아" panose="02020603020101020101" pitchFamily="18" charset="-127"/>
+                <a:ea typeface="배달의민족 주아" panose="02020603020101020101" pitchFamily="18" charset="-127"/>
+              </a:rPr>
+              <a:t>차이</a:t>
+            </a:r>
+            <a:endParaRPr lang="ko-KR" altLang="en-US" sz="1100" dirty="0">
+              <a:latin typeface="배달의민족 주아" panose="02020603020101020101" pitchFamily="18" charset="-127"/>
+              <a:ea typeface="배달의민족 주아" panose="02020603020101020101" pitchFamily="18" charset="-127"/>
+            </a:endParaRPr>
+          </a:p>
+        </p:txBody>
+      </p:sp>
+      <p:sp>
+        <p:nvSpPr>
+          <p:cNvPr id="69" name="TextBox 68">
+            <a:extLst>
+              <a:ext uri="{FF2B5EF4-FFF2-40B4-BE49-F238E27FC236}">
+                <a16:creationId xmlns="" xmlns:a16="http://schemas.microsoft.com/office/drawing/2014/main" id="{298D047E-0D35-48CC-B73B-A5246B507DEC}"/>
+              </a:ext>
+            </a:extLst>
+          </p:cNvPr>
+          <p:cNvSpPr txBox="1"/>
+          <p:nvPr/>
+        </p:nvSpPr>
+        <p:spPr>
+          <a:xfrm>
+            <a:off x="3902790" y="3479253"/>
+            <a:ext cx="417102" cy="261610"/>
+          </a:xfrm>
+          <a:prstGeom prst="rect">
+            <a:avLst/>
+          </a:prstGeom>
+          <a:noFill/>
+        </p:spPr>
+        <p:txBody>
+          <a:bodyPr wrap="none" rtlCol="0">
+            <a:spAutoFit/>
+          </a:bodyPr>
+          <a:lstStyle/>
+          <a:p>
+            <a:r>
+              <a:rPr lang="ko-KR" altLang="en-US" sz="1100" dirty="0" smtClean="0">
+                <a:latin typeface="배달의민족 주아" panose="02020603020101020101" pitchFamily="18" charset="-127"/>
+                <a:ea typeface="배달의민족 주아" panose="02020603020101020101" pitchFamily="18" charset="-127"/>
+              </a:rPr>
+              <a:t>차이</a:t>
+            </a:r>
+            <a:endParaRPr lang="ko-KR" altLang="en-US" sz="1100" dirty="0">
+              <a:latin typeface="배달의민족 주아" panose="02020603020101020101" pitchFamily="18" charset="-127"/>
+              <a:ea typeface="배달의민족 주아" panose="02020603020101020101" pitchFamily="18" charset="-127"/>
+            </a:endParaRPr>
+          </a:p>
+        </p:txBody>
+      </p:sp>
+      <p:sp>
+        <p:nvSpPr>
+          <p:cNvPr id="70" name="TextBox 69">
+            <a:extLst>
+              <a:ext uri="{FF2B5EF4-FFF2-40B4-BE49-F238E27FC236}">
+                <a16:creationId xmlns="" xmlns:a16="http://schemas.microsoft.com/office/drawing/2014/main" id="{3E688838-CA83-4471-9A4C-650BFD22C65B}"/>
+              </a:ext>
+            </a:extLst>
+          </p:cNvPr>
+          <p:cNvSpPr txBox="1"/>
+          <p:nvPr/>
+        </p:nvSpPr>
+        <p:spPr>
+          <a:xfrm>
+            <a:off x="3592978" y="3578482"/>
+            <a:ext cx="417102" cy="261610"/>
+          </a:xfrm>
+          <a:prstGeom prst="rect">
+            <a:avLst/>
+          </a:prstGeom>
+          <a:noFill/>
+        </p:spPr>
+        <p:txBody>
+          <a:bodyPr wrap="none" rtlCol="0">
+            <a:spAutoFit/>
+          </a:bodyPr>
+          <a:lstStyle/>
+          <a:p>
+            <a:r>
+              <a:rPr lang="ko-KR" altLang="en-US" sz="1100" dirty="0" smtClean="0">
+                <a:latin typeface="배달의민족 주아" panose="02020603020101020101" pitchFamily="18" charset="-127"/>
+                <a:ea typeface="배달의민족 주아" panose="02020603020101020101" pitchFamily="18" charset="-127"/>
+              </a:rPr>
+              <a:t>차이</a:t>
+            </a:r>
+            <a:endParaRPr lang="ko-KR" altLang="en-US" sz="1100" dirty="0">
+              <a:latin typeface="배달의민족 주아" panose="02020603020101020101" pitchFamily="18" charset="-127"/>
+              <a:ea typeface="배달의민족 주아" panose="02020603020101020101" pitchFamily="18" charset="-127"/>
+            </a:endParaRPr>
+          </a:p>
+        </p:txBody>
+      </p:sp>
+      <p:sp>
+        <p:nvSpPr>
+          <p:cNvPr id="71" name="TextBox 70">
+            <a:extLst>
+              <a:ext uri="{FF2B5EF4-FFF2-40B4-BE49-F238E27FC236}">
+                <a16:creationId xmlns="" xmlns:a16="http://schemas.microsoft.com/office/drawing/2014/main" id="{9CECF851-F0A1-4282-996C-B5D11CEB5290}"/>
+              </a:ext>
+            </a:extLst>
+          </p:cNvPr>
+          <p:cNvSpPr txBox="1"/>
+          <p:nvPr/>
+        </p:nvSpPr>
+        <p:spPr>
+          <a:xfrm>
+            <a:off x="4191351" y="3534275"/>
+            <a:ext cx="417102" cy="261610"/>
+          </a:xfrm>
+          <a:prstGeom prst="rect">
+            <a:avLst/>
+          </a:prstGeom>
+          <a:noFill/>
+        </p:spPr>
+        <p:txBody>
+          <a:bodyPr wrap="none" rtlCol="0">
+            <a:spAutoFit/>
+          </a:bodyPr>
+          <a:lstStyle/>
+          <a:p>
+            <a:r>
+              <a:rPr lang="ko-KR" altLang="en-US" sz="1100" dirty="0" smtClean="0">
+                <a:latin typeface="배달의민족 주아" panose="02020603020101020101" pitchFamily="18" charset="-127"/>
+                <a:ea typeface="배달의민족 주아" panose="02020603020101020101" pitchFamily="18" charset="-127"/>
+              </a:rPr>
+              <a:t>차이</a:t>
+            </a:r>
+            <a:endParaRPr lang="ko-KR" altLang="en-US" sz="1100" dirty="0">
+              <a:latin typeface="배달의민족 주아" panose="02020603020101020101" pitchFamily="18" charset="-127"/>
+              <a:ea typeface="배달의민족 주아" panose="02020603020101020101" pitchFamily="18" charset="-127"/>
+            </a:endParaRPr>
+          </a:p>
+        </p:txBody>
+      </p:sp>
+      <p:sp>
+        <p:nvSpPr>
+          <p:cNvPr id="72" name="TextBox 71">
+            <a:extLst>
+              <a:ext uri="{FF2B5EF4-FFF2-40B4-BE49-F238E27FC236}">
+                <a16:creationId xmlns="" xmlns:a16="http://schemas.microsoft.com/office/drawing/2014/main" id="{69BC8545-3494-47F8-AF2D-6D5219239A00}"/>
+              </a:ext>
+            </a:extLst>
+          </p:cNvPr>
+          <p:cNvSpPr txBox="1"/>
+          <p:nvPr/>
+        </p:nvSpPr>
+        <p:spPr>
+          <a:xfrm>
+            <a:off x="4501163" y="3313332"/>
+            <a:ext cx="417102" cy="261610"/>
+          </a:xfrm>
+          <a:prstGeom prst="rect">
+            <a:avLst/>
+          </a:prstGeom>
+          <a:noFill/>
+        </p:spPr>
+        <p:txBody>
+          <a:bodyPr wrap="none" rtlCol="0">
+            <a:spAutoFit/>
+          </a:bodyPr>
+          <a:lstStyle/>
+          <a:p>
+            <a:r>
+              <a:rPr lang="ko-KR" altLang="en-US" sz="1100" dirty="0" smtClean="0">
+                <a:latin typeface="배달의민족 주아" panose="02020603020101020101" pitchFamily="18" charset="-127"/>
+                <a:ea typeface="배달의민족 주아" panose="02020603020101020101" pitchFamily="18" charset="-127"/>
+              </a:rPr>
+              <a:t>차이</a:t>
+            </a:r>
+            <a:endParaRPr lang="ko-KR" altLang="en-US" sz="1100" dirty="0">
+              <a:latin typeface="배달의민족 주아" panose="02020603020101020101" pitchFamily="18" charset="-127"/>
+              <a:ea typeface="배달의민족 주아" panose="02020603020101020101" pitchFamily="18" charset="-127"/>
+            </a:endParaRPr>
+          </a:p>
+        </p:txBody>
+      </p:sp>
+      <p:sp>
+        <p:nvSpPr>
+          <p:cNvPr id="73" name="TextBox 72">
+            <a:extLst>
+              <a:ext uri="{FF2B5EF4-FFF2-40B4-BE49-F238E27FC236}">
+                <a16:creationId xmlns="" xmlns:a16="http://schemas.microsoft.com/office/drawing/2014/main" id="{FB9808E6-A5DB-4C5B-8EA9-D7841F12F0BE}"/>
+              </a:ext>
+            </a:extLst>
+          </p:cNvPr>
+          <p:cNvSpPr txBox="1"/>
+          <p:nvPr/>
+        </p:nvSpPr>
+        <p:spPr>
+          <a:xfrm>
+            <a:off x="3978263" y="3244890"/>
+            <a:ext cx="522900" cy="338554"/>
+          </a:xfrm>
+          <a:prstGeom prst="rect">
+            <a:avLst/>
+          </a:prstGeom>
+          <a:noFill/>
+        </p:spPr>
+        <p:txBody>
+          <a:bodyPr wrap="none" rtlCol="0">
+            <a:spAutoFit/>
+          </a:bodyPr>
+          <a:lstStyle/>
+          <a:p>
+            <a:r>
+              <a:rPr lang="ko-KR" altLang="en-US" sz="1600" u="sng" dirty="0">
+                <a:solidFill>
+                  <a:srgbClr val="D779F1"/>
+                </a:solidFill>
+                <a:latin typeface="배달의민족 주아" panose="02020603020101020101" pitchFamily="18" charset="-127"/>
+                <a:ea typeface="배달의민족 주아" panose="02020603020101020101" pitchFamily="18" charset="-127"/>
+              </a:rPr>
+              <a:t>차이</a:t>
+            </a:r>
+            <a:endParaRPr lang="ko-KR" altLang="en-US" sz="1600" u="sng" dirty="0">
+              <a:solidFill>
+                <a:srgbClr val="D779F1"/>
+              </a:solidFill>
+              <a:latin typeface="배달의민족 주아" panose="02020603020101020101" pitchFamily="18" charset="-127"/>
+              <a:ea typeface="배달의민족 주아" panose="02020603020101020101" pitchFamily="18" charset="-127"/>
+            </a:endParaRPr>
+          </a:p>
+        </p:txBody>
+      </p:sp>
+      <p:sp>
+        <p:nvSpPr>
+          <p:cNvPr id="74" name="TextBox 73">
+            <a:extLst>
+              <a:ext uri="{FF2B5EF4-FFF2-40B4-BE49-F238E27FC236}">
+                <a16:creationId xmlns="" xmlns:a16="http://schemas.microsoft.com/office/drawing/2014/main" id="{77FEB70C-285E-44D7-BC63-B77A268499EC}"/>
+              </a:ext>
+            </a:extLst>
+          </p:cNvPr>
+          <p:cNvSpPr txBox="1"/>
+          <p:nvPr/>
+        </p:nvSpPr>
+        <p:spPr>
+          <a:xfrm>
+            <a:off x="4581345" y="2857759"/>
+            <a:ext cx="417102" cy="261610"/>
+          </a:xfrm>
+          <a:prstGeom prst="rect">
+            <a:avLst/>
+          </a:prstGeom>
+          <a:noFill/>
+        </p:spPr>
+        <p:txBody>
+          <a:bodyPr wrap="none" rtlCol="0">
+            <a:spAutoFit/>
+          </a:bodyPr>
+          <a:lstStyle/>
+          <a:p>
+            <a:r>
+              <a:rPr lang="ko-KR" altLang="en-US" sz="1100" dirty="0" smtClean="0">
+                <a:latin typeface="배달의민족 주아" panose="02020603020101020101" pitchFamily="18" charset="-127"/>
+                <a:ea typeface="배달의민족 주아" panose="02020603020101020101" pitchFamily="18" charset="-127"/>
+              </a:rPr>
+              <a:t>차이</a:t>
+            </a:r>
+            <a:endParaRPr lang="ko-KR" altLang="en-US" sz="1100" dirty="0">
+              <a:latin typeface="배달의민족 주아" panose="02020603020101020101" pitchFamily="18" charset="-127"/>
+              <a:ea typeface="배달의민족 주아" panose="02020603020101020101" pitchFamily="18" charset="-127"/>
+            </a:endParaRPr>
+          </a:p>
+        </p:txBody>
+      </p:sp>
+      <p:sp>
+        <p:nvSpPr>
+          <p:cNvPr id="75" name="TextBox 74">
+            <a:extLst>
+              <a:ext uri="{FF2B5EF4-FFF2-40B4-BE49-F238E27FC236}">
+                <a16:creationId xmlns="" xmlns:a16="http://schemas.microsoft.com/office/drawing/2014/main" id="{2D586DBC-82ED-4D02-8CDB-898A98F22D29}"/>
+              </a:ext>
+            </a:extLst>
+          </p:cNvPr>
+          <p:cNvSpPr txBox="1"/>
+          <p:nvPr/>
+        </p:nvSpPr>
+        <p:spPr>
+          <a:xfrm>
+            <a:off x="4768786" y="3314849"/>
+            <a:ext cx="417102" cy="261610"/>
+          </a:xfrm>
+          <a:prstGeom prst="rect">
+            <a:avLst/>
+          </a:prstGeom>
+          <a:noFill/>
+        </p:spPr>
+        <p:txBody>
+          <a:bodyPr wrap="none" rtlCol="0">
+            <a:spAutoFit/>
+          </a:bodyPr>
+          <a:lstStyle/>
+          <a:p>
+            <a:r>
+              <a:rPr lang="ko-KR" altLang="en-US" sz="1100" dirty="0" smtClean="0">
+                <a:latin typeface="배달의민족 주아" panose="02020603020101020101" pitchFamily="18" charset="-127"/>
+                <a:ea typeface="배달의민족 주아" panose="02020603020101020101" pitchFamily="18" charset="-127"/>
+              </a:rPr>
+              <a:t>차이</a:t>
+            </a:r>
+            <a:endParaRPr lang="ko-KR" altLang="en-US" sz="1100" dirty="0">
+              <a:latin typeface="배달의민족 주아" panose="02020603020101020101" pitchFamily="18" charset="-127"/>
+              <a:ea typeface="배달의민족 주아" panose="02020603020101020101" pitchFamily="18" charset="-127"/>
+            </a:endParaRPr>
+          </a:p>
+        </p:txBody>
+      </p:sp>
+      <p:sp>
+        <p:nvSpPr>
+          <p:cNvPr id="76" name="TextBox 75">
+            <a:extLst>
+              <a:ext uri="{FF2B5EF4-FFF2-40B4-BE49-F238E27FC236}">
+                <a16:creationId xmlns="" xmlns:a16="http://schemas.microsoft.com/office/drawing/2014/main" id="{22289A32-88D1-4436-B105-8F109602B5F6}"/>
+              </a:ext>
+            </a:extLst>
+          </p:cNvPr>
+          <p:cNvSpPr txBox="1"/>
+          <p:nvPr/>
+        </p:nvSpPr>
+        <p:spPr>
+          <a:xfrm>
+            <a:off x="4645940" y="3503281"/>
+            <a:ext cx="417102" cy="261610"/>
+          </a:xfrm>
+          <a:prstGeom prst="rect">
+            <a:avLst/>
+          </a:prstGeom>
+          <a:noFill/>
+        </p:spPr>
+        <p:txBody>
+          <a:bodyPr wrap="none" rtlCol="0">
+            <a:spAutoFit/>
+          </a:bodyPr>
+          <a:lstStyle/>
+          <a:p>
+            <a:r>
+              <a:rPr lang="ko-KR" altLang="en-US" sz="1100" dirty="0" smtClean="0">
+                <a:latin typeface="배달의민족 주아" panose="02020603020101020101" pitchFamily="18" charset="-127"/>
+                <a:ea typeface="배달의민족 주아" panose="02020603020101020101" pitchFamily="18" charset="-127"/>
+              </a:rPr>
+              <a:t>차이</a:t>
+            </a:r>
+            <a:endParaRPr lang="ko-KR" altLang="en-US" sz="1100" dirty="0">
+              <a:latin typeface="배달의민족 주아" panose="02020603020101020101" pitchFamily="18" charset="-127"/>
+              <a:ea typeface="배달의민족 주아" panose="02020603020101020101" pitchFamily="18" charset="-127"/>
+            </a:endParaRPr>
+          </a:p>
+        </p:txBody>
+      </p:sp>
+      <p:sp>
+        <p:nvSpPr>
+          <p:cNvPr id="77" name="TextBox 76">
+            <a:extLst>
+              <a:ext uri="{FF2B5EF4-FFF2-40B4-BE49-F238E27FC236}">
+                <a16:creationId xmlns="" xmlns:a16="http://schemas.microsoft.com/office/drawing/2014/main" id="{B378BD5B-1DD8-415E-B876-3BC7241E34FB}"/>
+              </a:ext>
+            </a:extLst>
+          </p:cNvPr>
+          <p:cNvSpPr txBox="1"/>
+          <p:nvPr/>
+        </p:nvSpPr>
+        <p:spPr>
+          <a:xfrm>
+            <a:off x="4956591" y="3610058"/>
+            <a:ext cx="417102" cy="261610"/>
+          </a:xfrm>
+          <a:prstGeom prst="rect">
+            <a:avLst/>
+          </a:prstGeom>
+          <a:noFill/>
+        </p:spPr>
+        <p:txBody>
+          <a:bodyPr wrap="none" rtlCol="0">
+            <a:spAutoFit/>
+          </a:bodyPr>
+          <a:lstStyle/>
+          <a:p>
+            <a:r>
+              <a:rPr lang="ko-KR" altLang="en-US" sz="1100" dirty="0" smtClean="0">
+                <a:latin typeface="배달의민족 주아" panose="02020603020101020101" pitchFamily="18" charset="-127"/>
+                <a:ea typeface="배달의민족 주아" panose="02020603020101020101" pitchFamily="18" charset="-127"/>
+              </a:rPr>
+              <a:t>차이</a:t>
+            </a:r>
+            <a:endParaRPr lang="ko-KR" altLang="en-US" sz="1100" dirty="0">
+              <a:latin typeface="배달의민족 주아" panose="02020603020101020101" pitchFamily="18" charset="-127"/>
+              <a:ea typeface="배달의민족 주아" panose="02020603020101020101" pitchFamily="18" charset="-127"/>
+            </a:endParaRPr>
+          </a:p>
+        </p:txBody>
+      </p:sp>
+      <p:sp>
+        <p:nvSpPr>
+          <p:cNvPr id="78" name="TextBox 77">
+            <a:extLst>
+              <a:ext uri="{FF2B5EF4-FFF2-40B4-BE49-F238E27FC236}">
+                <a16:creationId xmlns="" xmlns:a16="http://schemas.microsoft.com/office/drawing/2014/main" id="{044ABCD1-0C74-4BB9-AA1C-4AA354CD99A4}"/>
+              </a:ext>
+            </a:extLst>
+          </p:cNvPr>
+          <p:cNvSpPr txBox="1"/>
+          <p:nvPr/>
+        </p:nvSpPr>
+        <p:spPr>
+          <a:xfrm>
+            <a:off x="4481801" y="3663619"/>
+            <a:ext cx="417102" cy="261610"/>
+          </a:xfrm>
+          <a:prstGeom prst="rect">
+            <a:avLst/>
+          </a:prstGeom>
+          <a:noFill/>
+        </p:spPr>
+        <p:txBody>
+          <a:bodyPr wrap="none" rtlCol="0">
+            <a:spAutoFit/>
+          </a:bodyPr>
+          <a:lstStyle/>
+          <a:p>
+            <a:r>
+              <a:rPr lang="ko-KR" altLang="en-US" sz="1100" dirty="0" smtClean="0">
+                <a:latin typeface="배달의민족 주아" panose="02020603020101020101" pitchFamily="18" charset="-127"/>
+                <a:ea typeface="배달의민족 주아" panose="02020603020101020101" pitchFamily="18" charset="-127"/>
+              </a:rPr>
+              <a:t>차이</a:t>
+            </a:r>
+            <a:endParaRPr lang="ko-KR" altLang="en-US" sz="1100" dirty="0">
+              <a:latin typeface="배달의민족 주아" panose="02020603020101020101" pitchFamily="18" charset="-127"/>
+              <a:ea typeface="배달의민족 주아" panose="02020603020101020101" pitchFamily="18" charset="-127"/>
+            </a:endParaRPr>
+          </a:p>
+        </p:txBody>
+      </p:sp>
+      <p:sp>
+        <p:nvSpPr>
+          <p:cNvPr id="79" name="TextBox 78">
+            <a:extLst>
+              <a:ext uri="{FF2B5EF4-FFF2-40B4-BE49-F238E27FC236}">
+                <a16:creationId xmlns="" xmlns:a16="http://schemas.microsoft.com/office/drawing/2014/main" id="{40BF79D4-31E0-457F-A861-F18F4B134B7E}"/>
+              </a:ext>
+            </a:extLst>
+          </p:cNvPr>
+          <p:cNvSpPr txBox="1"/>
+          <p:nvPr/>
+        </p:nvSpPr>
+        <p:spPr>
+          <a:xfrm>
+            <a:off x="4377890" y="1935792"/>
+            <a:ext cx="417102" cy="261610"/>
+          </a:xfrm>
+          <a:prstGeom prst="rect">
+            <a:avLst/>
+          </a:prstGeom>
+          <a:noFill/>
+        </p:spPr>
+        <p:txBody>
+          <a:bodyPr wrap="none" rtlCol="0">
+            <a:spAutoFit/>
+          </a:bodyPr>
+          <a:lstStyle/>
+          <a:p>
+            <a:r>
+              <a:rPr lang="ko-KR" altLang="en-US" sz="1100" dirty="0" smtClean="0">
+                <a:latin typeface="배달의민족 주아" panose="02020603020101020101" pitchFamily="18" charset="-127"/>
+                <a:ea typeface="배달의민족 주아" panose="02020603020101020101" pitchFamily="18" charset="-127"/>
+              </a:rPr>
+              <a:t>차이</a:t>
+            </a:r>
+            <a:endParaRPr lang="ko-KR" altLang="en-US" sz="1100" dirty="0">
+              <a:latin typeface="배달의민족 주아" panose="02020603020101020101" pitchFamily="18" charset="-127"/>
+              <a:ea typeface="배달의민족 주아" panose="02020603020101020101" pitchFamily="18" charset="-127"/>
+            </a:endParaRPr>
+          </a:p>
+        </p:txBody>
+      </p:sp>
+      <p:sp>
+        <p:nvSpPr>
+          <p:cNvPr id="80" name="TextBox 79">
+            <a:extLst>
+              <a:ext uri="{FF2B5EF4-FFF2-40B4-BE49-F238E27FC236}">
+                <a16:creationId xmlns="" xmlns:a16="http://schemas.microsoft.com/office/drawing/2014/main" id="{B298DBD4-3E3A-4ABA-AD91-E2BFAB365382}"/>
+              </a:ext>
+            </a:extLst>
+          </p:cNvPr>
+          <p:cNvSpPr txBox="1"/>
+          <p:nvPr/>
+        </p:nvSpPr>
+        <p:spPr>
+          <a:xfrm>
+            <a:off x="4164083" y="1768342"/>
+            <a:ext cx="417102" cy="261610"/>
+          </a:xfrm>
+          <a:prstGeom prst="rect">
+            <a:avLst/>
+          </a:prstGeom>
+          <a:noFill/>
+        </p:spPr>
+        <p:txBody>
+          <a:bodyPr wrap="none" rtlCol="0">
+            <a:spAutoFit/>
+          </a:bodyPr>
+          <a:lstStyle/>
+          <a:p>
+            <a:r>
+              <a:rPr lang="ko-KR" altLang="en-US" sz="1100" dirty="0" smtClean="0">
+                <a:latin typeface="배달의민족 주아" panose="02020603020101020101" pitchFamily="18" charset="-127"/>
+                <a:ea typeface="배달의민족 주아" panose="02020603020101020101" pitchFamily="18" charset="-127"/>
+              </a:rPr>
+              <a:t>차이</a:t>
+            </a:r>
+            <a:endParaRPr lang="ko-KR" altLang="en-US" sz="1100" dirty="0">
+              <a:latin typeface="배달의민족 주아" panose="02020603020101020101" pitchFamily="18" charset="-127"/>
+              <a:ea typeface="배달의민족 주아" panose="02020603020101020101" pitchFamily="18" charset="-127"/>
+            </a:endParaRPr>
+          </a:p>
+        </p:txBody>
+      </p:sp>
+      <mc:AlternateContent xmlns:mc="http://schemas.openxmlformats.org/markup-compatibility/2006">
+        <mc:Choice xmlns:a14="http://schemas.microsoft.com/office/drawing/2010/main" Requires="a14">
+          <p:sp>
+            <p:nvSpPr>
+              <p:cNvPr id="81" name="TextBox 80">
+                <a:extLst>
+                  <a:ext uri="{FF2B5EF4-FFF2-40B4-BE49-F238E27FC236}">
+                    <a16:creationId xmlns="" xmlns:a16="http://schemas.microsoft.com/office/drawing/2014/main" id="{3460AABE-49C3-4A25-B0A5-5326C3838920}"/>
+                  </a:ext>
+                </a:extLst>
+              </p:cNvPr>
+              <p:cNvSpPr txBox="1"/>
+              <p:nvPr/>
+            </p:nvSpPr>
+            <p:spPr>
+              <a:xfrm>
+                <a:off x="3316432" y="311156"/>
+                <a:ext cx="2280754" cy="369332"/>
+              </a:xfrm>
+              <a:prstGeom prst="rect">
+                <a:avLst/>
+              </a:prstGeom>
+              <a:noFill/>
+            </p:spPr>
+            <p:txBody>
+              <a:bodyPr wrap="none" rtlCol="0">
+                <a:spAutoFit/>
+              </a:bodyPr>
+              <a:lstStyle/>
+              <a:p>
+                <a:pPr algn="ctr"/>
+                <a:r>
+                  <a:rPr lang="ko-KR" altLang="en-US" dirty="0" smtClean="0">
+                    <a:solidFill>
+                      <a:schemeClr val="accent3"/>
+                    </a:solidFill>
+                    <a:latin typeface="배달의민족 주아" panose="02020603020101020101" pitchFamily="18" charset="-127"/>
+                    <a:ea typeface="배달의민족 주아" panose="02020603020101020101" pitchFamily="18" charset="-127"/>
+                  </a:rPr>
+                  <a:t>모평균의 차이</a:t>
+                </a:r>
+                <a:r>
+                  <a:rPr lang="en-US" altLang="ko-KR" dirty="0" smtClean="0">
+                    <a:solidFill>
+                      <a:schemeClr val="accent3"/>
+                    </a:solidFill>
+                    <a:latin typeface="배달의민족 주아" panose="02020603020101020101" pitchFamily="18" charset="-127"/>
+                    <a:ea typeface="배달의민족 주아" panose="02020603020101020101" pitchFamily="18" charset="-127"/>
+                  </a:rPr>
+                  <a:t>(</a:t>
+                </a:r>
+                <a14:m>
+                  <m:oMath xmlns:m="http://schemas.openxmlformats.org/officeDocument/2006/math">
+                    <m:sSub>
+                      <m:sSubPr>
+                        <m:ctrlPr>
+                          <a:rPr lang="en-US" altLang="ko-KR" b="0" i="1" smtClean="0">
+                            <a:solidFill>
+                              <a:schemeClr val="accent3"/>
+                            </a:solidFill>
+                            <a:latin typeface="Cambria Math"/>
+                            <a:ea typeface="배달의민족 주아" panose="02020603020101020101" pitchFamily="18" charset="-127"/>
+                          </a:rPr>
+                        </m:ctrlPr>
+                      </m:sSubPr>
+                      <m:e>
+                        <m:r>
+                          <a:rPr lang="en-US" altLang="ko-KR" b="0" i="1" smtClean="0">
+                            <a:solidFill>
+                              <a:schemeClr val="accent3"/>
+                            </a:solidFill>
+                            <a:latin typeface="Cambria Math"/>
+                            <a:ea typeface="배달의민족 주아" panose="02020603020101020101" pitchFamily="18" charset="-127"/>
+                          </a:rPr>
+                          <m:t>𝜇</m:t>
+                        </m:r>
+                      </m:e>
+                      <m:sub>
+                        <m:r>
+                          <a:rPr lang="en-US" altLang="ko-KR" b="0" i="1" smtClean="0">
+                            <a:solidFill>
+                              <a:schemeClr val="accent3"/>
+                            </a:solidFill>
+                            <a:latin typeface="Cambria Math"/>
+                            <a:ea typeface="배달의민족 주아" panose="02020603020101020101" pitchFamily="18" charset="-127"/>
+                          </a:rPr>
+                          <m:t>2</m:t>
+                        </m:r>
+                      </m:sub>
+                    </m:sSub>
+                    <m:r>
+                      <a:rPr lang="en-US" altLang="ko-KR" b="0" i="1" smtClean="0">
+                        <a:solidFill>
+                          <a:schemeClr val="accent3"/>
+                        </a:solidFill>
+                        <a:latin typeface="Cambria Math"/>
+                        <a:ea typeface="배달의민족 주아" panose="02020603020101020101" pitchFamily="18" charset="-127"/>
+                      </a:rPr>
+                      <m:t>−</m:t>
+                    </m:r>
+                    <m:sSub>
+                      <m:sSubPr>
+                        <m:ctrlPr>
+                          <a:rPr lang="en-US" altLang="ko-KR" b="0" i="1" smtClean="0">
+                            <a:solidFill>
+                              <a:schemeClr val="accent3"/>
+                            </a:solidFill>
+                            <a:latin typeface="Cambria Math"/>
+                            <a:ea typeface="배달의민족 주아" panose="02020603020101020101" pitchFamily="18" charset="-127"/>
+                          </a:rPr>
+                        </m:ctrlPr>
+                      </m:sSubPr>
+                      <m:e>
+                        <m:r>
+                          <a:rPr lang="en-US" altLang="ko-KR" b="0" i="1" smtClean="0">
+                            <a:solidFill>
+                              <a:schemeClr val="accent3"/>
+                            </a:solidFill>
+                            <a:latin typeface="Cambria Math"/>
+                            <a:ea typeface="배달의민족 주아" panose="02020603020101020101" pitchFamily="18" charset="-127"/>
+                          </a:rPr>
+                          <m:t>𝜇</m:t>
+                        </m:r>
+                      </m:e>
+                      <m:sub>
+                        <m:r>
+                          <a:rPr lang="en-US" altLang="ko-KR" b="0" i="1" smtClean="0">
+                            <a:solidFill>
+                              <a:schemeClr val="accent3"/>
+                            </a:solidFill>
+                            <a:latin typeface="Cambria Math"/>
+                            <a:ea typeface="배달의민족 주아" panose="02020603020101020101" pitchFamily="18" charset="-127"/>
+                          </a:rPr>
+                          <m:t>1</m:t>
+                        </m:r>
+                      </m:sub>
+                    </m:sSub>
+                  </m:oMath>
+                </a14:m>
+                <a:r>
+                  <a:rPr lang="en-US" altLang="ko-KR" dirty="0" smtClean="0">
+                    <a:solidFill>
+                      <a:schemeClr val="accent3"/>
+                    </a:solidFill>
+                    <a:latin typeface="배달의민족 주아" panose="02020603020101020101" pitchFamily="18" charset="-127"/>
+                    <a:ea typeface="배달의민족 주아" panose="02020603020101020101" pitchFamily="18" charset="-127"/>
+                  </a:rPr>
+                  <a:t>)</a:t>
+                </a:r>
+                <a:endParaRPr lang="ko-KR" altLang="en-US" dirty="0">
+                  <a:solidFill>
+                    <a:schemeClr val="accent3"/>
+                  </a:solidFill>
+                  <a:latin typeface="배달의민족 주아" panose="02020603020101020101" pitchFamily="18" charset="-127"/>
+                  <a:ea typeface="배달의민족 주아" panose="02020603020101020101" pitchFamily="18" charset="-127"/>
+                </a:endParaRPr>
+              </a:p>
+            </p:txBody>
+          </p:sp>
+        </mc:Choice>
+        <mc:Fallback>
+          <p:sp>
+            <p:nvSpPr>
+              <p:cNvPr id="81" name="TextBox 80">
+                <a:extLst>
+                  <a:ext uri="{FF2B5EF4-FFF2-40B4-BE49-F238E27FC236}">
+                    <a16:creationId xmlns="" xmlns:a16="http://schemas.microsoft.com/office/drawing/2014/main" id="{3460AABE-49C3-4A25-B0A5-5326C3838920}"/>
+                  </a:ext>
+                </a:extLst>
+              </p:cNvPr>
+              <p:cNvSpPr txBox="1">
+                <a:spLocks noRot="1" noChangeAspect="1" noMove="1" noResize="1" noEditPoints="1" noAdjustHandles="1" noChangeArrowheads="1" noChangeShapeType="1" noTextEdit="1"/>
+              </p:cNvSpPr>
+              <p:nvPr/>
+            </p:nvSpPr>
+            <p:spPr>
+              <a:xfrm>
+                <a:off x="3316432" y="311156"/>
+                <a:ext cx="2280754" cy="369332"/>
+              </a:xfrm>
+              <a:prstGeom prst="rect">
+                <a:avLst/>
+              </a:prstGeom>
+              <a:blipFill rotWithShape="1">
+                <a:blip r:embed="rId3"/>
+                <a:stretch>
+                  <a:fillRect l="-1872" t="-6557" r="-1872" b="-26230"/>
+                </a:stretch>
+              </a:blipFill>
+            </p:spPr>
+            <p:txBody>
+              <a:bodyPr/>
+              <a:lstStyle/>
+              <a:p>
+                <a:r>
+                  <a:rPr lang="ko-KR" altLang="en-US">
+                    <a:noFill/>
+                  </a:rPr>
+                  <a:t> </a:t>
+                </a:r>
+              </a:p>
+            </p:txBody>
+          </p:sp>
+        </mc:Fallback>
+      </mc:AlternateContent>
+      <p:sp>
+        <p:nvSpPr>
+          <p:cNvPr id="93" name="TextBox 92">
+            <a:extLst>
+              <a:ext uri="{FF2B5EF4-FFF2-40B4-BE49-F238E27FC236}">
+                <a16:creationId xmlns="" xmlns:a16="http://schemas.microsoft.com/office/drawing/2014/main" id="{EF22571D-3744-43F2-B47A-33FBDE888CF5}"/>
+              </a:ext>
+            </a:extLst>
+          </p:cNvPr>
+          <p:cNvSpPr txBox="1"/>
+          <p:nvPr/>
+        </p:nvSpPr>
+        <p:spPr>
+          <a:xfrm>
+            <a:off x="3060757" y="4083918"/>
+            <a:ext cx="2754280" cy="400110"/>
+          </a:xfrm>
+          <a:prstGeom prst="rect">
+            <a:avLst/>
+          </a:prstGeom>
+          <a:noFill/>
+        </p:spPr>
+        <p:txBody>
+          <a:bodyPr wrap="none" rtlCol="0">
+            <a:spAutoFit/>
+          </a:bodyPr>
+          <a:lstStyle/>
+          <a:p>
+            <a:pPr algn="ctr"/>
+            <a:r>
+              <a:rPr lang="en-US" altLang="ko-KR" sz="2000" dirty="0">
+                <a:latin typeface="배달의민족 주아" panose="02020603020101020101" pitchFamily="18" charset="-127"/>
+                <a:ea typeface="배달의민족 주아" panose="02020603020101020101" pitchFamily="18" charset="-127"/>
+              </a:rPr>
+              <a:t>&lt;</a:t>
+            </a:r>
+            <a:r>
+              <a:rPr lang="ko-KR" altLang="en-US" sz="2000" dirty="0" smtClean="0">
+                <a:latin typeface="배달의민족 주아" panose="02020603020101020101" pitchFamily="18" charset="-127"/>
+                <a:ea typeface="배달의민족 주아" panose="02020603020101020101" pitchFamily="18" charset="-127"/>
+              </a:rPr>
+              <a:t>표본평균 간 차이의 </a:t>
+            </a:r>
+            <a:r>
+              <a:rPr lang="ko-KR" altLang="en-US" sz="2000" dirty="0">
+                <a:latin typeface="배달의민족 주아" panose="02020603020101020101" pitchFamily="18" charset="-127"/>
+                <a:ea typeface="배달의민족 주아" panose="02020603020101020101" pitchFamily="18" charset="-127"/>
+              </a:rPr>
+              <a:t>분포</a:t>
+            </a:r>
+            <a:r>
+              <a:rPr lang="en-US" altLang="ko-KR" sz="2000" dirty="0">
+                <a:latin typeface="배달의민족 주아" panose="02020603020101020101" pitchFamily="18" charset="-127"/>
+                <a:ea typeface="배달의민족 주아" panose="02020603020101020101" pitchFamily="18" charset="-127"/>
+              </a:rPr>
+              <a:t>&gt;</a:t>
+            </a:r>
+            <a:endParaRPr lang="ko-KR" altLang="en-US" sz="2000" dirty="0">
+              <a:latin typeface="배달의민족 주아" panose="02020603020101020101" pitchFamily="18" charset="-127"/>
+              <a:ea typeface="배달의민족 주아" panose="02020603020101020101" pitchFamily="18" charset="-127"/>
+            </a:endParaRPr>
+          </a:p>
+        </p:txBody>
+      </p:sp>
+      <mc:AlternateContent xmlns:mc="http://schemas.openxmlformats.org/markup-compatibility/2006">
+        <mc:Choice xmlns:a14="http://schemas.microsoft.com/office/drawing/2010/main" Requires="a14">
+          <p:sp>
+            <p:nvSpPr>
+              <p:cNvPr id="84" name="TextBox 83">
+                <a:extLst>
+                  <a:ext uri="{FF2B5EF4-FFF2-40B4-BE49-F238E27FC236}">
+                    <a16:creationId xmlns="" xmlns:a16="http://schemas.microsoft.com/office/drawing/2014/main" id="{637A9EBD-8651-4827-A9C8-718C09951F70}"/>
+                  </a:ext>
+                </a:extLst>
+              </p:cNvPr>
+              <p:cNvSpPr txBox="1"/>
+              <p:nvPr/>
+            </p:nvSpPr>
+            <p:spPr>
+              <a:xfrm>
+                <a:off x="4416524" y="753142"/>
+                <a:ext cx="1650580" cy="307777"/>
+              </a:xfrm>
+              <a:prstGeom prst="rect">
+                <a:avLst/>
+              </a:prstGeom>
+              <a:noFill/>
+            </p:spPr>
+            <p:txBody>
+              <a:bodyPr wrap="none" rtlCol="0">
+                <a:spAutoFit/>
+              </a:bodyPr>
+              <a:lstStyle/>
+              <a:p>
+                <a:pPr algn="ctr"/>
+                <a:r>
+                  <a:rPr lang="ko-KR" altLang="en-US" sz="1400" dirty="0" smtClean="0">
+                    <a:solidFill>
+                      <a:schemeClr val="accent3"/>
+                    </a:solidFill>
+                    <a:latin typeface="배달의민족 주아" panose="02020603020101020101" pitchFamily="18" charset="-127"/>
+                    <a:ea typeface="배달의민족 주아" panose="02020603020101020101" pitchFamily="18" charset="-127"/>
+                  </a:rPr>
+                  <a:t>모평균 </a:t>
+                </a:r>
+                <a:r>
+                  <a:rPr lang="ko-KR" altLang="en-US" sz="1400" dirty="0" smtClean="0">
+                    <a:solidFill>
+                      <a:schemeClr val="accent3"/>
+                    </a:solidFill>
+                    <a:latin typeface="배달의민족 주아" panose="02020603020101020101" pitchFamily="18" charset="-127"/>
+                    <a:ea typeface="배달의민족 주아" panose="02020603020101020101" pitchFamily="18" charset="-127"/>
+                  </a:rPr>
+                  <a:t>차이</a:t>
+                </a:r>
+                <a:r>
+                  <a:rPr lang="ko-KR" altLang="en-US" sz="1400" dirty="0" smtClean="0">
+                    <a:solidFill>
+                      <a:schemeClr val="accent3"/>
+                    </a:solidFill>
+                    <a:latin typeface="배달의민족 주아" panose="02020603020101020101" pitchFamily="18" charset="-127"/>
+                    <a:ea typeface="배달의민족 주아" panose="02020603020101020101" pitchFamily="18" charset="-127"/>
+                  </a:rPr>
+                  <a:t> </a:t>
+                </a:r>
+                <a:r>
+                  <a:rPr lang="en-US" altLang="ko-KR" sz="1400" dirty="0" smtClean="0">
+                    <a:solidFill>
+                      <a:schemeClr val="accent3"/>
+                    </a:solidFill>
+                    <a:latin typeface="배달의민족 주아" panose="02020603020101020101" pitchFamily="18" charset="-127"/>
+                    <a:ea typeface="배달의민족 주아" panose="02020603020101020101" pitchFamily="18" charset="-127"/>
+                  </a:rPr>
+                  <a:t>+ </a:t>
+                </a:r>
+                <a14:m>
+                  <m:oMath xmlns:m="http://schemas.openxmlformats.org/officeDocument/2006/math">
+                    <m:sSub>
+                      <m:sSubPr>
+                        <m:ctrlPr>
+                          <a:rPr lang="en-US" altLang="ko-KR" sz="1400" b="0" i="1" smtClean="0">
+                            <a:solidFill>
+                              <a:schemeClr val="accent3"/>
+                            </a:solidFill>
+                            <a:latin typeface="Cambria Math"/>
+                            <a:ea typeface="배달의민족 주아" panose="02020603020101020101" pitchFamily="18" charset="-127"/>
+                          </a:rPr>
+                        </m:ctrlPr>
+                      </m:sSubPr>
+                      <m:e>
+                        <m:r>
+                          <a:rPr lang="en-US" altLang="ko-KR" sz="1400" b="0" i="1" smtClean="0">
+                            <a:solidFill>
+                              <a:schemeClr val="accent3"/>
+                            </a:solidFill>
+                            <a:latin typeface="Cambria Math"/>
+                            <a:ea typeface="배달의민족 주아" panose="02020603020101020101" pitchFamily="18" charset="-127"/>
+                          </a:rPr>
+                          <m:t>𝑡</m:t>
+                        </m:r>
+                      </m:e>
+                      <m:sub>
+                        <m:r>
+                          <a:rPr lang="en-US" altLang="ko-KR" sz="1400" b="0" i="1" smtClean="0">
+                            <a:solidFill>
+                              <a:schemeClr val="accent3"/>
+                            </a:solidFill>
+                            <a:latin typeface="Cambria Math"/>
+                            <a:ea typeface="배달의민족 주아" panose="02020603020101020101" pitchFamily="18" charset="-127"/>
+                          </a:rPr>
+                          <m:t>𝛼</m:t>
+                        </m:r>
+                      </m:sub>
+                    </m:sSub>
+                  </m:oMath>
+                </a14:m>
+                <a:r>
+                  <a:rPr lang="en-US" altLang="ko-KR" sz="1400" dirty="0" smtClean="0">
+                    <a:solidFill>
+                      <a:schemeClr val="accent3"/>
+                    </a:solidFill>
+                    <a:latin typeface="배달의민족 주아" panose="02020603020101020101" pitchFamily="18" charset="-127"/>
+                    <a:ea typeface="배달의민족 주아" panose="02020603020101020101" pitchFamily="18" charset="-127"/>
+                  </a:rPr>
+                  <a:t>SEM</a:t>
+                </a:r>
+                <a:endParaRPr lang="ko-KR" altLang="en-US" sz="1400" dirty="0">
+                  <a:solidFill>
+                    <a:schemeClr val="accent3"/>
+                  </a:solidFill>
+                  <a:latin typeface="배달의민족 주아" panose="02020603020101020101" pitchFamily="18" charset="-127"/>
+                  <a:ea typeface="배달의민족 주아" panose="02020603020101020101" pitchFamily="18" charset="-127"/>
+                </a:endParaRPr>
+              </a:p>
+            </p:txBody>
+          </p:sp>
+        </mc:Choice>
+        <mc:Fallback>
+          <p:sp>
+            <p:nvSpPr>
+              <p:cNvPr id="84" name="TextBox 83">
+                <a:extLst>
+                  <a:ext uri="{FF2B5EF4-FFF2-40B4-BE49-F238E27FC236}">
+                    <a16:creationId xmlns="" xmlns:a16="http://schemas.microsoft.com/office/drawing/2014/main" id="{637A9EBD-8651-4827-A9C8-718C09951F70}"/>
+                  </a:ext>
+                </a:extLst>
+              </p:cNvPr>
+              <p:cNvSpPr txBox="1">
+                <a:spLocks noRot="1" noChangeAspect="1" noMove="1" noResize="1" noEditPoints="1" noAdjustHandles="1" noChangeArrowheads="1" noChangeShapeType="1" noTextEdit="1"/>
+              </p:cNvSpPr>
+              <p:nvPr/>
+            </p:nvSpPr>
+            <p:spPr>
+              <a:xfrm>
+                <a:off x="4416524" y="753142"/>
+                <a:ext cx="1650580" cy="307777"/>
+              </a:xfrm>
+              <a:prstGeom prst="rect">
+                <a:avLst/>
+              </a:prstGeom>
+              <a:blipFill rotWithShape="1">
+                <a:blip r:embed="rId4"/>
+                <a:stretch>
+                  <a:fillRect l="-369" r="-1107" b="-22000"/>
+                </a:stretch>
+              </a:blipFill>
+            </p:spPr>
+            <p:txBody>
+              <a:bodyPr/>
+              <a:lstStyle/>
+              <a:p>
+                <a:r>
+                  <a:rPr lang="ko-KR" altLang="en-US">
+                    <a:noFill/>
+                  </a:rPr>
+                  <a:t> </a:t>
+                </a:r>
+              </a:p>
+            </p:txBody>
+          </p:sp>
+        </mc:Fallback>
+      </mc:AlternateContent>
+      <mc:AlternateContent xmlns:mc="http://schemas.openxmlformats.org/markup-compatibility/2006">
+        <mc:Choice xmlns:a14="http://schemas.microsoft.com/office/drawing/2010/main" Requires="a14">
+          <p:sp>
+            <p:nvSpPr>
+              <p:cNvPr id="85" name="TextBox 84">
+                <a:extLst>
+                  <a:ext uri="{FF2B5EF4-FFF2-40B4-BE49-F238E27FC236}">
+                    <a16:creationId xmlns="" xmlns:a16="http://schemas.microsoft.com/office/drawing/2014/main" id="{30DFB557-63B6-4825-A4E9-AA48679DDB80}"/>
+                  </a:ext>
+                </a:extLst>
+              </p:cNvPr>
+              <p:cNvSpPr txBox="1"/>
+              <p:nvPr/>
+            </p:nvSpPr>
+            <p:spPr>
+              <a:xfrm>
+                <a:off x="2866197" y="748670"/>
+                <a:ext cx="1547989" cy="307777"/>
+              </a:xfrm>
+              <a:prstGeom prst="rect">
+                <a:avLst/>
+              </a:prstGeom>
+              <a:noFill/>
+            </p:spPr>
+            <p:txBody>
+              <a:bodyPr wrap="none" rtlCol="0">
+                <a:spAutoFit/>
+              </a:bodyPr>
+              <a:lstStyle/>
+              <a:p>
+                <a:pPr algn="ctr"/>
+                <a:r>
+                  <a:rPr lang="ko-KR" altLang="en-US" sz="1400" dirty="0" smtClean="0">
+                    <a:solidFill>
+                      <a:schemeClr val="accent3"/>
+                    </a:solidFill>
+                    <a:latin typeface="배달의민족 주아" panose="02020603020101020101" pitchFamily="18" charset="-127"/>
+                    <a:ea typeface="배달의민족 주아" panose="02020603020101020101" pitchFamily="18" charset="-127"/>
+                  </a:rPr>
+                  <a:t>모평균 차이</a:t>
+                </a:r>
+                <a:r>
+                  <a:rPr lang="en-US" altLang="ko-KR" sz="1400" dirty="0" smtClean="0">
+                    <a:solidFill>
+                      <a:schemeClr val="accent3"/>
+                    </a:solidFill>
+                    <a:latin typeface="배달의민족 주아" panose="02020603020101020101" pitchFamily="18" charset="-127"/>
+                    <a:ea typeface="배달의민족 주아" panose="02020603020101020101" pitchFamily="18" charset="-127"/>
+                  </a:rPr>
+                  <a:t>-</a:t>
+                </a:r>
+                <a14:m>
+                  <m:oMath xmlns:m="http://schemas.openxmlformats.org/officeDocument/2006/math">
+                    <m:sSub>
+                      <m:sSubPr>
+                        <m:ctrlPr>
+                          <a:rPr lang="en-US" altLang="ko-KR" sz="1400" b="0" i="1" smtClean="0">
+                            <a:solidFill>
+                              <a:schemeClr val="accent3"/>
+                            </a:solidFill>
+                            <a:latin typeface="Cambria Math"/>
+                            <a:ea typeface="배달의민족 주아" panose="02020603020101020101" pitchFamily="18" charset="-127"/>
+                          </a:rPr>
+                        </m:ctrlPr>
+                      </m:sSubPr>
+                      <m:e>
+                        <m:r>
+                          <a:rPr lang="en-US" altLang="ko-KR" sz="1400" b="0" i="1" smtClean="0">
+                            <a:solidFill>
+                              <a:schemeClr val="accent3"/>
+                            </a:solidFill>
+                            <a:latin typeface="Cambria Math"/>
+                            <a:ea typeface="배달의민족 주아" panose="02020603020101020101" pitchFamily="18" charset="-127"/>
+                          </a:rPr>
+                          <m:t>𝑡</m:t>
+                        </m:r>
+                      </m:e>
+                      <m:sub>
+                        <m:r>
+                          <a:rPr lang="en-US" altLang="ko-KR" sz="1400" b="0" i="1" smtClean="0">
+                            <a:solidFill>
+                              <a:schemeClr val="accent3"/>
+                            </a:solidFill>
+                            <a:latin typeface="Cambria Math"/>
+                            <a:ea typeface="배달의민족 주아" panose="02020603020101020101" pitchFamily="18" charset="-127"/>
+                          </a:rPr>
+                          <m:t>𝛼</m:t>
+                        </m:r>
+                      </m:sub>
+                    </m:sSub>
+                  </m:oMath>
+                </a14:m>
+                <a:r>
+                  <a:rPr lang="en-US" altLang="ko-KR" sz="1400" dirty="0" smtClean="0">
+                    <a:solidFill>
+                      <a:schemeClr val="accent3"/>
+                    </a:solidFill>
+                    <a:latin typeface="배달의민족 주아" panose="02020603020101020101" pitchFamily="18" charset="-127"/>
+                    <a:ea typeface="배달의민족 주아" panose="02020603020101020101" pitchFamily="18" charset="-127"/>
+                  </a:rPr>
+                  <a:t>SEM</a:t>
+                </a:r>
+                <a:endParaRPr lang="ko-KR" altLang="en-US" sz="1400" dirty="0">
+                  <a:solidFill>
+                    <a:schemeClr val="accent3"/>
+                  </a:solidFill>
+                  <a:latin typeface="배달의민족 주아" panose="02020603020101020101" pitchFamily="18" charset="-127"/>
+                  <a:ea typeface="배달의민족 주아" panose="02020603020101020101" pitchFamily="18" charset="-127"/>
+                </a:endParaRPr>
+              </a:p>
+            </p:txBody>
+          </p:sp>
+        </mc:Choice>
+        <mc:Fallback>
+          <p:sp>
+            <p:nvSpPr>
+              <p:cNvPr id="85" name="TextBox 84">
+                <a:extLst>
+                  <a:ext uri="{FF2B5EF4-FFF2-40B4-BE49-F238E27FC236}">
+                    <a16:creationId xmlns="" xmlns:a16="http://schemas.microsoft.com/office/drawing/2014/main" id="{30DFB557-63B6-4825-A4E9-AA48679DDB80}"/>
+                  </a:ext>
+                </a:extLst>
+              </p:cNvPr>
+              <p:cNvSpPr txBox="1">
+                <a:spLocks noRot="1" noChangeAspect="1" noMove="1" noResize="1" noEditPoints="1" noAdjustHandles="1" noChangeArrowheads="1" noChangeShapeType="1" noTextEdit="1"/>
+              </p:cNvSpPr>
+              <p:nvPr/>
+            </p:nvSpPr>
+            <p:spPr>
+              <a:xfrm>
+                <a:off x="2866197" y="748670"/>
+                <a:ext cx="1547989" cy="307777"/>
+              </a:xfrm>
+              <a:prstGeom prst="rect">
+                <a:avLst/>
+              </a:prstGeom>
+              <a:blipFill rotWithShape="1">
+                <a:blip r:embed="rId5"/>
+                <a:stretch>
+                  <a:fillRect l="-394" r="-1181" b="-22000"/>
+                </a:stretch>
+              </a:blipFill>
+            </p:spPr>
+            <p:txBody>
+              <a:bodyPr/>
+              <a:lstStyle/>
+              <a:p>
+                <a:r>
+                  <a:rPr lang="ko-KR" altLang="en-US">
+                    <a:noFill/>
+                  </a:rPr>
+                  <a:t> </a:t>
+                </a:r>
+              </a:p>
+            </p:txBody>
+          </p:sp>
+        </mc:Fallback>
+      </mc:AlternateContent>
+      <p:sp>
+        <p:nvSpPr>
+          <p:cNvPr id="7" name="화살표: 왼쪽/오른쪽 6">
+            <a:extLst>
+              <a:ext uri="{FF2B5EF4-FFF2-40B4-BE49-F238E27FC236}">
+                <a16:creationId xmlns="" xmlns:a16="http://schemas.microsoft.com/office/drawing/2014/main" id="{4E12E168-D9FF-4343-B35E-06DA76E44FB7}"/>
+              </a:ext>
+            </a:extLst>
+          </p:cNvPr>
+          <p:cNvSpPr/>
+          <p:nvPr/>
+        </p:nvSpPr>
+        <p:spPr>
+          <a:xfrm>
+            <a:off x="3897425" y="2189351"/>
+            <a:ext cx="1116759" cy="395714"/>
+          </a:xfrm>
+          <a:prstGeom prst="leftRightArrow">
+            <a:avLst/>
+          </a:prstGeom>
+          <a:solidFill>
+            <a:schemeClr val="accent6">
+              <a:alpha val="90000"/>
+            </a:schemeClr>
+          </a:solidFill>
+          <a:ln w="12700">
+            <a:solidFill>
+              <a:schemeClr val="accent5">
+                <a:lumMod val="75000"/>
+              </a:schemeClr>
+            </a:solidFill>
+          </a:ln>
+        </p:spPr>
+        <p:style>
+          <a:lnRef idx="2">
+            <a:schemeClr val="accent1">
+              <a:shade val="50000"/>
+            </a:schemeClr>
+          </a:lnRef>
+          <a:fillRef idx="1">
+            <a:schemeClr val="accent1"/>
+          </a:fillRef>
+          <a:effectRef idx="0">
+            <a:schemeClr val="accent1"/>
+          </a:effectRef>
+          <a:fontRef idx="minor">
+            <a:schemeClr val="lt1"/>
+          </a:fontRef>
+        </p:style>
+        <p:txBody>
+          <a:bodyPr rtlCol="0" anchor="ctr"/>
+          <a:lstStyle/>
+          <a:p>
+            <a:pPr algn="ctr"/>
+            <a:endParaRPr lang="ko-KR" altLang="en-US"/>
+          </a:p>
+        </p:txBody>
+      </p:sp>
+      <p:sp>
+        <p:nvSpPr>
+          <p:cNvPr id="86" name="화살표: 왼쪽/오른쪽 85">
+            <a:extLst>
+              <a:ext uri="{FF2B5EF4-FFF2-40B4-BE49-F238E27FC236}">
+                <a16:creationId xmlns="" xmlns:a16="http://schemas.microsoft.com/office/drawing/2014/main" id="{EF7A27AD-799A-48D7-92C2-6074E551A6E9}"/>
+              </a:ext>
+            </a:extLst>
+          </p:cNvPr>
+          <p:cNvSpPr/>
+          <p:nvPr/>
+        </p:nvSpPr>
+        <p:spPr>
+          <a:xfrm>
+            <a:off x="5375969" y="1832095"/>
+            <a:ext cx="492172" cy="197857"/>
+          </a:xfrm>
+          <a:prstGeom prst="leftRightArrow">
+            <a:avLst/>
+          </a:prstGeom>
+          <a:solidFill>
+            <a:schemeClr val="accent6">
+              <a:alpha val="90000"/>
+            </a:schemeClr>
+          </a:solidFill>
+          <a:ln w="12700">
+            <a:solidFill>
+              <a:schemeClr val="accent5">
+                <a:lumMod val="75000"/>
+              </a:schemeClr>
+            </a:solidFill>
+          </a:ln>
+        </p:spPr>
+        <p:style>
+          <a:lnRef idx="2">
+            <a:schemeClr val="accent1">
+              <a:shade val="50000"/>
+            </a:schemeClr>
+          </a:lnRef>
+          <a:fillRef idx="1">
+            <a:schemeClr val="accent1"/>
+          </a:fillRef>
+          <a:effectRef idx="0">
+            <a:schemeClr val="accent1"/>
+          </a:effectRef>
+          <a:fontRef idx="minor">
+            <a:schemeClr val="lt1"/>
+          </a:fontRef>
+        </p:style>
+        <p:txBody>
+          <a:bodyPr rtlCol="0" anchor="ctr"/>
+          <a:lstStyle/>
+          <a:p>
+            <a:pPr algn="ctr"/>
+            <a:endParaRPr lang="ko-KR" altLang="en-US"/>
+          </a:p>
+        </p:txBody>
+      </p:sp>
+      <mc:AlternateContent xmlns:mc="http://schemas.openxmlformats.org/markup-compatibility/2006">
+        <mc:Choice xmlns:a14="http://schemas.microsoft.com/office/drawing/2010/main" Requires="a14">
+          <p:sp>
+            <p:nvSpPr>
+              <p:cNvPr id="87" name="TextBox 86">
+                <a:extLst>
+                  <a:ext uri="{FF2B5EF4-FFF2-40B4-BE49-F238E27FC236}">
+                    <a16:creationId xmlns="" xmlns:a16="http://schemas.microsoft.com/office/drawing/2014/main" id="{38413CFF-9145-48E8-AA03-05D6C8B2F931}"/>
+                  </a:ext>
+                </a:extLst>
+              </p:cNvPr>
+              <p:cNvSpPr txBox="1"/>
+              <p:nvPr/>
+            </p:nvSpPr>
+            <p:spPr>
+              <a:xfrm>
+                <a:off x="5831752" y="1800218"/>
+                <a:ext cx="1237326" cy="261610"/>
+              </a:xfrm>
+              <a:prstGeom prst="rect">
+                <a:avLst/>
+              </a:prstGeom>
+              <a:noFill/>
+            </p:spPr>
+            <p:txBody>
+              <a:bodyPr wrap="none" rtlCol="0">
+                <a:spAutoFit/>
+              </a:bodyPr>
+              <a:lstStyle/>
+              <a:p>
+                <a:r>
+                  <a:rPr lang="en-US" altLang="ko-KR" sz="1100" dirty="0" smtClean="0">
+                    <a:latin typeface="배달의민족 주아" panose="02020603020101020101" pitchFamily="18" charset="-127"/>
+                    <a:ea typeface="배달의민족 주아" panose="02020603020101020101" pitchFamily="18" charset="-127"/>
+                  </a:rPr>
+                  <a:t>: </a:t>
+                </a:r>
+                <a:r>
+                  <a:rPr lang="ko-KR" altLang="en-US" sz="1100" dirty="0">
+                    <a:latin typeface="배달의민족 주아" panose="02020603020101020101" pitchFamily="18" charset="-127"/>
+                    <a:ea typeface="배달의민족 주아" panose="02020603020101020101" pitchFamily="18" charset="-127"/>
+                  </a:rPr>
+                  <a:t>신뢰구간</a:t>
+                </a:r>
+                <a:r>
+                  <a:rPr lang="en-US" altLang="ko-KR" sz="1100" dirty="0" smtClean="0">
+                    <a:latin typeface="배달의민족 주아" panose="02020603020101020101" pitchFamily="18" charset="-127"/>
+                    <a:ea typeface="배달의민족 주아" panose="02020603020101020101" pitchFamily="18" charset="-127"/>
+                  </a:rPr>
+                  <a:t>(100</a:t>
+                </a:r>
+                <a14:m>
+                  <m:oMath xmlns:m="http://schemas.openxmlformats.org/officeDocument/2006/math">
+                    <m:r>
+                      <a:rPr lang="en-US" altLang="ko-KR" sz="1100" b="0" i="1" smtClean="0">
+                        <a:latin typeface="Cambria Math"/>
+                        <a:ea typeface="배달의민족 주아" panose="02020603020101020101" pitchFamily="18" charset="-127"/>
+                      </a:rPr>
+                      <m:t>𝛼</m:t>
+                    </m:r>
+                  </m:oMath>
+                </a14:m>
+                <a:r>
+                  <a:rPr lang="en-US" altLang="ko-KR" sz="1100" dirty="0" smtClean="0">
+                    <a:latin typeface="배달의민족 주아" panose="02020603020101020101" pitchFamily="18" charset="-127"/>
+                    <a:ea typeface="배달의민족 주아" panose="02020603020101020101" pitchFamily="18" charset="-127"/>
+                  </a:rPr>
+                  <a:t>%)</a:t>
+                </a:r>
+                <a:endParaRPr lang="ko-KR" altLang="en-US" sz="1100" dirty="0">
+                  <a:latin typeface="배달의민족 주아" panose="02020603020101020101" pitchFamily="18" charset="-127"/>
+                  <a:ea typeface="배달의민족 주아" panose="02020603020101020101" pitchFamily="18" charset="-127"/>
+                </a:endParaRPr>
+              </a:p>
+            </p:txBody>
+          </p:sp>
+        </mc:Choice>
+        <mc:Fallback>
+          <p:sp>
+            <p:nvSpPr>
+              <p:cNvPr id="87" name="TextBox 86">
+                <a:extLst>
+                  <a:ext uri="{FF2B5EF4-FFF2-40B4-BE49-F238E27FC236}">
+                    <a16:creationId xmlns="" xmlns:a16="http://schemas.microsoft.com/office/drawing/2014/main" id="{38413CFF-9145-48E8-AA03-05D6C8B2F931}"/>
+                  </a:ext>
+                </a:extLst>
+              </p:cNvPr>
+              <p:cNvSpPr txBox="1">
+                <a:spLocks noRot="1" noChangeAspect="1" noMove="1" noResize="1" noEditPoints="1" noAdjustHandles="1" noChangeArrowheads="1" noChangeShapeType="1" noTextEdit="1"/>
+              </p:cNvSpPr>
+              <p:nvPr/>
+            </p:nvSpPr>
+            <p:spPr>
+              <a:xfrm>
+                <a:off x="5831752" y="1800218"/>
+                <a:ext cx="1237326" cy="261610"/>
+              </a:xfrm>
+              <a:prstGeom prst="rect">
+                <a:avLst/>
+              </a:prstGeom>
+              <a:blipFill rotWithShape="1">
+                <a:blip r:embed="rId6"/>
+                <a:stretch>
+                  <a:fillRect b="-18605"/>
+                </a:stretch>
+              </a:blipFill>
+            </p:spPr>
+            <p:txBody>
+              <a:bodyPr/>
+              <a:lstStyle/>
+              <a:p>
+                <a:r>
+                  <a:rPr lang="ko-KR" altLang="en-US">
+                    <a:noFill/>
+                  </a:rPr>
+                  <a:t> </a:t>
+                </a:r>
+              </a:p>
+            </p:txBody>
+          </p:sp>
+        </mc:Fallback>
+      </mc:AlternateContent>
+    </p:spTree>
+    <p:extLst>
+      <p:ext uri="{BB962C8B-B14F-4D97-AF65-F5344CB8AC3E}">
+        <p14:creationId xmlns:p14="http://schemas.microsoft.com/office/powerpoint/2010/main" val="540466415"/>
       </p:ext>
     </p:extLst>
   </p:cSld>
@@ -8971,7 +11139,7 @@
           <p:cNvPr id="5" name="그림 4">
             <a:extLst>
               <a:ext uri="{FF2B5EF4-FFF2-40B4-BE49-F238E27FC236}">
-                <a16:creationId xmlns:a16="http://schemas.microsoft.com/office/drawing/2014/main" xmlns="" id="{177245CC-9F28-4F8F-BDD7-FF635F76591E}"/>
+                <a16:creationId xmlns="" xmlns:a16="http://schemas.microsoft.com/office/drawing/2014/main" id="{177245CC-9F28-4F8F-BDD7-FF635F76591E}"/>
               </a:ext>
             </a:extLst>
           </p:cNvPr>
@@ -9031,7 +11199,7 @@
           <p:cNvPr id="6" name="그림 5">
             <a:extLst>
               <a:ext uri="{FF2B5EF4-FFF2-40B4-BE49-F238E27FC236}">
-                <a16:creationId xmlns:a16="http://schemas.microsoft.com/office/drawing/2014/main" xmlns="" id="{E6454F4D-04AE-466D-9F07-EFBCB8F7B4AC}"/>
+                <a16:creationId xmlns="" xmlns:a16="http://schemas.microsoft.com/office/drawing/2014/main" id="{E6454F4D-04AE-466D-9F07-EFBCB8F7B4AC}"/>
               </a:ext>
             </a:extLst>
           </p:cNvPr>
@@ -9155,7 +11323,7 @@
           <p:cNvPr id="3" name="TextBox 2">
             <a:extLst>
               <a:ext uri="{FF2B5EF4-FFF2-40B4-BE49-F238E27FC236}">
-                <a16:creationId xmlns:a16="http://schemas.microsoft.com/office/drawing/2014/main" xmlns="" id="{74D05EFA-CCB1-49B4-BF5F-2F1B250DEFAC}"/>
+                <a16:creationId xmlns="" xmlns:a16="http://schemas.microsoft.com/office/drawing/2014/main" id="{74D05EFA-CCB1-49B4-BF5F-2F1B250DEFAC}"/>
               </a:ext>
             </a:extLst>
           </p:cNvPr>
@@ -9214,14 +11382,14 @@
           </a:p>
         </p:txBody>
       </p:sp>
-      <mc:AlternateContent xmlns:mc="http://schemas.openxmlformats.org/markup-compatibility/2006">
-        <mc:Choice xmlns:a14="http://schemas.microsoft.com/office/drawing/2010/main" Requires="a14">
+      <mc:AlternateContent xmlns:mc="http://schemas.openxmlformats.org/markup-compatibility/2006" xmlns:a14="http://schemas.microsoft.com/office/drawing/2010/main">
+        <mc:Choice Requires="a14">
           <p:sp>
             <p:nvSpPr>
               <p:cNvPr id="8" name="TextBox 7">
                 <a:extLst>
                   <a:ext uri="{FF2B5EF4-FFF2-40B4-BE49-F238E27FC236}">
-                    <a16:creationId xmlns:a16="http://schemas.microsoft.com/office/drawing/2014/main" xmlns="" id="{B3BEB89F-A8AF-4478-B6C3-153D634CDB65}"/>
+                    <a16:creationId xmlns="" xmlns:a16="http://schemas.microsoft.com/office/drawing/2014/main" id="{B3BEB89F-A8AF-4478-B6C3-153D634CDB65}"/>
                   </a:ext>
                 </a:extLst>
               </p:cNvPr>
@@ -9244,6 +11412,7 @@
               </a:bodyPr>
               <a:lstStyle/>
               <a:p>
+                <a:pPr/>
                 <a14:m>
                   <m:oMathPara xmlns:m="http://schemas.openxmlformats.org/officeDocument/2006/math">
                     <m:oMathParaPr>
@@ -9275,7 +11444,7 @@
             </p:txBody>
           </p:sp>
         </mc:Choice>
-        <mc:Fallback>
+        <mc:Fallback xmlns="">
           <p:sp>
             <p:nvSpPr>
               <p:cNvPr id="8" name="TextBox 7">
@@ -9325,7 +11494,7 @@
           <p:cNvPr id="9" name="직선 화살표 연결선 8">
             <a:extLst>
               <a:ext uri="{FF2B5EF4-FFF2-40B4-BE49-F238E27FC236}">
-                <a16:creationId xmlns:a16="http://schemas.microsoft.com/office/drawing/2014/main" xmlns="" id="{23A188F4-F362-4997-AA79-AD40AE7ABD13}"/>
+                <a16:creationId xmlns="" xmlns:a16="http://schemas.microsoft.com/office/drawing/2014/main" id="{23A188F4-F362-4997-AA79-AD40AE7ABD13}"/>
               </a:ext>
             </a:extLst>
           </p:cNvPr>
@@ -9365,14 +11534,14 @@
           </a:fontRef>
         </p:style>
       </p:cxnSp>
-      <mc:AlternateContent xmlns:mc="http://schemas.openxmlformats.org/markup-compatibility/2006">
-        <mc:Choice xmlns:a14="http://schemas.microsoft.com/office/drawing/2010/main" Requires="a14">
+      <mc:AlternateContent xmlns:mc="http://schemas.openxmlformats.org/markup-compatibility/2006" xmlns:a14="http://schemas.microsoft.com/office/drawing/2010/main">
+        <mc:Choice Requires="a14">
           <p:sp>
             <p:nvSpPr>
               <p:cNvPr id="11" name="TextBox 10">
                 <a:extLst>
                   <a:ext uri="{FF2B5EF4-FFF2-40B4-BE49-F238E27FC236}">
-                    <a16:creationId xmlns:a16="http://schemas.microsoft.com/office/drawing/2014/main" xmlns="" id="{F31BB980-3874-45FF-B289-159802235E5D}"/>
+                    <a16:creationId xmlns="" xmlns:a16="http://schemas.microsoft.com/office/drawing/2014/main" id="{F31BB980-3874-45FF-B289-159802235E5D}"/>
                   </a:ext>
                 </a:extLst>
               </p:cNvPr>
@@ -9395,6 +11564,7 @@
               </a:bodyPr>
               <a:lstStyle/>
               <a:p>
+                <a:pPr/>
                 <a14:m>
                   <m:oMathPara xmlns:m="http://schemas.openxmlformats.org/officeDocument/2006/math">
                     <m:oMathParaPr>
@@ -9426,7 +11596,7 @@
             </p:txBody>
           </p:sp>
         </mc:Choice>
-        <mc:Fallback>
+        <mc:Fallback xmlns="">
           <p:sp>
             <p:nvSpPr>
               <p:cNvPr id="11" name="TextBox 10">
@@ -9476,7 +11646,7 @@
           <p:cNvPr id="12" name="직선 화살표 연결선 11">
             <a:extLst>
               <a:ext uri="{FF2B5EF4-FFF2-40B4-BE49-F238E27FC236}">
-                <a16:creationId xmlns:a16="http://schemas.microsoft.com/office/drawing/2014/main" xmlns="" id="{23A188F4-F362-4997-AA79-AD40AE7ABD13}"/>
+                <a16:creationId xmlns="" xmlns:a16="http://schemas.microsoft.com/office/drawing/2014/main" id="{23A188F4-F362-4997-AA79-AD40AE7ABD13}"/>
               </a:ext>
             </a:extLst>
           </p:cNvPr>
@@ -9679,7 +11849,7 @@
           <p:cNvPr id="9" name="TextBox 8">
             <a:extLst>
               <a:ext uri="{FF2B5EF4-FFF2-40B4-BE49-F238E27FC236}">
-                <a16:creationId xmlns:a16="http://schemas.microsoft.com/office/drawing/2014/main" xmlns="" id="{74D05EFA-CCB1-49B4-BF5F-2F1B250DEFAC}"/>
+                <a16:creationId xmlns="" xmlns:a16="http://schemas.microsoft.com/office/drawing/2014/main" id="{74D05EFA-CCB1-49B4-BF5F-2F1B250DEFAC}"/>
               </a:ext>
             </a:extLst>
           </p:cNvPr>
@@ -9729,7 +11899,7 @@
           <p:cNvPr id="10" name="TextBox 9">
             <a:extLst>
               <a:ext uri="{FF2B5EF4-FFF2-40B4-BE49-F238E27FC236}">
-                <a16:creationId xmlns:a16="http://schemas.microsoft.com/office/drawing/2014/main" xmlns="" id="{F8DE88EA-4DD8-4194-801B-0C749D0A581F}"/>
+                <a16:creationId xmlns="" xmlns:a16="http://schemas.microsoft.com/office/drawing/2014/main" id="{F8DE88EA-4DD8-4194-801B-0C749D0A581F}"/>
               </a:ext>
             </a:extLst>
           </p:cNvPr>
@@ -9779,7 +11949,7 @@
           <p:cNvPr id="12" name="직선 화살표 연결선 11">
             <a:extLst>
               <a:ext uri="{FF2B5EF4-FFF2-40B4-BE49-F238E27FC236}">
-                <a16:creationId xmlns:a16="http://schemas.microsoft.com/office/drawing/2014/main" xmlns="" id="{23A188F4-F362-4997-AA79-AD40AE7ABD13}"/>
+                <a16:creationId xmlns="" xmlns:a16="http://schemas.microsoft.com/office/drawing/2014/main" id="{23A188F4-F362-4997-AA79-AD40AE7ABD13}"/>
               </a:ext>
             </a:extLst>
           </p:cNvPr>
@@ -9824,7 +11994,7 @@
           <p:cNvPr id="15" name="직선 화살표 연결선 14">
             <a:extLst>
               <a:ext uri="{FF2B5EF4-FFF2-40B4-BE49-F238E27FC236}">
-                <a16:creationId xmlns:a16="http://schemas.microsoft.com/office/drawing/2014/main" xmlns="" id="{0A3A50EE-392C-4705-A30D-BA21B1E8A26A}"/>
+                <a16:creationId xmlns="" xmlns:a16="http://schemas.microsoft.com/office/drawing/2014/main" id="{0A3A50EE-392C-4705-A30D-BA21B1E8A26A}"/>
               </a:ext>
             </a:extLst>
           </p:cNvPr>
@@ -9864,14 +12034,14 @@
           </a:fontRef>
         </p:style>
       </p:cxnSp>
-      <mc:AlternateContent xmlns:mc="http://schemas.openxmlformats.org/markup-compatibility/2006">
-        <mc:Choice xmlns:a14="http://schemas.microsoft.com/office/drawing/2010/main" Requires="a14">
+      <mc:AlternateContent xmlns:mc="http://schemas.openxmlformats.org/markup-compatibility/2006" xmlns:a14="http://schemas.microsoft.com/office/drawing/2010/main">
+        <mc:Choice Requires="a14">
           <p:sp>
             <p:nvSpPr>
               <p:cNvPr id="16" name="TextBox 15">
                 <a:extLst>
                   <a:ext uri="{FF2B5EF4-FFF2-40B4-BE49-F238E27FC236}">
-                    <a16:creationId xmlns:a16="http://schemas.microsoft.com/office/drawing/2014/main" xmlns="" id="{B3BEB89F-A8AF-4478-B6C3-153D634CDB65}"/>
+                    <a16:creationId xmlns="" xmlns:a16="http://schemas.microsoft.com/office/drawing/2014/main" id="{B3BEB89F-A8AF-4478-B6C3-153D634CDB65}"/>
                   </a:ext>
                 </a:extLst>
               </p:cNvPr>
@@ -9894,6 +12064,7 @@
               </a:bodyPr>
               <a:lstStyle/>
               <a:p>
+                <a:pPr/>
                 <a14:m>
                   <m:oMathPara xmlns:m="http://schemas.openxmlformats.org/officeDocument/2006/math">
                     <m:oMathParaPr>
@@ -9925,7 +12096,7 @@
             </p:txBody>
           </p:sp>
         </mc:Choice>
-        <mc:Fallback>
+        <mc:Fallback xmlns="">
           <p:sp>
             <p:nvSpPr>
               <p:cNvPr id="16" name="TextBox 15">
@@ -9975,7 +12146,7 @@
           <p:cNvPr id="24" name="직선 화살표 연결선 23">
             <a:extLst>
               <a:ext uri="{FF2B5EF4-FFF2-40B4-BE49-F238E27FC236}">
-                <a16:creationId xmlns:a16="http://schemas.microsoft.com/office/drawing/2014/main" xmlns="" id="{AE4EE2AE-D8F7-4FD0-A389-BCC26858631F}"/>
+                <a16:creationId xmlns="" xmlns:a16="http://schemas.microsoft.com/office/drawing/2014/main" id="{AE4EE2AE-D8F7-4FD0-A389-BCC26858631F}"/>
               </a:ext>
             </a:extLst>
           </p:cNvPr>
@@ -10015,14 +12186,14 @@
           </a:fontRef>
         </p:style>
       </p:cxnSp>
-      <mc:AlternateContent xmlns:mc="http://schemas.openxmlformats.org/markup-compatibility/2006">
-        <mc:Choice xmlns:a14="http://schemas.microsoft.com/office/drawing/2010/main" Requires="a14">
+      <mc:AlternateContent xmlns:mc="http://schemas.openxmlformats.org/markup-compatibility/2006" xmlns:a14="http://schemas.microsoft.com/office/drawing/2010/main">
+        <mc:Choice Requires="a14">
           <p:sp>
             <p:nvSpPr>
               <p:cNvPr id="25" name="TextBox 24">
                 <a:extLst>
                   <a:ext uri="{FF2B5EF4-FFF2-40B4-BE49-F238E27FC236}">
-                    <a16:creationId xmlns:a16="http://schemas.microsoft.com/office/drawing/2014/main" xmlns="" id="{B97BD5BE-BAE5-4A67-B0B9-F5A315457A3D}"/>
+                    <a16:creationId xmlns="" xmlns:a16="http://schemas.microsoft.com/office/drawing/2014/main" id="{B97BD5BE-BAE5-4A67-B0B9-F5A315457A3D}"/>
                   </a:ext>
                 </a:extLst>
               </p:cNvPr>
@@ -10045,6 +12216,7 @@
               </a:bodyPr>
               <a:lstStyle/>
               <a:p>
+                <a:pPr/>
                 <a14:m>
                   <m:oMathPara xmlns:m="http://schemas.openxmlformats.org/officeDocument/2006/math">
                     <m:oMathParaPr>
@@ -10076,7 +12248,7 @@
             </p:txBody>
           </p:sp>
         </mc:Choice>
-        <mc:Fallback>
+        <mc:Fallback xmlns="">
           <p:sp>
             <p:nvSpPr>
               <p:cNvPr id="25" name="TextBox 24">
@@ -10126,7 +12298,7 @@
           <p:cNvPr id="26" name="TextBox 25">
             <a:extLst>
               <a:ext uri="{FF2B5EF4-FFF2-40B4-BE49-F238E27FC236}">
-                <a16:creationId xmlns:a16="http://schemas.microsoft.com/office/drawing/2014/main" xmlns="" id="{CB434C2C-03AB-4616-80A1-A55C5A269E6E}"/>
+                <a16:creationId xmlns="" xmlns:a16="http://schemas.microsoft.com/office/drawing/2014/main" id="{CB434C2C-03AB-4616-80A1-A55C5A269E6E}"/>
               </a:ext>
             </a:extLst>
           </p:cNvPr>
@@ -10239,7 +12411,7 @@
           <p:cNvPr id="27" name="직선 화살표 연결선 26">
             <a:extLst>
               <a:ext uri="{FF2B5EF4-FFF2-40B4-BE49-F238E27FC236}">
-                <a16:creationId xmlns:a16="http://schemas.microsoft.com/office/drawing/2014/main" xmlns="" id="{A1C83BC5-CD72-4402-A822-571C7099DA75}"/>
+                <a16:creationId xmlns="" xmlns:a16="http://schemas.microsoft.com/office/drawing/2014/main" id="{A1C83BC5-CD72-4402-A822-571C7099DA75}"/>
               </a:ext>
             </a:extLst>
           </p:cNvPr>
@@ -10279,14 +12451,14 @@
           </a:fontRef>
         </p:style>
       </p:cxnSp>
-      <mc:AlternateContent xmlns:mc="http://schemas.openxmlformats.org/markup-compatibility/2006">
-        <mc:Choice xmlns:a14="http://schemas.microsoft.com/office/drawing/2010/main" Requires="a14">
+      <mc:AlternateContent xmlns:mc="http://schemas.openxmlformats.org/markup-compatibility/2006" xmlns:a14="http://schemas.microsoft.com/office/drawing/2010/main">
+        <mc:Choice Requires="a14">
           <p:sp>
             <p:nvSpPr>
               <p:cNvPr id="28" name="TextBox 27">
                 <a:extLst>
                   <a:ext uri="{FF2B5EF4-FFF2-40B4-BE49-F238E27FC236}">
-                    <a16:creationId xmlns:a16="http://schemas.microsoft.com/office/drawing/2014/main" xmlns="" id="{61E81D9F-AA9E-4174-AC1E-B87D76501210}"/>
+                    <a16:creationId xmlns="" xmlns:a16="http://schemas.microsoft.com/office/drawing/2014/main" id="{61E81D9F-AA9E-4174-AC1E-B87D76501210}"/>
                   </a:ext>
                 </a:extLst>
               </p:cNvPr>
@@ -10309,6 +12481,7 @@
               </a:bodyPr>
               <a:lstStyle/>
               <a:p>
+                <a:pPr/>
                 <a14:m>
                   <m:oMathPara xmlns:m="http://schemas.openxmlformats.org/officeDocument/2006/math">
                     <m:oMathParaPr>
@@ -10327,14 +12500,7 @@
                           <a:latin typeface="Cambria Math"/>
                           <a:ea typeface="배달의민족 주아" panose="02020603020101020101" pitchFamily="18" charset="-127"/>
                         </a:rPr>
-                        <m:t>=3.16</m:t>
-                      </m:r>
-                      <m:r>
-                        <a:rPr lang="en-US" altLang="ko-KR" sz="1400" i="1" dirty="0" smtClean="0">
-                          <a:latin typeface="Cambria Math"/>
-                          <a:ea typeface="배달의민족 주아" panose="02020603020101020101" pitchFamily="18" charset="-127"/>
-                        </a:rPr>
-                        <m:t>9</m:t>
+                        <m:t>=3.169</m:t>
                       </m:r>
                     </m:oMath>
                   </m:oMathPara>
@@ -10347,7 +12513,7 @@
             </p:txBody>
           </p:sp>
         </mc:Choice>
-        <mc:Fallback>
+        <mc:Fallback xmlns="">
           <p:sp>
             <p:nvSpPr>
               <p:cNvPr id="28" name="TextBox 27">
@@ -10392,14 +12558,14 @@
           </p:sp>
         </mc:Fallback>
       </mc:AlternateContent>
-      <mc:AlternateContent xmlns:mc="http://schemas.openxmlformats.org/markup-compatibility/2006">
-        <mc:Choice xmlns:a14="http://schemas.microsoft.com/office/drawing/2010/main" Requires="a14">
+      <mc:AlternateContent xmlns:mc="http://schemas.openxmlformats.org/markup-compatibility/2006" xmlns:a14="http://schemas.microsoft.com/office/drawing/2010/main">
+        <mc:Choice Requires="a14">
           <p:sp>
             <p:nvSpPr>
               <p:cNvPr id="17" name="TextBox 16">
                 <a:extLst>
                   <a:ext uri="{FF2B5EF4-FFF2-40B4-BE49-F238E27FC236}">
-                    <a16:creationId xmlns:a16="http://schemas.microsoft.com/office/drawing/2014/main" xmlns="" id="{B3BEB89F-A8AF-4478-B6C3-153D634CDB65}"/>
+                    <a16:creationId xmlns="" xmlns:a16="http://schemas.microsoft.com/office/drawing/2014/main" id="{B3BEB89F-A8AF-4478-B6C3-153D634CDB65}"/>
                   </a:ext>
                 </a:extLst>
               </p:cNvPr>
@@ -10422,6 +12588,7 @@
               </a:bodyPr>
               <a:lstStyle/>
               <a:p>
+                <a:pPr/>
                 <a14:m>
                   <m:oMathPara xmlns:m="http://schemas.openxmlformats.org/officeDocument/2006/math">
                     <m:oMathParaPr>
@@ -10453,7 +12620,7 @@
             </p:txBody>
           </p:sp>
         </mc:Choice>
-        <mc:Fallback>
+        <mc:Fallback xmlns="">
           <p:sp>
             <p:nvSpPr>
               <p:cNvPr id="17" name="TextBox 16">
@@ -10533,7 +12700,7 @@
           <p:cNvPr id="1026" name="Picture 2">
             <a:extLst>
               <a:ext uri="{FF2B5EF4-FFF2-40B4-BE49-F238E27FC236}">
-                <a16:creationId xmlns:a16="http://schemas.microsoft.com/office/drawing/2014/main" xmlns="" id="{F7A1AD63-4F58-407D-9227-A858A14DD405}"/>
+                <a16:creationId xmlns="" xmlns:a16="http://schemas.microsoft.com/office/drawing/2014/main" id="{F7A1AD63-4F58-407D-9227-A858A14DD405}"/>
               </a:ext>
             </a:extLst>
           </p:cNvPr>
@@ -10542,7 +12709,7 @@
           </p:cNvPicPr>
           <p:nvPr/>
         </p:nvPicPr>
-        <p:blipFill>
+        <p:blipFill rotWithShape="1">
           <a:blip r:embed="rId2">
             <a:extLst>
               <a:ext uri="{28A0092B-C50C-407E-A947-70E740481C1C}">
@@ -10550,15 +12717,13 @@
               </a:ext>
             </a:extLst>
           </a:blip>
-          <a:srcRect/>
-          <a:stretch>
-            <a:fillRect/>
-          </a:stretch>
+          <a:srcRect t="3112"/>
+          <a:stretch/>
         </p:blipFill>
         <p:spPr bwMode="auto">
           <a:xfrm>
-            <a:off x="1893888" y="0"/>
-            <a:ext cx="5356225" cy="5143500"/>
+            <a:off x="1893888" y="100930"/>
+            <a:ext cx="5356225" cy="4983480"/>
           </a:xfrm>
           <a:prstGeom prst="rect">
             <a:avLst/>
@@ -10580,7 +12745,7 @@
           <p:cNvPr id="6" name="직사각형 5">
             <a:extLst>
               <a:ext uri="{FF2B5EF4-FFF2-40B4-BE49-F238E27FC236}">
-                <a16:creationId xmlns:a16="http://schemas.microsoft.com/office/drawing/2014/main" xmlns="" id="{857B5521-EF3A-46FF-8F95-B68A07DB5518}"/>
+                <a16:creationId xmlns="" xmlns:a16="http://schemas.microsoft.com/office/drawing/2014/main" id="{857B5521-EF3A-46FF-8F95-B68A07DB5518}"/>
               </a:ext>
             </a:extLst>
           </p:cNvPr>
@@ -10589,7 +12754,7 @@
         </p:nvSpPr>
         <p:spPr>
           <a:xfrm>
-            <a:off x="5171873" y="1603964"/>
+            <a:off x="5171873" y="1544874"/>
             <a:ext cx="336231" cy="103690"/>
           </a:xfrm>
           <a:prstGeom prst="rect">
@@ -10632,7 +12797,7 @@
           <p:cNvPr id="8" name="직사각형 7">
             <a:extLst>
               <a:ext uri="{FF2B5EF4-FFF2-40B4-BE49-F238E27FC236}">
-                <a16:creationId xmlns:a16="http://schemas.microsoft.com/office/drawing/2014/main" xmlns="" id="{4AE9AA44-9AAF-4B79-84FA-756B05BAD5E6}"/>
+                <a16:creationId xmlns="" xmlns:a16="http://schemas.microsoft.com/office/drawing/2014/main" id="{4AE9AA44-9AAF-4B79-84FA-756B05BAD5E6}"/>
               </a:ext>
             </a:extLst>
           </p:cNvPr>
@@ -10641,8 +12806,8 @@
         </p:nvSpPr>
         <p:spPr>
           <a:xfrm>
-            <a:off x="5162347" y="29749"/>
-            <a:ext cx="336231" cy="387459"/>
+            <a:off x="5162347" y="78070"/>
+            <a:ext cx="336231" cy="280048"/>
           </a:xfrm>
           <a:prstGeom prst="rect">
             <a:avLst/>
@@ -10684,7 +12849,7 @@
           <p:cNvPr id="9" name="직사각형 8">
             <a:extLst>
               <a:ext uri="{FF2B5EF4-FFF2-40B4-BE49-F238E27FC236}">
-                <a16:creationId xmlns:a16="http://schemas.microsoft.com/office/drawing/2014/main" xmlns="" id="{1811F6B1-D2E8-4CF0-8577-B558A14B3288}"/>
+                <a16:creationId xmlns="" xmlns:a16="http://schemas.microsoft.com/office/drawing/2014/main" id="{1811F6B1-D2E8-4CF0-8577-B558A14B3288}"/>
               </a:ext>
             </a:extLst>
           </p:cNvPr>
@@ -10693,7 +12858,7 @@
         </p:nvSpPr>
         <p:spPr>
           <a:xfrm>
-            <a:off x="6042877" y="1603964"/>
+            <a:off x="6042877" y="1544874"/>
             <a:ext cx="336231" cy="103690"/>
           </a:xfrm>
           <a:prstGeom prst="rect">
@@ -10736,7 +12901,7 @@
           <p:cNvPr id="10" name="직사각형 9">
             <a:extLst>
               <a:ext uri="{FF2B5EF4-FFF2-40B4-BE49-F238E27FC236}">
-                <a16:creationId xmlns:a16="http://schemas.microsoft.com/office/drawing/2014/main" xmlns="" id="{4594718F-DAC7-45D6-939A-098E335F97F6}"/>
+                <a16:creationId xmlns="" xmlns:a16="http://schemas.microsoft.com/office/drawing/2014/main" id="{4594718F-DAC7-45D6-939A-098E335F97F6}"/>
               </a:ext>
             </a:extLst>
           </p:cNvPr>
@@ -10745,8 +12910,8 @@
         </p:nvSpPr>
         <p:spPr>
           <a:xfrm>
-            <a:off x="6038114" y="29749"/>
-            <a:ext cx="336231" cy="387459"/>
+            <a:off x="6038114" y="78070"/>
+            <a:ext cx="336231" cy="280048"/>
           </a:xfrm>
           <a:prstGeom prst="rect">
             <a:avLst/>
@@ -10960,7 +13125,7 @@
           <p:cNvPr id="18" name="Picture 5" descr="https://static.wikia.nocookie.net/camp_for_bragging_rights/images/0/0e/Stickman.png/revision/latest/scale-to-width-down/768?cb=20200421202819">
             <a:extLst>
               <a:ext uri="{FF2B5EF4-FFF2-40B4-BE49-F238E27FC236}">
-                <a16:creationId xmlns:a16="http://schemas.microsoft.com/office/drawing/2014/main" xmlns="" id="{9A65917C-C1CA-4BEC-9A52-5C956AACE051}"/>
+                <a16:creationId xmlns="" xmlns:a16="http://schemas.microsoft.com/office/drawing/2014/main" id="{9A65917C-C1CA-4BEC-9A52-5C956AACE051}"/>
               </a:ext>
             </a:extLst>
           </p:cNvPr>
@@ -11005,7 +13170,7 @@
           <p:cNvPr id="19" name="Picture 5" descr="https://static.wikia.nocookie.net/camp_for_bragging_rights/images/0/0e/Stickman.png/revision/latest/scale-to-width-down/768?cb=20200421202819">
             <a:extLst>
               <a:ext uri="{FF2B5EF4-FFF2-40B4-BE49-F238E27FC236}">
-                <a16:creationId xmlns:a16="http://schemas.microsoft.com/office/drawing/2014/main" xmlns="" id="{F1121B1F-EE41-4C1B-A4FF-E4A7E2BB5450}"/>
+                <a16:creationId xmlns="" xmlns:a16="http://schemas.microsoft.com/office/drawing/2014/main" id="{F1121B1F-EE41-4C1B-A4FF-E4A7E2BB5450}"/>
               </a:ext>
             </a:extLst>
           </p:cNvPr>
@@ -11050,7 +13215,7 @@
           <p:cNvPr id="21" name="Picture 5" descr="https://static.wikia.nocookie.net/camp_for_bragging_rights/images/0/0e/Stickman.png/revision/latest/scale-to-width-down/768?cb=20200421202819">
             <a:extLst>
               <a:ext uri="{FF2B5EF4-FFF2-40B4-BE49-F238E27FC236}">
-                <a16:creationId xmlns:a16="http://schemas.microsoft.com/office/drawing/2014/main" xmlns="" id="{9ECD7B91-B619-4636-87A0-189262FB9A6D}"/>
+                <a16:creationId xmlns="" xmlns:a16="http://schemas.microsoft.com/office/drawing/2014/main" id="{9ECD7B91-B619-4636-87A0-189262FB9A6D}"/>
               </a:ext>
             </a:extLst>
           </p:cNvPr>
@@ -11095,7 +13260,7 @@
           <p:cNvPr id="22" name="Picture 5" descr="https://static.wikia.nocookie.net/camp_for_bragging_rights/images/0/0e/Stickman.png/revision/latest/scale-to-width-down/768?cb=20200421202819">
             <a:extLst>
               <a:ext uri="{FF2B5EF4-FFF2-40B4-BE49-F238E27FC236}">
-                <a16:creationId xmlns:a16="http://schemas.microsoft.com/office/drawing/2014/main" xmlns="" id="{DC2B6D8A-A3D6-4E2F-A10C-DE84D59F5BE9}"/>
+                <a16:creationId xmlns="" xmlns:a16="http://schemas.microsoft.com/office/drawing/2014/main" id="{DC2B6D8A-A3D6-4E2F-A10C-DE84D59F5BE9}"/>
               </a:ext>
             </a:extLst>
           </p:cNvPr>
@@ -11140,7 +13305,7 @@
           <p:cNvPr id="24" name="Picture 5" descr="https://static.wikia.nocookie.net/camp_for_bragging_rights/images/0/0e/Stickman.png/revision/latest/scale-to-width-down/768?cb=20200421202819">
             <a:extLst>
               <a:ext uri="{FF2B5EF4-FFF2-40B4-BE49-F238E27FC236}">
-                <a16:creationId xmlns:a16="http://schemas.microsoft.com/office/drawing/2014/main" xmlns="" id="{1C145F8A-033D-44CD-AC67-E266F8E4BB59}"/>
+                <a16:creationId xmlns="" xmlns:a16="http://schemas.microsoft.com/office/drawing/2014/main" id="{1C145F8A-033D-44CD-AC67-E266F8E4BB59}"/>
               </a:ext>
             </a:extLst>
           </p:cNvPr>
@@ -11185,7 +13350,7 @@
           <p:cNvPr id="25" name="Picture 5" descr="https://static.wikia.nocookie.net/camp_for_bragging_rights/images/0/0e/Stickman.png/revision/latest/scale-to-width-down/768?cb=20200421202819">
             <a:extLst>
               <a:ext uri="{FF2B5EF4-FFF2-40B4-BE49-F238E27FC236}">
-                <a16:creationId xmlns:a16="http://schemas.microsoft.com/office/drawing/2014/main" xmlns="" id="{C7076C6E-49B2-482B-B7FD-673C2E277859}"/>
+                <a16:creationId xmlns="" xmlns:a16="http://schemas.microsoft.com/office/drawing/2014/main" id="{C7076C6E-49B2-482B-B7FD-673C2E277859}"/>
               </a:ext>
             </a:extLst>
           </p:cNvPr>
@@ -11230,7 +13395,7 @@
           <p:cNvPr id="27" name="Picture 5" descr="https://static.wikia.nocookie.net/camp_for_bragging_rights/images/0/0e/Stickman.png/revision/latest/scale-to-width-down/768?cb=20200421202819">
             <a:extLst>
               <a:ext uri="{FF2B5EF4-FFF2-40B4-BE49-F238E27FC236}">
-                <a16:creationId xmlns:a16="http://schemas.microsoft.com/office/drawing/2014/main" xmlns="" id="{438C0570-91B7-4FE2-BD54-69A36C8127B2}"/>
+                <a16:creationId xmlns="" xmlns:a16="http://schemas.microsoft.com/office/drawing/2014/main" id="{438C0570-91B7-4FE2-BD54-69A36C8127B2}"/>
               </a:ext>
             </a:extLst>
           </p:cNvPr>
@@ -11275,7 +13440,7 @@
           <p:cNvPr id="28" name="Picture 5" descr="https://static.wikia.nocookie.net/camp_for_bragging_rights/images/0/0e/Stickman.png/revision/latest/scale-to-width-down/768?cb=20200421202819">
             <a:extLst>
               <a:ext uri="{FF2B5EF4-FFF2-40B4-BE49-F238E27FC236}">
-                <a16:creationId xmlns:a16="http://schemas.microsoft.com/office/drawing/2014/main" xmlns="" id="{8BCEA209-287B-426A-A89E-AC8DF719D3FA}"/>
+                <a16:creationId xmlns="" xmlns:a16="http://schemas.microsoft.com/office/drawing/2014/main" id="{8BCEA209-287B-426A-A89E-AC8DF719D3FA}"/>
               </a:ext>
             </a:extLst>
           </p:cNvPr>
@@ -11320,7 +13485,7 @@
           <p:cNvPr id="29" name="Picture 5" descr="https://static.wikia.nocookie.net/camp_for_bragging_rights/images/0/0e/Stickman.png/revision/latest/scale-to-width-down/768?cb=20200421202819">
             <a:extLst>
               <a:ext uri="{FF2B5EF4-FFF2-40B4-BE49-F238E27FC236}">
-                <a16:creationId xmlns:a16="http://schemas.microsoft.com/office/drawing/2014/main" xmlns="" id="{E7EED442-9BA4-4F3F-839B-37181C011DA7}"/>
+                <a16:creationId xmlns="" xmlns:a16="http://schemas.microsoft.com/office/drawing/2014/main" id="{E7EED442-9BA4-4F3F-839B-37181C011DA7}"/>
               </a:ext>
             </a:extLst>
           </p:cNvPr>
@@ -11365,7 +13530,7 @@
           <p:cNvPr id="30" name="Picture 5" descr="https://static.wikia.nocookie.net/camp_for_bragging_rights/images/0/0e/Stickman.png/revision/latest/scale-to-width-down/768?cb=20200421202819">
             <a:extLst>
               <a:ext uri="{FF2B5EF4-FFF2-40B4-BE49-F238E27FC236}">
-                <a16:creationId xmlns:a16="http://schemas.microsoft.com/office/drawing/2014/main" xmlns="" id="{38834A16-D595-40C8-A3F7-ED057947C587}"/>
+                <a16:creationId xmlns="" xmlns:a16="http://schemas.microsoft.com/office/drawing/2014/main" id="{38834A16-D595-40C8-A3F7-ED057947C587}"/>
               </a:ext>
             </a:extLst>
           </p:cNvPr>
@@ -11410,7 +13575,7 @@
           <p:cNvPr id="31" name="Picture 5" descr="https://static.wikia.nocookie.net/camp_for_bragging_rights/images/0/0e/Stickman.png/revision/latest/scale-to-width-down/768?cb=20200421202819">
             <a:extLst>
               <a:ext uri="{FF2B5EF4-FFF2-40B4-BE49-F238E27FC236}">
-                <a16:creationId xmlns:a16="http://schemas.microsoft.com/office/drawing/2014/main" xmlns="" id="{24399884-A42D-47A5-9C67-4C931EA71D2E}"/>
+                <a16:creationId xmlns="" xmlns:a16="http://schemas.microsoft.com/office/drawing/2014/main" id="{24399884-A42D-47A5-9C67-4C931EA71D2E}"/>
               </a:ext>
             </a:extLst>
           </p:cNvPr>
@@ -11455,7 +13620,7 @@
           <p:cNvPr id="34" name="Picture 5" descr="https://static.wikia.nocookie.net/camp_for_bragging_rights/images/0/0e/Stickman.png/revision/latest/scale-to-width-down/768?cb=20200421202819">
             <a:extLst>
               <a:ext uri="{FF2B5EF4-FFF2-40B4-BE49-F238E27FC236}">
-                <a16:creationId xmlns:a16="http://schemas.microsoft.com/office/drawing/2014/main" xmlns="" id="{B65EC2D2-819F-48CD-B299-89B81CECF1D1}"/>
+                <a16:creationId xmlns="" xmlns:a16="http://schemas.microsoft.com/office/drawing/2014/main" id="{B65EC2D2-819F-48CD-B299-89B81CECF1D1}"/>
               </a:ext>
             </a:extLst>
           </p:cNvPr>
@@ -11500,7 +13665,7 @@
           <p:cNvPr id="35" name="Picture 5" descr="https://static.wikia.nocookie.net/camp_for_bragging_rights/images/0/0e/Stickman.png/revision/latest/scale-to-width-down/768?cb=20200421202819">
             <a:extLst>
               <a:ext uri="{FF2B5EF4-FFF2-40B4-BE49-F238E27FC236}">
-                <a16:creationId xmlns:a16="http://schemas.microsoft.com/office/drawing/2014/main" xmlns="" id="{C6C7D888-4A76-4FAA-8DBE-055AEB48DD0D}"/>
+                <a16:creationId xmlns="" xmlns:a16="http://schemas.microsoft.com/office/drawing/2014/main" id="{C6C7D888-4A76-4FAA-8DBE-055AEB48DD0D}"/>
               </a:ext>
             </a:extLst>
           </p:cNvPr>
@@ -11545,7 +13710,7 @@
           <p:cNvPr id="36" name="Picture 5" descr="https://static.wikia.nocookie.net/camp_for_bragging_rights/images/0/0e/Stickman.png/revision/latest/scale-to-width-down/768?cb=20200421202819">
             <a:extLst>
               <a:ext uri="{FF2B5EF4-FFF2-40B4-BE49-F238E27FC236}">
-                <a16:creationId xmlns:a16="http://schemas.microsoft.com/office/drawing/2014/main" xmlns="" id="{E737EE91-3827-4F67-9207-A45EC72DCDC0}"/>
+                <a16:creationId xmlns="" xmlns:a16="http://schemas.microsoft.com/office/drawing/2014/main" id="{E737EE91-3827-4F67-9207-A45EC72DCDC0}"/>
               </a:ext>
             </a:extLst>
           </p:cNvPr>
@@ -11590,7 +13755,7 @@
           <p:cNvPr id="37" name="Picture 5" descr="https://static.wikia.nocookie.net/camp_for_bragging_rights/images/0/0e/Stickman.png/revision/latest/scale-to-width-down/768?cb=20200421202819">
             <a:extLst>
               <a:ext uri="{FF2B5EF4-FFF2-40B4-BE49-F238E27FC236}">
-                <a16:creationId xmlns:a16="http://schemas.microsoft.com/office/drawing/2014/main" xmlns="" id="{FEC3BF5D-3598-4F48-9B93-F18FAB88B350}"/>
+                <a16:creationId xmlns="" xmlns:a16="http://schemas.microsoft.com/office/drawing/2014/main" id="{FEC3BF5D-3598-4F48-9B93-F18FAB88B350}"/>
               </a:ext>
             </a:extLst>
           </p:cNvPr>
@@ -11635,7 +13800,7 @@
           <p:cNvPr id="38" name="Picture 5" descr="https://static.wikia.nocookie.net/camp_for_bragging_rights/images/0/0e/Stickman.png/revision/latest/scale-to-width-down/768?cb=20200421202819">
             <a:extLst>
               <a:ext uri="{FF2B5EF4-FFF2-40B4-BE49-F238E27FC236}">
-                <a16:creationId xmlns:a16="http://schemas.microsoft.com/office/drawing/2014/main" xmlns="" id="{26EC4890-C91B-452F-B84A-A40946AA2F2E}"/>
+                <a16:creationId xmlns="" xmlns:a16="http://schemas.microsoft.com/office/drawing/2014/main" id="{26EC4890-C91B-452F-B84A-A40946AA2F2E}"/>
               </a:ext>
             </a:extLst>
           </p:cNvPr>
@@ -11680,7 +13845,7 @@
           <p:cNvPr id="39" name="Picture 5" descr="https://static.wikia.nocookie.net/camp_for_bragging_rights/images/0/0e/Stickman.png/revision/latest/scale-to-width-down/768?cb=20200421202819">
             <a:extLst>
               <a:ext uri="{FF2B5EF4-FFF2-40B4-BE49-F238E27FC236}">
-                <a16:creationId xmlns:a16="http://schemas.microsoft.com/office/drawing/2014/main" xmlns="" id="{35D5B4E5-72B3-48E0-896B-069F91006CBE}"/>
+                <a16:creationId xmlns="" xmlns:a16="http://schemas.microsoft.com/office/drawing/2014/main" id="{35D5B4E5-72B3-48E0-896B-069F91006CBE}"/>
               </a:ext>
             </a:extLst>
           </p:cNvPr>
@@ -11725,7 +13890,7 @@
           <p:cNvPr id="40" name="Picture 5" descr="https://static.wikia.nocookie.net/camp_for_bragging_rights/images/0/0e/Stickman.png/revision/latest/scale-to-width-down/768?cb=20200421202819">
             <a:extLst>
               <a:ext uri="{FF2B5EF4-FFF2-40B4-BE49-F238E27FC236}">
-                <a16:creationId xmlns:a16="http://schemas.microsoft.com/office/drawing/2014/main" xmlns="" id="{4A714B0B-EE6B-4177-9AB6-36C950C4A3FD}"/>
+                <a16:creationId xmlns="" xmlns:a16="http://schemas.microsoft.com/office/drawing/2014/main" id="{4A714B0B-EE6B-4177-9AB6-36C950C4A3FD}"/>
               </a:ext>
             </a:extLst>
           </p:cNvPr>
@@ -11770,7 +13935,7 @@
           <p:cNvPr id="41" name="Picture 5" descr="https://static.wikia.nocookie.net/camp_for_bragging_rights/images/0/0e/Stickman.png/revision/latest/scale-to-width-down/768?cb=20200421202819">
             <a:extLst>
               <a:ext uri="{FF2B5EF4-FFF2-40B4-BE49-F238E27FC236}">
-                <a16:creationId xmlns:a16="http://schemas.microsoft.com/office/drawing/2014/main" xmlns="" id="{3B49E87C-0761-4481-9C7B-7B75ACF4E60B}"/>
+                <a16:creationId xmlns="" xmlns:a16="http://schemas.microsoft.com/office/drawing/2014/main" id="{3B49E87C-0761-4481-9C7B-7B75ACF4E60B}"/>
               </a:ext>
             </a:extLst>
           </p:cNvPr>
@@ -11815,7 +13980,7 @@
           <p:cNvPr id="42" name="Picture 5" descr="https://static.wikia.nocookie.net/camp_for_bragging_rights/images/0/0e/Stickman.png/revision/latest/scale-to-width-down/768?cb=20200421202819">
             <a:extLst>
               <a:ext uri="{FF2B5EF4-FFF2-40B4-BE49-F238E27FC236}">
-                <a16:creationId xmlns:a16="http://schemas.microsoft.com/office/drawing/2014/main" xmlns="" id="{80493075-C508-4CFD-8712-B61F4FBAA805}"/>
+                <a16:creationId xmlns="" xmlns:a16="http://schemas.microsoft.com/office/drawing/2014/main" id="{80493075-C508-4CFD-8712-B61F4FBAA805}"/>
               </a:ext>
             </a:extLst>
           </p:cNvPr>
@@ -11860,7 +14025,7 @@
           <p:cNvPr id="43" name="Picture 5" descr="https://static.wikia.nocookie.net/camp_for_bragging_rights/images/0/0e/Stickman.png/revision/latest/scale-to-width-down/768?cb=20200421202819">
             <a:extLst>
               <a:ext uri="{FF2B5EF4-FFF2-40B4-BE49-F238E27FC236}">
-                <a16:creationId xmlns:a16="http://schemas.microsoft.com/office/drawing/2014/main" xmlns="" id="{FB8C632B-13F1-48D5-93F4-A16AFC766A1A}"/>
+                <a16:creationId xmlns="" xmlns:a16="http://schemas.microsoft.com/office/drawing/2014/main" id="{FB8C632B-13F1-48D5-93F4-A16AFC766A1A}"/>
               </a:ext>
             </a:extLst>
           </p:cNvPr>
@@ -11905,7 +14070,7 @@
           <p:cNvPr id="44" name="Picture 5" descr="https://static.wikia.nocookie.net/camp_for_bragging_rights/images/0/0e/Stickman.png/revision/latest/scale-to-width-down/768?cb=20200421202819">
             <a:extLst>
               <a:ext uri="{FF2B5EF4-FFF2-40B4-BE49-F238E27FC236}">
-                <a16:creationId xmlns:a16="http://schemas.microsoft.com/office/drawing/2014/main" xmlns="" id="{4CA3E50E-EEB4-4F81-A532-D33A31B4B8AD}"/>
+                <a16:creationId xmlns="" xmlns:a16="http://schemas.microsoft.com/office/drawing/2014/main" id="{4CA3E50E-EEB4-4F81-A532-D33A31B4B8AD}"/>
               </a:ext>
             </a:extLst>
           </p:cNvPr>
@@ -11950,7 +14115,7 @@
           <p:cNvPr id="45" name="Picture 6" descr="C:\Users\biosensor1\Documents\카카오톡 받은 파일\KakaoTalk_20210112_172206730.png">
             <a:extLst>
               <a:ext uri="{FF2B5EF4-FFF2-40B4-BE49-F238E27FC236}">
-                <a16:creationId xmlns:a16="http://schemas.microsoft.com/office/drawing/2014/main" xmlns="" id="{F2FDEE37-5688-4014-8A2E-D0120CE06B30}"/>
+                <a16:creationId xmlns="" xmlns:a16="http://schemas.microsoft.com/office/drawing/2014/main" id="{F2FDEE37-5688-4014-8A2E-D0120CE06B30}"/>
               </a:ext>
             </a:extLst>
           </p:cNvPr>
@@ -11997,7 +14162,7 @@
           <p:cNvPr id="46" name="Picture 6" descr="C:\Users\biosensor1\Documents\카카오톡 받은 파일\KakaoTalk_20210112_172206730.png">
             <a:extLst>
               <a:ext uri="{FF2B5EF4-FFF2-40B4-BE49-F238E27FC236}">
-                <a16:creationId xmlns:a16="http://schemas.microsoft.com/office/drawing/2014/main" xmlns="" id="{29B039A2-A7DE-4B77-AFE1-171E62ADE9BD}"/>
+                <a16:creationId xmlns="" xmlns:a16="http://schemas.microsoft.com/office/drawing/2014/main" id="{29B039A2-A7DE-4B77-AFE1-171E62ADE9BD}"/>
               </a:ext>
             </a:extLst>
           </p:cNvPr>
@@ -12044,7 +14209,7 @@
           <p:cNvPr id="47" name="Picture 6" descr="C:\Users\biosensor1\Documents\카카오톡 받은 파일\KakaoTalk_20210112_172206730.png">
             <a:extLst>
               <a:ext uri="{FF2B5EF4-FFF2-40B4-BE49-F238E27FC236}">
-                <a16:creationId xmlns:a16="http://schemas.microsoft.com/office/drawing/2014/main" xmlns="" id="{5F2858DA-151B-4D69-A22F-F04EE730E70F}"/>
+                <a16:creationId xmlns="" xmlns:a16="http://schemas.microsoft.com/office/drawing/2014/main" id="{5F2858DA-151B-4D69-A22F-F04EE730E70F}"/>
               </a:ext>
             </a:extLst>
           </p:cNvPr>
@@ -12091,7 +14256,7 @@
           <p:cNvPr id="48" name="Picture 6" descr="C:\Users\biosensor1\Documents\카카오톡 받은 파일\KakaoTalk_20210112_172206730.png">
             <a:extLst>
               <a:ext uri="{FF2B5EF4-FFF2-40B4-BE49-F238E27FC236}">
-                <a16:creationId xmlns:a16="http://schemas.microsoft.com/office/drawing/2014/main" xmlns="" id="{A0571733-BB80-40C7-8439-D585F8D67BB8}"/>
+                <a16:creationId xmlns="" xmlns:a16="http://schemas.microsoft.com/office/drawing/2014/main" id="{A0571733-BB80-40C7-8439-D585F8D67BB8}"/>
               </a:ext>
             </a:extLst>
           </p:cNvPr>
@@ -12138,7 +14303,7 @@
           <p:cNvPr id="49" name="Picture 6" descr="C:\Users\biosensor1\Documents\카카오톡 받은 파일\KakaoTalk_20210112_172206730.png">
             <a:extLst>
               <a:ext uri="{FF2B5EF4-FFF2-40B4-BE49-F238E27FC236}">
-                <a16:creationId xmlns:a16="http://schemas.microsoft.com/office/drawing/2014/main" xmlns="" id="{2F3CE1D9-850E-47D1-AB26-B6D1C30B73E2}"/>
+                <a16:creationId xmlns="" xmlns:a16="http://schemas.microsoft.com/office/drawing/2014/main" id="{2F3CE1D9-850E-47D1-AB26-B6D1C30B73E2}"/>
               </a:ext>
             </a:extLst>
           </p:cNvPr>
@@ -12185,7 +14350,7 @@
           <p:cNvPr id="50" name="Picture 5" descr="https://static.wikia.nocookie.net/camp_for_bragging_rights/images/0/0e/Stickman.png/revision/latest/scale-to-width-down/768?cb=20200421202819">
             <a:extLst>
               <a:ext uri="{FF2B5EF4-FFF2-40B4-BE49-F238E27FC236}">
-                <a16:creationId xmlns:a16="http://schemas.microsoft.com/office/drawing/2014/main" xmlns="" id="{29A2B1A7-8A49-4243-A805-9BBB7A5FCF4C}"/>
+                <a16:creationId xmlns="" xmlns:a16="http://schemas.microsoft.com/office/drawing/2014/main" id="{29A2B1A7-8A49-4243-A805-9BBB7A5FCF4C}"/>
               </a:ext>
             </a:extLst>
           </p:cNvPr>
@@ -12230,7 +14395,7 @@
           <p:cNvPr id="51" name="Picture 6" descr="C:\Users\biosensor1\Documents\카카오톡 받은 파일\KakaoTalk_20210112_172206730.png">
             <a:extLst>
               <a:ext uri="{FF2B5EF4-FFF2-40B4-BE49-F238E27FC236}">
-                <a16:creationId xmlns:a16="http://schemas.microsoft.com/office/drawing/2014/main" xmlns="" id="{EDD2DED5-4563-465C-9F25-31FF9AEF9D61}"/>
+                <a16:creationId xmlns="" xmlns:a16="http://schemas.microsoft.com/office/drawing/2014/main" id="{EDD2DED5-4563-465C-9F25-31FF9AEF9D61}"/>
               </a:ext>
             </a:extLst>
           </p:cNvPr>
@@ -12277,7 +14442,7 @@
           <p:cNvPr id="2" name="TextBox 1">
             <a:extLst>
               <a:ext uri="{FF2B5EF4-FFF2-40B4-BE49-F238E27FC236}">
-                <a16:creationId xmlns:a16="http://schemas.microsoft.com/office/drawing/2014/main" xmlns="" id="{20756ED3-AF96-4DCA-A7CF-837BA2AE3095}"/>
+                <a16:creationId xmlns="" xmlns:a16="http://schemas.microsoft.com/office/drawing/2014/main" id="{20756ED3-AF96-4DCA-A7CF-837BA2AE3095}"/>
               </a:ext>
             </a:extLst>
           </p:cNvPr>
@@ -12322,7 +14487,7 @@
           <p:cNvPr id="53" name="TextBox 52">
             <a:extLst>
               <a:ext uri="{FF2B5EF4-FFF2-40B4-BE49-F238E27FC236}">
-                <a16:creationId xmlns:a16="http://schemas.microsoft.com/office/drawing/2014/main" xmlns="" id="{601D5D9B-7FCE-44E6-BD85-E492798A8DEE}"/>
+                <a16:creationId xmlns="" xmlns:a16="http://schemas.microsoft.com/office/drawing/2014/main" id="{601D5D9B-7FCE-44E6-BD85-E492798A8DEE}"/>
               </a:ext>
             </a:extLst>
           </p:cNvPr>
@@ -12367,7 +14532,7 @@
           <p:cNvPr id="88" name="그림 87" descr="텍스트, 클립아트이(가) 표시된 사진&#10;&#10;자동 생성된 설명">
             <a:extLst>
               <a:ext uri="{FF2B5EF4-FFF2-40B4-BE49-F238E27FC236}">
-                <a16:creationId xmlns:a16="http://schemas.microsoft.com/office/drawing/2014/main" xmlns="" id="{C0827379-6B36-40E4-B3D2-1B6706294095}"/>
+                <a16:creationId xmlns="" xmlns:a16="http://schemas.microsoft.com/office/drawing/2014/main" id="{C0827379-6B36-40E4-B3D2-1B6706294095}"/>
               </a:ext>
             </a:extLst>
           </p:cNvPr>
@@ -12411,7 +14576,7 @@
           <p:cNvPr id="92" name="TextBox 91">
             <a:extLst>
               <a:ext uri="{FF2B5EF4-FFF2-40B4-BE49-F238E27FC236}">
-                <a16:creationId xmlns:a16="http://schemas.microsoft.com/office/drawing/2014/main" xmlns="" id="{7D99E92A-139F-42A3-9FEB-6722EF039862}"/>
+                <a16:creationId xmlns="" xmlns:a16="http://schemas.microsoft.com/office/drawing/2014/main" id="{7D99E92A-139F-42A3-9FEB-6722EF039862}"/>
               </a:ext>
             </a:extLst>
           </p:cNvPr>
@@ -12468,7 +14633,7 @@
           <p:cNvPr id="54" name="직선 연결선 53">
             <a:extLst>
               <a:ext uri="{FF2B5EF4-FFF2-40B4-BE49-F238E27FC236}">
-                <a16:creationId xmlns:a16="http://schemas.microsoft.com/office/drawing/2014/main" xmlns="" id="{C0E7FF59-BEE0-4C00-9F83-E09D00B0C516}"/>
+                <a16:creationId xmlns="" xmlns:a16="http://schemas.microsoft.com/office/drawing/2014/main" id="{C0E7FF59-BEE0-4C00-9F83-E09D00B0C516}"/>
               </a:ext>
             </a:extLst>
           </p:cNvPr>
@@ -12576,7 +14741,7 @@
           <p:cNvPr id="4" name="TextBox 3">
             <a:extLst>
               <a:ext uri="{FF2B5EF4-FFF2-40B4-BE49-F238E27FC236}">
-                <a16:creationId xmlns:a16="http://schemas.microsoft.com/office/drawing/2014/main" xmlns="" id="{C04AFB07-A04F-4BA4-AFC3-446CE5957D9D}"/>
+                <a16:creationId xmlns="" xmlns:a16="http://schemas.microsoft.com/office/drawing/2014/main" id="{C04AFB07-A04F-4BA4-AFC3-446CE5957D9D}"/>
               </a:ext>
             </a:extLst>
           </p:cNvPr>
@@ -12614,7 +14779,7 @@
           <p:cNvPr id="56" name="TextBox 55">
             <a:extLst>
               <a:ext uri="{FF2B5EF4-FFF2-40B4-BE49-F238E27FC236}">
-                <a16:creationId xmlns:a16="http://schemas.microsoft.com/office/drawing/2014/main" xmlns="" id="{B6A70F32-8562-4E73-BD1D-CF9D36148B17}"/>
+                <a16:creationId xmlns="" xmlns:a16="http://schemas.microsoft.com/office/drawing/2014/main" id="{B6A70F32-8562-4E73-BD1D-CF9D36148B17}"/>
               </a:ext>
             </a:extLst>
           </p:cNvPr>
@@ -12652,7 +14817,7 @@
           <p:cNvPr id="57" name="TextBox 56">
             <a:extLst>
               <a:ext uri="{FF2B5EF4-FFF2-40B4-BE49-F238E27FC236}">
-                <a16:creationId xmlns:a16="http://schemas.microsoft.com/office/drawing/2014/main" xmlns="" id="{69C2B872-9BEB-4D28-96BF-A163FA23B2AE}"/>
+                <a16:creationId xmlns="" xmlns:a16="http://schemas.microsoft.com/office/drawing/2014/main" id="{69C2B872-9BEB-4D28-96BF-A163FA23B2AE}"/>
               </a:ext>
             </a:extLst>
           </p:cNvPr>
@@ -12690,7 +14855,7 @@
           <p:cNvPr id="58" name="TextBox 57">
             <a:extLst>
               <a:ext uri="{FF2B5EF4-FFF2-40B4-BE49-F238E27FC236}">
-                <a16:creationId xmlns:a16="http://schemas.microsoft.com/office/drawing/2014/main" xmlns="" id="{EF643D31-A1D1-4965-BB3A-247350DB9036}"/>
+                <a16:creationId xmlns="" xmlns:a16="http://schemas.microsoft.com/office/drawing/2014/main" id="{EF643D31-A1D1-4965-BB3A-247350DB9036}"/>
               </a:ext>
             </a:extLst>
           </p:cNvPr>
@@ -12728,7 +14893,7 @@
           <p:cNvPr id="59" name="TextBox 58">
             <a:extLst>
               <a:ext uri="{FF2B5EF4-FFF2-40B4-BE49-F238E27FC236}">
-                <a16:creationId xmlns:a16="http://schemas.microsoft.com/office/drawing/2014/main" xmlns="" id="{CEFEF120-AE30-4C7C-8637-42BDD97D4151}"/>
+                <a16:creationId xmlns="" xmlns:a16="http://schemas.microsoft.com/office/drawing/2014/main" id="{CEFEF120-AE30-4C7C-8637-42BDD97D4151}"/>
               </a:ext>
             </a:extLst>
           </p:cNvPr>
@@ -12766,7 +14931,7 @@
           <p:cNvPr id="60" name="TextBox 59">
             <a:extLst>
               <a:ext uri="{FF2B5EF4-FFF2-40B4-BE49-F238E27FC236}">
-                <a16:creationId xmlns:a16="http://schemas.microsoft.com/office/drawing/2014/main" xmlns="" id="{1EF9F216-41A4-4695-A143-7F795D43D60F}"/>
+                <a16:creationId xmlns="" xmlns:a16="http://schemas.microsoft.com/office/drawing/2014/main" id="{1EF9F216-41A4-4695-A143-7F795D43D60F}"/>
               </a:ext>
             </a:extLst>
           </p:cNvPr>
@@ -12804,7 +14969,7 @@
           <p:cNvPr id="61" name="TextBox 60">
             <a:extLst>
               <a:ext uri="{FF2B5EF4-FFF2-40B4-BE49-F238E27FC236}">
-                <a16:creationId xmlns:a16="http://schemas.microsoft.com/office/drawing/2014/main" xmlns="" id="{2A0E21AB-25E9-49DD-ADB4-0D3EC75B25A1}"/>
+                <a16:creationId xmlns="" xmlns:a16="http://schemas.microsoft.com/office/drawing/2014/main" id="{2A0E21AB-25E9-49DD-ADB4-0D3EC75B25A1}"/>
               </a:ext>
             </a:extLst>
           </p:cNvPr>
@@ -12842,7 +15007,7 @@
           <p:cNvPr id="62" name="TextBox 61">
             <a:extLst>
               <a:ext uri="{FF2B5EF4-FFF2-40B4-BE49-F238E27FC236}">
-                <a16:creationId xmlns:a16="http://schemas.microsoft.com/office/drawing/2014/main" xmlns="" id="{74F7DFBB-01DD-4E1C-AA49-53D5262B1568}"/>
+                <a16:creationId xmlns="" xmlns:a16="http://schemas.microsoft.com/office/drawing/2014/main" id="{74F7DFBB-01DD-4E1C-AA49-53D5262B1568}"/>
               </a:ext>
             </a:extLst>
           </p:cNvPr>
@@ -12880,7 +15045,7 @@
           <p:cNvPr id="63" name="TextBox 62">
             <a:extLst>
               <a:ext uri="{FF2B5EF4-FFF2-40B4-BE49-F238E27FC236}">
-                <a16:creationId xmlns:a16="http://schemas.microsoft.com/office/drawing/2014/main" xmlns="" id="{A80CF1C4-9476-4397-A3ED-365156FF8C0B}"/>
+                <a16:creationId xmlns="" xmlns:a16="http://schemas.microsoft.com/office/drawing/2014/main" id="{A80CF1C4-9476-4397-A3ED-365156FF8C0B}"/>
               </a:ext>
             </a:extLst>
           </p:cNvPr>
@@ -12918,7 +15083,7 @@
           <p:cNvPr id="64" name="TextBox 63">
             <a:extLst>
               <a:ext uri="{FF2B5EF4-FFF2-40B4-BE49-F238E27FC236}">
-                <a16:creationId xmlns:a16="http://schemas.microsoft.com/office/drawing/2014/main" xmlns="" id="{BE0C0FF2-734F-440D-9121-2CA00E623972}"/>
+                <a16:creationId xmlns="" xmlns:a16="http://schemas.microsoft.com/office/drawing/2014/main" id="{BE0C0FF2-734F-440D-9121-2CA00E623972}"/>
               </a:ext>
             </a:extLst>
           </p:cNvPr>
@@ -12956,7 +15121,7 @@
           <p:cNvPr id="65" name="TextBox 64">
             <a:extLst>
               <a:ext uri="{FF2B5EF4-FFF2-40B4-BE49-F238E27FC236}">
-                <a16:creationId xmlns:a16="http://schemas.microsoft.com/office/drawing/2014/main" xmlns="" id="{75621EA3-8E7A-411B-81FC-098BF5452E03}"/>
+                <a16:creationId xmlns="" xmlns:a16="http://schemas.microsoft.com/office/drawing/2014/main" id="{75621EA3-8E7A-411B-81FC-098BF5452E03}"/>
               </a:ext>
             </a:extLst>
           </p:cNvPr>
@@ -12994,7 +15159,7 @@
           <p:cNvPr id="66" name="TextBox 65">
             <a:extLst>
               <a:ext uri="{FF2B5EF4-FFF2-40B4-BE49-F238E27FC236}">
-                <a16:creationId xmlns:a16="http://schemas.microsoft.com/office/drawing/2014/main" xmlns="" id="{C1FA5586-4F2E-4F6A-A0FA-1855CDED3BDC}"/>
+                <a16:creationId xmlns="" xmlns:a16="http://schemas.microsoft.com/office/drawing/2014/main" id="{C1FA5586-4F2E-4F6A-A0FA-1855CDED3BDC}"/>
               </a:ext>
             </a:extLst>
           </p:cNvPr>
@@ -13032,7 +15197,7 @@
           <p:cNvPr id="67" name="TextBox 66">
             <a:extLst>
               <a:ext uri="{FF2B5EF4-FFF2-40B4-BE49-F238E27FC236}">
-                <a16:creationId xmlns:a16="http://schemas.microsoft.com/office/drawing/2014/main" xmlns="" id="{141486BF-6F45-441A-95F3-D175221A8176}"/>
+                <a16:creationId xmlns="" xmlns:a16="http://schemas.microsoft.com/office/drawing/2014/main" id="{141486BF-6F45-441A-95F3-D175221A8176}"/>
               </a:ext>
             </a:extLst>
           </p:cNvPr>
@@ -13070,7 +15235,7 @@
           <p:cNvPr id="68" name="TextBox 67">
             <a:extLst>
               <a:ext uri="{FF2B5EF4-FFF2-40B4-BE49-F238E27FC236}">
-                <a16:creationId xmlns:a16="http://schemas.microsoft.com/office/drawing/2014/main" xmlns="" id="{D1BF9F06-0991-468D-8349-6B35F7061937}"/>
+                <a16:creationId xmlns="" xmlns:a16="http://schemas.microsoft.com/office/drawing/2014/main" id="{D1BF9F06-0991-468D-8349-6B35F7061937}"/>
               </a:ext>
             </a:extLst>
           </p:cNvPr>
@@ -13108,7 +15273,7 @@
           <p:cNvPr id="69" name="TextBox 68">
             <a:extLst>
               <a:ext uri="{FF2B5EF4-FFF2-40B4-BE49-F238E27FC236}">
-                <a16:creationId xmlns:a16="http://schemas.microsoft.com/office/drawing/2014/main" xmlns="" id="{298D047E-0D35-48CC-B73B-A5246B507DEC}"/>
+                <a16:creationId xmlns="" xmlns:a16="http://schemas.microsoft.com/office/drawing/2014/main" id="{298D047E-0D35-48CC-B73B-A5246B507DEC}"/>
               </a:ext>
             </a:extLst>
           </p:cNvPr>
@@ -13146,7 +15311,7 @@
           <p:cNvPr id="70" name="TextBox 69">
             <a:extLst>
               <a:ext uri="{FF2B5EF4-FFF2-40B4-BE49-F238E27FC236}">
-                <a16:creationId xmlns:a16="http://schemas.microsoft.com/office/drawing/2014/main" xmlns="" id="{3E688838-CA83-4471-9A4C-650BFD22C65B}"/>
+                <a16:creationId xmlns="" xmlns:a16="http://schemas.microsoft.com/office/drawing/2014/main" id="{3E688838-CA83-4471-9A4C-650BFD22C65B}"/>
               </a:ext>
             </a:extLst>
           </p:cNvPr>
@@ -13184,7 +15349,7 @@
           <p:cNvPr id="71" name="TextBox 70">
             <a:extLst>
               <a:ext uri="{FF2B5EF4-FFF2-40B4-BE49-F238E27FC236}">
-                <a16:creationId xmlns:a16="http://schemas.microsoft.com/office/drawing/2014/main" xmlns="" id="{9CECF851-F0A1-4282-996C-B5D11CEB5290}"/>
+                <a16:creationId xmlns="" xmlns:a16="http://schemas.microsoft.com/office/drawing/2014/main" id="{9CECF851-F0A1-4282-996C-B5D11CEB5290}"/>
               </a:ext>
             </a:extLst>
           </p:cNvPr>
@@ -13222,7 +15387,7 @@
           <p:cNvPr id="72" name="TextBox 71">
             <a:extLst>
               <a:ext uri="{FF2B5EF4-FFF2-40B4-BE49-F238E27FC236}">
-                <a16:creationId xmlns:a16="http://schemas.microsoft.com/office/drawing/2014/main" xmlns="" id="{69BC8545-3494-47F8-AF2D-6D5219239A00}"/>
+                <a16:creationId xmlns="" xmlns:a16="http://schemas.microsoft.com/office/drawing/2014/main" id="{69BC8545-3494-47F8-AF2D-6D5219239A00}"/>
               </a:ext>
             </a:extLst>
           </p:cNvPr>
@@ -13260,7 +15425,7 @@
           <p:cNvPr id="73" name="TextBox 72">
             <a:extLst>
               <a:ext uri="{FF2B5EF4-FFF2-40B4-BE49-F238E27FC236}">
-                <a16:creationId xmlns:a16="http://schemas.microsoft.com/office/drawing/2014/main" xmlns="" id="{FB9808E6-A5DB-4C5B-8EA9-D7841F12F0BE}"/>
+                <a16:creationId xmlns="" xmlns:a16="http://schemas.microsoft.com/office/drawing/2014/main" id="{FB9808E6-A5DB-4C5B-8EA9-D7841F12F0BE}"/>
               </a:ext>
             </a:extLst>
           </p:cNvPr>
@@ -13301,7 +15466,7 @@
           <p:cNvPr id="74" name="TextBox 73">
             <a:extLst>
               <a:ext uri="{FF2B5EF4-FFF2-40B4-BE49-F238E27FC236}">
-                <a16:creationId xmlns:a16="http://schemas.microsoft.com/office/drawing/2014/main" xmlns="" id="{77FEB70C-285E-44D7-BC63-B77A268499EC}"/>
+                <a16:creationId xmlns="" xmlns:a16="http://schemas.microsoft.com/office/drawing/2014/main" id="{77FEB70C-285E-44D7-BC63-B77A268499EC}"/>
               </a:ext>
             </a:extLst>
           </p:cNvPr>
@@ -13339,7 +15504,7 @@
           <p:cNvPr id="75" name="TextBox 74">
             <a:extLst>
               <a:ext uri="{FF2B5EF4-FFF2-40B4-BE49-F238E27FC236}">
-                <a16:creationId xmlns:a16="http://schemas.microsoft.com/office/drawing/2014/main" xmlns="" id="{2D586DBC-82ED-4D02-8CDB-898A98F22D29}"/>
+                <a16:creationId xmlns="" xmlns:a16="http://schemas.microsoft.com/office/drawing/2014/main" id="{2D586DBC-82ED-4D02-8CDB-898A98F22D29}"/>
               </a:ext>
             </a:extLst>
           </p:cNvPr>
@@ -13377,7 +15542,7 @@
           <p:cNvPr id="76" name="TextBox 75">
             <a:extLst>
               <a:ext uri="{FF2B5EF4-FFF2-40B4-BE49-F238E27FC236}">
-                <a16:creationId xmlns:a16="http://schemas.microsoft.com/office/drawing/2014/main" xmlns="" id="{22289A32-88D1-4436-B105-8F109602B5F6}"/>
+                <a16:creationId xmlns="" xmlns:a16="http://schemas.microsoft.com/office/drawing/2014/main" id="{22289A32-88D1-4436-B105-8F109602B5F6}"/>
               </a:ext>
             </a:extLst>
           </p:cNvPr>
@@ -13415,7 +15580,7 @@
           <p:cNvPr id="77" name="TextBox 76">
             <a:extLst>
               <a:ext uri="{FF2B5EF4-FFF2-40B4-BE49-F238E27FC236}">
-                <a16:creationId xmlns:a16="http://schemas.microsoft.com/office/drawing/2014/main" xmlns="" id="{B378BD5B-1DD8-415E-B876-3BC7241E34FB}"/>
+                <a16:creationId xmlns="" xmlns:a16="http://schemas.microsoft.com/office/drawing/2014/main" id="{B378BD5B-1DD8-415E-B876-3BC7241E34FB}"/>
               </a:ext>
             </a:extLst>
           </p:cNvPr>
@@ -13453,7 +15618,7 @@
           <p:cNvPr id="78" name="TextBox 77">
             <a:extLst>
               <a:ext uri="{FF2B5EF4-FFF2-40B4-BE49-F238E27FC236}">
-                <a16:creationId xmlns:a16="http://schemas.microsoft.com/office/drawing/2014/main" xmlns="" id="{044ABCD1-0C74-4BB9-AA1C-4AA354CD99A4}"/>
+                <a16:creationId xmlns="" xmlns:a16="http://schemas.microsoft.com/office/drawing/2014/main" id="{044ABCD1-0C74-4BB9-AA1C-4AA354CD99A4}"/>
               </a:ext>
             </a:extLst>
           </p:cNvPr>
@@ -13491,7 +15656,7 @@
           <p:cNvPr id="79" name="TextBox 78">
             <a:extLst>
               <a:ext uri="{FF2B5EF4-FFF2-40B4-BE49-F238E27FC236}">
-                <a16:creationId xmlns:a16="http://schemas.microsoft.com/office/drawing/2014/main" xmlns="" id="{40BF79D4-31E0-457F-A861-F18F4B134B7E}"/>
+                <a16:creationId xmlns="" xmlns:a16="http://schemas.microsoft.com/office/drawing/2014/main" id="{40BF79D4-31E0-457F-A861-F18F4B134B7E}"/>
               </a:ext>
             </a:extLst>
           </p:cNvPr>
@@ -13529,7 +15694,7 @@
           <p:cNvPr id="80" name="TextBox 79">
             <a:extLst>
               <a:ext uri="{FF2B5EF4-FFF2-40B4-BE49-F238E27FC236}">
-                <a16:creationId xmlns:a16="http://schemas.microsoft.com/office/drawing/2014/main" xmlns="" id="{B298DBD4-3E3A-4ABA-AD91-E2BFAB365382}"/>
+                <a16:creationId xmlns="" xmlns:a16="http://schemas.microsoft.com/office/drawing/2014/main" id="{B298DBD4-3E3A-4ABA-AD91-E2BFAB365382}"/>
               </a:ext>
             </a:extLst>
           </p:cNvPr>
@@ -13567,7 +15732,7 @@
           <p:cNvPr id="81" name="TextBox 80">
             <a:extLst>
               <a:ext uri="{FF2B5EF4-FFF2-40B4-BE49-F238E27FC236}">
-                <a16:creationId xmlns:a16="http://schemas.microsoft.com/office/drawing/2014/main" xmlns="" id="{3460AABE-49C3-4A25-B0A5-5326C3838920}"/>
+                <a16:creationId xmlns="" xmlns:a16="http://schemas.microsoft.com/office/drawing/2014/main" id="{3460AABE-49C3-4A25-B0A5-5326C3838920}"/>
               </a:ext>
             </a:extLst>
           </p:cNvPr>
@@ -13609,7 +15774,7 @@
           <p:cNvPr id="93" name="TextBox 92">
             <a:extLst>
               <a:ext uri="{FF2B5EF4-FFF2-40B4-BE49-F238E27FC236}">
-                <a16:creationId xmlns:a16="http://schemas.microsoft.com/office/drawing/2014/main" xmlns="" id="{EF22571D-3744-43F2-B47A-33FBDE888CF5}"/>
+                <a16:creationId xmlns="" xmlns:a16="http://schemas.microsoft.com/office/drawing/2014/main" id="{EF22571D-3744-43F2-B47A-33FBDE888CF5}"/>
               </a:ext>
             </a:extLst>
           </p:cNvPr>
@@ -13666,7 +15831,7 @@
           <p:cNvPr id="95" name="TextBox 94">
             <a:extLst>
               <a:ext uri="{FF2B5EF4-FFF2-40B4-BE49-F238E27FC236}">
-                <a16:creationId xmlns:a16="http://schemas.microsoft.com/office/drawing/2014/main" xmlns="" id="{40666278-973B-4E97-ADF8-E73BB1D427AA}"/>
+                <a16:creationId xmlns="" xmlns:a16="http://schemas.microsoft.com/office/drawing/2014/main" id="{40666278-973B-4E97-ADF8-E73BB1D427AA}"/>
               </a:ext>
             </a:extLst>
           </p:cNvPr>
@@ -13737,7 +15902,7 @@
           <p:cNvPr id="54" name="직선 연결선 53">
             <a:extLst>
               <a:ext uri="{FF2B5EF4-FFF2-40B4-BE49-F238E27FC236}">
-                <a16:creationId xmlns:a16="http://schemas.microsoft.com/office/drawing/2014/main" xmlns="" id="{C0E7FF59-BEE0-4C00-9F83-E09D00B0C516}"/>
+                <a16:creationId xmlns="" xmlns:a16="http://schemas.microsoft.com/office/drawing/2014/main" id="{C0E7FF59-BEE0-4C00-9F83-E09D00B0C516}"/>
               </a:ext>
             </a:extLst>
           </p:cNvPr>
@@ -13781,7 +15946,7 @@
           <p:cNvPr id="82" name="직선 연결선 81">
             <a:extLst>
               <a:ext uri="{FF2B5EF4-FFF2-40B4-BE49-F238E27FC236}">
-                <a16:creationId xmlns:a16="http://schemas.microsoft.com/office/drawing/2014/main" xmlns="" id="{81C795E2-4BAB-4B30-8615-EF5D39005982}"/>
+                <a16:creationId xmlns="" xmlns:a16="http://schemas.microsoft.com/office/drawing/2014/main" id="{81C795E2-4BAB-4B30-8615-EF5D39005982}"/>
               </a:ext>
             </a:extLst>
           </p:cNvPr>
@@ -13825,7 +15990,7 @@
           <p:cNvPr id="83" name="직선 연결선 82">
             <a:extLst>
               <a:ext uri="{FF2B5EF4-FFF2-40B4-BE49-F238E27FC236}">
-                <a16:creationId xmlns:a16="http://schemas.microsoft.com/office/drawing/2014/main" xmlns="" id="{FF755B02-EC7C-4BA0-A253-E7B3B6C7D81C}"/>
+                <a16:creationId xmlns="" xmlns:a16="http://schemas.microsoft.com/office/drawing/2014/main" id="{FF755B02-EC7C-4BA0-A253-E7B3B6C7D81C}"/>
               </a:ext>
             </a:extLst>
           </p:cNvPr>
@@ -13933,7 +16098,7 @@
           <p:cNvPr id="4" name="TextBox 3">
             <a:extLst>
               <a:ext uri="{FF2B5EF4-FFF2-40B4-BE49-F238E27FC236}">
-                <a16:creationId xmlns:a16="http://schemas.microsoft.com/office/drawing/2014/main" xmlns="" id="{C04AFB07-A04F-4BA4-AFC3-446CE5957D9D}"/>
+                <a16:creationId xmlns="" xmlns:a16="http://schemas.microsoft.com/office/drawing/2014/main" id="{C04AFB07-A04F-4BA4-AFC3-446CE5957D9D}"/>
               </a:ext>
             </a:extLst>
           </p:cNvPr>
@@ -13971,7 +16136,7 @@
           <p:cNvPr id="56" name="TextBox 55">
             <a:extLst>
               <a:ext uri="{FF2B5EF4-FFF2-40B4-BE49-F238E27FC236}">
-                <a16:creationId xmlns:a16="http://schemas.microsoft.com/office/drawing/2014/main" xmlns="" id="{B6A70F32-8562-4E73-BD1D-CF9D36148B17}"/>
+                <a16:creationId xmlns="" xmlns:a16="http://schemas.microsoft.com/office/drawing/2014/main" id="{B6A70F32-8562-4E73-BD1D-CF9D36148B17}"/>
               </a:ext>
             </a:extLst>
           </p:cNvPr>
@@ -14009,7 +16174,7 @@
           <p:cNvPr id="57" name="TextBox 56">
             <a:extLst>
               <a:ext uri="{FF2B5EF4-FFF2-40B4-BE49-F238E27FC236}">
-                <a16:creationId xmlns:a16="http://schemas.microsoft.com/office/drawing/2014/main" xmlns="" id="{69C2B872-9BEB-4D28-96BF-A163FA23B2AE}"/>
+                <a16:creationId xmlns="" xmlns:a16="http://schemas.microsoft.com/office/drawing/2014/main" id="{69C2B872-9BEB-4D28-96BF-A163FA23B2AE}"/>
               </a:ext>
             </a:extLst>
           </p:cNvPr>
@@ -14047,7 +16212,7 @@
           <p:cNvPr id="58" name="TextBox 57">
             <a:extLst>
               <a:ext uri="{FF2B5EF4-FFF2-40B4-BE49-F238E27FC236}">
-                <a16:creationId xmlns:a16="http://schemas.microsoft.com/office/drawing/2014/main" xmlns="" id="{EF643D31-A1D1-4965-BB3A-247350DB9036}"/>
+                <a16:creationId xmlns="" xmlns:a16="http://schemas.microsoft.com/office/drawing/2014/main" id="{EF643D31-A1D1-4965-BB3A-247350DB9036}"/>
               </a:ext>
             </a:extLst>
           </p:cNvPr>
@@ -14085,7 +16250,7 @@
           <p:cNvPr id="59" name="TextBox 58">
             <a:extLst>
               <a:ext uri="{FF2B5EF4-FFF2-40B4-BE49-F238E27FC236}">
-                <a16:creationId xmlns:a16="http://schemas.microsoft.com/office/drawing/2014/main" xmlns="" id="{CEFEF120-AE30-4C7C-8637-42BDD97D4151}"/>
+                <a16:creationId xmlns="" xmlns:a16="http://schemas.microsoft.com/office/drawing/2014/main" id="{CEFEF120-AE30-4C7C-8637-42BDD97D4151}"/>
               </a:ext>
             </a:extLst>
           </p:cNvPr>
@@ -14123,7 +16288,7 @@
           <p:cNvPr id="60" name="TextBox 59">
             <a:extLst>
               <a:ext uri="{FF2B5EF4-FFF2-40B4-BE49-F238E27FC236}">
-                <a16:creationId xmlns:a16="http://schemas.microsoft.com/office/drawing/2014/main" xmlns="" id="{1EF9F216-41A4-4695-A143-7F795D43D60F}"/>
+                <a16:creationId xmlns="" xmlns:a16="http://schemas.microsoft.com/office/drawing/2014/main" id="{1EF9F216-41A4-4695-A143-7F795D43D60F}"/>
               </a:ext>
             </a:extLst>
           </p:cNvPr>
@@ -14161,7 +16326,7 @@
           <p:cNvPr id="61" name="TextBox 60">
             <a:extLst>
               <a:ext uri="{FF2B5EF4-FFF2-40B4-BE49-F238E27FC236}">
-                <a16:creationId xmlns:a16="http://schemas.microsoft.com/office/drawing/2014/main" xmlns="" id="{2A0E21AB-25E9-49DD-ADB4-0D3EC75B25A1}"/>
+                <a16:creationId xmlns="" xmlns:a16="http://schemas.microsoft.com/office/drawing/2014/main" id="{2A0E21AB-25E9-49DD-ADB4-0D3EC75B25A1}"/>
               </a:ext>
             </a:extLst>
           </p:cNvPr>
@@ -14199,7 +16364,7 @@
           <p:cNvPr id="62" name="TextBox 61">
             <a:extLst>
               <a:ext uri="{FF2B5EF4-FFF2-40B4-BE49-F238E27FC236}">
-                <a16:creationId xmlns:a16="http://schemas.microsoft.com/office/drawing/2014/main" xmlns="" id="{74F7DFBB-01DD-4E1C-AA49-53D5262B1568}"/>
+                <a16:creationId xmlns="" xmlns:a16="http://schemas.microsoft.com/office/drawing/2014/main" id="{74F7DFBB-01DD-4E1C-AA49-53D5262B1568}"/>
               </a:ext>
             </a:extLst>
           </p:cNvPr>
@@ -14237,7 +16402,7 @@
           <p:cNvPr id="63" name="TextBox 62">
             <a:extLst>
               <a:ext uri="{FF2B5EF4-FFF2-40B4-BE49-F238E27FC236}">
-                <a16:creationId xmlns:a16="http://schemas.microsoft.com/office/drawing/2014/main" xmlns="" id="{A80CF1C4-9476-4397-A3ED-365156FF8C0B}"/>
+                <a16:creationId xmlns="" xmlns:a16="http://schemas.microsoft.com/office/drawing/2014/main" id="{A80CF1C4-9476-4397-A3ED-365156FF8C0B}"/>
               </a:ext>
             </a:extLst>
           </p:cNvPr>
@@ -14275,7 +16440,7 @@
           <p:cNvPr id="64" name="TextBox 63">
             <a:extLst>
               <a:ext uri="{FF2B5EF4-FFF2-40B4-BE49-F238E27FC236}">
-                <a16:creationId xmlns:a16="http://schemas.microsoft.com/office/drawing/2014/main" xmlns="" id="{BE0C0FF2-734F-440D-9121-2CA00E623972}"/>
+                <a16:creationId xmlns="" xmlns:a16="http://schemas.microsoft.com/office/drawing/2014/main" id="{BE0C0FF2-734F-440D-9121-2CA00E623972}"/>
               </a:ext>
             </a:extLst>
           </p:cNvPr>
@@ -14313,7 +16478,7 @@
           <p:cNvPr id="65" name="TextBox 64">
             <a:extLst>
               <a:ext uri="{FF2B5EF4-FFF2-40B4-BE49-F238E27FC236}">
-                <a16:creationId xmlns:a16="http://schemas.microsoft.com/office/drawing/2014/main" xmlns="" id="{75621EA3-8E7A-411B-81FC-098BF5452E03}"/>
+                <a16:creationId xmlns="" xmlns:a16="http://schemas.microsoft.com/office/drawing/2014/main" id="{75621EA3-8E7A-411B-81FC-098BF5452E03}"/>
               </a:ext>
             </a:extLst>
           </p:cNvPr>
@@ -14351,7 +16516,7 @@
           <p:cNvPr id="66" name="TextBox 65">
             <a:extLst>
               <a:ext uri="{FF2B5EF4-FFF2-40B4-BE49-F238E27FC236}">
-                <a16:creationId xmlns:a16="http://schemas.microsoft.com/office/drawing/2014/main" xmlns="" id="{C1FA5586-4F2E-4F6A-A0FA-1855CDED3BDC}"/>
+                <a16:creationId xmlns="" xmlns:a16="http://schemas.microsoft.com/office/drawing/2014/main" id="{C1FA5586-4F2E-4F6A-A0FA-1855CDED3BDC}"/>
               </a:ext>
             </a:extLst>
           </p:cNvPr>
@@ -14389,7 +16554,7 @@
           <p:cNvPr id="67" name="TextBox 66">
             <a:extLst>
               <a:ext uri="{FF2B5EF4-FFF2-40B4-BE49-F238E27FC236}">
-                <a16:creationId xmlns:a16="http://schemas.microsoft.com/office/drawing/2014/main" xmlns="" id="{141486BF-6F45-441A-95F3-D175221A8176}"/>
+                <a16:creationId xmlns="" xmlns:a16="http://schemas.microsoft.com/office/drawing/2014/main" id="{141486BF-6F45-441A-95F3-D175221A8176}"/>
               </a:ext>
             </a:extLst>
           </p:cNvPr>
@@ -14427,7 +16592,7 @@
           <p:cNvPr id="68" name="TextBox 67">
             <a:extLst>
               <a:ext uri="{FF2B5EF4-FFF2-40B4-BE49-F238E27FC236}">
-                <a16:creationId xmlns:a16="http://schemas.microsoft.com/office/drawing/2014/main" xmlns="" id="{D1BF9F06-0991-468D-8349-6B35F7061937}"/>
+                <a16:creationId xmlns="" xmlns:a16="http://schemas.microsoft.com/office/drawing/2014/main" id="{D1BF9F06-0991-468D-8349-6B35F7061937}"/>
               </a:ext>
             </a:extLst>
           </p:cNvPr>
@@ -14465,7 +16630,7 @@
           <p:cNvPr id="69" name="TextBox 68">
             <a:extLst>
               <a:ext uri="{FF2B5EF4-FFF2-40B4-BE49-F238E27FC236}">
-                <a16:creationId xmlns:a16="http://schemas.microsoft.com/office/drawing/2014/main" xmlns="" id="{298D047E-0D35-48CC-B73B-A5246B507DEC}"/>
+                <a16:creationId xmlns="" xmlns:a16="http://schemas.microsoft.com/office/drawing/2014/main" id="{298D047E-0D35-48CC-B73B-A5246B507DEC}"/>
               </a:ext>
             </a:extLst>
           </p:cNvPr>
@@ -14503,7 +16668,7 @@
           <p:cNvPr id="70" name="TextBox 69">
             <a:extLst>
               <a:ext uri="{FF2B5EF4-FFF2-40B4-BE49-F238E27FC236}">
-                <a16:creationId xmlns:a16="http://schemas.microsoft.com/office/drawing/2014/main" xmlns="" id="{3E688838-CA83-4471-9A4C-650BFD22C65B}"/>
+                <a16:creationId xmlns="" xmlns:a16="http://schemas.microsoft.com/office/drawing/2014/main" id="{3E688838-CA83-4471-9A4C-650BFD22C65B}"/>
               </a:ext>
             </a:extLst>
           </p:cNvPr>
@@ -14541,7 +16706,7 @@
           <p:cNvPr id="71" name="TextBox 70">
             <a:extLst>
               <a:ext uri="{FF2B5EF4-FFF2-40B4-BE49-F238E27FC236}">
-                <a16:creationId xmlns:a16="http://schemas.microsoft.com/office/drawing/2014/main" xmlns="" id="{9CECF851-F0A1-4282-996C-B5D11CEB5290}"/>
+                <a16:creationId xmlns="" xmlns:a16="http://schemas.microsoft.com/office/drawing/2014/main" id="{9CECF851-F0A1-4282-996C-B5D11CEB5290}"/>
               </a:ext>
             </a:extLst>
           </p:cNvPr>
@@ -14579,7 +16744,7 @@
           <p:cNvPr id="72" name="TextBox 71">
             <a:extLst>
               <a:ext uri="{FF2B5EF4-FFF2-40B4-BE49-F238E27FC236}">
-                <a16:creationId xmlns:a16="http://schemas.microsoft.com/office/drawing/2014/main" xmlns="" id="{69BC8545-3494-47F8-AF2D-6D5219239A00}"/>
+                <a16:creationId xmlns="" xmlns:a16="http://schemas.microsoft.com/office/drawing/2014/main" id="{69BC8545-3494-47F8-AF2D-6D5219239A00}"/>
               </a:ext>
             </a:extLst>
           </p:cNvPr>
@@ -14617,7 +16782,7 @@
           <p:cNvPr id="73" name="TextBox 72">
             <a:extLst>
               <a:ext uri="{FF2B5EF4-FFF2-40B4-BE49-F238E27FC236}">
-                <a16:creationId xmlns:a16="http://schemas.microsoft.com/office/drawing/2014/main" xmlns="" id="{FB9808E6-A5DB-4C5B-8EA9-D7841F12F0BE}"/>
+                <a16:creationId xmlns="" xmlns:a16="http://schemas.microsoft.com/office/drawing/2014/main" id="{FB9808E6-A5DB-4C5B-8EA9-D7841F12F0BE}"/>
               </a:ext>
             </a:extLst>
           </p:cNvPr>
@@ -14658,7 +16823,7 @@
           <p:cNvPr id="74" name="TextBox 73">
             <a:extLst>
               <a:ext uri="{FF2B5EF4-FFF2-40B4-BE49-F238E27FC236}">
-                <a16:creationId xmlns:a16="http://schemas.microsoft.com/office/drawing/2014/main" xmlns="" id="{77FEB70C-285E-44D7-BC63-B77A268499EC}"/>
+                <a16:creationId xmlns="" xmlns:a16="http://schemas.microsoft.com/office/drawing/2014/main" id="{77FEB70C-285E-44D7-BC63-B77A268499EC}"/>
               </a:ext>
             </a:extLst>
           </p:cNvPr>
@@ -14696,7 +16861,7 @@
           <p:cNvPr id="75" name="TextBox 74">
             <a:extLst>
               <a:ext uri="{FF2B5EF4-FFF2-40B4-BE49-F238E27FC236}">
-                <a16:creationId xmlns:a16="http://schemas.microsoft.com/office/drawing/2014/main" xmlns="" id="{2D586DBC-82ED-4D02-8CDB-898A98F22D29}"/>
+                <a16:creationId xmlns="" xmlns:a16="http://schemas.microsoft.com/office/drawing/2014/main" id="{2D586DBC-82ED-4D02-8CDB-898A98F22D29}"/>
               </a:ext>
             </a:extLst>
           </p:cNvPr>
@@ -14734,7 +16899,7 @@
           <p:cNvPr id="76" name="TextBox 75">
             <a:extLst>
               <a:ext uri="{FF2B5EF4-FFF2-40B4-BE49-F238E27FC236}">
-                <a16:creationId xmlns:a16="http://schemas.microsoft.com/office/drawing/2014/main" xmlns="" id="{22289A32-88D1-4436-B105-8F109602B5F6}"/>
+                <a16:creationId xmlns="" xmlns:a16="http://schemas.microsoft.com/office/drawing/2014/main" id="{22289A32-88D1-4436-B105-8F109602B5F6}"/>
               </a:ext>
             </a:extLst>
           </p:cNvPr>
@@ -14772,7 +16937,7 @@
           <p:cNvPr id="77" name="TextBox 76">
             <a:extLst>
               <a:ext uri="{FF2B5EF4-FFF2-40B4-BE49-F238E27FC236}">
-                <a16:creationId xmlns:a16="http://schemas.microsoft.com/office/drawing/2014/main" xmlns="" id="{B378BD5B-1DD8-415E-B876-3BC7241E34FB}"/>
+                <a16:creationId xmlns="" xmlns:a16="http://schemas.microsoft.com/office/drawing/2014/main" id="{B378BD5B-1DD8-415E-B876-3BC7241E34FB}"/>
               </a:ext>
             </a:extLst>
           </p:cNvPr>
@@ -14810,7 +16975,7 @@
           <p:cNvPr id="78" name="TextBox 77">
             <a:extLst>
               <a:ext uri="{FF2B5EF4-FFF2-40B4-BE49-F238E27FC236}">
-                <a16:creationId xmlns:a16="http://schemas.microsoft.com/office/drawing/2014/main" xmlns="" id="{044ABCD1-0C74-4BB9-AA1C-4AA354CD99A4}"/>
+                <a16:creationId xmlns="" xmlns:a16="http://schemas.microsoft.com/office/drawing/2014/main" id="{044ABCD1-0C74-4BB9-AA1C-4AA354CD99A4}"/>
               </a:ext>
             </a:extLst>
           </p:cNvPr>
@@ -14848,7 +17013,7 @@
           <p:cNvPr id="79" name="TextBox 78">
             <a:extLst>
               <a:ext uri="{FF2B5EF4-FFF2-40B4-BE49-F238E27FC236}">
-                <a16:creationId xmlns:a16="http://schemas.microsoft.com/office/drawing/2014/main" xmlns="" id="{40BF79D4-31E0-457F-A861-F18F4B134B7E}"/>
+                <a16:creationId xmlns="" xmlns:a16="http://schemas.microsoft.com/office/drawing/2014/main" id="{40BF79D4-31E0-457F-A861-F18F4B134B7E}"/>
               </a:ext>
             </a:extLst>
           </p:cNvPr>
@@ -14886,7 +17051,7 @@
           <p:cNvPr id="80" name="TextBox 79">
             <a:extLst>
               <a:ext uri="{FF2B5EF4-FFF2-40B4-BE49-F238E27FC236}">
-                <a16:creationId xmlns:a16="http://schemas.microsoft.com/office/drawing/2014/main" xmlns="" id="{B298DBD4-3E3A-4ABA-AD91-E2BFAB365382}"/>
+                <a16:creationId xmlns="" xmlns:a16="http://schemas.microsoft.com/office/drawing/2014/main" id="{B298DBD4-3E3A-4ABA-AD91-E2BFAB365382}"/>
               </a:ext>
             </a:extLst>
           </p:cNvPr>
@@ -14924,7 +17089,7 @@
           <p:cNvPr id="81" name="TextBox 80">
             <a:extLst>
               <a:ext uri="{FF2B5EF4-FFF2-40B4-BE49-F238E27FC236}">
-                <a16:creationId xmlns:a16="http://schemas.microsoft.com/office/drawing/2014/main" xmlns="" id="{3460AABE-49C3-4A25-B0A5-5326C3838920}"/>
+                <a16:creationId xmlns="" xmlns:a16="http://schemas.microsoft.com/office/drawing/2014/main" id="{3460AABE-49C3-4A25-B0A5-5326C3838920}"/>
               </a:ext>
             </a:extLst>
           </p:cNvPr>
@@ -14966,7 +17131,7 @@
           <p:cNvPr id="93" name="TextBox 92">
             <a:extLst>
               <a:ext uri="{FF2B5EF4-FFF2-40B4-BE49-F238E27FC236}">
-                <a16:creationId xmlns:a16="http://schemas.microsoft.com/office/drawing/2014/main" xmlns="" id="{EF22571D-3744-43F2-B47A-33FBDE888CF5}"/>
+                <a16:creationId xmlns="" xmlns:a16="http://schemas.microsoft.com/office/drawing/2014/main" id="{EF22571D-3744-43F2-B47A-33FBDE888CF5}"/>
               </a:ext>
             </a:extLst>
           </p:cNvPr>
@@ -15023,7 +17188,7 @@
           <p:cNvPr id="84" name="TextBox 83">
             <a:extLst>
               <a:ext uri="{FF2B5EF4-FFF2-40B4-BE49-F238E27FC236}">
-                <a16:creationId xmlns:a16="http://schemas.microsoft.com/office/drawing/2014/main" xmlns="" id="{637A9EBD-8651-4827-A9C8-718C09951F70}"/>
+                <a16:creationId xmlns="" xmlns:a16="http://schemas.microsoft.com/office/drawing/2014/main" id="{637A9EBD-8651-4827-A9C8-718C09951F70}"/>
               </a:ext>
             </a:extLst>
           </p:cNvPr>
@@ -15082,7 +17247,7 @@
           <p:cNvPr id="85" name="TextBox 84">
             <a:extLst>
               <a:ext uri="{FF2B5EF4-FFF2-40B4-BE49-F238E27FC236}">
-                <a16:creationId xmlns:a16="http://schemas.microsoft.com/office/drawing/2014/main" xmlns="" id="{30DFB557-63B6-4825-A4E9-AA48679DDB80}"/>
+                <a16:creationId xmlns="" xmlns:a16="http://schemas.microsoft.com/office/drawing/2014/main" id="{30DFB557-63B6-4825-A4E9-AA48679DDB80}"/>
               </a:ext>
             </a:extLst>
           </p:cNvPr>
@@ -15141,7 +17306,7 @@
           <p:cNvPr id="7" name="화살표: 왼쪽/오른쪽 6">
             <a:extLst>
               <a:ext uri="{FF2B5EF4-FFF2-40B4-BE49-F238E27FC236}">
-                <a16:creationId xmlns:a16="http://schemas.microsoft.com/office/drawing/2014/main" xmlns="" id="{4E12E168-D9FF-4343-B35E-06DA76E44FB7}"/>
+                <a16:creationId xmlns="" xmlns:a16="http://schemas.microsoft.com/office/drawing/2014/main" id="{4E12E168-D9FF-4343-B35E-06DA76E44FB7}"/>
               </a:ext>
             </a:extLst>
           </p:cNvPr>
@@ -15199,7 +17364,7 @@
           <p:cNvPr id="86" name="화살표: 왼쪽/오른쪽 85">
             <a:extLst>
               <a:ext uri="{FF2B5EF4-FFF2-40B4-BE49-F238E27FC236}">
-                <a16:creationId xmlns:a16="http://schemas.microsoft.com/office/drawing/2014/main" xmlns="" id="{EF7A27AD-799A-48D7-92C2-6074E551A6E9}"/>
+                <a16:creationId xmlns="" xmlns:a16="http://schemas.microsoft.com/office/drawing/2014/main" id="{EF7A27AD-799A-48D7-92C2-6074E551A6E9}"/>
               </a:ext>
             </a:extLst>
           </p:cNvPr>
@@ -15257,7 +17422,7 @@
           <p:cNvPr id="87" name="TextBox 86">
             <a:extLst>
               <a:ext uri="{FF2B5EF4-FFF2-40B4-BE49-F238E27FC236}">
-                <a16:creationId xmlns:a16="http://schemas.microsoft.com/office/drawing/2014/main" xmlns="" id="{38413CFF-9145-48E8-AA03-05D6C8B2F931}"/>
+                <a16:creationId xmlns="" xmlns:a16="http://schemas.microsoft.com/office/drawing/2014/main" id="{38413CFF-9145-48E8-AA03-05D6C8B2F931}"/>
               </a:ext>
             </a:extLst>
           </p:cNvPr>
@@ -15343,7 +17508,7 @@
           <p:cNvPr id="54" name="직선 연결선 53">
             <a:extLst>
               <a:ext uri="{FF2B5EF4-FFF2-40B4-BE49-F238E27FC236}">
-                <a16:creationId xmlns:a16="http://schemas.microsoft.com/office/drawing/2014/main" xmlns="" id="{C0E7FF59-BEE0-4C00-9F83-E09D00B0C516}"/>
+                <a16:creationId xmlns="" xmlns:a16="http://schemas.microsoft.com/office/drawing/2014/main" id="{C0E7FF59-BEE0-4C00-9F83-E09D00B0C516}"/>
               </a:ext>
             </a:extLst>
           </p:cNvPr>
@@ -15387,7 +17552,7 @@
           <p:cNvPr id="82" name="직선 연결선 81">
             <a:extLst>
               <a:ext uri="{FF2B5EF4-FFF2-40B4-BE49-F238E27FC236}">
-                <a16:creationId xmlns:a16="http://schemas.microsoft.com/office/drawing/2014/main" xmlns="" id="{81C795E2-4BAB-4B30-8615-EF5D39005982}"/>
+                <a16:creationId xmlns="" xmlns:a16="http://schemas.microsoft.com/office/drawing/2014/main" id="{81C795E2-4BAB-4B30-8615-EF5D39005982}"/>
               </a:ext>
             </a:extLst>
           </p:cNvPr>
@@ -15431,7 +17596,7 @@
           <p:cNvPr id="83" name="직선 연결선 82">
             <a:extLst>
               <a:ext uri="{FF2B5EF4-FFF2-40B4-BE49-F238E27FC236}">
-                <a16:creationId xmlns:a16="http://schemas.microsoft.com/office/drawing/2014/main" xmlns="" id="{FF755B02-EC7C-4BA0-A253-E7B3B6C7D81C}"/>
+                <a16:creationId xmlns="" xmlns:a16="http://schemas.microsoft.com/office/drawing/2014/main" id="{FF755B02-EC7C-4BA0-A253-E7B3B6C7D81C}"/>
               </a:ext>
             </a:extLst>
           </p:cNvPr>
@@ -15539,7 +17704,7 @@
           <p:cNvPr id="4" name="TextBox 3">
             <a:extLst>
               <a:ext uri="{FF2B5EF4-FFF2-40B4-BE49-F238E27FC236}">
-                <a16:creationId xmlns:a16="http://schemas.microsoft.com/office/drawing/2014/main" xmlns="" id="{C04AFB07-A04F-4BA4-AFC3-446CE5957D9D}"/>
+                <a16:creationId xmlns="" xmlns:a16="http://schemas.microsoft.com/office/drawing/2014/main" id="{C04AFB07-A04F-4BA4-AFC3-446CE5957D9D}"/>
               </a:ext>
             </a:extLst>
           </p:cNvPr>
@@ -15577,7 +17742,7 @@
           <p:cNvPr id="56" name="TextBox 55">
             <a:extLst>
               <a:ext uri="{FF2B5EF4-FFF2-40B4-BE49-F238E27FC236}">
-                <a16:creationId xmlns:a16="http://schemas.microsoft.com/office/drawing/2014/main" xmlns="" id="{B6A70F32-8562-4E73-BD1D-CF9D36148B17}"/>
+                <a16:creationId xmlns="" xmlns:a16="http://schemas.microsoft.com/office/drawing/2014/main" id="{B6A70F32-8562-4E73-BD1D-CF9D36148B17}"/>
               </a:ext>
             </a:extLst>
           </p:cNvPr>
@@ -15615,7 +17780,7 @@
           <p:cNvPr id="57" name="TextBox 56">
             <a:extLst>
               <a:ext uri="{FF2B5EF4-FFF2-40B4-BE49-F238E27FC236}">
-                <a16:creationId xmlns:a16="http://schemas.microsoft.com/office/drawing/2014/main" xmlns="" id="{69C2B872-9BEB-4D28-96BF-A163FA23B2AE}"/>
+                <a16:creationId xmlns="" xmlns:a16="http://schemas.microsoft.com/office/drawing/2014/main" id="{69C2B872-9BEB-4D28-96BF-A163FA23B2AE}"/>
               </a:ext>
             </a:extLst>
           </p:cNvPr>
@@ -15653,7 +17818,7 @@
           <p:cNvPr id="58" name="TextBox 57">
             <a:extLst>
               <a:ext uri="{FF2B5EF4-FFF2-40B4-BE49-F238E27FC236}">
-                <a16:creationId xmlns:a16="http://schemas.microsoft.com/office/drawing/2014/main" xmlns="" id="{EF643D31-A1D1-4965-BB3A-247350DB9036}"/>
+                <a16:creationId xmlns="" xmlns:a16="http://schemas.microsoft.com/office/drawing/2014/main" id="{EF643D31-A1D1-4965-BB3A-247350DB9036}"/>
               </a:ext>
             </a:extLst>
           </p:cNvPr>
@@ -15691,7 +17856,7 @@
           <p:cNvPr id="59" name="TextBox 58">
             <a:extLst>
               <a:ext uri="{FF2B5EF4-FFF2-40B4-BE49-F238E27FC236}">
-                <a16:creationId xmlns:a16="http://schemas.microsoft.com/office/drawing/2014/main" xmlns="" id="{CEFEF120-AE30-4C7C-8637-42BDD97D4151}"/>
+                <a16:creationId xmlns="" xmlns:a16="http://schemas.microsoft.com/office/drawing/2014/main" id="{CEFEF120-AE30-4C7C-8637-42BDD97D4151}"/>
               </a:ext>
             </a:extLst>
           </p:cNvPr>
@@ -15729,7 +17894,7 @@
           <p:cNvPr id="60" name="TextBox 59">
             <a:extLst>
               <a:ext uri="{FF2B5EF4-FFF2-40B4-BE49-F238E27FC236}">
-                <a16:creationId xmlns:a16="http://schemas.microsoft.com/office/drawing/2014/main" xmlns="" id="{1EF9F216-41A4-4695-A143-7F795D43D60F}"/>
+                <a16:creationId xmlns="" xmlns:a16="http://schemas.microsoft.com/office/drawing/2014/main" id="{1EF9F216-41A4-4695-A143-7F795D43D60F}"/>
               </a:ext>
             </a:extLst>
           </p:cNvPr>
@@ -15767,7 +17932,7 @@
           <p:cNvPr id="61" name="TextBox 60">
             <a:extLst>
               <a:ext uri="{FF2B5EF4-FFF2-40B4-BE49-F238E27FC236}">
-                <a16:creationId xmlns:a16="http://schemas.microsoft.com/office/drawing/2014/main" xmlns="" id="{2A0E21AB-25E9-49DD-ADB4-0D3EC75B25A1}"/>
+                <a16:creationId xmlns="" xmlns:a16="http://schemas.microsoft.com/office/drawing/2014/main" id="{2A0E21AB-25E9-49DD-ADB4-0D3EC75B25A1}"/>
               </a:ext>
             </a:extLst>
           </p:cNvPr>
@@ -15805,7 +17970,7 @@
           <p:cNvPr id="62" name="TextBox 61">
             <a:extLst>
               <a:ext uri="{FF2B5EF4-FFF2-40B4-BE49-F238E27FC236}">
-                <a16:creationId xmlns:a16="http://schemas.microsoft.com/office/drawing/2014/main" xmlns="" id="{74F7DFBB-01DD-4E1C-AA49-53D5262B1568}"/>
+                <a16:creationId xmlns="" xmlns:a16="http://schemas.microsoft.com/office/drawing/2014/main" id="{74F7DFBB-01DD-4E1C-AA49-53D5262B1568}"/>
               </a:ext>
             </a:extLst>
           </p:cNvPr>
@@ -15843,7 +18008,7 @@
           <p:cNvPr id="63" name="TextBox 62">
             <a:extLst>
               <a:ext uri="{FF2B5EF4-FFF2-40B4-BE49-F238E27FC236}">
-                <a16:creationId xmlns:a16="http://schemas.microsoft.com/office/drawing/2014/main" xmlns="" id="{A80CF1C4-9476-4397-A3ED-365156FF8C0B}"/>
+                <a16:creationId xmlns="" xmlns:a16="http://schemas.microsoft.com/office/drawing/2014/main" id="{A80CF1C4-9476-4397-A3ED-365156FF8C0B}"/>
               </a:ext>
             </a:extLst>
           </p:cNvPr>
@@ -15881,7 +18046,7 @@
           <p:cNvPr id="64" name="TextBox 63">
             <a:extLst>
               <a:ext uri="{FF2B5EF4-FFF2-40B4-BE49-F238E27FC236}">
-                <a16:creationId xmlns:a16="http://schemas.microsoft.com/office/drawing/2014/main" xmlns="" id="{BE0C0FF2-734F-440D-9121-2CA00E623972}"/>
+                <a16:creationId xmlns="" xmlns:a16="http://schemas.microsoft.com/office/drawing/2014/main" id="{BE0C0FF2-734F-440D-9121-2CA00E623972}"/>
               </a:ext>
             </a:extLst>
           </p:cNvPr>
@@ -15919,7 +18084,7 @@
           <p:cNvPr id="65" name="TextBox 64">
             <a:extLst>
               <a:ext uri="{FF2B5EF4-FFF2-40B4-BE49-F238E27FC236}">
-                <a16:creationId xmlns:a16="http://schemas.microsoft.com/office/drawing/2014/main" xmlns="" id="{75621EA3-8E7A-411B-81FC-098BF5452E03}"/>
+                <a16:creationId xmlns="" xmlns:a16="http://schemas.microsoft.com/office/drawing/2014/main" id="{75621EA3-8E7A-411B-81FC-098BF5452E03}"/>
               </a:ext>
             </a:extLst>
           </p:cNvPr>
@@ -15957,7 +18122,7 @@
           <p:cNvPr id="66" name="TextBox 65">
             <a:extLst>
               <a:ext uri="{FF2B5EF4-FFF2-40B4-BE49-F238E27FC236}">
-                <a16:creationId xmlns:a16="http://schemas.microsoft.com/office/drawing/2014/main" xmlns="" id="{C1FA5586-4F2E-4F6A-A0FA-1855CDED3BDC}"/>
+                <a16:creationId xmlns="" xmlns:a16="http://schemas.microsoft.com/office/drawing/2014/main" id="{C1FA5586-4F2E-4F6A-A0FA-1855CDED3BDC}"/>
               </a:ext>
             </a:extLst>
           </p:cNvPr>
@@ -15995,7 +18160,7 @@
           <p:cNvPr id="67" name="TextBox 66">
             <a:extLst>
               <a:ext uri="{FF2B5EF4-FFF2-40B4-BE49-F238E27FC236}">
-                <a16:creationId xmlns:a16="http://schemas.microsoft.com/office/drawing/2014/main" xmlns="" id="{141486BF-6F45-441A-95F3-D175221A8176}"/>
+                <a16:creationId xmlns="" xmlns:a16="http://schemas.microsoft.com/office/drawing/2014/main" id="{141486BF-6F45-441A-95F3-D175221A8176}"/>
               </a:ext>
             </a:extLst>
           </p:cNvPr>
@@ -16033,7 +18198,7 @@
           <p:cNvPr id="68" name="TextBox 67">
             <a:extLst>
               <a:ext uri="{FF2B5EF4-FFF2-40B4-BE49-F238E27FC236}">
-                <a16:creationId xmlns:a16="http://schemas.microsoft.com/office/drawing/2014/main" xmlns="" id="{D1BF9F06-0991-468D-8349-6B35F7061937}"/>
+                <a16:creationId xmlns="" xmlns:a16="http://schemas.microsoft.com/office/drawing/2014/main" id="{D1BF9F06-0991-468D-8349-6B35F7061937}"/>
               </a:ext>
             </a:extLst>
           </p:cNvPr>
@@ -16071,7 +18236,7 @@
           <p:cNvPr id="69" name="TextBox 68">
             <a:extLst>
               <a:ext uri="{FF2B5EF4-FFF2-40B4-BE49-F238E27FC236}">
-                <a16:creationId xmlns:a16="http://schemas.microsoft.com/office/drawing/2014/main" xmlns="" id="{298D047E-0D35-48CC-B73B-A5246B507DEC}"/>
+                <a16:creationId xmlns="" xmlns:a16="http://schemas.microsoft.com/office/drawing/2014/main" id="{298D047E-0D35-48CC-B73B-A5246B507DEC}"/>
               </a:ext>
             </a:extLst>
           </p:cNvPr>
@@ -16109,7 +18274,7 @@
           <p:cNvPr id="70" name="TextBox 69">
             <a:extLst>
               <a:ext uri="{FF2B5EF4-FFF2-40B4-BE49-F238E27FC236}">
-                <a16:creationId xmlns:a16="http://schemas.microsoft.com/office/drawing/2014/main" xmlns="" id="{3E688838-CA83-4471-9A4C-650BFD22C65B}"/>
+                <a16:creationId xmlns="" xmlns:a16="http://schemas.microsoft.com/office/drawing/2014/main" id="{3E688838-CA83-4471-9A4C-650BFD22C65B}"/>
               </a:ext>
             </a:extLst>
           </p:cNvPr>
@@ -16147,7 +18312,7 @@
           <p:cNvPr id="71" name="TextBox 70">
             <a:extLst>
               <a:ext uri="{FF2B5EF4-FFF2-40B4-BE49-F238E27FC236}">
-                <a16:creationId xmlns:a16="http://schemas.microsoft.com/office/drawing/2014/main" xmlns="" id="{9CECF851-F0A1-4282-996C-B5D11CEB5290}"/>
+                <a16:creationId xmlns="" xmlns:a16="http://schemas.microsoft.com/office/drawing/2014/main" id="{9CECF851-F0A1-4282-996C-B5D11CEB5290}"/>
               </a:ext>
             </a:extLst>
           </p:cNvPr>
@@ -16185,7 +18350,7 @@
           <p:cNvPr id="72" name="TextBox 71">
             <a:extLst>
               <a:ext uri="{FF2B5EF4-FFF2-40B4-BE49-F238E27FC236}">
-                <a16:creationId xmlns:a16="http://schemas.microsoft.com/office/drawing/2014/main" xmlns="" id="{69BC8545-3494-47F8-AF2D-6D5219239A00}"/>
+                <a16:creationId xmlns="" xmlns:a16="http://schemas.microsoft.com/office/drawing/2014/main" id="{69BC8545-3494-47F8-AF2D-6D5219239A00}"/>
               </a:ext>
             </a:extLst>
           </p:cNvPr>
@@ -16223,7 +18388,7 @@
           <p:cNvPr id="73" name="TextBox 72">
             <a:extLst>
               <a:ext uri="{FF2B5EF4-FFF2-40B4-BE49-F238E27FC236}">
-                <a16:creationId xmlns:a16="http://schemas.microsoft.com/office/drawing/2014/main" xmlns="" id="{FB9808E6-A5DB-4C5B-8EA9-D7841F12F0BE}"/>
+                <a16:creationId xmlns="" xmlns:a16="http://schemas.microsoft.com/office/drawing/2014/main" id="{FB9808E6-A5DB-4C5B-8EA9-D7841F12F0BE}"/>
               </a:ext>
             </a:extLst>
           </p:cNvPr>
@@ -16264,7 +18429,7 @@
           <p:cNvPr id="74" name="TextBox 73">
             <a:extLst>
               <a:ext uri="{FF2B5EF4-FFF2-40B4-BE49-F238E27FC236}">
-                <a16:creationId xmlns:a16="http://schemas.microsoft.com/office/drawing/2014/main" xmlns="" id="{77FEB70C-285E-44D7-BC63-B77A268499EC}"/>
+                <a16:creationId xmlns="" xmlns:a16="http://schemas.microsoft.com/office/drawing/2014/main" id="{77FEB70C-285E-44D7-BC63-B77A268499EC}"/>
               </a:ext>
             </a:extLst>
           </p:cNvPr>
@@ -16302,7 +18467,7 @@
           <p:cNvPr id="75" name="TextBox 74">
             <a:extLst>
               <a:ext uri="{FF2B5EF4-FFF2-40B4-BE49-F238E27FC236}">
-                <a16:creationId xmlns:a16="http://schemas.microsoft.com/office/drawing/2014/main" xmlns="" id="{2D586DBC-82ED-4D02-8CDB-898A98F22D29}"/>
+                <a16:creationId xmlns="" xmlns:a16="http://schemas.microsoft.com/office/drawing/2014/main" id="{2D586DBC-82ED-4D02-8CDB-898A98F22D29}"/>
               </a:ext>
             </a:extLst>
           </p:cNvPr>
@@ -16340,7 +18505,7 @@
           <p:cNvPr id="76" name="TextBox 75">
             <a:extLst>
               <a:ext uri="{FF2B5EF4-FFF2-40B4-BE49-F238E27FC236}">
-                <a16:creationId xmlns:a16="http://schemas.microsoft.com/office/drawing/2014/main" xmlns="" id="{22289A32-88D1-4436-B105-8F109602B5F6}"/>
+                <a16:creationId xmlns="" xmlns:a16="http://schemas.microsoft.com/office/drawing/2014/main" id="{22289A32-88D1-4436-B105-8F109602B5F6}"/>
               </a:ext>
             </a:extLst>
           </p:cNvPr>
@@ -16378,7 +18543,7 @@
           <p:cNvPr id="77" name="TextBox 76">
             <a:extLst>
               <a:ext uri="{FF2B5EF4-FFF2-40B4-BE49-F238E27FC236}">
-                <a16:creationId xmlns:a16="http://schemas.microsoft.com/office/drawing/2014/main" xmlns="" id="{B378BD5B-1DD8-415E-B876-3BC7241E34FB}"/>
+                <a16:creationId xmlns="" xmlns:a16="http://schemas.microsoft.com/office/drawing/2014/main" id="{B378BD5B-1DD8-415E-B876-3BC7241E34FB}"/>
               </a:ext>
             </a:extLst>
           </p:cNvPr>
@@ -16416,7 +18581,7 @@
           <p:cNvPr id="78" name="TextBox 77">
             <a:extLst>
               <a:ext uri="{FF2B5EF4-FFF2-40B4-BE49-F238E27FC236}">
-                <a16:creationId xmlns:a16="http://schemas.microsoft.com/office/drawing/2014/main" xmlns="" id="{044ABCD1-0C74-4BB9-AA1C-4AA354CD99A4}"/>
+                <a16:creationId xmlns="" xmlns:a16="http://schemas.microsoft.com/office/drawing/2014/main" id="{044ABCD1-0C74-4BB9-AA1C-4AA354CD99A4}"/>
               </a:ext>
             </a:extLst>
           </p:cNvPr>
@@ -16454,7 +18619,7 @@
           <p:cNvPr id="79" name="TextBox 78">
             <a:extLst>
               <a:ext uri="{FF2B5EF4-FFF2-40B4-BE49-F238E27FC236}">
-                <a16:creationId xmlns:a16="http://schemas.microsoft.com/office/drawing/2014/main" xmlns="" id="{40BF79D4-31E0-457F-A861-F18F4B134B7E}"/>
+                <a16:creationId xmlns="" xmlns:a16="http://schemas.microsoft.com/office/drawing/2014/main" id="{40BF79D4-31E0-457F-A861-F18F4B134B7E}"/>
               </a:ext>
             </a:extLst>
           </p:cNvPr>
@@ -16492,7 +18657,7 @@
           <p:cNvPr id="80" name="TextBox 79">
             <a:extLst>
               <a:ext uri="{FF2B5EF4-FFF2-40B4-BE49-F238E27FC236}">
-                <a16:creationId xmlns:a16="http://schemas.microsoft.com/office/drawing/2014/main" xmlns="" id="{B298DBD4-3E3A-4ABA-AD91-E2BFAB365382}"/>
+                <a16:creationId xmlns="" xmlns:a16="http://schemas.microsoft.com/office/drawing/2014/main" id="{B298DBD4-3E3A-4ABA-AD91-E2BFAB365382}"/>
               </a:ext>
             </a:extLst>
           </p:cNvPr>
@@ -16530,7 +18695,7 @@
           <p:cNvPr id="81" name="TextBox 80">
             <a:extLst>
               <a:ext uri="{FF2B5EF4-FFF2-40B4-BE49-F238E27FC236}">
-                <a16:creationId xmlns:a16="http://schemas.microsoft.com/office/drawing/2014/main" xmlns="" id="{3460AABE-49C3-4A25-B0A5-5326C3838920}"/>
+                <a16:creationId xmlns="" xmlns:a16="http://schemas.microsoft.com/office/drawing/2014/main" id="{3460AABE-49C3-4A25-B0A5-5326C3838920}"/>
               </a:ext>
             </a:extLst>
           </p:cNvPr>
@@ -16572,7 +18737,7 @@
           <p:cNvPr id="84" name="TextBox 83">
             <a:extLst>
               <a:ext uri="{FF2B5EF4-FFF2-40B4-BE49-F238E27FC236}">
-                <a16:creationId xmlns:a16="http://schemas.microsoft.com/office/drawing/2014/main" xmlns="" id="{637A9EBD-8651-4827-A9C8-718C09951F70}"/>
+                <a16:creationId xmlns="" xmlns:a16="http://schemas.microsoft.com/office/drawing/2014/main" id="{637A9EBD-8651-4827-A9C8-718C09951F70}"/>
               </a:ext>
             </a:extLst>
           </p:cNvPr>
@@ -16631,7 +18796,7 @@
           <p:cNvPr id="85" name="TextBox 84">
             <a:extLst>
               <a:ext uri="{FF2B5EF4-FFF2-40B4-BE49-F238E27FC236}">
-                <a16:creationId xmlns:a16="http://schemas.microsoft.com/office/drawing/2014/main" xmlns="" id="{30DFB557-63B6-4825-A4E9-AA48679DDB80}"/>
+                <a16:creationId xmlns="" xmlns:a16="http://schemas.microsoft.com/office/drawing/2014/main" id="{30DFB557-63B6-4825-A4E9-AA48679DDB80}"/>
               </a:ext>
             </a:extLst>
           </p:cNvPr>
@@ -16690,7 +18855,7 @@
           <p:cNvPr id="7" name="화살표: 왼쪽/오른쪽 6">
             <a:extLst>
               <a:ext uri="{FF2B5EF4-FFF2-40B4-BE49-F238E27FC236}">
-                <a16:creationId xmlns:a16="http://schemas.microsoft.com/office/drawing/2014/main" xmlns="" id="{4E12E168-D9FF-4343-B35E-06DA76E44FB7}"/>
+                <a16:creationId xmlns="" xmlns:a16="http://schemas.microsoft.com/office/drawing/2014/main" id="{4E12E168-D9FF-4343-B35E-06DA76E44FB7}"/>
               </a:ext>
             </a:extLst>
           </p:cNvPr>
@@ -16748,7 +18913,7 @@
           <p:cNvPr id="44" name="Picture 2">
             <a:extLst>
               <a:ext uri="{FF2B5EF4-FFF2-40B4-BE49-F238E27FC236}">
-                <a16:creationId xmlns:a16="http://schemas.microsoft.com/office/drawing/2014/main" xmlns="" id="{567797A9-1B95-48D7-A914-C32948666867}"/>
+                <a16:creationId xmlns="" xmlns:a16="http://schemas.microsoft.com/office/drawing/2014/main" id="{567797A9-1B95-48D7-A914-C32948666867}"/>
               </a:ext>
             </a:extLst>
           </p:cNvPr>
@@ -16818,7 +18983,7 @@
           <p:cNvPr id="45" name="TextBox 44">
             <a:extLst>
               <a:ext uri="{FF2B5EF4-FFF2-40B4-BE49-F238E27FC236}">
-                <a16:creationId xmlns:a16="http://schemas.microsoft.com/office/drawing/2014/main" xmlns="" id="{BB50D454-7782-4D91-942D-A2CBC421BD0A}"/>
+                <a16:creationId xmlns="" xmlns:a16="http://schemas.microsoft.com/office/drawing/2014/main" id="{BB50D454-7782-4D91-942D-A2CBC421BD0A}"/>
               </a:ext>
             </a:extLst>
           </p:cNvPr>
@@ -16856,7 +19021,7 @@
           <p:cNvPr id="46" name="TextBox 45">
             <a:extLst>
               <a:ext uri="{FF2B5EF4-FFF2-40B4-BE49-F238E27FC236}">
-                <a16:creationId xmlns:a16="http://schemas.microsoft.com/office/drawing/2014/main" xmlns="" id="{96AFD3A8-A8B6-4089-9582-35652582A896}"/>
+                <a16:creationId xmlns="" xmlns:a16="http://schemas.microsoft.com/office/drawing/2014/main" id="{96AFD3A8-A8B6-4089-9582-35652582A896}"/>
               </a:ext>
             </a:extLst>
           </p:cNvPr>
@@ -16894,7 +19059,7 @@
           <p:cNvPr id="47" name="TextBox 46">
             <a:extLst>
               <a:ext uri="{FF2B5EF4-FFF2-40B4-BE49-F238E27FC236}">
-                <a16:creationId xmlns:a16="http://schemas.microsoft.com/office/drawing/2014/main" xmlns="" id="{7497AC1A-88D8-489C-B181-250982D56C31}"/>
+                <a16:creationId xmlns="" xmlns:a16="http://schemas.microsoft.com/office/drawing/2014/main" id="{7497AC1A-88D8-489C-B181-250982D56C31}"/>
               </a:ext>
             </a:extLst>
           </p:cNvPr>
@@ -16932,7 +19097,7 @@
           <p:cNvPr id="48" name="TextBox 47">
             <a:extLst>
               <a:ext uri="{FF2B5EF4-FFF2-40B4-BE49-F238E27FC236}">
-                <a16:creationId xmlns:a16="http://schemas.microsoft.com/office/drawing/2014/main" xmlns="" id="{6346752E-5488-4DC5-9EE3-C4ECCE01D7F0}"/>
+                <a16:creationId xmlns="" xmlns:a16="http://schemas.microsoft.com/office/drawing/2014/main" id="{6346752E-5488-4DC5-9EE3-C4ECCE01D7F0}"/>
               </a:ext>
             </a:extLst>
           </p:cNvPr>
@@ -16970,7 +19135,7 @@
           <p:cNvPr id="49" name="TextBox 48">
             <a:extLst>
               <a:ext uri="{FF2B5EF4-FFF2-40B4-BE49-F238E27FC236}">
-                <a16:creationId xmlns:a16="http://schemas.microsoft.com/office/drawing/2014/main" xmlns="" id="{159218C4-D86C-45A5-8FBF-C8D0EDD08DD9}"/>
+                <a16:creationId xmlns="" xmlns:a16="http://schemas.microsoft.com/office/drawing/2014/main" id="{159218C4-D86C-45A5-8FBF-C8D0EDD08DD9}"/>
               </a:ext>
             </a:extLst>
           </p:cNvPr>
@@ -17008,7 +19173,7 @@
           <p:cNvPr id="50" name="TextBox 49">
             <a:extLst>
               <a:ext uri="{FF2B5EF4-FFF2-40B4-BE49-F238E27FC236}">
-                <a16:creationId xmlns:a16="http://schemas.microsoft.com/office/drawing/2014/main" xmlns="" id="{A445CEF7-4DD8-4FF8-B97A-20BCFE989144}"/>
+                <a16:creationId xmlns="" xmlns:a16="http://schemas.microsoft.com/office/drawing/2014/main" id="{A445CEF7-4DD8-4FF8-B97A-20BCFE989144}"/>
               </a:ext>
             </a:extLst>
           </p:cNvPr>
@@ -17046,7 +19211,7 @@
           <p:cNvPr id="51" name="TextBox 50">
             <a:extLst>
               <a:ext uri="{FF2B5EF4-FFF2-40B4-BE49-F238E27FC236}">
-                <a16:creationId xmlns:a16="http://schemas.microsoft.com/office/drawing/2014/main" xmlns="" id="{BE204CD6-2B7D-4C99-83B0-2A1A8CF77015}"/>
+                <a16:creationId xmlns="" xmlns:a16="http://schemas.microsoft.com/office/drawing/2014/main" id="{BE204CD6-2B7D-4C99-83B0-2A1A8CF77015}"/>
               </a:ext>
             </a:extLst>
           </p:cNvPr>
@@ -17084,7 +19249,7 @@
           <p:cNvPr id="52" name="TextBox 51">
             <a:extLst>
               <a:ext uri="{FF2B5EF4-FFF2-40B4-BE49-F238E27FC236}">
-                <a16:creationId xmlns:a16="http://schemas.microsoft.com/office/drawing/2014/main" xmlns="" id="{10AD9D71-6BA9-4EA5-8EB3-AA790AD88DD3}"/>
+                <a16:creationId xmlns="" xmlns:a16="http://schemas.microsoft.com/office/drawing/2014/main" id="{10AD9D71-6BA9-4EA5-8EB3-AA790AD88DD3}"/>
               </a:ext>
             </a:extLst>
           </p:cNvPr>
@@ -17122,7 +19287,7 @@
           <p:cNvPr id="53" name="TextBox 52">
             <a:extLst>
               <a:ext uri="{FF2B5EF4-FFF2-40B4-BE49-F238E27FC236}">
-                <a16:creationId xmlns:a16="http://schemas.microsoft.com/office/drawing/2014/main" xmlns="" id="{FD7E6127-D001-49D5-A147-4CD89EF1314E}"/>
+                <a16:creationId xmlns="" xmlns:a16="http://schemas.microsoft.com/office/drawing/2014/main" id="{FD7E6127-D001-49D5-A147-4CD89EF1314E}"/>
               </a:ext>
             </a:extLst>
           </p:cNvPr>
@@ -17160,7 +19325,7 @@
           <p:cNvPr id="55" name="TextBox 54">
             <a:extLst>
               <a:ext uri="{FF2B5EF4-FFF2-40B4-BE49-F238E27FC236}">
-                <a16:creationId xmlns:a16="http://schemas.microsoft.com/office/drawing/2014/main" xmlns="" id="{1B7DB12B-678F-4074-B3EC-04F830F8B8C2}"/>
+                <a16:creationId xmlns="" xmlns:a16="http://schemas.microsoft.com/office/drawing/2014/main" id="{1B7DB12B-678F-4074-B3EC-04F830F8B8C2}"/>
               </a:ext>
             </a:extLst>
           </p:cNvPr>
@@ -17198,7 +19363,7 @@
           <p:cNvPr id="88" name="TextBox 87">
             <a:extLst>
               <a:ext uri="{FF2B5EF4-FFF2-40B4-BE49-F238E27FC236}">
-                <a16:creationId xmlns:a16="http://schemas.microsoft.com/office/drawing/2014/main" xmlns="" id="{00F1712F-93DE-4B98-8F89-EF10D2526DD9}"/>
+                <a16:creationId xmlns="" xmlns:a16="http://schemas.microsoft.com/office/drawing/2014/main" id="{00F1712F-93DE-4B98-8F89-EF10D2526DD9}"/>
               </a:ext>
             </a:extLst>
           </p:cNvPr>
@@ -17236,7 +19401,7 @@
           <p:cNvPr id="89" name="TextBox 88">
             <a:extLst>
               <a:ext uri="{FF2B5EF4-FFF2-40B4-BE49-F238E27FC236}">
-                <a16:creationId xmlns:a16="http://schemas.microsoft.com/office/drawing/2014/main" xmlns="" id="{48873E0B-870A-485E-96A1-42943FEC48A0}"/>
+                <a16:creationId xmlns="" xmlns:a16="http://schemas.microsoft.com/office/drawing/2014/main" id="{48873E0B-870A-485E-96A1-42943FEC48A0}"/>
               </a:ext>
             </a:extLst>
           </p:cNvPr>
@@ -17274,7 +19439,7 @@
           <p:cNvPr id="90" name="TextBox 89">
             <a:extLst>
               <a:ext uri="{FF2B5EF4-FFF2-40B4-BE49-F238E27FC236}">
-                <a16:creationId xmlns:a16="http://schemas.microsoft.com/office/drawing/2014/main" xmlns="" id="{621BEFBC-70EA-4CE9-B5D4-8A9EB58C0ADC}"/>
+                <a16:creationId xmlns="" xmlns:a16="http://schemas.microsoft.com/office/drawing/2014/main" id="{621BEFBC-70EA-4CE9-B5D4-8A9EB58C0ADC}"/>
               </a:ext>
             </a:extLst>
           </p:cNvPr>
@@ -17312,7 +19477,7 @@
           <p:cNvPr id="91" name="TextBox 90">
             <a:extLst>
               <a:ext uri="{FF2B5EF4-FFF2-40B4-BE49-F238E27FC236}">
-                <a16:creationId xmlns:a16="http://schemas.microsoft.com/office/drawing/2014/main" xmlns="" id="{324FE00C-29E2-47F9-B430-780C006DE449}"/>
+                <a16:creationId xmlns="" xmlns:a16="http://schemas.microsoft.com/office/drawing/2014/main" id="{324FE00C-29E2-47F9-B430-780C006DE449}"/>
               </a:ext>
             </a:extLst>
           </p:cNvPr>
@@ -17350,7 +19515,7 @@
           <p:cNvPr id="92" name="TextBox 91">
             <a:extLst>
               <a:ext uri="{FF2B5EF4-FFF2-40B4-BE49-F238E27FC236}">
-                <a16:creationId xmlns:a16="http://schemas.microsoft.com/office/drawing/2014/main" xmlns="" id="{37B89BE7-4A4B-4047-BD00-1BCD38BAA3E5}"/>
+                <a16:creationId xmlns="" xmlns:a16="http://schemas.microsoft.com/office/drawing/2014/main" id="{37B89BE7-4A4B-4047-BD00-1BCD38BAA3E5}"/>
               </a:ext>
             </a:extLst>
           </p:cNvPr>
@@ -17388,7 +19553,7 @@
           <p:cNvPr id="94" name="TextBox 93">
             <a:extLst>
               <a:ext uri="{FF2B5EF4-FFF2-40B4-BE49-F238E27FC236}">
-                <a16:creationId xmlns:a16="http://schemas.microsoft.com/office/drawing/2014/main" xmlns="" id="{2CC3AF41-3457-4574-AAD5-2B6060015252}"/>
+                <a16:creationId xmlns="" xmlns:a16="http://schemas.microsoft.com/office/drawing/2014/main" id="{2CC3AF41-3457-4574-AAD5-2B6060015252}"/>
               </a:ext>
             </a:extLst>
           </p:cNvPr>
@@ -17426,7 +19591,7 @@
           <p:cNvPr id="95" name="TextBox 94">
             <a:extLst>
               <a:ext uri="{FF2B5EF4-FFF2-40B4-BE49-F238E27FC236}">
-                <a16:creationId xmlns:a16="http://schemas.microsoft.com/office/drawing/2014/main" xmlns="" id="{8CE45887-6A98-4817-A7D8-BFAE901A8DC1}"/>
+                <a16:creationId xmlns="" xmlns:a16="http://schemas.microsoft.com/office/drawing/2014/main" id="{8CE45887-6A98-4817-A7D8-BFAE901A8DC1}"/>
               </a:ext>
             </a:extLst>
           </p:cNvPr>
@@ -17464,7 +19629,7 @@
           <p:cNvPr id="96" name="TextBox 95">
             <a:extLst>
               <a:ext uri="{FF2B5EF4-FFF2-40B4-BE49-F238E27FC236}">
-                <a16:creationId xmlns:a16="http://schemas.microsoft.com/office/drawing/2014/main" xmlns="" id="{D2F018F6-0017-4ED1-8030-12C91AA72D40}"/>
+                <a16:creationId xmlns="" xmlns:a16="http://schemas.microsoft.com/office/drawing/2014/main" id="{D2F018F6-0017-4ED1-8030-12C91AA72D40}"/>
               </a:ext>
             </a:extLst>
           </p:cNvPr>
@@ -17502,7 +19667,7 @@
           <p:cNvPr id="97" name="TextBox 96">
             <a:extLst>
               <a:ext uri="{FF2B5EF4-FFF2-40B4-BE49-F238E27FC236}">
-                <a16:creationId xmlns:a16="http://schemas.microsoft.com/office/drawing/2014/main" xmlns="" id="{6BA6E83D-2249-4DC6-A1B4-7C22457768FF}"/>
+                <a16:creationId xmlns="" xmlns:a16="http://schemas.microsoft.com/office/drawing/2014/main" id="{6BA6E83D-2249-4DC6-A1B4-7C22457768FF}"/>
               </a:ext>
             </a:extLst>
           </p:cNvPr>
@@ -17543,7 +19708,7 @@
           <p:cNvPr id="98" name="TextBox 97">
             <a:extLst>
               <a:ext uri="{FF2B5EF4-FFF2-40B4-BE49-F238E27FC236}">
-                <a16:creationId xmlns:a16="http://schemas.microsoft.com/office/drawing/2014/main" xmlns="" id="{A9C6BCCD-2628-4D76-A995-044B5AA812DE}"/>
+                <a16:creationId xmlns="" xmlns:a16="http://schemas.microsoft.com/office/drawing/2014/main" id="{A9C6BCCD-2628-4D76-A995-044B5AA812DE}"/>
               </a:ext>
             </a:extLst>
           </p:cNvPr>
@@ -17581,7 +19746,7 @@
           <p:cNvPr id="99" name="TextBox 98">
             <a:extLst>
               <a:ext uri="{FF2B5EF4-FFF2-40B4-BE49-F238E27FC236}">
-                <a16:creationId xmlns:a16="http://schemas.microsoft.com/office/drawing/2014/main" xmlns="" id="{B002F21C-B982-4402-807D-B9C235CB5647}"/>
+                <a16:creationId xmlns="" xmlns:a16="http://schemas.microsoft.com/office/drawing/2014/main" id="{B002F21C-B982-4402-807D-B9C235CB5647}"/>
               </a:ext>
             </a:extLst>
           </p:cNvPr>
@@ -17619,7 +19784,7 @@
           <p:cNvPr id="100" name="TextBox 99">
             <a:extLst>
               <a:ext uri="{FF2B5EF4-FFF2-40B4-BE49-F238E27FC236}">
-                <a16:creationId xmlns:a16="http://schemas.microsoft.com/office/drawing/2014/main" xmlns="" id="{6E9DC2E7-A48D-4066-94FF-D555D3E7E111}"/>
+                <a16:creationId xmlns="" xmlns:a16="http://schemas.microsoft.com/office/drawing/2014/main" id="{6E9DC2E7-A48D-4066-94FF-D555D3E7E111}"/>
               </a:ext>
             </a:extLst>
           </p:cNvPr>
@@ -17657,7 +19822,7 @@
           <p:cNvPr id="101" name="TextBox 100">
             <a:extLst>
               <a:ext uri="{FF2B5EF4-FFF2-40B4-BE49-F238E27FC236}">
-                <a16:creationId xmlns:a16="http://schemas.microsoft.com/office/drawing/2014/main" xmlns="" id="{60C088A5-94CB-4927-982B-3302A7498C98}"/>
+                <a16:creationId xmlns="" xmlns:a16="http://schemas.microsoft.com/office/drawing/2014/main" id="{60C088A5-94CB-4927-982B-3302A7498C98}"/>
               </a:ext>
             </a:extLst>
           </p:cNvPr>
@@ -17695,7 +19860,7 @@
           <p:cNvPr id="102" name="TextBox 101">
             <a:extLst>
               <a:ext uri="{FF2B5EF4-FFF2-40B4-BE49-F238E27FC236}">
-                <a16:creationId xmlns:a16="http://schemas.microsoft.com/office/drawing/2014/main" xmlns="" id="{5815668A-4B13-45DD-AB13-4F9D783A4E28}"/>
+                <a16:creationId xmlns="" xmlns:a16="http://schemas.microsoft.com/office/drawing/2014/main" id="{5815668A-4B13-45DD-AB13-4F9D783A4E28}"/>
               </a:ext>
             </a:extLst>
           </p:cNvPr>
@@ -17733,7 +19898,7 @@
           <p:cNvPr id="103" name="TextBox 102">
             <a:extLst>
               <a:ext uri="{FF2B5EF4-FFF2-40B4-BE49-F238E27FC236}">
-                <a16:creationId xmlns:a16="http://schemas.microsoft.com/office/drawing/2014/main" xmlns="" id="{BB9F4289-ABD0-455B-89BA-9B4FFE130233}"/>
+                <a16:creationId xmlns="" xmlns:a16="http://schemas.microsoft.com/office/drawing/2014/main" id="{BB9F4289-ABD0-455B-89BA-9B4FFE130233}"/>
               </a:ext>
             </a:extLst>
           </p:cNvPr>
@@ -17771,7 +19936,7 @@
           <p:cNvPr id="104" name="TextBox 103">
             <a:extLst>
               <a:ext uri="{FF2B5EF4-FFF2-40B4-BE49-F238E27FC236}">
-                <a16:creationId xmlns:a16="http://schemas.microsoft.com/office/drawing/2014/main" xmlns="" id="{63C75685-2BE3-41AF-B676-658EC2DCA468}"/>
+                <a16:creationId xmlns="" xmlns:a16="http://schemas.microsoft.com/office/drawing/2014/main" id="{63C75685-2BE3-41AF-B676-658EC2DCA468}"/>
               </a:ext>
             </a:extLst>
           </p:cNvPr>
@@ -17809,7 +19974,7 @@
           <p:cNvPr id="41" name="직선 연결선 40">
             <a:extLst>
               <a:ext uri="{FF2B5EF4-FFF2-40B4-BE49-F238E27FC236}">
-                <a16:creationId xmlns:a16="http://schemas.microsoft.com/office/drawing/2014/main" xmlns="" id="{1F4E8311-123B-4F32-939B-2A947174DC40}"/>
+                <a16:creationId xmlns="" xmlns:a16="http://schemas.microsoft.com/office/drawing/2014/main" id="{1F4E8311-123B-4F32-939B-2A947174DC40}"/>
               </a:ext>
             </a:extLst>
           </p:cNvPr>
@@ -17853,7 +20018,7 @@
           <p:cNvPr id="105" name="TextBox 104">
             <a:extLst>
               <a:ext uri="{FF2B5EF4-FFF2-40B4-BE49-F238E27FC236}">
-                <a16:creationId xmlns:a16="http://schemas.microsoft.com/office/drawing/2014/main" xmlns="" id="{140027E9-CEFC-47FB-B1C0-F3A211CA9D4D}"/>
+                <a16:creationId xmlns="" xmlns:a16="http://schemas.microsoft.com/office/drawing/2014/main" id="{140027E9-CEFC-47FB-B1C0-F3A211CA9D4D}"/>
               </a:ext>
             </a:extLst>
           </p:cNvPr>
@@ -17895,7 +20060,7 @@
           <p:cNvPr id="42" name="직선 연결선 41">
             <a:extLst>
               <a:ext uri="{FF2B5EF4-FFF2-40B4-BE49-F238E27FC236}">
-                <a16:creationId xmlns:a16="http://schemas.microsoft.com/office/drawing/2014/main" xmlns="" id="{55118AA6-BF0B-4B34-9C5E-2117DBBD1395}"/>
+                <a16:creationId xmlns="" xmlns:a16="http://schemas.microsoft.com/office/drawing/2014/main" id="{55118AA6-BF0B-4B34-9C5E-2117DBBD1395}"/>
               </a:ext>
             </a:extLst>
           </p:cNvPr>
@@ -17939,7 +20104,7 @@
           <p:cNvPr id="43" name="직선 연결선 42">
             <a:extLst>
               <a:ext uri="{FF2B5EF4-FFF2-40B4-BE49-F238E27FC236}">
-                <a16:creationId xmlns:a16="http://schemas.microsoft.com/office/drawing/2014/main" xmlns="" id="{AE7ECA80-9C63-44B4-8524-62B4B30F7463}"/>
+                <a16:creationId xmlns="" xmlns:a16="http://schemas.microsoft.com/office/drawing/2014/main" id="{AE7ECA80-9C63-44B4-8524-62B4B30F7463}"/>
               </a:ext>
             </a:extLst>
           </p:cNvPr>
@@ -17983,7 +20148,7 @@
           <p:cNvPr id="106" name="TextBox 105">
             <a:extLst>
               <a:ext uri="{FF2B5EF4-FFF2-40B4-BE49-F238E27FC236}">
-                <a16:creationId xmlns:a16="http://schemas.microsoft.com/office/drawing/2014/main" xmlns="" id="{3E9E0AE4-DD5D-43F2-A623-C0D646CE516F}"/>
+                <a16:creationId xmlns="" xmlns:a16="http://schemas.microsoft.com/office/drawing/2014/main" id="{3E9E0AE4-DD5D-43F2-A623-C0D646CE516F}"/>
               </a:ext>
             </a:extLst>
           </p:cNvPr>
@@ -18042,7 +20207,7 @@
           <p:cNvPr id="107" name="TextBox 106">
             <a:extLst>
               <a:ext uri="{FF2B5EF4-FFF2-40B4-BE49-F238E27FC236}">
-                <a16:creationId xmlns:a16="http://schemas.microsoft.com/office/drawing/2014/main" xmlns="" id="{EE398BA9-391F-40BB-BBB2-FD9FC5EF9F31}"/>
+                <a16:creationId xmlns="" xmlns:a16="http://schemas.microsoft.com/office/drawing/2014/main" id="{EE398BA9-391F-40BB-BBB2-FD9FC5EF9F31}"/>
               </a:ext>
             </a:extLst>
           </p:cNvPr>
@@ -18101,7 +20266,7 @@
           <p:cNvPr id="108" name="화살표: 왼쪽/오른쪽 107">
             <a:extLst>
               <a:ext uri="{FF2B5EF4-FFF2-40B4-BE49-F238E27FC236}">
-                <a16:creationId xmlns:a16="http://schemas.microsoft.com/office/drawing/2014/main" xmlns="" id="{62D491F2-D664-4A4F-A4B5-32ECFC5A6A0A}"/>
+                <a16:creationId xmlns="" xmlns:a16="http://schemas.microsoft.com/office/drawing/2014/main" id="{62D491F2-D664-4A4F-A4B5-32ECFC5A6A0A}"/>
               </a:ext>
             </a:extLst>
           </p:cNvPr>
@@ -18159,7 +20324,7 @@
           <p:cNvPr id="113" name="그림 112" descr="텍스트, 클립아트이(가) 표시된 사진&#10;&#10;자동 생성된 설명">
             <a:extLst>
               <a:ext uri="{FF2B5EF4-FFF2-40B4-BE49-F238E27FC236}">
-                <a16:creationId xmlns:a16="http://schemas.microsoft.com/office/drawing/2014/main" xmlns="" id="{E1758220-5C9F-485A-936A-7C4BC6ADDEA1}"/>
+                <a16:creationId xmlns="" xmlns:a16="http://schemas.microsoft.com/office/drawing/2014/main" id="{E1758220-5C9F-485A-936A-7C4BC6ADDEA1}"/>
               </a:ext>
             </a:extLst>
           </p:cNvPr>
@@ -18203,7 +20368,7 @@
           <p:cNvPr id="114" name="TextBox 113">
             <a:extLst>
               <a:ext uri="{FF2B5EF4-FFF2-40B4-BE49-F238E27FC236}">
-                <a16:creationId xmlns:a16="http://schemas.microsoft.com/office/drawing/2014/main" xmlns="" id="{293189C6-EBCC-4C60-9AD9-132E9B8E744E}"/>
+                <a16:creationId xmlns="" xmlns:a16="http://schemas.microsoft.com/office/drawing/2014/main" id="{293189C6-EBCC-4C60-9AD9-132E9B8E744E}"/>
               </a:ext>
             </a:extLst>
           </p:cNvPr>

--- a/pics/2021-01-05-confidence_interval/pics.pptx
+++ b/pics/2021-01-05-confidence_interval/pics.pptx
@@ -10546,8 +10546,8 @@
             </p:nvSpPr>
             <p:spPr>
               <a:xfrm>
-                <a:off x="4416524" y="753142"/>
-                <a:ext cx="1650580" cy="307777"/>
+                <a:off x="4422326" y="753142"/>
+                <a:ext cx="1638975" cy="307777"/>
               </a:xfrm>
               <a:prstGeom prst="rect">
                 <a:avLst/>
@@ -10636,7 +10636,7 @@
                             <a:latin typeface="Cambria Math"/>
                             <a:ea typeface="배달의민족 주아" panose="02020603020101020101" pitchFamily="18" charset="-127"/>
                           </a:rPr>
-                          <m:t>𝛼</m:t>
+                          <m:t>𝐴</m:t>
                         </m:r>
                       </m:sub>
                     </m:sSub>
@@ -10680,8 +10680,8 @@
             </p:nvSpPr>
             <p:spPr>
               <a:xfrm>
-                <a:off x="4416524" y="753142"/>
-                <a:ext cx="1650580" cy="307777"/>
+                <a:off x="4422326" y="753142"/>
+                <a:ext cx="1638975" cy="307777"/>
               </a:xfrm>
               <a:prstGeom prst="rect">
                 <a:avLst/>
@@ -10689,7 +10689,7 @@
               <a:blipFill rotWithShape="1">
                 <a:blip r:embed="rId4"/>
                 <a:stretch>
-                  <a:fillRect l="-369" r="-1107" b="-22000"/>
+                  <a:fillRect l="-372" r="-1115" b="-22000"/>
                 </a:stretch>
               </a:blipFill>
             </p:spPr>
@@ -10794,7 +10794,7 @@
                             <a:latin typeface="Cambria Math"/>
                             <a:ea typeface="배달의민족 주아" panose="02020603020101020101" pitchFamily="18" charset="-127"/>
                           </a:rPr>
-                          <m:t>𝛼</m:t>
+                          <m:t>𝐴</m:t>
                         </m:r>
                       </m:sub>
                     </m:sSub>
@@ -10847,7 +10847,7 @@
               <a:blipFill rotWithShape="1">
                 <a:blip r:embed="rId5"/>
                 <a:stretch>
-                  <a:fillRect l="-394" r="-1181" b="-22000"/>
+                  <a:fillRect r="-787" b="-22000"/>
                 </a:stretch>
               </a:blipFill>
             </p:spPr>
@@ -10982,128 +10982,62 @@
           </a:p>
         </p:txBody>
       </p:sp>
-      <mc:AlternateContent xmlns:mc="http://schemas.openxmlformats.org/markup-compatibility/2006">
-        <mc:Choice xmlns:a14="http://schemas.microsoft.com/office/drawing/2010/main" Requires="a14">
-          <p:sp>
-            <p:nvSpPr>
-              <p:cNvPr id="87" name="TextBox 86">
-                <a:extLst>
-                  <a:ext uri="{FF2B5EF4-FFF2-40B4-BE49-F238E27FC236}">
-                    <a16:creationId xmlns="" xmlns:a16="http://schemas.microsoft.com/office/drawing/2014/main" id="{38413CFF-9145-48E8-AA03-05D6C8B2F931}"/>
-                  </a:ext>
-                </a:extLst>
-              </p:cNvPr>
-              <p:cNvSpPr txBox="1"/>
-              <p:nvPr/>
-            </p:nvSpPr>
-            <p:spPr>
-              <a:xfrm>
-                <a:off x="5831752" y="1800218"/>
-                <a:ext cx="1237326" cy="261610"/>
-              </a:xfrm>
-              <a:prstGeom prst="rect">
-                <a:avLst/>
-              </a:prstGeom>
-              <a:noFill/>
-            </p:spPr>
-            <p:txBody>
-              <a:bodyPr wrap="none" rtlCol="0">
-                <a:spAutoFit/>
-              </a:bodyPr>
-              <a:lstStyle/>
-              <a:p>
-                <a:r>
-                  <a:rPr lang="en-US" altLang="ko-KR" sz="1100" dirty="0" smtClean="0">
-                    <a:latin typeface="배달의민족 주아" panose="02020603020101020101" pitchFamily="18" charset="-127"/>
-                    <a:ea typeface="배달의민족 주아" panose="02020603020101020101" pitchFamily="18" charset="-127"/>
-                  </a:rPr>
-                  <a:t>: </a:t>
-                </a:r>
-                <a:r>
-                  <a:rPr lang="ko-KR" altLang="en-US" sz="1100" dirty="0">
-                    <a:latin typeface="배달의민족 주아" panose="02020603020101020101" pitchFamily="18" charset="-127"/>
-                    <a:ea typeface="배달의민족 주아" panose="02020603020101020101" pitchFamily="18" charset="-127"/>
-                  </a:rPr>
-                  <a:t>신뢰구간</a:t>
-                </a:r>
-                <a:r>
-                  <a:rPr lang="en-US" altLang="ko-KR" sz="1100" dirty="0" smtClean="0">
-                    <a:latin typeface="배달의민족 주아" panose="02020603020101020101" pitchFamily="18" charset="-127"/>
-                    <a:ea typeface="배달의민족 주아" panose="02020603020101020101" pitchFamily="18" charset="-127"/>
-                  </a:rPr>
-                  <a:t>(100</a:t>
-                </a:r>
-                <a14:m>
-                  <m:oMath xmlns:m="http://schemas.openxmlformats.org/officeDocument/2006/math">
-                    <m:r>
-                      <a:rPr lang="en-US" altLang="ko-KR" sz="1100" b="0" i="1" smtClean="0">
-                        <a:latin typeface="Cambria Math"/>
-                        <a:ea typeface="배달의민족 주아" panose="02020603020101020101" pitchFamily="18" charset="-127"/>
-                      </a:rPr>
-                      <m:t>𝛼</m:t>
-                    </m:r>
-                  </m:oMath>
-                </a14:m>
-                <a:r>
-                  <a:rPr lang="en-US" altLang="ko-KR" sz="1100" dirty="0" smtClean="0">
-                    <a:latin typeface="배달의민족 주아" panose="02020603020101020101" pitchFamily="18" charset="-127"/>
-                    <a:ea typeface="배달의민족 주아" panose="02020603020101020101" pitchFamily="18" charset="-127"/>
-                  </a:rPr>
-                  <a:t>%)</a:t>
-                </a:r>
-                <a:endParaRPr lang="ko-KR" altLang="en-US" sz="1100" dirty="0">
-                  <a:latin typeface="배달의민족 주아" panose="02020603020101020101" pitchFamily="18" charset="-127"/>
-                  <a:ea typeface="배달의민족 주아" panose="02020603020101020101" pitchFamily="18" charset="-127"/>
-                </a:endParaRPr>
-              </a:p>
-            </p:txBody>
-          </p:sp>
-        </mc:Choice>
-        <mc:Fallback>
-          <p:sp>
-            <p:nvSpPr>
-              <p:cNvPr id="87" name="TextBox 86">
-                <a:extLst>
-                  <a:ext uri="{FF2B5EF4-FFF2-40B4-BE49-F238E27FC236}">
-                    <a16:creationId xmlns="" xmlns:a16="http://schemas.microsoft.com/office/drawing/2014/main" id="{38413CFF-9145-48E8-AA03-05D6C8B2F931}"/>
-                  </a:ext>
-                </a:extLst>
-              </p:cNvPr>
-              <p:cNvSpPr txBox="1">
-                <a:spLocks noRot="1" noChangeAspect="1" noMove="1" noResize="1" noEditPoints="1" noAdjustHandles="1" noChangeArrowheads="1" noChangeShapeType="1" noTextEdit="1"/>
-              </p:cNvSpPr>
-              <p:nvPr/>
-            </p:nvSpPr>
-            <p:spPr>
-              <a:xfrm>
-                <a:off x="5831752" y="1800218"/>
-                <a:ext cx="1237326" cy="261610"/>
-              </a:xfrm>
-              <a:prstGeom prst="rect">
-                <a:avLst/>
-              </a:prstGeom>
-              <a:blipFill rotWithShape="1">
-                <a:blip r:embed="rId6"/>
-                <a:stretch>
-                  <a:fillRect b="-18605"/>
-                </a:stretch>
-              </a:blipFill>
-            </p:spPr>
-            <p:txBody>
-              <a:bodyPr/>
-              <a:lstStyle/>
-              <a:p>
-                <a:r>
-                  <a:rPr lang="ko-KR" altLang="en-US">
-                    <a:noFill/>
-                  </a:rPr>
-                  <a:t> </a:t>
-                </a:r>
-              </a:p>
-            </p:txBody>
-          </p:sp>
-        </mc:Fallback>
-      </mc:AlternateContent>
+      <p:sp>
+        <p:nvSpPr>
+          <p:cNvPr id="87" name="TextBox 86">
+            <a:extLst>
+              <a:ext uri="{FF2B5EF4-FFF2-40B4-BE49-F238E27FC236}">
+                <a16:creationId xmlns="" xmlns:a16="http://schemas.microsoft.com/office/drawing/2014/main" id="{38413CFF-9145-48E8-AA03-05D6C8B2F931}"/>
+              </a:ext>
+            </a:extLst>
+          </p:cNvPr>
+          <p:cNvSpPr txBox="1"/>
+          <p:nvPr/>
+        </p:nvSpPr>
+        <p:spPr>
+          <a:xfrm>
+            <a:off x="5831752" y="1800218"/>
+            <a:ext cx="1247457" cy="261610"/>
+          </a:xfrm>
+          <a:prstGeom prst="rect">
+            <a:avLst/>
+          </a:prstGeom>
+          <a:noFill/>
+        </p:spPr>
+        <p:txBody>
+          <a:bodyPr wrap="none" rtlCol="0">
+            <a:spAutoFit/>
+          </a:bodyPr>
+          <a:lstStyle/>
+          <a:p>
+            <a:r>
+              <a:rPr lang="en-US" altLang="ko-KR" sz="1100" dirty="0" smtClean="0">
+                <a:latin typeface="배달의민족 주아" panose="02020603020101020101" pitchFamily="18" charset="-127"/>
+                <a:ea typeface="배달의민족 주아" panose="02020603020101020101" pitchFamily="18" charset="-127"/>
+              </a:rPr>
+              <a:t>: </a:t>
+            </a:r>
+            <a:r>
+              <a:rPr lang="ko-KR" altLang="en-US" sz="1100" dirty="0">
+                <a:latin typeface="배달의민족 주아" panose="02020603020101020101" pitchFamily="18" charset="-127"/>
+                <a:ea typeface="배달의민족 주아" panose="02020603020101020101" pitchFamily="18" charset="-127"/>
+              </a:rPr>
+              <a:t>신뢰구간</a:t>
+            </a:r>
+            <a:r>
+              <a:rPr lang="en-US" altLang="ko-KR" sz="1100" dirty="0" smtClean="0">
+                <a:latin typeface="배달의민족 주아" panose="02020603020101020101" pitchFamily="18" charset="-127"/>
+                <a:ea typeface="배달의민족 주아" panose="02020603020101020101" pitchFamily="18" charset="-127"/>
+              </a:rPr>
+              <a:t>(100A%)</a:t>
+            </a:r>
+            <a:endParaRPr lang="ko-KR" altLang="en-US" sz="1100" dirty="0">
+              <a:latin typeface="배달의민족 주아" panose="02020603020101020101" pitchFamily="18" charset="-127"/>
+              <a:ea typeface="배달의민족 주아" panose="02020603020101020101" pitchFamily="18" charset="-127"/>
+            </a:endParaRPr>
+          </a:p>
+        </p:txBody>
+      </p:sp>
     </p:spTree>
     <p:extLst>
       <p:ext uri="{BB962C8B-B14F-4D97-AF65-F5344CB8AC3E}">

--- a/pics/2021-01-05-confidence_interval/pics.pptx
+++ b/pics/2021-01-05-confidence_interval/pics.pptx
@@ -18,6 +18,7 @@
     <p:sldId id="257" r:id="rId12"/>
     <p:sldId id="261" r:id="rId13"/>
     <p:sldId id="269" r:id="rId14"/>
+    <p:sldId id="270" r:id="rId15"/>
   </p:sldIdLst>
   <p:sldSz cx="9144000" cy="5143500" type="screen16x9"/>
   <p:notesSz cx="6858000" cy="9144000"/>
@@ -118,7 +119,7 @@
   </p:defaultTextStyle>
   <p:extLst>
     <p:ext uri="{EFAFB233-063F-42B5-8137-9DF3F51BA10A}">
-      <p15:sldGuideLst xmlns="" xmlns:p15="http://schemas.microsoft.com/office/powerpoint/2012/main">
+      <p15:sldGuideLst xmlns:p15="http://schemas.microsoft.com/office/powerpoint/2012/main" xmlns="">
         <p15:guide id="1" orient="horz" pos="1620">
           <p15:clr>
             <a:srgbClr val="A4A3A4"/>
@@ -3112,7 +3113,7 @@
           <p:cNvPr id="7" name="그림 6" descr="텍스트이(가) 표시된 사진&#10;&#10;자동 생성된 설명">
             <a:extLst>
               <a:ext uri="{FF2B5EF4-FFF2-40B4-BE49-F238E27FC236}">
-                <a16:creationId xmlns="" xmlns:a16="http://schemas.microsoft.com/office/drawing/2014/main" id="{97E8C222-6FDB-4CD9-B36F-1A683D33AD67}"/>
+                <a16:creationId xmlns:a16="http://schemas.microsoft.com/office/drawing/2014/main" xmlns="" id="{97E8C222-6FDB-4CD9-B36F-1A683D33AD67}"/>
               </a:ext>
             </a:extLst>
           </p:cNvPr>
@@ -3147,7 +3148,7 @@
           <p:cNvPr id="8" name="그림 7" descr="텍스트이(가) 표시된 사진&#10;&#10;자동 생성된 설명">
             <a:extLst>
               <a:ext uri="{FF2B5EF4-FFF2-40B4-BE49-F238E27FC236}">
-                <a16:creationId xmlns="" xmlns:a16="http://schemas.microsoft.com/office/drawing/2014/main" id="{B8463EB3-D717-43C2-9C51-69CBF86CF0E3}"/>
+                <a16:creationId xmlns:a16="http://schemas.microsoft.com/office/drawing/2014/main" xmlns="" id="{B8463EB3-D717-43C2-9C51-69CBF86CF0E3}"/>
               </a:ext>
             </a:extLst>
           </p:cNvPr>
@@ -3182,7 +3183,7 @@
           <p:cNvPr id="9" name="직사각형 8">
             <a:extLst>
               <a:ext uri="{FF2B5EF4-FFF2-40B4-BE49-F238E27FC236}">
-                <a16:creationId xmlns="" xmlns:a16="http://schemas.microsoft.com/office/drawing/2014/main" id="{CCA5593B-5777-488F-A0B3-329D4AAD7AE6}"/>
+                <a16:creationId xmlns:a16="http://schemas.microsoft.com/office/drawing/2014/main" xmlns="" id="{CCA5593B-5777-488F-A0B3-329D4AAD7AE6}"/>
               </a:ext>
             </a:extLst>
           </p:cNvPr>
@@ -3994,7 +3995,7 @@
           <p:cNvPr id="123" name="Picture 2">
             <a:extLst>
               <a:ext uri="{FF2B5EF4-FFF2-40B4-BE49-F238E27FC236}">
-                <a16:creationId xmlns="" xmlns:a16="http://schemas.microsoft.com/office/drawing/2014/main" id="{D39BA6FB-C96D-4C46-A73C-38C9B34415E4}"/>
+                <a16:creationId xmlns:a16="http://schemas.microsoft.com/office/drawing/2014/main" xmlns="" id="{D39BA6FB-C96D-4C46-A73C-38C9B34415E4}"/>
               </a:ext>
             </a:extLst>
           </p:cNvPr>
@@ -4062,7 +4063,7 @@
           <p:cNvPr id="137" name="Picture 5" descr="https://static.wikia.nocookie.net/camp_for_bragging_rights/images/0/0e/Stickman.png/revision/latest/scale-to-width-down/768?cb=20200421202819">
             <a:extLst>
               <a:ext uri="{FF2B5EF4-FFF2-40B4-BE49-F238E27FC236}">
-                <a16:creationId xmlns="" xmlns:a16="http://schemas.microsoft.com/office/drawing/2014/main" id="{166B4B5D-3691-4AF7-8162-216E61BDA6F8}"/>
+                <a16:creationId xmlns:a16="http://schemas.microsoft.com/office/drawing/2014/main" xmlns="" id="{166B4B5D-3691-4AF7-8162-216E61BDA6F8}"/>
               </a:ext>
             </a:extLst>
           </p:cNvPr>
@@ -4107,7 +4108,7 @@
           <p:cNvPr id="138" name="Picture 5" descr="https://static.wikia.nocookie.net/camp_for_bragging_rights/images/0/0e/Stickman.png/revision/latest/scale-to-width-down/768?cb=20200421202819">
             <a:extLst>
               <a:ext uri="{FF2B5EF4-FFF2-40B4-BE49-F238E27FC236}">
-                <a16:creationId xmlns="" xmlns:a16="http://schemas.microsoft.com/office/drawing/2014/main" id="{6FF4F6CB-23EB-4AF0-A311-99786ECB2520}"/>
+                <a16:creationId xmlns:a16="http://schemas.microsoft.com/office/drawing/2014/main" xmlns="" id="{6FF4F6CB-23EB-4AF0-A311-99786ECB2520}"/>
               </a:ext>
             </a:extLst>
           </p:cNvPr>
@@ -4152,7 +4153,7 @@
           <p:cNvPr id="140" name="Picture 5" descr="https://static.wikia.nocookie.net/camp_for_bragging_rights/images/0/0e/Stickman.png/revision/latest/scale-to-width-down/768?cb=20200421202819">
             <a:extLst>
               <a:ext uri="{FF2B5EF4-FFF2-40B4-BE49-F238E27FC236}">
-                <a16:creationId xmlns="" xmlns:a16="http://schemas.microsoft.com/office/drawing/2014/main" id="{A7E8D6FF-3231-40DC-A081-6D5C71E87E3D}"/>
+                <a16:creationId xmlns:a16="http://schemas.microsoft.com/office/drawing/2014/main" xmlns="" id="{A7E8D6FF-3231-40DC-A081-6D5C71E87E3D}"/>
               </a:ext>
             </a:extLst>
           </p:cNvPr>
@@ -4197,7 +4198,7 @@
           <p:cNvPr id="148" name="Picture 6" descr="C:\Users\biosensor1\Documents\카카오톡 받은 파일\KakaoTalk_20210112_172206730.png">
             <a:extLst>
               <a:ext uri="{FF2B5EF4-FFF2-40B4-BE49-F238E27FC236}">
-                <a16:creationId xmlns="" xmlns:a16="http://schemas.microsoft.com/office/drawing/2014/main" id="{3D141645-779A-45FA-BFAF-899404DC1F36}"/>
+                <a16:creationId xmlns:a16="http://schemas.microsoft.com/office/drawing/2014/main" xmlns="" id="{3D141645-779A-45FA-BFAF-899404DC1F36}"/>
               </a:ext>
             </a:extLst>
           </p:cNvPr>
@@ -4242,7 +4243,7 @@
           <p:cNvPr id="155" name="TextBox 154">
             <a:extLst>
               <a:ext uri="{FF2B5EF4-FFF2-40B4-BE49-F238E27FC236}">
-                <a16:creationId xmlns="" xmlns:a16="http://schemas.microsoft.com/office/drawing/2014/main" id="{B82E9A67-D1FD-42F2-9B91-C7989E46382D}"/>
+                <a16:creationId xmlns:a16="http://schemas.microsoft.com/office/drawing/2014/main" xmlns="" id="{B82E9A67-D1FD-42F2-9B91-C7989E46382D}"/>
               </a:ext>
             </a:extLst>
           </p:cNvPr>
@@ -4292,7 +4293,7 @@
           <p:cNvPr id="199" name="Picture 2">
             <a:extLst>
               <a:ext uri="{FF2B5EF4-FFF2-40B4-BE49-F238E27FC236}">
-                <a16:creationId xmlns="" xmlns:a16="http://schemas.microsoft.com/office/drawing/2014/main" id="{D28AE9EA-24E9-4807-B64A-57CC46C36697}"/>
+                <a16:creationId xmlns:a16="http://schemas.microsoft.com/office/drawing/2014/main" xmlns="" id="{D28AE9EA-24E9-4807-B64A-57CC46C36697}"/>
               </a:ext>
             </a:extLst>
           </p:cNvPr>
@@ -4360,7 +4361,7 @@
           <p:cNvPr id="200" name="Picture 5" descr="https://static.wikia.nocookie.net/camp_for_bragging_rights/images/0/0e/Stickman.png/revision/latest/scale-to-width-down/768?cb=20200421202819">
             <a:extLst>
               <a:ext uri="{FF2B5EF4-FFF2-40B4-BE49-F238E27FC236}">
-                <a16:creationId xmlns="" xmlns:a16="http://schemas.microsoft.com/office/drawing/2014/main" id="{1A12F9BB-DF14-42DC-A3FA-16FD1D9BFD3F}"/>
+                <a16:creationId xmlns:a16="http://schemas.microsoft.com/office/drawing/2014/main" xmlns="" id="{1A12F9BB-DF14-42DC-A3FA-16FD1D9BFD3F}"/>
               </a:ext>
             </a:extLst>
           </p:cNvPr>
@@ -4405,7 +4406,7 @@
           <p:cNvPr id="201" name="Picture 5" descr="https://static.wikia.nocookie.net/camp_for_bragging_rights/images/0/0e/Stickman.png/revision/latest/scale-to-width-down/768?cb=20200421202819">
             <a:extLst>
               <a:ext uri="{FF2B5EF4-FFF2-40B4-BE49-F238E27FC236}">
-                <a16:creationId xmlns="" xmlns:a16="http://schemas.microsoft.com/office/drawing/2014/main" id="{1080F3EB-E75D-4459-AB25-309A967A3DE7}"/>
+                <a16:creationId xmlns:a16="http://schemas.microsoft.com/office/drawing/2014/main" xmlns="" id="{1080F3EB-E75D-4459-AB25-309A967A3DE7}"/>
               </a:ext>
             </a:extLst>
           </p:cNvPr>
@@ -4450,7 +4451,7 @@
           <p:cNvPr id="202" name="Picture 5" descr="https://static.wikia.nocookie.net/camp_for_bragging_rights/images/0/0e/Stickman.png/revision/latest/scale-to-width-down/768?cb=20200421202819">
             <a:extLst>
               <a:ext uri="{FF2B5EF4-FFF2-40B4-BE49-F238E27FC236}">
-                <a16:creationId xmlns="" xmlns:a16="http://schemas.microsoft.com/office/drawing/2014/main" id="{D437E1BE-B453-46F3-A521-7D95E6E55C76}"/>
+                <a16:creationId xmlns:a16="http://schemas.microsoft.com/office/drawing/2014/main" xmlns="" id="{D437E1BE-B453-46F3-A521-7D95E6E55C76}"/>
               </a:ext>
             </a:extLst>
           </p:cNvPr>
@@ -4495,7 +4496,7 @@
           <p:cNvPr id="203" name="Picture 5" descr="https://static.wikia.nocookie.net/camp_for_bragging_rights/images/0/0e/Stickman.png/revision/latest/scale-to-width-down/768?cb=20200421202819">
             <a:extLst>
               <a:ext uri="{FF2B5EF4-FFF2-40B4-BE49-F238E27FC236}">
-                <a16:creationId xmlns="" xmlns:a16="http://schemas.microsoft.com/office/drawing/2014/main" id="{4F60AEBC-F6F4-477B-8ED8-F63C0C27FCF5}"/>
+                <a16:creationId xmlns:a16="http://schemas.microsoft.com/office/drawing/2014/main" xmlns="" id="{4F60AEBC-F6F4-477B-8ED8-F63C0C27FCF5}"/>
               </a:ext>
             </a:extLst>
           </p:cNvPr>
@@ -4540,7 +4541,7 @@
           <p:cNvPr id="204" name="Picture 5" descr="https://static.wikia.nocookie.net/camp_for_bragging_rights/images/0/0e/Stickman.png/revision/latest/scale-to-width-down/768?cb=20200421202819">
             <a:extLst>
               <a:ext uri="{FF2B5EF4-FFF2-40B4-BE49-F238E27FC236}">
-                <a16:creationId xmlns="" xmlns:a16="http://schemas.microsoft.com/office/drawing/2014/main" id="{9419EE42-F2D1-49F1-82D5-45859855D7C0}"/>
+                <a16:creationId xmlns:a16="http://schemas.microsoft.com/office/drawing/2014/main" xmlns="" id="{9419EE42-F2D1-49F1-82D5-45859855D7C0}"/>
               </a:ext>
             </a:extLst>
           </p:cNvPr>
@@ -4585,7 +4586,7 @@
           <p:cNvPr id="205" name="Picture 5" descr="https://static.wikia.nocookie.net/camp_for_bragging_rights/images/0/0e/Stickman.png/revision/latest/scale-to-width-down/768?cb=20200421202819">
             <a:extLst>
               <a:ext uri="{FF2B5EF4-FFF2-40B4-BE49-F238E27FC236}">
-                <a16:creationId xmlns="" xmlns:a16="http://schemas.microsoft.com/office/drawing/2014/main" id="{5450B433-5567-4651-9BFB-8B3A32E29A2A}"/>
+                <a16:creationId xmlns:a16="http://schemas.microsoft.com/office/drawing/2014/main" xmlns="" id="{5450B433-5567-4651-9BFB-8B3A32E29A2A}"/>
               </a:ext>
             </a:extLst>
           </p:cNvPr>
@@ -4630,7 +4631,7 @@
           <p:cNvPr id="206" name="Picture 5" descr="https://static.wikia.nocookie.net/camp_for_bragging_rights/images/0/0e/Stickman.png/revision/latest/scale-to-width-down/768?cb=20200421202819">
             <a:extLst>
               <a:ext uri="{FF2B5EF4-FFF2-40B4-BE49-F238E27FC236}">
-                <a16:creationId xmlns="" xmlns:a16="http://schemas.microsoft.com/office/drawing/2014/main" id="{258EEADD-4985-4DF0-89A8-7550DCA90E9C}"/>
+                <a16:creationId xmlns:a16="http://schemas.microsoft.com/office/drawing/2014/main" xmlns="" id="{258EEADD-4985-4DF0-89A8-7550DCA90E9C}"/>
               </a:ext>
             </a:extLst>
           </p:cNvPr>
@@ -4675,7 +4676,7 @@
           <p:cNvPr id="207" name="Picture 5" descr="https://static.wikia.nocookie.net/camp_for_bragging_rights/images/0/0e/Stickman.png/revision/latest/scale-to-width-down/768?cb=20200421202819">
             <a:extLst>
               <a:ext uri="{FF2B5EF4-FFF2-40B4-BE49-F238E27FC236}">
-                <a16:creationId xmlns="" xmlns:a16="http://schemas.microsoft.com/office/drawing/2014/main" id="{9B91F6D8-AC19-49D7-9133-62D1D91EF2F7}"/>
+                <a16:creationId xmlns:a16="http://schemas.microsoft.com/office/drawing/2014/main" xmlns="" id="{9B91F6D8-AC19-49D7-9133-62D1D91EF2F7}"/>
               </a:ext>
             </a:extLst>
           </p:cNvPr>
@@ -4720,7 +4721,7 @@
           <p:cNvPr id="208" name="Picture 5" descr="https://static.wikia.nocookie.net/camp_for_bragging_rights/images/0/0e/Stickman.png/revision/latest/scale-to-width-down/768?cb=20200421202819">
             <a:extLst>
               <a:ext uri="{FF2B5EF4-FFF2-40B4-BE49-F238E27FC236}">
-                <a16:creationId xmlns="" xmlns:a16="http://schemas.microsoft.com/office/drawing/2014/main" id="{1B791DEC-BCAB-46E7-98EE-CF1F9C7F9A4A}"/>
+                <a16:creationId xmlns:a16="http://schemas.microsoft.com/office/drawing/2014/main" xmlns="" id="{1B791DEC-BCAB-46E7-98EE-CF1F9C7F9A4A}"/>
               </a:ext>
             </a:extLst>
           </p:cNvPr>
@@ -4765,7 +4766,7 @@
           <p:cNvPr id="209" name="Picture 5" descr="https://static.wikia.nocookie.net/camp_for_bragging_rights/images/0/0e/Stickman.png/revision/latest/scale-to-width-down/768?cb=20200421202819">
             <a:extLst>
               <a:ext uri="{FF2B5EF4-FFF2-40B4-BE49-F238E27FC236}">
-                <a16:creationId xmlns="" xmlns:a16="http://schemas.microsoft.com/office/drawing/2014/main" id="{BC86DD45-859E-4A94-A330-11B487DEF50D}"/>
+                <a16:creationId xmlns:a16="http://schemas.microsoft.com/office/drawing/2014/main" xmlns="" id="{BC86DD45-859E-4A94-A330-11B487DEF50D}"/>
               </a:ext>
             </a:extLst>
           </p:cNvPr>
@@ -4810,7 +4811,7 @@
           <p:cNvPr id="210" name="Picture 5" descr="https://static.wikia.nocookie.net/camp_for_bragging_rights/images/0/0e/Stickman.png/revision/latest/scale-to-width-down/768?cb=20200421202819">
             <a:extLst>
               <a:ext uri="{FF2B5EF4-FFF2-40B4-BE49-F238E27FC236}">
-                <a16:creationId xmlns="" xmlns:a16="http://schemas.microsoft.com/office/drawing/2014/main" id="{696735D1-EEF9-4D11-B3CA-E7A50FCBDD29}"/>
+                <a16:creationId xmlns:a16="http://schemas.microsoft.com/office/drawing/2014/main" xmlns="" id="{696735D1-EEF9-4D11-B3CA-E7A50FCBDD29}"/>
               </a:ext>
             </a:extLst>
           </p:cNvPr>
@@ -4855,7 +4856,7 @@
           <p:cNvPr id="211" name="Picture 6" descr="C:\Users\biosensor1\Documents\카카오톡 받은 파일\KakaoTalk_20210112_172206730.png">
             <a:extLst>
               <a:ext uri="{FF2B5EF4-FFF2-40B4-BE49-F238E27FC236}">
-                <a16:creationId xmlns="" xmlns:a16="http://schemas.microsoft.com/office/drawing/2014/main" id="{E66529A4-CE8E-4726-89C7-D0E9C2E7EA9E}"/>
+                <a16:creationId xmlns:a16="http://schemas.microsoft.com/office/drawing/2014/main" xmlns="" id="{E66529A4-CE8E-4726-89C7-D0E9C2E7EA9E}"/>
               </a:ext>
             </a:extLst>
           </p:cNvPr>
@@ -4900,7 +4901,7 @@
           <p:cNvPr id="212" name="Picture 6" descr="C:\Users\biosensor1\Documents\카카오톡 받은 파일\KakaoTalk_20210112_172206730.png">
             <a:extLst>
               <a:ext uri="{FF2B5EF4-FFF2-40B4-BE49-F238E27FC236}">
-                <a16:creationId xmlns="" xmlns:a16="http://schemas.microsoft.com/office/drawing/2014/main" id="{F684D7EA-4819-46EB-B1DF-55D091859480}"/>
+                <a16:creationId xmlns:a16="http://schemas.microsoft.com/office/drawing/2014/main" xmlns="" id="{F684D7EA-4819-46EB-B1DF-55D091859480}"/>
               </a:ext>
             </a:extLst>
           </p:cNvPr>
@@ -4945,7 +4946,7 @@
           <p:cNvPr id="213" name="Picture 6" descr="C:\Users\biosensor1\Documents\카카오톡 받은 파일\KakaoTalk_20210112_172206730.png">
             <a:extLst>
               <a:ext uri="{FF2B5EF4-FFF2-40B4-BE49-F238E27FC236}">
-                <a16:creationId xmlns="" xmlns:a16="http://schemas.microsoft.com/office/drawing/2014/main" id="{3A51768F-AA29-4FC8-A4EB-082B839E1955}"/>
+                <a16:creationId xmlns:a16="http://schemas.microsoft.com/office/drawing/2014/main" xmlns="" id="{3A51768F-AA29-4FC8-A4EB-082B839E1955}"/>
               </a:ext>
             </a:extLst>
           </p:cNvPr>
@@ -4990,7 +4991,7 @@
           <p:cNvPr id="214" name="Picture 6" descr="C:\Users\biosensor1\Documents\카카오톡 받은 파일\KakaoTalk_20210112_172206730.png">
             <a:extLst>
               <a:ext uri="{FF2B5EF4-FFF2-40B4-BE49-F238E27FC236}">
-                <a16:creationId xmlns="" xmlns:a16="http://schemas.microsoft.com/office/drawing/2014/main" id="{AAF3571A-A91A-4560-9FAF-C6C363BE6CB4}"/>
+                <a16:creationId xmlns:a16="http://schemas.microsoft.com/office/drawing/2014/main" xmlns="" id="{AAF3571A-A91A-4560-9FAF-C6C363BE6CB4}"/>
               </a:ext>
             </a:extLst>
           </p:cNvPr>
@@ -5035,7 +5036,7 @@
           <p:cNvPr id="215" name="Picture 6" descr="C:\Users\biosensor1\Documents\카카오톡 받은 파일\KakaoTalk_20210112_172206730.png">
             <a:extLst>
               <a:ext uri="{FF2B5EF4-FFF2-40B4-BE49-F238E27FC236}">
-                <a16:creationId xmlns="" xmlns:a16="http://schemas.microsoft.com/office/drawing/2014/main" id="{F7B746FA-CC20-46BF-9B69-932B7236AFF3}"/>
+                <a16:creationId xmlns:a16="http://schemas.microsoft.com/office/drawing/2014/main" xmlns="" id="{F7B746FA-CC20-46BF-9B69-932B7236AFF3}"/>
               </a:ext>
             </a:extLst>
           </p:cNvPr>
@@ -5080,7 +5081,7 @@
           <p:cNvPr id="216" name="Picture 6" descr="C:\Users\biosensor1\Documents\카카오톡 받은 파일\KakaoTalk_20210112_172206730.png">
             <a:extLst>
               <a:ext uri="{FF2B5EF4-FFF2-40B4-BE49-F238E27FC236}">
-                <a16:creationId xmlns="" xmlns:a16="http://schemas.microsoft.com/office/drawing/2014/main" id="{E6164BCA-911E-4A8F-B3E2-6001C5F0AD36}"/>
+                <a16:creationId xmlns:a16="http://schemas.microsoft.com/office/drawing/2014/main" xmlns="" id="{E6164BCA-911E-4A8F-B3E2-6001C5F0AD36}"/>
               </a:ext>
             </a:extLst>
           </p:cNvPr>
@@ -5125,7 +5126,7 @@
           <p:cNvPr id="217" name="Picture 5" descr="https://static.wikia.nocookie.net/camp_for_bragging_rights/images/0/0e/Stickman.png/revision/latest/scale-to-width-down/768?cb=20200421202819">
             <a:extLst>
               <a:ext uri="{FF2B5EF4-FFF2-40B4-BE49-F238E27FC236}">
-                <a16:creationId xmlns="" xmlns:a16="http://schemas.microsoft.com/office/drawing/2014/main" id="{AA920A7B-342B-42A5-959E-B517ACCE8743}"/>
+                <a16:creationId xmlns:a16="http://schemas.microsoft.com/office/drawing/2014/main" xmlns="" id="{AA920A7B-342B-42A5-959E-B517ACCE8743}"/>
               </a:ext>
             </a:extLst>
           </p:cNvPr>
@@ -5170,7 +5171,7 @@
           <p:cNvPr id="218" name="Picture 5" descr="https://static.wikia.nocookie.net/camp_for_bragging_rights/images/0/0e/Stickman.png/revision/latest/scale-to-width-down/768?cb=20200421202819">
             <a:extLst>
               <a:ext uri="{FF2B5EF4-FFF2-40B4-BE49-F238E27FC236}">
-                <a16:creationId xmlns="" xmlns:a16="http://schemas.microsoft.com/office/drawing/2014/main" id="{693E3459-C204-4981-9090-1A858AF7BB6D}"/>
+                <a16:creationId xmlns:a16="http://schemas.microsoft.com/office/drawing/2014/main" xmlns="" id="{693E3459-C204-4981-9090-1A858AF7BB6D}"/>
               </a:ext>
             </a:extLst>
           </p:cNvPr>
@@ -5215,7 +5216,7 @@
           <p:cNvPr id="219" name="Picture 5" descr="https://static.wikia.nocookie.net/camp_for_bragging_rights/images/0/0e/Stickman.png/revision/latest/scale-to-width-down/768?cb=20200421202819">
             <a:extLst>
               <a:ext uri="{FF2B5EF4-FFF2-40B4-BE49-F238E27FC236}">
-                <a16:creationId xmlns="" xmlns:a16="http://schemas.microsoft.com/office/drawing/2014/main" id="{6805677D-D657-4954-B7D0-B8AC3A08EBD7}"/>
+                <a16:creationId xmlns:a16="http://schemas.microsoft.com/office/drawing/2014/main" xmlns="" id="{6805677D-D657-4954-B7D0-B8AC3A08EBD7}"/>
               </a:ext>
             </a:extLst>
           </p:cNvPr>
@@ -5260,7 +5261,7 @@
           <p:cNvPr id="220" name="Picture 5" descr="https://static.wikia.nocookie.net/camp_for_bragging_rights/images/0/0e/Stickman.png/revision/latest/scale-to-width-down/768?cb=20200421202819">
             <a:extLst>
               <a:ext uri="{FF2B5EF4-FFF2-40B4-BE49-F238E27FC236}">
-                <a16:creationId xmlns="" xmlns:a16="http://schemas.microsoft.com/office/drawing/2014/main" id="{8154E053-1186-4570-B002-A35A99CF99C3}"/>
+                <a16:creationId xmlns:a16="http://schemas.microsoft.com/office/drawing/2014/main" xmlns="" id="{8154E053-1186-4570-B002-A35A99CF99C3}"/>
               </a:ext>
             </a:extLst>
           </p:cNvPr>
@@ -5305,7 +5306,7 @@
           <p:cNvPr id="221" name="Picture 5" descr="https://static.wikia.nocookie.net/camp_for_bragging_rights/images/0/0e/Stickman.png/revision/latest/scale-to-width-down/768?cb=20200421202819">
             <a:extLst>
               <a:ext uri="{FF2B5EF4-FFF2-40B4-BE49-F238E27FC236}">
-                <a16:creationId xmlns="" xmlns:a16="http://schemas.microsoft.com/office/drawing/2014/main" id="{3B592B85-75DC-4FE8-BD90-C4510579BD00}"/>
+                <a16:creationId xmlns:a16="http://schemas.microsoft.com/office/drawing/2014/main" xmlns="" id="{3B592B85-75DC-4FE8-BD90-C4510579BD00}"/>
               </a:ext>
             </a:extLst>
           </p:cNvPr>
@@ -5350,7 +5351,7 @@
           <p:cNvPr id="222" name="Picture 5" descr="https://static.wikia.nocookie.net/camp_for_bragging_rights/images/0/0e/Stickman.png/revision/latest/scale-to-width-down/768?cb=20200421202819">
             <a:extLst>
               <a:ext uri="{FF2B5EF4-FFF2-40B4-BE49-F238E27FC236}">
-                <a16:creationId xmlns="" xmlns:a16="http://schemas.microsoft.com/office/drawing/2014/main" id="{8B159003-2A63-4CA2-B1A9-B9D92890FD87}"/>
+                <a16:creationId xmlns:a16="http://schemas.microsoft.com/office/drawing/2014/main" xmlns="" id="{8B159003-2A63-4CA2-B1A9-B9D92890FD87}"/>
               </a:ext>
             </a:extLst>
           </p:cNvPr>
@@ -5395,7 +5396,7 @@
           <p:cNvPr id="223" name="Picture 5" descr="https://static.wikia.nocookie.net/camp_for_bragging_rights/images/0/0e/Stickman.png/revision/latest/scale-to-width-down/768?cb=20200421202819">
             <a:extLst>
               <a:ext uri="{FF2B5EF4-FFF2-40B4-BE49-F238E27FC236}">
-                <a16:creationId xmlns="" xmlns:a16="http://schemas.microsoft.com/office/drawing/2014/main" id="{EF75050E-DE1A-467E-98E3-697633A22AB6}"/>
+                <a16:creationId xmlns:a16="http://schemas.microsoft.com/office/drawing/2014/main" xmlns="" id="{EF75050E-DE1A-467E-98E3-697633A22AB6}"/>
               </a:ext>
             </a:extLst>
           </p:cNvPr>
@@ -5440,7 +5441,7 @@
           <p:cNvPr id="224" name="Picture 5" descr="https://static.wikia.nocookie.net/camp_for_bragging_rights/images/0/0e/Stickman.png/revision/latest/scale-to-width-down/768?cb=20200421202819">
             <a:extLst>
               <a:ext uri="{FF2B5EF4-FFF2-40B4-BE49-F238E27FC236}">
-                <a16:creationId xmlns="" xmlns:a16="http://schemas.microsoft.com/office/drawing/2014/main" id="{351DBE3E-C42A-4049-9501-79A6A3C1D676}"/>
+                <a16:creationId xmlns:a16="http://schemas.microsoft.com/office/drawing/2014/main" xmlns="" id="{351DBE3E-C42A-4049-9501-79A6A3C1D676}"/>
               </a:ext>
             </a:extLst>
           </p:cNvPr>
@@ -5485,7 +5486,7 @@
           <p:cNvPr id="225" name="Picture 5" descr="https://static.wikia.nocookie.net/camp_for_bragging_rights/images/0/0e/Stickman.png/revision/latest/scale-to-width-down/768?cb=20200421202819">
             <a:extLst>
               <a:ext uri="{FF2B5EF4-FFF2-40B4-BE49-F238E27FC236}">
-                <a16:creationId xmlns="" xmlns:a16="http://schemas.microsoft.com/office/drawing/2014/main" id="{10B63245-24B2-4FEF-9A91-99B4F252EDBD}"/>
+                <a16:creationId xmlns:a16="http://schemas.microsoft.com/office/drawing/2014/main" xmlns="" id="{10B63245-24B2-4FEF-9A91-99B4F252EDBD}"/>
               </a:ext>
             </a:extLst>
           </p:cNvPr>
@@ -5530,7 +5531,7 @@
           <p:cNvPr id="226" name="Picture 5" descr="https://static.wikia.nocookie.net/camp_for_bragging_rights/images/0/0e/Stickman.png/revision/latest/scale-to-width-down/768?cb=20200421202819">
             <a:extLst>
               <a:ext uri="{FF2B5EF4-FFF2-40B4-BE49-F238E27FC236}">
-                <a16:creationId xmlns="" xmlns:a16="http://schemas.microsoft.com/office/drawing/2014/main" id="{E46133AE-23D5-4726-95F1-5F0F792C85A4}"/>
+                <a16:creationId xmlns:a16="http://schemas.microsoft.com/office/drawing/2014/main" xmlns="" id="{E46133AE-23D5-4726-95F1-5F0F792C85A4}"/>
               </a:ext>
             </a:extLst>
           </p:cNvPr>
@@ -5575,7 +5576,7 @@
           <p:cNvPr id="227" name="Picture 5" descr="https://static.wikia.nocookie.net/camp_for_bragging_rights/images/0/0e/Stickman.png/revision/latest/scale-to-width-down/768?cb=20200421202819">
             <a:extLst>
               <a:ext uri="{FF2B5EF4-FFF2-40B4-BE49-F238E27FC236}">
-                <a16:creationId xmlns="" xmlns:a16="http://schemas.microsoft.com/office/drawing/2014/main" id="{57CCC3F0-9210-4B87-AE65-50E36D69A4B0}"/>
+                <a16:creationId xmlns:a16="http://schemas.microsoft.com/office/drawing/2014/main" xmlns="" id="{57CCC3F0-9210-4B87-AE65-50E36D69A4B0}"/>
               </a:ext>
             </a:extLst>
           </p:cNvPr>
@@ -5620,7 +5621,7 @@
           <p:cNvPr id="229" name="그림 228">
             <a:extLst>
               <a:ext uri="{FF2B5EF4-FFF2-40B4-BE49-F238E27FC236}">
-                <a16:creationId xmlns="" xmlns:a16="http://schemas.microsoft.com/office/drawing/2014/main" id="{57472415-EE81-483E-85D1-3FE032DD4732}"/>
+                <a16:creationId xmlns:a16="http://schemas.microsoft.com/office/drawing/2014/main" xmlns="" id="{57472415-EE81-483E-85D1-3FE032DD4732}"/>
               </a:ext>
             </a:extLst>
           </p:cNvPr>
@@ -5655,7 +5656,7 @@
           <p:cNvPr id="230" name="그림 229">
             <a:extLst>
               <a:ext uri="{FF2B5EF4-FFF2-40B4-BE49-F238E27FC236}">
-                <a16:creationId xmlns="" xmlns:a16="http://schemas.microsoft.com/office/drawing/2014/main" id="{AE77F889-E4D0-4C15-8820-1E1FF34F07EE}"/>
+                <a16:creationId xmlns:a16="http://schemas.microsoft.com/office/drawing/2014/main" xmlns="" id="{AE77F889-E4D0-4C15-8820-1E1FF34F07EE}"/>
               </a:ext>
             </a:extLst>
           </p:cNvPr>
@@ -5690,7 +5691,7 @@
           <p:cNvPr id="231" name="그림 230">
             <a:extLst>
               <a:ext uri="{FF2B5EF4-FFF2-40B4-BE49-F238E27FC236}">
-                <a16:creationId xmlns="" xmlns:a16="http://schemas.microsoft.com/office/drawing/2014/main" id="{5EB01DFA-4B19-4CA9-B4A3-8D92DF25A826}"/>
+                <a16:creationId xmlns:a16="http://schemas.microsoft.com/office/drawing/2014/main" xmlns="" id="{5EB01DFA-4B19-4CA9-B4A3-8D92DF25A826}"/>
               </a:ext>
             </a:extLst>
           </p:cNvPr>
@@ -5725,7 +5726,7 @@
           <p:cNvPr id="232" name="그림 231">
             <a:extLst>
               <a:ext uri="{FF2B5EF4-FFF2-40B4-BE49-F238E27FC236}">
-                <a16:creationId xmlns="" xmlns:a16="http://schemas.microsoft.com/office/drawing/2014/main" id="{3CF0E502-5FA0-44ED-8D89-E3D634815D0B}"/>
+                <a16:creationId xmlns:a16="http://schemas.microsoft.com/office/drawing/2014/main" xmlns="" id="{3CF0E502-5FA0-44ED-8D89-E3D634815D0B}"/>
               </a:ext>
             </a:extLst>
           </p:cNvPr>
@@ -5760,7 +5761,7 @@
           <p:cNvPr id="233" name="그림 232">
             <a:extLst>
               <a:ext uri="{FF2B5EF4-FFF2-40B4-BE49-F238E27FC236}">
-                <a16:creationId xmlns="" xmlns:a16="http://schemas.microsoft.com/office/drawing/2014/main" id="{3AC43DD1-4412-44A1-B8E2-076A1EACEE5C}"/>
+                <a16:creationId xmlns:a16="http://schemas.microsoft.com/office/drawing/2014/main" xmlns="" id="{3AC43DD1-4412-44A1-B8E2-076A1EACEE5C}"/>
               </a:ext>
             </a:extLst>
           </p:cNvPr>
@@ -5795,7 +5796,7 @@
           <p:cNvPr id="234" name="그림 233">
             <a:extLst>
               <a:ext uri="{FF2B5EF4-FFF2-40B4-BE49-F238E27FC236}">
-                <a16:creationId xmlns="" xmlns:a16="http://schemas.microsoft.com/office/drawing/2014/main" id="{BE20AFBE-328E-460F-AF0F-300617A7EB51}"/>
+                <a16:creationId xmlns:a16="http://schemas.microsoft.com/office/drawing/2014/main" xmlns="" id="{BE20AFBE-328E-460F-AF0F-300617A7EB51}"/>
               </a:ext>
             </a:extLst>
           </p:cNvPr>
@@ -5830,7 +5831,7 @@
           <p:cNvPr id="235" name="그림 234">
             <a:extLst>
               <a:ext uri="{FF2B5EF4-FFF2-40B4-BE49-F238E27FC236}">
-                <a16:creationId xmlns="" xmlns:a16="http://schemas.microsoft.com/office/drawing/2014/main" id="{F673298F-A920-448D-BB63-64502906BBDB}"/>
+                <a16:creationId xmlns:a16="http://schemas.microsoft.com/office/drawing/2014/main" xmlns="" id="{F673298F-A920-448D-BB63-64502906BBDB}"/>
               </a:ext>
             </a:extLst>
           </p:cNvPr>
@@ -5865,7 +5866,7 @@
           <p:cNvPr id="236" name="TextBox 235">
             <a:extLst>
               <a:ext uri="{FF2B5EF4-FFF2-40B4-BE49-F238E27FC236}">
-                <a16:creationId xmlns="" xmlns:a16="http://schemas.microsoft.com/office/drawing/2014/main" id="{8CF2FB13-C02C-435F-AA91-5197EF57BE6F}"/>
+                <a16:creationId xmlns:a16="http://schemas.microsoft.com/office/drawing/2014/main" xmlns="" id="{8CF2FB13-C02C-435F-AA91-5197EF57BE6F}"/>
               </a:ext>
             </a:extLst>
           </p:cNvPr>
@@ -5915,7 +5916,7 @@
           <p:cNvPr id="237" name="Picture 2">
             <a:extLst>
               <a:ext uri="{FF2B5EF4-FFF2-40B4-BE49-F238E27FC236}">
-                <a16:creationId xmlns="" xmlns:a16="http://schemas.microsoft.com/office/drawing/2014/main" id="{86270754-CD45-4DA0-A929-4310B0570602}"/>
+                <a16:creationId xmlns:a16="http://schemas.microsoft.com/office/drawing/2014/main" xmlns="" id="{86270754-CD45-4DA0-A929-4310B0570602}"/>
               </a:ext>
             </a:extLst>
           </p:cNvPr>
@@ -5983,7 +5984,7 @@
           <p:cNvPr id="238" name="TextBox 237">
             <a:extLst>
               <a:ext uri="{FF2B5EF4-FFF2-40B4-BE49-F238E27FC236}">
-                <a16:creationId xmlns="" xmlns:a16="http://schemas.microsoft.com/office/drawing/2014/main" id="{137C1972-AE76-49E1-9CB5-CD6CBEB6DE9E}"/>
+                <a16:creationId xmlns:a16="http://schemas.microsoft.com/office/drawing/2014/main" xmlns="" id="{137C1972-AE76-49E1-9CB5-CD6CBEB6DE9E}"/>
               </a:ext>
             </a:extLst>
           </p:cNvPr>
@@ -6021,7 +6022,7 @@
           <p:cNvPr id="239" name="TextBox 238">
             <a:extLst>
               <a:ext uri="{FF2B5EF4-FFF2-40B4-BE49-F238E27FC236}">
-                <a16:creationId xmlns="" xmlns:a16="http://schemas.microsoft.com/office/drawing/2014/main" id="{12403105-F03F-46A5-902C-7944FBF00DFB}"/>
+                <a16:creationId xmlns:a16="http://schemas.microsoft.com/office/drawing/2014/main" xmlns="" id="{12403105-F03F-46A5-902C-7944FBF00DFB}"/>
               </a:ext>
             </a:extLst>
           </p:cNvPr>
@@ -6062,7 +6063,7 @@
           <p:cNvPr id="240" name="TextBox 239">
             <a:extLst>
               <a:ext uri="{FF2B5EF4-FFF2-40B4-BE49-F238E27FC236}">
-                <a16:creationId xmlns="" xmlns:a16="http://schemas.microsoft.com/office/drawing/2014/main" id="{508F6216-4E42-4B66-9C5C-74251F6DE2B7}"/>
+                <a16:creationId xmlns:a16="http://schemas.microsoft.com/office/drawing/2014/main" xmlns="" id="{508F6216-4E42-4B66-9C5C-74251F6DE2B7}"/>
               </a:ext>
             </a:extLst>
           </p:cNvPr>
@@ -6100,7 +6101,7 @@
           <p:cNvPr id="241" name="TextBox 240">
             <a:extLst>
               <a:ext uri="{FF2B5EF4-FFF2-40B4-BE49-F238E27FC236}">
-                <a16:creationId xmlns="" xmlns:a16="http://schemas.microsoft.com/office/drawing/2014/main" id="{7F89F20E-616C-4A88-9B7F-FFD75935193F}"/>
+                <a16:creationId xmlns:a16="http://schemas.microsoft.com/office/drawing/2014/main" xmlns="" id="{7F89F20E-616C-4A88-9B7F-FFD75935193F}"/>
               </a:ext>
             </a:extLst>
           </p:cNvPr>
@@ -6138,7 +6139,7 @@
           <p:cNvPr id="242" name="TextBox 241">
             <a:extLst>
               <a:ext uri="{FF2B5EF4-FFF2-40B4-BE49-F238E27FC236}">
-                <a16:creationId xmlns="" xmlns:a16="http://schemas.microsoft.com/office/drawing/2014/main" id="{26723F57-80CB-4DC3-91FD-967F709C6929}"/>
+                <a16:creationId xmlns:a16="http://schemas.microsoft.com/office/drawing/2014/main" xmlns="" id="{26723F57-80CB-4DC3-91FD-967F709C6929}"/>
               </a:ext>
             </a:extLst>
           </p:cNvPr>
@@ -6176,7 +6177,7 @@
           <p:cNvPr id="243" name="TextBox 242">
             <a:extLst>
               <a:ext uri="{FF2B5EF4-FFF2-40B4-BE49-F238E27FC236}">
-                <a16:creationId xmlns="" xmlns:a16="http://schemas.microsoft.com/office/drawing/2014/main" id="{B55D2498-FFC6-424D-8693-41A7EABDFDDB}"/>
+                <a16:creationId xmlns:a16="http://schemas.microsoft.com/office/drawing/2014/main" xmlns="" id="{B55D2498-FFC6-424D-8693-41A7EABDFDDB}"/>
               </a:ext>
             </a:extLst>
           </p:cNvPr>
@@ -6214,7 +6215,7 @@
           <p:cNvPr id="244" name="TextBox 243">
             <a:extLst>
               <a:ext uri="{FF2B5EF4-FFF2-40B4-BE49-F238E27FC236}">
-                <a16:creationId xmlns="" xmlns:a16="http://schemas.microsoft.com/office/drawing/2014/main" id="{4DEF4C67-2551-4FD5-995D-9C7D14351512}"/>
+                <a16:creationId xmlns:a16="http://schemas.microsoft.com/office/drawing/2014/main" xmlns="" id="{4DEF4C67-2551-4FD5-995D-9C7D14351512}"/>
               </a:ext>
             </a:extLst>
           </p:cNvPr>
@@ -6252,7 +6253,7 @@
           <p:cNvPr id="245" name="TextBox 244">
             <a:extLst>
               <a:ext uri="{FF2B5EF4-FFF2-40B4-BE49-F238E27FC236}">
-                <a16:creationId xmlns="" xmlns:a16="http://schemas.microsoft.com/office/drawing/2014/main" id="{951DDEC2-F42F-4377-B5C4-258519EEE830}"/>
+                <a16:creationId xmlns:a16="http://schemas.microsoft.com/office/drawing/2014/main" xmlns="" id="{951DDEC2-F42F-4377-B5C4-258519EEE830}"/>
               </a:ext>
             </a:extLst>
           </p:cNvPr>
@@ -6290,7 +6291,7 @@
           <p:cNvPr id="246" name="TextBox 245">
             <a:extLst>
               <a:ext uri="{FF2B5EF4-FFF2-40B4-BE49-F238E27FC236}">
-                <a16:creationId xmlns="" xmlns:a16="http://schemas.microsoft.com/office/drawing/2014/main" id="{E3C6AA7C-A51C-409F-8443-DEE8DB09ED96}"/>
+                <a16:creationId xmlns:a16="http://schemas.microsoft.com/office/drawing/2014/main" xmlns="" id="{E3C6AA7C-A51C-409F-8443-DEE8DB09ED96}"/>
               </a:ext>
             </a:extLst>
           </p:cNvPr>
@@ -6328,7 +6329,7 @@
           <p:cNvPr id="247" name="TextBox 246">
             <a:extLst>
               <a:ext uri="{FF2B5EF4-FFF2-40B4-BE49-F238E27FC236}">
-                <a16:creationId xmlns="" xmlns:a16="http://schemas.microsoft.com/office/drawing/2014/main" id="{6F7C78F4-57DE-4922-BCA2-F73FBC9037A1}"/>
+                <a16:creationId xmlns:a16="http://schemas.microsoft.com/office/drawing/2014/main" xmlns="" id="{6F7C78F4-57DE-4922-BCA2-F73FBC9037A1}"/>
               </a:ext>
             </a:extLst>
           </p:cNvPr>
@@ -6366,7 +6367,7 @@
           <p:cNvPr id="248" name="TextBox 247">
             <a:extLst>
               <a:ext uri="{FF2B5EF4-FFF2-40B4-BE49-F238E27FC236}">
-                <a16:creationId xmlns="" xmlns:a16="http://schemas.microsoft.com/office/drawing/2014/main" id="{1C589EC7-708F-4E84-9D35-075FCD05D8D7}"/>
+                <a16:creationId xmlns:a16="http://schemas.microsoft.com/office/drawing/2014/main" xmlns="" id="{1C589EC7-708F-4E84-9D35-075FCD05D8D7}"/>
               </a:ext>
             </a:extLst>
           </p:cNvPr>
@@ -6404,7 +6405,7 @@
           <p:cNvPr id="249" name="Picture 2">
             <a:extLst>
               <a:ext uri="{FF2B5EF4-FFF2-40B4-BE49-F238E27FC236}">
-                <a16:creationId xmlns="" xmlns:a16="http://schemas.microsoft.com/office/drawing/2014/main" id="{812A903D-B283-4E18-85F9-1CD97AC81355}"/>
+                <a16:creationId xmlns:a16="http://schemas.microsoft.com/office/drawing/2014/main" xmlns="" id="{812A903D-B283-4E18-85F9-1CD97AC81355}"/>
               </a:ext>
             </a:extLst>
           </p:cNvPr>
@@ -6472,7 +6473,7 @@
           <p:cNvPr id="250" name="TextBox 249">
             <a:extLst>
               <a:ext uri="{FF2B5EF4-FFF2-40B4-BE49-F238E27FC236}">
-                <a16:creationId xmlns="" xmlns:a16="http://schemas.microsoft.com/office/drawing/2014/main" id="{C0E944C1-B966-4CBE-944C-0AB1860B2F52}"/>
+                <a16:creationId xmlns:a16="http://schemas.microsoft.com/office/drawing/2014/main" xmlns="" id="{C0E944C1-B966-4CBE-944C-0AB1860B2F52}"/>
               </a:ext>
             </a:extLst>
           </p:cNvPr>
@@ -6510,7 +6511,7 @@
           <p:cNvPr id="252" name="TextBox 251">
             <a:extLst>
               <a:ext uri="{FF2B5EF4-FFF2-40B4-BE49-F238E27FC236}">
-                <a16:creationId xmlns="" xmlns:a16="http://schemas.microsoft.com/office/drawing/2014/main" id="{34293B3C-1D0E-43DE-B9A3-DB1BFF7F9E88}"/>
+                <a16:creationId xmlns:a16="http://schemas.microsoft.com/office/drawing/2014/main" xmlns="" id="{34293B3C-1D0E-43DE-B9A3-DB1BFF7F9E88}"/>
               </a:ext>
             </a:extLst>
           </p:cNvPr>
@@ -6548,7 +6549,7 @@
           <p:cNvPr id="253" name="TextBox 252">
             <a:extLst>
               <a:ext uri="{FF2B5EF4-FFF2-40B4-BE49-F238E27FC236}">
-                <a16:creationId xmlns="" xmlns:a16="http://schemas.microsoft.com/office/drawing/2014/main" id="{2F52A88C-F86C-43CC-84ED-28771E182B95}"/>
+                <a16:creationId xmlns:a16="http://schemas.microsoft.com/office/drawing/2014/main" xmlns="" id="{2F52A88C-F86C-43CC-84ED-28771E182B95}"/>
               </a:ext>
             </a:extLst>
           </p:cNvPr>
@@ -6586,7 +6587,7 @@
           <p:cNvPr id="254" name="TextBox 253">
             <a:extLst>
               <a:ext uri="{FF2B5EF4-FFF2-40B4-BE49-F238E27FC236}">
-                <a16:creationId xmlns="" xmlns:a16="http://schemas.microsoft.com/office/drawing/2014/main" id="{AA840072-02EA-4213-91FD-E10F7E49411E}"/>
+                <a16:creationId xmlns:a16="http://schemas.microsoft.com/office/drawing/2014/main" xmlns="" id="{AA840072-02EA-4213-91FD-E10F7E49411E}"/>
               </a:ext>
             </a:extLst>
           </p:cNvPr>
@@ -6624,7 +6625,7 @@
           <p:cNvPr id="255" name="TextBox 254">
             <a:extLst>
               <a:ext uri="{FF2B5EF4-FFF2-40B4-BE49-F238E27FC236}">
-                <a16:creationId xmlns="" xmlns:a16="http://schemas.microsoft.com/office/drawing/2014/main" id="{CBDFCE15-E045-4BBF-9043-8C68B43E17DA}"/>
+                <a16:creationId xmlns:a16="http://schemas.microsoft.com/office/drawing/2014/main" xmlns="" id="{CBDFCE15-E045-4BBF-9043-8C68B43E17DA}"/>
               </a:ext>
             </a:extLst>
           </p:cNvPr>
@@ -6662,7 +6663,7 @@
           <p:cNvPr id="256" name="TextBox 255">
             <a:extLst>
               <a:ext uri="{FF2B5EF4-FFF2-40B4-BE49-F238E27FC236}">
-                <a16:creationId xmlns="" xmlns:a16="http://schemas.microsoft.com/office/drawing/2014/main" id="{014F44A1-3196-4FDB-ADA4-2536BC18E811}"/>
+                <a16:creationId xmlns:a16="http://schemas.microsoft.com/office/drawing/2014/main" xmlns="" id="{014F44A1-3196-4FDB-ADA4-2536BC18E811}"/>
               </a:ext>
             </a:extLst>
           </p:cNvPr>
@@ -6700,7 +6701,7 @@
           <p:cNvPr id="257" name="TextBox 256">
             <a:extLst>
               <a:ext uri="{FF2B5EF4-FFF2-40B4-BE49-F238E27FC236}">
-                <a16:creationId xmlns="" xmlns:a16="http://schemas.microsoft.com/office/drawing/2014/main" id="{9AA13090-0A98-4F97-84EB-6C32C0DEB4C7}"/>
+                <a16:creationId xmlns:a16="http://schemas.microsoft.com/office/drawing/2014/main" xmlns="" id="{9AA13090-0A98-4F97-84EB-6C32C0DEB4C7}"/>
               </a:ext>
             </a:extLst>
           </p:cNvPr>
@@ -6738,7 +6739,7 @@
           <p:cNvPr id="258" name="TextBox 257">
             <a:extLst>
               <a:ext uri="{FF2B5EF4-FFF2-40B4-BE49-F238E27FC236}">
-                <a16:creationId xmlns="" xmlns:a16="http://schemas.microsoft.com/office/drawing/2014/main" id="{FFFEE946-1395-48D7-814B-5D770A359A43}"/>
+                <a16:creationId xmlns:a16="http://schemas.microsoft.com/office/drawing/2014/main" xmlns="" id="{FFFEE946-1395-48D7-814B-5D770A359A43}"/>
               </a:ext>
             </a:extLst>
           </p:cNvPr>
@@ -6776,7 +6777,7 @@
           <p:cNvPr id="259" name="TextBox 258">
             <a:extLst>
               <a:ext uri="{FF2B5EF4-FFF2-40B4-BE49-F238E27FC236}">
-                <a16:creationId xmlns="" xmlns:a16="http://schemas.microsoft.com/office/drawing/2014/main" id="{87F82982-908E-4806-AD36-E32975CAAEC3}"/>
+                <a16:creationId xmlns:a16="http://schemas.microsoft.com/office/drawing/2014/main" xmlns="" id="{87F82982-908E-4806-AD36-E32975CAAEC3}"/>
               </a:ext>
             </a:extLst>
           </p:cNvPr>
@@ -6814,7 +6815,7 @@
           <p:cNvPr id="260" name="TextBox 259">
             <a:extLst>
               <a:ext uri="{FF2B5EF4-FFF2-40B4-BE49-F238E27FC236}">
-                <a16:creationId xmlns="" xmlns:a16="http://schemas.microsoft.com/office/drawing/2014/main" id="{18E7C861-E5C7-49FE-83C0-F2DE1EBC4DB0}"/>
+                <a16:creationId xmlns:a16="http://schemas.microsoft.com/office/drawing/2014/main" xmlns="" id="{18E7C861-E5C7-49FE-83C0-F2DE1EBC4DB0}"/>
               </a:ext>
             </a:extLst>
           </p:cNvPr>
@@ -6852,7 +6853,7 @@
           <p:cNvPr id="251" name="TextBox 250">
             <a:extLst>
               <a:ext uri="{FF2B5EF4-FFF2-40B4-BE49-F238E27FC236}">
-                <a16:creationId xmlns="" xmlns:a16="http://schemas.microsoft.com/office/drawing/2014/main" id="{95C2B872-1D25-4FB0-B13F-26BB87098249}"/>
+                <a16:creationId xmlns:a16="http://schemas.microsoft.com/office/drawing/2014/main" xmlns="" id="{95C2B872-1D25-4FB0-B13F-26BB87098249}"/>
               </a:ext>
             </a:extLst>
           </p:cNvPr>
@@ -6893,7 +6894,7 @@
           <p:cNvPr id="262" name="직선 화살표 연결선 261">
             <a:extLst>
               <a:ext uri="{FF2B5EF4-FFF2-40B4-BE49-F238E27FC236}">
-                <a16:creationId xmlns="" xmlns:a16="http://schemas.microsoft.com/office/drawing/2014/main" id="{293D7FFE-2FD4-447D-AFB4-A42DCDEDA86A}"/>
+                <a16:creationId xmlns:a16="http://schemas.microsoft.com/office/drawing/2014/main" xmlns="" id="{293D7FFE-2FD4-447D-AFB4-A42DCDEDA86A}"/>
               </a:ext>
             </a:extLst>
           </p:cNvPr>
@@ -6935,7 +6936,7 @@
           <p:cNvPr id="263" name="직선 화살표 연결선 262">
             <a:extLst>
               <a:ext uri="{FF2B5EF4-FFF2-40B4-BE49-F238E27FC236}">
-                <a16:creationId xmlns="" xmlns:a16="http://schemas.microsoft.com/office/drawing/2014/main" id="{80FE6AAE-DCB0-42A2-8846-43B0BADE6844}"/>
+                <a16:creationId xmlns:a16="http://schemas.microsoft.com/office/drawing/2014/main" xmlns="" id="{80FE6AAE-DCB0-42A2-8846-43B0BADE6844}"/>
               </a:ext>
             </a:extLst>
           </p:cNvPr>
@@ -6977,7 +6978,7 @@
           <p:cNvPr id="264" name="TextBox 263">
             <a:extLst>
               <a:ext uri="{FF2B5EF4-FFF2-40B4-BE49-F238E27FC236}">
-                <a16:creationId xmlns="" xmlns:a16="http://schemas.microsoft.com/office/drawing/2014/main" id="{98C36D25-6E13-45CB-98E3-0F6E2E353401}"/>
+                <a16:creationId xmlns:a16="http://schemas.microsoft.com/office/drawing/2014/main" xmlns="" id="{98C36D25-6E13-45CB-98E3-0F6E2E353401}"/>
               </a:ext>
             </a:extLst>
           </p:cNvPr>
@@ -7029,7 +7030,7 @@
               <p:cNvPr id="272" name="TextBox 271">
                 <a:extLst>
                   <a:ext uri="{FF2B5EF4-FFF2-40B4-BE49-F238E27FC236}">
-                    <a16:creationId xmlns="" xmlns:a16="http://schemas.microsoft.com/office/drawing/2014/main" id="{AF1F9706-3E77-4F4B-BE53-68B099D66F93}"/>
+                    <a16:creationId xmlns:a16="http://schemas.microsoft.com/office/drawing/2014/main" xmlns="" id="{AF1F9706-3E77-4F4B-BE53-68B099D66F93}"/>
                   </a:ext>
                 </a:extLst>
               </p:cNvPr>
@@ -7150,7 +7151,7 @@
               <p:cNvPr id="273" name="TextBox 272">
                 <a:extLst>
                   <a:ext uri="{FF2B5EF4-FFF2-40B4-BE49-F238E27FC236}">
-                    <a16:creationId xmlns="" xmlns:a16="http://schemas.microsoft.com/office/drawing/2014/main" id="{A071915E-12B4-46CF-AF39-FC7AA714C9DF}"/>
+                    <a16:creationId xmlns:a16="http://schemas.microsoft.com/office/drawing/2014/main" xmlns="" id="{A071915E-12B4-46CF-AF39-FC7AA714C9DF}"/>
                   </a:ext>
                 </a:extLst>
               </p:cNvPr>
@@ -7269,7 +7270,7 @@
           <p:cNvPr id="275" name="직선 연결선 274">
             <a:extLst>
               <a:ext uri="{FF2B5EF4-FFF2-40B4-BE49-F238E27FC236}">
-                <a16:creationId xmlns="" xmlns:a16="http://schemas.microsoft.com/office/drawing/2014/main" id="{E9CC54E8-AACB-4B07-ABA9-4CBB4B58EEC7}"/>
+                <a16:creationId xmlns:a16="http://schemas.microsoft.com/office/drawing/2014/main" xmlns="" id="{E9CC54E8-AACB-4B07-ABA9-4CBB4B58EEC7}"/>
               </a:ext>
             </a:extLst>
           </p:cNvPr>
@@ -7310,7 +7311,7 @@
           <p:cNvPr id="276" name="직선 연결선 275">
             <a:extLst>
               <a:ext uri="{FF2B5EF4-FFF2-40B4-BE49-F238E27FC236}">
-                <a16:creationId xmlns="" xmlns:a16="http://schemas.microsoft.com/office/drawing/2014/main" id="{65104A84-9903-400D-BD12-CCE95C038A07}"/>
+                <a16:creationId xmlns:a16="http://schemas.microsoft.com/office/drawing/2014/main" xmlns="" id="{65104A84-9903-400D-BD12-CCE95C038A07}"/>
               </a:ext>
             </a:extLst>
           </p:cNvPr>
@@ -7353,7 +7354,7 @@
               <p:cNvPr id="277" name="TextBox 276">
                 <a:extLst>
                   <a:ext uri="{FF2B5EF4-FFF2-40B4-BE49-F238E27FC236}">
-                    <a16:creationId xmlns="" xmlns:a16="http://schemas.microsoft.com/office/drawing/2014/main" id="{A1E5A455-E0F6-4651-A91D-841D94EE051B}"/>
+                    <a16:creationId xmlns:a16="http://schemas.microsoft.com/office/drawing/2014/main" xmlns="" id="{A1E5A455-E0F6-4651-A91D-841D94EE051B}"/>
                   </a:ext>
                 </a:extLst>
               </p:cNvPr>
@@ -7474,7 +7475,7 @@
               <p:cNvPr id="278" name="TextBox 277">
                 <a:extLst>
                   <a:ext uri="{FF2B5EF4-FFF2-40B4-BE49-F238E27FC236}">
-                    <a16:creationId xmlns="" xmlns:a16="http://schemas.microsoft.com/office/drawing/2014/main" id="{C2D3C570-F39A-4EE0-A2FF-432740D5E111}"/>
+                    <a16:creationId xmlns:a16="http://schemas.microsoft.com/office/drawing/2014/main" xmlns="" id="{C2D3C570-F39A-4EE0-A2FF-432740D5E111}"/>
                   </a:ext>
                 </a:extLst>
               </p:cNvPr>
@@ -7593,7 +7594,7 @@
           <p:cNvPr id="279" name="직선 연결선 278">
             <a:extLst>
               <a:ext uri="{FF2B5EF4-FFF2-40B4-BE49-F238E27FC236}">
-                <a16:creationId xmlns="" xmlns:a16="http://schemas.microsoft.com/office/drawing/2014/main" id="{3C39A6C8-3EB9-4206-AA9F-F8696F2A6E67}"/>
+                <a16:creationId xmlns:a16="http://schemas.microsoft.com/office/drawing/2014/main" xmlns="" id="{3C39A6C8-3EB9-4206-AA9F-F8696F2A6E67}"/>
               </a:ext>
             </a:extLst>
           </p:cNvPr>
@@ -7634,7 +7635,7 @@
           <p:cNvPr id="280" name="직선 연결선 279">
             <a:extLst>
               <a:ext uri="{FF2B5EF4-FFF2-40B4-BE49-F238E27FC236}">
-                <a16:creationId xmlns="" xmlns:a16="http://schemas.microsoft.com/office/drawing/2014/main" id="{37EAF852-2521-434C-854E-0B41B0C5316F}"/>
+                <a16:creationId xmlns:a16="http://schemas.microsoft.com/office/drawing/2014/main" xmlns="" id="{37EAF852-2521-434C-854E-0B41B0C5316F}"/>
               </a:ext>
             </a:extLst>
           </p:cNvPr>
@@ -7675,7 +7676,7 @@
           <p:cNvPr id="281" name="TextBox 280">
             <a:extLst>
               <a:ext uri="{FF2B5EF4-FFF2-40B4-BE49-F238E27FC236}">
-                <a16:creationId xmlns="" xmlns:a16="http://schemas.microsoft.com/office/drawing/2014/main" id="{880D2BBC-DEB9-41E1-91BF-1C27BC894C85}"/>
+                <a16:creationId xmlns:a16="http://schemas.microsoft.com/office/drawing/2014/main" xmlns="" id="{880D2BBC-DEB9-41E1-91BF-1C27BC894C85}"/>
               </a:ext>
             </a:extLst>
           </p:cNvPr>
@@ -7725,7 +7726,7 @@
           <p:cNvPr id="283" name="Picture 2">
             <a:extLst>
               <a:ext uri="{FF2B5EF4-FFF2-40B4-BE49-F238E27FC236}">
-                <a16:creationId xmlns="" xmlns:a16="http://schemas.microsoft.com/office/drawing/2014/main" id="{9D2BE860-D728-4E25-84C2-509E503FF7F8}"/>
+                <a16:creationId xmlns:a16="http://schemas.microsoft.com/office/drawing/2014/main" xmlns="" id="{9D2BE860-D728-4E25-84C2-509E503FF7F8}"/>
               </a:ext>
             </a:extLst>
           </p:cNvPr>
@@ -7793,7 +7794,7 @@
           <p:cNvPr id="284" name="TextBox 283">
             <a:extLst>
               <a:ext uri="{FF2B5EF4-FFF2-40B4-BE49-F238E27FC236}">
-                <a16:creationId xmlns="" xmlns:a16="http://schemas.microsoft.com/office/drawing/2014/main" id="{92E250B9-669F-4EDB-8B31-68D2D8E3D79D}"/>
+                <a16:creationId xmlns:a16="http://schemas.microsoft.com/office/drawing/2014/main" xmlns="" id="{92E250B9-669F-4EDB-8B31-68D2D8E3D79D}"/>
               </a:ext>
             </a:extLst>
           </p:cNvPr>
@@ -7835,7 +7836,7 @@
           <p:cNvPr id="285" name="TextBox 284">
             <a:extLst>
               <a:ext uri="{FF2B5EF4-FFF2-40B4-BE49-F238E27FC236}">
-                <a16:creationId xmlns="" xmlns:a16="http://schemas.microsoft.com/office/drawing/2014/main" id="{B3169739-2FFE-47C7-AF1D-9A7ACBFC4860}"/>
+                <a16:creationId xmlns:a16="http://schemas.microsoft.com/office/drawing/2014/main" xmlns="" id="{B3169739-2FFE-47C7-AF1D-9A7ACBFC4860}"/>
               </a:ext>
             </a:extLst>
           </p:cNvPr>
@@ -7876,7 +7877,7 @@
           <p:cNvPr id="286" name="TextBox 285">
             <a:extLst>
               <a:ext uri="{FF2B5EF4-FFF2-40B4-BE49-F238E27FC236}">
-                <a16:creationId xmlns="" xmlns:a16="http://schemas.microsoft.com/office/drawing/2014/main" id="{5E117062-419C-45D1-BE07-4D22F1E66049}"/>
+                <a16:creationId xmlns:a16="http://schemas.microsoft.com/office/drawing/2014/main" xmlns="" id="{5E117062-419C-45D1-BE07-4D22F1E66049}"/>
               </a:ext>
             </a:extLst>
           </p:cNvPr>
@@ -7914,7 +7915,7 @@
           <p:cNvPr id="287" name="TextBox 286">
             <a:extLst>
               <a:ext uri="{FF2B5EF4-FFF2-40B4-BE49-F238E27FC236}">
-                <a16:creationId xmlns="" xmlns:a16="http://schemas.microsoft.com/office/drawing/2014/main" id="{B73EC6F2-E012-48E6-9463-1CD797BE35B0}"/>
+                <a16:creationId xmlns:a16="http://schemas.microsoft.com/office/drawing/2014/main" xmlns="" id="{B73EC6F2-E012-48E6-9463-1CD797BE35B0}"/>
               </a:ext>
             </a:extLst>
           </p:cNvPr>
@@ -7952,7 +7953,7 @@
           <p:cNvPr id="288" name="TextBox 287">
             <a:extLst>
               <a:ext uri="{FF2B5EF4-FFF2-40B4-BE49-F238E27FC236}">
-                <a16:creationId xmlns="" xmlns:a16="http://schemas.microsoft.com/office/drawing/2014/main" id="{E81D15DE-E262-437D-B3E0-B0D7B19F1DBF}"/>
+                <a16:creationId xmlns:a16="http://schemas.microsoft.com/office/drawing/2014/main" xmlns="" id="{E81D15DE-E262-437D-B3E0-B0D7B19F1DBF}"/>
               </a:ext>
             </a:extLst>
           </p:cNvPr>
@@ -7990,7 +7991,7 @@
           <p:cNvPr id="289" name="TextBox 288">
             <a:extLst>
               <a:ext uri="{FF2B5EF4-FFF2-40B4-BE49-F238E27FC236}">
-                <a16:creationId xmlns="" xmlns:a16="http://schemas.microsoft.com/office/drawing/2014/main" id="{A76069F2-2AA8-46DF-BFF0-0961CC4014DC}"/>
+                <a16:creationId xmlns:a16="http://schemas.microsoft.com/office/drawing/2014/main" xmlns="" id="{A76069F2-2AA8-46DF-BFF0-0961CC4014DC}"/>
               </a:ext>
             </a:extLst>
           </p:cNvPr>
@@ -8032,7 +8033,7 @@
           <p:cNvPr id="290" name="TextBox 289">
             <a:extLst>
               <a:ext uri="{FF2B5EF4-FFF2-40B4-BE49-F238E27FC236}">
-                <a16:creationId xmlns="" xmlns:a16="http://schemas.microsoft.com/office/drawing/2014/main" id="{72198AC0-3FD1-43E0-A4BC-C6C9287625F6}"/>
+                <a16:creationId xmlns:a16="http://schemas.microsoft.com/office/drawing/2014/main" xmlns="" id="{72198AC0-3FD1-43E0-A4BC-C6C9287625F6}"/>
               </a:ext>
             </a:extLst>
           </p:cNvPr>
@@ -8074,7 +8075,7 @@
           <p:cNvPr id="291" name="TextBox 290">
             <a:extLst>
               <a:ext uri="{FF2B5EF4-FFF2-40B4-BE49-F238E27FC236}">
-                <a16:creationId xmlns="" xmlns:a16="http://schemas.microsoft.com/office/drawing/2014/main" id="{8D2E9371-3674-4100-8732-293F89C28E78}"/>
+                <a16:creationId xmlns:a16="http://schemas.microsoft.com/office/drawing/2014/main" xmlns="" id="{8D2E9371-3674-4100-8732-293F89C28E78}"/>
               </a:ext>
             </a:extLst>
           </p:cNvPr>
@@ -8116,7 +8117,7 @@
           <p:cNvPr id="292" name="TextBox 291">
             <a:extLst>
               <a:ext uri="{FF2B5EF4-FFF2-40B4-BE49-F238E27FC236}">
-                <a16:creationId xmlns="" xmlns:a16="http://schemas.microsoft.com/office/drawing/2014/main" id="{540FCDD8-CBAD-4CF8-9819-6EE0D7C3F4B3}"/>
+                <a16:creationId xmlns:a16="http://schemas.microsoft.com/office/drawing/2014/main" xmlns="" id="{540FCDD8-CBAD-4CF8-9819-6EE0D7C3F4B3}"/>
               </a:ext>
             </a:extLst>
           </p:cNvPr>
@@ -8154,7 +8155,7 @@
           <p:cNvPr id="293" name="TextBox 292">
             <a:extLst>
               <a:ext uri="{FF2B5EF4-FFF2-40B4-BE49-F238E27FC236}">
-                <a16:creationId xmlns="" xmlns:a16="http://schemas.microsoft.com/office/drawing/2014/main" id="{CF9F4CC8-9D2B-44FA-BDA4-6B5077C585D5}"/>
+                <a16:creationId xmlns:a16="http://schemas.microsoft.com/office/drawing/2014/main" xmlns="" id="{CF9F4CC8-9D2B-44FA-BDA4-6B5077C585D5}"/>
               </a:ext>
             </a:extLst>
           </p:cNvPr>
@@ -8196,7 +8197,7 @@
           <p:cNvPr id="294" name="TextBox 293">
             <a:extLst>
               <a:ext uri="{FF2B5EF4-FFF2-40B4-BE49-F238E27FC236}">
-                <a16:creationId xmlns="" xmlns:a16="http://schemas.microsoft.com/office/drawing/2014/main" id="{AD49A766-A6EA-4353-AB45-975873E42F82}"/>
+                <a16:creationId xmlns:a16="http://schemas.microsoft.com/office/drawing/2014/main" xmlns="" id="{AD49A766-A6EA-4353-AB45-975873E42F82}"/>
               </a:ext>
             </a:extLst>
           </p:cNvPr>
@@ -8234,7 +8235,7 @@
           <p:cNvPr id="307" name="직선 화살표 연결선 306">
             <a:extLst>
               <a:ext uri="{FF2B5EF4-FFF2-40B4-BE49-F238E27FC236}">
-                <a16:creationId xmlns="" xmlns:a16="http://schemas.microsoft.com/office/drawing/2014/main" id="{E3CE114E-EAEC-4F51-8632-081CFAC05A3E}"/>
+                <a16:creationId xmlns:a16="http://schemas.microsoft.com/office/drawing/2014/main" xmlns="" id="{E3CE114E-EAEC-4F51-8632-081CFAC05A3E}"/>
               </a:ext>
             </a:extLst>
           </p:cNvPr>
@@ -8276,7 +8277,7 @@
           <p:cNvPr id="308" name="TextBox 307">
             <a:extLst>
               <a:ext uri="{FF2B5EF4-FFF2-40B4-BE49-F238E27FC236}">
-                <a16:creationId xmlns="" xmlns:a16="http://schemas.microsoft.com/office/drawing/2014/main" id="{C8A56B62-AD47-4C53-927A-1C19B2E5C4B4}"/>
+                <a16:creationId xmlns:a16="http://schemas.microsoft.com/office/drawing/2014/main" xmlns="" id="{C8A56B62-AD47-4C53-927A-1C19B2E5C4B4}"/>
               </a:ext>
             </a:extLst>
           </p:cNvPr>
@@ -8317,7 +8318,7 @@
               <p:cNvPr id="309" name="TextBox 308">
                 <a:extLst>
                   <a:ext uri="{FF2B5EF4-FFF2-40B4-BE49-F238E27FC236}">
-                    <a16:creationId xmlns="" xmlns:a16="http://schemas.microsoft.com/office/drawing/2014/main" id="{9337CEF2-7062-4C91-BF6E-882B475E8F53}"/>
+                    <a16:creationId xmlns:a16="http://schemas.microsoft.com/office/drawing/2014/main" xmlns="" id="{9337CEF2-7062-4C91-BF6E-882B475E8F53}"/>
                   </a:ext>
                 </a:extLst>
               </p:cNvPr>
@@ -8471,7 +8472,7 @@
           <p:cNvPr id="311" name="직선 연결선 310">
             <a:extLst>
               <a:ext uri="{FF2B5EF4-FFF2-40B4-BE49-F238E27FC236}">
-                <a16:creationId xmlns="" xmlns:a16="http://schemas.microsoft.com/office/drawing/2014/main" id="{64F31221-F29A-48D8-9E15-5153CCF0EA76}"/>
+                <a16:creationId xmlns:a16="http://schemas.microsoft.com/office/drawing/2014/main" xmlns="" id="{64F31221-F29A-48D8-9E15-5153CCF0EA76}"/>
               </a:ext>
             </a:extLst>
           </p:cNvPr>
@@ -8512,7 +8513,7 @@
           <p:cNvPr id="315" name="TextBox 314">
             <a:extLst>
               <a:ext uri="{FF2B5EF4-FFF2-40B4-BE49-F238E27FC236}">
-                <a16:creationId xmlns="" xmlns:a16="http://schemas.microsoft.com/office/drawing/2014/main" id="{0AD0D108-71BF-432F-A08E-E8F5A946EC86}"/>
+                <a16:creationId xmlns:a16="http://schemas.microsoft.com/office/drawing/2014/main" xmlns="" id="{0AD0D108-71BF-432F-A08E-E8F5A946EC86}"/>
               </a:ext>
             </a:extLst>
           </p:cNvPr>
@@ -8550,7 +8551,7 @@
           <p:cNvPr id="316" name="TextBox 315">
             <a:extLst>
               <a:ext uri="{FF2B5EF4-FFF2-40B4-BE49-F238E27FC236}">
-                <a16:creationId xmlns="" xmlns:a16="http://schemas.microsoft.com/office/drawing/2014/main" id="{BA2BF029-2A8D-4892-B1FC-8BA6DEDC5F57}"/>
+                <a16:creationId xmlns:a16="http://schemas.microsoft.com/office/drawing/2014/main" xmlns="" id="{BA2BF029-2A8D-4892-B1FC-8BA6DEDC5F57}"/>
               </a:ext>
             </a:extLst>
           </p:cNvPr>
@@ -8588,7 +8589,7 @@
           <p:cNvPr id="317" name="TextBox 316">
             <a:extLst>
               <a:ext uri="{FF2B5EF4-FFF2-40B4-BE49-F238E27FC236}">
-                <a16:creationId xmlns="" xmlns:a16="http://schemas.microsoft.com/office/drawing/2014/main" id="{10794DF8-03D8-4954-BD8F-AB94DDB4DDD9}"/>
+                <a16:creationId xmlns:a16="http://schemas.microsoft.com/office/drawing/2014/main" xmlns="" id="{10794DF8-03D8-4954-BD8F-AB94DDB4DDD9}"/>
               </a:ext>
             </a:extLst>
           </p:cNvPr>
@@ -8634,7 +8635,7 @@
           <p:cNvPr id="318" name="TextBox 317">
             <a:extLst>
               <a:ext uri="{FF2B5EF4-FFF2-40B4-BE49-F238E27FC236}">
-                <a16:creationId xmlns="" xmlns:a16="http://schemas.microsoft.com/office/drawing/2014/main" id="{5295F85A-D50A-4018-9CEE-F88126D16B59}"/>
+                <a16:creationId xmlns:a16="http://schemas.microsoft.com/office/drawing/2014/main" xmlns="" id="{5295F85A-D50A-4018-9CEE-F88126D16B59}"/>
               </a:ext>
             </a:extLst>
           </p:cNvPr>
@@ -8677,7 +8678,7 @@
           <p:cNvPr id="319" name="TextBox 318">
             <a:extLst>
               <a:ext uri="{FF2B5EF4-FFF2-40B4-BE49-F238E27FC236}">
-                <a16:creationId xmlns="" xmlns:a16="http://schemas.microsoft.com/office/drawing/2014/main" id="{E8386D3A-F1C6-488E-8033-B7A3940F21C5}"/>
+                <a16:creationId xmlns:a16="http://schemas.microsoft.com/office/drawing/2014/main" xmlns="" id="{E8386D3A-F1C6-488E-8033-B7A3940F21C5}"/>
               </a:ext>
             </a:extLst>
           </p:cNvPr>
@@ -8720,7 +8721,7 @@
           <p:cNvPr id="329" name="그림 328">
             <a:extLst>
               <a:ext uri="{FF2B5EF4-FFF2-40B4-BE49-F238E27FC236}">
-                <a16:creationId xmlns="" xmlns:a16="http://schemas.microsoft.com/office/drawing/2014/main" id="{F9875368-482F-4290-8CA0-683E3D74D00C}"/>
+                <a16:creationId xmlns:a16="http://schemas.microsoft.com/office/drawing/2014/main" xmlns="" id="{F9875368-482F-4290-8CA0-683E3D74D00C}"/>
               </a:ext>
             </a:extLst>
           </p:cNvPr>
@@ -8778,7 +8779,7 @@
           <p:cNvPr id="330" name="TextBox 329">
             <a:extLst>
               <a:ext uri="{FF2B5EF4-FFF2-40B4-BE49-F238E27FC236}">
-                <a16:creationId xmlns="" xmlns:a16="http://schemas.microsoft.com/office/drawing/2014/main" id="{2126F626-11BC-4D72-BCC9-B61FEFE0D163}"/>
+                <a16:creationId xmlns:a16="http://schemas.microsoft.com/office/drawing/2014/main" xmlns="" id="{2126F626-11BC-4D72-BCC9-B61FEFE0D163}"/>
               </a:ext>
             </a:extLst>
           </p:cNvPr>
@@ -8831,7 +8832,7 @@
           <p:cNvPr id="331" name="그림 330">
             <a:extLst>
               <a:ext uri="{FF2B5EF4-FFF2-40B4-BE49-F238E27FC236}">
-                <a16:creationId xmlns="" xmlns:a16="http://schemas.microsoft.com/office/drawing/2014/main" id="{963C65DE-6388-45DC-A85A-E9C35564C335}"/>
+                <a16:creationId xmlns:a16="http://schemas.microsoft.com/office/drawing/2014/main" xmlns="" id="{963C65DE-6388-45DC-A85A-E9C35564C335}"/>
               </a:ext>
             </a:extLst>
           </p:cNvPr>
@@ -8889,7 +8890,7 @@
           <p:cNvPr id="332" name="TextBox 331">
             <a:extLst>
               <a:ext uri="{FF2B5EF4-FFF2-40B4-BE49-F238E27FC236}">
-                <a16:creationId xmlns="" xmlns:a16="http://schemas.microsoft.com/office/drawing/2014/main" id="{EBBC07F5-11A0-4B67-9E12-944EF60BCC0F}"/>
+                <a16:creationId xmlns:a16="http://schemas.microsoft.com/office/drawing/2014/main" xmlns="" id="{EBBC07F5-11A0-4B67-9E12-944EF60BCC0F}"/>
               </a:ext>
             </a:extLst>
           </p:cNvPr>
@@ -8972,7 +8973,7 @@
           <p:cNvPr id="54" name="직선 연결선 53">
             <a:extLst>
               <a:ext uri="{FF2B5EF4-FFF2-40B4-BE49-F238E27FC236}">
-                <a16:creationId xmlns="" xmlns:a16="http://schemas.microsoft.com/office/drawing/2014/main" id="{C0E7FF59-BEE0-4C00-9F83-E09D00B0C516}"/>
+                <a16:creationId xmlns:a16="http://schemas.microsoft.com/office/drawing/2014/main" xmlns="" id="{C0E7FF59-BEE0-4C00-9F83-E09D00B0C516}"/>
               </a:ext>
             </a:extLst>
           </p:cNvPr>
@@ -9016,7 +9017,7 @@
           <p:cNvPr id="82" name="직선 연결선 81">
             <a:extLst>
               <a:ext uri="{FF2B5EF4-FFF2-40B4-BE49-F238E27FC236}">
-                <a16:creationId xmlns="" xmlns:a16="http://schemas.microsoft.com/office/drawing/2014/main" id="{81C795E2-4BAB-4B30-8615-EF5D39005982}"/>
+                <a16:creationId xmlns:a16="http://schemas.microsoft.com/office/drawing/2014/main" xmlns="" id="{81C795E2-4BAB-4B30-8615-EF5D39005982}"/>
               </a:ext>
             </a:extLst>
           </p:cNvPr>
@@ -9060,7 +9061,7 @@
           <p:cNvPr id="83" name="직선 연결선 82">
             <a:extLst>
               <a:ext uri="{FF2B5EF4-FFF2-40B4-BE49-F238E27FC236}">
-                <a16:creationId xmlns="" xmlns:a16="http://schemas.microsoft.com/office/drawing/2014/main" id="{FF755B02-EC7C-4BA0-A253-E7B3B6C7D81C}"/>
+                <a16:creationId xmlns:a16="http://schemas.microsoft.com/office/drawing/2014/main" xmlns="" id="{FF755B02-EC7C-4BA0-A253-E7B3B6C7D81C}"/>
               </a:ext>
             </a:extLst>
           </p:cNvPr>
@@ -9168,7 +9169,7 @@
           <p:cNvPr id="4" name="TextBox 3">
             <a:extLst>
               <a:ext uri="{FF2B5EF4-FFF2-40B4-BE49-F238E27FC236}">
-                <a16:creationId xmlns="" xmlns:a16="http://schemas.microsoft.com/office/drawing/2014/main" id="{C04AFB07-A04F-4BA4-AFC3-446CE5957D9D}"/>
+                <a16:creationId xmlns:a16="http://schemas.microsoft.com/office/drawing/2014/main" xmlns="" id="{C04AFB07-A04F-4BA4-AFC3-446CE5957D9D}"/>
               </a:ext>
             </a:extLst>
           </p:cNvPr>
@@ -9210,7 +9211,7 @@
           <p:cNvPr id="56" name="TextBox 55">
             <a:extLst>
               <a:ext uri="{FF2B5EF4-FFF2-40B4-BE49-F238E27FC236}">
-                <a16:creationId xmlns="" xmlns:a16="http://schemas.microsoft.com/office/drawing/2014/main" id="{B6A70F32-8562-4E73-BD1D-CF9D36148B17}"/>
+                <a16:creationId xmlns:a16="http://schemas.microsoft.com/office/drawing/2014/main" xmlns="" id="{B6A70F32-8562-4E73-BD1D-CF9D36148B17}"/>
               </a:ext>
             </a:extLst>
           </p:cNvPr>
@@ -9252,7 +9253,7 @@
           <p:cNvPr id="57" name="TextBox 56">
             <a:extLst>
               <a:ext uri="{FF2B5EF4-FFF2-40B4-BE49-F238E27FC236}">
-                <a16:creationId xmlns="" xmlns:a16="http://schemas.microsoft.com/office/drawing/2014/main" id="{69C2B872-9BEB-4D28-96BF-A163FA23B2AE}"/>
+                <a16:creationId xmlns:a16="http://schemas.microsoft.com/office/drawing/2014/main" xmlns="" id="{69C2B872-9BEB-4D28-96BF-A163FA23B2AE}"/>
               </a:ext>
             </a:extLst>
           </p:cNvPr>
@@ -9294,7 +9295,7 @@
           <p:cNvPr id="58" name="TextBox 57">
             <a:extLst>
               <a:ext uri="{FF2B5EF4-FFF2-40B4-BE49-F238E27FC236}">
-                <a16:creationId xmlns="" xmlns:a16="http://schemas.microsoft.com/office/drawing/2014/main" id="{EF643D31-A1D1-4965-BB3A-247350DB9036}"/>
+                <a16:creationId xmlns:a16="http://schemas.microsoft.com/office/drawing/2014/main" xmlns="" id="{EF643D31-A1D1-4965-BB3A-247350DB9036}"/>
               </a:ext>
             </a:extLst>
           </p:cNvPr>
@@ -9336,7 +9337,7 @@
           <p:cNvPr id="59" name="TextBox 58">
             <a:extLst>
               <a:ext uri="{FF2B5EF4-FFF2-40B4-BE49-F238E27FC236}">
-                <a16:creationId xmlns="" xmlns:a16="http://schemas.microsoft.com/office/drawing/2014/main" id="{CEFEF120-AE30-4C7C-8637-42BDD97D4151}"/>
+                <a16:creationId xmlns:a16="http://schemas.microsoft.com/office/drawing/2014/main" xmlns="" id="{CEFEF120-AE30-4C7C-8637-42BDD97D4151}"/>
               </a:ext>
             </a:extLst>
           </p:cNvPr>
@@ -9378,7 +9379,7 @@
           <p:cNvPr id="60" name="TextBox 59">
             <a:extLst>
               <a:ext uri="{FF2B5EF4-FFF2-40B4-BE49-F238E27FC236}">
-                <a16:creationId xmlns="" xmlns:a16="http://schemas.microsoft.com/office/drawing/2014/main" id="{1EF9F216-41A4-4695-A143-7F795D43D60F}"/>
+                <a16:creationId xmlns:a16="http://schemas.microsoft.com/office/drawing/2014/main" xmlns="" id="{1EF9F216-41A4-4695-A143-7F795D43D60F}"/>
               </a:ext>
             </a:extLst>
           </p:cNvPr>
@@ -9420,7 +9421,7 @@
           <p:cNvPr id="61" name="TextBox 60">
             <a:extLst>
               <a:ext uri="{FF2B5EF4-FFF2-40B4-BE49-F238E27FC236}">
-                <a16:creationId xmlns="" xmlns:a16="http://schemas.microsoft.com/office/drawing/2014/main" id="{2A0E21AB-25E9-49DD-ADB4-0D3EC75B25A1}"/>
+                <a16:creationId xmlns:a16="http://schemas.microsoft.com/office/drawing/2014/main" xmlns="" id="{2A0E21AB-25E9-49DD-ADB4-0D3EC75B25A1}"/>
               </a:ext>
             </a:extLst>
           </p:cNvPr>
@@ -9462,7 +9463,7 @@
           <p:cNvPr id="62" name="TextBox 61">
             <a:extLst>
               <a:ext uri="{FF2B5EF4-FFF2-40B4-BE49-F238E27FC236}">
-                <a16:creationId xmlns="" xmlns:a16="http://schemas.microsoft.com/office/drawing/2014/main" id="{74F7DFBB-01DD-4E1C-AA49-53D5262B1568}"/>
+                <a16:creationId xmlns:a16="http://schemas.microsoft.com/office/drawing/2014/main" xmlns="" id="{74F7DFBB-01DD-4E1C-AA49-53D5262B1568}"/>
               </a:ext>
             </a:extLst>
           </p:cNvPr>
@@ -9504,7 +9505,7 @@
           <p:cNvPr id="63" name="TextBox 62">
             <a:extLst>
               <a:ext uri="{FF2B5EF4-FFF2-40B4-BE49-F238E27FC236}">
-                <a16:creationId xmlns="" xmlns:a16="http://schemas.microsoft.com/office/drawing/2014/main" id="{A80CF1C4-9476-4397-A3ED-365156FF8C0B}"/>
+                <a16:creationId xmlns:a16="http://schemas.microsoft.com/office/drawing/2014/main" xmlns="" id="{A80CF1C4-9476-4397-A3ED-365156FF8C0B}"/>
               </a:ext>
             </a:extLst>
           </p:cNvPr>
@@ -9546,7 +9547,7 @@
           <p:cNvPr id="64" name="TextBox 63">
             <a:extLst>
               <a:ext uri="{FF2B5EF4-FFF2-40B4-BE49-F238E27FC236}">
-                <a16:creationId xmlns="" xmlns:a16="http://schemas.microsoft.com/office/drawing/2014/main" id="{BE0C0FF2-734F-440D-9121-2CA00E623972}"/>
+                <a16:creationId xmlns:a16="http://schemas.microsoft.com/office/drawing/2014/main" xmlns="" id="{BE0C0FF2-734F-440D-9121-2CA00E623972}"/>
               </a:ext>
             </a:extLst>
           </p:cNvPr>
@@ -9588,7 +9589,7 @@
           <p:cNvPr id="65" name="TextBox 64">
             <a:extLst>
               <a:ext uri="{FF2B5EF4-FFF2-40B4-BE49-F238E27FC236}">
-                <a16:creationId xmlns="" xmlns:a16="http://schemas.microsoft.com/office/drawing/2014/main" id="{75621EA3-8E7A-411B-81FC-098BF5452E03}"/>
+                <a16:creationId xmlns:a16="http://schemas.microsoft.com/office/drawing/2014/main" xmlns="" id="{75621EA3-8E7A-411B-81FC-098BF5452E03}"/>
               </a:ext>
             </a:extLst>
           </p:cNvPr>
@@ -9630,7 +9631,7 @@
           <p:cNvPr id="66" name="TextBox 65">
             <a:extLst>
               <a:ext uri="{FF2B5EF4-FFF2-40B4-BE49-F238E27FC236}">
-                <a16:creationId xmlns="" xmlns:a16="http://schemas.microsoft.com/office/drawing/2014/main" id="{C1FA5586-4F2E-4F6A-A0FA-1855CDED3BDC}"/>
+                <a16:creationId xmlns:a16="http://schemas.microsoft.com/office/drawing/2014/main" xmlns="" id="{C1FA5586-4F2E-4F6A-A0FA-1855CDED3BDC}"/>
               </a:ext>
             </a:extLst>
           </p:cNvPr>
@@ -9672,7 +9673,7 @@
           <p:cNvPr id="67" name="TextBox 66">
             <a:extLst>
               <a:ext uri="{FF2B5EF4-FFF2-40B4-BE49-F238E27FC236}">
-                <a16:creationId xmlns="" xmlns:a16="http://schemas.microsoft.com/office/drawing/2014/main" id="{141486BF-6F45-441A-95F3-D175221A8176}"/>
+                <a16:creationId xmlns:a16="http://schemas.microsoft.com/office/drawing/2014/main" xmlns="" id="{141486BF-6F45-441A-95F3-D175221A8176}"/>
               </a:ext>
             </a:extLst>
           </p:cNvPr>
@@ -9714,7 +9715,7 @@
           <p:cNvPr id="68" name="TextBox 67">
             <a:extLst>
               <a:ext uri="{FF2B5EF4-FFF2-40B4-BE49-F238E27FC236}">
-                <a16:creationId xmlns="" xmlns:a16="http://schemas.microsoft.com/office/drawing/2014/main" id="{D1BF9F06-0991-468D-8349-6B35F7061937}"/>
+                <a16:creationId xmlns:a16="http://schemas.microsoft.com/office/drawing/2014/main" xmlns="" id="{D1BF9F06-0991-468D-8349-6B35F7061937}"/>
               </a:ext>
             </a:extLst>
           </p:cNvPr>
@@ -9756,7 +9757,7 @@
           <p:cNvPr id="69" name="TextBox 68">
             <a:extLst>
               <a:ext uri="{FF2B5EF4-FFF2-40B4-BE49-F238E27FC236}">
-                <a16:creationId xmlns="" xmlns:a16="http://schemas.microsoft.com/office/drawing/2014/main" id="{298D047E-0D35-48CC-B73B-A5246B507DEC}"/>
+                <a16:creationId xmlns:a16="http://schemas.microsoft.com/office/drawing/2014/main" xmlns="" id="{298D047E-0D35-48CC-B73B-A5246B507DEC}"/>
               </a:ext>
             </a:extLst>
           </p:cNvPr>
@@ -9798,7 +9799,7 @@
           <p:cNvPr id="70" name="TextBox 69">
             <a:extLst>
               <a:ext uri="{FF2B5EF4-FFF2-40B4-BE49-F238E27FC236}">
-                <a16:creationId xmlns="" xmlns:a16="http://schemas.microsoft.com/office/drawing/2014/main" id="{3E688838-CA83-4471-9A4C-650BFD22C65B}"/>
+                <a16:creationId xmlns:a16="http://schemas.microsoft.com/office/drawing/2014/main" xmlns="" id="{3E688838-CA83-4471-9A4C-650BFD22C65B}"/>
               </a:ext>
             </a:extLst>
           </p:cNvPr>
@@ -9840,7 +9841,7 @@
           <p:cNvPr id="71" name="TextBox 70">
             <a:extLst>
               <a:ext uri="{FF2B5EF4-FFF2-40B4-BE49-F238E27FC236}">
-                <a16:creationId xmlns="" xmlns:a16="http://schemas.microsoft.com/office/drawing/2014/main" id="{9CECF851-F0A1-4282-996C-B5D11CEB5290}"/>
+                <a16:creationId xmlns:a16="http://schemas.microsoft.com/office/drawing/2014/main" xmlns="" id="{9CECF851-F0A1-4282-996C-B5D11CEB5290}"/>
               </a:ext>
             </a:extLst>
           </p:cNvPr>
@@ -9882,7 +9883,7 @@
           <p:cNvPr id="72" name="TextBox 71">
             <a:extLst>
               <a:ext uri="{FF2B5EF4-FFF2-40B4-BE49-F238E27FC236}">
-                <a16:creationId xmlns="" xmlns:a16="http://schemas.microsoft.com/office/drawing/2014/main" id="{69BC8545-3494-47F8-AF2D-6D5219239A00}"/>
+                <a16:creationId xmlns:a16="http://schemas.microsoft.com/office/drawing/2014/main" xmlns="" id="{69BC8545-3494-47F8-AF2D-6D5219239A00}"/>
               </a:ext>
             </a:extLst>
           </p:cNvPr>
@@ -9924,7 +9925,7 @@
           <p:cNvPr id="73" name="TextBox 72">
             <a:extLst>
               <a:ext uri="{FF2B5EF4-FFF2-40B4-BE49-F238E27FC236}">
-                <a16:creationId xmlns="" xmlns:a16="http://schemas.microsoft.com/office/drawing/2014/main" id="{FB9808E6-A5DB-4C5B-8EA9-D7841F12F0BE}"/>
+                <a16:creationId xmlns:a16="http://schemas.microsoft.com/office/drawing/2014/main" xmlns="" id="{FB9808E6-A5DB-4C5B-8EA9-D7841F12F0BE}"/>
               </a:ext>
             </a:extLst>
           </p:cNvPr>
@@ -9957,13 +9958,6 @@
               </a:rPr>
               <a:t>차이</a:t>
             </a:r>
-            <a:endParaRPr lang="ko-KR" altLang="en-US" sz="1600" u="sng" dirty="0">
-              <a:solidFill>
-                <a:srgbClr val="D779F1"/>
-              </a:solidFill>
-              <a:latin typeface="배달의민족 주아" panose="02020603020101020101" pitchFamily="18" charset="-127"/>
-              <a:ea typeface="배달의민족 주아" panose="02020603020101020101" pitchFamily="18" charset="-127"/>
-            </a:endParaRPr>
           </a:p>
         </p:txBody>
       </p:sp>
@@ -9972,7 +9966,7 @@
           <p:cNvPr id="74" name="TextBox 73">
             <a:extLst>
               <a:ext uri="{FF2B5EF4-FFF2-40B4-BE49-F238E27FC236}">
-                <a16:creationId xmlns="" xmlns:a16="http://schemas.microsoft.com/office/drawing/2014/main" id="{77FEB70C-285E-44D7-BC63-B77A268499EC}"/>
+                <a16:creationId xmlns:a16="http://schemas.microsoft.com/office/drawing/2014/main" xmlns="" id="{77FEB70C-285E-44D7-BC63-B77A268499EC}"/>
               </a:ext>
             </a:extLst>
           </p:cNvPr>
@@ -10014,7 +10008,7 @@
           <p:cNvPr id="75" name="TextBox 74">
             <a:extLst>
               <a:ext uri="{FF2B5EF4-FFF2-40B4-BE49-F238E27FC236}">
-                <a16:creationId xmlns="" xmlns:a16="http://schemas.microsoft.com/office/drawing/2014/main" id="{2D586DBC-82ED-4D02-8CDB-898A98F22D29}"/>
+                <a16:creationId xmlns:a16="http://schemas.microsoft.com/office/drawing/2014/main" xmlns="" id="{2D586DBC-82ED-4D02-8CDB-898A98F22D29}"/>
               </a:ext>
             </a:extLst>
           </p:cNvPr>
@@ -10056,7 +10050,7 @@
           <p:cNvPr id="76" name="TextBox 75">
             <a:extLst>
               <a:ext uri="{FF2B5EF4-FFF2-40B4-BE49-F238E27FC236}">
-                <a16:creationId xmlns="" xmlns:a16="http://schemas.microsoft.com/office/drawing/2014/main" id="{22289A32-88D1-4436-B105-8F109602B5F6}"/>
+                <a16:creationId xmlns:a16="http://schemas.microsoft.com/office/drawing/2014/main" xmlns="" id="{22289A32-88D1-4436-B105-8F109602B5F6}"/>
               </a:ext>
             </a:extLst>
           </p:cNvPr>
@@ -10098,7 +10092,7 @@
           <p:cNvPr id="77" name="TextBox 76">
             <a:extLst>
               <a:ext uri="{FF2B5EF4-FFF2-40B4-BE49-F238E27FC236}">
-                <a16:creationId xmlns="" xmlns:a16="http://schemas.microsoft.com/office/drawing/2014/main" id="{B378BD5B-1DD8-415E-B876-3BC7241E34FB}"/>
+                <a16:creationId xmlns:a16="http://schemas.microsoft.com/office/drawing/2014/main" xmlns="" id="{B378BD5B-1DD8-415E-B876-3BC7241E34FB}"/>
               </a:ext>
             </a:extLst>
           </p:cNvPr>
@@ -10140,7 +10134,7 @@
           <p:cNvPr id="78" name="TextBox 77">
             <a:extLst>
               <a:ext uri="{FF2B5EF4-FFF2-40B4-BE49-F238E27FC236}">
-                <a16:creationId xmlns="" xmlns:a16="http://schemas.microsoft.com/office/drawing/2014/main" id="{044ABCD1-0C74-4BB9-AA1C-4AA354CD99A4}"/>
+                <a16:creationId xmlns:a16="http://schemas.microsoft.com/office/drawing/2014/main" xmlns="" id="{044ABCD1-0C74-4BB9-AA1C-4AA354CD99A4}"/>
               </a:ext>
             </a:extLst>
           </p:cNvPr>
@@ -10182,7 +10176,7 @@
           <p:cNvPr id="79" name="TextBox 78">
             <a:extLst>
               <a:ext uri="{FF2B5EF4-FFF2-40B4-BE49-F238E27FC236}">
-                <a16:creationId xmlns="" xmlns:a16="http://schemas.microsoft.com/office/drawing/2014/main" id="{40BF79D4-31E0-457F-A861-F18F4B134B7E}"/>
+                <a16:creationId xmlns:a16="http://schemas.microsoft.com/office/drawing/2014/main" xmlns="" id="{40BF79D4-31E0-457F-A861-F18F4B134B7E}"/>
               </a:ext>
             </a:extLst>
           </p:cNvPr>
@@ -10224,7 +10218,7 @@
           <p:cNvPr id="80" name="TextBox 79">
             <a:extLst>
               <a:ext uri="{FF2B5EF4-FFF2-40B4-BE49-F238E27FC236}">
-                <a16:creationId xmlns="" xmlns:a16="http://schemas.microsoft.com/office/drawing/2014/main" id="{B298DBD4-3E3A-4ABA-AD91-E2BFAB365382}"/>
+                <a16:creationId xmlns:a16="http://schemas.microsoft.com/office/drawing/2014/main" xmlns="" id="{B298DBD4-3E3A-4ABA-AD91-E2BFAB365382}"/>
               </a:ext>
             </a:extLst>
           </p:cNvPr>
@@ -10261,14 +10255,14 @@
           </a:p>
         </p:txBody>
       </p:sp>
-      <mc:AlternateContent xmlns:mc="http://schemas.openxmlformats.org/markup-compatibility/2006">
-        <mc:Choice xmlns:a14="http://schemas.microsoft.com/office/drawing/2010/main" Requires="a14">
+      <mc:AlternateContent xmlns:mc="http://schemas.openxmlformats.org/markup-compatibility/2006" xmlns:a14="http://schemas.microsoft.com/office/drawing/2010/main">
+        <mc:Choice Requires="a14">
           <p:sp>
             <p:nvSpPr>
               <p:cNvPr id="81" name="TextBox 80">
                 <a:extLst>
                   <a:ext uri="{FF2B5EF4-FFF2-40B4-BE49-F238E27FC236}">
-                    <a16:creationId xmlns="" xmlns:a16="http://schemas.microsoft.com/office/drawing/2014/main" id="{3460AABE-49C3-4A25-B0A5-5326C3838920}"/>
+                    <a16:creationId xmlns:a16="http://schemas.microsoft.com/office/drawing/2014/main" xmlns="" id="{3460AABE-49C3-4A25-B0A5-5326C3838920}"/>
                   </a:ext>
                 </a:extLst>
               </p:cNvPr>
@@ -10421,7 +10415,7 @@
             </p:txBody>
           </p:sp>
         </mc:Choice>
-        <mc:Fallback>
+        <mc:Fallback xmlns="">
           <p:sp>
             <p:nvSpPr>
               <p:cNvPr id="81" name="TextBox 80">
@@ -10471,7 +10465,7 @@
           <p:cNvPr id="93" name="TextBox 92">
             <a:extLst>
               <a:ext uri="{FF2B5EF4-FFF2-40B4-BE49-F238E27FC236}">
-                <a16:creationId xmlns="" xmlns:a16="http://schemas.microsoft.com/office/drawing/2014/main" id="{EF22571D-3744-43F2-B47A-33FBDE888CF5}"/>
+                <a16:creationId xmlns:a16="http://schemas.microsoft.com/office/drawing/2014/main" xmlns="" id="{EF22571D-3744-43F2-B47A-33FBDE888CF5}"/>
               </a:ext>
             </a:extLst>
           </p:cNvPr>
@@ -10530,14 +10524,14 @@
           </a:p>
         </p:txBody>
       </p:sp>
-      <mc:AlternateContent xmlns:mc="http://schemas.openxmlformats.org/markup-compatibility/2006">
-        <mc:Choice xmlns:a14="http://schemas.microsoft.com/office/drawing/2010/main" Requires="a14">
+      <mc:AlternateContent xmlns:mc="http://schemas.openxmlformats.org/markup-compatibility/2006" xmlns:a14="http://schemas.microsoft.com/office/drawing/2010/main">
+        <mc:Choice Requires="a14">
           <p:sp>
             <p:nvSpPr>
               <p:cNvPr id="84" name="TextBox 83">
                 <a:extLst>
                   <a:ext uri="{FF2B5EF4-FFF2-40B4-BE49-F238E27FC236}">
-                    <a16:creationId xmlns="" xmlns:a16="http://schemas.microsoft.com/office/drawing/2014/main" id="{637A9EBD-8651-4827-A9C8-718C09951F70}"/>
+                    <a16:creationId xmlns:a16="http://schemas.microsoft.com/office/drawing/2014/main" xmlns="" id="{637A9EBD-8651-4827-A9C8-718C09951F70}"/>
                   </a:ext>
                 </a:extLst>
               </p:cNvPr>
@@ -10569,27 +10563,7 @@
                     <a:latin typeface="배달의민족 주아" panose="02020603020101020101" pitchFamily="18" charset="-127"/>
                     <a:ea typeface="배달의민족 주아" panose="02020603020101020101" pitchFamily="18" charset="-127"/>
                   </a:rPr>
-                  <a:t>모평균 </a:t>
-                </a:r>
-                <a:r>
-                  <a:rPr lang="ko-KR" altLang="en-US" sz="1400" dirty="0" smtClean="0">
-                    <a:solidFill>
-                      <a:schemeClr val="accent3"/>
-                    </a:solidFill>
-                    <a:latin typeface="배달의민족 주아" panose="02020603020101020101" pitchFamily="18" charset="-127"/>
-                    <a:ea typeface="배달의민족 주아" panose="02020603020101020101" pitchFamily="18" charset="-127"/>
-                  </a:rPr>
-                  <a:t>차이</a:t>
-                </a:r>
-                <a:r>
-                  <a:rPr lang="ko-KR" altLang="en-US" sz="1400" dirty="0" smtClean="0">
-                    <a:solidFill>
-                      <a:schemeClr val="accent3"/>
-                    </a:solidFill>
-                    <a:latin typeface="배달의민족 주아" panose="02020603020101020101" pitchFamily="18" charset="-127"/>
-                    <a:ea typeface="배달의민족 주아" panose="02020603020101020101" pitchFamily="18" charset="-127"/>
-                  </a:rPr>
-                  <a:t> </a:t>
+                  <a:t>모평균 차이 </a:t>
                 </a:r>
                 <a:r>
                   <a:rPr lang="en-US" altLang="ko-KR" sz="1400" dirty="0" smtClean="0">
@@ -10663,7 +10637,7 @@
             </p:txBody>
           </p:sp>
         </mc:Choice>
-        <mc:Fallback>
+        <mc:Fallback xmlns="">
           <p:sp>
             <p:nvSpPr>
               <p:cNvPr id="84" name="TextBox 83">
@@ -10708,14 +10682,14 @@
           </p:sp>
         </mc:Fallback>
       </mc:AlternateContent>
-      <mc:AlternateContent xmlns:mc="http://schemas.openxmlformats.org/markup-compatibility/2006">
-        <mc:Choice xmlns:a14="http://schemas.microsoft.com/office/drawing/2010/main" Requires="a14">
+      <mc:AlternateContent xmlns:mc="http://schemas.openxmlformats.org/markup-compatibility/2006" xmlns:a14="http://schemas.microsoft.com/office/drawing/2010/main">
+        <mc:Choice Requires="a14">
           <p:sp>
             <p:nvSpPr>
               <p:cNvPr id="85" name="TextBox 84">
                 <a:extLst>
                   <a:ext uri="{FF2B5EF4-FFF2-40B4-BE49-F238E27FC236}">
-                    <a16:creationId xmlns="" xmlns:a16="http://schemas.microsoft.com/office/drawing/2014/main" id="{30DFB557-63B6-4825-A4E9-AA48679DDB80}"/>
+                    <a16:creationId xmlns:a16="http://schemas.microsoft.com/office/drawing/2014/main" xmlns="" id="{30DFB557-63B6-4825-A4E9-AA48679DDB80}"/>
                   </a:ext>
                 </a:extLst>
               </p:cNvPr>
@@ -10821,7 +10795,7 @@
             </p:txBody>
           </p:sp>
         </mc:Choice>
-        <mc:Fallback>
+        <mc:Fallback xmlns="">
           <p:sp>
             <p:nvSpPr>
               <p:cNvPr id="85" name="TextBox 84">
@@ -10871,7 +10845,7 @@
           <p:cNvPr id="7" name="화살표: 왼쪽/오른쪽 6">
             <a:extLst>
               <a:ext uri="{FF2B5EF4-FFF2-40B4-BE49-F238E27FC236}">
-                <a16:creationId xmlns="" xmlns:a16="http://schemas.microsoft.com/office/drawing/2014/main" id="{4E12E168-D9FF-4343-B35E-06DA76E44FB7}"/>
+                <a16:creationId xmlns:a16="http://schemas.microsoft.com/office/drawing/2014/main" xmlns="" id="{4E12E168-D9FF-4343-B35E-06DA76E44FB7}"/>
               </a:ext>
             </a:extLst>
           </p:cNvPr>
@@ -10929,7 +10903,7 @@
           <p:cNvPr id="86" name="화살표: 왼쪽/오른쪽 85">
             <a:extLst>
               <a:ext uri="{FF2B5EF4-FFF2-40B4-BE49-F238E27FC236}">
-                <a16:creationId xmlns="" xmlns:a16="http://schemas.microsoft.com/office/drawing/2014/main" id="{EF7A27AD-799A-48D7-92C2-6074E551A6E9}"/>
+                <a16:creationId xmlns:a16="http://schemas.microsoft.com/office/drawing/2014/main" xmlns="" id="{EF7A27AD-799A-48D7-92C2-6074E551A6E9}"/>
               </a:ext>
             </a:extLst>
           </p:cNvPr>
@@ -10987,7 +10961,7 @@
           <p:cNvPr id="87" name="TextBox 86">
             <a:extLst>
               <a:ext uri="{FF2B5EF4-FFF2-40B4-BE49-F238E27FC236}">
-                <a16:creationId xmlns="" xmlns:a16="http://schemas.microsoft.com/office/drawing/2014/main" id="{38413CFF-9145-48E8-AA03-05D6C8B2F931}"/>
+                <a16:creationId xmlns:a16="http://schemas.microsoft.com/office/drawing/2014/main" xmlns="" id="{38413CFF-9145-48E8-AA03-05D6C8B2F931}"/>
               </a:ext>
             </a:extLst>
           </p:cNvPr>
@@ -11042,6 +11016,931 @@
     <p:extLst>
       <p:ext uri="{BB962C8B-B14F-4D97-AF65-F5344CB8AC3E}">
         <p14:creationId xmlns:p14="http://schemas.microsoft.com/office/powerpoint/2010/main" val="540466415"/>
+      </p:ext>
+    </p:extLst>
+  </p:cSld>
+  <p:clrMapOvr>
+    <a:masterClrMapping/>
+  </p:clrMapOvr>
+</p:sld>
+</file>
+
+<file path=ppt/slides/slide14.xml><?xml version="1.0" encoding="utf-8"?>
+<p:sld xmlns:a="http://schemas.openxmlformats.org/drawingml/2006/main" xmlns:r="http://schemas.openxmlformats.org/officeDocument/2006/relationships" xmlns:p="http://schemas.openxmlformats.org/presentationml/2006/main">
+  <p:cSld>
+    <p:spTree>
+      <p:nvGrpSpPr>
+        <p:cNvPr id="1" name=""/>
+        <p:cNvGrpSpPr/>
+        <p:nvPr/>
+      </p:nvGrpSpPr>
+      <p:grpSpPr>
+        <a:xfrm>
+          <a:off x="0" y="0"/>
+          <a:ext cx="0" cy="0"/>
+          <a:chOff x="0" y="0"/>
+          <a:chExt cx="0" cy="0"/>
+        </a:xfrm>
+      </p:grpSpPr>
+      <mc:AlternateContent xmlns:mc="http://schemas.openxmlformats.org/markup-compatibility/2006">
+        <mc:Choice xmlns:a14="http://schemas.microsoft.com/office/drawing/2010/main" Requires="a14">
+          <p:sp>
+            <p:nvSpPr>
+              <p:cNvPr id="4" name="TextBox 3">
+                <a:extLst>
+                  <a:ext uri="{FF2B5EF4-FFF2-40B4-BE49-F238E27FC236}">
+                    <a16:creationId xmlns:a16="http://schemas.microsoft.com/office/drawing/2014/main" xmlns="" id="{1F03C674-C6CF-4F36-B663-F067B8C6A3F1}"/>
+                  </a:ext>
+                </a:extLst>
+              </p:cNvPr>
+              <p:cNvSpPr txBox="1"/>
+              <p:nvPr/>
+            </p:nvSpPr>
+            <p:spPr>
+              <a:xfrm>
+                <a:off x="627864" y="1165661"/>
+                <a:ext cx="8349783" cy="2000356"/>
+              </a:xfrm>
+              <a:prstGeom prst="rect">
+                <a:avLst/>
+              </a:prstGeom>
+              <a:noFill/>
+            </p:spPr>
+            <p:txBody>
+              <a:bodyPr wrap="square" rtlCol="0" anchor="ctr">
+                <a:spAutoFit/>
+              </a:bodyPr>
+              <a:lstStyle/>
+              <a:p>
+                <a:pPr/>
+                <a14:m>
+                  <m:oMathPara xmlns:m="http://schemas.openxmlformats.org/officeDocument/2006/math">
+                    <m:oMathParaPr>
+                      <m:jc m:val="center"/>
+                    </m:oMathParaPr>
+                    <m:oMath xmlns:m="http://schemas.openxmlformats.org/officeDocument/2006/math">
+                      <m:r>
+                        <a:rPr lang="en-US" altLang="ko-KR" sz="5400" b="0" i="1" smtClean="0">
+                          <a:latin typeface="Cambria Math" panose="02040503050406030204" pitchFamily="18" charset="0"/>
+                        </a:rPr>
+                        <m:t>𝑡</m:t>
+                      </m:r>
+                      <m:r>
+                        <a:rPr lang="en-US" altLang="ko-KR" sz="5400" b="0" i="1" smtClean="0">
+                          <a:latin typeface="Cambria Math" panose="02040503050406030204" pitchFamily="18" charset="0"/>
+                        </a:rPr>
+                        <m:t>=</m:t>
+                      </m:r>
+                      <m:f>
+                        <m:fPr>
+                          <m:ctrlPr>
+                            <a:rPr lang="en-US" altLang="ko-KR" sz="5400" b="0" i="1" smtClean="0">
+                              <a:latin typeface="Cambria Math"/>
+                            </a:rPr>
+                          </m:ctrlPr>
+                        </m:fPr>
+                        <m:num>
+                          <m:d>
+                            <m:dPr>
+                              <m:ctrlPr>
+                                <a:rPr lang="en-US" altLang="ko-KR" sz="5400" b="0" i="1" smtClean="0">
+                                  <a:latin typeface="Cambria Math"/>
+                                  <a:ea typeface="+mj-ea"/>
+                                </a:rPr>
+                              </m:ctrlPr>
+                            </m:dPr>
+                            <m:e>
+                              <m:sSub>
+                                <m:sSubPr>
+                                  <m:ctrlPr>
+                                    <a:rPr lang="en-US" altLang="ko-KR" sz="5400" b="0" i="1" smtClean="0">
+                                      <a:latin typeface="Cambria Math"/>
+                                      <a:ea typeface="+mj-ea"/>
+                                    </a:rPr>
+                                  </m:ctrlPr>
+                                </m:sSubPr>
+                                <m:e>
+                                  <m:acc>
+                                    <m:accPr>
+                                      <m:chr m:val="̅"/>
+                                      <m:ctrlPr>
+                                        <a:rPr lang="en-US" altLang="ko-KR" sz="5400" b="0" i="1" smtClean="0">
+                                          <a:latin typeface="Cambria Math"/>
+                                          <a:ea typeface="+mj-ea"/>
+                                        </a:rPr>
+                                      </m:ctrlPr>
+                                    </m:accPr>
+                                    <m:e>
+                                      <m:r>
+                                        <a:rPr lang="en-US" altLang="ko-KR" sz="5400" b="0" i="1" smtClean="0">
+                                          <a:latin typeface="Cambria Math" panose="02040503050406030204" pitchFamily="18" charset="0"/>
+                                          <a:ea typeface="+mj-ea"/>
+                                        </a:rPr>
+                                        <m:t>𝑋</m:t>
+                                      </m:r>
+                                    </m:e>
+                                  </m:acc>
+                                </m:e>
+                                <m:sub>
+                                  <m:r>
+                                    <a:rPr lang="en-US" altLang="ko-KR" sz="5400" b="0" i="1" smtClean="0">
+                                      <a:latin typeface="Cambria Math" panose="02040503050406030204" pitchFamily="18" charset="0"/>
+                                    </a:rPr>
+                                    <m:t>1</m:t>
+                                  </m:r>
+                                </m:sub>
+                              </m:sSub>
+                              <m:r>
+                                <a:rPr lang="en-US" altLang="ko-KR" sz="5400" b="0" i="1" smtClean="0">
+                                  <a:latin typeface="Cambria Math" panose="02040503050406030204" pitchFamily="18" charset="0"/>
+                                </a:rPr>
+                                <m:t>−</m:t>
+                              </m:r>
+                              <m:sSub>
+                                <m:sSubPr>
+                                  <m:ctrlPr>
+                                    <a:rPr lang="en-US" altLang="ko-KR" sz="5400" i="1">
+                                      <a:latin typeface="Cambria Math"/>
+                                    </a:rPr>
+                                  </m:ctrlPr>
+                                </m:sSubPr>
+                                <m:e>
+                                  <m:acc>
+                                    <m:accPr>
+                                      <m:chr m:val="̅"/>
+                                      <m:ctrlPr>
+                                        <a:rPr lang="en-US" altLang="ko-KR" sz="5400" i="1">
+                                          <a:latin typeface="Cambria Math"/>
+                                        </a:rPr>
+                                      </m:ctrlPr>
+                                    </m:accPr>
+                                    <m:e>
+                                      <m:r>
+                                        <a:rPr lang="en-US" altLang="ko-KR" sz="5400" i="1">
+                                          <a:latin typeface="Cambria Math" panose="02040503050406030204" pitchFamily="18" charset="0"/>
+                                        </a:rPr>
+                                        <m:t>𝑋</m:t>
+                                      </m:r>
+                                    </m:e>
+                                  </m:acc>
+                                </m:e>
+                                <m:sub>
+                                  <m:r>
+                                    <a:rPr lang="en-US" altLang="ko-KR" sz="5400" b="0" i="1" smtClean="0">
+                                      <a:latin typeface="Cambria Math" panose="02040503050406030204" pitchFamily="18" charset="0"/>
+                                    </a:rPr>
+                                    <m:t>2</m:t>
+                                  </m:r>
+                                </m:sub>
+                              </m:sSub>
+                            </m:e>
+                          </m:d>
+                          <m:r>
+                            <a:rPr lang="en-US" altLang="ko-KR" sz="5400" b="0" i="1" smtClean="0">
+                              <a:latin typeface="Cambria Math"/>
+                            </a:rPr>
+                            <m:t>− </m:t>
+                          </m:r>
+                          <m:r>
+                            <m:rPr>
+                              <m:lit/>
+                            </m:rPr>
+                            <a:rPr lang="en-US" altLang="ko-KR" sz="5400" b="0" i="1" smtClean="0">
+                              <a:latin typeface="Cambria Math"/>
+                            </a:rPr>
+                            <m:t>(</m:t>
+                          </m:r>
+                          <m:sSub>
+                            <m:sSubPr>
+                              <m:ctrlPr>
+                                <a:rPr lang="en-US" altLang="ko-KR" sz="5400" b="0" i="1" smtClean="0">
+                                  <a:latin typeface="Cambria Math"/>
+                                </a:rPr>
+                              </m:ctrlPr>
+                            </m:sSubPr>
+                            <m:e>
+                              <m:r>
+                                <a:rPr lang="en-US" altLang="ko-KR" sz="5400" b="0" i="1" smtClean="0">
+                                  <a:latin typeface="Cambria Math"/>
+                                </a:rPr>
+                                <m:t>𝜇</m:t>
+                              </m:r>
+                            </m:e>
+                            <m:sub>
+                              <m:r>
+                                <a:rPr lang="en-US" altLang="ko-KR" sz="5400" b="0" i="1" smtClean="0">
+                                  <a:latin typeface="Cambria Math"/>
+                                </a:rPr>
+                                <m:t>1</m:t>
+                              </m:r>
+                            </m:sub>
+                          </m:sSub>
+                          <m:r>
+                            <a:rPr lang="en-US" altLang="ko-KR" sz="5400" b="0" i="1" smtClean="0">
+                              <a:latin typeface="Cambria Math"/>
+                            </a:rPr>
+                            <m:t>−</m:t>
+                          </m:r>
+                          <m:sSub>
+                            <m:sSubPr>
+                              <m:ctrlPr>
+                                <a:rPr lang="en-US" altLang="ko-KR" sz="5400" b="0" i="1" smtClean="0">
+                                  <a:latin typeface="Cambria Math"/>
+                                </a:rPr>
+                              </m:ctrlPr>
+                            </m:sSubPr>
+                            <m:e>
+                              <m:r>
+                                <a:rPr lang="en-US" altLang="ko-KR" sz="5400" b="0" i="1" smtClean="0">
+                                  <a:latin typeface="Cambria Math"/>
+                                </a:rPr>
+                                <m:t>𝜇</m:t>
+                              </m:r>
+                            </m:e>
+                            <m:sub>
+                              <m:r>
+                                <a:rPr lang="en-US" altLang="ko-KR" sz="5400" b="0" i="1" smtClean="0">
+                                  <a:latin typeface="Cambria Math"/>
+                                </a:rPr>
+                                <m:t>2</m:t>
+                              </m:r>
+                            </m:sub>
+                          </m:sSub>
+                          <m:r>
+                            <a:rPr lang="en-US" altLang="ko-KR" sz="5400" b="0" i="1" smtClean="0">
+                              <a:latin typeface="Cambria Math"/>
+                            </a:rPr>
+                            <m:t>)</m:t>
+                          </m:r>
+                        </m:num>
+                        <m:den>
+                          <m:sSub>
+                            <m:sSubPr>
+                              <m:ctrlPr>
+                                <a:rPr lang="en-US" altLang="ko-KR" sz="5400" b="0" i="1" smtClean="0">
+                                  <a:latin typeface="Cambria Math"/>
+                                  <a:ea typeface="+mj-ea"/>
+                                </a:rPr>
+                              </m:ctrlPr>
+                            </m:sSubPr>
+                            <m:e>
+                              <m:r>
+                                <a:rPr lang="en-US" altLang="ko-KR" sz="5400" b="0" i="1" smtClean="0">
+                                  <a:latin typeface="Cambria Math" panose="02040503050406030204" pitchFamily="18" charset="0"/>
+                                  <a:ea typeface="+mj-ea"/>
+                                </a:rPr>
+                                <m:t>𝑠</m:t>
+                              </m:r>
+                            </m:e>
+                            <m:sub>
+                              <m:sSub>
+                                <m:sSubPr>
+                                  <m:ctrlPr>
+                                    <a:rPr lang="en-US" altLang="ko-KR" sz="5400" i="1">
+                                      <a:latin typeface="Cambria Math"/>
+                                    </a:rPr>
+                                  </m:ctrlPr>
+                                </m:sSubPr>
+                                <m:e>
+                                  <m:acc>
+                                    <m:accPr>
+                                      <m:chr m:val="̅"/>
+                                      <m:ctrlPr>
+                                        <a:rPr lang="en-US" altLang="ko-KR" sz="5400" i="1">
+                                          <a:latin typeface="Cambria Math"/>
+                                        </a:rPr>
+                                      </m:ctrlPr>
+                                    </m:accPr>
+                                    <m:e>
+                                      <m:r>
+                                        <a:rPr lang="en-US" altLang="ko-KR" sz="5400" i="1">
+                                          <a:latin typeface="Cambria Math" panose="02040503050406030204" pitchFamily="18" charset="0"/>
+                                        </a:rPr>
+                                        <m:t>𝑋</m:t>
+                                      </m:r>
+                                    </m:e>
+                                  </m:acc>
+                                </m:e>
+                                <m:sub>
+                                  <m:r>
+                                    <a:rPr lang="en-US" altLang="ko-KR" sz="5400" i="1">
+                                      <a:latin typeface="Cambria Math" panose="02040503050406030204" pitchFamily="18" charset="0"/>
+                                    </a:rPr>
+                                    <m:t>1</m:t>
+                                  </m:r>
+                                </m:sub>
+                              </m:sSub>
+                              <m:r>
+                                <a:rPr lang="en-US" altLang="ko-KR" sz="5400" i="1">
+                                  <a:latin typeface="Cambria Math" panose="02040503050406030204" pitchFamily="18" charset="0"/>
+                                </a:rPr>
+                                <m:t>−</m:t>
+                              </m:r>
+                              <m:sSub>
+                                <m:sSubPr>
+                                  <m:ctrlPr>
+                                    <a:rPr lang="en-US" altLang="ko-KR" sz="5400" i="1">
+                                      <a:latin typeface="Cambria Math"/>
+                                    </a:rPr>
+                                  </m:ctrlPr>
+                                </m:sSubPr>
+                                <m:e>
+                                  <m:acc>
+                                    <m:accPr>
+                                      <m:chr m:val="̅"/>
+                                      <m:ctrlPr>
+                                        <a:rPr lang="en-US" altLang="ko-KR" sz="5400" i="1">
+                                          <a:latin typeface="Cambria Math"/>
+                                        </a:rPr>
+                                      </m:ctrlPr>
+                                    </m:accPr>
+                                    <m:e>
+                                      <m:r>
+                                        <a:rPr lang="en-US" altLang="ko-KR" sz="5400" i="1">
+                                          <a:latin typeface="Cambria Math" panose="02040503050406030204" pitchFamily="18" charset="0"/>
+                                        </a:rPr>
+                                        <m:t>𝑋</m:t>
+                                      </m:r>
+                                    </m:e>
+                                  </m:acc>
+                                </m:e>
+                                <m:sub>
+                                  <m:r>
+                                    <a:rPr lang="en-US" altLang="ko-KR" sz="5400" i="1">
+                                      <a:latin typeface="Cambria Math" panose="02040503050406030204" pitchFamily="18" charset="0"/>
+                                    </a:rPr>
+                                    <m:t>2</m:t>
+                                  </m:r>
+                                </m:sub>
+                              </m:sSub>
+                            </m:sub>
+                          </m:sSub>
+                        </m:den>
+                      </m:f>
+                    </m:oMath>
+                  </m:oMathPara>
+                </a14:m>
+                <a:endParaRPr lang="ko-KR" altLang="en-US" sz="5400" dirty="0"/>
+              </a:p>
+            </p:txBody>
+          </p:sp>
+        </mc:Choice>
+        <mc:Fallback>
+          <p:sp>
+            <p:nvSpPr>
+              <p:cNvPr id="4" name="TextBox 3">
+                <a:extLst>
+                  <a:ext uri="{FF2B5EF4-FFF2-40B4-BE49-F238E27FC236}">
+                    <a16:creationId xmlns:a16="http://schemas.microsoft.com/office/drawing/2014/main" xmlns:a14="http://schemas.microsoft.com/office/drawing/2010/main" xmlns="" id="{1F03C674-C6CF-4F36-B663-F067B8C6A3F1}"/>
+                  </a:ext>
+                </a:extLst>
+              </p:cNvPr>
+              <p:cNvSpPr txBox="1">
+                <a:spLocks noRot="1" noChangeAspect="1" noMove="1" noResize="1" noEditPoints="1" noAdjustHandles="1" noChangeArrowheads="1" noChangeShapeType="1" noTextEdit="1"/>
+              </p:cNvSpPr>
+              <p:nvPr/>
+            </p:nvSpPr>
+            <p:spPr>
+              <a:xfrm>
+                <a:off x="627864" y="1165661"/>
+                <a:ext cx="8349783" cy="2000356"/>
+              </a:xfrm>
+              <a:prstGeom prst="rect">
+                <a:avLst/>
+              </a:prstGeom>
+              <a:blipFill rotWithShape="1">
+                <a:blip r:embed="rId2"/>
+                <a:stretch>
+                  <a:fillRect/>
+                </a:stretch>
+              </a:blipFill>
+            </p:spPr>
+            <p:txBody>
+              <a:bodyPr/>
+              <a:lstStyle/>
+              <a:p>
+                <a:r>
+                  <a:rPr lang="ko-KR" altLang="en-US">
+                    <a:noFill/>
+                  </a:rPr>
+                  <a:t> </a:t>
+                </a:r>
+              </a:p>
+            </p:txBody>
+          </p:sp>
+        </mc:Fallback>
+      </mc:AlternateContent>
+      <p:sp>
+        <p:nvSpPr>
+          <p:cNvPr id="5" name="사각형: 둥근 모서리 1">
+            <a:extLst>
+              <a:ext uri="{FF2B5EF4-FFF2-40B4-BE49-F238E27FC236}">
+                <a16:creationId xmlns:a16="http://schemas.microsoft.com/office/drawing/2014/main" xmlns="" id="{2A90EE11-FFDF-4793-BB72-3297684AEC64}"/>
+              </a:ext>
+            </a:extLst>
+          </p:cNvPr>
+          <p:cNvSpPr/>
+          <p:nvPr/>
+        </p:nvSpPr>
+        <p:spPr>
+          <a:xfrm>
+            <a:off x="2128509" y="1230600"/>
+            <a:ext cx="2844180" cy="869855"/>
+          </a:xfrm>
+          <a:prstGeom prst="roundRect">
+            <a:avLst/>
+          </a:prstGeom>
+          <a:noFill/>
+          <a:ln w="38100">
+            <a:solidFill>
+              <a:srgbClr val="FFC000"/>
+            </a:solidFill>
+            <a:prstDash val="dash"/>
+          </a:ln>
+        </p:spPr>
+        <p:style>
+          <a:lnRef idx="2">
+            <a:schemeClr val="accent1">
+              <a:shade val="50000"/>
+            </a:schemeClr>
+          </a:lnRef>
+          <a:fillRef idx="1">
+            <a:schemeClr val="accent1"/>
+          </a:fillRef>
+          <a:effectRef idx="0">
+            <a:schemeClr val="accent1"/>
+          </a:effectRef>
+          <a:fontRef idx="minor">
+            <a:schemeClr val="lt1"/>
+          </a:fontRef>
+        </p:style>
+        <p:txBody>
+          <a:bodyPr rtlCol="0" anchor="ctr"/>
+          <a:lstStyle/>
+          <a:p>
+            <a:pPr algn="ctr"/>
+            <a:endParaRPr lang="ko-KR" altLang="en-US">
+              <a:solidFill>
+                <a:srgbClr val="FFC000"/>
+              </a:solidFill>
+            </a:endParaRPr>
+          </a:p>
+        </p:txBody>
+      </p:sp>
+      <p:sp>
+        <p:nvSpPr>
+          <p:cNvPr id="6" name="TextBox 5">
+            <a:extLst>
+              <a:ext uri="{FF2B5EF4-FFF2-40B4-BE49-F238E27FC236}">
+                <a16:creationId xmlns:a16="http://schemas.microsoft.com/office/drawing/2014/main" xmlns="" id="{64784F93-4521-42EA-8614-1F6026DF9643}"/>
+              </a:ext>
+            </a:extLst>
+          </p:cNvPr>
+          <p:cNvSpPr txBox="1"/>
+          <p:nvPr/>
+        </p:nvSpPr>
+        <p:spPr>
+          <a:xfrm>
+            <a:off x="2295287" y="798553"/>
+            <a:ext cx="2510624" cy="400110"/>
+          </a:xfrm>
+          <a:prstGeom prst="rect">
+            <a:avLst/>
+          </a:prstGeom>
+          <a:noFill/>
+          <a:ln>
+            <a:noFill/>
+          </a:ln>
+        </p:spPr>
+        <p:txBody>
+          <a:bodyPr wrap="none" rtlCol="0">
+            <a:spAutoFit/>
+          </a:bodyPr>
+          <a:lstStyle/>
+          <a:p>
+            <a:pPr algn="ctr"/>
+            <a:r>
+              <a:rPr lang="ko-KR" altLang="en-US" sz="2000" dirty="0">
+                <a:solidFill>
+                  <a:srgbClr val="FFC000"/>
+                </a:solidFill>
+                <a:latin typeface="배달의민족 주아" pitchFamily="18" charset="-127"/>
+                <a:ea typeface="배달의민족 주아" pitchFamily="18" charset="-127"/>
+              </a:rPr>
+              <a:t>두 </a:t>
+            </a:r>
+            <a:r>
+              <a:rPr lang="ko-KR" altLang="en-US" sz="2000" dirty="0" smtClean="0">
+                <a:solidFill>
+                  <a:srgbClr val="FFC000"/>
+                </a:solidFill>
+                <a:latin typeface="배달의민족 주아" pitchFamily="18" charset="-127"/>
+                <a:ea typeface="배달의민족 주아" pitchFamily="18" charset="-127"/>
+              </a:rPr>
+              <a:t>표본 </a:t>
+            </a:r>
+            <a:r>
+              <a:rPr lang="ko-KR" altLang="en-US" sz="2000" dirty="0" smtClean="0">
+                <a:solidFill>
+                  <a:srgbClr val="FFC000"/>
+                </a:solidFill>
+                <a:latin typeface="배달의민족 주아" pitchFamily="18" charset="-127"/>
+                <a:ea typeface="배달의민족 주아" pitchFamily="18" charset="-127"/>
+              </a:rPr>
+              <a:t>그</a:t>
+            </a:r>
+            <a:r>
+              <a:rPr lang="ko-KR" altLang="en-US" sz="2000" dirty="0">
+                <a:solidFill>
+                  <a:srgbClr val="FFC000"/>
+                </a:solidFill>
+                <a:latin typeface="배달의민족 주아" pitchFamily="18" charset="-127"/>
+                <a:ea typeface="배달의민족 주아" pitchFamily="18" charset="-127"/>
+              </a:rPr>
+              <a:t>룹</a:t>
+            </a:r>
+            <a:r>
+              <a:rPr lang="ko-KR" altLang="en-US" sz="2000" dirty="0" smtClean="0">
+                <a:solidFill>
+                  <a:srgbClr val="FFC000"/>
+                </a:solidFill>
+                <a:latin typeface="배달의민족 주아" pitchFamily="18" charset="-127"/>
+                <a:ea typeface="배달의민족 주아" pitchFamily="18" charset="-127"/>
+              </a:rPr>
+              <a:t> 평균의 </a:t>
+            </a:r>
+            <a:r>
+              <a:rPr lang="ko-KR" altLang="en-US" sz="2000" dirty="0">
+                <a:solidFill>
+                  <a:srgbClr val="FFC000"/>
+                </a:solidFill>
+                <a:latin typeface="배달의민족 주아" pitchFamily="18" charset="-127"/>
+                <a:ea typeface="배달의민족 주아" pitchFamily="18" charset="-127"/>
+              </a:rPr>
+              <a:t>차이</a:t>
+            </a:r>
+          </a:p>
+        </p:txBody>
+      </p:sp>
+      <p:sp>
+        <p:nvSpPr>
+          <p:cNvPr id="7" name="사각형: 둥근 모서리 7">
+            <a:extLst>
+              <a:ext uri="{FF2B5EF4-FFF2-40B4-BE49-F238E27FC236}">
+                <a16:creationId xmlns:a16="http://schemas.microsoft.com/office/drawing/2014/main" xmlns="" id="{C9189074-32B1-4A02-B1FB-D9144D6A1906}"/>
+              </a:ext>
+            </a:extLst>
+          </p:cNvPr>
+          <p:cNvSpPr/>
+          <p:nvPr/>
+        </p:nvSpPr>
+        <p:spPr>
+          <a:xfrm>
+            <a:off x="4191452" y="2371204"/>
+            <a:ext cx="2293405" cy="875622"/>
+          </a:xfrm>
+          <a:prstGeom prst="roundRect">
+            <a:avLst/>
+          </a:prstGeom>
+          <a:noFill/>
+          <a:ln w="38100">
+            <a:solidFill>
+              <a:srgbClr val="92D050"/>
+            </a:solidFill>
+            <a:prstDash val="dash"/>
+          </a:ln>
+        </p:spPr>
+        <p:style>
+          <a:lnRef idx="2">
+            <a:schemeClr val="accent1">
+              <a:shade val="50000"/>
+            </a:schemeClr>
+          </a:lnRef>
+          <a:fillRef idx="1">
+            <a:schemeClr val="accent1"/>
+          </a:fillRef>
+          <a:effectRef idx="0">
+            <a:schemeClr val="accent1"/>
+          </a:effectRef>
+          <a:fontRef idx="minor">
+            <a:schemeClr val="lt1"/>
+          </a:fontRef>
+        </p:style>
+        <p:txBody>
+          <a:bodyPr rtlCol="0" anchor="ctr"/>
+          <a:lstStyle/>
+          <a:p>
+            <a:pPr algn="ctr"/>
+            <a:endParaRPr lang="ko-KR" altLang="en-US"/>
+          </a:p>
+        </p:txBody>
+      </p:sp>
+      <p:sp>
+        <p:nvSpPr>
+          <p:cNvPr id="8" name="TextBox 7">
+            <a:extLst>
+              <a:ext uri="{FF2B5EF4-FFF2-40B4-BE49-F238E27FC236}">
+                <a16:creationId xmlns:a16="http://schemas.microsoft.com/office/drawing/2014/main" xmlns="" id="{1F86B288-1C9F-4E2C-B891-CD0BAE381D16}"/>
+              </a:ext>
+            </a:extLst>
+          </p:cNvPr>
+          <p:cNvSpPr txBox="1"/>
+          <p:nvPr/>
+        </p:nvSpPr>
+        <p:spPr>
+          <a:xfrm>
+            <a:off x="3405573" y="3390841"/>
+            <a:ext cx="3865161" cy="954107"/>
+          </a:xfrm>
+          <a:prstGeom prst="rect">
+            <a:avLst/>
+          </a:prstGeom>
+          <a:noFill/>
+          <a:ln>
+            <a:noFill/>
+          </a:ln>
+        </p:spPr>
+        <p:txBody>
+          <a:bodyPr wrap="none" rtlCol="0">
+            <a:spAutoFit/>
+          </a:bodyPr>
+          <a:lstStyle/>
+          <a:p>
+            <a:pPr algn="ctr"/>
+            <a:r>
+              <a:rPr lang="ko-KR" altLang="en-US" sz="2800" dirty="0">
+                <a:solidFill>
+                  <a:srgbClr val="92D050"/>
+                </a:solidFill>
+                <a:latin typeface="배달의민족 주아" pitchFamily="18" charset="-127"/>
+                <a:ea typeface="배달의민족 주아" pitchFamily="18" charset="-127"/>
+              </a:rPr>
+              <a:t>두 그룹 간 평균 차이에 대한</a:t>
+            </a:r>
+            <a:endParaRPr lang="en-US" altLang="ko-KR" sz="2800" dirty="0">
+              <a:solidFill>
+                <a:srgbClr val="92D050"/>
+              </a:solidFill>
+              <a:latin typeface="배달의민족 주아" pitchFamily="18" charset="-127"/>
+              <a:ea typeface="배달의민족 주아" pitchFamily="18" charset="-127"/>
+            </a:endParaRPr>
+          </a:p>
+          <a:p>
+            <a:pPr algn="ctr"/>
+            <a:r>
+              <a:rPr lang="ko-KR" altLang="en-US" sz="2800" dirty="0">
+                <a:solidFill>
+                  <a:srgbClr val="92D050"/>
+                </a:solidFill>
+                <a:latin typeface="배달의민족 주아" pitchFamily="18" charset="-127"/>
+                <a:ea typeface="배달의민족 주아" pitchFamily="18" charset="-127"/>
+              </a:rPr>
+              <a:t>불확실도</a:t>
+            </a:r>
+          </a:p>
+        </p:txBody>
+      </p:sp>
+      <p:sp>
+        <p:nvSpPr>
+          <p:cNvPr id="9" name="TextBox 8">
+            <a:extLst>
+              <a:ext uri="{FF2B5EF4-FFF2-40B4-BE49-F238E27FC236}">
+                <a16:creationId xmlns:a16="http://schemas.microsoft.com/office/drawing/2014/main" xmlns="" id="{EB52B2B1-E82B-41DB-8FAA-67F462520356}"/>
+              </a:ext>
+            </a:extLst>
+          </p:cNvPr>
+          <p:cNvSpPr txBox="1"/>
+          <p:nvPr/>
+        </p:nvSpPr>
+        <p:spPr>
+          <a:xfrm>
+            <a:off x="166354" y="1016248"/>
+            <a:ext cx="1771639" cy="707886"/>
+          </a:xfrm>
+          <a:prstGeom prst="rect">
+            <a:avLst/>
+          </a:prstGeom>
+          <a:noFill/>
+        </p:spPr>
+        <p:txBody>
+          <a:bodyPr wrap="none" rtlCol="0">
+            <a:spAutoFit/>
+          </a:bodyPr>
+          <a:lstStyle/>
+          <a:p>
+            <a:pPr algn="ctr"/>
+            <a:r>
+              <a:rPr lang="ko-KR" altLang="en-US" sz="2000" dirty="0">
+                <a:solidFill>
+                  <a:schemeClr val="accent1"/>
+                </a:solidFill>
+                <a:latin typeface="배달의민족 주아" pitchFamily="18" charset="-127"/>
+                <a:ea typeface="배달의민족 주아" pitchFamily="18" charset="-127"/>
+              </a:rPr>
+              <a:t>표본 평균 차이의</a:t>
+            </a:r>
+            <a:endParaRPr lang="en-US" altLang="ko-KR" sz="2000" dirty="0">
+              <a:solidFill>
+                <a:schemeClr val="accent1"/>
+              </a:solidFill>
+              <a:latin typeface="배달의민족 주아" pitchFamily="18" charset="-127"/>
+              <a:ea typeface="배달의민족 주아" pitchFamily="18" charset="-127"/>
+            </a:endParaRPr>
+          </a:p>
+          <a:p>
+            <a:pPr algn="ctr"/>
+            <a:r>
+              <a:rPr lang="ko-KR" altLang="en-US" sz="2000" dirty="0">
+                <a:solidFill>
+                  <a:schemeClr val="accent1"/>
+                </a:solidFill>
+                <a:latin typeface="배달의민족 주아" pitchFamily="18" charset="-127"/>
+                <a:ea typeface="배달의민족 주아" pitchFamily="18" charset="-127"/>
+              </a:rPr>
+              <a:t>통계적인 지표</a:t>
+            </a:r>
+          </a:p>
+        </p:txBody>
+      </p:sp>
+      <p:sp>
+        <p:nvSpPr>
+          <p:cNvPr id="10" name="타원 9">
+            <a:extLst>
+              <a:ext uri="{FF2B5EF4-FFF2-40B4-BE49-F238E27FC236}">
+                <a16:creationId xmlns:a16="http://schemas.microsoft.com/office/drawing/2014/main" xmlns="" id="{BD4EB803-9313-4680-82FD-41274E7585FC}"/>
+              </a:ext>
+            </a:extLst>
+          </p:cNvPr>
+          <p:cNvSpPr/>
+          <p:nvPr/>
+        </p:nvSpPr>
+        <p:spPr>
+          <a:xfrm>
+            <a:off x="678466" y="1772497"/>
+            <a:ext cx="747417" cy="911867"/>
+          </a:xfrm>
+          <a:prstGeom prst="ellipse">
+            <a:avLst/>
+          </a:prstGeom>
+          <a:noFill/>
+          <a:ln w="28575">
+            <a:solidFill>
+              <a:schemeClr val="accent1"/>
+            </a:solidFill>
+            <a:prstDash val="dash"/>
+          </a:ln>
+        </p:spPr>
+        <p:style>
+          <a:lnRef idx="2">
+            <a:schemeClr val="accent1">
+              <a:shade val="50000"/>
+            </a:schemeClr>
+          </a:lnRef>
+          <a:fillRef idx="1">
+            <a:schemeClr val="accent1"/>
+          </a:fillRef>
+          <a:effectRef idx="0">
+            <a:schemeClr val="accent1"/>
+          </a:effectRef>
+          <a:fontRef idx="minor">
+            <a:schemeClr val="lt1"/>
+          </a:fontRef>
+        </p:style>
+        <p:txBody>
+          <a:bodyPr rtlCol="0" anchor="ctr"/>
+          <a:lstStyle/>
+          <a:p>
+            <a:pPr algn="ctr"/>
+            <a:endParaRPr lang="ko-KR" altLang="en-US"/>
+          </a:p>
+        </p:txBody>
+      </p:sp>
+      <p:sp>
+        <p:nvSpPr>
+          <p:cNvPr id="11" name="사각형: 둥근 모서리 1">
+            <a:extLst>
+              <a:ext uri="{FF2B5EF4-FFF2-40B4-BE49-F238E27FC236}">
+                <a16:creationId xmlns:a16="http://schemas.microsoft.com/office/drawing/2014/main" xmlns="" id="{2A90EE11-FFDF-4793-BB72-3297684AEC64}"/>
+              </a:ext>
+            </a:extLst>
+          </p:cNvPr>
+          <p:cNvSpPr/>
+          <p:nvPr/>
+        </p:nvSpPr>
+        <p:spPr>
+          <a:xfrm>
+            <a:off x="5870693" y="1230599"/>
+            <a:ext cx="2844180" cy="869855"/>
+          </a:xfrm>
+          <a:prstGeom prst="roundRect">
+            <a:avLst/>
+          </a:prstGeom>
+          <a:noFill/>
+          <a:ln w="38100">
+            <a:solidFill>
+              <a:srgbClr val="FF0000"/>
+            </a:solidFill>
+            <a:prstDash val="dash"/>
+          </a:ln>
+        </p:spPr>
+        <p:style>
+          <a:lnRef idx="2">
+            <a:schemeClr val="accent1">
+              <a:shade val="50000"/>
+            </a:schemeClr>
+          </a:lnRef>
+          <a:fillRef idx="1">
+            <a:schemeClr val="accent1"/>
+          </a:fillRef>
+          <a:effectRef idx="0">
+            <a:schemeClr val="accent1"/>
+          </a:effectRef>
+          <a:fontRef idx="minor">
+            <a:schemeClr val="lt1"/>
+          </a:fontRef>
+        </p:style>
+        <p:txBody>
+          <a:bodyPr rtlCol="0" anchor="ctr"/>
+          <a:lstStyle/>
+          <a:p>
+            <a:pPr algn="ctr"/>
+            <a:endParaRPr lang="ko-KR" altLang="en-US">
+              <a:solidFill>
+                <a:srgbClr val="FFC000"/>
+              </a:solidFill>
+            </a:endParaRPr>
+          </a:p>
+        </p:txBody>
+      </p:sp>
+      <p:sp>
+        <p:nvSpPr>
+          <p:cNvPr id="12" name="TextBox 11">
+            <a:extLst>
+              <a:ext uri="{FF2B5EF4-FFF2-40B4-BE49-F238E27FC236}">
+                <a16:creationId xmlns:a16="http://schemas.microsoft.com/office/drawing/2014/main" xmlns="" id="{64784F93-4521-42EA-8614-1F6026DF9643}"/>
+              </a:ext>
+            </a:extLst>
+          </p:cNvPr>
+          <p:cNvSpPr txBox="1"/>
+          <p:nvPr/>
+        </p:nvSpPr>
+        <p:spPr>
+          <a:xfrm>
+            <a:off x="6163307" y="798553"/>
+            <a:ext cx="2258952" cy="400110"/>
+          </a:xfrm>
+          <a:prstGeom prst="rect">
+            <a:avLst/>
+          </a:prstGeom>
+          <a:noFill/>
+          <a:ln>
+            <a:noFill/>
+          </a:ln>
+        </p:spPr>
+        <p:txBody>
+          <a:bodyPr wrap="none" rtlCol="0">
+            <a:spAutoFit/>
+          </a:bodyPr>
+          <a:lstStyle/>
+          <a:p>
+            <a:pPr algn="ctr"/>
+            <a:r>
+              <a:rPr lang="ko-KR" altLang="en-US" sz="2000" dirty="0">
+                <a:solidFill>
+                  <a:srgbClr val="FF0000"/>
+                </a:solidFill>
+                <a:latin typeface="배달의민족 주아" pitchFamily="18" charset="-127"/>
+                <a:ea typeface="배달의민족 주아" pitchFamily="18" charset="-127"/>
+              </a:rPr>
+              <a:t>두 </a:t>
+            </a:r>
+            <a:r>
+              <a:rPr lang="ko-KR" altLang="en-US" sz="2000" dirty="0" smtClean="0">
+                <a:solidFill>
+                  <a:srgbClr val="FF0000"/>
+                </a:solidFill>
+                <a:latin typeface="배달의민족 주아" pitchFamily="18" charset="-127"/>
+                <a:ea typeface="배달의민족 주아" pitchFamily="18" charset="-127"/>
+              </a:rPr>
+              <a:t>모집단 평균의 </a:t>
+            </a:r>
+            <a:r>
+              <a:rPr lang="ko-KR" altLang="en-US" sz="2000" dirty="0">
+                <a:solidFill>
+                  <a:srgbClr val="FF0000"/>
+                </a:solidFill>
+                <a:latin typeface="배달의민족 주아" pitchFamily="18" charset="-127"/>
+                <a:ea typeface="배달의민족 주아" pitchFamily="18" charset="-127"/>
+              </a:rPr>
+              <a:t>차이</a:t>
+            </a:r>
+          </a:p>
+        </p:txBody>
+      </p:sp>
+    </p:spTree>
+    <p:extLst>
+      <p:ext uri="{BB962C8B-B14F-4D97-AF65-F5344CB8AC3E}">
+        <p14:creationId xmlns:p14="http://schemas.microsoft.com/office/powerpoint/2010/main" val="4141829518"/>
       </p:ext>
     </p:extLst>
   </p:cSld>
@@ -11073,7 +11972,7 @@
           <p:cNvPr id="5" name="그림 4">
             <a:extLst>
               <a:ext uri="{FF2B5EF4-FFF2-40B4-BE49-F238E27FC236}">
-                <a16:creationId xmlns="" xmlns:a16="http://schemas.microsoft.com/office/drawing/2014/main" id="{177245CC-9F28-4F8F-BDD7-FF635F76591E}"/>
+                <a16:creationId xmlns:a16="http://schemas.microsoft.com/office/drawing/2014/main" xmlns="" id="{177245CC-9F28-4F8F-BDD7-FF635F76591E}"/>
               </a:ext>
             </a:extLst>
           </p:cNvPr>
@@ -11133,7 +12032,7 @@
           <p:cNvPr id="6" name="그림 5">
             <a:extLst>
               <a:ext uri="{FF2B5EF4-FFF2-40B4-BE49-F238E27FC236}">
-                <a16:creationId xmlns="" xmlns:a16="http://schemas.microsoft.com/office/drawing/2014/main" id="{E6454F4D-04AE-466D-9F07-EFBCB8F7B4AC}"/>
+                <a16:creationId xmlns:a16="http://schemas.microsoft.com/office/drawing/2014/main" xmlns="" id="{E6454F4D-04AE-466D-9F07-EFBCB8F7B4AC}"/>
               </a:ext>
             </a:extLst>
           </p:cNvPr>
@@ -11257,7 +12156,7 @@
           <p:cNvPr id="3" name="TextBox 2">
             <a:extLst>
               <a:ext uri="{FF2B5EF4-FFF2-40B4-BE49-F238E27FC236}">
-                <a16:creationId xmlns="" xmlns:a16="http://schemas.microsoft.com/office/drawing/2014/main" id="{74D05EFA-CCB1-49B4-BF5F-2F1B250DEFAC}"/>
+                <a16:creationId xmlns:a16="http://schemas.microsoft.com/office/drawing/2014/main" xmlns="" id="{74D05EFA-CCB1-49B4-BF5F-2F1B250DEFAC}"/>
               </a:ext>
             </a:extLst>
           </p:cNvPr>
@@ -11323,7 +12222,7 @@
               <p:cNvPr id="8" name="TextBox 7">
                 <a:extLst>
                   <a:ext uri="{FF2B5EF4-FFF2-40B4-BE49-F238E27FC236}">
-                    <a16:creationId xmlns="" xmlns:a16="http://schemas.microsoft.com/office/drawing/2014/main" id="{B3BEB89F-A8AF-4478-B6C3-153D634CDB65}"/>
+                    <a16:creationId xmlns:a16="http://schemas.microsoft.com/office/drawing/2014/main" xmlns="" id="{B3BEB89F-A8AF-4478-B6C3-153D634CDB65}"/>
                   </a:ext>
                 </a:extLst>
               </p:cNvPr>
@@ -11428,7 +12327,7 @@
           <p:cNvPr id="9" name="직선 화살표 연결선 8">
             <a:extLst>
               <a:ext uri="{FF2B5EF4-FFF2-40B4-BE49-F238E27FC236}">
-                <a16:creationId xmlns="" xmlns:a16="http://schemas.microsoft.com/office/drawing/2014/main" id="{23A188F4-F362-4997-AA79-AD40AE7ABD13}"/>
+                <a16:creationId xmlns:a16="http://schemas.microsoft.com/office/drawing/2014/main" xmlns="" id="{23A188F4-F362-4997-AA79-AD40AE7ABD13}"/>
               </a:ext>
             </a:extLst>
           </p:cNvPr>
@@ -11475,7 +12374,7 @@
               <p:cNvPr id="11" name="TextBox 10">
                 <a:extLst>
                   <a:ext uri="{FF2B5EF4-FFF2-40B4-BE49-F238E27FC236}">
-                    <a16:creationId xmlns="" xmlns:a16="http://schemas.microsoft.com/office/drawing/2014/main" id="{F31BB980-3874-45FF-B289-159802235E5D}"/>
+                    <a16:creationId xmlns:a16="http://schemas.microsoft.com/office/drawing/2014/main" xmlns="" id="{F31BB980-3874-45FF-B289-159802235E5D}"/>
                   </a:ext>
                 </a:extLst>
               </p:cNvPr>
@@ -11580,7 +12479,7 @@
           <p:cNvPr id="12" name="직선 화살표 연결선 11">
             <a:extLst>
               <a:ext uri="{FF2B5EF4-FFF2-40B4-BE49-F238E27FC236}">
-                <a16:creationId xmlns="" xmlns:a16="http://schemas.microsoft.com/office/drawing/2014/main" id="{23A188F4-F362-4997-AA79-AD40AE7ABD13}"/>
+                <a16:creationId xmlns:a16="http://schemas.microsoft.com/office/drawing/2014/main" xmlns="" id="{23A188F4-F362-4997-AA79-AD40AE7ABD13}"/>
               </a:ext>
             </a:extLst>
           </p:cNvPr>
@@ -11783,7 +12682,7 @@
           <p:cNvPr id="9" name="TextBox 8">
             <a:extLst>
               <a:ext uri="{FF2B5EF4-FFF2-40B4-BE49-F238E27FC236}">
-                <a16:creationId xmlns="" xmlns:a16="http://schemas.microsoft.com/office/drawing/2014/main" id="{74D05EFA-CCB1-49B4-BF5F-2F1B250DEFAC}"/>
+                <a16:creationId xmlns:a16="http://schemas.microsoft.com/office/drawing/2014/main" xmlns="" id="{74D05EFA-CCB1-49B4-BF5F-2F1B250DEFAC}"/>
               </a:ext>
             </a:extLst>
           </p:cNvPr>
@@ -11833,7 +12732,7 @@
           <p:cNvPr id="10" name="TextBox 9">
             <a:extLst>
               <a:ext uri="{FF2B5EF4-FFF2-40B4-BE49-F238E27FC236}">
-                <a16:creationId xmlns="" xmlns:a16="http://schemas.microsoft.com/office/drawing/2014/main" id="{F8DE88EA-4DD8-4194-801B-0C749D0A581F}"/>
+                <a16:creationId xmlns:a16="http://schemas.microsoft.com/office/drawing/2014/main" xmlns="" id="{F8DE88EA-4DD8-4194-801B-0C749D0A581F}"/>
               </a:ext>
             </a:extLst>
           </p:cNvPr>
@@ -11883,7 +12782,7 @@
           <p:cNvPr id="12" name="직선 화살표 연결선 11">
             <a:extLst>
               <a:ext uri="{FF2B5EF4-FFF2-40B4-BE49-F238E27FC236}">
-                <a16:creationId xmlns="" xmlns:a16="http://schemas.microsoft.com/office/drawing/2014/main" id="{23A188F4-F362-4997-AA79-AD40AE7ABD13}"/>
+                <a16:creationId xmlns:a16="http://schemas.microsoft.com/office/drawing/2014/main" xmlns="" id="{23A188F4-F362-4997-AA79-AD40AE7ABD13}"/>
               </a:ext>
             </a:extLst>
           </p:cNvPr>
@@ -11928,7 +12827,7 @@
           <p:cNvPr id="15" name="직선 화살표 연결선 14">
             <a:extLst>
               <a:ext uri="{FF2B5EF4-FFF2-40B4-BE49-F238E27FC236}">
-                <a16:creationId xmlns="" xmlns:a16="http://schemas.microsoft.com/office/drawing/2014/main" id="{0A3A50EE-392C-4705-A30D-BA21B1E8A26A}"/>
+                <a16:creationId xmlns:a16="http://schemas.microsoft.com/office/drawing/2014/main" xmlns="" id="{0A3A50EE-392C-4705-A30D-BA21B1E8A26A}"/>
               </a:ext>
             </a:extLst>
           </p:cNvPr>
@@ -11975,7 +12874,7 @@
               <p:cNvPr id="16" name="TextBox 15">
                 <a:extLst>
                   <a:ext uri="{FF2B5EF4-FFF2-40B4-BE49-F238E27FC236}">
-                    <a16:creationId xmlns="" xmlns:a16="http://schemas.microsoft.com/office/drawing/2014/main" id="{B3BEB89F-A8AF-4478-B6C3-153D634CDB65}"/>
+                    <a16:creationId xmlns:a16="http://schemas.microsoft.com/office/drawing/2014/main" xmlns="" id="{B3BEB89F-A8AF-4478-B6C3-153D634CDB65}"/>
                   </a:ext>
                 </a:extLst>
               </p:cNvPr>
@@ -12080,7 +12979,7 @@
           <p:cNvPr id="24" name="직선 화살표 연결선 23">
             <a:extLst>
               <a:ext uri="{FF2B5EF4-FFF2-40B4-BE49-F238E27FC236}">
-                <a16:creationId xmlns="" xmlns:a16="http://schemas.microsoft.com/office/drawing/2014/main" id="{AE4EE2AE-D8F7-4FD0-A389-BCC26858631F}"/>
+                <a16:creationId xmlns:a16="http://schemas.microsoft.com/office/drawing/2014/main" xmlns="" id="{AE4EE2AE-D8F7-4FD0-A389-BCC26858631F}"/>
               </a:ext>
             </a:extLst>
           </p:cNvPr>
@@ -12127,7 +13026,7 @@
               <p:cNvPr id="25" name="TextBox 24">
                 <a:extLst>
                   <a:ext uri="{FF2B5EF4-FFF2-40B4-BE49-F238E27FC236}">
-                    <a16:creationId xmlns="" xmlns:a16="http://schemas.microsoft.com/office/drawing/2014/main" id="{B97BD5BE-BAE5-4A67-B0B9-F5A315457A3D}"/>
+                    <a16:creationId xmlns:a16="http://schemas.microsoft.com/office/drawing/2014/main" xmlns="" id="{B97BD5BE-BAE5-4A67-B0B9-F5A315457A3D}"/>
                   </a:ext>
                 </a:extLst>
               </p:cNvPr>
@@ -12232,7 +13131,7 @@
           <p:cNvPr id="26" name="TextBox 25">
             <a:extLst>
               <a:ext uri="{FF2B5EF4-FFF2-40B4-BE49-F238E27FC236}">
-                <a16:creationId xmlns="" xmlns:a16="http://schemas.microsoft.com/office/drawing/2014/main" id="{CB434C2C-03AB-4616-80A1-A55C5A269E6E}"/>
+                <a16:creationId xmlns:a16="http://schemas.microsoft.com/office/drawing/2014/main" xmlns="" id="{CB434C2C-03AB-4616-80A1-A55C5A269E6E}"/>
               </a:ext>
             </a:extLst>
           </p:cNvPr>
@@ -12345,7 +13244,7 @@
           <p:cNvPr id="27" name="직선 화살표 연결선 26">
             <a:extLst>
               <a:ext uri="{FF2B5EF4-FFF2-40B4-BE49-F238E27FC236}">
-                <a16:creationId xmlns="" xmlns:a16="http://schemas.microsoft.com/office/drawing/2014/main" id="{A1C83BC5-CD72-4402-A822-571C7099DA75}"/>
+                <a16:creationId xmlns:a16="http://schemas.microsoft.com/office/drawing/2014/main" xmlns="" id="{A1C83BC5-CD72-4402-A822-571C7099DA75}"/>
               </a:ext>
             </a:extLst>
           </p:cNvPr>
@@ -12392,7 +13291,7 @@
               <p:cNvPr id="28" name="TextBox 27">
                 <a:extLst>
                   <a:ext uri="{FF2B5EF4-FFF2-40B4-BE49-F238E27FC236}">
-                    <a16:creationId xmlns="" xmlns:a16="http://schemas.microsoft.com/office/drawing/2014/main" id="{61E81D9F-AA9E-4174-AC1E-B87D76501210}"/>
+                    <a16:creationId xmlns:a16="http://schemas.microsoft.com/office/drawing/2014/main" xmlns="" id="{61E81D9F-AA9E-4174-AC1E-B87D76501210}"/>
                   </a:ext>
                 </a:extLst>
               </p:cNvPr>
@@ -12499,7 +13398,7 @@
               <p:cNvPr id="17" name="TextBox 16">
                 <a:extLst>
                   <a:ext uri="{FF2B5EF4-FFF2-40B4-BE49-F238E27FC236}">
-                    <a16:creationId xmlns="" xmlns:a16="http://schemas.microsoft.com/office/drawing/2014/main" id="{B3BEB89F-A8AF-4478-B6C3-153D634CDB65}"/>
+                    <a16:creationId xmlns:a16="http://schemas.microsoft.com/office/drawing/2014/main" xmlns="" id="{B3BEB89F-A8AF-4478-B6C3-153D634CDB65}"/>
                   </a:ext>
                 </a:extLst>
               </p:cNvPr>
@@ -12634,7 +13533,7 @@
           <p:cNvPr id="1026" name="Picture 2">
             <a:extLst>
               <a:ext uri="{FF2B5EF4-FFF2-40B4-BE49-F238E27FC236}">
-                <a16:creationId xmlns="" xmlns:a16="http://schemas.microsoft.com/office/drawing/2014/main" id="{F7A1AD63-4F58-407D-9227-A858A14DD405}"/>
+                <a16:creationId xmlns:a16="http://schemas.microsoft.com/office/drawing/2014/main" xmlns="" id="{F7A1AD63-4F58-407D-9227-A858A14DD405}"/>
               </a:ext>
             </a:extLst>
           </p:cNvPr>
@@ -12679,7 +13578,7 @@
           <p:cNvPr id="6" name="직사각형 5">
             <a:extLst>
               <a:ext uri="{FF2B5EF4-FFF2-40B4-BE49-F238E27FC236}">
-                <a16:creationId xmlns="" xmlns:a16="http://schemas.microsoft.com/office/drawing/2014/main" id="{857B5521-EF3A-46FF-8F95-B68A07DB5518}"/>
+                <a16:creationId xmlns:a16="http://schemas.microsoft.com/office/drawing/2014/main" xmlns="" id="{857B5521-EF3A-46FF-8F95-B68A07DB5518}"/>
               </a:ext>
             </a:extLst>
           </p:cNvPr>
@@ -12731,7 +13630,7 @@
           <p:cNvPr id="8" name="직사각형 7">
             <a:extLst>
               <a:ext uri="{FF2B5EF4-FFF2-40B4-BE49-F238E27FC236}">
-                <a16:creationId xmlns="" xmlns:a16="http://schemas.microsoft.com/office/drawing/2014/main" id="{4AE9AA44-9AAF-4B79-84FA-756B05BAD5E6}"/>
+                <a16:creationId xmlns:a16="http://schemas.microsoft.com/office/drawing/2014/main" xmlns="" id="{4AE9AA44-9AAF-4B79-84FA-756B05BAD5E6}"/>
               </a:ext>
             </a:extLst>
           </p:cNvPr>
@@ -12783,7 +13682,7 @@
           <p:cNvPr id="9" name="직사각형 8">
             <a:extLst>
               <a:ext uri="{FF2B5EF4-FFF2-40B4-BE49-F238E27FC236}">
-                <a16:creationId xmlns="" xmlns:a16="http://schemas.microsoft.com/office/drawing/2014/main" id="{1811F6B1-D2E8-4CF0-8577-B558A14B3288}"/>
+                <a16:creationId xmlns:a16="http://schemas.microsoft.com/office/drawing/2014/main" xmlns="" id="{1811F6B1-D2E8-4CF0-8577-B558A14B3288}"/>
               </a:ext>
             </a:extLst>
           </p:cNvPr>
@@ -12835,7 +13734,7 @@
           <p:cNvPr id="10" name="직사각형 9">
             <a:extLst>
               <a:ext uri="{FF2B5EF4-FFF2-40B4-BE49-F238E27FC236}">
-                <a16:creationId xmlns="" xmlns:a16="http://schemas.microsoft.com/office/drawing/2014/main" id="{4594718F-DAC7-45D6-939A-098E335F97F6}"/>
+                <a16:creationId xmlns:a16="http://schemas.microsoft.com/office/drawing/2014/main" xmlns="" id="{4594718F-DAC7-45D6-939A-098E335F97F6}"/>
               </a:ext>
             </a:extLst>
           </p:cNvPr>
@@ -13059,7 +13958,7 @@
           <p:cNvPr id="18" name="Picture 5" descr="https://static.wikia.nocookie.net/camp_for_bragging_rights/images/0/0e/Stickman.png/revision/latest/scale-to-width-down/768?cb=20200421202819">
             <a:extLst>
               <a:ext uri="{FF2B5EF4-FFF2-40B4-BE49-F238E27FC236}">
-                <a16:creationId xmlns="" xmlns:a16="http://schemas.microsoft.com/office/drawing/2014/main" id="{9A65917C-C1CA-4BEC-9A52-5C956AACE051}"/>
+                <a16:creationId xmlns:a16="http://schemas.microsoft.com/office/drawing/2014/main" xmlns="" id="{9A65917C-C1CA-4BEC-9A52-5C956AACE051}"/>
               </a:ext>
             </a:extLst>
           </p:cNvPr>
@@ -13104,7 +14003,7 @@
           <p:cNvPr id="19" name="Picture 5" descr="https://static.wikia.nocookie.net/camp_for_bragging_rights/images/0/0e/Stickman.png/revision/latest/scale-to-width-down/768?cb=20200421202819">
             <a:extLst>
               <a:ext uri="{FF2B5EF4-FFF2-40B4-BE49-F238E27FC236}">
-                <a16:creationId xmlns="" xmlns:a16="http://schemas.microsoft.com/office/drawing/2014/main" id="{F1121B1F-EE41-4C1B-A4FF-E4A7E2BB5450}"/>
+                <a16:creationId xmlns:a16="http://schemas.microsoft.com/office/drawing/2014/main" xmlns="" id="{F1121B1F-EE41-4C1B-A4FF-E4A7E2BB5450}"/>
               </a:ext>
             </a:extLst>
           </p:cNvPr>
@@ -13149,7 +14048,7 @@
           <p:cNvPr id="21" name="Picture 5" descr="https://static.wikia.nocookie.net/camp_for_bragging_rights/images/0/0e/Stickman.png/revision/latest/scale-to-width-down/768?cb=20200421202819">
             <a:extLst>
               <a:ext uri="{FF2B5EF4-FFF2-40B4-BE49-F238E27FC236}">
-                <a16:creationId xmlns="" xmlns:a16="http://schemas.microsoft.com/office/drawing/2014/main" id="{9ECD7B91-B619-4636-87A0-189262FB9A6D}"/>
+                <a16:creationId xmlns:a16="http://schemas.microsoft.com/office/drawing/2014/main" xmlns="" id="{9ECD7B91-B619-4636-87A0-189262FB9A6D}"/>
               </a:ext>
             </a:extLst>
           </p:cNvPr>
@@ -13194,7 +14093,7 @@
           <p:cNvPr id="22" name="Picture 5" descr="https://static.wikia.nocookie.net/camp_for_bragging_rights/images/0/0e/Stickman.png/revision/latest/scale-to-width-down/768?cb=20200421202819">
             <a:extLst>
               <a:ext uri="{FF2B5EF4-FFF2-40B4-BE49-F238E27FC236}">
-                <a16:creationId xmlns="" xmlns:a16="http://schemas.microsoft.com/office/drawing/2014/main" id="{DC2B6D8A-A3D6-4E2F-A10C-DE84D59F5BE9}"/>
+                <a16:creationId xmlns:a16="http://schemas.microsoft.com/office/drawing/2014/main" xmlns="" id="{DC2B6D8A-A3D6-4E2F-A10C-DE84D59F5BE9}"/>
               </a:ext>
             </a:extLst>
           </p:cNvPr>
@@ -13239,7 +14138,7 @@
           <p:cNvPr id="24" name="Picture 5" descr="https://static.wikia.nocookie.net/camp_for_bragging_rights/images/0/0e/Stickman.png/revision/latest/scale-to-width-down/768?cb=20200421202819">
             <a:extLst>
               <a:ext uri="{FF2B5EF4-FFF2-40B4-BE49-F238E27FC236}">
-                <a16:creationId xmlns="" xmlns:a16="http://schemas.microsoft.com/office/drawing/2014/main" id="{1C145F8A-033D-44CD-AC67-E266F8E4BB59}"/>
+                <a16:creationId xmlns:a16="http://schemas.microsoft.com/office/drawing/2014/main" xmlns="" id="{1C145F8A-033D-44CD-AC67-E266F8E4BB59}"/>
               </a:ext>
             </a:extLst>
           </p:cNvPr>
@@ -13284,7 +14183,7 @@
           <p:cNvPr id="25" name="Picture 5" descr="https://static.wikia.nocookie.net/camp_for_bragging_rights/images/0/0e/Stickman.png/revision/latest/scale-to-width-down/768?cb=20200421202819">
             <a:extLst>
               <a:ext uri="{FF2B5EF4-FFF2-40B4-BE49-F238E27FC236}">
-                <a16:creationId xmlns="" xmlns:a16="http://schemas.microsoft.com/office/drawing/2014/main" id="{C7076C6E-49B2-482B-B7FD-673C2E277859}"/>
+                <a16:creationId xmlns:a16="http://schemas.microsoft.com/office/drawing/2014/main" xmlns="" id="{C7076C6E-49B2-482B-B7FD-673C2E277859}"/>
               </a:ext>
             </a:extLst>
           </p:cNvPr>
@@ -13329,7 +14228,7 @@
           <p:cNvPr id="27" name="Picture 5" descr="https://static.wikia.nocookie.net/camp_for_bragging_rights/images/0/0e/Stickman.png/revision/latest/scale-to-width-down/768?cb=20200421202819">
             <a:extLst>
               <a:ext uri="{FF2B5EF4-FFF2-40B4-BE49-F238E27FC236}">
-                <a16:creationId xmlns="" xmlns:a16="http://schemas.microsoft.com/office/drawing/2014/main" id="{438C0570-91B7-4FE2-BD54-69A36C8127B2}"/>
+                <a16:creationId xmlns:a16="http://schemas.microsoft.com/office/drawing/2014/main" xmlns="" id="{438C0570-91B7-4FE2-BD54-69A36C8127B2}"/>
               </a:ext>
             </a:extLst>
           </p:cNvPr>
@@ -13374,7 +14273,7 @@
           <p:cNvPr id="28" name="Picture 5" descr="https://static.wikia.nocookie.net/camp_for_bragging_rights/images/0/0e/Stickman.png/revision/latest/scale-to-width-down/768?cb=20200421202819">
             <a:extLst>
               <a:ext uri="{FF2B5EF4-FFF2-40B4-BE49-F238E27FC236}">
-                <a16:creationId xmlns="" xmlns:a16="http://schemas.microsoft.com/office/drawing/2014/main" id="{8BCEA209-287B-426A-A89E-AC8DF719D3FA}"/>
+                <a16:creationId xmlns:a16="http://schemas.microsoft.com/office/drawing/2014/main" xmlns="" id="{8BCEA209-287B-426A-A89E-AC8DF719D3FA}"/>
               </a:ext>
             </a:extLst>
           </p:cNvPr>
@@ -13419,7 +14318,7 @@
           <p:cNvPr id="29" name="Picture 5" descr="https://static.wikia.nocookie.net/camp_for_bragging_rights/images/0/0e/Stickman.png/revision/latest/scale-to-width-down/768?cb=20200421202819">
             <a:extLst>
               <a:ext uri="{FF2B5EF4-FFF2-40B4-BE49-F238E27FC236}">
-                <a16:creationId xmlns="" xmlns:a16="http://schemas.microsoft.com/office/drawing/2014/main" id="{E7EED442-9BA4-4F3F-839B-37181C011DA7}"/>
+                <a16:creationId xmlns:a16="http://schemas.microsoft.com/office/drawing/2014/main" xmlns="" id="{E7EED442-9BA4-4F3F-839B-37181C011DA7}"/>
               </a:ext>
             </a:extLst>
           </p:cNvPr>
@@ -13464,7 +14363,7 @@
           <p:cNvPr id="30" name="Picture 5" descr="https://static.wikia.nocookie.net/camp_for_bragging_rights/images/0/0e/Stickman.png/revision/latest/scale-to-width-down/768?cb=20200421202819">
             <a:extLst>
               <a:ext uri="{FF2B5EF4-FFF2-40B4-BE49-F238E27FC236}">
-                <a16:creationId xmlns="" xmlns:a16="http://schemas.microsoft.com/office/drawing/2014/main" id="{38834A16-D595-40C8-A3F7-ED057947C587}"/>
+                <a16:creationId xmlns:a16="http://schemas.microsoft.com/office/drawing/2014/main" xmlns="" id="{38834A16-D595-40C8-A3F7-ED057947C587}"/>
               </a:ext>
             </a:extLst>
           </p:cNvPr>
@@ -13509,7 +14408,7 @@
           <p:cNvPr id="31" name="Picture 5" descr="https://static.wikia.nocookie.net/camp_for_bragging_rights/images/0/0e/Stickman.png/revision/latest/scale-to-width-down/768?cb=20200421202819">
             <a:extLst>
               <a:ext uri="{FF2B5EF4-FFF2-40B4-BE49-F238E27FC236}">
-                <a16:creationId xmlns="" xmlns:a16="http://schemas.microsoft.com/office/drawing/2014/main" id="{24399884-A42D-47A5-9C67-4C931EA71D2E}"/>
+                <a16:creationId xmlns:a16="http://schemas.microsoft.com/office/drawing/2014/main" xmlns="" id="{24399884-A42D-47A5-9C67-4C931EA71D2E}"/>
               </a:ext>
             </a:extLst>
           </p:cNvPr>
@@ -13554,7 +14453,7 @@
           <p:cNvPr id="34" name="Picture 5" descr="https://static.wikia.nocookie.net/camp_for_bragging_rights/images/0/0e/Stickman.png/revision/latest/scale-to-width-down/768?cb=20200421202819">
             <a:extLst>
               <a:ext uri="{FF2B5EF4-FFF2-40B4-BE49-F238E27FC236}">
-                <a16:creationId xmlns="" xmlns:a16="http://schemas.microsoft.com/office/drawing/2014/main" id="{B65EC2D2-819F-48CD-B299-89B81CECF1D1}"/>
+                <a16:creationId xmlns:a16="http://schemas.microsoft.com/office/drawing/2014/main" xmlns="" id="{B65EC2D2-819F-48CD-B299-89B81CECF1D1}"/>
               </a:ext>
             </a:extLst>
           </p:cNvPr>
@@ -13599,7 +14498,7 @@
           <p:cNvPr id="35" name="Picture 5" descr="https://static.wikia.nocookie.net/camp_for_bragging_rights/images/0/0e/Stickman.png/revision/latest/scale-to-width-down/768?cb=20200421202819">
             <a:extLst>
               <a:ext uri="{FF2B5EF4-FFF2-40B4-BE49-F238E27FC236}">
-                <a16:creationId xmlns="" xmlns:a16="http://schemas.microsoft.com/office/drawing/2014/main" id="{C6C7D888-4A76-4FAA-8DBE-055AEB48DD0D}"/>
+                <a16:creationId xmlns:a16="http://schemas.microsoft.com/office/drawing/2014/main" xmlns="" id="{C6C7D888-4A76-4FAA-8DBE-055AEB48DD0D}"/>
               </a:ext>
             </a:extLst>
           </p:cNvPr>
@@ -13644,7 +14543,7 @@
           <p:cNvPr id="36" name="Picture 5" descr="https://static.wikia.nocookie.net/camp_for_bragging_rights/images/0/0e/Stickman.png/revision/latest/scale-to-width-down/768?cb=20200421202819">
             <a:extLst>
               <a:ext uri="{FF2B5EF4-FFF2-40B4-BE49-F238E27FC236}">
-                <a16:creationId xmlns="" xmlns:a16="http://schemas.microsoft.com/office/drawing/2014/main" id="{E737EE91-3827-4F67-9207-A45EC72DCDC0}"/>
+                <a16:creationId xmlns:a16="http://schemas.microsoft.com/office/drawing/2014/main" xmlns="" id="{E737EE91-3827-4F67-9207-A45EC72DCDC0}"/>
               </a:ext>
             </a:extLst>
           </p:cNvPr>
@@ -13689,7 +14588,7 @@
           <p:cNvPr id="37" name="Picture 5" descr="https://static.wikia.nocookie.net/camp_for_bragging_rights/images/0/0e/Stickman.png/revision/latest/scale-to-width-down/768?cb=20200421202819">
             <a:extLst>
               <a:ext uri="{FF2B5EF4-FFF2-40B4-BE49-F238E27FC236}">
-                <a16:creationId xmlns="" xmlns:a16="http://schemas.microsoft.com/office/drawing/2014/main" id="{FEC3BF5D-3598-4F48-9B93-F18FAB88B350}"/>
+                <a16:creationId xmlns:a16="http://schemas.microsoft.com/office/drawing/2014/main" xmlns="" id="{FEC3BF5D-3598-4F48-9B93-F18FAB88B350}"/>
               </a:ext>
             </a:extLst>
           </p:cNvPr>
@@ -13734,7 +14633,7 @@
           <p:cNvPr id="38" name="Picture 5" descr="https://static.wikia.nocookie.net/camp_for_bragging_rights/images/0/0e/Stickman.png/revision/latest/scale-to-width-down/768?cb=20200421202819">
             <a:extLst>
               <a:ext uri="{FF2B5EF4-FFF2-40B4-BE49-F238E27FC236}">
-                <a16:creationId xmlns="" xmlns:a16="http://schemas.microsoft.com/office/drawing/2014/main" id="{26EC4890-C91B-452F-B84A-A40946AA2F2E}"/>
+                <a16:creationId xmlns:a16="http://schemas.microsoft.com/office/drawing/2014/main" xmlns="" id="{26EC4890-C91B-452F-B84A-A40946AA2F2E}"/>
               </a:ext>
             </a:extLst>
           </p:cNvPr>
@@ -13779,7 +14678,7 @@
           <p:cNvPr id="39" name="Picture 5" descr="https://static.wikia.nocookie.net/camp_for_bragging_rights/images/0/0e/Stickman.png/revision/latest/scale-to-width-down/768?cb=20200421202819">
             <a:extLst>
               <a:ext uri="{FF2B5EF4-FFF2-40B4-BE49-F238E27FC236}">
-                <a16:creationId xmlns="" xmlns:a16="http://schemas.microsoft.com/office/drawing/2014/main" id="{35D5B4E5-72B3-48E0-896B-069F91006CBE}"/>
+                <a16:creationId xmlns:a16="http://schemas.microsoft.com/office/drawing/2014/main" xmlns="" id="{35D5B4E5-72B3-48E0-896B-069F91006CBE}"/>
               </a:ext>
             </a:extLst>
           </p:cNvPr>
@@ -13824,7 +14723,7 @@
           <p:cNvPr id="40" name="Picture 5" descr="https://static.wikia.nocookie.net/camp_for_bragging_rights/images/0/0e/Stickman.png/revision/latest/scale-to-width-down/768?cb=20200421202819">
             <a:extLst>
               <a:ext uri="{FF2B5EF4-FFF2-40B4-BE49-F238E27FC236}">
-                <a16:creationId xmlns="" xmlns:a16="http://schemas.microsoft.com/office/drawing/2014/main" id="{4A714B0B-EE6B-4177-9AB6-36C950C4A3FD}"/>
+                <a16:creationId xmlns:a16="http://schemas.microsoft.com/office/drawing/2014/main" xmlns="" id="{4A714B0B-EE6B-4177-9AB6-36C950C4A3FD}"/>
               </a:ext>
             </a:extLst>
           </p:cNvPr>
@@ -13869,7 +14768,7 @@
           <p:cNvPr id="41" name="Picture 5" descr="https://static.wikia.nocookie.net/camp_for_bragging_rights/images/0/0e/Stickman.png/revision/latest/scale-to-width-down/768?cb=20200421202819">
             <a:extLst>
               <a:ext uri="{FF2B5EF4-FFF2-40B4-BE49-F238E27FC236}">
-                <a16:creationId xmlns="" xmlns:a16="http://schemas.microsoft.com/office/drawing/2014/main" id="{3B49E87C-0761-4481-9C7B-7B75ACF4E60B}"/>
+                <a16:creationId xmlns:a16="http://schemas.microsoft.com/office/drawing/2014/main" xmlns="" id="{3B49E87C-0761-4481-9C7B-7B75ACF4E60B}"/>
               </a:ext>
             </a:extLst>
           </p:cNvPr>
@@ -13914,7 +14813,7 @@
           <p:cNvPr id="42" name="Picture 5" descr="https://static.wikia.nocookie.net/camp_for_bragging_rights/images/0/0e/Stickman.png/revision/latest/scale-to-width-down/768?cb=20200421202819">
             <a:extLst>
               <a:ext uri="{FF2B5EF4-FFF2-40B4-BE49-F238E27FC236}">
-                <a16:creationId xmlns="" xmlns:a16="http://schemas.microsoft.com/office/drawing/2014/main" id="{80493075-C508-4CFD-8712-B61F4FBAA805}"/>
+                <a16:creationId xmlns:a16="http://schemas.microsoft.com/office/drawing/2014/main" xmlns="" id="{80493075-C508-4CFD-8712-B61F4FBAA805}"/>
               </a:ext>
             </a:extLst>
           </p:cNvPr>
@@ -13959,7 +14858,7 @@
           <p:cNvPr id="43" name="Picture 5" descr="https://static.wikia.nocookie.net/camp_for_bragging_rights/images/0/0e/Stickman.png/revision/latest/scale-to-width-down/768?cb=20200421202819">
             <a:extLst>
               <a:ext uri="{FF2B5EF4-FFF2-40B4-BE49-F238E27FC236}">
-                <a16:creationId xmlns="" xmlns:a16="http://schemas.microsoft.com/office/drawing/2014/main" id="{FB8C632B-13F1-48D5-93F4-A16AFC766A1A}"/>
+                <a16:creationId xmlns:a16="http://schemas.microsoft.com/office/drawing/2014/main" xmlns="" id="{FB8C632B-13F1-48D5-93F4-A16AFC766A1A}"/>
               </a:ext>
             </a:extLst>
           </p:cNvPr>
@@ -14004,7 +14903,7 @@
           <p:cNvPr id="44" name="Picture 5" descr="https://static.wikia.nocookie.net/camp_for_bragging_rights/images/0/0e/Stickman.png/revision/latest/scale-to-width-down/768?cb=20200421202819">
             <a:extLst>
               <a:ext uri="{FF2B5EF4-FFF2-40B4-BE49-F238E27FC236}">
-                <a16:creationId xmlns="" xmlns:a16="http://schemas.microsoft.com/office/drawing/2014/main" id="{4CA3E50E-EEB4-4F81-A532-D33A31B4B8AD}"/>
+                <a16:creationId xmlns:a16="http://schemas.microsoft.com/office/drawing/2014/main" xmlns="" id="{4CA3E50E-EEB4-4F81-A532-D33A31B4B8AD}"/>
               </a:ext>
             </a:extLst>
           </p:cNvPr>
@@ -14049,7 +14948,7 @@
           <p:cNvPr id="45" name="Picture 6" descr="C:\Users\biosensor1\Documents\카카오톡 받은 파일\KakaoTalk_20210112_172206730.png">
             <a:extLst>
               <a:ext uri="{FF2B5EF4-FFF2-40B4-BE49-F238E27FC236}">
-                <a16:creationId xmlns="" xmlns:a16="http://schemas.microsoft.com/office/drawing/2014/main" id="{F2FDEE37-5688-4014-8A2E-D0120CE06B30}"/>
+                <a16:creationId xmlns:a16="http://schemas.microsoft.com/office/drawing/2014/main" xmlns="" id="{F2FDEE37-5688-4014-8A2E-D0120CE06B30}"/>
               </a:ext>
             </a:extLst>
           </p:cNvPr>
@@ -14096,7 +14995,7 @@
           <p:cNvPr id="46" name="Picture 6" descr="C:\Users\biosensor1\Documents\카카오톡 받은 파일\KakaoTalk_20210112_172206730.png">
             <a:extLst>
               <a:ext uri="{FF2B5EF4-FFF2-40B4-BE49-F238E27FC236}">
-                <a16:creationId xmlns="" xmlns:a16="http://schemas.microsoft.com/office/drawing/2014/main" id="{29B039A2-A7DE-4B77-AFE1-171E62ADE9BD}"/>
+                <a16:creationId xmlns:a16="http://schemas.microsoft.com/office/drawing/2014/main" xmlns="" id="{29B039A2-A7DE-4B77-AFE1-171E62ADE9BD}"/>
               </a:ext>
             </a:extLst>
           </p:cNvPr>
@@ -14143,7 +15042,7 @@
           <p:cNvPr id="47" name="Picture 6" descr="C:\Users\biosensor1\Documents\카카오톡 받은 파일\KakaoTalk_20210112_172206730.png">
             <a:extLst>
               <a:ext uri="{FF2B5EF4-FFF2-40B4-BE49-F238E27FC236}">
-                <a16:creationId xmlns="" xmlns:a16="http://schemas.microsoft.com/office/drawing/2014/main" id="{5F2858DA-151B-4D69-A22F-F04EE730E70F}"/>
+                <a16:creationId xmlns:a16="http://schemas.microsoft.com/office/drawing/2014/main" xmlns="" id="{5F2858DA-151B-4D69-A22F-F04EE730E70F}"/>
               </a:ext>
             </a:extLst>
           </p:cNvPr>
@@ -14190,7 +15089,7 @@
           <p:cNvPr id="48" name="Picture 6" descr="C:\Users\biosensor1\Documents\카카오톡 받은 파일\KakaoTalk_20210112_172206730.png">
             <a:extLst>
               <a:ext uri="{FF2B5EF4-FFF2-40B4-BE49-F238E27FC236}">
-                <a16:creationId xmlns="" xmlns:a16="http://schemas.microsoft.com/office/drawing/2014/main" id="{A0571733-BB80-40C7-8439-D585F8D67BB8}"/>
+                <a16:creationId xmlns:a16="http://schemas.microsoft.com/office/drawing/2014/main" xmlns="" id="{A0571733-BB80-40C7-8439-D585F8D67BB8}"/>
               </a:ext>
             </a:extLst>
           </p:cNvPr>
@@ -14237,7 +15136,7 @@
           <p:cNvPr id="49" name="Picture 6" descr="C:\Users\biosensor1\Documents\카카오톡 받은 파일\KakaoTalk_20210112_172206730.png">
             <a:extLst>
               <a:ext uri="{FF2B5EF4-FFF2-40B4-BE49-F238E27FC236}">
-                <a16:creationId xmlns="" xmlns:a16="http://schemas.microsoft.com/office/drawing/2014/main" id="{2F3CE1D9-850E-47D1-AB26-B6D1C30B73E2}"/>
+                <a16:creationId xmlns:a16="http://schemas.microsoft.com/office/drawing/2014/main" xmlns="" id="{2F3CE1D9-850E-47D1-AB26-B6D1C30B73E2}"/>
               </a:ext>
             </a:extLst>
           </p:cNvPr>
@@ -14284,7 +15183,7 @@
           <p:cNvPr id="50" name="Picture 5" descr="https://static.wikia.nocookie.net/camp_for_bragging_rights/images/0/0e/Stickman.png/revision/latest/scale-to-width-down/768?cb=20200421202819">
             <a:extLst>
               <a:ext uri="{FF2B5EF4-FFF2-40B4-BE49-F238E27FC236}">
-                <a16:creationId xmlns="" xmlns:a16="http://schemas.microsoft.com/office/drawing/2014/main" id="{29A2B1A7-8A49-4243-A805-9BBB7A5FCF4C}"/>
+                <a16:creationId xmlns:a16="http://schemas.microsoft.com/office/drawing/2014/main" xmlns="" id="{29A2B1A7-8A49-4243-A805-9BBB7A5FCF4C}"/>
               </a:ext>
             </a:extLst>
           </p:cNvPr>
@@ -14329,7 +15228,7 @@
           <p:cNvPr id="51" name="Picture 6" descr="C:\Users\biosensor1\Documents\카카오톡 받은 파일\KakaoTalk_20210112_172206730.png">
             <a:extLst>
               <a:ext uri="{FF2B5EF4-FFF2-40B4-BE49-F238E27FC236}">
-                <a16:creationId xmlns="" xmlns:a16="http://schemas.microsoft.com/office/drawing/2014/main" id="{EDD2DED5-4563-465C-9F25-31FF9AEF9D61}"/>
+                <a16:creationId xmlns:a16="http://schemas.microsoft.com/office/drawing/2014/main" xmlns="" id="{EDD2DED5-4563-465C-9F25-31FF9AEF9D61}"/>
               </a:ext>
             </a:extLst>
           </p:cNvPr>
@@ -14376,7 +15275,7 @@
           <p:cNvPr id="2" name="TextBox 1">
             <a:extLst>
               <a:ext uri="{FF2B5EF4-FFF2-40B4-BE49-F238E27FC236}">
-                <a16:creationId xmlns="" xmlns:a16="http://schemas.microsoft.com/office/drawing/2014/main" id="{20756ED3-AF96-4DCA-A7CF-837BA2AE3095}"/>
+                <a16:creationId xmlns:a16="http://schemas.microsoft.com/office/drawing/2014/main" xmlns="" id="{20756ED3-AF96-4DCA-A7CF-837BA2AE3095}"/>
               </a:ext>
             </a:extLst>
           </p:cNvPr>
@@ -14421,7 +15320,7 @@
           <p:cNvPr id="53" name="TextBox 52">
             <a:extLst>
               <a:ext uri="{FF2B5EF4-FFF2-40B4-BE49-F238E27FC236}">
-                <a16:creationId xmlns="" xmlns:a16="http://schemas.microsoft.com/office/drawing/2014/main" id="{601D5D9B-7FCE-44E6-BD85-E492798A8DEE}"/>
+                <a16:creationId xmlns:a16="http://schemas.microsoft.com/office/drawing/2014/main" xmlns="" id="{601D5D9B-7FCE-44E6-BD85-E492798A8DEE}"/>
               </a:ext>
             </a:extLst>
           </p:cNvPr>
@@ -14466,7 +15365,7 @@
           <p:cNvPr id="88" name="그림 87" descr="텍스트, 클립아트이(가) 표시된 사진&#10;&#10;자동 생성된 설명">
             <a:extLst>
               <a:ext uri="{FF2B5EF4-FFF2-40B4-BE49-F238E27FC236}">
-                <a16:creationId xmlns="" xmlns:a16="http://schemas.microsoft.com/office/drawing/2014/main" id="{C0827379-6B36-40E4-B3D2-1B6706294095}"/>
+                <a16:creationId xmlns:a16="http://schemas.microsoft.com/office/drawing/2014/main" xmlns="" id="{C0827379-6B36-40E4-B3D2-1B6706294095}"/>
               </a:ext>
             </a:extLst>
           </p:cNvPr>
@@ -14510,7 +15409,7 @@
           <p:cNvPr id="92" name="TextBox 91">
             <a:extLst>
               <a:ext uri="{FF2B5EF4-FFF2-40B4-BE49-F238E27FC236}">
-                <a16:creationId xmlns="" xmlns:a16="http://schemas.microsoft.com/office/drawing/2014/main" id="{7D99E92A-139F-42A3-9FEB-6722EF039862}"/>
+                <a16:creationId xmlns:a16="http://schemas.microsoft.com/office/drawing/2014/main" xmlns="" id="{7D99E92A-139F-42A3-9FEB-6722EF039862}"/>
               </a:ext>
             </a:extLst>
           </p:cNvPr>
@@ -14567,7 +15466,7 @@
           <p:cNvPr id="54" name="직선 연결선 53">
             <a:extLst>
               <a:ext uri="{FF2B5EF4-FFF2-40B4-BE49-F238E27FC236}">
-                <a16:creationId xmlns="" xmlns:a16="http://schemas.microsoft.com/office/drawing/2014/main" id="{C0E7FF59-BEE0-4C00-9F83-E09D00B0C516}"/>
+                <a16:creationId xmlns:a16="http://schemas.microsoft.com/office/drawing/2014/main" xmlns="" id="{C0E7FF59-BEE0-4C00-9F83-E09D00B0C516}"/>
               </a:ext>
             </a:extLst>
           </p:cNvPr>
@@ -14675,7 +15574,7 @@
           <p:cNvPr id="4" name="TextBox 3">
             <a:extLst>
               <a:ext uri="{FF2B5EF4-FFF2-40B4-BE49-F238E27FC236}">
-                <a16:creationId xmlns="" xmlns:a16="http://schemas.microsoft.com/office/drawing/2014/main" id="{C04AFB07-A04F-4BA4-AFC3-446CE5957D9D}"/>
+                <a16:creationId xmlns:a16="http://schemas.microsoft.com/office/drawing/2014/main" xmlns="" id="{C04AFB07-A04F-4BA4-AFC3-446CE5957D9D}"/>
               </a:ext>
             </a:extLst>
           </p:cNvPr>
@@ -14713,7 +15612,7 @@
           <p:cNvPr id="56" name="TextBox 55">
             <a:extLst>
               <a:ext uri="{FF2B5EF4-FFF2-40B4-BE49-F238E27FC236}">
-                <a16:creationId xmlns="" xmlns:a16="http://schemas.microsoft.com/office/drawing/2014/main" id="{B6A70F32-8562-4E73-BD1D-CF9D36148B17}"/>
+                <a16:creationId xmlns:a16="http://schemas.microsoft.com/office/drawing/2014/main" xmlns="" id="{B6A70F32-8562-4E73-BD1D-CF9D36148B17}"/>
               </a:ext>
             </a:extLst>
           </p:cNvPr>
@@ -14751,7 +15650,7 @@
           <p:cNvPr id="57" name="TextBox 56">
             <a:extLst>
               <a:ext uri="{FF2B5EF4-FFF2-40B4-BE49-F238E27FC236}">
-                <a16:creationId xmlns="" xmlns:a16="http://schemas.microsoft.com/office/drawing/2014/main" id="{69C2B872-9BEB-4D28-96BF-A163FA23B2AE}"/>
+                <a16:creationId xmlns:a16="http://schemas.microsoft.com/office/drawing/2014/main" xmlns="" id="{69C2B872-9BEB-4D28-96BF-A163FA23B2AE}"/>
               </a:ext>
             </a:extLst>
           </p:cNvPr>
@@ -14789,7 +15688,7 @@
           <p:cNvPr id="58" name="TextBox 57">
             <a:extLst>
               <a:ext uri="{FF2B5EF4-FFF2-40B4-BE49-F238E27FC236}">
-                <a16:creationId xmlns="" xmlns:a16="http://schemas.microsoft.com/office/drawing/2014/main" id="{EF643D31-A1D1-4965-BB3A-247350DB9036}"/>
+                <a16:creationId xmlns:a16="http://schemas.microsoft.com/office/drawing/2014/main" xmlns="" id="{EF643D31-A1D1-4965-BB3A-247350DB9036}"/>
               </a:ext>
             </a:extLst>
           </p:cNvPr>
@@ -14827,7 +15726,7 @@
           <p:cNvPr id="59" name="TextBox 58">
             <a:extLst>
               <a:ext uri="{FF2B5EF4-FFF2-40B4-BE49-F238E27FC236}">
-                <a16:creationId xmlns="" xmlns:a16="http://schemas.microsoft.com/office/drawing/2014/main" id="{CEFEF120-AE30-4C7C-8637-42BDD97D4151}"/>
+                <a16:creationId xmlns:a16="http://schemas.microsoft.com/office/drawing/2014/main" xmlns="" id="{CEFEF120-AE30-4C7C-8637-42BDD97D4151}"/>
               </a:ext>
             </a:extLst>
           </p:cNvPr>
@@ -14865,7 +15764,7 @@
           <p:cNvPr id="60" name="TextBox 59">
             <a:extLst>
               <a:ext uri="{FF2B5EF4-FFF2-40B4-BE49-F238E27FC236}">
-                <a16:creationId xmlns="" xmlns:a16="http://schemas.microsoft.com/office/drawing/2014/main" id="{1EF9F216-41A4-4695-A143-7F795D43D60F}"/>
+                <a16:creationId xmlns:a16="http://schemas.microsoft.com/office/drawing/2014/main" xmlns="" id="{1EF9F216-41A4-4695-A143-7F795D43D60F}"/>
               </a:ext>
             </a:extLst>
           </p:cNvPr>
@@ -14903,7 +15802,7 @@
           <p:cNvPr id="61" name="TextBox 60">
             <a:extLst>
               <a:ext uri="{FF2B5EF4-FFF2-40B4-BE49-F238E27FC236}">
-                <a16:creationId xmlns="" xmlns:a16="http://schemas.microsoft.com/office/drawing/2014/main" id="{2A0E21AB-25E9-49DD-ADB4-0D3EC75B25A1}"/>
+                <a16:creationId xmlns:a16="http://schemas.microsoft.com/office/drawing/2014/main" xmlns="" id="{2A0E21AB-25E9-49DD-ADB4-0D3EC75B25A1}"/>
               </a:ext>
             </a:extLst>
           </p:cNvPr>
@@ -14941,7 +15840,7 @@
           <p:cNvPr id="62" name="TextBox 61">
             <a:extLst>
               <a:ext uri="{FF2B5EF4-FFF2-40B4-BE49-F238E27FC236}">
-                <a16:creationId xmlns="" xmlns:a16="http://schemas.microsoft.com/office/drawing/2014/main" id="{74F7DFBB-01DD-4E1C-AA49-53D5262B1568}"/>
+                <a16:creationId xmlns:a16="http://schemas.microsoft.com/office/drawing/2014/main" xmlns="" id="{74F7DFBB-01DD-4E1C-AA49-53D5262B1568}"/>
               </a:ext>
             </a:extLst>
           </p:cNvPr>
@@ -14979,7 +15878,7 @@
           <p:cNvPr id="63" name="TextBox 62">
             <a:extLst>
               <a:ext uri="{FF2B5EF4-FFF2-40B4-BE49-F238E27FC236}">
-                <a16:creationId xmlns="" xmlns:a16="http://schemas.microsoft.com/office/drawing/2014/main" id="{A80CF1C4-9476-4397-A3ED-365156FF8C0B}"/>
+                <a16:creationId xmlns:a16="http://schemas.microsoft.com/office/drawing/2014/main" xmlns="" id="{A80CF1C4-9476-4397-A3ED-365156FF8C0B}"/>
               </a:ext>
             </a:extLst>
           </p:cNvPr>
@@ -15017,7 +15916,7 @@
           <p:cNvPr id="64" name="TextBox 63">
             <a:extLst>
               <a:ext uri="{FF2B5EF4-FFF2-40B4-BE49-F238E27FC236}">
-                <a16:creationId xmlns="" xmlns:a16="http://schemas.microsoft.com/office/drawing/2014/main" id="{BE0C0FF2-734F-440D-9121-2CA00E623972}"/>
+                <a16:creationId xmlns:a16="http://schemas.microsoft.com/office/drawing/2014/main" xmlns="" id="{BE0C0FF2-734F-440D-9121-2CA00E623972}"/>
               </a:ext>
             </a:extLst>
           </p:cNvPr>
@@ -15055,7 +15954,7 @@
           <p:cNvPr id="65" name="TextBox 64">
             <a:extLst>
               <a:ext uri="{FF2B5EF4-FFF2-40B4-BE49-F238E27FC236}">
-                <a16:creationId xmlns="" xmlns:a16="http://schemas.microsoft.com/office/drawing/2014/main" id="{75621EA3-8E7A-411B-81FC-098BF5452E03}"/>
+                <a16:creationId xmlns:a16="http://schemas.microsoft.com/office/drawing/2014/main" xmlns="" id="{75621EA3-8E7A-411B-81FC-098BF5452E03}"/>
               </a:ext>
             </a:extLst>
           </p:cNvPr>
@@ -15093,7 +15992,7 @@
           <p:cNvPr id="66" name="TextBox 65">
             <a:extLst>
               <a:ext uri="{FF2B5EF4-FFF2-40B4-BE49-F238E27FC236}">
-                <a16:creationId xmlns="" xmlns:a16="http://schemas.microsoft.com/office/drawing/2014/main" id="{C1FA5586-4F2E-4F6A-A0FA-1855CDED3BDC}"/>
+                <a16:creationId xmlns:a16="http://schemas.microsoft.com/office/drawing/2014/main" xmlns="" id="{C1FA5586-4F2E-4F6A-A0FA-1855CDED3BDC}"/>
               </a:ext>
             </a:extLst>
           </p:cNvPr>
@@ -15131,7 +16030,7 @@
           <p:cNvPr id="67" name="TextBox 66">
             <a:extLst>
               <a:ext uri="{FF2B5EF4-FFF2-40B4-BE49-F238E27FC236}">
-                <a16:creationId xmlns="" xmlns:a16="http://schemas.microsoft.com/office/drawing/2014/main" id="{141486BF-6F45-441A-95F3-D175221A8176}"/>
+                <a16:creationId xmlns:a16="http://schemas.microsoft.com/office/drawing/2014/main" xmlns="" id="{141486BF-6F45-441A-95F3-D175221A8176}"/>
               </a:ext>
             </a:extLst>
           </p:cNvPr>
@@ -15169,7 +16068,7 @@
           <p:cNvPr id="68" name="TextBox 67">
             <a:extLst>
               <a:ext uri="{FF2B5EF4-FFF2-40B4-BE49-F238E27FC236}">
-                <a16:creationId xmlns="" xmlns:a16="http://schemas.microsoft.com/office/drawing/2014/main" id="{D1BF9F06-0991-468D-8349-6B35F7061937}"/>
+                <a16:creationId xmlns:a16="http://schemas.microsoft.com/office/drawing/2014/main" xmlns="" id="{D1BF9F06-0991-468D-8349-6B35F7061937}"/>
               </a:ext>
             </a:extLst>
           </p:cNvPr>
@@ -15207,7 +16106,7 @@
           <p:cNvPr id="69" name="TextBox 68">
             <a:extLst>
               <a:ext uri="{FF2B5EF4-FFF2-40B4-BE49-F238E27FC236}">
-                <a16:creationId xmlns="" xmlns:a16="http://schemas.microsoft.com/office/drawing/2014/main" id="{298D047E-0D35-48CC-B73B-A5246B507DEC}"/>
+                <a16:creationId xmlns:a16="http://schemas.microsoft.com/office/drawing/2014/main" xmlns="" id="{298D047E-0D35-48CC-B73B-A5246B507DEC}"/>
               </a:ext>
             </a:extLst>
           </p:cNvPr>
@@ -15245,7 +16144,7 @@
           <p:cNvPr id="70" name="TextBox 69">
             <a:extLst>
               <a:ext uri="{FF2B5EF4-FFF2-40B4-BE49-F238E27FC236}">
-                <a16:creationId xmlns="" xmlns:a16="http://schemas.microsoft.com/office/drawing/2014/main" id="{3E688838-CA83-4471-9A4C-650BFD22C65B}"/>
+                <a16:creationId xmlns:a16="http://schemas.microsoft.com/office/drawing/2014/main" xmlns="" id="{3E688838-CA83-4471-9A4C-650BFD22C65B}"/>
               </a:ext>
             </a:extLst>
           </p:cNvPr>
@@ -15283,7 +16182,7 @@
           <p:cNvPr id="71" name="TextBox 70">
             <a:extLst>
               <a:ext uri="{FF2B5EF4-FFF2-40B4-BE49-F238E27FC236}">
-                <a16:creationId xmlns="" xmlns:a16="http://schemas.microsoft.com/office/drawing/2014/main" id="{9CECF851-F0A1-4282-996C-B5D11CEB5290}"/>
+                <a16:creationId xmlns:a16="http://schemas.microsoft.com/office/drawing/2014/main" xmlns="" id="{9CECF851-F0A1-4282-996C-B5D11CEB5290}"/>
               </a:ext>
             </a:extLst>
           </p:cNvPr>
@@ -15321,7 +16220,7 @@
           <p:cNvPr id="72" name="TextBox 71">
             <a:extLst>
               <a:ext uri="{FF2B5EF4-FFF2-40B4-BE49-F238E27FC236}">
-                <a16:creationId xmlns="" xmlns:a16="http://schemas.microsoft.com/office/drawing/2014/main" id="{69BC8545-3494-47F8-AF2D-6D5219239A00}"/>
+                <a16:creationId xmlns:a16="http://schemas.microsoft.com/office/drawing/2014/main" xmlns="" id="{69BC8545-3494-47F8-AF2D-6D5219239A00}"/>
               </a:ext>
             </a:extLst>
           </p:cNvPr>
@@ -15359,7 +16258,7 @@
           <p:cNvPr id="73" name="TextBox 72">
             <a:extLst>
               <a:ext uri="{FF2B5EF4-FFF2-40B4-BE49-F238E27FC236}">
-                <a16:creationId xmlns="" xmlns:a16="http://schemas.microsoft.com/office/drawing/2014/main" id="{FB9808E6-A5DB-4C5B-8EA9-D7841F12F0BE}"/>
+                <a16:creationId xmlns:a16="http://schemas.microsoft.com/office/drawing/2014/main" xmlns="" id="{FB9808E6-A5DB-4C5B-8EA9-D7841F12F0BE}"/>
               </a:ext>
             </a:extLst>
           </p:cNvPr>
@@ -15400,7 +16299,7 @@
           <p:cNvPr id="74" name="TextBox 73">
             <a:extLst>
               <a:ext uri="{FF2B5EF4-FFF2-40B4-BE49-F238E27FC236}">
-                <a16:creationId xmlns="" xmlns:a16="http://schemas.microsoft.com/office/drawing/2014/main" id="{77FEB70C-285E-44D7-BC63-B77A268499EC}"/>
+                <a16:creationId xmlns:a16="http://schemas.microsoft.com/office/drawing/2014/main" xmlns="" id="{77FEB70C-285E-44D7-BC63-B77A268499EC}"/>
               </a:ext>
             </a:extLst>
           </p:cNvPr>
@@ -15438,7 +16337,7 @@
           <p:cNvPr id="75" name="TextBox 74">
             <a:extLst>
               <a:ext uri="{FF2B5EF4-FFF2-40B4-BE49-F238E27FC236}">
-                <a16:creationId xmlns="" xmlns:a16="http://schemas.microsoft.com/office/drawing/2014/main" id="{2D586DBC-82ED-4D02-8CDB-898A98F22D29}"/>
+                <a16:creationId xmlns:a16="http://schemas.microsoft.com/office/drawing/2014/main" xmlns="" id="{2D586DBC-82ED-4D02-8CDB-898A98F22D29}"/>
               </a:ext>
             </a:extLst>
           </p:cNvPr>
@@ -15476,7 +16375,7 @@
           <p:cNvPr id="76" name="TextBox 75">
             <a:extLst>
               <a:ext uri="{FF2B5EF4-FFF2-40B4-BE49-F238E27FC236}">
-                <a16:creationId xmlns="" xmlns:a16="http://schemas.microsoft.com/office/drawing/2014/main" id="{22289A32-88D1-4436-B105-8F109602B5F6}"/>
+                <a16:creationId xmlns:a16="http://schemas.microsoft.com/office/drawing/2014/main" xmlns="" id="{22289A32-88D1-4436-B105-8F109602B5F6}"/>
               </a:ext>
             </a:extLst>
           </p:cNvPr>
@@ -15514,7 +16413,7 @@
           <p:cNvPr id="77" name="TextBox 76">
             <a:extLst>
               <a:ext uri="{FF2B5EF4-FFF2-40B4-BE49-F238E27FC236}">
-                <a16:creationId xmlns="" xmlns:a16="http://schemas.microsoft.com/office/drawing/2014/main" id="{B378BD5B-1DD8-415E-B876-3BC7241E34FB}"/>
+                <a16:creationId xmlns:a16="http://schemas.microsoft.com/office/drawing/2014/main" xmlns="" id="{B378BD5B-1DD8-415E-B876-3BC7241E34FB}"/>
               </a:ext>
             </a:extLst>
           </p:cNvPr>
@@ -15552,7 +16451,7 @@
           <p:cNvPr id="78" name="TextBox 77">
             <a:extLst>
               <a:ext uri="{FF2B5EF4-FFF2-40B4-BE49-F238E27FC236}">
-                <a16:creationId xmlns="" xmlns:a16="http://schemas.microsoft.com/office/drawing/2014/main" id="{044ABCD1-0C74-4BB9-AA1C-4AA354CD99A4}"/>
+                <a16:creationId xmlns:a16="http://schemas.microsoft.com/office/drawing/2014/main" xmlns="" id="{044ABCD1-0C74-4BB9-AA1C-4AA354CD99A4}"/>
               </a:ext>
             </a:extLst>
           </p:cNvPr>
@@ -15590,7 +16489,7 @@
           <p:cNvPr id="79" name="TextBox 78">
             <a:extLst>
               <a:ext uri="{FF2B5EF4-FFF2-40B4-BE49-F238E27FC236}">
-                <a16:creationId xmlns="" xmlns:a16="http://schemas.microsoft.com/office/drawing/2014/main" id="{40BF79D4-31E0-457F-A861-F18F4B134B7E}"/>
+                <a16:creationId xmlns:a16="http://schemas.microsoft.com/office/drawing/2014/main" xmlns="" id="{40BF79D4-31E0-457F-A861-F18F4B134B7E}"/>
               </a:ext>
             </a:extLst>
           </p:cNvPr>
@@ -15628,7 +16527,7 @@
           <p:cNvPr id="80" name="TextBox 79">
             <a:extLst>
               <a:ext uri="{FF2B5EF4-FFF2-40B4-BE49-F238E27FC236}">
-                <a16:creationId xmlns="" xmlns:a16="http://schemas.microsoft.com/office/drawing/2014/main" id="{B298DBD4-3E3A-4ABA-AD91-E2BFAB365382}"/>
+                <a16:creationId xmlns:a16="http://schemas.microsoft.com/office/drawing/2014/main" xmlns="" id="{B298DBD4-3E3A-4ABA-AD91-E2BFAB365382}"/>
               </a:ext>
             </a:extLst>
           </p:cNvPr>
@@ -15666,7 +16565,7 @@
           <p:cNvPr id="81" name="TextBox 80">
             <a:extLst>
               <a:ext uri="{FF2B5EF4-FFF2-40B4-BE49-F238E27FC236}">
-                <a16:creationId xmlns="" xmlns:a16="http://schemas.microsoft.com/office/drawing/2014/main" id="{3460AABE-49C3-4A25-B0A5-5326C3838920}"/>
+                <a16:creationId xmlns:a16="http://schemas.microsoft.com/office/drawing/2014/main" xmlns="" id="{3460AABE-49C3-4A25-B0A5-5326C3838920}"/>
               </a:ext>
             </a:extLst>
           </p:cNvPr>
@@ -15708,7 +16607,7 @@
           <p:cNvPr id="93" name="TextBox 92">
             <a:extLst>
               <a:ext uri="{FF2B5EF4-FFF2-40B4-BE49-F238E27FC236}">
-                <a16:creationId xmlns="" xmlns:a16="http://schemas.microsoft.com/office/drawing/2014/main" id="{EF22571D-3744-43F2-B47A-33FBDE888CF5}"/>
+                <a16:creationId xmlns:a16="http://schemas.microsoft.com/office/drawing/2014/main" xmlns="" id="{EF22571D-3744-43F2-B47A-33FBDE888CF5}"/>
               </a:ext>
             </a:extLst>
           </p:cNvPr>
@@ -15765,7 +16664,7 @@
           <p:cNvPr id="95" name="TextBox 94">
             <a:extLst>
               <a:ext uri="{FF2B5EF4-FFF2-40B4-BE49-F238E27FC236}">
-                <a16:creationId xmlns="" xmlns:a16="http://schemas.microsoft.com/office/drawing/2014/main" id="{40666278-973B-4E97-ADF8-E73BB1D427AA}"/>
+                <a16:creationId xmlns:a16="http://schemas.microsoft.com/office/drawing/2014/main" xmlns="" id="{40666278-973B-4E97-ADF8-E73BB1D427AA}"/>
               </a:ext>
             </a:extLst>
           </p:cNvPr>
@@ -15836,7 +16735,7 @@
           <p:cNvPr id="54" name="직선 연결선 53">
             <a:extLst>
               <a:ext uri="{FF2B5EF4-FFF2-40B4-BE49-F238E27FC236}">
-                <a16:creationId xmlns="" xmlns:a16="http://schemas.microsoft.com/office/drawing/2014/main" id="{C0E7FF59-BEE0-4C00-9F83-E09D00B0C516}"/>
+                <a16:creationId xmlns:a16="http://schemas.microsoft.com/office/drawing/2014/main" xmlns="" id="{C0E7FF59-BEE0-4C00-9F83-E09D00B0C516}"/>
               </a:ext>
             </a:extLst>
           </p:cNvPr>
@@ -15880,7 +16779,7 @@
           <p:cNvPr id="82" name="직선 연결선 81">
             <a:extLst>
               <a:ext uri="{FF2B5EF4-FFF2-40B4-BE49-F238E27FC236}">
-                <a16:creationId xmlns="" xmlns:a16="http://schemas.microsoft.com/office/drawing/2014/main" id="{81C795E2-4BAB-4B30-8615-EF5D39005982}"/>
+                <a16:creationId xmlns:a16="http://schemas.microsoft.com/office/drawing/2014/main" xmlns="" id="{81C795E2-4BAB-4B30-8615-EF5D39005982}"/>
               </a:ext>
             </a:extLst>
           </p:cNvPr>
@@ -15924,7 +16823,7 @@
           <p:cNvPr id="83" name="직선 연결선 82">
             <a:extLst>
               <a:ext uri="{FF2B5EF4-FFF2-40B4-BE49-F238E27FC236}">
-                <a16:creationId xmlns="" xmlns:a16="http://schemas.microsoft.com/office/drawing/2014/main" id="{FF755B02-EC7C-4BA0-A253-E7B3B6C7D81C}"/>
+                <a16:creationId xmlns:a16="http://schemas.microsoft.com/office/drawing/2014/main" xmlns="" id="{FF755B02-EC7C-4BA0-A253-E7B3B6C7D81C}"/>
               </a:ext>
             </a:extLst>
           </p:cNvPr>
@@ -16032,7 +16931,7 @@
           <p:cNvPr id="4" name="TextBox 3">
             <a:extLst>
               <a:ext uri="{FF2B5EF4-FFF2-40B4-BE49-F238E27FC236}">
-                <a16:creationId xmlns="" xmlns:a16="http://schemas.microsoft.com/office/drawing/2014/main" id="{C04AFB07-A04F-4BA4-AFC3-446CE5957D9D}"/>
+                <a16:creationId xmlns:a16="http://schemas.microsoft.com/office/drawing/2014/main" xmlns="" id="{C04AFB07-A04F-4BA4-AFC3-446CE5957D9D}"/>
               </a:ext>
             </a:extLst>
           </p:cNvPr>
@@ -16070,7 +16969,7 @@
           <p:cNvPr id="56" name="TextBox 55">
             <a:extLst>
               <a:ext uri="{FF2B5EF4-FFF2-40B4-BE49-F238E27FC236}">
-                <a16:creationId xmlns="" xmlns:a16="http://schemas.microsoft.com/office/drawing/2014/main" id="{B6A70F32-8562-4E73-BD1D-CF9D36148B17}"/>
+                <a16:creationId xmlns:a16="http://schemas.microsoft.com/office/drawing/2014/main" xmlns="" id="{B6A70F32-8562-4E73-BD1D-CF9D36148B17}"/>
               </a:ext>
             </a:extLst>
           </p:cNvPr>
@@ -16108,7 +17007,7 @@
           <p:cNvPr id="57" name="TextBox 56">
             <a:extLst>
               <a:ext uri="{FF2B5EF4-FFF2-40B4-BE49-F238E27FC236}">
-                <a16:creationId xmlns="" xmlns:a16="http://schemas.microsoft.com/office/drawing/2014/main" id="{69C2B872-9BEB-4D28-96BF-A163FA23B2AE}"/>
+                <a16:creationId xmlns:a16="http://schemas.microsoft.com/office/drawing/2014/main" xmlns="" id="{69C2B872-9BEB-4D28-96BF-A163FA23B2AE}"/>
               </a:ext>
             </a:extLst>
           </p:cNvPr>
@@ -16146,7 +17045,7 @@
           <p:cNvPr id="58" name="TextBox 57">
             <a:extLst>
               <a:ext uri="{FF2B5EF4-FFF2-40B4-BE49-F238E27FC236}">
-                <a16:creationId xmlns="" xmlns:a16="http://schemas.microsoft.com/office/drawing/2014/main" id="{EF643D31-A1D1-4965-BB3A-247350DB9036}"/>
+                <a16:creationId xmlns:a16="http://schemas.microsoft.com/office/drawing/2014/main" xmlns="" id="{EF643D31-A1D1-4965-BB3A-247350DB9036}"/>
               </a:ext>
             </a:extLst>
           </p:cNvPr>
@@ -16184,7 +17083,7 @@
           <p:cNvPr id="59" name="TextBox 58">
             <a:extLst>
               <a:ext uri="{FF2B5EF4-FFF2-40B4-BE49-F238E27FC236}">
-                <a16:creationId xmlns="" xmlns:a16="http://schemas.microsoft.com/office/drawing/2014/main" id="{CEFEF120-AE30-4C7C-8637-42BDD97D4151}"/>
+                <a16:creationId xmlns:a16="http://schemas.microsoft.com/office/drawing/2014/main" xmlns="" id="{CEFEF120-AE30-4C7C-8637-42BDD97D4151}"/>
               </a:ext>
             </a:extLst>
           </p:cNvPr>
@@ -16222,7 +17121,7 @@
           <p:cNvPr id="60" name="TextBox 59">
             <a:extLst>
               <a:ext uri="{FF2B5EF4-FFF2-40B4-BE49-F238E27FC236}">
-                <a16:creationId xmlns="" xmlns:a16="http://schemas.microsoft.com/office/drawing/2014/main" id="{1EF9F216-41A4-4695-A143-7F795D43D60F}"/>
+                <a16:creationId xmlns:a16="http://schemas.microsoft.com/office/drawing/2014/main" xmlns="" id="{1EF9F216-41A4-4695-A143-7F795D43D60F}"/>
               </a:ext>
             </a:extLst>
           </p:cNvPr>
@@ -16260,7 +17159,7 @@
           <p:cNvPr id="61" name="TextBox 60">
             <a:extLst>
               <a:ext uri="{FF2B5EF4-FFF2-40B4-BE49-F238E27FC236}">
-                <a16:creationId xmlns="" xmlns:a16="http://schemas.microsoft.com/office/drawing/2014/main" id="{2A0E21AB-25E9-49DD-ADB4-0D3EC75B25A1}"/>
+                <a16:creationId xmlns:a16="http://schemas.microsoft.com/office/drawing/2014/main" xmlns="" id="{2A0E21AB-25E9-49DD-ADB4-0D3EC75B25A1}"/>
               </a:ext>
             </a:extLst>
           </p:cNvPr>
@@ -16298,7 +17197,7 @@
           <p:cNvPr id="62" name="TextBox 61">
             <a:extLst>
               <a:ext uri="{FF2B5EF4-FFF2-40B4-BE49-F238E27FC236}">
-                <a16:creationId xmlns="" xmlns:a16="http://schemas.microsoft.com/office/drawing/2014/main" id="{74F7DFBB-01DD-4E1C-AA49-53D5262B1568}"/>
+                <a16:creationId xmlns:a16="http://schemas.microsoft.com/office/drawing/2014/main" xmlns="" id="{74F7DFBB-01DD-4E1C-AA49-53D5262B1568}"/>
               </a:ext>
             </a:extLst>
           </p:cNvPr>
@@ -16336,7 +17235,7 @@
           <p:cNvPr id="63" name="TextBox 62">
             <a:extLst>
               <a:ext uri="{FF2B5EF4-FFF2-40B4-BE49-F238E27FC236}">
-                <a16:creationId xmlns="" xmlns:a16="http://schemas.microsoft.com/office/drawing/2014/main" id="{A80CF1C4-9476-4397-A3ED-365156FF8C0B}"/>
+                <a16:creationId xmlns:a16="http://schemas.microsoft.com/office/drawing/2014/main" xmlns="" id="{A80CF1C4-9476-4397-A3ED-365156FF8C0B}"/>
               </a:ext>
             </a:extLst>
           </p:cNvPr>
@@ -16374,7 +17273,7 @@
           <p:cNvPr id="64" name="TextBox 63">
             <a:extLst>
               <a:ext uri="{FF2B5EF4-FFF2-40B4-BE49-F238E27FC236}">
-                <a16:creationId xmlns="" xmlns:a16="http://schemas.microsoft.com/office/drawing/2014/main" id="{BE0C0FF2-734F-440D-9121-2CA00E623972}"/>
+                <a16:creationId xmlns:a16="http://schemas.microsoft.com/office/drawing/2014/main" xmlns="" id="{BE0C0FF2-734F-440D-9121-2CA00E623972}"/>
               </a:ext>
             </a:extLst>
           </p:cNvPr>
@@ -16412,7 +17311,7 @@
           <p:cNvPr id="65" name="TextBox 64">
             <a:extLst>
               <a:ext uri="{FF2B5EF4-FFF2-40B4-BE49-F238E27FC236}">
-                <a16:creationId xmlns="" xmlns:a16="http://schemas.microsoft.com/office/drawing/2014/main" id="{75621EA3-8E7A-411B-81FC-098BF5452E03}"/>
+                <a16:creationId xmlns:a16="http://schemas.microsoft.com/office/drawing/2014/main" xmlns="" id="{75621EA3-8E7A-411B-81FC-098BF5452E03}"/>
               </a:ext>
             </a:extLst>
           </p:cNvPr>
@@ -16450,7 +17349,7 @@
           <p:cNvPr id="66" name="TextBox 65">
             <a:extLst>
               <a:ext uri="{FF2B5EF4-FFF2-40B4-BE49-F238E27FC236}">
-                <a16:creationId xmlns="" xmlns:a16="http://schemas.microsoft.com/office/drawing/2014/main" id="{C1FA5586-4F2E-4F6A-A0FA-1855CDED3BDC}"/>
+                <a16:creationId xmlns:a16="http://schemas.microsoft.com/office/drawing/2014/main" xmlns="" id="{C1FA5586-4F2E-4F6A-A0FA-1855CDED3BDC}"/>
               </a:ext>
             </a:extLst>
           </p:cNvPr>
@@ -16488,7 +17387,7 @@
           <p:cNvPr id="67" name="TextBox 66">
             <a:extLst>
               <a:ext uri="{FF2B5EF4-FFF2-40B4-BE49-F238E27FC236}">
-                <a16:creationId xmlns="" xmlns:a16="http://schemas.microsoft.com/office/drawing/2014/main" id="{141486BF-6F45-441A-95F3-D175221A8176}"/>
+                <a16:creationId xmlns:a16="http://schemas.microsoft.com/office/drawing/2014/main" xmlns="" id="{141486BF-6F45-441A-95F3-D175221A8176}"/>
               </a:ext>
             </a:extLst>
           </p:cNvPr>
@@ -16526,7 +17425,7 @@
           <p:cNvPr id="68" name="TextBox 67">
             <a:extLst>
               <a:ext uri="{FF2B5EF4-FFF2-40B4-BE49-F238E27FC236}">
-                <a16:creationId xmlns="" xmlns:a16="http://schemas.microsoft.com/office/drawing/2014/main" id="{D1BF9F06-0991-468D-8349-6B35F7061937}"/>
+                <a16:creationId xmlns:a16="http://schemas.microsoft.com/office/drawing/2014/main" xmlns="" id="{D1BF9F06-0991-468D-8349-6B35F7061937}"/>
               </a:ext>
             </a:extLst>
           </p:cNvPr>
@@ -16564,7 +17463,7 @@
           <p:cNvPr id="69" name="TextBox 68">
             <a:extLst>
               <a:ext uri="{FF2B5EF4-FFF2-40B4-BE49-F238E27FC236}">
-                <a16:creationId xmlns="" xmlns:a16="http://schemas.microsoft.com/office/drawing/2014/main" id="{298D047E-0D35-48CC-B73B-A5246B507DEC}"/>
+                <a16:creationId xmlns:a16="http://schemas.microsoft.com/office/drawing/2014/main" xmlns="" id="{298D047E-0D35-48CC-B73B-A5246B507DEC}"/>
               </a:ext>
             </a:extLst>
           </p:cNvPr>
@@ -16602,7 +17501,7 @@
           <p:cNvPr id="70" name="TextBox 69">
             <a:extLst>
               <a:ext uri="{FF2B5EF4-FFF2-40B4-BE49-F238E27FC236}">
-                <a16:creationId xmlns="" xmlns:a16="http://schemas.microsoft.com/office/drawing/2014/main" id="{3E688838-CA83-4471-9A4C-650BFD22C65B}"/>
+                <a16:creationId xmlns:a16="http://schemas.microsoft.com/office/drawing/2014/main" xmlns="" id="{3E688838-CA83-4471-9A4C-650BFD22C65B}"/>
               </a:ext>
             </a:extLst>
           </p:cNvPr>
@@ -16640,7 +17539,7 @@
           <p:cNvPr id="71" name="TextBox 70">
             <a:extLst>
               <a:ext uri="{FF2B5EF4-FFF2-40B4-BE49-F238E27FC236}">
-                <a16:creationId xmlns="" xmlns:a16="http://schemas.microsoft.com/office/drawing/2014/main" id="{9CECF851-F0A1-4282-996C-B5D11CEB5290}"/>
+                <a16:creationId xmlns:a16="http://schemas.microsoft.com/office/drawing/2014/main" xmlns="" id="{9CECF851-F0A1-4282-996C-B5D11CEB5290}"/>
               </a:ext>
             </a:extLst>
           </p:cNvPr>
@@ -16678,7 +17577,7 @@
           <p:cNvPr id="72" name="TextBox 71">
             <a:extLst>
               <a:ext uri="{FF2B5EF4-FFF2-40B4-BE49-F238E27FC236}">
-                <a16:creationId xmlns="" xmlns:a16="http://schemas.microsoft.com/office/drawing/2014/main" id="{69BC8545-3494-47F8-AF2D-6D5219239A00}"/>
+                <a16:creationId xmlns:a16="http://schemas.microsoft.com/office/drawing/2014/main" xmlns="" id="{69BC8545-3494-47F8-AF2D-6D5219239A00}"/>
               </a:ext>
             </a:extLst>
           </p:cNvPr>
@@ -16716,7 +17615,7 @@
           <p:cNvPr id="73" name="TextBox 72">
             <a:extLst>
               <a:ext uri="{FF2B5EF4-FFF2-40B4-BE49-F238E27FC236}">
-                <a16:creationId xmlns="" xmlns:a16="http://schemas.microsoft.com/office/drawing/2014/main" id="{FB9808E6-A5DB-4C5B-8EA9-D7841F12F0BE}"/>
+                <a16:creationId xmlns:a16="http://schemas.microsoft.com/office/drawing/2014/main" xmlns="" id="{FB9808E6-A5DB-4C5B-8EA9-D7841F12F0BE}"/>
               </a:ext>
             </a:extLst>
           </p:cNvPr>
@@ -16757,7 +17656,7 @@
           <p:cNvPr id="74" name="TextBox 73">
             <a:extLst>
               <a:ext uri="{FF2B5EF4-FFF2-40B4-BE49-F238E27FC236}">
-                <a16:creationId xmlns="" xmlns:a16="http://schemas.microsoft.com/office/drawing/2014/main" id="{77FEB70C-285E-44D7-BC63-B77A268499EC}"/>
+                <a16:creationId xmlns:a16="http://schemas.microsoft.com/office/drawing/2014/main" xmlns="" id="{77FEB70C-285E-44D7-BC63-B77A268499EC}"/>
               </a:ext>
             </a:extLst>
           </p:cNvPr>
@@ -16795,7 +17694,7 @@
           <p:cNvPr id="75" name="TextBox 74">
             <a:extLst>
               <a:ext uri="{FF2B5EF4-FFF2-40B4-BE49-F238E27FC236}">
-                <a16:creationId xmlns="" xmlns:a16="http://schemas.microsoft.com/office/drawing/2014/main" id="{2D586DBC-82ED-4D02-8CDB-898A98F22D29}"/>
+                <a16:creationId xmlns:a16="http://schemas.microsoft.com/office/drawing/2014/main" xmlns="" id="{2D586DBC-82ED-4D02-8CDB-898A98F22D29}"/>
               </a:ext>
             </a:extLst>
           </p:cNvPr>
@@ -16833,7 +17732,7 @@
           <p:cNvPr id="76" name="TextBox 75">
             <a:extLst>
               <a:ext uri="{FF2B5EF4-FFF2-40B4-BE49-F238E27FC236}">
-                <a16:creationId xmlns="" xmlns:a16="http://schemas.microsoft.com/office/drawing/2014/main" id="{22289A32-88D1-4436-B105-8F109602B5F6}"/>
+                <a16:creationId xmlns:a16="http://schemas.microsoft.com/office/drawing/2014/main" xmlns="" id="{22289A32-88D1-4436-B105-8F109602B5F6}"/>
               </a:ext>
             </a:extLst>
           </p:cNvPr>
@@ -16871,7 +17770,7 @@
           <p:cNvPr id="77" name="TextBox 76">
             <a:extLst>
               <a:ext uri="{FF2B5EF4-FFF2-40B4-BE49-F238E27FC236}">
-                <a16:creationId xmlns="" xmlns:a16="http://schemas.microsoft.com/office/drawing/2014/main" id="{B378BD5B-1DD8-415E-B876-3BC7241E34FB}"/>
+                <a16:creationId xmlns:a16="http://schemas.microsoft.com/office/drawing/2014/main" xmlns="" id="{B378BD5B-1DD8-415E-B876-3BC7241E34FB}"/>
               </a:ext>
             </a:extLst>
           </p:cNvPr>
@@ -16909,7 +17808,7 @@
           <p:cNvPr id="78" name="TextBox 77">
             <a:extLst>
               <a:ext uri="{FF2B5EF4-FFF2-40B4-BE49-F238E27FC236}">
-                <a16:creationId xmlns="" xmlns:a16="http://schemas.microsoft.com/office/drawing/2014/main" id="{044ABCD1-0C74-4BB9-AA1C-4AA354CD99A4}"/>
+                <a16:creationId xmlns:a16="http://schemas.microsoft.com/office/drawing/2014/main" xmlns="" id="{044ABCD1-0C74-4BB9-AA1C-4AA354CD99A4}"/>
               </a:ext>
             </a:extLst>
           </p:cNvPr>
@@ -16947,7 +17846,7 @@
           <p:cNvPr id="79" name="TextBox 78">
             <a:extLst>
               <a:ext uri="{FF2B5EF4-FFF2-40B4-BE49-F238E27FC236}">
-                <a16:creationId xmlns="" xmlns:a16="http://schemas.microsoft.com/office/drawing/2014/main" id="{40BF79D4-31E0-457F-A861-F18F4B134B7E}"/>
+                <a16:creationId xmlns:a16="http://schemas.microsoft.com/office/drawing/2014/main" xmlns="" id="{40BF79D4-31E0-457F-A861-F18F4B134B7E}"/>
               </a:ext>
             </a:extLst>
           </p:cNvPr>
@@ -16985,7 +17884,7 @@
           <p:cNvPr id="80" name="TextBox 79">
             <a:extLst>
               <a:ext uri="{FF2B5EF4-FFF2-40B4-BE49-F238E27FC236}">
-                <a16:creationId xmlns="" xmlns:a16="http://schemas.microsoft.com/office/drawing/2014/main" id="{B298DBD4-3E3A-4ABA-AD91-E2BFAB365382}"/>
+                <a16:creationId xmlns:a16="http://schemas.microsoft.com/office/drawing/2014/main" xmlns="" id="{B298DBD4-3E3A-4ABA-AD91-E2BFAB365382}"/>
               </a:ext>
             </a:extLst>
           </p:cNvPr>
@@ -17023,7 +17922,7 @@
           <p:cNvPr id="81" name="TextBox 80">
             <a:extLst>
               <a:ext uri="{FF2B5EF4-FFF2-40B4-BE49-F238E27FC236}">
-                <a16:creationId xmlns="" xmlns:a16="http://schemas.microsoft.com/office/drawing/2014/main" id="{3460AABE-49C3-4A25-B0A5-5326C3838920}"/>
+                <a16:creationId xmlns:a16="http://schemas.microsoft.com/office/drawing/2014/main" xmlns="" id="{3460AABE-49C3-4A25-B0A5-5326C3838920}"/>
               </a:ext>
             </a:extLst>
           </p:cNvPr>
@@ -17065,7 +17964,7 @@
           <p:cNvPr id="93" name="TextBox 92">
             <a:extLst>
               <a:ext uri="{FF2B5EF4-FFF2-40B4-BE49-F238E27FC236}">
-                <a16:creationId xmlns="" xmlns:a16="http://schemas.microsoft.com/office/drawing/2014/main" id="{EF22571D-3744-43F2-B47A-33FBDE888CF5}"/>
+                <a16:creationId xmlns:a16="http://schemas.microsoft.com/office/drawing/2014/main" xmlns="" id="{EF22571D-3744-43F2-B47A-33FBDE888CF5}"/>
               </a:ext>
             </a:extLst>
           </p:cNvPr>
@@ -17122,7 +18021,7 @@
           <p:cNvPr id="84" name="TextBox 83">
             <a:extLst>
               <a:ext uri="{FF2B5EF4-FFF2-40B4-BE49-F238E27FC236}">
-                <a16:creationId xmlns="" xmlns:a16="http://schemas.microsoft.com/office/drawing/2014/main" id="{637A9EBD-8651-4827-A9C8-718C09951F70}"/>
+                <a16:creationId xmlns:a16="http://schemas.microsoft.com/office/drawing/2014/main" xmlns="" id="{637A9EBD-8651-4827-A9C8-718C09951F70}"/>
               </a:ext>
             </a:extLst>
           </p:cNvPr>
@@ -17181,7 +18080,7 @@
           <p:cNvPr id="85" name="TextBox 84">
             <a:extLst>
               <a:ext uri="{FF2B5EF4-FFF2-40B4-BE49-F238E27FC236}">
-                <a16:creationId xmlns="" xmlns:a16="http://schemas.microsoft.com/office/drawing/2014/main" id="{30DFB557-63B6-4825-A4E9-AA48679DDB80}"/>
+                <a16:creationId xmlns:a16="http://schemas.microsoft.com/office/drawing/2014/main" xmlns="" id="{30DFB557-63B6-4825-A4E9-AA48679DDB80}"/>
               </a:ext>
             </a:extLst>
           </p:cNvPr>
@@ -17240,7 +18139,7 @@
           <p:cNvPr id="7" name="화살표: 왼쪽/오른쪽 6">
             <a:extLst>
               <a:ext uri="{FF2B5EF4-FFF2-40B4-BE49-F238E27FC236}">
-                <a16:creationId xmlns="" xmlns:a16="http://schemas.microsoft.com/office/drawing/2014/main" id="{4E12E168-D9FF-4343-B35E-06DA76E44FB7}"/>
+                <a16:creationId xmlns:a16="http://schemas.microsoft.com/office/drawing/2014/main" xmlns="" id="{4E12E168-D9FF-4343-B35E-06DA76E44FB7}"/>
               </a:ext>
             </a:extLst>
           </p:cNvPr>
@@ -17298,7 +18197,7 @@
           <p:cNvPr id="86" name="화살표: 왼쪽/오른쪽 85">
             <a:extLst>
               <a:ext uri="{FF2B5EF4-FFF2-40B4-BE49-F238E27FC236}">
-                <a16:creationId xmlns="" xmlns:a16="http://schemas.microsoft.com/office/drawing/2014/main" id="{EF7A27AD-799A-48D7-92C2-6074E551A6E9}"/>
+                <a16:creationId xmlns:a16="http://schemas.microsoft.com/office/drawing/2014/main" xmlns="" id="{EF7A27AD-799A-48D7-92C2-6074E551A6E9}"/>
               </a:ext>
             </a:extLst>
           </p:cNvPr>
@@ -17356,7 +18255,7 @@
           <p:cNvPr id="87" name="TextBox 86">
             <a:extLst>
               <a:ext uri="{FF2B5EF4-FFF2-40B4-BE49-F238E27FC236}">
-                <a16:creationId xmlns="" xmlns:a16="http://schemas.microsoft.com/office/drawing/2014/main" id="{38413CFF-9145-48E8-AA03-05D6C8B2F931}"/>
+                <a16:creationId xmlns:a16="http://schemas.microsoft.com/office/drawing/2014/main" xmlns="" id="{38413CFF-9145-48E8-AA03-05D6C8B2F931}"/>
               </a:ext>
             </a:extLst>
           </p:cNvPr>
@@ -17442,7 +18341,7 @@
           <p:cNvPr id="54" name="직선 연결선 53">
             <a:extLst>
               <a:ext uri="{FF2B5EF4-FFF2-40B4-BE49-F238E27FC236}">
-                <a16:creationId xmlns="" xmlns:a16="http://schemas.microsoft.com/office/drawing/2014/main" id="{C0E7FF59-BEE0-4C00-9F83-E09D00B0C516}"/>
+                <a16:creationId xmlns:a16="http://schemas.microsoft.com/office/drawing/2014/main" xmlns="" id="{C0E7FF59-BEE0-4C00-9F83-E09D00B0C516}"/>
               </a:ext>
             </a:extLst>
           </p:cNvPr>
@@ -17486,7 +18385,7 @@
           <p:cNvPr id="82" name="직선 연결선 81">
             <a:extLst>
               <a:ext uri="{FF2B5EF4-FFF2-40B4-BE49-F238E27FC236}">
-                <a16:creationId xmlns="" xmlns:a16="http://schemas.microsoft.com/office/drawing/2014/main" id="{81C795E2-4BAB-4B30-8615-EF5D39005982}"/>
+                <a16:creationId xmlns:a16="http://schemas.microsoft.com/office/drawing/2014/main" xmlns="" id="{81C795E2-4BAB-4B30-8615-EF5D39005982}"/>
               </a:ext>
             </a:extLst>
           </p:cNvPr>
@@ -17530,7 +18429,7 @@
           <p:cNvPr id="83" name="직선 연결선 82">
             <a:extLst>
               <a:ext uri="{FF2B5EF4-FFF2-40B4-BE49-F238E27FC236}">
-                <a16:creationId xmlns="" xmlns:a16="http://schemas.microsoft.com/office/drawing/2014/main" id="{FF755B02-EC7C-4BA0-A253-E7B3B6C7D81C}"/>
+                <a16:creationId xmlns:a16="http://schemas.microsoft.com/office/drawing/2014/main" xmlns="" id="{FF755B02-EC7C-4BA0-A253-E7B3B6C7D81C}"/>
               </a:ext>
             </a:extLst>
           </p:cNvPr>
@@ -17638,7 +18537,7 @@
           <p:cNvPr id="4" name="TextBox 3">
             <a:extLst>
               <a:ext uri="{FF2B5EF4-FFF2-40B4-BE49-F238E27FC236}">
-                <a16:creationId xmlns="" xmlns:a16="http://schemas.microsoft.com/office/drawing/2014/main" id="{C04AFB07-A04F-4BA4-AFC3-446CE5957D9D}"/>
+                <a16:creationId xmlns:a16="http://schemas.microsoft.com/office/drawing/2014/main" xmlns="" id="{C04AFB07-A04F-4BA4-AFC3-446CE5957D9D}"/>
               </a:ext>
             </a:extLst>
           </p:cNvPr>
@@ -17676,7 +18575,7 @@
           <p:cNvPr id="56" name="TextBox 55">
             <a:extLst>
               <a:ext uri="{FF2B5EF4-FFF2-40B4-BE49-F238E27FC236}">
-                <a16:creationId xmlns="" xmlns:a16="http://schemas.microsoft.com/office/drawing/2014/main" id="{B6A70F32-8562-4E73-BD1D-CF9D36148B17}"/>
+                <a16:creationId xmlns:a16="http://schemas.microsoft.com/office/drawing/2014/main" xmlns="" id="{B6A70F32-8562-4E73-BD1D-CF9D36148B17}"/>
               </a:ext>
             </a:extLst>
           </p:cNvPr>
@@ -17714,7 +18613,7 @@
           <p:cNvPr id="57" name="TextBox 56">
             <a:extLst>
               <a:ext uri="{FF2B5EF4-FFF2-40B4-BE49-F238E27FC236}">
-                <a16:creationId xmlns="" xmlns:a16="http://schemas.microsoft.com/office/drawing/2014/main" id="{69C2B872-9BEB-4D28-96BF-A163FA23B2AE}"/>
+                <a16:creationId xmlns:a16="http://schemas.microsoft.com/office/drawing/2014/main" xmlns="" id="{69C2B872-9BEB-4D28-96BF-A163FA23B2AE}"/>
               </a:ext>
             </a:extLst>
           </p:cNvPr>
@@ -17752,7 +18651,7 @@
           <p:cNvPr id="58" name="TextBox 57">
             <a:extLst>
               <a:ext uri="{FF2B5EF4-FFF2-40B4-BE49-F238E27FC236}">
-                <a16:creationId xmlns="" xmlns:a16="http://schemas.microsoft.com/office/drawing/2014/main" id="{EF643D31-A1D1-4965-BB3A-247350DB9036}"/>
+                <a16:creationId xmlns:a16="http://schemas.microsoft.com/office/drawing/2014/main" xmlns="" id="{EF643D31-A1D1-4965-BB3A-247350DB9036}"/>
               </a:ext>
             </a:extLst>
           </p:cNvPr>
@@ -17790,7 +18689,7 @@
           <p:cNvPr id="59" name="TextBox 58">
             <a:extLst>
               <a:ext uri="{FF2B5EF4-FFF2-40B4-BE49-F238E27FC236}">
-                <a16:creationId xmlns="" xmlns:a16="http://schemas.microsoft.com/office/drawing/2014/main" id="{CEFEF120-AE30-4C7C-8637-42BDD97D4151}"/>
+                <a16:creationId xmlns:a16="http://schemas.microsoft.com/office/drawing/2014/main" xmlns="" id="{CEFEF120-AE30-4C7C-8637-42BDD97D4151}"/>
               </a:ext>
             </a:extLst>
           </p:cNvPr>
@@ -17828,7 +18727,7 @@
           <p:cNvPr id="60" name="TextBox 59">
             <a:extLst>
               <a:ext uri="{FF2B5EF4-FFF2-40B4-BE49-F238E27FC236}">
-                <a16:creationId xmlns="" xmlns:a16="http://schemas.microsoft.com/office/drawing/2014/main" id="{1EF9F216-41A4-4695-A143-7F795D43D60F}"/>
+                <a16:creationId xmlns:a16="http://schemas.microsoft.com/office/drawing/2014/main" xmlns="" id="{1EF9F216-41A4-4695-A143-7F795D43D60F}"/>
               </a:ext>
             </a:extLst>
           </p:cNvPr>
@@ -17866,7 +18765,7 @@
           <p:cNvPr id="61" name="TextBox 60">
             <a:extLst>
               <a:ext uri="{FF2B5EF4-FFF2-40B4-BE49-F238E27FC236}">
-                <a16:creationId xmlns="" xmlns:a16="http://schemas.microsoft.com/office/drawing/2014/main" id="{2A0E21AB-25E9-49DD-ADB4-0D3EC75B25A1}"/>
+                <a16:creationId xmlns:a16="http://schemas.microsoft.com/office/drawing/2014/main" xmlns="" id="{2A0E21AB-25E9-49DD-ADB4-0D3EC75B25A1}"/>
               </a:ext>
             </a:extLst>
           </p:cNvPr>
@@ -17904,7 +18803,7 @@
           <p:cNvPr id="62" name="TextBox 61">
             <a:extLst>
               <a:ext uri="{FF2B5EF4-FFF2-40B4-BE49-F238E27FC236}">
-                <a16:creationId xmlns="" xmlns:a16="http://schemas.microsoft.com/office/drawing/2014/main" id="{74F7DFBB-01DD-4E1C-AA49-53D5262B1568}"/>
+                <a16:creationId xmlns:a16="http://schemas.microsoft.com/office/drawing/2014/main" xmlns="" id="{74F7DFBB-01DD-4E1C-AA49-53D5262B1568}"/>
               </a:ext>
             </a:extLst>
           </p:cNvPr>
@@ -17942,7 +18841,7 @@
           <p:cNvPr id="63" name="TextBox 62">
             <a:extLst>
               <a:ext uri="{FF2B5EF4-FFF2-40B4-BE49-F238E27FC236}">
-                <a16:creationId xmlns="" xmlns:a16="http://schemas.microsoft.com/office/drawing/2014/main" id="{A80CF1C4-9476-4397-A3ED-365156FF8C0B}"/>
+                <a16:creationId xmlns:a16="http://schemas.microsoft.com/office/drawing/2014/main" xmlns="" id="{A80CF1C4-9476-4397-A3ED-365156FF8C0B}"/>
               </a:ext>
             </a:extLst>
           </p:cNvPr>
@@ -17980,7 +18879,7 @@
           <p:cNvPr id="64" name="TextBox 63">
             <a:extLst>
               <a:ext uri="{FF2B5EF4-FFF2-40B4-BE49-F238E27FC236}">
-                <a16:creationId xmlns="" xmlns:a16="http://schemas.microsoft.com/office/drawing/2014/main" id="{BE0C0FF2-734F-440D-9121-2CA00E623972}"/>
+                <a16:creationId xmlns:a16="http://schemas.microsoft.com/office/drawing/2014/main" xmlns="" id="{BE0C0FF2-734F-440D-9121-2CA00E623972}"/>
               </a:ext>
             </a:extLst>
           </p:cNvPr>
@@ -18018,7 +18917,7 @@
           <p:cNvPr id="65" name="TextBox 64">
             <a:extLst>
               <a:ext uri="{FF2B5EF4-FFF2-40B4-BE49-F238E27FC236}">
-                <a16:creationId xmlns="" xmlns:a16="http://schemas.microsoft.com/office/drawing/2014/main" id="{75621EA3-8E7A-411B-81FC-098BF5452E03}"/>
+                <a16:creationId xmlns:a16="http://schemas.microsoft.com/office/drawing/2014/main" xmlns="" id="{75621EA3-8E7A-411B-81FC-098BF5452E03}"/>
               </a:ext>
             </a:extLst>
           </p:cNvPr>
@@ -18056,7 +18955,7 @@
           <p:cNvPr id="66" name="TextBox 65">
             <a:extLst>
               <a:ext uri="{FF2B5EF4-FFF2-40B4-BE49-F238E27FC236}">
-                <a16:creationId xmlns="" xmlns:a16="http://schemas.microsoft.com/office/drawing/2014/main" id="{C1FA5586-4F2E-4F6A-A0FA-1855CDED3BDC}"/>
+                <a16:creationId xmlns:a16="http://schemas.microsoft.com/office/drawing/2014/main" xmlns="" id="{C1FA5586-4F2E-4F6A-A0FA-1855CDED3BDC}"/>
               </a:ext>
             </a:extLst>
           </p:cNvPr>
@@ -18094,7 +18993,7 @@
           <p:cNvPr id="67" name="TextBox 66">
             <a:extLst>
               <a:ext uri="{FF2B5EF4-FFF2-40B4-BE49-F238E27FC236}">
-                <a16:creationId xmlns="" xmlns:a16="http://schemas.microsoft.com/office/drawing/2014/main" id="{141486BF-6F45-441A-95F3-D175221A8176}"/>
+                <a16:creationId xmlns:a16="http://schemas.microsoft.com/office/drawing/2014/main" xmlns="" id="{141486BF-6F45-441A-95F3-D175221A8176}"/>
               </a:ext>
             </a:extLst>
           </p:cNvPr>
@@ -18132,7 +19031,7 @@
           <p:cNvPr id="68" name="TextBox 67">
             <a:extLst>
               <a:ext uri="{FF2B5EF4-FFF2-40B4-BE49-F238E27FC236}">
-                <a16:creationId xmlns="" xmlns:a16="http://schemas.microsoft.com/office/drawing/2014/main" id="{D1BF9F06-0991-468D-8349-6B35F7061937}"/>
+                <a16:creationId xmlns:a16="http://schemas.microsoft.com/office/drawing/2014/main" xmlns="" id="{D1BF9F06-0991-468D-8349-6B35F7061937}"/>
               </a:ext>
             </a:extLst>
           </p:cNvPr>
@@ -18170,7 +19069,7 @@
           <p:cNvPr id="69" name="TextBox 68">
             <a:extLst>
               <a:ext uri="{FF2B5EF4-FFF2-40B4-BE49-F238E27FC236}">
-                <a16:creationId xmlns="" xmlns:a16="http://schemas.microsoft.com/office/drawing/2014/main" id="{298D047E-0D35-48CC-B73B-A5246B507DEC}"/>
+                <a16:creationId xmlns:a16="http://schemas.microsoft.com/office/drawing/2014/main" xmlns="" id="{298D047E-0D35-48CC-B73B-A5246B507DEC}"/>
               </a:ext>
             </a:extLst>
           </p:cNvPr>
@@ -18208,7 +19107,7 @@
           <p:cNvPr id="70" name="TextBox 69">
             <a:extLst>
               <a:ext uri="{FF2B5EF4-FFF2-40B4-BE49-F238E27FC236}">
-                <a16:creationId xmlns="" xmlns:a16="http://schemas.microsoft.com/office/drawing/2014/main" id="{3E688838-CA83-4471-9A4C-650BFD22C65B}"/>
+                <a16:creationId xmlns:a16="http://schemas.microsoft.com/office/drawing/2014/main" xmlns="" id="{3E688838-CA83-4471-9A4C-650BFD22C65B}"/>
               </a:ext>
             </a:extLst>
           </p:cNvPr>
@@ -18246,7 +19145,7 @@
           <p:cNvPr id="71" name="TextBox 70">
             <a:extLst>
               <a:ext uri="{FF2B5EF4-FFF2-40B4-BE49-F238E27FC236}">
-                <a16:creationId xmlns="" xmlns:a16="http://schemas.microsoft.com/office/drawing/2014/main" id="{9CECF851-F0A1-4282-996C-B5D11CEB5290}"/>
+                <a16:creationId xmlns:a16="http://schemas.microsoft.com/office/drawing/2014/main" xmlns="" id="{9CECF851-F0A1-4282-996C-B5D11CEB5290}"/>
               </a:ext>
             </a:extLst>
           </p:cNvPr>
@@ -18284,7 +19183,7 @@
           <p:cNvPr id="72" name="TextBox 71">
             <a:extLst>
               <a:ext uri="{FF2B5EF4-FFF2-40B4-BE49-F238E27FC236}">
-                <a16:creationId xmlns="" xmlns:a16="http://schemas.microsoft.com/office/drawing/2014/main" id="{69BC8545-3494-47F8-AF2D-6D5219239A00}"/>
+                <a16:creationId xmlns:a16="http://schemas.microsoft.com/office/drawing/2014/main" xmlns="" id="{69BC8545-3494-47F8-AF2D-6D5219239A00}"/>
               </a:ext>
             </a:extLst>
           </p:cNvPr>
@@ -18322,7 +19221,7 @@
           <p:cNvPr id="73" name="TextBox 72">
             <a:extLst>
               <a:ext uri="{FF2B5EF4-FFF2-40B4-BE49-F238E27FC236}">
-                <a16:creationId xmlns="" xmlns:a16="http://schemas.microsoft.com/office/drawing/2014/main" id="{FB9808E6-A5DB-4C5B-8EA9-D7841F12F0BE}"/>
+                <a16:creationId xmlns:a16="http://schemas.microsoft.com/office/drawing/2014/main" xmlns="" id="{FB9808E6-A5DB-4C5B-8EA9-D7841F12F0BE}"/>
               </a:ext>
             </a:extLst>
           </p:cNvPr>
@@ -18363,7 +19262,7 @@
           <p:cNvPr id="74" name="TextBox 73">
             <a:extLst>
               <a:ext uri="{FF2B5EF4-FFF2-40B4-BE49-F238E27FC236}">
-                <a16:creationId xmlns="" xmlns:a16="http://schemas.microsoft.com/office/drawing/2014/main" id="{77FEB70C-285E-44D7-BC63-B77A268499EC}"/>
+                <a16:creationId xmlns:a16="http://schemas.microsoft.com/office/drawing/2014/main" xmlns="" id="{77FEB70C-285E-44D7-BC63-B77A268499EC}"/>
               </a:ext>
             </a:extLst>
           </p:cNvPr>
@@ -18401,7 +19300,7 @@
           <p:cNvPr id="75" name="TextBox 74">
             <a:extLst>
               <a:ext uri="{FF2B5EF4-FFF2-40B4-BE49-F238E27FC236}">
-                <a16:creationId xmlns="" xmlns:a16="http://schemas.microsoft.com/office/drawing/2014/main" id="{2D586DBC-82ED-4D02-8CDB-898A98F22D29}"/>
+                <a16:creationId xmlns:a16="http://schemas.microsoft.com/office/drawing/2014/main" xmlns="" id="{2D586DBC-82ED-4D02-8CDB-898A98F22D29}"/>
               </a:ext>
             </a:extLst>
           </p:cNvPr>
@@ -18439,7 +19338,7 @@
           <p:cNvPr id="76" name="TextBox 75">
             <a:extLst>
               <a:ext uri="{FF2B5EF4-FFF2-40B4-BE49-F238E27FC236}">
-                <a16:creationId xmlns="" xmlns:a16="http://schemas.microsoft.com/office/drawing/2014/main" id="{22289A32-88D1-4436-B105-8F109602B5F6}"/>
+                <a16:creationId xmlns:a16="http://schemas.microsoft.com/office/drawing/2014/main" xmlns="" id="{22289A32-88D1-4436-B105-8F109602B5F6}"/>
               </a:ext>
             </a:extLst>
           </p:cNvPr>
@@ -18477,7 +19376,7 @@
           <p:cNvPr id="77" name="TextBox 76">
             <a:extLst>
               <a:ext uri="{FF2B5EF4-FFF2-40B4-BE49-F238E27FC236}">
-                <a16:creationId xmlns="" xmlns:a16="http://schemas.microsoft.com/office/drawing/2014/main" id="{B378BD5B-1DD8-415E-B876-3BC7241E34FB}"/>
+                <a16:creationId xmlns:a16="http://schemas.microsoft.com/office/drawing/2014/main" xmlns="" id="{B378BD5B-1DD8-415E-B876-3BC7241E34FB}"/>
               </a:ext>
             </a:extLst>
           </p:cNvPr>
@@ -18515,7 +19414,7 @@
           <p:cNvPr id="78" name="TextBox 77">
             <a:extLst>
               <a:ext uri="{FF2B5EF4-FFF2-40B4-BE49-F238E27FC236}">
-                <a16:creationId xmlns="" xmlns:a16="http://schemas.microsoft.com/office/drawing/2014/main" id="{044ABCD1-0C74-4BB9-AA1C-4AA354CD99A4}"/>
+                <a16:creationId xmlns:a16="http://schemas.microsoft.com/office/drawing/2014/main" xmlns="" id="{044ABCD1-0C74-4BB9-AA1C-4AA354CD99A4}"/>
               </a:ext>
             </a:extLst>
           </p:cNvPr>
@@ -18553,7 +19452,7 @@
           <p:cNvPr id="79" name="TextBox 78">
             <a:extLst>
               <a:ext uri="{FF2B5EF4-FFF2-40B4-BE49-F238E27FC236}">
-                <a16:creationId xmlns="" xmlns:a16="http://schemas.microsoft.com/office/drawing/2014/main" id="{40BF79D4-31E0-457F-A861-F18F4B134B7E}"/>
+                <a16:creationId xmlns:a16="http://schemas.microsoft.com/office/drawing/2014/main" xmlns="" id="{40BF79D4-31E0-457F-A861-F18F4B134B7E}"/>
               </a:ext>
             </a:extLst>
           </p:cNvPr>
@@ -18591,7 +19490,7 @@
           <p:cNvPr id="80" name="TextBox 79">
             <a:extLst>
               <a:ext uri="{FF2B5EF4-FFF2-40B4-BE49-F238E27FC236}">
-                <a16:creationId xmlns="" xmlns:a16="http://schemas.microsoft.com/office/drawing/2014/main" id="{B298DBD4-3E3A-4ABA-AD91-E2BFAB365382}"/>
+                <a16:creationId xmlns:a16="http://schemas.microsoft.com/office/drawing/2014/main" xmlns="" id="{B298DBD4-3E3A-4ABA-AD91-E2BFAB365382}"/>
               </a:ext>
             </a:extLst>
           </p:cNvPr>
@@ -18629,7 +19528,7 @@
           <p:cNvPr id="81" name="TextBox 80">
             <a:extLst>
               <a:ext uri="{FF2B5EF4-FFF2-40B4-BE49-F238E27FC236}">
-                <a16:creationId xmlns="" xmlns:a16="http://schemas.microsoft.com/office/drawing/2014/main" id="{3460AABE-49C3-4A25-B0A5-5326C3838920}"/>
+                <a16:creationId xmlns:a16="http://schemas.microsoft.com/office/drawing/2014/main" xmlns="" id="{3460AABE-49C3-4A25-B0A5-5326C3838920}"/>
               </a:ext>
             </a:extLst>
           </p:cNvPr>
@@ -18671,7 +19570,7 @@
           <p:cNvPr id="84" name="TextBox 83">
             <a:extLst>
               <a:ext uri="{FF2B5EF4-FFF2-40B4-BE49-F238E27FC236}">
-                <a16:creationId xmlns="" xmlns:a16="http://schemas.microsoft.com/office/drawing/2014/main" id="{637A9EBD-8651-4827-A9C8-718C09951F70}"/>
+                <a16:creationId xmlns:a16="http://schemas.microsoft.com/office/drawing/2014/main" xmlns="" id="{637A9EBD-8651-4827-A9C8-718C09951F70}"/>
               </a:ext>
             </a:extLst>
           </p:cNvPr>
@@ -18730,7 +19629,7 @@
           <p:cNvPr id="85" name="TextBox 84">
             <a:extLst>
               <a:ext uri="{FF2B5EF4-FFF2-40B4-BE49-F238E27FC236}">
-                <a16:creationId xmlns="" xmlns:a16="http://schemas.microsoft.com/office/drawing/2014/main" id="{30DFB557-63B6-4825-A4E9-AA48679DDB80}"/>
+                <a16:creationId xmlns:a16="http://schemas.microsoft.com/office/drawing/2014/main" xmlns="" id="{30DFB557-63B6-4825-A4E9-AA48679DDB80}"/>
               </a:ext>
             </a:extLst>
           </p:cNvPr>
@@ -18789,7 +19688,7 @@
           <p:cNvPr id="7" name="화살표: 왼쪽/오른쪽 6">
             <a:extLst>
               <a:ext uri="{FF2B5EF4-FFF2-40B4-BE49-F238E27FC236}">
-                <a16:creationId xmlns="" xmlns:a16="http://schemas.microsoft.com/office/drawing/2014/main" id="{4E12E168-D9FF-4343-B35E-06DA76E44FB7}"/>
+                <a16:creationId xmlns:a16="http://schemas.microsoft.com/office/drawing/2014/main" xmlns="" id="{4E12E168-D9FF-4343-B35E-06DA76E44FB7}"/>
               </a:ext>
             </a:extLst>
           </p:cNvPr>
@@ -18847,7 +19746,7 @@
           <p:cNvPr id="44" name="Picture 2">
             <a:extLst>
               <a:ext uri="{FF2B5EF4-FFF2-40B4-BE49-F238E27FC236}">
-                <a16:creationId xmlns="" xmlns:a16="http://schemas.microsoft.com/office/drawing/2014/main" id="{567797A9-1B95-48D7-A914-C32948666867}"/>
+                <a16:creationId xmlns:a16="http://schemas.microsoft.com/office/drawing/2014/main" xmlns="" id="{567797A9-1B95-48D7-A914-C32948666867}"/>
               </a:ext>
             </a:extLst>
           </p:cNvPr>
@@ -18917,7 +19816,7 @@
           <p:cNvPr id="45" name="TextBox 44">
             <a:extLst>
               <a:ext uri="{FF2B5EF4-FFF2-40B4-BE49-F238E27FC236}">
-                <a16:creationId xmlns="" xmlns:a16="http://schemas.microsoft.com/office/drawing/2014/main" id="{BB50D454-7782-4D91-942D-A2CBC421BD0A}"/>
+                <a16:creationId xmlns:a16="http://schemas.microsoft.com/office/drawing/2014/main" xmlns="" id="{BB50D454-7782-4D91-942D-A2CBC421BD0A}"/>
               </a:ext>
             </a:extLst>
           </p:cNvPr>
@@ -18955,7 +19854,7 @@
           <p:cNvPr id="46" name="TextBox 45">
             <a:extLst>
               <a:ext uri="{FF2B5EF4-FFF2-40B4-BE49-F238E27FC236}">
-                <a16:creationId xmlns="" xmlns:a16="http://schemas.microsoft.com/office/drawing/2014/main" id="{96AFD3A8-A8B6-4089-9582-35652582A896}"/>
+                <a16:creationId xmlns:a16="http://schemas.microsoft.com/office/drawing/2014/main" xmlns="" id="{96AFD3A8-A8B6-4089-9582-35652582A896}"/>
               </a:ext>
             </a:extLst>
           </p:cNvPr>
@@ -18993,7 +19892,7 @@
           <p:cNvPr id="47" name="TextBox 46">
             <a:extLst>
               <a:ext uri="{FF2B5EF4-FFF2-40B4-BE49-F238E27FC236}">
-                <a16:creationId xmlns="" xmlns:a16="http://schemas.microsoft.com/office/drawing/2014/main" id="{7497AC1A-88D8-489C-B181-250982D56C31}"/>
+                <a16:creationId xmlns:a16="http://schemas.microsoft.com/office/drawing/2014/main" xmlns="" id="{7497AC1A-88D8-489C-B181-250982D56C31}"/>
               </a:ext>
             </a:extLst>
           </p:cNvPr>
@@ -19031,7 +19930,7 @@
           <p:cNvPr id="48" name="TextBox 47">
             <a:extLst>
               <a:ext uri="{FF2B5EF4-FFF2-40B4-BE49-F238E27FC236}">
-                <a16:creationId xmlns="" xmlns:a16="http://schemas.microsoft.com/office/drawing/2014/main" id="{6346752E-5488-4DC5-9EE3-C4ECCE01D7F0}"/>
+                <a16:creationId xmlns:a16="http://schemas.microsoft.com/office/drawing/2014/main" xmlns="" id="{6346752E-5488-4DC5-9EE3-C4ECCE01D7F0}"/>
               </a:ext>
             </a:extLst>
           </p:cNvPr>
@@ -19069,7 +19968,7 @@
           <p:cNvPr id="49" name="TextBox 48">
             <a:extLst>
               <a:ext uri="{FF2B5EF4-FFF2-40B4-BE49-F238E27FC236}">
-                <a16:creationId xmlns="" xmlns:a16="http://schemas.microsoft.com/office/drawing/2014/main" id="{159218C4-D86C-45A5-8FBF-C8D0EDD08DD9}"/>
+                <a16:creationId xmlns:a16="http://schemas.microsoft.com/office/drawing/2014/main" xmlns="" id="{159218C4-D86C-45A5-8FBF-C8D0EDD08DD9}"/>
               </a:ext>
             </a:extLst>
           </p:cNvPr>
@@ -19107,7 +20006,7 @@
           <p:cNvPr id="50" name="TextBox 49">
             <a:extLst>
               <a:ext uri="{FF2B5EF4-FFF2-40B4-BE49-F238E27FC236}">
-                <a16:creationId xmlns="" xmlns:a16="http://schemas.microsoft.com/office/drawing/2014/main" id="{A445CEF7-4DD8-4FF8-B97A-20BCFE989144}"/>
+                <a16:creationId xmlns:a16="http://schemas.microsoft.com/office/drawing/2014/main" xmlns="" id="{A445CEF7-4DD8-4FF8-B97A-20BCFE989144}"/>
               </a:ext>
             </a:extLst>
           </p:cNvPr>
@@ -19145,7 +20044,7 @@
           <p:cNvPr id="51" name="TextBox 50">
             <a:extLst>
               <a:ext uri="{FF2B5EF4-FFF2-40B4-BE49-F238E27FC236}">
-                <a16:creationId xmlns="" xmlns:a16="http://schemas.microsoft.com/office/drawing/2014/main" id="{BE204CD6-2B7D-4C99-83B0-2A1A8CF77015}"/>
+                <a16:creationId xmlns:a16="http://schemas.microsoft.com/office/drawing/2014/main" xmlns="" id="{BE204CD6-2B7D-4C99-83B0-2A1A8CF77015}"/>
               </a:ext>
             </a:extLst>
           </p:cNvPr>
@@ -19183,7 +20082,7 @@
           <p:cNvPr id="52" name="TextBox 51">
             <a:extLst>
               <a:ext uri="{FF2B5EF4-FFF2-40B4-BE49-F238E27FC236}">
-                <a16:creationId xmlns="" xmlns:a16="http://schemas.microsoft.com/office/drawing/2014/main" id="{10AD9D71-6BA9-4EA5-8EB3-AA790AD88DD3}"/>
+                <a16:creationId xmlns:a16="http://schemas.microsoft.com/office/drawing/2014/main" xmlns="" id="{10AD9D71-6BA9-4EA5-8EB3-AA790AD88DD3}"/>
               </a:ext>
             </a:extLst>
           </p:cNvPr>
@@ -19221,7 +20120,7 @@
           <p:cNvPr id="53" name="TextBox 52">
             <a:extLst>
               <a:ext uri="{FF2B5EF4-FFF2-40B4-BE49-F238E27FC236}">
-                <a16:creationId xmlns="" xmlns:a16="http://schemas.microsoft.com/office/drawing/2014/main" id="{FD7E6127-D001-49D5-A147-4CD89EF1314E}"/>
+                <a16:creationId xmlns:a16="http://schemas.microsoft.com/office/drawing/2014/main" xmlns="" id="{FD7E6127-D001-49D5-A147-4CD89EF1314E}"/>
               </a:ext>
             </a:extLst>
           </p:cNvPr>
@@ -19259,7 +20158,7 @@
           <p:cNvPr id="55" name="TextBox 54">
             <a:extLst>
               <a:ext uri="{FF2B5EF4-FFF2-40B4-BE49-F238E27FC236}">
-                <a16:creationId xmlns="" xmlns:a16="http://schemas.microsoft.com/office/drawing/2014/main" id="{1B7DB12B-678F-4074-B3EC-04F830F8B8C2}"/>
+                <a16:creationId xmlns:a16="http://schemas.microsoft.com/office/drawing/2014/main" xmlns="" id="{1B7DB12B-678F-4074-B3EC-04F830F8B8C2}"/>
               </a:ext>
             </a:extLst>
           </p:cNvPr>
@@ -19297,7 +20196,7 @@
           <p:cNvPr id="88" name="TextBox 87">
             <a:extLst>
               <a:ext uri="{FF2B5EF4-FFF2-40B4-BE49-F238E27FC236}">
-                <a16:creationId xmlns="" xmlns:a16="http://schemas.microsoft.com/office/drawing/2014/main" id="{00F1712F-93DE-4B98-8F89-EF10D2526DD9}"/>
+                <a16:creationId xmlns:a16="http://schemas.microsoft.com/office/drawing/2014/main" xmlns="" id="{00F1712F-93DE-4B98-8F89-EF10D2526DD9}"/>
               </a:ext>
             </a:extLst>
           </p:cNvPr>
@@ -19335,7 +20234,7 @@
           <p:cNvPr id="89" name="TextBox 88">
             <a:extLst>
               <a:ext uri="{FF2B5EF4-FFF2-40B4-BE49-F238E27FC236}">
-                <a16:creationId xmlns="" xmlns:a16="http://schemas.microsoft.com/office/drawing/2014/main" id="{48873E0B-870A-485E-96A1-42943FEC48A0}"/>
+                <a16:creationId xmlns:a16="http://schemas.microsoft.com/office/drawing/2014/main" xmlns="" id="{48873E0B-870A-485E-96A1-42943FEC48A0}"/>
               </a:ext>
             </a:extLst>
           </p:cNvPr>
@@ -19373,7 +20272,7 @@
           <p:cNvPr id="90" name="TextBox 89">
             <a:extLst>
               <a:ext uri="{FF2B5EF4-FFF2-40B4-BE49-F238E27FC236}">
-                <a16:creationId xmlns="" xmlns:a16="http://schemas.microsoft.com/office/drawing/2014/main" id="{621BEFBC-70EA-4CE9-B5D4-8A9EB58C0ADC}"/>
+                <a16:creationId xmlns:a16="http://schemas.microsoft.com/office/drawing/2014/main" xmlns="" id="{621BEFBC-70EA-4CE9-B5D4-8A9EB58C0ADC}"/>
               </a:ext>
             </a:extLst>
           </p:cNvPr>
@@ -19411,7 +20310,7 @@
           <p:cNvPr id="91" name="TextBox 90">
             <a:extLst>
               <a:ext uri="{FF2B5EF4-FFF2-40B4-BE49-F238E27FC236}">
-                <a16:creationId xmlns="" xmlns:a16="http://schemas.microsoft.com/office/drawing/2014/main" id="{324FE00C-29E2-47F9-B430-780C006DE449}"/>
+                <a16:creationId xmlns:a16="http://schemas.microsoft.com/office/drawing/2014/main" xmlns="" id="{324FE00C-29E2-47F9-B430-780C006DE449}"/>
               </a:ext>
             </a:extLst>
           </p:cNvPr>
@@ -19449,7 +20348,7 @@
           <p:cNvPr id="92" name="TextBox 91">
             <a:extLst>
               <a:ext uri="{FF2B5EF4-FFF2-40B4-BE49-F238E27FC236}">
-                <a16:creationId xmlns="" xmlns:a16="http://schemas.microsoft.com/office/drawing/2014/main" id="{37B89BE7-4A4B-4047-BD00-1BCD38BAA3E5}"/>
+                <a16:creationId xmlns:a16="http://schemas.microsoft.com/office/drawing/2014/main" xmlns="" id="{37B89BE7-4A4B-4047-BD00-1BCD38BAA3E5}"/>
               </a:ext>
             </a:extLst>
           </p:cNvPr>
@@ -19487,7 +20386,7 @@
           <p:cNvPr id="94" name="TextBox 93">
             <a:extLst>
               <a:ext uri="{FF2B5EF4-FFF2-40B4-BE49-F238E27FC236}">
-                <a16:creationId xmlns="" xmlns:a16="http://schemas.microsoft.com/office/drawing/2014/main" id="{2CC3AF41-3457-4574-AAD5-2B6060015252}"/>
+                <a16:creationId xmlns:a16="http://schemas.microsoft.com/office/drawing/2014/main" xmlns="" id="{2CC3AF41-3457-4574-AAD5-2B6060015252}"/>
               </a:ext>
             </a:extLst>
           </p:cNvPr>
@@ -19525,7 +20424,7 @@
           <p:cNvPr id="95" name="TextBox 94">
             <a:extLst>
               <a:ext uri="{FF2B5EF4-FFF2-40B4-BE49-F238E27FC236}">
-                <a16:creationId xmlns="" xmlns:a16="http://schemas.microsoft.com/office/drawing/2014/main" id="{8CE45887-6A98-4817-A7D8-BFAE901A8DC1}"/>
+                <a16:creationId xmlns:a16="http://schemas.microsoft.com/office/drawing/2014/main" xmlns="" id="{8CE45887-6A98-4817-A7D8-BFAE901A8DC1}"/>
               </a:ext>
             </a:extLst>
           </p:cNvPr>
@@ -19563,7 +20462,7 @@
           <p:cNvPr id="96" name="TextBox 95">
             <a:extLst>
               <a:ext uri="{FF2B5EF4-FFF2-40B4-BE49-F238E27FC236}">
-                <a16:creationId xmlns="" xmlns:a16="http://schemas.microsoft.com/office/drawing/2014/main" id="{D2F018F6-0017-4ED1-8030-12C91AA72D40}"/>
+                <a16:creationId xmlns:a16="http://schemas.microsoft.com/office/drawing/2014/main" xmlns="" id="{D2F018F6-0017-4ED1-8030-12C91AA72D40}"/>
               </a:ext>
             </a:extLst>
           </p:cNvPr>
@@ -19601,7 +20500,7 @@
           <p:cNvPr id="97" name="TextBox 96">
             <a:extLst>
               <a:ext uri="{FF2B5EF4-FFF2-40B4-BE49-F238E27FC236}">
-                <a16:creationId xmlns="" xmlns:a16="http://schemas.microsoft.com/office/drawing/2014/main" id="{6BA6E83D-2249-4DC6-A1B4-7C22457768FF}"/>
+                <a16:creationId xmlns:a16="http://schemas.microsoft.com/office/drawing/2014/main" xmlns="" id="{6BA6E83D-2249-4DC6-A1B4-7C22457768FF}"/>
               </a:ext>
             </a:extLst>
           </p:cNvPr>
@@ -19642,7 +20541,7 @@
           <p:cNvPr id="98" name="TextBox 97">
             <a:extLst>
               <a:ext uri="{FF2B5EF4-FFF2-40B4-BE49-F238E27FC236}">
-                <a16:creationId xmlns="" xmlns:a16="http://schemas.microsoft.com/office/drawing/2014/main" id="{A9C6BCCD-2628-4D76-A995-044B5AA812DE}"/>
+                <a16:creationId xmlns:a16="http://schemas.microsoft.com/office/drawing/2014/main" xmlns="" id="{A9C6BCCD-2628-4D76-A995-044B5AA812DE}"/>
               </a:ext>
             </a:extLst>
           </p:cNvPr>
@@ -19680,7 +20579,7 @@
           <p:cNvPr id="99" name="TextBox 98">
             <a:extLst>
               <a:ext uri="{FF2B5EF4-FFF2-40B4-BE49-F238E27FC236}">
-                <a16:creationId xmlns="" xmlns:a16="http://schemas.microsoft.com/office/drawing/2014/main" id="{B002F21C-B982-4402-807D-B9C235CB5647}"/>
+                <a16:creationId xmlns:a16="http://schemas.microsoft.com/office/drawing/2014/main" xmlns="" id="{B002F21C-B982-4402-807D-B9C235CB5647}"/>
               </a:ext>
             </a:extLst>
           </p:cNvPr>
@@ -19718,7 +20617,7 @@
           <p:cNvPr id="100" name="TextBox 99">
             <a:extLst>
               <a:ext uri="{FF2B5EF4-FFF2-40B4-BE49-F238E27FC236}">
-                <a16:creationId xmlns="" xmlns:a16="http://schemas.microsoft.com/office/drawing/2014/main" id="{6E9DC2E7-A48D-4066-94FF-D555D3E7E111}"/>
+                <a16:creationId xmlns:a16="http://schemas.microsoft.com/office/drawing/2014/main" xmlns="" id="{6E9DC2E7-A48D-4066-94FF-D555D3E7E111}"/>
               </a:ext>
             </a:extLst>
           </p:cNvPr>
@@ -19756,7 +20655,7 @@
           <p:cNvPr id="101" name="TextBox 100">
             <a:extLst>
               <a:ext uri="{FF2B5EF4-FFF2-40B4-BE49-F238E27FC236}">
-                <a16:creationId xmlns="" xmlns:a16="http://schemas.microsoft.com/office/drawing/2014/main" id="{60C088A5-94CB-4927-982B-3302A7498C98}"/>
+                <a16:creationId xmlns:a16="http://schemas.microsoft.com/office/drawing/2014/main" xmlns="" id="{60C088A5-94CB-4927-982B-3302A7498C98}"/>
               </a:ext>
             </a:extLst>
           </p:cNvPr>
@@ -19794,7 +20693,7 @@
           <p:cNvPr id="102" name="TextBox 101">
             <a:extLst>
               <a:ext uri="{FF2B5EF4-FFF2-40B4-BE49-F238E27FC236}">
-                <a16:creationId xmlns="" xmlns:a16="http://schemas.microsoft.com/office/drawing/2014/main" id="{5815668A-4B13-45DD-AB13-4F9D783A4E28}"/>
+                <a16:creationId xmlns:a16="http://schemas.microsoft.com/office/drawing/2014/main" xmlns="" id="{5815668A-4B13-45DD-AB13-4F9D783A4E28}"/>
               </a:ext>
             </a:extLst>
           </p:cNvPr>
@@ -19832,7 +20731,7 @@
           <p:cNvPr id="103" name="TextBox 102">
             <a:extLst>
               <a:ext uri="{FF2B5EF4-FFF2-40B4-BE49-F238E27FC236}">
-                <a16:creationId xmlns="" xmlns:a16="http://schemas.microsoft.com/office/drawing/2014/main" id="{BB9F4289-ABD0-455B-89BA-9B4FFE130233}"/>
+                <a16:creationId xmlns:a16="http://schemas.microsoft.com/office/drawing/2014/main" xmlns="" id="{BB9F4289-ABD0-455B-89BA-9B4FFE130233}"/>
               </a:ext>
             </a:extLst>
           </p:cNvPr>
@@ -19870,7 +20769,7 @@
           <p:cNvPr id="104" name="TextBox 103">
             <a:extLst>
               <a:ext uri="{FF2B5EF4-FFF2-40B4-BE49-F238E27FC236}">
-                <a16:creationId xmlns="" xmlns:a16="http://schemas.microsoft.com/office/drawing/2014/main" id="{63C75685-2BE3-41AF-B676-658EC2DCA468}"/>
+                <a16:creationId xmlns:a16="http://schemas.microsoft.com/office/drawing/2014/main" xmlns="" id="{63C75685-2BE3-41AF-B676-658EC2DCA468}"/>
               </a:ext>
             </a:extLst>
           </p:cNvPr>
@@ -19908,7 +20807,7 @@
           <p:cNvPr id="41" name="직선 연결선 40">
             <a:extLst>
               <a:ext uri="{FF2B5EF4-FFF2-40B4-BE49-F238E27FC236}">
-                <a16:creationId xmlns="" xmlns:a16="http://schemas.microsoft.com/office/drawing/2014/main" id="{1F4E8311-123B-4F32-939B-2A947174DC40}"/>
+                <a16:creationId xmlns:a16="http://schemas.microsoft.com/office/drawing/2014/main" xmlns="" id="{1F4E8311-123B-4F32-939B-2A947174DC40}"/>
               </a:ext>
             </a:extLst>
           </p:cNvPr>
@@ -19952,7 +20851,7 @@
           <p:cNvPr id="105" name="TextBox 104">
             <a:extLst>
               <a:ext uri="{FF2B5EF4-FFF2-40B4-BE49-F238E27FC236}">
-                <a16:creationId xmlns="" xmlns:a16="http://schemas.microsoft.com/office/drawing/2014/main" id="{140027E9-CEFC-47FB-B1C0-F3A211CA9D4D}"/>
+                <a16:creationId xmlns:a16="http://schemas.microsoft.com/office/drawing/2014/main" xmlns="" id="{140027E9-CEFC-47FB-B1C0-F3A211CA9D4D}"/>
               </a:ext>
             </a:extLst>
           </p:cNvPr>
@@ -19994,7 +20893,7 @@
           <p:cNvPr id="42" name="직선 연결선 41">
             <a:extLst>
               <a:ext uri="{FF2B5EF4-FFF2-40B4-BE49-F238E27FC236}">
-                <a16:creationId xmlns="" xmlns:a16="http://schemas.microsoft.com/office/drawing/2014/main" id="{55118AA6-BF0B-4B34-9C5E-2117DBBD1395}"/>
+                <a16:creationId xmlns:a16="http://schemas.microsoft.com/office/drawing/2014/main" xmlns="" id="{55118AA6-BF0B-4B34-9C5E-2117DBBD1395}"/>
               </a:ext>
             </a:extLst>
           </p:cNvPr>
@@ -20038,7 +20937,7 @@
           <p:cNvPr id="43" name="직선 연결선 42">
             <a:extLst>
               <a:ext uri="{FF2B5EF4-FFF2-40B4-BE49-F238E27FC236}">
-                <a16:creationId xmlns="" xmlns:a16="http://schemas.microsoft.com/office/drawing/2014/main" id="{AE7ECA80-9C63-44B4-8524-62B4B30F7463}"/>
+                <a16:creationId xmlns:a16="http://schemas.microsoft.com/office/drawing/2014/main" xmlns="" id="{AE7ECA80-9C63-44B4-8524-62B4B30F7463}"/>
               </a:ext>
             </a:extLst>
           </p:cNvPr>
@@ -20082,7 +20981,7 @@
           <p:cNvPr id="106" name="TextBox 105">
             <a:extLst>
               <a:ext uri="{FF2B5EF4-FFF2-40B4-BE49-F238E27FC236}">
-                <a16:creationId xmlns="" xmlns:a16="http://schemas.microsoft.com/office/drawing/2014/main" id="{3E9E0AE4-DD5D-43F2-A623-C0D646CE516F}"/>
+                <a16:creationId xmlns:a16="http://schemas.microsoft.com/office/drawing/2014/main" xmlns="" id="{3E9E0AE4-DD5D-43F2-A623-C0D646CE516F}"/>
               </a:ext>
             </a:extLst>
           </p:cNvPr>
@@ -20141,7 +21040,7 @@
           <p:cNvPr id="107" name="TextBox 106">
             <a:extLst>
               <a:ext uri="{FF2B5EF4-FFF2-40B4-BE49-F238E27FC236}">
-                <a16:creationId xmlns="" xmlns:a16="http://schemas.microsoft.com/office/drawing/2014/main" id="{EE398BA9-391F-40BB-BBB2-FD9FC5EF9F31}"/>
+                <a16:creationId xmlns:a16="http://schemas.microsoft.com/office/drawing/2014/main" xmlns="" id="{EE398BA9-391F-40BB-BBB2-FD9FC5EF9F31}"/>
               </a:ext>
             </a:extLst>
           </p:cNvPr>
@@ -20200,7 +21099,7 @@
           <p:cNvPr id="108" name="화살표: 왼쪽/오른쪽 107">
             <a:extLst>
               <a:ext uri="{FF2B5EF4-FFF2-40B4-BE49-F238E27FC236}">
-                <a16:creationId xmlns="" xmlns:a16="http://schemas.microsoft.com/office/drawing/2014/main" id="{62D491F2-D664-4A4F-A4B5-32ECFC5A6A0A}"/>
+                <a16:creationId xmlns:a16="http://schemas.microsoft.com/office/drawing/2014/main" xmlns="" id="{62D491F2-D664-4A4F-A4B5-32ECFC5A6A0A}"/>
               </a:ext>
             </a:extLst>
           </p:cNvPr>
@@ -20258,7 +21157,7 @@
           <p:cNvPr id="113" name="그림 112" descr="텍스트, 클립아트이(가) 표시된 사진&#10;&#10;자동 생성된 설명">
             <a:extLst>
               <a:ext uri="{FF2B5EF4-FFF2-40B4-BE49-F238E27FC236}">
-                <a16:creationId xmlns="" xmlns:a16="http://schemas.microsoft.com/office/drawing/2014/main" id="{E1758220-5C9F-485A-936A-7C4BC6ADDEA1}"/>
+                <a16:creationId xmlns:a16="http://schemas.microsoft.com/office/drawing/2014/main" xmlns="" id="{E1758220-5C9F-485A-936A-7C4BC6ADDEA1}"/>
               </a:ext>
             </a:extLst>
           </p:cNvPr>
@@ -20302,7 +21201,7 @@
           <p:cNvPr id="114" name="TextBox 113">
             <a:extLst>
               <a:ext uri="{FF2B5EF4-FFF2-40B4-BE49-F238E27FC236}">
-                <a16:creationId xmlns="" xmlns:a16="http://schemas.microsoft.com/office/drawing/2014/main" id="{293189C6-EBCC-4C60-9AD9-132E9B8E744E}"/>
+                <a16:creationId xmlns:a16="http://schemas.microsoft.com/office/drawing/2014/main" xmlns="" id="{293189C6-EBCC-4C60-9AD9-132E9B8E744E}"/>
               </a:ext>
             </a:extLst>
           </p:cNvPr>

--- a/pics/2021-01-05-confidence_interval/pics.pptx
+++ b/pics/2021-01-05-confidence_interval/pics.pptx
@@ -18,7 +18,8 @@
     <p:sldId id="257" r:id="rId12"/>
     <p:sldId id="261" r:id="rId13"/>
     <p:sldId id="269" r:id="rId14"/>
-    <p:sldId id="270" r:id="rId15"/>
+    <p:sldId id="271" r:id="rId15"/>
+    <p:sldId id="270" r:id="rId16"/>
   </p:sldIdLst>
   <p:sldSz cx="9144000" cy="5143500" type="screen16x9"/>
   <p:notesSz cx="6858000" cy="9144000"/>
@@ -119,7 +120,7 @@
   </p:defaultTextStyle>
   <p:extLst>
     <p:ext uri="{EFAFB233-063F-42B5-8137-9DF3F51BA10A}">
-      <p15:sldGuideLst xmlns:p15="http://schemas.microsoft.com/office/powerpoint/2012/main" xmlns="">
+      <p15:sldGuideLst xmlns="" xmlns:p15="http://schemas.microsoft.com/office/powerpoint/2012/main">
         <p15:guide id="1" orient="horz" pos="1620">
           <p15:clr>
             <a:srgbClr val="A4A3A4"/>
@@ -315,7 +316,7 @@
           <a:p>
             <a:fld id="{52082F2F-C111-4C40-8D6F-6E5A50198C2A}" type="datetimeFigureOut">
               <a:rPr lang="ko-KR" altLang="en-US" smtClean="0"/>
-              <a:t>2021-01-18</a:t>
+              <a:t>2021-01-20</a:t>
             </a:fld>
             <a:endParaRPr lang="ko-KR" altLang="en-US"/>
           </a:p>
@@ -483,7 +484,7 @@
           <a:p>
             <a:fld id="{52082F2F-C111-4C40-8D6F-6E5A50198C2A}" type="datetimeFigureOut">
               <a:rPr lang="ko-KR" altLang="en-US" smtClean="0"/>
-              <a:t>2021-01-18</a:t>
+              <a:t>2021-01-20</a:t>
             </a:fld>
             <a:endParaRPr lang="ko-KR" altLang="en-US"/>
           </a:p>
@@ -661,7 +662,7 @@
           <a:p>
             <a:fld id="{52082F2F-C111-4C40-8D6F-6E5A50198C2A}" type="datetimeFigureOut">
               <a:rPr lang="ko-KR" altLang="en-US" smtClean="0"/>
-              <a:t>2021-01-18</a:t>
+              <a:t>2021-01-20</a:t>
             </a:fld>
             <a:endParaRPr lang="ko-KR" altLang="en-US"/>
           </a:p>
@@ -829,7 +830,7 @@
           <a:p>
             <a:fld id="{52082F2F-C111-4C40-8D6F-6E5A50198C2A}" type="datetimeFigureOut">
               <a:rPr lang="ko-KR" altLang="en-US" smtClean="0"/>
-              <a:t>2021-01-18</a:t>
+              <a:t>2021-01-20</a:t>
             </a:fld>
             <a:endParaRPr lang="ko-KR" altLang="en-US"/>
           </a:p>
@@ -1074,7 +1075,7 @@
           <a:p>
             <a:fld id="{52082F2F-C111-4C40-8D6F-6E5A50198C2A}" type="datetimeFigureOut">
               <a:rPr lang="ko-KR" altLang="en-US" smtClean="0"/>
-              <a:t>2021-01-18</a:t>
+              <a:t>2021-01-20</a:t>
             </a:fld>
             <a:endParaRPr lang="ko-KR" altLang="en-US"/>
           </a:p>
@@ -1359,7 +1360,7 @@
           <a:p>
             <a:fld id="{52082F2F-C111-4C40-8D6F-6E5A50198C2A}" type="datetimeFigureOut">
               <a:rPr lang="ko-KR" altLang="en-US" smtClean="0"/>
-              <a:t>2021-01-18</a:t>
+              <a:t>2021-01-20</a:t>
             </a:fld>
             <a:endParaRPr lang="ko-KR" altLang="en-US"/>
           </a:p>
@@ -1783,7 +1784,7 @@
           <a:p>
             <a:fld id="{52082F2F-C111-4C40-8D6F-6E5A50198C2A}" type="datetimeFigureOut">
               <a:rPr lang="ko-KR" altLang="en-US" smtClean="0"/>
-              <a:t>2021-01-18</a:t>
+              <a:t>2021-01-20</a:t>
             </a:fld>
             <a:endParaRPr lang="ko-KR" altLang="en-US"/>
           </a:p>
@@ -1900,7 +1901,7 @@
           <a:p>
             <a:fld id="{52082F2F-C111-4C40-8D6F-6E5A50198C2A}" type="datetimeFigureOut">
               <a:rPr lang="ko-KR" altLang="en-US" smtClean="0"/>
-              <a:t>2021-01-18</a:t>
+              <a:t>2021-01-20</a:t>
             </a:fld>
             <a:endParaRPr lang="ko-KR" altLang="en-US"/>
           </a:p>
@@ -1995,7 +1996,7 @@
           <a:p>
             <a:fld id="{52082F2F-C111-4C40-8D6F-6E5A50198C2A}" type="datetimeFigureOut">
               <a:rPr lang="ko-KR" altLang="en-US" smtClean="0"/>
-              <a:t>2021-01-18</a:t>
+              <a:t>2021-01-20</a:t>
             </a:fld>
             <a:endParaRPr lang="ko-KR" altLang="en-US"/>
           </a:p>
@@ -2270,7 +2271,7 @@
           <a:p>
             <a:fld id="{52082F2F-C111-4C40-8D6F-6E5A50198C2A}" type="datetimeFigureOut">
               <a:rPr lang="ko-KR" altLang="en-US" smtClean="0"/>
-              <a:t>2021-01-18</a:t>
+              <a:t>2021-01-20</a:t>
             </a:fld>
             <a:endParaRPr lang="ko-KR" altLang="en-US"/>
           </a:p>
@@ -2522,7 +2523,7 @@
           <a:p>
             <a:fld id="{52082F2F-C111-4C40-8D6F-6E5A50198C2A}" type="datetimeFigureOut">
               <a:rPr lang="ko-KR" altLang="en-US" smtClean="0"/>
-              <a:t>2021-01-18</a:t>
+              <a:t>2021-01-20</a:t>
             </a:fld>
             <a:endParaRPr lang="ko-KR" altLang="en-US"/>
           </a:p>
@@ -2733,7 +2734,7 @@
           <a:p>
             <a:fld id="{52082F2F-C111-4C40-8D6F-6E5A50198C2A}" type="datetimeFigureOut">
               <a:rPr lang="ko-KR" altLang="en-US" smtClean="0"/>
-              <a:t>2021-01-18</a:t>
+              <a:t>2021-01-20</a:t>
             </a:fld>
             <a:endParaRPr lang="ko-KR" altLang="en-US"/>
           </a:p>
@@ -3113,7 +3114,7 @@
           <p:cNvPr id="7" name="그림 6" descr="텍스트이(가) 표시된 사진&#10;&#10;자동 생성된 설명">
             <a:extLst>
               <a:ext uri="{FF2B5EF4-FFF2-40B4-BE49-F238E27FC236}">
-                <a16:creationId xmlns:a16="http://schemas.microsoft.com/office/drawing/2014/main" xmlns="" id="{97E8C222-6FDB-4CD9-B36F-1A683D33AD67}"/>
+                <a16:creationId xmlns="" xmlns:a16="http://schemas.microsoft.com/office/drawing/2014/main" id="{97E8C222-6FDB-4CD9-B36F-1A683D33AD67}"/>
               </a:ext>
             </a:extLst>
           </p:cNvPr>
@@ -3148,7 +3149,7 @@
           <p:cNvPr id="8" name="그림 7" descr="텍스트이(가) 표시된 사진&#10;&#10;자동 생성된 설명">
             <a:extLst>
               <a:ext uri="{FF2B5EF4-FFF2-40B4-BE49-F238E27FC236}">
-                <a16:creationId xmlns:a16="http://schemas.microsoft.com/office/drawing/2014/main" xmlns="" id="{B8463EB3-D717-43C2-9C51-69CBF86CF0E3}"/>
+                <a16:creationId xmlns="" xmlns:a16="http://schemas.microsoft.com/office/drawing/2014/main" id="{B8463EB3-D717-43C2-9C51-69CBF86CF0E3}"/>
               </a:ext>
             </a:extLst>
           </p:cNvPr>
@@ -3183,7 +3184,7 @@
           <p:cNvPr id="9" name="직사각형 8">
             <a:extLst>
               <a:ext uri="{FF2B5EF4-FFF2-40B4-BE49-F238E27FC236}">
-                <a16:creationId xmlns:a16="http://schemas.microsoft.com/office/drawing/2014/main" xmlns="" id="{CCA5593B-5777-488F-A0B3-329D4AAD7AE6}"/>
+                <a16:creationId xmlns="" xmlns:a16="http://schemas.microsoft.com/office/drawing/2014/main" id="{CCA5593B-5777-488F-A0B3-329D4AAD7AE6}"/>
               </a:ext>
             </a:extLst>
           </p:cNvPr>
@@ -3995,7 +3996,7 @@
           <p:cNvPr id="123" name="Picture 2">
             <a:extLst>
               <a:ext uri="{FF2B5EF4-FFF2-40B4-BE49-F238E27FC236}">
-                <a16:creationId xmlns:a16="http://schemas.microsoft.com/office/drawing/2014/main" xmlns="" id="{D39BA6FB-C96D-4C46-A73C-38C9B34415E4}"/>
+                <a16:creationId xmlns="" xmlns:a16="http://schemas.microsoft.com/office/drawing/2014/main" id="{D39BA6FB-C96D-4C46-A73C-38C9B34415E4}"/>
               </a:ext>
             </a:extLst>
           </p:cNvPr>
@@ -4063,7 +4064,7 @@
           <p:cNvPr id="137" name="Picture 5" descr="https://static.wikia.nocookie.net/camp_for_bragging_rights/images/0/0e/Stickman.png/revision/latest/scale-to-width-down/768?cb=20200421202819">
             <a:extLst>
               <a:ext uri="{FF2B5EF4-FFF2-40B4-BE49-F238E27FC236}">
-                <a16:creationId xmlns:a16="http://schemas.microsoft.com/office/drawing/2014/main" xmlns="" id="{166B4B5D-3691-4AF7-8162-216E61BDA6F8}"/>
+                <a16:creationId xmlns="" xmlns:a16="http://schemas.microsoft.com/office/drawing/2014/main" id="{166B4B5D-3691-4AF7-8162-216E61BDA6F8}"/>
               </a:ext>
             </a:extLst>
           </p:cNvPr>
@@ -4108,7 +4109,7 @@
           <p:cNvPr id="138" name="Picture 5" descr="https://static.wikia.nocookie.net/camp_for_bragging_rights/images/0/0e/Stickman.png/revision/latest/scale-to-width-down/768?cb=20200421202819">
             <a:extLst>
               <a:ext uri="{FF2B5EF4-FFF2-40B4-BE49-F238E27FC236}">
-                <a16:creationId xmlns:a16="http://schemas.microsoft.com/office/drawing/2014/main" xmlns="" id="{6FF4F6CB-23EB-4AF0-A311-99786ECB2520}"/>
+                <a16:creationId xmlns="" xmlns:a16="http://schemas.microsoft.com/office/drawing/2014/main" id="{6FF4F6CB-23EB-4AF0-A311-99786ECB2520}"/>
               </a:ext>
             </a:extLst>
           </p:cNvPr>
@@ -4153,7 +4154,7 @@
           <p:cNvPr id="140" name="Picture 5" descr="https://static.wikia.nocookie.net/camp_for_bragging_rights/images/0/0e/Stickman.png/revision/latest/scale-to-width-down/768?cb=20200421202819">
             <a:extLst>
               <a:ext uri="{FF2B5EF4-FFF2-40B4-BE49-F238E27FC236}">
-                <a16:creationId xmlns:a16="http://schemas.microsoft.com/office/drawing/2014/main" xmlns="" id="{A7E8D6FF-3231-40DC-A081-6D5C71E87E3D}"/>
+                <a16:creationId xmlns="" xmlns:a16="http://schemas.microsoft.com/office/drawing/2014/main" id="{A7E8D6FF-3231-40DC-A081-6D5C71E87E3D}"/>
               </a:ext>
             </a:extLst>
           </p:cNvPr>
@@ -4198,7 +4199,7 @@
           <p:cNvPr id="148" name="Picture 6" descr="C:\Users\biosensor1\Documents\카카오톡 받은 파일\KakaoTalk_20210112_172206730.png">
             <a:extLst>
               <a:ext uri="{FF2B5EF4-FFF2-40B4-BE49-F238E27FC236}">
-                <a16:creationId xmlns:a16="http://schemas.microsoft.com/office/drawing/2014/main" xmlns="" id="{3D141645-779A-45FA-BFAF-899404DC1F36}"/>
+                <a16:creationId xmlns="" xmlns:a16="http://schemas.microsoft.com/office/drawing/2014/main" id="{3D141645-779A-45FA-BFAF-899404DC1F36}"/>
               </a:ext>
             </a:extLst>
           </p:cNvPr>
@@ -4243,7 +4244,7 @@
           <p:cNvPr id="155" name="TextBox 154">
             <a:extLst>
               <a:ext uri="{FF2B5EF4-FFF2-40B4-BE49-F238E27FC236}">
-                <a16:creationId xmlns:a16="http://schemas.microsoft.com/office/drawing/2014/main" xmlns="" id="{B82E9A67-D1FD-42F2-9B91-C7989E46382D}"/>
+                <a16:creationId xmlns="" xmlns:a16="http://schemas.microsoft.com/office/drawing/2014/main" id="{B82E9A67-D1FD-42F2-9B91-C7989E46382D}"/>
               </a:ext>
             </a:extLst>
           </p:cNvPr>
@@ -4293,7 +4294,7 @@
           <p:cNvPr id="199" name="Picture 2">
             <a:extLst>
               <a:ext uri="{FF2B5EF4-FFF2-40B4-BE49-F238E27FC236}">
-                <a16:creationId xmlns:a16="http://schemas.microsoft.com/office/drawing/2014/main" xmlns="" id="{D28AE9EA-24E9-4807-B64A-57CC46C36697}"/>
+                <a16:creationId xmlns="" xmlns:a16="http://schemas.microsoft.com/office/drawing/2014/main" id="{D28AE9EA-24E9-4807-B64A-57CC46C36697}"/>
               </a:ext>
             </a:extLst>
           </p:cNvPr>
@@ -4361,7 +4362,7 @@
           <p:cNvPr id="200" name="Picture 5" descr="https://static.wikia.nocookie.net/camp_for_bragging_rights/images/0/0e/Stickman.png/revision/latest/scale-to-width-down/768?cb=20200421202819">
             <a:extLst>
               <a:ext uri="{FF2B5EF4-FFF2-40B4-BE49-F238E27FC236}">
-                <a16:creationId xmlns:a16="http://schemas.microsoft.com/office/drawing/2014/main" xmlns="" id="{1A12F9BB-DF14-42DC-A3FA-16FD1D9BFD3F}"/>
+                <a16:creationId xmlns="" xmlns:a16="http://schemas.microsoft.com/office/drawing/2014/main" id="{1A12F9BB-DF14-42DC-A3FA-16FD1D9BFD3F}"/>
               </a:ext>
             </a:extLst>
           </p:cNvPr>
@@ -4406,7 +4407,7 @@
           <p:cNvPr id="201" name="Picture 5" descr="https://static.wikia.nocookie.net/camp_for_bragging_rights/images/0/0e/Stickman.png/revision/latest/scale-to-width-down/768?cb=20200421202819">
             <a:extLst>
               <a:ext uri="{FF2B5EF4-FFF2-40B4-BE49-F238E27FC236}">
-                <a16:creationId xmlns:a16="http://schemas.microsoft.com/office/drawing/2014/main" xmlns="" id="{1080F3EB-E75D-4459-AB25-309A967A3DE7}"/>
+                <a16:creationId xmlns="" xmlns:a16="http://schemas.microsoft.com/office/drawing/2014/main" id="{1080F3EB-E75D-4459-AB25-309A967A3DE7}"/>
               </a:ext>
             </a:extLst>
           </p:cNvPr>
@@ -4451,7 +4452,7 @@
           <p:cNvPr id="202" name="Picture 5" descr="https://static.wikia.nocookie.net/camp_for_bragging_rights/images/0/0e/Stickman.png/revision/latest/scale-to-width-down/768?cb=20200421202819">
             <a:extLst>
               <a:ext uri="{FF2B5EF4-FFF2-40B4-BE49-F238E27FC236}">
-                <a16:creationId xmlns:a16="http://schemas.microsoft.com/office/drawing/2014/main" xmlns="" id="{D437E1BE-B453-46F3-A521-7D95E6E55C76}"/>
+                <a16:creationId xmlns="" xmlns:a16="http://schemas.microsoft.com/office/drawing/2014/main" id="{D437E1BE-B453-46F3-A521-7D95E6E55C76}"/>
               </a:ext>
             </a:extLst>
           </p:cNvPr>
@@ -4496,7 +4497,7 @@
           <p:cNvPr id="203" name="Picture 5" descr="https://static.wikia.nocookie.net/camp_for_bragging_rights/images/0/0e/Stickman.png/revision/latest/scale-to-width-down/768?cb=20200421202819">
             <a:extLst>
               <a:ext uri="{FF2B5EF4-FFF2-40B4-BE49-F238E27FC236}">
-                <a16:creationId xmlns:a16="http://schemas.microsoft.com/office/drawing/2014/main" xmlns="" id="{4F60AEBC-F6F4-477B-8ED8-F63C0C27FCF5}"/>
+                <a16:creationId xmlns="" xmlns:a16="http://schemas.microsoft.com/office/drawing/2014/main" id="{4F60AEBC-F6F4-477B-8ED8-F63C0C27FCF5}"/>
               </a:ext>
             </a:extLst>
           </p:cNvPr>
@@ -4541,7 +4542,7 @@
           <p:cNvPr id="204" name="Picture 5" descr="https://static.wikia.nocookie.net/camp_for_bragging_rights/images/0/0e/Stickman.png/revision/latest/scale-to-width-down/768?cb=20200421202819">
             <a:extLst>
               <a:ext uri="{FF2B5EF4-FFF2-40B4-BE49-F238E27FC236}">
-                <a16:creationId xmlns:a16="http://schemas.microsoft.com/office/drawing/2014/main" xmlns="" id="{9419EE42-F2D1-49F1-82D5-45859855D7C0}"/>
+                <a16:creationId xmlns="" xmlns:a16="http://schemas.microsoft.com/office/drawing/2014/main" id="{9419EE42-F2D1-49F1-82D5-45859855D7C0}"/>
               </a:ext>
             </a:extLst>
           </p:cNvPr>
@@ -4586,7 +4587,7 @@
           <p:cNvPr id="205" name="Picture 5" descr="https://static.wikia.nocookie.net/camp_for_bragging_rights/images/0/0e/Stickman.png/revision/latest/scale-to-width-down/768?cb=20200421202819">
             <a:extLst>
               <a:ext uri="{FF2B5EF4-FFF2-40B4-BE49-F238E27FC236}">
-                <a16:creationId xmlns:a16="http://schemas.microsoft.com/office/drawing/2014/main" xmlns="" id="{5450B433-5567-4651-9BFB-8B3A32E29A2A}"/>
+                <a16:creationId xmlns="" xmlns:a16="http://schemas.microsoft.com/office/drawing/2014/main" id="{5450B433-5567-4651-9BFB-8B3A32E29A2A}"/>
               </a:ext>
             </a:extLst>
           </p:cNvPr>
@@ -4631,7 +4632,7 @@
           <p:cNvPr id="206" name="Picture 5" descr="https://static.wikia.nocookie.net/camp_for_bragging_rights/images/0/0e/Stickman.png/revision/latest/scale-to-width-down/768?cb=20200421202819">
             <a:extLst>
               <a:ext uri="{FF2B5EF4-FFF2-40B4-BE49-F238E27FC236}">
-                <a16:creationId xmlns:a16="http://schemas.microsoft.com/office/drawing/2014/main" xmlns="" id="{258EEADD-4985-4DF0-89A8-7550DCA90E9C}"/>
+                <a16:creationId xmlns="" xmlns:a16="http://schemas.microsoft.com/office/drawing/2014/main" id="{258EEADD-4985-4DF0-89A8-7550DCA90E9C}"/>
               </a:ext>
             </a:extLst>
           </p:cNvPr>
@@ -4676,7 +4677,7 @@
           <p:cNvPr id="207" name="Picture 5" descr="https://static.wikia.nocookie.net/camp_for_bragging_rights/images/0/0e/Stickman.png/revision/latest/scale-to-width-down/768?cb=20200421202819">
             <a:extLst>
               <a:ext uri="{FF2B5EF4-FFF2-40B4-BE49-F238E27FC236}">
-                <a16:creationId xmlns:a16="http://schemas.microsoft.com/office/drawing/2014/main" xmlns="" id="{9B91F6D8-AC19-49D7-9133-62D1D91EF2F7}"/>
+                <a16:creationId xmlns="" xmlns:a16="http://schemas.microsoft.com/office/drawing/2014/main" id="{9B91F6D8-AC19-49D7-9133-62D1D91EF2F7}"/>
               </a:ext>
             </a:extLst>
           </p:cNvPr>
@@ -4721,7 +4722,7 @@
           <p:cNvPr id="208" name="Picture 5" descr="https://static.wikia.nocookie.net/camp_for_bragging_rights/images/0/0e/Stickman.png/revision/latest/scale-to-width-down/768?cb=20200421202819">
             <a:extLst>
               <a:ext uri="{FF2B5EF4-FFF2-40B4-BE49-F238E27FC236}">
-                <a16:creationId xmlns:a16="http://schemas.microsoft.com/office/drawing/2014/main" xmlns="" id="{1B791DEC-BCAB-46E7-98EE-CF1F9C7F9A4A}"/>
+                <a16:creationId xmlns="" xmlns:a16="http://schemas.microsoft.com/office/drawing/2014/main" id="{1B791DEC-BCAB-46E7-98EE-CF1F9C7F9A4A}"/>
               </a:ext>
             </a:extLst>
           </p:cNvPr>
@@ -4766,7 +4767,7 @@
           <p:cNvPr id="209" name="Picture 5" descr="https://static.wikia.nocookie.net/camp_for_bragging_rights/images/0/0e/Stickman.png/revision/latest/scale-to-width-down/768?cb=20200421202819">
             <a:extLst>
               <a:ext uri="{FF2B5EF4-FFF2-40B4-BE49-F238E27FC236}">
-                <a16:creationId xmlns:a16="http://schemas.microsoft.com/office/drawing/2014/main" xmlns="" id="{BC86DD45-859E-4A94-A330-11B487DEF50D}"/>
+                <a16:creationId xmlns="" xmlns:a16="http://schemas.microsoft.com/office/drawing/2014/main" id="{BC86DD45-859E-4A94-A330-11B487DEF50D}"/>
               </a:ext>
             </a:extLst>
           </p:cNvPr>
@@ -4811,7 +4812,7 @@
           <p:cNvPr id="210" name="Picture 5" descr="https://static.wikia.nocookie.net/camp_for_bragging_rights/images/0/0e/Stickman.png/revision/latest/scale-to-width-down/768?cb=20200421202819">
             <a:extLst>
               <a:ext uri="{FF2B5EF4-FFF2-40B4-BE49-F238E27FC236}">
-                <a16:creationId xmlns:a16="http://schemas.microsoft.com/office/drawing/2014/main" xmlns="" id="{696735D1-EEF9-4D11-B3CA-E7A50FCBDD29}"/>
+                <a16:creationId xmlns="" xmlns:a16="http://schemas.microsoft.com/office/drawing/2014/main" id="{696735D1-EEF9-4D11-B3CA-E7A50FCBDD29}"/>
               </a:ext>
             </a:extLst>
           </p:cNvPr>
@@ -4856,7 +4857,7 @@
           <p:cNvPr id="211" name="Picture 6" descr="C:\Users\biosensor1\Documents\카카오톡 받은 파일\KakaoTalk_20210112_172206730.png">
             <a:extLst>
               <a:ext uri="{FF2B5EF4-FFF2-40B4-BE49-F238E27FC236}">
-                <a16:creationId xmlns:a16="http://schemas.microsoft.com/office/drawing/2014/main" xmlns="" id="{E66529A4-CE8E-4726-89C7-D0E9C2E7EA9E}"/>
+                <a16:creationId xmlns="" xmlns:a16="http://schemas.microsoft.com/office/drawing/2014/main" id="{E66529A4-CE8E-4726-89C7-D0E9C2E7EA9E}"/>
               </a:ext>
             </a:extLst>
           </p:cNvPr>
@@ -4901,7 +4902,7 @@
           <p:cNvPr id="212" name="Picture 6" descr="C:\Users\biosensor1\Documents\카카오톡 받은 파일\KakaoTalk_20210112_172206730.png">
             <a:extLst>
               <a:ext uri="{FF2B5EF4-FFF2-40B4-BE49-F238E27FC236}">
-                <a16:creationId xmlns:a16="http://schemas.microsoft.com/office/drawing/2014/main" xmlns="" id="{F684D7EA-4819-46EB-B1DF-55D091859480}"/>
+                <a16:creationId xmlns="" xmlns:a16="http://schemas.microsoft.com/office/drawing/2014/main" id="{F684D7EA-4819-46EB-B1DF-55D091859480}"/>
               </a:ext>
             </a:extLst>
           </p:cNvPr>
@@ -4946,7 +4947,7 @@
           <p:cNvPr id="213" name="Picture 6" descr="C:\Users\biosensor1\Documents\카카오톡 받은 파일\KakaoTalk_20210112_172206730.png">
             <a:extLst>
               <a:ext uri="{FF2B5EF4-FFF2-40B4-BE49-F238E27FC236}">
-                <a16:creationId xmlns:a16="http://schemas.microsoft.com/office/drawing/2014/main" xmlns="" id="{3A51768F-AA29-4FC8-A4EB-082B839E1955}"/>
+                <a16:creationId xmlns="" xmlns:a16="http://schemas.microsoft.com/office/drawing/2014/main" id="{3A51768F-AA29-4FC8-A4EB-082B839E1955}"/>
               </a:ext>
             </a:extLst>
           </p:cNvPr>
@@ -4991,7 +4992,7 @@
           <p:cNvPr id="214" name="Picture 6" descr="C:\Users\biosensor1\Documents\카카오톡 받은 파일\KakaoTalk_20210112_172206730.png">
             <a:extLst>
               <a:ext uri="{FF2B5EF4-FFF2-40B4-BE49-F238E27FC236}">
-                <a16:creationId xmlns:a16="http://schemas.microsoft.com/office/drawing/2014/main" xmlns="" id="{AAF3571A-A91A-4560-9FAF-C6C363BE6CB4}"/>
+                <a16:creationId xmlns="" xmlns:a16="http://schemas.microsoft.com/office/drawing/2014/main" id="{AAF3571A-A91A-4560-9FAF-C6C363BE6CB4}"/>
               </a:ext>
             </a:extLst>
           </p:cNvPr>
@@ -5036,7 +5037,7 @@
           <p:cNvPr id="215" name="Picture 6" descr="C:\Users\biosensor1\Documents\카카오톡 받은 파일\KakaoTalk_20210112_172206730.png">
             <a:extLst>
               <a:ext uri="{FF2B5EF4-FFF2-40B4-BE49-F238E27FC236}">
-                <a16:creationId xmlns:a16="http://schemas.microsoft.com/office/drawing/2014/main" xmlns="" id="{F7B746FA-CC20-46BF-9B69-932B7236AFF3}"/>
+                <a16:creationId xmlns="" xmlns:a16="http://schemas.microsoft.com/office/drawing/2014/main" id="{F7B746FA-CC20-46BF-9B69-932B7236AFF3}"/>
               </a:ext>
             </a:extLst>
           </p:cNvPr>
@@ -5081,7 +5082,7 @@
           <p:cNvPr id="216" name="Picture 6" descr="C:\Users\biosensor1\Documents\카카오톡 받은 파일\KakaoTalk_20210112_172206730.png">
             <a:extLst>
               <a:ext uri="{FF2B5EF4-FFF2-40B4-BE49-F238E27FC236}">
-                <a16:creationId xmlns:a16="http://schemas.microsoft.com/office/drawing/2014/main" xmlns="" id="{E6164BCA-911E-4A8F-B3E2-6001C5F0AD36}"/>
+                <a16:creationId xmlns="" xmlns:a16="http://schemas.microsoft.com/office/drawing/2014/main" id="{E6164BCA-911E-4A8F-B3E2-6001C5F0AD36}"/>
               </a:ext>
             </a:extLst>
           </p:cNvPr>
@@ -5126,7 +5127,7 @@
           <p:cNvPr id="217" name="Picture 5" descr="https://static.wikia.nocookie.net/camp_for_bragging_rights/images/0/0e/Stickman.png/revision/latest/scale-to-width-down/768?cb=20200421202819">
             <a:extLst>
               <a:ext uri="{FF2B5EF4-FFF2-40B4-BE49-F238E27FC236}">
-                <a16:creationId xmlns:a16="http://schemas.microsoft.com/office/drawing/2014/main" xmlns="" id="{AA920A7B-342B-42A5-959E-B517ACCE8743}"/>
+                <a16:creationId xmlns="" xmlns:a16="http://schemas.microsoft.com/office/drawing/2014/main" id="{AA920A7B-342B-42A5-959E-B517ACCE8743}"/>
               </a:ext>
             </a:extLst>
           </p:cNvPr>
@@ -5171,7 +5172,7 @@
           <p:cNvPr id="218" name="Picture 5" descr="https://static.wikia.nocookie.net/camp_for_bragging_rights/images/0/0e/Stickman.png/revision/latest/scale-to-width-down/768?cb=20200421202819">
             <a:extLst>
               <a:ext uri="{FF2B5EF4-FFF2-40B4-BE49-F238E27FC236}">
-                <a16:creationId xmlns:a16="http://schemas.microsoft.com/office/drawing/2014/main" xmlns="" id="{693E3459-C204-4981-9090-1A858AF7BB6D}"/>
+                <a16:creationId xmlns="" xmlns:a16="http://schemas.microsoft.com/office/drawing/2014/main" id="{693E3459-C204-4981-9090-1A858AF7BB6D}"/>
               </a:ext>
             </a:extLst>
           </p:cNvPr>
@@ -5216,7 +5217,7 @@
           <p:cNvPr id="219" name="Picture 5" descr="https://static.wikia.nocookie.net/camp_for_bragging_rights/images/0/0e/Stickman.png/revision/latest/scale-to-width-down/768?cb=20200421202819">
             <a:extLst>
               <a:ext uri="{FF2B5EF4-FFF2-40B4-BE49-F238E27FC236}">
-                <a16:creationId xmlns:a16="http://schemas.microsoft.com/office/drawing/2014/main" xmlns="" id="{6805677D-D657-4954-B7D0-B8AC3A08EBD7}"/>
+                <a16:creationId xmlns="" xmlns:a16="http://schemas.microsoft.com/office/drawing/2014/main" id="{6805677D-D657-4954-B7D0-B8AC3A08EBD7}"/>
               </a:ext>
             </a:extLst>
           </p:cNvPr>
@@ -5261,7 +5262,7 @@
           <p:cNvPr id="220" name="Picture 5" descr="https://static.wikia.nocookie.net/camp_for_bragging_rights/images/0/0e/Stickman.png/revision/latest/scale-to-width-down/768?cb=20200421202819">
             <a:extLst>
               <a:ext uri="{FF2B5EF4-FFF2-40B4-BE49-F238E27FC236}">
-                <a16:creationId xmlns:a16="http://schemas.microsoft.com/office/drawing/2014/main" xmlns="" id="{8154E053-1186-4570-B002-A35A99CF99C3}"/>
+                <a16:creationId xmlns="" xmlns:a16="http://schemas.microsoft.com/office/drawing/2014/main" id="{8154E053-1186-4570-B002-A35A99CF99C3}"/>
               </a:ext>
             </a:extLst>
           </p:cNvPr>
@@ -5306,7 +5307,7 @@
           <p:cNvPr id="221" name="Picture 5" descr="https://static.wikia.nocookie.net/camp_for_bragging_rights/images/0/0e/Stickman.png/revision/latest/scale-to-width-down/768?cb=20200421202819">
             <a:extLst>
               <a:ext uri="{FF2B5EF4-FFF2-40B4-BE49-F238E27FC236}">
-                <a16:creationId xmlns:a16="http://schemas.microsoft.com/office/drawing/2014/main" xmlns="" id="{3B592B85-75DC-4FE8-BD90-C4510579BD00}"/>
+                <a16:creationId xmlns="" xmlns:a16="http://schemas.microsoft.com/office/drawing/2014/main" id="{3B592B85-75DC-4FE8-BD90-C4510579BD00}"/>
               </a:ext>
             </a:extLst>
           </p:cNvPr>
@@ -5351,7 +5352,7 @@
           <p:cNvPr id="222" name="Picture 5" descr="https://static.wikia.nocookie.net/camp_for_bragging_rights/images/0/0e/Stickman.png/revision/latest/scale-to-width-down/768?cb=20200421202819">
             <a:extLst>
               <a:ext uri="{FF2B5EF4-FFF2-40B4-BE49-F238E27FC236}">
-                <a16:creationId xmlns:a16="http://schemas.microsoft.com/office/drawing/2014/main" xmlns="" id="{8B159003-2A63-4CA2-B1A9-B9D92890FD87}"/>
+                <a16:creationId xmlns="" xmlns:a16="http://schemas.microsoft.com/office/drawing/2014/main" id="{8B159003-2A63-4CA2-B1A9-B9D92890FD87}"/>
               </a:ext>
             </a:extLst>
           </p:cNvPr>
@@ -5396,7 +5397,7 @@
           <p:cNvPr id="223" name="Picture 5" descr="https://static.wikia.nocookie.net/camp_for_bragging_rights/images/0/0e/Stickman.png/revision/latest/scale-to-width-down/768?cb=20200421202819">
             <a:extLst>
               <a:ext uri="{FF2B5EF4-FFF2-40B4-BE49-F238E27FC236}">
-                <a16:creationId xmlns:a16="http://schemas.microsoft.com/office/drawing/2014/main" xmlns="" id="{EF75050E-DE1A-467E-98E3-697633A22AB6}"/>
+                <a16:creationId xmlns="" xmlns:a16="http://schemas.microsoft.com/office/drawing/2014/main" id="{EF75050E-DE1A-467E-98E3-697633A22AB6}"/>
               </a:ext>
             </a:extLst>
           </p:cNvPr>
@@ -5441,7 +5442,7 @@
           <p:cNvPr id="224" name="Picture 5" descr="https://static.wikia.nocookie.net/camp_for_bragging_rights/images/0/0e/Stickman.png/revision/latest/scale-to-width-down/768?cb=20200421202819">
             <a:extLst>
               <a:ext uri="{FF2B5EF4-FFF2-40B4-BE49-F238E27FC236}">
-                <a16:creationId xmlns:a16="http://schemas.microsoft.com/office/drawing/2014/main" xmlns="" id="{351DBE3E-C42A-4049-9501-79A6A3C1D676}"/>
+                <a16:creationId xmlns="" xmlns:a16="http://schemas.microsoft.com/office/drawing/2014/main" id="{351DBE3E-C42A-4049-9501-79A6A3C1D676}"/>
               </a:ext>
             </a:extLst>
           </p:cNvPr>
@@ -5486,7 +5487,7 @@
           <p:cNvPr id="225" name="Picture 5" descr="https://static.wikia.nocookie.net/camp_for_bragging_rights/images/0/0e/Stickman.png/revision/latest/scale-to-width-down/768?cb=20200421202819">
             <a:extLst>
               <a:ext uri="{FF2B5EF4-FFF2-40B4-BE49-F238E27FC236}">
-                <a16:creationId xmlns:a16="http://schemas.microsoft.com/office/drawing/2014/main" xmlns="" id="{10B63245-24B2-4FEF-9A91-99B4F252EDBD}"/>
+                <a16:creationId xmlns="" xmlns:a16="http://schemas.microsoft.com/office/drawing/2014/main" id="{10B63245-24B2-4FEF-9A91-99B4F252EDBD}"/>
               </a:ext>
             </a:extLst>
           </p:cNvPr>
@@ -5531,7 +5532,7 @@
           <p:cNvPr id="226" name="Picture 5" descr="https://static.wikia.nocookie.net/camp_for_bragging_rights/images/0/0e/Stickman.png/revision/latest/scale-to-width-down/768?cb=20200421202819">
             <a:extLst>
               <a:ext uri="{FF2B5EF4-FFF2-40B4-BE49-F238E27FC236}">
-                <a16:creationId xmlns:a16="http://schemas.microsoft.com/office/drawing/2014/main" xmlns="" id="{E46133AE-23D5-4726-95F1-5F0F792C85A4}"/>
+                <a16:creationId xmlns="" xmlns:a16="http://schemas.microsoft.com/office/drawing/2014/main" id="{E46133AE-23D5-4726-95F1-5F0F792C85A4}"/>
               </a:ext>
             </a:extLst>
           </p:cNvPr>
@@ -5576,7 +5577,7 @@
           <p:cNvPr id="227" name="Picture 5" descr="https://static.wikia.nocookie.net/camp_for_bragging_rights/images/0/0e/Stickman.png/revision/latest/scale-to-width-down/768?cb=20200421202819">
             <a:extLst>
               <a:ext uri="{FF2B5EF4-FFF2-40B4-BE49-F238E27FC236}">
-                <a16:creationId xmlns:a16="http://schemas.microsoft.com/office/drawing/2014/main" xmlns="" id="{57CCC3F0-9210-4B87-AE65-50E36D69A4B0}"/>
+                <a16:creationId xmlns="" xmlns:a16="http://schemas.microsoft.com/office/drawing/2014/main" id="{57CCC3F0-9210-4B87-AE65-50E36D69A4B0}"/>
               </a:ext>
             </a:extLst>
           </p:cNvPr>
@@ -5621,7 +5622,7 @@
           <p:cNvPr id="229" name="그림 228">
             <a:extLst>
               <a:ext uri="{FF2B5EF4-FFF2-40B4-BE49-F238E27FC236}">
-                <a16:creationId xmlns:a16="http://schemas.microsoft.com/office/drawing/2014/main" xmlns="" id="{57472415-EE81-483E-85D1-3FE032DD4732}"/>
+                <a16:creationId xmlns="" xmlns:a16="http://schemas.microsoft.com/office/drawing/2014/main" id="{57472415-EE81-483E-85D1-3FE032DD4732}"/>
               </a:ext>
             </a:extLst>
           </p:cNvPr>
@@ -5656,7 +5657,7 @@
           <p:cNvPr id="230" name="그림 229">
             <a:extLst>
               <a:ext uri="{FF2B5EF4-FFF2-40B4-BE49-F238E27FC236}">
-                <a16:creationId xmlns:a16="http://schemas.microsoft.com/office/drawing/2014/main" xmlns="" id="{AE77F889-E4D0-4C15-8820-1E1FF34F07EE}"/>
+                <a16:creationId xmlns="" xmlns:a16="http://schemas.microsoft.com/office/drawing/2014/main" id="{AE77F889-E4D0-4C15-8820-1E1FF34F07EE}"/>
               </a:ext>
             </a:extLst>
           </p:cNvPr>
@@ -5691,7 +5692,7 @@
           <p:cNvPr id="231" name="그림 230">
             <a:extLst>
               <a:ext uri="{FF2B5EF4-FFF2-40B4-BE49-F238E27FC236}">
-                <a16:creationId xmlns:a16="http://schemas.microsoft.com/office/drawing/2014/main" xmlns="" id="{5EB01DFA-4B19-4CA9-B4A3-8D92DF25A826}"/>
+                <a16:creationId xmlns="" xmlns:a16="http://schemas.microsoft.com/office/drawing/2014/main" id="{5EB01DFA-4B19-4CA9-B4A3-8D92DF25A826}"/>
               </a:ext>
             </a:extLst>
           </p:cNvPr>
@@ -5726,7 +5727,7 @@
           <p:cNvPr id="232" name="그림 231">
             <a:extLst>
               <a:ext uri="{FF2B5EF4-FFF2-40B4-BE49-F238E27FC236}">
-                <a16:creationId xmlns:a16="http://schemas.microsoft.com/office/drawing/2014/main" xmlns="" id="{3CF0E502-5FA0-44ED-8D89-E3D634815D0B}"/>
+                <a16:creationId xmlns="" xmlns:a16="http://schemas.microsoft.com/office/drawing/2014/main" id="{3CF0E502-5FA0-44ED-8D89-E3D634815D0B}"/>
               </a:ext>
             </a:extLst>
           </p:cNvPr>
@@ -5761,7 +5762,7 @@
           <p:cNvPr id="233" name="그림 232">
             <a:extLst>
               <a:ext uri="{FF2B5EF4-FFF2-40B4-BE49-F238E27FC236}">
-                <a16:creationId xmlns:a16="http://schemas.microsoft.com/office/drawing/2014/main" xmlns="" id="{3AC43DD1-4412-44A1-B8E2-076A1EACEE5C}"/>
+                <a16:creationId xmlns="" xmlns:a16="http://schemas.microsoft.com/office/drawing/2014/main" id="{3AC43DD1-4412-44A1-B8E2-076A1EACEE5C}"/>
               </a:ext>
             </a:extLst>
           </p:cNvPr>
@@ -5796,7 +5797,7 @@
           <p:cNvPr id="234" name="그림 233">
             <a:extLst>
               <a:ext uri="{FF2B5EF4-FFF2-40B4-BE49-F238E27FC236}">
-                <a16:creationId xmlns:a16="http://schemas.microsoft.com/office/drawing/2014/main" xmlns="" id="{BE20AFBE-328E-460F-AF0F-300617A7EB51}"/>
+                <a16:creationId xmlns="" xmlns:a16="http://schemas.microsoft.com/office/drawing/2014/main" id="{BE20AFBE-328E-460F-AF0F-300617A7EB51}"/>
               </a:ext>
             </a:extLst>
           </p:cNvPr>
@@ -5831,7 +5832,7 @@
           <p:cNvPr id="235" name="그림 234">
             <a:extLst>
               <a:ext uri="{FF2B5EF4-FFF2-40B4-BE49-F238E27FC236}">
-                <a16:creationId xmlns:a16="http://schemas.microsoft.com/office/drawing/2014/main" xmlns="" id="{F673298F-A920-448D-BB63-64502906BBDB}"/>
+                <a16:creationId xmlns="" xmlns:a16="http://schemas.microsoft.com/office/drawing/2014/main" id="{F673298F-A920-448D-BB63-64502906BBDB}"/>
               </a:ext>
             </a:extLst>
           </p:cNvPr>
@@ -5866,7 +5867,7 @@
           <p:cNvPr id="236" name="TextBox 235">
             <a:extLst>
               <a:ext uri="{FF2B5EF4-FFF2-40B4-BE49-F238E27FC236}">
-                <a16:creationId xmlns:a16="http://schemas.microsoft.com/office/drawing/2014/main" xmlns="" id="{8CF2FB13-C02C-435F-AA91-5197EF57BE6F}"/>
+                <a16:creationId xmlns="" xmlns:a16="http://schemas.microsoft.com/office/drawing/2014/main" id="{8CF2FB13-C02C-435F-AA91-5197EF57BE6F}"/>
               </a:ext>
             </a:extLst>
           </p:cNvPr>
@@ -5916,7 +5917,7 @@
           <p:cNvPr id="237" name="Picture 2">
             <a:extLst>
               <a:ext uri="{FF2B5EF4-FFF2-40B4-BE49-F238E27FC236}">
-                <a16:creationId xmlns:a16="http://schemas.microsoft.com/office/drawing/2014/main" xmlns="" id="{86270754-CD45-4DA0-A929-4310B0570602}"/>
+                <a16:creationId xmlns="" xmlns:a16="http://schemas.microsoft.com/office/drawing/2014/main" id="{86270754-CD45-4DA0-A929-4310B0570602}"/>
               </a:ext>
             </a:extLst>
           </p:cNvPr>
@@ -5984,7 +5985,7 @@
           <p:cNvPr id="238" name="TextBox 237">
             <a:extLst>
               <a:ext uri="{FF2B5EF4-FFF2-40B4-BE49-F238E27FC236}">
-                <a16:creationId xmlns:a16="http://schemas.microsoft.com/office/drawing/2014/main" xmlns="" id="{137C1972-AE76-49E1-9CB5-CD6CBEB6DE9E}"/>
+                <a16:creationId xmlns="" xmlns:a16="http://schemas.microsoft.com/office/drawing/2014/main" id="{137C1972-AE76-49E1-9CB5-CD6CBEB6DE9E}"/>
               </a:ext>
             </a:extLst>
           </p:cNvPr>
@@ -6022,7 +6023,7 @@
           <p:cNvPr id="239" name="TextBox 238">
             <a:extLst>
               <a:ext uri="{FF2B5EF4-FFF2-40B4-BE49-F238E27FC236}">
-                <a16:creationId xmlns:a16="http://schemas.microsoft.com/office/drawing/2014/main" xmlns="" id="{12403105-F03F-46A5-902C-7944FBF00DFB}"/>
+                <a16:creationId xmlns="" xmlns:a16="http://schemas.microsoft.com/office/drawing/2014/main" id="{12403105-F03F-46A5-902C-7944FBF00DFB}"/>
               </a:ext>
             </a:extLst>
           </p:cNvPr>
@@ -6063,7 +6064,7 @@
           <p:cNvPr id="240" name="TextBox 239">
             <a:extLst>
               <a:ext uri="{FF2B5EF4-FFF2-40B4-BE49-F238E27FC236}">
-                <a16:creationId xmlns:a16="http://schemas.microsoft.com/office/drawing/2014/main" xmlns="" id="{508F6216-4E42-4B66-9C5C-74251F6DE2B7}"/>
+                <a16:creationId xmlns="" xmlns:a16="http://schemas.microsoft.com/office/drawing/2014/main" id="{508F6216-4E42-4B66-9C5C-74251F6DE2B7}"/>
               </a:ext>
             </a:extLst>
           </p:cNvPr>
@@ -6101,7 +6102,7 @@
           <p:cNvPr id="241" name="TextBox 240">
             <a:extLst>
               <a:ext uri="{FF2B5EF4-FFF2-40B4-BE49-F238E27FC236}">
-                <a16:creationId xmlns:a16="http://schemas.microsoft.com/office/drawing/2014/main" xmlns="" id="{7F89F20E-616C-4A88-9B7F-FFD75935193F}"/>
+                <a16:creationId xmlns="" xmlns:a16="http://schemas.microsoft.com/office/drawing/2014/main" id="{7F89F20E-616C-4A88-9B7F-FFD75935193F}"/>
               </a:ext>
             </a:extLst>
           </p:cNvPr>
@@ -6139,7 +6140,7 @@
           <p:cNvPr id="242" name="TextBox 241">
             <a:extLst>
               <a:ext uri="{FF2B5EF4-FFF2-40B4-BE49-F238E27FC236}">
-                <a16:creationId xmlns:a16="http://schemas.microsoft.com/office/drawing/2014/main" xmlns="" id="{26723F57-80CB-4DC3-91FD-967F709C6929}"/>
+                <a16:creationId xmlns="" xmlns:a16="http://schemas.microsoft.com/office/drawing/2014/main" id="{26723F57-80CB-4DC3-91FD-967F709C6929}"/>
               </a:ext>
             </a:extLst>
           </p:cNvPr>
@@ -6177,7 +6178,7 @@
           <p:cNvPr id="243" name="TextBox 242">
             <a:extLst>
               <a:ext uri="{FF2B5EF4-FFF2-40B4-BE49-F238E27FC236}">
-                <a16:creationId xmlns:a16="http://schemas.microsoft.com/office/drawing/2014/main" xmlns="" id="{B55D2498-FFC6-424D-8693-41A7EABDFDDB}"/>
+                <a16:creationId xmlns="" xmlns:a16="http://schemas.microsoft.com/office/drawing/2014/main" id="{B55D2498-FFC6-424D-8693-41A7EABDFDDB}"/>
               </a:ext>
             </a:extLst>
           </p:cNvPr>
@@ -6215,7 +6216,7 @@
           <p:cNvPr id="244" name="TextBox 243">
             <a:extLst>
               <a:ext uri="{FF2B5EF4-FFF2-40B4-BE49-F238E27FC236}">
-                <a16:creationId xmlns:a16="http://schemas.microsoft.com/office/drawing/2014/main" xmlns="" id="{4DEF4C67-2551-4FD5-995D-9C7D14351512}"/>
+                <a16:creationId xmlns="" xmlns:a16="http://schemas.microsoft.com/office/drawing/2014/main" id="{4DEF4C67-2551-4FD5-995D-9C7D14351512}"/>
               </a:ext>
             </a:extLst>
           </p:cNvPr>
@@ -6253,7 +6254,7 @@
           <p:cNvPr id="245" name="TextBox 244">
             <a:extLst>
               <a:ext uri="{FF2B5EF4-FFF2-40B4-BE49-F238E27FC236}">
-                <a16:creationId xmlns:a16="http://schemas.microsoft.com/office/drawing/2014/main" xmlns="" id="{951DDEC2-F42F-4377-B5C4-258519EEE830}"/>
+                <a16:creationId xmlns="" xmlns:a16="http://schemas.microsoft.com/office/drawing/2014/main" id="{951DDEC2-F42F-4377-B5C4-258519EEE830}"/>
               </a:ext>
             </a:extLst>
           </p:cNvPr>
@@ -6291,7 +6292,7 @@
           <p:cNvPr id="246" name="TextBox 245">
             <a:extLst>
               <a:ext uri="{FF2B5EF4-FFF2-40B4-BE49-F238E27FC236}">
-                <a16:creationId xmlns:a16="http://schemas.microsoft.com/office/drawing/2014/main" xmlns="" id="{E3C6AA7C-A51C-409F-8443-DEE8DB09ED96}"/>
+                <a16:creationId xmlns="" xmlns:a16="http://schemas.microsoft.com/office/drawing/2014/main" id="{E3C6AA7C-A51C-409F-8443-DEE8DB09ED96}"/>
               </a:ext>
             </a:extLst>
           </p:cNvPr>
@@ -6329,7 +6330,7 @@
           <p:cNvPr id="247" name="TextBox 246">
             <a:extLst>
               <a:ext uri="{FF2B5EF4-FFF2-40B4-BE49-F238E27FC236}">
-                <a16:creationId xmlns:a16="http://schemas.microsoft.com/office/drawing/2014/main" xmlns="" id="{6F7C78F4-57DE-4922-BCA2-F73FBC9037A1}"/>
+                <a16:creationId xmlns="" xmlns:a16="http://schemas.microsoft.com/office/drawing/2014/main" id="{6F7C78F4-57DE-4922-BCA2-F73FBC9037A1}"/>
               </a:ext>
             </a:extLst>
           </p:cNvPr>
@@ -6367,7 +6368,7 @@
           <p:cNvPr id="248" name="TextBox 247">
             <a:extLst>
               <a:ext uri="{FF2B5EF4-FFF2-40B4-BE49-F238E27FC236}">
-                <a16:creationId xmlns:a16="http://schemas.microsoft.com/office/drawing/2014/main" xmlns="" id="{1C589EC7-708F-4E84-9D35-075FCD05D8D7}"/>
+                <a16:creationId xmlns="" xmlns:a16="http://schemas.microsoft.com/office/drawing/2014/main" id="{1C589EC7-708F-4E84-9D35-075FCD05D8D7}"/>
               </a:ext>
             </a:extLst>
           </p:cNvPr>
@@ -6405,7 +6406,7 @@
           <p:cNvPr id="249" name="Picture 2">
             <a:extLst>
               <a:ext uri="{FF2B5EF4-FFF2-40B4-BE49-F238E27FC236}">
-                <a16:creationId xmlns:a16="http://schemas.microsoft.com/office/drawing/2014/main" xmlns="" id="{812A903D-B283-4E18-85F9-1CD97AC81355}"/>
+                <a16:creationId xmlns="" xmlns:a16="http://schemas.microsoft.com/office/drawing/2014/main" id="{812A903D-B283-4E18-85F9-1CD97AC81355}"/>
               </a:ext>
             </a:extLst>
           </p:cNvPr>
@@ -6473,7 +6474,7 @@
           <p:cNvPr id="250" name="TextBox 249">
             <a:extLst>
               <a:ext uri="{FF2B5EF4-FFF2-40B4-BE49-F238E27FC236}">
-                <a16:creationId xmlns:a16="http://schemas.microsoft.com/office/drawing/2014/main" xmlns="" id="{C0E944C1-B966-4CBE-944C-0AB1860B2F52}"/>
+                <a16:creationId xmlns="" xmlns:a16="http://schemas.microsoft.com/office/drawing/2014/main" id="{C0E944C1-B966-4CBE-944C-0AB1860B2F52}"/>
               </a:ext>
             </a:extLst>
           </p:cNvPr>
@@ -6511,7 +6512,7 @@
           <p:cNvPr id="252" name="TextBox 251">
             <a:extLst>
               <a:ext uri="{FF2B5EF4-FFF2-40B4-BE49-F238E27FC236}">
-                <a16:creationId xmlns:a16="http://schemas.microsoft.com/office/drawing/2014/main" xmlns="" id="{34293B3C-1D0E-43DE-B9A3-DB1BFF7F9E88}"/>
+                <a16:creationId xmlns="" xmlns:a16="http://schemas.microsoft.com/office/drawing/2014/main" id="{34293B3C-1D0E-43DE-B9A3-DB1BFF7F9E88}"/>
               </a:ext>
             </a:extLst>
           </p:cNvPr>
@@ -6549,7 +6550,7 @@
           <p:cNvPr id="253" name="TextBox 252">
             <a:extLst>
               <a:ext uri="{FF2B5EF4-FFF2-40B4-BE49-F238E27FC236}">
-                <a16:creationId xmlns:a16="http://schemas.microsoft.com/office/drawing/2014/main" xmlns="" id="{2F52A88C-F86C-43CC-84ED-28771E182B95}"/>
+                <a16:creationId xmlns="" xmlns:a16="http://schemas.microsoft.com/office/drawing/2014/main" id="{2F52A88C-F86C-43CC-84ED-28771E182B95}"/>
               </a:ext>
             </a:extLst>
           </p:cNvPr>
@@ -6587,7 +6588,7 @@
           <p:cNvPr id="254" name="TextBox 253">
             <a:extLst>
               <a:ext uri="{FF2B5EF4-FFF2-40B4-BE49-F238E27FC236}">
-                <a16:creationId xmlns:a16="http://schemas.microsoft.com/office/drawing/2014/main" xmlns="" id="{AA840072-02EA-4213-91FD-E10F7E49411E}"/>
+                <a16:creationId xmlns="" xmlns:a16="http://schemas.microsoft.com/office/drawing/2014/main" id="{AA840072-02EA-4213-91FD-E10F7E49411E}"/>
               </a:ext>
             </a:extLst>
           </p:cNvPr>
@@ -6625,7 +6626,7 @@
           <p:cNvPr id="255" name="TextBox 254">
             <a:extLst>
               <a:ext uri="{FF2B5EF4-FFF2-40B4-BE49-F238E27FC236}">
-                <a16:creationId xmlns:a16="http://schemas.microsoft.com/office/drawing/2014/main" xmlns="" id="{CBDFCE15-E045-4BBF-9043-8C68B43E17DA}"/>
+                <a16:creationId xmlns="" xmlns:a16="http://schemas.microsoft.com/office/drawing/2014/main" id="{CBDFCE15-E045-4BBF-9043-8C68B43E17DA}"/>
               </a:ext>
             </a:extLst>
           </p:cNvPr>
@@ -6663,7 +6664,7 @@
           <p:cNvPr id="256" name="TextBox 255">
             <a:extLst>
               <a:ext uri="{FF2B5EF4-FFF2-40B4-BE49-F238E27FC236}">
-                <a16:creationId xmlns:a16="http://schemas.microsoft.com/office/drawing/2014/main" xmlns="" id="{014F44A1-3196-4FDB-ADA4-2536BC18E811}"/>
+                <a16:creationId xmlns="" xmlns:a16="http://schemas.microsoft.com/office/drawing/2014/main" id="{014F44A1-3196-4FDB-ADA4-2536BC18E811}"/>
               </a:ext>
             </a:extLst>
           </p:cNvPr>
@@ -6701,7 +6702,7 @@
           <p:cNvPr id="257" name="TextBox 256">
             <a:extLst>
               <a:ext uri="{FF2B5EF4-FFF2-40B4-BE49-F238E27FC236}">
-                <a16:creationId xmlns:a16="http://schemas.microsoft.com/office/drawing/2014/main" xmlns="" id="{9AA13090-0A98-4F97-84EB-6C32C0DEB4C7}"/>
+                <a16:creationId xmlns="" xmlns:a16="http://schemas.microsoft.com/office/drawing/2014/main" id="{9AA13090-0A98-4F97-84EB-6C32C0DEB4C7}"/>
               </a:ext>
             </a:extLst>
           </p:cNvPr>
@@ -6739,7 +6740,7 @@
           <p:cNvPr id="258" name="TextBox 257">
             <a:extLst>
               <a:ext uri="{FF2B5EF4-FFF2-40B4-BE49-F238E27FC236}">
-                <a16:creationId xmlns:a16="http://schemas.microsoft.com/office/drawing/2014/main" xmlns="" id="{FFFEE946-1395-48D7-814B-5D770A359A43}"/>
+                <a16:creationId xmlns="" xmlns:a16="http://schemas.microsoft.com/office/drawing/2014/main" id="{FFFEE946-1395-48D7-814B-5D770A359A43}"/>
               </a:ext>
             </a:extLst>
           </p:cNvPr>
@@ -6777,7 +6778,7 @@
           <p:cNvPr id="259" name="TextBox 258">
             <a:extLst>
               <a:ext uri="{FF2B5EF4-FFF2-40B4-BE49-F238E27FC236}">
-                <a16:creationId xmlns:a16="http://schemas.microsoft.com/office/drawing/2014/main" xmlns="" id="{87F82982-908E-4806-AD36-E32975CAAEC3}"/>
+                <a16:creationId xmlns="" xmlns:a16="http://schemas.microsoft.com/office/drawing/2014/main" id="{87F82982-908E-4806-AD36-E32975CAAEC3}"/>
               </a:ext>
             </a:extLst>
           </p:cNvPr>
@@ -6815,7 +6816,7 @@
           <p:cNvPr id="260" name="TextBox 259">
             <a:extLst>
               <a:ext uri="{FF2B5EF4-FFF2-40B4-BE49-F238E27FC236}">
-                <a16:creationId xmlns:a16="http://schemas.microsoft.com/office/drawing/2014/main" xmlns="" id="{18E7C861-E5C7-49FE-83C0-F2DE1EBC4DB0}"/>
+                <a16:creationId xmlns="" xmlns:a16="http://schemas.microsoft.com/office/drawing/2014/main" id="{18E7C861-E5C7-49FE-83C0-F2DE1EBC4DB0}"/>
               </a:ext>
             </a:extLst>
           </p:cNvPr>
@@ -6853,7 +6854,7 @@
           <p:cNvPr id="251" name="TextBox 250">
             <a:extLst>
               <a:ext uri="{FF2B5EF4-FFF2-40B4-BE49-F238E27FC236}">
-                <a16:creationId xmlns:a16="http://schemas.microsoft.com/office/drawing/2014/main" xmlns="" id="{95C2B872-1D25-4FB0-B13F-26BB87098249}"/>
+                <a16:creationId xmlns="" xmlns:a16="http://schemas.microsoft.com/office/drawing/2014/main" id="{95C2B872-1D25-4FB0-B13F-26BB87098249}"/>
               </a:ext>
             </a:extLst>
           </p:cNvPr>
@@ -6894,7 +6895,7 @@
           <p:cNvPr id="262" name="직선 화살표 연결선 261">
             <a:extLst>
               <a:ext uri="{FF2B5EF4-FFF2-40B4-BE49-F238E27FC236}">
-                <a16:creationId xmlns:a16="http://schemas.microsoft.com/office/drawing/2014/main" xmlns="" id="{293D7FFE-2FD4-447D-AFB4-A42DCDEDA86A}"/>
+                <a16:creationId xmlns="" xmlns:a16="http://schemas.microsoft.com/office/drawing/2014/main" id="{293D7FFE-2FD4-447D-AFB4-A42DCDEDA86A}"/>
               </a:ext>
             </a:extLst>
           </p:cNvPr>
@@ -6936,7 +6937,7 @@
           <p:cNvPr id="263" name="직선 화살표 연결선 262">
             <a:extLst>
               <a:ext uri="{FF2B5EF4-FFF2-40B4-BE49-F238E27FC236}">
-                <a16:creationId xmlns:a16="http://schemas.microsoft.com/office/drawing/2014/main" xmlns="" id="{80FE6AAE-DCB0-42A2-8846-43B0BADE6844}"/>
+                <a16:creationId xmlns="" xmlns:a16="http://schemas.microsoft.com/office/drawing/2014/main" id="{80FE6AAE-DCB0-42A2-8846-43B0BADE6844}"/>
               </a:ext>
             </a:extLst>
           </p:cNvPr>
@@ -6978,7 +6979,7 @@
           <p:cNvPr id="264" name="TextBox 263">
             <a:extLst>
               <a:ext uri="{FF2B5EF4-FFF2-40B4-BE49-F238E27FC236}">
-                <a16:creationId xmlns:a16="http://schemas.microsoft.com/office/drawing/2014/main" xmlns="" id="{98C36D25-6E13-45CB-98E3-0F6E2E353401}"/>
+                <a16:creationId xmlns="" xmlns:a16="http://schemas.microsoft.com/office/drawing/2014/main" id="{98C36D25-6E13-45CB-98E3-0F6E2E353401}"/>
               </a:ext>
             </a:extLst>
           </p:cNvPr>
@@ -7030,7 +7031,7 @@
               <p:cNvPr id="272" name="TextBox 271">
                 <a:extLst>
                   <a:ext uri="{FF2B5EF4-FFF2-40B4-BE49-F238E27FC236}">
-                    <a16:creationId xmlns:a16="http://schemas.microsoft.com/office/drawing/2014/main" xmlns="" id="{AF1F9706-3E77-4F4B-BE53-68B099D66F93}"/>
+                    <a16:creationId xmlns="" xmlns:a16="http://schemas.microsoft.com/office/drawing/2014/main" id="{AF1F9706-3E77-4F4B-BE53-68B099D66F93}"/>
                   </a:ext>
                 </a:extLst>
               </p:cNvPr>
@@ -7151,7 +7152,7 @@
               <p:cNvPr id="273" name="TextBox 272">
                 <a:extLst>
                   <a:ext uri="{FF2B5EF4-FFF2-40B4-BE49-F238E27FC236}">
-                    <a16:creationId xmlns:a16="http://schemas.microsoft.com/office/drawing/2014/main" xmlns="" id="{A071915E-12B4-46CF-AF39-FC7AA714C9DF}"/>
+                    <a16:creationId xmlns="" xmlns:a16="http://schemas.microsoft.com/office/drawing/2014/main" id="{A071915E-12B4-46CF-AF39-FC7AA714C9DF}"/>
                   </a:ext>
                 </a:extLst>
               </p:cNvPr>
@@ -7270,7 +7271,7 @@
           <p:cNvPr id="275" name="직선 연결선 274">
             <a:extLst>
               <a:ext uri="{FF2B5EF4-FFF2-40B4-BE49-F238E27FC236}">
-                <a16:creationId xmlns:a16="http://schemas.microsoft.com/office/drawing/2014/main" xmlns="" id="{E9CC54E8-AACB-4B07-ABA9-4CBB4B58EEC7}"/>
+                <a16:creationId xmlns="" xmlns:a16="http://schemas.microsoft.com/office/drawing/2014/main" id="{E9CC54E8-AACB-4B07-ABA9-4CBB4B58EEC7}"/>
               </a:ext>
             </a:extLst>
           </p:cNvPr>
@@ -7311,7 +7312,7 @@
           <p:cNvPr id="276" name="직선 연결선 275">
             <a:extLst>
               <a:ext uri="{FF2B5EF4-FFF2-40B4-BE49-F238E27FC236}">
-                <a16:creationId xmlns:a16="http://schemas.microsoft.com/office/drawing/2014/main" xmlns="" id="{65104A84-9903-400D-BD12-CCE95C038A07}"/>
+                <a16:creationId xmlns="" xmlns:a16="http://schemas.microsoft.com/office/drawing/2014/main" id="{65104A84-9903-400D-BD12-CCE95C038A07}"/>
               </a:ext>
             </a:extLst>
           </p:cNvPr>
@@ -7354,7 +7355,7 @@
               <p:cNvPr id="277" name="TextBox 276">
                 <a:extLst>
                   <a:ext uri="{FF2B5EF4-FFF2-40B4-BE49-F238E27FC236}">
-                    <a16:creationId xmlns:a16="http://schemas.microsoft.com/office/drawing/2014/main" xmlns="" id="{A1E5A455-E0F6-4651-A91D-841D94EE051B}"/>
+                    <a16:creationId xmlns="" xmlns:a16="http://schemas.microsoft.com/office/drawing/2014/main" id="{A1E5A455-E0F6-4651-A91D-841D94EE051B}"/>
                   </a:ext>
                 </a:extLst>
               </p:cNvPr>
@@ -7475,7 +7476,7 @@
               <p:cNvPr id="278" name="TextBox 277">
                 <a:extLst>
                   <a:ext uri="{FF2B5EF4-FFF2-40B4-BE49-F238E27FC236}">
-                    <a16:creationId xmlns:a16="http://schemas.microsoft.com/office/drawing/2014/main" xmlns="" id="{C2D3C570-F39A-4EE0-A2FF-432740D5E111}"/>
+                    <a16:creationId xmlns="" xmlns:a16="http://schemas.microsoft.com/office/drawing/2014/main" id="{C2D3C570-F39A-4EE0-A2FF-432740D5E111}"/>
                   </a:ext>
                 </a:extLst>
               </p:cNvPr>
@@ -7594,7 +7595,7 @@
           <p:cNvPr id="279" name="직선 연결선 278">
             <a:extLst>
               <a:ext uri="{FF2B5EF4-FFF2-40B4-BE49-F238E27FC236}">
-                <a16:creationId xmlns:a16="http://schemas.microsoft.com/office/drawing/2014/main" xmlns="" id="{3C39A6C8-3EB9-4206-AA9F-F8696F2A6E67}"/>
+                <a16:creationId xmlns="" xmlns:a16="http://schemas.microsoft.com/office/drawing/2014/main" id="{3C39A6C8-3EB9-4206-AA9F-F8696F2A6E67}"/>
               </a:ext>
             </a:extLst>
           </p:cNvPr>
@@ -7635,7 +7636,7 @@
           <p:cNvPr id="280" name="직선 연결선 279">
             <a:extLst>
               <a:ext uri="{FF2B5EF4-FFF2-40B4-BE49-F238E27FC236}">
-                <a16:creationId xmlns:a16="http://schemas.microsoft.com/office/drawing/2014/main" xmlns="" id="{37EAF852-2521-434C-854E-0B41B0C5316F}"/>
+                <a16:creationId xmlns="" xmlns:a16="http://schemas.microsoft.com/office/drawing/2014/main" id="{37EAF852-2521-434C-854E-0B41B0C5316F}"/>
               </a:ext>
             </a:extLst>
           </p:cNvPr>
@@ -7676,7 +7677,7 @@
           <p:cNvPr id="281" name="TextBox 280">
             <a:extLst>
               <a:ext uri="{FF2B5EF4-FFF2-40B4-BE49-F238E27FC236}">
-                <a16:creationId xmlns:a16="http://schemas.microsoft.com/office/drawing/2014/main" xmlns="" id="{880D2BBC-DEB9-41E1-91BF-1C27BC894C85}"/>
+                <a16:creationId xmlns="" xmlns:a16="http://schemas.microsoft.com/office/drawing/2014/main" id="{880D2BBC-DEB9-41E1-91BF-1C27BC894C85}"/>
               </a:ext>
             </a:extLst>
           </p:cNvPr>
@@ -7726,7 +7727,7 @@
           <p:cNvPr id="283" name="Picture 2">
             <a:extLst>
               <a:ext uri="{FF2B5EF4-FFF2-40B4-BE49-F238E27FC236}">
-                <a16:creationId xmlns:a16="http://schemas.microsoft.com/office/drawing/2014/main" xmlns="" id="{9D2BE860-D728-4E25-84C2-509E503FF7F8}"/>
+                <a16:creationId xmlns="" xmlns:a16="http://schemas.microsoft.com/office/drawing/2014/main" id="{9D2BE860-D728-4E25-84C2-509E503FF7F8}"/>
               </a:ext>
             </a:extLst>
           </p:cNvPr>
@@ -7794,7 +7795,7 @@
           <p:cNvPr id="284" name="TextBox 283">
             <a:extLst>
               <a:ext uri="{FF2B5EF4-FFF2-40B4-BE49-F238E27FC236}">
-                <a16:creationId xmlns:a16="http://schemas.microsoft.com/office/drawing/2014/main" xmlns="" id="{92E250B9-669F-4EDB-8B31-68D2D8E3D79D}"/>
+                <a16:creationId xmlns="" xmlns:a16="http://schemas.microsoft.com/office/drawing/2014/main" id="{92E250B9-669F-4EDB-8B31-68D2D8E3D79D}"/>
               </a:ext>
             </a:extLst>
           </p:cNvPr>
@@ -7836,7 +7837,7 @@
           <p:cNvPr id="285" name="TextBox 284">
             <a:extLst>
               <a:ext uri="{FF2B5EF4-FFF2-40B4-BE49-F238E27FC236}">
-                <a16:creationId xmlns:a16="http://schemas.microsoft.com/office/drawing/2014/main" xmlns="" id="{B3169739-2FFE-47C7-AF1D-9A7ACBFC4860}"/>
+                <a16:creationId xmlns="" xmlns:a16="http://schemas.microsoft.com/office/drawing/2014/main" id="{B3169739-2FFE-47C7-AF1D-9A7ACBFC4860}"/>
               </a:ext>
             </a:extLst>
           </p:cNvPr>
@@ -7877,7 +7878,7 @@
           <p:cNvPr id="286" name="TextBox 285">
             <a:extLst>
               <a:ext uri="{FF2B5EF4-FFF2-40B4-BE49-F238E27FC236}">
-                <a16:creationId xmlns:a16="http://schemas.microsoft.com/office/drawing/2014/main" xmlns="" id="{5E117062-419C-45D1-BE07-4D22F1E66049}"/>
+                <a16:creationId xmlns="" xmlns:a16="http://schemas.microsoft.com/office/drawing/2014/main" id="{5E117062-419C-45D1-BE07-4D22F1E66049}"/>
               </a:ext>
             </a:extLst>
           </p:cNvPr>
@@ -7915,7 +7916,7 @@
           <p:cNvPr id="287" name="TextBox 286">
             <a:extLst>
               <a:ext uri="{FF2B5EF4-FFF2-40B4-BE49-F238E27FC236}">
-                <a16:creationId xmlns:a16="http://schemas.microsoft.com/office/drawing/2014/main" xmlns="" id="{B73EC6F2-E012-48E6-9463-1CD797BE35B0}"/>
+                <a16:creationId xmlns="" xmlns:a16="http://schemas.microsoft.com/office/drawing/2014/main" id="{B73EC6F2-E012-48E6-9463-1CD797BE35B0}"/>
               </a:ext>
             </a:extLst>
           </p:cNvPr>
@@ -7953,7 +7954,7 @@
           <p:cNvPr id="288" name="TextBox 287">
             <a:extLst>
               <a:ext uri="{FF2B5EF4-FFF2-40B4-BE49-F238E27FC236}">
-                <a16:creationId xmlns:a16="http://schemas.microsoft.com/office/drawing/2014/main" xmlns="" id="{E81D15DE-E262-437D-B3E0-B0D7B19F1DBF}"/>
+                <a16:creationId xmlns="" xmlns:a16="http://schemas.microsoft.com/office/drawing/2014/main" id="{E81D15DE-E262-437D-B3E0-B0D7B19F1DBF}"/>
               </a:ext>
             </a:extLst>
           </p:cNvPr>
@@ -7991,7 +7992,7 @@
           <p:cNvPr id="289" name="TextBox 288">
             <a:extLst>
               <a:ext uri="{FF2B5EF4-FFF2-40B4-BE49-F238E27FC236}">
-                <a16:creationId xmlns:a16="http://schemas.microsoft.com/office/drawing/2014/main" xmlns="" id="{A76069F2-2AA8-46DF-BFF0-0961CC4014DC}"/>
+                <a16:creationId xmlns="" xmlns:a16="http://schemas.microsoft.com/office/drawing/2014/main" id="{A76069F2-2AA8-46DF-BFF0-0961CC4014DC}"/>
               </a:ext>
             </a:extLst>
           </p:cNvPr>
@@ -8033,7 +8034,7 @@
           <p:cNvPr id="290" name="TextBox 289">
             <a:extLst>
               <a:ext uri="{FF2B5EF4-FFF2-40B4-BE49-F238E27FC236}">
-                <a16:creationId xmlns:a16="http://schemas.microsoft.com/office/drawing/2014/main" xmlns="" id="{72198AC0-3FD1-43E0-A4BC-C6C9287625F6}"/>
+                <a16:creationId xmlns="" xmlns:a16="http://schemas.microsoft.com/office/drawing/2014/main" id="{72198AC0-3FD1-43E0-A4BC-C6C9287625F6}"/>
               </a:ext>
             </a:extLst>
           </p:cNvPr>
@@ -8075,7 +8076,7 @@
           <p:cNvPr id="291" name="TextBox 290">
             <a:extLst>
               <a:ext uri="{FF2B5EF4-FFF2-40B4-BE49-F238E27FC236}">
-                <a16:creationId xmlns:a16="http://schemas.microsoft.com/office/drawing/2014/main" xmlns="" id="{8D2E9371-3674-4100-8732-293F89C28E78}"/>
+                <a16:creationId xmlns="" xmlns:a16="http://schemas.microsoft.com/office/drawing/2014/main" id="{8D2E9371-3674-4100-8732-293F89C28E78}"/>
               </a:ext>
             </a:extLst>
           </p:cNvPr>
@@ -8117,7 +8118,7 @@
           <p:cNvPr id="292" name="TextBox 291">
             <a:extLst>
               <a:ext uri="{FF2B5EF4-FFF2-40B4-BE49-F238E27FC236}">
-                <a16:creationId xmlns:a16="http://schemas.microsoft.com/office/drawing/2014/main" xmlns="" id="{540FCDD8-CBAD-4CF8-9819-6EE0D7C3F4B3}"/>
+                <a16:creationId xmlns="" xmlns:a16="http://schemas.microsoft.com/office/drawing/2014/main" id="{540FCDD8-CBAD-4CF8-9819-6EE0D7C3F4B3}"/>
               </a:ext>
             </a:extLst>
           </p:cNvPr>
@@ -8155,7 +8156,7 @@
           <p:cNvPr id="293" name="TextBox 292">
             <a:extLst>
               <a:ext uri="{FF2B5EF4-FFF2-40B4-BE49-F238E27FC236}">
-                <a16:creationId xmlns:a16="http://schemas.microsoft.com/office/drawing/2014/main" xmlns="" id="{CF9F4CC8-9D2B-44FA-BDA4-6B5077C585D5}"/>
+                <a16:creationId xmlns="" xmlns:a16="http://schemas.microsoft.com/office/drawing/2014/main" id="{CF9F4CC8-9D2B-44FA-BDA4-6B5077C585D5}"/>
               </a:ext>
             </a:extLst>
           </p:cNvPr>
@@ -8197,7 +8198,7 @@
           <p:cNvPr id="294" name="TextBox 293">
             <a:extLst>
               <a:ext uri="{FF2B5EF4-FFF2-40B4-BE49-F238E27FC236}">
-                <a16:creationId xmlns:a16="http://schemas.microsoft.com/office/drawing/2014/main" xmlns="" id="{AD49A766-A6EA-4353-AB45-975873E42F82}"/>
+                <a16:creationId xmlns="" xmlns:a16="http://schemas.microsoft.com/office/drawing/2014/main" id="{AD49A766-A6EA-4353-AB45-975873E42F82}"/>
               </a:ext>
             </a:extLst>
           </p:cNvPr>
@@ -8235,7 +8236,7 @@
           <p:cNvPr id="307" name="직선 화살표 연결선 306">
             <a:extLst>
               <a:ext uri="{FF2B5EF4-FFF2-40B4-BE49-F238E27FC236}">
-                <a16:creationId xmlns:a16="http://schemas.microsoft.com/office/drawing/2014/main" xmlns="" id="{E3CE114E-EAEC-4F51-8632-081CFAC05A3E}"/>
+                <a16:creationId xmlns="" xmlns:a16="http://schemas.microsoft.com/office/drawing/2014/main" id="{E3CE114E-EAEC-4F51-8632-081CFAC05A3E}"/>
               </a:ext>
             </a:extLst>
           </p:cNvPr>
@@ -8277,7 +8278,7 @@
           <p:cNvPr id="308" name="TextBox 307">
             <a:extLst>
               <a:ext uri="{FF2B5EF4-FFF2-40B4-BE49-F238E27FC236}">
-                <a16:creationId xmlns:a16="http://schemas.microsoft.com/office/drawing/2014/main" xmlns="" id="{C8A56B62-AD47-4C53-927A-1C19B2E5C4B4}"/>
+                <a16:creationId xmlns="" xmlns:a16="http://schemas.microsoft.com/office/drawing/2014/main" id="{C8A56B62-AD47-4C53-927A-1C19B2E5C4B4}"/>
               </a:ext>
             </a:extLst>
           </p:cNvPr>
@@ -8318,7 +8319,7 @@
               <p:cNvPr id="309" name="TextBox 308">
                 <a:extLst>
                   <a:ext uri="{FF2B5EF4-FFF2-40B4-BE49-F238E27FC236}">
-                    <a16:creationId xmlns:a16="http://schemas.microsoft.com/office/drawing/2014/main" xmlns="" id="{9337CEF2-7062-4C91-BF6E-882B475E8F53}"/>
+                    <a16:creationId xmlns="" xmlns:a16="http://schemas.microsoft.com/office/drawing/2014/main" id="{9337CEF2-7062-4C91-BF6E-882B475E8F53}"/>
                   </a:ext>
                 </a:extLst>
               </p:cNvPr>
@@ -8472,7 +8473,7 @@
           <p:cNvPr id="311" name="직선 연결선 310">
             <a:extLst>
               <a:ext uri="{FF2B5EF4-FFF2-40B4-BE49-F238E27FC236}">
-                <a16:creationId xmlns:a16="http://schemas.microsoft.com/office/drawing/2014/main" xmlns="" id="{64F31221-F29A-48D8-9E15-5153CCF0EA76}"/>
+                <a16:creationId xmlns="" xmlns:a16="http://schemas.microsoft.com/office/drawing/2014/main" id="{64F31221-F29A-48D8-9E15-5153CCF0EA76}"/>
               </a:ext>
             </a:extLst>
           </p:cNvPr>
@@ -8513,7 +8514,7 @@
           <p:cNvPr id="315" name="TextBox 314">
             <a:extLst>
               <a:ext uri="{FF2B5EF4-FFF2-40B4-BE49-F238E27FC236}">
-                <a16:creationId xmlns:a16="http://schemas.microsoft.com/office/drawing/2014/main" xmlns="" id="{0AD0D108-71BF-432F-A08E-E8F5A946EC86}"/>
+                <a16:creationId xmlns="" xmlns:a16="http://schemas.microsoft.com/office/drawing/2014/main" id="{0AD0D108-71BF-432F-A08E-E8F5A946EC86}"/>
               </a:ext>
             </a:extLst>
           </p:cNvPr>
@@ -8551,7 +8552,7 @@
           <p:cNvPr id="316" name="TextBox 315">
             <a:extLst>
               <a:ext uri="{FF2B5EF4-FFF2-40B4-BE49-F238E27FC236}">
-                <a16:creationId xmlns:a16="http://schemas.microsoft.com/office/drawing/2014/main" xmlns="" id="{BA2BF029-2A8D-4892-B1FC-8BA6DEDC5F57}"/>
+                <a16:creationId xmlns="" xmlns:a16="http://schemas.microsoft.com/office/drawing/2014/main" id="{BA2BF029-2A8D-4892-B1FC-8BA6DEDC5F57}"/>
               </a:ext>
             </a:extLst>
           </p:cNvPr>
@@ -8589,7 +8590,7 @@
           <p:cNvPr id="317" name="TextBox 316">
             <a:extLst>
               <a:ext uri="{FF2B5EF4-FFF2-40B4-BE49-F238E27FC236}">
-                <a16:creationId xmlns:a16="http://schemas.microsoft.com/office/drawing/2014/main" xmlns="" id="{10794DF8-03D8-4954-BD8F-AB94DDB4DDD9}"/>
+                <a16:creationId xmlns="" xmlns:a16="http://schemas.microsoft.com/office/drawing/2014/main" id="{10794DF8-03D8-4954-BD8F-AB94DDB4DDD9}"/>
               </a:ext>
             </a:extLst>
           </p:cNvPr>
@@ -8635,7 +8636,7 @@
           <p:cNvPr id="318" name="TextBox 317">
             <a:extLst>
               <a:ext uri="{FF2B5EF4-FFF2-40B4-BE49-F238E27FC236}">
-                <a16:creationId xmlns:a16="http://schemas.microsoft.com/office/drawing/2014/main" xmlns="" id="{5295F85A-D50A-4018-9CEE-F88126D16B59}"/>
+                <a16:creationId xmlns="" xmlns:a16="http://schemas.microsoft.com/office/drawing/2014/main" id="{5295F85A-D50A-4018-9CEE-F88126D16B59}"/>
               </a:ext>
             </a:extLst>
           </p:cNvPr>
@@ -8678,7 +8679,7 @@
           <p:cNvPr id="319" name="TextBox 318">
             <a:extLst>
               <a:ext uri="{FF2B5EF4-FFF2-40B4-BE49-F238E27FC236}">
-                <a16:creationId xmlns:a16="http://schemas.microsoft.com/office/drawing/2014/main" xmlns="" id="{E8386D3A-F1C6-488E-8033-B7A3940F21C5}"/>
+                <a16:creationId xmlns="" xmlns:a16="http://schemas.microsoft.com/office/drawing/2014/main" id="{E8386D3A-F1C6-488E-8033-B7A3940F21C5}"/>
               </a:ext>
             </a:extLst>
           </p:cNvPr>
@@ -8721,7 +8722,7 @@
           <p:cNvPr id="329" name="그림 328">
             <a:extLst>
               <a:ext uri="{FF2B5EF4-FFF2-40B4-BE49-F238E27FC236}">
-                <a16:creationId xmlns:a16="http://schemas.microsoft.com/office/drawing/2014/main" xmlns="" id="{F9875368-482F-4290-8CA0-683E3D74D00C}"/>
+                <a16:creationId xmlns="" xmlns:a16="http://schemas.microsoft.com/office/drawing/2014/main" id="{F9875368-482F-4290-8CA0-683E3D74D00C}"/>
               </a:ext>
             </a:extLst>
           </p:cNvPr>
@@ -8779,7 +8780,7 @@
           <p:cNvPr id="330" name="TextBox 329">
             <a:extLst>
               <a:ext uri="{FF2B5EF4-FFF2-40B4-BE49-F238E27FC236}">
-                <a16:creationId xmlns:a16="http://schemas.microsoft.com/office/drawing/2014/main" xmlns="" id="{2126F626-11BC-4D72-BCC9-B61FEFE0D163}"/>
+                <a16:creationId xmlns="" xmlns:a16="http://schemas.microsoft.com/office/drawing/2014/main" id="{2126F626-11BC-4D72-BCC9-B61FEFE0D163}"/>
               </a:ext>
             </a:extLst>
           </p:cNvPr>
@@ -8832,7 +8833,7 @@
           <p:cNvPr id="331" name="그림 330">
             <a:extLst>
               <a:ext uri="{FF2B5EF4-FFF2-40B4-BE49-F238E27FC236}">
-                <a16:creationId xmlns:a16="http://schemas.microsoft.com/office/drawing/2014/main" xmlns="" id="{963C65DE-6388-45DC-A85A-E9C35564C335}"/>
+                <a16:creationId xmlns="" xmlns:a16="http://schemas.microsoft.com/office/drawing/2014/main" id="{963C65DE-6388-45DC-A85A-E9C35564C335}"/>
               </a:ext>
             </a:extLst>
           </p:cNvPr>
@@ -8890,7 +8891,7 @@
           <p:cNvPr id="332" name="TextBox 331">
             <a:extLst>
               <a:ext uri="{FF2B5EF4-FFF2-40B4-BE49-F238E27FC236}">
-                <a16:creationId xmlns:a16="http://schemas.microsoft.com/office/drawing/2014/main" xmlns="" id="{EBBC07F5-11A0-4B67-9E12-944EF60BCC0F}"/>
+                <a16:creationId xmlns="" xmlns:a16="http://schemas.microsoft.com/office/drawing/2014/main" id="{EBBC07F5-11A0-4B67-9E12-944EF60BCC0F}"/>
               </a:ext>
             </a:extLst>
           </p:cNvPr>
@@ -8973,7 +8974,7 @@
           <p:cNvPr id="54" name="직선 연결선 53">
             <a:extLst>
               <a:ext uri="{FF2B5EF4-FFF2-40B4-BE49-F238E27FC236}">
-                <a16:creationId xmlns:a16="http://schemas.microsoft.com/office/drawing/2014/main" xmlns="" id="{C0E7FF59-BEE0-4C00-9F83-E09D00B0C516}"/>
+                <a16:creationId xmlns="" xmlns:a16="http://schemas.microsoft.com/office/drawing/2014/main" id="{C0E7FF59-BEE0-4C00-9F83-E09D00B0C516}"/>
               </a:ext>
             </a:extLst>
           </p:cNvPr>
@@ -9017,7 +9018,7 @@
           <p:cNvPr id="82" name="직선 연결선 81">
             <a:extLst>
               <a:ext uri="{FF2B5EF4-FFF2-40B4-BE49-F238E27FC236}">
-                <a16:creationId xmlns:a16="http://schemas.microsoft.com/office/drawing/2014/main" xmlns="" id="{81C795E2-4BAB-4B30-8615-EF5D39005982}"/>
+                <a16:creationId xmlns="" xmlns:a16="http://schemas.microsoft.com/office/drawing/2014/main" id="{81C795E2-4BAB-4B30-8615-EF5D39005982}"/>
               </a:ext>
             </a:extLst>
           </p:cNvPr>
@@ -9061,7 +9062,7 @@
           <p:cNvPr id="83" name="직선 연결선 82">
             <a:extLst>
               <a:ext uri="{FF2B5EF4-FFF2-40B4-BE49-F238E27FC236}">
-                <a16:creationId xmlns:a16="http://schemas.microsoft.com/office/drawing/2014/main" xmlns="" id="{FF755B02-EC7C-4BA0-A253-E7B3B6C7D81C}"/>
+                <a16:creationId xmlns="" xmlns:a16="http://schemas.microsoft.com/office/drawing/2014/main" id="{FF755B02-EC7C-4BA0-A253-E7B3B6C7D81C}"/>
               </a:ext>
             </a:extLst>
           </p:cNvPr>
@@ -9169,7 +9170,7 @@
           <p:cNvPr id="4" name="TextBox 3">
             <a:extLst>
               <a:ext uri="{FF2B5EF4-FFF2-40B4-BE49-F238E27FC236}">
-                <a16:creationId xmlns:a16="http://schemas.microsoft.com/office/drawing/2014/main" xmlns="" id="{C04AFB07-A04F-4BA4-AFC3-446CE5957D9D}"/>
+                <a16:creationId xmlns="" xmlns:a16="http://schemas.microsoft.com/office/drawing/2014/main" id="{C04AFB07-A04F-4BA4-AFC3-446CE5957D9D}"/>
               </a:ext>
             </a:extLst>
           </p:cNvPr>
@@ -9211,7 +9212,7 @@
           <p:cNvPr id="56" name="TextBox 55">
             <a:extLst>
               <a:ext uri="{FF2B5EF4-FFF2-40B4-BE49-F238E27FC236}">
-                <a16:creationId xmlns:a16="http://schemas.microsoft.com/office/drawing/2014/main" xmlns="" id="{B6A70F32-8562-4E73-BD1D-CF9D36148B17}"/>
+                <a16:creationId xmlns="" xmlns:a16="http://schemas.microsoft.com/office/drawing/2014/main" id="{B6A70F32-8562-4E73-BD1D-CF9D36148B17}"/>
               </a:ext>
             </a:extLst>
           </p:cNvPr>
@@ -9253,7 +9254,7 @@
           <p:cNvPr id="57" name="TextBox 56">
             <a:extLst>
               <a:ext uri="{FF2B5EF4-FFF2-40B4-BE49-F238E27FC236}">
-                <a16:creationId xmlns:a16="http://schemas.microsoft.com/office/drawing/2014/main" xmlns="" id="{69C2B872-9BEB-4D28-96BF-A163FA23B2AE}"/>
+                <a16:creationId xmlns="" xmlns:a16="http://schemas.microsoft.com/office/drawing/2014/main" id="{69C2B872-9BEB-4D28-96BF-A163FA23B2AE}"/>
               </a:ext>
             </a:extLst>
           </p:cNvPr>
@@ -9295,7 +9296,7 @@
           <p:cNvPr id="58" name="TextBox 57">
             <a:extLst>
               <a:ext uri="{FF2B5EF4-FFF2-40B4-BE49-F238E27FC236}">
-                <a16:creationId xmlns:a16="http://schemas.microsoft.com/office/drawing/2014/main" xmlns="" id="{EF643D31-A1D1-4965-BB3A-247350DB9036}"/>
+                <a16:creationId xmlns="" xmlns:a16="http://schemas.microsoft.com/office/drawing/2014/main" id="{EF643D31-A1D1-4965-BB3A-247350DB9036}"/>
               </a:ext>
             </a:extLst>
           </p:cNvPr>
@@ -9337,7 +9338,7 @@
           <p:cNvPr id="59" name="TextBox 58">
             <a:extLst>
               <a:ext uri="{FF2B5EF4-FFF2-40B4-BE49-F238E27FC236}">
-                <a16:creationId xmlns:a16="http://schemas.microsoft.com/office/drawing/2014/main" xmlns="" id="{CEFEF120-AE30-4C7C-8637-42BDD97D4151}"/>
+                <a16:creationId xmlns="" xmlns:a16="http://schemas.microsoft.com/office/drawing/2014/main" id="{CEFEF120-AE30-4C7C-8637-42BDD97D4151}"/>
               </a:ext>
             </a:extLst>
           </p:cNvPr>
@@ -9379,7 +9380,7 @@
           <p:cNvPr id="60" name="TextBox 59">
             <a:extLst>
               <a:ext uri="{FF2B5EF4-FFF2-40B4-BE49-F238E27FC236}">
-                <a16:creationId xmlns:a16="http://schemas.microsoft.com/office/drawing/2014/main" xmlns="" id="{1EF9F216-41A4-4695-A143-7F795D43D60F}"/>
+                <a16:creationId xmlns="" xmlns:a16="http://schemas.microsoft.com/office/drawing/2014/main" id="{1EF9F216-41A4-4695-A143-7F795D43D60F}"/>
               </a:ext>
             </a:extLst>
           </p:cNvPr>
@@ -9421,7 +9422,7 @@
           <p:cNvPr id="61" name="TextBox 60">
             <a:extLst>
               <a:ext uri="{FF2B5EF4-FFF2-40B4-BE49-F238E27FC236}">
-                <a16:creationId xmlns:a16="http://schemas.microsoft.com/office/drawing/2014/main" xmlns="" id="{2A0E21AB-25E9-49DD-ADB4-0D3EC75B25A1}"/>
+                <a16:creationId xmlns="" xmlns:a16="http://schemas.microsoft.com/office/drawing/2014/main" id="{2A0E21AB-25E9-49DD-ADB4-0D3EC75B25A1}"/>
               </a:ext>
             </a:extLst>
           </p:cNvPr>
@@ -9463,7 +9464,7 @@
           <p:cNvPr id="62" name="TextBox 61">
             <a:extLst>
               <a:ext uri="{FF2B5EF4-FFF2-40B4-BE49-F238E27FC236}">
-                <a16:creationId xmlns:a16="http://schemas.microsoft.com/office/drawing/2014/main" xmlns="" id="{74F7DFBB-01DD-4E1C-AA49-53D5262B1568}"/>
+                <a16:creationId xmlns="" xmlns:a16="http://schemas.microsoft.com/office/drawing/2014/main" id="{74F7DFBB-01DD-4E1C-AA49-53D5262B1568}"/>
               </a:ext>
             </a:extLst>
           </p:cNvPr>
@@ -9505,7 +9506,7 @@
           <p:cNvPr id="63" name="TextBox 62">
             <a:extLst>
               <a:ext uri="{FF2B5EF4-FFF2-40B4-BE49-F238E27FC236}">
-                <a16:creationId xmlns:a16="http://schemas.microsoft.com/office/drawing/2014/main" xmlns="" id="{A80CF1C4-9476-4397-A3ED-365156FF8C0B}"/>
+                <a16:creationId xmlns="" xmlns:a16="http://schemas.microsoft.com/office/drawing/2014/main" id="{A80CF1C4-9476-4397-A3ED-365156FF8C0B}"/>
               </a:ext>
             </a:extLst>
           </p:cNvPr>
@@ -9547,7 +9548,7 @@
           <p:cNvPr id="64" name="TextBox 63">
             <a:extLst>
               <a:ext uri="{FF2B5EF4-FFF2-40B4-BE49-F238E27FC236}">
-                <a16:creationId xmlns:a16="http://schemas.microsoft.com/office/drawing/2014/main" xmlns="" id="{BE0C0FF2-734F-440D-9121-2CA00E623972}"/>
+                <a16:creationId xmlns="" xmlns:a16="http://schemas.microsoft.com/office/drawing/2014/main" id="{BE0C0FF2-734F-440D-9121-2CA00E623972}"/>
               </a:ext>
             </a:extLst>
           </p:cNvPr>
@@ -9589,7 +9590,7 @@
           <p:cNvPr id="65" name="TextBox 64">
             <a:extLst>
               <a:ext uri="{FF2B5EF4-FFF2-40B4-BE49-F238E27FC236}">
-                <a16:creationId xmlns:a16="http://schemas.microsoft.com/office/drawing/2014/main" xmlns="" id="{75621EA3-8E7A-411B-81FC-098BF5452E03}"/>
+                <a16:creationId xmlns="" xmlns:a16="http://schemas.microsoft.com/office/drawing/2014/main" id="{75621EA3-8E7A-411B-81FC-098BF5452E03}"/>
               </a:ext>
             </a:extLst>
           </p:cNvPr>
@@ -9631,7 +9632,7 @@
           <p:cNvPr id="66" name="TextBox 65">
             <a:extLst>
               <a:ext uri="{FF2B5EF4-FFF2-40B4-BE49-F238E27FC236}">
-                <a16:creationId xmlns:a16="http://schemas.microsoft.com/office/drawing/2014/main" xmlns="" id="{C1FA5586-4F2E-4F6A-A0FA-1855CDED3BDC}"/>
+                <a16:creationId xmlns="" xmlns:a16="http://schemas.microsoft.com/office/drawing/2014/main" id="{C1FA5586-4F2E-4F6A-A0FA-1855CDED3BDC}"/>
               </a:ext>
             </a:extLst>
           </p:cNvPr>
@@ -9673,7 +9674,7 @@
           <p:cNvPr id="67" name="TextBox 66">
             <a:extLst>
               <a:ext uri="{FF2B5EF4-FFF2-40B4-BE49-F238E27FC236}">
-                <a16:creationId xmlns:a16="http://schemas.microsoft.com/office/drawing/2014/main" xmlns="" id="{141486BF-6F45-441A-95F3-D175221A8176}"/>
+                <a16:creationId xmlns="" xmlns:a16="http://schemas.microsoft.com/office/drawing/2014/main" id="{141486BF-6F45-441A-95F3-D175221A8176}"/>
               </a:ext>
             </a:extLst>
           </p:cNvPr>
@@ -9715,7 +9716,7 @@
           <p:cNvPr id="68" name="TextBox 67">
             <a:extLst>
               <a:ext uri="{FF2B5EF4-FFF2-40B4-BE49-F238E27FC236}">
-                <a16:creationId xmlns:a16="http://schemas.microsoft.com/office/drawing/2014/main" xmlns="" id="{D1BF9F06-0991-468D-8349-6B35F7061937}"/>
+                <a16:creationId xmlns="" xmlns:a16="http://schemas.microsoft.com/office/drawing/2014/main" id="{D1BF9F06-0991-468D-8349-6B35F7061937}"/>
               </a:ext>
             </a:extLst>
           </p:cNvPr>
@@ -9757,7 +9758,7 @@
           <p:cNvPr id="69" name="TextBox 68">
             <a:extLst>
               <a:ext uri="{FF2B5EF4-FFF2-40B4-BE49-F238E27FC236}">
-                <a16:creationId xmlns:a16="http://schemas.microsoft.com/office/drawing/2014/main" xmlns="" id="{298D047E-0D35-48CC-B73B-A5246B507DEC}"/>
+                <a16:creationId xmlns="" xmlns:a16="http://schemas.microsoft.com/office/drawing/2014/main" id="{298D047E-0D35-48CC-B73B-A5246B507DEC}"/>
               </a:ext>
             </a:extLst>
           </p:cNvPr>
@@ -9799,7 +9800,7 @@
           <p:cNvPr id="70" name="TextBox 69">
             <a:extLst>
               <a:ext uri="{FF2B5EF4-FFF2-40B4-BE49-F238E27FC236}">
-                <a16:creationId xmlns:a16="http://schemas.microsoft.com/office/drawing/2014/main" xmlns="" id="{3E688838-CA83-4471-9A4C-650BFD22C65B}"/>
+                <a16:creationId xmlns="" xmlns:a16="http://schemas.microsoft.com/office/drawing/2014/main" id="{3E688838-CA83-4471-9A4C-650BFD22C65B}"/>
               </a:ext>
             </a:extLst>
           </p:cNvPr>
@@ -9841,7 +9842,7 @@
           <p:cNvPr id="71" name="TextBox 70">
             <a:extLst>
               <a:ext uri="{FF2B5EF4-FFF2-40B4-BE49-F238E27FC236}">
-                <a16:creationId xmlns:a16="http://schemas.microsoft.com/office/drawing/2014/main" xmlns="" id="{9CECF851-F0A1-4282-996C-B5D11CEB5290}"/>
+                <a16:creationId xmlns="" xmlns:a16="http://schemas.microsoft.com/office/drawing/2014/main" id="{9CECF851-F0A1-4282-996C-B5D11CEB5290}"/>
               </a:ext>
             </a:extLst>
           </p:cNvPr>
@@ -9883,7 +9884,7 @@
           <p:cNvPr id="72" name="TextBox 71">
             <a:extLst>
               <a:ext uri="{FF2B5EF4-FFF2-40B4-BE49-F238E27FC236}">
-                <a16:creationId xmlns:a16="http://schemas.microsoft.com/office/drawing/2014/main" xmlns="" id="{69BC8545-3494-47F8-AF2D-6D5219239A00}"/>
+                <a16:creationId xmlns="" xmlns:a16="http://schemas.microsoft.com/office/drawing/2014/main" id="{69BC8545-3494-47F8-AF2D-6D5219239A00}"/>
               </a:ext>
             </a:extLst>
           </p:cNvPr>
@@ -9925,7 +9926,7 @@
           <p:cNvPr id="73" name="TextBox 72">
             <a:extLst>
               <a:ext uri="{FF2B5EF4-FFF2-40B4-BE49-F238E27FC236}">
-                <a16:creationId xmlns:a16="http://schemas.microsoft.com/office/drawing/2014/main" xmlns="" id="{FB9808E6-A5DB-4C5B-8EA9-D7841F12F0BE}"/>
+                <a16:creationId xmlns="" xmlns:a16="http://schemas.microsoft.com/office/drawing/2014/main" id="{FB9808E6-A5DB-4C5B-8EA9-D7841F12F0BE}"/>
               </a:ext>
             </a:extLst>
           </p:cNvPr>
@@ -9966,7 +9967,7 @@
           <p:cNvPr id="74" name="TextBox 73">
             <a:extLst>
               <a:ext uri="{FF2B5EF4-FFF2-40B4-BE49-F238E27FC236}">
-                <a16:creationId xmlns:a16="http://schemas.microsoft.com/office/drawing/2014/main" xmlns="" id="{77FEB70C-285E-44D7-BC63-B77A268499EC}"/>
+                <a16:creationId xmlns="" xmlns:a16="http://schemas.microsoft.com/office/drawing/2014/main" id="{77FEB70C-285E-44D7-BC63-B77A268499EC}"/>
               </a:ext>
             </a:extLst>
           </p:cNvPr>
@@ -10008,7 +10009,7 @@
           <p:cNvPr id="75" name="TextBox 74">
             <a:extLst>
               <a:ext uri="{FF2B5EF4-FFF2-40B4-BE49-F238E27FC236}">
-                <a16:creationId xmlns:a16="http://schemas.microsoft.com/office/drawing/2014/main" xmlns="" id="{2D586DBC-82ED-4D02-8CDB-898A98F22D29}"/>
+                <a16:creationId xmlns="" xmlns:a16="http://schemas.microsoft.com/office/drawing/2014/main" id="{2D586DBC-82ED-4D02-8CDB-898A98F22D29}"/>
               </a:ext>
             </a:extLst>
           </p:cNvPr>
@@ -10050,7 +10051,7 @@
           <p:cNvPr id="76" name="TextBox 75">
             <a:extLst>
               <a:ext uri="{FF2B5EF4-FFF2-40B4-BE49-F238E27FC236}">
-                <a16:creationId xmlns:a16="http://schemas.microsoft.com/office/drawing/2014/main" xmlns="" id="{22289A32-88D1-4436-B105-8F109602B5F6}"/>
+                <a16:creationId xmlns="" xmlns:a16="http://schemas.microsoft.com/office/drawing/2014/main" id="{22289A32-88D1-4436-B105-8F109602B5F6}"/>
               </a:ext>
             </a:extLst>
           </p:cNvPr>
@@ -10092,7 +10093,7 @@
           <p:cNvPr id="77" name="TextBox 76">
             <a:extLst>
               <a:ext uri="{FF2B5EF4-FFF2-40B4-BE49-F238E27FC236}">
-                <a16:creationId xmlns:a16="http://schemas.microsoft.com/office/drawing/2014/main" xmlns="" id="{B378BD5B-1DD8-415E-B876-3BC7241E34FB}"/>
+                <a16:creationId xmlns="" xmlns:a16="http://schemas.microsoft.com/office/drawing/2014/main" id="{B378BD5B-1DD8-415E-B876-3BC7241E34FB}"/>
               </a:ext>
             </a:extLst>
           </p:cNvPr>
@@ -10134,7 +10135,7 @@
           <p:cNvPr id="78" name="TextBox 77">
             <a:extLst>
               <a:ext uri="{FF2B5EF4-FFF2-40B4-BE49-F238E27FC236}">
-                <a16:creationId xmlns:a16="http://schemas.microsoft.com/office/drawing/2014/main" xmlns="" id="{044ABCD1-0C74-4BB9-AA1C-4AA354CD99A4}"/>
+                <a16:creationId xmlns="" xmlns:a16="http://schemas.microsoft.com/office/drawing/2014/main" id="{044ABCD1-0C74-4BB9-AA1C-4AA354CD99A4}"/>
               </a:ext>
             </a:extLst>
           </p:cNvPr>
@@ -10176,7 +10177,7 @@
           <p:cNvPr id="79" name="TextBox 78">
             <a:extLst>
               <a:ext uri="{FF2B5EF4-FFF2-40B4-BE49-F238E27FC236}">
-                <a16:creationId xmlns:a16="http://schemas.microsoft.com/office/drawing/2014/main" xmlns="" id="{40BF79D4-31E0-457F-A861-F18F4B134B7E}"/>
+                <a16:creationId xmlns="" xmlns:a16="http://schemas.microsoft.com/office/drawing/2014/main" id="{40BF79D4-31E0-457F-A861-F18F4B134B7E}"/>
               </a:ext>
             </a:extLst>
           </p:cNvPr>
@@ -10218,7 +10219,7 @@
           <p:cNvPr id="80" name="TextBox 79">
             <a:extLst>
               <a:ext uri="{FF2B5EF4-FFF2-40B4-BE49-F238E27FC236}">
-                <a16:creationId xmlns:a16="http://schemas.microsoft.com/office/drawing/2014/main" xmlns="" id="{B298DBD4-3E3A-4ABA-AD91-E2BFAB365382}"/>
+                <a16:creationId xmlns="" xmlns:a16="http://schemas.microsoft.com/office/drawing/2014/main" id="{B298DBD4-3E3A-4ABA-AD91-E2BFAB365382}"/>
               </a:ext>
             </a:extLst>
           </p:cNvPr>
@@ -10262,7 +10263,7 @@
               <p:cNvPr id="81" name="TextBox 80">
                 <a:extLst>
                   <a:ext uri="{FF2B5EF4-FFF2-40B4-BE49-F238E27FC236}">
-                    <a16:creationId xmlns:a16="http://schemas.microsoft.com/office/drawing/2014/main" xmlns="" id="{3460AABE-49C3-4A25-B0A5-5326C3838920}"/>
+                    <a16:creationId xmlns="" xmlns:a16="http://schemas.microsoft.com/office/drawing/2014/main" id="{3460AABE-49C3-4A25-B0A5-5326C3838920}"/>
                   </a:ext>
                 </a:extLst>
               </p:cNvPr>
@@ -10465,7 +10466,7 @@
           <p:cNvPr id="93" name="TextBox 92">
             <a:extLst>
               <a:ext uri="{FF2B5EF4-FFF2-40B4-BE49-F238E27FC236}">
-                <a16:creationId xmlns:a16="http://schemas.microsoft.com/office/drawing/2014/main" xmlns="" id="{EF22571D-3744-43F2-B47A-33FBDE888CF5}"/>
+                <a16:creationId xmlns="" xmlns:a16="http://schemas.microsoft.com/office/drawing/2014/main" id="{EF22571D-3744-43F2-B47A-33FBDE888CF5}"/>
               </a:ext>
             </a:extLst>
           </p:cNvPr>
@@ -10531,7 +10532,7 @@
               <p:cNvPr id="84" name="TextBox 83">
                 <a:extLst>
                   <a:ext uri="{FF2B5EF4-FFF2-40B4-BE49-F238E27FC236}">
-                    <a16:creationId xmlns:a16="http://schemas.microsoft.com/office/drawing/2014/main" xmlns="" id="{637A9EBD-8651-4827-A9C8-718C09951F70}"/>
+                    <a16:creationId xmlns="" xmlns:a16="http://schemas.microsoft.com/office/drawing/2014/main" id="{637A9EBD-8651-4827-A9C8-718C09951F70}"/>
                   </a:ext>
                 </a:extLst>
               </p:cNvPr>
@@ -10689,7 +10690,7 @@
               <p:cNvPr id="85" name="TextBox 84">
                 <a:extLst>
                   <a:ext uri="{FF2B5EF4-FFF2-40B4-BE49-F238E27FC236}">
-                    <a16:creationId xmlns:a16="http://schemas.microsoft.com/office/drawing/2014/main" xmlns="" id="{30DFB557-63B6-4825-A4E9-AA48679DDB80}"/>
+                    <a16:creationId xmlns="" xmlns:a16="http://schemas.microsoft.com/office/drawing/2014/main" id="{30DFB557-63B6-4825-A4E9-AA48679DDB80}"/>
                   </a:ext>
                 </a:extLst>
               </p:cNvPr>
@@ -10845,7 +10846,7 @@
           <p:cNvPr id="7" name="화살표: 왼쪽/오른쪽 6">
             <a:extLst>
               <a:ext uri="{FF2B5EF4-FFF2-40B4-BE49-F238E27FC236}">
-                <a16:creationId xmlns:a16="http://schemas.microsoft.com/office/drawing/2014/main" xmlns="" id="{4E12E168-D9FF-4343-B35E-06DA76E44FB7}"/>
+                <a16:creationId xmlns="" xmlns:a16="http://schemas.microsoft.com/office/drawing/2014/main" id="{4E12E168-D9FF-4343-B35E-06DA76E44FB7}"/>
               </a:ext>
             </a:extLst>
           </p:cNvPr>
@@ -10903,7 +10904,7 @@
           <p:cNvPr id="86" name="화살표: 왼쪽/오른쪽 85">
             <a:extLst>
               <a:ext uri="{FF2B5EF4-FFF2-40B4-BE49-F238E27FC236}">
-                <a16:creationId xmlns:a16="http://schemas.microsoft.com/office/drawing/2014/main" xmlns="" id="{EF7A27AD-799A-48D7-92C2-6074E551A6E9}"/>
+                <a16:creationId xmlns="" xmlns:a16="http://schemas.microsoft.com/office/drawing/2014/main" id="{EF7A27AD-799A-48D7-92C2-6074E551A6E9}"/>
               </a:ext>
             </a:extLst>
           </p:cNvPr>
@@ -10961,7 +10962,7 @@
           <p:cNvPr id="87" name="TextBox 86">
             <a:extLst>
               <a:ext uri="{FF2B5EF4-FFF2-40B4-BE49-F238E27FC236}">
-                <a16:creationId xmlns:a16="http://schemas.microsoft.com/office/drawing/2014/main" xmlns="" id="{38413CFF-9145-48E8-AA03-05D6C8B2F931}"/>
+                <a16:creationId xmlns="" xmlns:a16="http://schemas.microsoft.com/office/drawing/2014/main" id="{38413CFF-9145-48E8-AA03-05D6C8B2F931}"/>
               </a:ext>
             </a:extLst>
           </p:cNvPr>
@@ -11042,14 +11043,4113 @@
           <a:chExt cx="0" cy="0"/>
         </a:xfrm>
       </p:grpSpPr>
-      <mc:AlternateContent xmlns:mc="http://schemas.openxmlformats.org/markup-compatibility/2006">
-        <mc:Choice xmlns:a14="http://schemas.microsoft.com/office/drawing/2010/main" Requires="a14">
+      <p:grpSp>
+        <p:nvGrpSpPr>
+          <p:cNvPr id="3" name="그룹 2"/>
+          <p:cNvGrpSpPr/>
+          <p:nvPr/>
+        </p:nvGrpSpPr>
+        <p:grpSpPr>
+          <a:xfrm>
+            <a:off x="694973" y="685369"/>
+            <a:ext cx="7754054" cy="3772762"/>
+            <a:chOff x="694973" y="685369"/>
+            <a:chExt cx="7754054" cy="3772762"/>
+          </a:xfrm>
+        </p:grpSpPr>
+        <p:cxnSp>
+          <p:nvCxnSpPr>
+            <p:cNvPr id="54" name="직선 연결선 53">
+              <a:extLst>
+                <a:ext uri="{FF2B5EF4-FFF2-40B4-BE49-F238E27FC236}">
+                  <a16:creationId xmlns="" xmlns:a16="http://schemas.microsoft.com/office/drawing/2014/main" id="{C0E7FF59-BEE0-4C00-9F83-E09D00B0C516}"/>
+                </a:ext>
+              </a:extLst>
+            </p:cNvPr>
+            <p:cNvCxnSpPr>
+              <a:cxnSpLocks/>
+            </p:cNvCxnSpPr>
+            <p:nvPr/>
+          </p:nvCxnSpPr>
+          <p:spPr>
+            <a:xfrm>
+              <a:off x="2712049" y="1054701"/>
+              <a:ext cx="0" cy="3331422"/>
+            </a:xfrm>
+            <a:prstGeom prst="line">
+              <a:avLst/>
+            </a:prstGeom>
+            <a:ln w="28575">
+              <a:solidFill>
+                <a:schemeClr val="accent3"/>
+              </a:solidFill>
+              <a:prstDash val="dash"/>
+            </a:ln>
+          </p:spPr>
+          <p:style>
+            <a:lnRef idx="1">
+              <a:schemeClr val="accent1"/>
+            </a:lnRef>
+            <a:fillRef idx="0">
+              <a:schemeClr val="accent1"/>
+            </a:fillRef>
+            <a:effectRef idx="0">
+              <a:schemeClr val="accent1"/>
+            </a:effectRef>
+            <a:fontRef idx="minor">
+              <a:schemeClr val="tx1"/>
+            </a:fontRef>
+          </p:style>
+        </p:cxnSp>
+        <p:cxnSp>
+          <p:nvCxnSpPr>
+            <p:cNvPr id="82" name="직선 연결선 81">
+              <a:extLst>
+                <a:ext uri="{FF2B5EF4-FFF2-40B4-BE49-F238E27FC236}">
+                  <a16:creationId xmlns="" xmlns:a16="http://schemas.microsoft.com/office/drawing/2014/main" id="{81C795E2-4BAB-4B30-8615-EF5D39005982}"/>
+                </a:ext>
+              </a:extLst>
+            </p:cNvPr>
+            <p:cNvCxnSpPr>
+              <a:cxnSpLocks/>
+            </p:cNvCxnSpPr>
+            <p:nvPr/>
+          </p:nvCxnSpPr>
+          <p:spPr>
+            <a:xfrm>
+              <a:off x="2127541" y="1420472"/>
+              <a:ext cx="0" cy="2965651"/>
+            </a:xfrm>
+            <a:prstGeom prst="line">
+              <a:avLst/>
+            </a:prstGeom>
+            <a:ln w="28575">
+              <a:solidFill>
+                <a:schemeClr val="accent6"/>
+              </a:solidFill>
+              <a:prstDash val="dash"/>
+            </a:ln>
+          </p:spPr>
+          <p:style>
+            <a:lnRef idx="1">
+              <a:schemeClr val="accent1"/>
+            </a:lnRef>
+            <a:fillRef idx="0">
+              <a:schemeClr val="accent1"/>
+            </a:fillRef>
+            <a:effectRef idx="0">
+              <a:schemeClr val="accent1"/>
+            </a:effectRef>
+            <a:fontRef idx="minor">
+              <a:schemeClr val="tx1"/>
+            </a:fontRef>
+          </p:style>
+        </p:cxnSp>
+        <p:cxnSp>
+          <p:nvCxnSpPr>
+            <p:cNvPr id="83" name="직선 연결선 82">
+              <a:extLst>
+                <a:ext uri="{FF2B5EF4-FFF2-40B4-BE49-F238E27FC236}">
+                  <a16:creationId xmlns="" xmlns:a16="http://schemas.microsoft.com/office/drawing/2014/main" id="{FF755B02-EC7C-4BA0-A253-E7B3B6C7D81C}"/>
+                </a:ext>
+              </a:extLst>
+            </p:cNvPr>
+            <p:cNvCxnSpPr>
+              <a:cxnSpLocks/>
+            </p:cNvCxnSpPr>
+            <p:nvPr/>
+          </p:nvCxnSpPr>
+          <p:spPr>
+            <a:xfrm>
+              <a:off x="3296558" y="1420472"/>
+              <a:ext cx="0" cy="2965651"/>
+            </a:xfrm>
+            <a:prstGeom prst="line">
+              <a:avLst/>
+            </a:prstGeom>
+            <a:ln w="28575">
+              <a:solidFill>
+                <a:schemeClr val="accent6"/>
+              </a:solidFill>
+              <a:prstDash val="dash"/>
+            </a:ln>
+          </p:spPr>
+          <p:style>
+            <a:lnRef idx="1">
+              <a:schemeClr val="accent1"/>
+            </a:lnRef>
+            <a:fillRef idx="0">
+              <a:schemeClr val="accent1"/>
+            </a:fillRef>
+            <a:effectRef idx="0">
+              <a:schemeClr val="accent1"/>
+            </a:effectRef>
+            <a:fontRef idx="minor">
+              <a:schemeClr val="tx1"/>
+            </a:fontRef>
+          </p:style>
+        </p:cxnSp>
+        <p:pic>
+          <p:nvPicPr>
+            <p:cNvPr id="5" name="Picture 2"/>
+            <p:cNvPicPr>
+              <a:picLocks noChangeAspect="1" noChangeArrowheads="1"/>
+            </p:cNvPicPr>
+            <p:nvPr/>
+          </p:nvPicPr>
+          <p:blipFill>
+            <a:blip r:embed="rId2">
+              <a:extLst>
+                <a:ext uri="{28A0092B-C50C-407E-A947-70E740481C1C}">
+                  <a14:useLocalDpi xmlns:a14="http://schemas.microsoft.com/office/drawing/2010/main" val="0"/>
+                </a:ext>
+              </a:extLst>
+            </a:blip>
+            <a:srcRect/>
+            <a:stretch>
+              <a:fillRect/>
+            </a:stretch>
+          </p:blipFill>
+          <p:spPr bwMode="auto">
+            <a:xfrm>
+              <a:off x="1101753" y="1577811"/>
+              <a:ext cx="3064412" cy="2880320"/>
+            </a:xfrm>
+            <a:prstGeom prst="rect">
+              <a:avLst/>
+            </a:prstGeom>
+            <a:noFill/>
+            <a:ln>
+              <a:noFill/>
+            </a:ln>
+            <a:effectLst/>
+            <a:extLst>
+              <a:ext uri="{909E8E84-426E-40DD-AFC4-6F175D3DCCD1}">
+                <a14:hiddenFill xmlns:a14="http://schemas.microsoft.com/office/drawing/2010/main">
+                  <a:solidFill>
+                    <a:schemeClr val="accent1"/>
+                  </a:solidFill>
+                </a14:hiddenFill>
+              </a:ext>
+              <a:ext uri="{91240B29-F687-4F45-9708-019B960494DF}">
+                <a14:hiddenLine xmlns:a14="http://schemas.microsoft.com/office/drawing/2010/main" w="9525">
+                  <a:solidFill>
+                    <a:schemeClr val="tx1"/>
+                  </a:solidFill>
+                  <a:miter lim="800000"/>
+                  <a:headEnd/>
+                  <a:tailEnd/>
+                </a14:hiddenLine>
+              </a:ext>
+              <a:ext uri="{AF507438-7753-43E0-B8FC-AC1667EBCBE1}">
+                <a14:hiddenEffects xmlns:a14="http://schemas.microsoft.com/office/drawing/2010/main">
+                  <a:effectLst>
+                    <a:outerShdw dist="35921" dir="2700000" algn="ctr" rotWithShape="0">
+                      <a:schemeClr val="bg2"/>
+                    </a:outerShdw>
+                  </a:effectLst>
+                </a14:hiddenEffects>
+              </a:ext>
+            </a:extLst>
+          </p:spPr>
+        </p:pic>
+        <p:sp>
+          <p:nvSpPr>
+            <p:cNvPr id="4" name="TextBox 3">
+              <a:extLst>
+                <a:ext uri="{FF2B5EF4-FFF2-40B4-BE49-F238E27FC236}">
+                  <a16:creationId xmlns="" xmlns:a16="http://schemas.microsoft.com/office/drawing/2014/main" id="{C04AFB07-A04F-4BA4-AFC3-446CE5957D9D}"/>
+                </a:ext>
+              </a:extLst>
+            </p:cNvPr>
+            <p:cNvSpPr txBox="1"/>
+            <p:nvPr/>
+          </p:nvSpPr>
+          <p:spPr>
+            <a:xfrm>
+              <a:off x="2315195" y="2676424"/>
+              <a:ext cx="417102" cy="261610"/>
+            </a:xfrm>
+            <a:prstGeom prst="rect">
+              <a:avLst/>
+            </a:prstGeom>
+            <a:noFill/>
+          </p:spPr>
+          <p:txBody>
+            <a:bodyPr wrap="none" rtlCol="0">
+              <a:spAutoFit/>
+            </a:bodyPr>
+            <a:lstStyle/>
+            <a:p>
+              <a:r>
+                <a:rPr lang="ko-KR" altLang="en-US" sz="1100" dirty="0" smtClean="0">
+                  <a:latin typeface="배달의민족 주아" panose="02020603020101020101" pitchFamily="18" charset="-127"/>
+                  <a:ea typeface="배달의민족 주아" panose="02020603020101020101" pitchFamily="18" charset="-127"/>
+                </a:rPr>
+                <a:t>차이</a:t>
+              </a:r>
+              <a:endParaRPr lang="ko-KR" altLang="en-US" sz="1100" dirty="0">
+                <a:latin typeface="배달의민족 주아" panose="02020603020101020101" pitchFamily="18" charset="-127"/>
+                <a:ea typeface="배달의민족 주아" panose="02020603020101020101" pitchFamily="18" charset="-127"/>
+              </a:endParaRPr>
+            </a:p>
+          </p:txBody>
+        </p:sp>
+        <p:sp>
+          <p:nvSpPr>
+            <p:cNvPr id="56" name="TextBox 55">
+              <a:extLst>
+                <a:ext uri="{FF2B5EF4-FFF2-40B4-BE49-F238E27FC236}">
+                  <a16:creationId xmlns="" xmlns:a16="http://schemas.microsoft.com/office/drawing/2014/main" id="{B6A70F32-8562-4E73-BD1D-CF9D36148B17}"/>
+                </a:ext>
+              </a:extLst>
+            </p:cNvPr>
+            <p:cNvSpPr txBox="1"/>
+            <p:nvPr/>
+          </p:nvSpPr>
+          <p:spPr>
+            <a:xfrm>
+              <a:off x="2216857" y="2917581"/>
+              <a:ext cx="417102" cy="261610"/>
+            </a:xfrm>
+            <a:prstGeom prst="rect">
+              <a:avLst/>
+            </a:prstGeom>
+            <a:noFill/>
+          </p:spPr>
+          <p:txBody>
+            <a:bodyPr wrap="none" rtlCol="0">
+              <a:spAutoFit/>
+            </a:bodyPr>
+            <a:lstStyle/>
+            <a:p>
+              <a:r>
+                <a:rPr lang="ko-KR" altLang="en-US" sz="1100" dirty="0" smtClean="0">
+                  <a:latin typeface="배달의민족 주아" panose="02020603020101020101" pitchFamily="18" charset="-127"/>
+                  <a:ea typeface="배달의민족 주아" panose="02020603020101020101" pitchFamily="18" charset="-127"/>
+                </a:rPr>
+                <a:t>차이</a:t>
+              </a:r>
+              <a:endParaRPr lang="ko-KR" altLang="en-US" sz="1100" dirty="0">
+                <a:latin typeface="배달의민족 주아" panose="02020603020101020101" pitchFamily="18" charset="-127"/>
+                <a:ea typeface="배달의민족 주아" panose="02020603020101020101" pitchFamily="18" charset="-127"/>
+              </a:endParaRPr>
+            </a:p>
+          </p:txBody>
+        </p:sp>
+        <p:sp>
+          <p:nvSpPr>
+            <p:cNvPr id="57" name="TextBox 56">
+              <a:extLst>
+                <a:ext uri="{FF2B5EF4-FFF2-40B4-BE49-F238E27FC236}">
+                  <a16:creationId xmlns="" xmlns:a16="http://schemas.microsoft.com/office/drawing/2014/main" id="{69C2B872-9BEB-4D28-96BF-A163FA23B2AE}"/>
+                </a:ext>
+              </a:extLst>
+            </p:cNvPr>
+            <p:cNvSpPr txBox="1"/>
+            <p:nvPr/>
+          </p:nvSpPr>
+          <p:spPr>
+            <a:xfrm>
+              <a:off x="2572653" y="3027810"/>
+              <a:ext cx="417102" cy="261610"/>
+            </a:xfrm>
+            <a:prstGeom prst="rect">
+              <a:avLst/>
+            </a:prstGeom>
+            <a:noFill/>
+          </p:spPr>
+          <p:txBody>
+            <a:bodyPr wrap="none" rtlCol="0">
+              <a:spAutoFit/>
+            </a:bodyPr>
+            <a:lstStyle/>
+            <a:p>
+              <a:r>
+                <a:rPr lang="ko-KR" altLang="en-US" sz="1100" dirty="0" smtClean="0">
+                  <a:latin typeface="배달의민족 주아" panose="02020603020101020101" pitchFamily="18" charset="-127"/>
+                  <a:ea typeface="배달의민족 주아" panose="02020603020101020101" pitchFamily="18" charset="-127"/>
+                </a:rPr>
+                <a:t>차이</a:t>
+              </a:r>
+              <a:endParaRPr lang="ko-KR" altLang="en-US" sz="1100" dirty="0">
+                <a:latin typeface="배달의민족 주아" panose="02020603020101020101" pitchFamily="18" charset="-127"/>
+                <a:ea typeface="배달의민족 주아" panose="02020603020101020101" pitchFamily="18" charset="-127"/>
+              </a:endParaRPr>
+            </a:p>
+          </p:txBody>
+        </p:sp>
+        <p:sp>
+          <p:nvSpPr>
+            <p:cNvPr id="58" name="TextBox 57">
+              <a:extLst>
+                <a:ext uri="{FF2B5EF4-FFF2-40B4-BE49-F238E27FC236}">
+                  <a16:creationId xmlns="" xmlns:a16="http://schemas.microsoft.com/office/drawing/2014/main" id="{EF643D31-A1D1-4965-BB3A-247350DB9036}"/>
+                </a:ext>
+              </a:extLst>
+            </p:cNvPr>
+            <p:cNvSpPr txBox="1"/>
+            <p:nvPr/>
+          </p:nvSpPr>
+          <p:spPr>
+            <a:xfrm>
+              <a:off x="2544960" y="2811786"/>
+              <a:ext cx="417102" cy="261610"/>
+            </a:xfrm>
+            <a:prstGeom prst="rect">
+              <a:avLst/>
+            </a:prstGeom>
+            <a:noFill/>
+          </p:spPr>
+          <p:txBody>
+            <a:bodyPr wrap="none" rtlCol="0">
+              <a:spAutoFit/>
+            </a:bodyPr>
+            <a:lstStyle/>
+            <a:p>
+              <a:r>
+                <a:rPr lang="ko-KR" altLang="en-US" sz="1100" dirty="0" smtClean="0">
+                  <a:latin typeface="배달의민족 주아" panose="02020603020101020101" pitchFamily="18" charset="-127"/>
+                  <a:ea typeface="배달의민족 주아" panose="02020603020101020101" pitchFamily="18" charset="-127"/>
+                </a:rPr>
+                <a:t>차이</a:t>
+              </a:r>
+              <a:endParaRPr lang="ko-KR" altLang="en-US" sz="1100" dirty="0">
+                <a:latin typeface="배달의민족 주아" panose="02020603020101020101" pitchFamily="18" charset="-127"/>
+                <a:ea typeface="배달의민족 주아" panose="02020603020101020101" pitchFamily="18" charset="-127"/>
+              </a:endParaRPr>
+            </a:p>
+          </p:txBody>
+        </p:sp>
+        <p:sp>
+          <p:nvSpPr>
+            <p:cNvPr id="59" name="TextBox 58">
+              <a:extLst>
+                <a:ext uri="{FF2B5EF4-FFF2-40B4-BE49-F238E27FC236}">
+                  <a16:creationId xmlns="" xmlns:a16="http://schemas.microsoft.com/office/drawing/2014/main" id="{CEFEF120-AE30-4C7C-8637-42BDD97D4151}"/>
+                </a:ext>
+              </a:extLst>
+            </p:cNvPr>
+            <p:cNvSpPr txBox="1"/>
+            <p:nvPr/>
+          </p:nvSpPr>
+          <p:spPr>
+            <a:xfrm>
+              <a:off x="2449296" y="2473839"/>
+              <a:ext cx="417102" cy="261610"/>
+            </a:xfrm>
+            <a:prstGeom prst="rect">
+              <a:avLst/>
+            </a:prstGeom>
+            <a:noFill/>
+          </p:spPr>
+          <p:txBody>
+            <a:bodyPr wrap="none" rtlCol="0">
+              <a:spAutoFit/>
+            </a:bodyPr>
+            <a:lstStyle/>
+            <a:p>
+              <a:r>
+                <a:rPr lang="ko-KR" altLang="en-US" sz="1100" dirty="0" smtClean="0">
+                  <a:latin typeface="배달의민족 주아" panose="02020603020101020101" pitchFamily="18" charset="-127"/>
+                  <a:ea typeface="배달의민족 주아" panose="02020603020101020101" pitchFamily="18" charset="-127"/>
+                </a:rPr>
+                <a:t>차이</a:t>
+              </a:r>
+              <a:endParaRPr lang="ko-KR" altLang="en-US" sz="1100" dirty="0">
+                <a:latin typeface="배달의민족 주아" panose="02020603020101020101" pitchFamily="18" charset="-127"/>
+                <a:ea typeface="배달의민족 주아" panose="02020603020101020101" pitchFamily="18" charset="-127"/>
+              </a:endParaRPr>
+            </a:p>
+          </p:txBody>
+        </p:sp>
+        <p:sp>
+          <p:nvSpPr>
+            <p:cNvPr id="60" name="TextBox 59">
+              <a:extLst>
+                <a:ext uri="{FF2B5EF4-FFF2-40B4-BE49-F238E27FC236}">
+                  <a16:creationId xmlns="" xmlns:a16="http://schemas.microsoft.com/office/drawing/2014/main" id="{1EF9F216-41A4-4695-A143-7F795D43D60F}"/>
+                </a:ext>
+              </a:extLst>
+            </p:cNvPr>
+            <p:cNvSpPr txBox="1"/>
+            <p:nvPr/>
+          </p:nvSpPr>
+          <p:spPr>
+            <a:xfrm>
+              <a:off x="2732297" y="2595762"/>
+              <a:ext cx="417102" cy="261610"/>
+            </a:xfrm>
+            <a:prstGeom prst="rect">
+              <a:avLst/>
+            </a:prstGeom>
+            <a:noFill/>
+          </p:spPr>
+          <p:txBody>
+            <a:bodyPr wrap="none" rtlCol="0">
+              <a:spAutoFit/>
+            </a:bodyPr>
+            <a:lstStyle/>
+            <a:p>
+              <a:r>
+                <a:rPr lang="ko-KR" altLang="en-US" sz="1100" dirty="0" smtClean="0">
+                  <a:latin typeface="배달의민족 주아" panose="02020603020101020101" pitchFamily="18" charset="-127"/>
+                  <a:ea typeface="배달의민족 주아" panose="02020603020101020101" pitchFamily="18" charset="-127"/>
+                </a:rPr>
+                <a:t>차이</a:t>
+              </a:r>
+              <a:endParaRPr lang="ko-KR" altLang="en-US" sz="1100" dirty="0">
+                <a:latin typeface="배달의민족 주아" panose="02020603020101020101" pitchFamily="18" charset="-127"/>
+                <a:ea typeface="배달의민족 주아" panose="02020603020101020101" pitchFamily="18" charset="-127"/>
+              </a:endParaRPr>
+            </a:p>
+          </p:txBody>
+        </p:sp>
+        <p:sp>
+          <p:nvSpPr>
+            <p:cNvPr id="61" name="TextBox 60">
+              <a:extLst>
+                <a:ext uri="{FF2B5EF4-FFF2-40B4-BE49-F238E27FC236}">
+                  <a16:creationId xmlns="" xmlns:a16="http://schemas.microsoft.com/office/drawing/2014/main" id="{2A0E21AB-25E9-49DD-ADB4-0D3EC75B25A1}"/>
+                </a:ext>
+              </a:extLst>
+            </p:cNvPr>
+            <p:cNvSpPr txBox="1"/>
+            <p:nvPr/>
+          </p:nvSpPr>
+          <p:spPr>
+            <a:xfrm>
+              <a:off x="2798686" y="2916959"/>
+              <a:ext cx="417102" cy="261610"/>
+            </a:xfrm>
+            <a:prstGeom prst="rect">
+              <a:avLst/>
+            </a:prstGeom>
+            <a:noFill/>
+          </p:spPr>
+          <p:txBody>
+            <a:bodyPr wrap="none" rtlCol="0">
+              <a:spAutoFit/>
+            </a:bodyPr>
+            <a:lstStyle/>
+            <a:p>
+              <a:r>
+                <a:rPr lang="ko-KR" altLang="en-US" sz="1100" dirty="0" smtClean="0">
+                  <a:latin typeface="배달의민족 주아" panose="02020603020101020101" pitchFamily="18" charset="-127"/>
+                  <a:ea typeface="배달의민족 주아" panose="02020603020101020101" pitchFamily="18" charset="-127"/>
+                </a:rPr>
+                <a:t>차이</a:t>
+              </a:r>
+              <a:endParaRPr lang="ko-KR" altLang="en-US" sz="1100" dirty="0">
+                <a:latin typeface="배달의민족 주아" panose="02020603020101020101" pitchFamily="18" charset="-127"/>
+                <a:ea typeface="배달의민족 주아" panose="02020603020101020101" pitchFamily="18" charset="-127"/>
+              </a:endParaRPr>
+            </a:p>
+          </p:txBody>
+        </p:sp>
+        <p:sp>
+          <p:nvSpPr>
+            <p:cNvPr id="62" name="TextBox 61">
+              <a:extLst>
+                <a:ext uri="{FF2B5EF4-FFF2-40B4-BE49-F238E27FC236}">
+                  <a16:creationId xmlns="" xmlns:a16="http://schemas.microsoft.com/office/drawing/2014/main" id="{74F7DFBB-01DD-4E1C-AA49-53D5262B1568}"/>
+                </a:ext>
+              </a:extLst>
+            </p:cNvPr>
+            <p:cNvSpPr txBox="1"/>
+            <p:nvPr/>
+          </p:nvSpPr>
+          <p:spPr>
+            <a:xfrm>
+              <a:off x="2283246" y="3124723"/>
+              <a:ext cx="417102" cy="261610"/>
+            </a:xfrm>
+            <a:prstGeom prst="rect">
+              <a:avLst/>
+            </a:prstGeom>
+            <a:noFill/>
+          </p:spPr>
+          <p:txBody>
+            <a:bodyPr wrap="none" rtlCol="0">
+              <a:spAutoFit/>
+            </a:bodyPr>
+            <a:lstStyle/>
+            <a:p>
+              <a:r>
+                <a:rPr lang="ko-KR" altLang="en-US" sz="1100" dirty="0" smtClean="0">
+                  <a:latin typeface="배달의민족 주아" panose="02020603020101020101" pitchFamily="18" charset="-127"/>
+                  <a:ea typeface="배달의민족 주아" panose="02020603020101020101" pitchFamily="18" charset="-127"/>
+                </a:rPr>
+                <a:t>차이</a:t>
+              </a:r>
+              <a:endParaRPr lang="ko-KR" altLang="en-US" sz="1100" dirty="0">
+                <a:latin typeface="배달의민족 주아" panose="02020603020101020101" pitchFamily="18" charset="-127"/>
+                <a:ea typeface="배달의민족 주아" panose="02020603020101020101" pitchFamily="18" charset="-127"/>
+              </a:endParaRPr>
+            </a:p>
+          </p:txBody>
+        </p:sp>
+        <p:sp>
+          <p:nvSpPr>
+            <p:cNvPr id="63" name="TextBox 62">
+              <a:extLst>
+                <a:ext uri="{FF2B5EF4-FFF2-40B4-BE49-F238E27FC236}">
+                  <a16:creationId xmlns="" xmlns:a16="http://schemas.microsoft.com/office/drawing/2014/main" id="{A80CF1C4-9476-4397-A3ED-365156FF8C0B}"/>
+                </a:ext>
+              </a:extLst>
+            </p:cNvPr>
+            <p:cNvSpPr txBox="1"/>
+            <p:nvPr/>
+          </p:nvSpPr>
+          <p:spPr>
+            <a:xfrm>
+              <a:off x="2187712" y="3280538"/>
+              <a:ext cx="417102" cy="261610"/>
+            </a:xfrm>
+            <a:prstGeom prst="rect">
+              <a:avLst/>
+            </a:prstGeom>
+            <a:noFill/>
+          </p:spPr>
+          <p:txBody>
+            <a:bodyPr wrap="none" rtlCol="0">
+              <a:spAutoFit/>
+            </a:bodyPr>
+            <a:lstStyle/>
+            <a:p>
+              <a:r>
+                <a:rPr lang="ko-KR" altLang="en-US" sz="1100" dirty="0" smtClean="0">
+                  <a:latin typeface="배달의민족 주아" panose="02020603020101020101" pitchFamily="18" charset="-127"/>
+                  <a:ea typeface="배달의민족 주아" panose="02020603020101020101" pitchFamily="18" charset="-127"/>
+                </a:rPr>
+                <a:t>차이</a:t>
+              </a:r>
+              <a:endParaRPr lang="ko-KR" altLang="en-US" sz="1100" dirty="0">
+                <a:latin typeface="배달의민족 주아" panose="02020603020101020101" pitchFamily="18" charset="-127"/>
+                <a:ea typeface="배달의민족 주아" panose="02020603020101020101" pitchFamily="18" charset="-127"/>
+              </a:endParaRPr>
+            </a:p>
+          </p:txBody>
+        </p:sp>
+        <p:sp>
+          <p:nvSpPr>
+            <p:cNvPr id="64" name="TextBox 63">
+              <a:extLst>
+                <a:ext uri="{FF2B5EF4-FFF2-40B4-BE49-F238E27FC236}">
+                  <a16:creationId xmlns="" xmlns:a16="http://schemas.microsoft.com/office/drawing/2014/main" id="{BE0C0FF2-734F-440D-9121-2CA00E623972}"/>
+                </a:ext>
+              </a:extLst>
+            </p:cNvPr>
+            <p:cNvSpPr txBox="1"/>
+            <p:nvPr/>
+          </p:nvSpPr>
+          <p:spPr>
+            <a:xfrm>
+              <a:off x="2114093" y="3453019"/>
+              <a:ext cx="417102" cy="261610"/>
+            </a:xfrm>
+            <a:prstGeom prst="rect">
+              <a:avLst/>
+            </a:prstGeom>
+            <a:noFill/>
+          </p:spPr>
+          <p:txBody>
+            <a:bodyPr wrap="none" rtlCol="0">
+              <a:spAutoFit/>
+            </a:bodyPr>
+            <a:lstStyle/>
+            <a:p>
+              <a:r>
+                <a:rPr lang="ko-KR" altLang="en-US" sz="1100" dirty="0" smtClean="0">
+                  <a:latin typeface="배달의민족 주아" panose="02020603020101020101" pitchFamily="18" charset="-127"/>
+                  <a:ea typeface="배달의민족 주아" panose="02020603020101020101" pitchFamily="18" charset="-127"/>
+                </a:rPr>
+                <a:t>차이</a:t>
+              </a:r>
+              <a:endParaRPr lang="ko-KR" altLang="en-US" sz="1100" dirty="0">
+                <a:latin typeface="배달의민족 주아" panose="02020603020101020101" pitchFamily="18" charset="-127"/>
+                <a:ea typeface="배달의민족 주아" panose="02020603020101020101" pitchFamily="18" charset="-127"/>
+              </a:endParaRPr>
+            </a:p>
+          </p:txBody>
+        </p:sp>
+        <p:sp>
+          <p:nvSpPr>
+            <p:cNvPr id="65" name="TextBox 64">
+              <a:extLst>
+                <a:ext uri="{FF2B5EF4-FFF2-40B4-BE49-F238E27FC236}">
+                  <a16:creationId xmlns="" xmlns:a16="http://schemas.microsoft.com/office/drawing/2014/main" id="{75621EA3-8E7A-411B-81FC-098BF5452E03}"/>
+                </a:ext>
+              </a:extLst>
+            </p:cNvPr>
+            <p:cNvSpPr txBox="1"/>
+            <p:nvPr/>
+          </p:nvSpPr>
+          <p:spPr>
+            <a:xfrm>
+              <a:off x="2531195" y="3288871"/>
+              <a:ext cx="417102" cy="261610"/>
+            </a:xfrm>
+            <a:prstGeom prst="rect">
+              <a:avLst/>
+            </a:prstGeom>
+            <a:noFill/>
+          </p:spPr>
+          <p:txBody>
+            <a:bodyPr wrap="none" rtlCol="0">
+              <a:spAutoFit/>
+            </a:bodyPr>
+            <a:lstStyle/>
+            <a:p>
+              <a:r>
+                <a:rPr lang="ko-KR" altLang="en-US" sz="1100" dirty="0" smtClean="0">
+                  <a:latin typeface="배달의민족 주아" panose="02020603020101020101" pitchFamily="18" charset="-127"/>
+                  <a:ea typeface="배달의민족 주아" panose="02020603020101020101" pitchFamily="18" charset="-127"/>
+                </a:rPr>
+                <a:t>차이</a:t>
+              </a:r>
+              <a:endParaRPr lang="ko-KR" altLang="en-US" sz="1100" dirty="0">
+                <a:latin typeface="배달의민족 주아" panose="02020603020101020101" pitchFamily="18" charset="-127"/>
+                <a:ea typeface="배달의민족 주아" panose="02020603020101020101" pitchFamily="18" charset="-127"/>
+              </a:endParaRPr>
+            </a:p>
+          </p:txBody>
+        </p:sp>
+        <p:sp>
+          <p:nvSpPr>
+            <p:cNvPr id="66" name="TextBox 65">
+              <a:extLst>
+                <a:ext uri="{FF2B5EF4-FFF2-40B4-BE49-F238E27FC236}">
+                  <a16:creationId xmlns="" xmlns:a16="http://schemas.microsoft.com/office/drawing/2014/main" id="{C1FA5586-4F2E-4F6A-A0FA-1855CDED3BDC}"/>
+                </a:ext>
+              </a:extLst>
+            </p:cNvPr>
+            <p:cNvSpPr txBox="1"/>
+            <p:nvPr/>
+          </p:nvSpPr>
+          <p:spPr>
+            <a:xfrm>
+              <a:off x="2369286" y="3462670"/>
+              <a:ext cx="417102" cy="261610"/>
+            </a:xfrm>
+            <a:prstGeom prst="rect">
+              <a:avLst/>
+            </a:prstGeom>
+            <a:noFill/>
+          </p:spPr>
+          <p:txBody>
+            <a:bodyPr wrap="none" rtlCol="0">
+              <a:spAutoFit/>
+            </a:bodyPr>
+            <a:lstStyle/>
+            <a:p>
+              <a:r>
+                <a:rPr lang="ko-KR" altLang="en-US" sz="1100" dirty="0" smtClean="0">
+                  <a:latin typeface="배달의민족 주아" panose="02020603020101020101" pitchFamily="18" charset="-127"/>
+                  <a:ea typeface="배달의민족 주아" panose="02020603020101020101" pitchFamily="18" charset="-127"/>
+                </a:rPr>
+                <a:t>차이</a:t>
+              </a:r>
+              <a:endParaRPr lang="ko-KR" altLang="en-US" sz="1100" dirty="0">
+                <a:latin typeface="배달의민족 주아" panose="02020603020101020101" pitchFamily="18" charset="-127"/>
+                <a:ea typeface="배달의민족 주아" panose="02020603020101020101" pitchFamily="18" charset="-127"/>
+              </a:endParaRPr>
+            </a:p>
+          </p:txBody>
+        </p:sp>
+        <p:sp>
+          <p:nvSpPr>
+            <p:cNvPr id="67" name="TextBox 66">
+              <a:extLst>
+                <a:ext uri="{FF2B5EF4-FFF2-40B4-BE49-F238E27FC236}">
+                  <a16:creationId xmlns="" xmlns:a16="http://schemas.microsoft.com/office/drawing/2014/main" id="{141486BF-6F45-441A-95F3-D175221A8176}"/>
+                </a:ext>
+              </a:extLst>
+            </p:cNvPr>
+            <p:cNvSpPr txBox="1"/>
+            <p:nvPr/>
+          </p:nvSpPr>
+          <p:spPr>
+            <a:xfrm>
+              <a:off x="1998826" y="3650510"/>
+              <a:ext cx="417102" cy="261610"/>
+            </a:xfrm>
+            <a:prstGeom prst="rect">
+              <a:avLst/>
+            </a:prstGeom>
+            <a:noFill/>
+          </p:spPr>
+          <p:txBody>
+            <a:bodyPr wrap="none" rtlCol="0">
+              <a:spAutoFit/>
+            </a:bodyPr>
+            <a:lstStyle/>
+            <a:p>
+              <a:r>
+                <a:rPr lang="ko-KR" altLang="en-US" sz="1100" dirty="0" smtClean="0">
+                  <a:latin typeface="배달의민족 주아" panose="02020603020101020101" pitchFamily="18" charset="-127"/>
+                  <a:ea typeface="배달의민족 주아" panose="02020603020101020101" pitchFamily="18" charset="-127"/>
+                </a:rPr>
+                <a:t>차이</a:t>
+              </a:r>
+              <a:endParaRPr lang="ko-KR" altLang="en-US" sz="1100" dirty="0">
+                <a:latin typeface="배달의민족 주아" panose="02020603020101020101" pitchFamily="18" charset="-127"/>
+                <a:ea typeface="배달의민족 주아" panose="02020603020101020101" pitchFamily="18" charset="-127"/>
+              </a:endParaRPr>
+            </a:p>
+          </p:txBody>
+        </p:sp>
+        <p:sp>
+          <p:nvSpPr>
+            <p:cNvPr id="68" name="TextBox 67">
+              <a:extLst>
+                <a:ext uri="{FF2B5EF4-FFF2-40B4-BE49-F238E27FC236}">
+                  <a16:creationId xmlns="" xmlns:a16="http://schemas.microsoft.com/office/drawing/2014/main" id="{D1BF9F06-0991-468D-8349-6B35F7061937}"/>
+                </a:ext>
+              </a:extLst>
+            </p:cNvPr>
+            <p:cNvSpPr txBox="1"/>
+            <p:nvPr/>
+          </p:nvSpPr>
+          <p:spPr>
+            <a:xfrm>
+              <a:off x="2797185" y="3462670"/>
+              <a:ext cx="417102" cy="261610"/>
+            </a:xfrm>
+            <a:prstGeom prst="rect">
+              <a:avLst/>
+            </a:prstGeom>
+            <a:noFill/>
+          </p:spPr>
+          <p:txBody>
+            <a:bodyPr wrap="none" rtlCol="0">
+              <a:spAutoFit/>
+            </a:bodyPr>
+            <a:lstStyle/>
+            <a:p>
+              <a:r>
+                <a:rPr lang="ko-KR" altLang="en-US" sz="1100" dirty="0" smtClean="0">
+                  <a:latin typeface="배달의민족 주아" panose="02020603020101020101" pitchFamily="18" charset="-127"/>
+                  <a:ea typeface="배달의민족 주아" panose="02020603020101020101" pitchFamily="18" charset="-127"/>
+                </a:rPr>
+                <a:t>차이</a:t>
+              </a:r>
+              <a:endParaRPr lang="ko-KR" altLang="en-US" sz="1100" dirty="0">
+                <a:latin typeface="배달의민족 주아" panose="02020603020101020101" pitchFamily="18" charset="-127"/>
+                <a:ea typeface="배달의민족 주아" panose="02020603020101020101" pitchFamily="18" charset="-127"/>
+              </a:endParaRPr>
+            </a:p>
+          </p:txBody>
+        </p:sp>
+        <p:sp>
+          <p:nvSpPr>
+            <p:cNvPr id="69" name="TextBox 68">
+              <a:extLst>
+                <a:ext uri="{FF2B5EF4-FFF2-40B4-BE49-F238E27FC236}">
+                  <a16:creationId xmlns="" xmlns:a16="http://schemas.microsoft.com/office/drawing/2014/main" id="{298D047E-0D35-48CC-B73B-A5246B507DEC}"/>
+                </a:ext>
+              </a:extLst>
+            </p:cNvPr>
+            <p:cNvSpPr txBox="1"/>
+            <p:nvPr/>
+          </p:nvSpPr>
+          <p:spPr>
+            <a:xfrm>
+              <a:off x="2160735" y="3853466"/>
+              <a:ext cx="417102" cy="261610"/>
+            </a:xfrm>
+            <a:prstGeom prst="rect">
+              <a:avLst/>
+            </a:prstGeom>
+            <a:noFill/>
+          </p:spPr>
+          <p:txBody>
+            <a:bodyPr wrap="none" rtlCol="0">
+              <a:spAutoFit/>
+            </a:bodyPr>
+            <a:lstStyle/>
+            <a:p>
+              <a:r>
+                <a:rPr lang="ko-KR" altLang="en-US" sz="1100" dirty="0" smtClean="0">
+                  <a:latin typeface="배달의민족 주아" panose="02020603020101020101" pitchFamily="18" charset="-127"/>
+                  <a:ea typeface="배달의민족 주아" panose="02020603020101020101" pitchFamily="18" charset="-127"/>
+                </a:rPr>
+                <a:t>차이</a:t>
+              </a:r>
+              <a:endParaRPr lang="ko-KR" altLang="en-US" sz="1100" dirty="0">
+                <a:latin typeface="배달의민족 주아" panose="02020603020101020101" pitchFamily="18" charset="-127"/>
+                <a:ea typeface="배달의민족 주아" panose="02020603020101020101" pitchFamily="18" charset="-127"/>
+              </a:endParaRPr>
+            </a:p>
+          </p:txBody>
+        </p:sp>
+        <p:sp>
+          <p:nvSpPr>
+            <p:cNvPr id="70" name="TextBox 69">
+              <a:extLst>
+                <a:ext uri="{FF2B5EF4-FFF2-40B4-BE49-F238E27FC236}">
+                  <a16:creationId xmlns="" xmlns:a16="http://schemas.microsoft.com/office/drawing/2014/main" id="{3E688838-CA83-4471-9A4C-650BFD22C65B}"/>
+                </a:ext>
+              </a:extLst>
+            </p:cNvPr>
+            <p:cNvSpPr txBox="1"/>
+            <p:nvPr/>
+          </p:nvSpPr>
+          <p:spPr>
+            <a:xfrm>
+              <a:off x="1850923" y="3952695"/>
+              <a:ext cx="417102" cy="261610"/>
+            </a:xfrm>
+            <a:prstGeom prst="rect">
+              <a:avLst/>
+            </a:prstGeom>
+            <a:noFill/>
+          </p:spPr>
+          <p:txBody>
+            <a:bodyPr wrap="none" rtlCol="0">
+              <a:spAutoFit/>
+            </a:bodyPr>
+            <a:lstStyle/>
+            <a:p>
+              <a:r>
+                <a:rPr lang="ko-KR" altLang="en-US" sz="1100" dirty="0" smtClean="0">
+                  <a:latin typeface="배달의민족 주아" panose="02020603020101020101" pitchFamily="18" charset="-127"/>
+                  <a:ea typeface="배달의민족 주아" panose="02020603020101020101" pitchFamily="18" charset="-127"/>
+                </a:rPr>
+                <a:t>차이</a:t>
+              </a:r>
+              <a:endParaRPr lang="ko-KR" altLang="en-US" sz="1100" dirty="0">
+                <a:latin typeface="배달의민족 주아" panose="02020603020101020101" pitchFamily="18" charset="-127"/>
+                <a:ea typeface="배달의민족 주아" panose="02020603020101020101" pitchFamily="18" charset="-127"/>
+              </a:endParaRPr>
+            </a:p>
+          </p:txBody>
+        </p:sp>
+        <p:sp>
+          <p:nvSpPr>
+            <p:cNvPr id="71" name="TextBox 70">
+              <a:extLst>
+                <a:ext uri="{FF2B5EF4-FFF2-40B4-BE49-F238E27FC236}">
+                  <a16:creationId xmlns="" xmlns:a16="http://schemas.microsoft.com/office/drawing/2014/main" id="{9CECF851-F0A1-4282-996C-B5D11CEB5290}"/>
+                </a:ext>
+              </a:extLst>
+            </p:cNvPr>
+            <p:cNvSpPr txBox="1"/>
+            <p:nvPr/>
+          </p:nvSpPr>
+          <p:spPr>
+            <a:xfrm>
+              <a:off x="2449296" y="3908488"/>
+              <a:ext cx="417102" cy="261610"/>
+            </a:xfrm>
+            <a:prstGeom prst="rect">
+              <a:avLst/>
+            </a:prstGeom>
+            <a:noFill/>
+          </p:spPr>
+          <p:txBody>
+            <a:bodyPr wrap="none" rtlCol="0">
+              <a:spAutoFit/>
+            </a:bodyPr>
+            <a:lstStyle/>
+            <a:p>
+              <a:r>
+                <a:rPr lang="ko-KR" altLang="en-US" sz="1100" dirty="0" smtClean="0">
+                  <a:latin typeface="배달의민족 주아" panose="02020603020101020101" pitchFamily="18" charset="-127"/>
+                  <a:ea typeface="배달의민족 주아" panose="02020603020101020101" pitchFamily="18" charset="-127"/>
+                </a:rPr>
+                <a:t>차이</a:t>
+              </a:r>
+              <a:endParaRPr lang="ko-KR" altLang="en-US" sz="1100" dirty="0">
+                <a:latin typeface="배달의민족 주아" panose="02020603020101020101" pitchFamily="18" charset="-127"/>
+                <a:ea typeface="배달의민족 주아" panose="02020603020101020101" pitchFamily="18" charset="-127"/>
+              </a:endParaRPr>
+            </a:p>
+          </p:txBody>
+        </p:sp>
+        <p:sp>
+          <p:nvSpPr>
+            <p:cNvPr id="72" name="TextBox 71">
+              <a:extLst>
+                <a:ext uri="{FF2B5EF4-FFF2-40B4-BE49-F238E27FC236}">
+                  <a16:creationId xmlns="" xmlns:a16="http://schemas.microsoft.com/office/drawing/2014/main" id="{69BC8545-3494-47F8-AF2D-6D5219239A00}"/>
+                </a:ext>
+              </a:extLst>
+            </p:cNvPr>
+            <p:cNvSpPr txBox="1"/>
+            <p:nvPr/>
+          </p:nvSpPr>
+          <p:spPr>
+            <a:xfrm>
+              <a:off x="2759108" y="3687545"/>
+              <a:ext cx="417102" cy="261610"/>
+            </a:xfrm>
+            <a:prstGeom prst="rect">
+              <a:avLst/>
+            </a:prstGeom>
+            <a:noFill/>
+          </p:spPr>
+          <p:txBody>
+            <a:bodyPr wrap="none" rtlCol="0">
+              <a:spAutoFit/>
+            </a:bodyPr>
+            <a:lstStyle/>
+            <a:p>
+              <a:r>
+                <a:rPr lang="ko-KR" altLang="en-US" sz="1100" dirty="0" smtClean="0">
+                  <a:latin typeface="배달의민족 주아" panose="02020603020101020101" pitchFamily="18" charset="-127"/>
+                  <a:ea typeface="배달의민족 주아" panose="02020603020101020101" pitchFamily="18" charset="-127"/>
+                </a:rPr>
+                <a:t>차이</a:t>
+              </a:r>
+              <a:endParaRPr lang="ko-KR" altLang="en-US" sz="1100" dirty="0">
+                <a:latin typeface="배달의민족 주아" panose="02020603020101020101" pitchFamily="18" charset="-127"/>
+                <a:ea typeface="배달의민족 주아" panose="02020603020101020101" pitchFamily="18" charset="-127"/>
+              </a:endParaRPr>
+            </a:p>
+          </p:txBody>
+        </p:sp>
+        <p:sp>
+          <p:nvSpPr>
+            <p:cNvPr id="73" name="TextBox 72">
+              <a:extLst>
+                <a:ext uri="{FF2B5EF4-FFF2-40B4-BE49-F238E27FC236}">
+                  <a16:creationId xmlns="" xmlns:a16="http://schemas.microsoft.com/office/drawing/2014/main" id="{FB9808E6-A5DB-4C5B-8EA9-D7841F12F0BE}"/>
+                </a:ext>
+              </a:extLst>
+            </p:cNvPr>
+            <p:cNvSpPr txBox="1"/>
+            <p:nvPr/>
+          </p:nvSpPr>
+          <p:spPr>
+            <a:xfrm>
+              <a:off x="2236208" y="3619103"/>
+              <a:ext cx="522900" cy="338554"/>
+            </a:xfrm>
+            <a:prstGeom prst="rect">
+              <a:avLst/>
+            </a:prstGeom>
+            <a:noFill/>
+          </p:spPr>
+          <p:txBody>
+            <a:bodyPr wrap="none" rtlCol="0">
+              <a:spAutoFit/>
+            </a:bodyPr>
+            <a:lstStyle/>
+            <a:p>
+              <a:r>
+                <a:rPr lang="ko-KR" altLang="en-US" sz="1600" u="sng" dirty="0">
+                  <a:solidFill>
+                    <a:srgbClr val="D779F1"/>
+                  </a:solidFill>
+                  <a:latin typeface="배달의민족 주아" panose="02020603020101020101" pitchFamily="18" charset="-127"/>
+                  <a:ea typeface="배달의민족 주아" panose="02020603020101020101" pitchFamily="18" charset="-127"/>
+                </a:rPr>
+                <a:t>차이</a:t>
+              </a:r>
+            </a:p>
+          </p:txBody>
+        </p:sp>
+        <p:sp>
+          <p:nvSpPr>
+            <p:cNvPr id="74" name="TextBox 73">
+              <a:extLst>
+                <a:ext uri="{FF2B5EF4-FFF2-40B4-BE49-F238E27FC236}">
+                  <a16:creationId xmlns="" xmlns:a16="http://schemas.microsoft.com/office/drawing/2014/main" id="{77FEB70C-285E-44D7-BC63-B77A268499EC}"/>
+                </a:ext>
+              </a:extLst>
+            </p:cNvPr>
+            <p:cNvSpPr txBox="1"/>
+            <p:nvPr/>
+          </p:nvSpPr>
+          <p:spPr>
+            <a:xfrm>
+              <a:off x="2839290" y="3231972"/>
+              <a:ext cx="417102" cy="261610"/>
+            </a:xfrm>
+            <a:prstGeom prst="rect">
+              <a:avLst/>
+            </a:prstGeom>
+            <a:noFill/>
+          </p:spPr>
+          <p:txBody>
+            <a:bodyPr wrap="none" rtlCol="0">
+              <a:spAutoFit/>
+            </a:bodyPr>
+            <a:lstStyle/>
+            <a:p>
+              <a:r>
+                <a:rPr lang="ko-KR" altLang="en-US" sz="1100" dirty="0" smtClean="0">
+                  <a:latin typeface="배달의민족 주아" panose="02020603020101020101" pitchFamily="18" charset="-127"/>
+                  <a:ea typeface="배달의민족 주아" panose="02020603020101020101" pitchFamily="18" charset="-127"/>
+                </a:rPr>
+                <a:t>차이</a:t>
+              </a:r>
+              <a:endParaRPr lang="ko-KR" altLang="en-US" sz="1100" dirty="0">
+                <a:latin typeface="배달의민족 주아" panose="02020603020101020101" pitchFamily="18" charset="-127"/>
+                <a:ea typeface="배달의민족 주아" panose="02020603020101020101" pitchFamily="18" charset="-127"/>
+              </a:endParaRPr>
+            </a:p>
+          </p:txBody>
+        </p:sp>
+        <p:sp>
+          <p:nvSpPr>
+            <p:cNvPr id="75" name="TextBox 74">
+              <a:extLst>
+                <a:ext uri="{FF2B5EF4-FFF2-40B4-BE49-F238E27FC236}">
+                  <a16:creationId xmlns="" xmlns:a16="http://schemas.microsoft.com/office/drawing/2014/main" id="{2D586DBC-82ED-4D02-8CDB-898A98F22D29}"/>
+                </a:ext>
+              </a:extLst>
+            </p:cNvPr>
+            <p:cNvSpPr txBox="1"/>
+            <p:nvPr/>
+          </p:nvSpPr>
+          <p:spPr>
+            <a:xfrm>
+              <a:off x="3026731" y="3689062"/>
+              <a:ext cx="417102" cy="261610"/>
+            </a:xfrm>
+            <a:prstGeom prst="rect">
+              <a:avLst/>
+            </a:prstGeom>
+            <a:noFill/>
+          </p:spPr>
+          <p:txBody>
+            <a:bodyPr wrap="none" rtlCol="0">
+              <a:spAutoFit/>
+            </a:bodyPr>
+            <a:lstStyle/>
+            <a:p>
+              <a:r>
+                <a:rPr lang="ko-KR" altLang="en-US" sz="1100" dirty="0" smtClean="0">
+                  <a:latin typeface="배달의민족 주아" panose="02020603020101020101" pitchFamily="18" charset="-127"/>
+                  <a:ea typeface="배달의민족 주아" panose="02020603020101020101" pitchFamily="18" charset="-127"/>
+                </a:rPr>
+                <a:t>차이</a:t>
+              </a:r>
+              <a:endParaRPr lang="ko-KR" altLang="en-US" sz="1100" dirty="0">
+                <a:latin typeface="배달의민족 주아" panose="02020603020101020101" pitchFamily="18" charset="-127"/>
+                <a:ea typeface="배달의민족 주아" panose="02020603020101020101" pitchFamily="18" charset="-127"/>
+              </a:endParaRPr>
+            </a:p>
+          </p:txBody>
+        </p:sp>
+        <p:sp>
+          <p:nvSpPr>
+            <p:cNvPr id="76" name="TextBox 75">
+              <a:extLst>
+                <a:ext uri="{FF2B5EF4-FFF2-40B4-BE49-F238E27FC236}">
+                  <a16:creationId xmlns="" xmlns:a16="http://schemas.microsoft.com/office/drawing/2014/main" id="{22289A32-88D1-4436-B105-8F109602B5F6}"/>
+                </a:ext>
+              </a:extLst>
+            </p:cNvPr>
+            <p:cNvSpPr txBox="1"/>
+            <p:nvPr/>
+          </p:nvSpPr>
+          <p:spPr>
+            <a:xfrm>
+              <a:off x="2903885" y="3877494"/>
+              <a:ext cx="417102" cy="261610"/>
+            </a:xfrm>
+            <a:prstGeom prst="rect">
+              <a:avLst/>
+            </a:prstGeom>
+            <a:noFill/>
+          </p:spPr>
+          <p:txBody>
+            <a:bodyPr wrap="none" rtlCol="0">
+              <a:spAutoFit/>
+            </a:bodyPr>
+            <a:lstStyle/>
+            <a:p>
+              <a:r>
+                <a:rPr lang="ko-KR" altLang="en-US" sz="1100" dirty="0" smtClean="0">
+                  <a:latin typeface="배달의민족 주아" panose="02020603020101020101" pitchFamily="18" charset="-127"/>
+                  <a:ea typeface="배달의민족 주아" panose="02020603020101020101" pitchFamily="18" charset="-127"/>
+                </a:rPr>
+                <a:t>차이</a:t>
+              </a:r>
+              <a:endParaRPr lang="ko-KR" altLang="en-US" sz="1100" dirty="0">
+                <a:latin typeface="배달의민족 주아" panose="02020603020101020101" pitchFamily="18" charset="-127"/>
+                <a:ea typeface="배달의민족 주아" panose="02020603020101020101" pitchFamily="18" charset="-127"/>
+              </a:endParaRPr>
+            </a:p>
+          </p:txBody>
+        </p:sp>
+        <p:sp>
+          <p:nvSpPr>
+            <p:cNvPr id="77" name="TextBox 76">
+              <a:extLst>
+                <a:ext uri="{FF2B5EF4-FFF2-40B4-BE49-F238E27FC236}">
+                  <a16:creationId xmlns="" xmlns:a16="http://schemas.microsoft.com/office/drawing/2014/main" id="{B378BD5B-1DD8-415E-B876-3BC7241E34FB}"/>
+                </a:ext>
+              </a:extLst>
+            </p:cNvPr>
+            <p:cNvSpPr txBox="1"/>
+            <p:nvPr/>
+          </p:nvSpPr>
+          <p:spPr>
+            <a:xfrm>
+              <a:off x="3214536" y="3984271"/>
+              <a:ext cx="417102" cy="261610"/>
+            </a:xfrm>
+            <a:prstGeom prst="rect">
+              <a:avLst/>
+            </a:prstGeom>
+            <a:noFill/>
+          </p:spPr>
+          <p:txBody>
+            <a:bodyPr wrap="none" rtlCol="0">
+              <a:spAutoFit/>
+            </a:bodyPr>
+            <a:lstStyle/>
+            <a:p>
+              <a:r>
+                <a:rPr lang="ko-KR" altLang="en-US" sz="1100" dirty="0" smtClean="0">
+                  <a:latin typeface="배달의민족 주아" panose="02020603020101020101" pitchFamily="18" charset="-127"/>
+                  <a:ea typeface="배달의민족 주아" panose="02020603020101020101" pitchFamily="18" charset="-127"/>
+                </a:rPr>
+                <a:t>차이</a:t>
+              </a:r>
+              <a:endParaRPr lang="ko-KR" altLang="en-US" sz="1100" dirty="0">
+                <a:latin typeface="배달의민족 주아" panose="02020603020101020101" pitchFamily="18" charset="-127"/>
+                <a:ea typeface="배달의민족 주아" panose="02020603020101020101" pitchFamily="18" charset="-127"/>
+              </a:endParaRPr>
+            </a:p>
+          </p:txBody>
+        </p:sp>
+        <p:sp>
+          <p:nvSpPr>
+            <p:cNvPr id="78" name="TextBox 77">
+              <a:extLst>
+                <a:ext uri="{FF2B5EF4-FFF2-40B4-BE49-F238E27FC236}">
+                  <a16:creationId xmlns="" xmlns:a16="http://schemas.microsoft.com/office/drawing/2014/main" id="{044ABCD1-0C74-4BB9-AA1C-4AA354CD99A4}"/>
+                </a:ext>
+              </a:extLst>
+            </p:cNvPr>
+            <p:cNvSpPr txBox="1"/>
+            <p:nvPr/>
+          </p:nvSpPr>
+          <p:spPr>
+            <a:xfrm>
+              <a:off x="2739746" y="4037832"/>
+              <a:ext cx="417102" cy="261610"/>
+            </a:xfrm>
+            <a:prstGeom prst="rect">
+              <a:avLst/>
+            </a:prstGeom>
+            <a:noFill/>
+          </p:spPr>
+          <p:txBody>
+            <a:bodyPr wrap="none" rtlCol="0">
+              <a:spAutoFit/>
+            </a:bodyPr>
+            <a:lstStyle/>
+            <a:p>
+              <a:r>
+                <a:rPr lang="ko-KR" altLang="en-US" sz="1100" dirty="0" smtClean="0">
+                  <a:latin typeface="배달의민족 주아" panose="02020603020101020101" pitchFamily="18" charset="-127"/>
+                  <a:ea typeface="배달의민족 주아" panose="02020603020101020101" pitchFamily="18" charset="-127"/>
+                </a:rPr>
+                <a:t>차이</a:t>
+              </a:r>
+              <a:endParaRPr lang="ko-KR" altLang="en-US" sz="1100" dirty="0">
+                <a:latin typeface="배달의민족 주아" panose="02020603020101020101" pitchFamily="18" charset="-127"/>
+                <a:ea typeface="배달의민족 주아" panose="02020603020101020101" pitchFamily="18" charset="-127"/>
+              </a:endParaRPr>
+            </a:p>
+          </p:txBody>
+        </p:sp>
+        <p:sp>
+          <p:nvSpPr>
+            <p:cNvPr id="79" name="TextBox 78">
+              <a:extLst>
+                <a:ext uri="{FF2B5EF4-FFF2-40B4-BE49-F238E27FC236}">
+                  <a16:creationId xmlns="" xmlns:a16="http://schemas.microsoft.com/office/drawing/2014/main" id="{40BF79D4-31E0-457F-A861-F18F4B134B7E}"/>
+                </a:ext>
+              </a:extLst>
+            </p:cNvPr>
+            <p:cNvSpPr txBox="1"/>
+            <p:nvPr/>
+          </p:nvSpPr>
+          <p:spPr>
+            <a:xfrm>
+              <a:off x="2635835" y="2310005"/>
+              <a:ext cx="417102" cy="261610"/>
+            </a:xfrm>
+            <a:prstGeom prst="rect">
+              <a:avLst/>
+            </a:prstGeom>
+            <a:noFill/>
+          </p:spPr>
+          <p:txBody>
+            <a:bodyPr wrap="none" rtlCol="0">
+              <a:spAutoFit/>
+            </a:bodyPr>
+            <a:lstStyle/>
+            <a:p>
+              <a:r>
+                <a:rPr lang="ko-KR" altLang="en-US" sz="1100" dirty="0" smtClean="0">
+                  <a:latin typeface="배달의민족 주아" panose="02020603020101020101" pitchFamily="18" charset="-127"/>
+                  <a:ea typeface="배달의민족 주아" panose="02020603020101020101" pitchFamily="18" charset="-127"/>
+                </a:rPr>
+                <a:t>차이</a:t>
+              </a:r>
+              <a:endParaRPr lang="ko-KR" altLang="en-US" sz="1100" dirty="0">
+                <a:latin typeface="배달의민족 주아" panose="02020603020101020101" pitchFamily="18" charset="-127"/>
+                <a:ea typeface="배달의민족 주아" panose="02020603020101020101" pitchFamily="18" charset="-127"/>
+              </a:endParaRPr>
+            </a:p>
+          </p:txBody>
+        </p:sp>
+        <p:sp>
+          <p:nvSpPr>
+            <p:cNvPr id="80" name="TextBox 79">
+              <a:extLst>
+                <a:ext uri="{FF2B5EF4-FFF2-40B4-BE49-F238E27FC236}">
+                  <a16:creationId xmlns="" xmlns:a16="http://schemas.microsoft.com/office/drawing/2014/main" id="{B298DBD4-3E3A-4ABA-AD91-E2BFAB365382}"/>
+                </a:ext>
+              </a:extLst>
+            </p:cNvPr>
+            <p:cNvSpPr txBox="1"/>
+            <p:nvPr/>
+          </p:nvSpPr>
+          <p:spPr>
+            <a:xfrm>
+              <a:off x="2422028" y="2142555"/>
+              <a:ext cx="417102" cy="261610"/>
+            </a:xfrm>
+            <a:prstGeom prst="rect">
+              <a:avLst/>
+            </a:prstGeom>
+            <a:noFill/>
+          </p:spPr>
+          <p:txBody>
+            <a:bodyPr wrap="none" rtlCol="0">
+              <a:spAutoFit/>
+            </a:bodyPr>
+            <a:lstStyle/>
+            <a:p>
+              <a:r>
+                <a:rPr lang="ko-KR" altLang="en-US" sz="1100" dirty="0" smtClean="0">
+                  <a:latin typeface="배달의민족 주아" panose="02020603020101020101" pitchFamily="18" charset="-127"/>
+                  <a:ea typeface="배달의민족 주아" panose="02020603020101020101" pitchFamily="18" charset="-127"/>
+                </a:rPr>
+                <a:t>차이</a:t>
+              </a:r>
+              <a:endParaRPr lang="ko-KR" altLang="en-US" sz="1100" dirty="0">
+                <a:latin typeface="배달의민족 주아" panose="02020603020101020101" pitchFamily="18" charset="-127"/>
+                <a:ea typeface="배달의민족 주아" panose="02020603020101020101" pitchFamily="18" charset="-127"/>
+              </a:endParaRPr>
+            </a:p>
+          </p:txBody>
+        </p:sp>
+        <mc:AlternateContent xmlns:mc="http://schemas.openxmlformats.org/markup-compatibility/2006">
+          <mc:Choice xmlns:a14="http://schemas.microsoft.com/office/drawing/2010/main" Requires="a14">
+            <p:sp>
+              <p:nvSpPr>
+                <p:cNvPr id="81" name="TextBox 80">
+                  <a:extLst>
+                    <a:ext uri="{FF2B5EF4-FFF2-40B4-BE49-F238E27FC236}">
+                      <a16:creationId xmlns="" xmlns:a16="http://schemas.microsoft.com/office/drawing/2014/main" id="{3460AABE-49C3-4A25-B0A5-5326C3838920}"/>
+                    </a:ext>
+                  </a:extLst>
+                </p:cNvPr>
+                <p:cNvSpPr txBox="1"/>
+                <p:nvPr/>
+              </p:nvSpPr>
+              <p:spPr>
+                <a:xfrm>
+                  <a:off x="1574377" y="685369"/>
+                  <a:ext cx="2280754" cy="369332"/>
+                </a:xfrm>
+                <a:prstGeom prst="rect">
+                  <a:avLst/>
+                </a:prstGeom>
+                <a:noFill/>
+              </p:spPr>
+              <p:txBody>
+                <a:bodyPr wrap="none" rtlCol="0">
+                  <a:spAutoFit/>
+                </a:bodyPr>
+                <a:lstStyle/>
+                <a:p>
+                  <a:pPr algn="ctr"/>
+                  <a:r>
+                    <a:rPr lang="ko-KR" altLang="en-US" dirty="0" smtClean="0">
+                      <a:solidFill>
+                        <a:schemeClr val="accent3"/>
+                      </a:solidFill>
+                      <a:latin typeface="배달의민족 주아" panose="02020603020101020101" pitchFamily="18" charset="-127"/>
+                      <a:ea typeface="배달의민족 주아" panose="02020603020101020101" pitchFamily="18" charset="-127"/>
+                    </a:rPr>
+                    <a:t>모평균의 차이</a:t>
+                  </a:r>
+                  <a:r>
+                    <a:rPr lang="en-US" altLang="ko-KR" dirty="0" smtClean="0">
+                      <a:solidFill>
+                        <a:schemeClr val="accent3"/>
+                      </a:solidFill>
+                      <a:latin typeface="배달의민족 주아" panose="02020603020101020101" pitchFamily="18" charset="-127"/>
+                      <a:ea typeface="배달의민족 주아" panose="02020603020101020101" pitchFamily="18" charset="-127"/>
+                    </a:rPr>
+                    <a:t>(</a:t>
+                  </a:r>
+                  <a14:m>
+                    <m:oMath xmlns:m="http://schemas.openxmlformats.org/officeDocument/2006/math">
+                      <m:sSub>
+                        <m:sSubPr>
+                          <m:ctrlPr>
+                            <a:rPr lang="en-US" altLang="ko-KR" b="0" i="1" smtClean="0">
+                              <a:solidFill>
+                                <a:schemeClr val="accent3"/>
+                              </a:solidFill>
+                              <a:latin typeface="Cambria Math"/>
+                              <a:ea typeface="배달의민족 주아" panose="02020603020101020101" pitchFamily="18" charset="-127"/>
+                            </a:rPr>
+                          </m:ctrlPr>
+                        </m:sSubPr>
+                        <m:e>
+                          <m:r>
+                            <a:rPr lang="en-US" altLang="ko-KR" b="0" i="1" smtClean="0">
+                              <a:solidFill>
+                                <a:schemeClr val="accent3"/>
+                              </a:solidFill>
+                              <a:latin typeface="Cambria Math"/>
+                              <a:ea typeface="배달의민족 주아" panose="02020603020101020101" pitchFamily="18" charset="-127"/>
+                            </a:rPr>
+                            <m:t>𝜇</m:t>
+                          </m:r>
+                        </m:e>
+                        <m:sub>
+                          <m:r>
+                            <a:rPr lang="en-US" altLang="ko-KR" b="0" i="1" smtClean="0">
+                              <a:solidFill>
+                                <a:schemeClr val="accent3"/>
+                              </a:solidFill>
+                              <a:latin typeface="Cambria Math"/>
+                              <a:ea typeface="배달의민족 주아" panose="02020603020101020101" pitchFamily="18" charset="-127"/>
+                            </a:rPr>
+                            <m:t>2</m:t>
+                          </m:r>
+                        </m:sub>
+                      </m:sSub>
+                      <m:r>
+                        <a:rPr lang="en-US" altLang="ko-KR" b="0" i="1" smtClean="0">
+                          <a:solidFill>
+                            <a:schemeClr val="accent3"/>
+                          </a:solidFill>
+                          <a:latin typeface="Cambria Math"/>
+                          <a:ea typeface="배달의민족 주아" panose="02020603020101020101" pitchFamily="18" charset="-127"/>
+                        </a:rPr>
+                        <m:t>−</m:t>
+                      </m:r>
+                      <m:sSub>
+                        <m:sSubPr>
+                          <m:ctrlPr>
+                            <a:rPr lang="en-US" altLang="ko-KR" b="0" i="1" smtClean="0">
+                              <a:solidFill>
+                                <a:schemeClr val="accent3"/>
+                              </a:solidFill>
+                              <a:latin typeface="Cambria Math"/>
+                              <a:ea typeface="배달의민족 주아" panose="02020603020101020101" pitchFamily="18" charset="-127"/>
+                            </a:rPr>
+                          </m:ctrlPr>
+                        </m:sSubPr>
+                        <m:e>
+                          <m:r>
+                            <a:rPr lang="en-US" altLang="ko-KR" b="0" i="1" smtClean="0">
+                              <a:solidFill>
+                                <a:schemeClr val="accent3"/>
+                              </a:solidFill>
+                              <a:latin typeface="Cambria Math"/>
+                              <a:ea typeface="배달의민족 주아" panose="02020603020101020101" pitchFamily="18" charset="-127"/>
+                            </a:rPr>
+                            <m:t>𝜇</m:t>
+                          </m:r>
+                        </m:e>
+                        <m:sub>
+                          <m:r>
+                            <a:rPr lang="en-US" altLang="ko-KR" b="0" i="1" smtClean="0">
+                              <a:solidFill>
+                                <a:schemeClr val="accent3"/>
+                              </a:solidFill>
+                              <a:latin typeface="Cambria Math"/>
+                              <a:ea typeface="배달의민족 주아" panose="02020603020101020101" pitchFamily="18" charset="-127"/>
+                            </a:rPr>
+                            <m:t>1</m:t>
+                          </m:r>
+                        </m:sub>
+                      </m:sSub>
+                    </m:oMath>
+                  </a14:m>
+                  <a:r>
+                    <a:rPr lang="en-US" altLang="ko-KR" dirty="0" smtClean="0">
+                      <a:solidFill>
+                        <a:schemeClr val="accent3"/>
+                      </a:solidFill>
+                      <a:latin typeface="배달의민족 주아" panose="02020603020101020101" pitchFamily="18" charset="-127"/>
+                      <a:ea typeface="배달의민족 주아" panose="02020603020101020101" pitchFamily="18" charset="-127"/>
+                    </a:rPr>
+                    <a:t>)</a:t>
+                  </a:r>
+                  <a:endParaRPr lang="ko-KR" altLang="en-US" dirty="0">
+                    <a:solidFill>
+                      <a:schemeClr val="accent3"/>
+                    </a:solidFill>
+                    <a:latin typeface="배달의민족 주아" panose="02020603020101020101" pitchFamily="18" charset="-127"/>
+                    <a:ea typeface="배달의민족 주아" panose="02020603020101020101" pitchFamily="18" charset="-127"/>
+                  </a:endParaRPr>
+                </a:p>
+              </p:txBody>
+            </p:sp>
+          </mc:Choice>
+          <mc:Fallback>
+            <p:sp>
+              <p:nvSpPr>
+                <p:cNvPr id="81" name="TextBox 80">
+                  <a:extLst>
+                    <a:ext uri="{FF2B5EF4-FFF2-40B4-BE49-F238E27FC236}">
+                      <a16:creationId xmlns="" xmlns:a16="http://schemas.microsoft.com/office/drawing/2014/main" xmlns:a14="http://schemas.microsoft.com/office/drawing/2010/main" id="{3460AABE-49C3-4A25-B0A5-5326C3838920}"/>
+                    </a:ext>
+                  </a:extLst>
+                </p:cNvPr>
+                <p:cNvSpPr txBox="1">
+                  <a:spLocks noRot="1" noChangeAspect="1" noMove="1" noResize="1" noEditPoints="1" noAdjustHandles="1" noChangeArrowheads="1" noChangeShapeType="1" noTextEdit="1"/>
+                </p:cNvSpPr>
+                <p:nvPr/>
+              </p:nvSpPr>
+              <p:spPr>
+                <a:xfrm>
+                  <a:off x="1574377" y="685369"/>
+                  <a:ext cx="2280754" cy="369332"/>
+                </a:xfrm>
+                <a:prstGeom prst="rect">
+                  <a:avLst/>
+                </a:prstGeom>
+                <a:blipFill rotWithShape="1">
+                  <a:blip r:embed="rId3"/>
+                  <a:stretch>
+                    <a:fillRect l="-1872" t="-6557" r="-1872" b="-26230"/>
+                  </a:stretch>
+                </a:blipFill>
+              </p:spPr>
+              <p:txBody>
+                <a:bodyPr/>
+                <a:lstStyle/>
+                <a:p>
+                  <a:r>
+                    <a:rPr lang="ko-KR" altLang="en-US">
+                      <a:noFill/>
+                    </a:rPr>
+                    <a:t> </a:t>
+                  </a:r>
+                </a:p>
+              </p:txBody>
+            </p:sp>
+          </mc:Fallback>
+        </mc:AlternateContent>
+        <mc:AlternateContent xmlns:mc="http://schemas.openxmlformats.org/markup-compatibility/2006">
+          <mc:Choice xmlns:a14="http://schemas.microsoft.com/office/drawing/2010/main" Requires="a14">
+            <p:sp>
+              <p:nvSpPr>
+                <p:cNvPr id="84" name="TextBox 83">
+                  <a:extLst>
+                    <a:ext uri="{FF2B5EF4-FFF2-40B4-BE49-F238E27FC236}">
+                      <a16:creationId xmlns="" xmlns:a16="http://schemas.microsoft.com/office/drawing/2014/main" id="{637A9EBD-8651-4827-A9C8-718C09951F70}"/>
+                    </a:ext>
+                  </a:extLst>
+                </p:cNvPr>
+                <p:cNvSpPr txBox="1"/>
+                <p:nvPr/>
+              </p:nvSpPr>
+              <p:spPr>
+                <a:xfrm>
+                  <a:off x="2680271" y="1127355"/>
+                  <a:ext cx="1638975" cy="307777"/>
+                </a:xfrm>
+                <a:prstGeom prst="rect">
+                  <a:avLst/>
+                </a:prstGeom>
+                <a:noFill/>
+              </p:spPr>
+              <p:txBody>
+                <a:bodyPr wrap="none" rtlCol="0">
+                  <a:spAutoFit/>
+                </a:bodyPr>
+                <a:lstStyle/>
+                <a:p>
+                  <a:pPr algn="ctr"/>
+                  <a:r>
+                    <a:rPr lang="ko-KR" altLang="en-US" sz="1400" dirty="0" smtClean="0">
+                      <a:solidFill>
+                        <a:schemeClr val="accent3"/>
+                      </a:solidFill>
+                      <a:latin typeface="배달의민족 주아" panose="02020603020101020101" pitchFamily="18" charset="-127"/>
+                      <a:ea typeface="배달의민족 주아" panose="02020603020101020101" pitchFamily="18" charset="-127"/>
+                    </a:rPr>
+                    <a:t>모평균 차이 </a:t>
+                  </a:r>
+                  <a:r>
+                    <a:rPr lang="en-US" altLang="ko-KR" sz="1400" dirty="0" smtClean="0">
+                      <a:solidFill>
+                        <a:schemeClr val="accent3"/>
+                      </a:solidFill>
+                      <a:latin typeface="배달의민족 주아" panose="02020603020101020101" pitchFamily="18" charset="-127"/>
+                      <a:ea typeface="배달의민족 주아" panose="02020603020101020101" pitchFamily="18" charset="-127"/>
+                    </a:rPr>
+                    <a:t>+ </a:t>
+                  </a:r>
+                  <a14:m>
+                    <m:oMath xmlns:m="http://schemas.openxmlformats.org/officeDocument/2006/math">
+                      <m:sSub>
+                        <m:sSubPr>
+                          <m:ctrlPr>
+                            <a:rPr lang="en-US" altLang="ko-KR" sz="1400" b="0" i="1" smtClean="0">
+                              <a:solidFill>
+                                <a:schemeClr val="accent3"/>
+                              </a:solidFill>
+                              <a:latin typeface="Cambria Math"/>
+                              <a:ea typeface="배달의민족 주아" panose="02020603020101020101" pitchFamily="18" charset="-127"/>
+                            </a:rPr>
+                          </m:ctrlPr>
+                        </m:sSubPr>
+                        <m:e>
+                          <m:r>
+                            <a:rPr lang="en-US" altLang="ko-KR" sz="1400" b="0" i="1" smtClean="0">
+                              <a:solidFill>
+                                <a:schemeClr val="accent3"/>
+                              </a:solidFill>
+                              <a:latin typeface="Cambria Math"/>
+                              <a:ea typeface="배달의민족 주아" panose="02020603020101020101" pitchFamily="18" charset="-127"/>
+                            </a:rPr>
+                            <m:t>𝑡</m:t>
+                          </m:r>
+                        </m:e>
+                        <m:sub>
+                          <m:r>
+                            <a:rPr lang="en-US" altLang="ko-KR" sz="1400" b="0" i="1" smtClean="0">
+                              <a:solidFill>
+                                <a:schemeClr val="accent3"/>
+                              </a:solidFill>
+                              <a:latin typeface="Cambria Math"/>
+                              <a:ea typeface="배달의민족 주아" panose="02020603020101020101" pitchFamily="18" charset="-127"/>
+                            </a:rPr>
+                            <m:t>𝐴</m:t>
+                          </m:r>
+                        </m:sub>
+                      </m:sSub>
+                    </m:oMath>
+                  </a14:m>
+                  <a:r>
+                    <a:rPr lang="en-US" altLang="ko-KR" sz="1400" dirty="0" smtClean="0">
+                      <a:solidFill>
+                        <a:schemeClr val="accent3"/>
+                      </a:solidFill>
+                      <a:latin typeface="배달의민족 주아" panose="02020603020101020101" pitchFamily="18" charset="-127"/>
+                      <a:ea typeface="배달의민족 주아" panose="02020603020101020101" pitchFamily="18" charset="-127"/>
+                    </a:rPr>
+                    <a:t>SEM</a:t>
+                  </a:r>
+                  <a:endParaRPr lang="ko-KR" altLang="en-US" sz="1400" dirty="0">
+                    <a:solidFill>
+                      <a:schemeClr val="accent3"/>
+                    </a:solidFill>
+                    <a:latin typeface="배달의민족 주아" panose="02020603020101020101" pitchFamily="18" charset="-127"/>
+                    <a:ea typeface="배달의민족 주아" panose="02020603020101020101" pitchFamily="18" charset="-127"/>
+                  </a:endParaRPr>
+                </a:p>
+              </p:txBody>
+            </p:sp>
+          </mc:Choice>
+          <mc:Fallback>
+            <p:sp>
+              <p:nvSpPr>
+                <p:cNvPr id="84" name="TextBox 83">
+                  <a:extLst>
+                    <a:ext uri="{FF2B5EF4-FFF2-40B4-BE49-F238E27FC236}">
+                      <a16:creationId xmlns="" xmlns:a16="http://schemas.microsoft.com/office/drawing/2014/main" xmlns:a14="http://schemas.microsoft.com/office/drawing/2010/main" id="{637A9EBD-8651-4827-A9C8-718C09951F70}"/>
+                    </a:ext>
+                  </a:extLst>
+                </p:cNvPr>
+                <p:cNvSpPr txBox="1">
+                  <a:spLocks noRot="1" noChangeAspect="1" noMove="1" noResize="1" noEditPoints="1" noAdjustHandles="1" noChangeArrowheads="1" noChangeShapeType="1" noTextEdit="1"/>
+                </p:cNvSpPr>
+                <p:nvPr/>
+              </p:nvSpPr>
+              <p:spPr>
+                <a:xfrm>
+                  <a:off x="2680271" y="1127355"/>
+                  <a:ext cx="1638975" cy="307777"/>
+                </a:xfrm>
+                <a:prstGeom prst="rect">
+                  <a:avLst/>
+                </a:prstGeom>
+                <a:blipFill rotWithShape="1">
+                  <a:blip r:embed="rId4"/>
+                  <a:stretch>
+                    <a:fillRect l="-743" r="-743" b="-22000"/>
+                  </a:stretch>
+                </a:blipFill>
+              </p:spPr>
+              <p:txBody>
+                <a:bodyPr/>
+                <a:lstStyle/>
+                <a:p>
+                  <a:r>
+                    <a:rPr lang="ko-KR" altLang="en-US">
+                      <a:noFill/>
+                    </a:rPr>
+                    <a:t> </a:t>
+                  </a:r>
+                </a:p>
+              </p:txBody>
+            </p:sp>
+          </mc:Fallback>
+        </mc:AlternateContent>
+        <mc:AlternateContent xmlns:mc="http://schemas.openxmlformats.org/markup-compatibility/2006">
+          <mc:Choice xmlns:a14="http://schemas.microsoft.com/office/drawing/2010/main" Requires="a14">
+            <p:sp>
+              <p:nvSpPr>
+                <p:cNvPr id="85" name="TextBox 84">
+                  <a:extLst>
+                    <a:ext uri="{FF2B5EF4-FFF2-40B4-BE49-F238E27FC236}">
+                      <a16:creationId xmlns="" xmlns:a16="http://schemas.microsoft.com/office/drawing/2014/main" id="{30DFB557-63B6-4825-A4E9-AA48679DDB80}"/>
+                    </a:ext>
+                  </a:extLst>
+                </p:cNvPr>
+                <p:cNvSpPr txBox="1"/>
+                <p:nvPr/>
+              </p:nvSpPr>
+              <p:spPr>
+                <a:xfrm>
+                  <a:off x="1124142" y="1122883"/>
+                  <a:ext cx="1547989" cy="307777"/>
+                </a:xfrm>
+                <a:prstGeom prst="rect">
+                  <a:avLst/>
+                </a:prstGeom>
+                <a:noFill/>
+              </p:spPr>
+              <p:txBody>
+                <a:bodyPr wrap="none" rtlCol="0">
+                  <a:spAutoFit/>
+                </a:bodyPr>
+                <a:lstStyle/>
+                <a:p>
+                  <a:pPr algn="ctr"/>
+                  <a:r>
+                    <a:rPr lang="ko-KR" altLang="en-US" sz="1400" dirty="0" smtClean="0">
+                      <a:solidFill>
+                        <a:schemeClr val="accent3"/>
+                      </a:solidFill>
+                      <a:latin typeface="배달의민족 주아" panose="02020603020101020101" pitchFamily="18" charset="-127"/>
+                      <a:ea typeface="배달의민족 주아" panose="02020603020101020101" pitchFamily="18" charset="-127"/>
+                    </a:rPr>
+                    <a:t>모평균 차이</a:t>
+                  </a:r>
+                  <a:r>
+                    <a:rPr lang="en-US" altLang="ko-KR" sz="1400" dirty="0" smtClean="0">
+                      <a:solidFill>
+                        <a:schemeClr val="accent3"/>
+                      </a:solidFill>
+                      <a:latin typeface="배달의민족 주아" panose="02020603020101020101" pitchFamily="18" charset="-127"/>
+                      <a:ea typeface="배달의민족 주아" panose="02020603020101020101" pitchFamily="18" charset="-127"/>
+                    </a:rPr>
+                    <a:t>-</a:t>
+                  </a:r>
+                  <a14:m>
+                    <m:oMath xmlns:m="http://schemas.openxmlformats.org/officeDocument/2006/math">
+                      <m:sSub>
+                        <m:sSubPr>
+                          <m:ctrlPr>
+                            <a:rPr lang="en-US" altLang="ko-KR" sz="1400" b="0" i="1" smtClean="0">
+                              <a:solidFill>
+                                <a:schemeClr val="accent3"/>
+                              </a:solidFill>
+                              <a:latin typeface="Cambria Math"/>
+                              <a:ea typeface="배달의민족 주아" panose="02020603020101020101" pitchFamily="18" charset="-127"/>
+                            </a:rPr>
+                          </m:ctrlPr>
+                        </m:sSubPr>
+                        <m:e>
+                          <m:r>
+                            <a:rPr lang="en-US" altLang="ko-KR" sz="1400" b="0" i="1" smtClean="0">
+                              <a:solidFill>
+                                <a:schemeClr val="accent3"/>
+                              </a:solidFill>
+                              <a:latin typeface="Cambria Math"/>
+                              <a:ea typeface="배달의민족 주아" panose="02020603020101020101" pitchFamily="18" charset="-127"/>
+                            </a:rPr>
+                            <m:t>𝑡</m:t>
+                          </m:r>
+                        </m:e>
+                        <m:sub>
+                          <m:r>
+                            <a:rPr lang="en-US" altLang="ko-KR" sz="1400" b="0" i="1" smtClean="0">
+                              <a:solidFill>
+                                <a:schemeClr val="accent3"/>
+                              </a:solidFill>
+                              <a:latin typeface="Cambria Math"/>
+                              <a:ea typeface="배달의민족 주아" panose="02020603020101020101" pitchFamily="18" charset="-127"/>
+                            </a:rPr>
+                            <m:t>𝐴</m:t>
+                          </m:r>
+                        </m:sub>
+                      </m:sSub>
+                    </m:oMath>
+                  </a14:m>
+                  <a:r>
+                    <a:rPr lang="en-US" altLang="ko-KR" sz="1400" dirty="0" smtClean="0">
+                      <a:solidFill>
+                        <a:schemeClr val="accent3"/>
+                      </a:solidFill>
+                      <a:latin typeface="배달의민족 주아" panose="02020603020101020101" pitchFamily="18" charset="-127"/>
+                      <a:ea typeface="배달의민족 주아" panose="02020603020101020101" pitchFamily="18" charset="-127"/>
+                    </a:rPr>
+                    <a:t>SEM</a:t>
+                  </a:r>
+                  <a:endParaRPr lang="ko-KR" altLang="en-US" sz="1400" dirty="0">
+                    <a:solidFill>
+                      <a:schemeClr val="accent3"/>
+                    </a:solidFill>
+                    <a:latin typeface="배달의민족 주아" panose="02020603020101020101" pitchFamily="18" charset="-127"/>
+                    <a:ea typeface="배달의민족 주아" panose="02020603020101020101" pitchFamily="18" charset="-127"/>
+                  </a:endParaRPr>
+                </a:p>
+              </p:txBody>
+            </p:sp>
+          </mc:Choice>
+          <mc:Fallback>
+            <p:sp>
+              <p:nvSpPr>
+                <p:cNvPr id="85" name="TextBox 84">
+                  <a:extLst>
+                    <a:ext uri="{FF2B5EF4-FFF2-40B4-BE49-F238E27FC236}">
+                      <a16:creationId xmlns="" xmlns:a16="http://schemas.microsoft.com/office/drawing/2014/main" xmlns:a14="http://schemas.microsoft.com/office/drawing/2010/main" id="{30DFB557-63B6-4825-A4E9-AA48679DDB80}"/>
+                    </a:ext>
+                  </a:extLst>
+                </p:cNvPr>
+                <p:cNvSpPr txBox="1">
+                  <a:spLocks noRot="1" noChangeAspect="1" noMove="1" noResize="1" noEditPoints="1" noAdjustHandles="1" noChangeArrowheads="1" noChangeShapeType="1" noTextEdit="1"/>
+                </p:cNvSpPr>
+                <p:nvPr/>
+              </p:nvSpPr>
+              <p:spPr>
+                <a:xfrm>
+                  <a:off x="1124142" y="1122883"/>
+                  <a:ext cx="1547989" cy="307777"/>
+                </a:xfrm>
+                <a:prstGeom prst="rect">
+                  <a:avLst/>
+                </a:prstGeom>
+                <a:blipFill rotWithShape="1">
+                  <a:blip r:embed="rId5"/>
+                  <a:stretch>
+                    <a:fillRect r="-787" b="-19608"/>
+                  </a:stretch>
+                </a:blipFill>
+              </p:spPr>
+              <p:txBody>
+                <a:bodyPr/>
+                <a:lstStyle/>
+                <a:p>
+                  <a:r>
+                    <a:rPr lang="ko-KR" altLang="en-US">
+                      <a:noFill/>
+                    </a:rPr>
+                    <a:t> </a:t>
+                  </a:r>
+                </a:p>
+              </p:txBody>
+            </p:sp>
+          </mc:Fallback>
+        </mc:AlternateContent>
+        <p:sp>
+          <p:nvSpPr>
+            <p:cNvPr id="7" name="화살표: 왼쪽/오른쪽 6">
+              <a:extLst>
+                <a:ext uri="{FF2B5EF4-FFF2-40B4-BE49-F238E27FC236}">
+                  <a16:creationId xmlns="" xmlns:a16="http://schemas.microsoft.com/office/drawing/2014/main" id="{4E12E168-D9FF-4343-B35E-06DA76E44FB7}"/>
+                </a:ext>
+              </a:extLst>
+            </p:cNvPr>
+            <p:cNvSpPr/>
+            <p:nvPr/>
+          </p:nvSpPr>
+          <p:spPr>
+            <a:xfrm>
+              <a:off x="2155370" y="2563564"/>
+              <a:ext cx="1116759" cy="395714"/>
+            </a:xfrm>
+            <a:prstGeom prst="leftRightArrow">
+              <a:avLst/>
+            </a:prstGeom>
+            <a:solidFill>
+              <a:schemeClr val="accent6">
+                <a:alpha val="90000"/>
+              </a:schemeClr>
+            </a:solidFill>
+            <a:ln w="12700">
+              <a:solidFill>
+                <a:schemeClr val="accent5">
+                  <a:lumMod val="75000"/>
+                </a:schemeClr>
+              </a:solidFill>
+            </a:ln>
+          </p:spPr>
+          <p:style>
+            <a:lnRef idx="2">
+              <a:schemeClr val="accent1">
+                <a:shade val="50000"/>
+              </a:schemeClr>
+            </a:lnRef>
+            <a:fillRef idx="1">
+              <a:schemeClr val="accent1"/>
+            </a:fillRef>
+            <a:effectRef idx="0">
+              <a:schemeClr val="accent1"/>
+            </a:effectRef>
+            <a:fontRef idx="minor">
+              <a:schemeClr val="lt1"/>
+            </a:fontRef>
+          </p:style>
+          <p:txBody>
+            <a:bodyPr rtlCol="0" anchor="ctr"/>
+            <a:lstStyle/>
+            <a:p>
+              <a:pPr algn="ctr"/>
+              <a:endParaRPr lang="ko-KR" altLang="en-US"/>
+            </a:p>
+          </p:txBody>
+        </p:sp>
+        <p:sp>
+          <p:nvSpPr>
+            <p:cNvPr id="86" name="화살표: 왼쪽/오른쪽 85">
+              <a:extLst>
+                <a:ext uri="{FF2B5EF4-FFF2-40B4-BE49-F238E27FC236}">
+                  <a16:creationId xmlns="" xmlns:a16="http://schemas.microsoft.com/office/drawing/2014/main" id="{EF7A27AD-799A-48D7-92C2-6074E551A6E9}"/>
+                </a:ext>
+              </a:extLst>
+            </p:cNvPr>
+            <p:cNvSpPr/>
+            <p:nvPr/>
+          </p:nvSpPr>
+          <p:spPr>
+            <a:xfrm>
+              <a:off x="765764" y="1785580"/>
+              <a:ext cx="492172" cy="197857"/>
+            </a:xfrm>
+            <a:prstGeom prst="leftRightArrow">
+              <a:avLst/>
+            </a:prstGeom>
+            <a:solidFill>
+              <a:schemeClr val="accent6">
+                <a:alpha val="90000"/>
+              </a:schemeClr>
+            </a:solidFill>
+            <a:ln w="12700">
+              <a:solidFill>
+                <a:schemeClr val="accent5">
+                  <a:lumMod val="75000"/>
+                </a:schemeClr>
+              </a:solidFill>
+            </a:ln>
+          </p:spPr>
+          <p:style>
+            <a:lnRef idx="2">
+              <a:schemeClr val="accent1">
+                <a:shade val="50000"/>
+              </a:schemeClr>
+            </a:lnRef>
+            <a:fillRef idx="1">
+              <a:schemeClr val="accent1"/>
+            </a:fillRef>
+            <a:effectRef idx="0">
+              <a:schemeClr val="accent1"/>
+            </a:effectRef>
+            <a:fontRef idx="minor">
+              <a:schemeClr val="lt1"/>
+            </a:fontRef>
+          </p:style>
+          <p:txBody>
+            <a:bodyPr rtlCol="0" anchor="ctr"/>
+            <a:lstStyle/>
+            <a:p>
+              <a:pPr algn="ctr"/>
+              <a:endParaRPr lang="ko-KR" altLang="en-US"/>
+            </a:p>
+          </p:txBody>
+        </p:sp>
+        <p:sp>
+          <p:nvSpPr>
+            <p:cNvPr id="87" name="TextBox 86">
+              <a:extLst>
+                <a:ext uri="{FF2B5EF4-FFF2-40B4-BE49-F238E27FC236}">
+                  <a16:creationId xmlns="" xmlns:a16="http://schemas.microsoft.com/office/drawing/2014/main" id="{38413CFF-9145-48E8-AA03-05D6C8B2F931}"/>
+                </a:ext>
+              </a:extLst>
+            </p:cNvPr>
+            <p:cNvSpPr txBox="1"/>
+            <p:nvPr/>
+          </p:nvSpPr>
+          <p:spPr>
+            <a:xfrm>
+              <a:off x="694973" y="1983437"/>
+              <a:ext cx="1247457" cy="261610"/>
+            </a:xfrm>
+            <a:prstGeom prst="rect">
+              <a:avLst/>
+            </a:prstGeom>
+            <a:noFill/>
+          </p:spPr>
+          <p:txBody>
+            <a:bodyPr wrap="none" rtlCol="0">
+              <a:spAutoFit/>
+            </a:bodyPr>
+            <a:lstStyle/>
+            <a:p>
+              <a:r>
+                <a:rPr lang="en-US" altLang="ko-KR" sz="1100" dirty="0" smtClean="0">
+                  <a:latin typeface="배달의민족 주아" panose="02020603020101020101" pitchFamily="18" charset="-127"/>
+                  <a:ea typeface="배달의민족 주아" panose="02020603020101020101" pitchFamily="18" charset="-127"/>
+                </a:rPr>
+                <a:t>: </a:t>
+              </a:r>
+              <a:r>
+                <a:rPr lang="ko-KR" altLang="en-US" sz="1100" dirty="0">
+                  <a:latin typeface="배달의민족 주아" panose="02020603020101020101" pitchFamily="18" charset="-127"/>
+                  <a:ea typeface="배달의민족 주아" panose="02020603020101020101" pitchFamily="18" charset="-127"/>
+                </a:rPr>
+                <a:t>신뢰구간</a:t>
+              </a:r>
+              <a:r>
+                <a:rPr lang="en-US" altLang="ko-KR" sz="1100" dirty="0" smtClean="0">
+                  <a:latin typeface="배달의민족 주아" panose="02020603020101020101" pitchFamily="18" charset="-127"/>
+                  <a:ea typeface="배달의민족 주아" panose="02020603020101020101" pitchFamily="18" charset="-127"/>
+                </a:rPr>
+                <a:t>(100A%)</a:t>
+              </a:r>
+              <a:endParaRPr lang="ko-KR" altLang="en-US" sz="1100" dirty="0">
+                <a:latin typeface="배달의민족 주아" panose="02020603020101020101" pitchFamily="18" charset="-127"/>
+                <a:ea typeface="배달의민족 주아" panose="02020603020101020101" pitchFamily="18" charset="-127"/>
+              </a:endParaRPr>
+            </a:p>
+          </p:txBody>
+        </p:sp>
+        <p:cxnSp>
+          <p:nvCxnSpPr>
+            <p:cNvPr id="39" name="직선 연결선 38">
+              <a:extLst>
+                <a:ext uri="{FF2B5EF4-FFF2-40B4-BE49-F238E27FC236}">
+                  <a16:creationId xmlns="" xmlns:a16="http://schemas.microsoft.com/office/drawing/2014/main" id="{C0E7FF59-BEE0-4C00-9F83-E09D00B0C516}"/>
+                </a:ext>
+              </a:extLst>
+            </p:cNvPr>
+            <p:cNvCxnSpPr>
+              <a:cxnSpLocks/>
+            </p:cNvCxnSpPr>
+            <p:nvPr/>
+          </p:nvCxnSpPr>
+          <p:spPr>
+            <a:xfrm>
+              <a:off x="6804907" y="1054701"/>
+              <a:ext cx="0" cy="3331422"/>
+            </a:xfrm>
+            <a:prstGeom prst="line">
+              <a:avLst/>
+            </a:prstGeom>
+            <a:ln w="28575">
+              <a:solidFill>
+                <a:srgbClr val="D779F1"/>
+              </a:solidFill>
+              <a:prstDash val="dash"/>
+            </a:ln>
+          </p:spPr>
+          <p:style>
+            <a:lnRef idx="1">
+              <a:schemeClr val="accent1"/>
+            </a:lnRef>
+            <a:fillRef idx="0">
+              <a:schemeClr val="accent1"/>
+            </a:fillRef>
+            <a:effectRef idx="0">
+              <a:schemeClr val="accent1"/>
+            </a:effectRef>
+            <a:fontRef idx="minor">
+              <a:schemeClr val="tx1"/>
+            </a:fontRef>
+          </p:style>
+        </p:cxnSp>
+        <p:cxnSp>
+          <p:nvCxnSpPr>
+            <p:cNvPr id="40" name="직선 연결선 39">
+              <a:extLst>
+                <a:ext uri="{FF2B5EF4-FFF2-40B4-BE49-F238E27FC236}">
+                  <a16:creationId xmlns="" xmlns:a16="http://schemas.microsoft.com/office/drawing/2014/main" id="{81C795E2-4BAB-4B30-8615-EF5D39005982}"/>
+                </a:ext>
+              </a:extLst>
+            </p:cNvPr>
+            <p:cNvCxnSpPr>
+              <a:cxnSpLocks/>
+            </p:cNvCxnSpPr>
+            <p:nvPr/>
+          </p:nvCxnSpPr>
+          <p:spPr>
+            <a:xfrm>
+              <a:off x="6220399" y="1420472"/>
+              <a:ext cx="0" cy="2965651"/>
+            </a:xfrm>
+            <a:prstGeom prst="line">
+              <a:avLst/>
+            </a:prstGeom>
+            <a:ln w="28575">
+              <a:solidFill>
+                <a:schemeClr val="accent6"/>
+              </a:solidFill>
+              <a:prstDash val="dash"/>
+            </a:ln>
+          </p:spPr>
+          <p:style>
+            <a:lnRef idx="1">
+              <a:schemeClr val="accent1"/>
+            </a:lnRef>
+            <a:fillRef idx="0">
+              <a:schemeClr val="accent1"/>
+            </a:fillRef>
+            <a:effectRef idx="0">
+              <a:schemeClr val="accent1"/>
+            </a:effectRef>
+            <a:fontRef idx="minor">
+              <a:schemeClr val="tx1"/>
+            </a:fontRef>
+          </p:style>
+        </p:cxnSp>
+        <p:cxnSp>
+          <p:nvCxnSpPr>
+            <p:cNvPr id="41" name="직선 연결선 40">
+              <a:extLst>
+                <a:ext uri="{FF2B5EF4-FFF2-40B4-BE49-F238E27FC236}">
+                  <a16:creationId xmlns="" xmlns:a16="http://schemas.microsoft.com/office/drawing/2014/main" id="{FF755B02-EC7C-4BA0-A253-E7B3B6C7D81C}"/>
+                </a:ext>
+              </a:extLst>
+            </p:cNvPr>
+            <p:cNvCxnSpPr>
+              <a:cxnSpLocks/>
+            </p:cNvCxnSpPr>
+            <p:nvPr/>
+          </p:nvCxnSpPr>
+          <p:spPr>
+            <a:xfrm>
+              <a:off x="7389416" y="1420472"/>
+              <a:ext cx="0" cy="2965651"/>
+            </a:xfrm>
+            <a:prstGeom prst="line">
+              <a:avLst/>
+            </a:prstGeom>
+            <a:ln w="28575">
+              <a:solidFill>
+                <a:schemeClr val="accent6"/>
+              </a:solidFill>
+              <a:prstDash val="dash"/>
+            </a:ln>
+          </p:spPr>
+          <p:style>
+            <a:lnRef idx="1">
+              <a:schemeClr val="accent1"/>
+            </a:lnRef>
+            <a:fillRef idx="0">
+              <a:schemeClr val="accent1"/>
+            </a:fillRef>
+            <a:effectRef idx="0">
+              <a:schemeClr val="accent1"/>
+            </a:effectRef>
+            <a:fontRef idx="minor">
+              <a:schemeClr val="tx1"/>
+            </a:fontRef>
+          </p:style>
+        </p:cxnSp>
+        <p:pic>
+          <p:nvPicPr>
+            <p:cNvPr id="42" name="Picture 2"/>
+            <p:cNvPicPr>
+              <a:picLocks noChangeAspect="1" noChangeArrowheads="1"/>
+            </p:cNvPicPr>
+            <p:nvPr/>
+          </p:nvPicPr>
+          <p:blipFill>
+            <a:blip r:embed="rId2">
+              <a:extLst>
+                <a:ext uri="{28A0092B-C50C-407E-A947-70E740481C1C}">
+                  <a14:useLocalDpi xmlns:a14="http://schemas.microsoft.com/office/drawing/2010/main" val="0"/>
+                </a:ext>
+              </a:extLst>
+            </a:blip>
+            <a:srcRect/>
+            <a:stretch>
+              <a:fillRect/>
+            </a:stretch>
+          </p:blipFill>
+          <p:spPr bwMode="auto">
+            <a:xfrm>
+              <a:off x="5384615" y="1577811"/>
+              <a:ext cx="3064412" cy="2880320"/>
+            </a:xfrm>
+            <a:prstGeom prst="rect">
+              <a:avLst/>
+            </a:prstGeom>
+            <a:noFill/>
+            <a:ln>
+              <a:noFill/>
+            </a:ln>
+            <a:effectLst/>
+            <a:extLst>
+              <a:ext uri="{909E8E84-426E-40DD-AFC4-6F175D3DCCD1}">
+                <a14:hiddenFill xmlns:a14="http://schemas.microsoft.com/office/drawing/2010/main">
+                  <a:solidFill>
+                    <a:schemeClr val="accent1"/>
+                  </a:solidFill>
+                </a14:hiddenFill>
+              </a:ext>
+              <a:ext uri="{91240B29-F687-4F45-9708-019B960494DF}">
+                <a14:hiddenLine xmlns:a14="http://schemas.microsoft.com/office/drawing/2010/main" w="9525">
+                  <a:solidFill>
+                    <a:schemeClr val="tx1"/>
+                  </a:solidFill>
+                  <a:miter lim="800000"/>
+                  <a:headEnd/>
+                  <a:tailEnd/>
+                </a14:hiddenLine>
+              </a:ext>
+              <a:ext uri="{AF507438-7753-43E0-B8FC-AC1667EBCBE1}">
+                <a14:hiddenEffects xmlns:a14="http://schemas.microsoft.com/office/drawing/2010/main">
+                  <a:effectLst>
+                    <a:outerShdw dist="35921" dir="2700000" algn="ctr" rotWithShape="0">
+                      <a:schemeClr val="bg2"/>
+                    </a:outerShdw>
+                  </a:effectLst>
+                </a14:hiddenEffects>
+              </a:ext>
+            </a:extLst>
+          </p:spPr>
+        </p:pic>
+        <p:sp>
+          <p:nvSpPr>
+            <p:cNvPr id="43" name="TextBox 42">
+              <a:extLst>
+                <a:ext uri="{FF2B5EF4-FFF2-40B4-BE49-F238E27FC236}">
+                  <a16:creationId xmlns="" xmlns:a16="http://schemas.microsoft.com/office/drawing/2014/main" id="{C04AFB07-A04F-4BA4-AFC3-446CE5957D9D}"/>
+                </a:ext>
+              </a:extLst>
+            </p:cNvPr>
+            <p:cNvSpPr txBox="1"/>
+            <p:nvPr/>
+          </p:nvSpPr>
+          <p:spPr>
+            <a:xfrm>
+              <a:off x="6598057" y="2676424"/>
+              <a:ext cx="417102" cy="261610"/>
+            </a:xfrm>
+            <a:prstGeom prst="rect">
+              <a:avLst/>
+            </a:prstGeom>
+            <a:noFill/>
+          </p:spPr>
+          <p:txBody>
+            <a:bodyPr wrap="none" rtlCol="0">
+              <a:spAutoFit/>
+            </a:bodyPr>
+            <a:lstStyle/>
+            <a:p>
+              <a:r>
+                <a:rPr lang="ko-KR" altLang="en-US" sz="1100" dirty="0" smtClean="0">
+                  <a:latin typeface="배달의민족 주아" panose="02020603020101020101" pitchFamily="18" charset="-127"/>
+                  <a:ea typeface="배달의민족 주아" panose="02020603020101020101" pitchFamily="18" charset="-127"/>
+                </a:rPr>
+                <a:t>차이</a:t>
+              </a:r>
+              <a:endParaRPr lang="ko-KR" altLang="en-US" sz="1100" dirty="0">
+                <a:latin typeface="배달의민족 주아" panose="02020603020101020101" pitchFamily="18" charset="-127"/>
+                <a:ea typeface="배달의민족 주아" panose="02020603020101020101" pitchFamily="18" charset="-127"/>
+              </a:endParaRPr>
+            </a:p>
+          </p:txBody>
+        </p:sp>
+        <p:sp>
+          <p:nvSpPr>
+            <p:cNvPr id="44" name="TextBox 43">
+              <a:extLst>
+                <a:ext uri="{FF2B5EF4-FFF2-40B4-BE49-F238E27FC236}">
+                  <a16:creationId xmlns="" xmlns:a16="http://schemas.microsoft.com/office/drawing/2014/main" id="{B6A70F32-8562-4E73-BD1D-CF9D36148B17}"/>
+                </a:ext>
+              </a:extLst>
+            </p:cNvPr>
+            <p:cNvSpPr txBox="1"/>
+            <p:nvPr/>
+          </p:nvSpPr>
+          <p:spPr>
+            <a:xfrm>
+              <a:off x="6499719" y="2917581"/>
+              <a:ext cx="417102" cy="261610"/>
+            </a:xfrm>
+            <a:prstGeom prst="rect">
+              <a:avLst/>
+            </a:prstGeom>
+            <a:noFill/>
+          </p:spPr>
+          <p:txBody>
+            <a:bodyPr wrap="none" rtlCol="0">
+              <a:spAutoFit/>
+            </a:bodyPr>
+            <a:lstStyle/>
+            <a:p>
+              <a:r>
+                <a:rPr lang="ko-KR" altLang="en-US" sz="1100" dirty="0" smtClean="0">
+                  <a:latin typeface="배달의민족 주아" panose="02020603020101020101" pitchFamily="18" charset="-127"/>
+                  <a:ea typeface="배달의민족 주아" panose="02020603020101020101" pitchFamily="18" charset="-127"/>
+                </a:rPr>
+                <a:t>차이</a:t>
+              </a:r>
+              <a:endParaRPr lang="ko-KR" altLang="en-US" sz="1100" dirty="0">
+                <a:latin typeface="배달의민족 주아" panose="02020603020101020101" pitchFamily="18" charset="-127"/>
+                <a:ea typeface="배달의민족 주아" panose="02020603020101020101" pitchFamily="18" charset="-127"/>
+              </a:endParaRPr>
+            </a:p>
+          </p:txBody>
+        </p:sp>
+        <p:sp>
+          <p:nvSpPr>
+            <p:cNvPr id="45" name="TextBox 44">
+              <a:extLst>
+                <a:ext uri="{FF2B5EF4-FFF2-40B4-BE49-F238E27FC236}">
+                  <a16:creationId xmlns="" xmlns:a16="http://schemas.microsoft.com/office/drawing/2014/main" id="{69C2B872-9BEB-4D28-96BF-A163FA23B2AE}"/>
+                </a:ext>
+              </a:extLst>
+            </p:cNvPr>
+            <p:cNvSpPr txBox="1"/>
+            <p:nvPr/>
+          </p:nvSpPr>
+          <p:spPr>
+            <a:xfrm>
+              <a:off x="6855515" y="3027810"/>
+              <a:ext cx="417102" cy="261610"/>
+            </a:xfrm>
+            <a:prstGeom prst="rect">
+              <a:avLst/>
+            </a:prstGeom>
+            <a:noFill/>
+          </p:spPr>
+          <p:txBody>
+            <a:bodyPr wrap="none" rtlCol="0">
+              <a:spAutoFit/>
+            </a:bodyPr>
+            <a:lstStyle/>
+            <a:p>
+              <a:r>
+                <a:rPr lang="ko-KR" altLang="en-US" sz="1100" dirty="0" smtClean="0">
+                  <a:latin typeface="배달의민족 주아" panose="02020603020101020101" pitchFamily="18" charset="-127"/>
+                  <a:ea typeface="배달의민족 주아" panose="02020603020101020101" pitchFamily="18" charset="-127"/>
+                </a:rPr>
+                <a:t>차이</a:t>
+              </a:r>
+              <a:endParaRPr lang="ko-KR" altLang="en-US" sz="1100" dirty="0">
+                <a:latin typeface="배달의민족 주아" panose="02020603020101020101" pitchFamily="18" charset="-127"/>
+                <a:ea typeface="배달의민족 주아" panose="02020603020101020101" pitchFamily="18" charset="-127"/>
+              </a:endParaRPr>
+            </a:p>
+          </p:txBody>
+        </p:sp>
+        <p:sp>
+          <p:nvSpPr>
+            <p:cNvPr id="46" name="TextBox 45">
+              <a:extLst>
+                <a:ext uri="{FF2B5EF4-FFF2-40B4-BE49-F238E27FC236}">
+                  <a16:creationId xmlns="" xmlns:a16="http://schemas.microsoft.com/office/drawing/2014/main" id="{EF643D31-A1D1-4965-BB3A-247350DB9036}"/>
+                </a:ext>
+              </a:extLst>
+            </p:cNvPr>
+            <p:cNvSpPr txBox="1"/>
+            <p:nvPr/>
+          </p:nvSpPr>
+          <p:spPr>
+            <a:xfrm>
+              <a:off x="6827822" y="2811786"/>
+              <a:ext cx="417102" cy="261610"/>
+            </a:xfrm>
+            <a:prstGeom prst="rect">
+              <a:avLst/>
+            </a:prstGeom>
+            <a:noFill/>
+          </p:spPr>
+          <p:txBody>
+            <a:bodyPr wrap="none" rtlCol="0">
+              <a:spAutoFit/>
+            </a:bodyPr>
+            <a:lstStyle/>
+            <a:p>
+              <a:r>
+                <a:rPr lang="ko-KR" altLang="en-US" sz="1100" dirty="0" smtClean="0">
+                  <a:latin typeface="배달의민족 주아" panose="02020603020101020101" pitchFamily="18" charset="-127"/>
+                  <a:ea typeface="배달의민족 주아" panose="02020603020101020101" pitchFamily="18" charset="-127"/>
+                </a:rPr>
+                <a:t>차이</a:t>
+              </a:r>
+              <a:endParaRPr lang="ko-KR" altLang="en-US" sz="1100" dirty="0">
+                <a:latin typeface="배달의민족 주아" panose="02020603020101020101" pitchFamily="18" charset="-127"/>
+                <a:ea typeface="배달의민족 주아" panose="02020603020101020101" pitchFamily="18" charset="-127"/>
+              </a:endParaRPr>
+            </a:p>
+          </p:txBody>
+        </p:sp>
+        <p:sp>
+          <p:nvSpPr>
+            <p:cNvPr id="47" name="TextBox 46">
+              <a:extLst>
+                <a:ext uri="{FF2B5EF4-FFF2-40B4-BE49-F238E27FC236}">
+                  <a16:creationId xmlns="" xmlns:a16="http://schemas.microsoft.com/office/drawing/2014/main" id="{CEFEF120-AE30-4C7C-8637-42BDD97D4151}"/>
+                </a:ext>
+              </a:extLst>
+            </p:cNvPr>
+            <p:cNvSpPr txBox="1"/>
+            <p:nvPr/>
+          </p:nvSpPr>
+          <p:spPr>
+            <a:xfrm>
+              <a:off x="6732158" y="2473839"/>
+              <a:ext cx="417102" cy="261610"/>
+            </a:xfrm>
+            <a:prstGeom prst="rect">
+              <a:avLst/>
+            </a:prstGeom>
+            <a:noFill/>
+          </p:spPr>
+          <p:txBody>
+            <a:bodyPr wrap="none" rtlCol="0">
+              <a:spAutoFit/>
+            </a:bodyPr>
+            <a:lstStyle/>
+            <a:p>
+              <a:r>
+                <a:rPr lang="ko-KR" altLang="en-US" sz="1100" dirty="0" smtClean="0">
+                  <a:latin typeface="배달의민족 주아" panose="02020603020101020101" pitchFamily="18" charset="-127"/>
+                  <a:ea typeface="배달의민족 주아" panose="02020603020101020101" pitchFamily="18" charset="-127"/>
+                </a:rPr>
+                <a:t>차이</a:t>
+              </a:r>
+              <a:endParaRPr lang="ko-KR" altLang="en-US" sz="1100" dirty="0">
+                <a:latin typeface="배달의민족 주아" panose="02020603020101020101" pitchFamily="18" charset="-127"/>
+                <a:ea typeface="배달의민족 주아" panose="02020603020101020101" pitchFamily="18" charset="-127"/>
+              </a:endParaRPr>
+            </a:p>
+          </p:txBody>
+        </p:sp>
+        <p:sp>
+          <p:nvSpPr>
+            <p:cNvPr id="48" name="TextBox 47">
+              <a:extLst>
+                <a:ext uri="{FF2B5EF4-FFF2-40B4-BE49-F238E27FC236}">
+                  <a16:creationId xmlns="" xmlns:a16="http://schemas.microsoft.com/office/drawing/2014/main" id="{1EF9F216-41A4-4695-A143-7F795D43D60F}"/>
+                </a:ext>
+              </a:extLst>
+            </p:cNvPr>
+            <p:cNvSpPr txBox="1"/>
+            <p:nvPr/>
+          </p:nvSpPr>
+          <p:spPr>
+            <a:xfrm>
+              <a:off x="7015159" y="2595762"/>
+              <a:ext cx="417102" cy="261610"/>
+            </a:xfrm>
+            <a:prstGeom prst="rect">
+              <a:avLst/>
+            </a:prstGeom>
+            <a:noFill/>
+          </p:spPr>
+          <p:txBody>
+            <a:bodyPr wrap="none" rtlCol="0">
+              <a:spAutoFit/>
+            </a:bodyPr>
+            <a:lstStyle/>
+            <a:p>
+              <a:r>
+                <a:rPr lang="ko-KR" altLang="en-US" sz="1100" dirty="0" smtClean="0">
+                  <a:latin typeface="배달의민족 주아" panose="02020603020101020101" pitchFamily="18" charset="-127"/>
+                  <a:ea typeface="배달의민족 주아" panose="02020603020101020101" pitchFamily="18" charset="-127"/>
+                </a:rPr>
+                <a:t>차이</a:t>
+              </a:r>
+              <a:endParaRPr lang="ko-KR" altLang="en-US" sz="1100" dirty="0">
+                <a:latin typeface="배달의민족 주아" panose="02020603020101020101" pitchFamily="18" charset="-127"/>
+                <a:ea typeface="배달의민족 주아" panose="02020603020101020101" pitchFamily="18" charset="-127"/>
+              </a:endParaRPr>
+            </a:p>
+          </p:txBody>
+        </p:sp>
+        <p:sp>
+          <p:nvSpPr>
+            <p:cNvPr id="49" name="TextBox 48">
+              <a:extLst>
+                <a:ext uri="{FF2B5EF4-FFF2-40B4-BE49-F238E27FC236}">
+                  <a16:creationId xmlns="" xmlns:a16="http://schemas.microsoft.com/office/drawing/2014/main" id="{2A0E21AB-25E9-49DD-ADB4-0D3EC75B25A1}"/>
+                </a:ext>
+              </a:extLst>
+            </p:cNvPr>
+            <p:cNvSpPr txBox="1"/>
+            <p:nvPr/>
+          </p:nvSpPr>
+          <p:spPr>
+            <a:xfrm>
+              <a:off x="7081548" y="2916959"/>
+              <a:ext cx="417102" cy="261610"/>
+            </a:xfrm>
+            <a:prstGeom prst="rect">
+              <a:avLst/>
+            </a:prstGeom>
+            <a:noFill/>
+          </p:spPr>
+          <p:txBody>
+            <a:bodyPr wrap="none" rtlCol="0">
+              <a:spAutoFit/>
+            </a:bodyPr>
+            <a:lstStyle/>
+            <a:p>
+              <a:r>
+                <a:rPr lang="ko-KR" altLang="en-US" sz="1100" dirty="0" smtClean="0">
+                  <a:latin typeface="배달의민족 주아" panose="02020603020101020101" pitchFamily="18" charset="-127"/>
+                  <a:ea typeface="배달의민족 주아" panose="02020603020101020101" pitchFamily="18" charset="-127"/>
+                </a:rPr>
+                <a:t>차이</a:t>
+              </a:r>
+              <a:endParaRPr lang="ko-KR" altLang="en-US" sz="1100" dirty="0">
+                <a:latin typeface="배달의민족 주아" panose="02020603020101020101" pitchFamily="18" charset="-127"/>
+                <a:ea typeface="배달의민족 주아" panose="02020603020101020101" pitchFamily="18" charset="-127"/>
+              </a:endParaRPr>
+            </a:p>
+          </p:txBody>
+        </p:sp>
+        <p:sp>
+          <p:nvSpPr>
+            <p:cNvPr id="50" name="TextBox 49">
+              <a:extLst>
+                <a:ext uri="{FF2B5EF4-FFF2-40B4-BE49-F238E27FC236}">
+                  <a16:creationId xmlns="" xmlns:a16="http://schemas.microsoft.com/office/drawing/2014/main" id="{74F7DFBB-01DD-4E1C-AA49-53D5262B1568}"/>
+                </a:ext>
+              </a:extLst>
+            </p:cNvPr>
+            <p:cNvSpPr txBox="1"/>
+            <p:nvPr/>
+          </p:nvSpPr>
+          <p:spPr>
+            <a:xfrm>
+              <a:off x="6566108" y="3124723"/>
+              <a:ext cx="417102" cy="261610"/>
+            </a:xfrm>
+            <a:prstGeom prst="rect">
+              <a:avLst/>
+            </a:prstGeom>
+            <a:noFill/>
+          </p:spPr>
+          <p:txBody>
+            <a:bodyPr wrap="none" rtlCol="0">
+              <a:spAutoFit/>
+            </a:bodyPr>
+            <a:lstStyle/>
+            <a:p>
+              <a:r>
+                <a:rPr lang="ko-KR" altLang="en-US" sz="1100" dirty="0" smtClean="0">
+                  <a:latin typeface="배달의민족 주아" panose="02020603020101020101" pitchFamily="18" charset="-127"/>
+                  <a:ea typeface="배달의민족 주아" panose="02020603020101020101" pitchFamily="18" charset="-127"/>
+                </a:rPr>
+                <a:t>차이</a:t>
+              </a:r>
+              <a:endParaRPr lang="ko-KR" altLang="en-US" sz="1100" dirty="0">
+                <a:latin typeface="배달의민족 주아" panose="02020603020101020101" pitchFamily="18" charset="-127"/>
+                <a:ea typeface="배달의민족 주아" panose="02020603020101020101" pitchFamily="18" charset="-127"/>
+              </a:endParaRPr>
+            </a:p>
+          </p:txBody>
+        </p:sp>
+        <p:sp>
+          <p:nvSpPr>
+            <p:cNvPr id="51" name="TextBox 50">
+              <a:extLst>
+                <a:ext uri="{FF2B5EF4-FFF2-40B4-BE49-F238E27FC236}">
+                  <a16:creationId xmlns="" xmlns:a16="http://schemas.microsoft.com/office/drawing/2014/main" id="{A80CF1C4-9476-4397-A3ED-365156FF8C0B}"/>
+                </a:ext>
+              </a:extLst>
+            </p:cNvPr>
+            <p:cNvSpPr txBox="1"/>
+            <p:nvPr/>
+          </p:nvSpPr>
+          <p:spPr>
+            <a:xfrm>
+              <a:off x="6470574" y="3280538"/>
+              <a:ext cx="417102" cy="261610"/>
+            </a:xfrm>
+            <a:prstGeom prst="rect">
+              <a:avLst/>
+            </a:prstGeom>
+            <a:noFill/>
+          </p:spPr>
+          <p:txBody>
+            <a:bodyPr wrap="none" rtlCol="0">
+              <a:spAutoFit/>
+            </a:bodyPr>
+            <a:lstStyle/>
+            <a:p>
+              <a:r>
+                <a:rPr lang="ko-KR" altLang="en-US" sz="1100" dirty="0" smtClean="0">
+                  <a:latin typeface="배달의민족 주아" panose="02020603020101020101" pitchFamily="18" charset="-127"/>
+                  <a:ea typeface="배달의민족 주아" panose="02020603020101020101" pitchFamily="18" charset="-127"/>
+                </a:rPr>
+                <a:t>차이</a:t>
+              </a:r>
+              <a:endParaRPr lang="ko-KR" altLang="en-US" sz="1100" dirty="0">
+                <a:latin typeface="배달의민족 주아" panose="02020603020101020101" pitchFamily="18" charset="-127"/>
+                <a:ea typeface="배달의민족 주아" panose="02020603020101020101" pitchFamily="18" charset="-127"/>
+              </a:endParaRPr>
+            </a:p>
+          </p:txBody>
+        </p:sp>
+        <p:sp>
+          <p:nvSpPr>
+            <p:cNvPr id="52" name="TextBox 51">
+              <a:extLst>
+                <a:ext uri="{FF2B5EF4-FFF2-40B4-BE49-F238E27FC236}">
+                  <a16:creationId xmlns="" xmlns:a16="http://schemas.microsoft.com/office/drawing/2014/main" id="{BE0C0FF2-734F-440D-9121-2CA00E623972}"/>
+                </a:ext>
+              </a:extLst>
+            </p:cNvPr>
+            <p:cNvSpPr txBox="1"/>
+            <p:nvPr/>
+          </p:nvSpPr>
+          <p:spPr>
+            <a:xfrm>
+              <a:off x="6396955" y="3453019"/>
+              <a:ext cx="417102" cy="261610"/>
+            </a:xfrm>
+            <a:prstGeom prst="rect">
+              <a:avLst/>
+            </a:prstGeom>
+            <a:noFill/>
+          </p:spPr>
+          <p:txBody>
+            <a:bodyPr wrap="none" rtlCol="0">
+              <a:spAutoFit/>
+            </a:bodyPr>
+            <a:lstStyle/>
+            <a:p>
+              <a:r>
+                <a:rPr lang="ko-KR" altLang="en-US" sz="1100" dirty="0" smtClean="0">
+                  <a:latin typeface="배달의민족 주아" panose="02020603020101020101" pitchFamily="18" charset="-127"/>
+                  <a:ea typeface="배달의민족 주아" panose="02020603020101020101" pitchFamily="18" charset="-127"/>
+                </a:rPr>
+                <a:t>차이</a:t>
+              </a:r>
+              <a:endParaRPr lang="ko-KR" altLang="en-US" sz="1100" dirty="0">
+                <a:latin typeface="배달의민족 주아" panose="02020603020101020101" pitchFamily="18" charset="-127"/>
+                <a:ea typeface="배달의민족 주아" panose="02020603020101020101" pitchFamily="18" charset="-127"/>
+              </a:endParaRPr>
+            </a:p>
+          </p:txBody>
+        </p:sp>
+        <p:sp>
+          <p:nvSpPr>
+            <p:cNvPr id="53" name="TextBox 52">
+              <a:extLst>
+                <a:ext uri="{FF2B5EF4-FFF2-40B4-BE49-F238E27FC236}">
+                  <a16:creationId xmlns="" xmlns:a16="http://schemas.microsoft.com/office/drawing/2014/main" id="{75621EA3-8E7A-411B-81FC-098BF5452E03}"/>
+                </a:ext>
+              </a:extLst>
+            </p:cNvPr>
+            <p:cNvSpPr txBox="1"/>
+            <p:nvPr/>
+          </p:nvSpPr>
+          <p:spPr>
+            <a:xfrm>
+              <a:off x="6814057" y="3288871"/>
+              <a:ext cx="417102" cy="261610"/>
+            </a:xfrm>
+            <a:prstGeom prst="rect">
+              <a:avLst/>
+            </a:prstGeom>
+            <a:noFill/>
+          </p:spPr>
+          <p:txBody>
+            <a:bodyPr wrap="none" rtlCol="0">
+              <a:spAutoFit/>
+            </a:bodyPr>
+            <a:lstStyle/>
+            <a:p>
+              <a:r>
+                <a:rPr lang="ko-KR" altLang="en-US" sz="1100" dirty="0" smtClean="0">
+                  <a:latin typeface="배달의민족 주아" panose="02020603020101020101" pitchFamily="18" charset="-127"/>
+                  <a:ea typeface="배달의민족 주아" panose="02020603020101020101" pitchFamily="18" charset="-127"/>
+                </a:rPr>
+                <a:t>차이</a:t>
+              </a:r>
+              <a:endParaRPr lang="ko-KR" altLang="en-US" sz="1100" dirty="0">
+                <a:latin typeface="배달의민족 주아" panose="02020603020101020101" pitchFamily="18" charset="-127"/>
+                <a:ea typeface="배달의민족 주아" panose="02020603020101020101" pitchFamily="18" charset="-127"/>
+              </a:endParaRPr>
+            </a:p>
+          </p:txBody>
+        </p:sp>
+        <p:sp>
+          <p:nvSpPr>
+            <p:cNvPr id="55" name="TextBox 54">
+              <a:extLst>
+                <a:ext uri="{FF2B5EF4-FFF2-40B4-BE49-F238E27FC236}">
+                  <a16:creationId xmlns="" xmlns:a16="http://schemas.microsoft.com/office/drawing/2014/main" id="{C1FA5586-4F2E-4F6A-A0FA-1855CDED3BDC}"/>
+                </a:ext>
+              </a:extLst>
+            </p:cNvPr>
+            <p:cNvSpPr txBox="1"/>
+            <p:nvPr/>
+          </p:nvSpPr>
+          <p:spPr>
+            <a:xfrm>
+              <a:off x="6652148" y="3462670"/>
+              <a:ext cx="417102" cy="261610"/>
+            </a:xfrm>
+            <a:prstGeom prst="rect">
+              <a:avLst/>
+            </a:prstGeom>
+            <a:noFill/>
+          </p:spPr>
+          <p:txBody>
+            <a:bodyPr wrap="none" rtlCol="0">
+              <a:spAutoFit/>
+            </a:bodyPr>
+            <a:lstStyle/>
+            <a:p>
+              <a:r>
+                <a:rPr lang="ko-KR" altLang="en-US" sz="1100" dirty="0" smtClean="0">
+                  <a:latin typeface="배달의민족 주아" panose="02020603020101020101" pitchFamily="18" charset="-127"/>
+                  <a:ea typeface="배달의민족 주아" panose="02020603020101020101" pitchFamily="18" charset="-127"/>
+                </a:rPr>
+                <a:t>차이</a:t>
+              </a:r>
+              <a:endParaRPr lang="ko-KR" altLang="en-US" sz="1100" dirty="0">
+                <a:latin typeface="배달의민족 주아" panose="02020603020101020101" pitchFamily="18" charset="-127"/>
+                <a:ea typeface="배달의민족 주아" panose="02020603020101020101" pitchFamily="18" charset="-127"/>
+              </a:endParaRPr>
+            </a:p>
+          </p:txBody>
+        </p:sp>
+        <p:sp>
+          <p:nvSpPr>
+            <p:cNvPr id="88" name="TextBox 87">
+              <a:extLst>
+                <a:ext uri="{FF2B5EF4-FFF2-40B4-BE49-F238E27FC236}">
+                  <a16:creationId xmlns="" xmlns:a16="http://schemas.microsoft.com/office/drawing/2014/main" id="{141486BF-6F45-441A-95F3-D175221A8176}"/>
+                </a:ext>
+              </a:extLst>
+            </p:cNvPr>
+            <p:cNvSpPr txBox="1"/>
+            <p:nvPr/>
+          </p:nvSpPr>
+          <p:spPr>
+            <a:xfrm>
+              <a:off x="6281688" y="3650510"/>
+              <a:ext cx="417102" cy="261610"/>
+            </a:xfrm>
+            <a:prstGeom prst="rect">
+              <a:avLst/>
+            </a:prstGeom>
+            <a:noFill/>
+          </p:spPr>
+          <p:txBody>
+            <a:bodyPr wrap="none" rtlCol="0">
+              <a:spAutoFit/>
+            </a:bodyPr>
+            <a:lstStyle/>
+            <a:p>
+              <a:r>
+                <a:rPr lang="ko-KR" altLang="en-US" sz="1100" dirty="0" smtClean="0">
+                  <a:latin typeface="배달의민족 주아" panose="02020603020101020101" pitchFamily="18" charset="-127"/>
+                  <a:ea typeface="배달의민족 주아" panose="02020603020101020101" pitchFamily="18" charset="-127"/>
+                </a:rPr>
+                <a:t>차이</a:t>
+              </a:r>
+              <a:endParaRPr lang="ko-KR" altLang="en-US" sz="1100" dirty="0">
+                <a:latin typeface="배달의민족 주아" panose="02020603020101020101" pitchFamily="18" charset="-127"/>
+                <a:ea typeface="배달의민족 주아" panose="02020603020101020101" pitchFamily="18" charset="-127"/>
+              </a:endParaRPr>
+            </a:p>
+          </p:txBody>
+        </p:sp>
+        <p:sp>
+          <p:nvSpPr>
+            <p:cNvPr id="89" name="TextBox 88">
+              <a:extLst>
+                <a:ext uri="{FF2B5EF4-FFF2-40B4-BE49-F238E27FC236}">
+                  <a16:creationId xmlns="" xmlns:a16="http://schemas.microsoft.com/office/drawing/2014/main" id="{D1BF9F06-0991-468D-8349-6B35F7061937}"/>
+                </a:ext>
+              </a:extLst>
+            </p:cNvPr>
+            <p:cNvSpPr txBox="1"/>
+            <p:nvPr/>
+          </p:nvSpPr>
+          <p:spPr>
+            <a:xfrm>
+              <a:off x="7080047" y="3462670"/>
+              <a:ext cx="417102" cy="261610"/>
+            </a:xfrm>
+            <a:prstGeom prst="rect">
+              <a:avLst/>
+            </a:prstGeom>
+            <a:noFill/>
+          </p:spPr>
+          <p:txBody>
+            <a:bodyPr wrap="none" rtlCol="0">
+              <a:spAutoFit/>
+            </a:bodyPr>
+            <a:lstStyle/>
+            <a:p>
+              <a:r>
+                <a:rPr lang="ko-KR" altLang="en-US" sz="1100" dirty="0" smtClean="0">
+                  <a:latin typeface="배달의민족 주아" panose="02020603020101020101" pitchFamily="18" charset="-127"/>
+                  <a:ea typeface="배달의민족 주아" panose="02020603020101020101" pitchFamily="18" charset="-127"/>
+                </a:rPr>
+                <a:t>차이</a:t>
+              </a:r>
+              <a:endParaRPr lang="ko-KR" altLang="en-US" sz="1100" dirty="0">
+                <a:latin typeface="배달의민족 주아" panose="02020603020101020101" pitchFamily="18" charset="-127"/>
+                <a:ea typeface="배달의민족 주아" panose="02020603020101020101" pitchFamily="18" charset="-127"/>
+              </a:endParaRPr>
+            </a:p>
+          </p:txBody>
+        </p:sp>
+        <p:sp>
+          <p:nvSpPr>
+            <p:cNvPr id="90" name="TextBox 89">
+              <a:extLst>
+                <a:ext uri="{FF2B5EF4-FFF2-40B4-BE49-F238E27FC236}">
+                  <a16:creationId xmlns="" xmlns:a16="http://schemas.microsoft.com/office/drawing/2014/main" id="{298D047E-0D35-48CC-B73B-A5246B507DEC}"/>
+                </a:ext>
+              </a:extLst>
+            </p:cNvPr>
+            <p:cNvSpPr txBox="1"/>
+            <p:nvPr/>
+          </p:nvSpPr>
+          <p:spPr>
+            <a:xfrm>
+              <a:off x="6443597" y="3853466"/>
+              <a:ext cx="417102" cy="261610"/>
+            </a:xfrm>
+            <a:prstGeom prst="rect">
+              <a:avLst/>
+            </a:prstGeom>
+            <a:noFill/>
+          </p:spPr>
+          <p:txBody>
+            <a:bodyPr wrap="none" rtlCol="0">
+              <a:spAutoFit/>
+            </a:bodyPr>
+            <a:lstStyle/>
+            <a:p>
+              <a:r>
+                <a:rPr lang="ko-KR" altLang="en-US" sz="1100" dirty="0" smtClean="0">
+                  <a:latin typeface="배달의민족 주아" panose="02020603020101020101" pitchFamily="18" charset="-127"/>
+                  <a:ea typeface="배달의민족 주아" panose="02020603020101020101" pitchFamily="18" charset="-127"/>
+                </a:rPr>
+                <a:t>차이</a:t>
+              </a:r>
+              <a:endParaRPr lang="ko-KR" altLang="en-US" sz="1100" dirty="0">
+                <a:latin typeface="배달의민족 주아" panose="02020603020101020101" pitchFamily="18" charset="-127"/>
+                <a:ea typeface="배달의민족 주아" panose="02020603020101020101" pitchFamily="18" charset="-127"/>
+              </a:endParaRPr>
+            </a:p>
+          </p:txBody>
+        </p:sp>
+        <p:sp>
+          <p:nvSpPr>
+            <p:cNvPr id="91" name="TextBox 90">
+              <a:extLst>
+                <a:ext uri="{FF2B5EF4-FFF2-40B4-BE49-F238E27FC236}">
+                  <a16:creationId xmlns="" xmlns:a16="http://schemas.microsoft.com/office/drawing/2014/main" id="{3E688838-CA83-4471-9A4C-650BFD22C65B}"/>
+                </a:ext>
+              </a:extLst>
+            </p:cNvPr>
+            <p:cNvSpPr txBox="1"/>
+            <p:nvPr/>
+          </p:nvSpPr>
+          <p:spPr>
+            <a:xfrm>
+              <a:off x="6133785" y="3952695"/>
+              <a:ext cx="417102" cy="261610"/>
+            </a:xfrm>
+            <a:prstGeom prst="rect">
+              <a:avLst/>
+            </a:prstGeom>
+            <a:noFill/>
+          </p:spPr>
+          <p:txBody>
+            <a:bodyPr wrap="none" rtlCol="0">
+              <a:spAutoFit/>
+            </a:bodyPr>
+            <a:lstStyle/>
+            <a:p>
+              <a:r>
+                <a:rPr lang="ko-KR" altLang="en-US" sz="1100" dirty="0" smtClean="0">
+                  <a:latin typeface="배달의민족 주아" panose="02020603020101020101" pitchFamily="18" charset="-127"/>
+                  <a:ea typeface="배달의민족 주아" panose="02020603020101020101" pitchFamily="18" charset="-127"/>
+                </a:rPr>
+                <a:t>차이</a:t>
+              </a:r>
+              <a:endParaRPr lang="ko-KR" altLang="en-US" sz="1100" dirty="0">
+                <a:latin typeface="배달의민족 주아" panose="02020603020101020101" pitchFamily="18" charset="-127"/>
+                <a:ea typeface="배달의민족 주아" panose="02020603020101020101" pitchFamily="18" charset="-127"/>
+              </a:endParaRPr>
+            </a:p>
+          </p:txBody>
+        </p:sp>
+        <p:sp>
+          <p:nvSpPr>
+            <p:cNvPr id="92" name="TextBox 91">
+              <a:extLst>
+                <a:ext uri="{FF2B5EF4-FFF2-40B4-BE49-F238E27FC236}">
+                  <a16:creationId xmlns="" xmlns:a16="http://schemas.microsoft.com/office/drawing/2014/main" id="{9CECF851-F0A1-4282-996C-B5D11CEB5290}"/>
+                </a:ext>
+              </a:extLst>
+            </p:cNvPr>
+            <p:cNvSpPr txBox="1"/>
+            <p:nvPr/>
+          </p:nvSpPr>
+          <p:spPr>
+            <a:xfrm>
+              <a:off x="6732158" y="3908488"/>
+              <a:ext cx="417102" cy="261610"/>
+            </a:xfrm>
+            <a:prstGeom prst="rect">
+              <a:avLst/>
+            </a:prstGeom>
+            <a:noFill/>
+          </p:spPr>
+          <p:txBody>
+            <a:bodyPr wrap="none" rtlCol="0">
+              <a:spAutoFit/>
+            </a:bodyPr>
+            <a:lstStyle/>
+            <a:p>
+              <a:r>
+                <a:rPr lang="ko-KR" altLang="en-US" sz="1100" dirty="0" smtClean="0">
+                  <a:latin typeface="배달의민족 주아" panose="02020603020101020101" pitchFamily="18" charset="-127"/>
+                  <a:ea typeface="배달의민족 주아" panose="02020603020101020101" pitchFamily="18" charset="-127"/>
+                </a:rPr>
+                <a:t>차이</a:t>
+              </a:r>
+              <a:endParaRPr lang="ko-KR" altLang="en-US" sz="1100" dirty="0">
+                <a:latin typeface="배달의민족 주아" panose="02020603020101020101" pitchFamily="18" charset="-127"/>
+                <a:ea typeface="배달의민족 주아" panose="02020603020101020101" pitchFamily="18" charset="-127"/>
+              </a:endParaRPr>
+            </a:p>
+          </p:txBody>
+        </p:sp>
+        <p:sp>
+          <p:nvSpPr>
+            <p:cNvPr id="94" name="TextBox 93">
+              <a:extLst>
+                <a:ext uri="{FF2B5EF4-FFF2-40B4-BE49-F238E27FC236}">
+                  <a16:creationId xmlns="" xmlns:a16="http://schemas.microsoft.com/office/drawing/2014/main" id="{69BC8545-3494-47F8-AF2D-6D5219239A00}"/>
+                </a:ext>
+              </a:extLst>
+            </p:cNvPr>
+            <p:cNvSpPr txBox="1"/>
+            <p:nvPr/>
+          </p:nvSpPr>
+          <p:spPr>
+            <a:xfrm>
+              <a:off x="7041970" y="3687545"/>
+              <a:ext cx="417102" cy="261610"/>
+            </a:xfrm>
+            <a:prstGeom prst="rect">
+              <a:avLst/>
+            </a:prstGeom>
+            <a:noFill/>
+          </p:spPr>
+          <p:txBody>
+            <a:bodyPr wrap="none" rtlCol="0">
+              <a:spAutoFit/>
+            </a:bodyPr>
+            <a:lstStyle/>
+            <a:p>
+              <a:r>
+                <a:rPr lang="ko-KR" altLang="en-US" sz="1100" dirty="0" smtClean="0">
+                  <a:latin typeface="배달의민족 주아" panose="02020603020101020101" pitchFamily="18" charset="-127"/>
+                  <a:ea typeface="배달의민족 주아" panose="02020603020101020101" pitchFamily="18" charset="-127"/>
+                </a:rPr>
+                <a:t>차이</a:t>
+              </a:r>
+              <a:endParaRPr lang="ko-KR" altLang="en-US" sz="1100" dirty="0">
+                <a:latin typeface="배달의민족 주아" panose="02020603020101020101" pitchFamily="18" charset="-127"/>
+                <a:ea typeface="배달의민족 주아" panose="02020603020101020101" pitchFamily="18" charset="-127"/>
+              </a:endParaRPr>
+            </a:p>
+          </p:txBody>
+        </p:sp>
+        <p:sp>
+          <p:nvSpPr>
+            <p:cNvPr id="95" name="TextBox 94">
+              <a:extLst>
+                <a:ext uri="{FF2B5EF4-FFF2-40B4-BE49-F238E27FC236}">
+                  <a16:creationId xmlns="" xmlns:a16="http://schemas.microsoft.com/office/drawing/2014/main" id="{FB9808E6-A5DB-4C5B-8EA9-D7841F12F0BE}"/>
+                </a:ext>
+              </a:extLst>
+            </p:cNvPr>
+            <p:cNvSpPr txBox="1"/>
+            <p:nvPr/>
+          </p:nvSpPr>
+          <p:spPr>
+            <a:xfrm>
+              <a:off x="6519070" y="3619103"/>
+              <a:ext cx="522900" cy="338554"/>
+            </a:xfrm>
+            <a:prstGeom prst="rect">
+              <a:avLst/>
+            </a:prstGeom>
+            <a:noFill/>
+          </p:spPr>
+          <p:txBody>
+            <a:bodyPr wrap="none" rtlCol="0">
+              <a:spAutoFit/>
+            </a:bodyPr>
+            <a:lstStyle/>
+            <a:p>
+              <a:r>
+                <a:rPr lang="ko-KR" altLang="en-US" sz="1600" u="sng" dirty="0">
+                  <a:solidFill>
+                    <a:srgbClr val="D779F1"/>
+                  </a:solidFill>
+                  <a:latin typeface="배달의민족 주아" panose="02020603020101020101" pitchFamily="18" charset="-127"/>
+                  <a:ea typeface="배달의민족 주아" panose="02020603020101020101" pitchFamily="18" charset="-127"/>
+                </a:rPr>
+                <a:t>차이</a:t>
+              </a:r>
+            </a:p>
+          </p:txBody>
+        </p:sp>
+        <p:sp>
+          <p:nvSpPr>
+            <p:cNvPr id="96" name="TextBox 95">
+              <a:extLst>
+                <a:ext uri="{FF2B5EF4-FFF2-40B4-BE49-F238E27FC236}">
+                  <a16:creationId xmlns="" xmlns:a16="http://schemas.microsoft.com/office/drawing/2014/main" id="{77FEB70C-285E-44D7-BC63-B77A268499EC}"/>
+                </a:ext>
+              </a:extLst>
+            </p:cNvPr>
+            <p:cNvSpPr txBox="1"/>
+            <p:nvPr/>
+          </p:nvSpPr>
+          <p:spPr>
+            <a:xfrm>
+              <a:off x="7122152" y="3231972"/>
+              <a:ext cx="417102" cy="261610"/>
+            </a:xfrm>
+            <a:prstGeom prst="rect">
+              <a:avLst/>
+            </a:prstGeom>
+            <a:noFill/>
+          </p:spPr>
+          <p:txBody>
+            <a:bodyPr wrap="none" rtlCol="0">
+              <a:spAutoFit/>
+            </a:bodyPr>
+            <a:lstStyle/>
+            <a:p>
+              <a:r>
+                <a:rPr lang="ko-KR" altLang="en-US" sz="1100" dirty="0" smtClean="0">
+                  <a:latin typeface="배달의민족 주아" panose="02020603020101020101" pitchFamily="18" charset="-127"/>
+                  <a:ea typeface="배달의민족 주아" panose="02020603020101020101" pitchFamily="18" charset="-127"/>
+                </a:rPr>
+                <a:t>차이</a:t>
+              </a:r>
+              <a:endParaRPr lang="ko-KR" altLang="en-US" sz="1100" dirty="0">
+                <a:latin typeface="배달의민족 주아" panose="02020603020101020101" pitchFamily="18" charset="-127"/>
+                <a:ea typeface="배달의민족 주아" panose="02020603020101020101" pitchFamily="18" charset="-127"/>
+              </a:endParaRPr>
+            </a:p>
+          </p:txBody>
+        </p:sp>
+        <p:sp>
+          <p:nvSpPr>
+            <p:cNvPr id="97" name="TextBox 96">
+              <a:extLst>
+                <a:ext uri="{FF2B5EF4-FFF2-40B4-BE49-F238E27FC236}">
+                  <a16:creationId xmlns="" xmlns:a16="http://schemas.microsoft.com/office/drawing/2014/main" id="{2D586DBC-82ED-4D02-8CDB-898A98F22D29}"/>
+                </a:ext>
+              </a:extLst>
+            </p:cNvPr>
+            <p:cNvSpPr txBox="1"/>
+            <p:nvPr/>
+          </p:nvSpPr>
+          <p:spPr>
+            <a:xfrm>
+              <a:off x="7309593" y="3689062"/>
+              <a:ext cx="417102" cy="261610"/>
+            </a:xfrm>
+            <a:prstGeom prst="rect">
+              <a:avLst/>
+            </a:prstGeom>
+            <a:noFill/>
+          </p:spPr>
+          <p:txBody>
+            <a:bodyPr wrap="none" rtlCol="0">
+              <a:spAutoFit/>
+            </a:bodyPr>
+            <a:lstStyle/>
+            <a:p>
+              <a:r>
+                <a:rPr lang="ko-KR" altLang="en-US" sz="1100" dirty="0" smtClean="0">
+                  <a:latin typeface="배달의민족 주아" panose="02020603020101020101" pitchFamily="18" charset="-127"/>
+                  <a:ea typeface="배달의민족 주아" panose="02020603020101020101" pitchFamily="18" charset="-127"/>
+                </a:rPr>
+                <a:t>차이</a:t>
+              </a:r>
+              <a:endParaRPr lang="ko-KR" altLang="en-US" sz="1100" dirty="0">
+                <a:latin typeface="배달의민족 주아" panose="02020603020101020101" pitchFamily="18" charset="-127"/>
+                <a:ea typeface="배달의민족 주아" panose="02020603020101020101" pitchFamily="18" charset="-127"/>
+              </a:endParaRPr>
+            </a:p>
+          </p:txBody>
+        </p:sp>
+        <p:sp>
+          <p:nvSpPr>
+            <p:cNvPr id="98" name="TextBox 97">
+              <a:extLst>
+                <a:ext uri="{FF2B5EF4-FFF2-40B4-BE49-F238E27FC236}">
+                  <a16:creationId xmlns="" xmlns:a16="http://schemas.microsoft.com/office/drawing/2014/main" id="{22289A32-88D1-4436-B105-8F109602B5F6}"/>
+                </a:ext>
+              </a:extLst>
+            </p:cNvPr>
+            <p:cNvSpPr txBox="1"/>
+            <p:nvPr/>
+          </p:nvSpPr>
+          <p:spPr>
+            <a:xfrm>
+              <a:off x="7186747" y="3877494"/>
+              <a:ext cx="417102" cy="261610"/>
+            </a:xfrm>
+            <a:prstGeom prst="rect">
+              <a:avLst/>
+            </a:prstGeom>
+            <a:noFill/>
+          </p:spPr>
+          <p:txBody>
+            <a:bodyPr wrap="none" rtlCol="0">
+              <a:spAutoFit/>
+            </a:bodyPr>
+            <a:lstStyle/>
+            <a:p>
+              <a:r>
+                <a:rPr lang="ko-KR" altLang="en-US" sz="1100" dirty="0" smtClean="0">
+                  <a:latin typeface="배달의민족 주아" panose="02020603020101020101" pitchFamily="18" charset="-127"/>
+                  <a:ea typeface="배달의민족 주아" panose="02020603020101020101" pitchFamily="18" charset="-127"/>
+                </a:rPr>
+                <a:t>차이</a:t>
+              </a:r>
+              <a:endParaRPr lang="ko-KR" altLang="en-US" sz="1100" dirty="0">
+                <a:latin typeface="배달의민족 주아" panose="02020603020101020101" pitchFamily="18" charset="-127"/>
+                <a:ea typeface="배달의민족 주아" panose="02020603020101020101" pitchFamily="18" charset="-127"/>
+              </a:endParaRPr>
+            </a:p>
+          </p:txBody>
+        </p:sp>
+        <p:sp>
+          <p:nvSpPr>
+            <p:cNvPr id="99" name="TextBox 98">
+              <a:extLst>
+                <a:ext uri="{FF2B5EF4-FFF2-40B4-BE49-F238E27FC236}">
+                  <a16:creationId xmlns="" xmlns:a16="http://schemas.microsoft.com/office/drawing/2014/main" id="{B378BD5B-1DD8-415E-B876-3BC7241E34FB}"/>
+                </a:ext>
+              </a:extLst>
+            </p:cNvPr>
+            <p:cNvSpPr txBox="1"/>
+            <p:nvPr/>
+          </p:nvSpPr>
+          <p:spPr>
+            <a:xfrm>
+              <a:off x="7497398" y="3984271"/>
+              <a:ext cx="417102" cy="261610"/>
+            </a:xfrm>
+            <a:prstGeom prst="rect">
+              <a:avLst/>
+            </a:prstGeom>
+            <a:noFill/>
+          </p:spPr>
+          <p:txBody>
+            <a:bodyPr wrap="none" rtlCol="0">
+              <a:spAutoFit/>
+            </a:bodyPr>
+            <a:lstStyle/>
+            <a:p>
+              <a:r>
+                <a:rPr lang="ko-KR" altLang="en-US" sz="1100" dirty="0" smtClean="0">
+                  <a:latin typeface="배달의민족 주아" panose="02020603020101020101" pitchFamily="18" charset="-127"/>
+                  <a:ea typeface="배달의민족 주아" panose="02020603020101020101" pitchFamily="18" charset="-127"/>
+                </a:rPr>
+                <a:t>차이</a:t>
+              </a:r>
+              <a:endParaRPr lang="ko-KR" altLang="en-US" sz="1100" dirty="0">
+                <a:latin typeface="배달의민족 주아" panose="02020603020101020101" pitchFamily="18" charset="-127"/>
+                <a:ea typeface="배달의민족 주아" panose="02020603020101020101" pitchFamily="18" charset="-127"/>
+              </a:endParaRPr>
+            </a:p>
+          </p:txBody>
+        </p:sp>
+        <p:sp>
+          <p:nvSpPr>
+            <p:cNvPr id="100" name="TextBox 99">
+              <a:extLst>
+                <a:ext uri="{FF2B5EF4-FFF2-40B4-BE49-F238E27FC236}">
+                  <a16:creationId xmlns="" xmlns:a16="http://schemas.microsoft.com/office/drawing/2014/main" id="{044ABCD1-0C74-4BB9-AA1C-4AA354CD99A4}"/>
+                </a:ext>
+              </a:extLst>
+            </p:cNvPr>
+            <p:cNvSpPr txBox="1"/>
+            <p:nvPr/>
+          </p:nvSpPr>
+          <p:spPr>
+            <a:xfrm>
+              <a:off x="7022608" y="4037832"/>
+              <a:ext cx="417102" cy="261610"/>
+            </a:xfrm>
+            <a:prstGeom prst="rect">
+              <a:avLst/>
+            </a:prstGeom>
+            <a:noFill/>
+          </p:spPr>
+          <p:txBody>
+            <a:bodyPr wrap="none" rtlCol="0">
+              <a:spAutoFit/>
+            </a:bodyPr>
+            <a:lstStyle/>
+            <a:p>
+              <a:r>
+                <a:rPr lang="ko-KR" altLang="en-US" sz="1100" dirty="0" smtClean="0">
+                  <a:latin typeface="배달의민족 주아" panose="02020603020101020101" pitchFamily="18" charset="-127"/>
+                  <a:ea typeface="배달의민족 주아" panose="02020603020101020101" pitchFamily="18" charset="-127"/>
+                </a:rPr>
+                <a:t>차이</a:t>
+              </a:r>
+              <a:endParaRPr lang="ko-KR" altLang="en-US" sz="1100" dirty="0">
+                <a:latin typeface="배달의민족 주아" panose="02020603020101020101" pitchFamily="18" charset="-127"/>
+                <a:ea typeface="배달의민족 주아" panose="02020603020101020101" pitchFamily="18" charset="-127"/>
+              </a:endParaRPr>
+            </a:p>
+          </p:txBody>
+        </p:sp>
+        <p:sp>
+          <p:nvSpPr>
+            <p:cNvPr id="101" name="TextBox 100">
+              <a:extLst>
+                <a:ext uri="{FF2B5EF4-FFF2-40B4-BE49-F238E27FC236}">
+                  <a16:creationId xmlns="" xmlns:a16="http://schemas.microsoft.com/office/drawing/2014/main" id="{40BF79D4-31E0-457F-A861-F18F4B134B7E}"/>
+                </a:ext>
+              </a:extLst>
+            </p:cNvPr>
+            <p:cNvSpPr txBox="1"/>
+            <p:nvPr/>
+          </p:nvSpPr>
+          <p:spPr>
+            <a:xfrm>
+              <a:off x="6918697" y="2310005"/>
+              <a:ext cx="417102" cy="261610"/>
+            </a:xfrm>
+            <a:prstGeom prst="rect">
+              <a:avLst/>
+            </a:prstGeom>
+            <a:noFill/>
+          </p:spPr>
+          <p:txBody>
+            <a:bodyPr wrap="none" rtlCol="0">
+              <a:spAutoFit/>
+            </a:bodyPr>
+            <a:lstStyle/>
+            <a:p>
+              <a:r>
+                <a:rPr lang="ko-KR" altLang="en-US" sz="1100" dirty="0" smtClean="0">
+                  <a:latin typeface="배달의민족 주아" panose="02020603020101020101" pitchFamily="18" charset="-127"/>
+                  <a:ea typeface="배달의민족 주아" panose="02020603020101020101" pitchFamily="18" charset="-127"/>
+                </a:rPr>
+                <a:t>차이</a:t>
+              </a:r>
+              <a:endParaRPr lang="ko-KR" altLang="en-US" sz="1100" dirty="0">
+                <a:latin typeface="배달의민족 주아" panose="02020603020101020101" pitchFamily="18" charset="-127"/>
+                <a:ea typeface="배달의민족 주아" panose="02020603020101020101" pitchFamily="18" charset="-127"/>
+              </a:endParaRPr>
+            </a:p>
+          </p:txBody>
+        </p:sp>
+        <p:sp>
+          <p:nvSpPr>
+            <p:cNvPr id="102" name="TextBox 101">
+              <a:extLst>
+                <a:ext uri="{FF2B5EF4-FFF2-40B4-BE49-F238E27FC236}">
+                  <a16:creationId xmlns="" xmlns:a16="http://schemas.microsoft.com/office/drawing/2014/main" id="{B298DBD4-3E3A-4ABA-AD91-E2BFAB365382}"/>
+                </a:ext>
+              </a:extLst>
+            </p:cNvPr>
+            <p:cNvSpPr txBox="1"/>
+            <p:nvPr/>
+          </p:nvSpPr>
+          <p:spPr>
+            <a:xfrm>
+              <a:off x="6704890" y="2142555"/>
+              <a:ext cx="417102" cy="261610"/>
+            </a:xfrm>
+            <a:prstGeom prst="rect">
+              <a:avLst/>
+            </a:prstGeom>
+            <a:noFill/>
+          </p:spPr>
+          <p:txBody>
+            <a:bodyPr wrap="none" rtlCol="0">
+              <a:spAutoFit/>
+            </a:bodyPr>
+            <a:lstStyle/>
+            <a:p>
+              <a:r>
+                <a:rPr lang="ko-KR" altLang="en-US" sz="1100" dirty="0" smtClean="0">
+                  <a:latin typeface="배달의민족 주아" panose="02020603020101020101" pitchFamily="18" charset="-127"/>
+                  <a:ea typeface="배달의민족 주아" panose="02020603020101020101" pitchFamily="18" charset="-127"/>
+                </a:rPr>
+                <a:t>차이</a:t>
+              </a:r>
+              <a:endParaRPr lang="ko-KR" altLang="en-US" sz="1100" dirty="0">
+                <a:latin typeface="배달의민족 주아" panose="02020603020101020101" pitchFamily="18" charset="-127"/>
+                <a:ea typeface="배달의민족 주아" panose="02020603020101020101" pitchFamily="18" charset="-127"/>
+              </a:endParaRPr>
+            </a:p>
+          </p:txBody>
+        </p:sp>
+        <mc:AlternateContent xmlns:mc="http://schemas.openxmlformats.org/markup-compatibility/2006">
+          <mc:Choice xmlns:a14="http://schemas.microsoft.com/office/drawing/2010/main" Requires="a14">
+            <p:sp>
+              <p:nvSpPr>
+                <p:cNvPr id="103" name="TextBox 102">
+                  <a:extLst>
+                    <a:ext uri="{FF2B5EF4-FFF2-40B4-BE49-F238E27FC236}">
+                      <a16:creationId xmlns="" xmlns:a16="http://schemas.microsoft.com/office/drawing/2014/main" id="{3460AABE-49C3-4A25-B0A5-5326C3838920}"/>
+                    </a:ext>
+                  </a:extLst>
+                </p:cNvPr>
+                <p:cNvSpPr txBox="1"/>
+                <p:nvPr/>
+              </p:nvSpPr>
+              <p:spPr>
+                <a:xfrm>
+                  <a:off x="5539514" y="685369"/>
+                  <a:ext cx="2536207" cy="369332"/>
+                </a:xfrm>
+                <a:prstGeom prst="rect">
+                  <a:avLst/>
+                </a:prstGeom>
+                <a:noFill/>
+              </p:spPr>
+              <p:txBody>
+                <a:bodyPr wrap="none" rtlCol="0">
+                  <a:spAutoFit/>
+                </a:bodyPr>
+                <a:lstStyle/>
+                <a:p>
+                  <a:pPr algn="ctr"/>
+                  <a:r>
+                    <a:rPr lang="ko-KR" altLang="en-US" dirty="0" smtClean="0">
+                      <a:solidFill>
+                        <a:srgbClr val="D779F1"/>
+                      </a:solidFill>
+                      <a:latin typeface="배달의민족 주아" panose="02020603020101020101" pitchFamily="18" charset="-127"/>
+                      <a:ea typeface="배달의민족 주아" panose="02020603020101020101" pitchFamily="18" charset="-127"/>
+                    </a:rPr>
+                    <a:t>표본 평균의 </a:t>
+                  </a:r>
+                  <a:r>
+                    <a:rPr lang="ko-KR" altLang="en-US" dirty="0" smtClean="0">
+                      <a:solidFill>
+                        <a:srgbClr val="D779F1"/>
+                      </a:solidFill>
+                      <a:latin typeface="배달의민족 주아" panose="02020603020101020101" pitchFamily="18" charset="-127"/>
+                      <a:ea typeface="배달의민족 주아" panose="02020603020101020101" pitchFamily="18" charset="-127"/>
+                    </a:rPr>
+                    <a:t>차이</a:t>
+                  </a:r>
+                  <a:r>
+                    <a:rPr lang="en-US" altLang="ko-KR" dirty="0" smtClean="0">
+                      <a:solidFill>
+                        <a:srgbClr val="D779F1"/>
+                      </a:solidFill>
+                      <a:latin typeface="배달의민족 주아" panose="02020603020101020101" pitchFamily="18" charset="-127"/>
+                      <a:ea typeface="배달의민족 주아" panose="02020603020101020101" pitchFamily="18" charset="-127"/>
+                    </a:rPr>
+                    <a:t>(</a:t>
+                  </a:r>
+                  <a14:m>
+                    <m:oMath xmlns:m="http://schemas.openxmlformats.org/officeDocument/2006/math">
+                      <m:sSub>
+                        <m:sSubPr>
+                          <m:ctrlPr>
+                            <a:rPr lang="en-US" altLang="ko-KR" b="0" i="1" dirty="0" smtClean="0">
+                              <a:solidFill>
+                                <a:srgbClr val="D779F1"/>
+                              </a:solidFill>
+                              <a:latin typeface="Cambria Math"/>
+                              <a:ea typeface="배달의민족 주아" panose="02020603020101020101" pitchFamily="18" charset="-127"/>
+                            </a:rPr>
+                          </m:ctrlPr>
+                        </m:sSubPr>
+                        <m:e>
+                          <m:acc>
+                            <m:accPr>
+                              <m:chr m:val="̅"/>
+                              <m:ctrlPr>
+                                <a:rPr lang="en-US" altLang="ko-KR" b="0" i="1" smtClean="0">
+                                  <a:solidFill>
+                                    <a:srgbClr val="D779F1"/>
+                                  </a:solidFill>
+                                  <a:latin typeface="Cambria Math"/>
+                                  <a:ea typeface="배달의민족 주아" panose="02020603020101020101" pitchFamily="18" charset="-127"/>
+                                </a:rPr>
+                              </m:ctrlPr>
+                            </m:accPr>
+                            <m:e>
+                              <m:r>
+                                <a:rPr lang="en-US" altLang="ko-KR" b="0" i="1" smtClean="0">
+                                  <a:solidFill>
+                                    <a:srgbClr val="D779F1"/>
+                                  </a:solidFill>
+                                  <a:latin typeface="Cambria Math"/>
+                                  <a:ea typeface="배달의민족 주아" panose="02020603020101020101" pitchFamily="18" charset="-127"/>
+                                </a:rPr>
+                                <m:t>𝑋</m:t>
+                              </m:r>
+                            </m:e>
+                          </m:acc>
+                        </m:e>
+                        <m:sub>
+                          <m:r>
+                            <a:rPr lang="en-US" altLang="ko-KR" b="0" i="1" dirty="0" smtClean="0">
+                              <a:solidFill>
+                                <a:srgbClr val="D779F1"/>
+                              </a:solidFill>
+                              <a:latin typeface="Cambria Math"/>
+                              <a:ea typeface="배달의민족 주아" panose="02020603020101020101" pitchFamily="18" charset="-127"/>
+                            </a:rPr>
+                            <m:t>2</m:t>
+                          </m:r>
+                        </m:sub>
+                      </m:sSub>
+                      <m:r>
+                        <a:rPr lang="en-US" altLang="ko-KR" b="0" i="1" dirty="0" smtClean="0">
+                          <a:solidFill>
+                            <a:srgbClr val="D779F1"/>
+                          </a:solidFill>
+                          <a:latin typeface="Cambria Math"/>
+                          <a:ea typeface="배달의민족 주아" panose="02020603020101020101" pitchFamily="18" charset="-127"/>
+                        </a:rPr>
+                        <m:t>−</m:t>
+                      </m:r>
+                      <m:sSub>
+                        <m:sSubPr>
+                          <m:ctrlPr>
+                            <a:rPr lang="en-US" altLang="ko-KR" b="0" i="1" dirty="0" smtClean="0">
+                              <a:solidFill>
+                                <a:srgbClr val="D779F1"/>
+                              </a:solidFill>
+                              <a:latin typeface="Cambria Math"/>
+                              <a:ea typeface="배달의민족 주아" panose="02020603020101020101" pitchFamily="18" charset="-127"/>
+                            </a:rPr>
+                          </m:ctrlPr>
+                        </m:sSubPr>
+                        <m:e>
+                          <m:acc>
+                            <m:accPr>
+                              <m:chr m:val="̅"/>
+                              <m:ctrlPr>
+                                <a:rPr lang="en-US" altLang="ko-KR" b="0" i="1" dirty="0" smtClean="0">
+                                  <a:solidFill>
+                                    <a:srgbClr val="D779F1"/>
+                                  </a:solidFill>
+                                  <a:latin typeface="Cambria Math"/>
+                                  <a:ea typeface="배달의민족 주아" panose="02020603020101020101" pitchFamily="18" charset="-127"/>
+                                </a:rPr>
+                              </m:ctrlPr>
+                            </m:accPr>
+                            <m:e>
+                              <m:r>
+                                <a:rPr lang="en-US" altLang="ko-KR" b="0" i="1" dirty="0" smtClean="0">
+                                  <a:solidFill>
+                                    <a:srgbClr val="D779F1"/>
+                                  </a:solidFill>
+                                  <a:latin typeface="Cambria Math"/>
+                                  <a:ea typeface="배달의민족 주아" panose="02020603020101020101" pitchFamily="18" charset="-127"/>
+                                </a:rPr>
+                                <m:t>𝑋</m:t>
+                              </m:r>
+                            </m:e>
+                          </m:acc>
+                        </m:e>
+                        <m:sub>
+                          <m:r>
+                            <a:rPr lang="en-US" altLang="ko-KR" b="0" i="1" dirty="0" smtClean="0">
+                              <a:solidFill>
+                                <a:srgbClr val="D779F1"/>
+                              </a:solidFill>
+                              <a:latin typeface="Cambria Math"/>
+                              <a:ea typeface="배달의민족 주아" panose="02020603020101020101" pitchFamily="18" charset="-127"/>
+                            </a:rPr>
+                            <m:t>1</m:t>
+                          </m:r>
+                        </m:sub>
+                      </m:sSub>
+                    </m:oMath>
+                  </a14:m>
+                  <a:r>
+                    <a:rPr lang="en-US" altLang="ko-KR" dirty="0" smtClean="0">
+                      <a:solidFill>
+                        <a:srgbClr val="D779F1"/>
+                      </a:solidFill>
+                      <a:latin typeface="배달의민족 주아" panose="02020603020101020101" pitchFamily="18" charset="-127"/>
+                      <a:ea typeface="배달의민족 주아" panose="02020603020101020101" pitchFamily="18" charset="-127"/>
+                    </a:rPr>
+                    <a:t>)</a:t>
+                  </a:r>
+                  <a:endParaRPr lang="ko-KR" altLang="en-US" dirty="0">
+                    <a:solidFill>
+                      <a:srgbClr val="D779F1"/>
+                    </a:solidFill>
+                    <a:latin typeface="배달의민족 주아" panose="02020603020101020101" pitchFamily="18" charset="-127"/>
+                    <a:ea typeface="배달의민족 주아" panose="02020603020101020101" pitchFamily="18" charset="-127"/>
+                  </a:endParaRPr>
+                </a:p>
+              </p:txBody>
+            </p:sp>
+          </mc:Choice>
+          <mc:Fallback>
+            <p:sp>
+              <p:nvSpPr>
+                <p:cNvPr id="103" name="TextBox 102">
+                  <a:extLst>
+                    <a:ext uri="{FF2B5EF4-FFF2-40B4-BE49-F238E27FC236}">
+                      <a16:creationId xmlns="" xmlns:a16="http://schemas.microsoft.com/office/drawing/2014/main" xmlns:a14="http://schemas.microsoft.com/office/drawing/2010/main" id="{3460AABE-49C3-4A25-B0A5-5326C3838920}"/>
+                    </a:ext>
+                  </a:extLst>
+                </p:cNvPr>
+                <p:cNvSpPr txBox="1">
+                  <a:spLocks noRot="1" noChangeAspect="1" noMove="1" noResize="1" noEditPoints="1" noAdjustHandles="1" noChangeArrowheads="1" noChangeShapeType="1" noTextEdit="1"/>
+                </p:cNvSpPr>
+                <p:nvPr/>
+              </p:nvSpPr>
+              <p:spPr>
+                <a:xfrm>
+                  <a:off x="5539514" y="685369"/>
+                  <a:ext cx="2536207" cy="369332"/>
+                </a:xfrm>
+                <a:prstGeom prst="rect">
+                  <a:avLst/>
+                </a:prstGeom>
+                <a:blipFill rotWithShape="1">
+                  <a:blip r:embed="rId6"/>
+                  <a:stretch>
+                    <a:fillRect l="-1923" t="-6557" r="-2644" b="-26230"/>
+                  </a:stretch>
+                </a:blipFill>
+              </p:spPr>
+              <p:txBody>
+                <a:bodyPr/>
+                <a:lstStyle/>
+                <a:p>
+                  <a:r>
+                    <a:rPr lang="ko-KR" altLang="en-US">
+                      <a:noFill/>
+                    </a:rPr>
+                    <a:t> </a:t>
+                  </a:r>
+                </a:p>
+              </p:txBody>
+            </p:sp>
+          </mc:Fallback>
+        </mc:AlternateContent>
+        <mc:AlternateContent xmlns:mc="http://schemas.openxmlformats.org/markup-compatibility/2006">
+          <mc:Choice xmlns:a14="http://schemas.microsoft.com/office/drawing/2010/main" Requires="a14">
+            <p:sp>
+              <p:nvSpPr>
+                <p:cNvPr id="105" name="TextBox 104">
+                  <a:extLst>
+                    <a:ext uri="{FF2B5EF4-FFF2-40B4-BE49-F238E27FC236}">
+                      <a16:creationId xmlns="" xmlns:a16="http://schemas.microsoft.com/office/drawing/2014/main" id="{637A9EBD-8651-4827-A9C8-718C09951F70}"/>
+                    </a:ext>
+                  </a:extLst>
+                </p:cNvPr>
+                <p:cNvSpPr txBox="1"/>
+                <p:nvPr/>
+              </p:nvSpPr>
+              <p:spPr>
+                <a:xfrm>
+                  <a:off x="6773129" y="1127355"/>
+                  <a:ext cx="1638975" cy="307777"/>
+                </a:xfrm>
+                <a:prstGeom prst="rect">
+                  <a:avLst/>
+                </a:prstGeom>
+                <a:noFill/>
+              </p:spPr>
+              <p:txBody>
+                <a:bodyPr wrap="none" rtlCol="0">
+                  <a:spAutoFit/>
+                </a:bodyPr>
+                <a:lstStyle/>
+                <a:p>
+                  <a:pPr algn="ctr"/>
+                  <a:r>
+                    <a:rPr lang="ko-KR" altLang="en-US" sz="1400" dirty="0" smtClean="0">
+                      <a:solidFill>
+                        <a:schemeClr val="accent3"/>
+                      </a:solidFill>
+                      <a:latin typeface="배달의민족 주아" panose="02020603020101020101" pitchFamily="18" charset="-127"/>
+                      <a:ea typeface="배달의민족 주아" panose="02020603020101020101" pitchFamily="18" charset="-127"/>
+                    </a:rPr>
+                    <a:t>모평균 차이 </a:t>
+                  </a:r>
+                  <a:r>
+                    <a:rPr lang="en-US" altLang="ko-KR" sz="1400" dirty="0" smtClean="0">
+                      <a:solidFill>
+                        <a:schemeClr val="accent3"/>
+                      </a:solidFill>
+                      <a:latin typeface="배달의민족 주아" panose="02020603020101020101" pitchFamily="18" charset="-127"/>
+                      <a:ea typeface="배달의민족 주아" panose="02020603020101020101" pitchFamily="18" charset="-127"/>
+                    </a:rPr>
+                    <a:t>+ </a:t>
+                  </a:r>
+                  <a14:m>
+                    <m:oMath xmlns:m="http://schemas.openxmlformats.org/officeDocument/2006/math">
+                      <m:sSub>
+                        <m:sSubPr>
+                          <m:ctrlPr>
+                            <a:rPr lang="en-US" altLang="ko-KR" sz="1400" b="0" i="1" smtClean="0">
+                              <a:solidFill>
+                                <a:schemeClr val="accent3"/>
+                              </a:solidFill>
+                              <a:latin typeface="Cambria Math"/>
+                              <a:ea typeface="배달의민족 주아" panose="02020603020101020101" pitchFamily="18" charset="-127"/>
+                            </a:rPr>
+                          </m:ctrlPr>
+                        </m:sSubPr>
+                        <m:e>
+                          <m:r>
+                            <a:rPr lang="en-US" altLang="ko-KR" sz="1400" b="0" i="1" smtClean="0">
+                              <a:solidFill>
+                                <a:schemeClr val="accent3"/>
+                              </a:solidFill>
+                              <a:latin typeface="Cambria Math"/>
+                              <a:ea typeface="배달의민족 주아" panose="02020603020101020101" pitchFamily="18" charset="-127"/>
+                            </a:rPr>
+                            <m:t>𝑡</m:t>
+                          </m:r>
+                        </m:e>
+                        <m:sub>
+                          <m:r>
+                            <a:rPr lang="en-US" altLang="ko-KR" sz="1400" b="0" i="1" smtClean="0">
+                              <a:solidFill>
+                                <a:schemeClr val="accent3"/>
+                              </a:solidFill>
+                              <a:latin typeface="Cambria Math"/>
+                              <a:ea typeface="배달의민족 주아" panose="02020603020101020101" pitchFamily="18" charset="-127"/>
+                            </a:rPr>
+                            <m:t>𝐴</m:t>
+                          </m:r>
+                        </m:sub>
+                      </m:sSub>
+                    </m:oMath>
+                  </a14:m>
+                  <a:r>
+                    <a:rPr lang="en-US" altLang="ko-KR" sz="1400" dirty="0" smtClean="0">
+                      <a:solidFill>
+                        <a:schemeClr val="accent3"/>
+                      </a:solidFill>
+                      <a:latin typeface="배달의민족 주아" panose="02020603020101020101" pitchFamily="18" charset="-127"/>
+                      <a:ea typeface="배달의민족 주아" panose="02020603020101020101" pitchFamily="18" charset="-127"/>
+                    </a:rPr>
+                    <a:t>SEM</a:t>
+                  </a:r>
+                  <a:endParaRPr lang="ko-KR" altLang="en-US" sz="1400" dirty="0">
+                    <a:solidFill>
+                      <a:schemeClr val="accent3"/>
+                    </a:solidFill>
+                    <a:latin typeface="배달의민족 주아" panose="02020603020101020101" pitchFamily="18" charset="-127"/>
+                    <a:ea typeface="배달의민족 주아" panose="02020603020101020101" pitchFamily="18" charset="-127"/>
+                  </a:endParaRPr>
+                </a:p>
+              </p:txBody>
+            </p:sp>
+          </mc:Choice>
+          <mc:Fallback>
+            <p:sp>
+              <p:nvSpPr>
+                <p:cNvPr id="105" name="TextBox 104">
+                  <a:extLst>
+                    <a:ext uri="{FF2B5EF4-FFF2-40B4-BE49-F238E27FC236}">
+                      <a16:creationId xmlns="" xmlns:a16="http://schemas.microsoft.com/office/drawing/2014/main" xmlns:a14="http://schemas.microsoft.com/office/drawing/2010/main" id="{637A9EBD-8651-4827-A9C8-718C09951F70}"/>
+                    </a:ext>
+                  </a:extLst>
+                </p:cNvPr>
+                <p:cNvSpPr txBox="1">
+                  <a:spLocks noRot="1" noChangeAspect="1" noMove="1" noResize="1" noEditPoints="1" noAdjustHandles="1" noChangeArrowheads="1" noChangeShapeType="1" noTextEdit="1"/>
+                </p:cNvSpPr>
+                <p:nvPr/>
+              </p:nvSpPr>
+              <p:spPr>
+                <a:xfrm>
+                  <a:off x="6773129" y="1127355"/>
+                  <a:ext cx="1638975" cy="307777"/>
+                </a:xfrm>
+                <a:prstGeom prst="rect">
+                  <a:avLst/>
+                </a:prstGeom>
+                <a:blipFill rotWithShape="1">
+                  <a:blip r:embed="rId7"/>
+                  <a:stretch>
+                    <a:fillRect l="-372" r="-1115" b="-22000"/>
+                  </a:stretch>
+                </a:blipFill>
+              </p:spPr>
+              <p:txBody>
+                <a:bodyPr/>
+                <a:lstStyle/>
+                <a:p>
+                  <a:r>
+                    <a:rPr lang="ko-KR" altLang="en-US">
+                      <a:noFill/>
+                    </a:rPr>
+                    <a:t> </a:t>
+                  </a:r>
+                </a:p>
+              </p:txBody>
+            </p:sp>
+          </mc:Fallback>
+        </mc:AlternateContent>
+        <mc:AlternateContent xmlns:mc="http://schemas.openxmlformats.org/markup-compatibility/2006">
+          <mc:Choice xmlns:a14="http://schemas.microsoft.com/office/drawing/2010/main" Requires="a14">
+            <p:sp>
+              <p:nvSpPr>
+                <p:cNvPr id="106" name="TextBox 105">
+                  <a:extLst>
+                    <a:ext uri="{FF2B5EF4-FFF2-40B4-BE49-F238E27FC236}">
+                      <a16:creationId xmlns="" xmlns:a16="http://schemas.microsoft.com/office/drawing/2014/main" id="{30DFB557-63B6-4825-A4E9-AA48679DDB80}"/>
+                    </a:ext>
+                  </a:extLst>
+                </p:cNvPr>
+                <p:cNvSpPr txBox="1"/>
+                <p:nvPr/>
+              </p:nvSpPr>
+              <p:spPr>
+                <a:xfrm>
+                  <a:off x="5217000" y="1122883"/>
+                  <a:ext cx="1547989" cy="307777"/>
+                </a:xfrm>
+                <a:prstGeom prst="rect">
+                  <a:avLst/>
+                </a:prstGeom>
+                <a:noFill/>
+              </p:spPr>
+              <p:txBody>
+                <a:bodyPr wrap="none" rtlCol="0">
+                  <a:spAutoFit/>
+                </a:bodyPr>
+                <a:lstStyle/>
+                <a:p>
+                  <a:pPr algn="ctr"/>
+                  <a:r>
+                    <a:rPr lang="ko-KR" altLang="en-US" sz="1400" dirty="0" smtClean="0">
+                      <a:solidFill>
+                        <a:schemeClr val="accent3"/>
+                      </a:solidFill>
+                      <a:latin typeface="배달의민족 주아" panose="02020603020101020101" pitchFamily="18" charset="-127"/>
+                      <a:ea typeface="배달의민족 주아" panose="02020603020101020101" pitchFamily="18" charset="-127"/>
+                    </a:rPr>
+                    <a:t>모평균 차이</a:t>
+                  </a:r>
+                  <a:r>
+                    <a:rPr lang="en-US" altLang="ko-KR" sz="1400" dirty="0" smtClean="0">
+                      <a:solidFill>
+                        <a:schemeClr val="accent3"/>
+                      </a:solidFill>
+                      <a:latin typeface="배달의민족 주아" panose="02020603020101020101" pitchFamily="18" charset="-127"/>
+                      <a:ea typeface="배달의민족 주아" panose="02020603020101020101" pitchFamily="18" charset="-127"/>
+                    </a:rPr>
+                    <a:t>-</a:t>
+                  </a:r>
+                  <a14:m>
+                    <m:oMath xmlns:m="http://schemas.openxmlformats.org/officeDocument/2006/math">
+                      <m:sSub>
+                        <m:sSubPr>
+                          <m:ctrlPr>
+                            <a:rPr lang="en-US" altLang="ko-KR" sz="1400" b="0" i="1" smtClean="0">
+                              <a:solidFill>
+                                <a:schemeClr val="accent3"/>
+                              </a:solidFill>
+                              <a:latin typeface="Cambria Math"/>
+                              <a:ea typeface="배달의민족 주아" panose="02020603020101020101" pitchFamily="18" charset="-127"/>
+                            </a:rPr>
+                          </m:ctrlPr>
+                        </m:sSubPr>
+                        <m:e>
+                          <m:r>
+                            <a:rPr lang="en-US" altLang="ko-KR" sz="1400" b="0" i="1" smtClean="0">
+                              <a:solidFill>
+                                <a:schemeClr val="accent3"/>
+                              </a:solidFill>
+                              <a:latin typeface="Cambria Math"/>
+                              <a:ea typeface="배달의민족 주아" panose="02020603020101020101" pitchFamily="18" charset="-127"/>
+                            </a:rPr>
+                            <m:t>𝑡</m:t>
+                          </m:r>
+                        </m:e>
+                        <m:sub>
+                          <m:r>
+                            <a:rPr lang="en-US" altLang="ko-KR" sz="1400" b="0" i="1" smtClean="0">
+                              <a:solidFill>
+                                <a:schemeClr val="accent3"/>
+                              </a:solidFill>
+                              <a:latin typeface="Cambria Math"/>
+                              <a:ea typeface="배달의민족 주아" panose="02020603020101020101" pitchFamily="18" charset="-127"/>
+                            </a:rPr>
+                            <m:t>𝐴</m:t>
+                          </m:r>
+                        </m:sub>
+                      </m:sSub>
+                    </m:oMath>
+                  </a14:m>
+                  <a:r>
+                    <a:rPr lang="en-US" altLang="ko-KR" sz="1400" dirty="0" smtClean="0">
+                      <a:solidFill>
+                        <a:schemeClr val="accent3"/>
+                      </a:solidFill>
+                      <a:latin typeface="배달의민족 주아" panose="02020603020101020101" pitchFamily="18" charset="-127"/>
+                      <a:ea typeface="배달의민족 주아" panose="02020603020101020101" pitchFamily="18" charset="-127"/>
+                    </a:rPr>
+                    <a:t>SEM</a:t>
+                  </a:r>
+                  <a:endParaRPr lang="ko-KR" altLang="en-US" sz="1400" dirty="0">
+                    <a:solidFill>
+                      <a:schemeClr val="accent3"/>
+                    </a:solidFill>
+                    <a:latin typeface="배달의민족 주아" panose="02020603020101020101" pitchFamily="18" charset="-127"/>
+                    <a:ea typeface="배달의민족 주아" panose="02020603020101020101" pitchFamily="18" charset="-127"/>
+                  </a:endParaRPr>
+                </a:p>
+              </p:txBody>
+            </p:sp>
+          </mc:Choice>
+          <mc:Fallback>
+            <p:sp>
+              <p:nvSpPr>
+                <p:cNvPr id="106" name="TextBox 105">
+                  <a:extLst>
+                    <a:ext uri="{FF2B5EF4-FFF2-40B4-BE49-F238E27FC236}">
+                      <a16:creationId xmlns="" xmlns:a16="http://schemas.microsoft.com/office/drawing/2014/main" xmlns:a14="http://schemas.microsoft.com/office/drawing/2010/main" id="{30DFB557-63B6-4825-A4E9-AA48679DDB80}"/>
+                    </a:ext>
+                  </a:extLst>
+                </p:cNvPr>
+                <p:cNvSpPr txBox="1">
+                  <a:spLocks noRot="1" noChangeAspect="1" noMove="1" noResize="1" noEditPoints="1" noAdjustHandles="1" noChangeArrowheads="1" noChangeShapeType="1" noTextEdit="1"/>
+                </p:cNvSpPr>
+                <p:nvPr/>
+              </p:nvSpPr>
+              <p:spPr>
+                <a:xfrm>
+                  <a:off x="5217000" y="1122883"/>
+                  <a:ext cx="1547989" cy="307777"/>
+                </a:xfrm>
+                <a:prstGeom prst="rect">
+                  <a:avLst/>
+                </a:prstGeom>
+                <a:blipFill rotWithShape="1">
+                  <a:blip r:embed="rId5"/>
+                  <a:stretch>
+                    <a:fillRect l="-394" r="-394" b="-19608"/>
+                  </a:stretch>
+                </a:blipFill>
+              </p:spPr>
+              <p:txBody>
+                <a:bodyPr/>
+                <a:lstStyle/>
+                <a:p>
+                  <a:r>
+                    <a:rPr lang="ko-KR" altLang="en-US">
+                      <a:noFill/>
+                    </a:rPr>
+                    <a:t> </a:t>
+                  </a:r>
+                </a:p>
+              </p:txBody>
+            </p:sp>
+          </mc:Fallback>
+        </mc:AlternateContent>
+        <p:sp>
+          <p:nvSpPr>
+            <p:cNvPr id="107" name="화살표: 왼쪽/오른쪽 6">
+              <a:extLst>
+                <a:ext uri="{FF2B5EF4-FFF2-40B4-BE49-F238E27FC236}">
+                  <a16:creationId xmlns="" xmlns:a16="http://schemas.microsoft.com/office/drawing/2014/main" id="{4E12E168-D9FF-4343-B35E-06DA76E44FB7}"/>
+                </a:ext>
+              </a:extLst>
+            </p:cNvPr>
+            <p:cNvSpPr/>
+            <p:nvPr/>
+          </p:nvSpPr>
+          <p:spPr>
+            <a:xfrm>
+              <a:off x="6248228" y="2563564"/>
+              <a:ext cx="1116759" cy="395714"/>
+            </a:xfrm>
+            <a:prstGeom prst="leftRightArrow">
+              <a:avLst/>
+            </a:prstGeom>
+            <a:solidFill>
+              <a:schemeClr val="accent6">
+                <a:alpha val="90000"/>
+              </a:schemeClr>
+            </a:solidFill>
+            <a:ln w="12700">
+              <a:solidFill>
+                <a:schemeClr val="accent5">
+                  <a:lumMod val="75000"/>
+                </a:schemeClr>
+              </a:solidFill>
+            </a:ln>
+          </p:spPr>
+          <p:style>
+            <a:lnRef idx="2">
+              <a:schemeClr val="accent1">
+                <a:shade val="50000"/>
+              </a:schemeClr>
+            </a:lnRef>
+            <a:fillRef idx="1">
+              <a:schemeClr val="accent1"/>
+            </a:fillRef>
+            <a:effectRef idx="0">
+              <a:schemeClr val="accent1"/>
+            </a:effectRef>
+            <a:fontRef idx="minor">
+              <a:schemeClr val="lt1"/>
+            </a:fontRef>
+          </p:style>
+          <p:txBody>
+            <a:bodyPr rtlCol="0" anchor="ctr"/>
+            <a:lstStyle/>
+            <a:p>
+              <a:pPr algn="ctr"/>
+              <a:endParaRPr lang="ko-KR" altLang="en-US"/>
+            </a:p>
+          </p:txBody>
+        </p:sp>
+        <p:pic>
+          <p:nvPicPr>
+            <p:cNvPr id="110" name="그림 109" descr="텍스트, 클립아트이(가) 표시된 사진&#10;&#10;자동 생성된 설명">
+              <a:extLst>
+                <a:ext uri="{FF2B5EF4-FFF2-40B4-BE49-F238E27FC236}">
+                  <a16:creationId xmlns="" xmlns:a16="http://schemas.microsoft.com/office/drawing/2014/main" id="{E1758220-5C9F-485A-936A-7C4BC6ADDEA1}"/>
+                </a:ext>
+              </a:extLst>
+            </p:cNvPr>
+            <p:cNvPicPr>
+              <a:picLocks noChangeAspect="1"/>
+            </p:cNvPicPr>
+            <p:nvPr/>
+          </p:nvPicPr>
+          <p:blipFill rotWithShape="1">
+            <a:blip r:embed="rId8" cstate="print">
+              <a:extLst>
+                <a:ext uri="{BEBA8EAE-BF5A-486C-A8C5-ECC9F3942E4B}">
+                  <a14:imgProps xmlns:a14="http://schemas.microsoft.com/office/drawing/2010/main">
+                    <a14:imgLayer r:embed="rId9">
+                      <a14:imgEffect>
+                        <a14:backgroundRemoval t="10000" b="90000" l="10000" r="90000"/>
+                      </a14:imgEffect>
+                    </a14:imgLayer>
+                  </a14:imgProps>
+                </a:ext>
+                <a:ext uri="{28A0092B-C50C-407E-A947-70E740481C1C}">
+                  <a14:useLocalDpi xmlns:a14="http://schemas.microsoft.com/office/drawing/2010/main" val="0"/>
+                </a:ext>
+              </a:extLst>
+            </a:blip>
+            <a:srcRect l="15459" t="17801" r="11172" b="16401"/>
+            <a:stretch/>
+          </p:blipFill>
+          <p:spPr>
+            <a:xfrm>
+              <a:off x="4132459" y="2697468"/>
+              <a:ext cx="1392796" cy="858990"/>
+            </a:xfrm>
+            <a:prstGeom prst="rect">
+              <a:avLst/>
+            </a:prstGeom>
+          </p:spPr>
+        </p:pic>
+        <p:sp>
+          <p:nvSpPr>
+            <p:cNvPr id="111" name="TextBox 110">
+              <a:extLst>
+                <a:ext uri="{FF2B5EF4-FFF2-40B4-BE49-F238E27FC236}">
+                  <a16:creationId xmlns="" xmlns:a16="http://schemas.microsoft.com/office/drawing/2014/main" id="{293189C6-EBCC-4C60-9AD9-132E9B8E744E}"/>
+                </a:ext>
+              </a:extLst>
+            </p:cNvPr>
+            <p:cNvSpPr txBox="1"/>
+            <p:nvPr/>
+          </p:nvSpPr>
+          <p:spPr>
+            <a:xfrm>
+              <a:off x="3995936" y="1774138"/>
+              <a:ext cx="1665842" cy="923330"/>
+            </a:xfrm>
+            <a:prstGeom prst="rect">
+              <a:avLst/>
+            </a:prstGeom>
+            <a:noFill/>
+          </p:spPr>
+          <p:txBody>
+            <a:bodyPr wrap="none" rtlCol="0">
+              <a:spAutoFit/>
+            </a:bodyPr>
+            <a:lstStyle/>
+            <a:p>
+              <a:pPr algn="ctr"/>
+              <a:r>
+                <a:rPr lang="ko-KR" altLang="en-US" dirty="0">
+                  <a:solidFill>
+                    <a:srgbClr val="C00000"/>
+                  </a:solidFill>
+                  <a:latin typeface="배달의민족 주아" panose="02020603020101020101" pitchFamily="18" charset="-127"/>
+                  <a:ea typeface="배달의민족 주아" panose="02020603020101020101" pitchFamily="18" charset="-127"/>
+                </a:rPr>
+                <a:t>신뢰구간을</a:t>
+              </a:r>
+              <a:endParaRPr lang="en-US" altLang="ko-KR" dirty="0">
+                <a:solidFill>
+                  <a:srgbClr val="C00000"/>
+                </a:solidFill>
+                <a:latin typeface="배달의민족 주아" panose="02020603020101020101" pitchFamily="18" charset="-127"/>
+                <a:ea typeface="배달의민족 주아" panose="02020603020101020101" pitchFamily="18" charset="-127"/>
+              </a:endParaRPr>
+            </a:p>
+            <a:p>
+              <a:pPr algn="ctr"/>
+              <a:r>
+                <a:rPr lang="ko-KR" altLang="en-US" dirty="0">
+                  <a:solidFill>
+                    <a:srgbClr val="C00000"/>
+                  </a:solidFill>
+                  <a:latin typeface="배달의민족 주아" panose="02020603020101020101" pitchFamily="18" charset="-127"/>
+                  <a:ea typeface="배달의민족 주아" panose="02020603020101020101" pitchFamily="18" charset="-127"/>
+                </a:rPr>
+                <a:t>표본 </a:t>
+              </a:r>
+              <a:r>
+                <a:rPr lang="ko-KR" altLang="en-US" dirty="0" smtClean="0">
+                  <a:solidFill>
+                    <a:srgbClr val="C00000"/>
+                  </a:solidFill>
+                  <a:latin typeface="배달의민족 주아" panose="02020603020101020101" pitchFamily="18" charset="-127"/>
+                  <a:ea typeface="배달의민족 주아" panose="02020603020101020101" pitchFamily="18" charset="-127"/>
+                </a:rPr>
+                <a:t>평균 </a:t>
+              </a:r>
+              <a:r>
+                <a:rPr lang="ko-KR" altLang="en-US" dirty="0" smtClean="0">
+                  <a:solidFill>
+                    <a:srgbClr val="C00000"/>
+                  </a:solidFill>
+                  <a:latin typeface="배달의민족 주아" panose="02020603020101020101" pitchFamily="18" charset="-127"/>
+                  <a:ea typeface="배달의민족 주아" panose="02020603020101020101" pitchFamily="18" charset="-127"/>
+                </a:rPr>
+                <a:t>차이</a:t>
+              </a:r>
+              <a:r>
+                <a:rPr lang="ko-KR" altLang="en-US" dirty="0">
+                  <a:solidFill>
+                    <a:srgbClr val="C00000"/>
+                  </a:solidFill>
+                  <a:latin typeface="배달의민족 주아" panose="02020603020101020101" pitchFamily="18" charset="-127"/>
+                  <a:ea typeface="배달의민족 주아" panose="02020603020101020101" pitchFamily="18" charset="-127"/>
+                </a:rPr>
+                <a:t>를</a:t>
+              </a:r>
+              <a:r>
+                <a:rPr lang="ko-KR" altLang="en-US" dirty="0" smtClean="0">
+                  <a:solidFill>
+                    <a:srgbClr val="C00000"/>
+                  </a:solidFill>
+                  <a:latin typeface="배달의민족 주아" panose="02020603020101020101" pitchFamily="18" charset="-127"/>
+                  <a:ea typeface="배달의민족 주아" panose="02020603020101020101" pitchFamily="18" charset="-127"/>
+                </a:rPr>
+                <a:t> </a:t>
+              </a:r>
+              <a:endParaRPr lang="en-US" altLang="ko-KR" dirty="0">
+                <a:solidFill>
+                  <a:srgbClr val="C00000"/>
+                </a:solidFill>
+                <a:latin typeface="배달의민족 주아" panose="02020603020101020101" pitchFamily="18" charset="-127"/>
+                <a:ea typeface="배달의민족 주아" panose="02020603020101020101" pitchFamily="18" charset="-127"/>
+              </a:endParaRPr>
+            </a:p>
+            <a:p>
+              <a:pPr algn="ctr"/>
+              <a:r>
+                <a:rPr lang="ko-KR" altLang="en-US" dirty="0">
+                  <a:solidFill>
+                    <a:srgbClr val="C00000"/>
+                  </a:solidFill>
+                  <a:latin typeface="배달의민족 주아" panose="02020603020101020101" pitchFamily="18" charset="-127"/>
+                  <a:ea typeface="배달의민족 주아" panose="02020603020101020101" pitchFamily="18" charset="-127"/>
+                </a:rPr>
+                <a:t>중심으로 이동</a:t>
+              </a:r>
+            </a:p>
+          </p:txBody>
+        </p:sp>
+      </p:grpSp>
+    </p:spTree>
+    <p:extLst>
+      <p:ext uri="{BB962C8B-B14F-4D97-AF65-F5344CB8AC3E}">
+        <p14:creationId xmlns:p14="http://schemas.microsoft.com/office/powerpoint/2010/main" val="1838960444"/>
+      </p:ext>
+    </p:extLst>
+  </p:cSld>
+  <p:clrMapOvr>
+    <a:masterClrMapping/>
+  </p:clrMapOvr>
+</p:sld>
+</file>
+
+<file path=ppt/slides/slide15.xml><?xml version="1.0" encoding="utf-8"?>
+<p:sld xmlns:a="http://schemas.openxmlformats.org/drawingml/2006/main" xmlns:r="http://schemas.openxmlformats.org/officeDocument/2006/relationships" xmlns:p="http://schemas.openxmlformats.org/presentationml/2006/main">
+  <p:cSld>
+    <p:spTree>
+      <p:nvGrpSpPr>
+        <p:cNvPr id="1" name=""/>
+        <p:cNvGrpSpPr/>
+        <p:nvPr/>
+      </p:nvGrpSpPr>
+      <p:grpSpPr>
+        <a:xfrm>
+          <a:off x="0" y="0"/>
+          <a:ext cx="0" cy="0"/>
+          <a:chOff x="0" y="0"/>
+          <a:chExt cx="0" cy="0"/>
+        </a:xfrm>
+      </p:grpSpPr>
+      <mc:AlternateContent xmlns:mc="http://schemas.openxmlformats.org/markup-compatibility/2006" xmlns:a14="http://schemas.microsoft.com/office/drawing/2010/main">
+        <mc:Choice Requires="a14">
           <p:sp>
             <p:nvSpPr>
               <p:cNvPr id="4" name="TextBox 3">
                 <a:extLst>
                   <a:ext uri="{FF2B5EF4-FFF2-40B4-BE49-F238E27FC236}">
-                    <a16:creationId xmlns:a16="http://schemas.microsoft.com/office/drawing/2014/main" xmlns="" id="{1F03C674-C6CF-4F36-B663-F067B8C6A3F1}"/>
+                    <a16:creationId xmlns="" xmlns:a16="http://schemas.microsoft.com/office/drawing/2014/main" id="{1F03C674-C6CF-4F36-B663-F067B8C6A3F1}"/>
                   </a:ext>
                 </a:extLst>
               </p:cNvPr>
@@ -11385,7 +15485,7 @@
             </p:txBody>
           </p:sp>
         </mc:Choice>
-        <mc:Fallback>
+        <mc:Fallback xmlns="">
           <p:sp>
             <p:nvSpPr>
               <p:cNvPr id="4" name="TextBox 3">
@@ -11435,7 +15535,7 @@
           <p:cNvPr id="5" name="사각형: 둥근 모서리 1">
             <a:extLst>
               <a:ext uri="{FF2B5EF4-FFF2-40B4-BE49-F238E27FC236}">
-                <a16:creationId xmlns:a16="http://schemas.microsoft.com/office/drawing/2014/main" xmlns="" id="{2A90EE11-FFDF-4793-BB72-3297684AEC64}"/>
+                <a16:creationId xmlns="" xmlns:a16="http://schemas.microsoft.com/office/drawing/2014/main" id="{2A90EE11-FFDF-4793-BB72-3297684AEC64}"/>
               </a:ext>
             </a:extLst>
           </p:cNvPr>
@@ -11492,7 +15592,7 @@
           <p:cNvPr id="6" name="TextBox 5">
             <a:extLst>
               <a:ext uri="{FF2B5EF4-FFF2-40B4-BE49-F238E27FC236}">
-                <a16:creationId xmlns:a16="http://schemas.microsoft.com/office/drawing/2014/main" xmlns="" id="{64784F93-4521-42EA-8614-1F6026DF9643}"/>
+                <a16:creationId xmlns="" xmlns:a16="http://schemas.microsoft.com/office/drawing/2014/main" id="{64784F93-4521-42EA-8614-1F6026DF9643}"/>
               </a:ext>
             </a:extLst>
           </p:cNvPr>
@@ -11537,17 +15637,7 @@
                 <a:latin typeface="배달의민족 주아" pitchFamily="18" charset="-127"/>
                 <a:ea typeface="배달의민족 주아" pitchFamily="18" charset="-127"/>
               </a:rPr>
-              <a:t>표본 </a:t>
-            </a:r>
-            <a:r>
-              <a:rPr lang="ko-KR" altLang="en-US" sz="2000" dirty="0" smtClean="0">
-                <a:solidFill>
-                  <a:srgbClr val="FFC000"/>
-                </a:solidFill>
-                <a:latin typeface="배달의민족 주아" pitchFamily="18" charset="-127"/>
-                <a:ea typeface="배달의민족 주아" pitchFamily="18" charset="-127"/>
-              </a:rPr>
-              <a:t>그</a:t>
+              <a:t>표본 그</a:t>
             </a:r>
             <a:r>
               <a:rPr lang="ko-KR" altLang="en-US" sz="2000" dirty="0">
@@ -11587,7 +15677,7 @@
           <p:cNvPr id="7" name="사각형: 둥근 모서리 7">
             <a:extLst>
               <a:ext uri="{FF2B5EF4-FFF2-40B4-BE49-F238E27FC236}">
-                <a16:creationId xmlns:a16="http://schemas.microsoft.com/office/drawing/2014/main" xmlns="" id="{C9189074-32B1-4A02-B1FB-D9144D6A1906}"/>
+                <a16:creationId xmlns="" xmlns:a16="http://schemas.microsoft.com/office/drawing/2014/main" id="{C9189074-32B1-4A02-B1FB-D9144D6A1906}"/>
               </a:ext>
             </a:extLst>
           </p:cNvPr>
@@ -11640,7 +15730,7 @@
           <p:cNvPr id="8" name="TextBox 7">
             <a:extLst>
               <a:ext uri="{FF2B5EF4-FFF2-40B4-BE49-F238E27FC236}">
-                <a16:creationId xmlns:a16="http://schemas.microsoft.com/office/drawing/2014/main" xmlns="" id="{1F86B288-1C9F-4E2C-B891-CD0BAE381D16}"/>
+                <a16:creationId xmlns="" xmlns:a16="http://schemas.microsoft.com/office/drawing/2014/main" id="{1F86B288-1C9F-4E2C-B891-CD0BAE381D16}"/>
               </a:ext>
             </a:extLst>
           </p:cNvPr>
@@ -11705,7 +15795,7 @@
           <p:cNvPr id="9" name="TextBox 8">
             <a:extLst>
               <a:ext uri="{FF2B5EF4-FFF2-40B4-BE49-F238E27FC236}">
-                <a16:creationId xmlns:a16="http://schemas.microsoft.com/office/drawing/2014/main" xmlns="" id="{EB52B2B1-E82B-41DB-8FAA-67F462520356}"/>
+                <a16:creationId xmlns="" xmlns:a16="http://schemas.microsoft.com/office/drawing/2014/main" id="{EB52B2B1-E82B-41DB-8FAA-67F462520356}"/>
               </a:ext>
             </a:extLst>
           </p:cNvPr>
@@ -11767,7 +15857,7 @@
           <p:cNvPr id="10" name="타원 9">
             <a:extLst>
               <a:ext uri="{FF2B5EF4-FFF2-40B4-BE49-F238E27FC236}">
-                <a16:creationId xmlns:a16="http://schemas.microsoft.com/office/drawing/2014/main" xmlns="" id="{BD4EB803-9313-4680-82FD-41274E7585FC}"/>
+                <a16:creationId xmlns="" xmlns:a16="http://schemas.microsoft.com/office/drawing/2014/main" id="{BD4EB803-9313-4680-82FD-41274E7585FC}"/>
               </a:ext>
             </a:extLst>
           </p:cNvPr>
@@ -11820,7 +15910,7 @@
           <p:cNvPr id="11" name="사각형: 둥근 모서리 1">
             <a:extLst>
               <a:ext uri="{FF2B5EF4-FFF2-40B4-BE49-F238E27FC236}">
-                <a16:creationId xmlns:a16="http://schemas.microsoft.com/office/drawing/2014/main" xmlns="" id="{2A90EE11-FFDF-4793-BB72-3297684AEC64}"/>
+                <a16:creationId xmlns="" xmlns:a16="http://schemas.microsoft.com/office/drawing/2014/main" id="{2A90EE11-FFDF-4793-BB72-3297684AEC64}"/>
               </a:ext>
             </a:extLst>
           </p:cNvPr>
@@ -11877,7 +15967,7 @@
           <p:cNvPr id="12" name="TextBox 11">
             <a:extLst>
               <a:ext uri="{FF2B5EF4-FFF2-40B4-BE49-F238E27FC236}">
-                <a16:creationId xmlns:a16="http://schemas.microsoft.com/office/drawing/2014/main" xmlns="" id="{64784F93-4521-42EA-8614-1F6026DF9643}"/>
+                <a16:creationId xmlns="" xmlns:a16="http://schemas.microsoft.com/office/drawing/2014/main" id="{64784F93-4521-42EA-8614-1F6026DF9643}"/>
               </a:ext>
             </a:extLst>
           </p:cNvPr>
@@ -11972,7 +16062,7 @@
           <p:cNvPr id="5" name="그림 4">
             <a:extLst>
               <a:ext uri="{FF2B5EF4-FFF2-40B4-BE49-F238E27FC236}">
-                <a16:creationId xmlns:a16="http://schemas.microsoft.com/office/drawing/2014/main" xmlns="" id="{177245CC-9F28-4F8F-BDD7-FF635F76591E}"/>
+                <a16:creationId xmlns="" xmlns:a16="http://schemas.microsoft.com/office/drawing/2014/main" id="{177245CC-9F28-4F8F-BDD7-FF635F76591E}"/>
               </a:ext>
             </a:extLst>
           </p:cNvPr>
@@ -12032,7 +16122,7 @@
           <p:cNvPr id="6" name="그림 5">
             <a:extLst>
               <a:ext uri="{FF2B5EF4-FFF2-40B4-BE49-F238E27FC236}">
-                <a16:creationId xmlns:a16="http://schemas.microsoft.com/office/drawing/2014/main" xmlns="" id="{E6454F4D-04AE-466D-9F07-EFBCB8F7B4AC}"/>
+                <a16:creationId xmlns="" xmlns:a16="http://schemas.microsoft.com/office/drawing/2014/main" id="{E6454F4D-04AE-466D-9F07-EFBCB8F7B4AC}"/>
               </a:ext>
             </a:extLst>
           </p:cNvPr>
@@ -12156,7 +16246,7 @@
           <p:cNvPr id="3" name="TextBox 2">
             <a:extLst>
               <a:ext uri="{FF2B5EF4-FFF2-40B4-BE49-F238E27FC236}">
-                <a16:creationId xmlns:a16="http://schemas.microsoft.com/office/drawing/2014/main" xmlns="" id="{74D05EFA-CCB1-49B4-BF5F-2F1B250DEFAC}"/>
+                <a16:creationId xmlns="" xmlns:a16="http://schemas.microsoft.com/office/drawing/2014/main" id="{74D05EFA-CCB1-49B4-BF5F-2F1B250DEFAC}"/>
               </a:ext>
             </a:extLst>
           </p:cNvPr>
@@ -12222,7 +16312,7 @@
               <p:cNvPr id="8" name="TextBox 7">
                 <a:extLst>
                   <a:ext uri="{FF2B5EF4-FFF2-40B4-BE49-F238E27FC236}">
-                    <a16:creationId xmlns:a16="http://schemas.microsoft.com/office/drawing/2014/main" xmlns="" id="{B3BEB89F-A8AF-4478-B6C3-153D634CDB65}"/>
+                    <a16:creationId xmlns="" xmlns:a16="http://schemas.microsoft.com/office/drawing/2014/main" id="{B3BEB89F-A8AF-4478-B6C3-153D634CDB65}"/>
                   </a:ext>
                 </a:extLst>
               </p:cNvPr>
@@ -12327,7 +16417,7 @@
           <p:cNvPr id="9" name="직선 화살표 연결선 8">
             <a:extLst>
               <a:ext uri="{FF2B5EF4-FFF2-40B4-BE49-F238E27FC236}">
-                <a16:creationId xmlns:a16="http://schemas.microsoft.com/office/drawing/2014/main" xmlns="" id="{23A188F4-F362-4997-AA79-AD40AE7ABD13}"/>
+                <a16:creationId xmlns="" xmlns:a16="http://schemas.microsoft.com/office/drawing/2014/main" id="{23A188F4-F362-4997-AA79-AD40AE7ABD13}"/>
               </a:ext>
             </a:extLst>
           </p:cNvPr>
@@ -12374,7 +16464,7 @@
               <p:cNvPr id="11" name="TextBox 10">
                 <a:extLst>
                   <a:ext uri="{FF2B5EF4-FFF2-40B4-BE49-F238E27FC236}">
-                    <a16:creationId xmlns:a16="http://schemas.microsoft.com/office/drawing/2014/main" xmlns="" id="{F31BB980-3874-45FF-B289-159802235E5D}"/>
+                    <a16:creationId xmlns="" xmlns:a16="http://schemas.microsoft.com/office/drawing/2014/main" id="{F31BB980-3874-45FF-B289-159802235E5D}"/>
                   </a:ext>
                 </a:extLst>
               </p:cNvPr>
@@ -12479,7 +16569,7 @@
           <p:cNvPr id="12" name="직선 화살표 연결선 11">
             <a:extLst>
               <a:ext uri="{FF2B5EF4-FFF2-40B4-BE49-F238E27FC236}">
-                <a16:creationId xmlns:a16="http://schemas.microsoft.com/office/drawing/2014/main" xmlns="" id="{23A188F4-F362-4997-AA79-AD40AE7ABD13}"/>
+                <a16:creationId xmlns="" xmlns:a16="http://schemas.microsoft.com/office/drawing/2014/main" id="{23A188F4-F362-4997-AA79-AD40AE7ABD13}"/>
               </a:ext>
             </a:extLst>
           </p:cNvPr>
@@ -12682,7 +16772,7 @@
           <p:cNvPr id="9" name="TextBox 8">
             <a:extLst>
               <a:ext uri="{FF2B5EF4-FFF2-40B4-BE49-F238E27FC236}">
-                <a16:creationId xmlns:a16="http://schemas.microsoft.com/office/drawing/2014/main" xmlns="" id="{74D05EFA-CCB1-49B4-BF5F-2F1B250DEFAC}"/>
+                <a16:creationId xmlns="" xmlns:a16="http://schemas.microsoft.com/office/drawing/2014/main" id="{74D05EFA-CCB1-49B4-BF5F-2F1B250DEFAC}"/>
               </a:ext>
             </a:extLst>
           </p:cNvPr>
@@ -12732,7 +16822,7 @@
           <p:cNvPr id="10" name="TextBox 9">
             <a:extLst>
               <a:ext uri="{FF2B5EF4-FFF2-40B4-BE49-F238E27FC236}">
-                <a16:creationId xmlns:a16="http://schemas.microsoft.com/office/drawing/2014/main" xmlns="" id="{F8DE88EA-4DD8-4194-801B-0C749D0A581F}"/>
+                <a16:creationId xmlns="" xmlns:a16="http://schemas.microsoft.com/office/drawing/2014/main" id="{F8DE88EA-4DD8-4194-801B-0C749D0A581F}"/>
               </a:ext>
             </a:extLst>
           </p:cNvPr>
@@ -12782,7 +16872,7 @@
           <p:cNvPr id="12" name="직선 화살표 연결선 11">
             <a:extLst>
               <a:ext uri="{FF2B5EF4-FFF2-40B4-BE49-F238E27FC236}">
-                <a16:creationId xmlns:a16="http://schemas.microsoft.com/office/drawing/2014/main" xmlns="" id="{23A188F4-F362-4997-AA79-AD40AE7ABD13}"/>
+                <a16:creationId xmlns="" xmlns:a16="http://schemas.microsoft.com/office/drawing/2014/main" id="{23A188F4-F362-4997-AA79-AD40AE7ABD13}"/>
               </a:ext>
             </a:extLst>
           </p:cNvPr>
@@ -12827,7 +16917,7 @@
           <p:cNvPr id="15" name="직선 화살표 연결선 14">
             <a:extLst>
               <a:ext uri="{FF2B5EF4-FFF2-40B4-BE49-F238E27FC236}">
-                <a16:creationId xmlns:a16="http://schemas.microsoft.com/office/drawing/2014/main" xmlns="" id="{0A3A50EE-392C-4705-A30D-BA21B1E8A26A}"/>
+                <a16:creationId xmlns="" xmlns:a16="http://schemas.microsoft.com/office/drawing/2014/main" id="{0A3A50EE-392C-4705-A30D-BA21B1E8A26A}"/>
               </a:ext>
             </a:extLst>
           </p:cNvPr>
@@ -12874,7 +16964,7 @@
               <p:cNvPr id="16" name="TextBox 15">
                 <a:extLst>
                   <a:ext uri="{FF2B5EF4-FFF2-40B4-BE49-F238E27FC236}">
-                    <a16:creationId xmlns:a16="http://schemas.microsoft.com/office/drawing/2014/main" xmlns="" id="{B3BEB89F-A8AF-4478-B6C3-153D634CDB65}"/>
+                    <a16:creationId xmlns="" xmlns:a16="http://schemas.microsoft.com/office/drawing/2014/main" id="{B3BEB89F-A8AF-4478-B6C3-153D634CDB65}"/>
                   </a:ext>
                 </a:extLst>
               </p:cNvPr>
@@ -12979,7 +17069,7 @@
           <p:cNvPr id="24" name="직선 화살표 연결선 23">
             <a:extLst>
               <a:ext uri="{FF2B5EF4-FFF2-40B4-BE49-F238E27FC236}">
-                <a16:creationId xmlns:a16="http://schemas.microsoft.com/office/drawing/2014/main" xmlns="" id="{AE4EE2AE-D8F7-4FD0-A389-BCC26858631F}"/>
+                <a16:creationId xmlns="" xmlns:a16="http://schemas.microsoft.com/office/drawing/2014/main" id="{AE4EE2AE-D8F7-4FD0-A389-BCC26858631F}"/>
               </a:ext>
             </a:extLst>
           </p:cNvPr>
@@ -13026,7 +17116,7 @@
               <p:cNvPr id="25" name="TextBox 24">
                 <a:extLst>
                   <a:ext uri="{FF2B5EF4-FFF2-40B4-BE49-F238E27FC236}">
-                    <a16:creationId xmlns:a16="http://schemas.microsoft.com/office/drawing/2014/main" xmlns="" id="{B97BD5BE-BAE5-4A67-B0B9-F5A315457A3D}"/>
+                    <a16:creationId xmlns="" xmlns:a16="http://schemas.microsoft.com/office/drawing/2014/main" id="{B97BD5BE-BAE5-4A67-B0B9-F5A315457A3D}"/>
                   </a:ext>
                 </a:extLst>
               </p:cNvPr>
@@ -13131,7 +17221,7 @@
           <p:cNvPr id="26" name="TextBox 25">
             <a:extLst>
               <a:ext uri="{FF2B5EF4-FFF2-40B4-BE49-F238E27FC236}">
-                <a16:creationId xmlns:a16="http://schemas.microsoft.com/office/drawing/2014/main" xmlns="" id="{CB434C2C-03AB-4616-80A1-A55C5A269E6E}"/>
+                <a16:creationId xmlns="" xmlns:a16="http://schemas.microsoft.com/office/drawing/2014/main" id="{CB434C2C-03AB-4616-80A1-A55C5A269E6E}"/>
               </a:ext>
             </a:extLst>
           </p:cNvPr>
@@ -13244,7 +17334,7 @@
           <p:cNvPr id="27" name="직선 화살표 연결선 26">
             <a:extLst>
               <a:ext uri="{FF2B5EF4-FFF2-40B4-BE49-F238E27FC236}">
-                <a16:creationId xmlns:a16="http://schemas.microsoft.com/office/drawing/2014/main" xmlns="" id="{A1C83BC5-CD72-4402-A822-571C7099DA75}"/>
+                <a16:creationId xmlns="" xmlns:a16="http://schemas.microsoft.com/office/drawing/2014/main" id="{A1C83BC5-CD72-4402-A822-571C7099DA75}"/>
               </a:ext>
             </a:extLst>
           </p:cNvPr>
@@ -13291,7 +17381,7 @@
               <p:cNvPr id="28" name="TextBox 27">
                 <a:extLst>
                   <a:ext uri="{FF2B5EF4-FFF2-40B4-BE49-F238E27FC236}">
-                    <a16:creationId xmlns:a16="http://schemas.microsoft.com/office/drawing/2014/main" xmlns="" id="{61E81D9F-AA9E-4174-AC1E-B87D76501210}"/>
+                    <a16:creationId xmlns="" xmlns:a16="http://schemas.microsoft.com/office/drawing/2014/main" id="{61E81D9F-AA9E-4174-AC1E-B87D76501210}"/>
                   </a:ext>
                 </a:extLst>
               </p:cNvPr>
@@ -13398,7 +17488,7 @@
               <p:cNvPr id="17" name="TextBox 16">
                 <a:extLst>
                   <a:ext uri="{FF2B5EF4-FFF2-40B4-BE49-F238E27FC236}">
-                    <a16:creationId xmlns:a16="http://schemas.microsoft.com/office/drawing/2014/main" xmlns="" id="{B3BEB89F-A8AF-4478-B6C3-153D634CDB65}"/>
+                    <a16:creationId xmlns="" xmlns:a16="http://schemas.microsoft.com/office/drawing/2014/main" id="{B3BEB89F-A8AF-4478-B6C3-153D634CDB65}"/>
                   </a:ext>
                 </a:extLst>
               </p:cNvPr>
@@ -13533,7 +17623,7 @@
           <p:cNvPr id="1026" name="Picture 2">
             <a:extLst>
               <a:ext uri="{FF2B5EF4-FFF2-40B4-BE49-F238E27FC236}">
-                <a16:creationId xmlns:a16="http://schemas.microsoft.com/office/drawing/2014/main" xmlns="" id="{F7A1AD63-4F58-407D-9227-A858A14DD405}"/>
+                <a16:creationId xmlns="" xmlns:a16="http://schemas.microsoft.com/office/drawing/2014/main" id="{F7A1AD63-4F58-407D-9227-A858A14DD405}"/>
               </a:ext>
             </a:extLst>
           </p:cNvPr>
@@ -13578,7 +17668,7 @@
           <p:cNvPr id="6" name="직사각형 5">
             <a:extLst>
               <a:ext uri="{FF2B5EF4-FFF2-40B4-BE49-F238E27FC236}">
-                <a16:creationId xmlns:a16="http://schemas.microsoft.com/office/drawing/2014/main" xmlns="" id="{857B5521-EF3A-46FF-8F95-B68A07DB5518}"/>
+                <a16:creationId xmlns="" xmlns:a16="http://schemas.microsoft.com/office/drawing/2014/main" id="{857B5521-EF3A-46FF-8F95-B68A07DB5518}"/>
               </a:ext>
             </a:extLst>
           </p:cNvPr>
@@ -13630,7 +17720,7 @@
           <p:cNvPr id="8" name="직사각형 7">
             <a:extLst>
               <a:ext uri="{FF2B5EF4-FFF2-40B4-BE49-F238E27FC236}">
-                <a16:creationId xmlns:a16="http://schemas.microsoft.com/office/drawing/2014/main" xmlns="" id="{4AE9AA44-9AAF-4B79-84FA-756B05BAD5E6}"/>
+                <a16:creationId xmlns="" xmlns:a16="http://schemas.microsoft.com/office/drawing/2014/main" id="{4AE9AA44-9AAF-4B79-84FA-756B05BAD5E6}"/>
               </a:ext>
             </a:extLst>
           </p:cNvPr>
@@ -13682,7 +17772,7 @@
           <p:cNvPr id="9" name="직사각형 8">
             <a:extLst>
               <a:ext uri="{FF2B5EF4-FFF2-40B4-BE49-F238E27FC236}">
-                <a16:creationId xmlns:a16="http://schemas.microsoft.com/office/drawing/2014/main" xmlns="" id="{1811F6B1-D2E8-4CF0-8577-B558A14B3288}"/>
+                <a16:creationId xmlns="" xmlns:a16="http://schemas.microsoft.com/office/drawing/2014/main" id="{1811F6B1-D2E8-4CF0-8577-B558A14B3288}"/>
               </a:ext>
             </a:extLst>
           </p:cNvPr>
@@ -13734,7 +17824,7 @@
           <p:cNvPr id="10" name="직사각형 9">
             <a:extLst>
               <a:ext uri="{FF2B5EF4-FFF2-40B4-BE49-F238E27FC236}">
-                <a16:creationId xmlns:a16="http://schemas.microsoft.com/office/drawing/2014/main" xmlns="" id="{4594718F-DAC7-45D6-939A-098E335F97F6}"/>
+                <a16:creationId xmlns="" xmlns:a16="http://schemas.microsoft.com/office/drawing/2014/main" id="{4594718F-DAC7-45D6-939A-098E335F97F6}"/>
               </a:ext>
             </a:extLst>
           </p:cNvPr>
@@ -13958,7 +18048,7 @@
           <p:cNvPr id="18" name="Picture 5" descr="https://static.wikia.nocookie.net/camp_for_bragging_rights/images/0/0e/Stickman.png/revision/latest/scale-to-width-down/768?cb=20200421202819">
             <a:extLst>
               <a:ext uri="{FF2B5EF4-FFF2-40B4-BE49-F238E27FC236}">
-                <a16:creationId xmlns:a16="http://schemas.microsoft.com/office/drawing/2014/main" xmlns="" id="{9A65917C-C1CA-4BEC-9A52-5C956AACE051}"/>
+                <a16:creationId xmlns="" xmlns:a16="http://schemas.microsoft.com/office/drawing/2014/main" id="{9A65917C-C1CA-4BEC-9A52-5C956AACE051}"/>
               </a:ext>
             </a:extLst>
           </p:cNvPr>
@@ -14003,7 +18093,7 @@
           <p:cNvPr id="19" name="Picture 5" descr="https://static.wikia.nocookie.net/camp_for_bragging_rights/images/0/0e/Stickman.png/revision/latest/scale-to-width-down/768?cb=20200421202819">
             <a:extLst>
               <a:ext uri="{FF2B5EF4-FFF2-40B4-BE49-F238E27FC236}">
-                <a16:creationId xmlns:a16="http://schemas.microsoft.com/office/drawing/2014/main" xmlns="" id="{F1121B1F-EE41-4C1B-A4FF-E4A7E2BB5450}"/>
+                <a16:creationId xmlns="" xmlns:a16="http://schemas.microsoft.com/office/drawing/2014/main" id="{F1121B1F-EE41-4C1B-A4FF-E4A7E2BB5450}"/>
               </a:ext>
             </a:extLst>
           </p:cNvPr>
@@ -14048,7 +18138,7 @@
           <p:cNvPr id="21" name="Picture 5" descr="https://static.wikia.nocookie.net/camp_for_bragging_rights/images/0/0e/Stickman.png/revision/latest/scale-to-width-down/768?cb=20200421202819">
             <a:extLst>
               <a:ext uri="{FF2B5EF4-FFF2-40B4-BE49-F238E27FC236}">
-                <a16:creationId xmlns:a16="http://schemas.microsoft.com/office/drawing/2014/main" xmlns="" id="{9ECD7B91-B619-4636-87A0-189262FB9A6D}"/>
+                <a16:creationId xmlns="" xmlns:a16="http://schemas.microsoft.com/office/drawing/2014/main" id="{9ECD7B91-B619-4636-87A0-189262FB9A6D}"/>
               </a:ext>
             </a:extLst>
           </p:cNvPr>
@@ -14093,7 +18183,7 @@
           <p:cNvPr id="22" name="Picture 5" descr="https://static.wikia.nocookie.net/camp_for_bragging_rights/images/0/0e/Stickman.png/revision/latest/scale-to-width-down/768?cb=20200421202819">
             <a:extLst>
               <a:ext uri="{FF2B5EF4-FFF2-40B4-BE49-F238E27FC236}">
-                <a16:creationId xmlns:a16="http://schemas.microsoft.com/office/drawing/2014/main" xmlns="" id="{DC2B6D8A-A3D6-4E2F-A10C-DE84D59F5BE9}"/>
+                <a16:creationId xmlns="" xmlns:a16="http://schemas.microsoft.com/office/drawing/2014/main" id="{DC2B6D8A-A3D6-4E2F-A10C-DE84D59F5BE9}"/>
               </a:ext>
             </a:extLst>
           </p:cNvPr>
@@ -14138,7 +18228,7 @@
           <p:cNvPr id="24" name="Picture 5" descr="https://static.wikia.nocookie.net/camp_for_bragging_rights/images/0/0e/Stickman.png/revision/latest/scale-to-width-down/768?cb=20200421202819">
             <a:extLst>
               <a:ext uri="{FF2B5EF4-FFF2-40B4-BE49-F238E27FC236}">
-                <a16:creationId xmlns:a16="http://schemas.microsoft.com/office/drawing/2014/main" xmlns="" id="{1C145F8A-033D-44CD-AC67-E266F8E4BB59}"/>
+                <a16:creationId xmlns="" xmlns:a16="http://schemas.microsoft.com/office/drawing/2014/main" id="{1C145F8A-033D-44CD-AC67-E266F8E4BB59}"/>
               </a:ext>
             </a:extLst>
           </p:cNvPr>
@@ -14183,7 +18273,7 @@
           <p:cNvPr id="25" name="Picture 5" descr="https://static.wikia.nocookie.net/camp_for_bragging_rights/images/0/0e/Stickman.png/revision/latest/scale-to-width-down/768?cb=20200421202819">
             <a:extLst>
               <a:ext uri="{FF2B5EF4-FFF2-40B4-BE49-F238E27FC236}">
-                <a16:creationId xmlns:a16="http://schemas.microsoft.com/office/drawing/2014/main" xmlns="" id="{C7076C6E-49B2-482B-B7FD-673C2E277859}"/>
+                <a16:creationId xmlns="" xmlns:a16="http://schemas.microsoft.com/office/drawing/2014/main" id="{C7076C6E-49B2-482B-B7FD-673C2E277859}"/>
               </a:ext>
             </a:extLst>
           </p:cNvPr>
@@ -14228,7 +18318,7 @@
           <p:cNvPr id="27" name="Picture 5" descr="https://static.wikia.nocookie.net/camp_for_bragging_rights/images/0/0e/Stickman.png/revision/latest/scale-to-width-down/768?cb=20200421202819">
             <a:extLst>
               <a:ext uri="{FF2B5EF4-FFF2-40B4-BE49-F238E27FC236}">
-                <a16:creationId xmlns:a16="http://schemas.microsoft.com/office/drawing/2014/main" xmlns="" id="{438C0570-91B7-4FE2-BD54-69A36C8127B2}"/>
+                <a16:creationId xmlns="" xmlns:a16="http://schemas.microsoft.com/office/drawing/2014/main" id="{438C0570-91B7-4FE2-BD54-69A36C8127B2}"/>
               </a:ext>
             </a:extLst>
           </p:cNvPr>
@@ -14273,7 +18363,7 @@
           <p:cNvPr id="28" name="Picture 5" descr="https://static.wikia.nocookie.net/camp_for_bragging_rights/images/0/0e/Stickman.png/revision/latest/scale-to-width-down/768?cb=20200421202819">
             <a:extLst>
               <a:ext uri="{FF2B5EF4-FFF2-40B4-BE49-F238E27FC236}">
-                <a16:creationId xmlns:a16="http://schemas.microsoft.com/office/drawing/2014/main" xmlns="" id="{8BCEA209-287B-426A-A89E-AC8DF719D3FA}"/>
+                <a16:creationId xmlns="" xmlns:a16="http://schemas.microsoft.com/office/drawing/2014/main" id="{8BCEA209-287B-426A-A89E-AC8DF719D3FA}"/>
               </a:ext>
             </a:extLst>
           </p:cNvPr>
@@ -14318,7 +18408,7 @@
           <p:cNvPr id="29" name="Picture 5" descr="https://static.wikia.nocookie.net/camp_for_bragging_rights/images/0/0e/Stickman.png/revision/latest/scale-to-width-down/768?cb=20200421202819">
             <a:extLst>
               <a:ext uri="{FF2B5EF4-FFF2-40B4-BE49-F238E27FC236}">
-                <a16:creationId xmlns:a16="http://schemas.microsoft.com/office/drawing/2014/main" xmlns="" id="{E7EED442-9BA4-4F3F-839B-37181C011DA7}"/>
+                <a16:creationId xmlns="" xmlns:a16="http://schemas.microsoft.com/office/drawing/2014/main" id="{E7EED442-9BA4-4F3F-839B-37181C011DA7}"/>
               </a:ext>
             </a:extLst>
           </p:cNvPr>
@@ -14363,7 +18453,7 @@
           <p:cNvPr id="30" name="Picture 5" descr="https://static.wikia.nocookie.net/camp_for_bragging_rights/images/0/0e/Stickman.png/revision/latest/scale-to-width-down/768?cb=20200421202819">
             <a:extLst>
               <a:ext uri="{FF2B5EF4-FFF2-40B4-BE49-F238E27FC236}">
-                <a16:creationId xmlns:a16="http://schemas.microsoft.com/office/drawing/2014/main" xmlns="" id="{38834A16-D595-40C8-A3F7-ED057947C587}"/>
+                <a16:creationId xmlns="" xmlns:a16="http://schemas.microsoft.com/office/drawing/2014/main" id="{38834A16-D595-40C8-A3F7-ED057947C587}"/>
               </a:ext>
             </a:extLst>
           </p:cNvPr>
@@ -14408,7 +18498,7 @@
           <p:cNvPr id="31" name="Picture 5" descr="https://static.wikia.nocookie.net/camp_for_bragging_rights/images/0/0e/Stickman.png/revision/latest/scale-to-width-down/768?cb=20200421202819">
             <a:extLst>
               <a:ext uri="{FF2B5EF4-FFF2-40B4-BE49-F238E27FC236}">
-                <a16:creationId xmlns:a16="http://schemas.microsoft.com/office/drawing/2014/main" xmlns="" id="{24399884-A42D-47A5-9C67-4C931EA71D2E}"/>
+                <a16:creationId xmlns="" xmlns:a16="http://schemas.microsoft.com/office/drawing/2014/main" id="{24399884-A42D-47A5-9C67-4C931EA71D2E}"/>
               </a:ext>
             </a:extLst>
           </p:cNvPr>
@@ -14453,7 +18543,7 @@
           <p:cNvPr id="34" name="Picture 5" descr="https://static.wikia.nocookie.net/camp_for_bragging_rights/images/0/0e/Stickman.png/revision/latest/scale-to-width-down/768?cb=20200421202819">
             <a:extLst>
               <a:ext uri="{FF2B5EF4-FFF2-40B4-BE49-F238E27FC236}">
-                <a16:creationId xmlns:a16="http://schemas.microsoft.com/office/drawing/2014/main" xmlns="" id="{B65EC2D2-819F-48CD-B299-89B81CECF1D1}"/>
+                <a16:creationId xmlns="" xmlns:a16="http://schemas.microsoft.com/office/drawing/2014/main" id="{B65EC2D2-819F-48CD-B299-89B81CECF1D1}"/>
               </a:ext>
             </a:extLst>
           </p:cNvPr>
@@ -14498,7 +18588,7 @@
           <p:cNvPr id="35" name="Picture 5" descr="https://static.wikia.nocookie.net/camp_for_bragging_rights/images/0/0e/Stickman.png/revision/latest/scale-to-width-down/768?cb=20200421202819">
             <a:extLst>
               <a:ext uri="{FF2B5EF4-FFF2-40B4-BE49-F238E27FC236}">
-                <a16:creationId xmlns:a16="http://schemas.microsoft.com/office/drawing/2014/main" xmlns="" id="{C6C7D888-4A76-4FAA-8DBE-055AEB48DD0D}"/>
+                <a16:creationId xmlns="" xmlns:a16="http://schemas.microsoft.com/office/drawing/2014/main" id="{C6C7D888-4A76-4FAA-8DBE-055AEB48DD0D}"/>
               </a:ext>
             </a:extLst>
           </p:cNvPr>
@@ -14543,7 +18633,7 @@
           <p:cNvPr id="36" name="Picture 5" descr="https://static.wikia.nocookie.net/camp_for_bragging_rights/images/0/0e/Stickman.png/revision/latest/scale-to-width-down/768?cb=20200421202819">
             <a:extLst>
               <a:ext uri="{FF2B5EF4-FFF2-40B4-BE49-F238E27FC236}">
-                <a16:creationId xmlns:a16="http://schemas.microsoft.com/office/drawing/2014/main" xmlns="" id="{E737EE91-3827-4F67-9207-A45EC72DCDC0}"/>
+                <a16:creationId xmlns="" xmlns:a16="http://schemas.microsoft.com/office/drawing/2014/main" id="{E737EE91-3827-4F67-9207-A45EC72DCDC0}"/>
               </a:ext>
             </a:extLst>
           </p:cNvPr>
@@ -14588,7 +18678,7 @@
           <p:cNvPr id="37" name="Picture 5" descr="https://static.wikia.nocookie.net/camp_for_bragging_rights/images/0/0e/Stickman.png/revision/latest/scale-to-width-down/768?cb=20200421202819">
             <a:extLst>
               <a:ext uri="{FF2B5EF4-FFF2-40B4-BE49-F238E27FC236}">
-                <a16:creationId xmlns:a16="http://schemas.microsoft.com/office/drawing/2014/main" xmlns="" id="{FEC3BF5D-3598-4F48-9B93-F18FAB88B350}"/>
+                <a16:creationId xmlns="" xmlns:a16="http://schemas.microsoft.com/office/drawing/2014/main" id="{FEC3BF5D-3598-4F48-9B93-F18FAB88B350}"/>
               </a:ext>
             </a:extLst>
           </p:cNvPr>
@@ -14633,7 +18723,7 @@
           <p:cNvPr id="38" name="Picture 5" descr="https://static.wikia.nocookie.net/camp_for_bragging_rights/images/0/0e/Stickman.png/revision/latest/scale-to-width-down/768?cb=20200421202819">
             <a:extLst>
               <a:ext uri="{FF2B5EF4-FFF2-40B4-BE49-F238E27FC236}">
-                <a16:creationId xmlns:a16="http://schemas.microsoft.com/office/drawing/2014/main" xmlns="" id="{26EC4890-C91B-452F-B84A-A40946AA2F2E}"/>
+                <a16:creationId xmlns="" xmlns:a16="http://schemas.microsoft.com/office/drawing/2014/main" id="{26EC4890-C91B-452F-B84A-A40946AA2F2E}"/>
               </a:ext>
             </a:extLst>
           </p:cNvPr>
@@ -14678,7 +18768,7 @@
           <p:cNvPr id="39" name="Picture 5" descr="https://static.wikia.nocookie.net/camp_for_bragging_rights/images/0/0e/Stickman.png/revision/latest/scale-to-width-down/768?cb=20200421202819">
             <a:extLst>
               <a:ext uri="{FF2B5EF4-FFF2-40B4-BE49-F238E27FC236}">
-                <a16:creationId xmlns:a16="http://schemas.microsoft.com/office/drawing/2014/main" xmlns="" id="{35D5B4E5-72B3-48E0-896B-069F91006CBE}"/>
+                <a16:creationId xmlns="" xmlns:a16="http://schemas.microsoft.com/office/drawing/2014/main" id="{35D5B4E5-72B3-48E0-896B-069F91006CBE}"/>
               </a:ext>
             </a:extLst>
           </p:cNvPr>
@@ -14723,7 +18813,7 @@
           <p:cNvPr id="40" name="Picture 5" descr="https://static.wikia.nocookie.net/camp_for_bragging_rights/images/0/0e/Stickman.png/revision/latest/scale-to-width-down/768?cb=20200421202819">
             <a:extLst>
               <a:ext uri="{FF2B5EF4-FFF2-40B4-BE49-F238E27FC236}">
-                <a16:creationId xmlns:a16="http://schemas.microsoft.com/office/drawing/2014/main" xmlns="" id="{4A714B0B-EE6B-4177-9AB6-36C950C4A3FD}"/>
+                <a16:creationId xmlns="" xmlns:a16="http://schemas.microsoft.com/office/drawing/2014/main" id="{4A714B0B-EE6B-4177-9AB6-36C950C4A3FD}"/>
               </a:ext>
             </a:extLst>
           </p:cNvPr>
@@ -14768,7 +18858,7 @@
           <p:cNvPr id="41" name="Picture 5" descr="https://static.wikia.nocookie.net/camp_for_bragging_rights/images/0/0e/Stickman.png/revision/latest/scale-to-width-down/768?cb=20200421202819">
             <a:extLst>
               <a:ext uri="{FF2B5EF4-FFF2-40B4-BE49-F238E27FC236}">
-                <a16:creationId xmlns:a16="http://schemas.microsoft.com/office/drawing/2014/main" xmlns="" id="{3B49E87C-0761-4481-9C7B-7B75ACF4E60B}"/>
+                <a16:creationId xmlns="" xmlns:a16="http://schemas.microsoft.com/office/drawing/2014/main" id="{3B49E87C-0761-4481-9C7B-7B75ACF4E60B}"/>
               </a:ext>
             </a:extLst>
           </p:cNvPr>
@@ -14813,7 +18903,7 @@
           <p:cNvPr id="42" name="Picture 5" descr="https://static.wikia.nocookie.net/camp_for_bragging_rights/images/0/0e/Stickman.png/revision/latest/scale-to-width-down/768?cb=20200421202819">
             <a:extLst>
               <a:ext uri="{FF2B5EF4-FFF2-40B4-BE49-F238E27FC236}">
-                <a16:creationId xmlns:a16="http://schemas.microsoft.com/office/drawing/2014/main" xmlns="" id="{80493075-C508-4CFD-8712-B61F4FBAA805}"/>
+                <a16:creationId xmlns="" xmlns:a16="http://schemas.microsoft.com/office/drawing/2014/main" id="{80493075-C508-4CFD-8712-B61F4FBAA805}"/>
               </a:ext>
             </a:extLst>
           </p:cNvPr>
@@ -14858,7 +18948,7 @@
           <p:cNvPr id="43" name="Picture 5" descr="https://static.wikia.nocookie.net/camp_for_bragging_rights/images/0/0e/Stickman.png/revision/latest/scale-to-width-down/768?cb=20200421202819">
             <a:extLst>
               <a:ext uri="{FF2B5EF4-FFF2-40B4-BE49-F238E27FC236}">
-                <a16:creationId xmlns:a16="http://schemas.microsoft.com/office/drawing/2014/main" xmlns="" id="{FB8C632B-13F1-48D5-93F4-A16AFC766A1A}"/>
+                <a16:creationId xmlns="" xmlns:a16="http://schemas.microsoft.com/office/drawing/2014/main" id="{FB8C632B-13F1-48D5-93F4-A16AFC766A1A}"/>
               </a:ext>
             </a:extLst>
           </p:cNvPr>
@@ -14903,7 +18993,7 @@
           <p:cNvPr id="44" name="Picture 5" descr="https://static.wikia.nocookie.net/camp_for_bragging_rights/images/0/0e/Stickman.png/revision/latest/scale-to-width-down/768?cb=20200421202819">
             <a:extLst>
               <a:ext uri="{FF2B5EF4-FFF2-40B4-BE49-F238E27FC236}">
-                <a16:creationId xmlns:a16="http://schemas.microsoft.com/office/drawing/2014/main" xmlns="" id="{4CA3E50E-EEB4-4F81-A532-D33A31B4B8AD}"/>
+                <a16:creationId xmlns="" xmlns:a16="http://schemas.microsoft.com/office/drawing/2014/main" id="{4CA3E50E-EEB4-4F81-A532-D33A31B4B8AD}"/>
               </a:ext>
             </a:extLst>
           </p:cNvPr>
@@ -14948,7 +19038,7 @@
           <p:cNvPr id="45" name="Picture 6" descr="C:\Users\biosensor1\Documents\카카오톡 받은 파일\KakaoTalk_20210112_172206730.png">
             <a:extLst>
               <a:ext uri="{FF2B5EF4-FFF2-40B4-BE49-F238E27FC236}">
-                <a16:creationId xmlns:a16="http://schemas.microsoft.com/office/drawing/2014/main" xmlns="" id="{F2FDEE37-5688-4014-8A2E-D0120CE06B30}"/>
+                <a16:creationId xmlns="" xmlns:a16="http://schemas.microsoft.com/office/drawing/2014/main" id="{F2FDEE37-5688-4014-8A2E-D0120CE06B30}"/>
               </a:ext>
             </a:extLst>
           </p:cNvPr>
@@ -14995,7 +19085,7 @@
           <p:cNvPr id="46" name="Picture 6" descr="C:\Users\biosensor1\Documents\카카오톡 받은 파일\KakaoTalk_20210112_172206730.png">
             <a:extLst>
               <a:ext uri="{FF2B5EF4-FFF2-40B4-BE49-F238E27FC236}">
-                <a16:creationId xmlns:a16="http://schemas.microsoft.com/office/drawing/2014/main" xmlns="" id="{29B039A2-A7DE-4B77-AFE1-171E62ADE9BD}"/>
+                <a16:creationId xmlns="" xmlns:a16="http://schemas.microsoft.com/office/drawing/2014/main" id="{29B039A2-A7DE-4B77-AFE1-171E62ADE9BD}"/>
               </a:ext>
             </a:extLst>
           </p:cNvPr>
@@ -15042,7 +19132,7 @@
           <p:cNvPr id="47" name="Picture 6" descr="C:\Users\biosensor1\Documents\카카오톡 받은 파일\KakaoTalk_20210112_172206730.png">
             <a:extLst>
               <a:ext uri="{FF2B5EF4-FFF2-40B4-BE49-F238E27FC236}">
-                <a16:creationId xmlns:a16="http://schemas.microsoft.com/office/drawing/2014/main" xmlns="" id="{5F2858DA-151B-4D69-A22F-F04EE730E70F}"/>
+                <a16:creationId xmlns="" xmlns:a16="http://schemas.microsoft.com/office/drawing/2014/main" id="{5F2858DA-151B-4D69-A22F-F04EE730E70F}"/>
               </a:ext>
             </a:extLst>
           </p:cNvPr>
@@ -15089,7 +19179,7 @@
           <p:cNvPr id="48" name="Picture 6" descr="C:\Users\biosensor1\Documents\카카오톡 받은 파일\KakaoTalk_20210112_172206730.png">
             <a:extLst>
               <a:ext uri="{FF2B5EF4-FFF2-40B4-BE49-F238E27FC236}">
-                <a16:creationId xmlns:a16="http://schemas.microsoft.com/office/drawing/2014/main" xmlns="" id="{A0571733-BB80-40C7-8439-D585F8D67BB8}"/>
+                <a16:creationId xmlns="" xmlns:a16="http://schemas.microsoft.com/office/drawing/2014/main" id="{A0571733-BB80-40C7-8439-D585F8D67BB8}"/>
               </a:ext>
             </a:extLst>
           </p:cNvPr>
@@ -15136,7 +19226,7 @@
           <p:cNvPr id="49" name="Picture 6" descr="C:\Users\biosensor1\Documents\카카오톡 받은 파일\KakaoTalk_20210112_172206730.png">
             <a:extLst>
               <a:ext uri="{FF2B5EF4-FFF2-40B4-BE49-F238E27FC236}">
-                <a16:creationId xmlns:a16="http://schemas.microsoft.com/office/drawing/2014/main" xmlns="" id="{2F3CE1D9-850E-47D1-AB26-B6D1C30B73E2}"/>
+                <a16:creationId xmlns="" xmlns:a16="http://schemas.microsoft.com/office/drawing/2014/main" id="{2F3CE1D9-850E-47D1-AB26-B6D1C30B73E2}"/>
               </a:ext>
             </a:extLst>
           </p:cNvPr>
@@ -15183,7 +19273,7 @@
           <p:cNvPr id="50" name="Picture 5" descr="https://static.wikia.nocookie.net/camp_for_bragging_rights/images/0/0e/Stickman.png/revision/latest/scale-to-width-down/768?cb=20200421202819">
             <a:extLst>
               <a:ext uri="{FF2B5EF4-FFF2-40B4-BE49-F238E27FC236}">
-                <a16:creationId xmlns:a16="http://schemas.microsoft.com/office/drawing/2014/main" xmlns="" id="{29A2B1A7-8A49-4243-A805-9BBB7A5FCF4C}"/>
+                <a16:creationId xmlns="" xmlns:a16="http://schemas.microsoft.com/office/drawing/2014/main" id="{29A2B1A7-8A49-4243-A805-9BBB7A5FCF4C}"/>
               </a:ext>
             </a:extLst>
           </p:cNvPr>
@@ -15228,7 +19318,7 @@
           <p:cNvPr id="51" name="Picture 6" descr="C:\Users\biosensor1\Documents\카카오톡 받은 파일\KakaoTalk_20210112_172206730.png">
             <a:extLst>
               <a:ext uri="{FF2B5EF4-FFF2-40B4-BE49-F238E27FC236}">
-                <a16:creationId xmlns:a16="http://schemas.microsoft.com/office/drawing/2014/main" xmlns="" id="{EDD2DED5-4563-465C-9F25-31FF9AEF9D61}"/>
+                <a16:creationId xmlns="" xmlns:a16="http://schemas.microsoft.com/office/drawing/2014/main" id="{EDD2DED5-4563-465C-9F25-31FF9AEF9D61}"/>
               </a:ext>
             </a:extLst>
           </p:cNvPr>
@@ -15275,7 +19365,7 @@
           <p:cNvPr id="2" name="TextBox 1">
             <a:extLst>
               <a:ext uri="{FF2B5EF4-FFF2-40B4-BE49-F238E27FC236}">
-                <a16:creationId xmlns:a16="http://schemas.microsoft.com/office/drawing/2014/main" xmlns="" id="{20756ED3-AF96-4DCA-A7CF-837BA2AE3095}"/>
+                <a16:creationId xmlns="" xmlns:a16="http://schemas.microsoft.com/office/drawing/2014/main" id="{20756ED3-AF96-4DCA-A7CF-837BA2AE3095}"/>
               </a:ext>
             </a:extLst>
           </p:cNvPr>
@@ -15320,7 +19410,7 @@
           <p:cNvPr id="53" name="TextBox 52">
             <a:extLst>
               <a:ext uri="{FF2B5EF4-FFF2-40B4-BE49-F238E27FC236}">
-                <a16:creationId xmlns:a16="http://schemas.microsoft.com/office/drawing/2014/main" xmlns="" id="{601D5D9B-7FCE-44E6-BD85-E492798A8DEE}"/>
+                <a16:creationId xmlns="" xmlns:a16="http://schemas.microsoft.com/office/drawing/2014/main" id="{601D5D9B-7FCE-44E6-BD85-E492798A8DEE}"/>
               </a:ext>
             </a:extLst>
           </p:cNvPr>
@@ -15365,7 +19455,7 @@
           <p:cNvPr id="88" name="그림 87" descr="텍스트, 클립아트이(가) 표시된 사진&#10;&#10;자동 생성된 설명">
             <a:extLst>
               <a:ext uri="{FF2B5EF4-FFF2-40B4-BE49-F238E27FC236}">
-                <a16:creationId xmlns:a16="http://schemas.microsoft.com/office/drawing/2014/main" xmlns="" id="{C0827379-6B36-40E4-B3D2-1B6706294095}"/>
+                <a16:creationId xmlns="" xmlns:a16="http://schemas.microsoft.com/office/drawing/2014/main" id="{C0827379-6B36-40E4-B3D2-1B6706294095}"/>
               </a:ext>
             </a:extLst>
           </p:cNvPr>
@@ -15409,7 +19499,7 @@
           <p:cNvPr id="92" name="TextBox 91">
             <a:extLst>
               <a:ext uri="{FF2B5EF4-FFF2-40B4-BE49-F238E27FC236}">
-                <a16:creationId xmlns:a16="http://schemas.microsoft.com/office/drawing/2014/main" xmlns="" id="{7D99E92A-139F-42A3-9FEB-6722EF039862}"/>
+                <a16:creationId xmlns="" xmlns:a16="http://schemas.microsoft.com/office/drawing/2014/main" id="{7D99E92A-139F-42A3-9FEB-6722EF039862}"/>
               </a:ext>
             </a:extLst>
           </p:cNvPr>
@@ -15466,7 +19556,7 @@
           <p:cNvPr id="54" name="직선 연결선 53">
             <a:extLst>
               <a:ext uri="{FF2B5EF4-FFF2-40B4-BE49-F238E27FC236}">
-                <a16:creationId xmlns:a16="http://schemas.microsoft.com/office/drawing/2014/main" xmlns="" id="{C0E7FF59-BEE0-4C00-9F83-E09D00B0C516}"/>
+                <a16:creationId xmlns="" xmlns:a16="http://schemas.microsoft.com/office/drawing/2014/main" id="{C0E7FF59-BEE0-4C00-9F83-E09D00B0C516}"/>
               </a:ext>
             </a:extLst>
           </p:cNvPr>
@@ -15574,7 +19664,7 @@
           <p:cNvPr id="4" name="TextBox 3">
             <a:extLst>
               <a:ext uri="{FF2B5EF4-FFF2-40B4-BE49-F238E27FC236}">
-                <a16:creationId xmlns:a16="http://schemas.microsoft.com/office/drawing/2014/main" xmlns="" id="{C04AFB07-A04F-4BA4-AFC3-446CE5957D9D}"/>
+                <a16:creationId xmlns="" xmlns:a16="http://schemas.microsoft.com/office/drawing/2014/main" id="{C04AFB07-A04F-4BA4-AFC3-446CE5957D9D}"/>
               </a:ext>
             </a:extLst>
           </p:cNvPr>
@@ -15612,7 +19702,7 @@
           <p:cNvPr id="56" name="TextBox 55">
             <a:extLst>
               <a:ext uri="{FF2B5EF4-FFF2-40B4-BE49-F238E27FC236}">
-                <a16:creationId xmlns:a16="http://schemas.microsoft.com/office/drawing/2014/main" xmlns="" id="{B6A70F32-8562-4E73-BD1D-CF9D36148B17}"/>
+                <a16:creationId xmlns="" xmlns:a16="http://schemas.microsoft.com/office/drawing/2014/main" id="{B6A70F32-8562-4E73-BD1D-CF9D36148B17}"/>
               </a:ext>
             </a:extLst>
           </p:cNvPr>
@@ -15650,7 +19740,7 @@
           <p:cNvPr id="57" name="TextBox 56">
             <a:extLst>
               <a:ext uri="{FF2B5EF4-FFF2-40B4-BE49-F238E27FC236}">
-                <a16:creationId xmlns:a16="http://schemas.microsoft.com/office/drawing/2014/main" xmlns="" id="{69C2B872-9BEB-4D28-96BF-A163FA23B2AE}"/>
+                <a16:creationId xmlns="" xmlns:a16="http://schemas.microsoft.com/office/drawing/2014/main" id="{69C2B872-9BEB-4D28-96BF-A163FA23B2AE}"/>
               </a:ext>
             </a:extLst>
           </p:cNvPr>
@@ -15688,7 +19778,7 @@
           <p:cNvPr id="58" name="TextBox 57">
             <a:extLst>
               <a:ext uri="{FF2B5EF4-FFF2-40B4-BE49-F238E27FC236}">
-                <a16:creationId xmlns:a16="http://schemas.microsoft.com/office/drawing/2014/main" xmlns="" id="{EF643D31-A1D1-4965-BB3A-247350DB9036}"/>
+                <a16:creationId xmlns="" xmlns:a16="http://schemas.microsoft.com/office/drawing/2014/main" id="{EF643D31-A1D1-4965-BB3A-247350DB9036}"/>
               </a:ext>
             </a:extLst>
           </p:cNvPr>
@@ -15726,7 +19816,7 @@
           <p:cNvPr id="59" name="TextBox 58">
             <a:extLst>
               <a:ext uri="{FF2B5EF4-FFF2-40B4-BE49-F238E27FC236}">
-                <a16:creationId xmlns:a16="http://schemas.microsoft.com/office/drawing/2014/main" xmlns="" id="{CEFEF120-AE30-4C7C-8637-42BDD97D4151}"/>
+                <a16:creationId xmlns="" xmlns:a16="http://schemas.microsoft.com/office/drawing/2014/main" id="{CEFEF120-AE30-4C7C-8637-42BDD97D4151}"/>
               </a:ext>
             </a:extLst>
           </p:cNvPr>
@@ -15764,7 +19854,7 @@
           <p:cNvPr id="60" name="TextBox 59">
             <a:extLst>
               <a:ext uri="{FF2B5EF4-FFF2-40B4-BE49-F238E27FC236}">
-                <a16:creationId xmlns:a16="http://schemas.microsoft.com/office/drawing/2014/main" xmlns="" id="{1EF9F216-41A4-4695-A143-7F795D43D60F}"/>
+                <a16:creationId xmlns="" xmlns:a16="http://schemas.microsoft.com/office/drawing/2014/main" id="{1EF9F216-41A4-4695-A143-7F795D43D60F}"/>
               </a:ext>
             </a:extLst>
           </p:cNvPr>
@@ -15802,7 +19892,7 @@
           <p:cNvPr id="61" name="TextBox 60">
             <a:extLst>
               <a:ext uri="{FF2B5EF4-FFF2-40B4-BE49-F238E27FC236}">
-                <a16:creationId xmlns:a16="http://schemas.microsoft.com/office/drawing/2014/main" xmlns="" id="{2A0E21AB-25E9-49DD-ADB4-0D3EC75B25A1}"/>
+                <a16:creationId xmlns="" xmlns:a16="http://schemas.microsoft.com/office/drawing/2014/main" id="{2A0E21AB-25E9-49DD-ADB4-0D3EC75B25A1}"/>
               </a:ext>
             </a:extLst>
           </p:cNvPr>
@@ -15840,7 +19930,7 @@
           <p:cNvPr id="62" name="TextBox 61">
             <a:extLst>
               <a:ext uri="{FF2B5EF4-FFF2-40B4-BE49-F238E27FC236}">
-                <a16:creationId xmlns:a16="http://schemas.microsoft.com/office/drawing/2014/main" xmlns="" id="{74F7DFBB-01DD-4E1C-AA49-53D5262B1568}"/>
+                <a16:creationId xmlns="" xmlns:a16="http://schemas.microsoft.com/office/drawing/2014/main" id="{74F7DFBB-01DD-4E1C-AA49-53D5262B1568}"/>
               </a:ext>
             </a:extLst>
           </p:cNvPr>
@@ -15878,7 +19968,7 @@
           <p:cNvPr id="63" name="TextBox 62">
             <a:extLst>
               <a:ext uri="{FF2B5EF4-FFF2-40B4-BE49-F238E27FC236}">
-                <a16:creationId xmlns:a16="http://schemas.microsoft.com/office/drawing/2014/main" xmlns="" id="{A80CF1C4-9476-4397-A3ED-365156FF8C0B}"/>
+                <a16:creationId xmlns="" xmlns:a16="http://schemas.microsoft.com/office/drawing/2014/main" id="{A80CF1C4-9476-4397-A3ED-365156FF8C0B}"/>
               </a:ext>
             </a:extLst>
           </p:cNvPr>
@@ -15916,7 +20006,7 @@
           <p:cNvPr id="64" name="TextBox 63">
             <a:extLst>
               <a:ext uri="{FF2B5EF4-FFF2-40B4-BE49-F238E27FC236}">
-                <a16:creationId xmlns:a16="http://schemas.microsoft.com/office/drawing/2014/main" xmlns="" id="{BE0C0FF2-734F-440D-9121-2CA00E623972}"/>
+                <a16:creationId xmlns="" xmlns:a16="http://schemas.microsoft.com/office/drawing/2014/main" id="{BE0C0FF2-734F-440D-9121-2CA00E623972}"/>
               </a:ext>
             </a:extLst>
           </p:cNvPr>
@@ -15954,7 +20044,7 @@
           <p:cNvPr id="65" name="TextBox 64">
             <a:extLst>
               <a:ext uri="{FF2B5EF4-FFF2-40B4-BE49-F238E27FC236}">
-                <a16:creationId xmlns:a16="http://schemas.microsoft.com/office/drawing/2014/main" xmlns="" id="{75621EA3-8E7A-411B-81FC-098BF5452E03}"/>
+                <a16:creationId xmlns="" xmlns:a16="http://schemas.microsoft.com/office/drawing/2014/main" id="{75621EA3-8E7A-411B-81FC-098BF5452E03}"/>
               </a:ext>
             </a:extLst>
           </p:cNvPr>
@@ -15992,7 +20082,7 @@
           <p:cNvPr id="66" name="TextBox 65">
             <a:extLst>
               <a:ext uri="{FF2B5EF4-FFF2-40B4-BE49-F238E27FC236}">
-                <a16:creationId xmlns:a16="http://schemas.microsoft.com/office/drawing/2014/main" xmlns="" id="{C1FA5586-4F2E-4F6A-A0FA-1855CDED3BDC}"/>
+                <a16:creationId xmlns="" xmlns:a16="http://schemas.microsoft.com/office/drawing/2014/main" id="{C1FA5586-4F2E-4F6A-A0FA-1855CDED3BDC}"/>
               </a:ext>
             </a:extLst>
           </p:cNvPr>
@@ -16030,7 +20120,7 @@
           <p:cNvPr id="67" name="TextBox 66">
             <a:extLst>
               <a:ext uri="{FF2B5EF4-FFF2-40B4-BE49-F238E27FC236}">
-                <a16:creationId xmlns:a16="http://schemas.microsoft.com/office/drawing/2014/main" xmlns="" id="{141486BF-6F45-441A-95F3-D175221A8176}"/>
+                <a16:creationId xmlns="" xmlns:a16="http://schemas.microsoft.com/office/drawing/2014/main" id="{141486BF-6F45-441A-95F3-D175221A8176}"/>
               </a:ext>
             </a:extLst>
           </p:cNvPr>
@@ -16068,7 +20158,7 @@
           <p:cNvPr id="68" name="TextBox 67">
             <a:extLst>
               <a:ext uri="{FF2B5EF4-FFF2-40B4-BE49-F238E27FC236}">
-                <a16:creationId xmlns:a16="http://schemas.microsoft.com/office/drawing/2014/main" xmlns="" id="{D1BF9F06-0991-468D-8349-6B35F7061937}"/>
+                <a16:creationId xmlns="" xmlns:a16="http://schemas.microsoft.com/office/drawing/2014/main" id="{D1BF9F06-0991-468D-8349-6B35F7061937}"/>
               </a:ext>
             </a:extLst>
           </p:cNvPr>
@@ -16106,7 +20196,7 @@
           <p:cNvPr id="69" name="TextBox 68">
             <a:extLst>
               <a:ext uri="{FF2B5EF4-FFF2-40B4-BE49-F238E27FC236}">
-                <a16:creationId xmlns:a16="http://schemas.microsoft.com/office/drawing/2014/main" xmlns="" id="{298D047E-0D35-48CC-B73B-A5246B507DEC}"/>
+                <a16:creationId xmlns="" xmlns:a16="http://schemas.microsoft.com/office/drawing/2014/main" id="{298D047E-0D35-48CC-B73B-A5246B507DEC}"/>
               </a:ext>
             </a:extLst>
           </p:cNvPr>
@@ -16144,7 +20234,7 @@
           <p:cNvPr id="70" name="TextBox 69">
             <a:extLst>
               <a:ext uri="{FF2B5EF4-FFF2-40B4-BE49-F238E27FC236}">
-                <a16:creationId xmlns:a16="http://schemas.microsoft.com/office/drawing/2014/main" xmlns="" id="{3E688838-CA83-4471-9A4C-650BFD22C65B}"/>
+                <a16:creationId xmlns="" xmlns:a16="http://schemas.microsoft.com/office/drawing/2014/main" id="{3E688838-CA83-4471-9A4C-650BFD22C65B}"/>
               </a:ext>
             </a:extLst>
           </p:cNvPr>
@@ -16182,7 +20272,7 @@
           <p:cNvPr id="71" name="TextBox 70">
             <a:extLst>
               <a:ext uri="{FF2B5EF4-FFF2-40B4-BE49-F238E27FC236}">
-                <a16:creationId xmlns:a16="http://schemas.microsoft.com/office/drawing/2014/main" xmlns="" id="{9CECF851-F0A1-4282-996C-B5D11CEB5290}"/>
+                <a16:creationId xmlns="" xmlns:a16="http://schemas.microsoft.com/office/drawing/2014/main" id="{9CECF851-F0A1-4282-996C-B5D11CEB5290}"/>
               </a:ext>
             </a:extLst>
           </p:cNvPr>
@@ -16220,7 +20310,7 @@
           <p:cNvPr id="72" name="TextBox 71">
             <a:extLst>
               <a:ext uri="{FF2B5EF4-FFF2-40B4-BE49-F238E27FC236}">
-                <a16:creationId xmlns:a16="http://schemas.microsoft.com/office/drawing/2014/main" xmlns="" id="{69BC8545-3494-47F8-AF2D-6D5219239A00}"/>
+                <a16:creationId xmlns="" xmlns:a16="http://schemas.microsoft.com/office/drawing/2014/main" id="{69BC8545-3494-47F8-AF2D-6D5219239A00}"/>
               </a:ext>
             </a:extLst>
           </p:cNvPr>
@@ -16258,7 +20348,7 @@
           <p:cNvPr id="73" name="TextBox 72">
             <a:extLst>
               <a:ext uri="{FF2B5EF4-FFF2-40B4-BE49-F238E27FC236}">
-                <a16:creationId xmlns:a16="http://schemas.microsoft.com/office/drawing/2014/main" xmlns="" id="{FB9808E6-A5DB-4C5B-8EA9-D7841F12F0BE}"/>
+                <a16:creationId xmlns="" xmlns:a16="http://schemas.microsoft.com/office/drawing/2014/main" id="{FB9808E6-A5DB-4C5B-8EA9-D7841F12F0BE}"/>
               </a:ext>
             </a:extLst>
           </p:cNvPr>
@@ -16299,7 +20389,7 @@
           <p:cNvPr id="74" name="TextBox 73">
             <a:extLst>
               <a:ext uri="{FF2B5EF4-FFF2-40B4-BE49-F238E27FC236}">
-                <a16:creationId xmlns:a16="http://schemas.microsoft.com/office/drawing/2014/main" xmlns="" id="{77FEB70C-285E-44D7-BC63-B77A268499EC}"/>
+                <a16:creationId xmlns="" xmlns:a16="http://schemas.microsoft.com/office/drawing/2014/main" id="{77FEB70C-285E-44D7-BC63-B77A268499EC}"/>
               </a:ext>
             </a:extLst>
           </p:cNvPr>
@@ -16337,7 +20427,7 @@
           <p:cNvPr id="75" name="TextBox 74">
             <a:extLst>
               <a:ext uri="{FF2B5EF4-FFF2-40B4-BE49-F238E27FC236}">
-                <a16:creationId xmlns:a16="http://schemas.microsoft.com/office/drawing/2014/main" xmlns="" id="{2D586DBC-82ED-4D02-8CDB-898A98F22D29}"/>
+                <a16:creationId xmlns="" xmlns:a16="http://schemas.microsoft.com/office/drawing/2014/main" id="{2D586DBC-82ED-4D02-8CDB-898A98F22D29}"/>
               </a:ext>
             </a:extLst>
           </p:cNvPr>
@@ -16375,7 +20465,7 @@
           <p:cNvPr id="76" name="TextBox 75">
             <a:extLst>
               <a:ext uri="{FF2B5EF4-FFF2-40B4-BE49-F238E27FC236}">
-                <a16:creationId xmlns:a16="http://schemas.microsoft.com/office/drawing/2014/main" xmlns="" id="{22289A32-88D1-4436-B105-8F109602B5F6}"/>
+                <a16:creationId xmlns="" xmlns:a16="http://schemas.microsoft.com/office/drawing/2014/main" id="{22289A32-88D1-4436-B105-8F109602B5F6}"/>
               </a:ext>
             </a:extLst>
           </p:cNvPr>
@@ -16413,7 +20503,7 @@
           <p:cNvPr id="77" name="TextBox 76">
             <a:extLst>
               <a:ext uri="{FF2B5EF4-FFF2-40B4-BE49-F238E27FC236}">
-                <a16:creationId xmlns:a16="http://schemas.microsoft.com/office/drawing/2014/main" xmlns="" id="{B378BD5B-1DD8-415E-B876-3BC7241E34FB}"/>
+                <a16:creationId xmlns="" xmlns:a16="http://schemas.microsoft.com/office/drawing/2014/main" id="{B378BD5B-1DD8-415E-B876-3BC7241E34FB}"/>
               </a:ext>
             </a:extLst>
           </p:cNvPr>
@@ -16451,7 +20541,7 @@
           <p:cNvPr id="78" name="TextBox 77">
             <a:extLst>
               <a:ext uri="{FF2B5EF4-FFF2-40B4-BE49-F238E27FC236}">
-                <a16:creationId xmlns:a16="http://schemas.microsoft.com/office/drawing/2014/main" xmlns="" id="{044ABCD1-0C74-4BB9-AA1C-4AA354CD99A4}"/>
+                <a16:creationId xmlns="" xmlns:a16="http://schemas.microsoft.com/office/drawing/2014/main" id="{044ABCD1-0C74-4BB9-AA1C-4AA354CD99A4}"/>
               </a:ext>
             </a:extLst>
           </p:cNvPr>
@@ -16489,7 +20579,7 @@
           <p:cNvPr id="79" name="TextBox 78">
             <a:extLst>
               <a:ext uri="{FF2B5EF4-FFF2-40B4-BE49-F238E27FC236}">
-                <a16:creationId xmlns:a16="http://schemas.microsoft.com/office/drawing/2014/main" xmlns="" id="{40BF79D4-31E0-457F-A861-F18F4B134B7E}"/>
+                <a16:creationId xmlns="" xmlns:a16="http://schemas.microsoft.com/office/drawing/2014/main" id="{40BF79D4-31E0-457F-A861-F18F4B134B7E}"/>
               </a:ext>
             </a:extLst>
           </p:cNvPr>
@@ -16527,7 +20617,7 @@
           <p:cNvPr id="80" name="TextBox 79">
             <a:extLst>
               <a:ext uri="{FF2B5EF4-FFF2-40B4-BE49-F238E27FC236}">
-                <a16:creationId xmlns:a16="http://schemas.microsoft.com/office/drawing/2014/main" xmlns="" id="{B298DBD4-3E3A-4ABA-AD91-E2BFAB365382}"/>
+                <a16:creationId xmlns="" xmlns:a16="http://schemas.microsoft.com/office/drawing/2014/main" id="{B298DBD4-3E3A-4ABA-AD91-E2BFAB365382}"/>
               </a:ext>
             </a:extLst>
           </p:cNvPr>
@@ -16565,7 +20655,7 @@
           <p:cNvPr id="81" name="TextBox 80">
             <a:extLst>
               <a:ext uri="{FF2B5EF4-FFF2-40B4-BE49-F238E27FC236}">
-                <a16:creationId xmlns:a16="http://schemas.microsoft.com/office/drawing/2014/main" xmlns="" id="{3460AABE-49C3-4A25-B0A5-5326C3838920}"/>
+                <a16:creationId xmlns="" xmlns:a16="http://schemas.microsoft.com/office/drawing/2014/main" id="{3460AABE-49C3-4A25-B0A5-5326C3838920}"/>
               </a:ext>
             </a:extLst>
           </p:cNvPr>
@@ -16607,7 +20697,7 @@
           <p:cNvPr id="93" name="TextBox 92">
             <a:extLst>
               <a:ext uri="{FF2B5EF4-FFF2-40B4-BE49-F238E27FC236}">
-                <a16:creationId xmlns:a16="http://schemas.microsoft.com/office/drawing/2014/main" xmlns="" id="{EF22571D-3744-43F2-B47A-33FBDE888CF5}"/>
+                <a16:creationId xmlns="" xmlns:a16="http://schemas.microsoft.com/office/drawing/2014/main" id="{EF22571D-3744-43F2-B47A-33FBDE888CF5}"/>
               </a:ext>
             </a:extLst>
           </p:cNvPr>
@@ -16664,7 +20754,7 @@
           <p:cNvPr id="95" name="TextBox 94">
             <a:extLst>
               <a:ext uri="{FF2B5EF4-FFF2-40B4-BE49-F238E27FC236}">
-                <a16:creationId xmlns:a16="http://schemas.microsoft.com/office/drawing/2014/main" xmlns="" id="{40666278-973B-4E97-ADF8-E73BB1D427AA}"/>
+                <a16:creationId xmlns="" xmlns:a16="http://schemas.microsoft.com/office/drawing/2014/main" id="{40666278-973B-4E97-ADF8-E73BB1D427AA}"/>
               </a:ext>
             </a:extLst>
           </p:cNvPr>
@@ -16735,7 +20825,7 @@
           <p:cNvPr id="54" name="직선 연결선 53">
             <a:extLst>
               <a:ext uri="{FF2B5EF4-FFF2-40B4-BE49-F238E27FC236}">
-                <a16:creationId xmlns:a16="http://schemas.microsoft.com/office/drawing/2014/main" xmlns="" id="{C0E7FF59-BEE0-4C00-9F83-E09D00B0C516}"/>
+                <a16:creationId xmlns="" xmlns:a16="http://schemas.microsoft.com/office/drawing/2014/main" id="{C0E7FF59-BEE0-4C00-9F83-E09D00B0C516}"/>
               </a:ext>
             </a:extLst>
           </p:cNvPr>
@@ -16779,7 +20869,7 @@
           <p:cNvPr id="82" name="직선 연결선 81">
             <a:extLst>
               <a:ext uri="{FF2B5EF4-FFF2-40B4-BE49-F238E27FC236}">
-                <a16:creationId xmlns:a16="http://schemas.microsoft.com/office/drawing/2014/main" xmlns="" id="{81C795E2-4BAB-4B30-8615-EF5D39005982}"/>
+                <a16:creationId xmlns="" xmlns:a16="http://schemas.microsoft.com/office/drawing/2014/main" id="{81C795E2-4BAB-4B30-8615-EF5D39005982}"/>
               </a:ext>
             </a:extLst>
           </p:cNvPr>
@@ -16823,7 +20913,7 @@
           <p:cNvPr id="83" name="직선 연결선 82">
             <a:extLst>
               <a:ext uri="{FF2B5EF4-FFF2-40B4-BE49-F238E27FC236}">
-                <a16:creationId xmlns:a16="http://schemas.microsoft.com/office/drawing/2014/main" xmlns="" id="{FF755B02-EC7C-4BA0-A253-E7B3B6C7D81C}"/>
+                <a16:creationId xmlns="" xmlns:a16="http://schemas.microsoft.com/office/drawing/2014/main" id="{FF755B02-EC7C-4BA0-A253-E7B3B6C7D81C}"/>
               </a:ext>
             </a:extLst>
           </p:cNvPr>
@@ -16931,7 +21021,7 @@
           <p:cNvPr id="4" name="TextBox 3">
             <a:extLst>
               <a:ext uri="{FF2B5EF4-FFF2-40B4-BE49-F238E27FC236}">
-                <a16:creationId xmlns:a16="http://schemas.microsoft.com/office/drawing/2014/main" xmlns="" id="{C04AFB07-A04F-4BA4-AFC3-446CE5957D9D}"/>
+                <a16:creationId xmlns="" xmlns:a16="http://schemas.microsoft.com/office/drawing/2014/main" id="{C04AFB07-A04F-4BA4-AFC3-446CE5957D9D}"/>
               </a:ext>
             </a:extLst>
           </p:cNvPr>
@@ -16969,7 +21059,7 @@
           <p:cNvPr id="56" name="TextBox 55">
             <a:extLst>
               <a:ext uri="{FF2B5EF4-FFF2-40B4-BE49-F238E27FC236}">
-                <a16:creationId xmlns:a16="http://schemas.microsoft.com/office/drawing/2014/main" xmlns="" id="{B6A70F32-8562-4E73-BD1D-CF9D36148B17}"/>
+                <a16:creationId xmlns="" xmlns:a16="http://schemas.microsoft.com/office/drawing/2014/main" id="{B6A70F32-8562-4E73-BD1D-CF9D36148B17}"/>
               </a:ext>
             </a:extLst>
           </p:cNvPr>
@@ -17007,7 +21097,7 @@
           <p:cNvPr id="57" name="TextBox 56">
             <a:extLst>
               <a:ext uri="{FF2B5EF4-FFF2-40B4-BE49-F238E27FC236}">
-                <a16:creationId xmlns:a16="http://schemas.microsoft.com/office/drawing/2014/main" xmlns="" id="{69C2B872-9BEB-4D28-96BF-A163FA23B2AE}"/>
+                <a16:creationId xmlns="" xmlns:a16="http://schemas.microsoft.com/office/drawing/2014/main" id="{69C2B872-9BEB-4D28-96BF-A163FA23B2AE}"/>
               </a:ext>
             </a:extLst>
           </p:cNvPr>
@@ -17045,7 +21135,7 @@
           <p:cNvPr id="58" name="TextBox 57">
             <a:extLst>
               <a:ext uri="{FF2B5EF4-FFF2-40B4-BE49-F238E27FC236}">
-                <a16:creationId xmlns:a16="http://schemas.microsoft.com/office/drawing/2014/main" xmlns="" id="{EF643D31-A1D1-4965-BB3A-247350DB9036}"/>
+                <a16:creationId xmlns="" xmlns:a16="http://schemas.microsoft.com/office/drawing/2014/main" id="{EF643D31-A1D1-4965-BB3A-247350DB9036}"/>
               </a:ext>
             </a:extLst>
           </p:cNvPr>
@@ -17083,7 +21173,7 @@
           <p:cNvPr id="59" name="TextBox 58">
             <a:extLst>
               <a:ext uri="{FF2B5EF4-FFF2-40B4-BE49-F238E27FC236}">
-                <a16:creationId xmlns:a16="http://schemas.microsoft.com/office/drawing/2014/main" xmlns="" id="{CEFEF120-AE30-4C7C-8637-42BDD97D4151}"/>
+                <a16:creationId xmlns="" xmlns:a16="http://schemas.microsoft.com/office/drawing/2014/main" id="{CEFEF120-AE30-4C7C-8637-42BDD97D4151}"/>
               </a:ext>
             </a:extLst>
           </p:cNvPr>
@@ -17121,7 +21211,7 @@
           <p:cNvPr id="60" name="TextBox 59">
             <a:extLst>
               <a:ext uri="{FF2B5EF4-FFF2-40B4-BE49-F238E27FC236}">
-                <a16:creationId xmlns:a16="http://schemas.microsoft.com/office/drawing/2014/main" xmlns="" id="{1EF9F216-41A4-4695-A143-7F795D43D60F}"/>
+                <a16:creationId xmlns="" xmlns:a16="http://schemas.microsoft.com/office/drawing/2014/main" id="{1EF9F216-41A4-4695-A143-7F795D43D60F}"/>
               </a:ext>
             </a:extLst>
           </p:cNvPr>
@@ -17159,7 +21249,7 @@
           <p:cNvPr id="61" name="TextBox 60">
             <a:extLst>
               <a:ext uri="{FF2B5EF4-FFF2-40B4-BE49-F238E27FC236}">
-                <a16:creationId xmlns:a16="http://schemas.microsoft.com/office/drawing/2014/main" xmlns="" id="{2A0E21AB-25E9-49DD-ADB4-0D3EC75B25A1}"/>
+                <a16:creationId xmlns="" xmlns:a16="http://schemas.microsoft.com/office/drawing/2014/main" id="{2A0E21AB-25E9-49DD-ADB4-0D3EC75B25A1}"/>
               </a:ext>
             </a:extLst>
           </p:cNvPr>
@@ -17197,7 +21287,7 @@
           <p:cNvPr id="62" name="TextBox 61">
             <a:extLst>
               <a:ext uri="{FF2B5EF4-FFF2-40B4-BE49-F238E27FC236}">
-                <a16:creationId xmlns:a16="http://schemas.microsoft.com/office/drawing/2014/main" xmlns="" id="{74F7DFBB-01DD-4E1C-AA49-53D5262B1568}"/>
+                <a16:creationId xmlns="" xmlns:a16="http://schemas.microsoft.com/office/drawing/2014/main" id="{74F7DFBB-01DD-4E1C-AA49-53D5262B1568}"/>
               </a:ext>
             </a:extLst>
           </p:cNvPr>
@@ -17235,7 +21325,7 @@
           <p:cNvPr id="63" name="TextBox 62">
             <a:extLst>
               <a:ext uri="{FF2B5EF4-FFF2-40B4-BE49-F238E27FC236}">
-                <a16:creationId xmlns:a16="http://schemas.microsoft.com/office/drawing/2014/main" xmlns="" id="{A80CF1C4-9476-4397-A3ED-365156FF8C0B}"/>
+                <a16:creationId xmlns="" xmlns:a16="http://schemas.microsoft.com/office/drawing/2014/main" id="{A80CF1C4-9476-4397-A3ED-365156FF8C0B}"/>
               </a:ext>
             </a:extLst>
           </p:cNvPr>
@@ -17273,7 +21363,7 @@
           <p:cNvPr id="64" name="TextBox 63">
             <a:extLst>
               <a:ext uri="{FF2B5EF4-FFF2-40B4-BE49-F238E27FC236}">
-                <a16:creationId xmlns:a16="http://schemas.microsoft.com/office/drawing/2014/main" xmlns="" id="{BE0C0FF2-734F-440D-9121-2CA00E623972}"/>
+                <a16:creationId xmlns="" xmlns:a16="http://schemas.microsoft.com/office/drawing/2014/main" id="{BE0C0FF2-734F-440D-9121-2CA00E623972}"/>
               </a:ext>
             </a:extLst>
           </p:cNvPr>
@@ -17311,7 +21401,7 @@
           <p:cNvPr id="65" name="TextBox 64">
             <a:extLst>
               <a:ext uri="{FF2B5EF4-FFF2-40B4-BE49-F238E27FC236}">
-                <a16:creationId xmlns:a16="http://schemas.microsoft.com/office/drawing/2014/main" xmlns="" id="{75621EA3-8E7A-411B-81FC-098BF5452E03}"/>
+                <a16:creationId xmlns="" xmlns:a16="http://schemas.microsoft.com/office/drawing/2014/main" id="{75621EA3-8E7A-411B-81FC-098BF5452E03}"/>
               </a:ext>
             </a:extLst>
           </p:cNvPr>
@@ -17349,7 +21439,7 @@
           <p:cNvPr id="66" name="TextBox 65">
             <a:extLst>
               <a:ext uri="{FF2B5EF4-FFF2-40B4-BE49-F238E27FC236}">
-                <a16:creationId xmlns:a16="http://schemas.microsoft.com/office/drawing/2014/main" xmlns="" id="{C1FA5586-4F2E-4F6A-A0FA-1855CDED3BDC}"/>
+                <a16:creationId xmlns="" xmlns:a16="http://schemas.microsoft.com/office/drawing/2014/main" id="{C1FA5586-4F2E-4F6A-A0FA-1855CDED3BDC}"/>
               </a:ext>
             </a:extLst>
           </p:cNvPr>
@@ -17387,7 +21477,7 @@
           <p:cNvPr id="67" name="TextBox 66">
             <a:extLst>
               <a:ext uri="{FF2B5EF4-FFF2-40B4-BE49-F238E27FC236}">
-                <a16:creationId xmlns:a16="http://schemas.microsoft.com/office/drawing/2014/main" xmlns="" id="{141486BF-6F45-441A-95F3-D175221A8176}"/>
+                <a16:creationId xmlns="" xmlns:a16="http://schemas.microsoft.com/office/drawing/2014/main" id="{141486BF-6F45-441A-95F3-D175221A8176}"/>
               </a:ext>
             </a:extLst>
           </p:cNvPr>
@@ -17425,7 +21515,7 @@
           <p:cNvPr id="68" name="TextBox 67">
             <a:extLst>
               <a:ext uri="{FF2B5EF4-FFF2-40B4-BE49-F238E27FC236}">
-                <a16:creationId xmlns:a16="http://schemas.microsoft.com/office/drawing/2014/main" xmlns="" id="{D1BF9F06-0991-468D-8349-6B35F7061937}"/>
+                <a16:creationId xmlns="" xmlns:a16="http://schemas.microsoft.com/office/drawing/2014/main" id="{D1BF9F06-0991-468D-8349-6B35F7061937}"/>
               </a:ext>
             </a:extLst>
           </p:cNvPr>
@@ -17463,7 +21553,7 @@
           <p:cNvPr id="69" name="TextBox 68">
             <a:extLst>
               <a:ext uri="{FF2B5EF4-FFF2-40B4-BE49-F238E27FC236}">
-                <a16:creationId xmlns:a16="http://schemas.microsoft.com/office/drawing/2014/main" xmlns="" id="{298D047E-0D35-48CC-B73B-A5246B507DEC}"/>
+                <a16:creationId xmlns="" xmlns:a16="http://schemas.microsoft.com/office/drawing/2014/main" id="{298D047E-0D35-48CC-B73B-A5246B507DEC}"/>
               </a:ext>
             </a:extLst>
           </p:cNvPr>
@@ -17501,7 +21591,7 @@
           <p:cNvPr id="70" name="TextBox 69">
             <a:extLst>
               <a:ext uri="{FF2B5EF4-FFF2-40B4-BE49-F238E27FC236}">
-                <a16:creationId xmlns:a16="http://schemas.microsoft.com/office/drawing/2014/main" xmlns="" id="{3E688838-CA83-4471-9A4C-650BFD22C65B}"/>
+                <a16:creationId xmlns="" xmlns:a16="http://schemas.microsoft.com/office/drawing/2014/main" id="{3E688838-CA83-4471-9A4C-650BFD22C65B}"/>
               </a:ext>
             </a:extLst>
           </p:cNvPr>
@@ -17539,7 +21629,7 @@
           <p:cNvPr id="71" name="TextBox 70">
             <a:extLst>
               <a:ext uri="{FF2B5EF4-FFF2-40B4-BE49-F238E27FC236}">
-                <a16:creationId xmlns:a16="http://schemas.microsoft.com/office/drawing/2014/main" xmlns="" id="{9CECF851-F0A1-4282-996C-B5D11CEB5290}"/>
+                <a16:creationId xmlns="" xmlns:a16="http://schemas.microsoft.com/office/drawing/2014/main" id="{9CECF851-F0A1-4282-996C-B5D11CEB5290}"/>
               </a:ext>
             </a:extLst>
           </p:cNvPr>
@@ -17577,7 +21667,7 @@
           <p:cNvPr id="72" name="TextBox 71">
             <a:extLst>
               <a:ext uri="{FF2B5EF4-FFF2-40B4-BE49-F238E27FC236}">
-                <a16:creationId xmlns:a16="http://schemas.microsoft.com/office/drawing/2014/main" xmlns="" id="{69BC8545-3494-47F8-AF2D-6D5219239A00}"/>
+                <a16:creationId xmlns="" xmlns:a16="http://schemas.microsoft.com/office/drawing/2014/main" id="{69BC8545-3494-47F8-AF2D-6D5219239A00}"/>
               </a:ext>
             </a:extLst>
           </p:cNvPr>
@@ -17615,7 +21705,7 @@
           <p:cNvPr id="73" name="TextBox 72">
             <a:extLst>
               <a:ext uri="{FF2B5EF4-FFF2-40B4-BE49-F238E27FC236}">
-                <a16:creationId xmlns:a16="http://schemas.microsoft.com/office/drawing/2014/main" xmlns="" id="{FB9808E6-A5DB-4C5B-8EA9-D7841F12F0BE}"/>
+                <a16:creationId xmlns="" xmlns:a16="http://schemas.microsoft.com/office/drawing/2014/main" id="{FB9808E6-A5DB-4C5B-8EA9-D7841F12F0BE}"/>
               </a:ext>
             </a:extLst>
           </p:cNvPr>
@@ -17656,7 +21746,7 @@
           <p:cNvPr id="74" name="TextBox 73">
             <a:extLst>
               <a:ext uri="{FF2B5EF4-FFF2-40B4-BE49-F238E27FC236}">
-                <a16:creationId xmlns:a16="http://schemas.microsoft.com/office/drawing/2014/main" xmlns="" id="{77FEB70C-285E-44D7-BC63-B77A268499EC}"/>
+                <a16:creationId xmlns="" xmlns:a16="http://schemas.microsoft.com/office/drawing/2014/main" id="{77FEB70C-285E-44D7-BC63-B77A268499EC}"/>
               </a:ext>
             </a:extLst>
           </p:cNvPr>
@@ -17694,7 +21784,7 @@
           <p:cNvPr id="75" name="TextBox 74">
             <a:extLst>
               <a:ext uri="{FF2B5EF4-FFF2-40B4-BE49-F238E27FC236}">
-                <a16:creationId xmlns:a16="http://schemas.microsoft.com/office/drawing/2014/main" xmlns="" id="{2D586DBC-82ED-4D02-8CDB-898A98F22D29}"/>
+                <a16:creationId xmlns="" xmlns:a16="http://schemas.microsoft.com/office/drawing/2014/main" id="{2D586DBC-82ED-4D02-8CDB-898A98F22D29}"/>
               </a:ext>
             </a:extLst>
           </p:cNvPr>
@@ -17732,7 +21822,7 @@
           <p:cNvPr id="76" name="TextBox 75">
             <a:extLst>
               <a:ext uri="{FF2B5EF4-FFF2-40B4-BE49-F238E27FC236}">
-                <a16:creationId xmlns:a16="http://schemas.microsoft.com/office/drawing/2014/main" xmlns="" id="{22289A32-88D1-4436-B105-8F109602B5F6}"/>
+                <a16:creationId xmlns="" xmlns:a16="http://schemas.microsoft.com/office/drawing/2014/main" id="{22289A32-88D1-4436-B105-8F109602B5F6}"/>
               </a:ext>
             </a:extLst>
           </p:cNvPr>
@@ -17770,7 +21860,7 @@
           <p:cNvPr id="77" name="TextBox 76">
             <a:extLst>
               <a:ext uri="{FF2B5EF4-FFF2-40B4-BE49-F238E27FC236}">
-                <a16:creationId xmlns:a16="http://schemas.microsoft.com/office/drawing/2014/main" xmlns="" id="{B378BD5B-1DD8-415E-B876-3BC7241E34FB}"/>
+                <a16:creationId xmlns="" xmlns:a16="http://schemas.microsoft.com/office/drawing/2014/main" id="{B378BD5B-1DD8-415E-B876-3BC7241E34FB}"/>
               </a:ext>
             </a:extLst>
           </p:cNvPr>
@@ -17808,7 +21898,7 @@
           <p:cNvPr id="78" name="TextBox 77">
             <a:extLst>
               <a:ext uri="{FF2B5EF4-FFF2-40B4-BE49-F238E27FC236}">
-                <a16:creationId xmlns:a16="http://schemas.microsoft.com/office/drawing/2014/main" xmlns="" id="{044ABCD1-0C74-4BB9-AA1C-4AA354CD99A4}"/>
+                <a16:creationId xmlns="" xmlns:a16="http://schemas.microsoft.com/office/drawing/2014/main" id="{044ABCD1-0C74-4BB9-AA1C-4AA354CD99A4}"/>
               </a:ext>
             </a:extLst>
           </p:cNvPr>
@@ -17846,7 +21936,7 @@
           <p:cNvPr id="79" name="TextBox 78">
             <a:extLst>
               <a:ext uri="{FF2B5EF4-FFF2-40B4-BE49-F238E27FC236}">
-                <a16:creationId xmlns:a16="http://schemas.microsoft.com/office/drawing/2014/main" xmlns="" id="{40BF79D4-31E0-457F-A861-F18F4B134B7E}"/>
+                <a16:creationId xmlns="" xmlns:a16="http://schemas.microsoft.com/office/drawing/2014/main" id="{40BF79D4-31E0-457F-A861-F18F4B134B7E}"/>
               </a:ext>
             </a:extLst>
           </p:cNvPr>
@@ -17884,7 +21974,7 @@
           <p:cNvPr id="80" name="TextBox 79">
             <a:extLst>
               <a:ext uri="{FF2B5EF4-FFF2-40B4-BE49-F238E27FC236}">
-                <a16:creationId xmlns:a16="http://schemas.microsoft.com/office/drawing/2014/main" xmlns="" id="{B298DBD4-3E3A-4ABA-AD91-E2BFAB365382}"/>
+                <a16:creationId xmlns="" xmlns:a16="http://schemas.microsoft.com/office/drawing/2014/main" id="{B298DBD4-3E3A-4ABA-AD91-E2BFAB365382}"/>
               </a:ext>
             </a:extLst>
           </p:cNvPr>
@@ -17922,7 +22012,7 @@
           <p:cNvPr id="81" name="TextBox 80">
             <a:extLst>
               <a:ext uri="{FF2B5EF4-FFF2-40B4-BE49-F238E27FC236}">
-                <a16:creationId xmlns:a16="http://schemas.microsoft.com/office/drawing/2014/main" xmlns="" id="{3460AABE-49C3-4A25-B0A5-5326C3838920}"/>
+                <a16:creationId xmlns="" xmlns:a16="http://schemas.microsoft.com/office/drawing/2014/main" id="{3460AABE-49C3-4A25-B0A5-5326C3838920}"/>
               </a:ext>
             </a:extLst>
           </p:cNvPr>
@@ -17964,7 +22054,7 @@
           <p:cNvPr id="93" name="TextBox 92">
             <a:extLst>
               <a:ext uri="{FF2B5EF4-FFF2-40B4-BE49-F238E27FC236}">
-                <a16:creationId xmlns:a16="http://schemas.microsoft.com/office/drawing/2014/main" xmlns="" id="{EF22571D-3744-43F2-B47A-33FBDE888CF5}"/>
+                <a16:creationId xmlns="" xmlns:a16="http://schemas.microsoft.com/office/drawing/2014/main" id="{EF22571D-3744-43F2-B47A-33FBDE888CF5}"/>
               </a:ext>
             </a:extLst>
           </p:cNvPr>
@@ -18021,7 +22111,7 @@
           <p:cNvPr id="84" name="TextBox 83">
             <a:extLst>
               <a:ext uri="{FF2B5EF4-FFF2-40B4-BE49-F238E27FC236}">
-                <a16:creationId xmlns:a16="http://schemas.microsoft.com/office/drawing/2014/main" xmlns="" id="{637A9EBD-8651-4827-A9C8-718C09951F70}"/>
+                <a16:creationId xmlns="" xmlns:a16="http://schemas.microsoft.com/office/drawing/2014/main" id="{637A9EBD-8651-4827-A9C8-718C09951F70}"/>
               </a:ext>
             </a:extLst>
           </p:cNvPr>
@@ -18080,7 +22170,7 @@
           <p:cNvPr id="85" name="TextBox 84">
             <a:extLst>
               <a:ext uri="{FF2B5EF4-FFF2-40B4-BE49-F238E27FC236}">
-                <a16:creationId xmlns:a16="http://schemas.microsoft.com/office/drawing/2014/main" xmlns="" id="{30DFB557-63B6-4825-A4E9-AA48679DDB80}"/>
+                <a16:creationId xmlns="" xmlns:a16="http://schemas.microsoft.com/office/drawing/2014/main" id="{30DFB557-63B6-4825-A4E9-AA48679DDB80}"/>
               </a:ext>
             </a:extLst>
           </p:cNvPr>
@@ -18139,7 +22229,7 @@
           <p:cNvPr id="7" name="화살표: 왼쪽/오른쪽 6">
             <a:extLst>
               <a:ext uri="{FF2B5EF4-FFF2-40B4-BE49-F238E27FC236}">
-                <a16:creationId xmlns:a16="http://schemas.microsoft.com/office/drawing/2014/main" xmlns="" id="{4E12E168-D9FF-4343-B35E-06DA76E44FB7}"/>
+                <a16:creationId xmlns="" xmlns:a16="http://schemas.microsoft.com/office/drawing/2014/main" id="{4E12E168-D9FF-4343-B35E-06DA76E44FB7}"/>
               </a:ext>
             </a:extLst>
           </p:cNvPr>
@@ -18197,7 +22287,7 @@
           <p:cNvPr id="86" name="화살표: 왼쪽/오른쪽 85">
             <a:extLst>
               <a:ext uri="{FF2B5EF4-FFF2-40B4-BE49-F238E27FC236}">
-                <a16:creationId xmlns:a16="http://schemas.microsoft.com/office/drawing/2014/main" xmlns="" id="{EF7A27AD-799A-48D7-92C2-6074E551A6E9}"/>
+                <a16:creationId xmlns="" xmlns:a16="http://schemas.microsoft.com/office/drawing/2014/main" id="{EF7A27AD-799A-48D7-92C2-6074E551A6E9}"/>
               </a:ext>
             </a:extLst>
           </p:cNvPr>
@@ -18255,7 +22345,7 @@
           <p:cNvPr id="87" name="TextBox 86">
             <a:extLst>
               <a:ext uri="{FF2B5EF4-FFF2-40B4-BE49-F238E27FC236}">
-                <a16:creationId xmlns:a16="http://schemas.microsoft.com/office/drawing/2014/main" xmlns="" id="{38413CFF-9145-48E8-AA03-05D6C8B2F931}"/>
+                <a16:creationId xmlns="" xmlns:a16="http://schemas.microsoft.com/office/drawing/2014/main" id="{38413CFF-9145-48E8-AA03-05D6C8B2F931}"/>
               </a:ext>
             </a:extLst>
           </p:cNvPr>
@@ -18341,7 +22431,7 @@
           <p:cNvPr id="54" name="직선 연결선 53">
             <a:extLst>
               <a:ext uri="{FF2B5EF4-FFF2-40B4-BE49-F238E27FC236}">
-                <a16:creationId xmlns:a16="http://schemas.microsoft.com/office/drawing/2014/main" xmlns="" id="{C0E7FF59-BEE0-4C00-9F83-E09D00B0C516}"/>
+                <a16:creationId xmlns="" xmlns:a16="http://schemas.microsoft.com/office/drawing/2014/main" id="{C0E7FF59-BEE0-4C00-9F83-E09D00B0C516}"/>
               </a:ext>
             </a:extLst>
           </p:cNvPr>
@@ -18385,7 +22475,7 @@
           <p:cNvPr id="82" name="직선 연결선 81">
             <a:extLst>
               <a:ext uri="{FF2B5EF4-FFF2-40B4-BE49-F238E27FC236}">
-                <a16:creationId xmlns:a16="http://schemas.microsoft.com/office/drawing/2014/main" xmlns="" id="{81C795E2-4BAB-4B30-8615-EF5D39005982}"/>
+                <a16:creationId xmlns="" xmlns:a16="http://schemas.microsoft.com/office/drawing/2014/main" id="{81C795E2-4BAB-4B30-8615-EF5D39005982}"/>
               </a:ext>
             </a:extLst>
           </p:cNvPr>
@@ -18429,7 +22519,7 @@
           <p:cNvPr id="83" name="직선 연결선 82">
             <a:extLst>
               <a:ext uri="{FF2B5EF4-FFF2-40B4-BE49-F238E27FC236}">
-                <a16:creationId xmlns:a16="http://schemas.microsoft.com/office/drawing/2014/main" xmlns="" id="{FF755B02-EC7C-4BA0-A253-E7B3B6C7D81C}"/>
+                <a16:creationId xmlns="" xmlns:a16="http://schemas.microsoft.com/office/drawing/2014/main" id="{FF755B02-EC7C-4BA0-A253-E7B3B6C7D81C}"/>
               </a:ext>
             </a:extLst>
           </p:cNvPr>
@@ -18537,7 +22627,7 @@
           <p:cNvPr id="4" name="TextBox 3">
             <a:extLst>
               <a:ext uri="{FF2B5EF4-FFF2-40B4-BE49-F238E27FC236}">
-                <a16:creationId xmlns:a16="http://schemas.microsoft.com/office/drawing/2014/main" xmlns="" id="{C04AFB07-A04F-4BA4-AFC3-446CE5957D9D}"/>
+                <a16:creationId xmlns="" xmlns:a16="http://schemas.microsoft.com/office/drawing/2014/main" id="{C04AFB07-A04F-4BA4-AFC3-446CE5957D9D}"/>
               </a:ext>
             </a:extLst>
           </p:cNvPr>
@@ -18575,7 +22665,7 @@
           <p:cNvPr id="56" name="TextBox 55">
             <a:extLst>
               <a:ext uri="{FF2B5EF4-FFF2-40B4-BE49-F238E27FC236}">
-                <a16:creationId xmlns:a16="http://schemas.microsoft.com/office/drawing/2014/main" xmlns="" id="{B6A70F32-8562-4E73-BD1D-CF9D36148B17}"/>
+                <a16:creationId xmlns="" xmlns:a16="http://schemas.microsoft.com/office/drawing/2014/main" id="{B6A70F32-8562-4E73-BD1D-CF9D36148B17}"/>
               </a:ext>
             </a:extLst>
           </p:cNvPr>
@@ -18613,7 +22703,7 @@
           <p:cNvPr id="57" name="TextBox 56">
             <a:extLst>
               <a:ext uri="{FF2B5EF4-FFF2-40B4-BE49-F238E27FC236}">
-                <a16:creationId xmlns:a16="http://schemas.microsoft.com/office/drawing/2014/main" xmlns="" id="{69C2B872-9BEB-4D28-96BF-A163FA23B2AE}"/>
+                <a16:creationId xmlns="" xmlns:a16="http://schemas.microsoft.com/office/drawing/2014/main" id="{69C2B872-9BEB-4D28-96BF-A163FA23B2AE}"/>
               </a:ext>
             </a:extLst>
           </p:cNvPr>
@@ -18651,7 +22741,7 @@
           <p:cNvPr id="58" name="TextBox 57">
             <a:extLst>
               <a:ext uri="{FF2B5EF4-FFF2-40B4-BE49-F238E27FC236}">
-                <a16:creationId xmlns:a16="http://schemas.microsoft.com/office/drawing/2014/main" xmlns="" id="{EF643D31-A1D1-4965-BB3A-247350DB9036}"/>
+                <a16:creationId xmlns="" xmlns:a16="http://schemas.microsoft.com/office/drawing/2014/main" id="{EF643D31-A1D1-4965-BB3A-247350DB9036}"/>
               </a:ext>
             </a:extLst>
           </p:cNvPr>
@@ -18689,7 +22779,7 @@
           <p:cNvPr id="59" name="TextBox 58">
             <a:extLst>
               <a:ext uri="{FF2B5EF4-FFF2-40B4-BE49-F238E27FC236}">
-                <a16:creationId xmlns:a16="http://schemas.microsoft.com/office/drawing/2014/main" xmlns="" id="{CEFEF120-AE30-4C7C-8637-42BDD97D4151}"/>
+                <a16:creationId xmlns="" xmlns:a16="http://schemas.microsoft.com/office/drawing/2014/main" id="{CEFEF120-AE30-4C7C-8637-42BDD97D4151}"/>
               </a:ext>
             </a:extLst>
           </p:cNvPr>
@@ -18727,7 +22817,7 @@
           <p:cNvPr id="60" name="TextBox 59">
             <a:extLst>
               <a:ext uri="{FF2B5EF4-FFF2-40B4-BE49-F238E27FC236}">
-                <a16:creationId xmlns:a16="http://schemas.microsoft.com/office/drawing/2014/main" xmlns="" id="{1EF9F216-41A4-4695-A143-7F795D43D60F}"/>
+                <a16:creationId xmlns="" xmlns:a16="http://schemas.microsoft.com/office/drawing/2014/main" id="{1EF9F216-41A4-4695-A143-7F795D43D60F}"/>
               </a:ext>
             </a:extLst>
           </p:cNvPr>
@@ -18765,7 +22855,7 @@
           <p:cNvPr id="61" name="TextBox 60">
             <a:extLst>
               <a:ext uri="{FF2B5EF4-FFF2-40B4-BE49-F238E27FC236}">
-                <a16:creationId xmlns:a16="http://schemas.microsoft.com/office/drawing/2014/main" xmlns="" id="{2A0E21AB-25E9-49DD-ADB4-0D3EC75B25A1}"/>
+                <a16:creationId xmlns="" xmlns:a16="http://schemas.microsoft.com/office/drawing/2014/main" id="{2A0E21AB-25E9-49DD-ADB4-0D3EC75B25A1}"/>
               </a:ext>
             </a:extLst>
           </p:cNvPr>
@@ -18803,7 +22893,7 @@
           <p:cNvPr id="62" name="TextBox 61">
             <a:extLst>
               <a:ext uri="{FF2B5EF4-FFF2-40B4-BE49-F238E27FC236}">
-                <a16:creationId xmlns:a16="http://schemas.microsoft.com/office/drawing/2014/main" xmlns="" id="{74F7DFBB-01DD-4E1C-AA49-53D5262B1568}"/>
+                <a16:creationId xmlns="" xmlns:a16="http://schemas.microsoft.com/office/drawing/2014/main" id="{74F7DFBB-01DD-4E1C-AA49-53D5262B1568}"/>
               </a:ext>
             </a:extLst>
           </p:cNvPr>
@@ -18841,7 +22931,7 @@
           <p:cNvPr id="63" name="TextBox 62">
             <a:extLst>
               <a:ext uri="{FF2B5EF4-FFF2-40B4-BE49-F238E27FC236}">
-                <a16:creationId xmlns:a16="http://schemas.microsoft.com/office/drawing/2014/main" xmlns="" id="{A80CF1C4-9476-4397-A3ED-365156FF8C0B}"/>
+                <a16:creationId xmlns="" xmlns:a16="http://schemas.microsoft.com/office/drawing/2014/main" id="{A80CF1C4-9476-4397-A3ED-365156FF8C0B}"/>
               </a:ext>
             </a:extLst>
           </p:cNvPr>
@@ -18879,7 +22969,7 @@
           <p:cNvPr id="64" name="TextBox 63">
             <a:extLst>
               <a:ext uri="{FF2B5EF4-FFF2-40B4-BE49-F238E27FC236}">
-                <a16:creationId xmlns:a16="http://schemas.microsoft.com/office/drawing/2014/main" xmlns="" id="{BE0C0FF2-734F-440D-9121-2CA00E623972}"/>
+                <a16:creationId xmlns="" xmlns:a16="http://schemas.microsoft.com/office/drawing/2014/main" id="{BE0C0FF2-734F-440D-9121-2CA00E623972}"/>
               </a:ext>
             </a:extLst>
           </p:cNvPr>
@@ -18917,7 +23007,7 @@
           <p:cNvPr id="65" name="TextBox 64">
             <a:extLst>
               <a:ext uri="{FF2B5EF4-FFF2-40B4-BE49-F238E27FC236}">
-                <a16:creationId xmlns:a16="http://schemas.microsoft.com/office/drawing/2014/main" xmlns="" id="{75621EA3-8E7A-411B-81FC-098BF5452E03}"/>
+                <a16:creationId xmlns="" xmlns:a16="http://schemas.microsoft.com/office/drawing/2014/main" id="{75621EA3-8E7A-411B-81FC-098BF5452E03}"/>
               </a:ext>
             </a:extLst>
           </p:cNvPr>
@@ -18955,7 +23045,7 @@
           <p:cNvPr id="66" name="TextBox 65">
             <a:extLst>
               <a:ext uri="{FF2B5EF4-FFF2-40B4-BE49-F238E27FC236}">
-                <a16:creationId xmlns:a16="http://schemas.microsoft.com/office/drawing/2014/main" xmlns="" id="{C1FA5586-4F2E-4F6A-A0FA-1855CDED3BDC}"/>
+                <a16:creationId xmlns="" xmlns:a16="http://schemas.microsoft.com/office/drawing/2014/main" id="{C1FA5586-4F2E-4F6A-A0FA-1855CDED3BDC}"/>
               </a:ext>
             </a:extLst>
           </p:cNvPr>
@@ -18993,7 +23083,7 @@
           <p:cNvPr id="67" name="TextBox 66">
             <a:extLst>
               <a:ext uri="{FF2B5EF4-FFF2-40B4-BE49-F238E27FC236}">
-                <a16:creationId xmlns:a16="http://schemas.microsoft.com/office/drawing/2014/main" xmlns="" id="{141486BF-6F45-441A-95F3-D175221A8176}"/>
+                <a16:creationId xmlns="" xmlns:a16="http://schemas.microsoft.com/office/drawing/2014/main" id="{141486BF-6F45-441A-95F3-D175221A8176}"/>
               </a:ext>
             </a:extLst>
           </p:cNvPr>
@@ -19031,7 +23121,7 @@
           <p:cNvPr id="68" name="TextBox 67">
             <a:extLst>
               <a:ext uri="{FF2B5EF4-FFF2-40B4-BE49-F238E27FC236}">
-                <a16:creationId xmlns:a16="http://schemas.microsoft.com/office/drawing/2014/main" xmlns="" id="{D1BF9F06-0991-468D-8349-6B35F7061937}"/>
+                <a16:creationId xmlns="" xmlns:a16="http://schemas.microsoft.com/office/drawing/2014/main" id="{D1BF9F06-0991-468D-8349-6B35F7061937}"/>
               </a:ext>
             </a:extLst>
           </p:cNvPr>
@@ -19069,7 +23159,7 @@
           <p:cNvPr id="69" name="TextBox 68">
             <a:extLst>
               <a:ext uri="{FF2B5EF4-FFF2-40B4-BE49-F238E27FC236}">
-                <a16:creationId xmlns:a16="http://schemas.microsoft.com/office/drawing/2014/main" xmlns="" id="{298D047E-0D35-48CC-B73B-A5246B507DEC}"/>
+                <a16:creationId xmlns="" xmlns:a16="http://schemas.microsoft.com/office/drawing/2014/main" id="{298D047E-0D35-48CC-B73B-A5246B507DEC}"/>
               </a:ext>
             </a:extLst>
           </p:cNvPr>
@@ -19107,7 +23197,7 @@
           <p:cNvPr id="70" name="TextBox 69">
             <a:extLst>
               <a:ext uri="{FF2B5EF4-FFF2-40B4-BE49-F238E27FC236}">
-                <a16:creationId xmlns:a16="http://schemas.microsoft.com/office/drawing/2014/main" xmlns="" id="{3E688838-CA83-4471-9A4C-650BFD22C65B}"/>
+                <a16:creationId xmlns="" xmlns:a16="http://schemas.microsoft.com/office/drawing/2014/main" id="{3E688838-CA83-4471-9A4C-650BFD22C65B}"/>
               </a:ext>
             </a:extLst>
           </p:cNvPr>
@@ -19145,7 +23235,7 @@
           <p:cNvPr id="71" name="TextBox 70">
             <a:extLst>
               <a:ext uri="{FF2B5EF4-FFF2-40B4-BE49-F238E27FC236}">
-                <a16:creationId xmlns:a16="http://schemas.microsoft.com/office/drawing/2014/main" xmlns="" id="{9CECF851-F0A1-4282-996C-B5D11CEB5290}"/>
+                <a16:creationId xmlns="" xmlns:a16="http://schemas.microsoft.com/office/drawing/2014/main" id="{9CECF851-F0A1-4282-996C-B5D11CEB5290}"/>
               </a:ext>
             </a:extLst>
           </p:cNvPr>
@@ -19183,7 +23273,7 @@
           <p:cNvPr id="72" name="TextBox 71">
             <a:extLst>
               <a:ext uri="{FF2B5EF4-FFF2-40B4-BE49-F238E27FC236}">
-                <a16:creationId xmlns:a16="http://schemas.microsoft.com/office/drawing/2014/main" xmlns="" id="{69BC8545-3494-47F8-AF2D-6D5219239A00}"/>
+                <a16:creationId xmlns="" xmlns:a16="http://schemas.microsoft.com/office/drawing/2014/main" id="{69BC8545-3494-47F8-AF2D-6D5219239A00}"/>
               </a:ext>
             </a:extLst>
           </p:cNvPr>
@@ -19221,7 +23311,7 @@
           <p:cNvPr id="73" name="TextBox 72">
             <a:extLst>
               <a:ext uri="{FF2B5EF4-FFF2-40B4-BE49-F238E27FC236}">
-                <a16:creationId xmlns:a16="http://schemas.microsoft.com/office/drawing/2014/main" xmlns="" id="{FB9808E6-A5DB-4C5B-8EA9-D7841F12F0BE}"/>
+                <a16:creationId xmlns="" xmlns:a16="http://schemas.microsoft.com/office/drawing/2014/main" id="{FB9808E6-A5DB-4C5B-8EA9-D7841F12F0BE}"/>
               </a:ext>
             </a:extLst>
           </p:cNvPr>
@@ -19262,7 +23352,7 @@
           <p:cNvPr id="74" name="TextBox 73">
             <a:extLst>
               <a:ext uri="{FF2B5EF4-FFF2-40B4-BE49-F238E27FC236}">
-                <a16:creationId xmlns:a16="http://schemas.microsoft.com/office/drawing/2014/main" xmlns="" id="{77FEB70C-285E-44D7-BC63-B77A268499EC}"/>
+                <a16:creationId xmlns="" xmlns:a16="http://schemas.microsoft.com/office/drawing/2014/main" id="{77FEB70C-285E-44D7-BC63-B77A268499EC}"/>
               </a:ext>
             </a:extLst>
           </p:cNvPr>
@@ -19300,7 +23390,7 @@
           <p:cNvPr id="75" name="TextBox 74">
             <a:extLst>
               <a:ext uri="{FF2B5EF4-FFF2-40B4-BE49-F238E27FC236}">
-                <a16:creationId xmlns:a16="http://schemas.microsoft.com/office/drawing/2014/main" xmlns="" id="{2D586DBC-82ED-4D02-8CDB-898A98F22D29}"/>
+                <a16:creationId xmlns="" xmlns:a16="http://schemas.microsoft.com/office/drawing/2014/main" id="{2D586DBC-82ED-4D02-8CDB-898A98F22D29}"/>
               </a:ext>
             </a:extLst>
           </p:cNvPr>
@@ -19338,7 +23428,7 @@
           <p:cNvPr id="76" name="TextBox 75">
             <a:extLst>
               <a:ext uri="{FF2B5EF4-FFF2-40B4-BE49-F238E27FC236}">
-                <a16:creationId xmlns:a16="http://schemas.microsoft.com/office/drawing/2014/main" xmlns="" id="{22289A32-88D1-4436-B105-8F109602B5F6}"/>
+                <a16:creationId xmlns="" xmlns:a16="http://schemas.microsoft.com/office/drawing/2014/main" id="{22289A32-88D1-4436-B105-8F109602B5F6}"/>
               </a:ext>
             </a:extLst>
           </p:cNvPr>
@@ -19376,7 +23466,7 @@
           <p:cNvPr id="77" name="TextBox 76">
             <a:extLst>
               <a:ext uri="{FF2B5EF4-FFF2-40B4-BE49-F238E27FC236}">
-                <a16:creationId xmlns:a16="http://schemas.microsoft.com/office/drawing/2014/main" xmlns="" id="{B378BD5B-1DD8-415E-B876-3BC7241E34FB}"/>
+                <a16:creationId xmlns="" xmlns:a16="http://schemas.microsoft.com/office/drawing/2014/main" id="{B378BD5B-1DD8-415E-B876-3BC7241E34FB}"/>
               </a:ext>
             </a:extLst>
           </p:cNvPr>
@@ -19414,7 +23504,7 @@
           <p:cNvPr id="78" name="TextBox 77">
             <a:extLst>
               <a:ext uri="{FF2B5EF4-FFF2-40B4-BE49-F238E27FC236}">
-                <a16:creationId xmlns:a16="http://schemas.microsoft.com/office/drawing/2014/main" xmlns="" id="{044ABCD1-0C74-4BB9-AA1C-4AA354CD99A4}"/>
+                <a16:creationId xmlns="" xmlns:a16="http://schemas.microsoft.com/office/drawing/2014/main" id="{044ABCD1-0C74-4BB9-AA1C-4AA354CD99A4}"/>
               </a:ext>
             </a:extLst>
           </p:cNvPr>
@@ -19452,7 +23542,7 @@
           <p:cNvPr id="79" name="TextBox 78">
             <a:extLst>
               <a:ext uri="{FF2B5EF4-FFF2-40B4-BE49-F238E27FC236}">
-                <a16:creationId xmlns:a16="http://schemas.microsoft.com/office/drawing/2014/main" xmlns="" id="{40BF79D4-31E0-457F-A861-F18F4B134B7E}"/>
+                <a16:creationId xmlns="" xmlns:a16="http://schemas.microsoft.com/office/drawing/2014/main" id="{40BF79D4-31E0-457F-A861-F18F4B134B7E}"/>
               </a:ext>
             </a:extLst>
           </p:cNvPr>
@@ -19490,7 +23580,7 @@
           <p:cNvPr id="80" name="TextBox 79">
             <a:extLst>
               <a:ext uri="{FF2B5EF4-FFF2-40B4-BE49-F238E27FC236}">
-                <a16:creationId xmlns:a16="http://schemas.microsoft.com/office/drawing/2014/main" xmlns="" id="{B298DBD4-3E3A-4ABA-AD91-E2BFAB365382}"/>
+                <a16:creationId xmlns="" xmlns:a16="http://schemas.microsoft.com/office/drawing/2014/main" id="{B298DBD4-3E3A-4ABA-AD91-E2BFAB365382}"/>
               </a:ext>
             </a:extLst>
           </p:cNvPr>
@@ -19528,7 +23618,7 @@
           <p:cNvPr id="81" name="TextBox 80">
             <a:extLst>
               <a:ext uri="{FF2B5EF4-FFF2-40B4-BE49-F238E27FC236}">
-                <a16:creationId xmlns:a16="http://schemas.microsoft.com/office/drawing/2014/main" xmlns="" id="{3460AABE-49C3-4A25-B0A5-5326C3838920}"/>
+                <a16:creationId xmlns="" xmlns:a16="http://schemas.microsoft.com/office/drawing/2014/main" id="{3460AABE-49C3-4A25-B0A5-5326C3838920}"/>
               </a:ext>
             </a:extLst>
           </p:cNvPr>
@@ -19570,7 +23660,7 @@
           <p:cNvPr id="84" name="TextBox 83">
             <a:extLst>
               <a:ext uri="{FF2B5EF4-FFF2-40B4-BE49-F238E27FC236}">
-                <a16:creationId xmlns:a16="http://schemas.microsoft.com/office/drawing/2014/main" xmlns="" id="{637A9EBD-8651-4827-A9C8-718C09951F70}"/>
+                <a16:creationId xmlns="" xmlns:a16="http://schemas.microsoft.com/office/drawing/2014/main" id="{637A9EBD-8651-4827-A9C8-718C09951F70}"/>
               </a:ext>
             </a:extLst>
           </p:cNvPr>
@@ -19629,7 +23719,7 @@
           <p:cNvPr id="85" name="TextBox 84">
             <a:extLst>
               <a:ext uri="{FF2B5EF4-FFF2-40B4-BE49-F238E27FC236}">
-                <a16:creationId xmlns:a16="http://schemas.microsoft.com/office/drawing/2014/main" xmlns="" id="{30DFB557-63B6-4825-A4E9-AA48679DDB80}"/>
+                <a16:creationId xmlns="" xmlns:a16="http://schemas.microsoft.com/office/drawing/2014/main" id="{30DFB557-63B6-4825-A4E9-AA48679DDB80}"/>
               </a:ext>
             </a:extLst>
           </p:cNvPr>
@@ -19688,7 +23778,7 @@
           <p:cNvPr id="7" name="화살표: 왼쪽/오른쪽 6">
             <a:extLst>
               <a:ext uri="{FF2B5EF4-FFF2-40B4-BE49-F238E27FC236}">
-                <a16:creationId xmlns:a16="http://schemas.microsoft.com/office/drawing/2014/main" xmlns="" id="{4E12E168-D9FF-4343-B35E-06DA76E44FB7}"/>
+                <a16:creationId xmlns="" xmlns:a16="http://schemas.microsoft.com/office/drawing/2014/main" id="{4E12E168-D9FF-4343-B35E-06DA76E44FB7}"/>
               </a:ext>
             </a:extLst>
           </p:cNvPr>
@@ -19746,7 +23836,7 @@
           <p:cNvPr id="44" name="Picture 2">
             <a:extLst>
               <a:ext uri="{FF2B5EF4-FFF2-40B4-BE49-F238E27FC236}">
-                <a16:creationId xmlns:a16="http://schemas.microsoft.com/office/drawing/2014/main" xmlns="" id="{567797A9-1B95-48D7-A914-C32948666867}"/>
+                <a16:creationId xmlns="" xmlns:a16="http://schemas.microsoft.com/office/drawing/2014/main" id="{567797A9-1B95-48D7-A914-C32948666867}"/>
               </a:ext>
             </a:extLst>
           </p:cNvPr>
@@ -19816,7 +23906,7 @@
           <p:cNvPr id="45" name="TextBox 44">
             <a:extLst>
               <a:ext uri="{FF2B5EF4-FFF2-40B4-BE49-F238E27FC236}">
-                <a16:creationId xmlns:a16="http://schemas.microsoft.com/office/drawing/2014/main" xmlns="" id="{BB50D454-7782-4D91-942D-A2CBC421BD0A}"/>
+                <a16:creationId xmlns="" xmlns:a16="http://schemas.microsoft.com/office/drawing/2014/main" id="{BB50D454-7782-4D91-942D-A2CBC421BD0A}"/>
               </a:ext>
             </a:extLst>
           </p:cNvPr>
@@ -19854,7 +23944,7 @@
           <p:cNvPr id="46" name="TextBox 45">
             <a:extLst>
               <a:ext uri="{FF2B5EF4-FFF2-40B4-BE49-F238E27FC236}">
-                <a16:creationId xmlns:a16="http://schemas.microsoft.com/office/drawing/2014/main" xmlns="" id="{96AFD3A8-A8B6-4089-9582-35652582A896}"/>
+                <a16:creationId xmlns="" xmlns:a16="http://schemas.microsoft.com/office/drawing/2014/main" id="{96AFD3A8-A8B6-4089-9582-35652582A896}"/>
               </a:ext>
             </a:extLst>
           </p:cNvPr>
@@ -19892,7 +23982,7 @@
           <p:cNvPr id="47" name="TextBox 46">
             <a:extLst>
               <a:ext uri="{FF2B5EF4-FFF2-40B4-BE49-F238E27FC236}">
-                <a16:creationId xmlns:a16="http://schemas.microsoft.com/office/drawing/2014/main" xmlns="" id="{7497AC1A-88D8-489C-B181-250982D56C31}"/>
+                <a16:creationId xmlns="" xmlns:a16="http://schemas.microsoft.com/office/drawing/2014/main" id="{7497AC1A-88D8-489C-B181-250982D56C31}"/>
               </a:ext>
             </a:extLst>
           </p:cNvPr>
@@ -19930,7 +24020,7 @@
           <p:cNvPr id="48" name="TextBox 47">
             <a:extLst>
               <a:ext uri="{FF2B5EF4-FFF2-40B4-BE49-F238E27FC236}">
-                <a16:creationId xmlns:a16="http://schemas.microsoft.com/office/drawing/2014/main" xmlns="" id="{6346752E-5488-4DC5-9EE3-C4ECCE01D7F0}"/>
+                <a16:creationId xmlns="" xmlns:a16="http://schemas.microsoft.com/office/drawing/2014/main" id="{6346752E-5488-4DC5-9EE3-C4ECCE01D7F0}"/>
               </a:ext>
             </a:extLst>
           </p:cNvPr>
@@ -19968,7 +24058,7 @@
           <p:cNvPr id="49" name="TextBox 48">
             <a:extLst>
               <a:ext uri="{FF2B5EF4-FFF2-40B4-BE49-F238E27FC236}">
-                <a16:creationId xmlns:a16="http://schemas.microsoft.com/office/drawing/2014/main" xmlns="" id="{159218C4-D86C-45A5-8FBF-C8D0EDD08DD9}"/>
+                <a16:creationId xmlns="" xmlns:a16="http://schemas.microsoft.com/office/drawing/2014/main" id="{159218C4-D86C-45A5-8FBF-C8D0EDD08DD9}"/>
               </a:ext>
             </a:extLst>
           </p:cNvPr>
@@ -20006,7 +24096,7 @@
           <p:cNvPr id="50" name="TextBox 49">
             <a:extLst>
               <a:ext uri="{FF2B5EF4-FFF2-40B4-BE49-F238E27FC236}">
-                <a16:creationId xmlns:a16="http://schemas.microsoft.com/office/drawing/2014/main" xmlns="" id="{A445CEF7-4DD8-4FF8-B97A-20BCFE989144}"/>
+                <a16:creationId xmlns="" xmlns:a16="http://schemas.microsoft.com/office/drawing/2014/main" id="{A445CEF7-4DD8-4FF8-B97A-20BCFE989144}"/>
               </a:ext>
             </a:extLst>
           </p:cNvPr>
@@ -20044,7 +24134,7 @@
           <p:cNvPr id="51" name="TextBox 50">
             <a:extLst>
               <a:ext uri="{FF2B5EF4-FFF2-40B4-BE49-F238E27FC236}">
-                <a16:creationId xmlns:a16="http://schemas.microsoft.com/office/drawing/2014/main" xmlns="" id="{BE204CD6-2B7D-4C99-83B0-2A1A8CF77015}"/>
+                <a16:creationId xmlns="" xmlns:a16="http://schemas.microsoft.com/office/drawing/2014/main" id="{BE204CD6-2B7D-4C99-83B0-2A1A8CF77015}"/>
               </a:ext>
             </a:extLst>
           </p:cNvPr>
@@ -20082,7 +24172,7 @@
           <p:cNvPr id="52" name="TextBox 51">
             <a:extLst>
               <a:ext uri="{FF2B5EF4-FFF2-40B4-BE49-F238E27FC236}">
-                <a16:creationId xmlns:a16="http://schemas.microsoft.com/office/drawing/2014/main" xmlns="" id="{10AD9D71-6BA9-4EA5-8EB3-AA790AD88DD3}"/>
+                <a16:creationId xmlns="" xmlns:a16="http://schemas.microsoft.com/office/drawing/2014/main" id="{10AD9D71-6BA9-4EA5-8EB3-AA790AD88DD3}"/>
               </a:ext>
             </a:extLst>
           </p:cNvPr>
@@ -20120,7 +24210,7 @@
           <p:cNvPr id="53" name="TextBox 52">
             <a:extLst>
               <a:ext uri="{FF2B5EF4-FFF2-40B4-BE49-F238E27FC236}">
-                <a16:creationId xmlns:a16="http://schemas.microsoft.com/office/drawing/2014/main" xmlns="" id="{FD7E6127-D001-49D5-A147-4CD89EF1314E}"/>
+                <a16:creationId xmlns="" xmlns:a16="http://schemas.microsoft.com/office/drawing/2014/main" id="{FD7E6127-D001-49D5-A147-4CD89EF1314E}"/>
               </a:ext>
             </a:extLst>
           </p:cNvPr>
@@ -20158,7 +24248,7 @@
           <p:cNvPr id="55" name="TextBox 54">
             <a:extLst>
               <a:ext uri="{FF2B5EF4-FFF2-40B4-BE49-F238E27FC236}">
-                <a16:creationId xmlns:a16="http://schemas.microsoft.com/office/drawing/2014/main" xmlns="" id="{1B7DB12B-678F-4074-B3EC-04F830F8B8C2}"/>
+                <a16:creationId xmlns="" xmlns:a16="http://schemas.microsoft.com/office/drawing/2014/main" id="{1B7DB12B-678F-4074-B3EC-04F830F8B8C2}"/>
               </a:ext>
             </a:extLst>
           </p:cNvPr>
@@ -20196,7 +24286,7 @@
           <p:cNvPr id="88" name="TextBox 87">
             <a:extLst>
               <a:ext uri="{FF2B5EF4-FFF2-40B4-BE49-F238E27FC236}">
-                <a16:creationId xmlns:a16="http://schemas.microsoft.com/office/drawing/2014/main" xmlns="" id="{00F1712F-93DE-4B98-8F89-EF10D2526DD9}"/>
+                <a16:creationId xmlns="" xmlns:a16="http://schemas.microsoft.com/office/drawing/2014/main" id="{00F1712F-93DE-4B98-8F89-EF10D2526DD9}"/>
               </a:ext>
             </a:extLst>
           </p:cNvPr>
@@ -20234,7 +24324,7 @@
           <p:cNvPr id="89" name="TextBox 88">
             <a:extLst>
               <a:ext uri="{FF2B5EF4-FFF2-40B4-BE49-F238E27FC236}">
-                <a16:creationId xmlns:a16="http://schemas.microsoft.com/office/drawing/2014/main" xmlns="" id="{48873E0B-870A-485E-96A1-42943FEC48A0}"/>
+                <a16:creationId xmlns="" xmlns:a16="http://schemas.microsoft.com/office/drawing/2014/main" id="{48873E0B-870A-485E-96A1-42943FEC48A0}"/>
               </a:ext>
             </a:extLst>
           </p:cNvPr>
@@ -20272,7 +24362,7 @@
           <p:cNvPr id="90" name="TextBox 89">
             <a:extLst>
               <a:ext uri="{FF2B5EF4-FFF2-40B4-BE49-F238E27FC236}">
-                <a16:creationId xmlns:a16="http://schemas.microsoft.com/office/drawing/2014/main" xmlns="" id="{621BEFBC-70EA-4CE9-B5D4-8A9EB58C0ADC}"/>
+                <a16:creationId xmlns="" xmlns:a16="http://schemas.microsoft.com/office/drawing/2014/main" id="{621BEFBC-70EA-4CE9-B5D4-8A9EB58C0ADC}"/>
               </a:ext>
             </a:extLst>
           </p:cNvPr>
@@ -20310,7 +24400,7 @@
           <p:cNvPr id="91" name="TextBox 90">
             <a:extLst>
               <a:ext uri="{FF2B5EF4-FFF2-40B4-BE49-F238E27FC236}">
-                <a16:creationId xmlns:a16="http://schemas.microsoft.com/office/drawing/2014/main" xmlns="" id="{324FE00C-29E2-47F9-B430-780C006DE449}"/>
+                <a16:creationId xmlns="" xmlns:a16="http://schemas.microsoft.com/office/drawing/2014/main" id="{324FE00C-29E2-47F9-B430-780C006DE449}"/>
               </a:ext>
             </a:extLst>
           </p:cNvPr>
@@ -20348,7 +24438,7 @@
           <p:cNvPr id="92" name="TextBox 91">
             <a:extLst>
               <a:ext uri="{FF2B5EF4-FFF2-40B4-BE49-F238E27FC236}">
-                <a16:creationId xmlns:a16="http://schemas.microsoft.com/office/drawing/2014/main" xmlns="" id="{37B89BE7-4A4B-4047-BD00-1BCD38BAA3E5}"/>
+                <a16:creationId xmlns="" xmlns:a16="http://schemas.microsoft.com/office/drawing/2014/main" id="{37B89BE7-4A4B-4047-BD00-1BCD38BAA3E5}"/>
               </a:ext>
             </a:extLst>
           </p:cNvPr>
@@ -20386,7 +24476,7 @@
           <p:cNvPr id="94" name="TextBox 93">
             <a:extLst>
               <a:ext uri="{FF2B5EF4-FFF2-40B4-BE49-F238E27FC236}">
-                <a16:creationId xmlns:a16="http://schemas.microsoft.com/office/drawing/2014/main" xmlns="" id="{2CC3AF41-3457-4574-AAD5-2B6060015252}"/>
+                <a16:creationId xmlns="" xmlns:a16="http://schemas.microsoft.com/office/drawing/2014/main" id="{2CC3AF41-3457-4574-AAD5-2B6060015252}"/>
               </a:ext>
             </a:extLst>
           </p:cNvPr>
@@ -20424,7 +24514,7 @@
           <p:cNvPr id="95" name="TextBox 94">
             <a:extLst>
               <a:ext uri="{FF2B5EF4-FFF2-40B4-BE49-F238E27FC236}">
-                <a16:creationId xmlns:a16="http://schemas.microsoft.com/office/drawing/2014/main" xmlns="" id="{8CE45887-6A98-4817-A7D8-BFAE901A8DC1}"/>
+                <a16:creationId xmlns="" xmlns:a16="http://schemas.microsoft.com/office/drawing/2014/main" id="{8CE45887-6A98-4817-A7D8-BFAE901A8DC1}"/>
               </a:ext>
             </a:extLst>
           </p:cNvPr>
@@ -20462,7 +24552,7 @@
           <p:cNvPr id="96" name="TextBox 95">
             <a:extLst>
               <a:ext uri="{FF2B5EF4-FFF2-40B4-BE49-F238E27FC236}">
-                <a16:creationId xmlns:a16="http://schemas.microsoft.com/office/drawing/2014/main" xmlns="" id="{D2F018F6-0017-4ED1-8030-12C91AA72D40}"/>
+                <a16:creationId xmlns="" xmlns:a16="http://schemas.microsoft.com/office/drawing/2014/main" id="{D2F018F6-0017-4ED1-8030-12C91AA72D40}"/>
               </a:ext>
             </a:extLst>
           </p:cNvPr>
@@ -20500,7 +24590,7 @@
           <p:cNvPr id="97" name="TextBox 96">
             <a:extLst>
               <a:ext uri="{FF2B5EF4-FFF2-40B4-BE49-F238E27FC236}">
-                <a16:creationId xmlns:a16="http://schemas.microsoft.com/office/drawing/2014/main" xmlns="" id="{6BA6E83D-2249-4DC6-A1B4-7C22457768FF}"/>
+                <a16:creationId xmlns="" xmlns:a16="http://schemas.microsoft.com/office/drawing/2014/main" id="{6BA6E83D-2249-4DC6-A1B4-7C22457768FF}"/>
               </a:ext>
             </a:extLst>
           </p:cNvPr>
@@ -20541,7 +24631,7 @@
           <p:cNvPr id="98" name="TextBox 97">
             <a:extLst>
               <a:ext uri="{FF2B5EF4-FFF2-40B4-BE49-F238E27FC236}">
-                <a16:creationId xmlns:a16="http://schemas.microsoft.com/office/drawing/2014/main" xmlns="" id="{A9C6BCCD-2628-4D76-A995-044B5AA812DE}"/>
+                <a16:creationId xmlns="" xmlns:a16="http://schemas.microsoft.com/office/drawing/2014/main" id="{A9C6BCCD-2628-4D76-A995-044B5AA812DE}"/>
               </a:ext>
             </a:extLst>
           </p:cNvPr>
@@ -20579,7 +24669,7 @@
           <p:cNvPr id="99" name="TextBox 98">
             <a:extLst>
               <a:ext uri="{FF2B5EF4-FFF2-40B4-BE49-F238E27FC236}">
-                <a16:creationId xmlns:a16="http://schemas.microsoft.com/office/drawing/2014/main" xmlns="" id="{B002F21C-B982-4402-807D-B9C235CB5647}"/>
+                <a16:creationId xmlns="" xmlns:a16="http://schemas.microsoft.com/office/drawing/2014/main" id="{B002F21C-B982-4402-807D-B9C235CB5647}"/>
               </a:ext>
             </a:extLst>
           </p:cNvPr>
@@ -20617,7 +24707,7 @@
           <p:cNvPr id="100" name="TextBox 99">
             <a:extLst>
               <a:ext uri="{FF2B5EF4-FFF2-40B4-BE49-F238E27FC236}">
-                <a16:creationId xmlns:a16="http://schemas.microsoft.com/office/drawing/2014/main" xmlns="" id="{6E9DC2E7-A48D-4066-94FF-D555D3E7E111}"/>
+                <a16:creationId xmlns="" xmlns:a16="http://schemas.microsoft.com/office/drawing/2014/main" id="{6E9DC2E7-A48D-4066-94FF-D555D3E7E111}"/>
               </a:ext>
             </a:extLst>
           </p:cNvPr>
@@ -20655,7 +24745,7 @@
           <p:cNvPr id="101" name="TextBox 100">
             <a:extLst>
               <a:ext uri="{FF2B5EF4-FFF2-40B4-BE49-F238E27FC236}">
-                <a16:creationId xmlns:a16="http://schemas.microsoft.com/office/drawing/2014/main" xmlns="" id="{60C088A5-94CB-4927-982B-3302A7498C98}"/>
+                <a16:creationId xmlns="" xmlns:a16="http://schemas.microsoft.com/office/drawing/2014/main" id="{60C088A5-94CB-4927-982B-3302A7498C98}"/>
               </a:ext>
             </a:extLst>
           </p:cNvPr>
@@ -20693,7 +24783,7 @@
           <p:cNvPr id="102" name="TextBox 101">
             <a:extLst>
               <a:ext uri="{FF2B5EF4-FFF2-40B4-BE49-F238E27FC236}">
-                <a16:creationId xmlns:a16="http://schemas.microsoft.com/office/drawing/2014/main" xmlns="" id="{5815668A-4B13-45DD-AB13-4F9D783A4E28}"/>
+                <a16:creationId xmlns="" xmlns:a16="http://schemas.microsoft.com/office/drawing/2014/main" id="{5815668A-4B13-45DD-AB13-4F9D783A4E28}"/>
               </a:ext>
             </a:extLst>
           </p:cNvPr>
@@ -20731,7 +24821,7 @@
           <p:cNvPr id="103" name="TextBox 102">
             <a:extLst>
               <a:ext uri="{FF2B5EF4-FFF2-40B4-BE49-F238E27FC236}">
-                <a16:creationId xmlns:a16="http://schemas.microsoft.com/office/drawing/2014/main" xmlns="" id="{BB9F4289-ABD0-455B-89BA-9B4FFE130233}"/>
+                <a16:creationId xmlns="" xmlns:a16="http://schemas.microsoft.com/office/drawing/2014/main" id="{BB9F4289-ABD0-455B-89BA-9B4FFE130233}"/>
               </a:ext>
             </a:extLst>
           </p:cNvPr>
@@ -20769,7 +24859,7 @@
           <p:cNvPr id="104" name="TextBox 103">
             <a:extLst>
               <a:ext uri="{FF2B5EF4-FFF2-40B4-BE49-F238E27FC236}">
-                <a16:creationId xmlns:a16="http://schemas.microsoft.com/office/drawing/2014/main" xmlns="" id="{63C75685-2BE3-41AF-B676-658EC2DCA468}"/>
+                <a16:creationId xmlns="" xmlns:a16="http://schemas.microsoft.com/office/drawing/2014/main" id="{63C75685-2BE3-41AF-B676-658EC2DCA468}"/>
               </a:ext>
             </a:extLst>
           </p:cNvPr>
@@ -20807,7 +24897,7 @@
           <p:cNvPr id="41" name="직선 연결선 40">
             <a:extLst>
               <a:ext uri="{FF2B5EF4-FFF2-40B4-BE49-F238E27FC236}">
-                <a16:creationId xmlns:a16="http://schemas.microsoft.com/office/drawing/2014/main" xmlns="" id="{1F4E8311-123B-4F32-939B-2A947174DC40}"/>
+                <a16:creationId xmlns="" xmlns:a16="http://schemas.microsoft.com/office/drawing/2014/main" id="{1F4E8311-123B-4F32-939B-2A947174DC40}"/>
               </a:ext>
             </a:extLst>
           </p:cNvPr>
@@ -20851,7 +24941,7 @@
           <p:cNvPr id="105" name="TextBox 104">
             <a:extLst>
               <a:ext uri="{FF2B5EF4-FFF2-40B4-BE49-F238E27FC236}">
-                <a16:creationId xmlns:a16="http://schemas.microsoft.com/office/drawing/2014/main" xmlns="" id="{140027E9-CEFC-47FB-B1C0-F3A211CA9D4D}"/>
+                <a16:creationId xmlns="" xmlns:a16="http://schemas.microsoft.com/office/drawing/2014/main" id="{140027E9-CEFC-47FB-B1C0-F3A211CA9D4D}"/>
               </a:ext>
             </a:extLst>
           </p:cNvPr>
@@ -20893,7 +24983,7 @@
           <p:cNvPr id="42" name="직선 연결선 41">
             <a:extLst>
               <a:ext uri="{FF2B5EF4-FFF2-40B4-BE49-F238E27FC236}">
-                <a16:creationId xmlns:a16="http://schemas.microsoft.com/office/drawing/2014/main" xmlns="" id="{55118AA6-BF0B-4B34-9C5E-2117DBBD1395}"/>
+                <a16:creationId xmlns="" xmlns:a16="http://schemas.microsoft.com/office/drawing/2014/main" id="{55118AA6-BF0B-4B34-9C5E-2117DBBD1395}"/>
               </a:ext>
             </a:extLst>
           </p:cNvPr>
@@ -20937,7 +25027,7 @@
           <p:cNvPr id="43" name="직선 연결선 42">
             <a:extLst>
               <a:ext uri="{FF2B5EF4-FFF2-40B4-BE49-F238E27FC236}">
-                <a16:creationId xmlns:a16="http://schemas.microsoft.com/office/drawing/2014/main" xmlns="" id="{AE7ECA80-9C63-44B4-8524-62B4B30F7463}"/>
+                <a16:creationId xmlns="" xmlns:a16="http://schemas.microsoft.com/office/drawing/2014/main" id="{AE7ECA80-9C63-44B4-8524-62B4B30F7463}"/>
               </a:ext>
             </a:extLst>
           </p:cNvPr>
@@ -20981,7 +25071,7 @@
           <p:cNvPr id="106" name="TextBox 105">
             <a:extLst>
               <a:ext uri="{FF2B5EF4-FFF2-40B4-BE49-F238E27FC236}">
-                <a16:creationId xmlns:a16="http://schemas.microsoft.com/office/drawing/2014/main" xmlns="" id="{3E9E0AE4-DD5D-43F2-A623-C0D646CE516F}"/>
+                <a16:creationId xmlns="" xmlns:a16="http://schemas.microsoft.com/office/drawing/2014/main" id="{3E9E0AE4-DD5D-43F2-A623-C0D646CE516F}"/>
               </a:ext>
             </a:extLst>
           </p:cNvPr>
@@ -21040,7 +25130,7 @@
           <p:cNvPr id="107" name="TextBox 106">
             <a:extLst>
               <a:ext uri="{FF2B5EF4-FFF2-40B4-BE49-F238E27FC236}">
-                <a16:creationId xmlns:a16="http://schemas.microsoft.com/office/drawing/2014/main" xmlns="" id="{EE398BA9-391F-40BB-BBB2-FD9FC5EF9F31}"/>
+                <a16:creationId xmlns="" xmlns:a16="http://schemas.microsoft.com/office/drawing/2014/main" id="{EE398BA9-391F-40BB-BBB2-FD9FC5EF9F31}"/>
               </a:ext>
             </a:extLst>
           </p:cNvPr>
@@ -21099,7 +25189,7 @@
           <p:cNvPr id="108" name="화살표: 왼쪽/오른쪽 107">
             <a:extLst>
               <a:ext uri="{FF2B5EF4-FFF2-40B4-BE49-F238E27FC236}">
-                <a16:creationId xmlns:a16="http://schemas.microsoft.com/office/drawing/2014/main" xmlns="" id="{62D491F2-D664-4A4F-A4B5-32ECFC5A6A0A}"/>
+                <a16:creationId xmlns="" xmlns:a16="http://schemas.microsoft.com/office/drawing/2014/main" id="{62D491F2-D664-4A4F-A4B5-32ECFC5A6A0A}"/>
               </a:ext>
             </a:extLst>
           </p:cNvPr>
@@ -21157,7 +25247,7 @@
           <p:cNvPr id="113" name="그림 112" descr="텍스트, 클립아트이(가) 표시된 사진&#10;&#10;자동 생성된 설명">
             <a:extLst>
               <a:ext uri="{FF2B5EF4-FFF2-40B4-BE49-F238E27FC236}">
-                <a16:creationId xmlns:a16="http://schemas.microsoft.com/office/drawing/2014/main" xmlns="" id="{E1758220-5C9F-485A-936A-7C4BC6ADDEA1}"/>
+                <a16:creationId xmlns="" xmlns:a16="http://schemas.microsoft.com/office/drawing/2014/main" id="{E1758220-5C9F-485A-936A-7C4BC6ADDEA1}"/>
               </a:ext>
             </a:extLst>
           </p:cNvPr>
@@ -21201,7 +25291,7 @@
           <p:cNvPr id="114" name="TextBox 113">
             <a:extLst>
               <a:ext uri="{FF2B5EF4-FFF2-40B4-BE49-F238E27FC236}">
-                <a16:creationId xmlns:a16="http://schemas.microsoft.com/office/drawing/2014/main" xmlns="" id="{293189C6-EBCC-4C60-9AD9-132E9B8E744E}"/>
+                <a16:creationId xmlns="" xmlns:a16="http://schemas.microsoft.com/office/drawing/2014/main" id="{293189C6-EBCC-4C60-9AD9-132E9B8E744E}"/>
               </a:ext>
             </a:extLst>
           </p:cNvPr>

--- a/pics/2021-01-05-confidence_interval/pics.pptx
+++ b/pics/2021-01-05-confidence_interval/pics.pptx
@@ -20,6 +20,7 @@
     <p:sldId id="269" r:id="rId14"/>
     <p:sldId id="271" r:id="rId15"/>
     <p:sldId id="270" r:id="rId16"/>
+    <p:sldId id="272" r:id="rId17"/>
   </p:sldIdLst>
   <p:sldSz cx="9144000" cy="5143500" type="screen16x9"/>
   <p:notesSz cx="6858000" cy="9144000"/>
@@ -120,7 +121,7 @@
   </p:defaultTextStyle>
   <p:extLst>
     <p:ext uri="{EFAFB233-063F-42B5-8137-9DF3F51BA10A}">
-      <p15:sldGuideLst xmlns="" xmlns:p15="http://schemas.microsoft.com/office/powerpoint/2012/main">
+      <p15:sldGuideLst xmlns:p15="http://schemas.microsoft.com/office/powerpoint/2012/main" xmlns="">
         <p15:guide id="1" orient="horz" pos="1620">
           <p15:clr>
             <a:srgbClr val="A4A3A4"/>
@@ -316,7 +317,7 @@
           <a:p>
             <a:fld id="{52082F2F-C111-4C40-8D6F-6E5A50198C2A}" type="datetimeFigureOut">
               <a:rPr lang="ko-KR" altLang="en-US" smtClean="0"/>
-              <a:t>2021-01-20</a:t>
+              <a:t>2021-01-21</a:t>
             </a:fld>
             <a:endParaRPr lang="ko-KR" altLang="en-US"/>
           </a:p>
@@ -484,7 +485,7 @@
           <a:p>
             <a:fld id="{52082F2F-C111-4C40-8D6F-6E5A50198C2A}" type="datetimeFigureOut">
               <a:rPr lang="ko-KR" altLang="en-US" smtClean="0"/>
-              <a:t>2021-01-20</a:t>
+              <a:t>2021-01-21</a:t>
             </a:fld>
             <a:endParaRPr lang="ko-KR" altLang="en-US"/>
           </a:p>
@@ -662,7 +663,7 @@
           <a:p>
             <a:fld id="{52082F2F-C111-4C40-8D6F-6E5A50198C2A}" type="datetimeFigureOut">
               <a:rPr lang="ko-KR" altLang="en-US" smtClean="0"/>
-              <a:t>2021-01-20</a:t>
+              <a:t>2021-01-21</a:t>
             </a:fld>
             <a:endParaRPr lang="ko-KR" altLang="en-US"/>
           </a:p>
@@ -830,7 +831,7 @@
           <a:p>
             <a:fld id="{52082F2F-C111-4C40-8D6F-6E5A50198C2A}" type="datetimeFigureOut">
               <a:rPr lang="ko-KR" altLang="en-US" smtClean="0"/>
-              <a:t>2021-01-20</a:t>
+              <a:t>2021-01-21</a:t>
             </a:fld>
             <a:endParaRPr lang="ko-KR" altLang="en-US"/>
           </a:p>
@@ -1075,7 +1076,7 @@
           <a:p>
             <a:fld id="{52082F2F-C111-4C40-8D6F-6E5A50198C2A}" type="datetimeFigureOut">
               <a:rPr lang="ko-KR" altLang="en-US" smtClean="0"/>
-              <a:t>2021-01-20</a:t>
+              <a:t>2021-01-21</a:t>
             </a:fld>
             <a:endParaRPr lang="ko-KR" altLang="en-US"/>
           </a:p>
@@ -1360,7 +1361,7 @@
           <a:p>
             <a:fld id="{52082F2F-C111-4C40-8D6F-6E5A50198C2A}" type="datetimeFigureOut">
               <a:rPr lang="ko-KR" altLang="en-US" smtClean="0"/>
-              <a:t>2021-01-20</a:t>
+              <a:t>2021-01-21</a:t>
             </a:fld>
             <a:endParaRPr lang="ko-KR" altLang="en-US"/>
           </a:p>
@@ -1784,7 +1785,7 @@
           <a:p>
             <a:fld id="{52082F2F-C111-4C40-8D6F-6E5A50198C2A}" type="datetimeFigureOut">
               <a:rPr lang="ko-KR" altLang="en-US" smtClean="0"/>
-              <a:t>2021-01-20</a:t>
+              <a:t>2021-01-21</a:t>
             </a:fld>
             <a:endParaRPr lang="ko-KR" altLang="en-US"/>
           </a:p>
@@ -1901,7 +1902,7 @@
           <a:p>
             <a:fld id="{52082F2F-C111-4C40-8D6F-6E5A50198C2A}" type="datetimeFigureOut">
               <a:rPr lang="ko-KR" altLang="en-US" smtClean="0"/>
-              <a:t>2021-01-20</a:t>
+              <a:t>2021-01-21</a:t>
             </a:fld>
             <a:endParaRPr lang="ko-KR" altLang="en-US"/>
           </a:p>
@@ -1996,7 +1997,7 @@
           <a:p>
             <a:fld id="{52082F2F-C111-4C40-8D6F-6E5A50198C2A}" type="datetimeFigureOut">
               <a:rPr lang="ko-KR" altLang="en-US" smtClean="0"/>
-              <a:t>2021-01-20</a:t>
+              <a:t>2021-01-21</a:t>
             </a:fld>
             <a:endParaRPr lang="ko-KR" altLang="en-US"/>
           </a:p>
@@ -2271,7 +2272,7 @@
           <a:p>
             <a:fld id="{52082F2F-C111-4C40-8D6F-6E5A50198C2A}" type="datetimeFigureOut">
               <a:rPr lang="ko-KR" altLang="en-US" smtClean="0"/>
-              <a:t>2021-01-20</a:t>
+              <a:t>2021-01-21</a:t>
             </a:fld>
             <a:endParaRPr lang="ko-KR" altLang="en-US"/>
           </a:p>
@@ -2523,7 +2524,7 @@
           <a:p>
             <a:fld id="{52082F2F-C111-4C40-8D6F-6E5A50198C2A}" type="datetimeFigureOut">
               <a:rPr lang="ko-KR" altLang="en-US" smtClean="0"/>
-              <a:t>2021-01-20</a:t>
+              <a:t>2021-01-21</a:t>
             </a:fld>
             <a:endParaRPr lang="ko-KR" altLang="en-US"/>
           </a:p>
@@ -2734,7 +2735,7 @@
           <a:p>
             <a:fld id="{52082F2F-C111-4C40-8D6F-6E5A50198C2A}" type="datetimeFigureOut">
               <a:rPr lang="ko-KR" altLang="en-US" smtClean="0"/>
-              <a:t>2021-01-20</a:t>
+              <a:t>2021-01-21</a:t>
             </a:fld>
             <a:endParaRPr lang="ko-KR" altLang="en-US"/>
           </a:p>
@@ -3114,7 +3115,7 @@
           <p:cNvPr id="7" name="그림 6" descr="텍스트이(가) 표시된 사진&#10;&#10;자동 생성된 설명">
             <a:extLst>
               <a:ext uri="{FF2B5EF4-FFF2-40B4-BE49-F238E27FC236}">
-                <a16:creationId xmlns="" xmlns:a16="http://schemas.microsoft.com/office/drawing/2014/main" id="{97E8C222-6FDB-4CD9-B36F-1A683D33AD67}"/>
+                <a16:creationId xmlns:a16="http://schemas.microsoft.com/office/drawing/2014/main" xmlns="" id="{97E8C222-6FDB-4CD9-B36F-1A683D33AD67}"/>
               </a:ext>
             </a:extLst>
           </p:cNvPr>
@@ -3149,7 +3150,7 @@
           <p:cNvPr id="8" name="그림 7" descr="텍스트이(가) 표시된 사진&#10;&#10;자동 생성된 설명">
             <a:extLst>
               <a:ext uri="{FF2B5EF4-FFF2-40B4-BE49-F238E27FC236}">
-                <a16:creationId xmlns="" xmlns:a16="http://schemas.microsoft.com/office/drawing/2014/main" id="{B8463EB3-D717-43C2-9C51-69CBF86CF0E3}"/>
+                <a16:creationId xmlns:a16="http://schemas.microsoft.com/office/drawing/2014/main" xmlns="" id="{B8463EB3-D717-43C2-9C51-69CBF86CF0E3}"/>
               </a:ext>
             </a:extLst>
           </p:cNvPr>
@@ -3184,7 +3185,7 @@
           <p:cNvPr id="9" name="직사각형 8">
             <a:extLst>
               <a:ext uri="{FF2B5EF4-FFF2-40B4-BE49-F238E27FC236}">
-                <a16:creationId xmlns="" xmlns:a16="http://schemas.microsoft.com/office/drawing/2014/main" id="{CCA5593B-5777-488F-A0B3-329D4AAD7AE6}"/>
+                <a16:creationId xmlns:a16="http://schemas.microsoft.com/office/drawing/2014/main" xmlns="" id="{CCA5593B-5777-488F-A0B3-329D4AAD7AE6}"/>
               </a:ext>
             </a:extLst>
           </p:cNvPr>
@@ -3996,7 +3997,7 @@
           <p:cNvPr id="123" name="Picture 2">
             <a:extLst>
               <a:ext uri="{FF2B5EF4-FFF2-40B4-BE49-F238E27FC236}">
-                <a16:creationId xmlns="" xmlns:a16="http://schemas.microsoft.com/office/drawing/2014/main" id="{D39BA6FB-C96D-4C46-A73C-38C9B34415E4}"/>
+                <a16:creationId xmlns:a16="http://schemas.microsoft.com/office/drawing/2014/main" xmlns="" id="{D39BA6FB-C96D-4C46-A73C-38C9B34415E4}"/>
               </a:ext>
             </a:extLst>
           </p:cNvPr>
@@ -4064,7 +4065,7 @@
           <p:cNvPr id="137" name="Picture 5" descr="https://static.wikia.nocookie.net/camp_for_bragging_rights/images/0/0e/Stickman.png/revision/latest/scale-to-width-down/768?cb=20200421202819">
             <a:extLst>
               <a:ext uri="{FF2B5EF4-FFF2-40B4-BE49-F238E27FC236}">
-                <a16:creationId xmlns="" xmlns:a16="http://schemas.microsoft.com/office/drawing/2014/main" id="{166B4B5D-3691-4AF7-8162-216E61BDA6F8}"/>
+                <a16:creationId xmlns:a16="http://schemas.microsoft.com/office/drawing/2014/main" xmlns="" id="{166B4B5D-3691-4AF7-8162-216E61BDA6F8}"/>
               </a:ext>
             </a:extLst>
           </p:cNvPr>
@@ -4109,7 +4110,7 @@
           <p:cNvPr id="138" name="Picture 5" descr="https://static.wikia.nocookie.net/camp_for_bragging_rights/images/0/0e/Stickman.png/revision/latest/scale-to-width-down/768?cb=20200421202819">
             <a:extLst>
               <a:ext uri="{FF2B5EF4-FFF2-40B4-BE49-F238E27FC236}">
-                <a16:creationId xmlns="" xmlns:a16="http://schemas.microsoft.com/office/drawing/2014/main" id="{6FF4F6CB-23EB-4AF0-A311-99786ECB2520}"/>
+                <a16:creationId xmlns:a16="http://schemas.microsoft.com/office/drawing/2014/main" xmlns="" id="{6FF4F6CB-23EB-4AF0-A311-99786ECB2520}"/>
               </a:ext>
             </a:extLst>
           </p:cNvPr>
@@ -4154,7 +4155,7 @@
           <p:cNvPr id="140" name="Picture 5" descr="https://static.wikia.nocookie.net/camp_for_bragging_rights/images/0/0e/Stickman.png/revision/latest/scale-to-width-down/768?cb=20200421202819">
             <a:extLst>
               <a:ext uri="{FF2B5EF4-FFF2-40B4-BE49-F238E27FC236}">
-                <a16:creationId xmlns="" xmlns:a16="http://schemas.microsoft.com/office/drawing/2014/main" id="{A7E8D6FF-3231-40DC-A081-6D5C71E87E3D}"/>
+                <a16:creationId xmlns:a16="http://schemas.microsoft.com/office/drawing/2014/main" xmlns="" id="{A7E8D6FF-3231-40DC-A081-6D5C71E87E3D}"/>
               </a:ext>
             </a:extLst>
           </p:cNvPr>
@@ -4199,7 +4200,7 @@
           <p:cNvPr id="148" name="Picture 6" descr="C:\Users\biosensor1\Documents\카카오톡 받은 파일\KakaoTalk_20210112_172206730.png">
             <a:extLst>
               <a:ext uri="{FF2B5EF4-FFF2-40B4-BE49-F238E27FC236}">
-                <a16:creationId xmlns="" xmlns:a16="http://schemas.microsoft.com/office/drawing/2014/main" id="{3D141645-779A-45FA-BFAF-899404DC1F36}"/>
+                <a16:creationId xmlns:a16="http://schemas.microsoft.com/office/drawing/2014/main" xmlns="" id="{3D141645-779A-45FA-BFAF-899404DC1F36}"/>
               </a:ext>
             </a:extLst>
           </p:cNvPr>
@@ -4244,7 +4245,7 @@
           <p:cNvPr id="155" name="TextBox 154">
             <a:extLst>
               <a:ext uri="{FF2B5EF4-FFF2-40B4-BE49-F238E27FC236}">
-                <a16:creationId xmlns="" xmlns:a16="http://schemas.microsoft.com/office/drawing/2014/main" id="{B82E9A67-D1FD-42F2-9B91-C7989E46382D}"/>
+                <a16:creationId xmlns:a16="http://schemas.microsoft.com/office/drawing/2014/main" xmlns="" id="{B82E9A67-D1FD-42F2-9B91-C7989E46382D}"/>
               </a:ext>
             </a:extLst>
           </p:cNvPr>
@@ -4294,7 +4295,7 @@
           <p:cNvPr id="199" name="Picture 2">
             <a:extLst>
               <a:ext uri="{FF2B5EF4-FFF2-40B4-BE49-F238E27FC236}">
-                <a16:creationId xmlns="" xmlns:a16="http://schemas.microsoft.com/office/drawing/2014/main" id="{D28AE9EA-24E9-4807-B64A-57CC46C36697}"/>
+                <a16:creationId xmlns:a16="http://schemas.microsoft.com/office/drawing/2014/main" xmlns="" id="{D28AE9EA-24E9-4807-B64A-57CC46C36697}"/>
               </a:ext>
             </a:extLst>
           </p:cNvPr>
@@ -4362,7 +4363,7 @@
           <p:cNvPr id="200" name="Picture 5" descr="https://static.wikia.nocookie.net/camp_for_bragging_rights/images/0/0e/Stickman.png/revision/latest/scale-to-width-down/768?cb=20200421202819">
             <a:extLst>
               <a:ext uri="{FF2B5EF4-FFF2-40B4-BE49-F238E27FC236}">
-                <a16:creationId xmlns="" xmlns:a16="http://schemas.microsoft.com/office/drawing/2014/main" id="{1A12F9BB-DF14-42DC-A3FA-16FD1D9BFD3F}"/>
+                <a16:creationId xmlns:a16="http://schemas.microsoft.com/office/drawing/2014/main" xmlns="" id="{1A12F9BB-DF14-42DC-A3FA-16FD1D9BFD3F}"/>
               </a:ext>
             </a:extLst>
           </p:cNvPr>
@@ -4407,7 +4408,7 @@
           <p:cNvPr id="201" name="Picture 5" descr="https://static.wikia.nocookie.net/camp_for_bragging_rights/images/0/0e/Stickman.png/revision/latest/scale-to-width-down/768?cb=20200421202819">
             <a:extLst>
               <a:ext uri="{FF2B5EF4-FFF2-40B4-BE49-F238E27FC236}">
-                <a16:creationId xmlns="" xmlns:a16="http://schemas.microsoft.com/office/drawing/2014/main" id="{1080F3EB-E75D-4459-AB25-309A967A3DE7}"/>
+                <a16:creationId xmlns:a16="http://schemas.microsoft.com/office/drawing/2014/main" xmlns="" id="{1080F3EB-E75D-4459-AB25-309A967A3DE7}"/>
               </a:ext>
             </a:extLst>
           </p:cNvPr>
@@ -4452,7 +4453,7 @@
           <p:cNvPr id="202" name="Picture 5" descr="https://static.wikia.nocookie.net/camp_for_bragging_rights/images/0/0e/Stickman.png/revision/latest/scale-to-width-down/768?cb=20200421202819">
             <a:extLst>
               <a:ext uri="{FF2B5EF4-FFF2-40B4-BE49-F238E27FC236}">
-                <a16:creationId xmlns="" xmlns:a16="http://schemas.microsoft.com/office/drawing/2014/main" id="{D437E1BE-B453-46F3-A521-7D95E6E55C76}"/>
+                <a16:creationId xmlns:a16="http://schemas.microsoft.com/office/drawing/2014/main" xmlns="" id="{D437E1BE-B453-46F3-A521-7D95E6E55C76}"/>
               </a:ext>
             </a:extLst>
           </p:cNvPr>
@@ -4497,7 +4498,7 @@
           <p:cNvPr id="203" name="Picture 5" descr="https://static.wikia.nocookie.net/camp_for_bragging_rights/images/0/0e/Stickman.png/revision/latest/scale-to-width-down/768?cb=20200421202819">
             <a:extLst>
               <a:ext uri="{FF2B5EF4-FFF2-40B4-BE49-F238E27FC236}">
-                <a16:creationId xmlns="" xmlns:a16="http://schemas.microsoft.com/office/drawing/2014/main" id="{4F60AEBC-F6F4-477B-8ED8-F63C0C27FCF5}"/>
+                <a16:creationId xmlns:a16="http://schemas.microsoft.com/office/drawing/2014/main" xmlns="" id="{4F60AEBC-F6F4-477B-8ED8-F63C0C27FCF5}"/>
               </a:ext>
             </a:extLst>
           </p:cNvPr>
@@ -4542,7 +4543,7 @@
           <p:cNvPr id="204" name="Picture 5" descr="https://static.wikia.nocookie.net/camp_for_bragging_rights/images/0/0e/Stickman.png/revision/latest/scale-to-width-down/768?cb=20200421202819">
             <a:extLst>
               <a:ext uri="{FF2B5EF4-FFF2-40B4-BE49-F238E27FC236}">
-                <a16:creationId xmlns="" xmlns:a16="http://schemas.microsoft.com/office/drawing/2014/main" id="{9419EE42-F2D1-49F1-82D5-45859855D7C0}"/>
+                <a16:creationId xmlns:a16="http://schemas.microsoft.com/office/drawing/2014/main" xmlns="" id="{9419EE42-F2D1-49F1-82D5-45859855D7C0}"/>
               </a:ext>
             </a:extLst>
           </p:cNvPr>
@@ -4587,7 +4588,7 @@
           <p:cNvPr id="205" name="Picture 5" descr="https://static.wikia.nocookie.net/camp_for_bragging_rights/images/0/0e/Stickman.png/revision/latest/scale-to-width-down/768?cb=20200421202819">
             <a:extLst>
               <a:ext uri="{FF2B5EF4-FFF2-40B4-BE49-F238E27FC236}">
-                <a16:creationId xmlns="" xmlns:a16="http://schemas.microsoft.com/office/drawing/2014/main" id="{5450B433-5567-4651-9BFB-8B3A32E29A2A}"/>
+                <a16:creationId xmlns:a16="http://schemas.microsoft.com/office/drawing/2014/main" xmlns="" id="{5450B433-5567-4651-9BFB-8B3A32E29A2A}"/>
               </a:ext>
             </a:extLst>
           </p:cNvPr>
@@ -4632,7 +4633,7 @@
           <p:cNvPr id="206" name="Picture 5" descr="https://static.wikia.nocookie.net/camp_for_bragging_rights/images/0/0e/Stickman.png/revision/latest/scale-to-width-down/768?cb=20200421202819">
             <a:extLst>
               <a:ext uri="{FF2B5EF4-FFF2-40B4-BE49-F238E27FC236}">
-                <a16:creationId xmlns="" xmlns:a16="http://schemas.microsoft.com/office/drawing/2014/main" id="{258EEADD-4985-4DF0-89A8-7550DCA90E9C}"/>
+                <a16:creationId xmlns:a16="http://schemas.microsoft.com/office/drawing/2014/main" xmlns="" id="{258EEADD-4985-4DF0-89A8-7550DCA90E9C}"/>
               </a:ext>
             </a:extLst>
           </p:cNvPr>
@@ -4677,7 +4678,7 @@
           <p:cNvPr id="207" name="Picture 5" descr="https://static.wikia.nocookie.net/camp_for_bragging_rights/images/0/0e/Stickman.png/revision/latest/scale-to-width-down/768?cb=20200421202819">
             <a:extLst>
               <a:ext uri="{FF2B5EF4-FFF2-40B4-BE49-F238E27FC236}">
-                <a16:creationId xmlns="" xmlns:a16="http://schemas.microsoft.com/office/drawing/2014/main" id="{9B91F6D8-AC19-49D7-9133-62D1D91EF2F7}"/>
+                <a16:creationId xmlns:a16="http://schemas.microsoft.com/office/drawing/2014/main" xmlns="" id="{9B91F6D8-AC19-49D7-9133-62D1D91EF2F7}"/>
               </a:ext>
             </a:extLst>
           </p:cNvPr>
@@ -4722,7 +4723,7 @@
           <p:cNvPr id="208" name="Picture 5" descr="https://static.wikia.nocookie.net/camp_for_bragging_rights/images/0/0e/Stickman.png/revision/latest/scale-to-width-down/768?cb=20200421202819">
             <a:extLst>
               <a:ext uri="{FF2B5EF4-FFF2-40B4-BE49-F238E27FC236}">
-                <a16:creationId xmlns="" xmlns:a16="http://schemas.microsoft.com/office/drawing/2014/main" id="{1B791DEC-BCAB-46E7-98EE-CF1F9C7F9A4A}"/>
+                <a16:creationId xmlns:a16="http://schemas.microsoft.com/office/drawing/2014/main" xmlns="" id="{1B791DEC-BCAB-46E7-98EE-CF1F9C7F9A4A}"/>
               </a:ext>
             </a:extLst>
           </p:cNvPr>
@@ -4767,7 +4768,7 @@
           <p:cNvPr id="209" name="Picture 5" descr="https://static.wikia.nocookie.net/camp_for_bragging_rights/images/0/0e/Stickman.png/revision/latest/scale-to-width-down/768?cb=20200421202819">
             <a:extLst>
               <a:ext uri="{FF2B5EF4-FFF2-40B4-BE49-F238E27FC236}">
-                <a16:creationId xmlns="" xmlns:a16="http://schemas.microsoft.com/office/drawing/2014/main" id="{BC86DD45-859E-4A94-A330-11B487DEF50D}"/>
+                <a16:creationId xmlns:a16="http://schemas.microsoft.com/office/drawing/2014/main" xmlns="" id="{BC86DD45-859E-4A94-A330-11B487DEF50D}"/>
               </a:ext>
             </a:extLst>
           </p:cNvPr>
@@ -4812,7 +4813,7 @@
           <p:cNvPr id="210" name="Picture 5" descr="https://static.wikia.nocookie.net/camp_for_bragging_rights/images/0/0e/Stickman.png/revision/latest/scale-to-width-down/768?cb=20200421202819">
             <a:extLst>
               <a:ext uri="{FF2B5EF4-FFF2-40B4-BE49-F238E27FC236}">
-                <a16:creationId xmlns="" xmlns:a16="http://schemas.microsoft.com/office/drawing/2014/main" id="{696735D1-EEF9-4D11-B3CA-E7A50FCBDD29}"/>
+                <a16:creationId xmlns:a16="http://schemas.microsoft.com/office/drawing/2014/main" xmlns="" id="{696735D1-EEF9-4D11-B3CA-E7A50FCBDD29}"/>
               </a:ext>
             </a:extLst>
           </p:cNvPr>
@@ -4857,7 +4858,7 @@
           <p:cNvPr id="211" name="Picture 6" descr="C:\Users\biosensor1\Documents\카카오톡 받은 파일\KakaoTalk_20210112_172206730.png">
             <a:extLst>
               <a:ext uri="{FF2B5EF4-FFF2-40B4-BE49-F238E27FC236}">
-                <a16:creationId xmlns="" xmlns:a16="http://schemas.microsoft.com/office/drawing/2014/main" id="{E66529A4-CE8E-4726-89C7-D0E9C2E7EA9E}"/>
+                <a16:creationId xmlns:a16="http://schemas.microsoft.com/office/drawing/2014/main" xmlns="" id="{E66529A4-CE8E-4726-89C7-D0E9C2E7EA9E}"/>
               </a:ext>
             </a:extLst>
           </p:cNvPr>
@@ -4902,7 +4903,7 @@
           <p:cNvPr id="212" name="Picture 6" descr="C:\Users\biosensor1\Documents\카카오톡 받은 파일\KakaoTalk_20210112_172206730.png">
             <a:extLst>
               <a:ext uri="{FF2B5EF4-FFF2-40B4-BE49-F238E27FC236}">
-                <a16:creationId xmlns="" xmlns:a16="http://schemas.microsoft.com/office/drawing/2014/main" id="{F684D7EA-4819-46EB-B1DF-55D091859480}"/>
+                <a16:creationId xmlns:a16="http://schemas.microsoft.com/office/drawing/2014/main" xmlns="" id="{F684D7EA-4819-46EB-B1DF-55D091859480}"/>
               </a:ext>
             </a:extLst>
           </p:cNvPr>
@@ -4947,7 +4948,7 @@
           <p:cNvPr id="213" name="Picture 6" descr="C:\Users\biosensor1\Documents\카카오톡 받은 파일\KakaoTalk_20210112_172206730.png">
             <a:extLst>
               <a:ext uri="{FF2B5EF4-FFF2-40B4-BE49-F238E27FC236}">
-                <a16:creationId xmlns="" xmlns:a16="http://schemas.microsoft.com/office/drawing/2014/main" id="{3A51768F-AA29-4FC8-A4EB-082B839E1955}"/>
+                <a16:creationId xmlns:a16="http://schemas.microsoft.com/office/drawing/2014/main" xmlns="" id="{3A51768F-AA29-4FC8-A4EB-082B839E1955}"/>
               </a:ext>
             </a:extLst>
           </p:cNvPr>
@@ -4992,7 +4993,7 @@
           <p:cNvPr id="214" name="Picture 6" descr="C:\Users\biosensor1\Documents\카카오톡 받은 파일\KakaoTalk_20210112_172206730.png">
             <a:extLst>
               <a:ext uri="{FF2B5EF4-FFF2-40B4-BE49-F238E27FC236}">
-                <a16:creationId xmlns="" xmlns:a16="http://schemas.microsoft.com/office/drawing/2014/main" id="{AAF3571A-A91A-4560-9FAF-C6C363BE6CB4}"/>
+                <a16:creationId xmlns:a16="http://schemas.microsoft.com/office/drawing/2014/main" xmlns="" id="{AAF3571A-A91A-4560-9FAF-C6C363BE6CB4}"/>
               </a:ext>
             </a:extLst>
           </p:cNvPr>
@@ -5037,7 +5038,7 @@
           <p:cNvPr id="215" name="Picture 6" descr="C:\Users\biosensor1\Documents\카카오톡 받은 파일\KakaoTalk_20210112_172206730.png">
             <a:extLst>
               <a:ext uri="{FF2B5EF4-FFF2-40B4-BE49-F238E27FC236}">
-                <a16:creationId xmlns="" xmlns:a16="http://schemas.microsoft.com/office/drawing/2014/main" id="{F7B746FA-CC20-46BF-9B69-932B7236AFF3}"/>
+                <a16:creationId xmlns:a16="http://schemas.microsoft.com/office/drawing/2014/main" xmlns="" id="{F7B746FA-CC20-46BF-9B69-932B7236AFF3}"/>
               </a:ext>
             </a:extLst>
           </p:cNvPr>
@@ -5082,7 +5083,7 @@
           <p:cNvPr id="216" name="Picture 6" descr="C:\Users\biosensor1\Documents\카카오톡 받은 파일\KakaoTalk_20210112_172206730.png">
             <a:extLst>
               <a:ext uri="{FF2B5EF4-FFF2-40B4-BE49-F238E27FC236}">
-                <a16:creationId xmlns="" xmlns:a16="http://schemas.microsoft.com/office/drawing/2014/main" id="{E6164BCA-911E-4A8F-B3E2-6001C5F0AD36}"/>
+                <a16:creationId xmlns:a16="http://schemas.microsoft.com/office/drawing/2014/main" xmlns="" id="{E6164BCA-911E-4A8F-B3E2-6001C5F0AD36}"/>
               </a:ext>
             </a:extLst>
           </p:cNvPr>
@@ -5127,7 +5128,7 @@
           <p:cNvPr id="217" name="Picture 5" descr="https://static.wikia.nocookie.net/camp_for_bragging_rights/images/0/0e/Stickman.png/revision/latest/scale-to-width-down/768?cb=20200421202819">
             <a:extLst>
               <a:ext uri="{FF2B5EF4-FFF2-40B4-BE49-F238E27FC236}">
-                <a16:creationId xmlns="" xmlns:a16="http://schemas.microsoft.com/office/drawing/2014/main" id="{AA920A7B-342B-42A5-959E-B517ACCE8743}"/>
+                <a16:creationId xmlns:a16="http://schemas.microsoft.com/office/drawing/2014/main" xmlns="" id="{AA920A7B-342B-42A5-959E-B517ACCE8743}"/>
               </a:ext>
             </a:extLst>
           </p:cNvPr>
@@ -5172,7 +5173,7 @@
           <p:cNvPr id="218" name="Picture 5" descr="https://static.wikia.nocookie.net/camp_for_bragging_rights/images/0/0e/Stickman.png/revision/latest/scale-to-width-down/768?cb=20200421202819">
             <a:extLst>
               <a:ext uri="{FF2B5EF4-FFF2-40B4-BE49-F238E27FC236}">
-                <a16:creationId xmlns="" xmlns:a16="http://schemas.microsoft.com/office/drawing/2014/main" id="{693E3459-C204-4981-9090-1A858AF7BB6D}"/>
+                <a16:creationId xmlns:a16="http://schemas.microsoft.com/office/drawing/2014/main" xmlns="" id="{693E3459-C204-4981-9090-1A858AF7BB6D}"/>
               </a:ext>
             </a:extLst>
           </p:cNvPr>
@@ -5217,7 +5218,7 @@
           <p:cNvPr id="219" name="Picture 5" descr="https://static.wikia.nocookie.net/camp_for_bragging_rights/images/0/0e/Stickman.png/revision/latest/scale-to-width-down/768?cb=20200421202819">
             <a:extLst>
               <a:ext uri="{FF2B5EF4-FFF2-40B4-BE49-F238E27FC236}">
-                <a16:creationId xmlns="" xmlns:a16="http://schemas.microsoft.com/office/drawing/2014/main" id="{6805677D-D657-4954-B7D0-B8AC3A08EBD7}"/>
+                <a16:creationId xmlns:a16="http://schemas.microsoft.com/office/drawing/2014/main" xmlns="" id="{6805677D-D657-4954-B7D0-B8AC3A08EBD7}"/>
               </a:ext>
             </a:extLst>
           </p:cNvPr>
@@ -5262,7 +5263,7 @@
           <p:cNvPr id="220" name="Picture 5" descr="https://static.wikia.nocookie.net/camp_for_bragging_rights/images/0/0e/Stickman.png/revision/latest/scale-to-width-down/768?cb=20200421202819">
             <a:extLst>
               <a:ext uri="{FF2B5EF4-FFF2-40B4-BE49-F238E27FC236}">
-                <a16:creationId xmlns="" xmlns:a16="http://schemas.microsoft.com/office/drawing/2014/main" id="{8154E053-1186-4570-B002-A35A99CF99C3}"/>
+                <a16:creationId xmlns:a16="http://schemas.microsoft.com/office/drawing/2014/main" xmlns="" id="{8154E053-1186-4570-B002-A35A99CF99C3}"/>
               </a:ext>
             </a:extLst>
           </p:cNvPr>
@@ -5307,7 +5308,7 @@
           <p:cNvPr id="221" name="Picture 5" descr="https://static.wikia.nocookie.net/camp_for_bragging_rights/images/0/0e/Stickman.png/revision/latest/scale-to-width-down/768?cb=20200421202819">
             <a:extLst>
               <a:ext uri="{FF2B5EF4-FFF2-40B4-BE49-F238E27FC236}">
-                <a16:creationId xmlns="" xmlns:a16="http://schemas.microsoft.com/office/drawing/2014/main" id="{3B592B85-75DC-4FE8-BD90-C4510579BD00}"/>
+                <a16:creationId xmlns:a16="http://schemas.microsoft.com/office/drawing/2014/main" xmlns="" id="{3B592B85-75DC-4FE8-BD90-C4510579BD00}"/>
               </a:ext>
             </a:extLst>
           </p:cNvPr>
@@ -5352,7 +5353,7 @@
           <p:cNvPr id="222" name="Picture 5" descr="https://static.wikia.nocookie.net/camp_for_bragging_rights/images/0/0e/Stickman.png/revision/latest/scale-to-width-down/768?cb=20200421202819">
             <a:extLst>
               <a:ext uri="{FF2B5EF4-FFF2-40B4-BE49-F238E27FC236}">
-                <a16:creationId xmlns="" xmlns:a16="http://schemas.microsoft.com/office/drawing/2014/main" id="{8B159003-2A63-4CA2-B1A9-B9D92890FD87}"/>
+                <a16:creationId xmlns:a16="http://schemas.microsoft.com/office/drawing/2014/main" xmlns="" id="{8B159003-2A63-4CA2-B1A9-B9D92890FD87}"/>
               </a:ext>
             </a:extLst>
           </p:cNvPr>
@@ -5397,7 +5398,7 @@
           <p:cNvPr id="223" name="Picture 5" descr="https://static.wikia.nocookie.net/camp_for_bragging_rights/images/0/0e/Stickman.png/revision/latest/scale-to-width-down/768?cb=20200421202819">
             <a:extLst>
               <a:ext uri="{FF2B5EF4-FFF2-40B4-BE49-F238E27FC236}">
-                <a16:creationId xmlns="" xmlns:a16="http://schemas.microsoft.com/office/drawing/2014/main" id="{EF75050E-DE1A-467E-98E3-697633A22AB6}"/>
+                <a16:creationId xmlns:a16="http://schemas.microsoft.com/office/drawing/2014/main" xmlns="" id="{EF75050E-DE1A-467E-98E3-697633A22AB6}"/>
               </a:ext>
             </a:extLst>
           </p:cNvPr>
@@ -5442,7 +5443,7 @@
           <p:cNvPr id="224" name="Picture 5" descr="https://static.wikia.nocookie.net/camp_for_bragging_rights/images/0/0e/Stickman.png/revision/latest/scale-to-width-down/768?cb=20200421202819">
             <a:extLst>
               <a:ext uri="{FF2B5EF4-FFF2-40B4-BE49-F238E27FC236}">
-                <a16:creationId xmlns="" xmlns:a16="http://schemas.microsoft.com/office/drawing/2014/main" id="{351DBE3E-C42A-4049-9501-79A6A3C1D676}"/>
+                <a16:creationId xmlns:a16="http://schemas.microsoft.com/office/drawing/2014/main" xmlns="" id="{351DBE3E-C42A-4049-9501-79A6A3C1D676}"/>
               </a:ext>
             </a:extLst>
           </p:cNvPr>
@@ -5487,7 +5488,7 @@
           <p:cNvPr id="225" name="Picture 5" descr="https://static.wikia.nocookie.net/camp_for_bragging_rights/images/0/0e/Stickman.png/revision/latest/scale-to-width-down/768?cb=20200421202819">
             <a:extLst>
               <a:ext uri="{FF2B5EF4-FFF2-40B4-BE49-F238E27FC236}">
-                <a16:creationId xmlns="" xmlns:a16="http://schemas.microsoft.com/office/drawing/2014/main" id="{10B63245-24B2-4FEF-9A91-99B4F252EDBD}"/>
+                <a16:creationId xmlns:a16="http://schemas.microsoft.com/office/drawing/2014/main" xmlns="" id="{10B63245-24B2-4FEF-9A91-99B4F252EDBD}"/>
               </a:ext>
             </a:extLst>
           </p:cNvPr>
@@ -5532,7 +5533,7 @@
           <p:cNvPr id="226" name="Picture 5" descr="https://static.wikia.nocookie.net/camp_for_bragging_rights/images/0/0e/Stickman.png/revision/latest/scale-to-width-down/768?cb=20200421202819">
             <a:extLst>
               <a:ext uri="{FF2B5EF4-FFF2-40B4-BE49-F238E27FC236}">
-                <a16:creationId xmlns="" xmlns:a16="http://schemas.microsoft.com/office/drawing/2014/main" id="{E46133AE-23D5-4726-95F1-5F0F792C85A4}"/>
+                <a16:creationId xmlns:a16="http://schemas.microsoft.com/office/drawing/2014/main" xmlns="" id="{E46133AE-23D5-4726-95F1-5F0F792C85A4}"/>
               </a:ext>
             </a:extLst>
           </p:cNvPr>
@@ -5577,7 +5578,7 @@
           <p:cNvPr id="227" name="Picture 5" descr="https://static.wikia.nocookie.net/camp_for_bragging_rights/images/0/0e/Stickman.png/revision/latest/scale-to-width-down/768?cb=20200421202819">
             <a:extLst>
               <a:ext uri="{FF2B5EF4-FFF2-40B4-BE49-F238E27FC236}">
-                <a16:creationId xmlns="" xmlns:a16="http://schemas.microsoft.com/office/drawing/2014/main" id="{57CCC3F0-9210-4B87-AE65-50E36D69A4B0}"/>
+                <a16:creationId xmlns:a16="http://schemas.microsoft.com/office/drawing/2014/main" xmlns="" id="{57CCC3F0-9210-4B87-AE65-50E36D69A4B0}"/>
               </a:ext>
             </a:extLst>
           </p:cNvPr>
@@ -5622,7 +5623,7 @@
           <p:cNvPr id="229" name="그림 228">
             <a:extLst>
               <a:ext uri="{FF2B5EF4-FFF2-40B4-BE49-F238E27FC236}">
-                <a16:creationId xmlns="" xmlns:a16="http://schemas.microsoft.com/office/drawing/2014/main" id="{57472415-EE81-483E-85D1-3FE032DD4732}"/>
+                <a16:creationId xmlns:a16="http://schemas.microsoft.com/office/drawing/2014/main" xmlns="" id="{57472415-EE81-483E-85D1-3FE032DD4732}"/>
               </a:ext>
             </a:extLst>
           </p:cNvPr>
@@ -5657,7 +5658,7 @@
           <p:cNvPr id="230" name="그림 229">
             <a:extLst>
               <a:ext uri="{FF2B5EF4-FFF2-40B4-BE49-F238E27FC236}">
-                <a16:creationId xmlns="" xmlns:a16="http://schemas.microsoft.com/office/drawing/2014/main" id="{AE77F889-E4D0-4C15-8820-1E1FF34F07EE}"/>
+                <a16:creationId xmlns:a16="http://schemas.microsoft.com/office/drawing/2014/main" xmlns="" id="{AE77F889-E4D0-4C15-8820-1E1FF34F07EE}"/>
               </a:ext>
             </a:extLst>
           </p:cNvPr>
@@ -5692,7 +5693,7 @@
           <p:cNvPr id="231" name="그림 230">
             <a:extLst>
               <a:ext uri="{FF2B5EF4-FFF2-40B4-BE49-F238E27FC236}">
-                <a16:creationId xmlns="" xmlns:a16="http://schemas.microsoft.com/office/drawing/2014/main" id="{5EB01DFA-4B19-4CA9-B4A3-8D92DF25A826}"/>
+                <a16:creationId xmlns:a16="http://schemas.microsoft.com/office/drawing/2014/main" xmlns="" id="{5EB01DFA-4B19-4CA9-B4A3-8D92DF25A826}"/>
               </a:ext>
             </a:extLst>
           </p:cNvPr>
@@ -5727,7 +5728,7 @@
           <p:cNvPr id="232" name="그림 231">
             <a:extLst>
               <a:ext uri="{FF2B5EF4-FFF2-40B4-BE49-F238E27FC236}">
-                <a16:creationId xmlns="" xmlns:a16="http://schemas.microsoft.com/office/drawing/2014/main" id="{3CF0E502-5FA0-44ED-8D89-E3D634815D0B}"/>
+                <a16:creationId xmlns:a16="http://schemas.microsoft.com/office/drawing/2014/main" xmlns="" id="{3CF0E502-5FA0-44ED-8D89-E3D634815D0B}"/>
               </a:ext>
             </a:extLst>
           </p:cNvPr>
@@ -5762,7 +5763,7 @@
           <p:cNvPr id="233" name="그림 232">
             <a:extLst>
               <a:ext uri="{FF2B5EF4-FFF2-40B4-BE49-F238E27FC236}">
-                <a16:creationId xmlns="" xmlns:a16="http://schemas.microsoft.com/office/drawing/2014/main" id="{3AC43DD1-4412-44A1-B8E2-076A1EACEE5C}"/>
+                <a16:creationId xmlns:a16="http://schemas.microsoft.com/office/drawing/2014/main" xmlns="" id="{3AC43DD1-4412-44A1-B8E2-076A1EACEE5C}"/>
               </a:ext>
             </a:extLst>
           </p:cNvPr>
@@ -5797,7 +5798,7 @@
           <p:cNvPr id="234" name="그림 233">
             <a:extLst>
               <a:ext uri="{FF2B5EF4-FFF2-40B4-BE49-F238E27FC236}">
-                <a16:creationId xmlns="" xmlns:a16="http://schemas.microsoft.com/office/drawing/2014/main" id="{BE20AFBE-328E-460F-AF0F-300617A7EB51}"/>
+                <a16:creationId xmlns:a16="http://schemas.microsoft.com/office/drawing/2014/main" xmlns="" id="{BE20AFBE-328E-460F-AF0F-300617A7EB51}"/>
               </a:ext>
             </a:extLst>
           </p:cNvPr>
@@ -5832,7 +5833,7 @@
           <p:cNvPr id="235" name="그림 234">
             <a:extLst>
               <a:ext uri="{FF2B5EF4-FFF2-40B4-BE49-F238E27FC236}">
-                <a16:creationId xmlns="" xmlns:a16="http://schemas.microsoft.com/office/drawing/2014/main" id="{F673298F-A920-448D-BB63-64502906BBDB}"/>
+                <a16:creationId xmlns:a16="http://schemas.microsoft.com/office/drawing/2014/main" xmlns="" id="{F673298F-A920-448D-BB63-64502906BBDB}"/>
               </a:ext>
             </a:extLst>
           </p:cNvPr>
@@ -5867,7 +5868,7 @@
           <p:cNvPr id="236" name="TextBox 235">
             <a:extLst>
               <a:ext uri="{FF2B5EF4-FFF2-40B4-BE49-F238E27FC236}">
-                <a16:creationId xmlns="" xmlns:a16="http://schemas.microsoft.com/office/drawing/2014/main" id="{8CF2FB13-C02C-435F-AA91-5197EF57BE6F}"/>
+                <a16:creationId xmlns:a16="http://schemas.microsoft.com/office/drawing/2014/main" xmlns="" id="{8CF2FB13-C02C-435F-AA91-5197EF57BE6F}"/>
               </a:ext>
             </a:extLst>
           </p:cNvPr>
@@ -5917,7 +5918,7 @@
           <p:cNvPr id="237" name="Picture 2">
             <a:extLst>
               <a:ext uri="{FF2B5EF4-FFF2-40B4-BE49-F238E27FC236}">
-                <a16:creationId xmlns="" xmlns:a16="http://schemas.microsoft.com/office/drawing/2014/main" id="{86270754-CD45-4DA0-A929-4310B0570602}"/>
+                <a16:creationId xmlns:a16="http://schemas.microsoft.com/office/drawing/2014/main" xmlns="" id="{86270754-CD45-4DA0-A929-4310B0570602}"/>
               </a:ext>
             </a:extLst>
           </p:cNvPr>
@@ -5985,7 +5986,7 @@
           <p:cNvPr id="238" name="TextBox 237">
             <a:extLst>
               <a:ext uri="{FF2B5EF4-FFF2-40B4-BE49-F238E27FC236}">
-                <a16:creationId xmlns="" xmlns:a16="http://schemas.microsoft.com/office/drawing/2014/main" id="{137C1972-AE76-49E1-9CB5-CD6CBEB6DE9E}"/>
+                <a16:creationId xmlns:a16="http://schemas.microsoft.com/office/drawing/2014/main" xmlns="" id="{137C1972-AE76-49E1-9CB5-CD6CBEB6DE9E}"/>
               </a:ext>
             </a:extLst>
           </p:cNvPr>
@@ -6023,7 +6024,7 @@
           <p:cNvPr id="239" name="TextBox 238">
             <a:extLst>
               <a:ext uri="{FF2B5EF4-FFF2-40B4-BE49-F238E27FC236}">
-                <a16:creationId xmlns="" xmlns:a16="http://schemas.microsoft.com/office/drawing/2014/main" id="{12403105-F03F-46A5-902C-7944FBF00DFB}"/>
+                <a16:creationId xmlns:a16="http://schemas.microsoft.com/office/drawing/2014/main" xmlns="" id="{12403105-F03F-46A5-902C-7944FBF00DFB}"/>
               </a:ext>
             </a:extLst>
           </p:cNvPr>
@@ -6064,7 +6065,7 @@
           <p:cNvPr id="240" name="TextBox 239">
             <a:extLst>
               <a:ext uri="{FF2B5EF4-FFF2-40B4-BE49-F238E27FC236}">
-                <a16:creationId xmlns="" xmlns:a16="http://schemas.microsoft.com/office/drawing/2014/main" id="{508F6216-4E42-4B66-9C5C-74251F6DE2B7}"/>
+                <a16:creationId xmlns:a16="http://schemas.microsoft.com/office/drawing/2014/main" xmlns="" id="{508F6216-4E42-4B66-9C5C-74251F6DE2B7}"/>
               </a:ext>
             </a:extLst>
           </p:cNvPr>
@@ -6102,7 +6103,7 @@
           <p:cNvPr id="241" name="TextBox 240">
             <a:extLst>
               <a:ext uri="{FF2B5EF4-FFF2-40B4-BE49-F238E27FC236}">
-                <a16:creationId xmlns="" xmlns:a16="http://schemas.microsoft.com/office/drawing/2014/main" id="{7F89F20E-616C-4A88-9B7F-FFD75935193F}"/>
+                <a16:creationId xmlns:a16="http://schemas.microsoft.com/office/drawing/2014/main" xmlns="" id="{7F89F20E-616C-4A88-9B7F-FFD75935193F}"/>
               </a:ext>
             </a:extLst>
           </p:cNvPr>
@@ -6140,7 +6141,7 @@
           <p:cNvPr id="242" name="TextBox 241">
             <a:extLst>
               <a:ext uri="{FF2B5EF4-FFF2-40B4-BE49-F238E27FC236}">
-                <a16:creationId xmlns="" xmlns:a16="http://schemas.microsoft.com/office/drawing/2014/main" id="{26723F57-80CB-4DC3-91FD-967F709C6929}"/>
+                <a16:creationId xmlns:a16="http://schemas.microsoft.com/office/drawing/2014/main" xmlns="" id="{26723F57-80CB-4DC3-91FD-967F709C6929}"/>
               </a:ext>
             </a:extLst>
           </p:cNvPr>
@@ -6178,7 +6179,7 @@
           <p:cNvPr id="243" name="TextBox 242">
             <a:extLst>
               <a:ext uri="{FF2B5EF4-FFF2-40B4-BE49-F238E27FC236}">
-                <a16:creationId xmlns="" xmlns:a16="http://schemas.microsoft.com/office/drawing/2014/main" id="{B55D2498-FFC6-424D-8693-41A7EABDFDDB}"/>
+                <a16:creationId xmlns:a16="http://schemas.microsoft.com/office/drawing/2014/main" xmlns="" id="{B55D2498-FFC6-424D-8693-41A7EABDFDDB}"/>
               </a:ext>
             </a:extLst>
           </p:cNvPr>
@@ -6216,7 +6217,7 @@
           <p:cNvPr id="244" name="TextBox 243">
             <a:extLst>
               <a:ext uri="{FF2B5EF4-FFF2-40B4-BE49-F238E27FC236}">
-                <a16:creationId xmlns="" xmlns:a16="http://schemas.microsoft.com/office/drawing/2014/main" id="{4DEF4C67-2551-4FD5-995D-9C7D14351512}"/>
+                <a16:creationId xmlns:a16="http://schemas.microsoft.com/office/drawing/2014/main" xmlns="" id="{4DEF4C67-2551-4FD5-995D-9C7D14351512}"/>
               </a:ext>
             </a:extLst>
           </p:cNvPr>
@@ -6254,7 +6255,7 @@
           <p:cNvPr id="245" name="TextBox 244">
             <a:extLst>
               <a:ext uri="{FF2B5EF4-FFF2-40B4-BE49-F238E27FC236}">
-                <a16:creationId xmlns="" xmlns:a16="http://schemas.microsoft.com/office/drawing/2014/main" id="{951DDEC2-F42F-4377-B5C4-258519EEE830}"/>
+                <a16:creationId xmlns:a16="http://schemas.microsoft.com/office/drawing/2014/main" xmlns="" id="{951DDEC2-F42F-4377-B5C4-258519EEE830}"/>
               </a:ext>
             </a:extLst>
           </p:cNvPr>
@@ -6292,7 +6293,7 @@
           <p:cNvPr id="246" name="TextBox 245">
             <a:extLst>
               <a:ext uri="{FF2B5EF4-FFF2-40B4-BE49-F238E27FC236}">
-                <a16:creationId xmlns="" xmlns:a16="http://schemas.microsoft.com/office/drawing/2014/main" id="{E3C6AA7C-A51C-409F-8443-DEE8DB09ED96}"/>
+                <a16:creationId xmlns:a16="http://schemas.microsoft.com/office/drawing/2014/main" xmlns="" id="{E3C6AA7C-A51C-409F-8443-DEE8DB09ED96}"/>
               </a:ext>
             </a:extLst>
           </p:cNvPr>
@@ -6330,7 +6331,7 @@
           <p:cNvPr id="247" name="TextBox 246">
             <a:extLst>
               <a:ext uri="{FF2B5EF4-FFF2-40B4-BE49-F238E27FC236}">
-                <a16:creationId xmlns="" xmlns:a16="http://schemas.microsoft.com/office/drawing/2014/main" id="{6F7C78F4-57DE-4922-BCA2-F73FBC9037A1}"/>
+                <a16:creationId xmlns:a16="http://schemas.microsoft.com/office/drawing/2014/main" xmlns="" id="{6F7C78F4-57DE-4922-BCA2-F73FBC9037A1}"/>
               </a:ext>
             </a:extLst>
           </p:cNvPr>
@@ -6368,7 +6369,7 @@
           <p:cNvPr id="248" name="TextBox 247">
             <a:extLst>
               <a:ext uri="{FF2B5EF4-FFF2-40B4-BE49-F238E27FC236}">
-                <a16:creationId xmlns="" xmlns:a16="http://schemas.microsoft.com/office/drawing/2014/main" id="{1C589EC7-708F-4E84-9D35-075FCD05D8D7}"/>
+                <a16:creationId xmlns:a16="http://schemas.microsoft.com/office/drawing/2014/main" xmlns="" id="{1C589EC7-708F-4E84-9D35-075FCD05D8D7}"/>
               </a:ext>
             </a:extLst>
           </p:cNvPr>
@@ -6406,7 +6407,7 @@
           <p:cNvPr id="249" name="Picture 2">
             <a:extLst>
               <a:ext uri="{FF2B5EF4-FFF2-40B4-BE49-F238E27FC236}">
-                <a16:creationId xmlns="" xmlns:a16="http://schemas.microsoft.com/office/drawing/2014/main" id="{812A903D-B283-4E18-85F9-1CD97AC81355}"/>
+                <a16:creationId xmlns:a16="http://schemas.microsoft.com/office/drawing/2014/main" xmlns="" id="{812A903D-B283-4E18-85F9-1CD97AC81355}"/>
               </a:ext>
             </a:extLst>
           </p:cNvPr>
@@ -6474,7 +6475,7 @@
           <p:cNvPr id="250" name="TextBox 249">
             <a:extLst>
               <a:ext uri="{FF2B5EF4-FFF2-40B4-BE49-F238E27FC236}">
-                <a16:creationId xmlns="" xmlns:a16="http://schemas.microsoft.com/office/drawing/2014/main" id="{C0E944C1-B966-4CBE-944C-0AB1860B2F52}"/>
+                <a16:creationId xmlns:a16="http://schemas.microsoft.com/office/drawing/2014/main" xmlns="" id="{C0E944C1-B966-4CBE-944C-0AB1860B2F52}"/>
               </a:ext>
             </a:extLst>
           </p:cNvPr>
@@ -6512,7 +6513,7 @@
           <p:cNvPr id="252" name="TextBox 251">
             <a:extLst>
               <a:ext uri="{FF2B5EF4-FFF2-40B4-BE49-F238E27FC236}">
-                <a16:creationId xmlns="" xmlns:a16="http://schemas.microsoft.com/office/drawing/2014/main" id="{34293B3C-1D0E-43DE-B9A3-DB1BFF7F9E88}"/>
+                <a16:creationId xmlns:a16="http://schemas.microsoft.com/office/drawing/2014/main" xmlns="" id="{34293B3C-1D0E-43DE-B9A3-DB1BFF7F9E88}"/>
               </a:ext>
             </a:extLst>
           </p:cNvPr>
@@ -6550,7 +6551,7 @@
           <p:cNvPr id="253" name="TextBox 252">
             <a:extLst>
               <a:ext uri="{FF2B5EF4-FFF2-40B4-BE49-F238E27FC236}">
-                <a16:creationId xmlns="" xmlns:a16="http://schemas.microsoft.com/office/drawing/2014/main" id="{2F52A88C-F86C-43CC-84ED-28771E182B95}"/>
+                <a16:creationId xmlns:a16="http://schemas.microsoft.com/office/drawing/2014/main" xmlns="" id="{2F52A88C-F86C-43CC-84ED-28771E182B95}"/>
               </a:ext>
             </a:extLst>
           </p:cNvPr>
@@ -6588,7 +6589,7 @@
           <p:cNvPr id="254" name="TextBox 253">
             <a:extLst>
               <a:ext uri="{FF2B5EF4-FFF2-40B4-BE49-F238E27FC236}">
-                <a16:creationId xmlns="" xmlns:a16="http://schemas.microsoft.com/office/drawing/2014/main" id="{AA840072-02EA-4213-91FD-E10F7E49411E}"/>
+                <a16:creationId xmlns:a16="http://schemas.microsoft.com/office/drawing/2014/main" xmlns="" id="{AA840072-02EA-4213-91FD-E10F7E49411E}"/>
               </a:ext>
             </a:extLst>
           </p:cNvPr>
@@ -6626,7 +6627,7 @@
           <p:cNvPr id="255" name="TextBox 254">
             <a:extLst>
               <a:ext uri="{FF2B5EF4-FFF2-40B4-BE49-F238E27FC236}">
-                <a16:creationId xmlns="" xmlns:a16="http://schemas.microsoft.com/office/drawing/2014/main" id="{CBDFCE15-E045-4BBF-9043-8C68B43E17DA}"/>
+                <a16:creationId xmlns:a16="http://schemas.microsoft.com/office/drawing/2014/main" xmlns="" id="{CBDFCE15-E045-4BBF-9043-8C68B43E17DA}"/>
               </a:ext>
             </a:extLst>
           </p:cNvPr>
@@ -6664,7 +6665,7 @@
           <p:cNvPr id="256" name="TextBox 255">
             <a:extLst>
               <a:ext uri="{FF2B5EF4-FFF2-40B4-BE49-F238E27FC236}">
-                <a16:creationId xmlns="" xmlns:a16="http://schemas.microsoft.com/office/drawing/2014/main" id="{014F44A1-3196-4FDB-ADA4-2536BC18E811}"/>
+                <a16:creationId xmlns:a16="http://schemas.microsoft.com/office/drawing/2014/main" xmlns="" id="{014F44A1-3196-4FDB-ADA4-2536BC18E811}"/>
               </a:ext>
             </a:extLst>
           </p:cNvPr>
@@ -6702,7 +6703,7 @@
           <p:cNvPr id="257" name="TextBox 256">
             <a:extLst>
               <a:ext uri="{FF2B5EF4-FFF2-40B4-BE49-F238E27FC236}">
-                <a16:creationId xmlns="" xmlns:a16="http://schemas.microsoft.com/office/drawing/2014/main" id="{9AA13090-0A98-4F97-84EB-6C32C0DEB4C7}"/>
+                <a16:creationId xmlns:a16="http://schemas.microsoft.com/office/drawing/2014/main" xmlns="" id="{9AA13090-0A98-4F97-84EB-6C32C0DEB4C7}"/>
               </a:ext>
             </a:extLst>
           </p:cNvPr>
@@ -6740,7 +6741,7 @@
           <p:cNvPr id="258" name="TextBox 257">
             <a:extLst>
               <a:ext uri="{FF2B5EF4-FFF2-40B4-BE49-F238E27FC236}">
-                <a16:creationId xmlns="" xmlns:a16="http://schemas.microsoft.com/office/drawing/2014/main" id="{FFFEE946-1395-48D7-814B-5D770A359A43}"/>
+                <a16:creationId xmlns:a16="http://schemas.microsoft.com/office/drawing/2014/main" xmlns="" id="{FFFEE946-1395-48D7-814B-5D770A359A43}"/>
               </a:ext>
             </a:extLst>
           </p:cNvPr>
@@ -6778,7 +6779,7 @@
           <p:cNvPr id="259" name="TextBox 258">
             <a:extLst>
               <a:ext uri="{FF2B5EF4-FFF2-40B4-BE49-F238E27FC236}">
-                <a16:creationId xmlns="" xmlns:a16="http://schemas.microsoft.com/office/drawing/2014/main" id="{87F82982-908E-4806-AD36-E32975CAAEC3}"/>
+                <a16:creationId xmlns:a16="http://schemas.microsoft.com/office/drawing/2014/main" xmlns="" id="{87F82982-908E-4806-AD36-E32975CAAEC3}"/>
               </a:ext>
             </a:extLst>
           </p:cNvPr>
@@ -6816,7 +6817,7 @@
           <p:cNvPr id="260" name="TextBox 259">
             <a:extLst>
               <a:ext uri="{FF2B5EF4-FFF2-40B4-BE49-F238E27FC236}">
-                <a16:creationId xmlns="" xmlns:a16="http://schemas.microsoft.com/office/drawing/2014/main" id="{18E7C861-E5C7-49FE-83C0-F2DE1EBC4DB0}"/>
+                <a16:creationId xmlns:a16="http://schemas.microsoft.com/office/drawing/2014/main" xmlns="" id="{18E7C861-E5C7-49FE-83C0-F2DE1EBC4DB0}"/>
               </a:ext>
             </a:extLst>
           </p:cNvPr>
@@ -6854,7 +6855,7 @@
           <p:cNvPr id="251" name="TextBox 250">
             <a:extLst>
               <a:ext uri="{FF2B5EF4-FFF2-40B4-BE49-F238E27FC236}">
-                <a16:creationId xmlns="" xmlns:a16="http://schemas.microsoft.com/office/drawing/2014/main" id="{95C2B872-1D25-4FB0-B13F-26BB87098249}"/>
+                <a16:creationId xmlns:a16="http://schemas.microsoft.com/office/drawing/2014/main" xmlns="" id="{95C2B872-1D25-4FB0-B13F-26BB87098249}"/>
               </a:ext>
             </a:extLst>
           </p:cNvPr>
@@ -6895,7 +6896,7 @@
           <p:cNvPr id="262" name="직선 화살표 연결선 261">
             <a:extLst>
               <a:ext uri="{FF2B5EF4-FFF2-40B4-BE49-F238E27FC236}">
-                <a16:creationId xmlns="" xmlns:a16="http://schemas.microsoft.com/office/drawing/2014/main" id="{293D7FFE-2FD4-447D-AFB4-A42DCDEDA86A}"/>
+                <a16:creationId xmlns:a16="http://schemas.microsoft.com/office/drawing/2014/main" xmlns="" id="{293D7FFE-2FD4-447D-AFB4-A42DCDEDA86A}"/>
               </a:ext>
             </a:extLst>
           </p:cNvPr>
@@ -6937,7 +6938,7 @@
           <p:cNvPr id="263" name="직선 화살표 연결선 262">
             <a:extLst>
               <a:ext uri="{FF2B5EF4-FFF2-40B4-BE49-F238E27FC236}">
-                <a16:creationId xmlns="" xmlns:a16="http://schemas.microsoft.com/office/drawing/2014/main" id="{80FE6AAE-DCB0-42A2-8846-43B0BADE6844}"/>
+                <a16:creationId xmlns:a16="http://schemas.microsoft.com/office/drawing/2014/main" xmlns="" id="{80FE6AAE-DCB0-42A2-8846-43B0BADE6844}"/>
               </a:ext>
             </a:extLst>
           </p:cNvPr>
@@ -6979,7 +6980,7 @@
           <p:cNvPr id="264" name="TextBox 263">
             <a:extLst>
               <a:ext uri="{FF2B5EF4-FFF2-40B4-BE49-F238E27FC236}">
-                <a16:creationId xmlns="" xmlns:a16="http://schemas.microsoft.com/office/drawing/2014/main" id="{98C36D25-6E13-45CB-98E3-0F6E2E353401}"/>
+                <a16:creationId xmlns:a16="http://schemas.microsoft.com/office/drawing/2014/main" xmlns="" id="{98C36D25-6E13-45CB-98E3-0F6E2E353401}"/>
               </a:ext>
             </a:extLst>
           </p:cNvPr>
@@ -7031,7 +7032,7 @@
               <p:cNvPr id="272" name="TextBox 271">
                 <a:extLst>
                   <a:ext uri="{FF2B5EF4-FFF2-40B4-BE49-F238E27FC236}">
-                    <a16:creationId xmlns="" xmlns:a16="http://schemas.microsoft.com/office/drawing/2014/main" id="{AF1F9706-3E77-4F4B-BE53-68B099D66F93}"/>
+                    <a16:creationId xmlns:a16="http://schemas.microsoft.com/office/drawing/2014/main" xmlns="" id="{AF1F9706-3E77-4F4B-BE53-68B099D66F93}"/>
                   </a:ext>
                 </a:extLst>
               </p:cNvPr>
@@ -7152,7 +7153,7 @@
               <p:cNvPr id="273" name="TextBox 272">
                 <a:extLst>
                   <a:ext uri="{FF2B5EF4-FFF2-40B4-BE49-F238E27FC236}">
-                    <a16:creationId xmlns="" xmlns:a16="http://schemas.microsoft.com/office/drawing/2014/main" id="{A071915E-12B4-46CF-AF39-FC7AA714C9DF}"/>
+                    <a16:creationId xmlns:a16="http://schemas.microsoft.com/office/drawing/2014/main" xmlns="" id="{A071915E-12B4-46CF-AF39-FC7AA714C9DF}"/>
                   </a:ext>
                 </a:extLst>
               </p:cNvPr>
@@ -7271,7 +7272,7 @@
           <p:cNvPr id="275" name="직선 연결선 274">
             <a:extLst>
               <a:ext uri="{FF2B5EF4-FFF2-40B4-BE49-F238E27FC236}">
-                <a16:creationId xmlns="" xmlns:a16="http://schemas.microsoft.com/office/drawing/2014/main" id="{E9CC54E8-AACB-4B07-ABA9-4CBB4B58EEC7}"/>
+                <a16:creationId xmlns:a16="http://schemas.microsoft.com/office/drawing/2014/main" xmlns="" id="{E9CC54E8-AACB-4B07-ABA9-4CBB4B58EEC7}"/>
               </a:ext>
             </a:extLst>
           </p:cNvPr>
@@ -7312,7 +7313,7 @@
           <p:cNvPr id="276" name="직선 연결선 275">
             <a:extLst>
               <a:ext uri="{FF2B5EF4-FFF2-40B4-BE49-F238E27FC236}">
-                <a16:creationId xmlns="" xmlns:a16="http://schemas.microsoft.com/office/drawing/2014/main" id="{65104A84-9903-400D-BD12-CCE95C038A07}"/>
+                <a16:creationId xmlns:a16="http://schemas.microsoft.com/office/drawing/2014/main" xmlns="" id="{65104A84-9903-400D-BD12-CCE95C038A07}"/>
               </a:ext>
             </a:extLst>
           </p:cNvPr>
@@ -7355,7 +7356,7 @@
               <p:cNvPr id="277" name="TextBox 276">
                 <a:extLst>
                   <a:ext uri="{FF2B5EF4-FFF2-40B4-BE49-F238E27FC236}">
-                    <a16:creationId xmlns="" xmlns:a16="http://schemas.microsoft.com/office/drawing/2014/main" id="{A1E5A455-E0F6-4651-A91D-841D94EE051B}"/>
+                    <a16:creationId xmlns:a16="http://schemas.microsoft.com/office/drawing/2014/main" xmlns="" id="{A1E5A455-E0F6-4651-A91D-841D94EE051B}"/>
                   </a:ext>
                 </a:extLst>
               </p:cNvPr>
@@ -7476,7 +7477,7 @@
               <p:cNvPr id="278" name="TextBox 277">
                 <a:extLst>
                   <a:ext uri="{FF2B5EF4-FFF2-40B4-BE49-F238E27FC236}">
-                    <a16:creationId xmlns="" xmlns:a16="http://schemas.microsoft.com/office/drawing/2014/main" id="{C2D3C570-F39A-4EE0-A2FF-432740D5E111}"/>
+                    <a16:creationId xmlns:a16="http://schemas.microsoft.com/office/drawing/2014/main" xmlns="" id="{C2D3C570-F39A-4EE0-A2FF-432740D5E111}"/>
                   </a:ext>
                 </a:extLst>
               </p:cNvPr>
@@ -7595,7 +7596,7 @@
           <p:cNvPr id="279" name="직선 연결선 278">
             <a:extLst>
               <a:ext uri="{FF2B5EF4-FFF2-40B4-BE49-F238E27FC236}">
-                <a16:creationId xmlns="" xmlns:a16="http://schemas.microsoft.com/office/drawing/2014/main" id="{3C39A6C8-3EB9-4206-AA9F-F8696F2A6E67}"/>
+                <a16:creationId xmlns:a16="http://schemas.microsoft.com/office/drawing/2014/main" xmlns="" id="{3C39A6C8-3EB9-4206-AA9F-F8696F2A6E67}"/>
               </a:ext>
             </a:extLst>
           </p:cNvPr>
@@ -7636,7 +7637,7 @@
           <p:cNvPr id="280" name="직선 연결선 279">
             <a:extLst>
               <a:ext uri="{FF2B5EF4-FFF2-40B4-BE49-F238E27FC236}">
-                <a16:creationId xmlns="" xmlns:a16="http://schemas.microsoft.com/office/drawing/2014/main" id="{37EAF852-2521-434C-854E-0B41B0C5316F}"/>
+                <a16:creationId xmlns:a16="http://schemas.microsoft.com/office/drawing/2014/main" xmlns="" id="{37EAF852-2521-434C-854E-0B41B0C5316F}"/>
               </a:ext>
             </a:extLst>
           </p:cNvPr>
@@ -7677,7 +7678,7 @@
           <p:cNvPr id="281" name="TextBox 280">
             <a:extLst>
               <a:ext uri="{FF2B5EF4-FFF2-40B4-BE49-F238E27FC236}">
-                <a16:creationId xmlns="" xmlns:a16="http://schemas.microsoft.com/office/drawing/2014/main" id="{880D2BBC-DEB9-41E1-91BF-1C27BC894C85}"/>
+                <a16:creationId xmlns:a16="http://schemas.microsoft.com/office/drawing/2014/main" xmlns="" id="{880D2BBC-DEB9-41E1-91BF-1C27BC894C85}"/>
               </a:ext>
             </a:extLst>
           </p:cNvPr>
@@ -7727,7 +7728,7 @@
           <p:cNvPr id="283" name="Picture 2">
             <a:extLst>
               <a:ext uri="{FF2B5EF4-FFF2-40B4-BE49-F238E27FC236}">
-                <a16:creationId xmlns="" xmlns:a16="http://schemas.microsoft.com/office/drawing/2014/main" id="{9D2BE860-D728-4E25-84C2-509E503FF7F8}"/>
+                <a16:creationId xmlns:a16="http://schemas.microsoft.com/office/drawing/2014/main" xmlns="" id="{9D2BE860-D728-4E25-84C2-509E503FF7F8}"/>
               </a:ext>
             </a:extLst>
           </p:cNvPr>
@@ -7795,7 +7796,7 @@
           <p:cNvPr id="284" name="TextBox 283">
             <a:extLst>
               <a:ext uri="{FF2B5EF4-FFF2-40B4-BE49-F238E27FC236}">
-                <a16:creationId xmlns="" xmlns:a16="http://schemas.microsoft.com/office/drawing/2014/main" id="{92E250B9-669F-4EDB-8B31-68D2D8E3D79D}"/>
+                <a16:creationId xmlns:a16="http://schemas.microsoft.com/office/drawing/2014/main" xmlns="" id="{92E250B9-669F-4EDB-8B31-68D2D8E3D79D}"/>
               </a:ext>
             </a:extLst>
           </p:cNvPr>
@@ -7837,7 +7838,7 @@
           <p:cNvPr id="285" name="TextBox 284">
             <a:extLst>
               <a:ext uri="{FF2B5EF4-FFF2-40B4-BE49-F238E27FC236}">
-                <a16:creationId xmlns="" xmlns:a16="http://schemas.microsoft.com/office/drawing/2014/main" id="{B3169739-2FFE-47C7-AF1D-9A7ACBFC4860}"/>
+                <a16:creationId xmlns:a16="http://schemas.microsoft.com/office/drawing/2014/main" xmlns="" id="{B3169739-2FFE-47C7-AF1D-9A7ACBFC4860}"/>
               </a:ext>
             </a:extLst>
           </p:cNvPr>
@@ -7878,7 +7879,7 @@
           <p:cNvPr id="286" name="TextBox 285">
             <a:extLst>
               <a:ext uri="{FF2B5EF4-FFF2-40B4-BE49-F238E27FC236}">
-                <a16:creationId xmlns="" xmlns:a16="http://schemas.microsoft.com/office/drawing/2014/main" id="{5E117062-419C-45D1-BE07-4D22F1E66049}"/>
+                <a16:creationId xmlns:a16="http://schemas.microsoft.com/office/drawing/2014/main" xmlns="" id="{5E117062-419C-45D1-BE07-4D22F1E66049}"/>
               </a:ext>
             </a:extLst>
           </p:cNvPr>
@@ -7916,7 +7917,7 @@
           <p:cNvPr id="287" name="TextBox 286">
             <a:extLst>
               <a:ext uri="{FF2B5EF4-FFF2-40B4-BE49-F238E27FC236}">
-                <a16:creationId xmlns="" xmlns:a16="http://schemas.microsoft.com/office/drawing/2014/main" id="{B73EC6F2-E012-48E6-9463-1CD797BE35B0}"/>
+                <a16:creationId xmlns:a16="http://schemas.microsoft.com/office/drawing/2014/main" xmlns="" id="{B73EC6F2-E012-48E6-9463-1CD797BE35B0}"/>
               </a:ext>
             </a:extLst>
           </p:cNvPr>
@@ -7954,7 +7955,7 @@
           <p:cNvPr id="288" name="TextBox 287">
             <a:extLst>
               <a:ext uri="{FF2B5EF4-FFF2-40B4-BE49-F238E27FC236}">
-                <a16:creationId xmlns="" xmlns:a16="http://schemas.microsoft.com/office/drawing/2014/main" id="{E81D15DE-E262-437D-B3E0-B0D7B19F1DBF}"/>
+                <a16:creationId xmlns:a16="http://schemas.microsoft.com/office/drawing/2014/main" xmlns="" id="{E81D15DE-E262-437D-B3E0-B0D7B19F1DBF}"/>
               </a:ext>
             </a:extLst>
           </p:cNvPr>
@@ -7992,7 +7993,7 @@
           <p:cNvPr id="289" name="TextBox 288">
             <a:extLst>
               <a:ext uri="{FF2B5EF4-FFF2-40B4-BE49-F238E27FC236}">
-                <a16:creationId xmlns="" xmlns:a16="http://schemas.microsoft.com/office/drawing/2014/main" id="{A76069F2-2AA8-46DF-BFF0-0961CC4014DC}"/>
+                <a16:creationId xmlns:a16="http://schemas.microsoft.com/office/drawing/2014/main" xmlns="" id="{A76069F2-2AA8-46DF-BFF0-0961CC4014DC}"/>
               </a:ext>
             </a:extLst>
           </p:cNvPr>
@@ -8034,7 +8035,7 @@
           <p:cNvPr id="290" name="TextBox 289">
             <a:extLst>
               <a:ext uri="{FF2B5EF4-FFF2-40B4-BE49-F238E27FC236}">
-                <a16:creationId xmlns="" xmlns:a16="http://schemas.microsoft.com/office/drawing/2014/main" id="{72198AC0-3FD1-43E0-A4BC-C6C9287625F6}"/>
+                <a16:creationId xmlns:a16="http://schemas.microsoft.com/office/drawing/2014/main" xmlns="" id="{72198AC0-3FD1-43E0-A4BC-C6C9287625F6}"/>
               </a:ext>
             </a:extLst>
           </p:cNvPr>
@@ -8076,7 +8077,7 @@
           <p:cNvPr id="291" name="TextBox 290">
             <a:extLst>
               <a:ext uri="{FF2B5EF4-FFF2-40B4-BE49-F238E27FC236}">
-                <a16:creationId xmlns="" xmlns:a16="http://schemas.microsoft.com/office/drawing/2014/main" id="{8D2E9371-3674-4100-8732-293F89C28E78}"/>
+                <a16:creationId xmlns:a16="http://schemas.microsoft.com/office/drawing/2014/main" xmlns="" id="{8D2E9371-3674-4100-8732-293F89C28E78}"/>
               </a:ext>
             </a:extLst>
           </p:cNvPr>
@@ -8118,7 +8119,7 @@
           <p:cNvPr id="292" name="TextBox 291">
             <a:extLst>
               <a:ext uri="{FF2B5EF4-FFF2-40B4-BE49-F238E27FC236}">
-                <a16:creationId xmlns="" xmlns:a16="http://schemas.microsoft.com/office/drawing/2014/main" id="{540FCDD8-CBAD-4CF8-9819-6EE0D7C3F4B3}"/>
+                <a16:creationId xmlns:a16="http://schemas.microsoft.com/office/drawing/2014/main" xmlns="" id="{540FCDD8-CBAD-4CF8-9819-6EE0D7C3F4B3}"/>
               </a:ext>
             </a:extLst>
           </p:cNvPr>
@@ -8156,7 +8157,7 @@
           <p:cNvPr id="293" name="TextBox 292">
             <a:extLst>
               <a:ext uri="{FF2B5EF4-FFF2-40B4-BE49-F238E27FC236}">
-                <a16:creationId xmlns="" xmlns:a16="http://schemas.microsoft.com/office/drawing/2014/main" id="{CF9F4CC8-9D2B-44FA-BDA4-6B5077C585D5}"/>
+                <a16:creationId xmlns:a16="http://schemas.microsoft.com/office/drawing/2014/main" xmlns="" id="{CF9F4CC8-9D2B-44FA-BDA4-6B5077C585D5}"/>
               </a:ext>
             </a:extLst>
           </p:cNvPr>
@@ -8198,7 +8199,7 @@
           <p:cNvPr id="294" name="TextBox 293">
             <a:extLst>
               <a:ext uri="{FF2B5EF4-FFF2-40B4-BE49-F238E27FC236}">
-                <a16:creationId xmlns="" xmlns:a16="http://schemas.microsoft.com/office/drawing/2014/main" id="{AD49A766-A6EA-4353-AB45-975873E42F82}"/>
+                <a16:creationId xmlns:a16="http://schemas.microsoft.com/office/drawing/2014/main" xmlns="" id="{AD49A766-A6EA-4353-AB45-975873E42F82}"/>
               </a:ext>
             </a:extLst>
           </p:cNvPr>
@@ -8236,7 +8237,7 @@
           <p:cNvPr id="307" name="직선 화살표 연결선 306">
             <a:extLst>
               <a:ext uri="{FF2B5EF4-FFF2-40B4-BE49-F238E27FC236}">
-                <a16:creationId xmlns="" xmlns:a16="http://schemas.microsoft.com/office/drawing/2014/main" id="{E3CE114E-EAEC-4F51-8632-081CFAC05A3E}"/>
+                <a16:creationId xmlns:a16="http://schemas.microsoft.com/office/drawing/2014/main" xmlns="" id="{E3CE114E-EAEC-4F51-8632-081CFAC05A3E}"/>
               </a:ext>
             </a:extLst>
           </p:cNvPr>
@@ -8278,7 +8279,7 @@
           <p:cNvPr id="308" name="TextBox 307">
             <a:extLst>
               <a:ext uri="{FF2B5EF4-FFF2-40B4-BE49-F238E27FC236}">
-                <a16:creationId xmlns="" xmlns:a16="http://schemas.microsoft.com/office/drawing/2014/main" id="{C8A56B62-AD47-4C53-927A-1C19B2E5C4B4}"/>
+                <a16:creationId xmlns:a16="http://schemas.microsoft.com/office/drawing/2014/main" xmlns="" id="{C8A56B62-AD47-4C53-927A-1C19B2E5C4B4}"/>
               </a:ext>
             </a:extLst>
           </p:cNvPr>
@@ -8319,7 +8320,7 @@
               <p:cNvPr id="309" name="TextBox 308">
                 <a:extLst>
                   <a:ext uri="{FF2B5EF4-FFF2-40B4-BE49-F238E27FC236}">
-                    <a16:creationId xmlns="" xmlns:a16="http://schemas.microsoft.com/office/drawing/2014/main" id="{9337CEF2-7062-4C91-BF6E-882B475E8F53}"/>
+                    <a16:creationId xmlns:a16="http://schemas.microsoft.com/office/drawing/2014/main" xmlns="" id="{9337CEF2-7062-4C91-BF6E-882B475E8F53}"/>
                   </a:ext>
                 </a:extLst>
               </p:cNvPr>
@@ -8473,7 +8474,7 @@
           <p:cNvPr id="311" name="직선 연결선 310">
             <a:extLst>
               <a:ext uri="{FF2B5EF4-FFF2-40B4-BE49-F238E27FC236}">
-                <a16:creationId xmlns="" xmlns:a16="http://schemas.microsoft.com/office/drawing/2014/main" id="{64F31221-F29A-48D8-9E15-5153CCF0EA76}"/>
+                <a16:creationId xmlns:a16="http://schemas.microsoft.com/office/drawing/2014/main" xmlns="" id="{64F31221-F29A-48D8-9E15-5153CCF0EA76}"/>
               </a:ext>
             </a:extLst>
           </p:cNvPr>
@@ -8514,7 +8515,7 @@
           <p:cNvPr id="315" name="TextBox 314">
             <a:extLst>
               <a:ext uri="{FF2B5EF4-FFF2-40B4-BE49-F238E27FC236}">
-                <a16:creationId xmlns="" xmlns:a16="http://schemas.microsoft.com/office/drawing/2014/main" id="{0AD0D108-71BF-432F-A08E-E8F5A946EC86}"/>
+                <a16:creationId xmlns:a16="http://schemas.microsoft.com/office/drawing/2014/main" xmlns="" id="{0AD0D108-71BF-432F-A08E-E8F5A946EC86}"/>
               </a:ext>
             </a:extLst>
           </p:cNvPr>
@@ -8552,7 +8553,7 @@
           <p:cNvPr id="316" name="TextBox 315">
             <a:extLst>
               <a:ext uri="{FF2B5EF4-FFF2-40B4-BE49-F238E27FC236}">
-                <a16:creationId xmlns="" xmlns:a16="http://schemas.microsoft.com/office/drawing/2014/main" id="{BA2BF029-2A8D-4892-B1FC-8BA6DEDC5F57}"/>
+                <a16:creationId xmlns:a16="http://schemas.microsoft.com/office/drawing/2014/main" xmlns="" id="{BA2BF029-2A8D-4892-B1FC-8BA6DEDC5F57}"/>
               </a:ext>
             </a:extLst>
           </p:cNvPr>
@@ -8590,7 +8591,7 @@
           <p:cNvPr id="317" name="TextBox 316">
             <a:extLst>
               <a:ext uri="{FF2B5EF4-FFF2-40B4-BE49-F238E27FC236}">
-                <a16:creationId xmlns="" xmlns:a16="http://schemas.microsoft.com/office/drawing/2014/main" id="{10794DF8-03D8-4954-BD8F-AB94DDB4DDD9}"/>
+                <a16:creationId xmlns:a16="http://schemas.microsoft.com/office/drawing/2014/main" xmlns="" id="{10794DF8-03D8-4954-BD8F-AB94DDB4DDD9}"/>
               </a:ext>
             </a:extLst>
           </p:cNvPr>
@@ -8636,7 +8637,7 @@
           <p:cNvPr id="318" name="TextBox 317">
             <a:extLst>
               <a:ext uri="{FF2B5EF4-FFF2-40B4-BE49-F238E27FC236}">
-                <a16:creationId xmlns="" xmlns:a16="http://schemas.microsoft.com/office/drawing/2014/main" id="{5295F85A-D50A-4018-9CEE-F88126D16B59}"/>
+                <a16:creationId xmlns:a16="http://schemas.microsoft.com/office/drawing/2014/main" xmlns="" id="{5295F85A-D50A-4018-9CEE-F88126D16B59}"/>
               </a:ext>
             </a:extLst>
           </p:cNvPr>
@@ -8679,7 +8680,7 @@
           <p:cNvPr id="319" name="TextBox 318">
             <a:extLst>
               <a:ext uri="{FF2B5EF4-FFF2-40B4-BE49-F238E27FC236}">
-                <a16:creationId xmlns="" xmlns:a16="http://schemas.microsoft.com/office/drawing/2014/main" id="{E8386D3A-F1C6-488E-8033-B7A3940F21C5}"/>
+                <a16:creationId xmlns:a16="http://schemas.microsoft.com/office/drawing/2014/main" xmlns="" id="{E8386D3A-F1C6-488E-8033-B7A3940F21C5}"/>
               </a:ext>
             </a:extLst>
           </p:cNvPr>
@@ -8722,7 +8723,7 @@
           <p:cNvPr id="329" name="그림 328">
             <a:extLst>
               <a:ext uri="{FF2B5EF4-FFF2-40B4-BE49-F238E27FC236}">
-                <a16:creationId xmlns="" xmlns:a16="http://schemas.microsoft.com/office/drawing/2014/main" id="{F9875368-482F-4290-8CA0-683E3D74D00C}"/>
+                <a16:creationId xmlns:a16="http://schemas.microsoft.com/office/drawing/2014/main" xmlns="" id="{F9875368-482F-4290-8CA0-683E3D74D00C}"/>
               </a:ext>
             </a:extLst>
           </p:cNvPr>
@@ -8780,7 +8781,7 @@
           <p:cNvPr id="330" name="TextBox 329">
             <a:extLst>
               <a:ext uri="{FF2B5EF4-FFF2-40B4-BE49-F238E27FC236}">
-                <a16:creationId xmlns="" xmlns:a16="http://schemas.microsoft.com/office/drawing/2014/main" id="{2126F626-11BC-4D72-BCC9-B61FEFE0D163}"/>
+                <a16:creationId xmlns:a16="http://schemas.microsoft.com/office/drawing/2014/main" xmlns="" id="{2126F626-11BC-4D72-BCC9-B61FEFE0D163}"/>
               </a:ext>
             </a:extLst>
           </p:cNvPr>
@@ -8833,7 +8834,7 @@
           <p:cNvPr id="331" name="그림 330">
             <a:extLst>
               <a:ext uri="{FF2B5EF4-FFF2-40B4-BE49-F238E27FC236}">
-                <a16:creationId xmlns="" xmlns:a16="http://schemas.microsoft.com/office/drawing/2014/main" id="{963C65DE-6388-45DC-A85A-E9C35564C335}"/>
+                <a16:creationId xmlns:a16="http://schemas.microsoft.com/office/drawing/2014/main" xmlns="" id="{963C65DE-6388-45DC-A85A-E9C35564C335}"/>
               </a:ext>
             </a:extLst>
           </p:cNvPr>
@@ -8891,7 +8892,7 @@
           <p:cNvPr id="332" name="TextBox 331">
             <a:extLst>
               <a:ext uri="{FF2B5EF4-FFF2-40B4-BE49-F238E27FC236}">
-                <a16:creationId xmlns="" xmlns:a16="http://schemas.microsoft.com/office/drawing/2014/main" id="{EBBC07F5-11A0-4B67-9E12-944EF60BCC0F}"/>
+                <a16:creationId xmlns:a16="http://schemas.microsoft.com/office/drawing/2014/main" xmlns="" id="{EBBC07F5-11A0-4B67-9E12-944EF60BCC0F}"/>
               </a:ext>
             </a:extLst>
           </p:cNvPr>
@@ -8974,7 +8975,7 @@
           <p:cNvPr id="54" name="직선 연결선 53">
             <a:extLst>
               <a:ext uri="{FF2B5EF4-FFF2-40B4-BE49-F238E27FC236}">
-                <a16:creationId xmlns="" xmlns:a16="http://schemas.microsoft.com/office/drawing/2014/main" id="{C0E7FF59-BEE0-4C00-9F83-E09D00B0C516}"/>
+                <a16:creationId xmlns:a16="http://schemas.microsoft.com/office/drawing/2014/main" xmlns="" id="{C0E7FF59-BEE0-4C00-9F83-E09D00B0C516}"/>
               </a:ext>
             </a:extLst>
           </p:cNvPr>
@@ -9018,7 +9019,7 @@
           <p:cNvPr id="82" name="직선 연결선 81">
             <a:extLst>
               <a:ext uri="{FF2B5EF4-FFF2-40B4-BE49-F238E27FC236}">
-                <a16:creationId xmlns="" xmlns:a16="http://schemas.microsoft.com/office/drawing/2014/main" id="{81C795E2-4BAB-4B30-8615-EF5D39005982}"/>
+                <a16:creationId xmlns:a16="http://schemas.microsoft.com/office/drawing/2014/main" xmlns="" id="{81C795E2-4BAB-4B30-8615-EF5D39005982}"/>
               </a:ext>
             </a:extLst>
           </p:cNvPr>
@@ -9062,7 +9063,7 @@
           <p:cNvPr id="83" name="직선 연결선 82">
             <a:extLst>
               <a:ext uri="{FF2B5EF4-FFF2-40B4-BE49-F238E27FC236}">
-                <a16:creationId xmlns="" xmlns:a16="http://schemas.microsoft.com/office/drawing/2014/main" id="{FF755B02-EC7C-4BA0-A253-E7B3B6C7D81C}"/>
+                <a16:creationId xmlns:a16="http://schemas.microsoft.com/office/drawing/2014/main" xmlns="" id="{FF755B02-EC7C-4BA0-A253-E7B3B6C7D81C}"/>
               </a:ext>
             </a:extLst>
           </p:cNvPr>
@@ -9170,7 +9171,7 @@
           <p:cNvPr id="4" name="TextBox 3">
             <a:extLst>
               <a:ext uri="{FF2B5EF4-FFF2-40B4-BE49-F238E27FC236}">
-                <a16:creationId xmlns="" xmlns:a16="http://schemas.microsoft.com/office/drawing/2014/main" id="{C04AFB07-A04F-4BA4-AFC3-446CE5957D9D}"/>
+                <a16:creationId xmlns:a16="http://schemas.microsoft.com/office/drawing/2014/main" xmlns="" id="{C04AFB07-A04F-4BA4-AFC3-446CE5957D9D}"/>
               </a:ext>
             </a:extLst>
           </p:cNvPr>
@@ -9212,7 +9213,7 @@
           <p:cNvPr id="56" name="TextBox 55">
             <a:extLst>
               <a:ext uri="{FF2B5EF4-FFF2-40B4-BE49-F238E27FC236}">
-                <a16:creationId xmlns="" xmlns:a16="http://schemas.microsoft.com/office/drawing/2014/main" id="{B6A70F32-8562-4E73-BD1D-CF9D36148B17}"/>
+                <a16:creationId xmlns:a16="http://schemas.microsoft.com/office/drawing/2014/main" xmlns="" id="{B6A70F32-8562-4E73-BD1D-CF9D36148B17}"/>
               </a:ext>
             </a:extLst>
           </p:cNvPr>
@@ -9254,7 +9255,7 @@
           <p:cNvPr id="57" name="TextBox 56">
             <a:extLst>
               <a:ext uri="{FF2B5EF4-FFF2-40B4-BE49-F238E27FC236}">
-                <a16:creationId xmlns="" xmlns:a16="http://schemas.microsoft.com/office/drawing/2014/main" id="{69C2B872-9BEB-4D28-96BF-A163FA23B2AE}"/>
+                <a16:creationId xmlns:a16="http://schemas.microsoft.com/office/drawing/2014/main" xmlns="" id="{69C2B872-9BEB-4D28-96BF-A163FA23B2AE}"/>
               </a:ext>
             </a:extLst>
           </p:cNvPr>
@@ -9296,7 +9297,7 @@
           <p:cNvPr id="58" name="TextBox 57">
             <a:extLst>
               <a:ext uri="{FF2B5EF4-FFF2-40B4-BE49-F238E27FC236}">
-                <a16:creationId xmlns="" xmlns:a16="http://schemas.microsoft.com/office/drawing/2014/main" id="{EF643D31-A1D1-4965-BB3A-247350DB9036}"/>
+                <a16:creationId xmlns:a16="http://schemas.microsoft.com/office/drawing/2014/main" xmlns="" id="{EF643D31-A1D1-4965-BB3A-247350DB9036}"/>
               </a:ext>
             </a:extLst>
           </p:cNvPr>
@@ -9338,7 +9339,7 @@
           <p:cNvPr id="59" name="TextBox 58">
             <a:extLst>
               <a:ext uri="{FF2B5EF4-FFF2-40B4-BE49-F238E27FC236}">
-                <a16:creationId xmlns="" xmlns:a16="http://schemas.microsoft.com/office/drawing/2014/main" id="{CEFEF120-AE30-4C7C-8637-42BDD97D4151}"/>
+                <a16:creationId xmlns:a16="http://schemas.microsoft.com/office/drawing/2014/main" xmlns="" id="{CEFEF120-AE30-4C7C-8637-42BDD97D4151}"/>
               </a:ext>
             </a:extLst>
           </p:cNvPr>
@@ -9380,7 +9381,7 @@
           <p:cNvPr id="60" name="TextBox 59">
             <a:extLst>
               <a:ext uri="{FF2B5EF4-FFF2-40B4-BE49-F238E27FC236}">
-                <a16:creationId xmlns="" xmlns:a16="http://schemas.microsoft.com/office/drawing/2014/main" id="{1EF9F216-41A4-4695-A143-7F795D43D60F}"/>
+                <a16:creationId xmlns:a16="http://schemas.microsoft.com/office/drawing/2014/main" xmlns="" id="{1EF9F216-41A4-4695-A143-7F795D43D60F}"/>
               </a:ext>
             </a:extLst>
           </p:cNvPr>
@@ -9422,7 +9423,7 @@
           <p:cNvPr id="61" name="TextBox 60">
             <a:extLst>
               <a:ext uri="{FF2B5EF4-FFF2-40B4-BE49-F238E27FC236}">
-                <a16:creationId xmlns="" xmlns:a16="http://schemas.microsoft.com/office/drawing/2014/main" id="{2A0E21AB-25E9-49DD-ADB4-0D3EC75B25A1}"/>
+                <a16:creationId xmlns:a16="http://schemas.microsoft.com/office/drawing/2014/main" xmlns="" id="{2A0E21AB-25E9-49DD-ADB4-0D3EC75B25A1}"/>
               </a:ext>
             </a:extLst>
           </p:cNvPr>
@@ -9464,7 +9465,7 @@
           <p:cNvPr id="62" name="TextBox 61">
             <a:extLst>
               <a:ext uri="{FF2B5EF4-FFF2-40B4-BE49-F238E27FC236}">
-                <a16:creationId xmlns="" xmlns:a16="http://schemas.microsoft.com/office/drawing/2014/main" id="{74F7DFBB-01DD-4E1C-AA49-53D5262B1568}"/>
+                <a16:creationId xmlns:a16="http://schemas.microsoft.com/office/drawing/2014/main" xmlns="" id="{74F7DFBB-01DD-4E1C-AA49-53D5262B1568}"/>
               </a:ext>
             </a:extLst>
           </p:cNvPr>
@@ -9506,7 +9507,7 @@
           <p:cNvPr id="63" name="TextBox 62">
             <a:extLst>
               <a:ext uri="{FF2B5EF4-FFF2-40B4-BE49-F238E27FC236}">
-                <a16:creationId xmlns="" xmlns:a16="http://schemas.microsoft.com/office/drawing/2014/main" id="{A80CF1C4-9476-4397-A3ED-365156FF8C0B}"/>
+                <a16:creationId xmlns:a16="http://schemas.microsoft.com/office/drawing/2014/main" xmlns="" id="{A80CF1C4-9476-4397-A3ED-365156FF8C0B}"/>
               </a:ext>
             </a:extLst>
           </p:cNvPr>
@@ -9548,7 +9549,7 @@
           <p:cNvPr id="64" name="TextBox 63">
             <a:extLst>
               <a:ext uri="{FF2B5EF4-FFF2-40B4-BE49-F238E27FC236}">
-                <a16:creationId xmlns="" xmlns:a16="http://schemas.microsoft.com/office/drawing/2014/main" id="{BE0C0FF2-734F-440D-9121-2CA00E623972}"/>
+                <a16:creationId xmlns:a16="http://schemas.microsoft.com/office/drawing/2014/main" xmlns="" id="{BE0C0FF2-734F-440D-9121-2CA00E623972}"/>
               </a:ext>
             </a:extLst>
           </p:cNvPr>
@@ -9590,7 +9591,7 @@
           <p:cNvPr id="65" name="TextBox 64">
             <a:extLst>
               <a:ext uri="{FF2B5EF4-FFF2-40B4-BE49-F238E27FC236}">
-                <a16:creationId xmlns="" xmlns:a16="http://schemas.microsoft.com/office/drawing/2014/main" id="{75621EA3-8E7A-411B-81FC-098BF5452E03}"/>
+                <a16:creationId xmlns:a16="http://schemas.microsoft.com/office/drawing/2014/main" xmlns="" id="{75621EA3-8E7A-411B-81FC-098BF5452E03}"/>
               </a:ext>
             </a:extLst>
           </p:cNvPr>
@@ -9632,7 +9633,7 @@
           <p:cNvPr id="66" name="TextBox 65">
             <a:extLst>
               <a:ext uri="{FF2B5EF4-FFF2-40B4-BE49-F238E27FC236}">
-                <a16:creationId xmlns="" xmlns:a16="http://schemas.microsoft.com/office/drawing/2014/main" id="{C1FA5586-4F2E-4F6A-A0FA-1855CDED3BDC}"/>
+                <a16:creationId xmlns:a16="http://schemas.microsoft.com/office/drawing/2014/main" xmlns="" id="{C1FA5586-4F2E-4F6A-A0FA-1855CDED3BDC}"/>
               </a:ext>
             </a:extLst>
           </p:cNvPr>
@@ -9674,7 +9675,7 @@
           <p:cNvPr id="67" name="TextBox 66">
             <a:extLst>
               <a:ext uri="{FF2B5EF4-FFF2-40B4-BE49-F238E27FC236}">
-                <a16:creationId xmlns="" xmlns:a16="http://schemas.microsoft.com/office/drawing/2014/main" id="{141486BF-6F45-441A-95F3-D175221A8176}"/>
+                <a16:creationId xmlns:a16="http://schemas.microsoft.com/office/drawing/2014/main" xmlns="" id="{141486BF-6F45-441A-95F3-D175221A8176}"/>
               </a:ext>
             </a:extLst>
           </p:cNvPr>
@@ -9716,7 +9717,7 @@
           <p:cNvPr id="68" name="TextBox 67">
             <a:extLst>
               <a:ext uri="{FF2B5EF4-FFF2-40B4-BE49-F238E27FC236}">
-                <a16:creationId xmlns="" xmlns:a16="http://schemas.microsoft.com/office/drawing/2014/main" id="{D1BF9F06-0991-468D-8349-6B35F7061937}"/>
+                <a16:creationId xmlns:a16="http://schemas.microsoft.com/office/drawing/2014/main" xmlns="" id="{D1BF9F06-0991-468D-8349-6B35F7061937}"/>
               </a:ext>
             </a:extLst>
           </p:cNvPr>
@@ -9758,7 +9759,7 @@
           <p:cNvPr id="69" name="TextBox 68">
             <a:extLst>
               <a:ext uri="{FF2B5EF4-FFF2-40B4-BE49-F238E27FC236}">
-                <a16:creationId xmlns="" xmlns:a16="http://schemas.microsoft.com/office/drawing/2014/main" id="{298D047E-0D35-48CC-B73B-A5246B507DEC}"/>
+                <a16:creationId xmlns:a16="http://schemas.microsoft.com/office/drawing/2014/main" xmlns="" id="{298D047E-0D35-48CC-B73B-A5246B507DEC}"/>
               </a:ext>
             </a:extLst>
           </p:cNvPr>
@@ -9800,7 +9801,7 @@
           <p:cNvPr id="70" name="TextBox 69">
             <a:extLst>
               <a:ext uri="{FF2B5EF4-FFF2-40B4-BE49-F238E27FC236}">
-                <a16:creationId xmlns="" xmlns:a16="http://schemas.microsoft.com/office/drawing/2014/main" id="{3E688838-CA83-4471-9A4C-650BFD22C65B}"/>
+                <a16:creationId xmlns:a16="http://schemas.microsoft.com/office/drawing/2014/main" xmlns="" id="{3E688838-CA83-4471-9A4C-650BFD22C65B}"/>
               </a:ext>
             </a:extLst>
           </p:cNvPr>
@@ -9842,7 +9843,7 @@
           <p:cNvPr id="71" name="TextBox 70">
             <a:extLst>
               <a:ext uri="{FF2B5EF4-FFF2-40B4-BE49-F238E27FC236}">
-                <a16:creationId xmlns="" xmlns:a16="http://schemas.microsoft.com/office/drawing/2014/main" id="{9CECF851-F0A1-4282-996C-B5D11CEB5290}"/>
+                <a16:creationId xmlns:a16="http://schemas.microsoft.com/office/drawing/2014/main" xmlns="" id="{9CECF851-F0A1-4282-996C-B5D11CEB5290}"/>
               </a:ext>
             </a:extLst>
           </p:cNvPr>
@@ -9884,7 +9885,7 @@
           <p:cNvPr id="72" name="TextBox 71">
             <a:extLst>
               <a:ext uri="{FF2B5EF4-FFF2-40B4-BE49-F238E27FC236}">
-                <a16:creationId xmlns="" xmlns:a16="http://schemas.microsoft.com/office/drawing/2014/main" id="{69BC8545-3494-47F8-AF2D-6D5219239A00}"/>
+                <a16:creationId xmlns:a16="http://schemas.microsoft.com/office/drawing/2014/main" xmlns="" id="{69BC8545-3494-47F8-AF2D-6D5219239A00}"/>
               </a:ext>
             </a:extLst>
           </p:cNvPr>
@@ -9926,7 +9927,7 @@
           <p:cNvPr id="73" name="TextBox 72">
             <a:extLst>
               <a:ext uri="{FF2B5EF4-FFF2-40B4-BE49-F238E27FC236}">
-                <a16:creationId xmlns="" xmlns:a16="http://schemas.microsoft.com/office/drawing/2014/main" id="{FB9808E6-A5DB-4C5B-8EA9-D7841F12F0BE}"/>
+                <a16:creationId xmlns:a16="http://schemas.microsoft.com/office/drawing/2014/main" xmlns="" id="{FB9808E6-A5DB-4C5B-8EA9-D7841F12F0BE}"/>
               </a:ext>
             </a:extLst>
           </p:cNvPr>
@@ -9967,7 +9968,7 @@
           <p:cNvPr id="74" name="TextBox 73">
             <a:extLst>
               <a:ext uri="{FF2B5EF4-FFF2-40B4-BE49-F238E27FC236}">
-                <a16:creationId xmlns="" xmlns:a16="http://schemas.microsoft.com/office/drawing/2014/main" id="{77FEB70C-285E-44D7-BC63-B77A268499EC}"/>
+                <a16:creationId xmlns:a16="http://schemas.microsoft.com/office/drawing/2014/main" xmlns="" id="{77FEB70C-285E-44D7-BC63-B77A268499EC}"/>
               </a:ext>
             </a:extLst>
           </p:cNvPr>
@@ -10009,7 +10010,7 @@
           <p:cNvPr id="75" name="TextBox 74">
             <a:extLst>
               <a:ext uri="{FF2B5EF4-FFF2-40B4-BE49-F238E27FC236}">
-                <a16:creationId xmlns="" xmlns:a16="http://schemas.microsoft.com/office/drawing/2014/main" id="{2D586DBC-82ED-4D02-8CDB-898A98F22D29}"/>
+                <a16:creationId xmlns:a16="http://schemas.microsoft.com/office/drawing/2014/main" xmlns="" id="{2D586DBC-82ED-4D02-8CDB-898A98F22D29}"/>
               </a:ext>
             </a:extLst>
           </p:cNvPr>
@@ -10051,7 +10052,7 @@
           <p:cNvPr id="76" name="TextBox 75">
             <a:extLst>
               <a:ext uri="{FF2B5EF4-FFF2-40B4-BE49-F238E27FC236}">
-                <a16:creationId xmlns="" xmlns:a16="http://schemas.microsoft.com/office/drawing/2014/main" id="{22289A32-88D1-4436-B105-8F109602B5F6}"/>
+                <a16:creationId xmlns:a16="http://schemas.microsoft.com/office/drawing/2014/main" xmlns="" id="{22289A32-88D1-4436-B105-8F109602B5F6}"/>
               </a:ext>
             </a:extLst>
           </p:cNvPr>
@@ -10093,7 +10094,7 @@
           <p:cNvPr id="77" name="TextBox 76">
             <a:extLst>
               <a:ext uri="{FF2B5EF4-FFF2-40B4-BE49-F238E27FC236}">
-                <a16:creationId xmlns="" xmlns:a16="http://schemas.microsoft.com/office/drawing/2014/main" id="{B378BD5B-1DD8-415E-B876-3BC7241E34FB}"/>
+                <a16:creationId xmlns:a16="http://schemas.microsoft.com/office/drawing/2014/main" xmlns="" id="{B378BD5B-1DD8-415E-B876-3BC7241E34FB}"/>
               </a:ext>
             </a:extLst>
           </p:cNvPr>
@@ -10135,7 +10136,7 @@
           <p:cNvPr id="78" name="TextBox 77">
             <a:extLst>
               <a:ext uri="{FF2B5EF4-FFF2-40B4-BE49-F238E27FC236}">
-                <a16:creationId xmlns="" xmlns:a16="http://schemas.microsoft.com/office/drawing/2014/main" id="{044ABCD1-0C74-4BB9-AA1C-4AA354CD99A4}"/>
+                <a16:creationId xmlns:a16="http://schemas.microsoft.com/office/drawing/2014/main" xmlns="" id="{044ABCD1-0C74-4BB9-AA1C-4AA354CD99A4}"/>
               </a:ext>
             </a:extLst>
           </p:cNvPr>
@@ -10177,7 +10178,7 @@
           <p:cNvPr id="79" name="TextBox 78">
             <a:extLst>
               <a:ext uri="{FF2B5EF4-FFF2-40B4-BE49-F238E27FC236}">
-                <a16:creationId xmlns="" xmlns:a16="http://schemas.microsoft.com/office/drawing/2014/main" id="{40BF79D4-31E0-457F-A861-F18F4B134B7E}"/>
+                <a16:creationId xmlns:a16="http://schemas.microsoft.com/office/drawing/2014/main" xmlns="" id="{40BF79D4-31E0-457F-A861-F18F4B134B7E}"/>
               </a:ext>
             </a:extLst>
           </p:cNvPr>
@@ -10219,7 +10220,7 @@
           <p:cNvPr id="80" name="TextBox 79">
             <a:extLst>
               <a:ext uri="{FF2B5EF4-FFF2-40B4-BE49-F238E27FC236}">
-                <a16:creationId xmlns="" xmlns:a16="http://schemas.microsoft.com/office/drawing/2014/main" id="{B298DBD4-3E3A-4ABA-AD91-E2BFAB365382}"/>
+                <a16:creationId xmlns:a16="http://schemas.microsoft.com/office/drawing/2014/main" xmlns="" id="{B298DBD4-3E3A-4ABA-AD91-E2BFAB365382}"/>
               </a:ext>
             </a:extLst>
           </p:cNvPr>
@@ -10263,7 +10264,7 @@
               <p:cNvPr id="81" name="TextBox 80">
                 <a:extLst>
                   <a:ext uri="{FF2B5EF4-FFF2-40B4-BE49-F238E27FC236}">
-                    <a16:creationId xmlns="" xmlns:a16="http://schemas.microsoft.com/office/drawing/2014/main" id="{3460AABE-49C3-4A25-B0A5-5326C3838920}"/>
+                    <a16:creationId xmlns:a16="http://schemas.microsoft.com/office/drawing/2014/main" xmlns="" id="{3460AABE-49C3-4A25-B0A5-5326C3838920}"/>
                   </a:ext>
                 </a:extLst>
               </p:cNvPr>
@@ -10466,7 +10467,7 @@
           <p:cNvPr id="93" name="TextBox 92">
             <a:extLst>
               <a:ext uri="{FF2B5EF4-FFF2-40B4-BE49-F238E27FC236}">
-                <a16:creationId xmlns="" xmlns:a16="http://schemas.microsoft.com/office/drawing/2014/main" id="{EF22571D-3744-43F2-B47A-33FBDE888CF5}"/>
+                <a16:creationId xmlns:a16="http://schemas.microsoft.com/office/drawing/2014/main" xmlns="" id="{EF22571D-3744-43F2-B47A-33FBDE888CF5}"/>
               </a:ext>
             </a:extLst>
           </p:cNvPr>
@@ -10532,7 +10533,7 @@
               <p:cNvPr id="84" name="TextBox 83">
                 <a:extLst>
                   <a:ext uri="{FF2B5EF4-FFF2-40B4-BE49-F238E27FC236}">
-                    <a16:creationId xmlns="" xmlns:a16="http://schemas.microsoft.com/office/drawing/2014/main" id="{637A9EBD-8651-4827-A9C8-718C09951F70}"/>
+                    <a16:creationId xmlns:a16="http://schemas.microsoft.com/office/drawing/2014/main" xmlns="" id="{637A9EBD-8651-4827-A9C8-718C09951F70}"/>
                   </a:ext>
                 </a:extLst>
               </p:cNvPr>
@@ -10690,7 +10691,7 @@
               <p:cNvPr id="85" name="TextBox 84">
                 <a:extLst>
                   <a:ext uri="{FF2B5EF4-FFF2-40B4-BE49-F238E27FC236}">
-                    <a16:creationId xmlns="" xmlns:a16="http://schemas.microsoft.com/office/drawing/2014/main" id="{30DFB557-63B6-4825-A4E9-AA48679DDB80}"/>
+                    <a16:creationId xmlns:a16="http://schemas.microsoft.com/office/drawing/2014/main" xmlns="" id="{30DFB557-63B6-4825-A4E9-AA48679DDB80}"/>
                   </a:ext>
                 </a:extLst>
               </p:cNvPr>
@@ -10846,7 +10847,7 @@
           <p:cNvPr id="7" name="화살표: 왼쪽/오른쪽 6">
             <a:extLst>
               <a:ext uri="{FF2B5EF4-FFF2-40B4-BE49-F238E27FC236}">
-                <a16:creationId xmlns="" xmlns:a16="http://schemas.microsoft.com/office/drawing/2014/main" id="{4E12E168-D9FF-4343-B35E-06DA76E44FB7}"/>
+                <a16:creationId xmlns:a16="http://schemas.microsoft.com/office/drawing/2014/main" xmlns="" id="{4E12E168-D9FF-4343-B35E-06DA76E44FB7}"/>
               </a:ext>
             </a:extLst>
           </p:cNvPr>
@@ -10904,7 +10905,7 @@
           <p:cNvPr id="86" name="화살표: 왼쪽/오른쪽 85">
             <a:extLst>
               <a:ext uri="{FF2B5EF4-FFF2-40B4-BE49-F238E27FC236}">
-                <a16:creationId xmlns="" xmlns:a16="http://schemas.microsoft.com/office/drawing/2014/main" id="{EF7A27AD-799A-48D7-92C2-6074E551A6E9}"/>
+                <a16:creationId xmlns:a16="http://schemas.microsoft.com/office/drawing/2014/main" xmlns="" id="{EF7A27AD-799A-48D7-92C2-6074E551A6E9}"/>
               </a:ext>
             </a:extLst>
           </p:cNvPr>
@@ -10962,7 +10963,7 @@
           <p:cNvPr id="87" name="TextBox 86">
             <a:extLst>
               <a:ext uri="{FF2B5EF4-FFF2-40B4-BE49-F238E27FC236}">
-                <a16:creationId xmlns="" xmlns:a16="http://schemas.microsoft.com/office/drawing/2014/main" id="{38413CFF-9145-48E8-AA03-05D6C8B2F931}"/>
+                <a16:creationId xmlns:a16="http://schemas.microsoft.com/office/drawing/2014/main" xmlns="" id="{38413CFF-9145-48E8-AA03-05D6C8B2F931}"/>
               </a:ext>
             </a:extLst>
           </p:cNvPr>
@@ -11062,7 +11063,7 @@
             <p:cNvPr id="54" name="직선 연결선 53">
               <a:extLst>
                 <a:ext uri="{FF2B5EF4-FFF2-40B4-BE49-F238E27FC236}">
-                  <a16:creationId xmlns="" xmlns:a16="http://schemas.microsoft.com/office/drawing/2014/main" id="{C0E7FF59-BEE0-4C00-9F83-E09D00B0C516}"/>
+                  <a16:creationId xmlns:a16="http://schemas.microsoft.com/office/drawing/2014/main" xmlns="" id="{C0E7FF59-BEE0-4C00-9F83-E09D00B0C516}"/>
                 </a:ext>
               </a:extLst>
             </p:cNvPr>
@@ -11106,7 +11107,7 @@
             <p:cNvPr id="82" name="직선 연결선 81">
               <a:extLst>
                 <a:ext uri="{FF2B5EF4-FFF2-40B4-BE49-F238E27FC236}">
-                  <a16:creationId xmlns="" xmlns:a16="http://schemas.microsoft.com/office/drawing/2014/main" id="{81C795E2-4BAB-4B30-8615-EF5D39005982}"/>
+                  <a16:creationId xmlns:a16="http://schemas.microsoft.com/office/drawing/2014/main" xmlns="" id="{81C795E2-4BAB-4B30-8615-EF5D39005982}"/>
                 </a:ext>
               </a:extLst>
             </p:cNvPr>
@@ -11150,7 +11151,7 @@
             <p:cNvPr id="83" name="직선 연결선 82">
               <a:extLst>
                 <a:ext uri="{FF2B5EF4-FFF2-40B4-BE49-F238E27FC236}">
-                  <a16:creationId xmlns="" xmlns:a16="http://schemas.microsoft.com/office/drawing/2014/main" id="{FF755B02-EC7C-4BA0-A253-E7B3B6C7D81C}"/>
+                  <a16:creationId xmlns:a16="http://schemas.microsoft.com/office/drawing/2014/main" xmlns="" id="{FF755B02-EC7C-4BA0-A253-E7B3B6C7D81C}"/>
                 </a:ext>
               </a:extLst>
             </p:cNvPr>
@@ -11258,7 +11259,7 @@
             <p:cNvPr id="4" name="TextBox 3">
               <a:extLst>
                 <a:ext uri="{FF2B5EF4-FFF2-40B4-BE49-F238E27FC236}">
-                  <a16:creationId xmlns="" xmlns:a16="http://schemas.microsoft.com/office/drawing/2014/main" id="{C04AFB07-A04F-4BA4-AFC3-446CE5957D9D}"/>
+                  <a16:creationId xmlns:a16="http://schemas.microsoft.com/office/drawing/2014/main" xmlns="" id="{C04AFB07-A04F-4BA4-AFC3-446CE5957D9D}"/>
                 </a:ext>
               </a:extLst>
             </p:cNvPr>
@@ -11300,7 +11301,7 @@
             <p:cNvPr id="56" name="TextBox 55">
               <a:extLst>
                 <a:ext uri="{FF2B5EF4-FFF2-40B4-BE49-F238E27FC236}">
-                  <a16:creationId xmlns="" xmlns:a16="http://schemas.microsoft.com/office/drawing/2014/main" id="{B6A70F32-8562-4E73-BD1D-CF9D36148B17}"/>
+                  <a16:creationId xmlns:a16="http://schemas.microsoft.com/office/drawing/2014/main" xmlns="" id="{B6A70F32-8562-4E73-BD1D-CF9D36148B17}"/>
                 </a:ext>
               </a:extLst>
             </p:cNvPr>
@@ -11342,7 +11343,7 @@
             <p:cNvPr id="57" name="TextBox 56">
               <a:extLst>
                 <a:ext uri="{FF2B5EF4-FFF2-40B4-BE49-F238E27FC236}">
-                  <a16:creationId xmlns="" xmlns:a16="http://schemas.microsoft.com/office/drawing/2014/main" id="{69C2B872-9BEB-4D28-96BF-A163FA23B2AE}"/>
+                  <a16:creationId xmlns:a16="http://schemas.microsoft.com/office/drawing/2014/main" xmlns="" id="{69C2B872-9BEB-4D28-96BF-A163FA23B2AE}"/>
                 </a:ext>
               </a:extLst>
             </p:cNvPr>
@@ -11384,7 +11385,7 @@
             <p:cNvPr id="58" name="TextBox 57">
               <a:extLst>
                 <a:ext uri="{FF2B5EF4-FFF2-40B4-BE49-F238E27FC236}">
-                  <a16:creationId xmlns="" xmlns:a16="http://schemas.microsoft.com/office/drawing/2014/main" id="{EF643D31-A1D1-4965-BB3A-247350DB9036}"/>
+                  <a16:creationId xmlns:a16="http://schemas.microsoft.com/office/drawing/2014/main" xmlns="" id="{EF643D31-A1D1-4965-BB3A-247350DB9036}"/>
                 </a:ext>
               </a:extLst>
             </p:cNvPr>
@@ -11426,7 +11427,7 @@
             <p:cNvPr id="59" name="TextBox 58">
               <a:extLst>
                 <a:ext uri="{FF2B5EF4-FFF2-40B4-BE49-F238E27FC236}">
-                  <a16:creationId xmlns="" xmlns:a16="http://schemas.microsoft.com/office/drawing/2014/main" id="{CEFEF120-AE30-4C7C-8637-42BDD97D4151}"/>
+                  <a16:creationId xmlns:a16="http://schemas.microsoft.com/office/drawing/2014/main" xmlns="" id="{CEFEF120-AE30-4C7C-8637-42BDD97D4151}"/>
                 </a:ext>
               </a:extLst>
             </p:cNvPr>
@@ -11468,7 +11469,7 @@
             <p:cNvPr id="60" name="TextBox 59">
               <a:extLst>
                 <a:ext uri="{FF2B5EF4-FFF2-40B4-BE49-F238E27FC236}">
-                  <a16:creationId xmlns="" xmlns:a16="http://schemas.microsoft.com/office/drawing/2014/main" id="{1EF9F216-41A4-4695-A143-7F795D43D60F}"/>
+                  <a16:creationId xmlns:a16="http://schemas.microsoft.com/office/drawing/2014/main" xmlns="" id="{1EF9F216-41A4-4695-A143-7F795D43D60F}"/>
                 </a:ext>
               </a:extLst>
             </p:cNvPr>
@@ -11510,7 +11511,7 @@
             <p:cNvPr id="61" name="TextBox 60">
               <a:extLst>
                 <a:ext uri="{FF2B5EF4-FFF2-40B4-BE49-F238E27FC236}">
-                  <a16:creationId xmlns="" xmlns:a16="http://schemas.microsoft.com/office/drawing/2014/main" id="{2A0E21AB-25E9-49DD-ADB4-0D3EC75B25A1}"/>
+                  <a16:creationId xmlns:a16="http://schemas.microsoft.com/office/drawing/2014/main" xmlns="" id="{2A0E21AB-25E9-49DD-ADB4-0D3EC75B25A1}"/>
                 </a:ext>
               </a:extLst>
             </p:cNvPr>
@@ -11552,7 +11553,7 @@
             <p:cNvPr id="62" name="TextBox 61">
               <a:extLst>
                 <a:ext uri="{FF2B5EF4-FFF2-40B4-BE49-F238E27FC236}">
-                  <a16:creationId xmlns="" xmlns:a16="http://schemas.microsoft.com/office/drawing/2014/main" id="{74F7DFBB-01DD-4E1C-AA49-53D5262B1568}"/>
+                  <a16:creationId xmlns:a16="http://schemas.microsoft.com/office/drawing/2014/main" xmlns="" id="{74F7DFBB-01DD-4E1C-AA49-53D5262B1568}"/>
                 </a:ext>
               </a:extLst>
             </p:cNvPr>
@@ -11594,7 +11595,7 @@
             <p:cNvPr id="63" name="TextBox 62">
               <a:extLst>
                 <a:ext uri="{FF2B5EF4-FFF2-40B4-BE49-F238E27FC236}">
-                  <a16:creationId xmlns="" xmlns:a16="http://schemas.microsoft.com/office/drawing/2014/main" id="{A80CF1C4-9476-4397-A3ED-365156FF8C0B}"/>
+                  <a16:creationId xmlns:a16="http://schemas.microsoft.com/office/drawing/2014/main" xmlns="" id="{A80CF1C4-9476-4397-A3ED-365156FF8C0B}"/>
                 </a:ext>
               </a:extLst>
             </p:cNvPr>
@@ -11636,7 +11637,7 @@
             <p:cNvPr id="64" name="TextBox 63">
               <a:extLst>
                 <a:ext uri="{FF2B5EF4-FFF2-40B4-BE49-F238E27FC236}">
-                  <a16:creationId xmlns="" xmlns:a16="http://schemas.microsoft.com/office/drawing/2014/main" id="{BE0C0FF2-734F-440D-9121-2CA00E623972}"/>
+                  <a16:creationId xmlns:a16="http://schemas.microsoft.com/office/drawing/2014/main" xmlns="" id="{BE0C0FF2-734F-440D-9121-2CA00E623972}"/>
                 </a:ext>
               </a:extLst>
             </p:cNvPr>
@@ -11678,7 +11679,7 @@
             <p:cNvPr id="65" name="TextBox 64">
               <a:extLst>
                 <a:ext uri="{FF2B5EF4-FFF2-40B4-BE49-F238E27FC236}">
-                  <a16:creationId xmlns="" xmlns:a16="http://schemas.microsoft.com/office/drawing/2014/main" id="{75621EA3-8E7A-411B-81FC-098BF5452E03}"/>
+                  <a16:creationId xmlns:a16="http://schemas.microsoft.com/office/drawing/2014/main" xmlns="" id="{75621EA3-8E7A-411B-81FC-098BF5452E03}"/>
                 </a:ext>
               </a:extLst>
             </p:cNvPr>
@@ -11720,7 +11721,7 @@
             <p:cNvPr id="66" name="TextBox 65">
               <a:extLst>
                 <a:ext uri="{FF2B5EF4-FFF2-40B4-BE49-F238E27FC236}">
-                  <a16:creationId xmlns="" xmlns:a16="http://schemas.microsoft.com/office/drawing/2014/main" id="{C1FA5586-4F2E-4F6A-A0FA-1855CDED3BDC}"/>
+                  <a16:creationId xmlns:a16="http://schemas.microsoft.com/office/drawing/2014/main" xmlns="" id="{C1FA5586-4F2E-4F6A-A0FA-1855CDED3BDC}"/>
                 </a:ext>
               </a:extLst>
             </p:cNvPr>
@@ -11762,7 +11763,7 @@
             <p:cNvPr id="67" name="TextBox 66">
               <a:extLst>
                 <a:ext uri="{FF2B5EF4-FFF2-40B4-BE49-F238E27FC236}">
-                  <a16:creationId xmlns="" xmlns:a16="http://schemas.microsoft.com/office/drawing/2014/main" id="{141486BF-6F45-441A-95F3-D175221A8176}"/>
+                  <a16:creationId xmlns:a16="http://schemas.microsoft.com/office/drawing/2014/main" xmlns="" id="{141486BF-6F45-441A-95F3-D175221A8176}"/>
                 </a:ext>
               </a:extLst>
             </p:cNvPr>
@@ -11804,7 +11805,7 @@
             <p:cNvPr id="68" name="TextBox 67">
               <a:extLst>
                 <a:ext uri="{FF2B5EF4-FFF2-40B4-BE49-F238E27FC236}">
-                  <a16:creationId xmlns="" xmlns:a16="http://schemas.microsoft.com/office/drawing/2014/main" id="{D1BF9F06-0991-468D-8349-6B35F7061937}"/>
+                  <a16:creationId xmlns:a16="http://schemas.microsoft.com/office/drawing/2014/main" xmlns="" id="{D1BF9F06-0991-468D-8349-6B35F7061937}"/>
                 </a:ext>
               </a:extLst>
             </p:cNvPr>
@@ -11846,7 +11847,7 @@
             <p:cNvPr id="69" name="TextBox 68">
               <a:extLst>
                 <a:ext uri="{FF2B5EF4-FFF2-40B4-BE49-F238E27FC236}">
-                  <a16:creationId xmlns="" xmlns:a16="http://schemas.microsoft.com/office/drawing/2014/main" id="{298D047E-0D35-48CC-B73B-A5246B507DEC}"/>
+                  <a16:creationId xmlns:a16="http://schemas.microsoft.com/office/drawing/2014/main" xmlns="" id="{298D047E-0D35-48CC-B73B-A5246B507DEC}"/>
                 </a:ext>
               </a:extLst>
             </p:cNvPr>
@@ -11888,7 +11889,7 @@
             <p:cNvPr id="70" name="TextBox 69">
               <a:extLst>
                 <a:ext uri="{FF2B5EF4-FFF2-40B4-BE49-F238E27FC236}">
-                  <a16:creationId xmlns="" xmlns:a16="http://schemas.microsoft.com/office/drawing/2014/main" id="{3E688838-CA83-4471-9A4C-650BFD22C65B}"/>
+                  <a16:creationId xmlns:a16="http://schemas.microsoft.com/office/drawing/2014/main" xmlns="" id="{3E688838-CA83-4471-9A4C-650BFD22C65B}"/>
                 </a:ext>
               </a:extLst>
             </p:cNvPr>
@@ -11930,7 +11931,7 @@
             <p:cNvPr id="71" name="TextBox 70">
               <a:extLst>
                 <a:ext uri="{FF2B5EF4-FFF2-40B4-BE49-F238E27FC236}">
-                  <a16:creationId xmlns="" xmlns:a16="http://schemas.microsoft.com/office/drawing/2014/main" id="{9CECF851-F0A1-4282-996C-B5D11CEB5290}"/>
+                  <a16:creationId xmlns:a16="http://schemas.microsoft.com/office/drawing/2014/main" xmlns="" id="{9CECF851-F0A1-4282-996C-B5D11CEB5290}"/>
                 </a:ext>
               </a:extLst>
             </p:cNvPr>
@@ -11972,7 +11973,7 @@
             <p:cNvPr id="72" name="TextBox 71">
               <a:extLst>
                 <a:ext uri="{FF2B5EF4-FFF2-40B4-BE49-F238E27FC236}">
-                  <a16:creationId xmlns="" xmlns:a16="http://schemas.microsoft.com/office/drawing/2014/main" id="{69BC8545-3494-47F8-AF2D-6D5219239A00}"/>
+                  <a16:creationId xmlns:a16="http://schemas.microsoft.com/office/drawing/2014/main" xmlns="" id="{69BC8545-3494-47F8-AF2D-6D5219239A00}"/>
                 </a:ext>
               </a:extLst>
             </p:cNvPr>
@@ -12014,7 +12015,7 @@
             <p:cNvPr id="73" name="TextBox 72">
               <a:extLst>
                 <a:ext uri="{FF2B5EF4-FFF2-40B4-BE49-F238E27FC236}">
-                  <a16:creationId xmlns="" xmlns:a16="http://schemas.microsoft.com/office/drawing/2014/main" id="{FB9808E6-A5DB-4C5B-8EA9-D7841F12F0BE}"/>
+                  <a16:creationId xmlns:a16="http://schemas.microsoft.com/office/drawing/2014/main" xmlns="" id="{FB9808E6-A5DB-4C5B-8EA9-D7841F12F0BE}"/>
                 </a:ext>
               </a:extLst>
             </p:cNvPr>
@@ -12055,7 +12056,7 @@
             <p:cNvPr id="74" name="TextBox 73">
               <a:extLst>
                 <a:ext uri="{FF2B5EF4-FFF2-40B4-BE49-F238E27FC236}">
-                  <a16:creationId xmlns="" xmlns:a16="http://schemas.microsoft.com/office/drawing/2014/main" id="{77FEB70C-285E-44D7-BC63-B77A268499EC}"/>
+                  <a16:creationId xmlns:a16="http://schemas.microsoft.com/office/drawing/2014/main" xmlns="" id="{77FEB70C-285E-44D7-BC63-B77A268499EC}"/>
                 </a:ext>
               </a:extLst>
             </p:cNvPr>
@@ -12097,7 +12098,7 @@
             <p:cNvPr id="75" name="TextBox 74">
               <a:extLst>
                 <a:ext uri="{FF2B5EF4-FFF2-40B4-BE49-F238E27FC236}">
-                  <a16:creationId xmlns="" xmlns:a16="http://schemas.microsoft.com/office/drawing/2014/main" id="{2D586DBC-82ED-4D02-8CDB-898A98F22D29}"/>
+                  <a16:creationId xmlns:a16="http://schemas.microsoft.com/office/drawing/2014/main" xmlns="" id="{2D586DBC-82ED-4D02-8CDB-898A98F22D29}"/>
                 </a:ext>
               </a:extLst>
             </p:cNvPr>
@@ -12139,7 +12140,7 @@
             <p:cNvPr id="76" name="TextBox 75">
               <a:extLst>
                 <a:ext uri="{FF2B5EF4-FFF2-40B4-BE49-F238E27FC236}">
-                  <a16:creationId xmlns="" xmlns:a16="http://schemas.microsoft.com/office/drawing/2014/main" id="{22289A32-88D1-4436-B105-8F109602B5F6}"/>
+                  <a16:creationId xmlns:a16="http://schemas.microsoft.com/office/drawing/2014/main" xmlns="" id="{22289A32-88D1-4436-B105-8F109602B5F6}"/>
                 </a:ext>
               </a:extLst>
             </p:cNvPr>
@@ -12181,7 +12182,7 @@
             <p:cNvPr id="77" name="TextBox 76">
               <a:extLst>
                 <a:ext uri="{FF2B5EF4-FFF2-40B4-BE49-F238E27FC236}">
-                  <a16:creationId xmlns="" xmlns:a16="http://schemas.microsoft.com/office/drawing/2014/main" id="{B378BD5B-1DD8-415E-B876-3BC7241E34FB}"/>
+                  <a16:creationId xmlns:a16="http://schemas.microsoft.com/office/drawing/2014/main" xmlns="" id="{B378BD5B-1DD8-415E-B876-3BC7241E34FB}"/>
                 </a:ext>
               </a:extLst>
             </p:cNvPr>
@@ -12223,7 +12224,7 @@
             <p:cNvPr id="78" name="TextBox 77">
               <a:extLst>
                 <a:ext uri="{FF2B5EF4-FFF2-40B4-BE49-F238E27FC236}">
-                  <a16:creationId xmlns="" xmlns:a16="http://schemas.microsoft.com/office/drawing/2014/main" id="{044ABCD1-0C74-4BB9-AA1C-4AA354CD99A4}"/>
+                  <a16:creationId xmlns:a16="http://schemas.microsoft.com/office/drawing/2014/main" xmlns="" id="{044ABCD1-0C74-4BB9-AA1C-4AA354CD99A4}"/>
                 </a:ext>
               </a:extLst>
             </p:cNvPr>
@@ -12265,7 +12266,7 @@
             <p:cNvPr id="79" name="TextBox 78">
               <a:extLst>
                 <a:ext uri="{FF2B5EF4-FFF2-40B4-BE49-F238E27FC236}">
-                  <a16:creationId xmlns="" xmlns:a16="http://schemas.microsoft.com/office/drawing/2014/main" id="{40BF79D4-31E0-457F-A861-F18F4B134B7E}"/>
+                  <a16:creationId xmlns:a16="http://schemas.microsoft.com/office/drawing/2014/main" xmlns="" id="{40BF79D4-31E0-457F-A861-F18F4B134B7E}"/>
                 </a:ext>
               </a:extLst>
             </p:cNvPr>
@@ -12307,7 +12308,7 @@
             <p:cNvPr id="80" name="TextBox 79">
               <a:extLst>
                 <a:ext uri="{FF2B5EF4-FFF2-40B4-BE49-F238E27FC236}">
-                  <a16:creationId xmlns="" xmlns:a16="http://schemas.microsoft.com/office/drawing/2014/main" id="{B298DBD4-3E3A-4ABA-AD91-E2BFAB365382}"/>
+                  <a16:creationId xmlns:a16="http://schemas.microsoft.com/office/drawing/2014/main" xmlns="" id="{B298DBD4-3E3A-4ABA-AD91-E2BFAB365382}"/>
                 </a:ext>
               </a:extLst>
             </p:cNvPr>
@@ -12344,14 +12345,14 @@
             </a:p>
           </p:txBody>
         </p:sp>
-        <mc:AlternateContent xmlns:mc="http://schemas.openxmlformats.org/markup-compatibility/2006">
-          <mc:Choice xmlns:a14="http://schemas.microsoft.com/office/drawing/2010/main" Requires="a14">
+        <mc:AlternateContent xmlns:mc="http://schemas.openxmlformats.org/markup-compatibility/2006" xmlns:a14="http://schemas.microsoft.com/office/drawing/2010/main">
+          <mc:Choice Requires="a14">
             <p:sp>
               <p:nvSpPr>
                 <p:cNvPr id="81" name="TextBox 80">
                   <a:extLst>
                     <a:ext uri="{FF2B5EF4-FFF2-40B4-BE49-F238E27FC236}">
-                      <a16:creationId xmlns="" xmlns:a16="http://schemas.microsoft.com/office/drawing/2014/main" id="{3460AABE-49C3-4A25-B0A5-5326C3838920}"/>
+                      <a16:creationId xmlns:a16="http://schemas.microsoft.com/office/drawing/2014/main" xmlns="" id="{3460AABE-49C3-4A25-B0A5-5326C3838920}"/>
                     </a:ext>
                   </a:extLst>
                 </p:cNvPr>
@@ -12504,7 +12505,7 @@
               </p:txBody>
             </p:sp>
           </mc:Choice>
-          <mc:Fallback>
+          <mc:Fallback xmlns="">
             <p:sp>
               <p:nvSpPr>
                 <p:cNvPr id="81" name="TextBox 80">
@@ -12549,14 +12550,14 @@
             </p:sp>
           </mc:Fallback>
         </mc:AlternateContent>
-        <mc:AlternateContent xmlns:mc="http://schemas.openxmlformats.org/markup-compatibility/2006">
-          <mc:Choice xmlns:a14="http://schemas.microsoft.com/office/drawing/2010/main" Requires="a14">
+        <mc:AlternateContent xmlns:mc="http://schemas.openxmlformats.org/markup-compatibility/2006" xmlns:a14="http://schemas.microsoft.com/office/drawing/2010/main">
+          <mc:Choice Requires="a14">
             <p:sp>
               <p:nvSpPr>
                 <p:cNvPr id="84" name="TextBox 83">
                   <a:extLst>
                     <a:ext uri="{FF2B5EF4-FFF2-40B4-BE49-F238E27FC236}">
-                      <a16:creationId xmlns="" xmlns:a16="http://schemas.microsoft.com/office/drawing/2014/main" id="{637A9EBD-8651-4827-A9C8-718C09951F70}"/>
+                      <a16:creationId xmlns:a16="http://schemas.microsoft.com/office/drawing/2014/main" xmlns="" id="{637A9EBD-8651-4827-A9C8-718C09951F70}"/>
                     </a:ext>
                   </a:extLst>
                 </p:cNvPr>
@@ -12662,7 +12663,7 @@
               </p:txBody>
             </p:sp>
           </mc:Choice>
-          <mc:Fallback>
+          <mc:Fallback xmlns="">
             <p:sp>
               <p:nvSpPr>
                 <p:cNvPr id="84" name="TextBox 83">
@@ -12707,14 +12708,14 @@
             </p:sp>
           </mc:Fallback>
         </mc:AlternateContent>
-        <mc:AlternateContent xmlns:mc="http://schemas.openxmlformats.org/markup-compatibility/2006">
-          <mc:Choice xmlns:a14="http://schemas.microsoft.com/office/drawing/2010/main" Requires="a14">
+        <mc:AlternateContent xmlns:mc="http://schemas.openxmlformats.org/markup-compatibility/2006" xmlns:a14="http://schemas.microsoft.com/office/drawing/2010/main">
+          <mc:Choice Requires="a14">
             <p:sp>
               <p:nvSpPr>
                 <p:cNvPr id="85" name="TextBox 84">
                   <a:extLst>
                     <a:ext uri="{FF2B5EF4-FFF2-40B4-BE49-F238E27FC236}">
-                      <a16:creationId xmlns="" xmlns:a16="http://schemas.microsoft.com/office/drawing/2014/main" id="{30DFB557-63B6-4825-A4E9-AA48679DDB80}"/>
+                      <a16:creationId xmlns:a16="http://schemas.microsoft.com/office/drawing/2014/main" xmlns="" id="{30DFB557-63B6-4825-A4E9-AA48679DDB80}"/>
                     </a:ext>
                   </a:extLst>
                 </p:cNvPr>
@@ -12820,7 +12821,7 @@
               </p:txBody>
             </p:sp>
           </mc:Choice>
-          <mc:Fallback>
+          <mc:Fallback xmlns="">
             <p:sp>
               <p:nvSpPr>
                 <p:cNvPr id="85" name="TextBox 84">
@@ -12870,7 +12871,7 @@
             <p:cNvPr id="7" name="화살표: 왼쪽/오른쪽 6">
               <a:extLst>
                 <a:ext uri="{FF2B5EF4-FFF2-40B4-BE49-F238E27FC236}">
-                  <a16:creationId xmlns="" xmlns:a16="http://schemas.microsoft.com/office/drawing/2014/main" id="{4E12E168-D9FF-4343-B35E-06DA76E44FB7}"/>
+                  <a16:creationId xmlns:a16="http://schemas.microsoft.com/office/drawing/2014/main" xmlns="" id="{4E12E168-D9FF-4343-B35E-06DA76E44FB7}"/>
                 </a:ext>
               </a:extLst>
             </p:cNvPr>
@@ -12928,7 +12929,7 @@
             <p:cNvPr id="86" name="화살표: 왼쪽/오른쪽 85">
               <a:extLst>
                 <a:ext uri="{FF2B5EF4-FFF2-40B4-BE49-F238E27FC236}">
-                  <a16:creationId xmlns="" xmlns:a16="http://schemas.microsoft.com/office/drawing/2014/main" id="{EF7A27AD-799A-48D7-92C2-6074E551A6E9}"/>
+                  <a16:creationId xmlns:a16="http://schemas.microsoft.com/office/drawing/2014/main" xmlns="" id="{EF7A27AD-799A-48D7-92C2-6074E551A6E9}"/>
                 </a:ext>
               </a:extLst>
             </p:cNvPr>
@@ -12986,7 +12987,7 @@
             <p:cNvPr id="87" name="TextBox 86">
               <a:extLst>
                 <a:ext uri="{FF2B5EF4-FFF2-40B4-BE49-F238E27FC236}">
-                  <a16:creationId xmlns="" xmlns:a16="http://schemas.microsoft.com/office/drawing/2014/main" id="{38413CFF-9145-48E8-AA03-05D6C8B2F931}"/>
+                  <a16:creationId xmlns:a16="http://schemas.microsoft.com/office/drawing/2014/main" xmlns="" id="{38413CFF-9145-48E8-AA03-05D6C8B2F931}"/>
                 </a:ext>
               </a:extLst>
             </p:cNvPr>
@@ -13042,7 +13043,7 @@
             <p:cNvPr id="39" name="직선 연결선 38">
               <a:extLst>
                 <a:ext uri="{FF2B5EF4-FFF2-40B4-BE49-F238E27FC236}">
-                  <a16:creationId xmlns="" xmlns:a16="http://schemas.microsoft.com/office/drawing/2014/main" id="{C0E7FF59-BEE0-4C00-9F83-E09D00B0C516}"/>
+                  <a16:creationId xmlns:a16="http://schemas.microsoft.com/office/drawing/2014/main" xmlns="" id="{C0E7FF59-BEE0-4C00-9F83-E09D00B0C516}"/>
                 </a:ext>
               </a:extLst>
             </p:cNvPr>
@@ -13086,7 +13087,7 @@
             <p:cNvPr id="40" name="직선 연결선 39">
               <a:extLst>
                 <a:ext uri="{FF2B5EF4-FFF2-40B4-BE49-F238E27FC236}">
-                  <a16:creationId xmlns="" xmlns:a16="http://schemas.microsoft.com/office/drawing/2014/main" id="{81C795E2-4BAB-4B30-8615-EF5D39005982}"/>
+                  <a16:creationId xmlns:a16="http://schemas.microsoft.com/office/drawing/2014/main" xmlns="" id="{81C795E2-4BAB-4B30-8615-EF5D39005982}"/>
                 </a:ext>
               </a:extLst>
             </p:cNvPr>
@@ -13130,7 +13131,7 @@
             <p:cNvPr id="41" name="직선 연결선 40">
               <a:extLst>
                 <a:ext uri="{FF2B5EF4-FFF2-40B4-BE49-F238E27FC236}">
-                  <a16:creationId xmlns="" xmlns:a16="http://schemas.microsoft.com/office/drawing/2014/main" id="{FF755B02-EC7C-4BA0-A253-E7B3B6C7D81C}"/>
+                  <a16:creationId xmlns:a16="http://schemas.microsoft.com/office/drawing/2014/main" xmlns="" id="{FF755B02-EC7C-4BA0-A253-E7B3B6C7D81C}"/>
                 </a:ext>
               </a:extLst>
             </p:cNvPr>
@@ -13238,7 +13239,7 @@
             <p:cNvPr id="43" name="TextBox 42">
               <a:extLst>
                 <a:ext uri="{FF2B5EF4-FFF2-40B4-BE49-F238E27FC236}">
-                  <a16:creationId xmlns="" xmlns:a16="http://schemas.microsoft.com/office/drawing/2014/main" id="{C04AFB07-A04F-4BA4-AFC3-446CE5957D9D}"/>
+                  <a16:creationId xmlns:a16="http://schemas.microsoft.com/office/drawing/2014/main" xmlns="" id="{C04AFB07-A04F-4BA4-AFC3-446CE5957D9D}"/>
                 </a:ext>
               </a:extLst>
             </p:cNvPr>
@@ -13280,7 +13281,7 @@
             <p:cNvPr id="44" name="TextBox 43">
               <a:extLst>
                 <a:ext uri="{FF2B5EF4-FFF2-40B4-BE49-F238E27FC236}">
-                  <a16:creationId xmlns="" xmlns:a16="http://schemas.microsoft.com/office/drawing/2014/main" id="{B6A70F32-8562-4E73-BD1D-CF9D36148B17}"/>
+                  <a16:creationId xmlns:a16="http://schemas.microsoft.com/office/drawing/2014/main" xmlns="" id="{B6A70F32-8562-4E73-BD1D-CF9D36148B17}"/>
                 </a:ext>
               </a:extLst>
             </p:cNvPr>
@@ -13322,7 +13323,7 @@
             <p:cNvPr id="45" name="TextBox 44">
               <a:extLst>
                 <a:ext uri="{FF2B5EF4-FFF2-40B4-BE49-F238E27FC236}">
-                  <a16:creationId xmlns="" xmlns:a16="http://schemas.microsoft.com/office/drawing/2014/main" id="{69C2B872-9BEB-4D28-96BF-A163FA23B2AE}"/>
+                  <a16:creationId xmlns:a16="http://schemas.microsoft.com/office/drawing/2014/main" xmlns="" id="{69C2B872-9BEB-4D28-96BF-A163FA23B2AE}"/>
                 </a:ext>
               </a:extLst>
             </p:cNvPr>
@@ -13364,7 +13365,7 @@
             <p:cNvPr id="46" name="TextBox 45">
               <a:extLst>
                 <a:ext uri="{FF2B5EF4-FFF2-40B4-BE49-F238E27FC236}">
-                  <a16:creationId xmlns="" xmlns:a16="http://schemas.microsoft.com/office/drawing/2014/main" id="{EF643D31-A1D1-4965-BB3A-247350DB9036}"/>
+                  <a16:creationId xmlns:a16="http://schemas.microsoft.com/office/drawing/2014/main" xmlns="" id="{EF643D31-A1D1-4965-BB3A-247350DB9036}"/>
                 </a:ext>
               </a:extLst>
             </p:cNvPr>
@@ -13406,7 +13407,7 @@
             <p:cNvPr id="47" name="TextBox 46">
               <a:extLst>
                 <a:ext uri="{FF2B5EF4-FFF2-40B4-BE49-F238E27FC236}">
-                  <a16:creationId xmlns="" xmlns:a16="http://schemas.microsoft.com/office/drawing/2014/main" id="{CEFEF120-AE30-4C7C-8637-42BDD97D4151}"/>
+                  <a16:creationId xmlns:a16="http://schemas.microsoft.com/office/drawing/2014/main" xmlns="" id="{CEFEF120-AE30-4C7C-8637-42BDD97D4151}"/>
                 </a:ext>
               </a:extLst>
             </p:cNvPr>
@@ -13448,7 +13449,7 @@
             <p:cNvPr id="48" name="TextBox 47">
               <a:extLst>
                 <a:ext uri="{FF2B5EF4-FFF2-40B4-BE49-F238E27FC236}">
-                  <a16:creationId xmlns="" xmlns:a16="http://schemas.microsoft.com/office/drawing/2014/main" id="{1EF9F216-41A4-4695-A143-7F795D43D60F}"/>
+                  <a16:creationId xmlns:a16="http://schemas.microsoft.com/office/drawing/2014/main" xmlns="" id="{1EF9F216-41A4-4695-A143-7F795D43D60F}"/>
                 </a:ext>
               </a:extLst>
             </p:cNvPr>
@@ -13490,7 +13491,7 @@
             <p:cNvPr id="49" name="TextBox 48">
               <a:extLst>
                 <a:ext uri="{FF2B5EF4-FFF2-40B4-BE49-F238E27FC236}">
-                  <a16:creationId xmlns="" xmlns:a16="http://schemas.microsoft.com/office/drawing/2014/main" id="{2A0E21AB-25E9-49DD-ADB4-0D3EC75B25A1}"/>
+                  <a16:creationId xmlns:a16="http://schemas.microsoft.com/office/drawing/2014/main" xmlns="" id="{2A0E21AB-25E9-49DD-ADB4-0D3EC75B25A1}"/>
                 </a:ext>
               </a:extLst>
             </p:cNvPr>
@@ -13532,7 +13533,7 @@
             <p:cNvPr id="50" name="TextBox 49">
               <a:extLst>
                 <a:ext uri="{FF2B5EF4-FFF2-40B4-BE49-F238E27FC236}">
-                  <a16:creationId xmlns="" xmlns:a16="http://schemas.microsoft.com/office/drawing/2014/main" id="{74F7DFBB-01DD-4E1C-AA49-53D5262B1568}"/>
+                  <a16:creationId xmlns:a16="http://schemas.microsoft.com/office/drawing/2014/main" xmlns="" id="{74F7DFBB-01DD-4E1C-AA49-53D5262B1568}"/>
                 </a:ext>
               </a:extLst>
             </p:cNvPr>
@@ -13574,7 +13575,7 @@
             <p:cNvPr id="51" name="TextBox 50">
               <a:extLst>
                 <a:ext uri="{FF2B5EF4-FFF2-40B4-BE49-F238E27FC236}">
-                  <a16:creationId xmlns="" xmlns:a16="http://schemas.microsoft.com/office/drawing/2014/main" id="{A80CF1C4-9476-4397-A3ED-365156FF8C0B}"/>
+                  <a16:creationId xmlns:a16="http://schemas.microsoft.com/office/drawing/2014/main" xmlns="" id="{A80CF1C4-9476-4397-A3ED-365156FF8C0B}"/>
                 </a:ext>
               </a:extLst>
             </p:cNvPr>
@@ -13616,7 +13617,7 @@
             <p:cNvPr id="52" name="TextBox 51">
               <a:extLst>
                 <a:ext uri="{FF2B5EF4-FFF2-40B4-BE49-F238E27FC236}">
-                  <a16:creationId xmlns="" xmlns:a16="http://schemas.microsoft.com/office/drawing/2014/main" id="{BE0C0FF2-734F-440D-9121-2CA00E623972}"/>
+                  <a16:creationId xmlns:a16="http://schemas.microsoft.com/office/drawing/2014/main" xmlns="" id="{BE0C0FF2-734F-440D-9121-2CA00E623972}"/>
                 </a:ext>
               </a:extLst>
             </p:cNvPr>
@@ -13658,7 +13659,7 @@
             <p:cNvPr id="53" name="TextBox 52">
               <a:extLst>
                 <a:ext uri="{FF2B5EF4-FFF2-40B4-BE49-F238E27FC236}">
-                  <a16:creationId xmlns="" xmlns:a16="http://schemas.microsoft.com/office/drawing/2014/main" id="{75621EA3-8E7A-411B-81FC-098BF5452E03}"/>
+                  <a16:creationId xmlns:a16="http://schemas.microsoft.com/office/drawing/2014/main" xmlns="" id="{75621EA3-8E7A-411B-81FC-098BF5452E03}"/>
                 </a:ext>
               </a:extLst>
             </p:cNvPr>
@@ -13700,7 +13701,7 @@
             <p:cNvPr id="55" name="TextBox 54">
               <a:extLst>
                 <a:ext uri="{FF2B5EF4-FFF2-40B4-BE49-F238E27FC236}">
-                  <a16:creationId xmlns="" xmlns:a16="http://schemas.microsoft.com/office/drawing/2014/main" id="{C1FA5586-4F2E-4F6A-A0FA-1855CDED3BDC}"/>
+                  <a16:creationId xmlns:a16="http://schemas.microsoft.com/office/drawing/2014/main" xmlns="" id="{C1FA5586-4F2E-4F6A-A0FA-1855CDED3BDC}"/>
                 </a:ext>
               </a:extLst>
             </p:cNvPr>
@@ -13742,7 +13743,7 @@
             <p:cNvPr id="88" name="TextBox 87">
               <a:extLst>
                 <a:ext uri="{FF2B5EF4-FFF2-40B4-BE49-F238E27FC236}">
-                  <a16:creationId xmlns="" xmlns:a16="http://schemas.microsoft.com/office/drawing/2014/main" id="{141486BF-6F45-441A-95F3-D175221A8176}"/>
+                  <a16:creationId xmlns:a16="http://schemas.microsoft.com/office/drawing/2014/main" xmlns="" id="{141486BF-6F45-441A-95F3-D175221A8176}"/>
                 </a:ext>
               </a:extLst>
             </p:cNvPr>
@@ -13784,7 +13785,7 @@
             <p:cNvPr id="89" name="TextBox 88">
               <a:extLst>
                 <a:ext uri="{FF2B5EF4-FFF2-40B4-BE49-F238E27FC236}">
-                  <a16:creationId xmlns="" xmlns:a16="http://schemas.microsoft.com/office/drawing/2014/main" id="{D1BF9F06-0991-468D-8349-6B35F7061937}"/>
+                  <a16:creationId xmlns:a16="http://schemas.microsoft.com/office/drawing/2014/main" xmlns="" id="{D1BF9F06-0991-468D-8349-6B35F7061937}"/>
                 </a:ext>
               </a:extLst>
             </p:cNvPr>
@@ -13826,7 +13827,7 @@
             <p:cNvPr id="90" name="TextBox 89">
               <a:extLst>
                 <a:ext uri="{FF2B5EF4-FFF2-40B4-BE49-F238E27FC236}">
-                  <a16:creationId xmlns="" xmlns:a16="http://schemas.microsoft.com/office/drawing/2014/main" id="{298D047E-0D35-48CC-B73B-A5246B507DEC}"/>
+                  <a16:creationId xmlns:a16="http://schemas.microsoft.com/office/drawing/2014/main" xmlns="" id="{298D047E-0D35-48CC-B73B-A5246B507DEC}"/>
                 </a:ext>
               </a:extLst>
             </p:cNvPr>
@@ -13868,7 +13869,7 @@
             <p:cNvPr id="91" name="TextBox 90">
               <a:extLst>
                 <a:ext uri="{FF2B5EF4-FFF2-40B4-BE49-F238E27FC236}">
-                  <a16:creationId xmlns="" xmlns:a16="http://schemas.microsoft.com/office/drawing/2014/main" id="{3E688838-CA83-4471-9A4C-650BFD22C65B}"/>
+                  <a16:creationId xmlns:a16="http://schemas.microsoft.com/office/drawing/2014/main" xmlns="" id="{3E688838-CA83-4471-9A4C-650BFD22C65B}"/>
                 </a:ext>
               </a:extLst>
             </p:cNvPr>
@@ -13910,7 +13911,7 @@
             <p:cNvPr id="92" name="TextBox 91">
               <a:extLst>
                 <a:ext uri="{FF2B5EF4-FFF2-40B4-BE49-F238E27FC236}">
-                  <a16:creationId xmlns="" xmlns:a16="http://schemas.microsoft.com/office/drawing/2014/main" id="{9CECF851-F0A1-4282-996C-B5D11CEB5290}"/>
+                  <a16:creationId xmlns:a16="http://schemas.microsoft.com/office/drawing/2014/main" xmlns="" id="{9CECF851-F0A1-4282-996C-B5D11CEB5290}"/>
                 </a:ext>
               </a:extLst>
             </p:cNvPr>
@@ -13952,7 +13953,7 @@
             <p:cNvPr id="94" name="TextBox 93">
               <a:extLst>
                 <a:ext uri="{FF2B5EF4-FFF2-40B4-BE49-F238E27FC236}">
-                  <a16:creationId xmlns="" xmlns:a16="http://schemas.microsoft.com/office/drawing/2014/main" id="{69BC8545-3494-47F8-AF2D-6D5219239A00}"/>
+                  <a16:creationId xmlns:a16="http://schemas.microsoft.com/office/drawing/2014/main" xmlns="" id="{69BC8545-3494-47F8-AF2D-6D5219239A00}"/>
                 </a:ext>
               </a:extLst>
             </p:cNvPr>
@@ -13994,7 +13995,7 @@
             <p:cNvPr id="95" name="TextBox 94">
               <a:extLst>
                 <a:ext uri="{FF2B5EF4-FFF2-40B4-BE49-F238E27FC236}">
-                  <a16:creationId xmlns="" xmlns:a16="http://schemas.microsoft.com/office/drawing/2014/main" id="{FB9808E6-A5DB-4C5B-8EA9-D7841F12F0BE}"/>
+                  <a16:creationId xmlns:a16="http://schemas.microsoft.com/office/drawing/2014/main" xmlns="" id="{FB9808E6-A5DB-4C5B-8EA9-D7841F12F0BE}"/>
                 </a:ext>
               </a:extLst>
             </p:cNvPr>
@@ -14035,7 +14036,7 @@
             <p:cNvPr id="96" name="TextBox 95">
               <a:extLst>
                 <a:ext uri="{FF2B5EF4-FFF2-40B4-BE49-F238E27FC236}">
-                  <a16:creationId xmlns="" xmlns:a16="http://schemas.microsoft.com/office/drawing/2014/main" id="{77FEB70C-285E-44D7-BC63-B77A268499EC}"/>
+                  <a16:creationId xmlns:a16="http://schemas.microsoft.com/office/drawing/2014/main" xmlns="" id="{77FEB70C-285E-44D7-BC63-B77A268499EC}"/>
                 </a:ext>
               </a:extLst>
             </p:cNvPr>
@@ -14077,7 +14078,7 @@
             <p:cNvPr id="97" name="TextBox 96">
               <a:extLst>
                 <a:ext uri="{FF2B5EF4-FFF2-40B4-BE49-F238E27FC236}">
-                  <a16:creationId xmlns="" xmlns:a16="http://schemas.microsoft.com/office/drawing/2014/main" id="{2D586DBC-82ED-4D02-8CDB-898A98F22D29}"/>
+                  <a16:creationId xmlns:a16="http://schemas.microsoft.com/office/drawing/2014/main" xmlns="" id="{2D586DBC-82ED-4D02-8CDB-898A98F22D29}"/>
                 </a:ext>
               </a:extLst>
             </p:cNvPr>
@@ -14119,7 +14120,7 @@
             <p:cNvPr id="98" name="TextBox 97">
               <a:extLst>
                 <a:ext uri="{FF2B5EF4-FFF2-40B4-BE49-F238E27FC236}">
-                  <a16:creationId xmlns="" xmlns:a16="http://schemas.microsoft.com/office/drawing/2014/main" id="{22289A32-88D1-4436-B105-8F109602B5F6}"/>
+                  <a16:creationId xmlns:a16="http://schemas.microsoft.com/office/drawing/2014/main" xmlns="" id="{22289A32-88D1-4436-B105-8F109602B5F6}"/>
                 </a:ext>
               </a:extLst>
             </p:cNvPr>
@@ -14161,7 +14162,7 @@
             <p:cNvPr id="99" name="TextBox 98">
               <a:extLst>
                 <a:ext uri="{FF2B5EF4-FFF2-40B4-BE49-F238E27FC236}">
-                  <a16:creationId xmlns="" xmlns:a16="http://schemas.microsoft.com/office/drawing/2014/main" id="{B378BD5B-1DD8-415E-B876-3BC7241E34FB}"/>
+                  <a16:creationId xmlns:a16="http://schemas.microsoft.com/office/drawing/2014/main" xmlns="" id="{B378BD5B-1DD8-415E-B876-3BC7241E34FB}"/>
                 </a:ext>
               </a:extLst>
             </p:cNvPr>
@@ -14203,7 +14204,7 @@
             <p:cNvPr id="100" name="TextBox 99">
               <a:extLst>
                 <a:ext uri="{FF2B5EF4-FFF2-40B4-BE49-F238E27FC236}">
-                  <a16:creationId xmlns="" xmlns:a16="http://schemas.microsoft.com/office/drawing/2014/main" id="{044ABCD1-0C74-4BB9-AA1C-4AA354CD99A4}"/>
+                  <a16:creationId xmlns:a16="http://schemas.microsoft.com/office/drawing/2014/main" xmlns="" id="{044ABCD1-0C74-4BB9-AA1C-4AA354CD99A4}"/>
                 </a:ext>
               </a:extLst>
             </p:cNvPr>
@@ -14245,7 +14246,7 @@
             <p:cNvPr id="101" name="TextBox 100">
               <a:extLst>
                 <a:ext uri="{FF2B5EF4-FFF2-40B4-BE49-F238E27FC236}">
-                  <a16:creationId xmlns="" xmlns:a16="http://schemas.microsoft.com/office/drawing/2014/main" id="{40BF79D4-31E0-457F-A861-F18F4B134B7E}"/>
+                  <a16:creationId xmlns:a16="http://schemas.microsoft.com/office/drawing/2014/main" xmlns="" id="{40BF79D4-31E0-457F-A861-F18F4B134B7E}"/>
                 </a:ext>
               </a:extLst>
             </p:cNvPr>
@@ -14287,7 +14288,7 @@
             <p:cNvPr id="102" name="TextBox 101">
               <a:extLst>
                 <a:ext uri="{FF2B5EF4-FFF2-40B4-BE49-F238E27FC236}">
-                  <a16:creationId xmlns="" xmlns:a16="http://schemas.microsoft.com/office/drawing/2014/main" id="{B298DBD4-3E3A-4ABA-AD91-E2BFAB365382}"/>
+                  <a16:creationId xmlns:a16="http://schemas.microsoft.com/office/drawing/2014/main" xmlns="" id="{B298DBD4-3E3A-4ABA-AD91-E2BFAB365382}"/>
                 </a:ext>
               </a:extLst>
             </p:cNvPr>
@@ -14324,14 +14325,14 @@
             </a:p>
           </p:txBody>
         </p:sp>
-        <mc:AlternateContent xmlns:mc="http://schemas.openxmlformats.org/markup-compatibility/2006">
-          <mc:Choice xmlns:a14="http://schemas.microsoft.com/office/drawing/2010/main" Requires="a14">
+        <mc:AlternateContent xmlns:mc="http://schemas.openxmlformats.org/markup-compatibility/2006" xmlns:a14="http://schemas.microsoft.com/office/drawing/2010/main">
+          <mc:Choice Requires="a14">
             <p:sp>
               <p:nvSpPr>
                 <p:cNvPr id="103" name="TextBox 102">
                   <a:extLst>
                     <a:ext uri="{FF2B5EF4-FFF2-40B4-BE49-F238E27FC236}">
-                      <a16:creationId xmlns="" xmlns:a16="http://schemas.microsoft.com/office/drawing/2014/main" id="{3460AABE-49C3-4A25-B0A5-5326C3838920}"/>
+                      <a16:creationId xmlns:a16="http://schemas.microsoft.com/office/drawing/2014/main" xmlns="" id="{3460AABE-49C3-4A25-B0A5-5326C3838920}"/>
                     </a:ext>
                   </a:extLst>
                 </p:cNvPr>
@@ -14363,17 +14364,7 @@
                       <a:latin typeface="배달의민족 주아" panose="02020603020101020101" pitchFamily="18" charset="-127"/>
                       <a:ea typeface="배달의민족 주아" panose="02020603020101020101" pitchFamily="18" charset="-127"/>
                     </a:rPr>
-                    <a:t>표본 평균의 </a:t>
-                  </a:r>
-                  <a:r>
-                    <a:rPr lang="ko-KR" altLang="en-US" dirty="0" smtClean="0">
-                      <a:solidFill>
-                        <a:srgbClr val="D779F1"/>
-                      </a:solidFill>
-                      <a:latin typeface="배달의민족 주아" panose="02020603020101020101" pitchFamily="18" charset="-127"/>
-                      <a:ea typeface="배달의민족 주아" panose="02020603020101020101" pitchFamily="18" charset="-127"/>
-                    </a:rPr>
-                    <a:t>차이</a:t>
+                    <a:t>표본 평균의 차이</a:t>
                   </a:r>
                   <a:r>
                     <a:rPr lang="en-US" altLang="ko-KR" dirty="0" smtClean="0">
@@ -14526,7 +14517,7 @@
               </p:txBody>
             </p:sp>
           </mc:Choice>
-          <mc:Fallback>
+          <mc:Fallback xmlns="">
             <p:sp>
               <p:nvSpPr>
                 <p:cNvPr id="103" name="TextBox 102">
@@ -14571,14 +14562,14 @@
             </p:sp>
           </mc:Fallback>
         </mc:AlternateContent>
-        <mc:AlternateContent xmlns:mc="http://schemas.openxmlformats.org/markup-compatibility/2006">
-          <mc:Choice xmlns:a14="http://schemas.microsoft.com/office/drawing/2010/main" Requires="a14">
+        <mc:AlternateContent xmlns:mc="http://schemas.openxmlformats.org/markup-compatibility/2006" xmlns:a14="http://schemas.microsoft.com/office/drawing/2010/main">
+          <mc:Choice Requires="a14">
             <p:sp>
               <p:nvSpPr>
                 <p:cNvPr id="105" name="TextBox 104">
                   <a:extLst>
                     <a:ext uri="{FF2B5EF4-FFF2-40B4-BE49-F238E27FC236}">
-                      <a16:creationId xmlns="" xmlns:a16="http://schemas.microsoft.com/office/drawing/2014/main" id="{637A9EBD-8651-4827-A9C8-718C09951F70}"/>
+                      <a16:creationId xmlns:a16="http://schemas.microsoft.com/office/drawing/2014/main" xmlns="" id="{637A9EBD-8651-4827-A9C8-718C09951F70}"/>
                     </a:ext>
                   </a:extLst>
                 </p:cNvPr>
@@ -14684,7 +14675,7 @@
               </p:txBody>
             </p:sp>
           </mc:Choice>
-          <mc:Fallback>
+          <mc:Fallback xmlns="">
             <p:sp>
               <p:nvSpPr>
                 <p:cNvPr id="105" name="TextBox 104">
@@ -14729,14 +14720,14 @@
             </p:sp>
           </mc:Fallback>
         </mc:AlternateContent>
-        <mc:AlternateContent xmlns:mc="http://schemas.openxmlformats.org/markup-compatibility/2006">
-          <mc:Choice xmlns:a14="http://schemas.microsoft.com/office/drawing/2010/main" Requires="a14">
+        <mc:AlternateContent xmlns:mc="http://schemas.openxmlformats.org/markup-compatibility/2006" xmlns:a14="http://schemas.microsoft.com/office/drawing/2010/main">
+          <mc:Choice Requires="a14">
             <p:sp>
               <p:nvSpPr>
                 <p:cNvPr id="106" name="TextBox 105">
                   <a:extLst>
                     <a:ext uri="{FF2B5EF4-FFF2-40B4-BE49-F238E27FC236}">
-                      <a16:creationId xmlns="" xmlns:a16="http://schemas.microsoft.com/office/drawing/2014/main" id="{30DFB557-63B6-4825-A4E9-AA48679DDB80}"/>
+                      <a16:creationId xmlns:a16="http://schemas.microsoft.com/office/drawing/2014/main" xmlns="" id="{30DFB557-63B6-4825-A4E9-AA48679DDB80}"/>
                     </a:ext>
                   </a:extLst>
                 </p:cNvPr>
@@ -14842,7 +14833,7 @@
               </p:txBody>
             </p:sp>
           </mc:Choice>
-          <mc:Fallback>
+          <mc:Fallback xmlns="">
             <p:sp>
               <p:nvSpPr>
                 <p:cNvPr id="106" name="TextBox 105">
@@ -14892,7 +14883,7 @@
             <p:cNvPr id="107" name="화살표: 왼쪽/오른쪽 6">
               <a:extLst>
                 <a:ext uri="{FF2B5EF4-FFF2-40B4-BE49-F238E27FC236}">
-                  <a16:creationId xmlns="" xmlns:a16="http://schemas.microsoft.com/office/drawing/2014/main" id="{4E12E168-D9FF-4343-B35E-06DA76E44FB7}"/>
+                  <a16:creationId xmlns:a16="http://schemas.microsoft.com/office/drawing/2014/main" xmlns="" id="{4E12E168-D9FF-4343-B35E-06DA76E44FB7}"/>
                 </a:ext>
               </a:extLst>
             </p:cNvPr>
@@ -14950,7 +14941,7 @@
             <p:cNvPr id="110" name="그림 109" descr="텍스트, 클립아트이(가) 표시된 사진&#10;&#10;자동 생성된 설명">
               <a:extLst>
                 <a:ext uri="{FF2B5EF4-FFF2-40B4-BE49-F238E27FC236}">
-                  <a16:creationId xmlns="" xmlns:a16="http://schemas.microsoft.com/office/drawing/2014/main" id="{E1758220-5C9F-485A-936A-7C4BC6ADDEA1}"/>
+                  <a16:creationId xmlns:a16="http://schemas.microsoft.com/office/drawing/2014/main" xmlns="" id="{E1758220-5C9F-485A-936A-7C4BC6ADDEA1}"/>
                 </a:ext>
               </a:extLst>
             </p:cNvPr>
@@ -14994,7 +14985,7 @@
             <p:cNvPr id="111" name="TextBox 110">
               <a:extLst>
                 <a:ext uri="{FF2B5EF4-FFF2-40B4-BE49-F238E27FC236}">
-                  <a16:creationId xmlns="" xmlns:a16="http://schemas.microsoft.com/office/drawing/2014/main" id="{293189C6-EBCC-4C60-9AD9-132E9B8E744E}"/>
+                  <a16:creationId xmlns:a16="http://schemas.microsoft.com/office/drawing/2014/main" xmlns="" id="{293189C6-EBCC-4C60-9AD9-132E9B8E744E}"/>
                 </a:ext>
               </a:extLst>
             </p:cNvPr>
@@ -15056,17 +15047,7 @@
                   <a:latin typeface="배달의민족 주아" panose="02020603020101020101" pitchFamily="18" charset="-127"/>
                   <a:ea typeface="배달의민족 주아" panose="02020603020101020101" pitchFamily="18" charset="-127"/>
                 </a:rPr>
-                <a:t>평균 </a:t>
-              </a:r>
-              <a:r>
-                <a:rPr lang="ko-KR" altLang="en-US" dirty="0" smtClean="0">
-                  <a:solidFill>
-                    <a:srgbClr val="C00000"/>
-                  </a:solidFill>
-                  <a:latin typeface="배달의민족 주아" panose="02020603020101020101" pitchFamily="18" charset="-127"/>
-                  <a:ea typeface="배달의민족 주아" panose="02020603020101020101" pitchFamily="18" charset="-127"/>
-                </a:rPr>
-                <a:t>차이</a:t>
+                <a:t>평균 차이</a:t>
               </a:r>
               <a:r>
                 <a:rPr lang="ko-KR" altLang="en-US" dirty="0">
@@ -15149,7 +15130,7 @@
               <p:cNvPr id="4" name="TextBox 3">
                 <a:extLst>
                   <a:ext uri="{FF2B5EF4-FFF2-40B4-BE49-F238E27FC236}">
-                    <a16:creationId xmlns="" xmlns:a16="http://schemas.microsoft.com/office/drawing/2014/main" id="{1F03C674-C6CF-4F36-B663-F067B8C6A3F1}"/>
+                    <a16:creationId xmlns:a16="http://schemas.microsoft.com/office/drawing/2014/main" xmlns="" id="{1F03C674-C6CF-4F36-B663-F067B8C6A3F1}"/>
                   </a:ext>
                 </a:extLst>
               </p:cNvPr>
@@ -15535,7 +15516,7 @@
           <p:cNvPr id="5" name="사각형: 둥근 모서리 1">
             <a:extLst>
               <a:ext uri="{FF2B5EF4-FFF2-40B4-BE49-F238E27FC236}">
-                <a16:creationId xmlns="" xmlns:a16="http://schemas.microsoft.com/office/drawing/2014/main" id="{2A90EE11-FFDF-4793-BB72-3297684AEC64}"/>
+                <a16:creationId xmlns:a16="http://schemas.microsoft.com/office/drawing/2014/main" xmlns="" id="{2A90EE11-FFDF-4793-BB72-3297684AEC64}"/>
               </a:ext>
             </a:extLst>
           </p:cNvPr>
@@ -15592,7 +15573,7 @@
           <p:cNvPr id="6" name="TextBox 5">
             <a:extLst>
               <a:ext uri="{FF2B5EF4-FFF2-40B4-BE49-F238E27FC236}">
-                <a16:creationId xmlns="" xmlns:a16="http://schemas.microsoft.com/office/drawing/2014/main" id="{64784F93-4521-42EA-8614-1F6026DF9643}"/>
+                <a16:creationId xmlns:a16="http://schemas.microsoft.com/office/drawing/2014/main" xmlns="" id="{64784F93-4521-42EA-8614-1F6026DF9643}"/>
               </a:ext>
             </a:extLst>
           </p:cNvPr>
@@ -15677,7 +15658,7 @@
           <p:cNvPr id="7" name="사각형: 둥근 모서리 7">
             <a:extLst>
               <a:ext uri="{FF2B5EF4-FFF2-40B4-BE49-F238E27FC236}">
-                <a16:creationId xmlns="" xmlns:a16="http://schemas.microsoft.com/office/drawing/2014/main" id="{C9189074-32B1-4A02-B1FB-D9144D6A1906}"/>
+                <a16:creationId xmlns:a16="http://schemas.microsoft.com/office/drawing/2014/main" xmlns="" id="{C9189074-32B1-4A02-B1FB-D9144D6A1906}"/>
               </a:ext>
             </a:extLst>
           </p:cNvPr>
@@ -15730,7 +15711,7 @@
           <p:cNvPr id="8" name="TextBox 7">
             <a:extLst>
               <a:ext uri="{FF2B5EF4-FFF2-40B4-BE49-F238E27FC236}">
-                <a16:creationId xmlns="" xmlns:a16="http://schemas.microsoft.com/office/drawing/2014/main" id="{1F86B288-1C9F-4E2C-B891-CD0BAE381D16}"/>
+                <a16:creationId xmlns:a16="http://schemas.microsoft.com/office/drawing/2014/main" xmlns="" id="{1F86B288-1C9F-4E2C-B891-CD0BAE381D16}"/>
               </a:ext>
             </a:extLst>
           </p:cNvPr>
@@ -15795,7 +15776,7 @@
           <p:cNvPr id="9" name="TextBox 8">
             <a:extLst>
               <a:ext uri="{FF2B5EF4-FFF2-40B4-BE49-F238E27FC236}">
-                <a16:creationId xmlns="" xmlns:a16="http://schemas.microsoft.com/office/drawing/2014/main" id="{EB52B2B1-E82B-41DB-8FAA-67F462520356}"/>
+                <a16:creationId xmlns:a16="http://schemas.microsoft.com/office/drawing/2014/main" xmlns="" id="{EB52B2B1-E82B-41DB-8FAA-67F462520356}"/>
               </a:ext>
             </a:extLst>
           </p:cNvPr>
@@ -15857,7 +15838,7 @@
           <p:cNvPr id="10" name="타원 9">
             <a:extLst>
               <a:ext uri="{FF2B5EF4-FFF2-40B4-BE49-F238E27FC236}">
-                <a16:creationId xmlns="" xmlns:a16="http://schemas.microsoft.com/office/drawing/2014/main" id="{BD4EB803-9313-4680-82FD-41274E7585FC}"/>
+                <a16:creationId xmlns:a16="http://schemas.microsoft.com/office/drawing/2014/main" xmlns="" id="{BD4EB803-9313-4680-82FD-41274E7585FC}"/>
               </a:ext>
             </a:extLst>
           </p:cNvPr>
@@ -15910,7 +15891,7 @@
           <p:cNvPr id="11" name="사각형: 둥근 모서리 1">
             <a:extLst>
               <a:ext uri="{FF2B5EF4-FFF2-40B4-BE49-F238E27FC236}">
-                <a16:creationId xmlns="" xmlns:a16="http://schemas.microsoft.com/office/drawing/2014/main" id="{2A90EE11-FFDF-4793-BB72-3297684AEC64}"/>
+                <a16:creationId xmlns:a16="http://schemas.microsoft.com/office/drawing/2014/main" xmlns="" id="{2A90EE11-FFDF-4793-BB72-3297684AEC64}"/>
               </a:ext>
             </a:extLst>
           </p:cNvPr>
@@ -15967,7 +15948,7 @@
           <p:cNvPr id="12" name="TextBox 11">
             <a:extLst>
               <a:ext uri="{FF2B5EF4-FFF2-40B4-BE49-F238E27FC236}">
-                <a16:creationId xmlns="" xmlns:a16="http://schemas.microsoft.com/office/drawing/2014/main" id="{64784F93-4521-42EA-8614-1F6026DF9643}"/>
+                <a16:creationId xmlns:a16="http://schemas.microsoft.com/office/drawing/2014/main" xmlns="" id="{64784F93-4521-42EA-8614-1F6026DF9643}"/>
               </a:ext>
             </a:extLst>
           </p:cNvPr>
@@ -16031,6 +16012,100 @@
     <p:extLst>
       <p:ext uri="{BB962C8B-B14F-4D97-AF65-F5344CB8AC3E}">
         <p14:creationId xmlns:p14="http://schemas.microsoft.com/office/powerpoint/2010/main" val="4141829518"/>
+      </p:ext>
+    </p:extLst>
+  </p:cSld>
+  <p:clrMapOvr>
+    <a:masterClrMapping/>
+  </p:clrMapOvr>
+</p:sld>
+</file>
+
+<file path=ppt/slides/slide16.xml><?xml version="1.0" encoding="utf-8"?>
+<p:sld xmlns:a="http://schemas.openxmlformats.org/drawingml/2006/main" xmlns:r="http://schemas.openxmlformats.org/officeDocument/2006/relationships" xmlns:p="http://schemas.openxmlformats.org/presentationml/2006/main">
+  <p:cSld>
+    <p:spTree>
+      <p:nvGrpSpPr>
+        <p:cNvPr id="1" name=""/>
+        <p:cNvGrpSpPr/>
+        <p:nvPr/>
+      </p:nvGrpSpPr>
+      <p:grpSpPr>
+        <a:xfrm>
+          <a:off x="0" y="0"/>
+          <a:ext cx="0" cy="0"/>
+          <a:chOff x="0" y="0"/>
+          <a:chExt cx="0" cy="0"/>
+        </a:xfrm>
+      </p:grpSpPr>
+      <p:pic>
+        <p:nvPicPr>
+          <p:cNvPr id="1026" name="Picture 2"/>
+          <p:cNvPicPr>
+            <a:picLocks noChangeAspect="1" noChangeArrowheads="1"/>
+          </p:cNvPicPr>
+          <p:nvPr/>
+        </p:nvPicPr>
+        <p:blipFill>
+          <a:blip r:embed="rId2">
+            <a:extLst>
+              <a:ext uri="{28A0092B-C50C-407E-A947-70E740481C1C}">
+                <a14:useLocalDpi xmlns:a14="http://schemas.microsoft.com/office/drawing/2010/main" val="0"/>
+              </a:ext>
+            </a:extLst>
+          </a:blip>
+          <a:srcRect/>
+          <a:stretch>
+            <a:fillRect/>
+          </a:stretch>
+        </p:blipFill>
+        <p:spPr bwMode="auto">
+          <a:xfrm>
+            <a:off x="1909763" y="576263"/>
+            <a:ext cx="5324475" cy="3990975"/>
+          </a:xfrm>
+          <a:prstGeom prst="rect">
+            <a:avLst/>
+          </a:prstGeom>
+          <a:noFill/>
+          <a:ln>
+            <a:noFill/>
+          </a:ln>
+          <a:effectLst/>
+          <a:extLst>
+            <a:ext uri="{909E8E84-426E-40DD-AFC4-6F175D3DCCD1}">
+              <a14:hiddenFill xmlns:a14="http://schemas.microsoft.com/office/drawing/2010/main">
+                <a:solidFill>
+                  <a:schemeClr val="accent1"/>
+                </a:solidFill>
+              </a14:hiddenFill>
+            </a:ext>
+            <a:ext uri="{91240B29-F687-4F45-9708-019B960494DF}">
+              <a14:hiddenLine xmlns:a14="http://schemas.microsoft.com/office/drawing/2010/main" w="9525">
+                <a:solidFill>
+                  <a:schemeClr val="tx1"/>
+                </a:solidFill>
+                <a:miter lim="800000"/>
+                <a:headEnd/>
+                <a:tailEnd/>
+              </a14:hiddenLine>
+            </a:ext>
+            <a:ext uri="{AF507438-7753-43E0-B8FC-AC1667EBCBE1}">
+              <a14:hiddenEffects xmlns:a14="http://schemas.microsoft.com/office/drawing/2010/main">
+                <a:effectLst>
+                  <a:outerShdw dist="35921" dir="2700000" algn="ctr" rotWithShape="0">
+                    <a:schemeClr val="bg2"/>
+                  </a:outerShdw>
+                </a:effectLst>
+              </a14:hiddenEffects>
+            </a:ext>
+          </a:extLst>
+        </p:spPr>
+      </p:pic>
+    </p:spTree>
+    <p:extLst>
+      <p:ext uri="{BB962C8B-B14F-4D97-AF65-F5344CB8AC3E}">
+        <p14:creationId xmlns:p14="http://schemas.microsoft.com/office/powerpoint/2010/main" val="983435361"/>
       </p:ext>
     </p:extLst>
   </p:cSld>
@@ -16062,7 +16137,7 @@
           <p:cNvPr id="5" name="그림 4">
             <a:extLst>
               <a:ext uri="{FF2B5EF4-FFF2-40B4-BE49-F238E27FC236}">
-                <a16:creationId xmlns="" xmlns:a16="http://schemas.microsoft.com/office/drawing/2014/main" id="{177245CC-9F28-4F8F-BDD7-FF635F76591E}"/>
+                <a16:creationId xmlns:a16="http://schemas.microsoft.com/office/drawing/2014/main" xmlns="" id="{177245CC-9F28-4F8F-BDD7-FF635F76591E}"/>
               </a:ext>
             </a:extLst>
           </p:cNvPr>
@@ -16122,7 +16197,7 @@
           <p:cNvPr id="6" name="그림 5">
             <a:extLst>
               <a:ext uri="{FF2B5EF4-FFF2-40B4-BE49-F238E27FC236}">
-                <a16:creationId xmlns="" xmlns:a16="http://schemas.microsoft.com/office/drawing/2014/main" id="{E6454F4D-04AE-466D-9F07-EFBCB8F7B4AC}"/>
+                <a16:creationId xmlns:a16="http://schemas.microsoft.com/office/drawing/2014/main" xmlns="" id="{E6454F4D-04AE-466D-9F07-EFBCB8F7B4AC}"/>
               </a:ext>
             </a:extLst>
           </p:cNvPr>
@@ -16246,7 +16321,7 @@
           <p:cNvPr id="3" name="TextBox 2">
             <a:extLst>
               <a:ext uri="{FF2B5EF4-FFF2-40B4-BE49-F238E27FC236}">
-                <a16:creationId xmlns="" xmlns:a16="http://schemas.microsoft.com/office/drawing/2014/main" id="{74D05EFA-CCB1-49B4-BF5F-2F1B250DEFAC}"/>
+                <a16:creationId xmlns:a16="http://schemas.microsoft.com/office/drawing/2014/main" xmlns="" id="{74D05EFA-CCB1-49B4-BF5F-2F1B250DEFAC}"/>
               </a:ext>
             </a:extLst>
           </p:cNvPr>
@@ -16312,7 +16387,7 @@
               <p:cNvPr id="8" name="TextBox 7">
                 <a:extLst>
                   <a:ext uri="{FF2B5EF4-FFF2-40B4-BE49-F238E27FC236}">
-                    <a16:creationId xmlns="" xmlns:a16="http://schemas.microsoft.com/office/drawing/2014/main" id="{B3BEB89F-A8AF-4478-B6C3-153D634CDB65}"/>
+                    <a16:creationId xmlns:a16="http://schemas.microsoft.com/office/drawing/2014/main" xmlns="" id="{B3BEB89F-A8AF-4478-B6C3-153D634CDB65}"/>
                   </a:ext>
                 </a:extLst>
               </p:cNvPr>
@@ -16417,7 +16492,7 @@
           <p:cNvPr id="9" name="직선 화살표 연결선 8">
             <a:extLst>
               <a:ext uri="{FF2B5EF4-FFF2-40B4-BE49-F238E27FC236}">
-                <a16:creationId xmlns="" xmlns:a16="http://schemas.microsoft.com/office/drawing/2014/main" id="{23A188F4-F362-4997-AA79-AD40AE7ABD13}"/>
+                <a16:creationId xmlns:a16="http://schemas.microsoft.com/office/drawing/2014/main" xmlns="" id="{23A188F4-F362-4997-AA79-AD40AE7ABD13}"/>
               </a:ext>
             </a:extLst>
           </p:cNvPr>
@@ -16464,7 +16539,7 @@
               <p:cNvPr id="11" name="TextBox 10">
                 <a:extLst>
                   <a:ext uri="{FF2B5EF4-FFF2-40B4-BE49-F238E27FC236}">
-                    <a16:creationId xmlns="" xmlns:a16="http://schemas.microsoft.com/office/drawing/2014/main" id="{F31BB980-3874-45FF-B289-159802235E5D}"/>
+                    <a16:creationId xmlns:a16="http://schemas.microsoft.com/office/drawing/2014/main" xmlns="" id="{F31BB980-3874-45FF-B289-159802235E5D}"/>
                   </a:ext>
                 </a:extLst>
               </p:cNvPr>
@@ -16569,7 +16644,7 @@
           <p:cNvPr id="12" name="직선 화살표 연결선 11">
             <a:extLst>
               <a:ext uri="{FF2B5EF4-FFF2-40B4-BE49-F238E27FC236}">
-                <a16:creationId xmlns="" xmlns:a16="http://schemas.microsoft.com/office/drawing/2014/main" id="{23A188F4-F362-4997-AA79-AD40AE7ABD13}"/>
+                <a16:creationId xmlns:a16="http://schemas.microsoft.com/office/drawing/2014/main" xmlns="" id="{23A188F4-F362-4997-AA79-AD40AE7ABD13}"/>
               </a:ext>
             </a:extLst>
           </p:cNvPr>
@@ -16772,7 +16847,7 @@
           <p:cNvPr id="9" name="TextBox 8">
             <a:extLst>
               <a:ext uri="{FF2B5EF4-FFF2-40B4-BE49-F238E27FC236}">
-                <a16:creationId xmlns="" xmlns:a16="http://schemas.microsoft.com/office/drawing/2014/main" id="{74D05EFA-CCB1-49B4-BF5F-2F1B250DEFAC}"/>
+                <a16:creationId xmlns:a16="http://schemas.microsoft.com/office/drawing/2014/main" xmlns="" id="{74D05EFA-CCB1-49B4-BF5F-2F1B250DEFAC}"/>
               </a:ext>
             </a:extLst>
           </p:cNvPr>
@@ -16822,7 +16897,7 @@
           <p:cNvPr id="10" name="TextBox 9">
             <a:extLst>
               <a:ext uri="{FF2B5EF4-FFF2-40B4-BE49-F238E27FC236}">
-                <a16:creationId xmlns="" xmlns:a16="http://schemas.microsoft.com/office/drawing/2014/main" id="{F8DE88EA-4DD8-4194-801B-0C749D0A581F}"/>
+                <a16:creationId xmlns:a16="http://schemas.microsoft.com/office/drawing/2014/main" xmlns="" id="{F8DE88EA-4DD8-4194-801B-0C749D0A581F}"/>
               </a:ext>
             </a:extLst>
           </p:cNvPr>
@@ -16872,7 +16947,7 @@
           <p:cNvPr id="12" name="직선 화살표 연결선 11">
             <a:extLst>
               <a:ext uri="{FF2B5EF4-FFF2-40B4-BE49-F238E27FC236}">
-                <a16:creationId xmlns="" xmlns:a16="http://schemas.microsoft.com/office/drawing/2014/main" id="{23A188F4-F362-4997-AA79-AD40AE7ABD13}"/>
+                <a16:creationId xmlns:a16="http://schemas.microsoft.com/office/drawing/2014/main" xmlns="" id="{23A188F4-F362-4997-AA79-AD40AE7ABD13}"/>
               </a:ext>
             </a:extLst>
           </p:cNvPr>
@@ -16917,7 +16992,7 @@
           <p:cNvPr id="15" name="직선 화살표 연결선 14">
             <a:extLst>
               <a:ext uri="{FF2B5EF4-FFF2-40B4-BE49-F238E27FC236}">
-                <a16:creationId xmlns="" xmlns:a16="http://schemas.microsoft.com/office/drawing/2014/main" id="{0A3A50EE-392C-4705-A30D-BA21B1E8A26A}"/>
+                <a16:creationId xmlns:a16="http://schemas.microsoft.com/office/drawing/2014/main" xmlns="" id="{0A3A50EE-392C-4705-A30D-BA21B1E8A26A}"/>
               </a:ext>
             </a:extLst>
           </p:cNvPr>
@@ -16964,7 +17039,7 @@
               <p:cNvPr id="16" name="TextBox 15">
                 <a:extLst>
                   <a:ext uri="{FF2B5EF4-FFF2-40B4-BE49-F238E27FC236}">
-                    <a16:creationId xmlns="" xmlns:a16="http://schemas.microsoft.com/office/drawing/2014/main" id="{B3BEB89F-A8AF-4478-B6C3-153D634CDB65}"/>
+                    <a16:creationId xmlns:a16="http://schemas.microsoft.com/office/drawing/2014/main" xmlns="" id="{B3BEB89F-A8AF-4478-B6C3-153D634CDB65}"/>
                   </a:ext>
                 </a:extLst>
               </p:cNvPr>
@@ -17069,7 +17144,7 @@
           <p:cNvPr id="24" name="직선 화살표 연결선 23">
             <a:extLst>
               <a:ext uri="{FF2B5EF4-FFF2-40B4-BE49-F238E27FC236}">
-                <a16:creationId xmlns="" xmlns:a16="http://schemas.microsoft.com/office/drawing/2014/main" id="{AE4EE2AE-D8F7-4FD0-A389-BCC26858631F}"/>
+                <a16:creationId xmlns:a16="http://schemas.microsoft.com/office/drawing/2014/main" xmlns="" id="{AE4EE2AE-D8F7-4FD0-A389-BCC26858631F}"/>
               </a:ext>
             </a:extLst>
           </p:cNvPr>
@@ -17116,7 +17191,7 @@
               <p:cNvPr id="25" name="TextBox 24">
                 <a:extLst>
                   <a:ext uri="{FF2B5EF4-FFF2-40B4-BE49-F238E27FC236}">
-                    <a16:creationId xmlns="" xmlns:a16="http://schemas.microsoft.com/office/drawing/2014/main" id="{B97BD5BE-BAE5-4A67-B0B9-F5A315457A3D}"/>
+                    <a16:creationId xmlns:a16="http://schemas.microsoft.com/office/drawing/2014/main" xmlns="" id="{B97BD5BE-BAE5-4A67-B0B9-F5A315457A3D}"/>
                   </a:ext>
                 </a:extLst>
               </p:cNvPr>
@@ -17221,7 +17296,7 @@
           <p:cNvPr id="26" name="TextBox 25">
             <a:extLst>
               <a:ext uri="{FF2B5EF4-FFF2-40B4-BE49-F238E27FC236}">
-                <a16:creationId xmlns="" xmlns:a16="http://schemas.microsoft.com/office/drawing/2014/main" id="{CB434C2C-03AB-4616-80A1-A55C5A269E6E}"/>
+                <a16:creationId xmlns:a16="http://schemas.microsoft.com/office/drawing/2014/main" xmlns="" id="{CB434C2C-03AB-4616-80A1-A55C5A269E6E}"/>
               </a:ext>
             </a:extLst>
           </p:cNvPr>
@@ -17334,7 +17409,7 @@
           <p:cNvPr id="27" name="직선 화살표 연결선 26">
             <a:extLst>
               <a:ext uri="{FF2B5EF4-FFF2-40B4-BE49-F238E27FC236}">
-                <a16:creationId xmlns="" xmlns:a16="http://schemas.microsoft.com/office/drawing/2014/main" id="{A1C83BC5-CD72-4402-A822-571C7099DA75}"/>
+                <a16:creationId xmlns:a16="http://schemas.microsoft.com/office/drawing/2014/main" xmlns="" id="{A1C83BC5-CD72-4402-A822-571C7099DA75}"/>
               </a:ext>
             </a:extLst>
           </p:cNvPr>
@@ -17381,7 +17456,7 @@
               <p:cNvPr id="28" name="TextBox 27">
                 <a:extLst>
                   <a:ext uri="{FF2B5EF4-FFF2-40B4-BE49-F238E27FC236}">
-                    <a16:creationId xmlns="" xmlns:a16="http://schemas.microsoft.com/office/drawing/2014/main" id="{61E81D9F-AA9E-4174-AC1E-B87D76501210}"/>
+                    <a16:creationId xmlns:a16="http://schemas.microsoft.com/office/drawing/2014/main" xmlns="" id="{61E81D9F-AA9E-4174-AC1E-B87D76501210}"/>
                   </a:ext>
                 </a:extLst>
               </p:cNvPr>
@@ -17488,7 +17563,7 @@
               <p:cNvPr id="17" name="TextBox 16">
                 <a:extLst>
                   <a:ext uri="{FF2B5EF4-FFF2-40B4-BE49-F238E27FC236}">
-                    <a16:creationId xmlns="" xmlns:a16="http://schemas.microsoft.com/office/drawing/2014/main" id="{B3BEB89F-A8AF-4478-B6C3-153D634CDB65}"/>
+                    <a16:creationId xmlns:a16="http://schemas.microsoft.com/office/drawing/2014/main" xmlns="" id="{B3BEB89F-A8AF-4478-B6C3-153D634CDB65}"/>
                   </a:ext>
                 </a:extLst>
               </p:cNvPr>
@@ -17623,7 +17698,7 @@
           <p:cNvPr id="1026" name="Picture 2">
             <a:extLst>
               <a:ext uri="{FF2B5EF4-FFF2-40B4-BE49-F238E27FC236}">
-                <a16:creationId xmlns="" xmlns:a16="http://schemas.microsoft.com/office/drawing/2014/main" id="{F7A1AD63-4F58-407D-9227-A858A14DD405}"/>
+                <a16:creationId xmlns:a16="http://schemas.microsoft.com/office/drawing/2014/main" xmlns="" id="{F7A1AD63-4F58-407D-9227-A858A14DD405}"/>
               </a:ext>
             </a:extLst>
           </p:cNvPr>
@@ -17668,7 +17743,7 @@
           <p:cNvPr id="6" name="직사각형 5">
             <a:extLst>
               <a:ext uri="{FF2B5EF4-FFF2-40B4-BE49-F238E27FC236}">
-                <a16:creationId xmlns="" xmlns:a16="http://schemas.microsoft.com/office/drawing/2014/main" id="{857B5521-EF3A-46FF-8F95-B68A07DB5518}"/>
+                <a16:creationId xmlns:a16="http://schemas.microsoft.com/office/drawing/2014/main" xmlns="" id="{857B5521-EF3A-46FF-8F95-B68A07DB5518}"/>
               </a:ext>
             </a:extLst>
           </p:cNvPr>
@@ -17720,7 +17795,7 @@
           <p:cNvPr id="8" name="직사각형 7">
             <a:extLst>
               <a:ext uri="{FF2B5EF4-FFF2-40B4-BE49-F238E27FC236}">
-                <a16:creationId xmlns="" xmlns:a16="http://schemas.microsoft.com/office/drawing/2014/main" id="{4AE9AA44-9AAF-4B79-84FA-756B05BAD5E6}"/>
+                <a16:creationId xmlns:a16="http://schemas.microsoft.com/office/drawing/2014/main" xmlns="" id="{4AE9AA44-9AAF-4B79-84FA-756B05BAD5E6}"/>
               </a:ext>
             </a:extLst>
           </p:cNvPr>
@@ -17772,7 +17847,7 @@
           <p:cNvPr id="9" name="직사각형 8">
             <a:extLst>
               <a:ext uri="{FF2B5EF4-FFF2-40B4-BE49-F238E27FC236}">
-                <a16:creationId xmlns="" xmlns:a16="http://schemas.microsoft.com/office/drawing/2014/main" id="{1811F6B1-D2E8-4CF0-8577-B558A14B3288}"/>
+                <a16:creationId xmlns:a16="http://schemas.microsoft.com/office/drawing/2014/main" xmlns="" id="{1811F6B1-D2E8-4CF0-8577-B558A14B3288}"/>
               </a:ext>
             </a:extLst>
           </p:cNvPr>
@@ -17824,7 +17899,7 @@
           <p:cNvPr id="10" name="직사각형 9">
             <a:extLst>
               <a:ext uri="{FF2B5EF4-FFF2-40B4-BE49-F238E27FC236}